--- a/ps/ps_images.pptx
+++ b/ps/ps_images.pptx
@@ -105,6 +105,11 @@
       </a:defRPr>
     </a:lvl9pPr>
   </p:defaultTextStyle>
+  <p:extLst>
+    <p:ext uri="{EFAFB233-063F-42B5-8137-9DF3F51BA10A}">
+      <p15:sldGuideLst xmlns:p15="http://schemas.microsoft.com/office/powerpoint/2012/main"/>
+    </p:ext>
+  </p:extLst>
 </p:presentation>
 </file>
 
@@ -3338,8 +3343,8 @@
             </p:nvSpPr>
             <p:spPr>
               <a:xfrm>
-                <a:off x="352216" y="3735364"/>
-                <a:ext cx="11653447" cy="1015663"/>
+                <a:off x="0" y="3429000"/>
+                <a:ext cx="11760591" cy="2492990"/>
               </a:xfrm>
               <a:prstGeom prst="rect">
                 <a:avLst/>
@@ -3347,11 +3352,16 @@
               <a:noFill/>
             </p:spPr>
             <p:txBody>
-              <a:bodyPr wrap="none" lIns="0" tIns="0" rIns="0" bIns="0" rtlCol="0">
+              <a:bodyPr wrap="square" lIns="0" tIns="0" rIns="0" bIns="0" rtlCol="0">
                 <a:spAutoFit/>
               </a:bodyPr>
               <a:lstStyle/>
               <a:p>
+                <a:pPr>
+                  <a:lnSpc>
+                    <a:spcPct val="150000"/>
+                  </a:lnSpc>
+                </a:pPr>
                 <a14:m>
                   <m:oMathPara xmlns:m="http://schemas.openxmlformats.org/officeDocument/2006/math">
                     <m:oMathParaPr>
@@ -3359,7 +3369,7 @@
                     </m:oMathParaPr>
                     <m:oMath xmlns:m="http://schemas.openxmlformats.org/officeDocument/2006/math">
                       <m:r>
-                        <a:rPr lang="en-US" sz="6600" b="0" i="1" smtClean="0">
+                        <a:rPr lang="en-US" sz="5400" b="0" i="1" smtClean="0">
                           <a:latin typeface="Cambria Math" panose="02040503050406030204" pitchFamily="18" charset="0"/>
                         </a:rPr>
                         <m:t>𝐸</m:t>
@@ -3367,14 +3377,14 @@
                       <m:d>
                         <m:dPr>
                           <m:ctrlPr>
-                            <a:rPr lang="en-US" sz="6600" b="0" i="1" smtClean="0">
+                            <a:rPr lang="en-US" sz="5400" i="1">
                               <a:latin typeface="Cambria Math" panose="02040503050406030204" pitchFamily="18" charset="0"/>
                             </a:rPr>
                           </m:ctrlPr>
                         </m:dPr>
                         <m:e>
                           <m:r>
-                            <a:rPr lang="en-US" sz="6600" b="0" i="1" smtClean="0">
+                            <a:rPr lang="en-US" sz="5400" i="1">
                               <a:solidFill>
                                 <a:srgbClr val="C00000"/>
                               </a:solidFill>
@@ -3382,16 +3392,228 @@
                             </a:rPr>
                             <m:t>𝑋</m:t>
                           </m:r>
+                          <m:r>
+                            <a:rPr lang="en-US" sz="5400" i="1">
+                              <a:latin typeface="Cambria Math" panose="02040503050406030204" pitchFamily="18" charset="0"/>
+                            </a:rPr>
+                            <m:t>+</m:t>
+                          </m:r>
+                          <m:r>
+                            <a:rPr lang="en-US" sz="5400" i="1">
+                              <a:solidFill>
+                                <a:srgbClr val="002060"/>
+                              </a:solidFill>
+                              <a:latin typeface="Cambria Math" panose="02040503050406030204" pitchFamily="18" charset="0"/>
+                            </a:rPr>
+                            <m:t>𝑌</m:t>
+                          </m:r>
                         </m:e>
                       </m:d>
                       <m:r>
-                        <a:rPr lang="en-US" sz="6600" i="1" smtClean="0">
+                        <a:rPr lang="en-US" sz="5400" i="1" smtClean="0">
                           <a:latin typeface="Cambria Math" panose="02040503050406030204" pitchFamily="18" charset="0"/>
                         </a:rPr>
                         <m:t>=</m:t>
                       </m:r>
+                      <m:d>
+                        <m:dPr>
+                          <m:ctrlPr>
+                            <a:rPr lang="en-US" sz="5400" i="1" smtClean="0">
+                              <a:solidFill>
+                                <a:schemeClr val="tx1"/>
+                              </a:solidFill>
+                              <a:latin typeface="Cambria Math" panose="02040503050406030204" pitchFamily="18" charset="0"/>
+                            </a:rPr>
+                          </m:ctrlPr>
+                        </m:dPr>
+                        <m:e>
+                          <m:r>
+                            <a:rPr lang="en-US" sz="5400" i="1" smtClean="0">
+                              <a:solidFill>
+                                <a:srgbClr val="C00000"/>
+                              </a:solidFill>
+                              <a:latin typeface="Cambria Math" panose="02040503050406030204" pitchFamily="18" charset="0"/>
+                            </a:rPr>
+                            <m:t>𝑥</m:t>
+                          </m:r>
+                          <m:r>
+                            <a:rPr lang="en-US" sz="5400" i="1" baseline="-25000">
+                              <a:solidFill>
+                                <a:srgbClr val="C00000"/>
+                              </a:solidFill>
+                              <a:latin typeface="Cambria Math" panose="02040503050406030204" pitchFamily="18" charset="0"/>
+                            </a:rPr>
+                            <m:t>𝑖</m:t>
+                          </m:r>
+                          <m:r>
+                            <a:rPr lang="en-US" sz="5400" i="1">
+                              <a:solidFill>
+                                <a:schemeClr val="tx1"/>
+                              </a:solidFill>
+                              <a:latin typeface="Cambria Math" panose="02040503050406030204" pitchFamily="18" charset="0"/>
+                            </a:rPr>
+                            <m:t>+</m:t>
+                          </m:r>
+                          <m:r>
+                            <a:rPr lang="en-US" sz="5400" i="1" smtClean="0">
+                              <a:solidFill>
+                                <a:srgbClr val="002060"/>
+                              </a:solidFill>
+                              <a:latin typeface="Cambria Math" panose="02040503050406030204" pitchFamily="18" charset="0"/>
+                            </a:rPr>
+                            <m:t>𝑦</m:t>
+                          </m:r>
+                          <m:r>
+                            <a:rPr lang="en-US" sz="5400" i="1" baseline="-25000">
+                              <a:solidFill>
+                                <a:srgbClr val="002060"/>
+                              </a:solidFill>
+                              <a:latin typeface="Cambria Math" panose="02040503050406030204" pitchFamily="18" charset="0"/>
+                            </a:rPr>
+                            <m:t>𝑖</m:t>
+                          </m:r>
+                        </m:e>
+                      </m:d>
                       <m:r>
-                        <a:rPr lang="en-US" sz="6600" b="0" i="1" smtClean="0">
+                        <a:rPr lang="en-US" sz="5400" b="0" i="1" smtClean="0">
+                          <a:solidFill>
+                            <a:srgbClr val="7030A0"/>
+                          </a:solidFill>
+                          <a:latin typeface="Cambria Math" panose="02040503050406030204" pitchFamily="18" charset="0"/>
+                        </a:rPr>
+                        <m:t>𝑝</m:t>
+                      </m:r>
+                      <m:r>
+                        <a:rPr lang="en-US" sz="5400" b="0" i="1" baseline="-25000" smtClean="0">
+                          <a:solidFill>
+                            <a:srgbClr val="7030A0"/>
+                          </a:solidFill>
+                          <a:latin typeface="Cambria Math" panose="02040503050406030204" pitchFamily="18" charset="0"/>
+                        </a:rPr>
+                        <m:t>1</m:t>
+                      </m:r>
+                      <m:r>
+                        <a:rPr lang="en-US" sz="5400" b="0" i="1" smtClean="0">
+                          <a:latin typeface="Cambria Math" panose="02040503050406030204" pitchFamily="18" charset="0"/>
+                        </a:rPr>
+                        <m:t>+</m:t>
+                      </m:r>
+                      <m:d>
+                        <m:dPr>
+                          <m:ctrlPr>
+                            <a:rPr lang="en-US" sz="5400" b="0" i="1" smtClean="0">
+                              <a:solidFill>
+                                <a:schemeClr val="tx1"/>
+                              </a:solidFill>
+                              <a:latin typeface="Cambria Math" panose="02040503050406030204" pitchFamily="18" charset="0"/>
+                            </a:rPr>
+                          </m:ctrlPr>
+                        </m:dPr>
+                        <m:e>
+                          <m:r>
+                            <a:rPr lang="en-US" sz="5400" i="1" smtClean="0">
+                              <a:solidFill>
+                                <a:srgbClr val="C00000"/>
+                              </a:solidFill>
+                              <a:latin typeface="Cambria Math" panose="02040503050406030204" pitchFamily="18" charset="0"/>
+                            </a:rPr>
+                            <m:t>𝑥</m:t>
+                          </m:r>
+                          <m:r>
+                            <a:rPr lang="en-US" sz="5400" b="0" i="1" baseline="-25000" smtClean="0">
+                              <a:solidFill>
+                                <a:srgbClr val="C00000"/>
+                              </a:solidFill>
+                              <a:latin typeface="Cambria Math" panose="02040503050406030204" pitchFamily="18" charset="0"/>
+                            </a:rPr>
+                            <m:t>2</m:t>
+                          </m:r>
+                          <m:r>
+                            <a:rPr lang="en-US" sz="5400" i="1">
+                              <a:solidFill>
+                                <a:schemeClr val="tx1"/>
+                              </a:solidFill>
+                              <a:latin typeface="Cambria Math" panose="02040503050406030204" pitchFamily="18" charset="0"/>
+                            </a:rPr>
+                            <m:t>+</m:t>
+                          </m:r>
+                          <m:r>
+                            <a:rPr lang="en-US" sz="5400" i="1" smtClean="0">
+                              <a:solidFill>
+                                <a:srgbClr val="002060"/>
+                              </a:solidFill>
+                              <a:latin typeface="Cambria Math" panose="02040503050406030204" pitchFamily="18" charset="0"/>
+                            </a:rPr>
+                            <m:t>𝑦</m:t>
+                          </m:r>
+                          <m:r>
+                            <a:rPr lang="en-US" sz="5400" b="0" i="1" baseline="-25000" smtClean="0">
+                              <a:solidFill>
+                                <a:srgbClr val="002060"/>
+                              </a:solidFill>
+                              <a:latin typeface="Cambria Math" panose="02040503050406030204" pitchFamily="18" charset="0"/>
+                            </a:rPr>
+                            <m:t>2</m:t>
+                          </m:r>
+                        </m:e>
+                      </m:d>
+                      <m:r>
+                        <a:rPr lang="en-US" sz="5400" b="0" i="1" smtClean="0">
+                          <a:solidFill>
+                            <a:srgbClr val="7030A0"/>
+                          </a:solidFill>
+                          <a:latin typeface="Cambria Math" panose="02040503050406030204" pitchFamily="18" charset="0"/>
+                        </a:rPr>
+                        <m:t>𝑝</m:t>
+                      </m:r>
+                      <m:r>
+                        <a:rPr lang="en-US" sz="5400" b="0" i="1" baseline="-25000" smtClean="0">
+                          <a:solidFill>
+                            <a:srgbClr val="7030A0"/>
+                          </a:solidFill>
+                          <a:latin typeface="Cambria Math" panose="02040503050406030204" pitchFamily="18" charset="0"/>
+                        </a:rPr>
+                        <m:t>2</m:t>
+                      </m:r>
+                      <m:r>
+                        <a:rPr lang="en-US" sz="5400" b="0" i="1" smtClean="0">
+                          <a:latin typeface="Cambria Math" panose="02040503050406030204" pitchFamily="18" charset="0"/>
+                        </a:rPr>
+                        <m:t>+</m:t>
+                      </m:r>
+                    </m:oMath>
+                  </m:oMathPara>
+                </a14:m>
+                <a:endParaRPr lang="en-US" sz="5400" b="0" i="1">
+                  <a:latin typeface="Cambria Math" panose="02040503050406030204" pitchFamily="18" charset="0"/>
+                </a:endParaRPr>
+              </a:p>
+              <a:p>
+                <a:pPr>
+                  <a:lnSpc>
+                    <a:spcPct val="150000"/>
+                  </a:lnSpc>
+                </a:pPr>
+                <a14:m>
+                  <m:oMathPara xmlns:m="http://schemas.openxmlformats.org/officeDocument/2006/math">
+                    <m:oMathParaPr>
+                      <m:jc m:val="centerGroup"/>
+                    </m:oMathParaPr>
+                    <m:oMath xmlns:m="http://schemas.openxmlformats.org/officeDocument/2006/math">
+                      <m:r>
+                        <a:rPr lang="en-US" sz="5400" b="0" i="1" smtClean="0">
+                          <a:latin typeface="Cambria Math" panose="02040503050406030204" pitchFamily="18" charset="0"/>
+                        </a:rPr>
+                        <m:t>…+</m:t>
+                      </m:r>
+                      <m:r>
+                        <a:rPr lang="en-US" sz="5400" i="1">
+                          <a:latin typeface="Cambria Math" panose="02040503050406030204" pitchFamily="18" charset="0"/>
+                        </a:rPr>
+                        <m:t>(</m:t>
+                      </m:r>
+                      <m:r>
+                        <a:rPr lang="en-US" sz="5400" i="1">
                           <a:solidFill>
                             <a:srgbClr val="C00000"/>
                           </a:solidFill>
@@ -3400,16 +3622,46 @@
                         <m:t>𝑥</m:t>
                       </m:r>
                       <m:r>
-                        <a:rPr lang="en-US" sz="6600" b="0" i="1" baseline="-25000" smtClean="0">
+                        <a:rPr lang="en-US" sz="5400" i="1" baseline="-25000">
                           <a:solidFill>
                             <a:srgbClr val="C00000"/>
                           </a:solidFill>
                           <a:latin typeface="Cambria Math" panose="02040503050406030204" pitchFamily="18" charset="0"/>
                         </a:rPr>
-                        <m:t>1</m:t>
+                        <m:t>𝑖</m:t>
                       </m:r>
                       <m:r>
-                        <a:rPr lang="en-US" sz="6600" b="0" i="1" smtClean="0">
+                        <a:rPr lang="en-US" sz="5400" i="1">
+                          <a:latin typeface="Cambria Math" panose="02040503050406030204" pitchFamily="18" charset="0"/>
+                        </a:rPr>
+                        <m:t>+</m:t>
+                      </m:r>
+                      <m:r>
+                        <a:rPr lang="en-US" sz="5400" i="1">
+                          <a:solidFill>
+                            <a:srgbClr val="002060"/>
+                          </a:solidFill>
+                          <a:latin typeface="Cambria Math" panose="02040503050406030204" pitchFamily="18" charset="0"/>
+                        </a:rPr>
+                        <m:t>𝑦</m:t>
+                      </m:r>
+                      <m:r>
+                        <a:rPr lang="en-US" sz="5400" i="1" baseline="-25000">
+                          <a:solidFill>
+                            <a:srgbClr val="002060"/>
+                          </a:solidFill>
+                          <a:latin typeface="Cambria Math" panose="02040503050406030204" pitchFamily="18" charset="0"/>
+                        </a:rPr>
+                        <m:t>𝑖</m:t>
+                      </m:r>
+                      <m:r>
+                        <a:rPr lang="en-US" sz="5400" i="1">
+                          <a:latin typeface="Cambria Math" panose="02040503050406030204" pitchFamily="18" charset="0"/>
+                        </a:rPr>
+                        <m:t>)</m:t>
+                      </m:r>
+                      <m:r>
+                        <a:rPr lang="en-US" sz="5400" b="0" i="1" smtClean="0">
                           <a:solidFill>
                             <a:srgbClr val="7030A0"/>
                           </a:solidFill>
@@ -3418,91 +3670,7 @@
                         <m:t>𝑝</m:t>
                       </m:r>
                       <m:r>
-                        <a:rPr lang="en-US" sz="6600" b="0" i="1" baseline="-25000" smtClean="0">
-                          <a:solidFill>
-                            <a:srgbClr val="7030A0"/>
-                          </a:solidFill>
-                          <a:latin typeface="Cambria Math" panose="02040503050406030204" pitchFamily="18" charset="0"/>
-                        </a:rPr>
-                        <m:t>1</m:t>
-                      </m:r>
-                      <m:r>
-                        <a:rPr lang="en-US" sz="6600" b="0" i="1" smtClean="0">
-                          <a:latin typeface="Cambria Math" panose="02040503050406030204" pitchFamily="18" charset="0"/>
-                        </a:rPr>
-                        <m:t>+</m:t>
-                      </m:r>
-                      <m:r>
-                        <a:rPr lang="en-US" sz="6600" b="0" i="1" smtClean="0">
-                          <a:solidFill>
-                            <a:srgbClr val="C00000"/>
-                          </a:solidFill>
-                          <a:latin typeface="Cambria Math" panose="02040503050406030204" pitchFamily="18" charset="0"/>
-                        </a:rPr>
-                        <m:t>𝑥</m:t>
-                      </m:r>
-                      <m:r>
-                        <a:rPr lang="en-US" sz="6600" b="0" i="1" baseline="-25000" smtClean="0">
-                          <a:solidFill>
-                            <a:srgbClr val="C00000"/>
-                          </a:solidFill>
-                          <a:latin typeface="Cambria Math" panose="02040503050406030204" pitchFamily="18" charset="0"/>
-                        </a:rPr>
-                        <m:t>2</m:t>
-                      </m:r>
-                      <m:r>
-                        <a:rPr lang="en-US" sz="6600" b="0" i="1" smtClean="0">
-                          <a:solidFill>
-                            <a:srgbClr val="7030A0"/>
-                          </a:solidFill>
-                          <a:latin typeface="Cambria Math" panose="02040503050406030204" pitchFamily="18" charset="0"/>
-                        </a:rPr>
-                        <m:t>𝑝</m:t>
-                      </m:r>
-                      <m:r>
-                        <a:rPr lang="en-US" sz="6600" b="0" i="1" baseline="-25000" smtClean="0">
-                          <a:solidFill>
-                            <a:srgbClr val="7030A0"/>
-                          </a:solidFill>
-                          <a:latin typeface="Cambria Math" panose="02040503050406030204" pitchFamily="18" charset="0"/>
-                        </a:rPr>
-                        <m:t>2</m:t>
-                      </m:r>
-                      <m:r>
-                        <a:rPr lang="en-US" sz="6600" b="0" i="1" smtClean="0">
-                          <a:latin typeface="Cambria Math" panose="02040503050406030204" pitchFamily="18" charset="0"/>
-                        </a:rPr>
-                        <m:t>+…+</m:t>
-                      </m:r>
-                      <m:r>
-                        <a:rPr lang="en-US" sz="6600" b="0" i="1" smtClean="0">
-                          <a:solidFill>
-                            <a:srgbClr val="C00000"/>
-                          </a:solidFill>
-                          <a:latin typeface="Cambria Math" panose="02040503050406030204" pitchFamily="18" charset="0"/>
-                        </a:rPr>
-                        <m:t>𝑥</m:t>
-                      </m:r>
-                      <m:r>
-                        <a:rPr lang="en-US" sz="6600" b="0" i="1" baseline="-25000" smtClean="0">
-                          <a:solidFill>
-                            <a:srgbClr val="C00000"/>
-                          </a:solidFill>
-                          <a:latin typeface="Cambria Math" panose="02040503050406030204" pitchFamily="18" charset="0"/>
-                        </a:rPr>
-                        <m:t>𝑘</m:t>
-                      </m:r>
-                      <m:r>
-                        <a:rPr lang="en-US" sz="6600" b="0" i="1" smtClean="0">
-                          <a:solidFill>
-                            <a:srgbClr val="7030A0"/>
-                          </a:solidFill>
-                          <a:latin typeface="Cambria Math" panose="02040503050406030204" pitchFamily="18" charset="0"/>
-                        </a:rPr>
-                        <m:t>𝑝</m:t>
-                      </m:r>
-                      <m:r>
-                        <a:rPr lang="en-US" sz="6600" b="0" i="1" baseline="-25000" smtClean="0">
+                        <a:rPr lang="en-US" sz="5400" b="0" i="1" baseline="-25000" smtClean="0">
                           <a:solidFill>
                             <a:srgbClr val="7030A0"/>
                           </a:solidFill>
@@ -3513,7 +3681,7 @@
                     </m:oMath>
                   </m:oMathPara>
                 </a14:m>
-                <a:endParaRPr lang="en-US" sz="6600"/>
+                <a:endParaRPr lang="en-US" sz="5400"/>
               </a:p>
             </p:txBody>
           </p:sp>
@@ -3535,8 +3703,8 @@
             </p:nvSpPr>
             <p:spPr>
               <a:xfrm>
-                <a:off x="352216" y="3735364"/>
-                <a:ext cx="11653447" cy="1015663"/>
+                <a:off x="0" y="3429000"/>
+                <a:ext cx="11760591" cy="2492990"/>
               </a:xfrm>
               <a:prstGeom prst="rect">
                 <a:avLst/>
@@ -3579,8 +3747,8 @@
             </p:nvSpPr>
             <p:spPr>
               <a:xfrm>
-                <a:off x="352216" y="380745"/>
-                <a:ext cx="5695341" cy="2876300"/>
+                <a:off x="0" y="619895"/>
+                <a:ext cx="7781617" cy="2353401"/>
               </a:xfrm>
               <a:prstGeom prst="rect">
                 <a:avLst/>
@@ -3593,6 +3761,7 @@
               </a:bodyPr>
               <a:lstStyle/>
               <a:p>
+                <a:pPr/>
                 <a14:m>
                   <m:oMathPara xmlns:m="http://schemas.openxmlformats.org/officeDocument/2006/math">
                     <m:oMathParaPr>
@@ -3600,7 +3769,7 @@
                     </m:oMathParaPr>
                     <m:oMath xmlns:m="http://schemas.openxmlformats.org/officeDocument/2006/math">
                       <m:r>
-                        <a:rPr lang="en-US" sz="6600" b="0" i="1" smtClean="0">
+                        <a:rPr lang="en-US" sz="5400" b="0" i="1" smtClean="0">
                           <a:latin typeface="Cambria Math" panose="02040503050406030204" pitchFamily="18" charset="0"/>
                         </a:rPr>
                         <m:t>𝐸</m:t>
@@ -3608,14 +3777,14 @@
                       <m:d>
                         <m:dPr>
                           <m:ctrlPr>
-                            <a:rPr lang="en-US" sz="6600" b="0" i="1" smtClean="0">
+                            <a:rPr lang="en-US" sz="5400" b="0" i="1" smtClean="0">
                               <a:latin typeface="Cambria Math" panose="02040503050406030204" pitchFamily="18" charset="0"/>
                             </a:rPr>
                           </m:ctrlPr>
                         </m:dPr>
                         <m:e>
                           <m:r>
-                            <a:rPr lang="en-US" sz="6600" b="0" i="1" smtClean="0">
+                            <a:rPr lang="en-US" sz="5400" b="0" i="1" smtClean="0">
                               <a:solidFill>
                                 <a:srgbClr val="C00000"/>
                               </a:solidFill>
@@ -3623,10 +3792,28 @@
                             </a:rPr>
                             <m:t>𝑋</m:t>
                           </m:r>
+                          <m:r>
+                            <a:rPr lang="en-US" sz="5400" b="0" i="1" smtClean="0">
+                              <a:solidFill>
+                                <a:schemeClr val="tx1"/>
+                              </a:solidFill>
+                              <a:latin typeface="Cambria Math" panose="02040503050406030204" pitchFamily="18" charset="0"/>
+                            </a:rPr>
+                            <m:t>+</m:t>
+                          </m:r>
+                          <m:r>
+                            <a:rPr lang="en-US" sz="5400" b="0" i="1" smtClean="0">
+                              <a:solidFill>
+                                <a:srgbClr val="002060"/>
+                              </a:solidFill>
+                              <a:latin typeface="Cambria Math" panose="02040503050406030204" pitchFamily="18" charset="0"/>
+                            </a:rPr>
+                            <m:t>𝑌</m:t>
+                          </m:r>
                         </m:e>
                       </m:d>
                       <m:r>
-                        <a:rPr lang="en-US" sz="6600" i="1" smtClean="0">
+                        <a:rPr lang="en-US" sz="5400" i="1" smtClean="0">
                           <a:latin typeface="Cambria Math" panose="02040503050406030204" pitchFamily="18" charset="0"/>
                         </a:rPr>
                         <m:t>=</m:t>
@@ -3635,7 +3822,7 @@
                         <m:naryPr>
                           <m:chr m:val="∑"/>
                           <m:ctrlPr>
-                            <a:rPr lang="en-US" sz="6600" i="1" smtClean="0">
+                            <a:rPr lang="en-US" sz="5400" i="1" smtClean="0">
                               <a:latin typeface="Cambria Math" panose="02040503050406030204" pitchFamily="18" charset="0"/>
                             </a:rPr>
                           </m:ctrlPr>
@@ -3645,13 +3832,13 @@
                             <m:rPr>
                               <m:brk m:alnAt="23"/>
                             </m:rPr>
-                            <a:rPr lang="en-US" sz="6600" b="0" i="1" smtClean="0">
+                            <a:rPr lang="en-US" sz="5400" b="0" i="1" smtClean="0">
                               <a:latin typeface="Cambria Math" panose="02040503050406030204" pitchFamily="18" charset="0"/>
                             </a:rPr>
                             <m:t>𝑖</m:t>
                           </m:r>
                           <m:r>
-                            <a:rPr lang="en-US" sz="6600" b="0" i="1" smtClean="0">
+                            <a:rPr lang="en-US" sz="5400" b="0" i="1" smtClean="0">
                               <a:latin typeface="Cambria Math" panose="02040503050406030204" pitchFamily="18" charset="0"/>
                             </a:rPr>
                             <m:t>=1</m:t>
@@ -3659,7 +3846,7 @@
                         </m:sub>
                         <m:sup>
                           <m:r>
-                            <a:rPr lang="en-US" sz="6600" b="0" i="1" smtClean="0">
+                            <a:rPr lang="en-US" sz="5400" b="0" i="1" smtClean="0">
                               <a:latin typeface="Cambria Math" panose="02040503050406030204" pitchFamily="18" charset="0"/>
                             </a:rPr>
                             <m:t>𝑘</m:t>
@@ -3667,7 +3854,13 @@
                         </m:sup>
                         <m:e>
                           <m:r>
-                            <a:rPr lang="en-US" sz="6600" b="0" i="1" smtClean="0">
+                            <a:rPr lang="en-US" sz="5400" b="0" i="1" smtClean="0">
+                              <a:latin typeface="Cambria Math" panose="02040503050406030204" pitchFamily="18" charset="0"/>
+                            </a:rPr>
+                            <m:t>(</m:t>
+                          </m:r>
+                          <m:r>
+                            <a:rPr lang="en-US" sz="5400" b="0" i="1" smtClean="0">
                               <a:solidFill>
                                 <a:srgbClr val="C00000"/>
                               </a:solidFill>
@@ -3676,7 +3869,7 @@
                             <m:t>𝑥</m:t>
                           </m:r>
                           <m:r>
-                            <a:rPr lang="en-US" sz="6600" b="0" i="1" baseline="-25000" smtClean="0">
+                            <a:rPr lang="en-US" sz="5400" b="0" i="1" baseline="-25000" smtClean="0">
                               <a:solidFill>
                                 <a:srgbClr val="C00000"/>
                               </a:solidFill>
@@ -3685,7 +3878,43 @@
                             <m:t>𝑖</m:t>
                           </m:r>
                           <m:r>
-                            <a:rPr lang="en-US" sz="6600" b="0" i="1" smtClean="0">
+                            <a:rPr lang="en-US" sz="5400" b="0" i="1" smtClean="0">
+                              <a:solidFill>
+                                <a:schemeClr val="tx1"/>
+                              </a:solidFill>
+                              <a:latin typeface="Cambria Math" panose="02040503050406030204" pitchFamily="18" charset="0"/>
+                            </a:rPr>
+                            <m:t>+</m:t>
+                          </m:r>
+                          <m:r>
+                            <a:rPr lang="en-US" sz="5400" b="0" i="1" smtClean="0">
+                              <a:solidFill>
+                                <a:srgbClr val="002060"/>
+                              </a:solidFill>
+                              <a:latin typeface="Cambria Math" panose="02040503050406030204" pitchFamily="18" charset="0"/>
+                            </a:rPr>
+                            <m:t>𝑦</m:t>
+                          </m:r>
+                          <m:r>
+                            <a:rPr lang="en-US" sz="5400" b="0" i="1" baseline="-25000" smtClean="0">
+                              <a:solidFill>
+                                <a:srgbClr val="002060"/>
+                              </a:solidFill>
+                              <a:latin typeface="Cambria Math" panose="02040503050406030204" pitchFamily="18" charset="0"/>
+                            </a:rPr>
+                            <m:t>𝑖</m:t>
+                          </m:r>
+                          <m:r>
+                            <a:rPr lang="en-US" sz="5400" b="0" i="1" smtClean="0">
+                              <a:solidFill>
+                                <a:schemeClr val="tx1"/>
+                              </a:solidFill>
+                              <a:latin typeface="Cambria Math" panose="02040503050406030204" pitchFamily="18" charset="0"/>
+                            </a:rPr>
+                            <m:t>)</m:t>
+                          </m:r>
+                          <m:r>
+                            <a:rPr lang="en-US" sz="5400" b="0" i="1" smtClean="0">
                               <a:solidFill>
                                 <a:srgbClr val="7030A0"/>
                               </a:solidFill>
@@ -3694,7 +3923,7 @@
                             <m:t>𝑝</m:t>
                           </m:r>
                           <m:r>
-                            <a:rPr lang="en-US" sz="6600" b="0" i="1" baseline="-25000" smtClean="0">
+                            <a:rPr lang="en-US" sz="5400" b="0" i="1" baseline="-25000" smtClean="0">
                               <a:solidFill>
                                 <a:srgbClr val="7030A0"/>
                               </a:solidFill>
@@ -3707,7 +3936,7 @@
                     </m:oMath>
                   </m:oMathPara>
                 </a14:m>
-                <a:endParaRPr lang="en-US" sz="6600"/>
+                <a:endParaRPr lang="en-US" sz="5400"/>
               </a:p>
             </p:txBody>
           </p:sp>
@@ -3729,8 +3958,8 @@
             </p:nvSpPr>
             <p:spPr>
               <a:xfrm>
-                <a:off x="352216" y="380745"/>
-                <a:ext cx="5695341" cy="2876300"/>
+                <a:off x="0" y="619895"/>
+                <a:ext cx="7781617" cy="2353401"/>
               </a:xfrm>
               <a:prstGeom prst="rect">
                 <a:avLst/>

--- a/ps/ps_images.pptx
+++ b/ps/ps_images.pptx
@@ -3437,13 +3437,13 @@
                             <m:t>𝑥</m:t>
                           </m:r>
                           <m:r>
-                            <a:rPr lang="en-US" sz="5400" i="1" baseline="-25000">
+                            <a:rPr lang="en-US" sz="5400" b="0" i="1" baseline="-25000" smtClean="0">
                               <a:solidFill>
                                 <a:srgbClr val="C00000"/>
                               </a:solidFill>
                               <a:latin typeface="Cambria Math" panose="02040503050406030204" pitchFamily="18" charset="0"/>
                             </a:rPr>
-                            <m:t>𝑖</m:t>
+                            <m:t>1</m:t>
                           </m:r>
                           <m:r>
                             <a:rPr lang="en-US" sz="5400" i="1">
@@ -3464,13 +3464,13 @@
                             <m:t>𝑦</m:t>
                           </m:r>
                           <m:r>
-                            <a:rPr lang="en-US" sz="5400" i="1" baseline="-25000">
+                            <a:rPr lang="en-US" sz="5400" b="0" i="1" baseline="-25000" smtClean="0">
                               <a:solidFill>
                                 <a:srgbClr val="002060"/>
                               </a:solidFill>
                               <a:latin typeface="Cambria Math" panose="02040503050406030204" pitchFamily="18" charset="0"/>
                             </a:rPr>
-                            <m:t>𝑖</m:t>
+                            <m:t>1</m:t>
                           </m:r>
                         </m:e>
                       </m:d>
@@ -3731,8 +3731,8 @@
           </p:sp>
         </mc:Fallback>
       </mc:AlternateContent>
-      <mc:AlternateContent xmlns:mc="http://schemas.openxmlformats.org/markup-compatibility/2006">
-        <mc:Choice xmlns:a14="http://schemas.microsoft.com/office/drawing/2010/main" Requires="a14">
+      <mc:AlternateContent xmlns:mc="http://schemas.openxmlformats.org/markup-compatibility/2006" xmlns:a14="http://schemas.microsoft.com/office/drawing/2010/main">
+        <mc:Choice Requires="a14">
           <p:sp>
             <p:nvSpPr>
               <p:cNvPr id="5" name="TextBox 4">
@@ -3941,7 +3941,7 @@
             </p:txBody>
           </p:sp>
         </mc:Choice>
-        <mc:Fallback>
+        <mc:Fallback xmlns="">
           <p:sp>
             <p:nvSpPr>
               <p:cNvPr id="5" name="TextBox 4">
@@ -4016,6 +4016,410 @@
           <a:chExt cx="0" cy="0"/>
         </a:xfrm>
       </p:grpSpPr>
+      <mc:AlternateContent xmlns:mc="http://schemas.openxmlformats.org/markup-compatibility/2006">
+        <mc:Choice xmlns:a14="http://schemas.microsoft.com/office/drawing/2010/main" Requires="a14">
+          <p:sp>
+            <p:nvSpPr>
+              <p:cNvPr id="2" name="TextBox 1">
+                <a:extLst>
+                  <a:ext uri="{FF2B5EF4-FFF2-40B4-BE49-F238E27FC236}">
+                    <a16:creationId xmlns:a16="http://schemas.microsoft.com/office/drawing/2014/main" id="{6D35593E-3D41-413C-A812-7F05FDDD7852}"/>
+                  </a:ext>
+                </a:extLst>
+              </p:cNvPr>
+              <p:cNvSpPr txBox="1"/>
+              <p:nvPr/>
+            </p:nvSpPr>
+            <p:spPr>
+              <a:xfrm>
+                <a:off x="0" y="756139"/>
+                <a:ext cx="11760591" cy="2492990"/>
+              </a:xfrm>
+              <a:prstGeom prst="rect">
+                <a:avLst/>
+              </a:prstGeom>
+              <a:noFill/>
+            </p:spPr>
+            <p:txBody>
+              <a:bodyPr wrap="square" lIns="0" tIns="0" rIns="0" bIns="0" rtlCol="0">
+                <a:spAutoFit/>
+              </a:bodyPr>
+              <a:lstStyle/>
+              <a:p>
+                <a:pPr>
+                  <a:lnSpc>
+                    <a:spcPct val="150000"/>
+                  </a:lnSpc>
+                </a:pPr>
+                <a14:m>
+                  <m:oMathPara xmlns:m="http://schemas.openxmlformats.org/officeDocument/2006/math">
+                    <m:oMathParaPr>
+                      <m:jc m:val="centerGroup"/>
+                    </m:oMathParaPr>
+                    <m:oMath xmlns:m="http://schemas.openxmlformats.org/officeDocument/2006/math">
+                      <m:r>
+                        <a:rPr lang="en-US" sz="5400" b="0" i="1" smtClean="0">
+                          <a:latin typeface="Cambria Math" panose="02040503050406030204" pitchFamily="18" charset="0"/>
+                        </a:rPr>
+                        <m:t>𝐸</m:t>
+                      </m:r>
+                      <m:d>
+                        <m:dPr>
+                          <m:ctrlPr>
+                            <a:rPr lang="en-US" sz="5400" i="1">
+                              <a:latin typeface="Cambria Math" panose="02040503050406030204" pitchFamily="18" charset="0"/>
+                            </a:rPr>
+                          </m:ctrlPr>
+                        </m:dPr>
+                        <m:e>
+                          <m:r>
+                            <a:rPr lang="en-US" sz="5400" i="1">
+                              <a:solidFill>
+                                <a:srgbClr val="C00000"/>
+                              </a:solidFill>
+                              <a:latin typeface="Cambria Math" panose="02040503050406030204" pitchFamily="18" charset="0"/>
+                            </a:rPr>
+                            <m:t>𝑋</m:t>
+                          </m:r>
+                          <m:r>
+                            <a:rPr lang="en-US" sz="5400" i="1">
+                              <a:latin typeface="Cambria Math" panose="02040503050406030204" pitchFamily="18" charset="0"/>
+                            </a:rPr>
+                            <m:t>+</m:t>
+                          </m:r>
+                          <m:r>
+                            <a:rPr lang="en-US" sz="5400" i="1">
+                              <a:solidFill>
+                                <a:srgbClr val="002060"/>
+                              </a:solidFill>
+                              <a:latin typeface="Cambria Math" panose="02040503050406030204" pitchFamily="18" charset="0"/>
+                            </a:rPr>
+                            <m:t>𝑌</m:t>
+                          </m:r>
+                        </m:e>
+                      </m:d>
+                      <m:r>
+                        <a:rPr lang="en-US" sz="5400" i="1" smtClean="0">
+                          <a:latin typeface="Cambria Math" panose="02040503050406030204" pitchFamily="18" charset="0"/>
+                        </a:rPr>
+                        <m:t>=</m:t>
+                      </m:r>
+                      <m:d>
+                        <m:dPr>
+                          <m:ctrlPr>
+                            <a:rPr lang="en-US" sz="5400" i="1" smtClean="0">
+                              <a:solidFill>
+                                <a:schemeClr val="tx1"/>
+                              </a:solidFill>
+                              <a:latin typeface="Cambria Math" panose="02040503050406030204" pitchFamily="18" charset="0"/>
+                            </a:rPr>
+                          </m:ctrlPr>
+                        </m:dPr>
+                        <m:e>
+                          <m:r>
+                            <a:rPr lang="en-US" sz="5400" i="1" smtClean="0">
+                              <a:solidFill>
+                                <a:srgbClr val="C00000"/>
+                              </a:solidFill>
+                              <a:latin typeface="Cambria Math" panose="02040503050406030204" pitchFamily="18" charset="0"/>
+                            </a:rPr>
+                            <m:t>𝑥</m:t>
+                          </m:r>
+                          <m:r>
+                            <a:rPr lang="en-US" sz="5400" i="1" baseline="-25000">
+                              <a:solidFill>
+                                <a:srgbClr val="C00000"/>
+                              </a:solidFill>
+                              <a:latin typeface="Cambria Math" panose="02040503050406030204" pitchFamily="18" charset="0"/>
+                            </a:rPr>
+                            <m:t>𝑖</m:t>
+                          </m:r>
+                          <m:r>
+                            <a:rPr lang="en-US" sz="5400" i="1">
+                              <a:solidFill>
+                                <a:schemeClr val="tx1"/>
+                              </a:solidFill>
+                              <a:latin typeface="Cambria Math" panose="02040503050406030204" pitchFamily="18" charset="0"/>
+                            </a:rPr>
+                            <m:t>+</m:t>
+                          </m:r>
+                          <m:r>
+                            <a:rPr lang="en-US" sz="5400" i="1" smtClean="0">
+                              <a:solidFill>
+                                <a:srgbClr val="002060"/>
+                              </a:solidFill>
+                              <a:latin typeface="Cambria Math" panose="02040503050406030204" pitchFamily="18" charset="0"/>
+                            </a:rPr>
+                            <m:t>𝑦</m:t>
+                          </m:r>
+                          <m:r>
+                            <a:rPr lang="en-US" sz="5400" i="1" baseline="-25000">
+                              <a:solidFill>
+                                <a:srgbClr val="002060"/>
+                              </a:solidFill>
+                              <a:latin typeface="Cambria Math" panose="02040503050406030204" pitchFamily="18" charset="0"/>
+                            </a:rPr>
+                            <m:t>𝑖</m:t>
+                          </m:r>
+                        </m:e>
+                      </m:d>
+                      <m:r>
+                        <a:rPr lang="en-US" sz="5400" b="0" i="1" smtClean="0">
+                          <a:solidFill>
+                            <a:srgbClr val="7030A0"/>
+                          </a:solidFill>
+                          <a:latin typeface="Cambria Math" panose="02040503050406030204" pitchFamily="18" charset="0"/>
+                        </a:rPr>
+                        <m:t>𝑝</m:t>
+                      </m:r>
+                      <m:r>
+                        <a:rPr lang="en-US" sz="5400" b="0" i="1" baseline="-25000" smtClean="0">
+                          <a:solidFill>
+                            <a:srgbClr val="7030A0"/>
+                          </a:solidFill>
+                          <a:latin typeface="Cambria Math" panose="02040503050406030204" pitchFamily="18" charset="0"/>
+                        </a:rPr>
+                        <m:t>1</m:t>
+                      </m:r>
+                      <m:r>
+                        <a:rPr lang="en-US" sz="5400" b="0" i="1" smtClean="0">
+                          <a:latin typeface="Cambria Math" panose="02040503050406030204" pitchFamily="18" charset="0"/>
+                        </a:rPr>
+                        <m:t>+</m:t>
+                      </m:r>
+                      <m:d>
+                        <m:dPr>
+                          <m:ctrlPr>
+                            <a:rPr lang="en-US" sz="5400" b="0" i="1" smtClean="0">
+                              <a:solidFill>
+                                <a:schemeClr val="tx1"/>
+                              </a:solidFill>
+                              <a:latin typeface="Cambria Math" panose="02040503050406030204" pitchFamily="18" charset="0"/>
+                            </a:rPr>
+                          </m:ctrlPr>
+                        </m:dPr>
+                        <m:e>
+                          <m:r>
+                            <a:rPr lang="en-US" sz="5400" i="1" smtClean="0">
+                              <a:solidFill>
+                                <a:srgbClr val="C00000"/>
+                              </a:solidFill>
+                              <a:latin typeface="Cambria Math" panose="02040503050406030204" pitchFamily="18" charset="0"/>
+                            </a:rPr>
+                            <m:t>𝑥</m:t>
+                          </m:r>
+                          <m:r>
+                            <a:rPr lang="en-US" sz="5400" b="0" i="1" baseline="-25000" smtClean="0">
+                              <a:solidFill>
+                                <a:srgbClr val="C00000"/>
+                              </a:solidFill>
+                              <a:latin typeface="Cambria Math" panose="02040503050406030204" pitchFamily="18" charset="0"/>
+                            </a:rPr>
+                            <m:t>2</m:t>
+                          </m:r>
+                          <m:r>
+                            <a:rPr lang="en-US" sz="5400" i="1">
+                              <a:solidFill>
+                                <a:schemeClr val="tx1"/>
+                              </a:solidFill>
+                              <a:latin typeface="Cambria Math" panose="02040503050406030204" pitchFamily="18" charset="0"/>
+                            </a:rPr>
+                            <m:t>+</m:t>
+                          </m:r>
+                          <m:r>
+                            <a:rPr lang="en-US" sz="5400" i="1" smtClean="0">
+                              <a:solidFill>
+                                <a:srgbClr val="002060"/>
+                              </a:solidFill>
+                              <a:latin typeface="Cambria Math" panose="02040503050406030204" pitchFamily="18" charset="0"/>
+                            </a:rPr>
+                            <m:t>𝑦</m:t>
+                          </m:r>
+                          <m:r>
+                            <a:rPr lang="en-US" sz="5400" b="0" i="1" baseline="-25000" smtClean="0">
+                              <a:solidFill>
+                                <a:srgbClr val="002060"/>
+                              </a:solidFill>
+                              <a:latin typeface="Cambria Math" panose="02040503050406030204" pitchFamily="18" charset="0"/>
+                            </a:rPr>
+                            <m:t>2</m:t>
+                          </m:r>
+                        </m:e>
+                      </m:d>
+                      <m:r>
+                        <a:rPr lang="en-US" sz="5400" b="0" i="1" smtClean="0">
+                          <a:solidFill>
+                            <a:srgbClr val="7030A0"/>
+                          </a:solidFill>
+                          <a:latin typeface="Cambria Math" panose="02040503050406030204" pitchFamily="18" charset="0"/>
+                        </a:rPr>
+                        <m:t>𝑝</m:t>
+                      </m:r>
+                      <m:r>
+                        <a:rPr lang="en-US" sz="5400" b="0" i="1" baseline="-25000" smtClean="0">
+                          <a:solidFill>
+                            <a:srgbClr val="7030A0"/>
+                          </a:solidFill>
+                          <a:latin typeface="Cambria Math" panose="02040503050406030204" pitchFamily="18" charset="0"/>
+                        </a:rPr>
+                        <m:t>2</m:t>
+                      </m:r>
+                      <m:r>
+                        <a:rPr lang="en-US" sz="5400" b="0" i="1" smtClean="0">
+                          <a:latin typeface="Cambria Math" panose="02040503050406030204" pitchFamily="18" charset="0"/>
+                        </a:rPr>
+                        <m:t>+</m:t>
+                      </m:r>
+                    </m:oMath>
+                  </m:oMathPara>
+                </a14:m>
+                <a:endParaRPr lang="en-US" sz="5400" b="0" i="1">
+                  <a:latin typeface="Cambria Math" panose="02040503050406030204" pitchFamily="18" charset="0"/>
+                </a:endParaRPr>
+              </a:p>
+              <a:p>
+                <a:pPr>
+                  <a:lnSpc>
+                    <a:spcPct val="150000"/>
+                  </a:lnSpc>
+                </a:pPr>
+                <a14:m>
+                  <m:oMathPara xmlns:m="http://schemas.openxmlformats.org/officeDocument/2006/math">
+                    <m:oMathParaPr>
+                      <m:jc m:val="centerGroup"/>
+                    </m:oMathParaPr>
+                    <m:oMath xmlns:m="http://schemas.openxmlformats.org/officeDocument/2006/math">
+                      <m:r>
+                        <a:rPr lang="en-US" sz="5400" b="0" i="1" smtClean="0">
+                          <a:latin typeface="Cambria Math" panose="02040503050406030204" pitchFamily="18" charset="0"/>
+                        </a:rPr>
+                        <m:t>…+</m:t>
+                      </m:r>
+                      <m:r>
+                        <a:rPr lang="en-US" sz="5400" i="1">
+                          <a:latin typeface="Cambria Math" panose="02040503050406030204" pitchFamily="18" charset="0"/>
+                        </a:rPr>
+                        <m:t>(</m:t>
+                      </m:r>
+                      <m:r>
+                        <a:rPr lang="en-US" sz="5400" i="1">
+                          <a:solidFill>
+                            <a:srgbClr val="C00000"/>
+                          </a:solidFill>
+                          <a:latin typeface="Cambria Math" panose="02040503050406030204" pitchFamily="18" charset="0"/>
+                        </a:rPr>
+                        <m:t>𝑥</m:t>
+                      </m:r>
+                      <m:r>
+                        <a:rPr lang="en-US" sz="5400" i="1" baseline="-25000">
+                          <a:solidFill>
+                            <a:srgbClr val="C00000"/>
+                          </a:solidFill>
+                          <a:latin typeface="Cambria Math" panose="02040503050406030204" pitchFamily="18" charset="0"/>
+                        </a:rPr>
+                        <m:t>𝑖</m:t>
+                      </m:r>
+                      <m:r>
+                        <a:rPr lang="en-US" sz="5400" i="1">
+                          <a:latin typeface="Cambria Math" panose="02040503050406030204" pitchFamily="18" charset="0"/>
+                        </a:rPr>
+                        <m:t>+</m:t>
+                      </m:r>
+                      <m:r>
+                        <a:rPr lang="en-US" sz="5400" i="1">
+                          <a:solidFill>
+                            <a:srgbClr val="002060"/>
+                          </a:solidFill>
+                          <a:latin typeface="Cambria Math" panose="02040503050406030204" pitchFamily="18" charset="0"/>
+                        </a:rPr>
+                        <m:t>𝑦</m:t>
+                      </m:r>
+                      <m:r>
+                        <a:rPr lang="en-US" sz="5400" i="1" baseline="-25000">
+                          <a:solidFill>
+                            <a:srgbClr val="002060"/>
+                          </a:solidFill>
+                          <a:latin typeface="Cambria Math" panose="02040503050406030204" pitchFamily="18" charset="0"/>
+                        </a:rPr>
+                        <m:t>𝑖</m:t>
+                      </m:r>
+                      <m:r>
+                        <a:rPr lang="en-US" sz="5400" i="1">
+                          <a:latin typeface="Cambria Math" panose="02040503050406030204" pitchFamily="18" charset="0"/>
+                        </a:rPr>
+                        <m:t>)</m:t>
+                      </m:r>
+                      <m:r>
+                        <a:rPr lang="en-US" sz="5400" b="0" i="1" smtClean="0">
+                          <a:solidFill>
+                            <a:srgbClr val="7030A0"/>
+                          </a:solidFill>
+                          <a:latin typeface="Cambria Math" panose="02040503050406030204" pitchFamily="18" charset="0"/>
+                        </a:rPr>
+                        <m:t>𝑝</m:t>
+                      </m:r>
+                      <m:r>
+                        <a:rPr lang="en-US" sz="5400" b="0" i="1" baseline="-25000" smtClean="0">
+                          <a:solidFill>
+                            <a:srgbClr val="7030A0"/>
+                          </a:solidFill>
+                          <a:latin typeface="Cambria Math" panose="02040503050406030204" pitchFamily="18" charset="0"/>
+                        </a:rPr>
+                        <m:t>𝑘</m:t>
+                      </m:r>
+                    </m:oMath>
+                  </m:oMathPara>
+                </a14:m>
+                <a:endParaRPr lang="en-US" sz="5400"/>
+              </a:p>
+            </p:txBody>
+          </p:sp>
+        </mc:Choice>
+        <mc:Fallback>
+          <p:sp>
+            <p:nvSpPr>
+              <p:cNvPr id="2" name="TextBox 1">
+                <a:extLst>
+                  <a:ext uri="{FF2B5EF4-FFF2-40B4-BE49-F238E27FC236}">
+                    <a16:creationId xmlns:a16="http://schemas.microsoft.com/office/drawing/2014/main" id="{6D35593E-3D41-413C-A812-7F05FDDD7852}"/>
+                  </a:ext>
+                </a:extLst>
+              </p:cNvPr>
+              <p:cNvSpPr txBox="1">
+                <a:spLocks noRot="1" noChangeAspect="1" noMove="1" noResize="1" noEditPoints="1" noAdjustHandles="1" noChangeArrowheads="1" noChangeShapeType="1" noTextEdit="1"/>
+              </p:cNvSpPr>
+              <p:nvPr/>
+            </p:nvSpPr>
+            <p:spPr>
+              <a:xfrm>
+                <a:off x="0" y="756139"/>
+                <a:ext cx="11760591" cy="2492990"/>
+              </a:xfrm>
+              <a:prstGeom prst="rect">
+                <a:avLst/>
+              </a:prstGeom>
+              <a:blipFill>
+                <a:blip r:embed="rId2"/>
+                <a:stretch>
+                  <a:fillRect/>
+                </a:stretch>
+              </a:blipFill>
+            </p:spPr>
+            <p:txBody>
+              <a:bodyPr/>
+              <a:lstStyle/>
+              <a:p>
+                <a:r>
+                  <a:rPr lang="en-US">
+                    <a:noFill/>
+                  </a:rPr>
+                  <a:t> </a:t>
+                </a:r>
+              </a:p>
+            </p:txBody>
+          </p:sp>
+        </mc:Fallback>
+      </mc:AlternateContent>
     </p:spTree>
     <p:extLst>
       <p:ext uri="{BB962C8B-B14F-4D97-AF65-F5344CB8AC3E}">

--- a/ps/ps_images.pptx
+++ b/ps/ps_images.pptx
@@ -3343,8 +3343,8 @@
             </p:nvSpPr>
             <p:spPr>
               <a:xfrm>
-                <a:off x="0" y="3429000"/>
-                <a:ext cx="11760591" cy="2492990"/>
+                <a:off x="0" y="3568590"/>
+                <a:ext cx="11760591" cy="1661993"/>
               </a:xfrm>
               <a:prstGeom prst="rect">
                 <a:avLst/>
@@ -3357,11 +3357,7 @@
               </a:bodyPr>
               <a:lstStyle/>
               <a:p>
-                <a:pPr>
-                  <a:lnSpc>
-                    <a:spcPct val="150000"/>
-                  </a:lnSpc>
-                </a:pPr>
+                <a:pPr/>
                 <a14:m>
                   <m:oMathPara xmlns:m="http://schemas.openxmlformats.org/officeDocument/2006/math">
                     <m:oMathParaPr>
@@ -3589,11 +3585,7 @@
                 </a:endParaRPr>
               </a:p>
               <a:p>
-                <a:pPr>
-                  <a:lnSpc>
-                    <a:spcPct val="150000"/>
-                  </a:lnSpc>
-                </a:pPr>
+                <a:pPr/>
                 <a14:m>
                   <m:oMathPara xmlns:m="http://schemas.openxmlformats.org/officeDocument/2006/math">
                     <m:oMathParaPr>
@@ -3703,8 +3695,8 @@
             </p:nvSpPr>
             <p:spPr>
               <a:xfrm>
-                <a:off x="0" y="3429000"/>
-                <a:ext cx="11760591" cy="2492990"/>
+                <a:off x="0" y="3568590"/>
+                <a:ext cx="11760591" cy="1661993"/>
               </a:xfrm>
               <a:prstGeom prst="rect">
                 <a:avLst/>
@@ -3731,8 +3723,8 @@
           </p:sp>
         </mc:Fallback>
       </mc:AlternateContent>
-      <mc:AlternateContent xmlns:mc="http://schemas.openxmlformats.org/markup-compatibility/2006" xmlns:a14="http://schemas.microsoft.com/office/drawing/2010/main">
-        <mc:Choice Requires="a14">
+      <mc:AlternateContent xmlns:mc="http://schemas.openxmlformats.org/markup-compatibility/2006">
+        <mc:Choice xmlns:a14="http://schemas.microsoft.com/office/drawing/2010/main" Requires="a14">
           <p:sp>
             <p:nvSpPr>
               <p:cNvPr id="5" name="TextBox 4">
@@ -3747,7 +3739,7 @@
             </p:nvSpPr>
             <p:spPr>
               <a:xfrm>
-                <a:off x="0" y="619895"/>
+                <a:off x="0" y="936010"/>
                 <a:ext cx="7781617" cy="2353401"/>
               </a:xfrm>
               <a:prstGeom prst="rect">
@@ -3936,12 +3928,12 @@
                     </m:oMath>
                   </m:oMathPara>
                 </a14:m>
-                <a:endParaRPr lang="en-US" sz="5400"/>
+                <a:endParaRPr lang="en-US" sz="4800"/>
               </a:p>
             </p:txBody>
           </p:sp>
         </mc:Choice>
-        <mc:Fallback xmlns="">
+        <mc:Fallback>
           <p:sp>
             <p:nvSpPr>
               <p:cNvPr id="5" name="TextBox 4">
@@ -3958,7 +3950,7 @@
             </p:nvSpPr>
             <p:spPr>
               <a:xfrm>
-                <a:off x="0" y="619895"/>
+                <a:off x="0" y="936010"/>
                 <a:ext cx="7781617" cy="2353401"/>
               </a:xfrm>
               <a:prstGeom prst="rect">
@@ -4032,8 +4024,8 @@
             </p:nvSpPr>
             <p:spPr>
               <a:xfrm>
-                <a:off x="0" y="756139"/>
-                <a:ext cx="11760591" cy="2492990"/>
+                <a:off x="0" y="882748"/>
+                <a:ext cx="11760591" cy="1661993"/>
               </a:xfrm>
               <a:prstGeom prst="rect">
                 <a:avLst/>
@@ -4046,11 +4038,7 @@
               </a:bodyPr>
               <a:lstStyle/>
               <a:p>
-                <a:pPr>
-                  <a:lnSpc>
-                    <a:spcPct val="150000"/>
-                  </a:lnSpc>
-                </a:pPr>
+                <a:pPr/>
                 <a14:m>
                   <m:oMathPara xmlns:m="http://schemas.openxmlformats.org/officeDocument/2006/math">
                     <m:oMathParaPr>
@@ -4126,13 +4114,13 @@
                             <m:t>𝑥</m:t>
                           </m:r>
                           <m:r>
-                            <a:rPr lang="en-US" sz="5400" i="1" baseline="-25000">
+                            <a:rPr lang="en-US" sz="5400" b="0" i="1" baseline="-25000" smtClean="0">
                               <a:solidFill>
                                 <a:srgbClr val="C00000"/>
                               </a:solidFill>
                               <a:latin typeface="Cambria Math" panose="02040503050406030204" pitchFamily="18" charset="0"/>
                             </a:rPr>
-                            <m:t>𝑖</m:t>
+                            <m:t>1</m:t>
                           </m:r>
                           <m:r>
                             <a:rPr lang="en-US" sz="5400" i="1">
@@ -4153,13 +4141,13 @@
                             <m:t>𝑦</m:t>
                           </m:r>
                           <m:r>
-                            <a:rPr lang="en-US" sz="5400" i="1" baseline="-25000">
+                            <a:rPr lang="en-US" sz="5400" b="0" i="1" baseline="-25000" smtClean="0">
                               <a:solidFill>
                                 <a:srgbClr val="002060"/>
                               </a:solidFill>
                               <a:latin typeface="Cambria Math" panose="02040503050406030204" pitchFamily="18" charset="0"/>
                             </a:rPr>
-                            <m:t>𝑖</m:t>
+                            <m:t>1</m:t>
                           </m:r>
                         </m:e>
                       </m:d>
@@ -4278,11 +4266,7 @@
                 </a:endParaRPr>
               </a:p>
               <a:p>
-                <a:pPr>
-                  <a:lnSpc>
-                    <a:spcPct val="150000"/>
-                  </a:lnSpc>
-                </a:pPr>
+                <a:pPr/>
                 <a14:m>
                   <m:oMathPara xmlns:m="http://schemas.openxmlformats.org/officeDocument/2006/math">
                     <m:oMathParaPr>
@@ -4392,8 +4376,8 @@
             </p:nvSpPr>
             <p:spPr>
               <a:xfrm>
-                <a:off x="0" y="756139"/>
-                <a:ext cx="11760591" cy="2492990"/>
+                <a:off x="0" y="882748"/>
+                <a:ext cx="11760591" cy="1661993"/>
               </a:xfrm>
               <a:prstGeom prst="rect">
                 <a:avLst/>

--- a/ps/ps_images.pptx
+++ b/ps/ps_images.pptx
@@ -3327,8 +3327,8 @@
           <a:chExt cx="0" cy="0"/>
         </a:xfrm>
       </p:grpSpPr>
-      <mc:AlternateContent xmlns:mc="http://schemas.openxmlformats.org/markup-compatibility/2006">
-        <mc:Choice xmlns:a14="http://schemas.microsoft.com/office/drawing/2010/main" Requires="a14">
+      <mc:AlternateContent xmlns:mc="http://schemas.openxmlformats.org/markup-compatibility/2006" xmlns:a14="http://schemas.microsoft.com/office/drawing/2010/main">
+        <mc:Choice Requires="a14">
           <p:sp>
             <p:nvSpPr>
               <p:cNvPr id="4" name="TextBox 3">
@@ -3678,7 +3678,7 @@
             </p:txBody>
           </p:sp>
         </mc:Choice>
-        <mc:Fallback>
+        <mc:Fallback xmlns="">
           <p:sp>
             <p:nvSpPr>
               <p:cNvPr id="4" name="TextBox 3">
@@ -3723,8 +3723,8 @@
           </p:sp>
         </mc:Fallback>
       </mc:AlternateContent>
-      <mc:AlternateContent xmlns:mc="http://schemas.openxmlformats.org/markup-compatibility/2006">
-        <mc:Choice xmlns:a14="http://schemas.microsoft.com/office/drawing/2010/main" Requires="a14">
+      <mc:AlternateContent xmlns:mc="http://schemas.openxmlformats.org/markup-compatibility/2006" xmlns:a14="http://schemas.microsoft.com/office/drawing/2010/main">
+        <mc:Choice Requires="a14">
           <p:sp>
             <p:nvSpPr>
               <p:cNvPr id="5" name="TextBox 4">
@@ -3933,7 +3933,7 @@
             </p:txBody>
           </p:sp>
         </mc:Choice>
-        <mc:Fallback>
+        <mc:Fallback xmlns="">
           <p:sp>
             <p:nvSpPr>
               <p:cNvPr id="5" name="TextBox 4">
@@ -4025,7 +4025,7 @@
             <p:spPr>
               <a:xfrm>
                 <a:off x="0" y="882748"/>
-                <a:ext cx="11760591" cy="1661993"/>
+                <a:ext cx="11760591" cy="2492990"/>
               </a:xfrm>
               <a:prstGeom prst="rect">
                 <a:avLst/>
@@ -4092,176 +4092,10 @@
                         </a:rPr>
                         <m:t>=</m:t>
                       </m:r>
-                      <m:d>
-                        <m:dPr>
-                          <m:ctrlPr>
-                            <a:rPr lang="en-US" sz="5400" i="1" smtClean="0">
-                              <a:solidFill>
-                                <a:schemeClr val="tx1"/>
-                              </a:solidFill>
-                              <a:latin typeface="Cambria Math" panose="02040503050406030204" pitchFamily="18" charset="0"/>
-                            </a:rPr>
-                          </m:ctrlPr>
-                        </m:dPr>
-                        <m:e>
-                          <m:r>
-                            <a:rPr lang="en-US" sz="5400" i="1" smtClean="0">
-                              <a:solidFill>
-                                <a:srgbClr val="C00000"/>
-                              </a:solidFill>
-                              <a:latin typeface="Cambria Math" panose="02040503050406030204" pitchFamily="18" charset="0"/>
-                            </a:rPr>
-                            <m:t>𝑥</m:t>
-                          </m:r>
-                          <m:r>
-                            <a:rPr lang="en-US" sz="5400" b="0" i="1" baseline="-25000" smtClean="0">
-                              <a:solidFill>
-                                <a:srgbClr val="C00000"/>
-                              </a:solidFill>
-                              <a:latin typeface="Cambria Math" panose="02040503050406030204" pitchFamily="18" charset="0"/>
-                            </a:rPr>
-                            <m:t>1</m:t>
-                          </m:r>
-                          <m:r>
-                            <a:rPr lang="en-US" sz="5400" i="1">
-                              <a:solidFill>
-                                <a:schemeClr val="tx1"/>
-                              </a:solidFill>
-                              <a:latin typeface="Cambria Math" panose="02040503050406030204" pitchFamily="18" charset="0"/>
-                            </a:rPr>
-                            <m:t>+</m:t>
-                          </m:r>
-                          <m:r>
-                            <a:rPr lang="en-US" sz="5400" i="1" smtClean="0">
-                              <a:solidFill>
-                                <a:srgbClr val="002060"/>
-                              </a:solidFill>
-                              <a:latin typeface="Cambria Math" panose="02040503050406030204" pitchFamily="18" charset="0"/>
-                            </a:rPr>
-                            <m:t>𝑦</m:t>
-                          </m:r>
-                          <m:r>
-                            <a:rPr lang="en-US" sz="5400" b="0" i="1" baseline="-25000" smtClean="0">
-                              <a:solidFill>
-                                <a:srgbClr val="002060"/>
-                              </a:solidFill>
-                              <a:latin typeface="Cambria Math" panose="02040503050406030204" pitchFamily="18" charset="0"/>
-                            </a:rPr>
-                            <m:t>1</m:t>
-                          </m:r>
-                        </m:e>
-                      </m:d>
-                      <m:r>
-                        <a:rPr lang="en-US" sz="5400" b="0" i="1" smtClean="0">
-                          <a:solidFill>
-                            <a:srgbClr val="7030A0"/>
-                          </a:solidFill>
-                          <a:latin typeface="Cambria Math" panose="02040503050406030204" pitchFamily="18" charset="0"/>
-                        </a:rPr>
-                        <m:t>𝑝</m:t>
-                      </m:r>
-                      <m:r>
-                        <a:rPr lang="en-US" sz="5400" b="0" i="1" baseline="-25000" smtClean="0">
-                          <a:solidFill>
-                            <a:srgbClr val="7030A0"/>
-                          </a:solidFill>
-                          <a:latin typeface="Cambria Math" panose="02040503050406030204" pitchFamily="18" charset="0"/>
-                        </a:rPr>
-                        <m:t>1</m:t>
-                      </m:r>
-                      <m:r>
-                        <a:rPr lang="en-US" sz="5400" b="0" i="1" smtClean="0">
-                          <a:latin typeface="Cambria Math" panose="02040503050406030204" pitchFamily="18" charset="0"/>
-                        </a:rPr>
-                        <m:t>+</m:t>
-                      </m:r>
-                      <m:d>
-                        <m:dPr>
-                          <m:ctrlPr>
-                            <a:rPr lang="en-US" sz="5400" b="0" i="1" smtClean="0">
-                              <a:solidFill>
-                                <a:schemeClr val="tx1"/>
-                              </a:solidFill>
-                              <a:latin typeface="Cambria Math" panose="02040503050406030204" pitchFamily="18" charset="0"/>
-                            </a:rPr>
-                          </m:ctrlPr>
-                        </m:dPr>
-                        <m:e>
-                          <m:r>
-                            <a:rPr lang="en-US" sz="5400" i="1" smtClean="0">
-                              <a:solidFill>
-                                <a:srgbClr val="C00000"/>
-                              </a:solidFill>
-                              <a:latin typeface="Cambria Math" panose="02040503050406030204" pitchFamily="18" charset="0"/>
-                            </a:rPr>
-                            <m:t>𝑥</m:t>
-                          </m:r>
-                          <m:r>
-                            <a:rPr lang="en-US" sz="5400" b="0" i="1" baseline="-25000" smtClean="0">
-                              <a:solidFill>
-                                <a:srgbClr val="C00000"/>
-                              </a:solidFill>
-                              <a:latin typeface="Cambria Math" panose="02040503050406030204" pitchFamily="18" charset="0"/>
-                            </a:rPr>
-                            <m:t>2</m:t>
-                          </m:r>
-                          <m:r>
-                            <a:rPr lang="en-US" sz="5400" i="1">
-                              <a:solidFill>
-                                <a:schemeClr val="tx1"/>
-                              </a:solidFill>
-                              <a:latin typeface="Cambria Math" panose="02040503050406030204" pitchFamily="18" charset="0"/>
-                            </a:rPr>
-                            <m:t>+</m:t>
-                          </m:r>
-                          <m:r>
-                            <a:rPr lang="en-US" sz="5400" i="1" smtClean="0">
-                              <a:solidFill>
-                                <a:srgbClr val="002060"/>
-                              </a:solidFill>
-                              <a:latin typeface="Cambria Math" panose="02040503050406030204" pitchFamily="18" charset="0"/>
-                            </a:rPr>
-                            <m:t>𝑦</m:t>
-                          </m:r>
-                          <m:r>
-                            <a:rPr lang="en-US" sz="5400" b="0" i="1" baseline="-25000" smtClean="0">
-                              <a:solidFill>
-                                <a:srgbClr val="002060"/>
-                              </a:solidFill>
-                              <a:latin typeface="Cambria Math" panose="02040503050406030204" pitchFamily="18" charset="0"/>
-                            </a:rPr>
-                            <m:t>2</m:t>
-                          </m:r>
-                        </m:e>
-                      </m:d>
-                      <m:r>
-                        <a:rPr lang="en-US" sz="5400" b="0" i="1" smtClean="0">
-                          <a:solidFill>
-                            <a:srgbClr val="7030A0"/>
-                          </a:solidFill>
-                          <a:latin typeface="Cambria Math" panose="02040503050406030204" pitchFamily="18" charset="0"/>
-                        </a:rPr>
-                        <m:t>𝑝</m:t>
-                      </m:r>
-                      <m:r>
-                        <a:rPr lang="en-US" sz="5400" b="0" i="1" baseline="-25000" smtClean="0">
-                          <a:solidFill>
-                            <a:srgbClr val="7030A0"/>
-                          </a:solidFill>
-                          <a:latin typeface="Cambria Math" panose="02040503050406030204" pitchFamily="18" charset="0"/>
-                        </a:rPr>
-                        <m:t>2</m:t>
-                      </m:r>
-                      <m:r>
-                        <a:rPr lang="en-US" sz="5400" b="0" i="1" smtClean="0">
-                          <a:latin typeface="Cambria Math" panose="02040503050406030204" pitchFamily="18" charset="0"/>
-                        </a:rPr>
-                        <m:t>+</m:t>
-                      </m:r>
                     </m:oMath>
                   </m:oMathPara>
                 </a14:m>
-                <a:endParaRPr lang="en-US" sz="5400" b="0" i="1">
+                <a:endParaRPr lang="en-US" sz="5400" i="1">
                   <a:latin typeface="Cambria Math" panose="02040503050406030204" pitchFamily="18" charset="0"/>
                 </a:endParaRPr>
               </a:p>
@@ -4274,18 +4108,6 @@
                     </m:oMathParaPr>
                     <m:oMath xmlns:m="http://schemas.openxmlformats.org/officeDocument/2006/math">
                       <m:r>
-                        <a:rPr lang="en-US" sz="5400" b="0" i="1" smtClean="0">
-                          <a:latin typeface="Cambria Math" panose="02040503050406030204" pitchFamily="18" charset="0"/>
-                        </a:rPr>
-                        <m:t>…+</m:t>
-                      </m:r>
-                      <m:r>
-                        <a:rPr lang="en-US" sz="5400" i="1">
-                          <a:latin typeface="Cambria Math" panose="02040503050406030204" pitchFamily="18" charset="0"/>
-                        </a:rPr>
-                        <m:t>(</m:t>
-                      </m:r>
-                      <m:r>
                         <a:rPr lang="en-US" sz="5400" i="1">
                           <a:solidFill>
                             <a:srgbClr val="C00000"/>
@@ -4301,10 +4123,154 @@
                           </a:solidFill>
                           <a:latin typeface="Cambria Math" panose="02040503050406030204" pitchFamily="18" charset="0"/>
                         </a:rPr>
+                        <m:t>1</m:t>
+                      </m:r>
+                      <m:r>
+                        <a:rPr lang="en-US" sz="5400" i="1">
+                          <a:solidFill>
+                            <a:srgbClr val="7030A0"/>
+                          </a:solidFill>
+                          <a:latin typeface="Cambria Math" panose="02040503050406030204" pitchFamily="18" charset="0"/>
+                        </a:rPr>
+                        <m:t>𝑝</m:t>
+                      </m:r>
+                      <m:r>
+                        <a:rPr lang="en-US" sz="5400" i="1" baseline="-25000">
+                          <a:solidFill>
+                            <a:srgbClr val="7030A0"/>
+                          </a:solidFill>
+                          <a:latin typeface="Cambria Math" panose="02040503050406030204" pitchFamily="18" charset="0"/>
+                        </a:rPr>
+                        <m:t>1</m:t>
+                      </m:r>
+                      <m:r>
+                        <a:rPr lang="en-US" sz="5400" b="0" i="1" smtClean="0">
+                          <a:latin typeface="Cambria Math" panose="02040503050406030204" pitchFamily="18" charset="0"/>
+                        </a:rPr>
+                        <m:t>+</m:t>
+                      </m:r>
+                      <m:r>
+                        <a:rPr lang="en-US" sz="5400" i="1">
+                          <a:solidFill>
+                            <a:srgbClr val="C00000"/>
+                          </a:solidFill>
+                          <a:latin typeface="Cambria Math" panose="02040503050406030204" pitchFamily="18" charset="0"/>
+                        </a:rPr>
+                        <m:t>𝑥</m:t>
+                      </m:r>
+                      <m:r>
+                        <a:rPr lang="en-US" sz="5400" i="1" baseline="-25000">
+                          <a:solidFill>
+                            <a:srgbClr val="C00000"/>
+                          </a:solidFill>
+                          <a:latin typeface="Cambria Math" panose="02040503050406030204" pitchFamily="18" charset="0"/>
+                        </a:rPr>
+                        <m:t>2</m:t>
+                      </m:r>
+                      <m:r>
+                        <a:rPr lang="en-US" sz="5400" i="1">
+                          <a:solidFill>
+                            <a:srgbClr val="7030A0"/>
+                          </a:solidFill>
+                          <a:latin typeface="Cambria Math" panose="02040503050406030204" pitchFamily="18" charset="0"/>
+                        </a:rPr>
+                        <m:t>𝑝</m:t>
+                      </m:r>
+                      <m:r>
+                        <a:rPr lang="en-US" sz="5400" i="1" baseline="-25000">
+                          <a:solidFill>
+                            <a:srgbClr val="7030A0"/>
+                          </a:solidFill>
+                          <a:latin typeface="Cambria Math" panose="02040503050406030204" pitchFamily="18" charset="0"/>
+                        </a:rPr>
+                        <m:t>2</m:t>
+                      </m:r>
+                      <m:r>
+                        <a:rPr lang="en-US" sz="5400" b="0" i="1" smtClean="0">
+                          <a:latin typeface="Cambria Math" panose="02040503050406030204" pitchFamily="18" charset="0"/>
+                        </a:rPr>
+                        <m:t>+</m:t>
+                      </m:r>
+                      <m:r>
+                        <a:rPr lang="en-US" sz="5400" b="0" i="1" smtClean="0">
+                          <a:latin typeface="Cambria Math" panose="02040503050406030204" pitchFamily="18" charset="0"/>
+                        </a:rPr>
+                        <m:t>…</m:t>
+                      </m:r>
+                      <m:r>
+                        <a:rPr lang="en-US" sz="5400" b="0" i="1" smtClean="0">
+                          <a:latin typeface="Cambria Math" panose="02040503050406030204" pitchFamily="18" charset="0"/>
+                        </a:rPr>
+                        <m:t>+</m:t>
+                      </m:r>
+                      <m:r>
+                        <a:rPr lang="en-US" sz="5400" i="1">
+                          <a:solidFill>
+                            <a:srgbClr val="C00000"/>
+                          </a:solidFill>
+                          <a:latin typeface="Cambria Math" panose="02040503050406030204" pitchFamily="18" charset="0"/>
+                        </a:rPr>
+                        <m:t>𝑥</m:t>
+                      </m:r>
+                      <m:r>
+                        <a:rPr lang="en-US" sz="5400" i="1" baseline="-25000">
+                          <a:solidFill>
+                            <a:srgbClr val="C00000"/>
+                          </a:solidFill>
+                          <a:latin typeface="Cambria Math" panose="02040503050406030204" pitchFamily="18" charset="0"/>
+                        </a:rPr>
                         <m:t>𝑖</m:t>
                       </m:r>
                       <m:r>
                         <a:rPr lang="en-US" sz="5400" i="1">
+                          <a:solidFill>
+                            <a:srgbClr val="7030A0"/>
+                          </a:solidFill>
+                          <a:latin typeface="Cambria Math" panose="02040503050406030204" pitchFamily="18" charset="0"/>
+                        </a:rPr>
+                        <m:t>𝑝</m:t>
+                      </m:r>
+                      <m:r>
+                        <a:rPr lang="en-US" sz="5400" i="1" baseline="-25000">
+                          <a:solidFill>
+                            <a:srgbClr val="7030A0"/>
+                          </a:solidFill>
+                          <a:latin typeface="Cambria Math" panose="02040503050406030204" pitchFamily="18" charset="0"/>
+                        </a:rPr>
+                        <m:t>𝑘</m:t>
+                      </m:r>
+                      <m:r>
+                        <a:rPr lang="en-US" sz="5400" b="0" i="1" smtClean="0">
+                          <a:solidFill>
+                            <a:schemeClr val="tx1"/>
+                          </a:solidFill>
+                          <a:latin typeface="Cambria Math" panose="02040503050406030204" pitchFamily="18" charset="0"/>
+                        </a:rPr>
+                        <m:t>+</m:t>
+                      </m:r>
+                    </m:oMath>
+                  </m:oMathPara>
+                </a14:m>
+                <a:endParaRPr lang="en-US" sz="5400" b="0" i="1">
+                  <a:solidFill>
+                    <a:schemeClr val="tx1"/>
+                  </a:solidFill>
+                  <a:latin typeface="Cambria Math" panose="02040503050406030204" pitchFamily="18" charset="0"/>
+                </a:endParaRPr>
+              </a:p>
+              <a:p>
+                <a:pPr/>
+                <a14:m>
+                  <m:oMathPara xmlns:m="http://schemas.openxmlformats.org/officeDocument/2006/math">
+                    <m:oMathParaPr>
+                      <m:jc m:val="centerGroup"/>
+                    </m:oMathParaPr>
+                    <m:oMath xmlns:m="http://schemas.openxmlformats.org/officeDocument/2006/math">
+                      <m:r>
+                        <a:rPr lang="en-US" sz="5400" b="0" i="1" smtClean="0">
+                          <a:solidFill>
+                            <a:schemeClr val="tx1"/>
+                          </a:solidFill>
                           <a:latin typeface="Cambria Math" panose="02040503050406030204" pitchFamily="18" charset="0"/>
                         </a:rPr>
                         <m:t>+</m:t>
@@ -4325,16 +4291,10 @@
                           </a:solidFill>
                           <a:latin typeface="Cambria Math" panose="02040503050406030204" pitchFamily="18" charset="0"/>
                         </a:rPr>
-                        <m:t>𝑖</m:t>
+                        <m:t>1</m:t>
                       </m:r>
                       <m:r>
                         <a:rPr lang="en-US" sz="5400" i="1">
-                          <a:latin typeface="Cambria Math" panose="02040503050406030204" pitchFamily="18" charset="0"/>
-                        </a:rPr>
-                        <m:t>)</m:t>
-                      </m:r>
-                      <m:r>
-                        <a:rPr lang="en-US" sz="5400" b="0" i="1" smtClean="0">
                           <a:solidFill>
                             <a:srgbClr val="7030A0"/>
                           </a:solidFill>
@@ -4343,18 +4303,112 @@
                         <m:t>𝑝</m:t>
                       </m:r>
                       <m:r>
-                        <a:rPr lang="en-US" sz="5400" b="0" i="1" baseline="-25000" smtClean="0">
+                        <a:rPr lang="en-US" sz="5400" i="1" baseline="-25000">
                           <a:solidFill>
                             <a:srgbClr val="7030A0"/>
                           </a:solidFill>
                           <a:latin typeface="Cambria Math" panose="02040503050406030204" pitchFamily="18" charset="0"/>
                         </a:rPr>
+                        <m:t>1</m:t>
+                      </m:r>
+                      <m:r>
+                        <a:rPr lang="en-US" sz="5400" b="0" i="1" smtClean="0">
+                          <a:solidFill>
+                            <a:schemeClr val="tx1"/>
+                          </a:solidFill>
+                          <a:latin typeface="Cambria Math" panose="02040503050406030204" pitchFamily="18" charset="0"/>
+                        </a:rPr>
+                        <m:t>+</m:t>
+                      </m:r>
+                      <m:r>
+                        <a:rPr lang="en-US" sz="5400" i="1">
+                          <a:solidFill>
+                            <a:srgbClr val="002060"/>
+                          </a:solidFill>
+                          <a:latin typeface="Cambria Math" panose="02040503050406030204" pitchFamily="18" charset="0"/>
+                        </a:rPr>
+                        <m:t>𝑦</m:t>
+                      </m:r>
+                      <m:r>
+                        <a:rPr lang="en-US" sz="5400" i="1" baseline="-25000">
+                          <a:solidFill>
+                            <a:srgbClr val="002060"/>
+                          </a:solidFill>
+                          <a:latin typeface="Cambria Math" panose="02040503050406030204" pitchFamily="18" charset="0"/>
+                        </a:rPr>
+                        <m:t>2</m:t>
+                      </m:r>
+                      <m:r>
+                        <a:rPr lang="en-US" sz="5400" i="1">
+                          <a:solidFill>
+                            <a:srgbClr val="7030A0"/>
+                          </a:solidFill>
+                          <a:latin typeface="Cambria Math" panose="02040503050406030204" pitchFamily="18" charset="0"/>
+                        </a:rPr>
+                        <m:t>𝑝</m:t>
+                      </m:r>
+                      <m:r>
+                        <a:rPr lang="en-US" sz="5400" i="1" baseline="-25000">
+                          <a:solidFill>
+                            <a:srgbClr val="7030A0"/>
+                          </a:solidFill>
+                          <a:latin typeface="Cambria Math" panose="02040503050406030204" pitchFamily="18" charset="0"/>
+                        </a:rPr>
+                        <m:t>2</m:t>
+                      </m:r>
+                      <m:r>
+                        <a:rPr lang="en-US" sz="5400" b="0" i="1" smtClean="0">
+                          <a:solidFill>
+                            <a:schemeClr val="tx1"/>
+                          </a:solidFill>
+                          <a:latin typeface="Cambria Math" panose="02040503050406030204" pitchFamily="18" charset="0"/>
+                        </a:rPr>
+                        <m:t>+…+</m:t>
+                      </m:r>
+                      <m:r>
+                        <a:rPr lang="en-US" sz="5400" i="1">
+                          <a:solidFill>
+                            <a:srgbClr val="002060"/>
+                          </a:solidFill>
+                          <a:latin typeface="Cambria Math" panose="02040503050406030204" pitchFamily="18" charset="0"/>
+                        </a:rPr>
+                        <m:t>𝑦</m:t>
+                      </m:r>
+                      <m:r>
+                        <a:rPr lang="en-US" sz="5400" i="1" baseline="-25000">
+                          <a:solidFill>
+                            <a:srgbClr val="002060"/>
+                          </a:solidFill>
+                          <a:latin typeface="Cambria Math" panose="02040503050406030204" pitchFamily="18" charset="0"/>
+                        </a:rPr>
+                        <m:t>𝑖</m:t>
+                      </m:r>
+                      <m:r>
+                        <a:rPr lang="en-US" sz="5400" i="1">
+                          <a:solidFill>
+                            <a:srgbClr val="7030A0"/>
+                          </a:solidFill>
+                          <a:latin typeface="Cambria Math" panose="02040503050406030204" pitchFamily="18" charset="0"/>
+                        </a:rPr>
+                        <m:t>𝑝</m:t>
+                      </m:r>
+                      <m:r>
+                        <a:rPr lang="en-US" sz="5400" i="1" baseline="-25000">
+                          <a:solidFill>
+                            <a:srgbClr val="7030A0"/>
+                          </a:solidFill>
+                          <a:latin typeface="Cambria Math" panose="02040503050406030204" pitchFamily="18" charset="0"/>
+                        </a:rPr>
                         <m:t>𝑘</m:t>
                       </m:r>
                     </m:oMath>
                   </m:oMathPara>
                 </a14:m>
-                <a:endParaRPr lang="en-US" sz="5400"/>
+                <a:endParaRPr lang="en-US" sz="5400" b="0">
+                  <a:solidFill>
+                    <a:srgbClr val="7030A0"/>
+                  </a:solidFill>
+                </a:endParaRPr>
               </a:p>
             </p:txBody>
           </p:sp>
@@ -4377,7 +4431,7 @@
             <p:spPr>
               <a:xfrm>
                 <a:off x="0" y="882748"/>
-                <a:ext cx="11760591" cy="1661993"/>
+                <a:ext cx="11760591" cy="2492990"/>
               </a:xfrm>
               <a:prstGeom prst="rect">
                 <a:avLst/>

--- a/ps/ps_images.pptx
+++ b/ps/ps_images.pptx
@@ -4024,8 +4024,8 @@
             </p:nvSpPr>
             <p:spPr>
               <a:xfrm>
-                <a:off x="0" y="882748"/>
-                <a:ext cx="11760591" cy="2492990"/>
+                <a:off x="1946030" y="474784"/>
+                <a:ext cx="8299939" cy="2492990"/>
               </a:xfrm>
               <a:prstGeom prst="rect">
                 <a:avLst/>
@@ -4430,14 +4430,216 @@
             </p:nvSpPr>
             <p:spPr>
               <a:xfrm>
-                <a:off x="0" y="882748"/>
-                <a:ext cx="11760591" cy="2492990"/>
+                <a:off x="1946030" y="474784"/>
+                <a:ext cx="8299939" cy="2492990"/>
               </a:xfrm>
               <a:prstGeom prst="rect">
                 <a:avLst/>
               </a:prstGeom>
               <a:blipFill>
                 <a:blip r:embed="rId2"/>
+                <a:stretch>
+                  <a:fillRect/>
+                </a:stretch>
+              </a:blipFill>
+            </p:spPr>
+            <p:txBody>
+              <a:bodyPr/>
+              <a:lstStyle/>
+              <a:p>
+                <a:r>
+                  <a:rPr lang="en-US">
+                    <a:noFill/>
+                  </a:rPr>
+                  <a:t> </a:t>
+                </a:r>
+              </a:p>
+            </p:txBody>
+          </p:sp>
+        </mc:Fallback>
+      </mc:AlternateContent>
+      <mc:AlternateContent xmlns:mc="http://schemas.openxmlformats.org/markup-compatibility/2006">
+        <mc:Choice xmlns:a14="http://schemas.microsoft.com/office/drawing/2010/main" Requires="a14">
+          <p:sp>
+            <p:nvSpPr>
+              <p:cNvPr id="5" name="TextBox 4">
+                <a:extLst>
+                  <a:ext uri="{FF2B5EF4-FFF2-40B4-BE49-F238E27FC236}">
+                    <a16:creationId xmlns:a16="http://schemas.microsoft.com/office/drawing/2014/main" id="{C4F8713B-C193-458A-8F2A-AE16CCC8FBB9}"/>
+                  </a:ext>
+                </a:extLst>
+              </p:cNvPr>
+              <p:cNvSpPr txBox="1"/>
+              <p:nvPr/>
+            </p:nvSpPr>
+            <p:spPr>
+              <a:xfrm>
+                <a:off x="1946029" y="3914845"/>
+                <a:ext cx="8299939" cy="830997"/>
+              </a:xfrm>
+              <a:prstGeom prst="rect">
+                <a:avLst/>
+              </a:prstGeom>
+              <a:noFill/>
+            </p:spPr>
+            <p:txBody>
+              <a:bodyPr wrap="square" lIns="0" tIns="0" rIns="0" bIns="0" rtlCol="0">
+                <a:spAutoFit/>
+              </a:bodyPr>
+              <a:lstStyle/>
+              <a:p>
+                <a:pPr/>
+                <a14:m>
+                  <m:oMathPara xmlns:m="http://schemas.openxmlformats.org/officeDocument/2006/math">
+                    <m:oMathParaPr>
+                      <m:jc m:val="centerGroup"/>
+                    </m:oMathParaPr>
+                    <m:oMath xmlns:m="http://schemas.openxmlformats.org/officeDocument/2006/math">
+                      <m:r>
+                        <a:rPr lang="en-US" sz="5400" b="0" i="1" smtClean="0">
+                          <a:latin typeface="Cambria Math" panose="02040503050406030204" pitchFamily="18" charset="0"/>
+                        </a:rPr>
+                        <m:t>𝐸</m:t>
+                      </m:r>
+                      <m:d>
+                        <m:dPr>
+                          <m:ctrlPr>
+                            <a:rPr lang="en-US" sz="5400" i="1">
+                              <a:latin typeface="Cambria Math" panose="02040503050406030204" pitchFamily="18" charset="0"/>
+                            </a:rPr>
+                          </m:ctrlPr>
+                        </m:dPr>
+                        <m:e>
+                          <m:r>
+                            <a:rPr lang="en-US" sz="5400" i="1">
+                              <a:solidFill>
+                                <a:srgbClr val="C00000"/>
+                              </a:solidFill>
+                              <a:latin typeface="Cambria Math" panose="02040503050406030204" pitchFamily="18" charset="0"/>
+                            </a:rPr>
+                            <m:t>𝑋</m:t>
+                          </m:r>
+                          <m:r>
+                            <a:rPr lang="en-US" sz="5400" i="1">
+                              <a:latin typeface="Cambria Math" panose="02040503050406030204" pitchFamily="18" charset="0"/>
+                            </a:rPr>
+                            <m:t>+</m:t>
+                          </m:r>
+                          <m:r>
+                            <a:rPr lang="en-US" sz="5400" i="1">
+                              <a:solidFill>
+                                <a:srgbClr val="002060"/>
+                              </a:solidFill>
+                              <a:latin typeface="Cambria Math" panose="02040503050406030204" pitchFamily="18" charset="0"/>
+                            </a:rPr>
+                            <m:t>𝑌</m:t>
+                          </m:r>
+                        </m:e>
+                      </m:d>
+                      <m:r>
+                        <a:rPr lang="en-US" sz="5400" i="1" smtClean="0">
+                          <a:latin typeface="Cambria Math" panose="02040503050406030204" pitchFamily="18" charset="0"/>
+                        </a:rPr>
+                        <m:t>=</m:t>
+                      </m:r>
+                      <m:r>
+                        <a:rPr lang="en-US" sz="5400" i="1">
+                          <a:latin typeface="Cambria Math" panose="02040503050406030204" pitchFamily="18" charset="0"/>
+                        </a:rPr>
+                        <m:t>𝐸</m:t>
+                      </m:r>
+                      <m:d>
+                        <m:dPr>
+                          <m:ctrlPr>
+                            <a:rPr lang="en-US" sz="5400" i="1">
+                              <a:latin typeface="Cambria Math" panose="02040503050406030204" pitchFamily="18" charset="0"/>
+                            </a:rPr>
+                          </m:ctrlPr>
+                        </m:dPr>
+                        <m:e>
+                          <m:r>
+                            <a:rPr lang="en-US" sz="5400" i="1">
+                              <a:solidFill>
+                                <a:srgbClr val="C00000"/>
+                              </a:solidFill>
+                              <a:latin typeface="Cambria Math" panose="02040503050406030204" pitchFamily="18" charset="0"/>
+                            </a:rPr>
+                            <m:t>𝑋</m:t>
+                          </m:r>
+                        </m:e>
+                      </m:d>
+                      <m:r>
+                        <a:rPr lang="en-US" sz="5400" b="0" i="1" smtClean="0">
+                          <a:solidFill>
+                            <a:schemeClr val="tx1"/>
+                          </a:solidFill>
+                          <a:latin typeface="Cambria Math" panose="02040503050406030204" pitchFamily="18" charset="0"/>
+                        </a:rPr>
+                        <m:t>+</m:t>
+                      </m:r>
+                      <m:r>
+                        <a:rPr lang="en-US" sz="5400" i="1">
+                          <a:latin typeface="Cambria Math" panose="02040503050406030204" pitchFamily="18" charset="0"/>
+                        </a:rPr>
+                        <m:t>𝐸</m:t>
+                      </m:r>
+                      <m:d>
+                        <m:dPr>
+                          <m:ctrlPr>
+                            <a:rPr lang="en-US" sz="5400" i="1">
+                              <a:latin typeface="Cambria Math" panose="02040503050406030204" pitchFamily="18" charset="0"/>
+                            </a:rPr>
+                          </m:ctrlPr>
+                        </m:dPr>
+                        <m:e>
+                          <m:r>
+                            <a:rPr lang="en-US" sz="5400" i="1">
+                              <a:solidFill>
+                                <a:srgbClr val="002060"/>
+                              </a:solidFill>
+                              <a:latin typeface="Cambria Math" panose="02040503050406030204" pitchFamily="18" charset="0"/>
+                            </a:rPr>
+                            <m:t>𝑌</m:t>
+                          </m:r>
+                        </m:e>
+                      </m:d>
+                    </m:oMath>
+                  </m:oMathPara>
+                </a14:m>
+                <a:endParaRPr lang="en-US" sz="5400" b="0">
+                  <a:solidFill>
+                    <a:srgbClr val="7030A0"/>
+                  </a:solidFill>
+                </a:endParaRPr>
+              </a:p>
+            </p:txBody>
+          </p:sp>
+        </mc:Choice>
+        <mc:Fallback>
+          <p:sp>
+            <p:nvSpPr>
+              <p:cNvPr id="5" name="TextBox 4">
+                <a:extLst>
+                  <a:ext uri="{FF2B5EF4-FFF2-40B4-BE49-F238E27FC236}">
+                    <a16:creationId xmlns:a16="http://schemas.microsoft.com/office/drawing/2014/main" id="{C4F8713B-C193-458A-8F2A-AE16CCC8FBB9}"/>
+                  </a:ext>
+                </a:extLst>
+              </p:cNvPr>
+              <p:cNvSpPr txBox="1">
+                <a:spLocks noRot="1" noChangeAspect="1" noMove="1" noResize="1" noEditPoints="1" noAdjustHandles="1" noChangeArrowheads="1" noChangeShapeType="1" noTextEdit="1"/>
+              </p:cNvSpPr>
+              <p:nvPr/>
+            </p:nvSpPr>
+            <p:spPr>
+              <a:xfrm>
+                <a:off x="1946029" y="3914845"/>
+                <a:ext cx="8299939" cy="830997"/>
+              </a:xfrm>
+              <a:prstGeom prst="rect">
+                <a:avLst/>
+              </a:prstGeom>
+              <a:blipFill>
+                <a:blip r:embed="rId3"/>
                 <a:stretch>
                   <a:fillRect/>
                 </a:stretch>

--- a/ps/ps_images.pptx
+++ b/ps/ps_images.pptx
@@ -6,7 +6,8 @@
   </p:sldMasterIdLst>
   <p:sldIdLst>
     <p:sldId id="256" r:id="rId2"/>
-    <p:sldId id="257" r:id="rId3"/>
+    <p:sldId id="259" r:id="rId3"/>
+    <p:sldId id="257" r:id="rId4"/>
   </p:sldIdLst>
   <p:sldSz cx="12192000" cy="6858000"/>
   <p:notesSz cx="6858000" cy="9144000"/>
@@ -3327,8 +3328,8 @@
           <a:chExt cx="0" cy="0"/>
         </a:xfrm>
       </p:grpSpPr>
-      <mc:AlternateContent xmlns:mc="http://schemas.openxmlformats.org/markup-compatibility/2006" xmlns:a14="http://schemas.microsoft.com/office/drawing/2010/main">
-        <mc:Choice Requires="a14">
+      <mc:AlternateContent xmlns:mc="http://schemas.openxmlformats.org/markup-compatibility/2006">
+        <mc:Choice xmlns:a14="http://schemas.microsoft.com/office/drawing/2010/main" Requires="a14">
           <p:sp>
             <p:nvSpPr>
               <p:cNvPr id="4" name="TextBox 3">
@@ -3614,13 +3615,13 @@
                         <m:t>𝑥</m:t>
                       </m:r>
                       <m:r>
-                        <a:rPr lang="en-US" sz="5400" i="1" baseline="-25000">
+                        <a:rPr lang="en-US" sz="5400" b="0" i="1" baseline="-25000" smtClean="0">
                           <a:solidFill>
                             <a:srgbClr val="C00000"/>
                           </a:solidFill>
                           <a:latin typeface="Cambria Math" panose="02040503050406030204" pitchFamily="18" charset="0"/>
                         </a:rPr>
-                        <m:t>𝑖</m:t>
+                        <m:t>𝑘</m:t>
                       </m:r>
                       <m:r>
                         <a:rPr lang="en-US" sz="5400" i="1">
@@ -3638,13 +3639,13 @@
                         <m:t>𝑦</m:t>
                       </m:r>
                       <m:r>
-                        <a:rPr lang="en-US" sz="5400" i="1" baseline="-25000">
+                        <a:rPr lang="en-US" sz="5400" b="0" i="1" baseline="-25000" smtClean="0">
                           <a:solidFill>
                             <a:srgbClr val="002060"/>
                           </a:solidFill>
                           <a:latin typeface="Cambria Math" panose="02040503050406030204" pitchFamily="18" charset="0"/>
                         </a:rPr>
-                        <m:t>𝑖</m:t>
+                        <m:t>𝑘</m:t>
                       </m:r>
                       <m:r>
                         <a:rPr lang="en-US" sz="5400" i="1">
@@ -3678,7 +3679,7 @@
             </p:txBody>
           </p:sp>
         </mc:Choice>
-        <mc:Fallback xmlns="">
+        <mc:Fallback>
           <p:sp>
             <p:nvSpPr>
               <p:cNvPr id="4" name="TextBox 3">
@@ -3723,8 +3724,8 @@
           </p:sp>
         </mc:Fallback>
       </mc:AlternateContent>
-      <mc:AlternateContent xmlns:mc="http://schemas.openxmlformats.org/markup-compatibility/2006" xmlns:a14="http://schemas.microsoft.com/office/drawing/2010/main">
-        <mc:Choice Requires="a14">
+      <mc:AlternateContent xmlns:mc="http://schemas.openxmlformats.org/markup-compatibility/2006">
+        <mc:Choice xmlns:a14="http://schemas.microsoft.com/office/drawing/2010/main" Requires="a14">
           <p:sp>
             <p:nvSpPr>
               <p:cNvPr id="5" name="TextBox 4">
@@ -3933,7 +3934,7 @@
             </p:txBody>
           </p:sp>
         </mc:Choice>
-        <mc:Fallback xmlns="">
+        <mc:Fallback>
           <p:sp>
             <p:nvSpPr>
               <p:cNvPr id="5" name="TextBox 4">
@@ -4012,6 +4013,537 @@
         <mc:Choice xmlns:a14="http://schemas.microsoft.com/office/drawing/2010/main" Requires="a14">
           <p:sp>
             <p:nvSpPr>
+              <p:cNvPr id="4" name="TextBox 3">
+                <a:extLst>
+                  <a:ext uri="{FF2B5EF4-FFF2-40B4-BE49-F238E27FC236}">
+                    <a16:creationId xmlns:a16="http://schemas.microsoft.com/office/drawing/2014/main" id="{878C7F36-E094-44E7-9046-4DC15FBC7F30}"/>
+                  </a:ext>
+                </a:extLst>
+              </p:cNvPr>
+              <p:cNvSpPr txBox="1"/>
+              <p:nvPr/>
+            </p:nvSpPr>
+            <p:spPr>
+              <a:xfrm>
+                <a:off x="0" y="3568590"/>
+                <a:ext cx="11760591" cy="1661993"/>
+              </a:xfrm>
+              <a:prstGeom prst="rect">
+                <a:avLst/>
+              </a:prstGeom>
+              <a:noFill/>
+            </p:spPr>
+            <p:txBody>
+              <a:bodyPr wrap="square" lIns="0" tIns="0" rIns="0" bIns="0" rtlCol="0">
+                <a:spAutoFit/>
+              </a:bodyPr>
+              <a:lstStyle/>
+              <a:p>
+                <a:pPr/>
+                <a14:m>
+                  <m:oMathPara xmlns:m="http://schemas.openxmlformats.org/officeDocument/2006/math">
+                    <m:oMathParaPr>
+                      <m:jc m:val="centerGroup"/>
+                    </m:oMathParaPr>
+                    <m:oMath xmlns:m="http://schemas.openxmlformats.org/officeDocument/2006/math">
+                      <m:r>
+                        <a:rPr lang="en-US" sz="5400" b="0" i="1" smtClean="0">
+                          <a:latin typeface="Cambria Math" panose="02040503050406030204" pitchFamily="18" charset="0"/>
+                        </a:rPr>
+                        <m:t>𝐸</m:t>
+                      </m:r>
+                      <m:d>
+                        <m:dPr>
+                          <m:ctrlPr>
+                            <a:rPr lang="en-US" sz="5400" i="1">
+                              <a:latin typeface="Cambria Math" panose="02040503050406030204" pitchFamily="18" charset="0"/>
+                            </a:rPr>
+                          </m:ctrlPr>
+                        </m:dPr>
+                        <m:e>
+                          <m:r>
+                            <a:rPr lang="en-US" sz="5400" i="1">
+                              <a:solidFill>
+                                <a:srgbClr val="C00000"/>
+                              </a:solidFill>
+                              <a:latin typeface="Cambria Math" panose="02040503050406030204" pitchFamily="18" charset="0"/>
+                            </a:rPr>
+                            <m:t>𝑋</m:t>
+                          </m:r>
+                        </m:e>
+                      </m:d>
+                      <m:r>
+                        <a:rPr lang="en-US" sz="5400" i="1" smtClean="0">
+                          <a:latin typeface="Cambria Math" panose="02040503050406030204" pitchFamily="18" charset="0"/>
+                        </a:rPr>
+                        <m:t>=</m:t>
+                      </m:r>
+                      <m:d>
+                        <m:dPr>
+                          <m:ctrlPr>
+                            <a:rPr lang="en-US" sz="5400" i="1" smtClean="0">
+                              <a:solidFill>
+                                <a:schemeClr val="tx1"/>
+                              </a:solidFill>
+                              <a:latin typeface="Cambria Math" panose="02040503050406030204" pitchFamily="18" charset="0"/>
+                            </a:rPr>
+                          </m:ctrlPr>
+                        </m:dPr>
+                        <m:e>
+                          <m:r>
+                            <a:rPr lang="en-US" sz="5400" i="1" smtClean="0">
+                              <a:solidFill>
+                                <a:srgbClr val="C00000"/>
+                              </a:solidFill>
+                              <a:latin typeface="Cambria Math" panose="02040503050406030204" pitchFamily="18" charset="0"/>
+                            </a:rPr>
+                            <m:t>𝑥</m:t>
+                          </m:r>
+                          <m:r>
+                            <a:rPr lang="en-US" sz="5400" b="0" i="1" baseline="-25000" smtClean="0">
+                              <a:solidFill>
+                                <a:srgbClr val="C00000"/>
+                              </a:solidFill>
+                              <a:latin typeface="Cambria Math" panose="02040503050406030204" pitchFamily="18" charset="0"/>
+                            </a:rPr>
+                            <m:t>1</m:t>
+                          </m:r>
+                        </m:e>
+                      </m:d>
+                      <m:r>
+                        <a:rPr lang="en-US" sz="5400" b="0" i="1" smtClean="0">
+                          <a:solidFill>
+                            <a:srgbClr val="7030A0"/>
+                          </a:solidFill>
+                          <a:latin typeface="Cambria Math" panose="02040503050406030204" pitchFamily="18" charset="0"/>
+                        </a:rPr>
+                        <m:t>𝑝</m:t>
+                      </m:r>
+                      <m:r>
+                        <a:rPr lang="en-US" sz="5400" b="0" i="1" baseline="-25000" smtClean="0">
+                          <a:solidFill>
+                            <a:srgbClr val="7030A0"/>
+                          </a:solidFill>
+                          <a:latin typeface="Cambria Math" panose="02040503050406030204" pitchFamily="18" charset="0"/>
+                        </a:rPr>
+                        <m:t>1</m:t>
+                      </m:r>
+                      <m:r>
+                        <a:rPr lang="en-US" sz="5400" b="0" i="1" smtClean="0">
+                          <a:latin typeface="Cambria Math" panose="02040503050406030204" pitchFamily="18" charset="0"/>
+                        </a:rPr>
+                        <m:t>+</m:t>
+                      </m:r>
+                      <m:d>
+                        <m:dPr>
+                          <m:ctrlPr>
+                            <a:rPr lang="en-US" sz="5400" b="0" i="1" smtClean="0">
+                              <a:solidFill>
+                                <a:schemeClr val="tx1"/>
+                              </a:solidFill>
+                              <a:latin typeface="Cambria Math" panose="02040503050406030204" pitchFamily="18" charset="0"/>
+                            </a:rPr>
+                          </m:ctrlPr>
+                        </m:dPr>
+                        <m:e>
+                          <m:r>
+                            <a:rPr lang="en-US" sz="5400" i="1" smtClean="0">
+                              <a:solidFill>
+                                <a:srgbClr val="C00000"/>
+                              </a:solidFill>
+                              <a:latin typeface="Cambria Math" panose="02040503050406030204" pitchFamily="18" charset="0"/>
+                            </a:rPr>
+                            <m:t>𝑥</m:t>
+                          </m:r>
+                          <m:r>
+                            <a:rPr lang="en-US" sz="5400" b="0" i="1" baseline="-25000" smtClean="0">
+                              <a:solidFill>
+                                <a:srgbClr val="C00000"/>
+                              </a:solidFill>
+                              <a:latin typeface="Cambria Math" panose="02040503050406030204" pitchFamily="18" charset="0"/>
+                            </a:rPr>
+                            <m:t>2</m:t>
+                          </m:r>
+                        </m:e>
+                      </m:d>
+                      <m:r>
+                        <a:rPr lang="en-US" sz="5400" b="0" i="1" smtClean="0">
+                          <a:solidFill>
+                            <a:srgbClr val="7030A0"/>
+                          </a:solidFill>
+                          <a:latin typeface="Cambria Math" panose="02040503050406030204" pitchFamily="18" charset="0"/>
+                        </a:rPr>
+                        <m:t>𝑝</m:t>
+                      </m:r>
+                      <m:r>
+                        <a:rPr lang="en-US" sz="5400" b="0" i="1" baseline="-25000" smtClean="0">
+                          <a:solidFill>
+                            <a:srgbClr val="7030A0"/>
+                          </a:solidFill>
+                          <a:latin typeface="Cambria Math" panose="02040503050406030204" pitchFamily="18" charset="0"/>
+                        </a:rPr>
+                        <m:t>2</m:t>
+                      </m:r>
+                      <m:r>
+                        <a:rPr lang="en-US" sz="5400" b="0" i="1" smtClean="0">
+                          <a:latin typeface="Cambria Math" panose="02040503050406030204" pitchFamily="18" charset="0"/>
+                        </a:rPr>
+                        <m:t>+</m:t>
+                      </m:r>
+                    </m:oMath>
+                  </m:oMathPara>
+                </a14:m>
+                <a:endParaRPr lang="en-US" sz="5400" b="0" i="1">
+                  <a:latin typeface="Cambria Math" panose="02040503050406030204" pitchFamily="18" charset="0"/>
+                </a:endParaRPr>
+              </a:p>
+              <a:p>
+                <a:pPr/>
+                <a14:m>
+                  <m:oMathPara xmlns:m="http://schemas.openxmlformats.org/officeDocument/2006/math">
+                    <m:oMathParaPr>
+                      <m:jc m:val="centerGroup"/>
+                    </m:oMathParaPr>
+                    <m:oMath xmlns:m="http://schemas.openxmlformats.org/officeDocument/2006/math">
+                      <m:r>
+                        <a:rPr lang="en-US" sz="5400" b="0" i="1" smtClean="0">
+                          <a:latin typeface="Cambria Math" panose="02040503050406030204" pitchFamily="18" charset="0"/>
+                        </a:rPr>
+                        <m:t>…+</m:t>
+                      </m:r>
+                      <m:r>
+                        <a:rPr lang="en-US" sz="5400" i="1">
+                          <a:solidFill>
+                            <a:srgbClr val="C00000"/>
+                          </a:solidFill>
+                          <a:latin typeface="Cambria Math" panose="02040503050406030204" pitchFamily="18" charset="0"/>
+                        </a:rPr>
+                        <m:t>𝑥</m:t>
+                      </m:r>
+                      <m:r>
+                        <a:rPr lang="en-US" sz="5400" i="1" baseline="-25000">
+                          <a:solidFill>
+                            <a:srgbClr val="C00000"/>
+                          </a:solidFill>
+                          <a:latin typeface="Cambria Math" panose="02040503050406030204" pitchFamily="18" charset="0"/>
+                        </a:rPr>
+                        <m:t>𝑖</m:t>
+                      </m:r>
+                      <m:r>
+                        <a:rPr lang="en-US" sz="5400" b="0" i="1" smtClean="0">
+                          <a:solidFill>
+                            <a:srgbClr val="7030A0"/>
+                          </a:solidFill>
+                          <a:latin typeface="Cambria Math" panose="02040503050406030204" pitchFamily="18" charset="0"/>
+                        </a:rPr>
+                        <m:t>𝑝</m:t>
+                      </m:r>
+                      <m:r>
+                        <a:rPr lang="en-US" sz="5400" b="0" i="1" baseline="-25000" smtClean="0">
+                          <a:solidFill>
+                            <a:srgbClr val="7030A0"/>
+                          </a:solidFill>
+                          <a:latin typeface="Cambria Math" panose="02040503050406030204" pitchFamily="18" charset="0"/>
+                        </a:rPr>
+                        <m:t>𝑘</m:t>
+                      </m:r>
+                    </m:oMath>
+                  </m:oMathPara>
+                </a14:m>
+                <a:endParaRPr lang="en-US" sz="5400"/>
+              </a:p>
+            </p:txBody>
+          </p:sp>
+        </mc:Choice>
+        <mc:Fallback>
+          <p:sp>
+            <p:nvSpPr>
+              <p:cNvPr id="4" name="TextBox 3">
+                <a:extLst>
+                  <a:ext uri="{FF2B5EF4-FFF2-40B4-BE49-F238E27FC236}">
+                    <a16:creationId xmlns:a16="http://schemas.microsoft.com/office/drawing/2014/main" id="{878C7F36-E094-44E7-9046-4DC15FBC7F30}"/>
+                  </a:ext>
+                </a:extLst>
+              </p:cNvPr>
+              <p:cNvSpPr txBox="1">
+                <a:spLocks noRot="1" noChangeAspect="1" noMove="1" noResize="1" noEditPoints="1" noAdjustHandles="1" noChangeArrowheads="1" noChangeShapeType="1" noTextEdit="1"/>
+              </p:cNvSpPr>
+              <p:nvPr/>
+            </p:nvSpPr>
+            <p:spPr>
+              <a:xfrm>
+                <a:off x="0" y="3568590"/>
+                <a:ext cx="11760591" cy="1661993"/>
+              </a:xfrm>
+              <a:prstGeom prst="rect">
+                <a:avLst/>
+              </a:prstGeom>
+              <a:blipFill>
+                <a:blip r:embed="rId2"/>
+                <a:stretch>
+                  <a:fillRect/>
+                </a:stretch>
+              </a:blipFill>
+            </p:spPr>
+            <p:txBody>
+              <a:bodyPr/>
+              <a:lstStyle/>
+              <a:p>
+                <a:r>
+                  <a:rPr lang="en-US">
+                    <a:noFill/>
+                  </a:rPr>
+                  <a:t> </a:t>
+                </a:r>
+              </a:p>
+            </p:txBody>
+          </p:sp>
+        </mc:Fallback>
+      </mc:AlternateContent>
+      <mc:AlternateContent xmlns:mc="http://schemas.openxmlformats.org/markup-compatibility/2006">
+        <mc:Choice xmlns:a14="http://schemas.microsoft.com/office/drawing/2010/main" Requires="a14">
+          <p:sp>
+            <p:nvSpPr>
+              <p:cNvPr id="5" name="TextBox 4">
+                <a:extLst>
+                  <a:ext uri="{FF2B5EF4-FFF2-40B4-BE49-F238E27FC236}">
+                    <a16:creationId xmlns:a16="http://schemas.microsoft.com/office/drawing/2014/main" id="{F6052F5D-ADF4-4E2C-A8A3-359BECD8AF6A}"/>
+                  </a:ext>
+                </a:extLst>
+              </p:cNvPr>
+              <p:cNvSpPr txBox="1"/>
+              <p:nvPr/>
+            </p:nvSpPr>
+            <p:spPr>
+              <a:xfrm>
+                <a:off x="0" y="936010"/>
+                <a:ext cx="5141023" cy="2353401"/>
+              </a:xfrm>
+              <a:prstGeom prst="rect">
+                <a:avLst/>
+              </a:prstGeom>
+              <a:noFill/>
+            </p:spPr>
+            <p:txBody>
+              <a:bodyPr wrap="none" lIns="0" tIns="0" rIns="0" bIns="0" rtlCol="0">
+                <a:spAutoFit/>
+              </a:bodyPr>
+              <a:lstStyle/>
+              <a:p>
+                <a:pPr/>
+                <a14:m>
+                  <m:oMathPara xmlns:m="http://schemas.openxmlformats.org/officeDocument/2006/math">
+                    <m:oMathParaPr>
+                      <m:jc m:val="centerGroup"/>
+                    </m:oMathParaPr>
+                    <m:oMath xmlns:m="http://schemas.openxmlformats.org/officeDocument/2006/math">
+                      <m:r>
+                        <a:rPr lang="en-US" sz="5400" b="0" i="1" smtClean="0">
+                          <a:latin typeface="Cambria Math" panose="02040503050406030204" pitchFamily="18" charset="0"/>
+                        </a:rPr>
+                        <m:t>𝐸</m:t>
+                      </m:r>
+                      <m:d>
+                        <m:dPr>
+                          <m:ctrlPr>
+                            <a:rPr lang="en-US" sz="5400" b="0" i="1" smtClean="0">
+                              <a:latin typeface="Cambria Math" panose="02040503050406030204" pitchFamily="18" charset="0"/>
+                            </a:rPr>
+                          </m:ctrlPr>
+                        </m:dPr>
+                        <m:e>
+                          <m:r>
+                            <a:rPr lang="en-US" sz="5400" b="0" i="1" smtClean="0">
+                              <a:solidFill>
+                                <a:srgbClr val="C00000"/>
+                              </a:solidFill>
+                              <a:latin typeface="Cambria Math" panose="02040503050406030204" pitchFamily="18" charset="0"/>
+                            </a:rPr>
+                            <m:t>𝑋</m:t>
+                          </m:r>
+                        </m:e>
+                      </m:d>
+                      <m:r>
+                        <a:rPr lang="en-US" sz="5400" i="1" smtClean="0">
+                          <a:latin typeface="Cambria Math" panose="02040503050406030204" pitchFamily="18" charset="0"/>
+                        </a:rPr>
+                        <m:t>=</m:t>
+                      </m:r>
+                      <m:nary>
+                        <m:naryPr>
+                          <m:chr m:val="∑"/>
+                          <m:ctrlPr>
+                            <a:rPr lang="en-US" sz="5400" i="1" smtClean="0">
+                              <a:latin typeface="Cambria Math" panose="02040503050406030204" pitchFamily="18" charset="0"/>
+                            </a:rPr>
+                          </m:ctrlPr>
+                        </m:naryPr>
+                        <m:sub>
+                          <m:r>
+                            <m:rPr>
+                              <m:brk m:alnAt="23"/>
+                            </m:rPr>
+                            <a:rPr lang="en-US" sz="5400" b="0" i="1" smtClean="0">
+                              <a:latin typeface="Cambria Math" panose="02040503050406030204" pitchFamily="18" charset="0"/>
+                            </a:rPr>
+                            <m:t>𝑖</m:t>
+                          </m:r>
+                          <m:r>
+                            <a:rPr lang="en-US" sz="5400" b="0" i="1" smtClean="0">
+                              <a:latin typeface="Cambria Math" panose="02040503050406030204" pitchFamily="18" charset="0"/>
+                            </a:rPr>
+                            <m:t>=1</m:t>
+                          </m:r>
+                        </m:sub>
+                        <m:sup>
+                          <m:r>
+                            <a:rPr lang="en-US" sz="5400" b="0" i="1" smtClean="0">
+                              <a:latin typeface="Cambria Math" panose="02040503050406030204" pitchFamily="18" charset="0"/>
+                            </a:rPr>
+                            <m:t>𝑘</m:t>
+                          </m:r>
+                        </m:sup>
+                        <m:e>
+                          <m:r>
+                            <a:rPr lang="en-US" sz="5400" b="0" i="1" smtClean="0">
+                              <a:latin typeface="Cambria Math" panose="02040503050406030204" pitchFamily="18" charset="0"/>
+                            </a:rPr>
+                            <m:t>(</m:t>
+                          </m:r>
+                          <m:r>
+                            <a:rPr lang="en-US" sz="5400" b="0" i="1" smtClean="0">
+                              <a:solidFill>
+                                <a:srgbClr val="C00000"/>
+                              </a:solidFill>
+                              <a:latin typeface="Cambria Math" panose="02040503050406030204" pitchFamily="18" charset="0"/>
+                            </a:rPr>
+                            <m:t>𝑥</m:t>
+                          </m:r>
+                          <m:r>
+                            <a:rPr lang="en-US" sz="5400" b="0" i="1" baseline="-25000" smtClean="0">
+                              <a:solidFill>
+                                <a:srgbClr val="C00000"/>
+                              </a:solidFill>
+                              <a:latin typeface="Cambria Math" panose="02040503050406030204" pitchFamily="18" charset="0"/>
+                            </a:rPr>
+                            <m:t>𝑖</m:t>
+                          </m:r>
+                          <m:r>
+                            <a:rPr lang="en-US" sz="5400" b="0" i="1" smtClean="0">
+                              <a:solidFill>
+                                <a:schemeClr val="tx1"/>
+                              </a:solidFill>
+                              <a:latin typeface="Cambria Math" panose="02040503050406030204" pitchFamily="18" charset="0"/>
+                            </a:rPr>
+                            <m:t>)</m:t>
+                          </m:r>
+                          <m:r>
+                            <a:rPr lang="en-US" sz="5400" b="0" i="1" smtClean="0">
+                              <a:solidFill>
+                                <a:srgbClr val="7030A0"/>
+                              </a:solidFill>
+                              <a:latin typeface="Cambria Math" panose="02040503050406030204" pitchFamily="18" charset="0"/>
+                            </a:rPr>
+                            <m:t>𝑝</m:t>
+                          </m:r>
+                          <m:r>
+                            <a:rPr lang="en-US" sz="5400" b="0" i="1" baseline="-25000" smtClean="0">
+                              <a:solidFill>
+                                <a:srgbClr val="7030A0"/>
+                              </a:solidFill>
+                              <a:latin typeface="Cambria Math" panose="02040503050406030204" pitchFamily="18" charset="0"/>
+                            </a:rPr>
+                            <m:t>𝑖</m:t>
+                          </m:r>
+                        </m:e>
+                      </m:nary>
+                    </m:oMath>
+                  </m:oMathPara>
+                </a14:m>
+                <a:endParaRPr lang="en-US" sz="4800"/>
+              </a:p>
+            </p:txBody>
+          </p:sp>
+        </mc:Choice>
+        <mc:Fallback>
+          <p:sp>
+            <p:nvSpPr>
+              <p:cNvPr id="5" name="TextBox 4">
+                <a:extLst>
+                  <a:ext uri="{FF2B5EF4-FFF2-40B4-BE49-F238E27FC236}">
+                    <a16:creationId xmlns:a16="http://schemas.microsoft.com/office/drawing/2014/main" id="{F6052F5D-ADF4-4E2C-A8A3-359BECD8AF6A}"/>
+                  </a:ext>
+                </a:extLst>
+              </p:cNvPr>
+              <p:cNvSpPr txBox="1">
+                <a:spLocks noRot="1" noChangeAspect="1" noMove="1" noResize="1" noEditPoints="1" noAdjustHandles="1" noChangeArrowheads="1" noChangeShapeType="1" noTextEdit="1"/>
+              </p:cNvSpPr>
+              <p:nvPr/>
+            </p:nvSpPr>
+            <p:spPr>
+              <a:xfrm>
+                <a:off x="0" y="936010"/>
+                <a:ext cx="5141023" cy="2353401"/>
+              </a:xfrm>
+              <a:prstGeom prst="rect">
+                <a:avLst/>
+              </a:prstGeom>
+              <a:blipFill>
+                <a:blip r:embed="rId3"/>
+                <a:stretch>
+                  <a:fillRect/>
+                </a:stretch>
+              </a:blipFill>
+            </p:spPr>
+            <p:txBody>
+              <a:bodyPr/>
+              <a:lstStyle/>
+              <a:p>
+                <a:r>
+                  <a:rPr lang="en-US">
+                    <a:noFill/>
+                  </a:rPr>
+                  <a:t> </a:t>
+                </a:r>
+              </a:p>
+            </p:txBody>
+          </p:sp>
+        </mc:Fallback>
+      </mc:AlternateContent>
+    </p:spTree>
+    <p:extLst>
+      <p:ext uri="{BB962C8B-B14F-4D97-AF65-F5344CB8AC3E}">
+        <p14:creationId xmlns:p14="http://schemas.microsoft.com/office/powerpoint/2010/main" val="1782632393"/>
+      </p:ext>
+    </p:extLst>
+  </p:cSld>
+  <p:clrMapOvr>
+    <a:masterClrMapping/>
+  </p:clrMapOvr>
+</p:sld>
+</file>
+
+<file path=ppt/slides/slide3.xml><?xml version="1.0" encoding="utf-8"?>
+<p:sld xmlns:a="http://schemas.openxmlformats.org/drawingml/2006/main" xmlns:r="http://schemas.openxmlformats.org/officeDocument/2006/relationships" xmlns:p="http://schemas.openxmlformats.org/presentationml/2006/main">
+  <p:cSld>
+    <p:spTree>
+      <p:nvGrpSpPr>
+        <p:cNvPr id="1" name=""/>
+        <p:cNvGrpSpPr/>
+        <p:nvPr/>
+      </p:nvGrpSpPr>
+      <p:grpSpPr>
+        <a:xfrm>
+          <a:off x="0" y="0"/>
+          <a:ext cx="0" cy="0"/>
+          <a:chOff x="0" y="0"/>
+          <a:chExt cx="0" cy="0"/>
+        </a:xfrm>
+      </p:grpSpPr>
+      <mc:AlternateContent xmlns:mc="http://schemas.openxmlformats.org/markup-compatibility/2006">
+        <mc:Choice xmlns:a14="http://schemas.microsoft.com/office/drawing/2010/main" Requires="a14">
+          <p:sp>
+            <p:nvSpPr>
               <p:cNvPr id="2" name="TextBox 1">
                 <a:extLst>
                   <a:ext uri="{FF2B5EF4-FFF2-40B4-BE49-F238E27FC236}">
@@ -4213,13 +4745,13 @@
                         <m:t>𝑥</m:t>
                       </m:r>
                       <m:r>
-                        <a:rPr lang="en-US" sz="5400" i="1" baseline="-25000">
+                        <a:rPr lang="en-US" sz="5400" b="0" i="1" baseline="-25000" smtClean="0">
                           <a:solidFill>
                             <a:srgbClr val="C00000"/>
                           </a:solidFill>
                           <a:latin typeface="Cambria Math" panose="02040503050406030204" pitchFamily="18" charset="0"/>
                         </a:rPr>
-                        <m:t>𝑖</m:t>
+                        <m:t>𝑘</m:t>
                       </m:r>
                       <m:r>
                         <a:rPr lang="en-US" sz="5400" i="1">
@@ -4375,13 +4907,13 @@
                         <m:t>𝑦</m:t>
                       </m:r>
                       <m:r>
-                        <a:rPr lang="en-US" sz="5400" i="1" baseline="-25000">
+                        <a:rPr lang="en-US" sz="5400" b="0" i="1" baseline="-25000" smtClean="0">
                           <a:solidFill>
                             <a:srgbClr val="002060"/>
                           </a:solidFill>
                           <a:latin typeface="Cambria Math" panose="02040503050406030204" pitchFamily="18" charset="0"/>
                         </a:rPr>
-                        <m:t>𝑖</m:t>
+                        <m:t>𝑘</m:t>
                       </m:r>
                       <m:r>
                         <a:rPr lang="en-US" sz="5400" i="1">
@@ -4474,7 +5006,7 @@
             </p:nvSpPr>
             <p:spPr>
               <a:xfrm>
-                <a:off x="1946029" y="3914845"/>
+                <a:off x="1946030" y="4069590"/>
                 <a:ext cx="8299939" cy="830997"/>
               </a:xfrm>
               <a:prstGeom prst="rect">
@@ -4632,7 +5164,7 @@
             </p:nvSpPr>
             <p:spPr>
               <a:xfrm>
-                <a:off x="1946029" y="3914845"/>
+                <a:off x="1946030" y="4069590"/>
                 <a:ext cx="8299939" cy="830997"/>
               </a:xfrm>
               <a:prstGeom prst="rect">

--- a/ps/ps_images.pptx
+++ b/ps/ps_images.pptx
@@ -4025,8 +4025,8 @@
             </p:nvSpPr>
             <p:spPr>
               <a:xfrm>
-                <a:off x="0" y="3568590"/>
-                <a:ext cx="11760591" cy="1661993"/>
+                <a:off x="1" y="3568590"/>
+                <a:ext cx="11015002" cy="830997"/>
               </a:xfrm>
               <a:prstGeom prst="rect">
                 <a:avLst/>
@@ -4062,6 +4062,12 @@
                         </m:dPr>
                         <m:e>
                           <m:r>
+                            <a:rPr lang="en-US" sz="5400" b="0" i="1" smtClean="0">
+                              <a:latin typeface="Cambria Math" panose="02040503050406030204" pitchFamily="18" charset="0"/>
+                            </a:rPr>
+                            <m:t>𝑎</m:t>
+                          </m:r>
+                          <m:r>
                             <a:rPr lang="en-US" sz="5400" i="1">
                               <a:solidFill>
                                 <a:srgbClr val="C00000"/>
@@ -4078,38 +4084,30 @@
                         </a:rPr>
                         <m:t>=</m:t>
                       </m:r>
-                      <m:d>
-                        <m:dPr>
-                          <m:ctrlPr>
-                            <a:rPr lang="en-US" sz="5400" i="1" smtClean="0">
-                              <a:solidFill>
-                                <a:schemeClr val="tx1"/>
-                              </a:solidFill>
-                              <a:latin typeface="Cambria Math" panose="02040503050406030204" pitchFamily="18" charset="0"/>
-                            </a:rPr>
-                          </m:ctrlPr>
-                        </m:dPr>
-                        <m:e>
-                          <m:r>
-                            <a:rPr lang="en-US" sz="5400" i="1" smtClean="0">
-                              <a:solidFill>
-                                <a:srgbClr val="C00000"/>
-                              </a:solidFill>
-                              <a:latin typeface="Cambria Math" panose="02040503050406030204" pitchFamily="18" charset="0"/>
-                            </a:rPr>
-                            <m:t>𝑥</m:t>
-                          </m:r>
-                          <m:r>
-                            <a:rPr lang="en-US" sz="5400" b="0" i="1" baseline="-25000" smtClean="0">
-                              <a:solidFill>
-                                <a:srgbClr val="C00000"/>
-                              </a:solidFill>
-                              <a:latin typeface="Cambria Math" panose="02040503050406030204" pitchFamily="18" charset="0"/>
-                            </a:rPr>
-                            <m:t>1</m:t>
-                          </m:r>
-                        </m:e>
-                      </m:d>
+                      <m:r>
+                        <a:rPr lang="en-US" sz="5400" b="0" i="1" smtClean="0">
+                          <a:latin typeface="Cambria Math" panose="02040503050406030204" pitchFamily="18" charset="0"/>
+                        </a:rPr>
+                        <m:t>𝑎</m:t>
+                      </m:r>
+                      <m:r>
+                        <a:rPr lang="en-US" sz="5400" i="1">
+                          <a:solidFill>
+                            <a:srgbClr val="C00000"/>
+                          </a:solidFill>
+                          <a:latin typeface="Cambria Math" panose="02040503050406030204" pitchFamily="18" charset="0"/>
+                        </a:rPr>
+                        <m:t>𝑥</m:t>
+                      </m:r>
+                      <m:r>
+                        <a:rPr lang="en-US" sz="5400" b="0" i="1" baseline="-25000" smtClean="0">
+                          <a:solidFill>
+                            <a:srgbClr val="C00000"/>
+                          </a:solidFill>
+                          <a:latin typeface="Cambria Math" panose="02040503050406030204" pitchFamily="18" charset="0"/>
+                        </a:rPr>
+                        <m:t>1</m:t>
+                      </m:r>
                       <m:r>
                         <a:rPr lang="en-US" sz="5400" b="0" i="1" smtClean="0">
                           <a:solidFill>
@@ -4134,38 +4132,30 @@
                         </a:rPr>
                         <m:t>+</m:t>
                       </m:r>
-                      <m:d>
-                        <m:dPr>
-                          <m:ctrlPr>
-                            <a:rPr lang="en-US" sz="5400" b="0" i="1" smtClean="0">
-                              <a:solidFill>
-                                <a:schemeClr val="tx1"/>
-                              </a:solidFill>
-                              <a:latin typeface="Cambria Math" panose="02040503050406030204" pitchFamily="18" charset="0"/>
-                            </a:rPr>
-                          </m:ctrlPr>
-                        </m:dPr>
-                        <m:e>
-                          <m:r>
-                            <a:rPr lang="en-US" sz="5400" i="1" smtClean="0">
-                              <a:solidFill>
-                                <a:srgbClr val="C00000"/>
-                              </a:solidFill>
-                              <a:latin typeface="Cambria Math" panose="02040503050406030204" pitchFamily="18" charset="0"/>
-                            </a:rPr>
-                            <m:t>𝑥</m:t>
-                          </m:r>
-                          <m:r>
-                            <a:rPr lang="en-US" sz="5400" b="0" i="1" baseline="-25000" smtClean="0">
-                              <a:solidFill>
-                                <a:srgbClr val="C00000"/>
-                              </a:solidFill>
-                              <a:latin typeface="Cambria Math" panose="02040503050406030204" pitchFamily="18" charset="0"/>
-                            </a:rPr>
-                            <m:t>2</m:t>
-                          </m:r>
-                        </m:e>
-                      </m:d>
+                      <m:r>
+                        <a:rPr lang="en-US" sz="5400" b="0" i="1" smtClean="0">
+                          <a:latin typeface="Cambria Math" panose="02040503050406030204" pitchFamily="18" charset="0"/>
+                        </a:rPr>
+                        <m:t>𝑎</m:t>
+                      </m:r>
+                      <m:r>
+                        <a:rPr lang="en-US" sz="5400" i="1">
+                          <a:solidFill>
+                            <a:srgbClr val="C00000"/>
+                          </a:solidFill>
+                          <a:latin typeface="Cambria Math" panose="02040503050406030204" pitchFamily="18" charset="0"/>
+                        </a:rPr>
+                        <m:t>𝑥</m:t>
+                      </m:r>
+                      <m:r>
+                        <a:rPr lang="en-US" sz="5400" b="0" i="1" baseline="-25000" smtClean="0">
+                          <a:solidFill>
+                            <a:srgbClr val="C00000"/>
+                          </a:solidFill>
+                          <a:latin typeface="Cambria Math" panose="02040503050406030204" pitchFamily="18" charset="0"/>
+                        </a:rPr>
+                        <m:t>2</m:t>
+                      </m:r>
                       <m:r>
                         <a:rPr lang="en-US" sz="5400" b="0" i="1" smtClean="0">
                           <a:solidFill>
@@ -4188,28 +4178,13 @@
                         <a:rPr lang="en-US" sz="5400" b="0" i="1" smtClean="0">
                           <a:latin typeface="Cambria Math" panose="02040503050406030204" pitchFamily="18" charset="0"/>
                         </a:rPr>
-                        <m:t>+</m:t>
-                      </m:r>
-                    </m:oMath>
-                  </m:oMathPara>
-                </a14:m>
-                <a:endParaRPr lang="en-US" sz="5400" b="0" i="1">
-                  <a:latin typeface="Cambria Math" panose="02040503050406030204" pitchFamily="18" charset="0"/>
-                </a:endParaRPr>
-              </a:p>
-              <a:p>
-                <a:pPr/>
-                <a14:m>
-                  <m:oMathPara xmlns:m="http://schemas.openxmlformats.org/officeDocument/2006/math">
-                    <m:oMathParaPr>
-                      <m:jc m:val="centerGroup"/>
-                    </m:oMathParaPr>
-                    <m:oMath xmlns:m="http://schemas.openxmlformats.org/officeDocument/2006/math">
+                        <m:t>+…+</m:t>
+                      </m:r>
                       <m:r>
                         <a:rPr lang="en-US" sz="5400" b="0" i="1" smtClean="0">
                           <a:latin typeface="Cambria Math" panose="02040503050406030204" pitchFamily="18" charset="0"/>
                         </a:rPr>
-                        <m:t>…+</m:t>
+                        <m:t>𝑎</m:t>
                       </m:r>
                       <m:r>
                         <a:rPr lang="en-US" sz="5400" i="1">
@@ -4221,13 +4196,13 @@
                         <m:t>𝑥</m:t>
                       </m:r>
                       <m:r>
-                        <a:rPr lang="en-US" sz="5400" i="1" baseline="-25000">
+                        <a:rPr lang="en-US" sz="5400" b="0" i="1" baseline="-25000" smtClean="0">
                           <a:solidFill>
                             <a:srgbClr val="C00000"/>
                           </a:solidFill>
                           <a:latin typeface="Cambria Math" panose="02040503050406030204" pitchFamily="18" charset="0"/>
                         </a:rPr>
-                        <m:t>𝑖</m:t>
+                        <m:t>𝑘</m:t>
                       </m:r>
                       <m:r>
                         <a:rPr lang="en-US" sz="5400" b="0" i="1" smtClean="0">
@@ -4272,8 +4247,8 @@
             </p:nvSpPr>
             <p:spPr>
               <a:xfrm>
-                <a:off x="0" y="3568590"/>
-                <a:ext cx="11760591" cy="1661993"/>
+                <a:off x="1" y="3568590"/>
+                <a:ext cx="11015002" cy="830997"/>
               </a:xfrm>
               <a:prstGeom prst="rect">
                 <a:avLst/>
@@ -4317,7 +4292,7 @@
             <p:spPr>
               <a:xfrm>
                 <a:off x="0" y="936010"/>
-                <a:ext cx="5141023" cy="2353401"/>
+                <a:ext cx="5584874" cy="2353401"/>
               </a:xfrm>
               <a:prstGeom prst="rect">
                 <a:avLst/>
@@ -4325,7 +4300,7 @@
               <a:noFill/>
             </p:spPr>
             <p:txBody>
-              <a:bodyPr wrap="none" lIns="0" tIns="0" rIns="0" bIns="0" rtlCol="0">
+              <a:bodyPr wrap="square" lIns="0" tIns="0" rIns="0" bIns="0" rtlCol="0">
                 <a:spAutoFit/>
               </a:bodyPr>
               <a:lstStyle/>
@@ -4354,6 +4329,12 @@
                         <m:e>
                           <m:r>
                             <a:rPr lang="en-US" sz="5400" b="0" i="1" smtClean="0">
+                              <a:latin typeface="Cambria Math" panose="02040503050406030204" pitchFamily="18" charset="0"/>
+                            </a:rPr>
+                            <m:t>𝑎</m:t>
+                          </m:r>
+                          <m:r>
+                            <a:rPr lang="en-US" sz="5400" b="0" i="1" smtClean="0">
                               <a:solidFill>
                                 <a:srgbClr val="C00000"/>
                               </a:solidFill>
@@ -4408,7 +4389,7 @@
                             <a:rPr lang="en-US" sz="5400" b="0" i="1" smtClean="0">
                               <a:latin typeface="Cambria Math" panose="02040503050406030204" pitchFamily="18" charset="0"/>
                             </a:rPr>
-                            <m:t>(</m:t>
+                            <m:t>𝑎</m:t>
                           </m:r>
                           <m:r>
                             <a:rPr lang="en-US" sz="5400" b="0" i="1" smtClean="0">
@@ -4427,15 +4408,6 @@
                               <a:latin typeface="Cambria Math" panose="02040503050406030204" pitchFamily="18" charset="0"/>
                             </a:rPr>
                             <m:t>𝑖</m:t>
-                          </m:r>
-                          <m:r>
-                            <a:rPr lang="en-US" sz="5400" b="0" i="1" smtClean="0">
-                              <a:solidFill>
-                                <a:schemeClr val="tx1"/>
-                              </a:solidFill>
-                              <a:latin typeface="Cambria Math" panose="02040503050406030204" pitchFamily="18" charset="0"/>
-                            </a:rPr>
-                            <m:t>)</m:t>
                           </m:r>
                           <m:r>
                             <a:rPr lang="en-US" sz="5400" b="0" i="1" smtClean="0">
@@ -4483,13 +4455,179 @@
             <p:spPr>
               <a:xfrm>
                 <a:off x="0" y="936010"/>
-                <a:ext cx="5141023" cy="2353401"/>
+                <a:ext cx="5584874" cy="2353401"/>
               </a:xfrm>
               <a:prstGeom prst="rect">
                 <a:avLst/>
               </a:prstGeom>
               <a:blipFill>
                 <a:blip r:embed="rId3"/>
+                <a:stretch>
+                  <a:fillRect/>
+                </a:stretch>
+              </a:blipFill>
+            </p:spPr>
+            <p:txBody>
+              <a:bodyPr/>
+              <a:lstStyle/>
+              <a:p>
+                <a:r>
+                  <a:rPr lang="en-US">
+                    <a:noFill/>
+                  </a:rPr>
+                  <a:t> </a:t>
+                </a:r>
+              </a:p>
+            </p:txBody>
+          </p:sp>
+        </mc:Fallback>
+      </mc:AlternateContent>
+      <mc:AlternateContent xmlns:mc="http://schemas.openxmlformats.org/markup-compatibility/2006">
+        <mc:Choice xmlns:a14="http://schemas.microsoft.com/office/drawing/2010/main" Requires="a14">
+          <p:sp>
+            <p:nvSpPr>
+              <p:cNvPr id="6" name="TextBox 5">
+                <a:extLst>
+                  <a:ext uri="{FF2B5EF4-FFF2-40B4-BE49-F238E27FC236}">
+                    <a16:creationId xmlns:a16="http://schemas.microsoft.com/office/drawing/2014/main" id="{4F769B7B-FBC2-468A-92E9-C2C86A3C5A9B}"/>
+                  </a:ext>
+                </a:extLst>
+              </p:cNvPr>
+              <p:cNvSpPr txBox="1"/>
+              <p:nvPr/>
+            </p:nvSpPr>
+            <p:spPr>
+              <a:xfrm>
+                <a:off x="0" y="5090993"/>
+                <a:ext cx="11437034" cy="830997"/>
+              </a:xfrm>
+              <a:prstGeom prst="rect">
+                <a:avLst/>
+              </a:prstGeom>
+              <a:noFill/>
+            </p:spPr>
+            <p:txBody>
+              <a:bodyPr wrap="square" lIns="0" tIns="0" rIns="0" bIns="0" rtlCol="0">
+                <a:spAutoFit/>
+              </a:bodyPr>
+              <a:lstStyle/>
+              <a:p>
+                <a:pPr/>
+                <a14:m>
+                  <m:oMathPara xmlns:m="http://schemas.openxmlformats.org/officeDocument/2006/math">
+                    <m:oMathParaPr>
+                      <m:jc m:val="centerGroup"/>
+                    </m:oMathParaPr>
+                    <m:oMath xmlns:m="http://schemas.openxmlformats.org/officeDocument/2006/math">
+                      <m:r>
+                        <a:rPr lang="en-US" sz="5400" b="0" i="1" smtClean="0">
+                          <a:latin typeface="Cambria Math" panose="02040503050406030204" pitchFamily="18" charset="0"/>
+                        </a:rPr>
+                        <m:t>𝐸</m:t>
+                      </m:r>
+                      <m:d>
+                        <m:dPr>
+                          <m:ctrlPr>
+                            <a:rPr lang="en-US" sz="5400" i="1">
+                              <a:latin typeface="Cambria Math" panose="02040503050406030204" pitchFamily="18" charset="0"/>
+                            </a:rPr>
+                          </m:ctrlPr>
+                        </m:dPr>
+                        <m:e>
+                          <m:r>
+                            <a:rPr lang="en-US" sz="5400" b="0" i="1" smtClean="0">
+                              <a:latin typeface="Cambria Math" panose="02040503050406030204" pitchFamily="18" charset="0"/>
+                            </a:rPr>
+                            <m:t>𝑎</m:t>
+                          </m:r>
+                          <m:r>
+                            <a:rPr lang="en-US" sz="5400" i="1">
+                              <a:solidFill>
+                                <a:srgbClr val="C00000"/>
+                              </a:solidFill>
+                              <a:latin typeface="Cambria Math" panose="02040503050406030204" pitchFamily="18" charset="0"/>
+                            </a:rPr>
+                            <m:t>𝑋</m:t>
+                          </m:r>
+                        </m:e>
+                      </m:d>
+                      <m:r>
+                        <a:rPr lang="en-US" sz="5400" i="1" smtClean="0">
+                          <a:latin typeface="Cambria Math" panose="02040503050406030204" pitchFamily="18" charset="0"/>
+                        </a:rPr>
+                        <m:t>=</m:t>
+                      </m:r>
+                      <m:r>
+                        <a:rPr lang="en-US" sz="5400" i="1">
+                          <a:latin typeface="Cambria Math" panose="02040503050406030204" pitchFamily="18" charset="0"/>
+                        </a:rPr>
+                        <m:t>𝑎</m:t>
+                      </m:r>
+                      <m:r>
+                        <a:rPr lang="en-US" sz="5400" i="1">
+                          <a:latin typeface="Cambria Math" panose="02040503050406030204" pitchFamily="18" charset="0"/>
+                        </a:rPr>
+                        <m:t>∗</m:t>
+                      </m:r>
+                      <m:r>
+                        <a:rPr lang="en-US" sz="5400" i="1">
+                          <a:latin typeface="Cambria Math" panose="02040503050406030204" pitchFamily="18" charset="0"/>
+                        </a:rPr>
+                        <m:t>𝐸</m:t>
+                      </m:r>
+                      <m:d>
+                        <m:dPr>
+                          <m:ctrlPr>
+                            <a:rPr lang="en-US" sz="5400" i="1">
+                              <a:latin typeface="Cambria Math" panose="02040503050406030204" pitchFamily="18" charset="0"/>
+                            </a:rPr>
+                          </m:ctrlPr>
+                        </m:dPr>
+                        <m:e>
+                          <m:r>
+                            <a:rPr lang="en-US" sz="5400" i="1">
+                              <a:solidFill>
+                                <a:srgbClr val="C00000"/>
+                              </a:solidFill>
+                              <a:latin typeface="Cambria Math" panose="02040503050406030204" pitchFamily="18" charset="0"/>
+                            </a:rPr>
+                            <m:t>𝑋</m:t>
+                          </m:r>
+                        </m:e>
+                      </m:d>
+                    </m:oMath>
+                  </m:oMathPara>
+                </a14:m>
+                <a:endParaRPr lang="en-US" sz="5400"/>
+              </a:p>
+            </p:txBody>
+          </p:sp>
+        </mc:Choice>
+        <mc:Fallback>
+          <p:sp>
+            <p:nvSpPr>
+              <p:cNvPr id="6" name="TextBox 5">
+                <a:extLst>
+                  <a:ext uri="{FF2B5EF4-FFF2-40B4-BE49-F238E27FC236}">
+                    <a16:creationId xmlns:a16="http://schemas.microsoft.com/office/drawing/2014/main" id="{4F769B7B-FBC2-468A-92E9-C2C86A3C5A9B}"/>
+                  </a:ext>
+                </a:extLst>
+              </p:cNvPr>
+              <p:cNvSpPr txBox="1">
+                <a:spLocks noRot="1" noChangeAspect="1" noMove="1" noResize="1" noEditPoints="1" noAdjustHandles="1" noChangeArrowheads="1" noChangeShapeType="1" noTextEdit="1"/>
+              </p:cNvSpPr>
+              <p:nvPr/>
+            </p:nvSpPr>
+            <p:spPr>
+              <a:xfrm>
+                <a:off x="0" y="5090993"/>
+                <a:ext cx="11437034" cy="830997"/>
+              </a:xfrm>
+              <a:prstGeom prst="rect">
+                <a:avLst/>
+              </a:prstGeom>
+              <a:blipFill>
+                <a:blip r:embed="rId4"/>
                 <a:stretch>
                   <a:fillRect/>
                 </a:stretch>

--- a/ps/ps_images.pptx
+++ b/ps/ps_images.pptx
@@ -8,6 +8,7 @@
     <p:sldId id="256" r:id="rId2"/>
     <p:sldId id="259" r:id="rId3"/>
     <p:sldId id="257" r:id="rId4"/>
+    <p:sldId id="260" r:id="rId5"/>
   </p:sldIdLst>
   <p:sldSz cx="12192000" cy="6858000"/>
   <p:notesSz cx="6858000" cy="9144000"/>
@@ -5343,6 +5344,768 @@
 </p:sld>
 </file>
 
+<file path=ppt/slides/slide4.xml><?xml version="1.0" encoding="utf-8"?>
+<p:sld xmlns:a="http://schemas.openxmlformats.org/drawingml/2006/main" xmlns:r="http://schemas.openxmlformats.org/officeDocument/2006/relationships" xmlns:p="http://schemas.openxmlformats.org/presentationml/2006/main">
+  <p:cSld>
+    <p:spTree>
+      <p:nvGrpSpPr>
+        <p:cNvPr id="1" name=""/>
+        <p:cNvGrpSpPr/>
+        <p:nvPr/>
+      </p:nvGrpSpPr>
+      <p:grpSpPr>
+        <a:xfrm>
+          <a:off x="0" y="0"/>
+          <a:ext cx="0" cy="0"/>
+          <a:chOff x="0" y="0"/>
+          <a:chExt cx="0" cy="0"/>
+        </a:xfrm>
+      </p:grpSpPr>
+      <mc:AlternateContent xmlns:mc="http://schemas.openxmlformats.org/markup-compatibility/2006">
+        <mc:Choice xmlns:a14="http://schemas.microsoft.com/office/drawing/2010/main" Requires="a14">
+          <p:sp>
+            <p:nvSpPr>
+              <p:cNvPr id="2" name="TextBox 1">
+                <a:extLst>
+                  <a:ext uri="{FF2B5EF4-FFF2-40B4-BE49-F238E27FC236}">
+                    <a16:creationId xmlns:a16="http://schemas.microsoft.com/office/drawing/2014/main" id="{CE212542-1FC7-400A-8CE6-F212657D73CB}"/>
+                  </a:ext>
+                </a:extLst>
+              </p:cNvPr>
+              <p:cNvSpPr txBox="1"/>
+              <p:nvPr/>
+            </p:nvSpPr>
+            <p:spPr>
+              <a:xfrm>
+                <a:off x="377483" y="343007"/>
+                <a:ext cx="11437034" cy="830997"/>
+              </a:xfrm>
+              <a:prstGeom prst="rect">
+                <a:avLst/>
+              </a:prstGeom>
+              <a:noFill/>
+            </p:spPr>
+            <p:txBody>
+              <a:bodyPr wrap="square" lIns="0" tIns="0" rIns="0" bIns="0" rtlCol="0">
+                <a:spAutoFit/>
+              </a:bodyPr>
+              <a:lstStyle/>
+              <a:p>
+                <a:pPr/>
+                <a14:m>
+                  <m:oMathPara xmlns:m="http://schemas.openxmlformats.org/officeDocument/2006/math">
+                    <m:oMathParaPr>
+                      <m:jc m:val="centerGroup"/>
+                    </m:oMathParaPr>
+                    <m:oMath xmlns:m="http://schemas.openxmlformats.org/officeDocument/2006/math">
+                      <m:r>
+                        <a:rPr lang="en-US" sz="5400" b="0" i="1" smtClean="0">
+                          <a:latin typeface="Cambria Math" panose="02040503050406030204" pitchFamily="18" charset="0"/>
+                        </a:rPr>
+                        <m:t>𝑉𝑎𝑟</m:t>
+                      </m:r>
+                      <m:r>
+                        <a:rPr lang="en-US" sz="5400" i="1" smtClean="0">
+                          <a:latin typeface="Cambria Math" panose="02040503050406030204" pitchFamily="18" charset="0"/>
+                        </a:rPr>
+                        <m:t>[</m:t>
+                      </m:r>
+                      <m:r>
+                        <a:rPr lang="en-US" sz="5400" i="1">
+                          <a:solidFill>
+                            <a:srgbClr val="C00000"/>
+                          </a:solidFill>
+                          <a:latin typeface="Cambria Math" panose="02040503050406030204" pitchFamily="18" charset="0"/>
+                        </a:rPr>
+                        <m:t>𝑋</m:t>
+                      </m:r>
+                      <m:r>
+                        <a:rPr lang="en-US" sz="5400" b="0" i="1" smtClean="0">
+                          <a:latin typeface="Cambria Math" panose="02040503050406030204" pitchFamily="18" charset="0"/>
+                        </a:rPr>
+                        <m:t>]</m:t>
+                      </m:r>
+                      <m:r>
+                        <a:rPr lang="en-US" sz="5400" i="1" smtClean="0">
+                          <a:latin typeface="Cambria Math" panose="02040503050406030204" pitchFamily="18" charset="0"/>
+                        </a:rPr>
+                        <m:t>=</m:t>
+                      </m:r>
+                      <m:r>
+                        <a:rPr lang="en-US" sz="5400" b="0" i="1" smtClean="0">
+                          <a:latin typeface="Cambria Math" panose="02040503050406030204" pitchFamily="18" charset="0"/>
+                        </a:rPr>
+                        <m:t>𝐸</m:t>
+                      </m:r>
+                      <m:r>
+                        <a:rPr lang="en-US" sz="5400" b="0" i="1" smtClean="0">
+                          <a:latin typeface="Cambria Math" panose="02040503050406030204" pitchFamily="18" charset="0"/>
+                        </a:rPr>
+                        <m:t>[(</m:t>
+                      </m:r>
+                      <m:r>
+                        <a:rPr lang="en-US" sz="5400" i="1">
+                          <a:solidFill>
+                            <a:srgbClr val="C00000"/>
+                          </a:solidFill>
+                          <a:latin typeface="Cambria Math" panose="02040503050406030204" pitchFamily="18" charset="0"/>
+                        </a:rPr>
+                        <m:t>𝑋</m:t>
+                      </m:r>
+                      <m:r>
+                        <a:rPr lang="en-US" sz="5400" b="0" i="1" smtClean="0">
+                          <a:solidFill>
+                            <a:schemeClr val="tx1"/>
+                          </a:solidFill>
+                          <a:latin typeface="Cambria Math" panose="02040503050406030204" pitchFamily="18" charset="0"/>
+                        </a:rPr>
+                        <m:t>−</m:t>
+                      </m:r>
+                      <m:r>
+                        <a:rPr lang="en-US" sz="5400" i="1">
+                          <a:latin typeface="Cambria Math" panose="02040503050406030204" pitchFamily="18" charset="0"/>
+                        </a:rPr>
+                        <m:t>𝐸</m:t>
+                      </m:r>
+                      <m:d>
+                        <m:dPr>
+                          <m:begChr m:val="["/>
+                          <m:endChr m:val="]"/>
+                          <m:ctrlPr>
+                            <a:rPr lang="en-US" sz="5400" b="0" i="1" smtClean="0">
+                              <a:latin typeface="Cambria Math" panose="02040503050406030204" pitchFamily="18" charset="0"/>
+                            </a:rPr>
+                          </m:ctrlPr>
+                        </m:dPr>
+                        <m:e>
+                          <m:r>
+                            <a:rPr lang="en-US" sz="5400" i="1">
+                              <a:solidFill>
+                                <a:srgbClr val="C00000"/>
+                              </a:solidFill>
+                              <a:latin typeface="Cambria Math" panose="02040503050406030204" pitchFamily="18" charset="0"/>
+                            </a:rPr>
+                            <m:t>𝑋</m:t>
+                          </m:r>
+                        </m:e>
+                      </m:d>
+                      <m:r>
+                        <a:rPr lang="en-US" sz="5400" b="0" i="1" smtClean="0">
+                          <a:latin typeface="Cambria Math" panose="02040503050406030204" pitchFamily="18" charset="0"/>
+                        </a:rPr>
+                        <m:t>)</m:t>
+                      </m:r>
+                      <m:r>
+                        <a:rPr lang="en-US" sz="5400" i="1" baseline="30000">
+                          <a:latin typeface="Cambria Math" panose="02040503050406030204" pitchFamily="18" charset="0"/>
+                        </a:rPr>
+                        <m:t>2</m:t>
+                      </m:r>
+                      <m:r>
+                        <a:rPr lang="en-US" sz="5400" b="0" i="1" smtClean="0">
+                          <a:latin typeface="Cambria Math" panose="02040503050406030204" pitchFamily="18" charset="0"/>
+                        </a:rPr>
+                        <m:t>]</m:t>
+                      </m:r>
+                    </m:oMath>
+                  </m:oMathPara>
+                </a14:m>
+                <a:endParaRPr lang="en-US" sz="5400"/>
+              </a:p>
+            </p:txBody>
+          </p:sp>
+        </mc:Choice>
+        <mc:Fallback>
+          <p:sp>
+            <p:nvSpPr>
+              <p:cNvPr id="2" name="TextBox 1">
+                <a:extLst>
+                  <a:ext uri="{FF2B5EF4-FFF2-40B4-BE49-F238E27FC236}">
+                    <a16:creationId xmlns:a16="http://schemas.microsoft.com/office/drawing/2014/main" id="{CE212542-1FC7-400A-8CE6-F212657D73CB}"/>
+                  </a:ext>
+                </a:extLst>
+              </p:cNvPr>
+              <p:cNvSpPr txBox="1">
+                <a:spLocks noRot="1" noChangeAspect="1" noMove="1" noResize="1" noEditPoints="1" noAdjustHandles="1" noChangeArrowheads="1" noChangeShapeType="1" noTextEdit="1"/>
+              </p:cNvSpPr>
+              <p:nvPr/>
+            </p:nvSpPr>
+            <p:spPr>
+              <a:xfrm>
+                <a:off x="377483" y="343007"/>
+                <a:ext cx="11437034" cy="830997"/>
+              </a:xfrm>
+              <a:prstGeom prst="rect">
+                <a:avLst/>
+              </a:prstGeom>
+              <a:blipFill>
+                <a:blip r:embed="rId2"/>
+                <a:stretch>
+                  <a:fillRect/>
+                </a:stretch>
+              </a:blipFill>
+            </p:spPr>
+            <p:txBody>
+              <a:bodyPr/>
+              <a:lstStyle/>
+              <a:p>
+                <a:r>
+                  <a:rPr lang="en-US">
+                    <a:noFill/>
+                  </a:rPr>
+                  <a:t> </a:t>
+                </a:r>
+              </a:p>
+            </p:txBody>
+          </p:sp>
+        </mc:Fallback>
+      </mc:AlternateContent>
+      <mc:AlternateContent xmlns:mc="http://schemas.openxmlformats.org/markup-compatibility/2006">
+        <mc:Choice xmlns:a14="http://schemas.microsoft.com/office/drawing/2010/main" Requires="a14">
+          <p:sp>
+            <p:nvSpPr>
+              <p:cNvPr id="3" name="TextBox 2">
+                <a:extLst>
+                  <a:ext uri="{FF2B5EF4-FFF2-40B4-BE49-F238E27FC236}">
+                    <a16:creationId xmlns:a16="http://schemas.microsoft.com/office/drawing/2014/main" id="{1BE7C838-6CA7-466F-B404-4C57583F7227}"/>
+                  </a:ext>
+                </a:extLst>
+              </p:cNvPr>
+              <p:cNvSpPr txBox="1"/>
+              <p:nvPr/>
+            </p:nvSpPr>
+            <p:spPr>
+              <a:xfrm>
+                <a:off x="377483" y="2124230"/>
+                <a:ext cx="11437034" cy="830997"/>
+              </a:xfrm>
+              <a:prstGeom prst="rect">
+                <a:avLst/>
+              </a:prstGeom>
+              <a:noFill/>
+            </p:spPr>
+            <p:txBody>
+              <a:bodyPr wrap="square" lIns="0" tIns="0" rIns="0" bIns="0" rtlCol="0">
+                <a:spAutoFit/>
+              </a:bodyPr>
+              <a:lstStyle/>
+              <a:p>
+                <a:pPr/>
+                <a14:m>
+                  <m:oMathPara xmlns:m="http://schemas.openxmlformats.org/officeDocument/2006/math">
+                    <m:oMathParaPr>
+                      <m:jc m:val="centerGroup"/>
+                    </m:oMathParaPr>
+                    <m:oMath xmlns:m="http://schemas.openxmlformats.org/officeDocument/2006/math">
+                      <m:r>
+                        <a:rPr lang="en-US" sz="5400" b="0" i="1" smtClean="0">
+                          <a:latin typeface="Cambria Math" panose="02040503050406030204" pitchFamily="18" charset="0"/>
+                        </a:rPr>
+                        <m:t>𝑉𝑎𝑟</m:t>
+                      </m:r>
+                      <m:r>
+                        <a:rPr lang="en-US" sz="5400" i="1" smtClean="0">
+                          <a:latin typeface="Cambria Math" panose="02040503050406030204" pitchFamily="18" charset="0"/>
+                        </a:rPr>
+                        <m:t>[</m:t>
+                      </m:r>
+                      <m:r>
+                        <a:rPr lang="en-US" sz="5400" i="1">
+                          <a:solidFill>
+                            <a:srgbClr val="C00000"/>
+                          </a:solidFill>
+                          <a:latin typeface="Cambria Math" panose="02040503050406030204" pitchFamily="18" charset="0"/>
+                        </a:rPr>
+                        <m:t>𝑋</m:t>
+                      </m:r>
+                      <m:r>
+                        <a:rPr lang="en-US" sz="5400" b="0" i="1" smtClean="0">
+                          <a:latin typeface="Cambria Math" panose="02040503050406030204" pitchFamily="18" charset="0"/>
+                        </a:rPr>
+                        <m:t>]</m:t>
+                      </m:r>
+                      <m:r>
+                        <a:rPr lang="en-US" sz="5400" i="1" smtClean="0">
+                          <a:latin typeface="Cambria Math" panose="02040503050406030204" pitchFamily="18" charset="0"/>
+                        </a:rPr>
+                        <m:t>=</m:t>
+                      </m:r>
+                      <m:r>
+                        <a:rPr lang="en-US" sz="5400" b="0" i="1" smtClean="0">
+                          <a:latin typeface="Cambria Math" panose="02040503050406030204" pitchFamily="18" charset="0"/>
+                        </a:rPr>
+                        <m:t>𝐸</m:t>
+                      </m:r>
+                      <m:r>
+                        <a:rPr lang="en-US" sz="5400" b="0" i="1" smtClean="0">
+                          <a:latin typeface="Cambria Math" panose="02040503050406030204" pitchFamily="18" charset="0"/>
+                        </a:rPr>
+                        <m:t>[</m:t>
+                      </m:r>
+                      <m:r>
+                        <a:rPr lang="en-US" sz="5400" i="1" smtClean="0">
+                          <a:solidFill>
+                            <a:srgbClr val="C00000"/>
+                          </a:solidFill>
+                          <a:latin typeface="Cambria Math" panose="02040503050406030204" pitchFamily="18" charset="0"/>
+                        </a:rPr>
+                        <m:t>𝑋</m:t>
+                      </m:r>
+                      <m:r>
+                        <a:rPr lang="en-US" sz="5400" b="0" i="1" baseline="30000" smtClean="0">
+                          <a:solidFill>
+                            <a:srgbClr val="C00000"/>
+                          </a:solidFill>
+                          <a:latin typeface="Cambria Math" panose="02040503050406030204" pitchFamily="18" charset="0"/>
+                        </a:rPr>
+                        <m:t>2</m:t>
+                      </m:r>
+                      <m:r>
+                        <a:rPr lang="en-US" sz="5400" i="1">
+                          <a:latin typeface="Cambria Math" panose="02040503050406030204" pitchFamily="18" charset="0"/>
+                        </a:rPr>
+                        <m:t>−</m:t>
+                      </m:r>
+                      <m:r>
+                        <a:rPr lang="en-US" sz="5400" b="0" i="1" smtClean="0">
+                          <a:latin typeface="Cambria Math" panose="02040503050406030204" pitchFamily="18" charset="0"/>
+                        </a:rPr>
+                        <m:t>2</m:t>
+                      </m:r>
+                      <m:r>
+                        <a:rPr lang="en-US" sz="5400" i="1">
+                          <a:solidFill>
+                            <a:srgbClr val="C00000"/>
+                          </a:solidFill>
+                          <a:latin typeface="Cambria Math" panose="02040503050406030204" pitchFamily="18" charset="0"/>
+                        </a:rPr>
+                        <m:t>𝑋</m:t>
+                      </m:r>
+                      <m:r>
+                        <a:rPr lang="en-US" sz="5400" i="1">
+                          <a:latin typeface="Cambria Math" panose="02040503050406030204" pitchFamily="18" charset="0"/>
+                        </a:rPr>
+                        <m:t>𝐸</m:t>
+                      </m:r>
+                      <m:d>
+                        <m:dPr>
+                          <m:begChr m:val="["/>
+                          <m:endChr m:val="]"/>
+                          <m:ctrlPr>
+                            <a:rPr lang="en-US" sz="5400" i="1">
+                              <a:latin typeface="Cambria Math" panose="02040503050406030204" pitchFamily="18" charset="0"/>
+                            </a:rPr>
+                          </m:ctrlPr>
+                        </m:dPr>
+                        <m:e>
+                          <m:r>
+                            <a:rPr lang="en-US" sz="5400" i="1">
+                              <a:solidFill>
+                                <a:srgbClr val="C00000"/>
+                              </a:solidFill>
+                              <a:latin typeface="Cambria Math" panose="02040503050406030204" pitchFamily="18" charset="0"/>
+                            </a:rPr>
+                            <m:t>𝑋</m:t>
+                          </m:r>
+                        </m:e>
+                      </m:d>
+                      <m:r>
+                        <a:rPr lang="en-US" sz="5400" b="0" i="1" smtClean="0">
+                          <a:solidFill>
+                            <a:schemeClr val="tx1"/>
+                          </a:solidFill>
+                          <a:latin typeface="Cambria Math" panose="02040503050406030204" pitchFamily="18" charset="0"/>
+                        </a:rPr>
+                        <m:t>+</m:t>
+                      </m:r>
+                      <m:r>
+                        <a:rPr lang="en-US" sz="5400" i="1">
+                          <a:latin typeface="Cambria Math" panose="02040503050406030204" pitchFamily="18" charset="0"/>
+                        </a:rPr>
+                        <m:t>𝐸</m:t>
+                      </m:r>
+                      <m:d>
+                        <m:dPr>
+                          <m:begChr m:val="["/>
+                          <m:endChr m:val="]"/>
+                          <m:ctrlPr>
+                            <a:rPr lang="en-US" sz="5400" b="0" i="1" smtClean="0">
+                              <a:latin typeface="Cambria Math" panose="02040503050406030204" pitchFamily="18" charset="0"/>
+                            </a:rPr>
+                          </m:ctrlPr>
+                        </m:dPr>
+                        <m:e>
+                          <m:r>
+                            <a:rPr lang="en-US" sz="5400" i="1">
+                              <a:solidFill>
+                                <a:srgbClr val="C00000"/>
+                              </a:solidFill>
+                              <a:latin typeface="Cambria Math" panose="02040503050406030204" pitchFamily="18" charset="0"/>
+                            </a:rPr>
+                            <m:t>𝑋</m:t>
+                          </m:r>
+                        </m:e>
+                      </m:d>
+                      <m:r>
+                        <a:rPr lang="en-US" sz="5400" b="0" i="1" baseline="30000" smtClean="0">
+                          <a:latin typeface="Cambria Math" panose="02040503050406030204" pitchFamily="18" charset="0"/>
+                        </a:rPr>
+                        <m:t>2</m:t>
+                      </m:r>
+                      <m:r>
+                        <a:rPr lang="en-US" sz="5400" b="0" i="1" smtClean="0">
+                          <a:latin typeface="Cambria Math" panose="02040503050406030204" pitchFamily="18" charset="0"/>
+                        </a:rPr>
+                        <m:t>]</m:t>
+                      </m:r>
+                    </m:oMath>
+                  </m:oMathPara>
+                </a14:m>
+                <a:endParaRPr lang="en-US" sz="5400"/>
+              </a:p>
+            </p:txBody>
+          </p:sp>
+        </mc:Choice>
+        <mc:Fallback>
+          <p:sp>
+            <p:nvSpPr>
+              <p:cNvPr id="3" name="TextBox 2">
+                <a:extLst>
+                  <a:ext uri="{FF2B5EF4-FFF2-40B4-BE49-F238E27FC236}">
+                    <a16:creationId xmlns:a16="http://schemas.microsoft.com/office/drawing/2014/main" id="{1BE7C838-6CA7-466F-B404-4C57583F7227}"/>
+                  </a:ext>
+                </a:extLst>
+              </p:cNvPr>
+              <p:cNvSpPr txBox="1">
+                <a:spLocks noRot="1" noChangeAspect="1" noMove="1" noResize="1" noEditPoints="1" noAdjustHandles="1" noChangeArrowheads="1" noChangeShapeType="1" noTextEdit="1"/>
+              </p:cNvSpPr>
+              <p:nvPr/>
+            </p:nvSpPr>
+            <p:spPr>
+              <a:xfrm>
+                <a:off x="377483" y="2124230"/>
+                <a:ext cx="11437034" cy="830997"/>
+              </a:xfrm>
+              <a:prstGeom prst="rect">
+                <a:avLst/>
+              </a:prstGeom>
+              <a:blipFill>
+                <a:blip r:embed="rId3"/>
+                <a:stretch>
+                  <a:fillRect/>
+                </a:stretch>
+              </a:blipFill>
+            </p:spPr>
+            <p:txBody>
+              <a:bodyPr/>
+              <a:lstStyle/>
+              <a:p>
+                <a:r>
+                  <a:rPr lang="en-US">
+                    <a:noFill/>
+                  </a:rPr>
+                  <a:t> </a:t>
+                </a:r>
+              </a:p>
+            </p:txBody>
+          </p:sp>
+        </mc:Fallback>
+      </mc:AlternateContent>
+      <mc:AlternateContent xmlns:mc="http://schemas.openxmlformats.org/markup-compatibility/2006">
+        <mc:Choice xmlns:a14="http://schemas.microsoft.com/office/drawing/2010/main" Requires="a14">
+          <p:sp>
+            <p:nvSpPr>
+              <p:cNvPr id="4" name="TextBox 3">
+                <a:extLst>
+                  <a:ext uri="{FF2B5EF4-FFF2-40B4-BE49-F238E27FC236}">
+                    <a16:creationId xmlns:a16="http://schemas.microsoft.com/office/drawing/2014/main" id="{79AFF1EA-D282-4B7E-AB61-EB96AB9794FC}"/>
+                  </a:ext>
+                </a:extLst>
+              </p:cNvPr>
+              <p:cNvSpPr txBox="1"/>
+              <p:nvPr/>
+            </p:nvSpPr>
+            <p:spPr>
+              <a:xfrm>
+                <a:off x="49237" y="4185656"/>
+                <a:ext cx="12093526" cy="1246495"/>
+              </a:xfrm>
+              <a:prstGeom prst="rect">
+                <a:avLst/>
+              </a:prstGeom>
+              <a:noFill/>
+            </p:spPr>
+            <p:txBody>
+              <a:bodyPr wrap="square" lIns="0" tIns="0" rIns="0" bIns="0" rtlCol="0">
+                <a:spAutoFit/>
+              </a:bodyPr>
+              <a:lstStyle/>
+              <a:p>
+                <a:pPr>
+                  <a:lnSpc>
+                    <a:spcPct val="150000"/>
+                  </a:lnSpc>
+                </a:pPr>
+                <a14:m>
+                  <m:oMathPara xmlns:m="http://schemas.openxmlformats.org/officeDocument/2006/math">
+                    <m:oMathParaPr>
+                      <m:jc m:val="centerGroup"/>
+                    </m:oMathParaPr>
+                    <m:oMath xmlns:m="http://schemas.openxmlformats.org/officeDocument/2006/math">
+                      <m:r>
+                        <a:rPr lang="en-US" sz="5400" b="0" i="1" smtClean="0">
+                          <a:latin typeface="Cambria Math" panose="02040503050406030204" pitchFamily="18" charset="0"/>
+                        </a:rPr>
+                        <m:t>𝑉𝑎𝑟</m:t>
+                      </m:r>
+                      <m:d>
+                        <m:dPr>
+                          <m:begChr m:val="["/>
+                          <m:endChr m:val="]"/>
+                          <m:ctrlPr>
+                            <a:rPr lang="en-US" sz="5400" i="1" smtClean="0">
+                              <a:solidFill>
+                                <a:schemeClr val="tx1"/>
+                              </a:solidFill>
+                              <a:latin typeface="Cambria Math" panose="02040503050406030204" pitchFamily="18" charset="0"/>
+                            </a:rPr>
+                          </m:ctrlPr>
+                        </m:dPr>
+                        <m:e>
+                          <m:r>
+                            <a:rPr lang="en-US" sz="5400" i="1" smtClean="0">
+                              <a:solidFill>
+                                <a:srgbClr val="C00000"/>
+                              </a:solidFill>
+                              <a:latin typeface="Cambria Math" panose="02040503050406030204" pitchFamily="18" charset="0"/>
+                            </a:rPr>
+                            <m:t>𝑋</m:t>
+                          </m:r>
+                        </m:e>
+                      </m:d>
+                      <m:r>
+                        <a:rPr lang="en-US" sz="5400" i="1" smtClean="0">
+                          <a:latin typeface="Cambria Math" panose="02040503050406030204" pitchFamily="18" charset="0"/>
+                        </a:rPr>
+                        <m:t>=</m:t>
+                      </m:r>
+                      <m:r>
+                        <a:rPr lang="en-US" sz="5400" b="0" i="1" smtClean="0">
+                          <a:latin typeface="Cambria Math" panose="02040503050406030204" pitchFamily="18" charset="0"/>
+                        </a:rPr>
+                        <m:t>𝐸</m:t>
+                      </m:r>
+                      <m:d>
+                        <m:dPr>
+                          <m:begChr m:val="["/>
+                          <m:endChr m:val="]"/>
+                          <m:ctrlPr>
+                            <a:rPr lang="en-US" sz="5400" b="0" i="1" smtClean="0">
+                              <a:latin typeface="Cambria Math" panose="02040503050406030204" pitchFamily="18" charset="0"/>
+                            </a:rPr>
+                          </m:ctrlPr>
+                        </m:dPr>
+                        <m:e>
+                          <m:r>
+                            <a:rPr lang="en-US" sz="5400" i="1" smtClean="0">
+                              <a:solidFill>
+                                <a:srgbClr val="C00000"/>
+                              </a:solidFill>
+                              <a:latin typeface="Cambria Math" panose="02040503050406030204" pitchFamily="18" charset="0"/>
+                            </a:rPr>
+                            <m:t>𝑋</m:t>
+                          </m:r>
+                          <m:r>
+                            <a:rPr lang="en-US" sz="5400" b="0" i="1" baseline="30000" smtClean="0">
+                              <a:solidFill>
+                                <a:srgbClr val="C00000"/>
+                              </a:solidFill>
+                              <a:latin typeface="Cambria Math" panose="02040503050406030204" pitchFamily="18" charset="0"/>
+                            </a:rPr>
+                            <m:t>2</m:t>
+                          </m:r>
+                        </m:e>
+                      </m:d>
+                      <m:r>
+                        <a:rPr lang="en-US" sz="5400" i="1">
+                          <a:latin typeface="Cambria Math" panose="02040503050406030204" pitchFamily="18" charset="0"/>
+                        </a:rPr>
+                        <m:t>−</m:t>
+                      </m:r>
+                      <m:r>
+                        <a:rPr lang="en-US" sz="5400" b="0" i="1" smtClean="0">
+                          <a:latin typeface="Cambria Math" panose="02040503050406030204" pitchFamily="18" charset="0"/>
+                        </a:rPr>
+                        <m:t>2</m:t>
+                      </m:r>
+                      <m:r>
+                        <a:rPr lang="en-US" sz="5400" b="0" i="1" smtClean="0">
+                          <a:latin typeface="Cambria Math" panose="02040503050406030204" pitchFamily="18" charset="0"/>
+                        </a:rPr>
+                        <m:t>𝐸</m:t>
+                      </m:r>
+                      <m:d>
+                        <m:dPr>
+                          <m:begChr m:val="["/>
+                          <m:endChr m:val="]"/>
+                          <m:ctrlPr>
+                            <a:rPr lang="en-US" sz="5400" b="0" i="1" smtClean="0">
+                              <a:latin typeface="Cambria Math" panose="02040503050406030204" pitchFamily="18" charset="0"/>
+                            </a:rPr>
+                          </m:ctrlPr>
+                        </m:dPr>
+                        <m:e>
+                          <m:r>
+                            <a:rPr lang="en-US" sz="5400" i="1">
+                              <a:solidFill>
+                                <a:srgbClr val="C00000"/>
+                              </a:solidFill>
+                              <a:latin typeface="Cambria Math" panose="02040503050406030204" pitchFamily="18" charset="0"/>
+                            </a:rPr>
+                            <m:t>𝑋</m:t>
+                          </m:r>
+                        </m:e>
+                      </m:d>
+                      <m:r>
+                        <a:rPr lang="en-US" sz="5400" i="1">
+                          <a:latin typeface="Cambria Math" panose="02040503050406030204" pitchFamily="18" charset="0"/>
+                        </a:rPr>
+                        <m:t>𝐸</m:t>
+                      </m:r>
+                      <m:d>
+                        <m:dPr>
+                          <m:begChr m:val="["/>
+                          <m:endChr m:val="]"/>
+                          <m:ctrlPr>
+                            <a:rPr lang="en-US" sz="5400" i="1">
+                              <a:latin typeface="Cambria Math" panose="02040503050406030204" pitchFamily="18" charset="0"/>
+                            </a:rPr>
+                          </m:ctrlPr>
+                        </m:dPr>
+                        <m:e>
+                          <m:r>
+                            <a:rPr lang="en-US" sz="5400" i="1">
+                              <a:solidFill>
+                                <a:srgbClr val="C00000"/>
+                              </a:solidFill>
+                              <a:latin typeface="Cambria Math" panose="02040503050406030204" pitchFamily="18" charset="0"/>
+                            </a:rPr>
+                            <m:t>𝑋</m:t>
+                          </m:r>
+                        </m:e>
+                      </m:d>
+                      <m:r>
+                        <a:rPr lang="en-US" sz="5400" b="0" i="1" smtClean="0">
+                          <a:solidFill>
+                            <a:schemeClr val="tx1"/>
+                          </a:solidFill>
+                          <a:latin typeface="Cambria Math" panose="02040503050406030204" pitchFamily="18" charset="0"/>
+                        </a:rPr>
+                        <m:t>+</m:t>
+                      </m:r>
+                      <m:r>
+                        <a:rPr lang="en-US" sz="5400" i="1">
+                          <a:latin typeface="Cambria Math" panose="02040503050406030204" pitchFamily="18" charset="0"/>
+                        </a:rPr>
+                        <m:t>𝐸</m:t>
+                      </m:r>
+                      <m:d>
+                        <m:dPr>
+                          <m:begChr m:val="["/>
+                          <m:endChr m:val="]"/>
+                          <m:ctrlPr>
+                            <a:rPr lang="en-US" sz="5400" i="1">
+                              <a:latin typeface="Cambria Math" panose="02040503050406030204" pitchFamily="18" charset="0"/>
+                            </a:rPr>
+                          </m:ctrlPr>
+                        </m:dPr>
+                        <m:e>
+                          <m:r>
+                            <a:rPr lang="en-US" sz="5400" i="1">
+                              <a:solidFill>
+                                <a:srgbClr val="C00000"/>
+                              </a:solidFill>
+                              <a:latin typeface="Cambria Math" panose="02040503050406030204" pitchFamily="18" charset="0"/>
+                            </a:rPr>
+                            <m:t>𝑋</m:t>
+                          </m:r>
+                        </m:e>
+                      </m:d>
+                      <m:r>
+                        <a:rPr lang="en-US" sz="5400" b="0" i="1" baseline="30000" smtClean="0">
+                          <a:solidFill>
+                            <a:schemeClr val="tx1"/>
+                          </a:solidFill>
+                          <a:latin typeface="Cambria Math" panose="02040503050406030204" pitchFamily="18" charset="0"/>
+                        </a:rPr>
+                        <m:t>2</m:t>
+                      </m:r>
+                    </m:oMath>
+                  </m:oMathPara>
+                </a14:m>
+                <a:endParaRPr lang="en-US" sz="5400"/>
+              </a:p>
+            </p:txBody>
+          </p:sp>
+        </mc:Choice>
+        <mc:Fallback>
+          <p:sp>
+            <p:nvSpPr>
+              <p:cNvPr id="4" name="TextBox 3">
+                <a:extLst>
+                  <a:ext uri="{FF2B5EF4-FFF2-40B4-BE49-F238E27FC236}">
+                    <a16:creationId xmlns:a16="http://schemas.microsoft.com/office/drawing/2014/main" id="{79AFF1EA-D282-4B7E-AB61-EB96AB9794FC}"/>
+                  </a:ext>
+                </a:extLst>
+              </p:cNvPr>
+              <p:cNvSpPr txBox="1">
+                <a:spLocks noRot="1" noChangeAspect="1" noMove="1" noResize="1" noEditPoints="1" noAdjustHandles="1" noChangeArrowheads="1" noChangeShapeType="1" noTextEdit="1"/>
+              </p:cNvSpPr>
+              <p:nvPr/>
+            </p:nvSpPr>
+            <p:spPr>
+              <a:xfrm>
+                <a:off x="49237" y="4185656"/>
+                <a:ext cx="12093526" cy="1246495"/>
+              </a:xfrm>
+              <a:prstGeom prst="rect">
+                <a:avLst/>
+              </a:prstGeom>
+              <a:blipFill>
+                <a:blip r:embed="rId4"/>
+                <a:stretch>
+                  <a:fillRect/>
+                </a:stretch>
+              </a:blipFill>
+            </p:spPr>
+            <p:txBody>
+              <a:bodyPr/>
+              <a:lstStyle/>
+              <a:p>
+                <a:r>
+                  <a:rPr lang="en-US">
+                    <a:noFill/>
+                  </a:rPr>
+                  <a:t> </a:t>
+                </a:r>
+              </a:p>
+            </p:txBody>
+          </p:sp>
+        </mc:Fallback>
+      </mc:AlternateContent>
+    </p:spTree>
+    <p:extLst>
+      <p:ext uri="{BB962C8B-B14F-4D97-AF65-F5344CB8AC3E}">
+        <p14:creationId xmlns:p14="http://schemas.microsoft.com/office/powerpoint/2010/main" val="1827669265"/>
+      </p:ext>
+    </p:extLst>
+  </p:cSld>
+  <p:clrMapOvr>
+    <a:masterClrMapping/>
+  </p:clrMapOvr>
+</p:sld>
+</file>
+
 <file path=ppt/theme/theme1.xml><?xml version="1.0" encoding="utf-8"?>
 <a:theme xmlns:a="http://schemas.openxmlformats.org/drawingml/2006/main" name="Office Theme">
   <a:themeElements>

--- a/ps/ps_images.pptx
+++ b/ps/ps_images.pptx
@@ -5827,7 +5827,7 @@
             </p:nvSpPr>
             <p:spPr>
               <a:xfrm>
-                <a:off x="49237" y="4185656"/>
+                <a:off x="49237" y="3902774"/>
                 <a:ext cx="12093526" cy="1246495"/>
               </a:xfrm>
               <a:prstGeom prst="rect">
@@ -5939,7 +5939,7 @@
                         <m:t>2</m:t>
                       </m:r>
                       <m:r>
-                        <a:rPr lang="en-US" sz="5400" b="0" i="1" smtClean="0">
+                        <a:rPr lang="en-US" sz="5400" i="1">
                           <a:latin typeface="Cambria Math" panose="02040503050406030204" pitchFamily="18" charset="0"/>
                         </a:rPr>
                         <m:t>𝐸</m:t>
@@ -5949,7 +5949,7 @@
                           <m:begChr m:val="["/>
                           <m:endChr m:val="]"/>
                           <m:ctrlPr>
-                            <a:rPr lang="en-US" sz="5400" b="0" i="1" smtClean="0">
+                            <a:rPr lang="en-US" sz="5400" i="1">
                               <a:latin typeface="Cambria Math" panose="02040503050406030204" pitchFamily="18" charset="0"/>
                             </a:rPr>
                           </m:ctrlPr>
@@ -5967,33 +5967,11 @@
                         </m:e>
                       </m:d>
                       <m:r>
-                        <a:rPr lang="en-US" sz="5400" i="1">
-                          <a:latin typeface="Cambria Math" panose="02040503050406030204" pitchFamily="18" charset="0"/>
-                        </a:rPr>
-                        <m:t>𝐸</m:t>
-                      </m:r>
-                      <m:d>
-                        <m:dPr>
-                          <m:begChr m:val="["/>
-                          <m:endChr m:val="]"/>
-                          <m:ctrlPr>
-                            <a:rPr lang="en-US" sz="5400" i="1">
-                              <a:latin typeface="Cambria Math" panose="02040503050406030204" pitchFamily="18" charset="0"/>
-                            </a:rPr>
-                          </m:ctrlPr>
-                        </m:dPr>
-                        <m:e>
-                          <m:r>
-                            <a:rPr lang="en-US" sz="5400" i="1">
-                              <a:solidFill>
-                                <a:srgbClr val="C00000"/>
-                              </a:solidFill>
-                              <a:latin typeface="Cambria Math" panose="02040503050406030204" pitchFamily="18" charset="0"/>
-                            </a:rPr>
-                            <m:t>𝑋</m:t>
-                          </m:r>
-                        </m:e>
-                      </m:d>
+                        <a:rPr lang="en-US" sz="5400" i="1" baseline="30000">
+                          <a:latin typeface="Cambria Math" panose="02040503050406030204" pitchFamily="18" charset="0"/>
+                        </a:rPr>
+                        <m:t>2</m:t>
+                      </m:r>
                       <m:r>
                         <a:rPr lang="en-US" sz="5400" b="0" i="1" smtClean="0">
                           <a:solidFill>
@@ -6065,7 +6043,7 @@
             </p:nvSpPr>
             <p:spPr>
               <a:xfrm>
-                <a:off x="49237" y="4185656"/>
+                <a:off x="49237" y="3902774"/>
                 <a:ext cx="12093526" cy="1246495"/>
               </a:xfrm>
               <a:prstGeom prst="rect">
@@ -6073,6 +6051,217 @@
               </a:prstGeom>
               <a:blipFill>
                 <a:blip r:embed="rId4"/>
+                <a:stretch>
+                  <a:fillRect/>
+                </a:stretch>
+              </a:blipFill>
+            </p:spPr>
+            <p:txBody>
+              <a:bodyPr/>
+              <a:lstStyle/>
+              <a:p>
+                <a:r>
+                  <a:rPr lang="en-US">
+                    <a:noFill/>
+                  </a:rPr>
+                  <a:t> </a:t>
+                </a:r>
+              </a:p>
+            </p:txBody>
+          </p:sp>
+        </mc:Fallback>
+      </mc:AlternateContent>
+      <mc:AlternateContent xmlns:mc="http://schemas.openxmlformats.org/markup-compatibility/2006">
+        <mc:Choice xmlns:a14="http://schemas.microsoft.com/office/drawing/2010/main" Requires="a14">
+          <p:sp>
+            <p:nvSpPr>
+              <p:cNvPr id="5" name="TextBox 4">
+                <a:extLst>
+                  <a:ext uri="{FF2B5EF4-FFF2-40B4-BE49-F238E27FC236}">
+                    <a16:creationId xmlns:a16="http://schemas.microsoft.com/office/drawing/2014/main" id="{144A7C6B-072F-4066-890F-535855A69553}"/>
+                  </a:ext>
+                </a:extLst>
+              </p:cNvPr>
+              <p:cNvSpPr txBox="1"/>
+              <p:nvPr/>
+            </p:nvSpPr>
+            <p:spPr>
+              <a:xfrm>
+                <a:off x="49237" y="5268498"/>
+                <a:ext cx="12093526" cy="1246495"/>
+              </a:xfrm>
+              <a:prstGeom prst="rect">
+                <a:avLst/>
+              </a:prstGeom>
+              <a:noFill/>
+            </p:spPr>
+            <p:txBody>
+              <a:bodyPr wrap="square" lIns="0" tIns="0" rIns="0" bIns="0" rtlCol="0">
+                <a:spAutoFit/>
+              </a:bodyPr>
+              <a:lstStyle/>
+              <a:p>
+                <a:pPr>
+                  <a:lnSpc>
+                    <a:spcPct val="150000"/>
+                  </a:lnSpc>
+                </a:pPr>
+                <a14:m>
+                  <m:oMathPara xmlns:m="http://schemas.openxmlformats.org/officeDocument/2006/math">
+                    <m:oMathParaPr>
+                      <m:jc m:val="centerGroup"/>
+                    </m:oMathParaPr>
+                    <m:oMath xmlns:m="http://schemas.openxmlformats.org/officeDocument/2006/math">
+                      <m:r>
+                        <a:rPr lang="en-US" sz="5400" b="0" i="1" smtClean="0">
+                          <a:latin typeface="Cambria Math" panose="02040503050406030204" pitchFamily="18" charset="0"/>
+                        </a:rPr>
+                        <m:t>𝑉𝑎𝑟</m:t>
+                      </m:r>
+                      <m:d>
+                        <m:dPr>
+                          <m:begChr m:val="["/>
+                          <m:endChr m:val="]"/>
+                          <m:ctrlPr>
+                            <a:rPr lang="en-US" sz="5400" i="1" smtClean="0">
+                              <a:solidFill>
+                                <a:schemeClr val="tx1"/>
+                              </a:solidFill>
+                              <a:latin typeface="Cambria Math" panose="02040503050406030204" pitchFamily="18" charset="0"/>
+                            </a:rPr>
+                          </m:ctrlPr>
+                        </m:dPr>
+                        <m:e>
+                          <m:r>
+                            <a:rPr lang="en-US" sz="5400" i="1" smtClean="0">
+                              <a:solidFill>
+                                <a:srgbClr val="C00000"/>
+                              </a:solidFill>
+                              <a:latin typeface="Cambria Math" panose="02040503050406030204" pitchFamily="18" charset="0"/>
+                            </a:rPr>
+                            <m:t>𝑋</m:t>
+                          </m:r>
+                        </m:e>
+                      </m:d>
+                      <m:r>
+                        <a:rPr lang="en-US" sz="5400" i="1" smtClean="0">
+                          <a:latin typeface="Cambria Math" panose="02040503050406030204" pitchFamily="18" charset="0"/>
+                        </a:rPr>
+                        <m:t>=</m:t>
+                      </m:r>
+                      <m:r>
+                        <a:rPr lang="en-US" sz="5400" b="0" i="1" smtClean="0">
+                          <a:latin typeface="Cambria Math" panose="02040503050406030204" pitchFamily="18" charset="0"/>
+                        </a:rPr>
+                        <m:t>𝐸</m:t>
+                      </m:r>
+                      <m:d>
+                        <m:dPr>
+                          <m:begChr m:val="["/>
+                          <m:endChr m:val="]"/>
+                          <m:ctrlPr>
+                            <a:rPr lang="en-US" sz="5400" b="0" i="1" smtClean="0">
+                              <a:latin typeface="Cambria Math" panose="02040503050406030204" pitchFamily="18" charset="0"/>
+                            </a:rPr>
+                          </m:ctrlPr>
+                        </m:dPr>
+                        <m:e>
+                          <m:r>
+                            <a:rPr lang="en-US" sz="5400" i="1" smtClean="0">
+                              <a:solidFill>
+                                <a:srgbClr val="C00000"/>
+                              </a:solidFill>
+                              <a:latin typeface="Cambria Math" panose="02040503050406030204" pitchFamily="18" charset="0"/>
+                            </a:rPr>
+                            <m:t>𝑋</m:t>
+                          </m:r>
+                          <m:r>
+                            <a:rPr lang="en-US" sz="5400" b="0" i="1" baseline="30000" smtClean="0">
+                              <a:solidFill>
+                                <a:srgbClr val="C00000"/>
+                              </a:solidFill>
+                              <a:latin typeface="Cambria Math" panose="02040503050406030204" pitchFamily="18" charset="0"/>
+                            </a:rPr>
+                            <m:t>2</m:t>
+                          </m:r>
+                        </m:e>
+                      </m:d>
+                      <m:r>
+                        <a:rPr lang="en-US" sz="5400" i="1">
+                          <a:latin typeface="Cambria Math" panose="02040503050406030204" pitchFamily="18" charset="0"/>
+                        </a:rPr>
+                        <m:t>−</m:t>
+                      </m:r>
+                      <m:r>
+                        <a:rPr lang="en-US" sz="5400" i="1">
+                          <a:latin typeface="Cambria Math" panose="02040503050406030204" pitchFamily="18" charset="0"/>
+                        </a:rPr>
+                        <m:t>𝐸</m:t>
+                      </m:r>
+                      <m:d>
+                        <m:dPr>
+                          <m:begChr m:val="["/>
+                          <m:endChr m:val="]"/>
+                          <m:ctrlPr>
+                            <a:rPr lang="en-US" sz="5400" i="1">
+                              <a:latin typeface="Cambria Math" panose="02040503050406030204" pitchFamily="18" charset="0"/>
+                            </a:rPr>
+                          </m:ctrlPr>
+                        </m:dPr>
+                        <m:e>
+                          <m:r>
+                            <a:rPr lang="en-US" sz="5400" i="1">
+                              <a:solidFill>
+                                <a:srgbClr val="C00000"/>
+                              </a:solidFill>
+                              <a:latin typeface="Cambria Math" panose="02040503050406030204" pitchFamily="18" charset="0"/>
+                            </a:rPr>
+                            <m:t>𝑋</m:t>
+                          </m:r>
+                        </m:e>
+                      </m:d>
+                      <m:r>
+                        <a:rPr lang="en-US" sz="5400" b="0" i="1" baseline="30000" smtClean="0">
+                          <a:solidFill>
+                            <a:schemeClr val="tx1"/>
+                          </a:solidFill>
+                          <a:latin typeface="Cambria Math" panose="02040503050406030204" pitchFamily="18" charset="0"/>
+                        </a:rPr>
+                        <m:t>2</m:t>
+                      </m:r>
+                    </m:oMath>
+                  </m:oMathPara>
+                </a14:m>
+                <a:endParaRPr lang="en-US" sz="5400"/>
+              </a:p>
+            </p:txBody>
+          </p:sp>
+        </mc:Choice>
+        <mc:Fallback>
+          <p:sp>
+            <p:nvSpPr>
+              <p:cNvPr id="5" name="TextBox 4">
+                <a:extLst>
+                  <a:ext uri="{FF2B5EF4-FFF2-40B4-BE49-F238E27FC236}">
+                    <a16:creationId xmlns:a16="http://schemas.microsoft.com/office/drawing/2014/main" id="{144A7C6B-072F-4066-890F-535855A69553}"/>
+                  </a:ext>
+                </a:extLst>
+              </p:cNvPr>
+              <p:cNvSpPr txBox="1">
+                <a:spLocks noRot="1" noChangeAspect="1" noMove="1" noResize="1" noEditPoints="1" noAdjustHandles="1" noChangeArrowheads="1" noChangeShapeType="1" noTextEdit="1"/>
+              </p:cNvSpPr>
+              <p:nvPr/>
+            </p:nvSpPr>
+            <p:spPr>
+              <a:xfrm>
+                <a:off x="49237" y="5268498"/>
+                <a:ext cx="12093526" cy="1246495"/>
+              </a:xfrm>
+              <a:prstGeom prst="rect">
+                <a:avLst/>
+              </a:prstGeom>
+              <a:blipFill>
+                <a:blip r:embed="rId5"/>
                 <a:stretch>
                   <a:fillRect/>
                 </a:stretch>

--- a/ps/ps_images.pptx
+++ b/ps/ps_images.pptx
@@ -9,6 +9,7 @@
     <p:sldId id="259" r:id="rId3"/>
     <p:sldId id="257" r:id="rId4"/>
     <p:sldId id="260" r:id="rId5"/>
+    <p:sldId id="261" r:id="rId6"/>
   </p:sldIdLst>
   <p:sldSz cx="12192000" cy="6858000"/>
   <p:notesSz cx="6858000" cy="9144000"/>
@@ -5377,8 +5378,8 @@
             </p:nvSpPr>
             <p:spPr>
               <a:xfrm>
-                <a:off x="377483" y="343007"/>
-                <a:ext cx="11437034" cy="830997"/>
+                <a:off x="49237" y="590407"/>
+                <a:ext cx="4644851" cy="738664"/>
               </a:xfrm>
               <a:prstGeom prst="rect">
                 <a:avLst/>
@@ -5399,19 +5400,25 @@
                     </m:oMathParaPr>
                     <m:oMath xmlns:m="http://schemas.openxmlformats.org/officeDocument/2006/math">
                       <m:r>
-                        <a:rPr lang="en-US" sz="5400" b="0" i="1" smtClean="0">
-                          <a:latin typeface="Cambria Math" panose="02040503050406030204" pitchFamily="18" charset="0"/>
-                        </a:rPr>
-                        <m:t>𝑉𝑎𝑟</m:t>
-                      </m:r>
-                      <m:r>
-                        <a:rPr lang="en-US" sz="5400" i="1" smtClean="0">
-                          <a:latin typeface="Cambria Math" panose="02040503050406030204" pitchFamily="18" charset="0"/>
-                        </a:rPr>
-                        <m:t>[</m:t>
-                      </m:r>
-                      <m:r>
-                        <a:rPr lang="en-US" sz="5400" i="1">
+                        <a:rPr lang="en-US" sz="4800" b="0" i="1" smtClean="0">
+                          <a:latin typeface="Cambria Math" panose="02040503050406030204" pitchFamily="18" charset="0"/>
+                        </a:rPr>
+                        <m:t>=</m:t>
+                      </m:r>
+                      <m:r>
+                        <a:rPr lang="en-US" sz="4800" b="0" i="1" smtClean="0">
+                          <a:latin typeface="Cambria Math" panose="02040503050406030204" pitchFamily="18" charset="0"/>
+                        </a:rPr>
+                        <m:t>𝐸</m:t>
+                      </m:r>
+                      <m:r>
+                        <a:rPr lang="en-US" sz="4800" b="0" i="1" smtClean="0">
+                          <a:latin typeface="Cambria Math" panose="02040503050406030204" pitchFamily="18" charset="0"/>
+                        </a:rPr>
+                        <m:t>[(</m:t>
+                      </m:r>
+                      <m:r>
+                        <a:rPr lang="en-US" sz="4800" i="1">
                           <a:solidFill>
                             <a:srgbClr val="C00000"/>
                           </a:solidFill>
@@ -5420,40 +5427,7 @@
                         <m:t>𝑋</m:t>
                       </m:r>
                       <m:r>
-                        <a:rPr lang="en-US" sz="5400" b="0" i="1" smtClean="0">
-                          <a:latin typeface="Cambria Math" panose="02040503050406030204" pitchFamily="18" charset="0"/>
-                        </a:rPr>
-                        <m:t>]</m:t>
-                      </m:r>
-                      <m:r>
-                        <a:rPr lang="en-US" sz="5400" i="1" smtClean="0">
-                          <a:latin typeface="Cambria Math" panose="02040503050406030204" pitchFamily="18" charset="0"/>
-                        </a:rPr>
-                        <m:t>=</m:t>
-                      </m:r>
-                      <m:r>
-                        <a:rPr lang="en-US" sz="5400" b="0" i="1" smtClean="0">
-                          <a:latin typeface="Cambria Math" panose="02040503050406030204" pitchFamily="18" charset="0"/>
-                        </a:rPr>
-                        <m:t>𝐸</m:t>
-                      </m:r>
-                      <m:r>
-                        <a:rPr lang="en-US" sz="5400" b="0" i="1" smtClean="0">
-                          <a:latin typeface="Cambria Math" panose="02040503050406030204" pitchFamily="18" charset="0"/>
-                        </a:rPr>
-                        <m:t>[(</m:t>
-                      </m:r>
-                      <m:r>
-                        <a:rPr lang="en-US" sz="5400" i="1">
-                          <a:solidFill>
-                            <a:srgbClr val="C00000"/>
-                          </a:solidFill>
-                          <a:latin typeface="Cambria Math" panose="02040503050406030204" pitchFamily="18" charset="0"/>
-                        </a:rPr>
-                        <m:t>𝑋</m:t>
-                      </m:r>
-                      <m:r>
-                        <a:rPr lang="en-US" sz="5400" b="0" i="1" smtClean="0">
+                        <a:rPr lang="en-US" sz="4800" b="0" i="1" smtClean="0">
                           <a:solidFill>
                             <a:schemeClr val="tx1"/>
                           </a:solidFill>
@@ -5462,7 +5436,7 @@
                         <m:t>−</m:t>
                       </m:r>
                       <m:r>
-                        <a:rPr lang="en-US" sz="5400" i="1">
+                        <a:rPr lang="en-US" sz="4800" i="1">
                           <a:latin typeface="Cambria Math" panose="02040503050406030204" pitchFamily="18" charset="0"/>
                         </a:rPr>
                         <m:t>𝐸</m:t>
@@ -5472,14 +5446,14 @@
                           <m:begChr m:val="["/>
                           <m:endChr m:val="]"/>
                           <m:ctrlPr>
-                            <a:rPr lang="en-US" sz="5400" b="0" i="1" smtClean="0">
+                            <a:rPr lang="en-US" sz="4800" b="0" i="1" smtClean="0">
                               <a:latin typeface="Cambria Math" panose="02040503050406030204" pitchFamily="18" charset="0"/>
                             </a:rPr>
                           </m:ctrlPr>
                         </m:dPr>
                         <m:e>
                           <m:r>
-                            <a:rPr lang="en-US" sz="5400" i="1">
+                            <a:rPr lang="en-US" sz="4800" i="1">
                               <a:solidFill>
                                 <a:srgbClr val="C00000"/>
                               </a:solidFill>
@@ -5490,19 +5464,19 @@
                         </m:e>
                       </m:d>
                       <m:r>
-                        <a:rPr lang="en-US" sz="5400" b="0" i="1" smtClean="0">
+                        <a:rPr lang="en-US" sz="4800" b="0" i="1" smtClean="0">
                           <a:latin typeface="Cambria Math" panose="02040503050406030204" pitchFamily="18" charset="0"/>
                         </a:rPr>
                         <m:t>)</m:t>
                       </m:r>
                       <m:r>
-                        <a:rPr lang="en-US" sz="5400" i="1" baseline="30000">
+                        <a:rPr lang="en-US" sz="4800" i="1" baseline="30000">
                           <a:latin typeface="Cambria Math" panose="02040503050406030204" pitchFamily="18" charset="0"/>
                         </a:rPr>
                         <m:t>2</m:t>
                       </m:r>
                       <m:r>
-                        <a:rPr lang="en-US" sz="5400" b="0" i="1" smtClean="0">
+                        <a:rPr lang="en-US" sz="4800" b="0" i="1" smtClean="0">
                           <a:latin typeface="Cambria Math" panose="02040503050406030204" pitchFamily="18" charset="0"/>
                         </a:rPr>
                         <m:t>]</m:t>
@@ -5510,7 +5484,7 @@
                     </m:oMath>
                   </m:oMathPara>
                 </a14:m>
-                <a:endParaRPr lang="en-US" sz="5400"/>
+                <a:endParaRPr lang="en-US" sz="4800"/>
               </a:p>
             </p:txBody>
           </p:sp>
@@ -5532,8 +5506,8 @@
             </p:nvSpPr>
             <p:spPr>
               <a:xfrm>
-                <a:off x="377483" y="343007"/>
-                <a:ext cx="11437034" cy="830997"/>
+                <a:off x="49237" y="590407"/>
+                <a:ext cx="4644851" cy="738664"/>
               </a:xfrm>
               <a:prstGeom prst="rect">
                 <a:avLst/>
@@ -5576,7 +5550,7 @@
             </p:nvSpPr>
             <p:spPr>
               <a:xfrm>
-                <a:off x="377483" y="2124230"/>
+                <a:off x="377483" y="3411535"/>
                 <a:ext cx="11437034" cy="830997"/>
               </a:xfrm>
               <a:prstGeom prst="rect">
@@ -5783,7 +5757,7 @@
             </p:nvSpPr>
             <p:spPr>
               <a:xfrm>
-                <a:off x="377483" y="2124230"/>
+                <a:off x="377483" y="3411535"/>
                 <a:ext cx="11437034" cy="830997"/>
               </a:xfrm>
               <a:prstGeom prst="rect">
@@ -5827,7 +5801,7 @@
             </p:nvSpPr>
             <p:spPr>
               <a:xfrm>
-                <a:off x="49237" y="3902774"/>
+                <a:off x="49237" y="4265631"/>
                 <a:ext cx="12093526" cy="1246495"/>
               </a:xfrm>
               <a:prstGeom prst="rect">
@@ -6043,7 +6017,7 @@
             </p:nvSpPr>
             <p:spPr>
               <a:xfrm>
-                <a:off x="49237" y="3902774"/>
+                <a:off x="49237" y="4265631"/>
                 <a:ext cx="12093526" cy="1246495"/>
               </a:xfrm>
               <a:prstGeom prst="rect">
@@ -6088,7 +6062,7 @@
             <p:spPr>
               <a:xfrm>
                 <a:off x="49237" y="5268498"/>
-                <a:ext cx="12093526" cy="1246495"/>
+                <a:ext cx="9249508" cy="1246495"/>
               </a:xfrm>
               <a:prstGeom prst="rect">
                 <a:avLst/>
@@ -6255,7 +6229,1498 @@
             <p:spPr>
               <a:xfrm>
                 <a:off x="49237" y="5268498"/>
-                <a:ext cx="12093526" cy="1246495"/>
+                <a:ext cx="9249508" cy="1246495"/>
+              </a:xfrm>
+              <a:prstGeom prst="rect">
+                <a:avLst/>
+              </a:prstGeom>
+              <a:blipFill>
+                <a:blip r:embed="rId5"/>
+                <a:stretch>
+                  <a:fillRect/>
+                </a:stretch>
+              </a:blipFill>
+            </p:spPr>
+            <p:txBody>
+              <a:bodyPr/>
+              <a:lstStyle/>
+              <a:p>
+                <a:r>
+                  <a:rPr lang="en-US">
+                    <a:noFill/>
+                  </a:rPr>
+                  <a:t> </a:t>
+                </a:r>
+              </a:p>
+            </p:txBody>
+          </p:sp>
+        </mc:Fallback>
+      </mc:AlternateContent>
+      <mc:AlternateContent xmlns:mc="http://schemas.openxmlformats.org/markup-compatibility/2006">
+        <mc:Choice xmlns:a14="http://schemas.microsoft.com/office/drawing/2010/main" Requires="a14">
+          <p:sp>
+            <p:nvSpPr>
+              <p:cNvPr id="6" name="TextBox 5">
+                <a:extLst>
+                  <a:ext uri="{FF2B5EF4-FFF2-40B4-BE49-F238E27FC236}">
+                    <a16:creationId xmlns:a16="http://schemas.microsoft.com/office/drawing/2014/main" id="{6753E110-7D8F-4D84-8117-B48FC9CA9708}"/>
+                  </a:ext>
+                </a:extLst>
+              </p:cNvPr>
+              <p:cNvSpPr txBox="1"/>
+              <p:nvPr/>
+            </p:nvSpPr>
+            <p:spPr>
+              <a:xfrm>
+                <a:off x="0" y="1593274"/>
+                <a:ext cx="12191999" cy="1315488"/>
+              </a:xfrm>
+              <a:prstGeom prst="rect">
+                <a:avLst/>
+              </a:prstGeom>
+              <a:noFill/>
+            </p:spPr>
+            <p:txBody>
+              <a:bodyPr wrap="square" lIns="0" tIns="0" rIns="0" bIns="0" rtlCol="0">
+                <a:spAutoFit/>
+              </a:bodyPr>
+              <a:lstStyle/>
+              <a:p>
+                <a:pPr/>
+                <a14:m>
+                  <m:oMathPara xmlns:m="http://schemas.openxmlformats.org/officeDocument/2006/math">
+                    <m:oMathParaPr>
+                      <m:jc m:val="centerGroup"/>
+                    </m:oMathParaPr>
+                    <m:oMath xmlns:m="http://schemas.openxmlformats.org/officeDocument/2006/math">
+                      <m:r>
+                        <a:rPr lang="en-US" sz="4400" i="1" smtClean="0">
+                          <a:latin typeface="Cambria Math" panose="02040503050406030204" pitchFamily="18" charset="0"/>
+                        </a:rPr>
+                        <m:t>=</m:t>
+                      </m:r>
+                      <m:f>
+                        <m:fPr>
+                          <m:ctrlPr>
+                            <a:rPr lang="en-US" sz="4400" i="1" smtClean="0">
+                              <a:latin typeface="Cambria Math" panose="02040503050406030204" pitchFamily="18" charset="0"/>
+                            </a:rPr>
+                          </m:ctrlPr>
+                        </m:fPr>
+                        <m:num>
+                          <m:d>
+                            <m:dPr>
+                              <m:ctrlPr>
+                                <a:rPr lang="en-US" sz="4400" i="1">
+                                  <a:latin typeface="Cambria Math" panose="02040503050406030204" pitchFamily="18" charset="0"/>
+                                </a:rPr>
+                              </m:ctrlPr>
+                            </m:dPr>
+                            <m:e>
+                              <m:r>
+                                <a:rPr lang="en-US" sz="4400" i="1">
+                                  <a:solidFill>
+                                    <a:srgbClr val="C00000"/>
+                                  </a:solidFill>
+                                  <a:latin typeface="Cambria Math" panose="02040503050406030204" pitchFamily="18" charset="0"/>
+                                </a:rPr>
+                                <m:t>𝑥</m:t>
+                              </m:r>
+                              <m:r>
+                                <a:rPr lang="en-US" sz="4400" i="1" baseline="-25000">
+                                  <a:solidFill>
+                                    <a:srgbClr val="C00000"/>
+                                  </a:solidFill>
+                                  <a:latin typeface="Cambria Math" panose="02040503050406030204" pitchFamily="18" charset="0"/>
+                                </a:rPr>
+                                <m:t>1</m:t>
+                              </m:r>
+                              <m:r>
+                                <a:rPr lang="en-US" sz="4400" i="1">
+                                  <a:latin typeface="Cambria Math" panose="02040503050406030204" pitchFamily="18" charset="0"/>
+                                </a:rPr>
+                                <m:t>−</m:t>
+                              </m:r>
+                              <m:r>
+                                <a:rPr lang="en-US" sz="4400" i="1">
+                                  <a:latin typeface="Cambria Math" panose="02040503050406030204" pitchFamily="18" charset="0"/>
+                                </a:rPr>
+                                <m:t>𝐸</m:t>
+                              </m:r>
+                              <m:d>
+                                <m:dPr>
+                                  <m:begChr m:val="["/>
+                                  <m:endChr m:val="]"/>
+                                  <m:ctrlPr>
+                                    <a:rPr lang="en-US" sz="4400" i="1">
+                                      <a:latin typeface="Cambria Math" panose="02040503050406030204" pitchFamily="18" charset="0"/>
+                                    </a:rPr>
+                                  </m:ctrlPr>
+                                </m:dPr>
+                                <m:e>
+                                  <m:r>
+                                    <a:rPr lang="en-US" sz="4400" i="1">
+                                      <a:solidFill>
+                                        <a:srgbClr val="C00000"/>
+                                      </a:solidFill>
+                                      <a:latin typeface="Cambria Math" panose="02040503050406030204" pitchFamily="18" charset="0"/>
+                                    </a:rPr>
+                                    <m:t>𝑋</m:t>
+                                  </m:r>
+                                </m:e>
+                              </m:d>
+                            </m:e>
+                          </m:d>
+                          <m:r>
+                            <a:rPr lang="en-US" sz="4400" i="1" baseline="30000">
+                              <a:latin typeface="Cambria Math" panose="02040503050406030204" pitchFamily="18" charset="0"/>
+                            </a:rPr>
+                            <m:t>2</m:t>
+                          </m:r>
+                          <m:r>
+                            <a:rPr lang="en-US" sz="4400" b="0" i="1" smtClean="0">
+                              <a:latin typeface="Cambria Math" panose="02040503050406030204" pitchFamily="18" charset="0"/>
+                            </a:rPr>
+                            <m:t>+</m:t>
+                          </m:r>
+                          <m:d>
+                            <m:dPr>
+                              <m:ctrlPr>
+                                <a:rPr lang="en-US" sz="4400" i="1">
+                                  <a:latin typeface="Cambria Math" panose="02040503050406030204" pitchFamily="18" charset="0"/>
+                                </a:rPr>
+                              </m:ctrlPr>
+                            </m:dPr>
+                            <m:e>
+                              <m:r>
+                                <a:rPr lang="en-US" sz="4400" i="1">
+                                  <a:solidFill>
+                                    <a:srgbClr val="C00000"/>
+                                  </a:solidFill>
+                                  <a:latin typeface="Cambria Math" panose="02040503050406030204" pitchFamily="18" charset="0"/>
+                                </a:rPr>
+                                <m:t>𝑥</m:t>
+                              </m:r>
+                              <m:r>
+                                <a:rPr lang="en-US" sz="4400" i="1" baseline="-25000">
+                                  <a:solidFill>
+                                    <a:srgbClr val="C00000"/>
+                                  </a:solidFill>
+                                  <a:latin typeface="Cambria Math" panose="02040503050406030204" pitchFamily="18" charset="0"/>
+                                </a:rPr>
+                                <m:t>2</m:t>
+                              </m:r>
+                              <m:r>
+                                <a:rPr lang="en-US" sz="4400" i="1">
+                                  <a:latin typeface="Cambria Math" panose="02040503050406030204" pitchFamily="18" charset="0"/>
+                                </a:rPr>
+                                <m:t>−</m:t>
+                              </m:r>
+                              <m:r>
+                                <a:rPr lang="en-US" sz="4400" i="1">
+                                  <a:latin typeface="Cambria Math" panose="02040503050406030204" pitchFamily="18" charset="0"/>
+                                </a:rPr>
+                                <m:t>𝐸</m:t>
+                              </m:r>
+                              <m:d>
+                                <m:dPr>
+                                  <m:begChr m:val="["/>
+                                  <m:endChr m:val="]"/>
+                                  <m:ctrlPr>
+                                    <a:rPr lang="en-US" sz="4400" i="1">
+                                      <a:latin typeface="Cambria Math" panose="02040503050406030204" pitchFamily="18" charset="0"/>
+                                    </a:rPr>
+                                  </m:ctrlPr>
+                                </m:dPr>
+                                <m:e>
+                                  <m:r>
+                                    <a:rPr lang="en-US" sz="4400" i="1">
+                                      <a:solidFill>
+                                        <a:srgbClr val="C00000"/>
+                                      </a:solidFill>
+                                      <a:latin typeface="Cambria Math" panose="02040503050406030204" pitchFamily="18" charset="0"/>
+                                    </a:rPr>
+                                    <m:t>𝑋</m:t>
+                                  </m:r>
+                                </m:e>
+                              </m:d>
+                            </m:e>
+                          </m:d>
+                          <m:r>
+                            <a:rPr lang="en-US" sz="4400" i="1" baseline="30000">
+                              <a:latin typeface="Cambria Math" panose="02040503050406030204" pitchFamily="18" charset="0"/>
+                            </a:rPr>
+                            <m:t>2</m:t>
+                          </m:r>
+                          <m:r>
+                            <a:rPr lang="en-US" sz="4400" b="0" i="1" smtClean="0">
+                              <a:latin typeface="Cambria Math" panose="02040503050406030204" pitchFamily="18" charset="0"/>
+                            </a:rPr>
+                            <m:t>+…+</m:t>
+                          </m:r>
+                          <m:d>
+                            <m:dPr>
+                              <m:ctrlPr>
+                                <a:rPr lang="en-US" sz="4400" i="1">
+                                  <a:latin typeface="Cambria Math" panose="02040503050406030204" pitchFamily="18" charset="0"/>
+                                </a:rPr>
+                              </m:ctrlPr>
+                            </m:dPr>
+                            <m:e>
+                              <m:r>
+                                <a:rPr lang="en-US" sz="4400" i="1">
+                                  <a:solidFill>
+                                    <a:srgbClr val="C00000"/>
+                                  </a:solidFill>
+                                  <a:latin typeface="Cambria Math" panose="02040503050406030204" pitchFamily="18" charset="0"/>
+                                </a:rPr>
+                                <m:t>𝑥</m:t>
+                              </m:r>
+                              <m:r>
+                                <a:rPr lang="en-US" sz="4400" i="1" baseline="-25000">
+                                  <a:solidFill>
+                                    <a:srgbClr val="C00000"/>
+                                  </a:solidFill>
+                                  <a:latin typeface="Cambria Math" panose="02040503050406030204" pitchFamily="18" charset="0"/>
+                                </a:rPr>
+                                <m:t>𝑛</m:t>
+                              </m:r>
+                              <m:r>
+                                <a:rPr lang="en-US" sz="4400" i="1">
+                                  <a:latin typeface="Cambria Math" panose="02040503050406030204" pitchFamily="18" charset="0"/>
+                                </a:rPr>
+                                <m:t>−</m:t>
+                              </m:r>
+                              <m:r>
+                                <a:rPr lang="en-US" sz="4400" i="1">
+                                  <a:latin typeface="Cambria Math" panose="02040503050406030204" pitchFamily="18" charset="0"/>
+                                </a:rPr>
+                                <m:t>𝐸</m:t>
+                              </m:r>
+                              <m:d>
+                                <m:dPr>
+                                  <m:begChr m:val="["/>
+                                  <m:endChr m:val="]"/>
+                                  <m:ctrlPr>
+                                    <a:rPr lang="en-US" sz="4400" i="1">
+                                      <a:latin typeface="Cambria Math" panose="02040503050406030204" pitchFamily="18" charset="0"/>
+                                    </a:rPr>
+                                  </m:ctrlPr>
+                                </m:dPr>
+                                <m:e>
+                                  <m:r>
+                                    <a:rPr lang="en-US" sz="4400" i="1">
+                                      <a:solidFill>
+                                        <a:srgbClr val="C00000"/>
+                                      </a:solidFill>
+                                      <a:latin typeface="Cambria Math" panose="02040503050406030204" pitchFamily="18" charset="0"/>
+                                    </a:rPr>
+                                    <m:t>𝑋</m:t>
+                                  </m:r>
+                                </m:e>
+                              </m:d>
+                            </m:e>
+                          </m:d>
+                          <m:r>
+                            <a:rPr lang="en-US" sz="4400" i="1" baseline="30000">
+                              <a:latin typeface="Cambria Math" panose="02040503050406030204" pitchFamily="18" charset="0"/>
+                            </a:rPr>
+                            <m:t>2</m:t>
+                          </m:r>
+                        </m:num>
+                        <m:den>
+                          <m:r>
+                            <a:rPr lang="en-US" sz="4400" b="0" i="1" smtClean="0">
+                              <a:latin typeface="Cambria Math" panose="02040503050406030204" pitchFamily="18" charset="0"/>
+                            </a:rPr>
+                            <m:t>𝑛</m:t>
+                          </m:r>
+                        </m:den>
+                      </m:f>
+                    </m:oMath>
+                  </m:oMathPara>
+                </a14:m>
+                <a:endParaRPr lang="en-US" sz="4400" b="0" i="1">
+                  <a:latin typeface="Cambria Math" panose="02040503050406030204" pitchFamily="18" charset="0"/>
+                </a:endParaRPr>
+              </a:p>
+            </p:txBody>
+          </p:sp>
+        </mc:Choice>
+        <mc:Fallback>
+          <p:sp>
+            <p:nvSpPr>
+              <p:cNvPr id="6" name="TextBox 5">
+                <a:extLst>
+                  <a:ext uri="{FF2B5EF4-FFF2-40B4-BE49-F238E27FC236}">
+                    <a16:creationId xmlns:a16="http://schemas.microsoft.com/office/drawing/2014/main" id="{6753E110-7D8F-4D84-8117-B48FC9CA9708}"/>
+                  </a:ext>
+                </a:extLst>
+              </p:cNvPr>
+              <p:cNvSpPr txBox="1">
+                <a:spLocks noRot="1" noChangeAspect="1" noMove="1" noResize="1" noEditPoints="1" noAdjustHandles="1" noChangeArrowheads="1" noChangeShapeType="1" noTextEdit="1"/>
+              </p:cNvSpPr>
+              <p:nvPr/>
+            </p:nvSpPr>
+            <p:spPr>
+              <a:xfrm>
+                <a:off x="0" y="1593274"/>
+                <a:ext cx="12191999" cy="1315488"/>
+              </a:xfrm>
+              <a:prstGeom prst="rect">
+                <a:avLst/>
+              </a:prstGeom>
+              <a:blipFill>
+                <a:blip r:embed="rId6"/>
+                <a:stretch>
+                  <a:fillRect/>
+                </a:stretch>
+              </a:blipFill>
+            </p:spPr>
+            <p:txBody>
+              <a:bodyPr/>
+              <a:lstStyle/>
+              <a:p>
+                <a:r>
+                  <a:rPr lang="en-US">
+                    <a:noFill/>
+                  </a:rPr>
+                  <a:t> </a:t>
+                </a:r>
+              </a:p>
+            </p:txBody>
+          </p:sp>
+        </mc:Fallback>
+      </mc:AlternateContent>
+    </p:spTree>
+    <p:extLst>
+      <p:ext uri="{BB962C8B-B14F-4D97-AF65-F5344CB8AC3E}">
+        <p14:creationId xmlns:p14="http://schemas.microsoft.com/office/powerpoint/2010/main" val="1827669265"/>
+      </p:ext>
+    </p:extLst>
+  </p:cSld>
+  <p:clrMapOvr>
+    <a:masterClrMapping/>
+  </p:clrMapOvr>
+</p:sld>
+</file>
+
+<file path=ppt/slides/slide5.xml><?xml version="1.0" encoding="utf-8"?>
+<p:sld xmlns:a="http://schemas.openxmlformats.org/drawingml/2006/main" xmlns:r="http://schemas.openxmlformats.org/officeDocument/2006/relationships" xmlns:p="http://schemas.openxmlformats.org/presentationml/2006/main">
+  <p:cSld>
+    <p:spTree>
+      <p:nvGrpSpPr>
+        <p:cNvPr id="1" name=""/>
+        <p:cNvGrpSpPr/>
+        <p:nvPr/>
+      </p:nvGrpSpPr>
+      <p:grpSpPr>
+        <a:xfrm>
+          <a:off x="0" y="0"/>
+          <a:ext cx="0" cy="0"/>
+          <a:chOff x="0" y="0"/>
+          <a:chExt cx="0" cy="0"/>
+        </a:xfrm>
+      </p:grpSpPr>
+      <mc:AlternateContent xmlns:mc="http://schemas.openxmlformats.org/markup-compatibility/2006">
+        <mc:Choice xmlns:a14="http://schemas.microsoft.com/office/drawing/2010/main" Requires="a14">
+          <p:sp>
+            <p:nvSpPr>
+              <p:cNvPr id="2" name="TextBox 1">
+                <a:extLst>
+                  <a:ext uri="{FF2B5EF4-FFF2-40B4-BE49-F238E27FC236}">
+                    <a16:creationId xmlns:a16="http://schemas.microsoft.com/office/drawing/2014/main" id="{CE212542-1FC7-400A-8CE6-F212657D73CB}"/>
+                  </a:ext>
+                </a:extLst>
+              </p:cNvPr>
+              <p:cNvSpPr txBox="1"/>
+              <p:nvPr/>
+            </p:nvSpPr>
+            <p:spPr>
+              <a:xfrm>
+                <a:off x="377483" y="286736"/>
+                <a:ext cx="11437034" cy="830997"/>
+              </a:xfrm>
+              <a:prstGeom prst="rect">
+                <a:avLst/>
+              </a:prstGeom>
+              <a:noFill/>
+            </p:spPr>
+            <p:txBody>
+              <a:bodyPr wrap="square" lIns="0" tIns="0" rIns="0" bIns="0" rtlCol="0">
+                <a:spAutoFit/>
+              </a:bodyPr>
+              <a:lstStyle/>
+              <a:p>
+                <a:pPr/>
+                <a14:m>
+                  <m:oMathPara xmlns:m="http://schemas.openxmlformats.org/officeDocument/2006/math">
+                    <m:oMathParaPr>
+                      <m:jc m:val="centerGroup"/>
+                    </m:oMathParaPr>
+                    <m:oMath xmlns:m="http://schemas.openxmlformats.org/officeDocument/2006/math">
+                      <m:r>
+                        <a:rPr lang="en-US" sz="5400" b="0" i="1" smtClean="0">
+                          <a:latin typeface="Cambria Math" panose="02040503050406030204" pitchFamily="18" charset="0"/>
+                        </a:rPr>
+                        <m:t>𝑉𝑎𝑟</m:t>
+                      </m:r>
+                      <m:r>
+                        <a:rPr lang="en-US" sz="5400" i="1" smtClean="0">
+                          <a:latin typeface="Cambria Math" panose="02040503050406030204" pitchFamily="18" charset="0"/>
+                        </a:rPr>
+                        <m:t>[</m:t>
+                      </m:r>
+                      <m:r>
+                        <a:rPr lang="en-US" sz="5400" b="0" i="1" smtClean="0">
+                          <a:solidFill>
+                            <a:srgbClr val="C00000"/>
+                          </a:solidFill>
+                          <a:latin typeface="Cambria Math" panose="02040503050406030204" pitchFamily="18" charset="0"/>
+                        </a:rPr>
+                        <m:t>𝑘</m:t>
+                      </m:r>
+                      <m:r>
+                        <a:rPr lang="en-US" sz="5400" i="1">
+                          <a:solidFill>
+                            <a:srgbClr val="C00000"/>
+                          </a:solidFill>
+                          <a:latin typeface="Cambria Math" panose="02040503050406030204" pitchFamily="18" charset="0"/>
+                        </a:rPr>
+                        <m:t>𝑋</m:t>
+                      </m:r>
+                      <m:r>
+                        <a:rPr lang="en-US" sz="5400" b="0" i="1" smtClean="0">
+                          <a:latin typeface="Cambria Math" panose="02040503050406030204" pitchFamily="18" charset="0"/>
+                        </a:rPr>
+                        <m:t>]</m:t>
+                      </m:r>
+                      <m:r>
+                        <a:rPr lang="en-US" sz="5400" i="1" smtClean="0">
+                          <a:latin typeface="Cambria Math" panose="02040503050406030204" pitchFamily="18" charset="0"/>
+                        </a:rPr>
+                        <m:t>=</m:t>
+                      </m:r>
+                      <m:r>
+                        <a:rPr lang="en-US" sz="5400" b="0" i="1" smtClean="0">
+                          <a:latin typeface="Cambria Math" panose="02040503050406030204" pitchFamily="18" charset="0"/>
+                        </a:rPr>
+                        <m:t>𝐸</m:t>
+                      </m:r>
+                      <m:r>
+                        <a:rPr lang="en-US" sz="5400" b="0" i="1" smtClean="0">
+                          <a:latin typeface="Cambria Math" panose="02040503050406030204" pitchFamily="18" charset="0"/>
+                        </a:rPr>
+                        <m:t>[(</m:t>
+                      </m:r>
+                      <m:r>
+                        <a:rPr lang="en-US" sz="5400" i="1">
+                          <a:solidFill>
+                            <a:srgbClr val="C00000"/>
+                          </a:solidFill>
+                          <a:latin typeface="Cambria Math" panose="02040503050406030204" pitchFamily="18" charset="0"/>
+                        </a:rPr>
+                        <m:t>𝑘</m:t>
+                      </m:r>
+                      <m:r>
+                        <a:rPr lang="en-US" sz="5400" i="1">
+                          <a:solidFill>
+                            <a:srgbClr val="C00000"/>
+                          </a:solidFill>
+                          <a:latin typeface="Cambria Math" panose="02040503050406030204" pitchFamily="18" charset="0"/>
+                        </a:rPr>
+                        <m:t>𝑋</m:t>
+                      </m:r>
+                      <m:r>
+                        <a:rPr lang="en-US" sz="5400" b="0" i="1" smtClean="0">
+                          <a:solidFill>
+                            <a:schemeClr val="tx1"/>
+                          </a:solidFill>
+                          <a:latin typeface="Cambria Math" panose="02040503050406030204" pitchFamily="18" charset="0"/>
+                        </a:rPr>
+                        <m:t>−</m:t>
+                      </m:r>
+                      <m:r>
+                        <a:rPr lang="en-US" sz="5400" i="1">
+                          <a:latin typeface="Cambria Math" panose="02040503050406030204" pitchFamily="18" charset="0"/>
+                        </a:rPr>
+                        <m:t>𝐸</m:t>
+                      </m:r>
+                      <m:d>
+                        <m:dPr>
+                          <m:begChr m:val="["/>
+                          <m:endChr m:val="]"/>
+                          <m:ctrlPr>
+                            <a:rPr lang="en-US" sz="5400" b="0" i="1" smtClean="0">
+                              <a:latin typeface="Cambria Math" panose="02040503050406030204" pitchFamily="18" charset="0"/>
+                            </a:rPr>
+                          </m:ctrlPr>
+                        </m:dPr>
+                        <m:e>
+                          <m:r>
+                            <a:rPr lang="en-US" sz="5400" i="1">
+                              <a:solidFill>
+                                <a:srgbClr val="C00000"/>
+                              </a:solidFill>
+                              <a:latin typeface="Cambria Math" panose="02040503050406030204" pitchFamily="18" charset="0"/>
+                            </a:rPr>
+                            <m:t>𝑘</m:t>
+                          </m:r>
+                          <m:r>
+                            <a:rPr lang="en-US" sz="5400" i="1">
+                              <a:solidFill>
+                                <a:srgbClr val="C00000"/>
+                              </a:solidFill>
+                              <a:latin typeface="Cambria Math" panose="02040503050406030204" pitchFamily="18" charset="0"/>
+                            </a:rPr>
+                            <m:t>𝑋</m:t>
+                          </m:r>
+                        </m:e>
+                      </m:d>
+                      <m:r>
+                        <a:rPr lang="en-US" sz="5400" b="0" i="1" smtClean="0">
+                          <a:latin typeface="Cambria Math" panose="02040503050406030204" pitchFamily="18" charset="0"/>
+                        </a:rPr>
+                        <m:t>)</m:t>
+                      </m:r>
+                      <m:r>
+                        <a:rPr lang="en-US" sz="5400" i="1" baseline="30000">
+                          <a:latin typeface="Cambria Math" panose="02040503050406030204" pitchFamily="18" charset="0"/>
+                        </a:rPr>
+                        <m:t>2</m:t>
+                      </m:r>
+                      <m:r>
+                        <a:rPr lang="en-US" sz="5400" b="0" i="1" smtClean="0">
+                          <a:latin typeface="Cambria Math" panose="02040503050406030204" pitchFamily="18" charset="0"/>
+                        </a:rPr>
+                        <m:t>]</m:t>
+                      </m:r>
+                    </m:oMath>
+                  </m:oMathPara>
+                </a14:m>
+                <a:endParaRPr lang="en-US" sz="5400"/>
+              </a:p>
+            </p:txBody>
+          </p:sp>
+        </mc:Choice>
+        <mc:Fallback>
+          <p:sp>
+            <p:nvSpPr>
+              <p:cNvPr id="2" name="TextBox 1">
+                <a:extLst>
+                  <a:ext uri="{FF2B5EF4-FFF2-40B4-BE49-F238E27FC236}">
+                    <a16:creationId xmlns:a16="http://schemas.microsoft.com/office/drawing/2014/main" id="{CE212542-1FC7-400A-8CE6-F212657D73CB}"/>
+                  </a:ext>
+                </a:extLst>
+              </p:cNvPr>
+              <p:cNvSpPr txBox="1">
+                <a:spLocks noRot="1" noChangeAspect="1" noMove="1" noResize="1" noEditPoints="1" noAdjustHandles="1" noChangeArrowheads="1" noChangeShapeType="1" noTextEdit="1"/>
+              </p:cNvSpPr>
+              <p:nvPr/>
+            </p:nvSpPr>
+            <p:spPr>
+              <a:xfrm>
+                <a:off x="377483" y="286736"/>
+                <a:ext cx="11437034" cy="830997"/>
+              </a:xfrm>
+              <a:prstGeom prst="rect">
+                <a:avLst/>
+              </a:prstGeom>
+              <a:blipFill>
+                <a:blip r:embed="rId2"/>
+                <a:stretch>
+                  <a:fillRect/>
+                </a:stretch>
+              </a:blipFill>
+            </p:spPr>
+            <p:txBody>
+              <a:bodyPr/>
+              <a:lstStyle/>
+              <a:p>
+                <a:r>
+                  <a:rPr lang="en-US">
+                    <a:noFill/>
+                  </a:rPr>
+                  <a:t> </a:t>
+                </a:r>
+              </a:p>
+            </p:txBody>
+          </p:sp>
+        </mc:Fallback>
+      </mc:AlternateContent>
+      <mc:AlternateContent xmlns:mc="http://schemas.openxmlformats.org/markup-compatibility/2006">
+        <mc:Choice xmlns:a14="http://schemas.microsoft.com/office/drawing/2010/main" Requires="a14">
+          <p:sp>
+            <p:nvSpPr>
+              <p:cNvPr id="9" name="TextBox 8">
+                <a:extLst>
+                  <a:ext uri="{FF2B5EF4-FFF2-40B4-BE49-F238E27FC236}">
+                    <a16:creationId xmlns:a16="http://schemas.microsoft.com/office/drawing/2014/main" id="{12C5398D-79F8-41D6-AD8B-33213703AB22}"/>
+                  </a:ext>
+                </a:extLst>
+              </p:cNvPr>
+              <p:cNvSpPr txBox="1"/>
+              <p:nvPr/>
+            </p:nvSpPr>
+            <p:spPr>
+              <a:xfrm>
+                <a:off x="1" y="1720130"/>
+                <a:ext cx="12191999" cy="1076257"/>
+              </a:xfrm>
+              <a:prstGeom prst="rect">
+                <a:avLst/>
+              </a:prstGeom>
+              <a:noFill/>
+            </p:spPr>
+            <p:txBody>
+              <a:bodyPr wrap="square" lIns="0" tIns="0" rIns="0" bIns="0" rtlCol="0">
+                <a:spAutoFit/>
+              </a:bodyPr>
+              <a:lstStyle/>
+              <a:p>
+                <a:pPr/>
+                <a14:m>
+                  <m:oMathPara xmlns:m="http://schemas.openxmlformats.org/officeDocument/2006/math">
+                    <m:oMathParaPr>
+                      <m:jc m:val="centerGroup"/>
+                    </m:oMathParaPr>
+                    <m:oMath xmlns:m="http://schemas.openxmlformats.org/officeDocument/2006/math">
+                      <m:r>
+                        <a:rPr lang="en-US" sz="3600" i="1" smtClean="0">
+                          <a:latin typeface="Cambria Math" panose="02040503050406030204" pitchFamily="18" charset="0"/>
+                        </a:rPr>
+                        <m:t>=</m:t>
+                      </m:r>
+                      <m:f>
+                        <m:fPr>
+                          <m:ctrlPr>
+                            <a:rPr lang="en-US" sz="3600" i="1" smtClean="0">
+                              <a:latin typeface="Cambria Math" panose="02040503050406030204" pitchFamily="18" charset="0"/>
+                            </a:rPr>
+                          </m:ctrlPr>
+                        </m:fPr>
+                        <m:num>
+                          <m:d>
+                            <m:dPr>
+                              <m:ctrlPr>
+                                <a:rPr lang="en-US" sz="3600" i="1">
+                                  <a:latin typeface="Cambria Math" panose="02040503050406030204" pitchFamily="18" charset="0"/>
+                                </a:rPr>
+                              </m:ctrlPr>
+                            </m:dPr>
+                            <m:e>
+                              <m:r>
+                                <a:rPr lang="en-US" sz="3600" i="1">
+                                  <a:solidFill>
+                                    <a:srgbClr val="C00000"/>
+                                  </a:solidFill>
+                                  <a:latin typeface="Cambria Math" panose="02040503050406030204" pitchFamily="18" charset="0"/>
+                                </a:rPr>
+                                <m:t>𝑘</m:t>
+                              </m:r>
+                              <m:r>
+                                <a:rPr lang="en-US" sz="3600" i="1">
+                                  <a:solidFill>
+                                    <a:srgbClr val="C00000"/>
+                                  </a:solidFill>
+                                  <a:latin typeface="Cambria Math" panose="02040503050406030204" pitchFamily="18" charset="0"/>
+                                </a:rPr>
+                                <m:t>𝑥</m:t>
+                              </m:r>
+                              <m:r>
+                                <a:rPr lang="en-US" sz="3600" i="1" baseline="-25000">
+                                  <a:solidFill>
+                                    <a:srgbClr val="C00000"/>
+                                  </a:solidFill>
+                                  <a:latin typeface="Cambria Math" panose="02040503050406030204" pitchFamily="18" charset="0"/>
+                                </a:rPr>
+                                <m:t>1</m:t>
+                              </m:r>
+                              <m:r>
+                                <a:rPr lang="en-US" sz="3600" i="1">
+                                  <a:latin typeface="Cambria Math" panose="02040503050406030204" pitchFamily="18" charset="0"/>
+                                </a:rPr>
+                                <m:t>−</m:t>
+                              </m:r>
+                              <m:r>
+                                <a:rPr lang="en-US" sz="3600" i="1">
+                                  <a:solidFill>
+                                    <a:srgbClr val="C00000"/>
+                                  </a:solidFill>
+                                  <a:latin typeface="Cambria Math" panose="02040503050406030204" pitchFamily="18" charset="0"/>
+                                </a:rPr>
+                                <m:t>𝑘</m:t>
+                              </m:r>
+                              <m:r>
+                                <a:rPr lang="en-US" sz="3600" i="1">
+                                  <a:latin typeface="Cambria Math" panose="02040503050406030204" pitchFamily="18" charset="0"/>
+                                </a:rPr>
+                                <m:t>𝐸</m:t>
+                              </m:r>
+                              <m:d>
+                                <m:dPr>
+                                  <m:begChr m:val="["/>
+                                  <m:endChr m:val="]"/>
+                                  <m:ctrlPr>
+                                    <a:rPr lang="en-US" sz="3600" i="1">
+                                      <a:latin typeface="Cambria Math" panose="02040503050406030204" pitchFamily="18" charset="0"/>
+                                    </a:rPr>
+                                  </m:ctrlPr>
+                                </m:dPr>
+                                <m:e>
+                                  <m:r>
+                                    <a:rPr lang="en-US" sz="3600" i="1">
+                                      <a:solidFill>
+                                        <a:srgbClr val="C00000"/>
+                                      </a:solidFill>
+                                      <a:latin typeface="Cambria Math" panose="02040503050406030204" pitchFamily="18" charset="0"/>
+                                    </a:rPr>
+                                    <m:t>𝑋</m:t>
+                                  </m:r>
+                                </m:e>
+                              </m:d>
+                            </m:e>
+                          </m:d>
+                          <m:r>
+                            <a:rPr lang="en-US" sz="3600" i="1" baseline="30000">
+                              <a:latin typeface="Cambria Math" panose="02040503050406030204" pitchFamily="18" charset="0"/>
+                            </a:rPr>
+                            <m:t>2</m:t>
+                          </m:r>
+                          <m:r>
+                            <a:rPr lang="en-US" sz="3600" b="0" i="1" smtClean="0">
+                              <a:latin typeface="Cambria Math" panose="02040503050406030204" pitchFamily="18" charset="0"/>
+                            </a:rPr>
+                            <m:t>+</m:t>
+                          </m:r>
+                          <m:d>
+                            <m:dPr>
+                              <m:ctrlPr>
+                                <a:rPr lang="en-US" sz="3600" i="1">
+                                  <a:latin typeface="Cambria Math" panose="02040503050406030204" pitchFamily="18" charset="0"/>
+                                </a:rPr>
+                              </m:ctrlPr>
+                            </m:dPr>
+                            <m:e>
+                              <m:r>
+                                <a:rPr lang="en-US" sz="3600" i="1">
+                                  <a:solidFill>
+                                    <a:srgbClr val="C00000"/>
+                                  </a:solidFill>
+                                  <a:latin typeface="Cambria Math" panose="02040503050406030204" pitchFamily="18" charset="0"/>
+                                </a:rPr>
+                                <m:t>𝑘</m:t>
+                              </m:r>
+                              <m:r>
+                                <a:rPr lang="en-US" sz="3600" i="1">
+                                  <a:solidFill>
+                                    <a:srgbClr val="C00000"/>
+                                  </a:solidFill>
+                                  <a:latin typeface="Cambria Math" panose="02040503050406030204" pitchFamily="18" charset="0"/>
+                                </a:rPr>
+                                <m:t>𝑥</m:t>
+                              </m:r>
+                              <m:r>
+                                <a:rPr lang="en-US" sz="3600" i="1" baseline="-25000">
+                                  <a:solidFill>
+                                    <a:srgbClr val="C00000"/>
+                                  </a:solidFill>
+                                  <a:latin typeface="Cambria Math" panose="02040503050406030204" pitchFamily="18" charset="0"/>
+                                </a:rPr>
+                                <m:t>2</m:t>
+                              </m:r>
+                              <m:r>
+                                <a:rPr lang="en-US" sz="3600" i="1">
+                                  <a:latin typeface="Cambria Math" panose="02040503050406030204" pitchFamily="18" charset="0"/>
+                                </a:rPr>
+                                <m:t>−</m:t>
+                              </m:r>
+                              <m:r>
+                                <a:rPr lang="en-US" sz="3600" i="1">
+                                  <a:solidFill>
+                                    <a:srgbClr val="C00000"/>
+                                  </a:solidFill>
+                                  <a:latin typeface="Cambria Math" panose="02040503050406030204" pitchFamily="18" charset="0"/>
+                                </a:rPr>
+                                <m:t>𝑘</m:t>
+                              </m:r>
+                              <m:r>
+                                <a:rPr lang="en-US" sz="3600" i="1">
+                                  <a:latin typeface="Cambria Math" panose="02040503050406030204" pitchFamily="18" charset="0"/>
+                                </a:rPr>
+                                <m:t>𝐸</m:t>
+                              </m:r>
+                              <m:d>
+                                <m:dPr>
+                                  <m:begChr m:val="["/>
+                                  <m:endChr m:val="]"/>
+                                  <m:ctrlPr>
+                                    <a:rPr lang="en-US" sz="3600" i="1">
+                                      <a:latin typeface="Cambria Math" panose="02040503050406030204" pitchFamily="18" charset="0"/>
+                                    </a:rPr>
+                                  </m:ctrlPr>
+                                </m:dPr>
+                                <m:e>
+                                  <m:r>
+                                    <a:rPr lang="en-US" sz="3600" i="1">
+                                      <a:solidFill>
+                                        <a:srgbClr val="C00000"/>
+                                      </a:solidFill>
+                                      <a:latin typeface="Cambria Math" panose="02040503050406030204" pitchFamily="18" charset="0"/>
+                                    </a:rPr>
+                                    <m:t>𝑋</m:t>
+                                  </m:r>
+                                </m:e>
+                              </m:d>
+                            </m:e>
+                          </m:d>
+                          <m:r>
+                            <a:rPr lang="en-US" sz="3600" i="1" baseline="30000">
+                              <a:latin typeface="Cambria Math" panose="02040503050406030204" pitchFamily="18" charset="0"/>
+                            </a:rPr>
+                            <m:t>2</m:t>
+                          </m:r>
+                          <m:r>
+                            <a:rPr lang="en-US" sz="3600" b="0" i="1" smtClean="0">
+                              <a:latin typeface="Cambria Math" panose="02040503050406030204" pitchFamily="18" charset="0"/>
+                            </a:rPr>
+                            <m:t>+…+</m:t>
+                          </m:r>
+                          <m:d>
+                            <m:dPr>
+                              <m:ctrlPr>
+                                <a:rPr lang="en-US" sz="3600" i="1">
+                                  <a:latin typeface="Cambria Math" panose="02040503050406030204" pitchFamily="18" charset="0"/>
+                                </a:rPr>
+                              </m:ctrlPr>
+                            </m:dPr>
+                            <m:e>
+                              <m:r>
+                                <a:rPr lang="en-US" sz="3600" i="1">
+                                  <a:solidFill>
+                                    <a:srgbClr val="C00000"/>
+                                  </a:solidFill>
+                                  <a:latin typeface="Cambria Math" panose="02040503050406030204" pitchFamily="18" charset="0"/>
+                                </a:rPr>
+                                <m:t>𝑘</m:t>
+                              </m:r>
+                              <m:r>
+                                <a:rPr lang="en-US" sz="3600" i="1">
+                                  <a:solidFill>
+                                    <a:srgbClr val="C00000"/>
+                                  </a:solidFill>
+                                  <a:latin typeface="Cambria Math" panose="02040503050406030204" pitchFamily="18" charset="0"/>
+                                </a:rPr>
+                                <m:t>𝑥</m:t>
+                              </m:r>
+                              <m:r>
+                                <a:rPr lang="en-US" sz="3600" i="1" baseline="-25000">
+                                  <a:solidFill>
+                                    <a:srgbClr val="C00000"/>
+                                  </a:solidFill>
+                                  <a:latin typeface="Cambria Math" panose="02040503050406030204" pitchFamily="18" charset="0"/>
+                                </a:rPr>
+                                <m:t>𝑛</m:t>
+                              </m:r>
+                              <m:r>
+                                <a:rPr lang="en-US" sz="3600" i="1">
+                                  <a:latin typeface="Cambria Math" panose="02040503050406030204" pitchFamily="18" charset="0"/>
+                                </a:rPr>
+                                <m:t>−</m:t>
+                              </m:r>
+                              <m:r>
+                                <a:rPr lang="en-US" sz="3600" i="1">
+                                  <a:solidFill>
+                                    <a:srgbClr val="C00000"/>
+                                  </a:solidFill>
+                                  <a:latin typeface="Cambria Math" panose="02040503050406030204" pitchFamily="18" charset="0"/>
+                                </a:rPr>
+                                <m:t>𝑘</m:t>
+                              </m:r>
+                              <m:r>
+                                <a:rPr lang="en-US" sz="3600" i="1">
+                                  <a:latin typeface="Cambria Math" panose="02040503050406030204" pitchFamily="18" charset="0"/>
+                                </a:rPr>
+                                <m:t>𝐸</m:t>
+                              </m:r>
+                              <m:d>
+                                <m:dPr>
+                                  <m:begChr m:val="["/>
+                                  <m:endChr m:val="]"/>
+                                  <m:ctrlPr>
+                                    <a:rPr lang="en-US" sz="3600" i="1">
+                                      <a:latin typeface="Cambria Math" panose="02040503050406030204" pitchFamily="18" charset="0"/>
+                                    </a:rPr>
+                                  </m:ctrlPr>
+                                </m:dPr>
+                                <m:e>
+                                  <m:r>
+                                    <a:rPr lang="en-US" sz="3600" i="1">
+                                      <a:solidFill>
+                                        <a:srgbClr val="C00000"/>
+                                      </a:solidFill>
+                                      <a:latin typeface="Cambria Math" panose="02040503050406030204" pitchFamily="18" charset="0"/>
+                                    </a:rPr>
+                                    <m:t>𝑋</m:t>
+                                  </m:r>
+                                </m:e>
+                              </m:d>
+                            </m:e>
+                          </m:d>
+                          <m:r>
+                            <a:rPr lang="en-US" sz="3600" i="1" baseline="30000">
+                              <a:latin typeface="Cambria Math" panose="02040503050406030204" pitchFamily="18" charset="0"/>
+                            </a:rPr>
+                            <m:t>2</m:t>
+                          </m:r>
+                        </m:num>
+                        <m:den>
+                          <m:r>
+                            <a:rPr lang="en-US" sz="3600" b="0" i="1" smtClean="0">
+                              <a:latin typeface="Cambria Math" panose="02040503050406030204" pitchFamily="18" charset="0"/>
+                            </a:rPr>
+                            <m:t>𝑛</m:t>
+                          </m:r>
+                        </m:den>
+                      </m:f>
+                    </m:oMath>
+                  </m:oMathPara>
+                </a14:m>
+                <a:endParaRPr lang="en-US" sz="3600" b="0" i="1">
+                  <a:latin typeface="Cambria Math" panose="02040503050406030204" pitchFamily="18" charset="0"/>
+                </a:endParaRPr>
+              </a:p>
+            </p:txBody>
+          </p:sp>
+        </mc:Choice>
+        <mc:Fallback>
+          <p:sp>
+            <p:nvSpPr>
+              <p:cNvPr id="9" name="TextBox 8">
+                <a:extLst>
+                  <a:ext uri="{FF2B5EF4-FFF2-40B4-BE49-F238E27FC236}">
+                    <a16:creationId xmlns:a16="http://schemas.microsoft.com/office/drawing/2014/main" id="{12C5398D-79F8-41D6-AD8B-33213703AB22}"/>
+                  </a:ext>
+                </a:extLst>
+              </p:cNvPr>
+              <p:cNvSpPr txBox="1">
+                <a:spLocks noRot="1" noChangeAspect="1" noMove="1" noResize="1" noEditPoints="1" noAdjustHandles="1" noChangeArrowheads="1" noChangeShapeType="1" noTextEdit="1"/>
+              </p:cNvSpPr>
+              <p:nvPr/>
+            </p:nvSpPr>
+            <p:spPr>
+              <a:xfrm>
+                <a:off x="1" y="1720130"/>
+                <a:ext cx="12191999" cy="1076257"/>
+              </a:xfrm>
+              <a:prstGeom prst="rect">
+                <a:avLst/>
+              </a:prstGeom>
+              <a:blipFill>
+                <a:blip r:embed="rId3"/>
+                <a:stretch>
+                  <a:fillRect/>
+                </a:stretch>
+              </a:blipFill>
+            </p:spPr>
+            <p:txBody>
+              <a:bodyPr/>
+              <a:lstStyle/>
+              <a:p>
+                <a:r>
+                  <a:rPr lang="en-US">
+                    <a:noFill/>
+                  </a:rPr>
+                  <a:t> </a:t>
+                </a:r>
+              </a:p>
+            </p:txBody>
+          </p:sp>
+        </mc:Fallback>
+      </mc:AlternateContent>
+      <mc:AlternateContent xmlns:mc="http://schemas.openxmlformats.org/markup-compatibility/2006">
+        <mc:Choice xmlns:a14="http://schemas.microsoft.com/office/drawing/2010/main" Requires="a14">
+          <p:sp>
+            <p:nvSpPr>
+              <p:cNvPr id="10" name="TextBox 9">
+                <a:extLst>
+                  <a:ext uri="{FF2B5EF4-FFF2-40B4-BE49-F238E27FC236}">
+                    <a16:creationId xmlns:a16="http://schemas.microsoft.com/office/drawing/2014/main" id="{5CB30FB5-50B8-46A1-A39D-045312FC8FE3}"/>
+                  </a:ext>
+                </a:extLst>
+              </p:cNvPr>
+              <p:cNvSpPr txBox="1"/>
+              <p:nvPr/>
+            </p:nvSpPr>
+            <p:spPr>
+              <a:xfrm>
+                <a:off x="1" y="3734814"/>
+                <a:ext cx="12191999" cy="1076257"/>
+              </a:xfrm>
+              <a:prstGeom prst="rect">
+                <a:avLst/>
+              </a:prstGeom>
+              <a:noFill/>
+            </p:spPr>
+            <p:txBody>
+              <a:bodyPr wrap="square" lIns="0" tIns="0" rIns="0" bIns="0" rtlCol="0">
+                <a:spAutoFit/>
+              </a:bodyPr>
+              <a:lstStyle/>
+              <a:p>
+                <a:pPr/>
+                <a14:m>
+                  <m:oMathPara xmlns:m="http://schemas.openxmlformats.org/officeDocument/2006/math">
+                    <m:oMathParaPr>
+                      <m:jc m:val="centerGroup"/>
+                    </m:oMathParaPr>
+                    <m:oMath xmlns:m="http://schemas.openxmlformats.org/officeDocument/2006/math">
+                      <m:r>
+                        <a:rPr lang="en-US" sz="3600" i="1" smtClean="0">
+                          <a:latin typeface="Cambria Math" panose="02040503050406030204" pitchFamily="18" charset="0"/>
+                        </a:rPr>
+                        <m:t>=</m:t>
+                      </m:r>
+                      <m:r>
+                        <a:rPr lang="en-US" sz="3600" i="1">
+                          <a:solidFill>
+                            <a:srgbClr val="C00000"/>
+                          </a:solidFill>
+                          <a:latin typeface="Cambria Math" panose="02040503050406030204" pitchFamily="18" charset="0"/>
+                        </a:rPr>
+                        <m:t>𝑘</m:t>
+                      </m:r>
+                      <m:r>
+                        <a:rPr lang="en-US" sz="3600" i="1" baseline="30000">
+                          <a:latin typeface="Cambria Math" panose="02040503050406030204" pitchFamily="18" charset="0"/>
+                        </a:rPr>
+                        <m:t>2</m:t>
+                      </m:r>
+                      <m:r>
+                        <a:rPr lang="en-US" sz="3600" b="0" i="1" smtClean="0">
+                          <a:latin typeface="Cambria Math" panose="02040503050406030204" pitchFamily="18" charset="0"/>
+                        </a:rPr>
+                        <m:t>∗</m:t>
+                      </m:r>
+                      <m:f>
+                        <m:fPr>
+                          <m:ctrlPr>
+                            <a:rPr lang="en-US" sz="3600" i="1" smtClean="0">
+                              <a:latin typeface="Cambria Math" panose="02040503050406030204" pitchFamily="18" charset="0"/>
+                            </a:rPr>
+                          </m:ctrlPr>
+                        </m:fPr>
+                        <m:num>
+                          <m:d>
+                            <m:dPr>
+                              <m:ctrlPr>
+                                <a:rPr lang="en-US" sz="3600" i="1">
+                                  <a:latin typeface="Cambria Math" panose="02040503050406030204" pitchFamily="18" charset="0"/>
+                                </a:rPr>
+                              </m:ctrlPr>
+                            </m:dPr>
+                            <m:e>
+                              <m:r>
+                                <a:rPr lang="en-US" sz="3600" i="1">
+                                  <a:solidFill>
+                                    <a:srgbClr val="C00000"/>
+                                  </a:solidFill>
+                                  <a:latin typeface="Cambria Math" panose="02040503050406030204" pitchFamily="18" charset="0"/>
+                                </a:rPr>
+                                <m:t>𝑥</m:t>
+                              </m:r>
+                              <m:r>
+                                <a:rPr lang="en-US" sz="3600" i="1" baseline="-25000">
+                                  <a:solidFill>
+                                    <a:srgbClr val="C00000"/>
+                                  </a:solidFill>
+                                  <a:latin typeface="Cambria Math" panose="02040503050406030204" pitchFamily="18" charset="0"/>
+                                </a:rPr>
+                                <m:t>1</m:t>
+                              </m:r>
+                              <m:r>
+                                <a:rPr lang="en-US" sz="3600" i="1">
+                                  <a:latin typeface="Cambria Math" panose="02040503050406030204" pitchFamily="18" charset="0"/>
+                                </a:rPr>
+                                <m:t>−</m:t>
+                              </m:r>
+                              <m:r>
+                                <a:rPr lang="en-US" sz="3600" i="1">
+                                  <a:latin typeface="Cambria Math" panose="02040503050406030204" pitchFamily="18" charset="0"/>
+                                </a:rPr>
+                                <m:t>𝐸</m:t>
+                              </m:r>
+                              <m:d>
+                                <m:dPr>
+                                  <m:begChr m:val="["/>
+                                  <m:endChr m:val="]"/>
+                                  <m:ctrlPr>
+                                    <a:rPr lang="en-US" sz="3600" i="1">
+                                      <a:latin typeface="Cambria Math" panose="02040503050406030204" pitchFamily="18" charset="0"/>
+                                    </a:rPr>
+                                  </m:ctrlPr>
+                                </m:dPr>
+                                <m:e>
+                                  <m:r>
+                                    <a:rPr lang="en-US" sz="3600" i="1">
+                                      <a:solidFill>
+                                        <a:srgbClr val="C00000"/>
+                                      </a:solidFill>
+                                      <a:latin typeface="Cambria Math" panose="02040503050406030204" pitchFamily="18" charset="0"/>
+                                    </a:rPr>
+                                    <m:t>𝑋</m:t>
+                                  </m:r>
+                                </m:e>
+                              </m:d>
+                            </m:e>
+                          </m:d>
+                          <m:r>
+                            <a:rPr lang="en-US" sz="3600" i="1" baseline="30000">
+                              <a:latin typeface="Cambria Math" panose="02040503050406030204" pitchFamily="18" charset="0"/>
+                            </a:rPr>
+                            <m:t>2</m:t>
+                          </m:r>
+                          <m:r>
+                            <a:rPr lang="en-US" sz="3600" b="0" i="1" smtClean="0">
+                              <a:latin typeface="Cambria Math" panose="02040503050406030204" pitchFamily="18" charset="0"/>
+                            </a:rPr>
+                            <m:t>+</m:t>
+                          </m:r>
+                          <m:d>
+                            <m:dPr>
+                              <m:ctrlPr>
+                                <a:rPr lang="en-US" sz="3600" i="1">
+                                  <a:latin typeface="Cambria Math" panose="02040503050406030204" pitchFamily="18" charset="0"/>
+                                </a:rPr>
+                              </m:ctrlPr>
+                            </m:dPr>
+                            <m:e>
+                              <m:r>
+                                <a:rPr lang="en-US" sz="3600" i="1">
+                                  <a:solidFill>
+                                    <a:srgbClr val="C00000"/>
+                                  </a:solidFill>
+                                  <a:latin typeface="Cambria Math" panose="02040503050406030204" pitchFamily="18" charset="0"/>
+                                </a:rPr>
+                                <m:t>𝑥</m:t>
+                              </m:r>
+                              <m:r>
+                                <a:rPr lang="en-US" sz="3600" i="1" baseline="-25000">
+                                  <a:solidFill>
+                                    <a:srgbClr val="C00000"/>
+                                  </a:solidFill>
+                                  <a:latin typeface="Cambria Math" panose="02040503050406030204" pitchFamily="18" charset="0"/>
+                                </a:rPr>
+                                <m:t>2</m:t>
+                              </m:r>
+                              <m:r>
+                                <a:rPr lang="en-US" sz="3600" i="1">
+                                  <a:latin typeface="Cambria Math" panose="02040503050406030204" pitchFamily="18" charset="0"/>
+                                </a:rPr>
+                                <m:t>−</m:t>
+                              </m:r>
+                              <m:r>
+                                <a:rPr lang="en-US" sz="3600" i="1">
+                                  <a:latin typeface="Cambria Math" panose="02040503050406030204" pitchFamily="18" charset="0"/>
+                                </a:rPr>
+                                <m:t>𝐸</m:t>
+                              </m:r>
+                              <m:d>
+                                <m:dPr>
+                                  <m:begChr m:val="["/>
+                                  <m:endChr m:val="]"/>
+                                  <m:ctrlPr>
+                                    <a:rPr lang="en-US" sz="3600" i="1">
+                                      <a:latin typeface="Cambria Math" panose="02040503050406030204" pitchFamily="18" charset="0"/>
+                                    </a:rPr>
+                                  </m:ctrlPr>
+                                </m:dPr>
+                                <m:e>
+                                  <m:r>
+                                    <a:rPr lang="en-US" sz="3600" i="1">
+                                      <a:solidFill>
+                                        <a:srgbClr val="C00000"/>
+                                      </a:solidFill>
+                                      <a:latin typeface="Cambria Math" panose="02040503050406030204" pitchFamily="18" charset="0"/>
+                                    </a:rPr>
+                                    <m:t>𝑋</m:t>
+                                  </m:r>
+                                </m:e>
+                              </m:d>
+                            </m:e>
+                          </m:d>
+                          <m:r>
+                            <a:rPr lang="en-US" sz="3600" i="1" baseline="30000">
+                              <a:latin typeface="Cambria Math" panose="02040503050406030204" pitchFamily="18" charset="0"/>
+                            </a:rPr>
+                            <m:t>2</m:t>
+                          </m:r>
+                          <m:r>
+                            <a:rPr lang="en-US" sz="3600" b="0" i="1" smtClean="0">
+                              <a:latin typeface="Cambria Math" panose="02040503050406030204" pitchFamily="18" charset="0"/>
+                            </a:rPr>
+                            <m:t>+…+</m:t>
+                          </m:r>
+                          <m:d>
+                            <m:dPr>
+                              <m:ctrlPr>
+                                <a:rPr lang="en-US" sz="3600" i="1">
+                                  <a:latin typeface="Cambria Math" panose="02040503050406030204" pitchFamily="18" charset="0"/>
+                                </a:rPr>
+                              </m:ctrlPr>
+                            </m:dPr>
+                            <m:e>
+                              <m:r>
+                                <a:rPr lang="en-US" sz="3600" i="1">
+                                  <a:solidFill>
+                                    <a:srgbClr val="C00000"/>
+                                  </a:solidFill>
+                                  <a:latin typeface="Cambria Math" panose="02040503050406030204" pitchFamily="18" charset="0"/>
+                                </a:rPr>
+                                <m:t>𝑥</m:t>
+                              </m:r>
+                              <m:r>
+                                <a:rPr lang="en-US" sz="3600" i="1" baseline="-25000">
+                                  <a:solidFill>
+                                    <a:srgbClr val="C00000"/>
+                                  </a:solidFill>
+                                  <a:latin typeface="Cambria Math" panose="02040503050406030204" pitchFamily="18" charset="0"/>
+                                </a:rPr>
+                                <m:t>𝑛</m:t>
+                              </m:r>
+                              <m:r>
+                                <a:rPr lang="en-US" sz="3600" i="1">
+                                  <a:latin typeface="Cambria Math" panose="02040503050406030204" pitchFamily="18" charset="0"/>
+                                </a:rPr>
+                                <m:t>−</m:t>
+                              </m:r>
+                              <m:r>
+                                <a:rPr lang="en-US" sz="3600" i="1">
+                                  <a:latin typeface="Cambria Math" panose="02040503050406030204" pitchFamily="18" charset="0"/>
+                                </a:rPr>
+                                <m:t>𝐸</m:t>
+                              </m:r>
+                              <m:d>
+                                <m:dPr>
+                                  <m:begChr m:val="["/>
+                                  <m:endChr m:val="]"/>
+                                  <m:ctrlPr>
+                                    <a:rPr lang="en-US" sz="3600" i="1">
+                                      <a:latin typeface="Cambria Math" panose="02040503050406030204" pitchFamily="18" charset="0"/>
+                                    </a:rPr>
+                                  </m:ctrlPr>
+                                </m:dPr>
+                                <m:e>
+                                  <m:r>
+                                    <a:rPr lang="en-US" sz="3600" i="1">
+                                      <a:solidFill>
+                                        <a:srgbClr val="C00000"/>
+                                      </a:solidFill>
+                                      <a:latin typeface="Cambria Math" panose="02040503050406030204" pitchFamily="18" charset="0"/>
+                                    </a:rPr>
+                                    <m:t>𝑋</m:t>
+                                  </m:r>
+                                </m:e>
+                              </m:d>
+                            </m:e>
+                          </m:d>
+                          <m:r>
+                            <a:rPr lang="en-US" sz="3600" i="1" baseline="30000">
+                              <a:latin typeface="Cambria Math" panose="02040503050406030204" pitchFamily="18" charset="0"/>
+                            </a:rPr>
+                            <m:t>2</m:t>
+                          </m:r>
+                        </m:num>
+                        <m:den>
+                          <m:r>
+                            <a:rPr lang="en-US" sz="3600" b="0" i="1" smtClean="0">
+                              <a:latin typeface="Cambria Math" panose="02040503050406030204" pitchFamily="18" charset="0"/>
+                            </a:rPr>
+                            <m:t>𝑛</m:t>
+                          </m:r>
+                        </m:den>
+                      </m:f>
+                    </m:oMath>
+                  </m:oMathPara>
+                </a14:m>
+                <a:endParaRPr lang="en-US" sz="3600" b="0" i="1">
+                  <a:latin typeface="Cambria Math" panose="02040503050406030204" pitchFamily="18" charset="0"/>
+                </a:endParaRPr>
+              </a:p>
+            </p:txBody>
+          </p:sp>
+        </mc:Choice>
+        <mc:Fallback>
+          <p:sp>
+            <p:nvSpPr>
+              <p:cNvPr id="10" name="TextBox 9">
+                <a:extLst>
+                  <a:ext uri="{FF2B5EF4-FFF2-40B4-BE49-F238E27FC236}">
+                    <a16:creationId xmlns:a16="http://schemas.microsoft.com/office/drawing/2014/main" id="{5CB30FB5-50B8-46A1-A39D-045312FC8FE3}"/>
+                  </a:ext>
+                </a:extLst>
+              </p:cNvPr>
+              <p:cNvSpPr txBox="1">
+                <a:spLocks noRot="1" noChangeAspect="1" noMove="1" noResize="1" noEditPoints="1" noAdjustHandles="1" noChangeArrowheads="1" noChangeShapeType="1" noTextEdit="1"/>
+              </p:cNvSpPr>
+              <p:nvPr/>
+            </p:nvSpPr>
+            <p:spPr>
+              <a:xfrm>
+                <a:off x="1" y="3734814"/>
+                <a:ext cx="12191999" cy="1076257"/>
+              </a:xfrm>
+              <a:prstGeom prst="rect">
+                <a:avLst/>
+              </a:prstGeom>
+              <a:blipFill>
+                <a:blip r:embed="rId4"/>
+                <a:stretch>
+                  <a:fillRect/>
+                </a:stretch>
+              </a:blipFill>
+            </p:spPr>
+            <p:txBody>
+              <a:bodyPr/>
+              <a:lstStyle/>
+              <a:p>
+                <a:r>
+                  <a:rPr lang="en-US">
+                    <a:noFill/>
+                  </a:rPr>
+                  <a:t> </a:t>
+                </a:r>
+              </a:p>
+            </p:txBody>
+          </p:sp>
+        </mc:Fallback>
+      </mc:AlternateContent>
+      <mc:AlternateContent xmlns:mc="http://schemas.openxmlformats.org/markup-compatibility/2006">
+        <mc:Choice xmlns:a14="http://schemas.microsoft.com/office/drawing/2010/main" Requires="a14">
+          <p:sp>
+            <p:nvSpPr>
+              <p:cNvPr id="12" name="TextBox 11">
+                <a:extLst>
+                  <a:ext uri="{FF2B5EF4-FFF2-40B4-BE49-F238E27FC236}">
+                    <a16:creationId xmlns:a16="http://schemas.microsoft.com/office/drawing/2014/main" id="{60E2DA1D-EE30-458C-9304-3B90F15B59B8}"/>
+                  </a:ext>
+                </a:extLst>
+              </p:cNvPr>
+              <p:cNvSpPr txBox="1"/>
+              <p:nvPr/>
+            </p:nvSpPr>
+            <p:spPr>
+              <a:xfrm>
+                <a:off x="1" y="5353157"/>
+                <a:ext cx="4354286" cy="553998"/>
+              </a:xfrm>
+              <a:prstGeom prst="rect">
+                <a:avLst/>
+              </a:prstGeom>
+              <a:noFill/>
+            </p:spPr>
+            <p:txBody>
+              <a:bodyPr wrap="square" lIns="0" tIns="0" rIns="0" bIns="0" rtlCol="0">
+                <a:spAutoFit/>
+              </a:bodyPr>
+              <a:lstStyle/>
+              <a:p>
+                <a:pPr/>
+                <a14:m>
+                  <m:oMathPara xmlns:m="http://schemas.openxmlformats.org/officeDocument/2006/math">
+                    <m:oMathParaPr>
+                      <m:jc m:val="centerGroup"/>
+                    </m:oMathParaPr>
+                    <m:oMath xmlns:m="http://schemas.openxmlformats.org/officeDocument/2006/math">
+                      <m:r>
+                        <a:rPr lang="en-US" sz="3600" i="1" smtClean="0">
+                          <a:latin typeface="Cambria Math" panose="02040503050406030204" pitchFamily="18" charset="0"/>
+                        </a:rPr>
+                        <m:t>=</m:t>
+                      </m:r>
+                      <m:r>
+                        <a:rPr lang="en-US" sz="3600" i="1">
+                          <a:solidFill>
+                            <a:srgbClr val="C00000"/>
+                          </a:solidFill>
+                          <a:latin typeface="Cambria Math" panose="02040503050406030204" pitchFamily="18" charset="0"/>
+                        </a:rPr>
+                        <m:t>𝑘</m:t>
+                      </m:r>
+                      <m:r>
+                        <a:rPr lang="en-US" sz="3600" i="1" baseline="30000">
+                          <a:latin typeface="Cambria Math" panose="02040503050406030204" pitchFamily="18" charset="0"/>
+                        </a:rPr>
+                        <m:t>2</m:t>
+                      </m:r>
+                      <m:r>
+                        <a:rPr lang="en-US" sz="3600" b="0" i="1" smtClean="0">
+                          <a:latin typeface="Cambria Math" panose="02040503050406030204" pitchFamily="18" charset="0"/>
+                        </a:rPr>
+                        <m:t>∗</m:t>
+                      </m:r>
+                      <m:r>
+                        <a:rPr lang="en-US" sz="3600" i="1" smtClean="0">
+                          <a:latin typeface="Cambria Math" panose="02040503050406030204" pitchFamily="18" charset="0"/>
+                        </a:rPr>
+                        <m:t>𝑉</m:t>
+                      </m:r>
+                      <m:r>
+                        <a:rPr lang="en-US" sz="3600" b="0" i="1" smtClean="0">
+                          <a:latin typeface="Cambria Math" panose="02040503050406030204" pitchFamily="18" charset="0"/>
+                        </a:rPr>
+                        <m:t>𝑎𝑟</m:t>
+                      </m:r>
+                      <m:r>
+                        <a:rPr lang="en-US" sz="3600" b="0" i="1" smtClean="0">
+                          <a:latin typeface="Cambria Math" panose="02040503050406030204" pitchFamily="18" charset="0"/>
+                        </a:rPr>
+                        <m:t>[</m:t>
+                      </m:r>
+                      <m:r>
+                        <a:rPr lang="en-US" sz="3600" b="0" i="1" smtClean="0">
+                          <a:solidFill>
+                            <a:srgbClr val="C00000"/>
+                          </a:solidFill>
+                          <a:latin typeface="Cambria Math" panose="02040503050406030204" pitchFamily="18" charset="0"/>
+                        </a:rPr>
+                        <m:t>𝑋</m:t>
+                      </m:r>
+                      <m:r>
+                        <a:rPr lang="en-US" sz="3600" b="0" i="1" smtClean="0">
+                          <a:latin typeface="Cambria Math" panose="02040503050406030204" pitchFamily="18" charset="0"/>
+                        </a:rPr>
+                        <m:t>]</m:t>
+                      </m:r>
+                    </m:oMath>
+                  </m:oMathPara>
+                </a14:m>
+                <a:endParaRPr lang="en-US" sz="3600" b="0" i="1">
+                  <a:latin typeface="Cambria Math" panose="02040503050406030204" pitchFamily="18" charset="0"/>
+                </a:endParaRPr>
+              </a:p>
+            </p:txBody>
+          </p:sp>
+        </mc:Choice>
+        <mc:Fallback>
+          <p:sp>
+            <p:nvSpPr>
+              <p:cNvPr id="12" name="TextBox 11">
+                <a:extLst>
+                  <a:ext uri="{FF2B5EF4-FFF2-40B4-BE49-F238E27FC236}">
+                    <a16:creationId xmlns:a16="http://schemas.microsoft.com/office/drawing/2014/main" id="{60E2DA1D-EE30-458C-9304-3B90F15B59B8}"/>
+                  </a:ext>
+                </a:extLst>
+              </p:cNvPr>
+              <p:cNvSpPr txBox="1">
+                <a:spLocks noRot="1" noChangeAspect="1" noMove="1" noResize="1" noEditPoints="1" noAdjustHandles="1" noChangeArrowheads="1" noChangeShapeType="1" noTextEdit="1"/>
+              </p:cNvSpPr>
+              <p:nvPr/>
+            </p:nvSpPr>
+            <p:spPr>
+              <a:xfrm>
+                <a:off x="1" y="5353157"/>
+                <a:ext cx="4354286" cy="553998"/>
               </a:xfrm>
               <a:prstGeom prst="rect">
                 <a:avLst/>
@@ -6285,7 +7750,7 @@
     </p:spTree>
     <p:extLst>
       <p:ext uri="{BB962C8B-B14F-4D97-AF65-F5344CB8AC3E}">
-        <p14:creationId xmlns:p14="http://schemas.microsoft.com/office/powerpoint/2010/main" val="1827669265"/>
+        <p14:creationId xmlns:p14="http://schemas.microsoft.com/office/powerpoint/2010/main" val="3396088815"/>
       </p:ext>
     </p:extLst>
   </p:cSld>

--- a/ps/ps_images.pptx
+++ b/ps/ps_images.pptx
@@ -10,6 +10,7 @@
     <p:sldId id="257" r:id="rId4"/>
     <p:sldId id="260" r:id="rId5"/>
     <p:sldId id="261" r:id="rId6"/>
+    <p:sldId id="262" r:id="rId7"/>
   </p:sldIdLst>
   <p:sldSz cx="12192000" cy="6858000"/>
   <p:notesSz cx="6858000" cy="9144000"/>
@@ -5378,8 +5379,8 @@
             </p:nvSpPr>
             <p:spPr>
               <a:xfrm>
-                <a:off x="49237" y="590407"/>
-                <a:ext cx="4644851" cy="738664"/>
+                <a:off x="49237" y="401479"/>
+                <a:ext cx="4644851" cy="1477328"/>
               </a:xfrm>
               <a:prstGeom prst="rect">
                 <a:avLst/>
@@ -5391,6 +5392,34 @@
                 <a:spAutoFit/>
               </a:bodyPr>
               <a:lstStyle/>
+              <a:p>
+                <a:pPr/>
+                <a:r>
+                  <a:rPr lang="en-US" sz="4800" b="0">
+                    <a:latin typeface="Cambria Math" panose="02040503050406030204" pitchFamily="18" charset="0"/>
+                  </a:rPr>
+                  <a:t>Var[</a:t>
+                </a:r>
+                <a14:m>
+                  <m:oMath xmlns:m="http://schemas.openxmlformats.org/officeDocument/2006/math">
+                    <m:r>
+                      <a:rPr lang="en-US" sz="4800" i="1" smtClean="0">
+                        <a:solidFill>
+                          <a:srgbClr val="C00000"/>
+                        </a:solidFill>
+                        <a:latin typeface="Cambria Math" panose="02040503050406030204" pitchFamily="18" charset="0"/>
+                      </a:rPr>
+                      <m:t>𝑋</m:t>
+                    </m:r>
+                  </m:oMath>
+                </a14:m>
+                <a:r>
+                  <a:rPr lang="en-US" sz="4800" b="0">
+                    <a:latin typeface="Cambria Math" panose="02040503050406030204" pitchFamily="18" charset="0"/>
+                  </a:rPr>
+                  <a:t>]</a:t>
+                </a:r>
+              </a:p>
               <a:p>
                 <a:pPr/>
                 <a14:m>
@@ -5506,8 +5535,8 @@
             </p:nvSpPr>
             <p:spPr>
               <a:xfrm>
-                <a:off x="49237" y="590407"/>
-                <a:ext cx="4644851" cy="738664"/>
+                <a:off x="49237" y="401479"/>
+                <a:ext cx="4644851" cy="1477328"/>
               </a:xfrm>
               <a:prstGeom prst="rect">
                 <a:avLst/>
@@ -5515,7 +5544,7 @@
               <a:blipFill>
                 <a:blip r:embed="rId2"/>
                 <a:stretch>
-                  <a:fillRect/>
+                  <a:fillRect l="-7874" t="-12810"/>
                 </a:stretch>
               </a:blipFill>
             </p:spPr>
@@ -5550,7 +5579,7 @@
             </p:nvSpPr>
             <p:spPr>
               <a:xfrm>
-                <a:off x="377483" y="3411535"/>
+                <a:off x="377482" y="4306114"/>
                 <a:ext cx="11437034" cy="830997"/>
               </a:xfrm>
               <a:prstGeom prst="rect">
@@ -5757,7 +5786,7 @@
             </p:nvSpPr>
             <p:spPr>
               <a:xfrm>
-                <a:off x="377483" y="3411535"/>
+                <a:off x="377482" y="4306114"/>
                 <a:ext cx="11437034" cy="830997"/>
               </a:xfrm>
               <a:prstGeom prst="rect">
@@ -5765,266 +5794,6 @@
               </a:prstGeom>
               <a:blipFill>
                 <a:blip r:embed="rId3"/>
-                <a:stretch>
-                  <a:fillRect/>
-                </a:stretch>
-              </a:blipFill>
-            </p:spPr>
-            <p:txBody>
-              <a:bodyPr/>
-              <a:lstStyle/>
-              <a:p>
-                <a:r>
-                  <a:rPr lang="en-US">
-                    <a:noFill/>
-                  </a:rPr>
-                  <a:t> </a:t>
-                </a:r>
-              </a:p>
-            </p:txBody>
-          </p:sp>
-        </mc:Fallback>
-      </mc:AlternateContent>
-      <mc:AlternateContent xmlns:mc="http://schemas.openxmlformats.org/markup-compatibility/2006">
-        <mc:Choice xmlns:a14="http://schemas.microsoft.com/office/drawing/2010/main" Requires="a14">
-          <p:sp>
-            <p:nvSpPr>
-              <p:cNvPr id="4" name="TextBox 3">
-                <a:extLst>
-                  <a:ext uri="{FF2B5EF4-FFF2-40B4-BE49-F238E27FC236}">
-                    <a16:creationId xmlns:a16="http://schemas.microsoft.com/office/drawing/2014/main" id="{79AFF1EA-D282-4B7E-AB61-EB96AB9794FC}"/>
-                  </a:ext>
-                </a:extLst>
-              </p:cNvPr>
-              <p:cNvSpPr txBox="1"/>
-              <p:nvPr/>
-            </p:nvSpPr>
-            <p:spPr>
-              <a:xfrm>
-                <a:off x="49237" y="4265631"/>
-                <a:ext cx="12093526" cy="1246495"/>
-              </a:xfrm>
-              <a:prstGeom prst="rect">
-                <a:avLst/>
-              </a:prstGeom>
-              <a:noFill/>
-            </p:spPr>
-            <p:txBody>
-              <a:bodyPr wrap="square" lIns="0" tIns="0" rIns="0" bIns="0" rtlCol="0">
-                <a:spAutoFit/>
-              </a:bodyPr>
-              <a:lstStyle/>
-              <a:p>
-                <a:pPr>
-                  <a:lnSpc>
-                    <a:spcPct val="150000"/>
-                  </a:lnSpc>
-                </a:pPr>
-                <a14:m>
-                  <m:oMathPara xmlns:m="http://schemas.openxmlformats.org/officeDocument/2006/math">
-                    <m:oMathParaPr>
-                      <m:jc m:val="centerGroup"/>
-                    </m:oMathParaPr>
-                    <m:oMath xmlns:m="http://schemas.openxmlformats.org/officeDocument/2006/math">
-                      <m:r>
-                        <a:rPr lang="en-US" sz="5400" b="0" i="1" smtClean="0">
-                          <a:latin typeface="Cambria Math" panose="02040503050406030204" pitchFamily="18" charset="0"/>
-                        </a:rPr>
-                        <m:t>𝑉𝑎𝑟</m:t>
-                      </m:r>
-                      <m:d>
-                        <m:dPr>
-                          <m:begChr m:val="["/>
-                          <m:endChr m:val="]"/>
-                          <m:ctrlPr>
-                            <a:rPr lang="en-US" sz="5400" i="1" smtClean="0">
-                              <a:solidFill>
-                                <a:schemeClr val="tx1"/>
-                              </a:solidFill>
-                              <a:latin typeface="Cambria Math" panose="02040503050406030204" pitchFamily="18" charset="0"/>
-                            </a:rPr>
-                          </m:ctrlPr>
-                        </m:dPr>
-                        <m:e>
-                          <m:r>
-                            <a:rPr lang="en-US" sz="5400" i="1" smtClean="0">
-                              <a:solidFill>
-                                <a:srgbClr val="C00000"/>
-                              </a:solidFill>
-                              <a:latin typeface="Cambria Math" panose="02040503050406030204" pitchFamily="18" charset="0"/>
-                            </a:rPr>
-                            <m:t>𝑋</m:t>
-                          </m:r>
-                        </m:e>
-                      </m:d>
-                      <m:r>
-                        <a:rPr lang="en-US" sz="5400" i="1" smtClean="0">
-                          <a:latin typeface="Cambria Math" panose="02040503050406030204" pitchFamily="18" charset="0"/>
-                        </a:rPr>
-                        <m:t>=</m:t>
-                      </m:r>
-                      <m:r>
-                        <a:rPr lang="en-US" sz="5400" b="0" i="1" smtClean="0">
-                          <a:latin typeface="Cambria Math" panose="02040503050406030204" pitchFamily="18" charset="0"/>
-                        </a:rPr>
-                        <m:t>𝐸</m:t>
-                      </m:r>
-                      <m:d>
-                        <m:dPr>
-                          <m:begChr m:val="["/>
-                          <m:endChr m:val="]"/>
-                          <m:ctrlPr>
-                            <a:rPr lang="en-US" sz="5400" b="0" i="1" smtClean="0">
-                              <a:latin typeface="Cambria Math" panose="02040503050406030204" pitchFamily="18" charset="0"/>
-                            </a:rPr>
-                          </m:ctrlPr>
-                        </m:dPr>
-                        <m:e>
-                          <m:r>
-                            <a:rPr lang="en-US" sz="5400" i="1" smtClean="0">
-                              <a:solidFill>
-                                <a:srgbClr val="C00000"/>
-                              </a:solidFill>
-                              <a:latin typeface="Cambria Math" panose="02040503050406030204" pitchFamily="18" charset="0"/>
-                            </a:rPr>
-                            <m:t>𝑋</m:t>
-                          </m:r>
-                          <m:r>
-                            <a:rPr lang="en-US" sz="5400" b="0" i="1" baseline="30000" smtClean="0">
-                              <a:solidFill>
-                                <a:srgbClr val="C00000"/>
-                              </a:solidFill>
-                              <a:latin typeface="Cambria Math" panose="02040503050406030204" pitchFamily="18" charset="0"/>
-                            </a:rPr>
-                            <m:t>2</m:t>
-                          </m:r>
-                        </m:e>
-                      </m:d>
-                      <m:r>
-                        <a:rPr lang="en-US" sz="5400" i="1">
-                          <a:latin typeface="Cambria Math" panose="02040503050406030204" pitchFamily="18" charset="0"/>
-                        </a:rPr>
-                        <m:t>−</m:t>
-                      </m:r>
-                      <m:r>
-                        <a:rPr lang="en-US" sz="5400" b="0" i="1" smtClean="0">
-                          <a:latin typeface="Cambria Math" panose="02040503050406030204" pitchFamily="18" charset="0"/>
-                        </a:rPr>
-                        <m:t>2</m:t>
-                      </m:r>
-                      <m:r>
-                        <a:rPr lang="en-US" sz="5400" i="1">
-                          <a:latin typeface="Cambria Math" panose="02040503050406030204" pitchFamily="18" charset="0"/>
-                        </a:rPr>
-                        <m:t>𝐸</m:t>
-                      </m:r>
-                      <m:d>
-                        <m:dPr>
-                          <m:begChr m:val="["/>
-                          <m:endChr m:val="]"/>
-                          <m:ctrlPr>
-                            <a:rPr lang="en-US" sz="5400" i="1">
-                              <a:latin typeface="Cambria Math" panose="02040503050406030204" pitchFamily="18" charset="0"/>
-                            </a:rPr>
-                          </m:ctrlPr>
-                        </m:dPr>
-                        <m:e>
-                          <m:r>
-                            <a:rPr lang="en-US" sz="5400" i="1">
-                              <a:solidFill>
-                                <a:srgbClr val="C00000"/>
-                              </a:solidFill>
-                              <a:latin typeface="Cambria Math" panose="02040503050406030204" pitchFamily="18" charset="0"/>
-                            </a:rPr>
-                            <m:t>𝑋</m:t>
-                          </m:r>
-                        </m:e>
-                      </m:d>
-                      <m:r>
-                        <a:rPr lang="en-US" sz="5400" i="1" baseline="30000">
-                          <a:latin typeface="Cambria Math" panose="02040503050406030204" pitchFamily="18" charset="0"/>
-                        </a:rPr>
-                        <m:t>2</m:t>
-                      </m:r>
-                      <m:r>
-                        <a:rPr lang="en-US" sz="5400" b="0" i="1" smtClean="0">
-                          <a:solidFill>
-                            <a:schemeClr val="tx1"/>
-                          </a:solidFill>
-                          <a:latin typeface="Cambria Math" panose="02040503050406030204" pitchFamily="18" charset="0"/>
-                        </a:rPr>
-                        <m:t>+</m:t>
-                      </m:r>
-                      <m:r>
-                        <a:rPr lang="en-US" sz="5400" i="1">
-                          <a:latin typeface="Cambria Math" panose="02040503050406030204" pitchFamily="18" charset="0"/>
-                        </a:rPr>
-                        <m:t>𝐸</m:t>
-                      </m:r>
-                      <m:d>
-                        <m:dPr>
-                          <m:begChr m:val="["/>
-                          <m:endChr m:val="]"/>
-                          <m:ctrlPr>
-                            <a:rPr lang="en-US" sz="5400" i="1">
-                              <a:latin typeface="Cambria Math" panose="02040503050406030204" pitchFamily="18" charset="0"/>
-                            </a:rPr>
-                          </m:ctrlPr>
-                        </m:dPr>
-                        <m:e>
-                          <m:r>
-                            <a:rPr lang="en-US" sz="5400" i="1">
-                              <a:solidFill>
-                                <a:srgbClr val="C00000"/>
-                              </a:solidFill>
-                              <a:latin typeface="Cambria Math" panose="02040503050406030204" pitchFamily="18" charset="0"/>
-                            </a:rPr>
-                            <m:t>𝑋</m:t>
-                          </m:r>
-                        </m:e>
-                      </m:d>
-                      <m:r>
-                        <a:rPr lang="en-US" sz="5400" b="0" i="1" baseline="30000" smtClean="0">
-                          <a:solidFill>
-                            <a:schemeClr val="tx1"/>
-                          </a:solidFill>
-                          <a:latin typeface="Cambria Math" panose="02040503050406030204" pitchFamily="18" charset="0"/>
-                        </a:rPr>
-                        <m:t>2</m:t>
-                      </m:r>
-                    </m:oMath>
-                  </m:oMathPara>
-                </a14:m>
-                <a:endParaRPr lang="en-US" sz="5400"/>
-              </a:p>
-            </p:txBody>
-          </p:sp>
-        </mc:Choice>
-        <mc:Fallback>
-          <p:sp>
-            <p:nvSpPr>
-              <p:cNvPr id="4" name="TextBox 3">
-                <a:extLst>
-                  <a:ext uri="{FF2B5EF4-FFF2-40B4-BE49-F238E27FC236}">
-                    <a16:creationId xmlns:a16="http://schemas.microsoft.com/office/drawing/2014/main" id="{79AFF1EA-D282-4B7E-AB61-EB96AB9794FC}"/>
-                  </a:ext>
-                </a:extLst>
-              </p:cNvPr>
-              <p:cNvSpPr txBox="1">
-                <a:spLocks noRot="1" noChangeAspect="1" noMove="1" noResize="1" noEditPoints="1" noAdjustHandles="1" noChangeArrowheads="1" noChangeShapeType="1" noTextEdit="1"/>
-              </p:cNvSpPr>
-              <p:nvPr/>
-            </p:nvSpPr>
-            <p:spPr>
-              <a:xfrm>
-                <a:off x="49237" y="4265631"/>
-                <a:ext cx="12093526" cy="1246495"/>
-              </a:xfrm>
-              <a:prstGeom prst="rect">
-                <a:avLst/>
-              </a:prstGeom>
-              <a:blipFill>
-                <a:blip r:embed="rId4"/>
                 <a:stretch>
                   <a:fillRect/>
                 </a:stretch>
@@ -6235,7 +6004,7 @@
                 <a:avLst/>
               </a:prstGeom>
               <a:blipFill>
-                <a:blip r:embed="rId5"/>
+                <a:blip r:embed="rId4"/>
                 <a:stretch>
                   <a:fillRect/>
                 </a:stretch>
@@ -6272,7 +6041,7 @@
             </p:nvSpPr>
             <p:spPr>
               <a:xfrm>
-                <a:off x="0" y="1593274"/>
+                <a:off x="-1" y="2077765"/>
                 <a:ext cx="12191999" cy="1315488"/>
               </a:xfrm>
               <a:prstGeom prst="rect">
@@ -6564,14 +6333,14 @@
             </p:nvSpPr>
             <p:spPr>
               <a:xfrm>
-                <a:off x="0" y="1593274"/>
+                <a:off x="-1" y="2077765"/>
                 <a:ext cx="12191999" cy="1315488"/>
               </a:xfrm>
               <a:prstGeom prst="rect">
                 <a:avLst/>
               </a:prstGeom>
               <a:blipFill>
-                <a:blip r:embed="rId6"/>
+                <a:blip r:embed="rId5"/>
                 <a:stretch>
                   <a:fillRect/>
                 </a:stretch>
@@ -7751,6 +7520,252 @@
     <p:extLst>
       <p:ext uri="{BB962C8B-B14F-4D97-AF65-F5344CB8AC3E}">
         <p14:creationId xmlns:p14="http://schemas.microsoft.com/office/powerpoint/2010/main" val="3396088815"/>
+      </p:ext>
+    </p:extLst>
+  </p:cSld>
+  <p:clrMapOvr>
+    <a:masterClrMapping/>
+  </p:clrMapOvr>
+</p:sld>
+</file>
+
+<file path=ppt/slides/slide6.xml><?xml version="1.0" encoding="utf-8"?>
+<p:sld xmlns:a="http://schemas.openxmlformats.org/drawingml/2006/main" xmlns:r="http://schemas.openxmlformats.org/officeDocument/2006/relationships" xmlns:p="http://schemas.openxmlformats.org/presentationml/2006/main">
+  <p:cSld>
+    <p:spTree>
+      <p:nvGrpSpPr>
+        <p:cNvPr id="1" name=""/>
+        <p:cNvGrpSpPr/>
+        <p:nvPr/>
+      </p:nvGrpSpPr>
+      <p:grpSpPr>
+        <a:xfrm>
+          <a:off x="0" y="0"/>
+          <a:ext cx="0" cy="0"/>
+          <a:chOff x="0" y="0"/>
+          <a:chExt cx="0" cy="0"/>
+        </a:xfrm>
+      </p:grpSpPr>
+      <mc:AlternateContent xmlns:mc="http://schemas.openxmlformats.org/markup-compatibility/2006">
+        <mc:Choice xmlns:a14="http://schemas.microsoft.com/office/drawing/2010/main" Requires="a14">
+          <p:sp>
+            <p:nvSpPr>
+              <p:cNvPr id="2" name="TextBox 1">
+                <a:extLst>
+                  <a:ext uri="{FF2B5EF4-FFF2-40B4-BE49-F238E27FC236}">
+                    <a16:creationId xmlns:a16="http://schemas.microsoft.com/office/drawing/2014/main" id="{7A5860B0-12AD-4301-9E85-5D4E11A36EBE}"/>
+                  </a:ext>
+                </a:extLst>
+              </p:cNvPr>
+              <p:cNvSpPr txBox="1"/>
+              <p:nvPr/>
+            </p:nvSpPr>
+            <p:spPr>
+              <a:xfrm>
+                <a:off x="377483" y="1623168"/>
+                <a:ext cx="11437034" cy="830997"/>
+              </a:xfrm>
+              <a:prstGeom prst="rect">
+                <a:avLst/>
+              </a:prstGeom>
+              <a:noFill/>
+            </p:spPr>
+            <p:txBody>
+              <a:bodyPr wrap="square" lIns="0" tIns="0" rIns="0" bIns="0" rtlCol="0">
+                <a:spAutoFit/>
+              </a:bodyPr>
+              <a:lstStyle/>
+              <a:p>
+                <a:pPr/>
+                <a14:m>
+                  <m:oMathPara xmlns:m="http://schemas.openxmlformats.org/officeDocument/2006/math">
+                    <m:oMathParaPr>
+                      <m:jc m:val="centerGroup"/>
+                    </m:oMathParaPr>
+                    <m:oMath xmlns:m="http://schemas.openxmlformats.org/officeDocument/2006/math">
+                      <m:r>
+                        <a:rPr lang="en-US" sz="5400" b="0" i="1" smtClean="0">
+                          <a:latin typeface="Cambria Math" panose="02040503050406030204" pitchFamily="18" charset="0"/>
+                        </a:rPr>
+                        <m:t>𝐷</m:t>
+                      </m:r>
+                      <m:r>
+                        <a:rPr lang="en-US" sz="5400" b="0" i="1" smtClean="0">
+                          <a:latin typeface="Cambria Math" panose="02040503050406030204" pitchFamily="18" charset="0"/>
+                        </a:rPr>
+                        <m:t>={1,2,3,4,5}</m:t>
+                      </m:r>
+                    </m:oMath>
+                  </m:oMathPara>
+                </a14:m>
+                <a:endParaRPr lang="en-US" sz="5400"/>
+              </a:p>
+            </p:txBody>
+          </p:sp>
+        </mc:Choice>
+        <mc:Fallback>
+          <p:sp>
+            <p:nvSpPr>
+              <p:cNvPr id="2" name="TextBox 1">
+                <a:extLst>
+                  <a:ext uri="{FF2B5EF4-FFF2-40B4-BE49-F238E27FC236}">
+                    <a16:creationId xmlns:a16="http://schemas.microsoft.com/office/drawing/2014/main" id="{7A5860B0-12AD-4301-9E85-5D4E11A36EBE}"/>
+                  </a:ext>
+                </a:extLst>
+              </p:cNvPr>
+              <p:cNvSpPr txBox="1">
+                <a:spLocks noRot="1" noChangeAspect="1" noMove="1" noResize="1" noEditPoints="1" noAdjustHandles="1" noChangeArrowheads="1" noChangeShapeType="1" noTextEdit="1"/>
+              </p:cNvSpPr>
+              <p:nvPr/>
+            </p:nvSpPr>
+            <p:spPr>
+              <a:xfrm>
+                <a:off x="377483" y="1623168"/>
+                <a:ext cx="11437034" cy="830997"/>
+              </a:xfrm>
+              <a:prstGeom prst="rect">
+                <a:avLst/>
+              </a:prstGeom>
+              <a:blipFill>
+                <a:blip r:embed="rId2"/>
+                <a:stretch>
+                  <a:fillRect/>
+                </a:stretch>
+              </a:blipFill>
+            </p:spPr>
+            <p:txBody>
+              <a:bodyPr/>
+              <a:lstStyle/>
+              <a:p>
+                <a:r>
+                  <a:rPr lang="en-US">
+                    <a:noFill/>
+                  </a:rPr>
+                  <a:t> </a:t>
+                </a:r>
+              </a:p>
+            </p:txBody>
+          </p:sp>
+        </mc:Fallback>
+      </mc:AlternateContent>
+      <mc:AlternateContent xmlns:mc="http://schemas.openxmlformats.org/markup-compatibility/2006">
+        <mc:Choice xmlns:a14="http://schemas.microsoft.com/office/drawing/2010/main" Requires="a14">
+          <p:sp>
+            <p:nvSpPr>
+              <p:cNvPr id="3" name="TextBox 2">
+                <a:extLst>
+                  <a:ext uri="{FF2B5EF4-FFF2-40B4-BE49-F238E27FC236}">
+                    <a16:creationId xmlns:a16="http://schemas.microsoft.com/office/drawing/2014/main" id="{260E002F-9819-4F0D-9BC5-62FA99263036}"/>
+                  </a:ext>
+                </a:extLst>
+              </p:cNvPr>
+              <p:cNvSpPr txBox="1"/>
+              <p:nvPr/>
+            </p:nvSpPr>
+            <p:spPr>
+              <a:xfrm>
+                <a:off x="377483" y="3013501"/>
+                <a:ext cx="11437034" cy="830997"/>
+              </a:xfrm>
+              <a:prstGeom prst="rect">
+                <a:avLst/>
+              </a:prstGeom>
+              <a:noFill/>
+            </p:spPr>
+            <p:txBody>
+              <a:bodyPr wrap="square" lIns="0" tIns="0" rIns="0" bIns="0" rtlCol="0">
+                <a:spAutoFit/>
+              </a:bodyPr>
+              <a:lstStyle/>
+              <a:p>
+                <a:pPr/>
+                <a14:m>
+                  <m:oMathPara xmlns:m="http://schemas.openxmlformats.org/officeDocument/2006/math">
+                    <m:oMathParaPr>
+                      <m:jc m:val="centerGroup"/>
+                    </m:oMathParaPr>
+                    <m:oMath xmlns:m="http://schemas.openxmlformats.org/officeDocument/2006/math">
+                      <m:r>
+                        <a:rPr lang="en-US" sz="5400" b="0" i="1" smtClean="0">
+                          <a:latin typeface="Cambria Math" panose="02040503050406030204" pitchFamily="18" charset="0"/>
+                        </a:rPr>
+                        <m:t>𝐷</m:t>
+                      </m:r>
+                      <m:r>
+                        <a:rPr lang="en-US" sz="5400" b="0" i="1" smtClean="0">
+                          <a:latin typeface="Cambria Math" panose="02040503050406030204" pitchFamily="18" charset="0"/>
+                        </a:rPr>
+                        <m:t>−</m:t>
+                      </m:r>
+                      <m:r>
+                        <a:rPr lang="en-US" sz="5400" b="0" i="1" smtClean="0">
+                          <a:latin typeface="Cambria Math" panose="02040503050406030204" pitchFamily="18" charset="0"/>
+                        </a:rPr>
+                        <m:t>𝑚𝑒𝑎𝑛</m:t>
+                      </m:r>
+                      <m:r>
+                        <a:rPr lang="en-US" sz="5400" b="0" i="1" smtClean="0">
+                          <a:latin typeface="Cambria Math" panose="02040503050406030204" pitchFamily="18" charset="0"/>
+                        </a:rPr>
+                        <m:t>={−2,−1,0,1,2}</m:t>
+                      </m:r>
+                    </m:oMath>
+                  </m:oMathPara>
+                </a14:m>
+                <a:endParaRPr lang="en-US" sz="5400"/>
+              </a:p>
+            </p:txBody>
+          </p:sp>
+        </mc:Choice>
+        <mc:Fallback>
+          <p:sp>
+            <p:nvSpPr>
+              <p:cNvPr id="3" name="TextBox 2">
+                <a:extLst>
+                  <a:ext uri="{FF2B5EF4-FFF2-40B4-BE49-F238E27FC236}">
+                    <a16:creationId xmlns:a16="http://schemas.microsoft.com/office/drawing/2014/main" id="{260E002F-9819-4F0D-9BC5-62FA99263036}"/>
+                  </a:ext>
+                </a:extLst>
+              </p:cNvPr>
+              <p:cNvSpPr txBox="1">
+                <a:spLocks noRot="1" noChangeAspect="1" noMove="1" noResize="1" noEditPoints="1" noAdjustHandles="1" noChangeArrowheads="1" noChangeShapeType="1" noTextEdit="1"/>
+              </p:cNvSpPr>
+              <p:nvPr/>
+            </p:nvSpPr>
+            <p:spPr>
+              <a:xfrm>
+                <a:off x="377483" y="3013501"/>
+                <a:ext cx="11437034" cy="830997"/>
+              </a:xfrm>
+              <a:prstGeom prst="rect">
+                <a:avLst/>
+              </a:prstGeom>
+              <a:blipFill>
+                <a:blip r:embed="rId3"/>
+                <a:stretch>
+                  <a:fillRect/>
+                </a:stretch>
+              </a:blipFill>
+            </p:spPr>
+            <p:txBody>
+              <a:bodyPr/>
+              <a:lstStyle/>
+              <a:p>
+                <a:r>
+                  <a:rPr lang="en-US">
+                    <a:noFill/>
+                  </a:rPr>
+                  <a:t> </a:t>
+                </a:r>
+              </a:p>
+            </p:txBody>
+          </p:sp>
+        </mc:Fallback>
+      </mc:AlternateContent>
+    </p:spTree>
+    <p:extLst>
+      <p:ext uri="{BB962C8B-B14F-4D97-AF65-F5344CB8AC3E}">
+        <p14:creationId xmlns:p14="http://schemas.microsoft.com/office/powerpoint/2010/main" val="2014932196"/>
       </p:ext>
     </p:extLst>
   </p:cSld>

--- a/ps/ps_images.pptx
+++ b/ps/ps_images.pptx
@@ -7664,8 +7664,8 @@
             </p:nvSpPr>
             <p:spPr>
               <a:xfrm>
-                <a:off x="377483" y="3013501"/>
-                <a:ext cx="11437034" cy="830997"/>
+                <a:off x="377483" y="3871631"/>
+                <a:ext cx="11437034" cy="1642886"/>
               </a:xfrm>
               <a:prstGeom prst="rect">
                 <a:avLst/>
@@ -7689,25 +7689,61 @@
                         <a:rPr lang="en-US" sz="5400" b="0" i="1" smtClean="0">
                           <a:latin typeface="Cambria Math" panose="02040503050406030204" pitchFamily="18" charset="0"/>
                         </a:rPr>
-                        <m:t>𝐷</m:t>
+                        <m:t>𝐴𝑏𝑠𝑜𝑙𝑢𝑡𝑒</m:t>
                       </m:r>
                       <m:r>
                         <a:rPr lang="en-US" sz="5400" b="0" i="1" smtClean="0">
                           <a:latin typeface="Cambria Math" panose="02040503050406030204" pitchFamily="18" charset="0"/>
                         </a:rPr>
-                        <m:t>−</m:t>
+                        <m:t> </m:t>
                       </m:r>
                       <m:r>
                         <a:rPr lang="en-US" sz="5400" b="0" i="1" smtClean="0">
                           <a:latin typeface="Cambria Math" panose="02040503050406030204" pitchFamily="18" charset="0"/>
                         </a:rPr>
+                        <m:t>𝑑𝑖𝑓𝑓𝑒𝑟𝑒𝑛𝑐𝑒</m:t>
+                      </m:r>
+                      <m:r>
+                        <a:rPr lang="en-US" sz="5400" b="0" i="1" smtClean="0">
+                          <a:latin typeface="Cambria Math" panose="02040503050406030204" pitchFamily="18" charset="0"/>
+                        </a:rPr>
+                        <m:t> </m:t>
+                      </m:r>
+                      <m:r>
+                        <a:rPr lang="en-US" sz="5400" b="0" i="1" smtClean="0">
+                          <a:latin typeface="Cambria Math" panose="02040503050406030204" pitchFamily="18" charset="0"/>
+                        </a:rPr>
+                        <m:t>𝑓𝑟𝑜𝑚</m:t>
+                      </m:r>
+                      <m:r>
+                        <a:rPr lang="en-US" sz="5400" b="0" i="1" smtClean="0">
+                          <a:latin typeface="Cambria Math" panose="02040503050406030204" pitchFamily="18" charset="0"/>
+                        </a:rPr>
+                        <m:t> </m:t>
+                      </m:r>
+                      <m:r>
+                        <a:rPr lang="en-US" sz="5400" b="0" i="1" smtClean="0">
+                          <a:latin typeface="Cambria Math" panose="02040503050406030204" pitchFamily="18" charset="0"/>
+                        </a:rPr>
+                        <m:t>𝑡h𝑒</m:t>
+                      </m:r>
+                      <m:r>
+                        <a:rPr lang="en-US" sz="5400" b="0" i="1" smtClean="0">
+                          <a:latin typeface="Cambria Math" panose="02040503050406030204" pitchFamily="18" charset="0"/>
+                        </a:rPr>
+                        <m:t> </m:t>
+                      </m:r>
+                      <m:r>
+                        <a:rPr lang="en-US" sz="5400" b="0" i="1" smtClean="0">
+                          <a:latin typeface="Cambria Math" panose="02040503050406030204" pitchFamily="18" charset="0"/>
+                        </a:rPr>
                         <m:t>𝑚𝑒𝑎𝑛</m:t>
                       </m:r>
                       <m:r>
                         <a:rPr lang="en-US" sz="5400" b="0" i="1" smtClean="0">
                           <a:latin typeface="Cambria Math" panose="02040503050406030204" pitchFamily="18" charset="0"/>
                         </a:rPr>
-                        <m:t>={−2,−1,0,1,2}</m:t>
+                        <m:t>⇒{2,1,0,1,2}</m:t>
                       </m:r>
                     </m:oMath>
                   </m:oMathPara>
@@ -7734,8 +7770,8 @@
             </p:nvSpPr>
             <p:spPr>
               <a:xfrm>
-                <a:off x="377483" y="3013501"/>
-                <a:ext cx="11437034" cy="830997"/>
+                <a:off x="377483" y="3871631"/>
+                <a:ext cx="11437034" cy="1642886"/>
               </a:xfrm>
               <a:prstGeom prst="rect">
                 <a:avLst/>

--- a/ps/ps_images.pptx
+++ b/ps/ps_images.pptx
@@ -7664,7 +7664,7 @@
             </p:nvSpPr>
             <p:spPr>
               <a:xfrm>
-                <a:off x="377483" y="3871631"/>
+                <a:off x="377483" y="3815360"/>
                 <a:ext cx="11437034" cy="1642886"/>
               </a:xfrm>
               <a:prstGeom prst="rect">
@@ -7689,7 +7689,7 @@
                         <a:rPr lang="en-US" sz="5400" b="0" i="1" smtClean="0">
                           <a:latin typeface="Cambria Math" panose="02040503050406030204" pitchFamily="18" charset="0"/>
                         </a:rPr>
-                        <m:t>𝐴𝑏𝑠𝑜𝑙𝑢𝑡𝑒</m:t>
+                        <m:t>𝑆𝑞𝑢𝑎𝑟𝑒𝑑</m:t>
                       </m:r>
                       <m:r>
                         <a:rPr lang="en-US" sz="5400" b="0" i="1" smtClean="0">
@@ -7743,7 +7743,7 @@
                         <a:rPr lang="en-US" sz="5400" b="0" i="1" smtClean="0">
                           <a:latin typeface="Cambria Math" panose="02040503050406030204" pitchFamily="18" charset="0"/>
                         </a:rPr>
-                        <m:t>⇒{2,1,0,1,2}</m:t>
+                        <m:t>⇒{4,1,0,1,4}</m:t>
                       </m:r>
                     </m:oMath>
                   </m:oMathPara>
@@ -7770,7 +7770,7 @@
             </p:nvSpPr>
             <p:spPr>
               <a:xfrm>
-                <a:off x="377483" y="3871631"/>
+                <a:off x="377483" y="3815360"/>
                 <a:ext cx="11437034" cy="1642886"/>
               </a:xfrm>
               <a:prstGeom prst="rect">

--- a/ps/ps_images.pptx
+++ b/ps/ps_images.pptx
@@ -7562,7 +7562,7 @@
             </p:nvSpPr>
             <p:spPr>
               <a:xfrm>
-                <a:off x="377483" y="1623168"/>
+                <a:off x="222738" y="5590257"/>
                 <a:ext cx="11437034" cy="830997"/>
               </a:xfrm>
               <a:prstGeom prst="rect">
@@ -7620,7 +7620,7 @@
             </p:nvSpPr>
             <p:spPr>
               <a:xfrm>
-                <a:off x="377483" y="1623168"/>
+                <a:off x="222738" y="5590257"/>
                 <a:ext cx="11437034" cy="830997"/>
               </a:xfrm>
               <a:prstGeom prst="rect">
@@ -7780,6 +7780,318 @@
                 <a:blip r:embed="rId3"/>
                 <a:stretch>
                   <a:fillRect/>
+                </a:stretch>
+              </a:blipFill>
+            </p:spPr>
+            <p:txBody>
+              <a:bodyPr/>
+              <a:lstStyle/>
+              <a:p>
+                <a:r>
+                  <a:rPr lang="en-US">
+                    <a:noFill/>
+                  </a:rPr>
+                  <a:t> </a:t>
+                </a:r>
+              </a:p>
+            </p:txBody>
+          </p:sp>
+        </mc:Fallback>
+      </mc:AlternateContent>
+      <mc:AlternateContent xmlns:mc="http://schemas.openxmlformats.org/markup-compatibility/2006">
+        <mc:Choice xmlns:a14="http://schemas.microsoft.com/office/drawing/2010/main" Requires="a14">
+          <p:sp>
+            <p:nvSpPr>
+              <p:cNvPr id="4" name="TextBox 3">
+                <a:extLst>
+                  <a:ext uri="{FF2B5EF4-FFF2-40B4-BE49-F238E27FC236}">
+                    <a16:creationId xmlns:a16="http://schemas.microsoft.com/office/drawing/2014/main" id="{70D19B0A-E839-42C1-8167-9E5BD1AD950A}"/>
+                  </a:ext>
+                </a:extLst>
+              </p:cNvPr>
+              <p:cNvSpPr txBox="1"/>
+              <p:nvPr/>
+            </p:nvSpPr>
+            <p:spPr>
+              <a:xfrm>
+                <a:off x="129776" y="494057"/>
+                <a:ext cx="11932447" cy="1811393"/>
+              </a:xfrm>
+              <a:prstGeom prst="rect">
+                <a:avLst/>
+              </a:prstGeom>
+              <a:noFill/>
+            </p:spPr>
+            <p:txBody>
+              <a:bodyPr wrap="square" lIns="0" tIns="0" rIns="0" bIns="0" rtlCol="0">
+                <a:spAutoFit/>
+              </a:bodyPr>
+              <a:lstStyle/>
+              <a:p>
+                <a:pPr/>
+                <a:r>
+                  <a:rPr lang="en-US" sz="4000" b="0">
+                    <a:latin typeface="Cambria Math" panose="02040503050406030204" pitchFamily="18" charset="0"/>
+                  </a:rPr>
+                  <a:t>Var[</a:t>
+                </a:r>
+                <a14:m>
+                  <m:oMath xmlns:m="http://schemas.openxmlformats.org/officeDocument/2006/math">
+                    <m:r>
+                      <a:rPr lang="en-US" sz="4000" i="1" smtClean="0">
+                        <a:solidFill>
+                          <a:srgbClr val="C00000"/>
+                        </a:solidFill>
+                        <a:latin typeface="Cambria Math" panose="02040503050406030204" pitchFamily="18" charset="0"/>
+                      </a:rPr>
+                      <m:t>𝑋</m:t>
+                    </m:r>
+                  </m:oMath>
+                </a14:m>
+                <a:r>
+                  <a:rPr lang="en-US" sz="4000" b="0">
+                    <a:latin typeface="Cambria Math" panose="02040503050406030204" pitchFamily="18" charset="0"/>
+                  </a:rPr>
+                  <a:t>]</a:t>
+                </a:r>
+              </a:p>
+              <a:p>
+                <a:pPr/>
+                <a14:m>
+                  <m:oMathPara xmlns:m="http://schemas.openxmlformats.org/officeDocument/2006/math">
+                    <m:oMathParaPr>
+                      <m:jc m:val="centerGroup"/>
+                    </m:oMathParaPr>
+                    <m:oMath xmlns:m="http://schemas.openxmlformats.org/officeDocument/2006/math">
+                      <m:r>
+                        <a:rPr lang="en-US" sz="4000" b="0" i="1" smtClean="0">
+                          <a:latin typeface="Cambria Math" panose="02040503050406030204" pitchFamily="18" charset="0"/>
+                        </a:rPr>
+                        <m:t>=</m:t>
+                      </m:r>
+                      <m:f>
+                        <m:fPr>
+                          <m:ctrlPr>
+                            <a:rPr lang="en-US" sz="4000" i="1">
+                              <a:latin typeface="Cambria Math" panose="02040503050406030204" pitchFamily="18" charset="0"/>
+                            </a:rPr>
+                          </m:ctrlPr>
+                        </m:fPr>
+                        <m:num>
+                          <m:d>
+                            <m:dPr>
+                              <m:ctrlPr>
+                                <a:rPr lang="en-US" sz="4000" i="1">
+                                  <a:latin typeface="Cambria Math" panose="02040503050406030204" pitchFamily="18" charset="0"/>
+                                  <a:ea typeface="Cambria Math" panose="02040503050406030204" pitchFamily="18" charset="0"/>
+                                </a:rPr>
+                              </m:ctrlPr>
+                            </m:dPr>
+                            <m:e>
+                              <m:r>
+                                <a:rPr lang="en-US" sz="4000" i="1">
+                                  <a:solidFill>
+                                    <a:srgbClr val="C00000"/>
+                                  </a:solidFill>
+                                  <a:latin typeface="Cambria Math" panose="02040503050406030204" pitchFamily="18" charset="0"/>
+                                  <a:ea typeface="Cambria Math" panose="02040503050406030204" pitchFamily="18" charset="0"/>
+                                </a:rPr>
+                                <m:t>𝑥</m:t>
+                              </m:r>
+                              <m:r>
+                                <a:rPr lang="en-US" sz="4000" i="1" baseline="-25000">
+                                  <a:solidFill>
+                                    <a:srgbClr val="C00000"/>
+                                  </a:solidFill>
+                                  <a:latin typeface="Cambria Math" panose="02040503050406030204" pitchFamily="18" charset="0"/>
+                                  <a:ea typeface="Cambria Math" panose="02040503050406030204" pitchFamily="18" charset="0"/>
+                                </a:rPr>
+                                <m:t>1</m:t>
+                              </m:r>
+                              <m:r>
+                                <a:rPr lang="en-US" sz="4000" i="1">
+                                  <a:latin typeface="Cambria Math" panose="02040503050406030204" pitchFamily="18" charset="0"/>
+                                  <a:ea typeface="Cambria Math" panose="02040503050406030204" pitchFamily="18" charset="0"/>
+                                </a:rPr>
+                                <m:t>−</m:t>
+                              </m:r>
+                              <m:r>
+                                <m:rPr>
+                                  <m:nor/>
+                                </m:rPr>
+                                <a:rPr lang="el-GR" sz="4000">
+                                  <a:latin typeface="Cambria Math" panose="02040503050406030204" pitchFamily="18" charset="0"/>
+                                  <a:ea typeface="Cambria Math" panose="02040503050406030204" pitchFamily="18" charset="0"/>
+                                </a:rPr>
+                                <m:t>μ</m:t>
+                              </m:r>
+                            </m:e>
+                          </m:d>
+                          <m:r>
+                            <a:rPr lang="en-US" sz="4000" i="1" baseline="30000">
+                              <a:latin typeface="Cambria Math" panose="02040503050406030204" pitchFamily="18" charset="0"/>
+                            </a:rPr>
+                            <m:t>2</m:t>
+                          </m:r>
+                          <m:r>
+                            <a:rPr lang="en-US" sz="4000" i="1">
+                              <a:latin typeface="Cambria Math" panose="02040503050406030204" pitchFamily="18" charset="0"/>
+                            </a:rPr>
+                            <m:t>+</m:t>
+                          </m:r>
+                          <m:d>
+                            <m:dPr>
+                              <m:ctrlPr>
+                                <a:rPr lang="en-US" sz="4000" i="1">
+                                  <a:latin typeface="Cambria Math" panose="02040503050406030204" pitchFamily="18" charset="0"/>
+                                </a:rPr>
+                              </m:ctrlPr>
+                            </m:dPr>
+                            <m:e>
+                              <m:r>
+                                <a:rPr lang="en-US" sz="4000" i="1">
+                                  <a:solidFill>
+                                    <a:srgbClr val="C00000"/>
+                                  </a:solidFill>
+                                  <a:latin typeface="Cambria Math" panose="02040503050406030204" pitchFamily="18" charset="0"/>
+                                </a:rPr>
+                                <m:t>𝑥</m:t>
+                              </m:r>
+                              <m:r>
+                                <a:rPr lang="en-US" sz="4000" i="1" baseline="-25000">
+                                  <a:solidFill>
+                                    <a:srgbClr val="C00000"/>
+                                  </a:solidFill>
+                                  <a:latin typeface="Cambria Math" panose="02040503050406030204" pitchFamily="18" charset="0"/>
+                                </a:rPr>
+                                <m:t>2</m:t>
+                              </m:r>
+                              <m:r>
+                                <a:rPr lang="en-US" sz="4000" i="1">
+                                  <a:latin typeface="Cambria Math" panose="02040503050406030204" pitchFamily="18" charset="0"/>
+                                </a:rPr>
+                                <m:t>−</m:t>
+                              </m:r>
+                              <m:r>
+                                <m:rPr>
+                                  <m:nor/>
+                                </m:rPr>
+                                <a:rPr lang="el-GR" sz="4000">
+                                  <a:latin typeface="Cambria Math" panose="02040503050406030204" pitchFamily="18" charset="0"/>
+                                  <a:ea typeface="Cambria Math" panose="02040503050406030204" pitchFamily="18" charset="0"/>
+                                </a:rPr>
+                                <m:t>μ</m:t>
+                              </m:r>
+                            </m:e>
+                          </m:d>
+                          <m:r>
+                            <a:rPr lang="en-US" sz="4000" i="1" baseline="30000">
+                              <a:latin typeface="Cambria Math" panose="02040503050406030204" pitchFamily="18" charset="0"/>
+                            </a:rPr>
+                            <m:t>2</m:t>
+                          </m:r>
+                          <m:r>
+                            <a:rPr lang="en-US" sz="4000" i="1">
+                              <a:latin typeface="Cambria Math" panose="02040503050406030204" pitchFamily="18" charset="0"/>
+                            </a:rPr>
+                            <m:t>+…+</m:t>
+                          </m:r>
+                          <m:d>
+                            <m:dPr>
+                              <m:ctrlPr>
+                                <a:rPr lang="en-US" sz="4000" i="1">
+                                  <a:latin typeface="Cambria Math" panose="02040503050406030204" pitchFamily="18" charset="0"/>
+                                </a:rPr>
+                              </m:ctrlPr>
+                            </m:dPr>
+                            <m:e>
+                              <m:r>
+                                <a:rPr lang="en-US" sz="4000" i="1">
+                                  <a:solidFill>
+                                    <a:srgbClr val="C00000"/>
+                                  </a:solidFill>
+                                  <a:latin typeface="Cambria Math" panose="02040503050406030204" pitchFamily="18" charset="0"/>
+                                </a:rPr>
+                                <m:t>𝑥</m:t>
+                              </m:r>
+                              <m:r>
+                                <a:rPr lang="en-US" sz="4000" i="1" baseline="-25000">
+                                  <a:solidFill>
+                                    <a:srgbClr val="C00000"/>
+                                  </a:solidFill>
+                                  <a:latin typeface="Cambria Math" panose="02040503050406030204" pitchFamily="18" charset="0"/>
+                                </a:rPr>
+                                <m:t>𝑛</m:t>
+                              </m:r>
+                              <m:r>
+                                <a:rPr lang="en-US" sz="4000" i="1">
+                                  <a:latin typeface="Cambria Math" panose="02040503050406030204" pitchFamily="18" charset="0"/>
+                                </a:rPr>
+                                <m:t>−</m:t>
+                              </m:r>
+                              <m:r>
+                                <m:rPr>
+                                  <m:nor/>
+                                </m:rPr>
+                                <a:rPr lang="el-GR" sz="4000">
+                                  <a:latin typeface="Cambria Math" panose="02040503050406030204" pitchFamily="18" charset="0"/>
+                                  <a:ea typeface="Cambria Math" panose="02040503050406030204" pitchFamily="18" charset="0"/>
+                                </a:rPr>
+                                <m:t>μ</m:t>
+                              </m:r>
+                            </m:e>
+                          </m:d>
+                          <m:r>
+                            <a:rPr lang="en-US" sz="4000" i="1" baseline="30000">
+                              <a:latin typeface="Cambria Math" panose="02040503050406030204" pitchFamily="18" charset="0"/>
+                            </a:rPr>
+                            <m:t>2</m:t>
+                          </m:r>
+                        </m:num>
+                        <m:den>
+                          <m:r>
+                            <a:rPr lang="en-US" sz="4000" i="1">
+                              <a:latin typeface="Cambria Math" panose="02040503050406030204" pitchFamily="18" charset="0"/>
+                            </a:rPr>
+                            <m:t>𝑛</m:t>
+                          </m:r>
+                        </m:den>
+                      </m:f>
+                    </m:oMath>
+                  </m:oMathPara>
+                </a14:m>
+                <a:endParaRPr lang="en-US" sz="4000"/>
+              </a:p>
+            </p:txBody>
+          </p:sp>
+        </mc:Choice>
+        <mc:Fallback>
+          <p:sp>
+            <p:nvSpPr>
+              <p:cNvPr id="4" name="TextBox 3">
+                <a:extLst>
+                  <a:ext uri="{FF2B5EF4-FFF2-40B4-BE49-F238E27FC236}">
+                    <a16:creationId xmlns:a16="http://schemas.microsoft.com/office/drawing/2014/main" id="{70D19B0A-E839-42C1-8167-9E5BD1AD950A}"/>
+                  </a:ext>
+                </a:extLst>
+              </p:cNvPr>
+              <p:cNvSpPr txBox="1">
+                <a:spLocks noRot="1" noChangeAspect="1" noMove="1" noResize="1" noEditPoints="1" noAdjustHandles="1" noChangeArrowheads="1" noChangeShapeType="1" noTextEdit="1"/>
+              </p:cNvSpPr>
+              <p:nvPr/>
+            </p:nvSpPr>
+            <p:spPr>
+              <a:xfrm>
+                <a:off x="129776" y="494057"/>
+                <a:ext cx="11932447" cy="1811393"/>
+              </a:xfrm>
+              <a:prstGeom prst="rect">
+                <a:avLst/>
+              </a:prstGeom>
+              <a:blipFill>
+                <a:blip r:embed="rId4"/>
+                <a:stretch>
+                  <a:fillRect l="-2554" t="-8418"/>
                 </a:stretch>
               </a:blipFill>
             </p:spPr>

--- a/ps/ps_images.pptx
+++ b/ps/ps_images.pptx
@@ -264,7 +264,7 @@
           <a:p>
             <a:fld id="{A87D8ACD-2932-4696-A411-35B4FCC980C6}" type="datetimeFigureOut">
               <a:rPr lang="en-US" smtClean="0"/>
-              <a:t>31-Mar-21</a:t>
+              <a:t>01-Apr-21</a:t>
             </a:fld>
             <a:endParaRPr lang="en-US"/>
           </a:p>
@@ -462,7 +462,7 @@
           <a:p>
             <a:fld id="{A87D8ACD-2932-4696-A411-35B4FCC980C6}" type="datetimeFigureOut">
               <a:rPr lang="en-US" smtClean="0"/>
-              <a:t>31-Mar-21</a:t>
+              <a:t>01-Apr-21</a:t>
             </a:fld>
             <a:endParaRPr lang="en-US"/>
           </a:p>
@@ -670,7 +670,7 @@
           <a:p>
             <a:fld id="{A87D8ACD-2932-4696-A411-35B4FCC980C6}" type="datetimeFigureOut">
               <a:rPr lang="en-US" smtClean="0"/>
-              <a:t>31-Mar-21</a:t>
+              <a:t>01-Apr-21</a:t>
             </a:fld>
             <a:endParaRPr lang="en-US"/>
           </a:p>
@@ -868,7 +868,7 @@
           <a:p>
             <a:fld id="{A87D8ACD-2932-4696-A411-35B4FCC980C6}" type="datetimeFigureOut">
               <a:rPr lang="en-US" smtClean="0"/>
-              <a:t>31-Mar-21</a:t>
+              <a:t>01-Apr-21</a:t>
             </a:fld>
             <a:endParaRPr lang="en-US"/>
           </a:p>
@@ -1143,7 +1143,7 @@
           <a:p>
             <a:fld id="{A87D8ACD-2932-4696-A411-35B4FCC980C6}" type="datetimeFigureOut">
               <a:rPr lang="en-US" smtClean="0"/>
-              <a:t>31-Mar-21</a:t>
+              <a:t>01-Apr-21</a:t>
             </a:fld>
             <a:endParaRPr lang="en-US"/>
           </a:p>
@@ -1408,7 +1408,7 @@
           <a:p>
             <a:fld id="{A87D8ACD-2932-4696-A411-35B4FCC980C6}" type="datetimeFigureOut">
               <a:rPr lang="en-US" smtClean="0"/>
-              <a:t>31-Mar-21</a:t>
+              <a:t>01-Apr-21</a:t>
             </a:fld>
             <a:endParaRPr lang="en-US"/>
           </a:p>
@@ -1820,7 +1820,7 @@
           <a:p>
             <a:fld id="{A87D8ACD-2932-4696-A411-35B4FCC980C6}" type="datetimeFigureOut">
               <a:rPr lang="en-US" smtClean="0"/>
-              <a:t>31-Mar-21</a:t>
+              <a:t>01-Apr-21</a:t>
             </a:fld>
             <a:endParaRPr lang="en-US"/>
           </a:p>
@@ -1961,7 +1961,7 @@
           <a:p>
             <a:fld id="{A87D8ACD-2932-4696-A411-35B4FCC980C6}" type="datetimeFigureOut">
               <a:rPr lang="en-US" smtClean="0"/>
-              <a:t>31-Mar-21</a:t>
+              <a:t>01-Apr-21</a:t>
             </a:fld>
             <a:endParaRPr lang="en-US"/>
           </a:p>
@@ -2074,7 +2074,7 @@
           <a:p>
             <a:fld id="{A87D8ACD-2932-4696-A411-35B4FCC980C6}" type="datetimeFigureOut">
               <a:rPr lang="en-US" smtClean="0"/>
-              <a:t>31-Mar-21</a:t>
+              <a:t>01-Apr-21</a:t>
             </a:fld>
             <a:endParaRPr lang="en-US"/>
           </a:p>
@@ -2385,7 +2385,7 @@
           <a:p>
             <a:fld id="{A87D8ACD-2932-4696-A411-35B4FCC980C6}" type="datetimeFigureOut">
               <a:rPr lang="en-US" smtClean="0"/>
-              <a:t>31-Mar-21</a:t>
+              <a:t>01-Apr-21</a:t>
             </a:fld>
             <a:endParaRPr lang="en-US"/>
           </a:p>
@@ -2673,7 +2673,7 @@
           <a:p>
             <a:fld id="{A87D8ACD-2932-4696-A411-35B4FCC980C6}" type="datetimeFigureOut">
               <a:rPr lang="en-US" smtClean="0"/>
-              <a:t>31-Mar-21</a:t>
+              <a:t>01-Apr-21</a:t>
             </a:fld>
             <a:endParaRPr lang="en-US"/>
           </a:p>
@@ -2914,7 +2914,7 @@
           <a:p>
             <a:fld id="{A87D8ACD-2932-4696-A411-35B4FCC980C6}" type="datetimeFigureOut">
               <a:rPr lang="en-US" smtClean="0"/>
-              <a:t>31-Mar-21</a:t>
+              <a:t>01-Apr-21</a:t>
             </a:fld>
             <a:endParaRPr lang="en-US"/>
           </a:p>
@@ -3331,8 +3331,8 @@
           <a:chExt cx="0" cy="0"/>
         </a:xfrm>
       </p:grpSpPr>
-      <mc:AlternateContent xmlns:mc="http://schemas.openxmlformats.org/markup-compatibility/2006">
-        <mc:Choice xmlns:a14="http://schemas.microsoft.com/office/drawing/2010/main" Requires="a14">
+      <mc:AlternateContent xmlns:mc="http://schemas.openxmlformats.org/markup-compatibility/2006" xmlns:a14="http://schemas.microsoft.com/office/drawing/2010/main">
+        <mc:Choice Requires="a14">
           <p:sp>
             <p:nvSpPr>
               <p:cNvPr id="4" name="TextBox 3">
@@ -3682,7 +3682,7 @@
             </p:txBody>
           </p:sp>
         </mc:Choice>
-        <mc:Fallback>
+        <mc:Fallback xmlns="">
           <p:sp>
             <p:nvSpPr>
               <p:cNvPr id="4" name="TextBox 3">
@@ -3727,8 +3727,8 @@
           </p:sp>
         </mc:Fallback>
       </mc:AlternateContent>
-      <mc:AlternateContent xmlns:mc="http://schemas.openxmlformats.org/markup-compatibility/2006">
-        <mc:Choice xmlns:a14="http://schemas.microsoft.com/office/drawing/2010/main" Requires="a14">
+      <mc:AlternateContent xmlns:mc="http://schemas.openxmlformats.org/markup-compatibility/2006" xmlns:a14="http://schemas.microsoft.com/office/drawing/2010/main">
+        <mc:Choice Requires="a14">
           <p:sp>
             <p:nvSpPr>
               <p:cNvPr id="5" name="TextBox 4">
@@ -3937,7 +3937,7 @@
             </p:txBody>
           </p:sp>
         </mc:Choice>
-        <mc:Fallback>
+        <mc:Fallback xmlns="">
           <p:sp>
             <p:nvSpPr>
               <p:cNvPr id="5" name="TextBox 4">
@@ -4012,8 +4012,8 @@
           <a:chExt cx="0" cy="0"/>
         </a:xfrm>
       </p:grpSpPr>
-      <mc:AlternateContent xmlns:mc="http://schemas.openxmlformats.org/markup-compatibility/2006">
-        <mc:Choice xmlns:a14="http://schemas.microsoft.com/office/drawing/2010/main" Requires="a14">
+      <mc:AlternateContent xmlns:mc="http://schemas.openxmlformats.org/markup-compatibility/2006" xmlns:a14="http://schemas.microsoft.com/office/drawing/2010/main">
+        <mc:Choice Requires="a14">
           <p:sp>
             <p:nvSpPr>
               <p:cNvPr id="4" name="TextBox 3">
@@ -4139,16 +4139,7 @@
                         <a:rPr lang="en-US" sz="5400" b="0" i="1" smtClean="0">
                           <a:latin typeface="Cambria Math" panose="02040503050406030204" pitchFamily="18" charset="0"/>
                         </a:rPr>
-                        <m:t>𝑎</m:t>
-                      </m:r>
-                      <m:r>
-                        <a:rPr lang="en-US" sz="5400" i="1">
-                          <a:solidFill>
-                            <a:srgbClr val="C00000"/>
-                          </a:solidFill>
-                          <a:latin typeface="Cambria Math" panose="02040503050406030204" pitchFamily="18" charset="0"/>
-                        </a:rPr>
-                        <m:t>𝑥</m:t>
+                        <m:t>𝑎𝑥</m:t>
                       </m:r>
                       <m:r>
                         <a:rPr lang="en-US" sz="5400" b="0" i="1" baseline="-25000" smtClean="0">
@@ -4187,34 +4178,7 @@
                         <a:rPr lang="en-US" sz="5400" b="0" i="1" smtClean="0">
                           <a:latin typeface="Cambria Math" panose="02040503050406030204" pitchFamily="18" charset="0"/>
                         </a:rPr>
-                        <m:t>𝑎</m:t>
-                      </m:r>
-                      <m:r>
-                        <a:rPr lang="en-US" sz="5400" i="1">
-                          <a:solidFill>
-                            <a:srgbClr val="C00000"/>
-                          </a:solidFill>
-                          <a:latin typeface="Cambria Math" panose="02040503050406030204" pitchFamily="18" charset="0"/>
-                        </a:rPr>
-                        <m:t>𝑥</m:t>
-                      </m:r>
-                      <m:r>
-                        <a:rPr lang="en-US" sz="5400" b="0" i="1" baseline="-25000" smtClean="0">
-                          <a:solidFill>
-                            <a:srgbClr val="C00000"/>
-                          </a:solidFill>
-                          <a:latin typeface="Cambria Math" panose="02040503050406030204" pitchFamily="18" charset="0"/>
-                        </a:rPr>
-                        <m:t>𝑘</m:t>
-                      </m:r>
-                      <m:r>
-                        <a:rPr lang="en-US" sz="5400" b="0" i="1" smtClean="0">
-                          <a:solidFill>
-                            <a:srgbClr val="7030A0"/>
-                          </a:solidFill>
-                          <a:latin typeface="Cambria Math" panose="02040503050406030204" pitchFamily="18" charset="0"/>
-                        </a:rPr>
-                        <m:t>𝑝</m:t>
+                        <m:t>𝑎𝑥𝑘𝑝</m:t>
                       </m:r>
                       <m:r>
                         <a:rPr lang="en-US" sz="5400" b="0" i="1" baseline="-25000" smtClean="0">
@@ -4233,7 +4197,7 @@
             </p:txBody>
           </p:sp>
         </mc:Choice>
-        <mc:Fallback>
+        <mc:Fallback xmlns="">
           <p:sp>
             <p:nvSpPr>
               <p:cNvPr id="4" name="TextBox 3">
@@ -4294,8 +4258,8 @@
             </p:nvSpPr>
             <p:spPr>
               <a:xfrm>
-                <a:off x="0" y="936010"/>
-                <a:ext cx="5584874" cy="2353401"/>
+                <a:off x="-1" y="936010"/>
+                <a:ext cx="8440615" cy="2353401"/>
               </a:xfrm>
               <a:prstGeom prst="rect">
                 <a:avLst/>
@@ -4332,12 +4296,6 @@
                         <m:e>
                           <m:r>
                             <a:rPr lang="en-US" sz="5400" b="0" i="1" smtClean="0">
-                              <a:latin typeface="Cambria Math" panose="02040503050406030204" pitchFamily="18" charset="0"/>
-                            </a:rPr>
-                            <m:t>𝑎</m:t>
-                          </m:r>
-                          <m:r>
-                            <a:rPr lang="en-US" sz="5400" b="0" i="1" smtClean="0">
                               <a:solidFill>
                                 <a:srgbClr val="C00000"/>
                               </a:solidFill>
@@ -4390,12 +4348,6 @@
                         <m:e>
                           <m:r>
                             <a:rPr lang="en-US" sz="5400" b="0" i="1" smtClean="0">
-                              <a:latin typeface="Cambria Math" panose="02040503050406030204" pitchFamily="18" charset="0"/>
-                            </a:rPr>
-                            <m:t>𝑎</m:t>
-                          </m:r>
-                          <m:r>
-                            <a:rPr lang="en-US" sz="5400" b="0" i="1" smtClean="0">
                               <a:solidFill>
                                 <a:srgbClr val="C00000"/>
                               </a:solidFill>
@@ -4419,16 +4371,52 @@
                               </a:solidFill>
                               <a:latin typeface="Cambria Math" panose="02040503050406030204" pitchFamily="18" charset="0"/>
                             </a:rPr>
-                            <m:t>𝑝</m:t>
+                            <m:t>𝑃</m:t>
                           </m:r>
                           <m:r>
-                            <a:rPr lang="en-US" sz="5400" b="0" i="1" baseline="-25000" smtClean="0">
+                            <a:rPr lang="en-US" sz="5400" b="0" i="1" smtClean="0">
                               <a:solidFill>
                                 <a:srgbClr val="7030A0"/>
                               </a:solidFill>
                               <a:latin typeface="Cambria Math" panose="02040503050406030204" pitchFamily="18" charset="0"/>
                             </a:rPr>
-                            <m:t>𝑖</m:t>
+                            <m:t>(</m:t>
+                          </m:r>
+                          <m:r>
+                            <a:rPr lang="en-US" sz="5400" b="0" i="1" smtClean="0">
+                              <a:solidFill>
+                                <a:srgbClr val="7030A0"/>
+                              </a:solidFill>
+                              <a:latin typeface="Cambria Math" panose="02040503050406030204" pitchFamily="18" charset="0"/>
+                            </a:rPr>
+                            <m:t>𝑋</m:t>
+                          </m:r>
+                          <m:r>
+                            <a:rPr lang="en-US" sz="5400" b="0" i="1" smtClean="0">
+                              <a:solidFill>
+                                <a:srgbClr val="7030A0"/>
+                              </a:solidFill>
+                              <a:latin typeface="Cambria Math" panose="02040503050406030204" pitchFamily="18" charset="0"/>
+                            </a:rPr>
+                            <m:t>=</m:t>
+                          </m:r>
+                          <m:r>
+                            <a:rPr lang="en-US" sz="5400" b="0" i="1" smtClean="0">
+                              <a:solidFill>
+                                <a:srgbClr val="7030A0"/>
+                              </a:solidFill>
+                              <a:latin typeface="Cambria Math" panose="02040503050406030204" pitchFamily="18" charset="0"/>
+                            </a:rPr>
+                            <m:t>𝑥𝑖</m:t>
+                          </m:r>
+                          <m:r>
+                            <a:rPr lang="en-US" sz="5400" b="0" i="1" smtClean="0">
+                              <a:solidFill>
+                                <a:srgbClr val="7030A0"/>
+                              </a:solidFill>
+                              <a:latin typeface="Cambria Math" panose="02040503050406030204" pitchFamily="18" charset="0"/>
+                            </a:rPr>
+                            <m:t>)</m:t>
                           </m:r>
                         </m:e>
                       </m:nary>
@@ -4457,8 +4445,8 @@
             </p:nvSpPr>
             <p:spPr>
               <a:xfrm>
-                <a:off x="0" y="936010"/>
-                <a:ext cx="5584874" cy="2353401"/>
+                <a:off x="-1" y="936010"/>
+                <a:ext cx="8440615" cy="2353401"/>
               </a:xfrm>
               <a:prstGeom prst="rect">
                 <a:avLst/>
@@ -4485,8 +4473,8 @@
           </p:sp>
         </mc:Fallback>
       </mc:AlternateContent>
-      <mc:AlternateContent xmlns:mc="http://schemas.openxmlformats.org/markup-compatibility/2006">
-        <mc:Choice xmlns:a14="http://schemas.microsoft.com/office/drawing/2010/main" Requires="a14">
+      <mc:AlternateContent xmlns:mc="http://schemas.openxmlformats.org/markup-compatibility/2006" xmlns:a14="http://schemas.microsoft.com/office/drawing/2010/main">
+        <mc:Choice Requires="a14">
           <p:sp>
             <p:nvSpPr>
               <p:cNvPr id="6" name="TextBox 5">
@@ -4606,7 +4594,7 @@
             </p:txBody>
           </p:sp>
         </mc:Choice>
-        <mc:Fallback>
+        <mc:Fallback xmlns="">
           <p:sp>
             <p:nvSpPr>
               <p:cNvPr id="6" name="TextBox 5">
@@ -4681,8 +4669,8 @@
           <a:chExt cx="0" cy="0"/>
         </a:xfrm>
       </p:grpSpPr>
-      <mc:AlternateContent xmlns:mc="http://schemas.openxmlformats.org/markup-compatibility/2006">
-        <mc:Choice xmlns:a14="http://schemas.microsoft.com/office/drawing/2010/main" Requires="a14">
+      <mc:AlternateContent xmlns:mc="http://schemas.openxmlformats.org/markup-compatibility/2006" xmlns:a14="http://schemas.microsoft.com/office/drawing/2010/main">
+        <mc:Choice Requires="a14">
           <p:sp>
             <p:nvSpPr>
               <p:cNvPr id="2" name="TextBox 1">
@@ -4862,19 +4850,7 @@
                         <a:rPr lang="en-US" sz="5400" b="0" i="1" smtClean="0">
                           <a:latin typeface="Cambria Math" panose="02040503050406030204" pitchFamily="18" charset="0"/>
                         </a:rPr>
-                        <m:t>+</m:t>
-                      </m:r>
-                      <m:r>
-                        <a:rPr lang="en-US" sz="5400" b="0" i="1" smtClean="0">
-                          <a:latin typeface="Cambria Math" panose="02040503050406030204" pitchFamily="18" charset="0"/>
-                        </a:rPr>
-                        <m:t>…</m:t>
-                      </m:r>
-                      <m:r>
-                        <a:rPr lang="en-US" sz="5400" b="0" i="1" smtClean="0">
-                          <a:latin typeface="Cambria Math" panose="02040503050406030204" pitchFamily="18" charset="0"/>
-                        </a:rPr>
-                        <m:t>+</m:t>
+                        <m:t>+…+</m:t>
                       </m:r>
                       <m:r>
                         <a:rPr lang="en-US" sz="5400" i="1">
@@ -5086,7 +5062,7 @@
             </p:txBody>
           </p:sp>
         </mc:Choice>
-        <mc:Fallback>
+        <mc:Fallback xmlns="">
           <p:sp>
             <p:nvSpPr>
               <p:cNvPr id="2" name="TextBox 1">
@@ -5131,8 +5107,8 @@
           </p:sp>
         </mc:Fallback>
       </mc:AlternateContent>
-      <mc:AlternateContent xmlns:mc="http://schemas.openxmlformats.org/markup-compatibility/2006">
-        <mc:Choice xmlns:a14="http://schemas.microsoft.com/office/drawing/2010/main" Requires="a14">
+      <mc:AlternateContent xmlns:mc="http://schemas.openxmlformats.org/markup-compatibility/2006" xmlns:a14="http://schemas.microsoft.com/office/drawing/2010/main">
+        <mc:Choice Requires="a14">
           <p:sp>
             <p:nvSpPr>
               <p:cNvPr id="5" name="TextBox 4">
@@ -5288,7 +5264,7 @@
             </p:txBody>
           </p:sp>
         </mc:Choice>
-        <mc:Fallback>
+        <mc:Fallback xmlns="">
           <p:sp>
             <p:nvSpPr>
               <p:cNvPr id="5" name="TextBox 4">
@@ -5363,8 +5339,8 @@
           <a:chExt cx="0" cy="0"/>
         </a:xfrm>
       </p:grpSpPr>
-      <mc:AlternateContent xmlns:mc="http://schemas.openxmlformats.org/markup-compatibility/2006">
-        <mc:Choice xmlns:a14="http://schemas.microsoft.com/office/drawing/2010/main" Requires="a14">
+      <mc:AlternateContent xmlns:mc="http://schemas.openxmlformats.org/markup-compatibility/2006" xmlns:a14="http://schemas.microsoft.com/office/drawing/2010/main">
+        <mc:Choice Requires="a14">
           <p:sp>
             <p:nvSpPr>
               <p:cNvPr id="2" name="TextBox 1">
@@ -5393,7 +5369,6 @@
               </a:bodyPr>
               <a:lstStyle/>
               <a:p>
-                <a:pPr/>
                 <a:r>
                   <a:rPr lang="en-US" sz="4800" b="0">
                     <a:latin typeface="Cambria Math" panose="02040503050406030204" pitchFamily="18" charset="0"/>
@@ -5518,7 +5493,7 @@
             </p:txBody>
           </p:sp>
         </mc:Choice>
-        <mc:Fallback>
+        <mc:Fallback xmlns="">
           <p:sp>
             <p:nvSpPr>
               <p:cNvPr id="2" name="TextBox 1">
@@ -5563,8 +5538,8 @@
           </p:sp>
         </mc:Fallback>
       </mc:AlternateContent>
-      <mc:AlternateContent xmlns:mc="http://schemas.openxmlformats.org/markup-compatibility/2006">
-        <mc:Choice xmlns:a14="http://schemas.microsoft.com/office/drawing/2010/main" Requires="a14">
+      <mc:AlternateContent xmlns:mc="http://schemas.openxmlformats.org/markup-compatibility/2006" xmlns:a14="http://schemas.microsoft.com/office/drawing/2010/main">
+        <mc:Choice Requires="a14">
           <p:sp>
             <p:nvSpPr>
               <p:cNvPr id="3" name="TextBox 2">
@@ -5769,7 +5744,7 @@
             </p:txBody>
           </p:sp>
         </mc:Choice>
-        <mc:Fallback>
+        <mc:Fallback xmlns="">
           <p:sp>
             <p:nvSpPr>
               <p:cNvPr id="3" name="TextBox 2">
@@ -5814,8 +5789,8 @@
           </p:sp>
         </mc:Fallback>
       </mc:AlternateContent>
-      <mc:AlternateContent xmlns:mc="http://schemas.openxmlformats.org/markup-compatibility/2006">
-        <mc:Choice xmlns:a14="http://schemas.microsoft.com/office/drawing/2010/main" Requires="a14">
+      <mc:AlternateContent xmlns:mc="http://schemas.openxmlformats.org/markup-compatibility/2006" xmlns:a14="http://schemas.microsoft.com/office/drawing/2010/main">
+        <mc:Choice Requires="a14">
           <p:sp>
             <p:nvSpPr>
               <p:cNvPr id="5" name="TextBox 4">
@@ -5980,7 +5955,7 @@
             </p:txBody>
           </p:sp>
         </mc:Choice>
-        <mc:Fallback>
+        <mc:Fallback xmlns="">
           <p:sp>
             <p:nvSpPr>
               <p:cNvPr id="5" name="TextBox 4">
@@ -6025,8 +6000,8 @@
           </p:sp>
         </mc:Fallback>
       </mc:AlternateContent>
-      <mc:AlternateContent xmlns:mc="http://schemas.openxmlformats.org/markup-compatibility/2006">
-        <mc:Choice xmlns:a14="http://schemas.microsoft.com/office/drawing/2010/main" Requires="a14">
+      <mc:AlternateContent xmlns:mc="http://schemas.openxmlformats.org/markup-compatibility/2006" xmlns:a14="http://schemas.microsoft.com/office/drawing/2010/main">
+        <mc:Choice Requires="a14">
           <p:sp>
             <p:nvSpPr>
               <p:cNvPr id="6" name="TextBox 5">
@@ -6316,7 +6291,7 @@
             </p:txBody>
           </p:sp>
         </mc:Choice>
-        <mc:Fallback>
+        <mc:Fallback xmlns="">
           <p:sp>
             <p:nvSpPr>
               <p:cNvPr id="6" name="TextBox 5">
@@ -6391,8 +6366,8 @@
           <a:chExt cx="0" cy="0"/>
         </a:xfrm>
       </p:grpSpPr>
-      <mc:AlternateContent xmlns:mc="http://schemas.openxmlformats.org/markup-compatibility/2006">
-        <mc:Choice xmlns:a14="http://schemas.microsoft.com/office/drawing/2010/main" Requires="a14">
+      <mc:AlternateContent xmlns:mc="http://schemas.openxmlformats.org/markup-compatibility/2006" xmlns:a14="http://schemas.microsoft.com/office/drawing/2010/main">
+        <mc:Choice Requires="a14">
           <p:sp>
             <p:nvSpPr>
               <p:cNvPr id="2" name="TextBox 1">
@@ -6489,16 +6464,7 @@
                           </a:solidFill>
                           <a:latin typeface="Cambria Math" panose="02040503050406030204" pitchFamily="18" charset="0"/>
                         </a:rPr>
-                        <m:t>𝑘</m:t>
-                      </m:r>
-                      <m:r>
-                        <a:rPr lang="en-US" sz="5400" i="1">
-                          <a:solidFill>
-                            <a:srgbClr val="C00000"/>
-                          </a:solidFill>
-                          <a:latin typeface="Cambria Math" panose="02040503050406030204" pitchFamily="18" charset="0"/>
-                        </a:rPr>
-                        <m:t>𝑋</m:t>
+                        <m:t>𝑘𝑋</m:t>
                       </m:r>
                       <m:r>
                         <a:rPr lang="en-US" sz="5400" b="0" i="1" smtClean="0">
@@ -6533,16 +6499,7 @@
                               </a:solidFill>
                               <a:latin typeface="Cambria Math" panose="02040503050406030204" pitchFamily="18" charset="0"/>
                             </a:rPr>
-                            <m:t>𝑘</m:t>
-                          </m:r>
-                          <m:r>
-                            <a:rPr lang="en-US" sz="5400" i="1">
-                              <a:solidFill>
-                                <a:srgbClr val="C00000"/>
-                              </a:solidFill>
-                              <a:latin typeface="Cambria Math" panose="02040503050406030204" pitchFamily="18" charset="0"/>
-                            </a:rPr>
-                            <m:t>𝑋</m:t>
+                            <m:t>𝑘𝑋</m:t>
                           </m:r>
                         </m:e>
                       </m:d>
@@ -6572,7 +6529,7 @@
             </p:txBody>
           </p:sp>
         </mc:Choice>
-        <mc:Fallback>
+        <mc:Fallback xmlns="">
           <p:sp>
             <p:nvSpPr>
               <p:cNvPr id="2" name="TextBox 1">
@@ -6617,8 +6574,8 @@
           </p:sp>
         </mc:Fallback>
       </mc:AlternateContent>
-      <mc:AlternateContent xmlns:mc="http://schemas.openxmlformats.org/markup-compatibility/2006">
-        <mc:Choice xmlns:a14="http://schemas.microsoft.com/office/drawing/2010/main" Requires="a14">
+      <mc:AlternateContent xmlns:mc="http://schemas.openxmlformats.org/markup-compatibility/2006" xmlns:a14="http://schemas.microsoft.com/office/drawing/2010/main">
+        <mc:Choice Requires="a14">
           <p:sp>
             <p:nvSpPr>
               <p:cNvPr id="9" name="TextBox 8">
@@ -6685,16 +6642,7 @@
                                   </a:solidFill>
                                   <a:latin typeface="Cambria Math" panose="02040503050406030204" pitchFamily="18" charset="0"/>
                                 </a:rPr>
-                                <m:t>𝑘</m:t>
-                              </m:r>
-                              <m:r>
-                                <a:rPr lang="en-US" sz="3600" i="1">
-                                  <a:solidFill>
-                                    <a:srgbClr val="C00000"/>
-                                  </a:solidFill>
-                                  <a:latin typeface="Cambria Math" panose="02040503050406030204" pitchFamily="18" charset="0"/>
-                                </a:rPr>
-                                <m:t>𝑥</m:t>
+                                <m:t>𝑘𝑥</m:t>
                               </m:r>
                               <m:r>
                                 <a:rPr lang="en-US" sz="3600" i="1" baseline="-25000">
@@ -6778,16 +6726,7 @@
                                   </a:solidFill>
                                   <a:latin typeface="Cambria Math" panose="02040503050406030204" pitchFamily="18" charset="0"/>
                                 </a:rPr>
-                                <m:t>𝑘</m:t>
-                              </m:r>
-                              <m:r>
-                                <a:rPr lang="en-US" sz="3600" i="1">
-                                  <a:solidFill>
-                                    <a:srgbClr val="C00000"/>
-                                  </a:solidFill>
-                                  <a:latin typeface="Cambria Math" panose="02040503050406030204" pitchFamily="18" charset="0"/>
-                                </a:rPr>
-                                <m:t>𝑥</m:t>
+                                <m:t>𝑘𝑥</m:t>
                               </m:r>
                               <m:r>
                                 <a:rPr lang="en-US" sz="3600" i="1" baseline="-25000">
@@ -6871,16 +6810,7 @@
                                   </a:solidFill>
                                   <a:latin typeface="Cambria Math" panose="02040503050406030204" pitchFamily="18" charset="0"/>
                                 </a:rPr>
-                                <m:t>𝑘</m:t>
-                              </m:r>
-                              <m:r>
-                                <a:rPr lang="en-US" sz="3600" i="1">
-                                  <a:solidFill>
-                                    <a:srgbClr val="C00000"/>
-                                  </a:solidFill>
-                                  <a:latin typeface="Cambria Math" panose="02040503050406030204" pitchFamily="18" charset="0"/>
-                                </a:rPr>
-                                <m:t>𝑥</m:t>
+                                <m:t>𝑘𝑥</m:t>
                               </m:r>
                               <m:r>
                                 <a:rPr lang="en-US" sz="3600" i="1" baseline="-25000">
@@ -6962,7 +6892,7 @@
             </p:txBody>
           </p:sp>
         </mc:Choice>
-        <mc:Fallback>
+        <mc:Fallback xmlns="">
           <p:sp>
             <p:nvSpPr>
               <p:cNvPr id="9" name="TextBox 8">
@@ -7007,8 +6937,8 @@
           </p:sp>
         </mc:Fallback>
       </mc:AlternateContent>
-      <mc:AlternateContent xmlns:mc="http://schemas.openxmlformats.org/markup-compatibility/2006">
-        <mc:Choice xmlns:a14="http://schemas.microsoft.com/office/drawing/2010/main" Requires="a14">
+      <mc:AlternateContent xmlns:mc="http://schemas.openxmlformats.org/markup-compatibility/2006" xmlns:a14="http://schemas.microsoft.com/office/drawing/2010/main">
+        <mc:Choice Requires="a14">
           <p:sp>
             <p:nvSpPr>
               <p:cNvPr id="10" name="TextBox 9">
@@ -7319,7 +7249,7 @@
             </p:txBody>
           </p:sp>
         </mc:Choice>
-        <mc:Fallback>
+        <mc:Fallback xmlns="">
           <p:sp>
             <p:nvSpPr>
               <p:cNvPr id="10" name="TextBox 9">
@@ -7364,8 +7294,8 @@
           </p:sp>
         </mc:Fallback>
       </mc:AlternateContent>
-      <mc:AlternateContent xmlns:mc="http://schemas.openxmlformats.org/markup-compatibility/2006">
-        <mc:Choice xmlns:a14="http://schemas.microsoft.com/office/drawing/2010/main" Requires="a14">
+      <mc:AlternateContent xmlns:mc="http://schemas.openxmlformats.org/markup-compatibility/2006" xmlns:a14="http://schemas.microsoft.com/office/drawing/2010/main">
+        <mc:Choice Requires="a14">
           <p:sp>
             <p:nvSpPr>
               <p:cNvPr id="12" name="TextBox 11">
@@ -7471,7 +7401,7 @@
             </p:txBody>
           </p:sp>
         </mc:Choice>
-        <mc:Fallback>
+        <mc:Fallback xmlns="">
           <p:sp>
             <p:nvSpPr>
               <p:cNvPr id="12" name="TextBox 11">
@@ -7546,8 +7476,8 @@
           <a:chExt cx="0" cy="0"/>
         </a:xfrm>
       </p:grpSpPr>
-      <mc:AlternateContent xmlns:mc="http://schemas.openxmlformats.org/markup-compatibility/2006">
-        <mc:Choice xmlns:a14="http://schemas.microsoft.com/office/drawing/2010/main" Requires="a14">
+      <mc:AlternateContent xmlns:mc="http://schemas.openxmlformats.org/markup-compatibility/2006" xmlns:a14="http://schemas.microsoft.com/office/drawing/2010/main">
+        <mc:Choice Requires="a14">
           <p:sp>
             <p:nvSpPr>
               <p:cNvPr id="2" name="TextBox 1">
@@ -7603,7 +7533,7 @@
             </p:txBody>
           </p:sp>
         </mc:Choice>
-        <mc:Fallback>
+        <mc:Fallback xmlns="">
           <p:sp>
             <p:nvSpPr>
               <p:cNvPr id="2" name="TextBox 1">
@@ -7648,8 +7578,8 @@
           </p:sp>
         </mc:Fallback>
       </mc:AlternateContent>
-      <mc:AlternateContent xmlns:mc="http://schemas.openxmlformats.org/markup-compatibility/2006">
-        <mc:Choice xmlns:a14="http://schemas.microsoft.com/office/drawing/2010/main" Requires="a14">
+      <mc:AlternateContent xmlns:mc="http://schemas.openxmlformats.org/markup-compatibility/2006" xmlns:a14="http://schemas.microsoft.com/office/drawing/2010/main">
+        <mc:Choice Requires="a14">
           <p:sp>
             <p:nvSpPr>
               <p:cNvPr id="3" name="TextBox 2">
@@ -7753,7 +7683,7 @@
             </p:txBody>
           </p:sp>
         </mc:Choice>
-        <mc:Fallback>
+        <mc:Fallback xmlns="">
           <p:sp>
             <p:nvSpPr>
               <p:cNvPr id="3" name="TextBox 2">
@@ -7798,8 +7728,8 @@
           </p:sp>
         </mc:Fallback>
       </mc:AlternateContent>
-      <mc:AlternateContent xmlns:mc="http://schemas.openxmlformats.org/markup-compatibility/2006">
-        <mc:Choice xmlns:a14="http://schemas.microsoft.com/office/drawing/2010/main" Requires="a14">
+      <mc:AlternateContent xmlns:mc="http://schemas.openxmlformats.org/markup-compatibility/2006" xmlns:a14="http://schemas.microsoft.com/office/drawing/2010/main">
+        <mc:Choice Requires="a14">
           <p:sp>
             <p:nvSpPr>
               <p:cNvPr id="4" name="TextBox 3">
@@ -7814,8 +7744,8 @@
             </p:nvSpPr>
             <p:spPr>
               <a:xfrm>
-                <a:off x="129776" y="494057"/>
-                <a:ext cx="11932447" cy="1811393"/>
+                <a:off x="1511515" y="849443"/>
+                <a:ext cx="8859479" cy="1100622"/>
               </a:xfrm>
               <a:prstGeom prst="rect">
                 <a:avLst/>
@@ -7828,9 +7758,8 @@
               </a:bodyPr>
               <a:lstStyle/>
               <a:p>
-                <a:pPr/>
                 <a:r>
-                  <a:rPr lang="en-US" sz="4000" b="0">
+                  <a:rPr lang="en-US" sz="4800" b="0">
                     <a:latin typeface="Cambria Math" panose="02040503050406030204" pitchFamily="18" charset="0"/>
                   </a:rPr>
                   <a:t>Var[</a:t>
@@ -7838,7 +7767,7 @@
                 <a14:m>
                   <m:oMath xmlns:m="http://schemas.openxmlformats.org/officeDocument/2006/math">
                     <m:r>
-                      <a:rPr lang="en-US" sz="4000" i="1" smtClean="0">
+                      <a:rPr lang="en-US" sz="4800" i="1" smtClean="0">
                         <a:solidFill>
                           <a:srgbClr val="C00000"/>
                         </a:solidFill>
@@ -7849,223 +7778,215 @@
                   </m:oMath>
                 </a14:m>
                 <a:r>
-                  <a:rPr lang="en-US" sz="4000" b="0">
+                  <a:rPr lang="en-US" sz="4800" b="0">
                     <a:latin typeface="Cambria Math" panose="02040503050406030204" pitchFamily="18" charset="0"/>
                   </a:rPr>
                   <a:t>]</a:t>
                 </a:r>
-              </a:p>
-              <a:p>
-                <a:pPr/>
                 <a14:m>
-                  <m:oMathPara xmlns:m="http://schemas.openxmlformats.org/officeDocument/2006/math">
-                    <m:oMathParaPr>
-                      <m:jc m:val="centerGroup"/>
-                    </m:oMathParaPr>
-                    <m:oMath xmlns:m="http://schemas.openxmlformats.org/officeDocument/2006/math">
-                      <m:r>
-                        <a:rPr lang="en-US" sz="4000" b="0" i="1" smtClean="0">
-                          <a:latin typeface="Cambria Math" panose="02040503050406030204" pitchFamily="18" charset="0"/>
-                        </a:rPr>
-                        <m:t>=</m:t>
-                      </m:r>
-                      <m:f>
-                        <m:fPr>
-                          <m:ctrlPr>
-                            <a:rPr lang="en-US" sz="4000" i="1">
-                              <a:latin typeface="Cambria Math" panose="02040503050406030204" pitchFamily="18" charset="0"/>
-                            </a:rPr>
-                          </m:ctrlPr>
-                        </m:fPr>
-                        <m:num>
-                          <m:d>
-                            <m:dPr>
-                              <m:ctrlPr>
-                                <a:rPr lang="en-US" sz="4000" i="1">
-                                  <a:latin typeface="Cambria Math" panose="02040503050406030204" pitchFamily="18" charset="0"/>
-                                  <a:ea typeface="Cambria Math" panose="02040503050406030204" pitchFamily="18" charset="0"/>
-                                </a:rPr>
-                              </m:ctrlPr>
-                            </m:dPr>
-                            <m:e>
-                              <m:r>
-                                <a:rPr lang="en-US" sz="4000" i="1">
-                                  <a:solidFill>
-                                    <a:srgbClr val="C00000"/>
-                                  </a:solidFill>
-                                  <a:latin typeface="Cambria Math" panose="02040503050406030204" pitchFamily="18" charset="0"/>
-                                  <a:ea typeface="Cambria Math" panose="02040503050406030204" pitchFamily="18" charset="0"/>
-                                </a:rPr>
-                                <m:t>𝑥</m:t>
-                              </m:r>
-                              <m:r>
-                                <a:rPr lang="en-US" sz="4000" i="1" baseline="-25000">
-                                  <a:solidFill>
-                                    <a:srgbClr val="C00000"/>
-                                  </a:solidFill>
-                                  <a:latin typeface="Cambria Math" panose="02040503050406030204" pitchFamily="18" charset="0"/>
-                                  <a:ea typeface="Cambria Math" panose="02040503050406030204" pitchFamily="18" charset="0"/>
-                                </a:rPr>
-                                <m:t>1</m:t>
-                              </m:r>
-                              <m:r>
-                                <a:rPr lang="en-US" sz="4000" i="1">
-                                  <a:latin typeface="Cambria Math" panose="02040503050406030204" pitchFamily="18" charset="0"/>
-                                  <a:ea typeface="Cambria Math" panose="02040503050406030204" pitchFamily="18" charset="0"/>
-                                </a:rPr>
-                                <m:t>−</m:t>
-                              </m:r>
-                              <m:r>
-                                <m:rPr>
-                                  <m:nor/>
-                                </m:rPr>
-                                <a:rPr lang="el-GR" sz="4000">
-                                  <a:latin typeface="Cambria Math" panose="02040503050406030204" pitchFamily="18" charset="0"/>
-                                  <a:ea typeface="Cambria Math" panose="02040503050406030204" pitchFamily="18" charset="0"/>
-                                </a:rPr>
-                                <m:t>μ</m:t>
-                              </m:r>
-                            </m:e>
-                          </m:d>
-                          <m:r>
-                            <a:rPr lang="en-US" sz="4000" i="1" baseline="30000">
-                              <a:latin typeface="Cambria Math" panose="02040503050406030204" pitchFamily="18" charset="0"/>
-                            </a:rPr>
-                            <m:t>2</m:t>
-                          </m:r>
-                          <m:r>
-                            <a:rPr lang="en-US" sz="4000" i="1">
-                              <a:latin typeface="Cambria Math" panose="02040503050406030204" pitchFamily="18" charset="0"/>
-                            </a:rPr>
-                            <m:t>+</m:t>
-                          </m:r>
-                          <m:d>
-                            <m:dPr>
-                              <m:ctrlPr>
-                                <a:rPr lang="en-US" sz="4000" i="1">
-                                  <a:latin typeface="Cambria Math" panose="02040503050406030204" pitchFamily="18" charset="0"/>
-                                </a:rPr>
-                              </m:ctrlPr>
-                            </m:dPr>
-                            <m:e>
-                              <m:r>
-                                <a:rPr lang="en-US" sz="4000" i="1">
-                                  <a:solidFill>
-                                    <a:srgbClr val="C00000"/>
-                                  </a:solidFill>
-                                  <a:latin typeface="Cambria Math" panose="02040503050406030204" pitchFamily="18" charset="0"/>
-                                </a:rPr>
-                                <m:t>𝑥</m:t>
-                              </m:r>
-                              <m:r>
-                                <a:rPr lang="en-US" sz="4000" i="1" baseline="-25000">
-                                  <a:solidFill>
-                                    <a:srgbClr val="C00000"/>
-                                  </a:solidFill>
-                                  <a:latin typeface="Cambria Math" panose="02040503050406030204" pitchFamily="18" charset="0"/>
-                                </a:rPr>
-                                <m:t>2</m:t>
-                              </m:r>
-                              <m:r>
-                                <a:rPr lang="en-US" sz="4000" i="1">
-                                  <a:latin typeface="Cambria Math" panose="02040503050406030204" pitchFamily="18" charset="0"/>
-                                </a:rPr>
-                                <m:t>−</m:t>
-                              </m:r>
-                              <m:r>
-                                <m:rPr>
-                                  <m:nor/>
-                                </m:rPr>
-                                <a:rPr lang="el-GR" sz="4000">
-                                  <a:latin typeface="Cambria Math" panose="02040503050406030204" pitchFamily="18" charset="0"/>
-                                  <a:ea typeface="Cambria Math" panose="02040503050406030204" pitchFamily="18" charset="0"/>
-                                </a:rPr>
-                                <m:t>μ</m:t>
-                              </m:r>
-                            </m:e>
-                          </m:d>
-                          <m:r>
-                            <a:rPr lang="en-US" sz="4000" i="1" baseline="30000">
-                              <a:latin typeface="Cambria Math" panose="02040503050406030204" pitchFamily="18" charset="0"/>
-                            </a:rPr>
-                            <m:t>2</m:t>
-                          </m:r>
-                          <m:r>
-                            <a:rPr lang="en-US" sz="4000" i="1">
-                              <a:latin typeface="Cambria Math" panose="02040503050406030204" pitchFamily="18" charset="0"/>
-                            </a:rPr>
-                            <m:t>+…+</m:t>
-                          </m:r>
-                          <m:d>
-                            <m:dPr>
-                              <m:ctrlPr>
-                                <a:rPr lang="en-US" sz="4000" i="1">
-                                  <a:latin typeface="Cambria Math" panose="02040503050406030204" pitchFamily="18" charset="0"/>
-                                </a:rPr>
-                              </m:ctrlPr>
-                            </m:dPr>
-                            <m:e>
-                              <m:r>
-                                <a:rPr lang="en-US" sz="4000" i="1">
-                                  <a:solidFill>
-                                    <a:srgbClr val="C00000"/>
-                                  </a:solidFill>
-                                  <a:latin typeface="Cambria Math" panose="02040503050406030204" pitchFamily="18" charset="0"/>
-                                </a:rPr>
-                                <m:t>𝑥</m:t>
-                              </m:r>
-                              <m:r>
-                                <a:rPr lang="en-US" sz="4000" i="1" baseline="-25000">
-                                  <a:solidFill>
-                                    <a:srgbClr val="C00000"/>
-                                  </a:solidFill>
-                                  <a:latin typeface="Cambria Math" panose="02040503050406030204" pitchFamily="18" charset="0"/>
-                                </a:rPr>
-                                <m:t>𝑛</m:t>
-                              </m:r>
-                              <m:r>
-                                <a:rPr lang="en-US" sz="4000" i="1">
-                                  <a:latin typeface="Cambria Math" panose="02040503050406030204" pitchFamily="18" charset="0"/>
-                                </a:rPr>
-                                <m:t>−</m:t>
-                              </m:r>
-                              <m:r>
-                                <m:rPr>
-                                  <m:nor/>
-                                </m:rPr>
-                                <a:rPr lang="el-GR" sz="4000">
-                                  <a:latin typeface="Cambria Math" panose="02040503050406030204" pitchFamily="18" charset="0"/>
-                                  <a:ea typeface="Cambria Math" panose="02040503050406030204" pitchFamily="18" charset="0"/>
-                                </a:rPr>
-                                <m:t>μ</m:t>
-                              </m:r>
-                            </m:e>
-                          </m:d>
-                          <m:r>
-                            <a:rPr lang="en-US" sz="4000" i="1" baseline="30000">
-                              <a:latin typeface="Cambria Math" panose="02040503050406030204" pitchFamily="18" charset="0"/>
-                            </a:rPr>
-                            <m:t>2</m:t>
-                          </m:r>
-                        </m:num>
-                        <m:den>
-                          <m:r>
-                            <a:rPr lang="en-US" sz="4000" i="1">
-                              <a:latin typeface="Cambria Math" panose="02040503050406030204" pitchFamily="18" charset="0"/>
-                            </a:rPr>
-                            <m:t>𝑛</m:t>
-                          </m:r>
-                        </m:den>
-                      </m:f>
-                    </m:oMath>
-                  </m:oMathPara>
+                  <m:oMath xmlns:m="http://schemas.openxmlformats.org/officeDocument/2006/math">
+                    <m:r>
+                      <a:rPr lang="en-US" sz="4800" b="0" i="1" smtClean="0">
+                        <a:latin typeface="Cambria Math" panose="02040503050406030204" pitchFamily="18" charset="0"/>
+                      </a:rPr>
+                      <m:t>=</m:t>
+                    </m:r>
+                    <m:f>
+                      <m:fPr>
+                        <m:ctrlPr>
+                          <a:rPr lang="en-US" sz="4800" i="1">
+                            <a:latin typeface="Cambria Math" panose="02040503050406030204" pitchFamily="18" charset="0"/>
+                          </a:rPr>
+                        </m:ctrlPr>
+                      </m:fPr>
+                      <m:num>
+                        <m:d>
+                          <m:dPr>
+                            <m:ctrlPr>
+                              <a:rPr lang="en-US" sz="4800" i="1">
+                                <a:latin typeface="Cambria Math" panose="02040503050406030204" pitchFamily="18" charset="0"/>
+                                <a:ea typeface="Cambria Math" panose="02040503050406030204" pitchFamily="18" charset="0"/>
+                              </a:rPr>
+                            </m:ctrlPr>
+                          </m:dPr>
+                          <m:e>
+                            <m:r>
+                              <a:rPr lang="en-US" sz="4800" i="1">
+                                <a:solidFill>
+                                  <a:srgbClr val="C00000"/>
+                                </a:solidFill>
+                                <a:latin typeface="Cambria Math" panose="02040503050406030204" pitchFamily="18" charset="0"/>
+                                <a:ea typeface="Cambria Math" panose="02040503050406030204" pitchFamily="18" charset="0"/>
+                              </a:rPr>
+                              <m:t>𝑥</m:t>
+                            </m:r>
+                            <m:r>
+                              <a:rPr lang="en-US" sz="4800" i="1" baseline="-25000">
+                                <a:solidFill>
+                                  <a:srgbClr val="C00000"/>
+                                </a:solidFill>
+                                <a:latin typeface="Cambria Math" panose="02040503050406030204" pitchFamily="18" charset="0"/>
+                                <a:ea typeface="Cambria Math" panose="02040503050406030204" pitchFamily="18" charset="0"/>
+                              </a:rPr>
+                              <m:t>1</m:t>
+                            </m:r>
+                            <m:r>
+                              <a:rPr lang="en-US" sz="4800" i="1">
+                                <a:latin typeface="Cambria Math" panose="02040503050406030204" pitchFamily="18" charset="0"/>
+                                <a:ea typeface="Cambria Math" panose="02040503050406030204" pitchFamily="18" charset="0"/>
+                              </a:rPr>
+                              <m:t>−</m:t>
+                            </m:r>
+                            <m:r>
+                              <m:rPr>
+                                <m:nor/>
+                              </m:rPr>
+                              <a:rPr lang="el-GR" sz="4800">
+                                <a:latin typeface="Cambria Math" panose="02040503050406030204" pitchFamily="18" charset="0"/>
+                                <a:ea typeface="Cambria Math" panose="02040503050406030204" pitchFamily="18" charset="0"/>
+                              </a:rPr>
+                              <m:t>μ</m:t>
+                            </m:r>
+                          </m:e>
+                        </m:d>
+                        <m:r>
+                          <a:rPr lang="en-US" sz="4800" i="1" baseline="30000">
+                            <a:latin typeface="Cambria Math" panose="02040503050406030204" pitchFamily="18" charset="0"/>
+                          </a:rPr>
+                          <m:t>2</m:t>
+                        </m:r>
+                        <m:r>
+                          <a:rPr lang="en-US" sz="4800" i="1">
+                            <a:latin typeface="Cambria Math" panose="02040503050406030204" pitchFamily="18" charset="0"/>
+                          </a:rPr>
+                          <m:t>+</m:t>
+                        </m:r>
+                        <m:d>
+                          <m:dPr>
+                            <m:ctrlPr>
+                              <a:rPr lang="en-US" sz="4800" i="1">
+                                <a:latin typeface="Cambria Math" panose="02040503050406030204" pitchFamily="18" charset="0"/>
+                              </a:rPr>
+                            </m:ctrlPr>
+                          </m:dPr>
+                          <m:e>
+                            <m:r>
+                              <a:rPr lang="en-US" sz="4800" i="1">
+                                <a:solidFill>
+                                  <a:srgbClr val="C00000"/>
+                                </a:solidFill>
+                                <a:latin typeface="Cambria Math" panose="02040503050406030204" pitchFamily="18" charset="0"/>
+                              </a:rPr>
+                              <m:t>𝑥</m:t>
+                            </m:r>
+                            <m:r>
+                              <a:rPr lang="en-US" sz="4800" i="1" baseline="-25000">
+                                <a:solidFill>
+                                  <a:srgbClr val="C00000"/>
+                                </a:solidFill>
+                                <a:latin typeface="Cambria Math" panose="02040503050406030204" pitchFamily="18" charset="0"/>
+                              </a:rPr>
+                              <m:t>2</m:t>
+                            </m:r>
+                            <m:r>
+                              <a:rPr lang="en-US" sz="4800" i="1">
+                                <a:latin typeface="Cambria Math" panose="02040503050406030204" pitchFamily="18" charset="0"/>
+                              </a:rPr>
+                              <m:t>−</m:t>
+                            </m:r>
+                            <m:r>
+                              <m:rPr>
+                                <m:nor/>
+                              </m:rPr>
+                              <a:rPr lang="el-GR" sz="4800">
+                                <a:latin typeface="Cambria Math" panose="02040503050406030204" pitchFamily="18" charset="0"/>
+                                <a:ea typeface="Cambria Math" panose="02040503050406030204" pitchFamily="18" charset="0"/>
+                              </a:rPr>
+                              <m:t>μ</m:t>
+                            </m:r>
+                          </m:e>
+                        </m:d>
+                        <m:r>
+                          <a:rPr lang="en-US" sz="4800" i="1" baseline="30000">
+                            <a:latin typeface="Cambria Math" panose="02040503050406030204" pitchFamily="18" charset="0"/>
+                          </a:rPr>
+                          <m:t>2</m:t>
+                        </m:r>
+                        <m:r>
+                          <a:rPr lang="en-US" sz="4800" i="1">
+                            <a:latin typeface="Cambria Math" panose="02040503050406030204" pitchFamily="18" charset="0"/>
+                          </a:rPr>
+                          <m:t>+…+</m:t>
+                        </m:r>
+                        <m:d>
+                          <m:dPr>
+                            <m:ctrlPr>
+                              <a:rPr lang="en-US" sz="4800" i="1">
+                                <a:latin typeface="Cambria Math" panose="02040503050406030204" pitchFamily="18" charset="0"/>
+                              </a:rPr>
+                            </m:ctrlPr>
+                          </m:dPr>
+                          <m:e>
+                            <m:r>
+                              <a:rPr lang="en-US" sz="4800" i="1">
+                                <a:solidFill>
+                                  <a:srgbClr val="C00000"/>
+                                </a:solidFill>
+                                <a:latin typeface="Cambria Math" panose="02040503050406030204" pitchFamily="18" charset="0"/>
+                              </a:rPr>
+                              <m:t>𝑥</m:t>
+                            </m:r>
+                            <m:r>
+                              <a:rPr lang="en-US" sz="4800" i="1" baseline="-25000">
+                                <a:solidFill>
+                                  <a:srgbClr val="C00000"/>
+                                </a:solidFill>
+                                <a:latin typeface="Cambria Math" panose="02040503050406030204" pitchFamily="18" charset="0"/>
+                              </a:rPr>
+                              <m:t>𝑛</m:t>
+                            </m:r>
+                            <m:r>
+                              <a:rPr lang="en-US" sz="4800" i="1">
+                                <a:latin typeface="Cambria Math" panose="02040503050406030204" pitchFamily="18" charset="0"/>
+                              </a:rPr>
+                              <m:t>−</m:t>
+                            </m:r>
+                            <m:r>
+                              <m:rPr>
+                                <m:nor/>
+                              </m:rPr>
+                              <a:rPr lang="el-GR" sz="4800">
+                                <a:latin typeface="Cambria Math" panose="02040503050406030204" pitchFamily="18" charset="0"/>
+                                <a:ea typeface="Cambria Math" panose="02040503050406030204" pitchFamily="18" charset="0"/>
+                              </a:rPr>
+                              <m:t>μ</m:t>
+                            </m:r>
+                          </m:e>
+                        </m:d>
+                        <m:r>
+                          <a:rPr lang="en-US" sz="4800" i="1" baseline="30000">
+                            <a:latin typeface="Cambria Math" panose="02040503050406030204" pitchFamily="18" charset="0"/>
+                          </a:rPr>
+                          <m:t>2</m:t>
+                        </m:r>
+                      </m:num>
+                      <m:den>
+                        <m:r>
+                          <a:rPr lang="en-US" sz="4800" i="1">
+                            <a:latin typeface="Cambria Math" panose="02040503050406030204" pitchFamily="18" charset="0"/>
+                          </a:rPr>
+                          <m:t>𝑛</m:t>
+                        </m:r>
+                      </m:den>
+                    </m:f>
+                  </m:oMath>
                 </a14:m>
-                <a:endParaRPr lang="en-US" sz="4000"/>
+                <a:endParaRPr lang="en-US" sz="4800"/>
               </a:p>
             </p:txBody>
           </p:sp>
         </mc:Choice>
-        <mc:Fallback>
+        <mc:Fallback xmlns="">
           <p:sp>
             <p:nvSpPr>
               <p:cNvPr id="4" name="TextBox 3">
@@ -8082,8 +8003,8 @@
             </p:nvSpPr>
             <p:spPr>
               <a:xfrm>
-                <a:off x="129776" y="494057"/>
-                <a:ext cx="11932447" cy="1811393"/>
+                <a:off x="1511515" y="849443"/>
+                <a:ext cx="8859479" cy="1100622"/>
               </a:xfrm>
               <a:prstGeom prst="rect">
                 <a:avLst/>
@@ -8091,7 +8012,7 @@
               <a:blipFill>
                 <a:blip r:embed="rId4"/>
                 <a:stretch>
-                  <a:fillRect l="-2554" t="-8418"/>
+                  <a:fillRect l="-4198" b="-17127"/>
                 </a:stretch>
               </a:blipFill>
             </p:spPr>

--- a/ps/ps_images.pptx
+++ b/ps/ps_images.pptx
@@ -6,11 +6,12 @@
   </p:sldMasterIdLst>
   <p:sldIdLst>
     <p:sldId id="256" r:id="rId2"/>
-    <p:sldId id="259" r:id="rId3"/>
-    <p:sldId id="257" r:id="rId4"/>
-    <p:sldId id="260" r:id="rId5"/>
-    <p:sldId id="261" r:id="rId6"/>
-    <p:sldId id="262" r:id="rId7"/>
+    <p:sldId id="263" r:id="rId3"/>
+    <p:sldId id="259" r:id="rId4"/>
+    <p:sldId id="257" r:id="rId5"/>
+    <p:sldId id="260" r:id="rId6"/>
+    <p:sldId id="261" r:id="rId7"/>
+    <p:sldId id="262" r:id="rId8"/>
   </p:sldIdLst>
   <p:sldSz cx="12192000" cy="6858000"/>
   <p:notesSz cx="6858000" cy="9144000"/>
@@ -3331,8 +3332,8 @@
           <a:chExt cx="0" cy="0"/>
         </a:xfrm>
       </p:grpSpPr>
-      <mc:AlternateContent xmlns:mc="http://schemas.openxmlformats.org/markup-compatibility/2006" xmlns:a14="http://schemas.microsoft.com/office/drawing/2010/main">
-        <mc:Choice Requires="a14">
+      <mc:AlternateContent xmlns:mc="http://schemas.openxmlformats.org/markup-compatibility/2006">
+        <mc:Choice xmlns:a14="http://schemas.microsoft.com/office/drawing/2010/main" Requires="a14">
           <p:sp>
             <p:nvSpPr>
               <p:cNvPr id="4" name="TextBox 3">
@@ -3347,7 +3348,7 @@
             </p:nvSpPr>
             <p:spPr>
               <a:xfrm>
-                <a:off x="0" y="3568590"/>
+                <a:off x="215704" y="4259997"/>
                 <a:ext cx="11760591" cy="1661993"/>
               </a:xfrm>
               <a:prstGeom prst="rect">
@@ -3682,7 +3683,7 @@
             </p:txBody>
           </p:sp>
         </mc:Choice>
-        <mc:Fallback xmlns="">
+        <mc:Fallback>
           <p:sp>
             <p:nvSpPr>
               <p:cNvPr id="4" name="TextBox 3">
@@ -3699,7 +3700,7 @@
             </p:nvSpPr>
             <p:spPr>
               <a:xfrm>
-                <a:off x="0" y="3568590"/>
+                <a:off x="215704" y="4259997"/>
                 <a:ext cx="11760591" cy="1661993"/>
               </a:xfrm>
               <a:prstGeom prst="rect">
@@ -3727,8 +3728,8 @@
           </p:sp>
         </mc:Fallback>
       </mc:AlternateContent>
-      <mc:AlternateContent xmlns:mc="http://schemas.openxmlformats.org/markup-compatibility/2006" xmlns:a14="http://schemas.microsoft.com/office/drawing/2010/main">
-        <mc:Choice Requires="a14">
+      <mc:AlternateContent xmlns:mc="http://schemas.openxmlformats.org/markup-compatibility/2006">
+        <mc:Choice xmlns:a14="http://schemas.microsoft.com/office/drawing/2010/main" Requires="a14">
           <p:sp>
             <p:nvSpPr>
               <p:cNvPr id="5" name="TextBox 4">
@@ -3743,8 +3744,8 @@
             </p:nvSpPr>
             <p:spPr>
               <a:xfrm>
-                <a:off x="0" y="936010"/>
-                <a:ext cx="7781617" cy="2353401"/>
+                <a:off x="618978" y="936010"/>
+                <a:ext cx="7018267" cy="2362442"/>
               </a:xfrm>
               <a:prstGeom prst="rect">
                 <a:avLst/>
@@ -3782,24 +3783,6 @@
                           <m:r>
                             <a:rPr lang="en-US" sz="5400" b="0" i="1" smtClean="0">
                               <a:solidFill>
-                                <a:srgbClr val="C00000"/>
-                              </a:solidFill>
-                              <a:latin typeface="Cambria Math" panose="02040503050406030204" pitchFamily="18" charset="0"/>
-                            </a:rPr>
-                            <m:t>𝑋</m:t>
-                          </m:r>
-                          <m:r>
-                            <a:rPr lang="en-US" sz="5400" b="0" i="1" smtClean="0">
-                              <a:solidFill>
-                                <a:schemeClr val="tx1"/>
-                              </a:solidFill>
-                              <a:latin typeface="Cambria Math" panose="02040503050406030204" pitchFamily="18" charset="0"/>
-                            </a:rPr>
-                            <m:t>+</m:t>
-                          </m:r>
-                          <m:r>
-                            <a:rPr lang="en-US" sz="5400" b="0" i="1" smtClean="0">
-                              <a:solidFill>
                                 <a:srgbClr val="002060"/>
                               </a:solidFill>
                               <a:latin typeface="Cambria Math" panose="02040503050406030204" pitchFamily="18" charset="0"/>
@@ -3825,13 +3808,10 @@
                         </m:naryPr>
                         <m:sub>
                           <m:r>
-                            <m:rPr>
-                              <m:brk m:alnAt="23"/>
-                            </m:rPr>
                             <a:rPr lang="en-US" sz="5400" b="0" i="1" smtClean="0">
                               <a:latin typeface="Cambria Math" panose="02040503050406030204" pitchFamily="18" charset="0"/>
                             </a:rPr>
-                            <m:t>𝑖</m:t>
+                            <m:t>𝑗</m:t>
                           </m:r>
                           <m:r>
                             <a:rPr lang="en-US" sz="5400" b="0" i="1" smtClean="0">
@@ -3845,43 +3825,10 @@
                             <a:rPr lang="en-US" sz="5400" b="0" i="1" smtClean="0">
                               <a:latin typeface="Cambria Math" panose="02040503050406030204" pitchFamily="18" charset="0"/>
                             </a:rPr>
-                            <m:t>𝑘</m:t>
+                            <m:t>𝑛</m:t>
                           </m:r>
                         </m:sup>
                         <m:e>
-                          <m:r>
-                            <a:rPr lang="en-US" sz="5400" b="0" i="1" smtClean="0">
-                              <a:latin typeface="Cambria Math" panose="02040503050406030204" pitchFamily="18" charset="0"/>
-                            </a:rPr>
-                            <m:t>(</m:t>
-                          </m:r>
-                          <m:r>
-                            <a:rPr lang="en-US" sz="5400" b="0" i="1" smtClean="0">
-                              <a:solidFill>
-                                <a:srgbClr val="C00000"/>
-                              </a:solidFill>
-                              <a:latin typeface="Cambria Math" panose="02040503050406030204" pitchFamily="18" charset="0"/>
-                            </a:rPr>
-                            <m:t>𝑥</m:t>
-                          </m:r>
-                          <m:r>
-                            <a:rPr lang="en-US" sz="5400" b="0" i="1" baseline="-25000" smtClean="0">
-                              <a:solidFill>
-                                <a:srgbClr val="C00000"/>
-                              </a:solidFill>
-                              <a:latin typeface="Cambria Math" panose="02040503050406030204" pitchFamily="18" charset="0"/>
-                            </a:rPr>
-                            <m:t>𝑖</m:t>
-                          </m:r>
-                          <m:r>
-                            <a:rPr lang="en-US" sz="5400" b="0" i="1" smtClean="0">
-                              <a:solidFill>
-                                <a:schemeClr val="tx1"/>
-                              </a:solidFill>
-                              <a:latin typeface="Cambria Math" panose="02040503050406030204" pitchFamily="18" charset="0"/>
-                            </a:rPr>
-                            <m:t>+</m:t>
-                          </m:r>
                           <m:r>
                             <a:rPr lang="en-US" sz="5400" b="0" i="1" smtClean="0">
                               <a:solidFill>
@@ -3903,11 +3850,11 @@
                           <m:r>
                             <a:rPr lang="en-US" sz="5400" b="0" i="1" smtClean="0">
                               <a:solidFill>
-                                <a:schemeClr val="tx1"/>
+                                <a:srgbClr val="7030A0"/>
                               </a:solidFill>
                               <a:latin typeface="Cambria Math" panose="02040503050406030204" pitchFamily="18" charset="0"/>
                             </a:rPr>
-                            <m:t>)</m:t>
+                            <m:t>𝑃</m:t>
                           </m:r>
                           <m:r>
                             <a:rPr lang="en-US" sz="5400" b="0" i="1" smtClean="0">
@@ -3916,16 +3863,43 @@
                               </a:solidFill>
                               <a:latin typeface="Cambria Math" panose="02040503050406030204" pitchFamily="18" charset="0"/>
                             </a:rPr>
-                            <m:t>𝑝</m:t>
-                          </m:r>
-                          <m:r>
-                            <a:rPr lang="en-US" sz="5400" b="0" i="1" baseline="-25000" smtClean="0">
+                            <m:t>(</m:t>
+                          </m:r>
+                          <m:r>
+                            <a:rPr lang="en-US" sz="5400" b="0" i="1" smtClean="0">
                               <a:solidFill>
                                 <a:srgbClr val="7030A0"/>
                               </a:solidFill>
                               <a:latin typeface="Cambria Math" panose="02040503050406030204" pitchFamily="18" charset="0"/>
                             </a:rPr>
-                            <m:t>𝑖</m:t>
+                            <m:t>𝑌</m:t>
+                          </m:r>
+                          <m:r>
+                            <a:rPr lang="en-US" sz="5400" b="0" i="1" smtClean="0">
+                              <a:solidFill>
+                                <a:srgbClr val="7030A0"/>
+                              </a:solidFill>
+                              <a:latin typeface="Cambria Math" panose="02040503050406030204" pitchFamily="18" charset="0"/>
+                            </a:rPr>
+                            <m:t>=</m:t>
+                          </m:r>
+                          <m:r>
+                            <a:rPr lang="en-US" sz="5400" b="0" i="1" smtClean="0">
+                              <a:solidFill>
+                                <a:srgbClr val="7030A0"/>
+                              </a:solidFill>
+                              <a:latin typeface="Cambria Math" panose="02040503050406030204" pitchFamily="18" charset="0"/>
+                            </a:rPr>
+                            <m:t>𝑦𝑗</m:t>
+                          </m:r>
+                          <m:r>
+                            <a:rPr lang="en-US" sz="5400" b="0" i="1" smtClean="0">
+                              <a:solidFill>
+                                <a:srgbClr val="7030A0"/>
+                              </a:solidFill>
+                              <a:latin typeface="Cambria Math" panose="02040503050406030204" pitchFamily="18" charset="0"/>
+                            </a:rPr>
+                            <m:t>)</m:t>
                           </m:r>
                         </m:e>
                       </m:nary>
@@ -3937,7 +3911,7 @@
             </p:txBody>
           </p:sp>
         </mc:Choice>
-        <mc:Fallback xmlns="">
+        <mc:Fallback>
           <p:sp>
             <p:nvSpPr>
               <p:cNvPr id="5" name="TextBox 4">
@@ -3954,8 +3928,8 @@
             </p:nvSpPr>
             <p:spPr>
               <a:xfrm>
-                <a:off x="0" y="936010"/>
-                <a:ext cx="7781617" cy="2353401"/>
+                <a:off x="618978" y="936010"/>
+                <a:ext cx="7018267" cy="2362442"/>
               </a:xfrm>
               <a:prstGeom prst="rect">
                 <a:avLst/>
@@ -4012,8 +3986,618 @@
           <a:chExt cx="0" cy="0"/>
         </a:xfrm>
       </p:grpSpPr>
-      <mc:AlternateContent xmlns:mc="http://schemas.openxmlformats.org/markup-compatibility/2006" xmlns:a14="http://schemas.microsoft.com/office/drawing/2010/main">
-        <mc:Choice Requires="a14">
+      <mc:AlternateContent xmlns:mc="http://schemas.openxmlformats.org/markup-compatibility/2006">
+        <mc:Choice xmlns:a14="http://schemas.microsoft.com/office/drawing/2010/main" Requires="a14">
+          <p:sp>
+            <p:nvSpPr>
+              <p:cNvPr id="5" name="TextBox 4">
+                <a:extLst>
+                  <a:ext uri="{FF2B5EF4-FFF2-40B4-BE49-F238E27FC236}">
+                    <a16:creationId xmlns:a16="http://schemas.microsoft.com/office/drawing/2014/main" id="{F6052F5D-ADF4-4E2C-A8A3-359BECD8AF6A}"/>
+                  </a:ext>
+                </a:extLst>
+              </p:cNvPr>
+              <p:cNvSpPr txBox="1"/>
+              <p:nvPr/>
+            </p:nvSpPr>
+            <p:spPr>
+              <a:xfrm>
+                <a:off x="619491" y="3960563"/>
+                <a:ext cx="9637895" cy="2169184"/>
+              </a:xfrm>
+              <a:prstGeom prst="rect">
+                <a:avLst/>
+              </a:prstGeom>
+              <a:noFill/>
+            </p:spPr>
+            <p:txBody>
+              <a:bodyPr wrap="none" lIns="0" tIns="0" rIns="0" bIns="0" rtlCol="0">
+                <a:spAutoFit/>
+              </a:bodyPr>
+              <a:lstStyle/>
+              <a:p>
+                <a:pPr/>
+                <a14:m>
+                  <m:oMathPara xmlns:m="http://schemas.openxmlformats.org/officeDocument/2006/math">
+                    <m:oMathParaPr>
+                      <m:jc m:val="centerGroup"/>
+                    </m:oMathParaPr>
+                    <m:oMath xmlns:m="http://schemas.openxmlformats.org/officeDocument/2006/math">
+                      <m:r>
+                        <a:rPr lang="en-US" sz="5400" i="1" smtClean="0">
+                          <a:solidFill>
+                            <a:srgbClr val="7030A0"/>
+                          </a:solidFill>
+                          <a:latin typeface="Cambria Math" panose="02040503050406030204" pitchFamily="18" charset="0"/>
+                        </a:rPr>
+                        <m:t>𝑃</m:t>
+                      </m:r>
+                      <m:d>
+                        <m:dPr>
+                          <m:ctrlPr>
+                            <a:rPr lang="en-US" sz="5400" i="1">
+                              <a:solidFill>
+                                <a:srgbClr val="7030A0"/>
+                              </a:solidFill>
+                              <a:latin typeface="Cambria Math" panose="02040503050406030204" pitchFamily="18" charset="0"/>
+                            </a:rPr>
+                          </m:ctrlPr>
+                        </m:dPr>
+                        <m:e>
+                          <m:r>
+                            <a:rPr lang="en-US" sz="5400" i="1">
+                              <a:solidFill>
+                                <a:srgbClr val="7030A0"/>
+                              </a:solidFill>
+                              <a:latin typeface="Cambria Math" panose="02040503050406030204" pitchFamily="18" charset="0"/>
+                            </a:rPr>
+                            <m:t>𝑌</m:t>
+                          </m:r>
+                          <m:r>
+                            <a:rPr lang="en-US" sz="5400" i="1">
+                              <a:solidFill>
+                                <a:srgbClr val="7030A0"/>
+                              </a:solidFill>
+                              <a:latin typeface="Cambria Math" panose="02040503050406030204" pitchFamily="18" charset="0"/>
+                            </a:rPr>
+                            <m:t>=</m:t>
+                          </m:r>
+                          <m:r>
+                            <a:rPr lang="en-US" sz="5400" i="1">
+                              <a:solidFill>
+                                <a:srgbClr val="7030A0"/>
+                              </a:solidFill>
+                              <a:latin typeface="Cambria Math" panose="02040503050406030204" pitchFamily="18" charset="0"/>
+                            </a:rPr>
+                            <m:t>𝑦𝑗</m:t>
+                          </m:r>
+                        </m:e>
+                      </m:d>
+                      <m:r>
+                        <a:rPr lang="en-US" sz="5400" i="1">
+                          <a:solidFill>
+                            <a:srgbClr val="7030A0"/>
+                          </a:solidFill>
+                          <a:latin typeface="Cambria Math" panose="02040503050406030204" pitchFamily="18" charset="0"/>
+                        </a:rPr>
+                        <m:t> </m:t>
+                      </m:r>
+                      <m:r>
+                        <a:rPr lang="en-US" sz="5400" b="0" i="1" smtClean="0">
+                          <a:latin typeface="Cambria Math" panose="02040503050406030204" pitchFamily="18" charset="0"/>
+                        </a:rPr>
+                        <m:t>=</m:t>
+                      </m:r>
+                      <m:nary>
+                        <m:naryPr>
+                          <m:chr m:val="∑"/>
+                          <m:ctrlPr>
+                            <a:rPr lang="en-US" sz="4800" i="1">
+                              <a:latin typeface="Cambria Math" panose="02040503050406030204" pitchFamily="18" charset="0"/>
+                            </a:rPr>
+                          </m:ctrlPr>
+                        </m:naryPr>
+                        <m:sub>
+                          <m:r>
+                            <a:rPr lang="en-US" sz="4800" b="0" i="1" smtClean="0">
+                              <a:latin typeface="Cambria Math" panose="02040503050406030204" pitchFamily="18" charset="0"/>
+                            </a:rPr>
+                            <m:t>𝑖</m:t>
+                          </m:r>
+                          <m:r>
+                            <a:rPr lang="en-US" sz="4800" i="1">
+                              <a:latin typeface="Cambria Math" panose="02040503050406030204" pitchFamily="18" charset="0"/>
+                            </a:rPr>
+                            <m:t>=0</m:t>
+                          </m:r>
+                        </m:sub>
+                        <m:sup>
+                          <m:r>
+                            <a:rPr lang="en-US" sz="4800" b="0" i="1" smtClean="0">
+                              <a:latin typeface="Cambria Math" panose="02040503050406030204" pitchFamily="18" charset="0"/>
+                            </a:rPr>
+                            <m:t>𝑘</m:t>
+                          </m:r>
+                        </m:sup>
+                        <m:e>
+                          <m:r>
+                            <a:rPr lang="en-US" sz="4800" i="1">
+                              <a:solidFill>
+                                <a:srgbClr val="7030A0"/>
+                              </a:solidFill>
+                              <a:latin typeface="Cambria Math" panose="02040503050406030204" pitchFamily="18" charset="0"/>
+                            </a:rPr>
+                            <m:t>𝑃</m:t>
+                          </m:r>
+                          <m:d>
+                            <m:dPr>
+                              <m:ctrlPr>
+                                <a:rPr lang="en-US" sz="4800" i="1">
+                                  <a:solidFill>
+                                    <a:srgbClr val="7030A0"/>
+                                  </a:solidFill>
+                                  <a:latin typeface="Cambria Math" panose="02040503050406030204" pitchFamily="18" charset="0"/>
+                                </a:rPr>
+                              </m:ctrlPr>
+                            </m:dPr>
+                            <m:e>
+                              <m:r>
+                                <a:rPr lang="en-US" sz="4800" i="1">
+                                  <a:solidFill>
+                                    <a:srgbClr val="7030A0"/>
+                                  </a:solidFill>
+                                  <a:latin typeface="Cambria Math" panose="02040503050406030204" pitchFamily="18" charset="0"/>
+                                </a:rPr>
+                                <m:t>𝑌</m:t>
+                              </m:r>
+                              <m:r>
+                                <a:rPr lang="en-US" sz="4800" i="1">
+                                  <a:solidFill>
+                                    <a:srgbClr val="7030A0"/>
+                                  </a:solidFill>
+                                  <a:latin typeface="Cambria Math" panose="02040503050406030204" pitchFamily="18" charset="0"/>
+                                </a:rPr>
+                                <m:t>=</m:t>
+                              </m:r>
+                              <m:r>
+                                <a:rPr lang="en-US" sz="4800" i="1">
+                                  <a:solidFill>
+                                    <a:srgbClr val="7030A0"/>
+                                  </a:solidFill>
+                                  <a:latin typeface="Cambria Math" panose="02040503050406030204" pitchFamily="18" charset="0"/>
+                                </a:rPr>
+                                <m:t>𝑦𝑗</m:t>
+                              </m:r>
+                              <m:r>
+                                <a:rPr lang="en-US" sz="4800" b="0" i="1" smtClean="0">
+                                  <a:solidFill>
+                                    <a:srgbClr val="7030A0"/>
+                                  </a:solidFill>
+                                  <a:latin typeface="Cambria Math" panose="02040503050406030204" pitchFamily="18" charset="0"/>
+                                </a:rPr>
+                                <m:t>,</m:t>
+                              </m:r>
+                              <m:r>
+                                <a:rPr lang="en-US" sz="4800" i="1">
+                                  <a:solidFill>
+                                    <a:srgbClr val="7030A0"/>
+                                  </a:solidFill>
+                                  <a:latin typeface="Cambria Math" panose="02040503050406030204" pitchFamily="18" charset="0"/>
+                                </a:rPr>
+                                <m:t>𝑋</m:t>
+                              </m:r>
+                              <m:r>
+                                <a:rPr lang="en-US" sz="4800" i="1">
+                                  <a:solidFill>
+                                    <a:srgbClr val="7030A0"/>
+                                  </a:solidFill>
+                                  <a:latin typeface="Cambria Math" panose="02040503050406030204" pitchFamily="18" charset="0"/>
+                                </a:rPr>
+                                <m:t>=</m:t>
+                              </m:r>
+                              <m:r>
+                                <a:rPr lang="en-US" sz="4800" i="1">
+                                  <a:solidFill>
+                                    <a:srgbClr val="7030A0"/>
+                                  </a:solidFill>
+                                  <a:latin typeface="Cambria Math" panose="02040503050406030204" pitchFamily="18" charset="0"/>
+                                </a:rPr>
+                                <m:t>𝑥𝑖</m:t>
+                              </m:r>
+                            </m:e>
+                          </m:d>
+                        </m:e>
+                      </m:nary>
+                    </m:oMath>
+                  </m:oMathPara>
+                </a14:m>
+                <a:endParaRPr lang="en-US" sz="4800"/>
+              </a:p>
+            </p:txBody>
+          </p:sp>
+        </mc:Choice>
+        <mc:Fallback>
+          <p:sp>
+            <p:nvSpPr>
+              <p:cNvPr id="5" name="TextBox 4">
+                <a:extLst>
+                  <a:ext uri="{FF2B5EF4-FFF2-40B4-BE49-F238E27FC236}">
+                    <a16:creationId xmlns:a16="http://schemas.microsoft.com/office/drawing/2014/main" id="{F6052F5D-ADF4-4E2C-A8A3-359BECD8AF6A}"/>
+                  </a:ext>
+                </a:extLst>
+              </p:cNvPr>
+              <p:cNvSpPr txBox="1">
+                <a:spLocks noRot="1" noChangeAspect="1" noMove="1" noResize="1" noEditPoints="1" noAdjustHandles="1" noChangeArrowheads="1" noChangeShapeType="1" noTextEdit="1"/>
+              </p:cNvSpPr>
+              <p:nvPr/>
+            </p:nvSpPr>
+            <p:spPr>
+              <a:xfrm>
+                <a:off x="619491" y="3960563"/>
+                <a:ext cx="9637895" cy="2169184"/>
+              </a:xfrm>
+              <a:prstGeom prst="rect">
+                <a:avLst/>
+              </a:prstGeom>
+              <a:blipFill>
+                <a:blip r:embed="rId2"/>
+                <a:stretch>
+                  <a:fillRect/>
+                </a:stretch>
+              </a:blipFill>
+            </p:spPr>
+            <p:txBody>
+              <a:bodyPr/>
+              <a:lstStyle/>
+              <a:p>
+                <a:r>
+                  <a:rPr lang="en-US">
+                    <a:noFill/>
+                  </a:rPr>
+                  <a:t> </a:t>
+                </a:r>
+              </a:p>
+            </p:txBody>
+          </p:sp>
+        </mc:Fallback>
+      </mc:AlternateContent>
+      <mc:AlternateContent xmlns:mc="http://schemas.openxmlformats.org/markup-compatibility/2006">
+        <mc:Choice xmlns:a14="http://schemas.microsoft.com/office/drawing/2010/main" Requires="a14">
+          <p:sp>
+            <p:nvSpPr>
+              <p:cNvPr id="6" name="TextBox 5">
+                <a:extLst>
+                  <a:ext uri="{FF2B5EF4-FFF2-40B4-BE49-F238E27FC236}">
+                    <a16:creationId xmlns:a16="http://schemas.microsoft.com/office/drawing/2014/main" id="{6A2286E8-FB12-4059-AB9D-06C9CA647B2F}"/>
+                  </a:ext>
+                </a:extLst>
+              </p:cNvPr>
+              <p:cNvSpPr txBox="1"/>
+              <p:nvPr/>
+            </p:nvSpPr>
+            <p:spPr>
+              <a:xfrm>
+                <a:off x="619491" y="658086"/>
+                <a:ext cx="10489153" cy="2362442"/>
+              </a:xfrm>
+              <a:prstGeom prst="rect">
+                <a:avLst/>
+              </a:prstGeom>
+              <a:noFill/>
+            </p:spPr>
+            <p:txBody>
+              <a:bodyPr wrap="none" lIns="0" tIns="0" rIns="0" bIns="0" rtlCol="0">
+                <a:spAutoFit/>
+              </a:bodyPr>
+              <a:lstStyle/>
+              <a:p>
+                <a:pPr/>
+                <a14:m>
+                  <m:oMathPara xmlns:m="http://schemas.openxmlformats.org/officeDocument/2006/math">
+                    <m:oMathParaPr>
+                      <m:jc m:val="centerGroup"/>
+                    </m:oMathParaPr>
+                    <m:oMath xmlns:m="http://schemas.openxmlformats.org/officeDocument/2006/math">
+                      <m:r>
+                        <a:rPr lang="en-US" sz="5400" i="1" smtClean="0">
+                          <a:solidFill>
+                            <a:srgbClr val="7030A0"/>
+                          </a:solidFill>
+                          <a:latin typeface="Cambria Math" panose="02040503050406030204" pitchFamily="18" charset="0"/>
+                        </a:rPr>
+                        <m:t>𝑃</m:t>
+                      </m:r>
+                      <m:d>
+                        <m:dPr>
+                          <m:ctrlPr>
+                            <a:rPr lang="en-US" sz="5400" i="1">
+                              <a:solidFill>
+                                <a:srgbClr val="7030A0"/>
+                              </a:solidFill>
+                              <a:latin typeface="Cambria Math" panose="02040503050406030204" pitchFamily="18" charset="0"/>
+                            </a:rPr>
+                          </m:ctrlPr>
+                        </m:dPr>
+                        <m:e>
+                          <m:r>
+                            <a:rPr lang="en-US" sz="5400" b="0" i="1" smtClean="0">
+                              <a:solidFill>
+                                <a:srgbClr val="7030A0"/>
+                              </a:solidFill>
+                              <a:latin typeface="Cambria Math" panose="02040503050406030204" pitchFamily="18" charset="0"/>
+                            </a:rPr>
+                            <m:t>𝑋</m:t>
+                          </m:r>
+                          <m:r>
+                            <a:rPr lang="en-US" sz="5400" i="1">
+                              <a:solidFill>
+                                <a:srgbClr val="7030A0"/>
+                              </a:solidFill>
+                              <a:latin typeface="Cambria Math" panose="02040503050406030204" pitchFamily="18" charset="0"/>
+                            </a:rPr>
+                            <m:t>=</m:t>
+                          </m:r>
+                          <m:r>
+                            <a:rPr lang="en-US" sz="5400" b="0" i="1" smtClean="0">
+                              <a:solidFill>
+                                <a:srgbClr val="7030A0"/>
+                              </a:solidFill>
+                              <a:latin typeface="Cambria Math" panose="02040503050406030204" pitchFamily="18" charset="0"/>
+                            </a:rPr>
+                            <m:t>𝑥</m:t>
+                          </m:r>
+                          <m:r>
+                            <a:rPr lang="en-US" sz="5400" b="0" i="1" baseline="-25000" smtClean="0">
+                              <a:solidFill>
+                                <a:srgbClr val="7030A0"/>
+                              </a:solidFill>
+                              <a:latin typeface="Cambria Math" panose="02040503050406030204" pitchFamily="18" charset="0"/>
+                            </a:rPr>
+                            <m:t>𝑖</m:t>
+                          </m:r>
+                        </m:e>
+                      </m:d>
+                      <m:r>
+                        <a:rPr lang="en-US" sz="5400" i="1">
+                          <a:solidFill>
+                            <a:srgbClr val="7030A0"/>
+                          </a:solidFill>
+                          <a:latin typeface="Cambria Math" panose="02040503050406030204" pitchFamily="18" charset="0"/>
+                        </a:rPr>
+                        <m:t> </m:t>
+                      </m:r>
+                      <m:r>
+                        <a:rPr lang="en-US" sz="5400" b="0" i="1" smtClean="0">
+                          <a:latin typeface="Cambria Math" panose="02040503050406030204" pitchFamily="18" charset="0"/>
+                        </a:rPr>
+                        <m:t>=</m:t>
+                      </m:r>
+                      <m:nary>
+                        <m:naryPr>
+                          <m:chr m:val="∑"/>
+                          <m:ctrlPr>
+                            <a:rPr lang="en-US" sz="5400" b="0" i="1" smtClean="0">
+                              <a:latin typeface="Cambria Math" panose="02040503050406030204" pitchFamily="18" charset="0"/>
+                            </a:rPr>
+                          </m:ctrlPr>
+                        </m:naryPr>
+                        <m:sub>
+                          <m:r>
+                            <m:rPr>
+                              <m:brk m:alnAt="23"/>
+                            </m:rPr>
+                            <a:rPr lang="en-US" sz="5400" b="0" i="1" smtClean="0">
+                              <a:latin typeface="Cambria Math" panose="02040503050406030204" pitchFamily="18" charset="0"/>
+                            </a:rPr>
+                            <m:t>𝑗</m:t>
+                          </m:r>
+                          <m:r>
+                            <a:rPr lang="en-US" sz="5400" b="0" i="1" smtClean="0">
+                              <a:latin typeface="Cambria Math" panose="02040503050406030204" pitchFamily="18" charset="0"/>
+                            </a:rPr>
+                            <m:t>=0</m:t>
+                          </m:r>
+                        </m:sub>
+                        <m:sup>
+                          <m:r>
+                            <a:rPr lang="en-US" sz="5400" b="0" i="1" smtClean="0">
+                              <a:latin typeface="Cambria Math" panose="02040503050406030204" pitchFamily="18" charset="0"/>
+                            </a:rPr>
+                            <m:t>𝑛</m:t>
+                          </m:r>
+                        </m:sup>
+                        <m:e>
+                          <m:r>
+                            <a:rPr lang="en-US" sz="5400" i="1">
+                              <a:solidFill>
+                                <a:srgbClr val="7030A0"/>
+                              </a:solidFill>
+                              <a:latin typeface="Cambria Math" panose="02040503050406030204" pitchFamily="18" charset="0"/>
+                            </a:rPr>
+                            <m:t>𝑃</m:t>
+                          </m:r>
+                          <m:d>
+                            <m:dPr>
+                              <m:ctrlPr>
+                                <a:rPr lang="en-US" sz="5400" i="1">
+                                  <a:solidFill>
+                                    <a:srgbClr val="7030A0"/>
+                                  </a:solidFill>
+                                  <a:latin typeface="Cambria Math" panose="02040503050406030204" pitchFamily="18" charset="0"/>
+                                </a:rPr>
+                              </m:ctrlPr>
+                            </m:dPr>
+                            <m:e>
+                              <m:r>
+                                <a:rPr lang="en-US" sz="5400" i="1">
+                                  <a:solidFill>
+                                    <a:srgbClr val="7030A0"/>
+                                  </a:solidFill>
+                                  <a:latin typeface="Cambria Math" panose="02040503050406030204" pitchFamily="18" charset="0"/>
+                                </a:rPr>
+                                <m:t>𝑋</m:t>
+                              </m:r>
+                              <m:r>
+                                <a:rPr lang="en-US" sz="5400" i="1">
+                                  <a:solidFill>
+                                    <a:srgbClr val="7030A0"/>
+                                  </a:solidFill>
+                                  <a:latin typeface="Cambria Math" panose="02040503050406030204" pitchFamily="18" charset="0"/>
+                                </a:rPr>
+                                <m:t>=</m:t>
+                              </m:r>
+                              <m:r>
+                                <a:rPr lang="en-US" sz="5400" i="1">
+                                  <a:solidFill>
+                                    <a:srgbClr val="7030A0"/>
+                                  </a:solidFill>
+                                  <a:latin typeface="Cambria Math" panose="02040503050406030204" pitchFamily="18" charset="0"/>
+                                </a:rPr>
+                                <m:t>𝑥</m:t>
+                              </m:r>
+                              <m:r>
+                                <a:rPr lang="en-US" sz="5400" i="1" baseline="-25000">
+                                  <a:solidFill>
+                                    <a:srgbClr val="7030A0"/>
+                                  </a:solidFill>
+                                  <a:latin typeface="Cambria Math" panose="02040503050406030204" pitchFamily="18" charset="0"/>
+                                </a:rPr>
+                                <m:t>𝑖</m:t>
+                              </m:r>
+                              <m:r>
+                                <a:rPr lang="en-US" sz="5400" b="0" i="1" smtClean="0">
+                                  <a:solidFill>
+                                    <a:srgbClr val="7030A0"/>
+                                  </a:solidFill>
+                                  <a:latin typeface="Cambria Math" panose="02040503050406030204" pitchFamily="18" charset="0"/>
+                                </a:rPr>
+                                <m:t>,</m:t>
+                              </m:r>
+                              <m:r>
+                                <a:rPr lang="en-US" sz="5400" b="0" i="1" smtClean="0">
+                                  <a:solidFill>
+                                    <a:srgbClr val="7030A0"/>
+                                  </a:solidFill>
+                                  <a:latin typeface="Cambria Math" panose="02040503050406030204" pitchFamily="18" charset="0"/>
+                                </a:rPr>
+                                <m:t>𝑌</m:t>
+                              </m:r>
+                              <m:r>
+                                <a:rPr lang="en-US" sz="5400" b="0" i="1" smtClean="0">
+                                  <a:solidFill>
+                                    <a:srgbClr val="7030A0"/>
+                                  </a:solidFill>
+                                  <a:latin typeface="Cambria Math" panose="02040503050406030204" pitchFamily="18" charset="0"/>
+                                </a:rPr>
+                                <m:t>=</m:t>
+                              </m:r>
+                              <m:r>
+                                <a:rPr lang="en-US" sz="5400" b="0" i="1" smtClean="0">
+                                  <a:solidFill>
+                                    <a:srgbClr val="7030A0"/>
+                                  </a:solidFill>
+                                  <a:latin typeface="Cambria Math" panose="02040503050406030204" pitchFamily="18" charset="0"/>
+                                </a:rPr>
+                                <m:t>𝑦𝑗</m:t>
+                              </m:r>
+                              <m:r>
+                                <a:rPr lang="en-US" sz="5400" b="0" i="1" smtClean="0">
+                                  <a:solidFill>
+                                    <a:srgbClr val="7030A0"/>
+                                  </a:solidFill>
+                                  <a:latin typeface="Cambria Math" panose="02040503050406030204" pitchFamily="18" charset="0"/>
+                                </a:rPr>
+                                <m:t> </m:t>
+                              </m:r>
+                            </m:e>
+                          </m:d>
+                        </m:e>
+                      </m:nary>
+                    </m:oMath>
+                  </m:oMathPara>
+                </a14:m>
+                <a:endParaRPr lang="en-US" sz="4800"/>
+              </a:p>
+            </p:txBody>
+          </p:sp>
+        </mc:Choice>
+        <mc:Fallback>
+          <p:sp>
+            <p:nvSpPr>
+              <p:cNvPr id="6" name="TextBox 5">
+                <a:extLst>
+                  <a:ext uri="{FF2B5EF4-FFF2-40B4-BE49-F238E27FC236}">
+                    <a16:creationId xmlns:a16="http://schemas.microsoft.com/office/drawing/2014/main" id="{6A2286E8-FB12-4059-AB9D-06C9CA647B2F}"/>
+                  </a:ext>
+                </a:extLst>
+              </p:cNvPr>
+              <p:cNvSpPr txBox="1">
+                <a:spLocks noRot="1" noChangeAspect="1" noMove="1" noResize="1" noEditPoints="1" noAdjustHandles="1" noChangeArrowheads="1" noChangeShapeType="1" noTextEdit="1"/>
+              </p:cNvSpPr>
+              <p:nvPr/>
+            </p:nvSpPr>
+            <p:spPr>
+              <a:xfrm>
+                <a:off x="619491" y="658086"/>
+                <a:ext cx="10489153" cy="2362442"/>
+              </a:xfrm>
+              <a:prstGeom prst="rect">
+                <a:avLst/>
+              </a:prstGeom>
+              <a:blipFill>
+                <a:blip r:embed="rId3"/>
+                <a:stretch>
+                  <a:fillRect/>
+                </a:stretch>
+              </a:blipFill>
+            </p:spPr>
+            <p:txBody>
+              <a:bodyPr/>
+              <a:lstStyle/>
+              <a:p>
+                <a:r>
+                  <a:rPr lang="en-US">
+                    <a:noFill/>
+                  </a:rPr>
+                  <a:t> </a:t>
+                </a:r>
+              </a:p>
+            </p:txBody>
+          </p:sp>
+        </mc:Fallback>
+      </mc:AlternateContent>
+    </p:spTree>
+    <p:extLst>
+      <p:ext uri="{BB962C8B-B14F-4D97-AF65-F5344CB8AC3E}">
+        <p14:creationId xmlns:p14="http://schemas.microsoft.com/office/powerpoint/2010/main" val="3434798438"/>
+      </p:ext>
+    </p:extLst>
+  </p:cSld>
+  <p:clrMapOvr>
+    <a:masterClrMapping/>
+  </p:clrMapOvr>
+</p:sld>
+</file>
+
+<file path=ppt/slides/slide3.xml><?xml version="1.0" encoding="utf-8"?>
+<p:sld xmlns:a="http://schemas.openxmlformats.org/drawingml/2006/main" xmlns:r="http://schemas.openxmlformats.org/officeDocument/2006/relationships" xmlns:p="http://schemas.openxmlformats.org/presentationml/2006/main">
+  <p:cSld>
+    <p:spTree>
+      <p:nvGrpSpPr>
+        <p:cNvPr id="1" name=""/>
+        <p:cNvGrpSpPr/>
+        <p:nvPr/>
+      </p:nvGrpSpPr>
+      <p:grpSpPr>
+        <a:xfrm>
+          <a:off x="0" y="0"/>
+          <a:ext cx="0" cy="0"/>
+          <a:chOff x="0" y="0"/>
+          <a:chExt cx="0" cy="0"/>
+        </a:xfrm>
+      </p:grpSpPr>
+      <mc:AlternateContent xmlns:mc="http://schemas.openxmlformats.org/markup-compatibility/2006">
+        <mc:Choice xmlns:a14="http://schemas.microsoft.com/office/drawing/2010/main" Requires="a14">
           <p:sp>
             <p:nvSpPr>
               <p:cNvPr id="4" name="TextBox 3">
@@ -4028,7 +4612,7 @@
             </p:nvSpPr>
             <p:spPr>
               <a:xfrm>
-                <a:off x="1" y="3568590"/>
+                <a:off x="0" y="3980817"/>
                 <a:ext cx="11015002" cy="830997"/>
               </a:xfrm>
               <a:prstGeom prst="rect">
@@ -4197,7 +4781,7 @@
             </p:txBody>
           </p:sp>
         </mc:Choice>
-        <mc:Fallback xmlns="">
+        <mc:Fallback>
           <p:sp>
             <p:nvSpPr>
               <p:cNvPr id="4" name="TextBox 3">
@@ -4214,7 +4798,7 @@
             </p:nvSpPr>
             <p:spPr>
               <a:xfrm>
-                <a:off x="1" y="3568590"/>
+                <a:off x="0" y="3980817"/>
                 <a:ext cx="11015002" cy="830997"/>
               </a:xfrm>
               <a:prstGeom prst="rect">
@@ -4258,7 +4842,7 @@
             </p:nvSpPr>
             <p:spPr>
               <a:xfrm>
-                <a:off x="-1" y="936010"/>
+                <a:off x="0" y="411241"/>
                 <a:ext cx="8440615" cy="2353401"/>
               </a:xfrm>
               <a:prstGeom prst="rect">
@@ -4445,7 +5029,7 @@
             </p:nvSpPr>
             <p:spPr>
               <a:xfrm>
-                <a:off x="-1" y="936010"/>
+                <a:off x="0" y="411241"/>
                 <a:ext cx="8440615" cy="2353401"/>
               </a:xfrm>
               <a:prstGeom prst="rect">
@@ -4652,7 +5236,7 @@
 </p:sld>
 </file>
 
-<file path=ppt/slides/slide3.xml><?xml version="1.0" encoding="utf-8"?>
+<file path=ppt/slides/slide4.xml><?xml version="1.0" encoding="utf-8"?>
 <p:sld xmlns:a="http://schemas.openxmlformats.org/drawingml/2006/main" xmlns:r="http://schemas.openxmlformats.org/officeDocument/2006/relationships" xmlns:p="http://schemas.openxmlformats.org/presentationml/2006/main">
   <p:cSld>
     <p:spTree>
@@ -5322,7 +5906,7 @@
 </p:sld>
 </file>
 
-<file path=ppt/slides/slide4.xml><?xml version="1.0" encoding="utf-8"?>
+<file path=ppt/slides/slide5.xml><?xml version="1.0" encoding="utf-8"?>
 <p:sld xmlns:a="http://schemas.openxmlformats.org/drawingml/2006/main" xmlns:r="http://schemas.openxmlformats.org/officeDocument/2006/relationships" xmlns:p="http://schemas.openxmlformats.org/presentationml/2006/main">
   <p:cSld>
     <p:spTree>
@@ -6349,7 +6933,7 @@
 </p:sld>
 </file>
 
-<file path=ppt/slides/slide5.xml><?xml version="1.0" encoding="utf-8"?>
+<file path=ppt/slides/slide6.xml><?xml version="1.0" encoding="utf-8"?>
 <p:sld xmlns:a="http://schemas.openxmlformats.org/drawingml/2006/main" xmlns:r="http://schemas.openxmlformats.org/officeDocument/2006/relationships" xmlns:p="http://schemas.openxmlformats.org/presentationml/2006/main">
   <p:cSld>
     <p:spTree>
@@ -7459,7 +8043,7 @@
 </p:sld>
 </file>
 
-<file path=ppt/slides/slide6.xml><?xml version="1.0" encoding="utf-8"?>
+<file path=ppt/slides/slide7.xml><?xml version="1.0" encoding="utf-8"?>
 <p:sld xmlns:a="http://schemas.openxmlformats.org/drawingml/2006/main" xmlns:r="http://schemas.openxmlformats.org/officeDocument/2006/relationships" xmlns:p="http://schemas.openxmlformats.org/presentationml/2006/main">
   <p:cSld>
     <p:spTree>

--- a/ps/ps_images.pptx
+++ b/ps/ps_images.pptx
@@ -3728,234 +3728,6 @@
           </p:sp>
         </mc:Fallback>
       </mc:AlternateContent>
-      <mc:AlternateContent xmlns:mc="http://schemas.openxmlformats.org/markup-compatibility/2006">
-        <mc:Choice xmlns:a14="http://schemas.microsoft.com/office/drawing/2010/main" Requires="a14">
-          <p:sp>
-            <p:nvSpPr>
-              <p:cNvPr id="5" name="TextBox 4">
-                <a:extLst>
-                  <a:ext uri="{FF2B5EF4-FFF2-40B4-BE49-F238E27FC236}">
-                    <a16:creationId xmlns:a16="http://schemas.microsoft.com/office/drawing/2014/main" id="{F6052F5D-ADF4-4E2C-A8A3-359BECD8AF6A}"/>
-                  </a:ext>
-                </a:extLst>
-              </p:cNvPr>
-              <p:cNvSpPr txBox="1"/>
-              <p:nvPr/>
-            </p:nvSpPr>
-            <p:spPr>
-              <a:xfrm>
-                <a:off x="618978" y="936010"/>
-                <a:ext cx="7018267" cy="2362442"/>
-              </a:xfrm>
-              <a:prstGeom prst="rect">
-                <a:avLst/>
-              </a:prstGeom>
-              <a:noFill/>
-            </p:spPr>
-            <p:txBody>
-              <a:bodyPr wrap="none" lIns="0" tIns="0" rIns="0" bIns="0" rtlCol="0">
-                <a:spAutoFit/>
-              </a:bodyPr>
-              <a:lstStyle/>
-              <a:p>
-                <a:pPr/>
-                <a14:m>
-                  <m:oMathPara xmlns:m="http://schemas.openxmlformats.org/officeDocument/2006/math">
-                    <m:oMathParaPr>
-                      <m:jc m:val="centerGroup"/>
-                    </m:oMathParaPr>
-                    <m:oMath xmlns:m="http://schemas.openxmlformats.org/officeDocument/2006/math">
-                      <m:r>
-                        <a:rPr lang="en-US" sz="5400" b="0" i="1" smtClean="0">
-                          <a:latin typeface="Cambria Math" panose="02040503050406030204" pitchFamily="18" charset="0"/>
-                        </a:rPr>
-                        <m:t>𝐸</m:t>
-                      </m:r>
-                      <m:d>
-                        <m:dPr>
-                          <m:ctrlPr>
-                            <a:rPr lang="en-US" sz="5400" b="0" i="1" smtClean="0">
-                              <a:latin typeface="Cambria Math" panose="02040503050406030204" pitchFamily="18" charset="0"/>
-                            </a:rPr>
-                          </m:ctrlPr>
-                        </m:dPr>
-                        <m:e>
-                          <m:r>
-                            <a:rPr lang="en-US" sz="5400" b="0" i="1" smtClean="0">
-                              <a:solidFill>
-                                <a:srgbClr val="002060"/>
-                              </a:solidFill>
-                              <a:latin typeface="Cambria Math" panose="02040503050406030204" pitchFamily="18" charset="0"/>
-                            </a:rPr>
-                            <m:t>𝑌</m:t>
-                          </m:r>
-                        </m:e>
-                      </m:d>
-                      <m:r>
-                        <a:rPr lang="en-US" sz="5400" i="1" smtClean="0">
-                          <a:latin typeface="Cambria Math" panose="02040503050406030204" pitchFamily="18" charset="0"/>
-                        </a:rPr>
-                        <m:t>=</m:t>
-                      </m:r>
-                      <m:nary>
-                        <m:naryPr>
-                          <m:chr m:val="∑"/>
-                          <m:ctrlPr>
-                            <a:rPr lang="en-US" sz="5400" i="1" smtClean="0">
-                              <a:latin typeface="Cambria Math" panose="02040503050406030204" pitchFamily="18" charset="0"/>
-                            </a:rPr>
-                          </m:ctrlPr>
-                        </m:naryPr>
-                        <m:sub>
-                          <m:r>
-                            <a:rPr lang="en-US" sz="5400" b="0" i="1" smtClean="0">
-                              <a:latin typeface="Cambria Math" panose="02040503050406030204" pitchFamily="18" charset="0"/>
-                            </a:rPr>
-                            <m:t>𝑗</m:t>
-                          </m:r>
-                          <m:r>
-                            <a:rPr lang="en-US" sz="5400" b="0" i="1" smtClean="0">
-                              <a:latin typeface="Cambria Math" panose="02040503050406030204" pitchFamily="18" charset="0"/>
-                            </a:rPr>
-                            <m:t>=1</m:t>
-                          </m:r>
-                        </m:sub>
-                        <m:sup>
-                          <m:r>
-                            <a:rPr lang="en-US" sz="5400" b="0" i="1" smtClean="0">
-                              <a:latin typeface="Cambria Math" panose="02040503050406030204" pitchFamily="18" charset="0"/>
-                            </a:rPr>
-                            <m:t>𝑛</m:t>
-                          </m:r>
-                        </m:sup>
-                        <m:e>
-                          <m:r>
-                            <a:rPr lang="en-US" sz="5400" b="0" i="1" smtClean="0">
-                              <a:solidFill>
-                                <a:srgbClr val="002060"/>
-                              </a:solidFill>
-                              <a:latin typeface="Cambria Math" panose="02040503050406030204" pitchFamily="18" charset="0"/>
-                            </a:rPr>
-                            <m:t>𝑦</m:t>
-                          </m:r>
-                          <m:r>
-                            <a:rPr lang="en-US" sz="5400" b="0" i="1" baseline="-25000" smtClean="0">
-                              <a:solidFill>
-                                <a:srgbClr val="002060"/>
-                              </a:solidFill>
-                              <a:latin typeface="Cambria Math" panose="02040503050406030204" pitchFamily="18" charset="0"/>
-                            </a:rPr>
-                            <m:t>𝑖</m:t>
-                          </m:r>
-                          <m:r>
-                            <a:rPr lang="en-US" sz="5400" b="0" i="1" smtClean="0">
-                              <a:solidFill>
-                                <a:srgbClr val="7030A0"/>
-                              </a:solidFill>
-                              <a:latin typeface="Cambria Math" panose="02040503050406030204" pitchFamily="18" charset="0"/>
-                            </a:rPr>
-                            <m:t>𝑃</m:t>
-                          </m:r>
-                          <m:r>
-                            <a:rPr lang="en-US" sz="5400" b="0" i="1" smtClean="0">
-                              <a:solidFill>
-                                <a:srgbClr val="7030A0"/>
-                              </a:solidFill>
-                              <a:latin typeface="Cambria Math" panose="02040503050406030204" pitchFamily="18" charset="0"/>
-                            </a:rPr>
-                            <m:t>(</m:t>
-                          </m:r>
-                          <m:r>
-                            <a:rPr lang="en-US" sz="5400" b="0" i="1" smtClean="0">
-                              <a:solidFill>
-                                <a:srgbClr val="7030A0"/>
-                              </a:solidFill>
-                              <a:latin typeface="Cambria Math" panose="02040503050406030204" pitchFamily="18" charset="0"/>
-                            </a:rPr>
-                            <m:t>𝑌</m:t>
-                          </m:r>
-                          <m:r>
-                            <a:rPr lang="en-US" sz="5400" b="0" i="1" smtClean="0">
-                              <a:solidFill>
-                                <a:srgbClr val="7030A0"/>
-                              </a:solidFill>
-                              <a:latin typeface="Cambria Math" panose="02040503050406030204" pitchFamily="18" charset="0"/>
-                            </a:rPr>
-                            <m:t>=</m:t>
-                          </m:r>
-                          <m:r>
-                            <a:rPr lang="en-US" sz="5400" b="0" i="1" smtClean="0">
-                              <a:solidFill>
-                                <a:srgbClr val="7030A0"/>
-                              </a:solidFill>
-                              <a:latin typeface="Cambria Math" panose="02040503050406030204" pitchFamily="18" charset="0"/>
-                            </a:rPr>
-                            <m:t>𝑦𝑗</m:t>
-                          </m:r>
-                          <m:r>
-                            <a:rPr lang="en-US" sz="5400" b="0" i="1" smtClean="0">
-                              <a:solidFill>
-                                <a:srgbClr val="7030A0"/>
-                              </a:solidFill>
-                              <a:latin typeface="Cambria Math" panose="02040503050406030204" pitchFamily="18" charset="0"/>
-                            </a:rPr>
-                            <m:t>)</m:t>
-                          </m:r>
-                        </m:e>
-                      </m:nary>
-                    </m:oMath>
-                  </m:oMathPara>
-                </a14:m>
-                <a:endParaRPr lang="en-US" sz="4800"/>
-              </a:p>
-            </p:txBody>
-          </p:sp>
-        </mc:Choice>
-        <mc:Fallback>
-          <p:sp>
-            <p:nvSpPr>
-              <p:cNvPr id="5" name="TextBox 4">
-                <a:extLst>
-                  <a:ext uri="{FF2B5EF4-FFF2-40B4-BE49-F238E27FC236}">
-                    <a16:creationId xmlns:a16="http://schemas.microsoft.com/office/drawing/2014/main" id="{F6052F5D-ADF4-4E2C-A8A3-359BECD8AF6A}"/>
-                  </a:ext>
-                </a:extLst>
-              </p:cNvPr>
-              <p:cNvSpPr txBox="1">
-                <a:spLocks noRot="1" noChangeAspect="1" noMove="1" noResize="1" noEditPoints="1" noAdjustHandles="1" noChangeArrowheads="1" noChangeShapeType="1" noTextEdit="1"/>
-              </p:cNvSpPr>
-              <p:nvPr/>
-            </p:nvSpPr>
-            <p:spPr>
-              <a:xfrm>
-                <a:off x="618978" y="936010"/>
-                <a:ext cx="7018267" cy="2362442"/>
-              </a:xfrm>
-              <a:prstGeom prst="rect">
-                <a:avLst/>
-              </a:prstGeom>
-              <a:blipFill>
-                <a:blip r:embed="rId3"/>
-                <a:stretch>
-                  <a:fillRect/>
-                </a:stretch>
-              </a:blipFill>
-            </p:spPr>
-            <p:txBody>
-              <a:bodyPr/>
-              <a:lstStyle/>
-              <a:p>
-                <a:r>
-                  <a:rPr lang="en-US">
-                    <a:noFill/>
-                  </a:rPr>
-                  <a:t> </a:t>
-                </a:r>
-              </a:p>
-            </p:txBody>
-          </p:sp>
-        </mc:Fallback>
-      </mc:AlternateContent>
     </p:spTree>
     <p:extLst>
       <p:ext uri="{BB962C8B-B14F-4D97-AF65-F5344CB8AC3E}">
@@ -4002,8 +3774,8 @@
             </p:nvSpPr>
             <p:spPr>
               <a:xfrm>
-                <a:off x="619491" y="3960563"/>
-                <a:ext cx="9637895" cy="2169184"/>
+                <a:off x="619491" y="3429000"/>
+                <a:ext cx="9111597" cy="2092561"/>
               </a:xfrm>
               <a:prstGeom prst="rect">
                 <a:avLst/>
@@ -4024,7 +3796,7 @@
                     </m:oMathParaPr>
                     <m:oMath xmlns:m="http://schemas.openxmlformats.org/officeDocument/2006/math">
                       <m:r>
-                        <a:rPr lang="en-US" sz="5400" i="1" smtClean="0">
+                        <a:rPr lang="en-US" sz="4800" i="1" smtClean="0">
                           <a:solidFill>
                             <a:srgbClr val="7030A0"/>
                           </a:solidFill>
@@ -4035,7 +3807,7 @@
                       <m:d>
                         <m:dPr>
                           <m:ctrlPr>
-                            <a:rPr lang="en-US" sz="5400" i="1">
+                            <a:rPr lang="en-US" sz="4800" i="1">
                               <a:solidFill>
                                 <a:srgbClr val="7030A0"/>
                               </a:solidFill>
@@ -4045,7 +3817,7 @@
                         </m:dPr>
                         <m:e>
                           <m:r>
-                            <a:rPr lang="en-US" sz="5400" i="1">
+                            <a:rPr lang="en-US" sz="4800" i="1">
                               <a:solidFill>
                                 <a:srgbClr val="7030A0"/>
                               </a:solidFill>
@@ -4054,7 +3826,7 @@
                             <m:t>𝑌</m:t>
                           </m:r>
                           <m:r>
-                            <a:rPr lang="en-US" sz="5400" i="1">
+                            <a:rPr lang="en-US" sz="4800" i="1">
                               <a:solidFill>
                                 <a:srgbClr val="7030A0"/>
                               </a:solidFill>
@@ -4063,7 +3835,7 @@
                             <m:t>=</m:t>
                           </m:r>
                           <m:r>
-                            <a:rPr lang="en-US" sz="5400" i="1">
+                            <a:rPr lang="en-US" sz="4800" i="1">
                               <a:solidFill>
                                 <a:srgbClr val="7030A0"/>
                               </a:solidFill>
@@ -4074,7 +3846,7 @@
                         </m:e>
                       </m:d>
                       <m:r>
-                        <a:rPr lang="en-US" sz="5400" i="1">
+                        <a:rPr lang="en-US" sz="4800" i="1">
                           <a:solidFill>
                             <a:srgbClr val="7030A0"/>
                           </a:solidFill>
@@ -4083,7 +3855,7 @@
                         <m:t> </m:t>
                       </m:r>
                       <m:r>
-                        <a:rPr lang="en-US" sz="5400" b="0" i="1" smtClean="0">
+                        <a:rPr lang="en-US" sz="4800" b="0" i="1" smtClean="0">
                           <a:latin typeface="Cambria Math" panose="02040503050406030204" pitchFamily="18" charset="0"/>
                         </a:rPr>
                         <m:t>=</m:t>
@@ -4233,8 +4005,8 @@
             </p:nvSpPr>
             <p:spPr>
               <a:xfrm>
-                <a:off x="619491" y="3960563"/>
-                <a:ext cx="9637895" cy="2169184"/>
+                <a:off x="619491" y="3429000"/>
+                <a:ext cx="9111597" cy="2092561"/>
               </a:xfrm>
               <a:prstGeom prst="rect">
                 <a:avLst/>
@@ -4277,8 +4049,8 @@
             </p:nvSpPr>
             <p:spPr>
               <a:xfrm>
-                <a:off x="619491" y="658086"/>
-                <a:ext cx="10489153" cy="2362442"/>
+                <a:off x="619491" y="897237"/>
+                <a:ext cx="9248878" cy="2099998"/>
               </a:xfrm>
               <a:prstGeom prst="rect">
                 <a:avLst/>
@@ -4299,7 +4071,7 @@
                     </m:oMathParaPr>
                     <m:oMath xmlns:m="http://schemas.openxmlformats.org/officeDocument/2006/math">
                       <m:r>
-                        <a:rPr lang="en-US" sz="5400" i="1" smtClean="0">
+                        <a:rPr lang="en-US" sz="4800" i="1" smtClean="0">
                           <a:solidFill>
                             <a:srgbClr val="7030A0"/>
                           </a:solidFill>
@@ -4310,7 +4082,7 @@
                       <m:d>
                         <m:dPr>
                           <m:ctrlPr>
-                            <a:rPr lang="en-US" sz="5400" i="1">
+                            <a:rPr lang="en-US" sz="4800" i="1">
                               <a:solidFill>
                                 <a:srgbClr val="7030A0"/>
                               </a:solidFill>
@@ -4320,7 +4092,7 @@
                         </m:dPr>
                         <m:e>
                           <m:r>
-                            <a:rPr lang="en-US" sz="5400" b="0" i="1" smtClean="0">
+                            <a:rPr lang="en-US" sz="4800" b="0" i="1" smtClean="0">
                               <a:solidFill>
                                 <a:srgbClr val="7030A0"/>
                               </a:solidFill>
@@ -4329,7 +4101,7 @@
                             <m:t>𝑋</m:t>
                           </m:r>
                           <m:r>
-                            <a:rPr lang="en-US" sz="5400" i="1">
+                            <a:rPr lang="en-US" sz="4800" i="1">
                               <a:solidFill>
                                 <a:srgbClr val="7030A0"/>
                               </a:solidFill>
@@ -4338,7 +4110,7 @@
                             <m:t>=</m:t>
                           </m:r>
                           <m:r>
-                            <a:rPr lang="en-US" sz="5400" b="0" i="1" smtClean="0">
+                            <a:rPr lang="en-US" sz="4800" b="0" i="1" smtClean="0">
                               <a:solidFill>
                                 <a:srgbClr val="7030A0"/>
                               </a:solidFill>
@@ -4347,7 +4119,7 @@
                             <m:t>𝑥</m:t>
                           </m:r>
                           <m:r>
-                            <a:rPr lang="en-US" sz="5400" b="0" i="1" baseline="-25000" smtClean="0">
+                            <a:rPr lang="en-US" sz="4800" b="0" i="1" baseline="-25000" smtClean="0">
                               <a:solidFill>
                                 <a:srgbClr val="7030A0"/>
                               </a:solidFill>
@@ -4358,7 +4130,7 @@
                         </m:e>
                       </m:d>
                       <m:r>
-                        <a:rPr lang="en-US" sz="5400" i="1">
+                        <a:rPr lang="en-US" sz="4800" i="1">
                           <a:solidFill>
                             <a:srgbClr val="7030A0"/>
                           </a:solidFill>
@@ -4367,7 +4139,7 @@
                         <m:t> </m:t>
                       </m:r>
                       <m:r>
-                        <a:rPr lang="en-US" sz="5400" b="0" i="1" smtClean="0">
+                        <a:rPr lang="en-US" sz="4800" b="0" i="1" smtClean="0">
                           <a:latin typeface="Cambria Math" panose="02040503050406030204" pitchFamily="18" charset="0"/>
                         </a:rPr>
                         <m:t>=</m:t>
@@ -4376,7 +4148,7 @@
                         <m:naryPr>
                           <m:chr m:val="∑"/>
                           <m:ctrlPr>
-                            <a:rPr lang="en-US" sz="5400" b="0" i="1" smtClean="0">
+                            <a:rPr lang="en-US" sz="4800" b="0" i="1" smtClean="0">
                               <a:latin typeface="Cambria Math" panose="02040503050406030204" pitchFamily="18" charset="0"/>
                             </a:rPr>
                           </m:ctrlPr>
@@ -4386,13 +4158,13 @@
                             <m:rPr>
                               <m:brk m:alnAt="23"/>
                             </m:rPr>
-                            <a:rPr lang="en-US" sz="5400" b="0" i="1" smtClean="0">
+                            <a:rPr lang="en-US" sz="4800" b="0" i="1" smtClean="0">
                               <a:latin typeface="Cambria Math" panose="02040503050406030204" pitchFamily="18" charset="0"/>
                             </a:rPr>
                             <m:t>𝑗</m:t>
                           </m:r>
                           <m:r>
-                            <a:rPr lang="en-US" sz="5400" b="0" i="1" smtClean="0">
+                            <a:rPr lang="en-US" sz="4800" b="0" i="1" smtClean="0">
                               <a:latin typeface="Cambria Math" panose="02040503050406030204" pitchFamily="18" charset="0"/>
                             </a:rPr>
                             <m:t>=0</m:t>
@@ -4400,7 +4172,7 @@
                         </m:sub>
                         <m:sup>
                           <m:r>
-                            <a:rPr lang="en-US" sz="5400" b="0" i="1" smtClean="0">
+                            <a:rPr lang="en-US" sz="4800" b="0" i="1" smtClean="0">
                               <a:latin typeface="Cambria Math" panose="02040503050406030204" pitchFamily="18" charset="0"/>
                             </a:rPr>
                             <m:t>𝑛</m:t>
@@ -4408,7 +4180,7 @@
                         </m:sup>
                         <m:e>
                           <m:r>
-                            <a:rPr lang="en-US" sz="5400" i="1">
+                            <a:rPr lang="en-US" sz="4800" i="1">
                               <a:solidFill>
                                 <a:srgbClr val="7030A0"/>
                               </a:solidFill>
@@ -4419,7 +4191,7 @@
                           <m:d>
                             <m:dPr>
                               <m:ctrlPr>
-                                <a:rPr lang="en-US" sz="5400" i="1">
+                                <a:rPr lang="en-US" sz="4800" i="1">
                                   <a:solidFill>
                                     <a:srgbClr val="7030A0"/>
                                   </a:solidFill>
@@ -4429,7 +4201,7 @@
                             </m:dPr>
                             <m:e>
                               <m:r>
-                                <a:rPr lang="en-US" sz="5400" i="1">
+                                <a:rPr lang="en-US" sz="4800" i="1">
                                   <a:solidFill>
                                     <a:srgbClr val="7030A0"/>
                                   </a:solidFill>
@@ -4438,7 +4210,7 @@
                                 <m:t>𝑋</m:t>
                               </m:r>
                               <m:r>
-                                <a:rPr lang="en-US" sz="5400" i="1">
+                                <a:rPr lang="en-US" sz="4800" i="1">
                                   <a:solidFill>
                                     <a:srgbClr val="7030A0"/>
                                   </a:solidFill>
@@ -4447,7 +4219,7 @@
                                 <m:t>=</m:t>
                               </m:r>
                               <m:r>
-                                <a:rPr lang="en-US" sz="5400" i="1">
+                                <a:rPr lang="en-US" sz="4800" i="1">
                                   <a:solidFill>
                                     <a:srgbClr val="7030A0"/>
                                   </a:solidFill>
@@ -4456,7 +4228,7 @@
                                 <m:t>𝑥</m:t>
                               </m:r>
                               <m:r>
-                                <a:rPr lang="en-US" sz="5400" i="1" baseline="-25000">
+                                <a:rPr lang="en-US" sz="4800" i="1" baseline="-25000">
                                   <a:solidFill>
                                     <a:srgbClr val="7030A0"/>
                                   </a:solidFill>
@@ -4465,7 +4237,7 @@
                                 <m:t>𝑖</m:t>
                               </m:r>
                               <m:r>
-                                <a:rPr lang="en-US" sz="5400" b="0" i="1" smtClean="0">
+                                <a:rPr lang="en-US" sz="4800" b="0" i="1" smtClean="0">
                                   <a:solidFill>
                                     <a:srgbClr val="7030A0"/>
                                   </a:solidFill>
@@ -4474,7 +4246,7 @@
                                 <m:t>,</m:t>
                               </m:r>
                               <m:r>
-                                <a:rPr lang="en-US" sz="5400" b="0" i="1" smtClean="0">
+                                <a:rPr lang="en-US" sz="4800" b="0" i="1" smtClean="0">
                                   <a:solidFill>
                                     <a:srgbClr val="7030A0"/>
                                   </a:solidFill>
@@ -4483,7 +4255,7 @@
                                 <m:t>𝑌</m:t>
                               </m:r>
                               <m:r>
-                                <a:rPr lang="en-US" sz="5400" b="0" i="1" smtClean="0">
+                                <a:rPr lang="en-US" sz="4800" b="0" i="1" smtClean="0">
                                   <a:solidFill>
                                     <a:srgbClr val="7030A0"/>
                                   </a:solidFill>
@@ -4492,7 +4264,7 @@
                                 <m:t>=</m:t>
                               </m:r>
                               <m:r>
-                                <a:rPr lang="en-US" sz="5400" b="0" i="1" smtClean="0">
+                                <a:rPr lang="en-US" sz="4800" b="0" i="1" smtClean="0">
                                   <a:solidFill>
                                     <a:srgbClr val="7030A0"/>
                                   </a:solidFill>
@@ -4501,7 +4273,7 @@
                                 <m:t>𝑦𝑗</m:t>
                               </m:r>
                               <m:r>
-                                <a:rPr lang="en-US" sz="5400" b="0" i="1" smtClean="0">
+                                <a:rPr lang="en-US" sz="4800" b="0" i="1" smtClean="0">
                                   <a:solidFill>
                                     <a:srgbClr val="7030A0"/>
                                   </a:solidFill>
@@ -4516,7 +4288,7 @@
                     </m:oMath>
                   </m:oMathPara>
                 </a14:m>
-                <a:endParaRPr lang="en-US" sz="4800"/>
+                <a:endParaRPr lang="en-US" sz="4400"/>
               </a:p>
             </p:txBody>
           </p:sp>
@@ -4538,8 +4310,8 @@
             </p:nvSpPr>
             <p:spPr>
               <a:xfrm>
-                <a:off x="619491" y="658086"/>
-                <a:ext cx="10489153" cy="2362442"/>
+                <a:off x="619491" y="897237"/>
+                <a:ext cx="9248878" cy="2099998"/>
               </a:xfrm>
               <a:prstGeom prst="rect">
                 <a:avLst/>
@@ -4600,10 +4372,10 @@
         <mc:Choice xmlns:a14="http://schemas.microsoft.com/office/drawing/2010/main" Requires="a14">
           <p:sp>
             <p:nvSpPr>
-              <p:cNvPr id="4" name="TextBox 3">
+              <p:cNvPr id="5" name="TextBox 4">
                 <a:extLst>
                   <a:ext uri="{FF2B5EF4-FFF2-40B4-BE49-F238E27FC236}">
-                    <a16:creationId xmlns:a16="http://schemas.microsoft.com/office/drawing/2014/main" id="{878C7F36-E094-44E7-9046-4DC15FBC7F30}"/>
+                    <a16:creationId xmlns:a16="http://schemas.microsoft.com/office/drawing/2014/main" id="{F6052F5D-ADF4-4E2C-A8A3-359BECD8AF6A}"/>
                   </a:ext>
                 </a:extLst>
               </p:cNvPr>
@@ -4612,8 +4384,8 @@
             </p:nvSpPr>
             <p:spPr>
               <a:xfrm>
-                <a:off x="0" y="3980817"/>
-                <a:ext cx="11015002" cy="830997"/>
+                <a:off x="0" y="429782"/>
+                <a:ext cx="11690252" cy="2447401"/>
               </a:xfrm>
               <a:prstGeom prst="rect">
                 <a:avLst/>
@@ -4642,7 +4414,7 @@
                       <m:d>
                         <m:dPr>
                           <m:ctrlPr>
-                            <a:rPr lang="en-US" sz="5400" i="1">
+                            <a:rPr lang="en-US" sz="5400" b="0" i="1" smtClean="0">
                               <a:latin typeface="Cambria Math" panose="02040503050406030204" pitchFamily="18" charset="0"/>
                             </a:rPr>
                           </m:ctrlPr>
@@ -4650,12 +4422,6 @@
                         <m:e>
                           <m:r>
                             <a:rPr lang="en-US" sz="5400" b="0" i="1" smtClean="0">
-                              <a:latin typeface="Cambria Math" panose="02040503050406030204" pitchFamily="18" charset="0"/>
-                            </a:rPr>
-                            <m:t>𝑎</m:t>
-                          </m:r>
-                          <m:r>
-                            <a:rPr lang="en-US" sz="5400" i="1">
                               <a:solidFill>
                                 <a:srgbClr val="C00000"/>
                               </a:solidFill>
@@ -4671,112 +4437,188 @@
                         </a:rPr>
                         <m:t>=</m:t>
                       </m:r>
-                      <m:r>
-                        <a:rPr lang="en-US" sz="5400" b="0" i="1" smtClean="0">
-                          <a:latin typeface="Cambria Math" panose="02040503050406030204" pitchFamily="18" charset="0"/>
-                        </a:rPr>
-                        <m:t>𝑎</m:t>
-                      </m:r>
-                      <m:r>
-                        <a:rPr lang="en-US" sz="5400" i="1">
-                          <a:solidFill>
-                            <a:srgbClr val="C00000"/>
-                          </a:solidFill>
-                          <a:latin typeface="Cambria Math" panose="02040503050406030204" pitchFamily="18" charset="0"/>
-                        </a:rPr>
-                        <m:t>𝑥</m:t>
-                      </m:r>
-                      <m:r>
-                        <a:rPr lang="en-US" sz="5400" b="0" i="1" baseline="-25000" smtClean="0">
-                          <a:solidFill>
-                            <a:srgbClr val="C00000"/>
-                          </a:solidFill>
-                          <a:latin typeface="Cambria Math" panose="02040503050406030204" pitchFamily="18" charset="0"/>
-                        </a:rPr>
-                        <m:t>1</m:t>
-                      </m:r>
-                      <m:r>
-                        <a:rPr lang="en-US" sz="5400" b="0" i="1" smtClean="0">
-                          <a:solidFill>
-                            <a:srgbClr val="7030A0"/>
-                          </a:solidFill>
-                          <a:latin typeface="Cambria Math" panose="02040503050406030204" pitchFamily="18" charset="0"/>
-                        </a:rPr>
-                        <m:t>𝑝</m:t>
-                      </m:r>
-                      <m:r>
-                        <a:rPr lang="en-US" sz="5400" b="0" i="1" baseline="-25000" smtClean="0">
-                          <a:solidFill>
-                            <a:srgbClr val="7030A0"/>
-                          </a:solidFill>
-                          <a:latin typeface="Cambria Math" panose="02040503050406030204" pitchFamily="18" charset="0"/>
-                        </a:rPr>
-                        <m:t>1</m:t>
-                      </m:r>
-                      <m:r>
-                        <a:rPr lang="en-US" sz="5400" b="0" i="1" smtClean="0">
-                          <a:latin typeface="Cambria Math" panose="02040503050406030204" pitchFamily="18" charset="0"/>
-                        </a:rPr>
-                        <m:t>+</m:t>
-                      </m:r>
-                      <m:r>
-                        <a:rPr lang="en-US" sz="5400" b="0" i="1" smtClean="0">
-                          <a:latin typeface="Cambria Math" panose="02040503050406030204" pitchFamily="18" charset="0"/>
-                        </a:rPr>
-                        <m:t>𝑎𝑥</m:t>
-                      </m:r>
-                      <m:r>
-                        <a:rPr lang="en-US" sz="5400" b="0" i="1" baseline="-25000" smtClean="0">
-                          <a:solidFill>
-                            <a:srgbClr val="C00000"/>
-                          </a:solidFill>
-                          <a:latin typeface="Cambria Math" panose="02040503050406030204" pitchFamily="18" charset="0"/>
-                        </a:rPr>
-                        <m:t>2</m:t>
-                      </m:r>
-                      <m:r>
-                        <a:rPr lang="en-US" sz="5400" b="0" i="1" smtClean="0">
-                          <a:solidFill>
-                            <a:srgbClr val="7030A0"/>
-                          </a:solidFill>
-                          <a:latin typeface="Cambria Math" panose="02040503050406030204" pitchFamily="18" charset="0"/>
-                        </a:rPr>
-                        <m:t>𝑝</m:t>
-                      </m:r>
-                      <m:r>
-                        <a:rPr lang="en-US" sz="5400" b="0" i="1" baseline="-25000" smtClean="0">
-                          <a:solidFill>
-                            <a:srgbClr val="7030A0"/>
-                          </a:solidFill>
-                          <a:latin typeface="Cambria Math" panose="02040503050406030204" pitchFamily="18" charset="0"/>
-                        </a:rPr>
-                        <m:t>2</m:t>
-                      </m:r>
-                      <m:r>
-                        <a:rPr lang="en-US" sz="5400" b="0" i="1" smtClean="0">
-                          <a:latin typeface="Cambria Math" panose="02040503050406030204" pitchFamily="18" charset="0"/>
-                        </a:rPr>
-                        <m:t>+…+</m:t>
-                      </m:r>
-                      <m:r>
-                        <a:rPr lang="en-US" sz="5400" b="0" i="1" smtClean="0">
-                          <a:latin typeface="Cambria Math" panose="02040503050406030204" pitchFamily="18" charset="0"/>
-                        </a:rPr>
-                        <m:t>𝑎𝑥𝑘𝑝</m:t>
-                      </m:r>
-                      <m:r>
-                        <a:rPr lang="en-US" sz="5400" b="0" i="1" baseline="-25000" smtClean="0">
-                          <a:solidFill>
-                            <a:srgbClr val="7030A0"/>
-                          </a:solidFill>
-                          <a:latin typeface="Cambria Math" panose="02040503050406030204" pitchFamily="18" charset="0"/>
-                        </a:rPr>
-                        <m:t>𝑘</m:t>
-                      </m:r>
+                      <m:nary>
+                        <m:naryPr>
+                          <m:chr m:val="∑"/>
+                          <m:ctrlPr>
+                            <a:rPr lang="en-US" sz="5400" i="1" smtClean="0">
+                              <a:latin typeface="Cambria Math" panose="02040503050406030204" pitchFamily="18" charset="0"/>
+                            </a:rPr>
+                          </m:ctrlPr>
+                        </m:naryPr>
+                        <m:sub>
+                          <m:r>
+                            <m:rPr>
+                              <m:brk m:alnAt="23"/>
+                            </m:rPr>
+                            <a:rPr lang="en-US" sz="5400" b="0" i="1" smtClean="0">
+                              <a:latin typeface="Cambria Math" panose="02040503050406030204" pitchFamily="18" charset="0"/>
+                            </a:rPr>
+                            <m:t>𝑖</m:t>
+                          </m:r>
+                          <m:r>
+                            <a:rPr lang="en-US" sz="5400" b="0" i="1" smtClean="0">
+                              <a:latin typeface="Cambria Math" panose="02040503050406030204" pitchFamily="18" charset="0"/>
+                            </a:rPr>
+                            <m:t>=1</m:t>
+                          </m:r>
+                        </m:sub>
+                        <m:sup>
+                          <m:r>
+                            <a:rPr lang="en-US" sz="5400" b="0" i="1" smtClean="0">
+                              <a:latin typeface="Cambria Math" panose="02040503050406030204" pitchFamily="18" charset="0"/>
+                            </a:rPr>
+                            <m:t>𝑘</m:t>
+                          </m:r>
+                        </m:sup>
+                        <m:e>
+                          <m:r>
+                            <a:rPr lang="en-US" sz="5400" b="0" i="1" smtClean="0">
+                              <a:solidFill>
+                                <a:srgbClr val="C00000"/>
+                              </a:solidFill>
+                              <a:latin typeface="Cambria Math" panose="02040503050406030204" pitchFamily="18" charset="0"/>
+                            </a:rPr>
+                            <m:t>𝑥</m:t>
+                          </m:r>
+                          <m:r>
+                            <a:rPr lang="en-US" sz="5400" b="0" i="1" baseline="-25000" smtClean="0">
+                              <a:solidFill>
+                                <a:srgbClr val="C00000"/>
+                              </a:solidFill>
+                              <a:latin typeface="Cambria Math" panose="02040503050406030204" pitchFamily="18" charset="0"/>
+                            </a:rPr>
+                            <m:t>𝑖</m:t>
+                          </m:r>
+                          <m:nary>
+                            <m:naryPr>
+                              <m:chr m:val="∑"/>
+                              <m:ctrlPr>
+                                <a:rPr lang="en-US" sz="5400" i="1">
+                                  <a:latin typeface="Cambria Math" panose="02040503050406030204" pitchFamily="18" charset="0"/>
+                                </a:rPr>
+                              </m:ctrlPr>
+                            </m:naryPr>
+                            <m:sub>
+                              <m:r>
+                                <m:rPr>
+                                  <m:brk m:alnAt="23"/>
+                                </m:rPr>
+                                <a:rPr lang="en-US" sz="5400" i="1">
+                                  <a:latin typeface="Cambria Math" panose="02040503050406030204" pitchFamily="18" charset="0"/>
+                                </a:rPr>
+                                <m:t>𝑗</m:t>
+                              </m:r>
+                              <m:r>
+                                <a:rPr lang="en-US" sz="5400" i="1">
+                                  <a:latin typeface="Cambria Math" panose="02040503050406030204" pitchFamily="18" charset="0"/>
+                                </a:rPr>
+                                <m:t>=0</m:t>
+                              </m:r>
+                            </m:sub>
+                            <m:sup>
+                              <m:r>
+                                <a:rPr lang="en-US" sz="5400" i="1">
+                                  <a:latin typeface="Cambria Math" panose="02040503050406030204" pitchFamily="18" charset="0"/>
+                                </a:rPr>
+                                <m:t>𝑛</m:t>
+                              </m:r>
+                            </m:sup>
+                            <m:e>
+                              <m:r>
+                                <a:rPr lang="en-US" sz="5400" i="1">
+                                  <a:solidFill>
+                                    <a:srgbClr val="7030A0"/>
+                                  </a:solidFill>
+                                  <a:latin typeface="Cambria Math" panose="02040503050406030204" pitchFamily="18" charset="0"/>
+                                </a:rPr>
+                                <m:t>𝑃</m:t>
+                              </m:r>
+                              <m:d>
+                                <m:dPr>
+                                  <m:ctrlPr>
+                                    <a:rPr lang="en-US" sz="5400" i="1">
+                                      <a:solidFill>
+                                        <a:srgbClr val="7030A0"/>
+                                      </a:solidFill>
+                                      <a:latin typeface="Cambria Math" panose="02040503050406030204" pitchFamily="18" charset="0"/>
+                                    </a:rPr>
+                                  </m:ctrlPr>
+                                </m:dPr>
+                                <m:e>
+                                  <m:r>
+                                    <a:rPr lang="en-US" sz="5400" i="1">
+                                      <a:solidFill>
+                                        <a:srgbClr val="7030A0"/>
+                                      </a:solidFill>
+                                      <a:latin typeface="Cambria Math" panose="02040503050406030204" pitchFamily="18" charset="0"/>
+                                    </a:rPr>
+                                    <m:t>𝑋</m:t>
+                                  </m:r>
+                                  <m:r>
+                                    <a:rPr lang="en-US" sz="5400" i="1">
+                                      <a:solidFill>
+                                        <a:srgbClr val="7030A0"/>
+                                      </a:solidFill>
+                                      <a:latin typeface="Cambria Math" panose="02040503050406030204" pitchFamily="18" charset="0"/>
+                                    </a:rPr>
+                                    <m:t>=</m:t>
+                                  </m:r>
+                                  <m:r>
+                                    <a:rPr lang="en-US" sz="5400" i="1">
+                                      <a:solidFill>
+                                        <a:srgbClr val="7030A0"/>
+                                      </a:solidFill>
+                                      <a:latin typeface="Cambria Math" panose="02040503050406030204" pitchFamily="18" charset="0"/>
+                                    </a:rPr>
+                                    <m:t>𝑥𝑖</m:t>
+                                  </m:r>
+                                  <m:r>
+                                    <a:rPr lang="en-US" sz="5400" i="1">
+                                      <a:solidFill>
+                                        <a:srgbClr val="7030A0"/>
+                                      </a:solidFill>
+                                      <a:latin typeface="Cambria Math" panose="02040503050406030204" pitchFamily="18" charset="0"/>
+                                    </a:rPr>
+                                    <m:t>,</m:t>
+                                  </m:r>
+                                  <m:r>
+                                    <a:rPr lang="en-US" sz="5400" i="1">
+                                      <a:solidFill>
+                                        <a:srgbClr val="7030A0"/>
+                                      </a:solidFill>
+                                      <a:latin typeface="Cambria Math" panose="02040503050406030204" pitchFamily="18" charset="0"/>
+                                    </a:rPr>
+                                    <m:t>𝑌</m:t>
+                                  </m:r>
+                                  <m:r>
+                                    <a:rPr lang="en-US" sz="5400" i="1">
+                                      <a:solidFill>
+                                        <a:srgbClr val="7030A0"/>
+                                      </a:solidFill>
+                                      <a:latin typeface="Cambria Math" panose="02040503050406030204" pitchFamily="18" charset="0"/>
+                                    </a:rPr>
+                                    <m:t>=</m:t>
+                                  </m:r>
+                                  <m:r>
+                                    <a:rPr lang="en-US" sz="5400" i="1">
+                                      <a:solidFill>
+                                        <a:srgbClr val="7030A0"/>
+                                      </a:solidFill>
+                                      <a:latin typeface="Cambria Math" panose="02040503050406030204" pitchFamily="18" charset="0"/>
+                                    </a:rPr>
+                                    <m:t>𝑦𝑗</m:t>
+                                  </m:r>
+                                </m:e>
+                              </m:d>
+                            </m:e>
+                          </m:nary>
+                        </m:e>
+                      </m:nary>
                     </m:oMath>
                   </m:oMathPara>
                 </a14:m>
-                <a:endParaRPr lang="en-US" sz="5400"/>
+                <a:endParaRPr lang="en-US" sz="4800"/>
               </a:p>
             </p:txBody>
           </p:sp>
@@ -4784,10 +4626,10 @@
         <mc:Fallback>
           <p:sp>
             <p:nvSpPr>
-              <p:cNvPr id="4" name="TextBox 3">
+              <p:cNvPr id="5" name="TextBox 4">
                 <a:extLst>
                   <a:ext uri="{FF2B5EF4-FFF2-40B4-BE49-F238E27FC236}">
-                    <a16:creationId xmlns:a16="http://schemas.microsoft.com/office/drawing/2014/main" id="{878C7F36-E094-44E7-9046-4DC15FBC7F30}"/>
+                    <a16:creationId xmlns:a16="http://schemas.microsoft.com/office/drawing/2014/main" id="{F6052F5D-ADF4-4E2C-A8A3-359BECD8AF6A}"/>
                   </a:ext>
                 </a:extLst>
               </p:cNvPr>
@@ -4798,8 +4640,8 @@
             </p:nvSpPr>
             <p:spPr>
               <a:xfrm>
-                <a:off x="0" y="3980817"/>
-                <a:ext cx="11015002" cy="830997"/>
+                <a:off x="0" y="429782"/>
+                <a:ext cx="11690252" cy="2447401"/>
               </a:xfrm>
               <a:prstGeom prst="rect">
                 <a:avLst/>
@@ -4830,10 +4672,10 @@
         <mc:Choice xmlns:a14="http://schemas.microsoft.com/office/drawing/2010/main" Requires="a14">
           <p:sp>
             <p:nvSpPr>
-              <p:cNvPr id="5" name="TextBox 4">
+              <p:cNvPr id="7" name="TextBox 6">
                 <a:extLst>
                   <a:ext uri="{FF2B5EF4-FFF2-40B4-BE49-F238E27FC236}">
-                    <a16:creationId xmlns:a16="http://schemas.microsoft.com/office/drawing/2014/main" id="{F6052F5D-ADF4-4E2C-A8A3-359BECD8AF6A}"/>
+                    <a16:creationId xmlns:a16="http://schemas.microsoft.com/office/drawing/2014/main" id="{2447573E-40C9-4C6A-9DC9-69560F673D80}"/>
                   </a:ext>
                 </a:extLst>
               </p:cNvPr>
@@ -4842,8 +4684,8 @@
             </p:nvSpPr>
             <p:spPr>
               <a:xfrm>
-                <a:off x="0" y="411241"/>
-                <a:ext cx="8440615" cy="2353401"/>
+                <a:off x="476609" y="3566669"/>
+                <a:ext cx="10934981" cy="2447401"/>
               </a:xfrm>
               <a:prstGeom prst="rect">
                 <a:avLst/>
@@ -4851,7 +4693,7 @@
               <a:noFill/>
             </p:spPr>
             <p:txBody>
-              <a:bodyPr wrap="square" lIns="0" tIns="0" rIns="0" bIns="0" rtlCol="0">
+              <a:bodyPr wrap="none" lIns="0" tIns="0" rIns="0" bIns="0" rtlCol="0">
                 <a:spAutoFit/>
               </a:bodyPr>
               <a:lstStyle/>
@@ -4881,11 +4723,11 @@
                           <m:r>
                             <a:rPr lang="en-US" sz="5400" b="0" i="1" smtClean="0">
                               <a:solidFill>
-                                <a:srgbClr val="C00000"/>
+                                <a:srgbClr val="002060"/>
                               </a:solidFill>
                               <a:latin typeface="Cambria Math" panose="02040503050406030204" pitchFamily="18" charset="0"/>
                             </a:rPr>
-                            <m:t>𝑋</m:t>
+                            <m:t>𝑌</m:t>
                           </m:r>
                         </m:e>
                       </m:d>
@@ -4906,13 +4748,10 @@
                         </m:naryPr>
                         <m:sub>
                           <m:r>
-                            <m:rPr>
-                              <m:brk m:alnAt="23"/>
-                            </m:rPr>
                             <a:rPr lang="en-US" sz="5400" b="0" i="1" smtClean="0">
                               <a:latin typeface="Cambria Math" panose="02040503050406030204" pitchFamily="18" charset="0"/>
                             </a:rPr>
-                            <m:t>𝑖</m:t>
+                            <m:t>𝑗</m:t>
                           </m:r>
                           <m:r>
                             <a:rPr lang="en-US" sz="5400" b="0" i="1" smtClean="0">
@@ -4926,82 +4765,148 @@
                             <a:rPr lang="en-US" sz="5400" b="0" i="1" smtClean="0">
                               <a:latin typeface="Cambria Math" panose="02040503050406030204" pitchFamily="18" charset="0"/>
                             </a:rPr>
-                            <m:t>𝑘</m:t>
+                            <m:t>𝑛</m:t>
                           </m:r>
                         </m:sup>
                         <m:e>
                           <m:r>
                             <a:rPr lang="en-US" sz="5400" b="0" i="1" smtClean="0">
                               <a:solidFill>
-                                <a:srgbClr val="C00000"/>
+                                <a:srgbClr val="002060"/>
                               </a:solidFill>
                               <a:latin typeface="Cambria Math" panose="02040503050406030204" pitchFamily="18" charset="0"/>
                             </a:rPr>
-                            <m:t>𝑥</m:t>
+                            <m:t>𝑦</m:t>
                           </m:r>
                           <m:r>
                             <a:rPr lang="en-US" sz="5400" b="0" i="1" baseline="-25000" smtClean="0">
                               <a:solidFill>
-                                <a:srgbClr val="C00000"/>
+                                <a:srgbClr val="002060"/>
                               </a:solidFill>
                               <a:latin typeface="Cambria Math" panose="02040503050406030204" pitchFamily="18" charset="0"/>
                             </a:rPr>
                             <m:t>𝑖</m:t>
                           </m:r>
-                          <m:r>
-                            <a:rPr lang="en-US" sz="5400" b="0" i="1" smtClean="0">
-                              <a:solidFill>
-                                <a:srgbClr val="7030A0"/>
-                              </a:solidFill>
-                              <a:latin typeface="Cambria Math" panose="02040503050406030204" pitchFamily="18" charset="0"/>
-                            </a:rPr>
-                            <m:t>𝑃</m:t>
-                          </m:r>
-                          <m:r>
-                            <a:rPr lang="en-US" sz="5400" b="0" i="1" smtClean="0">
-                              <a:solidFill>
-                                <a:srgbClr val="7030A0"/>
-                              </a:solidFill>
-                              <a:latin typeface="Cambria Math" panose="02040503050406030204" pitchFamily="18" charset="0"/>
-                            </a:rPr>
-                            <m:t>(</m:t>
-                          </m:r>
-                          <m:r>
-                            <a:rPr lang="en-US" sz="5400" b="0" i="1" smtClean="0">
-                              <a:solidFill>
-                                <a:srgbClr val="7030A0"/>
-                              </a:solidFill>
-                              <a:latin typeface="Cambria Math" panose="02040503050406030204" pitchFamily="18" charset="0"/>
-                            </a:rPr>
-                            <m:t>𝑋</m:t>
-                          </m:r>
-                          <m:r>
-                            <a:rPr lang="en-US" sz="5400" b="0" i="1" smtClean="0">
-                              <a:solidFill>
-                                <a:srgbClr val="7030A0"/>
-                              </a:solidFill>
-                              <a:latin typeface="Cambria Math" panose="02040503050406030204" pitchFamily="18" charset="0"/>
-                            </a:rPr>
-                            <m:t>=</m:t>
-                          </m:r>
-                          <m:r>
-                            <a:rPr lang="en-US" sz="5400" b="0" i="1" smtClean="0">
-                              <a:solidFill>
-                                <a:srgbClr val="7030A0"/>
-                              </a:solidFill>
-                              <a:latin typeface="Cambria Math" panose="02040503050406030204" pitchFamily="18" charset="0"/>
-                            </a:rPr>
-                            <m:t>𝑥𝑖</m:t>
-                          </m:r>
-                          <m:r>
-                            <a:rPr lang="en-US" sz="5400" b="0" i="1" smtClean="0">
-                              <a:solidFill>
-                                <a:srgbClr val="7030A0"/>
-                              </a:solidFill>
-                              <a:latin typeface="Cambria Math" panose="02040503050406030204" pitchFamily="18" charset="0"/>
-                            </a:rPr>
-                            <m:t>)</m:t>
-                          </m:r>
+                          <m:nary>
+                            <m:naryPr>
+                              <m:chr m:val="∑"/>
+                              <m:ctrlPr>
+                                <a:rPr lang="en-US" sz="5400" i="1">
+                                  <a:latin typeface="Cambria Math" panose="02040503050406030204" pitchFamily="18" charset="0"/>
+                                </a:rPr>
+                              </m:ctrlPr>
+                            </m:naryPr>
+                            <m:sub>
+                              <m:r>
+                                <a:rPr lang="en-US" sz="5400" i="1">
+                                  <a:latin typeface="Cambria Math" panose="02040503050406030204" pitchFamily="18" charset="0"/>
+                                </a:rPr>
+                                <m:t>𝑖</m:t>
+                              </m:r>
+                              <m:r>
+                                <a:rPr lang="en-US" sz="5400" i="1">
+                                  <a:latin typeface="Cambria Math" panose="02040503050406030204" pitchFamily="18" charset="0"/>
+                                </a:rPr>
+                                <m:t>=0</m:t>
+                              </m:r>
+                            </m:sub>
+                            <m:sup>
+                              <m:r>
+                                <a:rPr lang="en-US" sz="5400" i="1">
+                                  <a:latin typeface="Cambria Math" panose="02040503050406030204" pitchFamily="18" charset="0"/>
+                                </a:rPr>
+                                <m:t>𝑘</m:t>
+                              </m:r>
+                            </m:sup>
+                            <m:e>
+                              <m:r>
+                                <a:rPr lang="en-US" sz="5400" i="1">
+                                  <a:solidFill>
+                                    <a:srgbClr val="7030A0"/>
+                                  </a:solidFill>
+                                  <a:latin typeface="Cambria Math" panose="02040503050406030204" pitchFamily="18" charset="0"/>
+                                </a:rPr>
+                                <m:t>𝑃</m:t>
+                              </m:r>
+                            </m:e>
+                          </m:nary>
+                          <m:d>
+                            <m:dPr>
+                              <m:ctrlPr>
+                                <a:rPr lang="en-US" sz="5400" i="1" smtClean="0">
+                                  <a:solidFill>
+                                    <a:srgbClr val="7030A0"/>
+                                  </a:solidFill>
+                                  <a:latin typeface="Cambria Math" panose="02040503050406030204" pitchFamily="18" charset="0"/>
+                                </a:rPr>
+                              </m:ctrlPr>
+                            </m:dPr>
+                            <m:e>
+                              <m:r>
+                                <a:rPr lang="en-US" sz="5400" i="1">
+                                  <a:solidFill>
+                                    <a:srgbClr val="7030A0"/>
+                                  </a:solidFill>
+                                  <a:latin typeface="Cambria Math" panose="02040503050406030204" pitchFamily="18" charset="0"/>
+                                </a:rPr>
+                                <m:t>𝑌</m:t>
+                              </m:r>
+                              <m:r>
+                                <a:rPr lang="en-US" sz="5400" i="1">
+                                  <a:solidFill>
+                                    <a:srgbClr val="7030A0"/>
+                                  </a:solidFill>
+                                  <a:latin typeface="Cambria Math" panose="02040503050406030204" pitchFamily="18" charset="0"/>
+                                </a:rPr>
+                                <m:t>=</m:t>
+                              </m:r>
+                              <m:r>
+                                <a:rPr lang="en-US" sz="5400" i="1">
+                                  <a:solidFill>
+                                    <a:srgbClr val="7030A0"/>
+                                  </a:solidFill>
+                                  <a:latin typeface="Cambria Math" panose="02040503050406030204" pitchFamily="18" charset="0"/>
+                                </a:rPr>
+                                <m:t>𝑦𝑗</m:t>
+                              </m:r>
+                              <m:r>
+                                <a:rPr lang="en-US" sz="5400" i="1">
+                                  <a:solidFill>
+                                    <a:srgbClr val="7030A0"/>
+                                  </a:solidFill>
+                                  <a:latin typeface="Cambria Math" panose="02040503050406030204" pitchFamily="18" charset="0"/>
+                                </a:rPr>
+                                <m:t>,</m:t>
+                              </m:r>
+                              <m:r>
+                                <a:rPr lang="en-US" sz="5400" i="1">
+                                  <a:solidFill>
+                                    <a:srgbClr val="7030A0"/>
+                                  </a:solidFill>
+                                  <a:latin typeface="Cambria Math" panose="02040503050406030204" pitchFamily="18" charset="0"/>
+                                </a:rPr>
+                                <m:t>𝑋</m:t>
+                              </m:r>
+                              <m:r>
+                                <a:rPr lang="en-US" sz="5400" i="1">
+                                  <a:solidFill>
+                                    <a:srgbClr val="7030A0"/>
+                                  </a:solidFill>
+                                  <a:latin typeface="Cambria Math" panose="02040503050406030204" pitchFamily="18" charset="0"/>
+                                </a:rPr>
+                                <m:t>=</m:t>
+                              </m:r>
+                              <m:r>
+                                <a:rPr lang="en-US" sz="5400" i="1">
+                                  <a:solidFill>
+                                    <a:srgbClr val="7030A0"/>
+                                  </a:solidFill>
+                                  <a:latin typeface="Cambria Math" panose="02040503050406030204" pitchFamily="18" charset="0"/>
+                                </a:rPr>
+                                <m:t>𝑥𝑖</m:t>
+                              </m:r>
+                            </m:e>
+                          </m:d>
                         </m:e>
                       </m:nary>
                     </m:oMath>
@@ -5015,10 +4920,10 @@
         <mc:Fallback>
           <p:sp>
             <p:nvSpPr>
-              <p:cNvPr id="5" name="TextBox 4">
+              <p:cNvPr id="7" name="TextBox 6">
                 <a:extLst>
                   <a:ext uri="{FF2B5EF4-FFF2-40B4-BE49-F238E27FC236}">
-                    <a16:creationId xmlns:a16="http://schemas.microsoft.com/office/drawing/2014/main" id="{F6052F5D-ADF4-4E2C-A8A3-359BECD8AF6A}"/>
+                    <a16:creationId xmlns:a16="http://schemas.microsoft.com/office/drawing/2014/main" id="{2447573E-40C9-4C6A-9DC9-69560F673D80}"/>
                   </a:ext>
                 </a:extLst>
               </p:cNvPr>
@@ -5029,180 +4934,14 @@
             </p:nvSpPr>
             <p:spPr>
               <a:xfrm>
-                <a:off x="0" y="411241"/>
-                <a:ext cx="8440615" cy="2353401"/>
+                <a:off x="476609" y="3566669"/>
+                <a:ext cx="10934981" cy="2447401"/>
               </a:xfrm>
               <a:prstGeom prst="rect">
                 <a:avLst/>
               </a:prstGeom>
               <a:blipFill>
                 <a:blip r:embed="rId3"/>
-                <a:stretch>
-                  <a:fillRect/>
-                </a:stretch>
-              </a:blipFill>
-            </p:spPr>
-            <p:txBody>
-              <a:bodyPr/>
-              <a:lstStyle/>
-              <a:p>
-                <a:r>
-                  <a:rPr lang="en-US">
-                    <a:noFill/>
-                  </a:rPr>
-                  <a:t> </a:t>
-                </a:r>
-              </a:p>
-            </p:txBody>
-          </p:sp>
-        </mc:Fallback>
-      </mc:AlternateContent>
-      <mc:AlternateContent xmlns:mc="http://schemas.openxmlformats.org/markup-compatibility/2006" xmlns:a14="http://schemas.microsoft.com/office/drawing/2010/main">
-        <mc:Choice Requires="a14">
-          <p:sp>
-            <p:nvSpPr>
-              <p:cNvPr id="6" name="TextBox 5">
-                <a:extLst>
-                  <a:ext uri="{FF2B5EF4-FFF2-40B4-BE49-F238E27FC236}">
-                    <a16:creationId xmlns:a16="http://schemas.microsoft.com/office/drawing/2014/main" id="{4F769B7B-FBC2-468A-92E9-C2C86A3C5A9B}"/>
-                  </a:ext>
-                </a:extLst>
-              </p:cNvPr>
-              <p:cNvSpPr txBox="1"/>
-              <p:nvPr/>
-            </p:nvSpPr>
-            <p:spPr>
-              <a:xfrm>
-                <a:off x="0" y="5090993"/>
-                <a:ext cx="11437034" cy="830997"/>
-              </a:xfrm>
-              <a:prstGeom prst="rect">
-                <a:avLst/>
-              </a:prstGeom>
-              <a:noFill/>
-            </p:spPr>
-            <p:txBody>
-              <a:bodyPr wrap="square" lIns="0" tIns="0" rIns="0" bIns="0" rtlCol="0">
-                <a:spAutoFit/>
-              </a:bodyPr>
-              <a:lstStyle/>
-              <a:p>
-                <a:pPr/>
-                <a14:m>
-                  <m:oMathPara xmlns:m="http://schemas.openxmlformats.org/officeDocument/2006/math">
-                    <m:oMathParaPr>
-                      <m:jc m:val="centerGroup"/>
-                    </m:oMathParaPr>
-                    <m:oMath xmlns:m="http://schemas.openxmlformats.org/officeDocument/2006/math">
-                      <m:r>
-                        <a:rPr lang="en-US" sz="5400" b="0" i="1" smtClean="0">
-                          <a:latin typeface="Cambria Math" panose="02040503050406030204" pitchFamily="18" charset="0"/>
-                        </a:rPr>
-                        <m:t>𝐸</m:t>
-                      </m:r>
-                      <m:d>
-                        <m:dPr>
-                          <m:ctrlPr>
-                            <a:rPr lang="en-US" sz="5400" i="1">
-                              <a:latin typeface="Cambria Math" panose="02040503050406030204" pitchFamily="18" charset="0"/>
-                            </a:rPr>
-                          </m:ctrlPr>
-                        </m:dPr>
-                        <m:e>
-                          <m:r>
-                            <a:rPr lang="en-US" sz="5400" b="0" i="1" smtClean="0">
-                              <a:latin typeface="Cambria Math" panose="02040503050406030204" pitchFamily="18" charset="0"/>
-                            </a:rPr>
-                            <m:t>𝑎</m:t>
-                          </m:r>
-                          <m:r>
-                            <a:rPr lang="en-US" sz="5400" i="1">
-                              <a:solidFill>
-                                <a:srgbClr val="C00000"/>
-                              </a:solidFill>
-                              <a:latin typeface="Cambria Math" panose="02040503050406030204" pitchFamily="18" charset="0"/>
-                            </a:rPr>
-                            <m:t>𝑋</m:t>
-                          </m:r>
-                        </m:e>
-                      </m:d>
-                      <m:r>
-                        <a:rPr lang="en-US" sz="5400" i="1" smtClean="0">
-                          <a:latin typeface="Cambria Math" panose="02040503050406030204" pitchFamily="18" charset="0"/>
-                        </a:rPr>
-                        <m:t>=</m:t>
-                      </m:r>
-                      <m:r>
-                        <a:rPr lang="en-US" sz="5400" i="1">
-                          <a:latin typeface="Cambria Math" panose="02040503050406030204" pitchFamily="18" charset="0"/>
-                        </a:rPr>
-                        <m:t>𝑎</m:t>
-                      </m:r>
-                      <m:r>
-                        <a:rPr lang="en-US" sz="5400" i="1">
-                          <a:latin typeface="Cambria Math" panose="02040503050406030204" pitchFamily="18" charset="0"/>
-                        </a:rPr>
-                        <m:t>∗</m:t>
-                      </m:r>
-                      <m:r>
-                        <a:rPr lang="en-US" sz="5400" i="1">
-                          <a:latin typeface="Cambria Math" panose="02040503050406030204" pitchFamily="18" charset="0"/>
-                        </a:rPr>
-                        <m:t>𝐸</m:t>
-                      </m:r>
-                      <m:d>
-                        <m:dPr>
-                          <m:ctrlPr>
-                            <a:rPr lang="en-US" sz="5400" i="1">
-                              <a:latin typeface="Cambria Math" panose="02040503050406030204" pitchFamily="18" charset="0"/>
-                            </a:rPr>
-                          </m:ctrlPr>
-                        </m:dPr>
-                        <m:e>
-                          <m:r>
-                            <a:rPr lang="en-US" sz="5400" i="1">
-                              <a:solidFill>
-                                <a:srgbClr val="C00000"/>
-                              </a:solidFill>
-                              <a:latin typeface="Cambria Math" panose="02040503050406030204" pitchFamily="18" charset="0"/>
-                            </a:rPr>
-                            <m:t>𝑋</m:t>
-                          </m:r>
-                        </m:e>
-                      </m:d>
-                    </m:oMath>
-                  </m:oMathPara>
-                </a14:m>
-                <a:endParaRPr lang="en-US" sz="5400"/>
-              </a:p>
-            </p:txBody>
-          </p:sp>
-        </mc:Choice>
-        <mc:Fallback xmlns="">
-          <p:sp>
-            <p:nvSpPr>
-              <p:cNvPr id="6" name="TextBox 5">
-                <a:extLst>
-                  <a:ext uri="{FF2B5EF4-FFF2-40B4-BE49-F238E27FC236}">
-                    <a16:creationId xmlns:a16="http://schemas.microsoft.com/office/drawing/2014/main" id="{4F769B7B-FBC2-468A-92E9-C2C86A3C5A9B}"/>
-                  </a:ext>
-                </a:extLst>
-              </p:cNvPr>
-              <p:cNvSpPr txBox="1">
-                <a:spLocks noRot="1" noChangeAspect="1" noMove="1" noResize="1" noEditPoints="1" noAdjustHandles="1" noChangeArrowheads="1" noChangeShapeType="1" noTextEdit="1"/>
-              </p:cNvSpPr>
-              <p:nvPr/>
-            </p:nvSpPr>
-            <p:spPr>
-              <a:xfrm>
-                <a:off x="0" y="5090993"/>
-                <a:ext cx="11437034" cy="830997"/>
-              </a:xfrm>
-              <a:prstGeom prst="rect">
-                <a:avLst/>
-              </a:prstGeom>
-              <a:blipFill>
-                <a:blip r:embed="rId4"/>
                 <a:stretch>
                   <a:fillRect/>
                 </a:stretch>

--- a/ps/ps_images.pptx
+++ b/ps/ps_images.pptx
@@ -4384,7 +4384,7 @@
             </p:nvSpPr>
             <p:spPr>
               <a:xfrm>
-                <a:off x="0" y="429782"/>
+                <a:off x="0" y="317241"/>
                 <a:ext cx="11690252" cy="2447401"/>
               </a:xfrm>
               <a:prstGeom prst="rect">
@@ -4472,24 +4472,6 @@
                           </m:r>
                         </m:sup>
                         <m:e>
-                          <m:r>
-                            <a:rPr lang="en-US" sz="5400" b="0" i="1" smtClean="0">
-                              <a:solidFill>
-                                <a:srgbClr val="C00000"/>
-                              </a:solidFill>
-                              <a:latin typeface="Cambria Math" panose="02040503050406030204" pitchFamily="18" charset="0"/>
-                            </a:rPr>
-                            <m:t>𝑥</m:t>
-                          </m:r>
-                          <m:r>
-                            <a:rPr lang="en-US" sz="5400" b="0" i="1" baseline="-25000" smtClean="0">
-                              <a:solidFill>
-                                <a:srgbClr val="C00000"/>
-                              </a:solidFill>
-                              <a:latin typeface="Cambria Math" panose="02040503050406030204" pitchFamily="18" charset="0"/>
-                            </a:rPr>
-                            <m:t>𝑖</m:t>
-                          </m:r>
                           <m:nary>
                             <m:naryPr>
                               <m:chr m:val="∑"/>
@@ -4525,6 +4507,33 @@
                               </m:r>
                             </m:sup>
                             <m:e>
+                              <m:r>
+                                <a:rPr lang="en-US" sz="5400" i="1">
+                                  <a:solidFill>
+                                    <a:srgbClr val="C00000"/>
+                                  </a:solidFill>
+                                  <a:latin typeface="Cambria Math" panose="02040503050406030204" pitchFamily="18" charset="0"/>
+                                </a:rPr>
+                                <m:t>𝑥</m:t>
+                              </m:r>
+                              <m:r>
+                                <a:rPr lang="en-US" sz="5400" i="1" baseline="-25000">
+                                  <a:solidFill>
+                                    <a:srgbClr val="C00000"/>
+                                  </a:solidFill>
+                                  <a:latin typeface="Cambria Math" panose="02040503050406030204" pitchFamily="18" charset="0"/>
+                                </a:rPr>
+                                <m:t>𝑖</m:t>
+                              </m:r>
+                              <m:r>
+                                <a:rPr lang="en-US" sz="5400" b="0" i="1" baseline="-25000" smtClean="0">
+                                  <a:solidFill>
+                                    <a:srgbClr val="C00000"/>
+                                  </a:solidFill>
+                                  <a:latin typeface="Cambria Math" panose="02040503050406030204" pitchFamily="18" charset="0"/>
+                                </a:rPr>
+                                <m:t> </m:t>
+                              </m:r>
                               <m:r>
                                 <a:rPr lang="en-US" sz="5400" i="1">
                                   <a:solidFill>
@@ -4640,7 +4649,7 @@
             </p:nvSpPr>
             <p:spPr>
               <a:xfrm>
-                <a:off x="0" y="429782"/>
+                <a:off x="0" y="317241"/>
                 <a:ext cx="11690252" cy="2447401"/>
               </a:xfrm>
               <a:prstGeom prst="rect">
@@ -4672,10 +4681,10 @@
         <mc:Choice xmlns:a14="http://schemas.microsoft.com/office/drawing/2010/main" Requires="a14">
           <p:sp>
             <p:nvSpPr>
-              <p:cNvPr id="7" name="TextBox 6">
+              <p:cNvPr id="8" name="TextBox 7">
                 <a:extLst>
                   <a:ext uri="{FF2B5EF4-FFF2-40B4-BE49-F238E27FC236}">
-                    <a16:creationId xmlns:a16="http://schemas.microsoft.com/office/drawing/2014/main" id="{2447573E-40C9-4C6A-9DC9-69560F673D80}"/>
+                    <a16:creationId xmlns:a16="http://schemas.microsoft.com/office/drawing/2014/main" id="{98535C5C-8B28-4D98-BFD6-F7335B726F2E}"/>
                   </a:ext>
                 </a:extLst>
               </p:cNvPr>
@@ -4684,8 +4693,8 @@
             </p:nvSpPr>
             <p:spPr>
               <a:xfrm>
-                <a:off x="476609" y="3566669"/>
-                <a:ext cx="10934981" cy="2447401"/>
+                <a:off x="0" y="3677860"/>
+                <a:ext cx="12192000" cy="1354217"/>
               </a:xfrm>
               <a:prstGeom prst="rect">
                 <a:avLst/>
@@ -4693,7 +4702,7 @@
               <a:noFill/>
             </p:spPr>
             <p:txBody>
-              <a:bodyPr wrap="none" lIns="0" tIns="0" rIns="0" bIns="0" rtlCol="0">
+              <a:bodyPr wrap="square" lIns="0" tIns="0" rIns="0" bIns="0" rtlCol="0">
                 <a:spAutoFit/>
               </a:bodyPr>
               <a:lstStyle/>
@@ -4706,213 +4715,308 @@
                     </m:oMathParaPr>
                     <m:oMath xmlns:m="http://schemas.openxmlformats.org/officeDocument/2006/math">
                       <m:r>
-                        <a:rPr lang="en-US" sz="5400" b="0" i="1" smtClean="0">
-                          <a:latin typeface="Cambria Math" panose="02040503050406030204" pitchFamily="18" charset="0"/>
-                        </a:rPr>
-                        <m:t>𝐸</m:t>
+                        <a:rPr lang="en-US" sz="4400" b="0" i="1" smtClean="0">
+                          <a:latin typeface="Cambria Math" panose="02040503050406030204" pitchFamily="18" charset="0"/>
+                        </a:rPr>
+                        <m:t>(</m:t>
+                      </m:r>
+                      <m:r>
+                        <a:rPr lang="en-US" sz="4400" b="0" i="1" smtClean="0">
+                          <a:latin typeface="Cambria Math" panose="02040503050406030204" pitchFamily="18" charset="0"/>
+                        </a:rPr>
+                        <m:t>𝑠𝑖𝑛𝑐𝑒</m:t>
+                      </m:r>
+                      <m:r>
+                        <a:rPr lang="en-US" sz="4400" b="0" i="1" smtClean="0">
+                          <a:latin typeface="Cambria Math" panose="02040503050406030204" pitchFamily="18" charset="0"/>
+                        </a:rPr>
+                        <m:t> </m:t>
+                      </m:r>
+                      <m:r>
+                        <a:rPr lang="en-US" sz="4400" i="1">
+                          <a:solidFill>
+                            <a:srgbClr val="C00000"/>
+                          </a:solidFill>
+                          <a:latin typeface="Cambria Math" panose="02040503050406030204" pitchFamily="18" charset="0"/>
+                        </a:rPr>
+                        <m:t>𝑥</m:t>
+                      </m:r>
+                      <m:r>
+                        <a:rPr lang="en-US" sz="4400" i="1" baseline="-25000">
+                          <a:solidFill>
+                            <a:srgbClr val="C00000"/>
+                          </a:solidFill>
+                          <a:latin typeface="Cambria Math" panose="02040503050406030204" pitchFamily="18" charset="0"/>
+                        </a:rPr>
+                        <m:t>𝑖</m:t>
+                      </m:r>
+                      <m:r>
+                        <a:rPr lang="en-US" sz="4400" b="0" i="1" baseline="-25000" smtClean="0">
+                          <a:solidFill>
+                            <a:srgbClr val="C00000"/>
+                          </a:solidFill>
+                          <a:latin typeface="Cambria Math" panose="02040503050406030204" pitchFamily="18" charset="0"/>
+                        </a:rPr>
+                        <m:t> </m:t>
+                      </m:r>
+                      <m:r>
+                        <a:rPr lang="en-US" sz="4400" b="0" i="1" smtClean="0">
+                          <a:solidFill>
+                            <a:schemeClr val="tx1"/>
+                          </a:solidFill>
+                          <a:latin typeface="Cambria Math" panose="02040503050406030204" pitchFamily="18" charset="0"/>
+                        </a:rPr>
+                        <m:t>𝑤𝑜𝑢𝑙𝑑</m:t>
+                      </m:r>
+                      <m:r>
+                        <a:rPr lang="en-US" sz="4400" b="0" i="1" smtClean="0">
+                          <a:solidFill>
+                            <a:schemeClr val="tx1"/>
+                          </a:solidFill>
+                          <a:latin typeface="Cambria Math" panose="02040503050406030204" pitchFamily="18" charset="0"/>
+                        </a:rPr>
+                        <m:t> </m:t>
+                      </m:r>
+                      <m:r>
+                        <a:rPr lang="en-US" sz="4400" b="0" i="1" smtClean="0">
+                          <a:solidFill>
+                            <a:schemeClr val="tx1"/>
+                          </a:solidFill>
+                          <a:latin typeface="Cambria Math" panose="02040503050406030204" pitchFamily="18" charset="0"/>
+                        </a:rPr>
+                        <m:t>𝑟𝑒𝑚𝑎𝑖𝑛</m:t>
+                      </m:r>
+                      <m:r>
+                        <a:rPr lang="en-US" sz="4400" b="0" i="1" smtClean="0">
+                          <a:solidFill>
+                            <a:schemeClr val="tx1"/>
+                          </a:solidFill>
+                          <a:latin typeface="Cambria Math" panose="02040503050406030204" pitchFamily="18" charset="0"/>
+                        </a:rPr>
+                        <m:t> </m:t>
+                      </m:r>
+                      <m:r>
+                        <a:rPr lang="en-US" sz="4400" b="0" i="1" smtClean="0">
+                          <a:solidFill>
+                            <a:schemeClr val="tx1"/>
+                          </a:solidFill>
+                          <a:latin typeface="Cambria Math" panose="02040503050406030204" pitchFamily="18" charset="0"/>
+                        </a:rPr>
+                        <m:t>𝑡h𝑒</m:t>
+                      </m:r>
+                      <m:r>
+                        <a:rPr lang="en-US" sz="4400" b="0" i="1" smtClean="0">
+                          <a:solidFill>
+                            <a:schemeClr val="tx1"/>
+                          </a:solidFill>
+                          <a:latin typeface="Cambria Math" panose="02040503050406030204" pitchFamily="18" charset="0"/>
+                        </a:rPr>
+                        <m:t> </m:t>
+                      </m:r>
+                      <m:r>
+                        <a:rPr lang="en-US" sz="4400" b="0" i="1" smtClean="0">
+                          <a:solidFill>
+                            <a:schemeClr val="tx1"/>
+                          </a:solidFill>
+                          <a:latin typeface="Cambria Math" panose="02040503050406030204" pitchFamily="18" charset="0"/>
+                        </a:rPr>
+                        <m:t>𝑠𝑎𝑚𝑒</m:t>
+                      </m:r>
+                      <m:r>
+                        <a:rPr lang="en-US" sz="4400" b="0" i="1" smtClean="0">
+                          <a:solidFill>
+                            <a:schemeClr val="tx1"/>
+                          </a:solidFill>
+                          <a:latin typeface="Cambria Math" panose="02040503050406030204" pitchFamily="18" charset="0"/>
+                        </a:rPr>
+                        <m:t> </m:t>
+                      </m:r>
+                      <m:r>
+                        <a:rPr lang="en-US" sz="4400" b="0" i="1" smtClean="0">
+                          <a:solidFill>
+                            <a:schemeClr val="tx1"/>
+                          </a:solidFill>
+                          <a:latin typeface="Cambria Math" panose="02040503050406030204" pitchFamily="18" charset="0"/>
+                        </a:rPr>
+                        <m:t>𝑡h𝑟𝑜𝑢𝑔h𝑜𝑢𝑡</m:t>
+                      </m:r>
+                      <m:r>
+                        <a:rPr lang="en-US" sz="4400" b="0" i="1" smtClean="0">
+                          <a:solidFill>
+                            <a:schemeClr val="tx1"/>
+                          </a:solidFill>
+                          <a:latin typeface="Cambria Math" panose="02040503050406030204" pitchFamily="18" charset="0"/>
+                        </a:rPr>
+                        <m:t> </m:t>
+                      </m:r>
+                    </m:oMath>
+                  </m:oMathPara>
+                </a14:m>
+                <a:endParaRPr lang="en-US" sz="4400" b="0" i="1">
+                  <a:solidFill>
+                    <a:schemeClr val="tx1"/>
+                  </a:solidFill>
+                  <a:latin typeface="Cambria Math" panose="02040503050406030204" pitchFamily="18" charset="0"/>
+                </a:endParaRPr>
+              </a:p>
+              <a:p>
+                <a:pPr/>
+                <a14:m>
+                  <m:oMathPara xmlns:m="http://schemas.openxmlformats.org/officeDocument/2006/math">
+                    <m:oMathParaPr>
+                      <m:jc m:val="centerGroup"/>
+                    </m:oMathParaPr>
+                    <m:oMath xmlns:m="http://schemas.openxmlformats.org/officeDocument/2006/math">
+                      <m:r>
+                        <a:rPr lang="en-US" sz="4400" b="0" i="1" smtClean="0">
+                          <a:solidFill>
+                            <a:schemeClr val="tx1"/>
+                          </a:solidFill>
+                          <a:latin typeface="Cambria Math" panose="02040503050406030204" pitchFamily="18" charset="0"/>
+                        </a:rPr>
+                        <m:t>𝑡h𝑒</m:t>
+                      </m:r>
+                      <m:r>
+                        <a:rPr lang="en-US" sz="4400" b="0" i="1" smtClean="0">
+                          <a:solidFill>
+                            <a:schemeClr val="tx1"/>
+                          </a:solidFill>
+                          <a:latin typeface="Cambria Math" panose="02040503050406030204" pitchFamily="18" charset="0"/>
+                        </a:rPr>
+                        <m:t> </m:t>
+                      </m:r>
+                      <m:r>
+                        <a:rPr lang="en-US" sz="4400" b="0" i="1" smtClean="0">
+                          <a:solidFill>
+                            <a:schemeClr val="tx1"/>
+                          </a:solidFill>
+                          <a:latin typeface="Cambria Math" panose="02040503050406030204" pitchFamily="18" charset="0"/>
+                        </a:rPr>
+                        <m:t>𝑠𝑢𝑚𝑚𝑎𝑡𝑖𝑜𝑛</m:t>
+                      </m:r>
+                      <m:r>
+                        <a:rPr lang="en-US" sz="4400" b="0" i="1" smtClean="0">
+                          <a:solidFill>
+                            <a:schemeClr val="tx1"/>
+                          </a:solidFill>
+                          <a:latin typeface="Cambria Math" panose="02040503050406030204" pitchFamily="18" charset="0"/>
+                        </a:rPr>
+                        <m:t> </m:t>
+                      </m:r>
+                      <m:r>
+                        <a:rPr lang="en-US" sz="4400" b="0" i="1" smtClean="0">
+                          <a:solidFill>
+                            <a:schemeClr val="tx1"/>
+                          </a:solidFill>
+                          <a:latin typeface="Cambria Math" panose="02040503050406030204" pitchFamily="18" charset="0"/>
+                        </a:rPr>
+                        <m:t>𝑜𝑓</m:t>
+                      </m:r>
+                      <m:r>
+                        <a:rPr lang="en-US" sz="4400" b="0" i="1" smtClean="0">
+                          <a:solidFill>
+                            <a:schemeClr val="tx1"/>
+                          </a:solidFill>
+                          <a:latin typeface="Cambria Math" panose="02040503050406030204" pitchFamily="18" charset="0"/>
+                        </a:rPr>
+                        <m:t> </m:t>
+                      </m:r>
+                      <m:r>
+                        <a:rPr lang="en-US" sz="4400" i="1">
+                          <a:solidFill>
+                            <a:srgbClr val="7030A0"/>
+                          </a:solidFill>
+                          <a:latin typeface="Cambria Math" panose="02040503050406030204" pitchFamily="18" charset="0"/>
+                        </a:rPr>
+                        <m:t>𝑃</m:t>
                       </m:r>
                       <m:d>
                         <m:dPr>
                           <m:ctrlPr>
-                            <a:rPr lang="en-US" sz="5400" b="0" i="1" smtClean="0">
+                            <a:rPr lang="en-US" sz="4400" i="1">
+                              <a:solidFill>
+                                <a:srgbClr val="7030A0"/>
+                              </a:solidFill>
                               <a:latin typeface="Cambria Math" panose="02040503050406030204" pitchFamily="18" charset="0"/>
                             </a:rPr>
                           </m:ctrlPr>
                         </m:dPr>
                         <m:e>
                           <m:r>
-                            <a:rPr lang="en-US" sz="5400" b="0" i="1" smtClean="0">
+                            <a:rPr lang="en-US" sz="4400" i="1">
                               <a:solidFill>
-                                <a:srgbClr val="002060"/>
+                                <a:srgbClr val="7030A0"/>
                               </a:solidFill>
                               <a:latin typeface="Cambria Math" panose="02040503050406030204" pitchFamily="18" charset="0"/>
                             </a:rPr>
+                            <m:t>𝑋</m:t>
+                          </m:r>
+                          <m:r>
+                            <a:rPr lang="en-US" sz="4400" i="1">
+                              <a:solidFill>
+                                <a:srgbClr val="7030A0"/>
+                              </a:solidFill>
+                              <a:latin typeface="Cambria Math" panose="02040503050406030204" pitchFamily="18" charset="0"/>
+                            </a:rPr>
+                            <m:t>=</m:t>
+                          </m:r>
+                          <m:r>
+                            <a:rPr lang="en-US" sz="4400" i="1">
+                              <a:solidFill>
+                                <a:srgbClr val="7030A0"/>
+                              </a:solidFill>
+                              <a:latin typeface="Cambria Math" panose="02040503050406030204" pitchFamily="18" charset="0"/>
+                            </a:rPr>
+                            <m:t>𝑥𝑖</m:t>
+                          </m:r>
+                          <m:r>
+                            <a:rPr lang="en-US" sz="4400" i="1">
+                              <a:solidFill>
+                                <a:srgbClr val="7030A0"/>
+                              </a:solidFill>
+                              <a:latin typeface="Cambria Math" panose="02040503050406030204" pitchFamily="18" charset="0"/>
+                            </a:rPr>
+                            <m:t>,</m:t>
+                          </m:r>
+                          <m:r>
+                            <a:rPr lang="en-US" sz="4400" i="1">
+                              <a:solidFill>
+                                <a:srgbClr val="7030A0"/>
+                              </a:solidFill>
+                              <a:latin typeface="Cambria Math" panose="02040503050406030204" pitchFamily="18" charset="0"/>
+                            </a:rPr>
                             <m:t>𝑌</m:t>
+                          </m:r>
+                          <m:r>
+                            <a:rPr lang="en-US" sz="4400" i="1">
+                              <a:solidFill>
+                                <a:srgbClr val="7030A0"/>
+                              </a:solidFill>
+                              <a:latin typeface="Cambria Math" panose="02040503050406030204" pitchFamily="18" charset="0"/>
+                            </a:rPr>
+                            <m:t>=</m:t>
+                          </m:r>
+                          <m:r>
+                            <a:rPr lang="en-US" sz="4400" i="1">
+                              <a:solidFill>
+                                <a:srgbClr val="7030A0"/>
+                              </a:solidFill>
+                              <a:latin typeface="Cambria Math" panose="02040503050406030204" pitchFamily="18" charset="0"/>
+                            </a:rPr>
+                            <m:t>𝑦𝑗</m:t>
                           </m:r>
                         </m:e>
                       </m:d>
                       <m:r>
-                        <a:rPr lang="en-US" sz="5400" i="1" smtClean="0">
-                          <a:latin typeface="Cambria Math" panose="02040503050406030204" pitchFamily="18" charset="0"/>
-                        </a:rPr>
-                        <m:t>=</m:t>
-                      </m:r>
-                      <m:nary>
-                        <m:naryPr>
-                          <m:chr m:val="∑"/>
-                          <m:ctrlPr>
-                            <a:rPr lang="en-US" sz="5400" i="1" smtClean="0">
-                              <a:latin typeface="Cambria Math" panose="02040503050406030204" pitchFamily="18" charset="0"/>
-                            </a:rPr>
-                          </m:ctrlPr>
-                        </m:naryPr>
-                        <m:sub>
-                          <m:r>
-                            <a:rPr lang="en-US" sz="5400" b="0" i="1" smtClean="0">
-                              <a:latin typeface="Cambria Math" panose="02040503050406030204" pitchFamily="18" charset="0"/>
-                            </a:rPr>
-                            <m:t>𝑗</m:t>
-                          </m:r>
-                          <m:r>
-                            <a:rPr lang="en-US" sz="5400" b="0" i="1" smtClean="0">
-                              <a:latin typeface="Cambria Math" panose="02040503050406030204" pitchFamily="18" charset="0"/>
-                            </a:rPr>
-                            <m:t>=1</m:t>
-                          </m:r>
-                        </m:sub>
-                        <m:sup>
-                          <m:r>
-                            <a:rPr lang="en-US" sz="5400" b="0" i="1" smtClean="0">
-                              <a:latin typeface="Cambria Math" panose="02040503050406030204" pitchFamily="18" charset="0"/>
-                            </a:rPr>
-                            <m:t>𝑛</m:t>
-                          </m:r>
-                        </m:sup>
-                        <m:e>
-                          <m:r>
-                            <a:rPr lang="en-US" sz="5400" b="0" i="1" smtClean="0">
-                              <a:solidFill>
-                                <a:srgbClr val="002060"/>
-                              </a:solidFill>
-                              <a:latin typeface="Cambria Math" panose="02040503050406030204" pitchFamily="18" charset="0"/>
-                            </a:rPr>
-                            <m:t>𝑦</m:t>
-                          </m:r>
-                          <m:r>
-                            <a:rPr lang="en-US" sz="5400" b="0" i="1" baseline="-25000" smtClean="0">
-                              <a:solidFill>
-                                <a:srgbClr val="002060"/>
-                              </a:solidFill>
-                              <a:latin typeface="Cambria Math" panose="02040503050406030204" pitchFamily="18" charset="0"/>
-                            </a:rPr>
-                            <m:t>𝑖</m:t>
-                          </m:r>
-                          <m:nary>
-                            <m:naryPr>
-                              <m:chr m:val="∑"/>
-                              <m:ctrlPr>
-                                <a:rPr lang="en-US" sz="5400" i="1">
-                                  <a:latin typeface="Cambria Math" panose="02040503050406030204" pitchFamily="18" charset="0"/>
-                                </a:rPr>
-                              </m:ctrlPr>
-                            </m:naryPr>
-                            <m:sub>
-                              <m:r>
-                                <a:rPr lang="en-US" sz="5400" i="1">
-                                  <a:latin typeface="Cambria Math" panose="02040503050406030204" pitchFamily="18" charset="0"/>
-                                </a:rPr>
-                                <m:t>𝑖</m:t>
-                              </m:r>
-                              <m:r>
-                                <a:rPr lang="en-US" sz="5400" i="1">
-                                  <a:latin typeface="Cambria Math" panose="02040503050406030204" pitchFamily="18" charset="0"/>
-                                </a:rPr>
-                                <m:t>=0</m:t>
-                              </m:r>
-                            </m:sub>
-                            <m:sup>
-                              <m:r>
-                                <a:rPr lang="en-US" sz="5400" i="1">
-                                  <a:latin typeface="Cambria Math" panose="02040503050406030204" pitchFamily="18" charset="0"/>
-                                </a:rPr>
-                                <m:t>𝑘</m:t>
-                              </m:r>
-                            </m:sup>
-                            <m:e>
-                              <m:r>
-                                <a:rPr lang="en-US" sz="5400" i="1">
-                                  <a:solidFill>
-                                    <a:srgbClr val="7030A0"/>
-                                  </a:solidFill>
-                                  <a:latin typeface="Cambria Math" panose="02040503050406030204" pitchFamily="18" charset="0"/>
-                                </a:rPr>
-                                <m:t>𝑃</m:t>
-                              </m:r>
-                            </m:e>
-                          </m:nary>
-                          <m:d>
-                            <m:dPr>
-                              <m:ctrlPr>
-                                <a:rPr lang="en-US" sz="5400" i="1" smtClean="0">
-                                  <a:solidFill>
-                                    <a:srgbClr val="7030A0"/>
-                                  </a:solidFill>
-                                  <a:latin typeface="Cambria Math" panose="02040503050406030204" pitchFamily="18" charset="0"/>
-                                </a:rPr>
-                              </m:ctrlPr>
-                            </m:dPr>
-                            <m:e>
-                              <m:r>
-                                <a:rPr lang="en-US" sz="5400" i="1">
-                                  <a:solidFill>
-                                    <a:srgbClr val="7030A0"/>
-                                  </a:solidFill>
-                                  <a:latin typeface="Cambria Math" panose="02040503050406030204" pitchFamily="18" charset="0"/>
-                                </a:rPr>
-                                <m:t>𝑌</m:t>
-                              </m:r>
-                              <m:r>
-                                <a:rPr lang="en-US" sz="5400" i="1">
-                                  <a:solidFill>
-                                    <a:srgbClr val="7030A0"/>
-                                  </a:solidFill>
-                                  <a:latin typeface="Cambria Math" panose="02040503050406030204" pitchFamily="18" charset="0"/>
-                                </a:rPr>
-                                <m:t>=</m:t>
-                              </m:r>
-                              <m:r>
-                                <a:rPr lang="en-US" sz="5400" i="1">
-                                  <a:solidFill>
-                                    <a:srgbClr val="7030A0"/>
-                                  </a:solidFill>
-                                  <a:latin typeface="Cambria Math" panose="02040503050406030204" pitchFamily="18" charset="0"/>
-                                </a:rPr>
-                                <m:t>𝑦𝑗</m:t>
-                              </m:r>
-                              <m:r>
-                                <a:rPr lang="en-US" sz="5400" i="1">
-                                  <a:solidFill>
-                                    <a:srgbClr val="7030A0"/>
-                                  </a:solidFill>
-                                  <a:latin typeface="Cambria Math" panose="02040503050406030204" pitchFamily="18" charset="0"/>
-                                </a:rPr>
-                                <m:t>,</m:t>
-                              </m:r>
-                              <m:r>
-                                <a:rPr lang="en-US" sz="5400" i="1">
-                                  <a:solidFill>
-                                    <a:srgbClr val="7030A0"/>
-                                  </a:solidFill>
-                                  <a:latin typeface="Cambria Math" panose="02040503050406030204" pitchFamily="18" charset="0"/>
-                                </a:rPr>
-                                <m:t>𝑋</m:t>
-                              </m:r>
-                              <m:r>
-                                <a:rPr lang="en-US" sz="5400" i="1">
-                                  <a:solidFill>
-                                    <a:srgbClr val="7030A0"/>
-                                  </a:solidFill>
-                                  <a:latin typeface="Cambria Math" panose="02040503050406030204" pitchFamily="18" charset="0"/>
-                                </a:rPr>
-                                <m:t>=</m:t>
-                              </m:r>
-                              <m:r>
-                                <a:rPr lang="en-US" sz="5400" i="1">
-                                  <a:solidFill>
-                                    <a:srgbClr val="7030A0"/>
-                                  </a:solidFill>
-                                  <a:latin typeface="Cambria Math" panose="02040503050406030204" pitchFamily="18" charset="0"/>
-                                </a:rPr>
-                                <m:t>𝑥𝑖</m:t>
-                              </m:r>
-                            </m:e>
-                          </m:d>
-                        </m:e>
-                      </m:nary>
+                        <a:rPr lang="en-US" sz="4400" b="0" i="1" smtClean="0">
+                          <a:latin typeface="Cambria Math" panose="02040503050406030204" pitchFamily="18" charset="0"/>
+                        </a:rPr>
+                        <m:t>)</m:t>
+                      </m:r>
                     </m:oMath>
                   </m:oMathPara>
                 </a14:m>
-                <a:endParaRPr lang="en-US" sz="4800"/>
+                <a:endParaRPr lang="en-US" sz="4000"/>
               </a:p>
             </p:txBody>
           </p:sp>
@@ -4920,10 +5024,10 @@
         <mc:Fallback>
           <p:sp>
             <p:nvSpPr>
-              <p:cNvPr id="7" name="TextBox 6">
+              <p:cNvPr id="8" name="TextBox 7">
                 <a:extLst>
                   <a:ext uri="{FF2B5EF4-FFF2-40B4-BE49-F238E27FC236}">
-                    <a16:creationId xmlns:a16="http://schemas.microsoft.com/office/drawing/2014/main" id="{2447573E-40C9-4C6A-9DC9-69560F673D80}"/>
+                    <a16:creationId xmlns:a16="http://schemas.microsoft.com/office/drawing/2014/main" id="{98535C5C-8B28-4D98-BFD6-F7335B726F2E}"/>
                   </a:ext>
                 </a:extLst>
               </p:cNvPr>
@@ -4934,8 +5038,8 @@
             </p:nvSpPr>
             <p:spPr>
               <a:xfrm>
-                <a:off x="476609" y="3566669"/>
-                <a:ext cx="10934981" cy="2447401"/>
+                <a:off x="0" y="3677860"/>
+                <a:ext cx="12192000" cy="1354217"/>
               </a:xfrm>
               <a:prstGeom prst="rect">
                 <a:avLst/>
@@ -4943,7 +5047,7 @@
               <a:blipFill>
                 <a:blip r:embed="rId3"/>
                 <a:stretch>
-                  <a:fillRect/>
+                  <a:fillRect b="-4505"/>
                 </a:stretch>
               </a:blipFill>
             </p:spPr>

--- a/ps/ps_images.pptx
+++ b/ps/ps_images.pptx
@@ -3336,10 +3336,10 @@
         <mc:Choice xmlns:a14="http://schemas.microsoft.com/office/drawing/2010/main" Requires="a14">
           <p:sp>
             <p:nvSpPr>
-              <p:cNvPr id="4" name="TextBox 3">
+              <p:cNvPr id="6" name="TextBox 5">
                 <a:extLst>
                   <a:ext uri="{FF2B5EF4-FFF2-40B4-BE49-F238E27FC236}">
-                    <a16:creationId xmlns:a16="http://schemas.microsoft.com/office/drawing/2014/main" id="{878C7F36-E094-44E7-9046-4DC15FBC7F30}"/>
+                    <a16:creationId xmlns:a16="http://schemas.microsoft.com/office/drawing/2014/main" id="{141482DF-292F-4BD1-81AF-8D9BF79D91E8}"/>
                   </a:ext>
                 </a:extLst>
               </p:cNvPr>
@@ -3348,8 +3348,8 @@
             </p:nvSpPr>
             <p:spPr>
               <a:xfrm>
-                <a:off x="215704" y="4259997"/>
-                <a:ext cx="11760591" cy="1661993"/>
+                <a:off x="0" y="317241"/>
+                <a:ext cx="11690252" cy="2447401"/>
               </a:xfrm>
               <a:prstGeom prst="rect">
                 <a:avLst/>
@@ -3378,11 +3378,63 @@
                       <m:d>
                         <m:dPr>
                           <m:ctrlPr>
-                            <a:rPr lang="en-US" sz="5400" i="1">
+                            <a:rPr lang="en-US" sz="5400" b="0" i="1" smtClean="0">
                               <a:latin typeface="Cambria Math" panose="02040503050406030204" pitchFamily="18" charset="0"/>
                             </a:rPr>
                           </m:ctrlPr>
                         </m:dPr>
+                        <m:e>
+                          <m:r>
+                            <a:rPr lang="en-US" sz="5400" b="0" i="1" smtClean="0">
+                              <a:solidFill>
+                                <a:srgbClr val="C00000"/>
+                              </a:solidFill>
+                              <a:latin typeface="Cambria Math" panose="02040503050406030204" pitchFamily="18" charset="0"/>
+                            </a:rPr>
+                            <m:t>𝑋</m:t>
+                          </m:r>
+                        </m:e>
+                      </m:d>
+                      <m:r>
+                        <a:rPr lang="en-US" sz="5400" i="1" smtClean="0">
+                          <a:latin typeface="Cambria Math" panose="02040503050406030204" pitchFamily="18" charset="0"/>
+                        </a:rPr>
+                        <m:t>=</m:t>
+                      </m:r>
+                      <m:nary>
+                        <m:naryPr>
+                          <m:chr m:val="∑"/>
+                          <m:ctrlPr>
+                            <a:rPr lang="en-US" sz="5400" i="1" smtClean="0">
+                              <a:latin typeface="Cambria Math" panose="02040503050406030204" pitchFamily="18" charset="0"/>
+                            </a:rPr>
+                          </m:ctrlPr>
+                        </m:naryPr>
+                        <m:sub>
+                          <m:r>
+                            <m:rPr>
+                              <m:brk m:alnAt="23"/>
+                            </m:rPr>
+                            <a:rPr lang="en-US" sz="5400" b="0" i="1" smtClean="0">
+                              <a:latin typeface="Cambria Math" panose="02040503050406030204" pitchFamily="18" charset="0"/>
+                            </a:rPr>
+                            <m:t>𝑖</m:t>
+                          </m:r>
+                          <m:r>
+                            <a:rPr lang="en-US" sz="5400" b="0" i="1" smtClean="0">
+                              <a:latin typeface="Cambria Math" panose="02040503050406030204" pitchFamily="18" charset="0"/>
+                            </a:rPr>
+                            <m:t>=1</m:t>
+                          </m:r>
+                        </m:sub>
+                        <m:sup>
+                          <m:r>
+                            <a:rPr lang="en-US" sz="5400" b="0" i="1" smtClean="0">
+                              <a:latin typeface="Cambria Math" panose="02040503050406030204" pitchFamily="18" charset="0"/>
+                            </a:rPr>
+                            <m:t>𝑘</m:t>
+                          </m:r>
+                        </m:sup>
                         <m:e>
                           <m:r>
                             <a:rPr lang="en-US" sz="5400" i="1">
@@ -3391,294 +3443,152 @@
                               </a:solidFill>
                               <a:latin typeface="Cambria Math" panose="02040503050406030204" pitchFamily="18" charset="0"/>
                             </a:rPr>
-                            <m:t>𝑋</m:t>
+                            <m:t>𝑥</m:t>
                           </m:r>
                           <m:r>
-                            <a:rPr lang="en-US" sz="5400" i="1">
-                              <a:latin typeface="Cambria Math" panose="02040503050406030204" pitchFamily="18" charset="0"/>
-                            </a:rPr>
-                            <m:t>+</m:t>
-                          </m:r>
-                          <m:r>
-                            <a:rPr lang="en-US" sz="5400" i="1">
-                              <a:solidFill>
-                                <a:srgbClr val="002060"/>
-                              </a:solidFill>
-                              <a:latin typeface="Cambria Math" panose="02040503050406030204" pitchFamily="18" charset="0"/>
-                            </a:rPr>
-                            <m:t>𝑌</m:t>
-                          </m:r>
-                        </m:e>
-                      </m:d>
-                      <m:r>
-                        <a:rPr lang="en-US" sz="5400" i="1" smtClean="0">
-                          <a:latin typeface="Cambria Math" panose="02040503050406030204" pitchFamily="18" charset="0"/>
-                        </a:rPr>
-                        <m:t>=</m:t>
-                      </m:r>
-                      <m:d>
-                        <m:dPr>
-                          <m:ctrlPr>
-                            <a:rPr lang="en-US" sz="5400" i="1" smtClean="0">
-                              <a:solidFill>
-                                <a:schemeClr val="tx1"/>
-                              </a:solidFill>
-                              <a:latin typeface="Cambria Math" panose="02040503050406030204" pitchFamily="18" charset="0"/>
-                            </a:rPr>
-                          </m:ctrlPr>
-                        </m:dPr>
-                        <m:e>
-                          <m:r>
-                            <a:rPr lang="en-US" sz="5400" i="1" smtClean="0">
+                            <a:rPr lang="en-US" sz="5400" i="1" baseline="-25000">
                               <a:solidFill>
                                 <a:srgbClr val="C00000"/>
                               </a:solidFill>
                               <a:latin typeface="Cambria Math" panose="02040503050406030204" pitchFamily="18" charset="0"/>
                             </a:rPr>
-                            <m:t>𝑥</m:t>
+                            <m:t>𝑖</m:t>
                           </m:r>
-                          <m:r>
-                            <a:rPr lang="en-US" sz="5400" b="0" i="1" baseline="-25000" smtClean="0">
-                              <a:solidFill>
-                                <a:srgbClr val="C00000"/>
-                              </a:solidFill>
-                              <a:latin typeface="Cambria Math" panose="02040503050406030204" pitchFamily="18" charset="0"/>
-                            </a:rPr>
-                            <m:t>1</m:t>
-                          </m:r>
-                          <m:r>
-                            <a:rPr lang="en-US" sz="5400" i="1">
-                              <a:solidFill>
-                                <a:schemeClr val="tx1"/>
-                              </a:solidFill>
-                              <a:latin typeface="Cambria Math" panose="02040503050406030204" pitchFamily="18" charset="0"/>
-                            </a:rPr>
-                            <m:t>+</m:t>
-                          </m:r>
-                          <m:r>
-                            <a:rPr lang="en-US" sz="5400" i="1" smtClean="0">
-                              <a:solidFill>
-                                <a:srgbClr val="002060"/>
-                              </a:solidFill>
-                              <a:latin typeface="Cambria Math" panose="02040503050406030204" pitchFamily="18" charset="0"/>
-                            </a:rPr>
-                            <m:t>𝑦</m:t>
-                          </m:r>
-                          <m:r>
-                            <a:rPr lang="en-US" sz="5400" b="0" i="1" baseline="-25000" smtClean="0">
-                              <a:solidFill>
-                                <a:srgbClr val="002060"/>
-                              </a:solidFill>
-                              <a:latin typeface="Cambria Math" panose="02040503050406030204" pitchFamily="18" charset="0"/>
-                            </a:rPr>
-                            <m:t>1</m:t>
-                          </m:r>
+                          <m:nary>
+                            <m:naryPr>
+                              <m:chr m:val="∑"/>
+                              <m:ctrlPr>
+                                <a:rPr lang="en-US" sz="5400" i="1">
+                                  <a:latin typeface="Cambria Math" panose="02040503050406030204" pitchFamily="18" charset="0"/>
+                                </a:rPr>
+                              </m:ctrlPr>
+                            </m:naryPr>
+                            <m:sub>
+                              <m:r>
+                                <m:rPr>
+                                  <m:brk m:alnAt="23"/>
+                                </m:rPr>
+                                <a:rPr lang="en-US" sz="5400" i="1">
+                                  <a:latin typeface="Cambria Math" panose="02040503050406030204" pitchFamily="18" charset="0"/>
+                                </a:rPr>
+                                <m:t>𝑗</m:t>
+                              </m:r>
+                              <m:r>
+                                <a:rPr lang="en-US" sz="5400" i="1">
+                                  <a:latin typeface="Cambria Math" panose="02040503050406030204" pitchFamily="18" charset="0"/>
+                                </a:rPr>
+                                <m:t>=</m:t>
+                              </m:r>
+                              <m:r>
+                                <a:rPr lang="en-US" sz="5400" b="0" i="1" smtClean="0">
+                                  <a:latin typeface="Cambria Math" panose="02040503050406030204" pitchFamily="18" charset="0"/>
+                                </a:rPr>
+                                <m:t>1</m:t>
+                              </m:r>
+                            </m:sub>
+                            <m:sup>
+                              <m:r>
+                                <a:rPr lang="en-US" sz="5400" i="1">
+                                  <a:latin typeface="Cambria Math" panose="02040503050406030204" pitchFamily="18" charset="0"/>
+                                </a:rPr>
+                                <m:t>𝑛</m:t>
+                              </m:r>
+                            </m:sup>
+                            <m:e>
+                              <m:r>
+                                <a:rPr lang="en-US" sz="5400" i="1">
+                                  <a:solidFill>
+                                    <a:srgbClr val="7030A0"/>
+                                  </a:solidFill>
+                                  <a:latin typeface="Cambria Math" panose="02040503050406030204" pitchFamily="18" charset="0"/>
+                                </a:rPr>
+                                <m:t>𝑃</m:t>
+                              </m:r>
+                              <m:d>
+                                <m:dPr>
+                                  <m:ctrlPr>
+                                    <a:rPr lang="en-US" sz="5400" i="1">
+                                      <a:solidFill>
+                                        <a:srgbClr val="7030A0"/>
+                                      </a:solidFill>
+                                      <a:latin typeface="Cambria Math" panose="02040503050406030204" pitchFamily="18" charset="0"/>
+                                    </a:rPr>
+                                  </m:ctrlPr>
+                                </m:dPr>
+                                <m:e>
+                                  <m:r>
+                                    <a:rPr lang="en-US" sz="5400" i="1">
+                                      <a:solidFill>
+                                        <a:srgbClr val="7030A0"/>
+                                      </a:solidFill>
+                                      <a:latin typeface="Cambria Math" panose="02040503050406030204" pitchFamily="18" charset="0"/>
+                                    </a:rPr>
+                                    <m:t>𝑋</m:t>
+                                  </m:r>
+                                  <m:r>
+                                    <a:rPr lang="en-US" sz="5400" i="1">
+                                      <a:solidFill>
+                                        <a:srgbClr val="7030A0"/>
+                                      </a:solidFill>
+                                      <a:latin typeface="Cambria Math" panose="02040503050406030204" pitchFamily="18" charset="0"/>
+                                    </a:rPr>
+                                    <m:t>=</m:t>
+                                  </m:r>
+                                  <m:r>
+                                    <a:rPr lang="en-US" sz="5400" i="1">
+                                      <a:solidFill>
+                                        <a:srgbClr val="7030A0"/>
+                                      </a:solidFill>
+                                      <a:latin typeface="Cambria Math" panose="02040503050406030204" pitchFamily="18" charset="0"/>
+                                    </a:rPr>
+                                    <m:t>𝑥𝑖</m:t>
+                                  </m:r>
+                                  <m:r>
+                                    <a:rPr lang="en-US" sz="5400" i="1">
+                                      <a:solidFill>
+                                        <a:srgbClr val="7030A0"/>
+                                      </a:solidFill>
+                                      <a:latin typeface="Cambria Math" panose="02040503050406030204" pitchFamily="18" charset="0"/>
+                                    </a:rPr>
+                                    <m:t>,</m:t>
+                                  </m:r>
+                                  <m:r>
+                                    <a:rPr lang="en-US" sz="5400" i="1">
+                                      <a:solidFill>
+                                        <a:srgbClr val="7030A0"/>
+                                      </a:solidFill>
+                                      <a:latin typeface="Cambria Math" panose="02040503050406030204" pitchFamily="18" charset="0"/>
+                                    </a:rPr>
+                                    <m:t>𝑌</m:t>
+                                  </m:r>
+                                  <m:r>
+                                    <a:rPr lang="en-US" sz="5400" i="1">
+                                      <a:solidFill>
+                                        <a:srgbClr val="7030A0"/>
+                                      </a:solidFill>
+                                      <a:latin typeface="Cambria Math" panose="02040503050406030204" pitchFamily="18" charset="0"/>
+                                    </a:rPr>
+                                    <m:t>=</m:t>
+                                  </m:r>
+                                  <m:r>
+                                    <a:rPr lang="en-US" sz="5400" i="1">
+                                      <a:solidFill>
+                                        <a:srgbClr val="7030A0"/>
+                                      </a:solidFill>
+                                      <a:latin typeface="Cambria Math" panose="02040503050406030204" pitchFamily="18" charset="0"/>
+                                    </a:rPr>
+                                    <m:t>𝑦𝑗</m:t>
+                                  </m:r>
+                                </m:e>
+                              </m:d>
+                            </m:e>
+                          </m:nary>
                         </m:e>
-                      </m:d>
-                      <m:r>
-                        <a:rPr lang="en-US" sz="5400" b="0" i="1" smtClean="0">
-                          <a:solidFill>
-                            <a:srgbClr val="7030A0"/>
-                          </a:solidFill>
-                          <a:latin typeface="Cambria Math" panose="02040503050406030204" pitchFamily="18" charset="0"/>
-                        </a:rPr>
-                        <m:t>𝑝</m:t>
-                      </m:r>
-                      <m:r>
-                        <a:rPr lang="en-US" sz="5400" b="0" i="1" baseline="-25000" smtClean="0">
-                          <a:solidFill>
-                            <a:srgbClr val="7030A0"/>
-                          </a:solidFill>
-                          <a:latin typeface="Cambria Math" panose="02040503050406030204" pitchFamily="18" charset="0"/>
-                        </a:rPr>
-                        <m:t>1</m:t>
-                      </m:r>
-                      <m:r>
-                        <a:rPr lang="en-US" sz="5400" b="0" i="1" smtClean="0">
-                          <a:latin typeface="Cambria Math" panose="02040503050406030204" pitchFamily="18" charset="0"/>
-                        </a:rPr>
-                        <m:t>+</m:t>
-                      </m:r>
-                      <m:d>
-                        <m:dPr>
-                          <m:ctrlPr>
-                            <a:rPr lang="en-US" sz="5400" b="0" i="1" smtClean="0">
-                              <a:solidFill>
-                                <a:schemeClr val="tx1"/>
-                              </a:solidFill>
-                              <a:latin typeface="Cambria Math" panose="02040503050406030204" pitchFamily="18" charset="0"/>
-                            </a:rPr>
-                          </m:ctrlPr>
-                        </m:dPr>
-                        <m:e>
-                          <m:r>
-                            <a:rPr lang="en-US" sz="5400" i="1" smtClean="0">
-                              <a:solidFill>
-                                <a:srgbClr val="C00000"/>
-                              </a:solidFill>
-                              <a:latin typeface="Cambria Math" panose="02040503050406030204" pitchFamily="18" charset="0"/>
-                            </a:rPr>
-                            <m:t>𝑥</m:t>
-                          </m:r>
-                          <m:r>
-                            <a:rPr lang="en-US" sz="5400" b="0" i="1" baseline="-25000" smtClean="0">
-                              <a:solidFill>
-                                <a:srgbClr val="C00000"/>
-                              </a:solidFill>
-                              <a:latin typeface="Cambria Math" panose="02040503050406030204" pitchFamily="18" charset="0"/>
-                            </a:rPr>
-                            <m:t>2</m:t>
-                          </m:r>
-                          <m:r>
-                            <a:rPr lang="en-US" sz="5400" i="1">
-                              <a:solidFill>
-                                <a:schemeClr val="tx1"/>
-                              </a:solidFill>
-                              <a:latin typeface="Cambria Math" panose="02040503050406030204" pitchFamily="18" charset="0"/>
-                            </a:rPr>
-                            <m:t>+</m:t>
-                          </m:r>
-                          <m:r>
-                            <a:rPr lang="en-US" sz="5400" i="1" smtClean="0">
-                              <a:solidFill>
-                                <a:srgbClr val="002060"/>
-                              </a:solidFill>
-                              <a:latin typeface="Cambria Math" panose="02040503050406030204" pitchFamily="18" charset="0"/>
-                            </a:rPr>
-                            <m:t>𝑦</m:t>
-                          </m:r>
-                          <m:r>
-                            <a:rPr lang="en-US" sz="5400" b="0" i="1" baseline="-25000" smtClean="0">
-                              <a:solidFill>
-                                <a:srgbClr val="002060"/>
-                              </a:solidFill>
-                              <a:latin typeface="Cambria Math" panose="02040503050406030204" pitchFamily="18" charset="0"/>
-                            </a:rPr>
-                            <m:t>2</m:t>
-                          </m:r>
-                        </m:e>
-                      </m:d>
-                      <m:r>
-                        <a:rPr lang="en-US" sz="5400" b="0" i="1" smtClean="0">
-                          <a:solidFill>
-                            <a:srgbClr val="7030A0"/>
-                          </a:solidFill>
-                          <a:latin typeface="Cambria Math" panose="02040503050406030204" pitchFamily="18" charset="0"/>
-                        </a:rPr>
-                        <m:t>𝑝</m:t>
-                      </m:r>
-                      <m:r>
-                        <a:rPr lang="en-US" sz="5400" b="0" i="1" baseline="-25000" smtClean="0">
-                          <a:solidFill>
-                            <a:srgbClr val="7030A0"/>
-                          </a:solidFill>
-                          <a:latin typeface="Cambria Math" panose="02040503050406030204" pitchFamily="18" charset="0"/>
-                        </a:rPr>
-                        <m:t>2</m:t>
-                      </m:r>
-                      <m:r>
-                        <a:rPr lang="en-US" sz="5400" b="0" i="1" smtClean="0">
-                          <a:latin typeface="Cambria Math" panose="02040503050406030204" pitchFamily="18" charset="0"/>
-                        </a:rPr>
-                        <m:t>+</m:t>
-                      </m:r>
+                      </m:nary>
                     </m:oMath>
                   </m:oMathPara>
                 </a14:m>
-                <a:endParaRPr lang="en-US" sz="5400" b="0" i="1">
-                  <a:latin typeface="Cambria Math" panose="02040503050406030204" pitchFamily="18" charset="0"/>
-                </a:endParaRPr>
-              </a:p>
-              <a:p>
-                <a:pPr/>
-                <a14:m>
-                  <m:oMathPara xmlns:m="http://schemas.openxmlformats.org/officeDocument/2006/math">
-                    <m:oMathParaPr>
-                      <m:jc m:val="centerGroup"/>
-                    </m:oMathParaPr>
-                    <m:oMath xmlns:m="http://schemas.openxmlformats.org/officeDocument/2006/math">
-                      <m:r>
-                        <a:rPr lang="en-US" sz="5400" b="0" i="1" smtClean="0">
-                          <a:latin typeface="Cambria Math" panose="02040503050406030204" pitchFamily="18" charset="0"/>
-                        </a:rPr>
-                        <m:t>…+</m:t>
-                      </m:r>
-                      <m:r>
-                        <a:rPr lang="en-US" sz="5400" i="1">
-                          <a:latin typeface="Cambria Math" panose="02040503050406030204" pitchFamily="18" charset="0"/>
-                        </a:rPr>
-                        <m:t>(</m:t>
-                      </m:r>
-                      <m:r>
-                        <a:rPr lang="en-US" sz="5400" i="1">
-                          <a:solidFill>
-                            <a:srgbClr val="C00000"/>
-                          </a:solidFill>
-                          <a:latin typeface="Cambria Math" panose="02040503050406030204" pitchFamily="18" charset="0"/>
-                        </a:rPr>
-                        <m:t>𝑥</m:t>
-                      </m:r>
-                      <m:r>
-                        <a:rPr lang="en-US" sz="5400" b="0" i="1" baseline="-25000" smtClean="0">
-                          <a:solidFill>
-                            <a:srgbClr val="C00000"/>
-                          </a:solidFill>
-                          <a:latin typeface="Cambria Math" panose="02040503050406030204" pitchFamily="18" charset="0"/>
-                        </a:rPr>
-                        <m:t>𝑘</m:t>
-                      </m:r>
-                      <m:r>
-                        <a:rPr lang="en-US" sz="5400" i="1">
-                          <a:latin typeface="Cambria Math" panose="02040503050406030204" pitchFamily="18" charset="0"/>
-                        </a:rPr>
-                        <m:t>+</m:t>
-                      </m:r>
-                      <m:r>
-                        <a:rPr lang="en-US" sz="5400" i="1">
-                          <a:solidFill>
-                            <a:srgbClr val="002060"/>
-                          </a:solidFill>
-                          <a:latin typeface="Cambria Math" panose="02040503050406030204" pitchFamily="18" charset="0"/>
-                        </a:rPr>
-                        <m:t>𝑦</m:t>
-                      </m:r>
-                      <m:r>
-                        <a:rPr lang="en-US" sz="5400" b="0" i="1" baseline="-25000" smtClean="0">
-                          <a:solidFill>
-                            <a:srgbClr val="002060"/>
-                          </a:solidFill>
-                          <a:latin typeface="Cambria Math" panose="02040503050406030204" pitchFamily="18" charset="0"/>
-                        </a:rPr>
-                        <m:t>𝑘</m:t>
-                      </m:r>
-                      <m:r>
-                        <a:rPr lang="en-US" sz="5400" i="1">
-                          <a:latin typeface="Cambria Math" panose="02040503050406030204" pitchFamily="18" charset="0"/>
-                        </a:rPr>
-                        <m:t>)</m:t>
-                      </m:r>
-                      <m:r>
-                        <a:rPr lang="en-US" sz="5400" b="0" i="1" smtClean="0">
-                          <a:solidFill>
-                            <a:srgbClr val="7030A0"/>
-                          </a:solidFill>
-                          <a:latin typeface="Cambria Math" panose="02040503050406030204" pitchFamily="18" charset="0"/>
-                        </a:rPr>
-                        <m:t>𝑝</m:t>
-                      </m:r>
-                      <m:r>
-                        <a:rPr lang="en-US" sz="5400" b="0" i="1" baseline="-25000" smtClean="0">
-                          <a:solidFill>
-                            <a:srgbClr val="7030A0"/>
-                          </a:solidFill>
-                          <a:latin typeface="Cambria Math" panose="02040503050406030204" pitchFamily="18" charset="0"/>
-                        </a:rPr>
-                        <m:t>𝑘</m:t>
-                      </m:r>
-                    </m:oMath>
-                  </m:oMathPara>
-                </a14:m>
-                <a:endParaRPr lang="en-US" sz="5400"/>
+                <a:endParaRPr lang="en-US" sz="4800"/>
               </a:p>
             </p:txBody>
           </p:sp>
@@ -3686,10 +3596,10 @@
         <mc:Fallback>
           <p:sp>
             <p:nvSpPr>
-              <p:cNvPr id="4" name="TextBox 3">
+              <p:cNvPr id="6" name="TextBox 5">
                 <a:extLst>
                   <a:ext uri="{FF2B5EF4-FFF2-40B4-BE49-F238E27FC236}">
-                    <a16:creationId xmlns:a16="http://schemas.microsoft.com/office/drawing/2014/main" id="{878C7F36-E094-44E7-9046-4DC15FBC7F30}"/>
+                    <a16:creationId xmlns:a16="http://schemas.microsoft.com/office/drawing/2014/main" id="{141482DF-292F-4BD1-81AF-8D9BF79D91E8}"/>
                   </a:ext>
                 </a:extLst>
               </p:cNvPr>
@@ -3700,14 +3610,314 @@
             </p:nvSpPr>
             <p:spPr>
               <a:xfrm>
-                <a:off x="215704" y="4259997"/>
-                <a:ext cx="11760591" cy="1661993"/>
+                <a:off x="0" y="317241"/>
+                <a:ext cx="11690252" cy="2447401"/>
               </a:xfrm>
               <a:prstGeom prst="rect">
                 <a:avLst/>
               </a:prstGeom>
               <a:blipFill>
                 <a:blip r:embed="rId2"/>
+                <a:stretch>
+                  <a:fillRect/>
+                </a:stretch>
+              </a:blipFill>
+            </p:spPr>
+            <p:txBody>
+              <a:bodyPr/>
+              <a:lstStyle/>
+              <a:p>
+                <a:r>
+                  <a:rPr lang="en-US">
+                    <a:noFill/>
+                  </a:rPr>
+                  <a:t> </a:t>
+                </a:r>
+              </a:p>
+            </p:txBody>
+          </p:sp>
+        </mc:Fallback>
+      </mc:AlternateContent>
+      <mc:AlternateContent xmlns:mc="http://schemas.openxmlformats.org/markup-compatibility/2006">
+        <mc:Choice xmlns:a14="http://schemas.microsoft.com/office/drawing/2010/main" Requires="a14">
+          <p:sp>
+            <p:nvSpPr>
+              <p:cNvPr id="7" name="TextBox 6">
+                <a:extLst>
+                  <a:ext uri="{FF2B5EF4-FFF2-40B4-BE49-F238E27FC236}">
+                    <a16:creationId xmlns:a16="http://schemas.microsoft.com/office/drawing/2014/main" id="{BB497033-674D-474D-B3FD-2FA54A1017BD}"/>
+                  </a:ext>
+                </a:extLst>
+              </p:cNvPr>
+              <p:cNvSpPr txBox="1"/>
+              <p:nvPr/>
+            </p:nvSpPr>
+            <p:spPr>
+              <a:xfrm>
+                <a:off x="0" y="3120682"/>
+                <a:ext cx="11690252" cy="2447401"/>
+              </a:xfrm>
+              <a:prstGeom prst="rect">
+                <a:avLst/>
+              </a:prstGeom>
+              <a:noFill/>
+            </p:spPr>
+            <p:txBody>
+              <a:bodyPr wrap="square" lIns="0" tIns="0" rIns="0" bIns="0" rtlCol="0">
+                <a:spAutoFit/>
+              </a:bodyPr>
+              <a:lstStyle/>
+              <a:p>
+                <a:pPr/>
+                <a14:m>
+                  <m:oMathPara xmlns:m="http://schemas.openxmlformats.org/officeDocument/2006/math">
+                    <m:oMathParaPr>
+                      <m:jc m:val="centerGroup"/>
+                    </m:oMathParaPr>
+                    <m:oMath xmlns:m="http://schemas.openxmlformats.org/officeDocument/2006/math">
+                      <m:r>
+                        <a:rPr lang="en-US" sz="5400" b="0" i="1" smtClean="0">
+                          <a:latin typeface="Cambria Math" panose="02040503050406030204" pitchFamily="18" charset="0"/>
+                        </a:rPr>
+                        <m:t>𝐸</m:t>
+                      </m:r>
+                      <m:d>
+                        <m:dPr>
+                          <m:ctrlPr>
+                            <a:rPr lang="en-US" sz="5400" b="0" i="1" smtClean="0">
+                              <a:latin typeface="Cambria Math" panose="02040503050406030204" pitchFamily="18" charset="0"/>
+                            </a:rPr>
+                          </m:ctrlPr>
+                        </m:dPr>
+                        <m:e>
+                          <m:r>
+                            <a:rPr lang="en-US" sz="5400" b="0" i="1" smtClean="0">
+                              <a:solidFill>
+                                <a:srgbClr val="002060"/>
+                              </a:solidFill>
+                              <a:latin typeface="Cambria Math" panose="02040503050406030204" pitchFamily="18" charset="0"/>
+                            </a:rPr>
+                            <m:t>𝑌</m:t>
+                          </m:r>
+                        </m:e>
+                      </m:d>
+                      <m:r>
+                        <a:rPr lang="en-US" sz="5400" i="1" smtClean="0">
+                          <a:latin typeface="Cambria Math" panose="02040503050406030204" pitchFamily="18" charset="0"/>
+                        </a:rPr>
+                        <m:t>=</m:t>
+                      </m:r>
+                      <m:nary>
+                        <m:naryPr>
+                          <m:chr m:val="∑"/>
+                          <m:ctrlPr>
+                            <a:rPr lang="en-US" sz="5400" i="1" smtClean="0">
+                              <a:latin typeface="Cambria Math" panose="02040503050406030204" pitchFamily="18" charset="0"/>
+                            </a:rPr>
+                          </m:ctrlPr>
+                        </m:naryPr>
+                        <m:sub>
+                          <m:r>
+                            <a:rPr lang="en-US" sz="5400" b="0" i="1" smtClean="0">
+                              <a:latin typeface="Cambria Math" panose="02040503050406030204" pitchFamily="18" charset="0"/>
+                            </a:rPr>
+                            <m:t>𝑗</m:t>
+                          </m:r>
+                          <m:r>
+                            <a:rPr lang="en-US" sz="5400" b="0" i="1" smtClean="0">
+                              <a:latin typeface="Cambria Math" panose="02040503050406030204" pitchFamily="18" charset="0"/>
+                            </a:rPr>
+                            <m:t>=1</m:t>
+                          </m:r>
+                        </m:sub>
+                        <m:sup>
+                          <m:r>
+                            <a:rPr lang="en-US" sz="5400" b="0" i="1" smtClean="0">
+                              <a:latin typeface="Cambria Math" panose="02040503050406030204" pitchFamily="18" charset="0"/>
+                            </a:rPr>
+                            <m:t>𝑛</m:t>
+                          </m:r>
+                        </m:sup>
+                        <m:e>
+                          <m:r>
+                            <a:rPr lang="en-US" sz="5400" b="0" i="1" smtClean="0">
+                              <a:solidFill>
+                                <a:srgbClr val="002060"/>
+                              </a:solidFill>
+                              <a:latin typeface="Cambria Math" panose="02040503050406030204" pitchFamily="18" charset="0"/>
+                            </a:rPr>
+                            <m:t>𝑦</m:t>
+                          </m:r>
+                          <m:r>
+                            <a:rPr lang="en-US" sz="5400" b="0" i="1" baseline="-25000" smtClean="0">
+                              <a:solidFill>
+                                <a:srgbClr val="002060"/>
+                              </a:solidFill>
+                              <a:latin typeface="Cambria Math" panose="02040503050406030204" pitchFamily="18" charset="0"/>
+                            </a:rPr>
+                            <m:t>𝑗</m:t>
+                          </m:r>
+                          <m:nary>
+                            <m:naryPr>
+                              <m:chr m:val="∑"/>
+                              <m:ctrlPr>
+                                <a:rPr lang="en-US" sz="5400" i="1">
+                                  <a:latin typeface="Cambria Math" panose="02040503050406030204" pitchFamily="18" charset="0"/>
+                                </a:rPr>
+                              </m:ctrlPr>
+                            </m:naryPr>
+                            <m:sub>
+                              <m:r>
+                                <a:rPr lang="en-US" sz="5400" b="0" i="1" smtClean="0">
+                                  <a:latin typeface="Cambria Math" panose="02040503050406030204" pitchFamily="18" charset="0"/>
+                                </a:rPr>
+                                <m:t>𝑖</m:t>
+                              </m:r>
+                              <m:r>
+                                <a:rPr lang="en-US" sz="5400" i="1">
+                                  <a:latin typeface="Cambria Math" panose="02040503050406030204" pitchFamily="18" charset="0"/>
+                                </a:rPr>
+                                <m:t>=</m:t>
+                              </m:r>
+                              <m:r>
+                                <a:rPr lang="en-US" sz="5400" b="0" i="1" smtClean="0">
+                                  <a:latin typeface="Cambria Math" panose="02040503050406030204" pitchFamily="18" charset="0"/>
+                                </a:rPr>
+                                <m:t>1</m:t>
+                              </m:r>
+                            </m:sub>
+                            <m:sup>
+                              <m:r>
+                                <a:rPr lang="en-US" sz="5400" b="0" i="1" smtClean="0">
+                                  <a:latin typeface="Cambria Math" panose="02040503050406030204" pitchFamily="18" charset="0"/>
+                                </a:rPr>
+                                <m:t>𝑘</m:t>
+                              </m:r>
+                            </m:sup>
+                            <m:e>
+                              <m:r>
+                                <a:rPr lang="en-US" sz="5400" i="1">
+                                  <a:solidFill>
+                                    <a:srgbClr val="7030A0"/>
+                                  </a:solidFill>
+                                  <a:latin typeface="Cambria Math" panose="02040503050406030204" pitchFamily="18" charset="0"/>
+                                </a:rPr>
+                                <m:t>𝑃</m:t>
+                              </m:r>
+                              <m:d>
+                                <m:dPr>
+                                  <m:ctrlPr>
+                                    <a:rPr lang="en-US" sz="5400" i="1">
+                                      <a:solidFill>
+                                        <a:srgbClr val="7030A0"/>
+                                      </a:solidFill>
+                                      <a:latin typeface="Cambria Math" panose="02040503050406030204" pitchFamily="18" charset="0"/>
+                                    </a:rPr>
+                                  </m:ctrlPr>
+                                </m:dPr>
+                                <m:e>
+                                  <m:r>
+                                    <a:rPr lang="en-US" sz="5400" i="1">
+                                      <a:solidFill>
+                                        <a:srgbClr val="7030A0"/>
+                                      </a:solidFill>
+                                      <a:latin typeface="Cambria Math" panose="02040503050406030204" pitchFamily="18" charset="0"/>
+                                    </a:rPr>
+                                    <m:t>𝑋</m:t>
+                                  </m:r>
+                                  <m:r>
+                                    <a:rPr lang="en-US" sz="5400" i="1">
+                                      <a:solidFill>
+                                        <a:srgbClr val="7030A0"/>
+                                      </a:solidFill>
+                                      <a:latin typeface="Cambria Math" panose="02040503050406030204" pitchFamily="18" charset="0"/>
+                                    </a:rPr>
+                                    <m:t>=</m:t>
+                                  </m:r>
+                                  <m:r>
+                                    <a:rPr lang="en-US" sz="5400" i="1">
+                                      <a:solidFill>
+                                        <a:srgbClr val="7030A0"/>
+                                      </a:solidFill>
+                                      <a:latin typeface="Cambria Math" panose="02040503050406030204" pitchFamily="18" charset="0"/>
+                                    </a:rPr>
+                                    <m:t>𝑥𝑖</m:t>
+                                  </m:r>
+                                  <m:r>
+                                    <a:rPr lang="en-US" sz="5400" i="1">
+                                      <a:solidFill>
+                                        <a:srgbClr val="7030A0"/>
+                                      </a:solidFill>
+                                      <a:latin typeface="Cambria Math" panose="02040503050406030204" pitchFamily="18" charset="0"/>
+                                    </a:rPr>
+                                    <m:t>,</m:t>
+                                  </m:r>
+                                  <m:r>
+                                    <a:rPr lang="en-US" sz="5400" i="1">
+                                      <a:solidFill>
+                                        <a:srgbClr val="7030A0"/>
+                                      </a:solidFill>
+                                      <a:latin typeface="Cambria Math" panose="02040503050406030204" pitchFamily="18" charset="0"/>
+                                    </a:rPr>
+                                    <m:t>𝑌</m:t>
+                                  </m:r>
+                                  <m:r>
+                                    <a:rPr lang="en-US" sz="5400" i="1">
+                                      <a:solidFill>
+                                        <a:srgbClr val="7030A0"/>
+                                      </a:solidFill>
+                                      <a:latin typeface="Cambria Math" panose="02040503050406030204" pitchFamily="18" charset="0"/>
+                                    </a:rPr>
+                                    <m:t>=</m:t>
+                                  </m:r>
+                                  <m:r>
+                                    <a:rPr lang="en-US" sz="5400" i="1">
+                                      <a:solidFill>
+                                        <a:srgbClr val="7030A0"/>
+                                      </a:solidFill>
+                                      <a:latin typeface="Cambria Math" panose="02040503050406030204" pitchFamily="18" charset="0"/>
+                                    </a:rPr>
+                                    <m:t>𝑦𝑗</m:t>
+                                  </m:r>
+                                </m:e>
+                              </m:d>
+                            </m:e>
+                          </m:nary>
+                        </m:e>
+                      </m:nary>
+                    </m:oMath>
+                  </m:oMathPara>
+                </a14:m>
+                <a:endParaRPr lang="en-US" sz="4800"/>
+              </a:p>
+            </p:txBody>
+          </p:sp>
+        </mc:Choice>
+        <mc:Fallback>
+          <p:sp>
+            <p:nvSpPr>
+              <p:cNvPr id="7" name="TextBox 6">
+                <a:extLst>
+                  <a:ext uri="{FF2B5EF4-FFF2-40B4-BE49-F238E27FC236}">
+                    <a16:creationId xmlns:a16="http://schemas.microsoft.com/office/drawing/2014/main" id="{BB497033-674D-474D-B3FD-2FA54A1017BD}"/>
+                  </a:ext>
+                </a:extLst>
+              </p:cNvPr>
+              <p:cNvSpPr txBox="1">
+                <a:spLocks noRot="1" noChangeAspect="1" noMove="1" noResize="1" noEditPoints="1" noAdjustHandles="1" noChangeArrowheads="1" noChangeShapeType="1" noTextEdit="1"/>
+              </p:cNvSpPr>
+              <p:nvPr/>
+            </p:nvSpPr>
+            <p:spPr>
+              <a:xfrm>
+                <a:off x="0" y="3120682"/>
+                <a:ext cx="11690252" cy="2447401"/>
+              </a:xfrm>
+              <a:prstGeom prst="rect">
+                <a:avLst/>
+              </a:prstGeom>
+              <a:blipFill>
+                <a:blip r:embed="rId3"/>
                 <a:stretch>
                   <a:fillRect/>
                 </a:stretch>
@@ -3774,7 +3984,7 @@
             </p:nvSpPr>
             <p:spPr>
               <a:xfrm>
-                <a:off x="619491" y="3429000"/>
+                <a:off x="596045" y="2669344"/>
                 <a:ext cx="9111597" cy="2092561"/>
               </a:xfrm>
               <a:prstGeom prst="rect">
@@ -3880,7 +4090,13 @@
                             <a:rPr lang="en-US" sz="4800" i="1">
                               <a:latin typeface="Cambria Math" panose="02040503050406030204" pitchFamily="18" charset="0"/>
                             </a:rPr>
-                            <m:t>=0</m:t>
+                            <m:t>=</m:t>
+                          </m:r>
+                          <m:r>
+                            <a:rPr lang="en-US" sz="4800" b="0" i="1" smtClean="0">
+                              <a:latin typeface="Cambria Math" panose="02040503050406030204" pitchFamily="18" charset="0"/>
+                            </a:rPr>
+                            <m:t>1</m:t>
                           </m:r>
                         </m:sub>
                         <m:sup>
@@ -4005,7 +4221,7 @@
             </p:nvSpPr>
             <p:spPr>
               <a:xfrm>
-                <a:off x="619491" y="3429000"/>
+                <a:off x="596045" y="2669344"/>
                 <a:ext cx="9111597" cy="2092561"/>
               </a:xfrm>
               <a:prstGeom prst="rect">
@@ -4049,7 +4265,7 @@
             </p:nvSpPr>
             <p:spPr>
               <a:xfrm>
-                <a:off x="619491" y="897237"/>
+                <a:off x="596045" y="452485"/>
                 <a:ext cx="9248878" cy="2099998"/>
               </a:xfrm>
               <a:prstGeom prst="rect">
@@ -4167,7 +4383,13 @@
                             <a:rPr lang="en-US" sz="4800" b="0" i="1" smtClean="0">
                               <a:latin typeface="Cambria Math" panose="02040503050406030204" pitchFamily="18" charset="0"/>
                             </a:rPr>
-                            <m:t>=0</m:t>
+                            <m:t>=</m:t>
+                          </m:r>
+                          <m:r>
+                            <a:rPr lang="en-US" sz="4800" b="0" i="1" smtClean="0">
+                              <a:latin typeface="Cambria Math" panose="02040503050406030204" pitchFamily="18" charset="0"/>
+                            </a:rPr>
+                            <m:t>1</m:t>
                           </m:r>
                         </m:sub>
                         <m:sup>
@@ -4310,7 +4532,7 @@
             </p:nvSpPr>
             <p:spPr>
               <a:xfrm>
-                <a:off x="619491" y="897237"/>
+                <a:off x="596045" y="452485"/>
                 <a:ext cx="9248878" cy="2099998"/>
               </a:xfrm>
               <a:prstGeom prst="rect">
@@ -4318,6 +4540,402 @@
               </a:prstGeom>
               <a:blipFill>
                 <a:blip r:embed="rId3"/>
+                <a:stretch>
+                  <a:fillRect/>
+                </a:stretch>
+              </a:blipFill>
+            </p:spPr>
+            <p:txBody>
+              <a:bodyPr/>
+              <a:lstStyle/>
+              <a:p>
+                <a:r>
+                  <a:rPr lang="en-US">
+                    <a:noFill/>
+                  </a:rPr>
+                  <a:t> </a:t>
+                </a:r>
+              </a:p>
+            </p:txBody>
+          </p:sp>
+        </mc:Fallback>
+      </mc:AlternateContent>
+      <mc:AlternateContent xmlns:mc="http://schemas.openxmlformats.org/markup-compatibility/2006">
+        <mc:Choice xmlns:a14="http://schemas.microsoft.com/office/drawing/2010/main" Requires="a14">
+          <p:sp>
+            <p:nvSpPr>
+              <p:cNvPr id="7" name="TextBox 6">
+                <a:extLst>
+                  <a:ext uri="{FF2B5EF4-FFF2-40B4-BE49-F238E27FC236}">
+                    <a16:creationId xmlns:a16="http://schemas.microsoft.com/office/drawing/2014/main" id="{3549B83E-1CE9-43B9-B2BD-789F58D8973F}"/>
+                  </a:ext>
+                </a:extLst>
+              </p:cNvPr>
+              <p:cNvSpPr txBox="1"/>
+              <p:nvPr/>
+            </p:nvSpPr>
+            <p:spPr>
+              <a:xfrm>
+                <a:off x="215704" y="4878766"/>
+                <a:ext cx="11760591" cy="1661993"/>
+              </a:xfrm>
+              <a:prstGeom prst="rect">
+                <a:avLst/>
+              </a:prstGeom>
+              <a:noFill/>
+            </p:spPr>
+            <p:txBody>
+              <a:bodyPr wrap="square" lIns="0" tIns="0" rIns="0" bIns="0" rtlCol="0">
+                <a:spAutoFit/>
+              </a:bodyPr>
+              <a:lstStyle/>
+              <a:p>
+                <a:pPr/>
+                <a14:m>
+                  <m:oMathPara xmlns:m="http://schemas.openxmlformats.org/officeDocument/2006/math">
+                    <m:oMathParaPr>
+                      <m:jc m:val="centerGroup"/>
+                    </m:oMathParaPr>
+                    <m:oMath xmlns:m="http://schemas.openxmlformats.org/officeDocument/2006/math">
+                      <m:r>
+                        <a:rPr lang="en-US" sz="5400" b="0" i="1" smtClean="0">
+                          <a:latin typeface="Cambria Math" panose="02040503050406030204" pitchFamily="18" charset="0"/>
+                        </a:rPr>
+                        <m:t>𝐸</m:t>
+                      </m:r>
+                      <m:d>
+                        <m:dPr>
+                          <m:ctrlPr>
+                            <a:rPr lang="en-US" sz="5400" i="1">
+                              <a:latin typeface="Cambria Math" panose="02040503050406030204" pitchFamily="18" charset="0"/>
+                            </a:rPr>
+                          </m:ctrlPr>
+                        </m:dPr>
+                        <m:e>
+                          <m:r>
+                            <a:rPr lang="en-US" sz="5400" i="1">
+                              <a:solidFill>
+                                <a:srgbClr val="C00000"/>
+                              </a:solidFill>
+                              <a:latin typeface="Cambria Math" panose="02040503050406030204" pitchFamily="18" charset="0"/>
+                            </a:rPr>
+                            <m:t>𝑋</m:t>
+                          </m:r>
+                          <m:r>
+                            <a:rPr lang="en-US" sz="5400" i="1">
+                              <a:latin typeface="Cambria Math" panose="02040503050406030204" pitchFamily="18" charset="0"/>
+                            </a:rPr>
+                            <m:t>+</m:t>
+                          </m:r>
+                          <m:r>
+                            <a:rPr lang="en-US" sz="5400" i="1">
+                              <a:solidFill>
+                                <a:srgbClr val="002060"/>
+                              </a:solidFill>
+                              <a:latin typeface="Cambria Math" panose="02040503050406030204" pitchFamily="18" charset="0"/>
+                            </a:rPr>
+                            <m:t>𝑌</m:t>
+                          </m:r>
+                        </m:e>
+                      </m:d>
+                      <m:r>
+                        <a:rPr lang="en-US" sz="5400" i="1" smtClean="0">
+                          <a:latin typeface="Cambria Math" panose="02040503050406030204" pitchFamily="18" charset="0"/>
+                        </a:rPr>
+                        <m:t>=</m:t>
+                      </m:r>
+                      <m:d>
+                        <m:dPr>
+                          <m:ctrlPr>
+                            <a:rPr lang="en-US" sz="5400" i="1" smtClean="0">
+                              <a:solidFill>
+                                <a:schemeClr val="tx1"/>
+                              </a:solidFill>
+                              <a:latin typeface="Cambria Math" panose="02040503050406030204" pitchFamily="18" charset="0"/>
+                            </a:rPr>
+                          </m:ctrlPr>
+                        </m:dPr>
+                        <m:e>
+                          <m:r>
+                            <a:rPr lang="en-US" sz="5400" i="1" smtClean="0">
+                              <a:solidFill>
+                                <a:srgbClr val="C00000"/>
+                              </a:solidFill>
+                              <a:latin typeface="Cambria Math" panose="02040503050406030204" pitchFamily="18" charset="0"/>
+                            </a:rPr>
+                            <m:t>𝑥</m:t>
+                          </m:r>
+                          <m:r>
+                            <a:rPr lang="en-US" sz="5400" b="0" i="1" baseline="-25000" smtClean="0">
+                              <a:solidFill>
+                                <a:srgbClr val="C00000"/>
+                              </a:solidFill>
+                              <a:latin typeface="Cambria Math" panose="02040503050406030204" pitchFamily="18" charset="0"/>
+                            </a:rPr>
+                            <m:t>1</m:t>
+                          </m:r>
+                          <m:r>
+                            <a:rPr lang="en-US" sz="5400" i="1">
+                              <a:solidFill>
+                                <a:schemeClr val="tx1"/>
+                              </a:solidFill>
+                              <a:latin typeface="Cambria Math" panose="02040503050406030204" pitchFamily="18" charset="0"/>
+                            </a:rPr>
+                            <m:t>+</m:t>
+                          </m:r>
+                          <m:r>
+                            <a:rPr lang="en-US" sz="5400" i="1" smtClean="0">
+                              <a:solidFill>
+                                <a:srgbClr val="002060"/>
+                              </a:solidFill>
+                              <a:latin typeface="Cambria Math" panose="02040503050406030204" pitchFamily="18" charset="0"/>
+                            </a:rPr>
+                            <m:t>𝑦</m:t>
+                          </m:r>
+                          <m:r>
+                            <a:rPr lang="en-US" sz="5400" b="0" i="1" baseline="-25000" smtClean="0">
+                              <a:solidFill>
+                                <a:srgbClr val="002060"/>
+                              </a:solidFill>
+                              <a:latin typeface="Cambria Math" panose="02040503050406030204" pitchFamily="18" charset="0"/>
+                            </a:rPr>
+                            <m:t>1</m:t>
+                          </m:r>
+                        </m:e>
+                      </m:d>
+                      <m:r>
+                        <a:rPr lang="en-US" sz="5400" b="0" i="1" smtClean="0">
+                          <a:solidFill>
+                            <a:srgbClr val="7030A0"/>
+                          </a:solidFill>
+                          <a:latin typeface="Cambria Math" panose="02040503050406030204" pitchFamily="18" charset="0"/>
+                        </a:rPr>
+                        <m:t>𝑝</m:t>
+                      </m:r>
+                      <m:r>
+                        <a:rPr lang="en-US" sz="5400" b="0" i="1" baseline="-25000" smtClean="0">
+                          <a:solidFill>
+                            <a:srgbClr val="7030A0"/>
+                          </a:solidFill>
+                          <a:latin typeface="Cambria Math" panose="02040503050406030204" pitchFamily="18" charset="0"/>
+                        </a:rPr>
+                        <m:t>1</m:t>
+                      </m:r>
+                      <m:r>
+                        <a:rPr lang="en-US" sz="5400" b="0" i="1" smtClean="0">
+                          <a:latin typeface="Cambria Math" panose="02040503050406030204" pitchFamily="18" charset="0"/>
+                        </a:rPr>
+                        <m:t>+</m:t>
+                      </m:r>
+                      <m:d>
+                        <m:dPr>
+                          <m:ctrlPr>
+                            <a:rPr lang="en-US" sz="5400" b="0" i="1" smtClean="0">
+                              <a:solidFill>
+                                <a:schemeClr val="tx1"/>
+                              </a:solidFill>
+                              <a:latin typeface="Cambria Math" panose="02040503050406030204" pitchFamily="18" charset="0"/>
+                            </a:rPr>
+                          </m:ctrlPr>
+                        </m:dPr>
+                        <m:e>
+                          <m:r>
+                            <a:rPr lang="en-US" sz="5400" i="1" smtClean="0">
+                              <a:solidFill>
+                                <a:srgbClr val="C00000"/>
+                              </a:solidFill>
+                              <a:latin typeface="Cambria Math" panose="02040503050406030204" pitchFamily="18" charset="0"/>
+                            </a:rPr>
+                            <m:t>𝑥</m:t>
+                          </m:r>
+                          <m:r>
+                            <a:rPr lang="en-US" sz="5400" b="0" i="1" baseline="-25000" smtClean="0">
+                              <a:solidFill>
+                                <a:srgbClr val="C00000"/>
+                              </a:solidFill>
+                              <a:latin typeface="Cambria Math" panose="02040503050406030204" pitchFamily="18" charset="0"/>
+                            </a:rPr>
+                            <m:t>2</m:t>
+                          </m:r>
+                          <m:r>
+                            <a:rPr lang="en-US" sz="5400" i="1">
+                              <a:solidFill>
+                                <a:schemeClr val="tx1"/>
+                              </a:solidFill>
+                              <a:latin typeface="Cambria Math" panose="02040503050406030204" pitchFamily="18" charset="0"/>
+                            </a:rPr>
+                            <m:t>+</m:t>
+                          </m:r>
+                          <m:r>
+                            <a:rPr lang="en-US" sz="5400" i="1" smtClean="0">
+                              <a:solidFill>
+                                <a:srgbClr val="002060"/>
+                              </a:solidFill>
+                              <a:latin typeface="Cambria Math" panose="02040503050406030204" pitchFamily="18" charset="0"/>
+                            </a:rPr>
+                            <m:t>𝑦</m:t>
+                          </m:r>
+                          <m:r>
+                            <a:rPr lang="en-US" sz="5400" b="0" i="1" baseline="-25000" smtClean="0">
+                              <a:solidFill>
+                                <a:srgbClr val="002060"/>
+                              </a:solidFill>
+                              <a:latin typeface="Cambria Math" panose="02040503050406030204" pitchFamily="18" charset="0"/>
+                            </a:rPr>
+                            <m:t>2</m:t>
+                          </m:r>
+                        </m:e>
+                      </m:d>
+                      <m:r>
+                        <a:rPr lang="en-US" sz="5400" b="0" i="1" smtClean="0">
+                          <a:solidFill>
+                            <a:srgbClr val="7030A0"/>
+                          </a:solidFill>
+                          <a:latin typeface="Cambria Math" panose="02040503050406030204" pitchFamily="18" charset="0"/>
+                        </a:rPr>
+                        <m:t>𝑝</m:t>
+                      </m:r>
+                      <m:r>
+                        <a:rPr lang="en-US" sz="5400" b="0" i="1" baseline="-25000" smtClean="0">
+                          <a:solidFill>
+                            <a:srgbClr val="7030A0"/>
+                          </a:solidFill>
+                          <a:latin typeface="Cambria Math" panose="02040503050406030204" pitchFamily="18" charset="0"/>
+                        </a:rPr>
+                        <m:t>2</m:t>
+                      </m:r>
+                      <m:r>
+                        <a:rPr lang="en-US" sz="5400" b="0" i="1" smtClean="0">
+                          <a:latin typeface="Cambria Math" panose="02040503050406030204" pitchFamily="18" charset="0"/>
+                        </a:rPr>
+                        <m:t>+</m:t>
+                      </m:r>
+                    </m:oMath>
+                  </m:oMathPara>
+                </a14:m>
+                <a:endParaRPr lang="en-US" sz="5400" b="0" i="1">
+                  <a:latin typeface="Cambria Math" panose="02040503050406030204" pitchFamily="18" charset="0"/>
+                </a:endParaRPr>
+              </a:p>
+              <a:p>
+                <a:pPr/>
+                <a14:m>
+                  <m:oMathPara xmlns:m="http://schemas.openxmlformats.org/officeDocument/2006/math">
+                    <m:oMathParaPr>
+                      <m:jc m:val="centerGroup"/>
+                    </m:oMathParaPr>
+                    <m:oMath xmlns:m="http://schemas.openxmlformats.org/officeDocument/2006/math">
+                      <m:r>
+                        <a:rPr lang="en-US" sz="5400" b="0" i="1" smtClean="0">
+                          <a:latin typeface="Cambria Math" panose="02040503050406030204" pitchFamily="18" charset="0"/>
+                        </a:rPr>
+                        <m:t>…+</m:t>
+                      </m:r>
+                      <m:r>
+                        <a:rPr lang="en-US" sz="5400" i="1">
+                          <a:latin typeface="Cambria Math" panose="02040503050406030204" pitchFamily="18" charset="0"/>
+                        </a:rPr>
+                        <m:t>(</m:t>
+                      </m:r>
+                      <m:r>
+                        <a:rPr lang="en-US" sz="5400" i="1">
+                          <a:solidFill>
+                            <a:srgbClr val="C00000"/>
+                          </a:solidFill>
+                          <a:latin typeface="Cambria Math" panose="02040503050406030204" pitchFamily="18" charset="0"/>
+                        </a:rPr>
+                        <m:t>𝑥</m:t>
+                      </m:r>
+                      <m:r>
+                        <a:rPr lang="en-US" sz="5400" b="0" i="1" baseline="-25000" smtClean="0">
+                          <a:solidFill>
+                            <a:srgbClr val="C00000"/>
+                          </a:solidFill>
+                          <a:latin typeface="Cambria Math" panose="02040503050406030204" pitchFamily="18" charset="0"/>
+                        </a:rPr>
+                        <m:t>𝑘</m:t>
+                      </m:r>
+                      <m:r>
+                        <a:rPr lang="en-US" sz="5400" i="1">
+                          <a:latin typeface="Cambria Math" panose="02040503050406030204" pitchFamily="18" charset="0"/>
+                        </a:rPr>
+                        <m:t>+</m:t>
+                      </m:r>
+                      <m:r>
+                        <a:rPr lang="en-US" sz="5400" i="1">
+                          <a:solidFill>
+                            <a:srgbClr val="002060"/>
+                          </a:solidFill>
+                          <a:latin typeface="Cambria Math" panose="02040503050406030204" pitchFamily="18" charset="0"/>
+                        </a:rPr>
+                        <m:t>𝑦</m:t>
+                      </m:r>
+                      <m:r>
+                        <a:rPr lang="en-US" sz="5400" b="0" i="1" baseline="-25000" smtClean="0">
+                          <a:solidFill>
+                            <a:srgbClr val="002060"/>
+                          </a:solidFill>
+                          <a:latin typeface="Cambria Math" panose="02040503050406030204" pitchFamily="18" charset="0"/>
+                        </a:rPr>
+                        <m:t>𝑘</m:t>
+                      </m:r>
+                      <m:r>
+                        <a:rPr lang="en-US" sz="5400" i="1">
+                          <a:latin typeface="Cambria Math" panose="02040503050406030204" pitchFamily="18" charset="0"/>
+                        </a:rPr>
+                        <m:t>)</m:t>
+                      </m:r>
+                      <m:r>
+                        <a:rPr lang="en-US" sz="5400" b="0" i="1" smtClean="0">
+                          <a:solidFill>
+                            <a:srgbClr val="7030A0"/>
+                          </a:solidFill>
+                          <a:latin typeface="Cambria Math" panose="02040503050406030204" pitchFamily="18" charset="0"/>
+                        </a:rPr>
+                        <m:t>𝑝</m:t>
+                      </m:r>
+                      <m:r>
+                        <a:rPr lang="en-US" sz="5400" b="0" i="1" baseline="-25000" smtClean="0">
+                          <a:solidFill>
+                            <a:srgbClr val="7030A0"/>
+                          </a:solidFill>
+                          <a:latin typeface="Cambria Math" panose="02040503050406030204" pitchFamily="18" charset="0"/>
+                        </a:rPr>
+                        <m:t>𝑘</m:t>
+                      </m:r>
+                    </m:oMath>
+                  </m:oMathPara>
+                </a14:m>
+                <a:endParaRPr lang="en-US" sz="5400"/>
+              </a:p>
+            </p:txBody>
+          </p:sp>
+        </mc:Choice>
+        <mc:Fallback>
+          <p:sp>
+            <p:nvSpPr>
+              <p:cNvPr id="7" name="TextBox 6">
+                <a:extLst>
+                  <a:ext uri="{FF2B5EF4-FFF2-40B4-BE49-F238E27FC236}">
+                    <a16:creationId xmlns:a16="http://schemas.microsoft.com/office/drawing/2014/main" id="{3549B83E-1CE9-43B9-B2BD-789F58D8973F}"/>
+                  </a:ext>
+                </a:extLst>
+              </p:cNvPr>
+              <p:cNvSpPr txBox="1">
+                <a:spLocks noRot="1" noChangeAspect="1" noMove="1" noResize="1" noEditPoints="1" noAdjustHandles="1" noChangeArrowheads="1" noChangeShapeType="1" noTextEdit="1"/>
+              </p:cNvSpPr>
+              <p:nvPr/>
+            </p:nvSpPr>
+            <p:spPr>
+              <a:xfrm>
+                <a:off x="215704" y="4878766"/>
+                <a:ext cx="11760591" cy="1661993"/>
+              </a:xfrm>
+              <a:prstGeom prst="rect">
+                <a:avLst/>
+              </a:prstGeom>
+              <a:blipFill>
+                <a:blip r:embed="rId4"/>
                 <a:stretch>
                   <a:fillRect/>
                 </a:stretch>
@@ -4495,7 +5113,13 @@
                                 <a:rPr lang="en-US" sz="5400" i="1">
                                   <a:latin typeface="Cambria Math" panose="02040503050406030204" pitchFamily="18" charset="0"/>
                                 </a:rPr>
-                                <m:t>=0</m:t>
+                                <m:t>=</m:t>
+                              </m:r>
+                              <m:r>
+                                <a:rPr lang="en-US" sz="5400" b="0" i="1" smtClean="0">
+                                  <a:latin typeface="Cambria Math" panose="02040503050406030204" pitchFamily="18" charset="0"/>
+                                </a:rPr>
+                                <m:t>1</m:t>
                               </m:r>
                             </m:sub>
                             <m:sup>
@@ -4681,10 +5305,10 @@
         <mc:Choice xmlns:a14="http://schemas.microsoft.com/office/drawing/2010/main" Requires="a14">
           <p:sp>
             <p:nvSpPr>
-              <p:cNvPr id="8" name="TextBox 7">
+              <p:cNvPr id="10" name="TextBox 9">
                 <a:extLst>
                   <a:ext uri="{FF2B5EF4-FFF2-40B4-BE49-F238E27FC236}">
-                    <a16:creationId xmlns:a16="http://schemas.microsoft.com/office/drawing/2014/main" id="{98535C5C-8B28-4D98-BFD6-F7335B726F2E}"/>
+                    <a16:creationId xmlns:a16="http://schemas.microsoft.com/office/drawing/2014/main" id="{6130B3A3-B29A-4097-8730-C7F3BCD7519A}"/>
                   </a:ext>
                 </a:extLst>
               </p:cNvPr>
@@ -4693,8 +5317,8 @@
             </p:nvSpPr>
             <p:spPr>
               <a:xfrm>
-                <a:off x="0" y="3677860"/>
-                <a:ext cx="12192000" cy="1354217"/>
+                <a:off x="250874" y="3180240"/>
+                <a:ext cx="11690252" cy="1477328"/>
               </a:xfrm>
               <a:prstGeom prst="rect">
                 <a:avLst/>
@@ -4715,25 +5339,25 @@
                     </m:oMathParaPr>
                     <m:oMath xmlns:m="http://schemas.openxmlformats.org/officeDocument/2006/math">
                       <m:r>
-                        <a:rPr lang="en-US" sz="4400" b="0" i="1" smtClean="0">
+                        <a:rPr lang="en-US" sz="4800" b="0" i="1" smtClean="0">
                           <a:latin typeface="Cambria Math" panose="02040503050406030204" pitchFamily="18" charset="0"/>
                         </a:rPr>
                         <m:t>(</m:t>
                       </m:r>
                       <m:r>
-                        <a:rPr lang="en-US" sz="4400" b="0" i="1" smtClean="0">
+                        <a:rPr lang="en-US" sz="4800" b="0" i="1" smtClean="0">
                           <a:latin typeface="Cambria Math" panose="02040503050406030204" pitchFamily="18" charset="0"/>
                         </a:rPr>
                         <m:t>𝑠𝑖𝑛𝑐𝑒</m:t>
                       </m:r>
                       <m:r>
-                        <a:rPr lang="en-US" sz="4400" b="0" i="1" smtClean="0">
+                        <a:rPr lang="en-US" sz="4800" b="0" i="1" smtClean="0">
                           <a:latin typeface="Cambria Math" panose="02040503050406030204" pitchFamily="18" charset="0"/>
                         </a:rPr>
                         <m:t> </m:t>
                       </m:r>
                       <m:r>
-                        <a:rPr lang="en-US" sz="4400" i="1">
+                        <a:rPr lang="en-US" sz="4800" i="1">
                           <a:solidFill>
                             <a:srgbClr val="C00000"/>
                           </a:solidFill>
@@ -4742,7 +5366,7 @@
                         <m:t>𝑥</m:t>
                       </m:r>
                       <m:r>
-                        <a:rPr lang="en-US" sz="4400" i="1" baseline="-25000">
+                        <a:rPr lang="en-US" sz="4800" i="1" baseline="-25000">
                           <a:solidFill>
                             <a:srgbClr val="C00000"/>
                           </a:solidFill>
@@ -4751,7 +5375,7 @@
                         <m:t>𝑖</m:t>
                       </m:r>
                       <m:r>
-                        <a:rPr lang="en-US" sz="4400" b="0" i="1" baseline="-25000" smtClean="0">
+                        <a:rPr lang="en-US" sz="4800" b="0" i="1" baseline="-25000" smtClean="0">
                           <a:solidFill>
                             <a:srgbClr val="C00000"/>
                           </a:solidFill>
@@ -4760,16 +5384,16 @@
                         <m:t> </m:t>
                       </m:r>
                       <m:r>
-                        <a:rPr lang="en-US" sz="4400" b="0" i="1" smtClean="0">
+                        <a:rPr lang="en-US" sz="4800" b="0" i="1" smtClean="0">
                           <a:solidFill>
                             <a:schemeClr val="tx1"/>
                           </a:solidFill>
                           <a:latin typeface="Cambria Math" panose="02040503050406030204" pitchFamily="18" charset="0"/>
                         </a:rPr>
-                        <m:t>𝑤𝑜𝑢𝑙𝑑</m:t>
-                      </m:r>
-                      <m:r>
-                        <a:rPr lang="en-US" sz="4400" b="0" i="1" smtClean="0">
+                        <m:t>𝑤𝑖𝑙𝑙</m:t>
+                      </m:r>
+                      <m:r>
+                        <a:rPr lang="en-US" sz="4800" b="0" i="1" smtClean="0">
                           <a:solidFill>
                             <a:schemeClr val="tx1"/>
                           </a:solidFill>
@@ -4778,7 +5402,7 @@
                         <m:t> </m:t>
                       </m:r>
                       <m:r>
-                        <a:rPr lang="en-US" sz="4400" b="0" i="1" smtClean="0">
+                        <a:rPr lang="en-US" sz="4800" b="0" i="1" smtClean="0">
                           <a:solidFill>
                             <a:schemeClr val="tx1"/>
                           </a:solidFill>
@@ -4787,7 +5411,7 @@
                         <m:t>𝑟𝑒𝑚𝑎𝑖𝑛</m:t>
                       </m:r>
                       <m:r>
-                        <a:rPr lang="en-US" sz="4400" b="0" i="1" smtClean="0">
+                        <a:rPr lang="en-US" sz="4800" b="0" i="1" smtClean="0">
                           <a:solidFill>
                             <a:schemeClr val="tx1"/>
                           </a:solidFill>
@@ -4796,55 +5420,37 @@
                         <m:t> </m:t>
                       </m:r>
                       <m:r>
-                        <a:rPr lang="en-US" sz="4400" b="0" i="1" smtClean="0">
-                          <a:solidFill>
-                            <a:schemeClr val="tx1"/>
-                          </a:solidFill>
+                        <a:rPr lang="en-US" sz="4800" b="0" i="1" smtClean="0">
                           <a:latin typeface="Cambria Math" panose="02040503050406030204" pitchFamily="18" charset="0"/>
                         </a:rPr>
                         <m:t>𝑡h𝑒</m:t>
                       </m:r>
                       <m:r>
-                        <a:rPr lang="en-US" sz="4400" b="0" i="1" smtClean="0">
-                          <a:solidFill>
-                            <a:schemeClr val="tx1"/>
-                          </a:solidFill>
+                        <a:rPr lang="en-US" sz="4800" b="0" i="1" smtClean="0">
                           <a:latin typeface="Cambria Math" panose="02040503050406030204" pitchFamily="18" charset="0"/>
                         </a:rPr>
                         <m:t> </m:t>
                       </m:r>
                       <m:r>
-                        <a:rPr lang="en-US" sz="4400" b="0" i="1" smtClean="0">
-                          <a:solidFill>
-                            <a:schemeClr val="tx1"/>
-                          </a:solidFill>
+                        <a:rPr lang="en-US" sz="4800" b="0" i="1" smtClean="0">
                           <a:latin typeface="Cambria Math" panose="02040503050406030204" pitchFamily="18" charset="0"/>
                         </a:rPr>
                         <m:t>𝑠𝑎𝑚𝑒</m:t>
                       </m:r>
                       <m:r>
-                        <a:rPr lang="en-US" sz="4400" b="0" i="1" smtClean="0">
-                          <a:solidFill>
-                            <a:schemeClr val="tx1"/>
-                          </a:solidFill>
+                        <a:rPr lang="en-US" sz="4800" b="0" i="1" smtClean="0">
                           <a:latin typeface="Cambria Math" panose="02040503050406030204" pitchFamily="18" charset="0"/>
                         </a:rPr>
                         <m:t> </m:t>
                       </m:r>
                       <m:r>
-                        <a:rPr lang="en-US" sz="4400" b="0" i="1" smtClean="0">
-                          <a:solidFill>
-                            <a:schemeClr val="tx1"/>
-                          </a:solidFill>
+                        <a:rPr lang="en-US" sz="4800" b="0" i="1" smtClean="0">
                           <a:latin typeface="Cambria Math" panose="02040503050406030204" pitchFamily="18" charset="0"/>
                         </a:rPr>
                         <m:t>𝑡h𝑟𝑜𝑢𝑔h𝑜𝑢𝑡</m:t>
                       </m:r>
                       <m:r>
-                        <a:rPr lang="en-US" sz="4400" b="0" i="1" smtClean="0">
-                          <a:solidFill>
-                            <a:schemeClr val="tx1"/>
-                          </a:solidFill>
+                        <a:rPr lang="en-US" sz="4800" b="0" i="1" smtClean="0">
                           <a:latin typeface="Cambria Math" panose="02040503050406030204" pitchFamily="18" charset="0"/>
                         </a:rPr>
                         <m:t> </m:t>
@@ -4852,10 +5458,7 @@
                     </m:oMath>
                   </m:oMathPara>
                 </a14:m>
-                <a:endParaRPr lang="en-US" sz="4400" b="0" i="1">
-                  <a:solidFill>
-                    <a:schemeClr val="tx1"/>
-                  </a:solidFill>
+                <a:endParaRPr lang="en-US" sz="4800" b="0" i="1">
                   <a:latin typeface="Cambria Math" panose="02040503050406030204" pitchFamily="18" charset="0"/>
                 </a:endParaRPr>
               </a:p>
@@ -4868,72 +5471,39 @@
                     </m:oMathParaPr>
                     <m:oMath xmlns:m="http://schemas.openxmlformats.org/officeDocument/2006/math">
                       <m:r>
-                        <a:rPr lang="en-US" sz="4400" b="0" i="1" smtClean="0">
-                          <a:solidFill>
-                            <a:schemeClr val="tx1"/>
-                          </a:solidFill>
+                        <a:rPr lang="en-US" sz="4800" b="0" i="1" smtClean="0">
                           <a:latin typeface="Cambria Math" panose="02040503050406030204" pitchFamily="18" charset="0"/>
                         </a:rPr>
                         <m:t>𝑡h𝑒</m:t>
                       </m:r>
                       <m:r>
-                        <a:rPr lang="en-US" sz="4400" b="0" i="1" smtClean="0">
-                          <a:solidFill>
-                            <a:schemeClr val="tx1"/>
-                          </a:solidFill>
+                        <a:rPr lang="en-US" sz="4800" b="0" i="1" smtClean="0">
                           <a:latin typeface="Cambria Math" panose="02040503050406030204" pitchFamily="18" charset="0"/>
                         </a:rPr>
                         <m:t> </m:t>
                       </m:r>
                       <m:r>
-                        <a:rPr lang="en-US" sz="4400" b="0" i="1" smtClean="0">
-                          <a:solidFill>
-                            <a:schemeClr val="tx1"/>
-                          </a:solidFill>
+                        <a:rPr lang="en-US" sz="4800" b="0" i="1" smtClean="0">
                           <a:latin typeface="Cambria Math" panose="02040503050406030204" pitchFamily="18" charset="0"/>
                         </a:rPr>
                         <m:t>𝑠𝑢𝑚𝑚𝑎𝑡𝑖𝑜𝑛</m:t>
                       </m:r>
                       <m:r>
-                        <a:rPr lang="en-US" sz="4400" b="0" i="1" smtClean="0">
-                          <a:solidFill>
-                            <a:schemeClr val="tx1"/>
-                          </a:solidFill>
+                        <a:rPr lang="en-US" sz="4800" b="0" i="1" smtClean="0">
                           <a:latin typeface="Cambria Math" panose="02040503050406030204" pitchFamily="18" charset="0"/>
                         </a:rPr>
                         <m:t> </m:t>
                       </m:r>
                       <m:r>
-                        <a:rPr lang="en-US" sz="4400" b="0" i="1" smtClean="0">
-                          <a:solidFill>
-                            <a:schemeClr val="tx1"/>
-                          </a:solidFill>
-                          <a:latin typeface="Cambria Math" panose="02040503050406030204" pitchFamily="18" charset="0"/>
-                        </a:rPr>
-                        <m:t>𝑜𝑓</m:t>
-                      </m:r>
-                      <m:r>
-                        <a:rPr lang="en-US" sz="4400" b="0" i="1" smtClean="0">
-                          <a:solidFill>
-                            <a:schemeClr val="tx1"/>
-                          </a:solidFill>
-                          <a:latin typeface="Cambria Math" panose="02040503050406030204" pitchFamily="18" charset="0"/>
-                        </a:rPr>
-                        <m:t> </m:t>
-                      </m:r>
-                      <m:r>
-                        <a:rPr lang="en-US" sz="4400" i="1">
-                          <a:solidFill>
-                            <a:srgbClr val="7030A0"/>
-                          </a:solidFill>
-                          <a:latin typeface="Cambria Math" panose="02040503050406030204" pitchFamily="18" charset="0"/>
-                        </a:rPr>
-                        <m:t>𝑃</m:t>
+                        <a:rPr lang="en-US" sz="4800" b="0" i="1" smtClean="0">
+                          <a:latin typeface="Cambria Math" panose="02040503050406030204" pitchFamily="18" charset="0"/>
+                        </a:rPr>
+                        <m:t>𝑜𝑓𝑃</m:t>
                       </m:r>
                       <m:d>
                         <m:dPr>
                           <m:ctrlPr>
-                            <a:rPr lang="en-US" sz="4400" i="1">
+                            <a:rPr lang="en-US" sz="4800" i="1">
                               <a:solidFill>
                                 <a:srgbClr val="7030A0"/>
                               </a:solidFill>
@@ -4943,7 +5513,7 @@
                         </m:dPr>
                         <m:e>
                           <m:r>
-                            <a:rPr lang="en-US" sz="4400" i="1">
+                            <a:rPr lang="en-US" sz="4800" i="1">
                               <a:solidFill>
                                 <a:srgbClr val="7030A0"/>
                               </a:solidFill>
@@ -4952,7 +5522,7 @@
                             <m:t>𝑋</m:t>
                           </m:r>
                           <m:r>
-                            <a:rPr lang="en-US" sz="4400" i="1">
+                            <a:rPr lang="en-US" sz="4800" i="1">
                               <a:solidFill>
                                 <a:srgbClr val="7030A0"/>
                               </a:solidFill>
@@ -4961,7 +5531,7 @@
                             <m:t>=</m:t>
                           </m:r>
                           <m:r>
-                            <a:rPr lang="en-US" sz="4400" i="1">
+                            <a:rPr lang="en-US" sz="4800" i="1">
                               <a:solidFill>
                                 <a:srgbClr val="7030A0"/>
                               </a:solidFill>
@@ -4970,7 +5540,7 @@
                             <m:t>𝑥𝑖</m:t>
                           </m:r>
                           <m:r>
-                            <a:rPr lang="en-US" sz="4400" i="1">
+                            <a:rPr lang="en-US" sz="4800" i="1">
                               <a:solidFill>
                                 <a:srgbClr val="7030A0"/>
                               </a:solidFill>
@@ -4979,7 +5549,7 @@
                             <m:t>,</m:t>
                           </m:r>
                           <m:r>
-                            <a:rPr lang="en-US" sz="4400" i="1">
+                            <a:rPr lang="en-US" sz="4800" i="1">
                               <a:solidFill>
                                 <a:srgbClr val="7030A0"/>
                               </a:solidFill>
@@ -4988,7 +5558,7 @@
                             <m:t>𝑌</m:t>
                           </m:r>
                           <m:r>
-                            <a:rPr lang="en-US" sz="4400" i="1">
+                            <a:rPr lang="en-US" sz="4800" i="1">
                               <a:solidFill>
                                 <a:srgbClr val="7030A0"/>
                               </a:solidFill>
@@ -4997,7 +5567,7 @@
                             <m:t>=</m:t>
                           </m:r>
                           <m:r>
-                            <a:rPr lang="en-US" sz="4400" i="1">
+                            <a:rPr lang="en-US" sz="4800" i="1">
                               <a:solidFill>
                                 <a:srgbClr val="7030A0"/>
                               </a:solidFill>
@@ -5008,7 +5578,7 @@
                         </m:e>
                       </m:d>
                       <m:r>
-                        <a:rPr lang="en-US" sz="4400" b="0" i="1" smtClean="0">
+                        <a:rPr lang="en-US" sz="4800" b="0" i="1" smtClean="0">
                           <a:latin typeface="Cambria Math" panose="02040503050406030204" pitchFamily="18" charset="0"/>
                         </a:rPr>
                         <m:t>)</m:t>
@@ -5016,7 +5586,7 @@
                     </m:oMath>
                   </m:oMathPara>
                 </a14:m>
-                <a:endParaRPr lang="en-US" sz="4000"/>
+                <a:endParaRPr lang="en-US" sz="4400"/>
               </a:p>
             </p:txBody>
           </p:sp>
@@ -5024,10 +5594,10 @@
         <mc:Fallback>
           <p:sp>
             <p:nvSpPr>
-              <p:cNvPr id="8" name="TextBox 7">
+              <p:cNvPr id="10" name="TextBox 9">
                 <a:extLst>
                   <a:ext uri="{FF2B5EF4-FFF2-40B4-BE49-F238E27FC236}">
-                    <a16:creationId xmlns:a16="http://schemas.microsoft.com/office/drawing/2014/main" id="{98535C5C-8B28-4D98-BFD6-F7335B726F2E}"/>
+                    <a16:creationId xmlns:a16="http://schemas.microsoft.com/office/drawing/2014/main" id="{6130B3A3-B29A-4097-8730-C7F3BCD7519A}"/>
                   </a:ext>
                 </a:extLst>
               </p:cNvPr>
@@ -5038,8 +5608,8 @@
             </p:nvSpPr>
             <p:spPr>
               <a:xfrm>
-                <a:off x="0" y="3677860"/>
-                <a:ext cx="12192000" cy="1354217"/>
+                <a:off x="250874" y="3180240"/>
+                <a:ext cx="11690252" cy="1477328"/>
               </a:xfrm>
               <a:prstGeom prst="rect">
                 <a:avLst/>
@@ -5047,7 +5617,7 @@
               <a:blipFill>
                 <a:blip r:embed="rId3"/>
                 <a:stretch>
-                  <a:fillRect b="-4505"/>
+                  <a:fillRect b="-4545"/>
                 </a:stretch>
               </a:blipFill>
             </p:spPr>

--- a/ps/ps_images.pptx
+++ b/ps/ps_images.pptx
@@ -5066,13 +5066,10 @@
                         </m:naryPr>
                         <m:sub>
                           <m:r>
-                            <m:rPr>
-                              <m:brk m:alnAt="23"/>
-                            </m:rPr>
                             <a:rPr lang="en-US" sz="5400" b="0" i="1" smtClean="0">
                               <a:latin typeface="Cambria Math" panose="02040503050406030204" pitchFamily="18" charset="0"/>
                             </a:rPr>
-                            <m:t>𝑖</m:t>
+                            <m:t>𝑗</m:t>
                           </m:r>
                           <m:r>
                             <a:rPr lang="en-US" sz="5400" b="0" i="1" smtClean="0">
@@ -5086,7 +5083,7 @@
                             <a:rPr lang="en-US" sz="5400" b="0" i="1" smtClean="0">
                               <a:latin typeface="Cambria Math" panose="02040503050406030204" pitchFamily="18" charset="0"/>
                             </a:rPr>
-                            <m:t>𝑘</m:t>
+                            <m:t>𝑛</m:t>
                           </m:r>
                         </m:sup>
                         <m:e>
@@ -5101,13 +5098,10 @@
                             </m:naryPr>
                             <m:sub>
                               <m:r>
-                                <m:rPr>
-                                  <m:brk m:alnAt="23"/>
-                                </m:rPr>
-                                <a:rPr lang="en-US" sz="5400" i="1">
+                                <a:rPr lang="en-US" sz="5400" b="0" i="1" smtClean="0">
                                   <a:latin typeface="Cambria Math" panose="02040503050406030204" pitchFamily="18" charset="0"/>
                                 </a:rPr>
-                                <m:t>𝑗</m:t>
+                                <m:t>𝑖</m:t>
                               </m:r>
                               <m:r>
                                 <a:rPr lang="en-US" sz="5400" i="1">
@@ -5124,30 +5118,30 @@
                             </m:sub>
                             <m:sup>
                               <m:r>
-                                <a:rPr lang="en-US" sz="5400" i="1">
+                                <a:rPr lang="en-US" sz="5400" b="0" i="1" smtClean="0">
                                   <a:latin typeface="Cambria Math" panose="02040503050406030204" pitchFamily="18" charset="0"/>
                                 </a:rPr>
-                                <m:t>𝑛</m:t>
+                                <m:t>𝑘</m:t>
                               </m:r>
                             </m:sup>
                             <m:e>
                               <m:r>
-                                <a:rPr lang="en-US" sz="5400" i="1">
+                                <a:rPr lang="en-US" sz="5400" b="0" i="1" smtClean="0">
                                   <a:solidFill>
                                     <a:srgbClr val="C00000"/>
                                   </a:solidFill>
                                   <a:latin typeface="Cambria Math" panose="02040503050406030204" pitchFamily="18" charset="0"/>
                                 </a:rPr>
-                                <m:t>𝑥</m:t>
+                                <m:t>𝑦</m:t>
                               </m:r>
                               <m:r>
-                                <a:rPr lang="en-US" sz="5400" i="1" baseline="-25000">
+                                <a:rPr lang="en-US" sz="5400" b="0" i="1" baseline="-25000" smtClean="0">
                                   <a:solidFill>
                                     <a:srgbClr val="C00000"/>
                                   </a:solidFill>
                                   <a:latin typeface="Cambria Math" panose="02040503050406030204" pitchFamily="18" charset="0"/>
                                 </a:rPr>
-                                <m:t>𝑖</m:t>
+                                <m:t>𝑗</m:t>
                               </m:r>
                               <m:r>
                                 <a:rPr lang="en-US" sz="5400" b="0" i="1" baseline="-25000" smtClean="0">
@@ -5186,6 +5180,42 @@
                                       </a:solidFill>
                                       <a:latin typeface="Cambria Math" panose="02040503050406030204" pitchFamily="18" charset="0"/>
                                     </a:rPr>
+                                    <m:t>𝑌</m:t>
+                                  </m:r>
+                                  <m:r>
+                                    <a:rPr lang="en-US" sz="5400" i="1">
+                                      <a:solidFill>
+                                        <a:srgbClr val="7030A0"/>
+                                      </a:solidFill>
+                                      <a:latin typeface="Cambria Math" panose="02040503050406030204" pitchFamily="18" charset="0"/>
+                                    </a:rPr>
+                                    <m:t>=</m:t>
+                                  </m:r>
+                                  <m:r>
+                                    <a:rPr lang="en-US" sz="5400" i="1">
+                                      <a:solidFill>
+                                        <a:srgbClr val="7030A0"/>
+                                      </a:solidFill>
+                                      <a:latin typeface="Cambria Math" panose="02040503050406030204" pitchFamily="18" charset="0"/>
+                                    </a:rPr>
+                                    <m:t>𝑦𝑗</m:t>
+                                  </m:r>
+                                  <m:r>
+                                    <a:rPr lang="en-US" sz="5400" b="0" i="1" smtClean="0">
+                                      <a:solidFill>
+                                        <a:srgbClr val="7030A0"/>
+                                      </a:solidFill>
+                                      <a:latin typeface="Cambria Math" panose="02040503050406030204" pitchFamily="18" charset="0"/>
+                                    </a:rPr>
+                                    <m:t>,</m:t>
+                                  </m:r>
+                                  <m:r>
+                                    <a:rPr lang="en-US" sz="5400" i="1">
+                                      <a:solidFill>
+                                        <a:srgbClr val="7030A0"/>
+                                      </a:solidFill>
+                                      <a:latin typeface="Cambria Math" panose="02040503050406030204" pitchFamily="18" charset="0"/>
+                                    </a:rPr>
                                     <m:t>𝑋</m:t>
                                   </m:r>
                                   <m:r>
@@ -5205,42 +5235,6 @@
                                       <a:latin typeface="Cambria Math" panose="02040503050406030204" pitchFamily="18" charset="0"/>
                                     </a:rPr>
                                     <m:t>𝑥𝑖</m:t>
-                                  </m:r>
-                                  <m:r>
-                                    <a:rPr lang="en-US" sz="5400" i="1">
-                                      <a:solidFill>
-                                        <a:srgbClr val="7030A0"/>
-                                      </a:solidFill>
-                                      <a:latin typeface="Cambria Math" panose="02040503050406030204" pitchFamily="18" charset="0"/>
-                                    </a:rPr>
-                                    <m:t>,</m:t>
-                                  </m:r>
-                                  <m:r>
-                                    <a:rPr lang="en-US" sz="5400" i="1">
-                                      <a:solidFill>
-                                        <a:srgbClr val="7030A0"/>
-                                      </a:solidFill>
-                                      <a:latin typeface="Cambria Math" panose="02040503050406030204" pitchFamily="18" charset="0"/>
-                                    </a:rPr>
-                                    <m:t>𝑌</m:t>
-                                  </m:r>
-                                  <m:r>
-                                    <a:rPr lang="en-US" sz="5400" i="1">
-                                      <a:solidFill>
-                                        <a:srgbClr val="7030A0"/>
-                                      </a:solidFill>
-                                      <a:latin typeface="Cambria Math" panose="02040503050406030204" pitchFamily="18" charset="0"/>
-                                    </a:rPr>
-                                    <m:t>=</m:t>
-                                  </m:r>
-                                  <m:r>
-                                    <a:rPr lang="en-US" sz="5400" i="1">
-                                      <a:solidFill>
-                                        <a:srgbClr val="7030A0"/>
-                                      </a:solidFill>
-                                      <a:latin typeface="Cambria Math" panose="02040503050406030204" pitchFamily="18" charset="0"/>
-                                    </a:rPr>
-                                    <m:t>𝑦𝑗</m:t>
                                   </m:r>
                                 </m:e>
                               </m:d>
@@ -5317,7 +5311,7 @@
             </p:nvSpPr>
             <p:spPr>
               <a:xfrm>
-                <a:off x="250874" y="3180240"/>
+                <a:off x="250874" y="5205987"/>
                 <a:ext cx="11690252" cy="1477328"/>
               </a:xfrm>
               <a:prstGeom prst="rect">
@@ -5390,7 +5384,7 @@
                           </a:solidFill>
                           <a:latin typeface="Cambria Math" panose="02040503050406030204" pitchFamily="18" charset="0"/>
                         </a:rPr>
-                        <m:t>𝑤𝑖𝑙𝑙</m:t>
+                        <m:t>𝑤𝑜𝑢𝑙𝑑</m:t>
                       </m:r>
                       <m:r>
                         <a:rPr lang="en-US" sz="4800" b="0" i="1" smtClean="0">
@@ -5408,7 +5402,7 @@
                           </a:solidFill>
                           <a:latin typeface="Cambria Math" panose="02040503050406030204" pitchFamily="18" charset="0"/>
                         </a:rPr>
-                        <m:t>𝑟𝑒𝑚𝑎𝑖𝑛</m:t>
+                        <m:t>𝑛𝑜𝑡</m:t>
                       </m:r>
                       <m:r>
                         <a:rPr lang="en-US" sz="4800" b="0" i="1" smtClean="0">
@@ -5421,24 +5415,18 @@
                       </m:r>
                       <m:r>
                         <a:rPr lang="en-US" sz="4800" b="0" i="1" smtClean="0">
-                          <a:latin typeface="Cambria Math" panose="02040503050406030204" pitchFamily="18" charset="0"/>
-                        </a:rPr>
-                        <m:t>𝑡h𝑒</m:t>
+                          <a:solidFill>
+                            <a:schemeClr val="tx1"/>
+                          </a:solidFill>
+                          <a:latin typeface="Cambria Math" panose="02040503050406030204" pitchFamily="18" charset="0"/>
+                        </a:rPr>
+                        <m:t>𝑐h𝑎𝑛𝑔𝑒</m:t>
                       </m:r>
                       <m:r>
                         <a:rPr lang="en-US" sz="4800" b="0" i="1" smtClean="0">
-                          <a:latin typeface="Cambria Math" panose="02040503050406030204" pitchFamily="18" charset="0"/>
-                        </a:rPr>
-                        <m:t> </m:t>
-                      </m:r>
-                      <m:r>
-                        <a:rPr lang="en-US" sz="4800" b="0" i="1" smtClean="0">
-                          <a:latin typeface="Cambria Math" panose="02040503050406030204" pitchFamily="18" charset="0"/>
-                        </a:rPr>
-                        <m:t>𝑠𝑎𝑚𝑒</m:t>
-                      </m:r>
-                      <m:r>
-                        <a:rPr lang="en-US" sz="4800" b="0" i="1" smtClean="0">
+                          <a:solidFill>
+                            <a:schemeClr val="tx1"/>
+                          </a:solidFill>
                           <a:latin typeface="Cambria Math" panose="02040503050406030204" pitchFamily="18" charset="0"/>
                         </a:rPr>
                         <m:t> </m:t>
@@ -5608,7 +5596,7 @@
             </p:nvSpPr>
             <p:spPr>
               <a:xfrm>
-                <a:off x="250874" y="3180240"/>
+                <a:off x="250874" y="5205987"/>
                 <a:ext cx="11690252" cy="1477328"/>
               </a:xfrm>
               <a:prstGeom prst="rect">

--- a/ps/ps_images.pptx
+++ b/ps/ps_images.pptx
@@ -5002,8 +5002,8 @@
             </p:nvSpPr>
             <p:spPr>
               <a:xfrm>
-                <a:off x="0" y="317241"/>
-                <a:ext cx="11690252" cy="2447401"/>
+                <a:off x="250874" y="695190"/>
+                <a:ext cx="11690252" cy="1994200"/>
               </a:xfrm>
               <a:prstGeom prst="rect">
                 <a:avLst/>
@@ -5023,56 +5023,27 @@
                       <m:jc m:val="centerGroup"/>
                     </m:oMathParaPr>
                     <m:oMath xmlns:m="http://schemas.openxmlformats.org/officeDocument/2006/math">
-                      <m:r>
-                        <a:rPr lang="en-US" sz="5400" b="0" i="1" smtClean="0">
-                          <a:latin typeface="Cambria Math" panose="02040503050406030204" pitchFamily="18" charset="0"/>
-                        </a:rPr>
-                        <m:t>𝐸</m:t>
-                      </m:r>
-                      <m:d>
-                        <m:dPr>
-                          <m:ctrlPr>
-                            <a:rPr lang="en-US" sz="5400" b="0" i="1" smtClean="0">
-                              <a:latin typeface="Cambria Math" panose="02040503050406030204" pitchFamily="18" charset="0"/>
-                            </a:rPr>
-                          </m:ctrlPr>
-                        </m:dPr>
-                        <m:e>
-                          <m:r>
-                            <a:rPr lang="en-US" sz="5400" b="0" i="1" smtClean="0">
-                              <a:solidFill>
-                                <a:srgbClr val="C00000"/>
-                              </a:solidFill>
-                              <a:latin typeface="Cambria Math" panose="02040503050406030204" pitchFamily="18" charset="0"/>
-                            </a:rPr>
-                            <m:t>𝑋</m:t>
-                          </m:r>
-                        </m:e>
-                      </m:d>
-                      <m:r>
-                        <a:rPr lang="en-US" sz="5400" i="1" smtClean="0">
-                          <a:latin typeface="Cambria Math" panose="02040503050406030204" pitchFamily="18" charset="0"/>
-                        </a:rPr>
-                        <m:t>=</m:t>
-                      </m:r>
                       <m:nary>
                         <m:naryPr>
                           <m:chr m:val="∑"/>
                           <m:ctrlPr>
-                            <a:rPr lang="en-US" sz="5400" i="1" smtClean="0">
+                            <a:rPr lang="en-US" sz="4400" i="1" smtClean="0">
                               <a:latin typeface="Cambria Math" panose="02040503050406030204" pitchFamily="18" charset="0"/>
                             </a:rPr>
                           </m:ctrlPr>
                         </m:naryPr>
                         <m:sub>
                           <m:r>
-                            <a:rPr lang="en-US" sz="5400" b="0" i="1" smtClean="0">
-                              <a:latin typeface="Cambria Math" panose="02040503050406030204" pitchFamily="18" charset="0"/>
-                            </a:rPr>
-                            <m:t>𝑗</m:t>
+                            <m:rPr>
+                              <m:brk m:alnAt="23"/>
+                            </m:rPr>
+                            <a:rPr lang="en-US" sz="4400" i="1">
+                              <a:latin typeface="Cambria Math" panose="02040503050406030204" pitchFamily="18" charset="0"/>
+                            </a:rPr>
+                            <m:t>𝑖</m:t>
                           </m:r>
                           <m:r>
-                            <a:rPr lang="en-US" sz="5400" b="0" i="1" smtClean="0">
+                            <a:rPr lang="en-US" sz="4400" i="1">
                               <a:latin typeface="Cambria Math" panose="02040503050406030204" pitchFamily="18" charset="0"/>
                             </a:rPr>
                             <m:t>=1</m:t>
@@ -5080,10 +5051,10 @@
                         </m:sub>
                         <m:sup>
                           <m:r>
-                            <a:rPr lang="en-US" sz="5400" b="0" i="1" smtClean="0">
-                              <a:latin typeface="Cambria Math" panose="02040503050406030204" pitchFamily="18" charset="0"/>
-                            </a:rPr>
-                            <m:t>𝑛</m:t>
+                            <a:rPr lang="en-US" sz="4400" i="1">
+                              <a:latin typeface="Cambria Math" panose="02040503050406030204" pitchFamily="18" charset="0"/>
+                            </a:rPr>
+                            <m:t>𝑘</m:t>
                           </m:r>
                         </m:sup>
                         <m:e>
@@ -5091,26 +5062,29 @@
                             <m:naryPr>
                               <m:chr m:val="∑"/>
                               <m:ctrlPr>
-                                <a:rPr lang="en-US" sz="5400" i="1">
+                                <a:rPr lang="en-US" sz="4400" i="1">
                                   <a:latin typeface="Cambria Math" panose="02040503050406030204" pitchFamily="18" charset="0"/>
                                 </a:rPr>
                               </m:ctrlPr>
                             </m:naryPr>
                             <m:sub>
                               <m:r>
-                                <a:rPr lang="en-US" sz="5400" b="0" i="1" smtClean="0">
+                                <m:rPr>
+                                  <m:brk m:alnAt="23"/>
+                                </m:rPr>
+                                <a:rPr lang="en-US" sz="4400" i="1">
                                   <a:latin typeface="Cambria Math" panose="02040503050406030204" pitchFamily="18" charset="0"/>
                                 </a:rPr>
-                                <m:t>𝑖</m:t>
+                                <m:t>𝑗</m:t>
                               </m:r>
                               <m:r>
-                                <a:rPr lang="en-US" sz="5400" i="1">
+                                <a:rPr lang="en-US" sz="4400" i="1">
                                   <a:latin typeface="Cambria Math" panose="02040503050406030204" pitchFamily="18" charset="0"/>
                                 </a:rPr>
                                 <m:t>=</m:t>
                               </m:r>
                               <m:r>
-                                <a:rPr lang="en-US" sz="5400" b="0" i="1" smtClean="0">
+                                <a:rPr lang="en-US" sz="4400" i="1">
                                   <a:latin typeface="Cambria Math" panose="02040503050406030204" pitchFamily="18" charset="0"/>
                                 </a:rPr>
                                 <m:t>1</m:t>
@@ -5118,42 +5092,33 @@
                             </m:sub>
                             <m:sup>
                               <m:r>
-                                <a:rPr lang="en-US" sz="5400" b="0" i="1" smtClean="0">
+                                <a:rPr lang="en-US" sz="4400" i="1">
                                   <a:latin typeface="Cambria Math" panose="02040503050406030204" pitchFamily="18" charset="0"/>
                                 </a:rPr>
-                                <m:t>𝑘</m:t>
+                                <m:t>𝑛</m:t>
                               </m:r>
                             </m:sup>
                             <m:e>
                               <m:r>
-                                <a:rPr lang="en-US" sz="5400" b="0" i="1" smtClean="0">
+                                <a:rPr lang="en-US" sz="4400" i="1">
                                   <a:solidFill>
                                     <a:srgbClr val="C00000"/>
                                   </a:solidFill>
                                   <a:latin typeface="Cambria Math" panose="02040503050406030204" pitchFamily="18" charset="0"/>
                                 </a:rPr>
-                                <m:t>𝑦</m:t>
+                                <m:t>𝑥</m:t>
                               </m:r>
                               <m:r>
-                                <a:rPr lang="en-US" sz="5400" b="0" i="1" baseline="-25000" smtClean="0">
+                                <a:rPr lang="en-US" sz="4400" i="1" baseline="-25000">
                                   <a:solidFill>
                                     <a:srgbClr val="C00000"/>
                                   </a:solidFill>
                                   <a:latin typeface="Cambria Math" panose="02040503050406030204" pitchFamily="18" charset="0"/>
                                 </a:rPr>
-                                <m:t>𝑗</m:t>
+                                <m:t>𝑖</m:t>
                               </m:r>
                               <m:r>
-                                <a:rPr lang="en-US" sz="5400" b="0" i="1" baseline="-25000" smtClean="0">
-                                  <a:solidFill>
-                                    <a:srgbClr val="C00000"/>
-                                  </a:solidFill>
-                                  <a:latin typeface="Cambria Math" panose="02040503050406030204" pitchFamily="18" charset="0"/>
-                                </a:rPr>
-                                <m:t> </m:t>
-                              </m:r>
-                              <m:r>
-                                <a:rPr lang="en-US" sz="5400" i="1">
+                                <a:rPr lang="en-US" sz="4400" i="1">
                                   <a:solidFill>
                                     <a:srgbClr val="7030A0"/>
                                   </a:solidFill>
@@ -5164,7 +5129,7 @@
                               <m:d>
                                 <m:dPr>
                                   <m:ctrlPr>
-                                    <a:rPr lang="en-US" sz="5400" i="1">
+                                    <a:rPr lang="en-US" sz="4400" i="1">
                                       <a:solidFill>
                                         <a:srgbClr val="7030A0"/>
                                       </a:solidFill>
@@ -5174,7 +5139,43 @@
                                 </m:dPr>
                                 <m:e>
                                   <m:r>
-                                    <a:rPr lang="en-US" sz="5400" i="1">
+                                    <a:rPr lang="en-US" sz="4400" i="1">
+                                      <a:solidFill>
+                                        <a:srgbClr val="7030A0"/>
+                                      </a:solidFill>
+                                      <a:latin typeface="Cambria Math" panose="02040503050406030204" pitchFamily="18" charset="0"/>
+                                    </a:rPr>
+                                    <m:t>𝑋</m:t>
+                                  </m:r>
+                                  <m:r>
+                                    <a:rPr lang="en-US" sz="4400" i="1">
+                                      <a:solidFill>
+                                        <a:srgbClr val="7030A0"/>
+                                      </a:solidFill>
+                                      <a:latin typeface="Cambria Math" panose="02040503050406030204" pitchFamily="18" charset="0"/>
+                                    </a:rPr>
+                                    <m:t>=</m:t>
+                                  </m:r>
+                                  <m:r>
+                                    <a:rPr lang="en-US" sz="4400" i="1">
+                                      <a:solidFill>
+                                        <a:srgbClr val="7030A0"/>
+                                      </a:solidFill>
+                                      <a:latin typeface="Cambria Math" panose="02040503050406030204" pitchFamily="18" charset="0"/>
+                                    </a:rPr>
+                                    <m:t>𝑥𝑖</m:t>
+                                  </m:r>
+                                  <m:r>
+                                    <a:rPr lang="en-US" sz="4400" i="1">
+                                      <a:solidFill>
+                                        <a:srgbClr val="7030A0"/>
+                                      </a:solidFill>
+                                      <a:latin typeface="Cambria Math" panose="02040503050406030204" pitchFamily="18" charset="0"/>
+                                    </a:rPr>
+                                    <m:t>,</m:t>
+                                  </m:r>
+                                  <m:r>
+                                    <a:rPr lang="en-US" sz="4400" i="1">
                                       <a:solidFill>
                                         <a:srgbClr val="7030A0"/>
                                       </a:solidFill>
@@ -5183,7 +5184,7 @@
                                     <m:t>𝑌</m:t>
                                   </m:r>
                                   <m:r>
-                                    <a:rPr lang="en-US" sz="5400" i="1">
+                                    <a:rPr lang="en-US" sz="4400" i="1">
                                       <a:solidFill>
                                         <a:srgbClr val="7030A0"/>
                                       </a:solidFill>
@@ -5192,7 +5193,7 @@
                                     <m:t>=</m:t>
                                   </m:r>
                                   <m:r>
-                                    <a:rPr lang="en-US" sz="5400" i="1">
+                                    <a:rPr lang="en-US" sz="4400" i="1">
                                       <a:solidFill>
                                         <a:srgbClr val="7030A0"/>
                                       </a:solidFill>
@@ -5200,52 +5201,135 @@
                                     </a:rPr>
                                     <m:t>𝑦𝑗</m:t>
                                   </m:r>
-                                  <m:r>
-                                    <a:rPr lang="en-US" sz="5400" b="0" i="1" smtClean="0">
-                                      <a:solidFill>
-                                        <a:srgbClr val="7030A0"/>
-                                      </a:solidFill>
-                                      <a:latin typeface="Cambria Math" panose="02040503050406030204" pitchFamily="18" charset="0"/>
-                                    </a:rPr>
-                                    <m:t>,</m:t>
-                                  </m:r>
-                                  <m:r>
-                                    <a:rPr lang="en-US" sz="5400" i="1">
-                                      <a:solidFill>
-                                        <a:srgbClr val="7030A0"/>
-                                      </a:solidFill>
-                                      <a:latin typeface="Cambria Math" panose="02040503050406030204" pitchFamily="18" charset="0"/>
-                                    </a:rPr>
-                                    <m:t>𝑋</m:t>
-                                  </m:r>
-                                  <m:r>
-                                    <a:rPr lang="en-US" sz="5400" i="1">
-                                      <a:solidFill>
-                                        <a:srgbClr val="7030A0"/>
-                                      </a:solidFill>
-                                      <a:latin typeface="Cambria Math" panose="02040503050406030204" pitchFamily="18" charset="0"/>
-                                    </a:rPr>
-                                    <m:t>=</m:t>
-                                  </m:r>
-                                  <m:r>
-                                    <a:rPr lang="en-US" sz="5400" i="1">
-                                      <a:solidFill>
-                                        <a:srgbClr val="7030A0"/>
-                                      </a:solidFill>
-                                      <a:latin typeface="Cambria Math" panose="02040503050406030204" pitchFamily="18" charset="0"/>
-                                    </a:rPr>
-                                    <m:t>𝑥𝑖</m:t>
-                                  </m:r>
                                 </m:e>
                               </m:d>
                             </m:e>
                           </m:nary>
                         </m:e>
                       </m:nary>
+                      <m:r>
+                        <a:rPr lang="en-US" sz="4400" b="0" i="1" smtClean="0">
+                          <a:latin typeface="Cambria Math" panose="02040503050406030204" pitchFamily="18" charset="0"/>
+                        </a:rPr>
+                        <m:t>+</m:t>
+                      </m:r>
+                      <m:r>
+                        <a:rPr lang="en-US" sz="4400" i="1">
+                          <a:solidFill>
+                            <a:srgbClr val="002060"/>
+                          </a:solidFill>
+                          <a:latin typeface="Cambria Math" panose="02040503050406030204" pitchFamily="18" charset="0"/>
+                        </a:rPr>
+                        <m:t>𝑦</m:t>
+                      </m:r>
+                      <m:r>
+                        <a:rPr lang="en-US" sz="4400" i="1" baseline="-25000">
+                          <a:solidFill>
+                            <a:srgbClr val="002060"/>
+                          </a:solidFill>
+                          <a:latin typeface="Cambria Math" panose="02040503050406030204" pitchFamily="18" charset="0"/>
+                        </a:rPr>
+                        <m:t>𝑗</m:t>
+                      </m:r>
+                      <m:r>
+                        <a:rPr lang="en-US" sz="4400" i="1" baseline="-25000">
+                          <a:solidFill>
+                            <a:srgbClr val="C00000"/>
+                          </a:solidFill>
+                          <a:latin typeface="Cambria Math" panose="02040503050406030204" pitchFamily="18" charset="0"/>
+                        </a:rPr>
+                        <m:t> </m:t>
+                      </m:r>
+                      <m:r>
+                        <a:rPr lang="en-US" sz="4400" i="1">
+                          <a:solidFill>
+                            <a:srgbClr val="7030A0"/>
+                          </a:solidFill>
+                          <a:latin typeface="Cambria Math" panose="02040503050406030204" pitchFamily="18" charset="0"/>
+                        </a:rPr>
+                        <m:t>𝑃</m:t>
+                      </m:r>
+                      <m:d>
+                        <m:dPr>
+                          <m:ctrlPr>
+                            <a:rPr lang="en-US" sz="4400" i="1">
+                              <a:solidFill>
+                                <a:srgbClr val="7030A0"/>
+                              </a:solidFill>
+                              <a:latin typeface="Cambria Math" panose="02040503050406030204" pitchFamily="18" charset="0"/>
+                            </a:rPr>
+                          </m:ctrlPr>
+                        </m:dPr>
+                        <m:e>
+                          <m:r>
+                            <a:rPr lang="en-US" sz="4400" i="1">
+                              <a:solidFill>
+                                <a:srgbClr val="7030A0"/>
+                              </a:solidFill>
+                              <a:latin typeface="Cambria Math" panose="02040503050406030204" pitchFamily="18" charset="0"/>
+                            </a:rPr>
+                            <m:t>𝑌</m:t>
+                          </m:r>
+                          <m:r>
+                            <a:rPr lang="en-US" sz="4400" i="1">
+                              <a:solidFill>
+                                <a:srgbClr val="7030A0"/>
+                              </a:solidFill>
+                              <a:latin typeface="Cambria Math" panose="02040503050406030204" pitchFamily="18" charset="0"/>
+                            </a:rPr>
+                            <m:t>=</m:t>
+                          </m:r>
+                          <m:r>
+                            <a:rPr lang="en-US" sz="4400" i="1">
+                              <a:solidFill>
+                                <a:srgbClr val="7030A0"/>
+                              </a:solidFill>
+                              <a:latin typeface="Cambria Math" panose="02040503050406030204" pitchFamily="18" charset="0"/>
+                            </a:rPr>
+                            <m:t>𝑦𝑗</m:t>
+                          </m:r>
+                          <m:r>
+                            <a:rPr lang="en-US" sz="4400" i="1">
+                              <a:solidFill>
+                                <a:srgbClr val="7030A0"/>
+                              </a:solidFill>
+                              <a:latin typeface="Cambria Math" panose="02040503050406030204" pitchFamily="18" charset="0"/>
+                            </a:rPr>
+                            <m:t>,</m:t>
+                          </m:r>
+                          <m:r>
+                            <a:rPr lang="en-US" sz="4400" i="1">
+                              <a:solidFill>
+                                <a:srgbClr val="7030A0"/>
+                              </a:solidFill>
+                              <a:latin typeface="Cambria Math" panose="02040503050406030204" pitchFamily="18" charset="0"/>
+                            </a:rPr>
+                            <m:t>𝑋</m:t>
+                          </m:r>
+                          <m:r>
+                            <a:rPr lang="en-US" sz="4400" i="1">
+                              <a:solidFill>
+                                <a:srgbClr val="7030A0"/>
+                              </a:solidFill>
+                              <a:latin typeface="Cambria Math" panose="02040503050406030204" pitchFamily="18" charset="0"/>
+                            </a:rPr>
+                            <m:t>=</m:t>
+                          </m:r>
+                          <m:r>
+                            <a:rPr lang="en-US" sz="4400" i="1">
+                              <a:solidFill>
+                                <a:srgbClr val="7030A0"/>
+                              </a:solidFill>
+                              <a:latin typeface="Cambria Math" panose="02040503050406030204" pitchFamily="18" charset="0"/>
+                            </a:rPr>
+                            <m:t>𝑥𝑖</m:t>
+                          </m:r>
+                        </m:e>
+                      </m:d>
                     </m:oMath>
                   </m:oMathPara>
                 </a14:m>
-                <a:endParaRPr lang="en-US" sz="4800"/>
+                <a:endParaRPr lang="en-US" sz="4000"/>
               </a:p>
             </p:txBody>
           </p:sp>
@@ -5267,8 +5351,8 @@
             </p:nvSpPr>
             <p:spPr>
               <a:xfrm>
-                <a:off x="0" y="317241"/>
-                <a:ext cx="11690252" cy="2447401"/>
+                <a:off x="250874" y="695190"/>
+                <a:ext cx="11690252" cy="1994200"/>
               </a:xfrm>
               <a:prstGeom prst="rect">
                 <a:avLst/>
@@ -5311,8 +5395,8 @@
             </p:nvSpPr>
             <p:spPr>
               <a:xfrm>
-                <a:off x="250874" y="5205987"/>
-                <a:ext cx="11690252" cy="1477328"/>
+                <a:off x="250874" y="5318528"/>
+                <a:ext cx="11690252" cy="1231106"/>
               </a:xfrm>
               <a:prstGeom prst="rect">
                 <a:avLst/>
@@ -5333,25 +5417,25 @@
                     </m:oMathParaPr>
                     <m:oMath xmlns:m="http://schemas.openxmlformats.org/officeDocument/2006/math">
                       <m:r>
-                        <a:rPr lang="en-US" sz="4800" b="0" i="1" smtClean="0">
+                        <a:rPr lang="en-US" sz="4000" b="0" i="1" smtClean="0">
                           <a:latin typeface="Cambria Math" panose="02040503050406030204" pitchFamily="18" charset="0"/>
                         </a:rPr>
                         <m:t>(</m:t>
                       </m:r>
                       <m:r>
-                        <a:rPr lang="en-US" sz="4800" b="0" i="1" smtClean="0">
+                        <a:rPr lang="en-US" sz="4000" b="0" i="1" smtClean="0">
                           <a:latin typeface="Cambria Math" panose="02040503050406030204" pitchFamily="18" charset="0"/>
                         </a:rPr>
                         <m:t>𝑠𝑖𝑛𝑐𝑒</m:t>
                       </m:r>
                       <m:r>
-                        <a:rPr lang="en-US" sz="4800" b="0" i="1" smtClean="0">
+                        <a:rPr lang="en-US" sz="4000" b="0" i="1" smtClean="0">
                           <a:latin typeface="Cambria Math" panose="02040503050406030204" pitchFamily="18" charset="0"/>
                         </a:rPr>
                         <m:t> </m:t>
                       </m:r>
                       <m:r>
-                        <a:rPr lang="en-US" sz="4800" i="1">
+                        <a:rPr lang="en-US" sz="4000" i="1">
                           <a:solidFill>
                             <a:srgbClr val="C00000"/>
                           </a:solidFill>
@@ -5360,7 +5444,7 @@
                         <m:t>𝑥</m:t>
                       </m:r>
                       <m:r>
-                        <a:rPr lang="en-US" sz="4800" i="1" baseline="-25000">
+                        <a:rPr lang="en-US" sz="4000" i="1" baseline="-25000">
                           <a:solidFill>
                             <a:srgbClr val="C00000"/>
                           </a:solidFill>
@@ -5369,7 +5453,7 @@
                         <m:t>𝑖</m:t>
                       </m:r>
                       <m:r>
-                        <a:rPr lang="en-US" sz="4800" b="0" i="1" baseline="-25000" smtClean="0">
+                        <a:rPr lang="en-US" sz="4000" b="0" i="1" baseline="-25000" smtClean="0">
                           <a:solidFill>
                             <a:srgbClr val="C00000"/>
                           </a:solidFill>
@@ -5378,7 +5462,7 @@
                         <m:t> </m:t>
                       </m:r>
                       <m:r>
-                        <a:rPr lang="en-US" sz="4800" b="0" i="1" smtClean="0">
+                        <a:rPr lang="en-US" sz="4000" b="0" i="1" smtClean="0">
                           <a:solidFill>
                             <a:schemeClr val="tx1"/>
                           </a:solidFill>
@@ -5387,7 +5471,7 @@
                         <m:t>𝑤𝑜𝑢𝑙𝑑</m:t>
                       </m:r>
                       <m:r>
-                        <a:rPr lang="en-US" sz="4800" b="0" i="1" smtClean="0">
+                        <a:rPr lang="en-US" sz="4000" b="0" i="1" smtClean="0">
                           <a:solidFill>
                             <a:schemeClr val="tx1"/>
                           </a:solidFill>
@@ -5396,7 +5480,7 @@
                         <m:t> </m:t>
                       </m:r>
                       <m:r>
-                        <a:rPr lang="en-US" sz="4800" b="0" i="1" smtClean="0">
+                        <a:rPr lang="en-US" sz="4000" b="0" i="1" smtClean="0">
                           <a:solidFill>
                             <a:schemeClr val="tx1"/>
                           </a:solidFill>
@@ -5405,7 +5489,7 @@
                         <m:t>𝑛𝑜𝑡</m:t>
                       </m:r>
                       <m:r>
-                        <a:rPr lang="en-US" sz="4800" b="0" i="1" smtClean="0">
+                        <a:rPr lang="en-US" sz="4000" b="0" i="1" smtClean="0">
                           <a:solidFill>
                             <a:schemeClr val="tx1"/>
                           </a:solidFill>
@@ -5414,7 +5498,7 @@
                         <m:t> </m:t>
                       </m:r>
                       <m:r>
-                        <a:rPr lang="en-US" sz="4800" b="0" i="1" smtClean="0">
+                        <a:rPr lang="en-US" sz="4000" b="0" i="1" smtClean="0">
                           <a:solidFill>
                             <a:schemeClr val="tx1"/>
                           </a:solidFill>
@@ -5423,7 +5507,7 @@
                         <m:t>𝑐h𝑎𝑛𝑔𝑒</m:t>
                       </m:r>
                       <m:r>
-                        <a:rPr lang="en-US" sz="4800" b="0" i="1" smtClean="0">
+                        <a:rPr lang="en-US" sz="4000" b="0" i="1" smtClean="0">
                           <a:solidFill>
                             <a:schemeClr val="tx1"/>
                           </a:solidFill>
@@ -5432,13 +5516,13 @@
                         <m:t> </m:t>
                       </m:r>
                       <m:r>
-                        <a:rPr lang="en-US" sz="4800" b="0" i="1" smtClean="0">
+                        <a:rPr lang="en-US" sz="4000" b="0" i="1" smtClean="0">
                           <a:latin typeface="Cambria Math" panose="02040503050406030204" pitchFamily="18" charset="0"/>
                         </a:rPr>
                         <m:t>𝑡h𝑟𝑜𝑢𝑔h𝑜𝑢𝑡</m:t>
                       </m:r>
                       <m:r>
-                        <a:rPr lang="en-US" sz="4800" b="0" i="1" smtClean="0">
+                        <a:rPr lang="en-US" sz="4000" b="0" i="1" smtClean="0">
                           <a:latin typeface="Cambria Math" panose="02040503050406030204" pitchFamily="18" charset="0"/>
                         </a:rPr>
                         <m:t> </m:t>
@@ -5446,7 +5530,7 @@
                     </m:oMath>
                   </m:oMathPara>
                 </a14:m>
-                <a:endParaRPr lang="en-US" sz="4800" b="0" i="1">
+                <a:endParaRPr lang="en-US" sz="4000" b="0" i="1">
                   <a:latin typeface="Cambria Math" panose="02040503050406030204" pitchFamily="18" charset="0"/>
                 </a:endParaRPr>
               </a:p>
@@ -5459,31 +5543,31 @@
                     </m:oMathParaPr>
                     <m:oMath xmlns:m="http://schemas.openxmlformats.org/officeDocument/2006/math">
                       <m:r>
-                        <a:rPr lang="en-US" sz="4800" b="0" i="1" smtClean="0">
+                        <a:rPr lang="en-US" sz="4000" b="0" i="1" smtClean="0">
                           <a:latin typeface="Cambria Math" panose="02040503050406030204" pitchFamily="18" charset="0"/>
                         </a:rPr>
                         <m:t>𝑡h𝑒</m:t>
                       </m:r>
                       <m:r>
-                        <a:rPr lang="en-US" sz="4800" b="0" i="1" smtClean="0">
+                        <a:rPr lang="en-US" sz="4000" b="0" i="1" smtClean="0">
                           <a:latin typeface="Cambria Math" panose="02040503050406030204" pitchFamily="18" charset="0"/>
                         </a:rPr>
                         <m:t> </m:t>
                       </m:r>
                       <m:r>
-                        <a:rPr lang="en-US" sz="4800" b="0" i="1" smtClean="0">
+                        <a:rPr lang="en-US" sz="4000" b="0" i="1" smtClean="0">
                           <a:latin typeface="Cambria Math" panose="02040503050406030204" pitchFamily="18" charset="0"/>
                         </a:rPr>
                         <m:t>𝑠𝑢𝑚𝑚𝑎𝑡𝑖𝑜𝑛</m:t>
                       </m:r>
                       <m:r>
-                        <a:rPr lang="en-US" sz="4800" b="0" i="1" smtClean="0">
+                        <a:rPr lang="en-US" sz="4000" b="0" i="1" smtClean="0">
                           <a:latin typeface="Cambria Math" panose="02040503050406030204" pitchFamily="18" charset="0"/>
                         </a:rPr>
                         <m:t> </m:t>
                       </m:r>
                       <m:r>
-                        <a:rPr lang="en-US" sz="4800" b="0" i="1" smtClean="0">
+                        <a:rPr lang="en-US" sz="4000" b="0" i="1" smtClean="0">
                           <a:latin typeface="Cambria Math" panose="02040503050406030204" pitchFamily="18" charset="0"/>
                         </a:rPr>
                         <m:t>𝑜𝑓𝑃</m:t>
@@ -5491,7 +5575,7 @@
                       <m:d>
                         <m:dPr>
                           <m:ctrlPr>
-                            <a:rPr lang="en-US" sz="4800" i="1">
+                            <a:rPr lang="en-US" sz="4000" i="1">
                               <a:solidFill>
                                 <a:srgbClr val="7030A0"/>
                               </a:solidFill>
@@ -5501,7 +5585,7 @@
                         </m:dPr>
                         <m:e>
                           <m:r>
-                            <a:rPr lang="en-US" sz="4800" i="1">
+                            <a:rPr lang="en-US" sz="4000" i="1">
                               <a:solidFill>
                                 <a:srgbClr val="7030A0"/>
                               </a:solidFill>
@@ -5510,7 +5594,7 @@
                             <m:t>𝑋</m:t>
                           </m:r>
                           <m:r>
-                            <a:rPr lang="en-US" sz="4800" i="1">
+                            <a:rPr lang="en-US" sz="4000" i="1">
                               <a:solidFill>
                                 <a:srgbClr val="7030A0"/>
                               </a:solidFill>
@@ -5519,7 +5603,7 @@
                             <m:t>=</m:t>
                           </m:r>
                           <m:r>
-                            <a:rPr lang="en-US" sz="4800" i="1">
+                            <a:rPr lang="en-US" sz="4000" i="1">
                               <a:solidFill>
                                 <a:srgbClr val="7030A0"/>
                               </a:solidFill>
@@ -5528,7 +5612,7 @@
                             <m:t>𝑥𝑖</m:t>
                           </m:r>
                           <m:r>
-                            <a:rPr lang="en-US" sz="4800" i="1">
+                            <a:rPr lang="en-US" sz="4000" i="1">
                               <a:solidFill>
                                 <a:srgbClr val="7030A0"/>
                               </a:solidFill>
@@ -5537,7 +5621,7 @@
                             <m:t>,</m:t>
                           </m:r>
                           <m:r>
-                            <a:rPr lang="en-US" sz="4800" i="1">
+                            <a:rPr lang="en-US" sz="4000" i="1">
                               <a:solidFill>
                                 <a:srgbClr val="7030A0"/>
                               </a:solidFill>
@@ -5546,7 +5630,7 @@
                             <m:t>𝑌</m:t>
                           </m:r>
                           <m:r>
-                            <a:rPr lang="en-US" sz="4800" i="1">
+                            <a:rPr lang="en-US" sz="4000" i="1">
                               <a:solidFill>
                                 <a:srgbClr val="7030A0"/>
                               </a:solidFill>
@@ -5555,7 +5639,7 @@
                             <m:t>=</m:t>
                           </m:r>
                           <m:r>
-                            <a:rPr lang="en-US" sz="4800" i="1">
+                            <a:rPr lang="en-US" sz="4000" i="1">
                               <a:solidFill>
                                 <a:srgbClr val="7030A0"/>
                               </a:solidFill>
@@ -5566,7 +5650,7 @@
                         </m:e>
                       </m:d>
                       <m:r>
-                        <a:rPr lang="en-US" sz="4800" b="0" i="1" smtClean="0">
+                        <a:rPr lang="en-US" sz="4000" b="0" i="1" smtClean="0">
                           <a:latin typeface="Cambria Math" panose="02040503050406030204" pitchFamily="18" charset="0"/>
                         </a:rPr>
                         <m:t>)</m:t>
@@ -5574,7 +5658,7 @@
                     </m:oMath>
                   </m:oMathPara>
                 </a14:m>
-                <a:endParaRPr lang="en-US" sz="4400"/>
+                <a:endParaRPr lang="en-US" sz="3600"/>
               </a:p>
             </p:txBody>
           </p:sp>
@@ -5596,8 +5680,8 @@
             </p:nvSpPr>
             <p:spPr>
               <a:xfrm>
-                <a:off x="250874" y="5205987"/>
-                <a:ext cx="11690252" cy="1477328"/>
+                <a:off x="250874" y="5318528"/>
+                <a:ext cx="11690252" cy="1231106"/>
               </a:xfrm>
               <a:prstGeom prst="rect">
                 <a:avLst/>
@@ -5605,7 +5689,337 @@
               <a:blipFill>
                 <a:blip r:embed="rId3"/>
                 <a:stretch>
-                  <a:fillRect b="-4545"/>
+                  <a:fillRect b="-4455"/>
+                </a:stretch>
+              </a:blipFill>
+            </p:spPr>
+            <p:txBody>
+              <a:bodyPr/>
+              <a:lstStyle/>
+              <a:p>
+                <a:r>
+                  <a:rPr lang="en-US">
+                    <a:noFill/>
+                  </a:rPr>
+                  <a:t> </a:t>
+                </a:r>
+              </a:p>
+            </p:txBody>
+          </p:sp>
+        </mc:Fallback>
+      </mc:AlternateContent>
+      <mc:AlternateContent xmlns:mc="http://schemas.openxmlformats.org/markup-compatibility/2006">
+        <mc:Choice xmlns:a14="http://schemas.microsoft.com/office/drawing/2010/main" Requires="a14">
+          <p:sp>
+            <p:nvSpPr>
+              <p:cNvPr id="11" name="TextBox 10">
+                <a:extLst>
+                  <a:ext uri="{FF2B5EF4-FFF2-40B4-BE49-F238E27FC236}">
+                    <a16:creationId xmlns:a16="http://schemas.microsoft.com/office/drawing/2014/main" id="{595A8FA3-DC34-40B7-8E91-2D4D84C53246}"/>
+                  </a:ext>
+                </a:extLst>
+              </p:cNvPr>
+              <p:cNvSpPr txBox="1"/>
+              <p:nvPr/>
+            </p:nvSpPr>
+            <p:spPr>
+              <a:xfrm>
+                <a:off x="250874" y="2802999"/>
+                <a:ext cx="11690252" cy="1994200"/>
+              </a:xfrm>
+              <a:prstGeom prst="rect">
+                <a:avLst/>
+              </a:prstGeom>
+              <a:noFill/>
+            </p:spPr>
+            <p:txBody>
+              <a:bodyPr wrap="square" lIns="0" tIns="0" rIns="0" bIns="0" rtlCol="0">
+                <a:spAutoFit/>
+              </a:bodyPr>
+              <a:lstStyle/>
+              <a:p>
+                <a:pPr/>
+                <a14:m>
+                  <m:oMathPara xmlns:m="http://schemas.openxmlformats.org/officeDocument/2006/math">
+                    <m:oMathParaPr>
+                      <m:jc m:val="centerGroup"/>
+                    </m:oMathParaPr>
+                    <m:oMath xmlns:m="http://schemas.openxmlformats.org/officeDocument/2006/math">
+                      <m:nary>
+                        <m:naryPr>
+                          <m:chr m:val="∑"/>
+                          <m:ctrlPr>
+                            <a:rPr lang="en-US" sz="4400" i="1" smtClean="0">
+                              <a:latin typeface="Cambria Math" panose="02040503050406030204" pitchFamily="18" charset="0"/>
+                            </a:rPr>
+                          </m:ctrlPr>
+                        </m:naryPr>
+                        <m:sub>
+                          <m:r>
+                            <m:rPr>
+                              <m:brk m:alnAt="23"/>
+                            </m:rPr>
+                            <a:rPr lang="en-US" sz="4400" i="1">
+                              <a:latin typeface="Cambria Math" panose="02040503050406030204" pitchFamily="18" charset="0"/>
+                            </a:rPr>
+                            <m:t>𝑖</m:t>
+                          </m:r>
+                          <m:r>
+                            <a:rPr lang="en-US" sz="4400" i="1">
+                              <a:latin typeface="Cambria Math" panose="02040503050406030204" pitchFamily="18" charset="0"/>
+                            </a:rPr>
+                            <m:t>=1</m:t>
+                          </m:r>
+                        </m:sub>
+                        <m:sup>
+                          <m:r>
+                            <a:rPr lang="en-US" sz="4400" i="1">
+                              <a:latin typeface="Cambria Math" panose="02040503050406030204" pitchFamily="18" charset="0"/>
+                            </a:rPr>
+                            <m:t>𝑘</m:t>
+                          </m:r>
+                        </m:sup>
+                        <m:e>
+                          <m:nary>
+                            <m:naryPr>
+                              <m:chr m:val="∑"/>
+                              <m:ctrlPr>
+                                <a:rPr lang="en-US" sz="4400" i="1">
+                                  <a:latin typeface="Cambria Math" panose="02040503050406030204" pitchFamily="18" charset="0"/>
+                                </a:rPr>
+                              </m:ctrlPr>
+                            </m:naryPr>
+                            <m:sub>
+                              <m:r>
+                                <m:rPr>
+                                  <m:brk m:alnAt="23"/>
+                                </m:rPr>
+                                <a:rPr lang="en-US" sz="4400" i="1">
+                                  <a:latin typeface="Cambria Math" panose="02040503050406030204" pitchFamily="18" charset="0"/>
+                                </a:rPr>
+                                <m:t>𝑗</m:t>
+                              </m:r>
+                              <m:r>
+                                <a:rPr lang="en-US" sz="4400" i="1">
+                                  <a:latin typeface="Cambria Math" panose="02040503050406030204" pitchFamily="18" charset="0"/>
+                                </a:rPr>
+                                <m:t>=</m:t>
+                              </m:r>
+                              <m:r>
+                                <a:rPr lang="en-US" sz="4400" i="1">
+                                  <a:latin typeface="Cambria Math" panose="02040503050406030204" pitchFamily="18" charset="0"/>
+                                </a:rPr>
+                                <m:t>1</m:t>
+                              </m:r>
+                            </m:sub>
+                            <m:sup>
+                              <m:r>
+                                <a:rPr lang="en-US" sz="4400" i="1">
+                                  <a:latin typeface="Cambria Math" panose="02040503050406030204" pitchFamily="18" charset="0"/>
+                                </a:rPr>
+                                <m:t>𝑛</m:t>
+                              </m:r>
+                            </m:sup>
+                            <m:e>
+                              <m:d>
+                                <m:dPr>
+                                  <m:ctrlPr>
+                                    <a:rPr lang="en-US" sz="4400" b="0" i="1" smtClean="0">
+                                      <a:solidFill>
+                                        <a:schemeClr val="tx1"/>
+                                      </a:solidFill>
+                                      <a:latin typeface="Cambria Math" panose="02040503050406030204" pitchFamily="18" charset="0"/>
+                                    </a:rPr>
+                                  </m:ctrlPr>
+                                </m:dPr>
+                                <m:e>
+                                  <m:r>
+                                    <a:rPr lang="en-US" sz="4400" i="1">
+                                      <a:solidFill>
+                                        <a:srgbClr val="C00000"/>
+                                      </a:solidFill>
+                                      <a:latin typeface="Cambria Math" panose="02040503050406030204" pitchFamily="18" charset="0"/>
+                                    </a:rPr>
+                                    <m:t>𝑥</m:t>
+                                  </m:r>
+                                  <m:r>
+                                    <a:rPr lang="en-US" sz="4400" i="1" baseline="-25000">
+                                      <a:solidFill>
+                                        <a:srgbClr val="C00000"/>
+                                      </a:solidFill>
+                                      <a:latin typeface="Cambria Math" panose="02040503050406030204" pitchFamily="18" charset="0"/>
+                                    </a:rPr>
+                                    <m:t>𝑖</m:t>
+                                  </m:r>
+                                  <m:r>
+                                    <a:rPr lang="en-US" sz="4400" i="1">
+                                      <a:latin typeface="Cambria Math" panose="02040503050406030204" pitchFamily="18" charset="0"/>
+                                    </a:rPr>
+                                    <m:t>+</m:t>
+                                  </m:r>
+                                  <m:r>
+                                    <a:rPr lang="en-US" sz="4400" i="1">
+                                      <a:solidFill>
+                                        <a:srgbClr val="002060"/>
+                                      </a:solidFill>
+                                      <a:latin typeface="Cambria Math" panose="02040503050406030204" pitchFamily="18" charset="0"/>
+                                    </a:rPr>
+                                    <m:t>𝑦</m:t>
+                                  </m:r>
+                                  <m:r>
+                                    <a:rPr lang="en-US" sz="4400" i="1" baseline="-25000">
+                                      <a:solidFill>
+                                        <a:srgbClr val="002060"/>
+                                      </a:solidFill>
+                                      <a:latin typeface="Cambria Math" panose="02040503050406030204" pitchFamily="18" charset="0"/>
+                                    </a:rPr>
+                                    <m:t>𝑗</m:t>
+                                  </m:r>
+                                </m:e>
+                              </m:d>
+                              <m:r>
+                                <a:rPr lang="en-US" sz="4400" b="0" i="1" smtClean="0">
+                                  <a:solidFill>
+                                    <a:schemeClr val="tx1"/>
+                                  </a:solidFill>
+                                  <a:latin typeface="Cambria Math" panose="02040503050406030204" pitchFamily="18" charset="0"/>
+                                </a:rPr>
+                                <m:t>∗(</m:t>
+                              </m:r>
+                              <m:r>
+                                <a:rPr lang="en-US" sz="4400" i="1">
+                                  <a:solidFill>
+                                    <a:srgbClr val="7030A0"/>
+                                  </a:solidFill>
+                                  <a:latin typeface="Cambria Math" panose="02040503050406030204" pitchFamily="18" charset="0"/>
+                                </a:rPr>
+                                <m:t>𝑃</m:t>
+                              </m:r>
+                              <m:d>
+                                <m:dPr>
+                                  <m:ctrlPr>
+                                    <a:rPr lang="en-US" sz="4400" i="1">
+                                      <a:solidFill>
+                                        <a:srgbClr val="7030A0"/>
+                                      </a:solidFill>
+                                      <a:latin typeface="Cambria Math" panose="02040503050406030204" pitchFamily="18" charset="0"/>
+                                    </a:rPr>
+                                  </m:ctrlPr>
+                                </m:dPr>
+                                <m:e>
+                                  <m:r>
+                                    <a:rPr lang="en-US" sz="4400" i="1">
+                                      <a:solidFill>
+                                        <a:srgbClr val="7030A0"/>
+                                      </a:solidFill>
+                                      <a:latin typeface="Cambria Math" panose="02040503050406030204" pitchFamily="18" charset="0"/>
+                                    </a:rPr>
+                                    <m:t>𝑋</m:t>
+                                  </m:r>
+                                  <m:r>
+                                    <a:rPr lang="en-US" sz="4400" i="1">
+                                      <a:solidFill>
+                                        <a:srgbClr val="7030A0"/>
+                                      </a:solidFill>
+                                      <a:latin typeface="Cambria Math" panose="02040503050406030204" pitchFamily="18" charset="0"/>
+                                    </a:rPr>
+                                    <m:t>=</m:t>
+                                  </m:r>
+                                  <m:r>
+                                    <a:rPr lang="en-US" sz="4400" i="1">
+                                      <a:solidFill>
+                                        <a:srgbClr val="7030A0"/>
+                                      </a:solidFill>
+                                      <a:latin typeface="Cambria Math" panose="02040503050406030204" pitchFamily="18" charset="0"/>
+                                    </a:rPr>
+                                    <m:t>𝑥𝑖</m:t>
+                                  </m:r>
+                                  <m:r>
+                                    <a:rPr lang="en-US" sz="4400" i="1">
+                                      <a:solidFill>
+                                        <a:srgbClr val="7030A0"/>
+                                      </a:solidFill>
+                                      <a:latin typeface="Cambria Math" panose="02040503050406030204" pitchFamily="18" charset="0"/>
+                                    </a:rPr>
+                                    <m:t>,</m:t>
+                                  </m:r>
+                                  <m:r>
+                                    <a:rPr lang="en-US" sz="4400" i="1">
+                                      <a:solidFill>
+                                        <a:srgbClr val="7030A0"/>
+                                      </a:solidFill>
+                                      <a:latin typeface="Cambria Math" panose="02040503050406030204" pitchFamily="18" charset="0"/>
+                                    </a:rPr>
+                                    <m:t>𝑌</m:t>
+                                  </m:r>
+                                  <m:r>
+                                    <a:rPr lang="en-US" sz="4400" i="1">
+                                      <a:solidFill>
+                                        <a:srgbClr val="7030A0"/>
+                                      </a:solidFill>
+                                      <a:latin typeface="Cambria Math" panose="02040503050406030204" pitchFamily="18" charset="0"/>
+                                    </a:rPr>
+                                    <m:t>=</m:t>
+                                  </m:r>
+                                  <m:r>
+                                    <a:rPr lang="en-US" sz="4400" i="1">
+                                      <a:solidFill>
+                                        <a:srgbClr val="7030A0"/>
+                                      </a:solidFill>
+                                      <a:latin typeface="Cambria Math" panose="02040503050406030204" pitchFamily="18" charset="0"/>
+                                    </a:rPr>
+                                    <m:t>𝑦𝑗</m:t>
+                                  </m:r>
+                                </m:e>
+                              </m:d>
+                            </m:e>
+                          </m:nary>
+                        </m:e>
+                      </m:nary>
+                      <m:r>
+                        <a:rPr lang="en-US" sz="4400" b="0" i="1" smtClean="0">
+                          <a:solidFill>
+                            <a:schemeClr val="tx1"/>
+                          </a:solidFill>
+                          <a:latin typeface="Cambria Math" panose="02040503050406030204" pitchFamily="18" charset="0"/>
+                        </a:rPr>
+                        <m:t>)</m:t>
+                      </m:r>
+                    </m:oMath>
+                  </m:oMathPara>
+                </a14:m>
+                <a:endParaRPr lang="en-US" sz="4000"/>
+              </a:p>
+            </p:txBody>
+          </p:sp>
+        </mc:Choice>
+        <mc:Fallback>
+          <p:sp>
+            <p:nvSpPr>
+              <p:cNvPr id="11" name="TextBox 10">
+                <a:extLst>
+                  <a:ext uri="{FF2B5EF4-FFF2-40B4-BE49-F238E27FC236}">
+                    <a16:creationId xmlns:a16="http://schemas.microsoft.com/office/drawing/2014/main" id="{595A8FA3-DC34-40B7-8E91-2D4D84C53246}"/>
+                  </a:ext>
+                </a:extLst>
+              </p:cNvPr>
+              <p:cNvSpPr txBox="1">
+                <a:spLocks noRot="1" noChangeAspect="1" noMove="1" noResize="1" noEditPoints="1" noAdjustHandles="1" noChangeArrowheads="1" noChangeShapeType="1" noTextEdit="1"/>
+              </p:cNvSpPr>
+              <p:nvPr/>
+            </p:nvSpPr>
+            <p:spPr>
+              <a:xfrm>
+                <a:off x="250874" y="2802999"/>
+                <a:ext cx="11690252" cy="1994200"/>
+              </a:xfrm>
+              <a:prstGeom prst="rect">
+                <a:avLst/>
+              </a:prstGeom>
+              <a:blipFill>
+                <a:blip r:embed="rId4"/>
+                <a:stretch>
+                  <a:fillRect/>
                 </a:stretch>
               </a:blipFill>
             </p:spPr>

--- a/ps/ps_images.pptx
+++ b/ps/ps_images.pptx
@@ -5002,7 +5002,7 @@
             </p:nvSpPr>
             <p:spPr>
               <a:xfrm>
-                <a:off x="250874" y="695190"/>
+                <a:off x="250874" y="209893"/>
                 <a:ext cx="11690252" cy="1994200"/>
               </a:xfrm>
               <a:prstGeom prst="rect">
@@ -5351,7 +5351,7 @@
             </p:nvSpPr>
             <p:spPr>
               <a:xfrm>
-                <a:off x="250874" y="695190"/>
+                <a:off x="250874" y="209893"/>
                 <a:ext cx="11690252" cy="1994200"/>
               </a:xfrm>
               <a:prstGeom prst="rect">
@@ -5395,7 +5395,7 @@
             </p:nvSpPr>
             <p:spPr>
               <a:xfrm>
-                <a:off x="250874" y="5318528"/>
+                <a:off x="250874" y="5417001"/>
                 <a:ext cx="11690252" cy="1231106"/>
               </a:xfrm>
               <a:prstGeom prst="rect">
@@ -5680,7 +5680,7 @@
             </p:nvSpPr>
             <p:spPr>
               <a:xfrm>
-                <a:off x="250874" y="5318528"/>
+                <a:off x="250874" y="5417001"/>
                 <a:ext cx="11690252" cy="1231106"/>
               </a:xfrm>
               <a:prstGeom prst="rect">
@@ -5689,7 +5689,7 @@
               <a:blipFill>
                 <a:blip r:embed="rId3"/>
                 <a:stretch>
-                  <a:fillRect b="-4455"/>
+                  <a:fillRect b="-3960"/>
                 </a:stretch>
               </a:blipFill>
             </p:spPr>
@@ -5724,8 +5724,8 @@
             </p:nvSpPr>
             <p:spPr>
               <a:xfrm>
-                <a:off x="250874" y="2802999"/>
-                <a:ext cx="11690252" cy="1994200"/>
+                <a:off x="250874" y="2431900"/>
+                <a:ext cx="8921261" cy="1994200"/>
               </a:xfrm>
               <a:prstGeom prst="rect">
                 <a:avLst/>
@@ -6010,8 +6010,8 @@
             </p:nvSpPr>
             <p:spPr>
               <a:xfrm>
-                <a:off x="250874" y="2802999"/>
-                <a:ext cx="11690252" cy="1994200"/>
+                <a:off x="250874" y="2431900"/>
+                <a:ext cx="8921261" cy="1994200"/>
               </a:xfrm>
               <a:prstGeom prst="rect">
                 <a:avLst/>
@@ -6506,8 +6506,8 @@
           </p:sp>
         </mc:Fallback>
       </mc:AlternateContent>
-      <mc:AlternateContent xmlns:mc="http://schemas.openxmlformats.org/markup-compatibility/2006" xmlns:a14="http://schemas.microsoft.com/office/drawing/2010/main">
-        <mc:Choice Requires="a14">
+      <mc:AlternateContent xmlns:mc="http://schemas.openxmlformats.org/markup-compatibility/2006">
+        <mc:Choice xmlns:a14="http://schemas.microsoft.com/office/drawing/2010/main" Requires="a14">
           <p:sp>
             <p:nvSpPr>
               <p:cNvPr id="5" name="TextBox 4">
@@ -6584,73 +6584,6 @@
                           </m:r>
                         </m:e>
                       </m:d>
-                      <m:r>
-                        <a:rPr lang="en-US" sz="5400" i="1" smtClean="0">
-                          <a:latin typeface="Cambria Math" panose="02040503050406030204" pitchFamily="18" charset="0"/>
-                        </a:rPr>
-                        <m:t>=</m:t>
-                      </m:r>
-                      <m:r>
-                        <a:rPr lang="en-US" sz="5400" i="1">
-                          <a:latin typeface="Cambria Math" panose="02040503050406030204" pitchFamily="18" charset="0"/>
-                        </a:rPr>
-                        <m:t>𝐸</m:t>
-                      </m:r>
-                      <m:d>
-                        <m:dPr>
-                          <m:ctrlPr>
-                            <a:rPr lang="en-US" sz="5400" i="1">
-                              <a:latin typeface="Cambria Math" panose="02040503050406030204" pitchFamily="18" charset="0"/>
-                            </a:rPr>
-                          </m:ctrlPr>
-                        </m:dPr>
-                        <m:e>
-                          <m:r>
-                            <a:rPr lang="en-US" sz="5400" i="1">
-                              <a:solidFill>
-                                <a:srgbClr val="C00000"/>
-                              </a:solidFill>
-                              <a:latin typeface="Cambria Math" panose="02040503050406030204" pitchFamily="18" charset="0"/>
-                            </a:rPr>
-                            <m:t>𝑋</m:t>
-                          </m:r>
-                        </m:e>
-                      </m:d>
-                      <m:r>
-                        <a:rPr lang="en-US" sz="5400" b="0" i="1" smtClean="0">
-                          <a:solidFill>
-                            <a:schemeClr val="tx1"/>
-                          </a:solidFill>
-                          <a:latin typeface="Cambria Math" panose="02040503050406030204" pitchFamily="18" charset="0"/>
-                        </a:rPr>
-                        <m:t>+</m:t>
-                      </m:r>
-                      <m:r>
-                        <a:rPr lang="en-US" sz="5400" i="1">
-                          <a:latin typeface="Cambria Math" panose="02040503050406030204" pitchFamily="18" charset="0"/>
-                        </a:rPr>
-                        <m:t>𝐸</m:t>
-                      </m:r>
-                      <m:d>
-                        <m:dPr>
-                          <m:ctrlPr>
-                            <a:rPr lang="en-US" sz="5400" i="1">
-                              <a:latin typeface="Cambria Math" panose="02040503050406030204" pitchFamily="18" charset="0"/>
-                            </a:rPr>
-                          </m:ctrlPr>
-                        </m:dPr>
-                        <m:e>
-                          <m:r>
-                            <a:rPr lang="en-US" sz="5400" i="1">
-                              <a:solidFill>
-                                <a:srgbClr val="002060"/>
-                              </a:solidFill>
-                              <a:latin typeface="Cambria Math" panose="02040503050406030204" pitchFamily="18" charset="0"/>
-                            </a:rPr>
-                            <m:t>𝑌</m:t>
-                          </m:r>
-                        </m:e>
-                      </m:d>
                     </m:oMath>
                   </m:oMathPara>
                 </a14:m>
@@ -6663,7 +6596,7 @@
             </p:txBody>
           </p:sp>
         </mc:Choice>
-        <mc:Fallback xmlns="">
+        <mc:Fallback>
           <p:sp>
             <p:nvSpPr>
               <p:cNvPr id="5" name="TextBox 4">

--- a/ps/ps_images.pptx
+++ b/ps/ps_images.pptx
@@ -6522,8 +6522,8 @@
             </p:nvSpPr>
             <p:spPr>
               <a:xfrm>
-                <a:off x="1946030" y="4069590"/>
-                <a:ext cx="8299939" cy="830997"/>
+                <a:off x="0" y="3890227"/>
+                <a:ext cx="12191999" cy="2109232"/>
               </a:xfrm>
               <a:prstGeom prst="rect">
                 <a:avLst/>
@@ -6569,12 +6569,6 @@
                           </m:r>
                           <m:r>
                             <a:rPr lang="en-US" sz="5400" i="1">
-                              <a:latin typeface="Cambria Math" panose="02040503050406030204" pitchFamily="18" charset="0"/>
-                            </a:rPr>
-                            <m:t>+</m:t>
-                          </m:r>
-                          <m:r>
-                            <a:rPr lang="en-US" sz="5400" i="1">
                               <a:solidFill>
                                 <a:srgbClr val="002060"/>
                               </a:solidFill>
@@ -6584,6 +6578,206 @@
                           </m:r>
                         </m:e>
                       </m:d>
+                      <m:r>
+                        <a:rPr lang="en-US" sz="5400" b="0" i="1" smtClean="0">
+                          <a:solidFill>
+                            <a:schemeClr val="tx1"/>
+                          </a:solidFill>
+                          <a:latin typeface="Cambria Math" panose="02040503050406030204" pitchFamily="18" charset="0"/>
+                        </a:rPr>
+                        <m:t>=</m:t>
+                      </m:r>
+                      <m:nary>
+                        <m:naryPr>
+                          <m:chr m:val="∑"/>
+                          <m:supHide m:val="on"/>
+                          <m:ctrlPr>
+                            <a:rPr lang="en-US" sz="5400" b="0" i="1" smtClean="0">
+                              <a:solidFill>
+                                <a:schemeClr val="tx1"/>
+                              </a:solidFill>
+                              <a:latin typeface="Cambria Math" panose="02040503050406030204" pitchFamily="18" charset="0"/>
+                            </a:rPr>
+                          </m:ctrlPr>
+                        </m:naryPr>
+                        <m:sub>
+                          <m:r>
+                            <a:rPr lang="en-US" sz="5400" b="0" i="1" smtClean="0">
+                              <a:solidFill>
+                                <a:schemeClr val="tx1"/>
+                              </a:solidFill>
+                              <a:latin typeface="Cambria Math" panose="02040503050406030204" pitchFamily="18" charset="0"/>
+                            </a:rPr>
+                            <m:t>𝑖</m:t>
+                          </m:r>
+                        </m:sub>
+                        <m:sup/>
+                        <m:e>
+                          <m:nary>
+                            <m:naryPr>
+                              <m:chr m:val="∑"/>
+                              <m:supHide m:val="on"/>
+                              <m:ctrlPr>
+                                <a:rPr lang="en-US" sz="5400" b="0" i="1" smtClean="0">
+                                  <a:solidFill>
+                                    <a:schemeClr val="tx1"/>
+                                  </a:solidFill>
+                                  <a:latin typeface="Cambria Math" panose="02040503050406030204" pitchFamily="18" charset="0"/>
+                                </a:rPr>
+                              </m:ctrlPr>
+                            </m:naryPr>
+                            <m:sub>
+                              <m:r>
+                                <a:rPr lang="en-US" sz="5400" b="0" i="1" smtClean="0">
+                                  <a:solidFill>
+                                    <a:schemeClr val="tx1"/>
+                                  </a:solidFill>
+                                  <a:latin typeface="Cambria Math" panose="02040503050406030204" pitchFamily="18" charset="0"/>
+                                </a:rPr>
+                                <m:t>𝑗</m:t>
+                              </m:r>
+                            </m:sub>
+                            <m:sup/>
+                            <m:e>
+                              <m:r>
+                                <a:rPr lang="en-US" sz="5400" b="0" i="1" smtClean="0">
+                                  <a:solidFill>
+                                    <a:srgbClr val="C00000"/>
+                                  </a:solidFill>
+                                  <a:latin typeface="Cambria Math" panose="02040503050406030204" pitchFamily="18" charset="0"/>
+                                </a:rPr>
+                                <m:t>𝑥</m:t>
+                              </m:r>
+                              <m:r>
+                                <a:rPr lang="en-US" sz="5400" b="0" i="1" baseline="-25000" smtClean="0">
+                                  <a:solidFill>
+                                    <a:srgbClr val="C00000"/>
+                                  </a:solidFill>
+                                  <a:latin typeface="Cambria Math" panose="02040503050406030204" pitchFamily="18" charset="0"/>
+                                </a:rPr>
+                                <m:t>𝑖</m:t>
+                              </m:r>
+                              <m:r>
+                                <a:rPr lang="en-US" sz="5400" b="0" i="1" smtClean="0">
+                                  <a:solidFill>
+                                    <a:srgbClr val="002060"/>
+                                  </a:solidFill>
+                                  <a:latin typeface="Cambria Math" panose="02040503050406030204" pitchFamily="18" charset="0"/>
+                                </a:rPr>
+                                <m:t>𝑦</m:t>
+                              </m:r>
+                              <m:r>
+                                <a:rPr lang="en-US" sz="5400" b="0" i="1" baseline="-25000" smtClean="0">
+                                  <a:solidFill>
+                                    <a:srgbClr val="002060"/>
+                                  </a:solidFill>
+                                  <a:latin typeface="Cambria Math" panose="02040503050406030204" pitchFamily="18" charset="0"/>
+                                </a:rPr>
+                                <m:t>𝑗</m:t>
+                              </m:r>
+                              <m:r>
+                                <a:rPr lang="en-US" sz="5400" b="0" i="1" smtClean="0">
+                                  <a:solidFill>
+                                    <a:schemeClr val="tx1"/>
+                                  </a:solidFill>
+                                  <a:latin typeface="Cambria Math" panose="02040503050406030204" pitchFamily="18" charset="0"/>
+                                </a:rPr>
+                                <m:t>∗</m:t>
+                              </m:r>
+                              <m:r>
+                                <a:rPr lang="en-US" sz="5400" b="0" i="1" smtClean="0">
+                                  <a:solidFill>
+                                    <a:srgbClr val="7030A0"/>
+                                  </a:solidFill>
+                                  <a:latin typeface="Cambria Math" panose="02040503050406030204" pitchFamily="18" charset="0"/>
+                                </a:rPr>
+                                <m:t>𝑃</m:t>
+                              </m:r>
+                              <m:r>
+                                <a:rPr lang="en-US" sz="5400" b="0" i="1" smtClean="0">
+                                  <a:solidFill>
+                                    <a:srgbClr val="7030A0"/>
+                                  </a:solidFill>
+                                  <a:latin typeface="Cambria Math" panose="02040503050406030204" pitchFamily="18" charset="0"/>
+                                </a:rPr>
+                                <m:t>(</m:t>
+                              </m:r>
+                              <m:r>
+                                <a:rPr lang="en-US" sz="5400" i="1">
+                                  <a:solidFill>
+                                    <a:srgbClr val="7030A0"/>
+                                  </a:solidFill>
+                                  <a:latin typeface="Cambria Math" panose="02040503050406030204" pitchFamily="18" charset="0"/>
+                                </a:rPr>
+                                <m:t>𝑋</m:t>
+                              </m:r>
+                              <m:r>
+                                <a:rPr lang="en-US" sz="5400" i="1">
+                                  <a:solidFill>
+                                    <a:srgbClr val="7030A0"/>
+                                  </a:solidFill>
+                                  <a:latin typeface="Cambria Math" panose="02040503050406030204" pitchFamily="18" charset="0"/>
+                                </a:rPr>
+                                <m:t>=</m:t>
+                              </m:r>
+                              <m:r>
+                                <a:rPr lang="en-US" sz="5400" i="1">
+                                  <a:solidFill>
+                                    <a:srgbClr val="7030A0"/>
+                                  </a:solidFill>
+                                  <a:latin typeface="Cambria Math" panose="02040503050406030204" pitchFamily="18" charset="0"/>
+                                </a:rPr>
+                                <m:t>𝑥𝑖</m:t>
+                              </m:r>
+                              <m:r>
+                                <a:rPr lang="en-US" sz="5400" i="1">
+                                  <a:solidFill>
+                                    <a:srgbClr val="7030A0"/>
+                                  </a:solidFill>
+                                  <a:latin typeface="Cambria Math" panose="02040503050406030204" pitchFamily="18" charset="0"/>
+                                </a:rPr>
+                                <m:t>,</m:t>
+                              </m:r>
+                              <m:r>
+                                <a:rPr lang="en-US" sz="5400" i="1">
+                                  <a:solidFill>
+                                    <a:srgbClr val="7030A0"/>
+                                  </a:solidFill>
+                                  <a:latin typeface="Cambria Math" panose="02040503050406030204" pitchFamily="18" charset="0"/>
+                                </a:rPr>
+                                <m:t>𝑌</m:t>
+                              </m:r>
+                              <m:r>
+                                <a:rPr lang="en-US" sz="5400" i="1">
+                                  <a:solidFill>
+                                    <a:srgbClr val="7030A0"/>
+                                  </a:solidFill>
+                                  <a:latin typeface="Cambria Math" panose="02040503050406030204" pitchFamily="18" charset="0"/>
+                                </a:rPr>
+                                <m:t>=</m:t>
+                              </m:r>
+                              <m:r>
+                                <a:rPr lang="en-US" sz="5400" i="1">
+                                  <a:solidFill>
+                                    <a:srgbClr val="7030A0"/>
+                                  </a:solidFill>
+                                  <a:latin typeface="Cambria Math" panose="02040503050406030204" pitchFamily="18" charset="0"/>
+                                </a:rPr>
+                                <m:t>𝑦𝑗</m:t>
+                              </m:r>
+                              <m:r>
+                                <a:rPr lang="en-US" sz="5400" b="0" i="1" smtClean="0">
+                                  <a:solidFill>
+                                    <a:srgbClr val="7030A0"/>
+                                  </a:solidFill>
+                                  <a:latin typeface="Cambria Math" panose="02040503050406030204" pitchFamily="18" charset="0"/>
+                                </a:rPr>
+                                <m:t>)</m:t>
+                              </m:r>
+                            </m:e>
+                          </m:nary>
+                        </m:e>
+                      </m:nary>
                     </m:oMath>
                   </m:oMathPara>
                 </a14:m>
@@ -6613,8 +6807,8 @@
             </p:nvSpPr>
             <p:spPr>
               <a:xfrm>
-                <a:off x="1946030" y="4069590"/>
-                <a:ext cx="8299939" cy="830997"/>
+                <a:off x="0" y="3890227"/>
+                <a:ext cx="12191999" cy="2109232"/>
               </a:xfrm>
               <a:prstGeom prst="rect">
                 <a:avLst/>

--- a/ps/ps_images.pptx
+++ b/ps/ps_images.pptx
@@ -9,9 +9,10 @@
     <p:sldId id="263" r:id="rId3"/>
     <p:sldId id="259" r:id="rId4"/>
     <p:sldId id="257" r:id="rId5"/>
-    <p:sldId id="260" r:id="rId6"/>
-    <p:sldId id="261" r:id="rId7"/>
-    <p:sldId id="262" r:id="rId8"/>
+    <p:sldId id="264" r:id="rId6"/>
+    <p:sldId id="260" r:id="rId7"/>
+    <p:sldId id="261" r:id="rId8"/>
+    <p:sldId id="262" r:id="rId9"/>
   </p:sldIdLst>
   <p:sldSz cx="12192000" cy="6858000"/>
   <p:notesSz cx="6858000" cy="9144000"/>
@@ -6865,6 +6866,722 @@
           <a:chExt cx="0" cy="0"/>
         </a:xfrm>
       </p:grpSpPr>
+      <mc:AlternateContent xmlns:mc="http://schemas.openxmlformats.org/markup-compatibility/2006">
+        <mc:Choice xmlns:a14="http://schemas.microsoft.com/office/drawing/2010/main" Requires="a14">
+          <p:sp>
+            <p:nvSpPr>
+              <p:cNvPr id="2" name="TextBox 1">
+                <a:extLst>
+                  <a:ext uri="{FF2B5EF4-FFF2-40B4-BE49-F238E27FC236}">
+                    <a16:creationId xmlns:a16="http://schemas.microsoft.com/office/drawing/2014/main" id="{3E7763C6-25FF-4427-9BE7-709EE596AAAC}"/>
+                  </a:ext>
+                </a:extLst>
+              </p:cNvPr>
+              <p:cNvSpPr txBox="1"/>
+              <p:nvPr/>
+            </p:nvSpPr>
+            <p:spPr>
+              <a:xfrm>
+                <a:off x="1" y="2624135"/>
+                <a:ext cx="12191999" cy="1875963"/>
+              </a:xfrm>
+              <a:prstGeom prst="rect">
+                <a:avLst/>
+              </a:prstGeom>
+              <a:noFill/>
+            </p:spPr>
+            <p:txBody>
+              <a:bodyPr wrap="square" lIns="0" tIns="0" rIns="0" bIns="0" rtlCol="0">
+                <a:spAutoFit/>
+              </a:bodyPr>
+              <a:lstStyle/>
+              <a:p>
+                <a:pPr/>
+                <a14:m>
+                  <m:oMathPara xmlns:m="http://schemas.openxmlformats.org/officeDocument/2006/math">
+                    <m:oMathParaPr>
+                      <m:jc m:val="centerGroup"/>
+                    </m:oMathParaPr>
+                    <m:oMath xmlns:m="http://schemas.openxmlformats.org/officeDocument/2006/math">
+                      <m:r>
+                        <a:rPr lang="en-US" sz="4800" b="0" i="1" smtClean="0">
+                          <a:latin typeface="Cambria Math" panose="02040503050406030204" pitchFamily="18" charset="0"/>
+                        </a:rPr>
+                        <m:t>𝐸</m:t>
+                      </m:r>
+                      <m:d>
+                        <m:dPr>
+                          <m:ctrlPr>
+                            <a:rPr lang="en-US" sz="4800" i="1">
+                              <a:latin typeface="Cambria Math" panose="02040503050406030204" pitchFamily="18" charset="0"/>
+                            </a:rPr>
+                          </m:ctrlPr>
+                        </m:dPr>
+                        <m:e>
+                          <m:r>
+                            <a:rPr lang="en-US" sz="4800" i="1">
+                              <a:solidFill>
+                                <a:srgbClr val="C00000"/>
+                              </a:solidFill>
+                              <a:latin typeface="Cambria Math" panose="02040503050406030204" pitchFamily="18" charset="0"/>
+                            </a:rPr>
+                            <m:t>𝑋</m:t>
+                          </m:r>
+                          <m:r>
+                            <a:rPr lang="en-US" sz="4800" i="1">
+                              <a:solidFill>
+                                <a:srgbClr val="002060"/>
+                              </a:solidFill>
+                              <a:latin typeface="Cambria Math" panose="02040503050406030204" pitchFamily="18" charset="0"/>
+                            </a:rPr>
+                            <m:t>𝑌</m:t>
+                          </m:r>
+                        </m:e>
+                      </m:d>
+                      <m:r>
+                        <a:rPr lang="en-US" sz="4800" b="0" i="1" smtClean="0">
+                          <a:solidFill>
+                            <a:schemeClr val="tx1"/>
+                          </a:solidFill>
+                          <a:latin typeface="Cambria Math" panose="02040503050406030204" pitchFamily="18" charset="0"/>
+                        </a:rPr>
+                        <m:t>=</m:t>
+                      </m:r>
+                      <m:nary>
+                        <m:naryPr>
+                          <m:chr m:val="∑"/>
+                          <m:supHide m:val="on"/>
+                          <m:ctrlPr>
+                            <a:rPr lang="en-US" sz="4800" b="0" i="1" smtClean="0">
+                              <a:solidFill>
+                                <a:schemeClr val="tx1"/>
+                              </a:solidFill>
+                              <a:latin typeface="Cambria Math" panose="02040503050406030204" pitchFamily="18" charset="0"/>
+                            </a:rPr>
+                          </m:ctrlPr>
+                        </m:naryPr>
+                        <m:sub>
+                          <m:r>
+                            <a:rPr lang="en-US" sz="4800" b="0" i="1" smtClean="0">
+                              <a:solidFill>
+                                <a:schemeClr val="tx1"/>
+                              </a:solidFill>
+                              <a:latin typeface="Cambria Math" panose="02040503050406030204" pitchFamily="18" charset="0"/>
+                            </a:rPr>
+                            <m:t>𝑖</m:t>
+                          </m:r>
+                        </m:sub>
+                        <m:sup/>
+                        <m:e>
+                          <m:nary>
+                            <m:naryPr>
+                              <m:chr m:val="∑"/>
+                              <m:supHide m:val="on"/>
+                              <m:ctrlPr>
+                                <a:rPr lang="en-US" sz="4800" b="0" i="1" smtClean="0">
+                                  <a:solidFill>
+                                    <a:schemeClr val="tx1"/>
+                                  </a:solidFill>
+                                  <a:latin typeface="Cambria Math" panose="02040503050406030204" pitchFamily="18" charset="0"/>
+                                </a:rPr>
+                              </m:ctrlPr>
+                            </m:naryPr>
+                            <m:sub>
+                              <m:r>
+                                <a:rPr lang="en-US" sz="4800" b="0" i="1" smtClean="0">
+                                  <a:solidFill>
+                                    <a:schemeClr val="tx1"/>
+                                  </a:solidFill>
+                                  <a:latin typeface="Cambria Math" panose="02040503050406030204" pitchFamily="18" charset="0"/>
+                                </a:rPr>
+                                <m:t>𝑗</m:t>
+                              </m:r>
+                            </m:sub>
+                            <m:sup/>
+                            <m:e>
+                              <m:r>
+                                <a:rPr lang="en-US" sz="4800" b="0" i="1" smtClean="0">
+                                  <a:solidFill>
+                                    <a:srgbClr val="C00000"/>
+                                  </a:solidFill>
+                                  <a:latin typeface="Cambria Math" panose="02040503050406030204" pitchFamily="18" charset="0"/>
+                                </a:rPr>
+                                <m:t>𝑥</m:t>
+                              </m:r>
+                              <m:r>
+                                <a:rPr lang="en-US" sz="4800" b="0" i="1" baseline="-25000" smtClean="0">
+                                  <a:solidFill>
+                                    <a:srgbClr val="C00000"/>
+                                  </a:solidFill>
+                                  <a:latin typeface="Cambria Math" panose="02040503050406030204" pitchFamily="18" charset="0"/>
+                                </a:rPr>
+                                <m:t>𝑖</m:t>
+                              </m:r>
+                              <m:r>
+                                <a:rPr lang="en-US" sz="4800" b="0" i="1" smtClean="0">
+                                  <a:solidFill>
+                                    <a:srgbClr val="7030A0"/>
+                                  </a:solidFill>
+                                  <a:latin typeface="Cambria Math" panose="02040503050406030204" pitchFamily="18" charset="0"/>
+                                </a:rPr>
+                                <m:t>𝑃</m:t>
+                              </m:r>
+                              <m:d>
+                                <m:dPr>
+                                  <m:ctrlPr>
+                                    <a:rPr lang="en-US" sz="4800" b="0" i="1" smtClean="0">
+                                      <a:solidFill>
+                                        <a:srgbClr val="7030A0"/>
+                                      </a:solidFill>
+                                      <a:latin typeface="Cambria Math" panose="02040503050406030204" pitchFamily="18" charset="0"/>
+                                    </a:rPr>
+                                  </m:ctrlPr>
+                                </m:dPr>
+                                <m:e>
+                                  <m:r>
+                                    <a:rPr lang="en-US" sz="4800" i="1">
+                                      <a:solidFill>
+                                        <a:srgbClr val="7030A0"/>
+                                      </a:solidFill>
+                                      <a:latin typeface="Cambria Math" panose="02040503050406030204" pitchFamily="18" charset="0"/>
+                                    </a:rPr>
+                                    <m:t>𝑋</m:t>
+                                  </m:r>
+                                  <m:r>
+                                    <a:rPr lang="en-US" sz="4800" i="1">
+                                      <a:solidFill>
+                                        <a:srgbClr val="7030A0"/>
+                                      </a:solidFill>
+                                      <a:latin typeface="Cambria Math" panose="02040503050406030204" pitchFamily="18" charset="0"/>
+                                    </a:rPr>
+                                    <m:t>=</m:t>
+                                  </m:r>
+                                  <m:r>
+                                    <a:rPr lang="en-US" sz="4800" i="1">
+                                      <a:solidFill>
+                                        <a:srgbClr val="7030A0"/>
+                                      </a:solidFill>
+                                      <a:latin typeface="Cambria Math" panose="02040503050406030204" pitchFamily="18" charset="0"/>
+                                    </a:rPr>
+                                    <m:t>𝑥𝑖</m:t>
+                                  </m:r>
+                                </m:e>
+                              </m:d>
+                              <m:r>
+                                <a:rPr lang="en-US" sz="4800" b="0" i="1" smtClean="0">
+                                  <a:solidFill>
+                                    <a:schemeClr val="tx1"/>
+                                  </a:solidFill>
+                                  <a:latin typeface="Cambria Math" panose="02040503050406030204" pitchFamily="18" charset="0"/>
+                                </a:rPr>
+                                <m:t>∗</m:t>
+                              </m:r>
+                              <m:r>
+                                <a:rPr lang="en-US" sz="4800" i="1">
+                                  <a:solidFill>
+                                    <a:srgbClr val="002060"/>
+                                  </a:solidFill>
+                                  <a:latin typeface="Cambria Math" panose="02040503050406030204" pitchFamily="18" charset="0"/>
+                                </a:rPr>
+                                <m:t>𝑦</m:t>
+                              </m:r>
+                              <m:r>
+                                <a:rPr lang="en-US" sz="4800" i="1" baseline="-25000">
+                                  <a:solidFill>
+                                    <a:srgbClr val="002060"/>
+                                  </a:solidFill>
+                                  <a:latin typeface="Cambria Math" panose="02040503050406030204" pitchFamily="18" charset="0"/>
+                                </a:rPr>
+                                <m:t>𝑗</m:t>
+                              </m:r>
+                              <m:r>
+                                <a:rPr lang="en-US" sz="4800" b="0" i="1" smtClean="0">
+                                  <a:solidFill>
+                                    <a:srgbClr val="7030A0"/>
+                                  </a:solidFill>
+                                  <a:latin typeface="Cambria Math" panose="02040503050406030204" pitchFamily="18" charset="0"/>
+                                </a:rPr>
+                                <m:t>𝑃</m:t>
+                              </m:r>
+                              <m:r>
+                                <a:rPr lang="en-US" sz="4800" b="0" i="1" smtClean="0">
+                                  <a:solidFill>
+                                    <a:srgbClr val="7030A0"/>
+                                  </a:solidFill>
+                                  <a:latin typeface="Cambria Math" panose="02040503050406030204" pitchFamily="18" charset="0"/>
+                                </a:rPr>
+                                <m:t>(</m:t>
+                              </m:r>
+                              <m:r>
+                                <a:rPr lang="en-US" sz="4800" i="1">
+                                  <a:solidFill>
+                                    <a:srgbClr val="7030A0"/>
+                                  </a:solidFill>
+                                  <a:latin typeface="Cambria Math" panose="02040503050406030204" pitchFamily="18" charset="0"/>
+                                </a:rPr>
+                                <m:t>𝑌</m:t>
+                              </m:r>
+                              <m:r>
+                                <a:rPr lang="en-US" sz="4800" i="1">
+                                  <a:solidFill>
+                                    <a:srgbClr val="7030A0"/>
+                                  </a:solidFill>
+                                  <a:latin typeface="Cambria Math" panose="02040503050406030204" pitchFamily="18" charset="0"/>
+                                </a:rPr>
+                                <m:t>=</m:t>
+                              </m:r>
+                              <m:r>
+                                <a:rPr lang="en-US" sz="4800" i="1">
+                                  <a:solidFill>
+                                    <a:srgbClr val="7030A0"/>
+                                  </a:solidFill>
+                                  <a:latin typeface="Cambria Math" panose="02040503050406030204" pitchFamily="18" charset="0"/>
+                                </a:rPr>
+                                <m:t>𝑦𝑗</m:t>
+                              </m:r>
+                              <m:r>
+                                <a:rPr lang="en-US" sz="4800" b="0" i="1" smtClean="0">
+                                  <a:solidFill>
+                                    <a:srgbClr val="7030A0"/>
+                                  </a:solidFill>
+                                  <a:latin typeface="Cambria Math" panose="02040503050406030204" pitchFamily="18" charset="0"/>
+                                </a:rPr>
+                                <m:t>)</m:t>
+                              </m:r>
+                            </m:e>
+                          </m:nary>
+                        </m:e>
+                      </m:nary>
+                    </m:oMath>
+                  </m:oMathPara>
+                </a14:m>
+                <a:endParaRPr lang="en-US" sz="4800" b="0">
+                  <a:solidFill>
+                    <a:srgbClr val="7030A0"/>
+                  </a:solidFill>
+                </a:endParaRPr>
+              </a:p>
+            </p:txBody>
+          </p:sp>
+        </mc:Choice>
+        <mc:Fallback>
+          <p:sp>
+            <p:nvSpPr>
+              <p:cNvPr id="2" name="TextBox 1">
+                <a:extLst>
+                  <a:ext uri="{FF2B5EF4-FFF2-40B4-BE49-F238E27FC236}">
+                    <a16:creationId xmlns:a16="http://schemas.microsoft.com/office/drawing/2014/main" id="{3E7763C6-25FF-4427-9BE7-709EE596AAAC}"/>
+                  </a:ext>
+                </a:extLst>
+              </p:cNvPr>
+              <p:cNvSpPr txBox="1">
+                <a:spLocks noRot="1" noChangeAspect="1" noMove="1" noResize="1" noEditPoints="1" noAdjustHandles="1" noChangeArrowheads="1" noChangeShapeType="1" noTextEdit="1"/>
+              </p:cNvSpPr>
+              <p:nvPr/>
+            </p:nvSpPr>
+            <p:spPr>
+              <a:xfrm>
+                <a:off x="1" y="2624135"/>
+                <a:ext cx="12191999" cy="1875963"/>
+              </a:xfrm>
+              <a:prstGeom prst="rect">
+                <a:avLst/>
+              </a:prstGeom>
+              <a:blipFill>
+                <a:blip r:embed="rId2"/>
+                <a:stretch>
+                  <a:fillRect/>
+                </a:stretch>
+              </a:blipFill>
+            </p:spPr>
+            <p:txBody>
+              <a:bodyPr/>
+              <a:lstStyle/>
+              <a:p>
+                <a:r>
+                  <a:rPr lang="en-US">
+                    <a:noFill/>
+                  </a:rPr>
+                  <a:t> </a:t>
+                </a:r>
+              </a:p>
+            </p:txBody>
+          </p:sp>
+        </mc:Fallback>
+      </mc:AlternateContent>
+      <mc:AlternateContent xmlns:mc="http://schemas.openxmlformats.org/markup-compatibility/2006">
+        <mc:Choice xmlns:a14="http://schemas.microsoft.com/office/drawing/2010/main" Requires="a14">
+          <p:sp>
+            <p:nvSpPr>
+              <p:cNvPr id="3" name="TextBox 2">
+                <a:extLst>
+                  <a:ext uri="{FF2B5EF4-FFF2-40B4-BE49-F238E27FC236}">
+                    <a16:creationId xmlns:a16="http://schemas.microsoft.com/office/drawing/2014/main" id="{55DFCB89-7210-4CCF-A6CF-27AF049D2938}"/>
+                  </a:ext>
+                </a:extLst>
+              </p:cNvPr>
+              <p:cNvSpPr txBox="1"/>
+              <p:nvPr/>
+            </p:nvSpPr>
+            <p:spPr>
+              <a:xfrm>
+                <a:off x="1" y="525704"/>
+                <a:ext cx="12191999" cy="1875963"/>
+              </a:xfrm>
+              <a:prstGeom prst="rect">
+                <a:avLst/>
+              </a:prstGeom>
+              <a:noFill/>
+            </p:spPr>
+            <p:txBody>
+              <a:bodyPr wrap="square" lIns="0" tIns="0" rIns="0" bIns="0" rtlCol="0">
+                <a:spAutoFit/>
+              </a:bodyPr>
+              <a:lstStyle/>
+              <a:p>
+                <a:pPr/>
+                <a14:m>
+                  <m:oMathPara xmlns:m="http://schemas.openxmlformats.org/officeDocument/2006/math">
+                    <m:oMathParaPr>
+                      <m:jc m:val="centerGroup"/>
+                    </m:oMathParaPr>
+                    <m:oMath xmlns:m="http://schemas.openxmlformats.org/officeDocument/2006/math">
+                      <m:r>
+                        <a:rPr lang="en-US" sz="4800" b="0" i="1" smtClean="0">
+                          <a:latin typeface="Cambria Math" panose="02040503050406030204" pitchFamily="18" charset="0"/>
+                        </a:rPr>
+                        <m:t>𝐸</m:t>
+                      </m:r>
+                      <m:d>
+                        <m:dPr>
+                          <m:ctrlPr>
+                            <a:rPr lang="en-US" sz="4800" i="1">
+                              <a:latin typeface="Cambria Math" panose="02040503050406030204" pitchFamily="18" charset="0"/>
+                            </a:rPr>
+                          </m:ctrlPr>
+                        </m:dPr>
+                        <m:e>
+                          <m:r>
+                            <a:rPr lang="en-US" sz="4800" i="1">
+                              <a:solidFill>
+                                <a:srgbClr val="C00000"/>
+                              </a:solidFill>
+                              <a:latin typeface="Cambria Math" panose="02040503050406030204" pitchFamily="18" charset="0"/>
+                            </a:rPr>
+                            <m:t>𝑋</m:t>
+                          </m:r>
+                          <m:r>
+                            <a:rPr lang="en-US" sz="4800" i="1">
+                              <a:solidFill>
+                                <a:srgbClr val="002060"/>
+                              </a:solidFill>
+                              <a:latin typeface="Cambria Math" panose="02040503050406030204" pitchFamily="18" charset="0"/>
+                            </a:rPr>
+                            <m:t>𝑌</m:t>
+                          </m:r>
+                        </m:e>
+                      </m:d>
+                      <m:r>
+                        <a:rPr lang="en-US" sz="4800" b="0" i="1" smtClean="0">
+                          <a:solidFill>
+                            <a:schemeClr val="tx1"/>
+                          </a:solidFill>
+                          <a:latin typeface="Cambria Math" panose="02040503050406030204" pitchFamily="18" charset="0"/>
+                        </a:rPr>
+                        <m:t>=</m:t>
+                      </m:r>
+                      <m:nary>
+                        <m:naryPr>
+                          <m:chr m:val="∑"/>
+                          <m:supHide m:val="on"/>
+                          <m:ctrlPr>
+                            <a:rPr lang="en-US" sz="4800" b="0" i="1" smtClean="0">
+                              <a:solidFill>
+                                <a:schemeClr val="tx1"/>
+                              </a:solidFill>
+                              <a:latin typeface="Cambria Math" panose="02040503050406030204" pitchFamily="18" charset="0"/>
+                            </a:rPr>
+                          </m:ctrlPr>
+                        </m:naryPr>
+                        <m:sub>
+                          <m:r>
+                            <a:rPr lang="en-US" sz="4800" b="0" i="1" smtClean="0">
+                              <a:solidFill>
+                                <a:schemeClr val="tx1"/>
+                              </a:solidFill>
+                              <a:latin typeface="Cambria Math" panose="02040503050406030204" pitchFamily="18" charset="0"/>
+                            </a:rPr>
+                            <m:t>𝑖</m:t>
+                          </m:r>
+                        </m:sub>
+                        <m:sup/>
+                        <m:e>
+                          <m:nary>
+                            <m:naryPr>
+                              <m:chr m:val="∑"/>
+                              <m:supHide m:val="on"/>
+                              <m:ctrlPr>
+                                <a:rPr lang="en-US" sz="4800" b="0" i="1" smtClean="0">
+                                  <a:solidFill>
+                                    <a:schemeClr val="tx1"/>
+                                  </a:solidFill>
+                                  <a:latin typeface="Cambria Math" panose="02040503050406030204" pitchFamily="18" charset="0"/>
+                                </a:rPr>
+                              </m:ctrlPr>
+                            </m:naryPr>
+                            <m:sub>
+                              <m:r>
+                                <a:rPr lang="en-US" sz="4800" b="0" i="1" smtClean="0">
+                                  <a:solidFill>
+                                    <a:schemeClr val="tx1"/>
+                                  </a:solidFill>
+                                  <a:latin typeface="Cambria Math" panose="02040503050406030204" pitchFamily="18" charset="0"/>
+                                </a:rPr>
+                                <m:t>𝑗</m:t>
+                              </m:r>
+                            </m:sub>
+                            <m:sup/>
+                            <m:e>
+                              <m:r>
+                                <a:rPr lang="en-US" sz="4800" b="0" i="1" smtClean="0">
+                                  <a:solidFill>
+                                    <a:srgbClr val="C00000"/>
+                                  </a:solidFill>
+                                  <a:latin typeface="Cambria Math" panose="02040503050406030204" pitchFamily="18" charset="0"/>
+                                </a:rPr>
+                                <m:t>𝑥</m:t>
+                              </m:r>
+                              <m:r>
+                                <a:rPr lang="en-US" sz="4800" b="0" i="1" baseline="-25000" smtClean="0">
+                                  <a:solidFill>
+                                    <a:srgbClr val="C00000"/>
+                                  </a:solidFill>
+                                  <a:latin typeface="Cambria Math" panose="02040503050406030204" pitchFamily="18" charset="0"/>
+                                </a:rPr>
+                                <m:t>𝑖</m:t>
+                              </m:r>
+                              <m:r>
+                                <a:rPr lang="en-US" sz="4800" i="1">
+                                  <a:solidFill>
+                                    <a:srgbClr val="002060"/>
+                                  </a:solidFill>
+                                  <a:latin typeface="Cambria Math" panose="02040503050406030204" pitchFamily="18" charset="0"/>
+                                </a:rPr>
+                                <m:t>𝑦</m:t>
+                              </m:r>
+                              <m:r>
+                                <a:rPr lang="en-US" sz="4800" i="1" baseline="-25000">
+                                  <a:solidFill>
+                                    <a:srgbClr val="002060"/>
+                                  </a:solidFill>
+                                  <a:latin typeface="Cambria Math" panose="02040503050406030204" pitchFamily="18" charset="0"/>
+                                </a:rPr>
+                                <m:t>𝑗</m:t>
+                              </m:r>
+                              <m:r>
+                                <a:rPr lang="en-US" sz="4800" b="0" i="1" smtClean="0">
+                                  <a:solidFill>
+                                    <a:schemeClr val="tx1"/>
+                                  </a:solidFill>
+                                  <a:latin typeface="Cambria Math" panose="02040503050406030204" pitchFamily="18" charset="0"/>
+                                </a:rPr>
+                                <m:t>∗</m:t>
+                              </m:r>
+                              <m:r>
+                                <a:rPr lang="en-US" sz="4800" b="0" i="1" smtClean="0">
+                                  <a:solidFill>
+                                    <a:srgbClr val="7030A0"/>
+                                  </a:solidFill>
+                                  <a:latin typeface="Cambria Math" panose="02040503050406030204" pitchFamily="18" charset="0"/>
+                                </a:rPr>
+                                <m:t>𝑃</m:t>
+                              </m:r>
+                              <m:d>
+                                <m:dPr>
+                                  <m:ctrlPr>
+                                    <a:rPr lang="en-US" sz="4800" b="0" i="1" smtClean="0">
+                                      <a:solidFill>
+                                        <a:srgbClr val="7030A0"/>
+                                      </a:solidFill>
+                                      <a:latin typeface="Cambria Math" panose="02040503050406030204" pitchFamily="18" charset="0"/>
+                                    </a:rPr>
+                                  </m:ctrlPr>
+                                </m:dPr>
+                                <m:e>
+                                  <m:r>
+                                    <a:rPr lang="en-US" sz="4800" i="1">
+                                      <a:solidFill>
+                                        <a:srgbClr val="7030A0"/>
+                                      </a:solidFill>
+                                      <a:latin typeface="Cambria Math" panose="02040503050406030204" pitchFamily="18" charset="0"/>
+                                    </a:rPr>
+                                    <m:t>𝑋</m:t>
+                                  </m:r>
+                                  <m:r>
+                                    <a:rPr lang="en-US" sz="4800" i="1">
+                                      <a:solidFill>
+                                        <a:srgbClr val="7030A0"/>
+                                      </a:solidFill>
+                                      <a:latin typeface="Cambria Math" panose="02040503050406030204" pitchFamily="18" charset="0"/>
+                                    </a:rPr>
+                                    <m:t>=</m:t>
+                                  </m:r>
+                                  <m:r>
+                                    <a:rPr lang="en-US" sz="4800" i="1">
+                                      <a:solidFill>
+                                        <a:srgbClr val="7030A0"/>
+                                      </a:solidFill>
+                                      <a:latin typeface="Cambria Math" panose="02040503050406030204" pitchFamily="18" charset="0"/>
+                                    </a:rPr>
+                                    <m:t>𝑥𝑖</m:t>
+                                  </m:r>
+                                </m:e>
+                              </m:d>
+                              <m:r>
+                                <a:rPr lang="en-US" sz="4800" b="0" i="1" smtClean="0">
+                                  <a:solidFill>
+                                    <a:srgbClr val="7030A0"/>
+                                  </a:solidFill>
+                                  <a:latin typeface="Cambria Math" panose="02040503050406030204" pitchFamily="18" charset="0"/>
+                                </a:rPr>
+                                <m:t>𝑃</m:t>
+                              </m:r>
+                              <m:r>
+                                <a:rPr lang="en-US" sz="4800" b="0" i="1" smtClean="0">
+                                  <a:solidFill>
+                                    <a:srgbClr val="7030A0"/>
+                                  </a:solidFill>
+                                  <a:latin typeface="Cambria Math" panose="02040503050406030204" pitchFamily="18" charset="0"/>
+                                </a:rPr>
+                                <m:t>(</m:t>
+                              </m:r>
+                              <m:r>
+                                <a:rPr lang="en-US" sz="4800" i="1">
+                                  <a:solidFill>
+                                    <a:srgbClr val="7030A0"/>
+                                  </a:solidFill>
+                                  <a:latin typeface="Cambria Math" panose="02040503050406030204" pitchFamily="18" charset="0"/>
+                                </a:rPr>
+                                <m:t>𝑌</m:t>
+                              </m:r>
+                              <m:r>
+                                <a:rPr lang="en-US" sz="4800" i="1">
+                                  <a:solidFill>
+                                    <a:srgbClr val="7030A0"/>
+                                  </a:solidFill>
+                                  <a:latin typeface="Cambria Math" panose="02040503050406030204" pitchFamily="18" charset="0"/>
+                                </a:rPr>
+                                <m:t>=</m:t>
+                              </m:r>
+                              <m:r>
+                                <a:rPr lang="en-US" sz="4800" i="1">
+                                  <a:solidFill>
+                                    <a:srgbClr val="7030A0"/>
+                                  </a:solidFill>
+                                  <a:latin typeface="Cambria Math" panose="02040503050406030204" pitchFamily="18" charset="0"/>
+                                </a:rPr>
+                                <m:t>𝑦𝑗</m:t>
+                              </m:r>
+                              <m:r>
+                                <a:rPr lang="en-US" sz="4800" b="0" i="1" smtClean="0">
+                                  <a:solidFill>
+                                    <a:srgbClr val="7030A0"/>
+                                  </a:solidFill>
+                                  <a:latin typeface="Cambria Math" panose="02040503050406030204" pitchFamily="18" charset="0"/>
+                                </a:rPr>
+                                <m:t>)</m:t>
+                              </m:r>
+                            </m:e>
+                          </m:nary>
+                        </m:e>
+                      </m:nary>
+                    </m:oMath>
+                  </m:oMathPara>
+                </a14:m>
+                <a:endParaRPr lang="en-US" sz="4800" b="0">
+                  <a:solidFill>
+                    <a:srgbClr val="7030A0"/>
+                  </a:solidFill>
+                </a:endParaRPr>
+              </a:p>
+            </p:txBody>
+          </p:sp>
+        </mc:Choice>
+        <mc:Fallback>
+          <p:sp>
+            <p:nvSpPr>
+              <p:cNvPr id="3" name="TextBox 2">
+                <a:extLst>
+                  <a:ext uri="{FF2B5EF4-FFF2-40B4-BE49-F238E27FC236}">
+                    <a16:creationId xmlns:a16="http://schemas.microsoft.com/office/drawing/2014/main" id="{55DFCB89-7210-4CCF-A6CF-27AF049D2938}"/>
+                  </a:ext>
+                </a:extLst>
+              </p:cNvPr>
+              <p:cNvSpPr txBox="1">
+                <a:spLocks noRot="1" noChangeAspect="1" noMove="1" noResize="1" noEditPoints="1" noAdjustHandles="1" noChangeArrowheads="1" noChangeShapeType="1" noTextEdit="1"/>
+              </p:cNvSpPr>
+              <p:nvPr/>
+            </p:nvSpPr>
+            <p:spPr>
+              <a:xfrm>
+                <a:off x="1" y="525704"/>
+                <a:ext cx="12191999" cy="1875963"/>
+              </a:xfrm>
+              <a:prstGeom prst="rect">
+                <a:avLst/>
+              </a:prstGeom>
+              <a:blipFill>
+                <a:blip r:embed="rId3"/>
+                <a:stretch>
+                  <a:fillRect/>
+                </a:stretch>
+              </a:blipFill>
+            </p:spPr>
+            <p:txBody>
+              <a:bodyPr/>
+              <a:lstStyle/>
+              <a:p>
+                <a:r>
+                  <a:rPr lang="en-US">
+                    <a:noFill/>
+                  </a:rPr>
+                  <a:t> </a:t>
+                </a:r>
+              </a:p>
+            </p:txBody>
+          </p:sp>
+        </mc:Fallback>
+      </mc:AlternateContent>
+    </p:spTree>
+    <p:extLst>
+      <p:ext uri="{BB962C8B-B14F-4D97-AF65-F5344CB8AC3E}">
+        <p14:creationId xmlns:p14="http://schemas.microsoft.com/office/powerpoint/2010/main" val="3279472935"/>
+      </p:ext>
+    </p:extLst>
+  </p:cSld>
+  <p:clrMapOvr>
+    <a:masterClrMapping/>
+  </p:clrMapOvr>
+</p:sld>
+</file>
+
+<file path=ppt/slides/slide6.xml><?xml version="1.0" encoding="utf-8"?>
+<p:sld xmlns:a="http://schemas.openxmlformats.org/drawingml/2006/main" xmlns:r="http://schemas.openxmlformats.org/officeDocument/2006/relationships" xmlns:p="http://schemas.openxmlformats.org/presentationml/2006/main">
+  <p:cSld>
+    <p:spTree>
+      <p:nvGrpSpPr>
+        <p:cNvPr id="1" name=""/>
+        <p:cNvGrpSpPr/>
+        <p:nvPr/>
+      </p:nvGrpSpPr>
+      <p:grpSpPr>
+        <a:xfrm>
+          <a:off x="0" y="0"/>
+          <a:ext cx="0" cy="0"/>
+          <a:chOff x="0" y="0"/>
+          <a:chExt cx="0" cy="0"/>
+        </a:xfrm>
+      </p:grpSpPr>
       <mc:AlternateContent xmlns:mc="http://schemas.openxmlformats.org/markup-compatibility/2006" xmlns:a14="http://schemas.microsoft.com/office/drawing/2010/main">
         <mc:Choice Requires="a14">
           <p:sp>
@@ -7875,7 +8592,7 @@
 </p:sld>
 </file>
 
-<file path=ppt/slides/slide6.xml><?xml version="1.0" encoding="utf-8"?>
+<file path=ppt/slides/slide7.xml><?xml version="1.0" encoding="utf-8"?>
 <p:sld xmlns:a="http://schemas.openxmlformats.org/drawingml/2006/main" xmlns:r="http://schemas.openxmlformats.org/officeDocument/2006/relationships" xmlns:p="http://schemas.openxmlformats.org/presentationml/2006/main">
   <p:cSld>
     <p:spTree>
@@ -8985,7 +9702,7 @@
 </p:sld>
 </file>
 
-<file path=ppt/slides/slide7.xml><?xml version="1.0" encoding="utf-8"?>
+<file path=ppt/slides/slide8.xml><?xml version="1.0" encoding="utf-8"?>
 <p:sld xmlns:a="http://schemas.openxmlformats.org/drawingml/2006/main" xmlns:r="http://schemas.openxmlformats.org/officeDocument/2006/relationships" xmlns:p="http://schemas.openxmlformats.org/presentationml/2006/main">
   <p:cSld>
     <p:spTree>

--- a/ps/ps_images.pptx
+++ b/ps/ps_images.pptx
@@ -6882,7 +6882,7 @@
             </p:nvSpPr>
             <p:spPr>
               <a:xfrm>
-                <a:off x="1" y="2624135"/>
+                <a:off x="1" y="2475371"/>
                 <a:ext cx="12191999" cy="1875963"/>
               </a:xfrm>
               <a:prstGeom prst="rect">
@@ -7181,7 +7181,7 @@
             </p:nvSpPr>
             <p:spPr>
               <a:xfrm>
-                <a:off x="1" y="2624135"/>
+                <a:off x="1" y="2475371"/>
                 <a:ext cx="12191999" cy="1875963"/>
               </a:xfrm>
               <a:prstGeom prst="rect">
@@ -7532,6 +7532,340 @@
               </a:prstGeom>
               <a:blipFill>
                 <a:blip r:embed="rId3"/>
+                <a:stretch>
+                  <a:fillRect/>
+                </a:stretch>
+              </a:blipFill>
+            </p:spPr>
+            <p:txBody>
+              <a:bodyPr/>
+              <a:lstStyle/>
+              <a:p>
+                <a:r>
+                  <a:rPr lang="en-US">
+                    <a:noFill/>
+                  </a:rPr>
+                  <a:t> </a:t>
+                </a:r>
+              </a:p>
+            </p:txBody>
+          </p:sp>
+        </mc:Fallback>
+      </mc:AlternateContent>
+      <mc:AlternateContent xmlns:mc="http://schemas.openxmlformats.org/markup-compatibility/2006">
+        <mc:Choice xmlns:a14="http://schemas.microsoft.com/office/drawing/2010/main" Requires="a14">
+          <p:sp>
+            <p:nvSpPr>
+              <p:cNvPr id="4" name="TextBox 3">
+                <a:extLst>
+                  <a:ext uri="{FF2B5EF4-FFF2-40B4-BE49-F238E27FC236}">
+                    <a16:creationId xmlns:a16="http://schemas.microsoft.com/office/drawing/2014/main" id="{204D7D76-B36B-4383-94CB-0B3A4C0CF21E}"/>
+                  </a:ext>
+                </a:extLst>
+              </p:cNvPr>
+              <p:cNvSpPr txBox="1"/>
+              <p:nvPr/>
+            </p:nvSpPr>
+            <p:spPr>
+              <a:xfrm>
+                <a:off x="0" y="4566258"/>
+                <a:ext cx="12191999" cy="1875963"/>
+              </a:xfrm>
+              <a:prstGeom prst="rect">
+                <a:avLst/>
+              </a:prstGeom>
+              <a:noFill/>
+            </p:spPr>
+            <p:txBody>
+              <a:bodyPr wrap="square" lIns="0" tIns="0" rIns="0" bIns="0" rtlCol="0">
+                <a:spAutoFit/>
+              </a:bodyPr>
+              <a:lstStyle/>
+              <a:p>
+                <a:pPr/>
+                <a14:m>
+                  <m:oMathPara xmlns:m="http://schemas.openxmlformats.org/officeDocument/2006/math">
+                    <m:oMathParaPr>
+                      <m:jc m:val="centerGroup"/>
+                    </m:oMathParaPr>
+                    <m:oMath xmlns:m="http://schemas.openxmlformats.org/officeDocument/2006/math">
+                      <m:r>
+                        <a:rPr lang="en-US" sz="4800" b="0" i="1" smtClean="0">
+                          <a:latin typeface="Cambria Math" panose="02040503050406030204" pitchFamily="18" charset="0"/>
+                        </a:rPr>
+                        <m:t>𝐸</m:t>
+                      </m:r>
+                      <m:d>
+                        <m:dPr>
+                          <m:ctrlPr>
+                            <a:rPr lang="en-US" sz="4800" i="1">
+                              <a:latin typeface="Cambria Math" panose="02040503050406030204" pitchFamily="18" charset="0"/>
+                            </a:rPr>
+                          </m:ctrlPr>
+                        </m:dPr>
+                        <m:e>
+                          <m:r>
+                            <a:rPr lang="en-US" sz="4800" i="1">
+                              <a:solidFill>
+                                <a:srgbClr val="C00000"/>
+                              </a:solidFill>
+                              <a:latin typeface="Cambria Math" panose="02040503050406030204" pitchFamily="18" charset="0"/>
+                            </a:rPr>
+                            <m:t>𝑋</m:t>
+                          </m:r>
+                          <m:r>
+                            <a:rPr lang="en-US" sz="4800" i="1">
+                              <a:solidFill>
+                                <a:srgbClr val="002060"/>
+                              </a:solidFill>
+                              <a:latin typeface="Cambria Math" panose="02040503050406030204" pitchFamily="18" charset="0"/>
+                            </a:rPr>
+                            <m:t>𝑌</m:t>
+                          </m:r>
+                        </m:e>
+                      </m:d>
+                      <m:r>
+                        <a:rPr lang="en-US" sz="4800" b="0" i="1" smtClean="0">
+                          <a:solidFill>
+                            <a:schemeClr val="tx1"/>
+                          </a:solidFill>
+                          <a:latin typeface="Cambria Math" panose="02040503050406030204" pitchFamily="18" charset="0"/>
+                        </a:rPr>
+                        <m:t>=</m:t>
+                      </m:r>
+                      <m:nary>
+                        <m:naryPr>
+                          <m:chr m:val="∑"/>
+                          <m:supHide m:val="on"/>
+                          <m:ctrlPr>
+                            <a:rPr lang="en-US" sz="4800" b="0" i="1" smtClean="0">
+                              <a:solidFill>
+                                <a:schemeClr val="tx1"/>
+                              </a:solidFill>
+                              <a:latin typeface="Cambria Math" panose="02040503050406030204" pitchFamily="18" charset="0"/>
+                            </a:rPr>
+                          </m:ctrlPr>
+                        </m:naryPr>
+                        <m:sub>
+                          <m:r>
+                            <a:rPr lang="en-US" sz="4800" b="0" i="1" smtClean="0">
+                              <a:solidFill>
+                                <a:schemeClr val="tx1"/>
+                              </a:solidFill>
+                              <a:latin typeface="Cambria Math" panose="02040503050406030204" pitchFamily="18" charset="0"/>
+                            </a:rPr>
+                            <m:t>𝑖</m:t>
+                          </m:r>
+                        </m:sub>
+                        <m:sup/>
+                        <m:e>
+                          <m:r>
+                            <a:rPr lang="en-US" sz="4800" i="1">
+                              <a:solidFill>
+                                <a:srgbClr val="C00000"/>
+                              </a:solidFill>
+                              <a:latin typeface="Cambria Math" panose="02040503050406030204" pitchFamily="18" charset="0"/>
+                            </a:rPr>
+                            <m:t>𝑥</m:t>
+                          </m:r>
+                          <m:r>
+                            <a:rPr lang="en-US" sz="4800" i="1" baseline="-25000">
+                              <a:solidFill>
+                                <a:srgbClr val="C00000"/>
+                              </a:solidFill>
+                              <a:latin typeface="Cambria Math" panose="02040503050406030204" pitchFamily="18" charset="0"/>
+                            </a:rPr>
+                            <m:t>𝑖</m:t>
+                          </m:r>
+                          <m:r>
+                            <a:rPr lang="en-US" sz="4800" i="1">
+                              <a:solidFill>
+                                <a:srgbClr val="7030A0"/>
+                              </a:solidFill>
+                              <a:latin typeface="Cambria Math" panose="02040503050406030204" pitchFamily="18" charset="0"/>
+                            </a:rPr>
+                            <m:t>𝑃</m:t>
+                          </m:r>
+                          <m:d>
+                            <m:dPr>
+                              <m:ctrlPr>
+                                <a:rPr lang="en-US" sz="4800" i="1">
+                                  <a:solidFill>
+                                    <a:srgbClr val="7030A0"/>
+                                  </a:solidFill>
+                                  <a:latin typeface="Cambria Math" panose="02040503050406030204" pitchFamily="18" charset="0"/>
+                                </a:rPr>
+                              </m:ctrlPr>
+                            </m:dPr>
+                            <m:e>
+                              <m:r>
+                                <a:rPr lang="en-US" sz="4800" i="1">
+                                  <a:solidFill>
+                                    <a:srgbClr val="7030A0"/>
+                                  </a:solidFill>
+                                  <a:latin typeface="Cambria Math" panose="02040503050406030204" pitchFamily="18" charset="0"/>
+                                </a:rPr>
+                                <m:t>𝑋</m:t>
+                              </m:r>
+                              <m:r>
+                                <a:rPr lang="en-US" sz="4800" i="1">
+                                  <a:solidFill>
+                                    <a:srgbClr val="7030A0"/>
+                                  </a:solidFill>
+                                  <a:latin typeface="Cambria Math" panose="02040503050406030204" pitchFamily="18" charset="0"/>
+                                </a:rPr>
+                                <m:t>=</m:t>
+                              </m:r>
+                              <m:r>
+                                <a:rPr lang="en-US" sz="4800" i="1">
+                                  <a:solidFill>
+                                    <a:srgbClr val="7030A0"/>
+                                  </a:solidFill>
+                                  <a:latin typeface="Cambria Math" panose="02040503050406030204" pitchFamily="18" charset="0"/>
+                                </a:rPr>
+                                <m:t>𝑥𝑖</m:t>
+                              </m:r>
+                            </m:e>
+                          </m:d>
+                        </m:e>
+                      </m:nary>
+                      <m:r>
+                        <a:rPr lang="en-US" sz="4800" i="1">
+                          <a:latin typeface="Cambria Math" panose="02040503050406030204" pitchFamily="18" charset="0"/>
+                        </a:rPr>
+                        <m:t>∗</m:t>
+                      </m:r>
+                      <m:nary>
+                        <m:naryPr>
+                          <m:chr m:val="∑"/>
+                          <m:supHide m:val="on"/>
+                          <m:ctrlPr>
+                            <a:rPr lang="en-US" sz="4800" i="1">
+                              <a:latin typeface="Cambria Math" panose="02040503050406030204" pitchFamily="18" charset="0"/>
+                            </a:rPr>
+                          </m:ctrlPr>
+                        </m:naryPr>
+                        <m:sub>
+                          <m:r>
+                            <a:rPr lang="en-US" sz="4800" i="1">
+                              <a:latin typeface="Cambria Math" panose="02040503050406030204" pitchFamily="18" charset="0"/>
+                            </a:rPr>
+                            <m:t>𝑗</m:t>
+                          </m:r>
+                        </m:sub>
+                        <m:sup/>
+                        <m:e>
+                          <m:r>
+                            <a:rPr lang="en-US" sz="4800" i="1">
+                              <a:solidFill>
+                                <a:srgbClr val="002060"/>
+                              </a:solidFill>
+                              <a:latin typeface="Cambria Math" panose="02040503050406030204" pitchFamily="18" charset="0"/>
+                            </a:rPr>
+                            <m:t>𝑦</m:t>
+                          </m:r>
+                          <m:r>
+                            <a:rPr lang="en-US" sz="4800" i="1" baseline="-25000">
+                              <a:solidFill>
+                                <a:srgbClr val="002060"/>
+                              </a:solidFill>
+                              <a:latin typeface="Cambria Math" panose="02040503050406030204" pitchFamily="18" charset="0"/>
+                            </a:rPr>
+                            <m:t>𝑗</m:t>
+                          </m:r>
+                          <m:r>
+                            <a:rPr lang="en-US" sz="4800" i="1">
+                              <a:solidFill>
+                                <a:srgbClr val="7030A0"/>
+                              </a:solidFill>
+                              <a:latin typeface="Cambria Math" panose="02040503050406030204" pitchFamily="18" charset="0"/>
+                            </a:rPr>
+                            <m:t>𝑃</m:t>
+                          </m:r>
+                          <m:r>
+                            <a:rPr lang="en-US" sz="4800" i="1">
+                              <a:solidFill>
+                                <a:srgbClr val="7030A0"/>
+                              </a:solidFill>
+                              <a:latin typeface="Cambria Math" panose="02040503050406030204" pitchFamily="18" charset="0"/>
+                            </a:rPr>
+                            <m:t>(</m:t>
+                          </m:r>
+                          <m:r>
+                            <a:rPr lang="en-US" sz="4800" i="1">
+                              <a:solidFill>
+                                <a:srgbClr val="7030A0"/>
+                              </a:solidFill>
+                              <a:latin typeface="Cambria Math" panose="02040503050406030204" pitchFamily="18" charset="0"/>
+                            </a:rPr>
+                            <m:t>𝑌</m:t>
+                          </m:r>
+                          <m:r>
+                            <a:rPr lang="en-US" sz="4800" i="1">
+                              <a:solidFill>
+                                <a:srgbClr val="7030A0"/>
+                              </a:solidFill>
+                              <a:latin typeface="Cambria Math" panose="02040503050406030204" pitchFamily="18" charset="0"/>
+                            </a:rPr>
+                            <m:t>=</m:t>
+                          </m:r>
+                          <m:r>
+                            <a:rPr lang="en-US" sz="4800" i="1">
+                              <a:solidFill>
+                                <a:srgbClr val="7030A0"/>
+                              </a:solidFill>
+                              <a:latin typeface="Cambria Math" panose="02040503050406030204" pitchFamily="18" charset="0"/>
+                            </a:rPr>
+                            <m:t>𝑦𝑗</m:t>
+                          </m:r>
+                          <m:r>
+                            <a:rPr lang="en-US" sz="4800" i="1">
+                              <a:solidFill>
+                                <a:srgbClr val="7030A0"/>
+                              </a:solidFill>
+                              <a:latin typeface="Cambria Math" panose="02040503050406030204" pitchFamily="18" charset="0"/>
+                            </a:rPr>
+                            <m:t>)</m:t>
+                          </m:r>
+                        </m:e>
+                      </m:nary>
+                    </m:oMath>
+                  </m:oMathPara>
+                </a14:m>
+                <a:endParaRPr lang="en-US" sz="4800" b="0">
+                  <a:solidFill>
+                    <a:srgbClr val="7030A0"/>
+                  </a:solidFill>
+                </a:endParaRPr>
+              </a:p>
+            </p:txBody>
+          </p:sp>
+        </mc:Choice>
+        <mc:Fallback>
+          <p:sp>
+            <p:nvSpPr>
+              <p:cNvPr id="4" name="TextBox 3">
+                <a:extLst>
+                  <a:ext uri="{FF2B5EF4-FFF2-40B4-BE49-F238E27FC236}">
+                    <a16:creationId xmlns:a16="http://schemas.microsoft.com/office/drawing/2014/main" id="{204D7D76-B36B-4383-94CB-0B3A4C0CF21E}"/>
+                  </a:ext>
+                </a:extLst>
+              </p:cNvPr>
+              <p:cNvSpPr txBox="1">
+                <a:spLocks noRot="1" noChangeAspect="1" noMove="1" noResize="1" noEditPoints="1" noAdjustHandles="1" noChangeArrowheads="1" noChangeShapeType="1" noTextEdit="1"/>
+              </p:cNvSpPr>
+              <p:nvPr/>
+            </p:nvSpPr>
+            <p:spPr>
+              <a:xfrm>
+                <a:off x="0" y="4566258"/>
+                <a:ext cx="12191999" cy="1875963"/>
+              </a:xfrm>
+              <a:prstGeom prst="rect">
+                <a:avLst/>
+              </a:prstGeom>
+              <a:blipFill>
+                <a:blip r:embed="rId4"/>
                 <a:stretch>
                   <a:fillRect/>
                 </a:stretch>

--- a/ps/ps_images.pptx
+++ b/ps/ps_images.pptx
@@ -6870,10 +6870,10 @@
         <mc:Choice xmlns:a14="http://schemas.microsoft.com/office/drawing/2010/main" Requires="a14">
           <p:sp>
             <p:nvSpPr>
-              <p:cNvPr id="2" name="TextBox 1">
+              <p:cNvPr id="3" name="TextBox 2">
                 <a:extLst>
                   <a:ext uri="{FF2B5EF4-FFF2-40B4-BE49-F238E27FC236}">
-                    <a16:creationId xmlns:a16="http://schemas.microsoft.com/office/drawing/2014/main" id="{3E7763C6-25FF-4427-9BE7-709EE596AAAC}"/>
+                    <a16:creationId xmlns:a16="http://schemas.microsoft.com/office/drawing/2014/main" id="{55DFCB89-7210-4CCF-A6CF-27AF049D2938}"/>
                   </a:ext>
                 </a:extLst>
               </p:cNvPr>
@@ -6882,7 +6882,7 @@
             </p:nvSpPr>
             <p:spPr>
               <a:xfrm>
-                <a:off x="1" y="2475371"/>
+                <a:off x="1" y="293826"/>
                 <a:ext cx="12191999" cy="1875963"/>
               </a:xfrm>
               <a:prstGeom prst="rect">
@@ -7016,6 +7016,33 @@
                                   <a:latin typeface="Cambria Math" panose="02040503050406030204" pitchFamily="18" charset="0"/>
                                 </a:rPr>
                                 <m:t>𝑖</m:t>
+                              </m:r>
+                              <m:r>
+                                <a:rPr lang="en-US" sz="4800" i="1">
+                                  <a:solidFill>
+                                    <a:srgbClr val="002060"/>
+                                  </a:solidFill>
+                                  <a:latin typeface="Cambria Math" panose="02040503050406030204" pitchFamily="18" charset="0"/>
+                                </a:rPr>
+                                <m:t>𝑦</m:t>
+                              </m:r>
+                              <m:r>
+                                <a:rPr lang="en-US" sz="4800" i="1" baseline="-25000">
+                                  <a:solidFill>
+                                    <a:srgbClr val="002060"/>
+                                  </a:solidFill>
+                                  <a:latin typeface="Cambria Math" panose="02040503050406030204" pitchFamily="18" charset="0"/>
+                                </a:rPr>
+                                <m:t>𝑗</m:t>
+                              </m:r>
+                              <m:r>
+                                <a:rPr lang="en-US" sz="4800" b="0" i="1" smtClean="0">
+                                  <a:solidFill>
+                                    <a:schemeClr val="tx1"/>
+                                  </a:solidFill>
+                                  <a:latin typeface="Cambria Math" panose="02040503050406030204" pitchFamily="18" charset="0"/>
+                                </a:rPr>
+                                <m:t>∗</m:t>
                               </m:r>
                               <m:r>
                                 <a:rPr lang="en-US" sz="4800" b="0" i="1" smtClean="0">
@@ -7070,376 +7097,6 @@
                               <m:r>
                                 <a:rPr lang="en-US" sz="4800" b="0" i="1" smtClean="0">
                                   <a:solidFill>
-                                    <a:schemeClr val="tx1"/>
-                                  </a:solidFill>
-                                  <a:latin typeface="Cambria Math" panose="02040503050406030204" pitchFamily="18" charset="0"/>
-                                </a:rPr>
-                                <m:t>∗</m:t>
-                              </m:r>
-                              <m:r>
-                                <a:rPr lang="en-US" sz="4800" i="1">
-                                  <a:solidFill>
-                                    <a:srgbClr val="002060"/>
-                                  </a:solidFill>
-                                  <a:latin typeface="Cambria Math" panose="02040503050406030204" pitchFamily="18" charset="0"/>
-                                </a:rPr>
-                                <m:t>𝑦</m:t>
-                              </m:r>
-                              <m:r>
-                                <a:rPr lang="en-US" sz="4800" i="1" baseline="-25000">
-                                  <a:solidFill>
-                                    <a:srgbClr val="002060"/>
-                                  </a:solidFill>
-                                  <a:latin typeface="Cambria Math" panose="02040503050406030204" pitchFamily="18" charset="0"/>
-                                </a:rPr>
-                                <m:t>𝑗</m:t>
-                              </m:r>
-                              <m:r>
-                                <a:rPr lang="en-US" sz="4800" b="0" i="1" smtClean="0">
-                                  <a:solidFill>
-                                    <a:srgbClr val="7030A0"/>
-                                  </a:solidFill>
-                                  <a:latin typeface="Cambria Math" panose="02040503050406030204" pitchFamily="18" charset="0"/>
-                                </a:rPr>
-                                <m:t>𝑃</m:t>
-                              </m:r>
-                              <m:r>
-                                <a:rPr lang="en-US" sz="4800" b="0" i="1" smtClean="0">
-                                  <a:solidFill>
-                                    <a:srgbClr val="7030A0"/>
-                                  </a:solidFill>
-                                  <a:latin typeface="Cambria Math" panose="02040503050406030204" pitchFamily="18" charset="0"/>
-                                </a:rPr>
-                                <m:t>(</m:t>
-                              </m:r>
-                              <m:r>
-                                <a:rPr lang="en-US" sz="4800" i="1">
-                                  <a:solidFill>
-                                    <a:srgbClr val="7030A0"/>
-                                  </a:solidFill>
-                                  <a:latin typeface="Cambria Math" panose="02040503050406030204" pitchFamily="18" charset="0"/>
-                                </a:rPr>
-                                <m:t>𝑌</m:t>
-                              </m:r>
-                              <m:r>
-                                <a:rPr lang="en-US" sz="4800" i="1">
-                                  <a:solidFill>
-                                    <a:srgbClr val="7030A0"/>
-                                  </a:solidFill>
-                                  <a:latin typeface="Cambria Math" panose="02040503050406030204" pitchFamily="18" charset="0"/>
-                                </a:rPr>
-                                <m:t>=</m:t>
-                              </m:r>
-                              <m:r>
-                                <a:rPr lang="en-US" sz="4800" i="1">
-                                  <a:solidFill>
-                                    <a:srgbClr val="7030A0"/>
-                                  </a:solidFill>
-                                  <a:latin typeface="Cambria Math" panose="02040503050406030204" pitchFamily="18" charset="0"/>
-                                </a:rPr>
-                                <m:t>𝑦𝑗</m:t>
-                              </m:r>
-                              <m:r>
-                                <a:rPr lang="en-US" sz="4800" b="0" i="1" smtClean="0">
-                                  <a:solidFill>
-                                    <a:srgbClr val="7030A0"/>
-                                  </a:solidFill>
-                                  <a:latin typeface="Cambria Math" panose="02040503050406030204" pitchFamily="18" charset="0"/>
-                                </a:rPr>
-                                <m:t>)</m:t>
-                              </m:r>
-                            </m:e>
-                          </m:nary>
-                        </m:e>
-                      </m:nary>
-                    </m:oMath>
-                  </m:oMathPara>
-                </a14:m>
-                <a:endParaRPr lang="en-US" sz="4800" b="0">
-                  <a:solidFill>
-                    <a:srgbClr val="7030A0"/>
-                  </a:solidFill>
-                </a:endParaRPr>
-              </a:p>
-            </p:txBody>
-          </p:sp>
-        </mc:Choice>
-        <mc:Fallback>
-          <p:sp>
-            <p:nvSpPr>
-              <p:cNvPr id="2" name="TextBox 1">
-                <a:extLst>
-                  <a:ext uri="{FF2B5EF4-FFF2-40B4-BE49-F238E27FC236}">
-                    <a16:creationId xmlns:a16="http://schemas.microsoft.com/office/drawing/2014/main" id="{3E7763C6-25FF-4427-9BE7-709EE596AAAC}"/>
-                  </a:ext>
-                </a:extLst>
-              </p:cNvPr>
-              <p:cNvSpPr txBox="1">
-                <a:spLocks noRot="1" noChangeAspect="1" noMove="1" noResize="1" noEditPoints="1" noAdjustHandles="1" noChangeArrowheads="1" noChangeShapeType="1" noTextEdit="1"/>
-              </p:cNvSpPr>
-              <p:nvPr/>
-            </p:nvSpPr>
-            <p:spPr>
-              <a:xfrm>
-                <a:off x="1" y="2475371"/>
-                <a:ext cx="12191999" cy="1875963"/>
-              </a:xfrm>
-              <a:prstGeom prst="rect">
-                <a:avLst/>
-              </a:prstGeom>
-              <a:blipFill>
-                <a:blip r:embed="rId2"/>
-                <a:stretch>
-                  <a:fillRect/>
-                </a:stretch>
-              </a:blipFill>
-            </p:spPr>
-            <p:txBody>
-              <a:bodyPr/>
-              <a:lstStyle/>
-              <a:p>
-                <a:r>
-                  <a:rPr lang="en-US">
-                    <a:noFill/>
-                  </a:rPr>
-                  <a:t> </a:t>
-                </a:r>
-              </a:p>
-            </p:txBody>
-          </p:sp>
-        </mc:Fallback>
-      </mc:AlternateContent>
-      <mc:AlternateContent xmlns:mc="http://schemas.openxmlformats.org/markup-compatibility/2006">
-        <mc:Choice xmlns:a14="http://schemas.microsoft.com/office/drawing/2010/main" Requires="a14">
-          <p:sp>
-            <p:nvSpPr>
-              <p:cNvPr id="3" name="TextBox 2">
-                <a:extLst>
-                  <a:ext uri="{FF2B5EF4-FFF2-40B4-BE49-F238E27FC236}">
-                    <a16:creationId xmlns:a16="http://schemas.microsoft.com/office/drawing/2014/main" id="{55DFCB89-7210-4CCF-A6CF-27AF049D2938}"/>
-                  </a:ext>
-                </a:extLst>
-              </p:cNvPr>
-              <p:cNvSpPr txBox="1"/>
-              <p:nvPr/>
-            </p:nvSpPr>
-            <p:spPr>
-              <a:xfrm>
-                <a:off x="1" y="525704"/>
-                <a:ext cx="12191999" cy="1875963"/>
-              </a:xfrm>
-              <a:prstGeom prst="rect">
-                <a:avLst/>
-              </a:prstGeom>
-              <a:noFill/>
-            </p:spPr>
-            <p:txBody>
-              <a:bodyPr wrap="square" lIns="0" tIns="0" rIns="0" bIns="0" rtlCol="0">
-                <a:spAutoFit/>
-              </a:bodyPr>
-              <a:lstStyle/>
-              <a:p>
-                <a:pPr/>
-                <a14:m>
-                  <m:oMathPara xmlns:m="http://schemas.openxmlformats.org/officeDocument/2006/math">
-                    <m:oMathParaPr>
-                      <m:jc m:val="centerGroup"/>
-                    </m:oMathParaPr>
-                    <m:oMath xmlns:m="http://schemas.openxmlformats.org/officeDocument/2006/math">
-                      <m:r>
-                        <a:rPr lang="en-US" sz="4800" b="0" i="1" smtClean="0">
-                          <a:latin typeface="Cambria Math" panose="02040503050406030204" pitchFamily="18" charset="0"/>
-                        </a:rPr>
-                        <m:t>𝐸</m:t>
-                      </m:r>
-                      <m:d>
-                        <m:dPr>
-                          <m:ctrlPr>
-                            <a:rPr lang="en-US" sz="4800" i="1">
-                              <a:latin typeface="Cambria Math" panose="02040503050406030204" pitchFamily="18" charset="0"/>
-                            </a:rPr>
-                          </m:ctrlPr>
-                        </m:dPr>
-                        <m:e>
-                          <m:r>
-                            <a:rPr lang="en-US" sz="4800" i="1">
-                              <a:solidFill>
-                                <a:srgbClr val="C00000"/>
-                              </a:solidFill>
-                              <a:latin typeface="Cambria Math" panose="02040503050406030204" pitchFamily="18" charset="0"/>
-                            </a:rPr>
-                            <m:t>𝑋</m:t>
-                          </m:r>
-                          <m:r>
-                            <a:rPr lang="en-US" sz="4800" i="1">
-                              <a:solidFill>
-                                <a:srgbClr val="002060"/>
-                              </a:solidFill>
-                              <a:latin typeface="Cambria Math" panose="02040503050406030204" pitchFamily="18" charset="0"/>
-                            </a:rPr>
-                            <m:t>𝑌</m:t>
-                          </m:r>
-                        </m:e>
-                      </m:d>
-                      <m:r>
-                        <a:rPr lang="en-US" sz="4800" b="0" i="1" smtClean="0">
-                          <a:solidFill>
-                            <a:schemeClr val="tx1"/>
-                          </a:solidFill>
-                          <a:latin typeface="Cambria Math" panose="02040503050406030204" pitchFamily="18" charset="0"/>
-                        </a:rPr>
-                        <m:t>=</m:t>
-                      </m:r>
-                      <m:nary>
-                        <m:naryPr>
-                          <m:chr m:val="∑"/>
-                          <m:supHide m:val="on"/>
-                          <m:ctrlPr>
-                            <a:rPr lang="en-US" sz="4800" b="0" i="1" smtClean="0">
-                              <a:solidFill>
-                                <a:schemeClr val="tx1"/>
-                              </a:solidFill>
-                              <a:latin typeface="Cambria Math" panose="02040503050406030204" pitchFamily="18" charset="0"/>
-                            </a:rPr>
-                          </m:ctrlPr>
-                        </m:naryPr>
-                        <m:sub>
-                          <m:r>
-                            <a:rPr lang="en-US" sz="4800" b="0" i="1" smtClean="0">
-                              <a:solidFill>
-                                <a:schemeClr val="tx1"/>
-                              </a:solidFill>
-                              <a:latin typeface="Cambria Math" panose="02040503050406030204" pitchFamily="18" charset="0"/>
-                            </a:rPr>
-                            <m:t>𝑖</m:t>
-                          </m:r>
-                        </m:sub>
-                        <m:sup/>
-                        <m:e>
-                          <m:nary>
-                            <m:naryPr>
-                              <m:chr m:val="∑"/>
-                              <m:supHide m:val="on"/>
-                              <m:ctrlPr>
-                                <a:rPr lang="en-US" sz="4800" b="0" i="1" smtClean="0">
-                                  <a:solidFill>
-                                    <a:schemeClr val="tx1"/>
-                                  </a:solidFill>
-                                  <a:latin typeface="Cambria Math" panose="02040503050406030204" pitchFamily="18" charset="0"/>
-                                </a:rPr>
-                              </m:ctrlPr>
-                            </m:naryPr>
-                            <m:sub>
-                              <m:r>
-                                <a:rPr lang="en-US" sz="4800" b="0" i="1" smtClean="0">
-                                  <a:solidFill>
-                                    <a:schemeClr val="tx1"/>
-                                  </a:solidFill>
-                                  <a:latin typeface="Cambria Math" panose="02040503050406030204" pitchFamily="18" charset="0"/>
-                                </a:rPr>
-                                <m:t>𝑗</m:t>
-                              </m:r>
-                            </m:sub>
-                            <m:sup/>
-                            <m:e>
-                              <m:r>
-                                <a:rPr lang="en-US" sz="4800" b="0" i="1" smtClean="0">
-                                  <a:solidFill>
-                                    <a:srgbClr val="C00000"/>
-                                  </a:solidFill>
-                                  <a:latin typeface="Cambria Math" panose="02040503050406030204" pitchFamily="18" charset="0"/>
-                                </a:rPr>
-                                <m:t>𝑥</m:t>
-                              </m:r>
-                              <m:r>
-                                <a:rPr lang="en-US" sz="4800" b="0" i="1" baseline="-25000" smtClean="0">
-                                  <a:solidFill>
-                                    <a:srgbClr val="C00000"/>
-                                  </a:solidFill>
-                                  <a:latin typeface="Cambria Math" panose="02040503050406030204" pitchFamily="18" charset="0"/>
-                                </a:rPr>
-                                <m:t>𝑖</m:t>
-                              </m:r>
-                              <m:r>
-                                <a:rPr lang="en-US" sz="4800" i="1">
-                                  <a:solidFill>
-                                    <a:srgbClr val="002060"/>
-                                  </a:solidFill>
-                                  <a:latin typeface="Cambria Math" panose="02040503050406030204" pitchFamily="18" charset="0"/>
-                                </a:rPr>
-                                <m:t>𝑦</m:t>
-                              </m:r>
-                              <m:r>
-                                <a:rPr lang="en-US" sz="4800" i="1" baseline="-25000">
-                                  <a:solidFill>
-                                    <a:srgbClr val="002060"/>
-                                  </a:solidFill>
-                                  <a:latin typeface="Cambria Math" panose="02040503050406030204" pitchFamily="18" charset="0"/>
-                                </a:rPr>
-                                <m:t>𝑗</m:t>
-                              </m:r>
-                              <m:r>
-                                <a:rPr lang="en-US" sz="4800" b="0" i="1" smtClean="0">
-                                  <a:solidFill>
-                                    <a:schemeClr val="tx1"/>
-                                  </a:solidFill>
-                                  <a:latin typeface="Cambria Math" panose="02040503050406030204" pitchFamily="18" charset="0"/>
-                                </a:rPr>
-                                <m:t>∗</m:t>
-                              </m:r>
-                              <m:r>
-                                <a:rPr lang="en-US" sz="4800" b="0" i="1" smtClean="0">
-                                  <a:solidFill>
-                                    <a:srgbClr val="7030A0"/>
-                                  </a:solidFill>
-                                  <a:latin typeface="Cambria Math" panose="02040503050406030204" pitchFamily="18" charset="0"/>
-                                </a:rPr>
-                                <m:t>𝑃</m:t>
-                              </m:r>
-                              <m:d>
-                                <m:dPr>
-                                  <m:ctrlPr>
-                                    <a:rPr lang="en-US" sz="4800" b="0" i="1" smtClean="0">
-                                      <a:solidFill>
-                                        <a:srgbClr val="7030A0"/>
-                                      </a:solidFill>
-                                      <a:latin typeface="Cambria Math" panose="02040503050406030204" pitchFamily="18" charset="0"/>
-                                    </a:rPr>
-                                  </m:ctrlPr>
-                                </m:dPr>
-                                <m:e>
-                                  <m:r>
-                                    <a:rPr lang="en-US" sz="4800" i="1">
-                                      <a:solidFill>
-                                        <a:srgbClr val="7030A0"/>
-                                      </a:solidFill>
-                                      <a:latin typeface="Cambria Math" panose="02040503050406030204" pitchFamily="18" charset="0"/>
-                                    </a:rPr>
-                                    <m:t>𝑋</m:t>
-                                  </m:r>
-                                  <m:r>
-                                    <a:rPr lang="en-US" sz="4800" i="1">
-                                      <a:solidFill>
-                                        <a:srgbClr val="7030A0"/>
-                                      </a:solidFill>
-                                      <a:latin typeface="Cambria Math" panose="02040503050406030204" pitchFamily="18" charset="0"/>
-                                    </a:rPr>
-                                    <m:t>=</m:t>
-                                  </m:r>
-                                  <m:r>
-                                    <a:rPr lang="en-US" sz="4800" i="1">
-                                      <a:solidFill>
-                                        <a:srgbClr val="7030A0"/>
-                                      </a:solidFill>
-                                      <a:latin typeface="Cambria Math" panose="02040503050406030204" pitchFamily="18" charset="0"/>
-                                    </a:rPr>
-                                    <m:t>𝑥𝑖</m:t>
-                                  </m:r>
-                                </m:e>
-                              </m:d>
-                              <m:r>
-                                <a:rPr lang="en-US" sz="4800" b="0" i="1" smtClean="0">
-                                  <a:solidFill>
                                     <a:srgbClr val="7030A0"/>
                                   </a:solidFill>
                                   <a:latin typeface="Cambria Math" panose="02040503050406030204" pitchFamily="18" charset="0"/>
@@ -7524,14 +7181,14 @@
             </p:nvSpPr>
             <p:spPr>
               <a:xfrm>
-                <a:off x="1" y="525704"/>
+                <a:off x="1" y="293826"/>
                 <a:ext cx="12191999" cy="1875963"/>
               </a:xfrm>
               <a:prstGeom prst="rect">
                 <a:avLst/>
               </a:prstGeom>
               <a:blipFill>
-                <a:blip r:embed="rId3"/>
+                <a:blip r:embed="rId2"/>
                 <a:stretch>
                   <a:fillRect/>
                 </a:stretch>
@@ -7568,7 +7225,7 @@
             </p:nvSpPr>
             <p:spPr>
               <a:xfrm>
-                <a:off x="0" y="4566258"/>
+                <a:off x="0" y="2709323"/>
                 <a:ext cx="12191999" cy="1875963"/>
               </a:xfrm>
               <a:prstGeom prst="rect">
@@ -7858,8 +7515,215 @@
             </p:nvSpPr>
             <p:spPr>
               <a:xfrm>
-                <a:off x="0" y="4566258"/>
+                <a:off x="0" y="2709323"/>
                 <a:ext cx="12191999" cy="1875963"/>
+              </a:xfrm>
+              <a:prstGeom prst="rect">
+                <a:avLst/>
+              </a:prstGeom>
+              <a:blipFill>
+                <a:blip r:embed="rId3"/>
+                <a:stretch>
+                  <a:fillRect/>
+                </a:stretch>
+              </a:blipFill>
+            </p:spPr>
+            <p:txBody>
+              <a:bodyPr/>
+              <a:lstStyle/>
+              <a:p>
+                <a:r>
+                  <a:rPr lang="en-US">
+                    <a:noFill/>
+                  </a:rPr>
+                  <a:t> </a:t>
+                </a:r>
+              </a:p>
+            </p:txBody>
+          </p:sp>
+        </mc:Fallback>
+      </mc:AlternateContent>
+      <mc:AlternateContent xmlns:mc="http://schemas.openxmlformats.org/markup-compatibility/2006">
+        <mc:Choice xmlns:a14="http://schemas.microsoft.com/office/drawing/2010/main" Requires="a14">
+          <p:sp>
+            <p:nvSpPr>
+              <p:cNvPr id="5" name="TextBox 4">
+                <a:extLst>
+                  <a:ext uri="{FF2B5EF4-FFF2-40B4-BE49-F238E27FC236}">
+                    <a16:creationId xmlns:a16="http://schemas.microsoft.com/office/drawing/2014/main" id="{1C1C4687-EC54-4A95-9CE0-61EADF0DD47C}"/>
+                  </a:ext>
+                </a:extLst>
+              </p:cNvPr>
+              <p:cNvSpPr txBox="1"/>
+              <p:nvPr/>
+            </p:nvSpPr>
+            <p:spPr>
+              <a:xfrm>
+                <a:off x="0" y="4969566"/>
+                <a:ext cx="6977576" cy="738664"/>
+              </a:xfrm>
+              <a:prstGeom prst="rect">
+                <a:avLst/>
+              </a:prstGeom>
+              <a:noFill/>
+            </p:spPr>
+            <p:txBody>
+              <a:bodyPr wrap="square" lIns="0" tIns="0" rIns="0" bIns="0" rtlCol="0">
+                <a:spAutoFit/>
+              </a:bodyPr>
+              <a:lstStyle/>
+              <a:p>
+                <a:pPr/>
+                <a14:m>
+                  <m:oMathPara xmlns:m="http://schemas.openxmlformats.org/officeDocument/2006/math">
+                    <m:oMathParaPr>
+                      <m:jc m:val="centerGroup"/>
+                    </m:oMathParaPr>
+                    <m:oMath xmlns:m="http://schemas.openxmlformats.org/officeDocument/2006/math">
+                      <m:r>
+                        <a:rPr lang="en-US" sz="4800" b="0" i="1" smtClean="0">
+                          <a:latin typeface="Cambria Math" panose="02040503050406030204" pitchFamily="18" charset="0"/>
+                        </a:rPr>
+                        <m:t>𝐸</m:t>
+                      </m:r>
+                      <m:d>
+                        <m:dPr>
+                          <m:ctrlPr>
+                            <a:rPr lang="en-US" sz="4800" i="1">
+                              <a:latin typeface="Cambria Math" panose="02040503050406030204" pitchFamily="18" charset="0"/>
+                            </a:rPr>
+                          </m:ctrlPr>
+                        </m:dPr>
+                        <m:e>
+                          <m:r>
+                            <a:rPr lang="en-US" sz="4800" i="1">
+                              <a:solidFill>
+                                <a:srgbClr val="C00000"/>
+                              </a:solidFill>
+                              <a:latin typeface="Cambria Math" panose="02040503050406030204" pitchFamily="18" charset="0"/>
+                            </a:rPr>
+                            <m:t>𝑋</m:t>
+                          </m:r>
+                          <m:r>
+                            <a:rPr lang="en-US" sz="4800" i="1" smtClean="0">
+                              <a:solidFill>
+                                <a:srgbClr val="002060"/>
+                              </a:solidFill>
+                              <a:latin typeface="Cambria Math" panose="02040503050406030204" pitchFamily="18" charset="0"/>
+                            </a:rPr>
+                            <m:t>𝑌</m:t>
+                          </m:r>
+                        </m:e>
+                      </m:d>
+                      <m:r>
+                        <a:rPr lang="en-US" sz="4800" b="0" i="1" smtClean="0">
+                          <a:solidFill>
+                            <a:schemeClr val="tx1"/>
+                          </a:solidFill>
+                          <a:latin typeface="Cambria Math" panose="02040503050406030204" pitchFamily="18" charset="0"/>
+                        </a:rPr>
+                        <m:t>=</m:t>
+                      </m:r>
+                      <m:r>
+                        <a:rPr lang="en-US" sz="4800" b="0" i="1" smtClean="0">
+                          <a:solidFill>
+                            <a:schemeClr val="tx1"/>
+                          </a:solidFill>
+                          <a:latin typeface="Cambria Math" panose="02040503050406030204" pitchFamily="18" charset="0"/>
+                        </a:rPr>
+                        <m:t>𝐸</m:t>
+                      </m:r>
+                      <m:r>
+                        <a:rPr lang="en-US" sz="4800" b="0" i="1" smtClean="0">
+                          <a:solidFill>
+                            <a:schemeClr val="tx1"/>
+                          </a:solidFill>
+                          <a:latin typeface="Cambria Math" panose="02040503050406030204" pitchFamily="18" charset="0"/>
+                        </a:rPr>
+                        <m:t>(</m:t>
+                      </m:r>
+                      <m:r>
+                        <a:rPr lang="en-US" sz="4800" i="1">
+                          <a:solidFill>
+                            <a:srgbClr val="C00000"/>
+                          </a:solidFill>
+                          <a:latin typeface="Cambria Math" panose="02040503050406030204" pitchFamily="18" charset="0"/>
+                        </a:rPr>
+                        <m:t>𝑋</m:t>
+                      </m:r>
+                      <m:r>
+                        <a:rPr lang="en-US" sz="4800" b="0" i="1" smtClean="0">
+                          <a:solidFill>
+                            <a:schemeClr val="tx1"/>
+                          </a:solidFill>
+                          <a:latin typeface="Cambria Math" panose="02040503050406030204" pitchFamily="18" charset="0"/>
+                        </a:rPr>
+                        <m:t>)</m:t>
+                      </m:r>
+                      <m:r>
+                        <a:rPr lang="en-US" sz="4800" i="1">
+                          <a:latin typeface="Cambria Math" panose="02040503050406030204" pitchFamily="18" charset="0"/>
+                        </a:rPr>
+                        <m:t>∗</m:t>
+                      </m:r>
+                      <m:r>
+                        <a:rPr lang="en-US" sz="4800" b="0" i="1" smtClean="0">
+                          <a:latin typeface="Cambria Math" panose="02040503050406030204" pitchFamily="18" charset="0"/>
+                        </a:rPr>
+                        <m:t>𝐸</m:t>
+                      </m:r>
+                      <m:r>
+                        <a:rPr lang="en-US" sz="4800" b="0" i="1" smtClean="0">
+                          <a:latin typeface="Cambria Math" panose="02040503050406030204" pitchFamily="18" charset="0"/>
+                        </a:rPr>
+                        <m:t>(</m:t>
+                      </m:r>
+                      <m:r>
+                        <a:rPr lang="en-US" sz="4800" i="1">
+                          <a:solidFill>
+                            <a:srgbClr val="002060"/>
+                          </a:solidFill>
+                          <a:latin typeface="Cambria Math" panose="02040503050406030204" pitchFamily="18" charset="0"/>
+                        </a:rPr>
+                        <m:t>𝑌</m:t>
+                      </m:r>
+                      <m:r>
+                        <a:rPr lang="en-US" sz="4800" b="0" i="1" smtClean="0">
+                          <a:latin typeface="Cambria Math" panose="02040503050406030204" pitchFamily="18" charset="0"/>
+                        </a:rPr>
+                        <m:t>)</m:t>
+                      </m:r>
+                    </m:oMath>
+                  </m:oMathPara>
+                </a14:m>
+                <a:endParaRPr lang="en-US" sz="4800" b="0">
+                  <a:solidFill>
+                    <a:srgbClr val="7030A0"/>
+                  </a:solidFill>
+                </a:endParaRPr>
+              </a:p>
+            </p:txBody>
+          </p:sp>
+        </mc:Choice>
+        <mc:Fallback>
+          <p:sp>
+            <p:nvSpPr>
+              <p:cNvPr id="5" name="TextBox 4">
+                <a:extLst>
+                  <a:ext uri="{FF2B5EF4-FFF2-40B4-BE49-F238E27FC236}">
+                    <a16:creationId xmlns:a16="http://schemas.microsoft.com/office/drawing/2014/main" id="{1C1C4687-EC54-4A95-9CE0-61EADF0DD47C}"/>
+                  </a:ext>
+                </a:extLst>
+              </p:cNvPr>
+              <p:cNvSpPr txBox="1">
+                <a:spLocks noRot="1" noChangeAspect="1" noMove="1" noResize="1" noEditPoints="1" noAdjustHandles="1" noChangeArrowheads="1" noChangeShapeType="1" noTextEdit="1"/>
+              </p:cNvSpPr>
+              <p:nvPr/>
+            </p:nvSpPr>
+            <p:spPr>
+              <a:xfrm>
+                <a:off x="0" y="4969566"/>
+                <a:ext cx="6977576" cy="738664"/>
               </a:xfrm>
               <a:prstGeom prst="rect">
                 <a:avLst/>

--- a/ps/ps_images.pptx
+++ b/ps/ps_images.pptx
@@ -266,7 +266,7 @@
           <a:p>
             <a:fld id="{A87D8ACD-2932-4696-A411-35B4FCC980C6}" type="datetimeFigureOut">
               <a:rPr lang="en-US" smtClean="0"/>
-              <a:t>01-Apr-21</a:t>
+              <a:t>02-Apr-21</a:t>
             </a:fld>
             <a:endParaRPr lang="en-US"/>
           </a:p>
@@ -464,7 +464,7 @@
           <a:p>
             <a:fld id="{A87D8ACD-2932-4696-A411-35B4FCC980C6}" type="datetimeFigureOut">
               <a:rPr lang="en-US" smtClean="0"/>
-              <a:t>01-Apr-21</a:t>
+              <a:t>02-Apr-21</a:t>
             </a:fld>
             <a:endParaRPr lang="en-US"/>
           </a:p>
@@ -672,7 +672,7 @@
           <a:p>
             <a:fld id="{A87D8ACD-2932-4696-A411-35B4FCC980C6}" type="datetimeFigureOut">
               <a:rPr lang="en-US" smtClean="0"/>
-              <a:t>01-Apr-21</a:t>
+              <a:t>02-Apr-21</a:t>
             </a:fld>
             <a:endParaRPr lang="en-US"/>
           </a:p>
@@ -870,7 +870,7 @@
           <a:p>
             <a:fld id="{A87D8ACD-2932-4696-A411-35B4FCC980C6}" type="datetimeFigureOut">
               <a:rPr lang="en-US" smtClean="0"/>
-              <a:t>01-Apr-21</a:t>
+              <a:t>02-Apr-21</a:t>
             </a:fld>
             <a:endParaRPr lang="en-US"/>
           </a:p>
@@ -1145,7 +1145,7 @@
           <a:p>
             <a:fld id="{A87D8ACD-2932-4696-A411-35B4FCC980C6}" type="datetimeFigureOut">
               <a:rPr lang="en-US" smtClean="0"/>
-              <a:t>01-Apr-21</a:t>
+              <a:t>02-Apr-21</a:t>
             </a:fld>
             <a:endParaRPr lang="en-US"/>
           </a:p>
@@ -1410,7 +1410,7 @@
           <a:p>
             <a:fld id="{A87D8ACD-2932-4696-A411-35B4FCC980C6}" type="datetimeFigureOut">
               <a:rPr lang="en-US" smtClean="0"/>
-              <a:t>01-Apr-21</a:t>
+              <a:t>02-Apr-21</a:t>
             </a:fld>
             <a:endParaRPr lang="en-US"/>
           </a:p>
@@ -1822,7 +1822,7 @@
           <a:p>
             <a:fld id="{A87D8ACD-2932-4696-A411-35B4FCC980C6}" type="datetimeFigureOut">
               <a:rPr lang="en-US" smtClean="0"/>
-              <a:t>01-Apr-21</a:t>
+              <a:t>02-Apr-21</a:t>
             </a:fld>
             <a:endParaRPr lang="en-US"/>
           </a:p>
@@ -1963,7 +1963,7 @@
           <a:p>
             <a:fld id="{A87D8ACD-2932-4696-A411-35B4FCC980C6}" type="datetimeFigureOut">
               <a:rPr lang="en-US" smtClean="0"/>
-              <a:t>01-Apr-21</a:t>
+              <a:t>02-Apr-21</a:t>
             </a:fld>
             <a:endParaRPr lang="en-US"/>
           </a:p>
@@ -2076,7 +2076,7 @@
           <a:p>
             <a:fld id="{A87D8ACD-2932-4696-A411-35B4FCC980C6}" type="datetimeFigureOut">
               <a:rPr lang="en-US" smtClean="0"/>
-              <a:t>01-Apr-21</a:t>
+              <a:t>02-Apr-21</a:t>
             </a:fld>
             <a:endParaRPr lang="en-US"/>
           </a:p>
@@ -2387,7 +2387,7 @@
           <a:p>
             <a:fld id="{A87D8ACD-2932-4696-A411-35B4FCC980C6}" type="datetimeFigureOut">
               <a:rPr lang="en-US" smtClean="0"/>
-              <a:t>01-Apr-21</a:t>
+              <a:t>02-Apr-21</a:t>
             </a:fld>
             <a:endParaRPr lang="en-US"/>
           </a:p>
@@ -2675,7 +2675,7 @@
           <a:p>
             <a:fld id="{A87D8ACD-2932-4696-A411-35B4FCC980C6}" type="datetimeFigureOut">
               <a:rPr lang="en-US" smtClean="0"/>
-              <a:t>01-Apr-21</a:t>
+              <a:t>02-Apr-21</a:t>
             </a:fld>
             <a:endParaRPr lang="en-US"/>
           </a:p>
@@ -2916,7 +2916,7 @@
           <a:p>
             <a:fld id="{A87D8ACD-2932-4696-A411-35B4FCC980C6}" type="datetimeFigureOut">
               <a:rPr lang="en-US" smtClean="0"/>
-              <a:t>01-Apr-21</a:t>
+              <a:t>02-Apr-21</a:t>
             </a:fld>
             <a:endParaRPr lang="en-US"/>
           </a:p>
@@ -3333,8 +3333,8 @@
           <a:chExt cx="0" cy="0"/>
         </a:xfrm>
       </p:grpSpPr>
-      <mc:AlternateContent xmlns:mc="http://schemas.openxmlformats.org/markup-compatibility/2006">
-        <mc:Choice xmlns:a14="http://schemas.microsoft.com/office/drawing/2010/main" Requires="a14">
+      <mc:AlternateContent xmlns:mc="http://schemas.openxmlformats.org/markup-compatibility/2006" xmlns:a14="http://schemas.microsoft.com/office/drawing/2010/main">
+        <mc:Choice Requires="a14">
           <p:sp>
             <p:nvSpPr>
               <p:cNvPr id="6" name="TextBox 5">
@@ -3594,7 +3594,7 @@
             </p:txBody>
           </p:sp>
         </mc:Choice>
-        <mc:Fallback>
+        <mc:Fallback xmlns="">
           <p:sp>
             <p:nvSpPr>
               <p:cNvPr id="6" name="TextBox 5">
@@ -3639,8 +3639,8 @@
           </p:sp>
         </mc:Fallback>
       </mc:AlternateContent>
-      <mc:AlternateContent xmlns:mc="http://schemas.openxmlformats.org/markup-compatibility/2006">
-        <mc:Choice xmlns:a14="http://schemas.microsoft.com/office/drawing/2010/main" Requires="a14">
+      <mc:AlternateContent xmlns:mc="http://schemas.openxmlformats.org/markup-compatibility/2006" xmlns:a14="http://schemas.microsoft.com/office/drawing/2010/main">
+        <mc:Choice Requires="a14">
           <p:sp>
             <p:nvSpPr>
               <p:cNvPr id="7" name="TextBox 6">
@@ -3894,7 +3894,7 @@
             </p:txBody>
           </p:sp>
         </mc:Choice>
-        <mc:Fallback>
+        <mc:Fallback xmlns="">
           <p:sp>
             <p:nvSpPr>
               <p:cNvPr id="7" name="TextBox 6">
@@ -3969,8 +3969,8 @@
           <a:chExt cx="0" cy="0"/>
         </a:xfrm>
       </p:grpSpPr>
-      <mc:AlternateContent xmlns:mc="http://schemas.openxmlformats.org/markup-compatibility/2006">
-        <mc:Choice xmlns:a14="http://schemas.microsoft.com/office/drawing/2010/main" Requires="a14">
+      <mc:AlternateContent xmlns:mc="http://schemas.openxmlformats.org/markup-compatibility/2006" xmlns:a14="http://schemas.microsoft.com/office/drawing/2010/main">
+        <mc:Choice Requires="a14">
           <p:sp>
             <p:nvSpPr>
               <p:cNvPr id="5" name="TextBox 4">
@@ -4205,7 +4205,7 @@
             </p:txBody>
           </p:sp>
         </mc:Choice>
-        <mc:Fallback>
+        <mc:Fallback xmlns="">
           <p:sp>
             <p:nvSpPr>
               <p:cNvPr id="5" name="TextBox 4">
@@ -4250,8 +4250,8 @@
           </p:sp>
         </mc:Fallback>
       </mc:AlternateContent>
-      <mc:AlternateContent xmlns:mc="http://schemas.openxmlformats.org/markup-compatibility/2006">
-        <mc:Choice xmlns:a14="http://schemas.microsoft.com/office/drawing/2010/main" Requires="a14">
+      <mc:AlternateContent xmlns:mc="http://schemas.openxmlformats.org/markup-compatibility/2006" xmlns:a14="http://schemas.microsoft.com/office/drawing/2010/main">
+        <mc:Choice Requires="a14">
           <p:sp>
             <p:nvSpPr>
               <p:cNvPr id="6" name="TextBox 5">
@@ -4384,13 +4384,7 @@
                             <a:rPr lang="en-US" sz="4800" b="0" i="1" smtClean="0">
                               <a:latin typeface="Cambria Math" panose="02040503050406030204" pitchFamily="18" charset="0"/>
                             </a:rPr>
-                            <m:t>=</m:t>
-                          </m:r>
-                          <m:r>
-                            <a:rPr lang="en-US" sz="4800" b="0" i="1" smtClean="0">
-                              <a:latin typeface="Cambria Math" panose="02040503050406030204" pitchFamily="18" charset="0"/>
-                            </a:rPr>
-                            <m:t>1</m:t>
+                            <m:t>=1</m:t>
                           </m:r>
                         </m:sub>
                         <m:sup>
@@ -4448,16 +4442,7 @@
                                   </a:solidFill>
                                   <a:latin typeface="Cambria Math" panose="02040503050406030204" pitchFamily="18" charset="0"/>
                                 </a:rPr>
-                                <m:t>𝑥</m:t>
-                              </m:r>
-                              <m:r>
-                                <a:rPr lang="en-US" sz="4800" i="1" baseline="-25000">
-                                  <a:solidFill>
-                                    <a:srgbClr val="7030A0"/>
-                                  </a:solidFill>
-                                  <a:latin typeface="Cambria Math" panose="02040503050406030204" pitchFamily="18" charset="0"/>
-                                </a:rPr>
-                                <m:t>𝑖</m:t>
+                                <m:t>𝑥𝑖</m:t>
                               </m:r>
                               <m:r>
                                 <a:rPr lang="en-US" sz="4800" b="0" i="1" smtClean="0">
@@ -4516,7 +4501,7 @@
             </p:txBody>
           </p:sp>
         </mc:Choice>
-        <mc:Fallback>
+        <mc:Fallback xmlns="">
           <p:sp>
             <p:nvSpPr>
               <p:cNvPr id="6" name="TextBox 5">
@@ -4561,8 +4546,8 @@
           </p:sp>
         </mc:Fallback>
       </mc:AlternateContent>
-      <mc:AlternateContent xmlns:mc="http://schemas.openxmlformats.org/markup-compatibility/2006">
-        <mc:Choice xmlns:a14="http://schemas.microsoft.com/office/drawing/2010/main" Requires="a14">
+      <mc:AlternateContent xmlns:mc="http://schemas.openxmlformats.org/markup-compatibility/2006" xmlns:a14="http://schemas.microsoft.com/office/drawing/2010/main">
+        <mc:Choice Requires="a14">
           <p:sp>
             <p:nvSpPr>
               <p:cNvPr id="7" name="TextBox 6">
@@ -4912,7 +4897,7 @@
             </p:txBody>
           </p:sp>
         </mc:Choice>
-        <mc:Fallback>
+        <mc:Fallback xmlns="">
           <p:sp>
             <p:nvSpPr>
               <p:cNvPr id="7" name="TextBox 6">
@@ -4987,8 +4972,8 @@
           <a:chExt cx="0" cy="0"/>
         </a:xfrm>
       </p:grpSpPr>
-      <mc:AlternateContent xmlns:mc="http://schemas.openxmlformats.org/markup-compatibility/2006">
-        <mc:Choice xmlns:a14="http://schemas.microsoft.com/office/drawing/2010/main" Requires="a14">
+      <mc:AlternateContent xmlns:mc="http://schemas.openxmlformats.org/markup-compatibility/2006" xmlns:a14="http://schemas.microsoft.com/office/drawing/2010/main">
+        <mc:Choice Requires="a14">
           <p:sp>
             <p:nvSpPr>
               <p:cNvPr id="5" name="TextBox 4">
@@ -5082,13 +5067,7 @@
                                 <a:rPr lang="en-US" sz="4400" i="1">
                                   <a:latin typeface="Cambria Math" panose="02040503050406030204" pitchFamily="18" charset="0"/>
                                 </a:rPr>
-                                <m:t>=</m:t>
-                              </m:r>
-                              <m:r>
-                                <a:rPr lang="en-US" sz="4400" i="1">
-                                  <a:latin typeface="Cambria Math" panose="02040503050406030204" pitchFamily="18" charset="0"/>
-                                </a:rPr>
-                                <m:t>1</m:t>
+                                <m:t>=1</m:t>
                               </m:r>
                             </m:sub>
                             <m:sup>
@@ -5335,7 +5314,7 @@
             </p:txBody>
           </p:sp>
         </mc:Choice>
-        <mc:Fallback>
+        <mc:Fallback xmlns="">
           <p:sp>
             <p:nvSpPr>
               <p:cNvPr id="5" name="TextBox 4">
@@ -5380,8 +5359,8 @@
           </p:sp>
         </mc:Fallback>
       </mc:AlternateContent>
-      <mc:AlternateContent xmlns:mc="http://schemas.openxmlformats.org/markup-compatibility/2006">
-        <mc:Choice xmlns:a14="http://schemas.microsoft.com/office/drawing/2010/main" Requires="a14">
+      <mc:AlternateContent xmlns:mc="http://schemas.openxmlformats.org/markup-compatibility/2006" xmlns:a14="http://schemas.microsoft.com/office/drawing/2010/main">
+        <mc:Choice Requires="a14">
           <p:sp>
             <p:nvSpPr>
               <p:cNvPr id="10" name="TextBox 9">
@@ -5664,7 +5643,7 @@
             </p:txBody>
           </p:sp>
         </mc:Choice>
-        <mc:Fallback>
+        <mc:Fallback xmlns="">
           <p:sp>
             <p:nvSpPr>
               <p:cNvPr id="10" name="TextBox 9">
@@ -5709,8 +5688,8 @@
           </p:sp>
         </mc:Fallback>
       </mc:AlternateContent>
-      <mc:AlternateContent xmlns:mc="http://schemas.openxmlformats.org/markup-compatibility/2006">
-        <mc:Choice xmlns:a14="http://schemas.microsoft.com/office/drawing/2010/main" Requires="a14">
+      <mc:AlternateContent xmlns:mc="http://schemas.openxmlformats.org/markup-compatibility/2006" xmlns:a14="http://schemas.microsoft.com/office/drawing/2010/main">
+        <mc:Choice Requires="a14">
           <p:sp>
             <p:nvSpPr>
               <p:cNvPr id="11" name="TextBox 10">
@@ -5804,13 +5783,7 @@
                                 <a:rPr lang="en-US" sz="4400" i="1">
                                   <a:latin typeface="Cambria Math" panose="02040503050406030204" pitchFamily="18" charset="0"/>
                                 </a:rPr>
-                                <m:t>=</m:t>
-                              </m:r>
-                              <m:r>
-                                <a:rPr lang="en-US" sz="4400" i="1">
-                                  <a:latin typeface="Cambria Math" panose="02040503050406030204" pitchFamily="18" charset="0"/>
-                                </a:rPr>
-                                <m:t>1</m:t>
+                                <m:t>=1</m:t>
                               </m:r>
                             </m:sub>
                             <m:sup>
@@ -5994,7 +5967,7 @@
             </p:txBody>
           </p:sp>
         </mc:Choice>
-        <mc:Fallback>
+        <mc:Fallback xmlns="">
           <p:sp>
             <p:nvSpPr>
               <p:cNvPr id="11" name="TextBox 10">
@@ -6507,8 +6480,8 @@
           </p:sp>
         </mc:Fallback>
       </mc:AlternateContent>
-      <mc:AlternateContent xmlns:mc="http://schemas.openxmlformats.org/markup-compatibility/2006">
-        <mc:Choice xmlns:a14="http://schemas.microsoft.com/office/drawing/2010/main" Requires="a14">
+      <mc:AlternateContent xmlns:mc="http://schemas.openxmlformats.org/markup-compatibility/2006" xmlns:a14="http://schemas.microsoft.com/office/drawing/2010/main">
+        <mc:Choice Requires="a14">
           <p:sp>
             <p:nvSpPr>
               <p:cNvPr id="5" name="TextBox 4">
@@ -6791,7 +6764,7 @@
             </p:txBody>
           </p:sp>
         </mc:Choice>
-        <mc:Fallback>
+        <mc:Fallback xmlns="">
           <p:sp>
             <p:nvSpPr>
               <p:cNvPr id="5" name="TextBox 4">
@@ -6866,8 +6839,8 @@
           <a:chExt cx="0" cy="0"/>
         </a:xfrm>
       </p:grpSpPr>
-      <mc:AlternateContent xmlns:mc="http://schemas.openxmlformats.org/markup-compatibility/2006">
-        <mc:Choice xmlns:a14="http://schemas.microsoft.com/office/drawing/2010/main" Requires="a14">
+      <mc:AlternateContent xmlns:mc="http://schemas.openxmlformats.org/markup-compatibility/2006" xmlns:a14="http://schemas.microsoft.com/office/drawing/2010/main">
+        <mc:Choice Requires="a14">
           <p:sp>
             <p:nvSpPr>
               <p:cNvPr id="3" name="TextBox 2">
@@ -7164,7 +7137,7 @@
             </p:txBody>
           </p:sp>
         </mc:Choice>
-        <mc:Fallback>
+        <mc:Fallback xmlns="">
           <p:sp>
             <p:nvSpPr>
               <p:cNvPr id="3" name="TextBox 2">
@@ -7209,8 +7182,8 @@
           </p:sp>
         </mc:Fallback>
       </mc:AlternateContent>
-      <mc:AlternateContent xmlns:mc="http://schemas.openxmlformats.org/markup-compatibility/2006">
-        <mc:Choice xmlns:a14="http://schemas.microsoft.com/office/drawing/2010/main" Requires="a14">
+      <mc:AlternateContent xmlns:mc="http://schemas.openxmlformats.org/markup-compatibility/2006" xmlns:a14="http://schemas.microsoft.com/office/drawing/2010/main">
+        <mc:Choice Requires="a14">
           <p:sp>
             <p:nvSpPr>
               <p:cNvPr id="4" name="TextBox 3">
@@ -7498,7 +7471,7 @@
             </p:txBody>
           </p:sp>
         </mc:Choice>
-        <mc:Fallback>
+        <mc:Fallback xmlns="">
           <p:sp>
             <p:nvSpPr>
               <p:cNvPr id="4" name="TextBox 3">
@@ -7543,8 +7516,8 @@
           </p:sp>
         </mc:Fallback>
       </mc:AlternateContent>
-      <mc:AlternateContent xmlns:mc="http://schemas.openxmlformats.org/markup-compatibility/2006">
-        <mc:Choice xmlns:a14="http://schemas.microsoft.com/office/drawing/2010/main" Requires="a14">
+      <mc:AlternateContent xmlns:mc="http://schemas.openxmlformats.org/markup-compatibility/2006" xmlns:a14="http://schemas.microsoft.com/office/drawing/2010/main">
+        <mc:Choice Requires="a14">
           <p:sp>
             <p:nvSpPr>
               <p:cNvPr id="5" name="TextBox 4">
@@ -7705,7 +7678,7 @@
             </p:txBody>
           </p:sp>
         </mc:Choice>
-        <mc:Fallback>
+        <mc:Fallback xmlns="">
           <p:sp>
             <p:nvSpPr>
               <p:cNvPr id="5" name="TextBox 4">
@@ -10169,8 +10142,8 @@
           </p:sp>
         </mc:Fallback>
       </mc:AlternateContent>
-      <mc:AlternateContent xmlns:mc="http://schemas.openxmlformats.org/markup-compatibility/2006" xmlns:a14="http://schemas.microsoft.com/office/drawing/2010/main">
-        <mc:Choice Requires="a14">
+      <mc:AlternateContent xmlns:mc="http://schemas.openxmlformats.org/markup-compatibility/2006">
+        <mc:Choice xmlns:a14="http://schemas.microsoft.com/office/drawing/2010/main" Requires="a14">
           <p:sp>
             <p:nvSpPr>
               <p:cNvPr id="4" name="TextBox 3">
@@ -10185,7 +10158,7 @@
             </p:nvSpPr>
             <p:spPr>
               <a:xfrm>
-                <a:off x="1511515" y="849443"/>
+                <a:off x="1511515" y="299132"/>
                 <a:ext cx="8859479" cy="1100622"/>
               </a:xfrm>
               <a:prstGeom prst="rect">
@@ -10427,7 +10400,7 @@
             </p:txBody>
           </p:sp>
         </mc:Choice>
-        <mc:Fallback xmlns="">
+        <mc:Fallback>
           <p:sp>
             <p:nvSpPr>
               <p:cNvPr id="4" name="TextBox 3">
@@ -10444,7 +10417,7 @@
             </p:nvSpPr>
             <p:spPr>
               <a:xfrm>
-                <a:off x="1511515" y="849443"/>
+                <a:off x="1511515" y="299132"/>
                 <a:ext cx="8859479" cy="1100622"/>
               </a:xfrm>
               <a:prstGeom prst="rect">
@@ -10454,6 +10427,280 @@
                 <a:blip r:embed="rId4"/>
                 <a:stretch>
                   <a:fillRect l="-4198" b="-17127"/>
+                </a:stretch>
+              </a:blipFill>
+            </p:spPr>
+            <p:txBody>
+              <a:bodyPr/>
+              <a:lstStyle/>
+              <a:p>
+                <a:r>
+                  <a:rPr lang="en-US">
+                    <a:noFill/>
+                  </a:rPr>
+                  <a:t> </a:t>
+                </a:r>
+              </a:p>
+            </p:txBody>
+          </p:sp>
+        </mc:Fallback>
+      </mc:AlternateContent>
+      <mc:AlternateContent xmlns:mc="http://schemas.openxmlformats.org/markup-compatibility/2006">
+        <mc:Choice xmlns:a14="http://schemas.microsoft.com/office/drawing/2010/main" Requires="a14">
+          <p:sp>
+            <p:nvSpPr>
+              <p:cNvPr id="5" name="TextBox 4">
+                <a:extLst>
+                  <a:ext uri="{FF2B5EF4-FFF2-40B4-BE49-F238E27FC236}">
+                    <a16:creationId xmlns:a16="http://schemas.microsoft.com/office/drawing/2014/main" id="{CE385A32-9DA1-40F8-AB60-647C03F96E6F}"/>
+                  </a:ext>
+                </a:extLst>
+              </p:cNvPr>
+              <p:cNvSpPr txBox="1"/>
+              <p:nvPr/>
+            </p:nvSpPr>
+            <p:spPr>
+              <a:xfrm>
+                <a:off x="0" y="1926337"/>
+                <a:ext cx="12192000" cy="615553"/>
+              </a:xfrm>
+              <a:prstGeom prst="rect">
+                <a:avLst/>
+              </a:prstGeom>
+              <a:noFill/>
+            </p:spPr>
+            <p:txBody>
+              <a:bodyPr wrap="square" lIns="0" tIns="0" rIns="0" bIns="0" rtlCol="0">
+                <a:spAutoFit/>
+              </a:bodyPr>
+              <a:lstStyle/>
+              <a:p>
+                <a14:m>
+                  <m:oMathPara xmlns:m="http://schemas.openxmlformats.org/officeDocument/2006/math">
+                    <m:oMathParaPr>
+                      <m:jc m:val="centerGroup"/>
+                    </m:oMathParaPr>
+                    <m:oMath xmlns:m="http://schemas.openxmlformats.org/officeDocument/2006/math">
+                      <m:r>
+                        <m:rPr>
+                          <m:nor/>
+                        </m:rPr>
+                        <a:rPr lang="en-US" sz="4000" smtClean="0">
+                          <a:latin typeface="Cambria Math" panose="02040503050406030204" pitchFamily="18" charset="0"/>
+                        </a:rPr>
+                        <m:t>Var</m:t>
+                      </m:r>
+                      <m:r>
+                        <m:rPr>
+                          <m:nor/>
+                        </m:rPr>
+                        <a:rPr lang="en-US" sz="4000" smtClean="0">
+                          <a:latin typeface="Cambria Math" panose="02040503050406030204" pitchFamily="18" charset="0"/>
+                        </a:rPr>
+                        <m:t>[</m:t>
+                      </m:r>
+                      <m:r>
+                        <a:rPr lang="en-US" sz="4000" i="1">
+                          <a:solidFill>
+                            <a:srgbClr val="C00000"/>
+                          </a:solidFill>
+                          <a:latin typeface="Cambria Math" panose="02040503050406030204" pitchFamily="18" charset="0"/>
+                        </a:rPr>
+                        <m:t>𝑋</m:t>
+                      </m:r>
+                      <m:r>
+                        <a:rPr lang="en-US" sz="4000" i="1">
+                          <a:latin typeface="Cambria Math" panose="02040503050406030204" pitchFamily="18" charset="0"/>
+                        </a:rPr>
+                        <m:t>+</m:t>
+                      </m:r>
+                      <m:r>
+                        <a:rPr lang="en-US" sz="4000" i="1">
+                          <a:solidFill>
+                            <a:srgbClr val="002060"/>
+                          </a:solidFill>
+                          <a:latin typeface="Cambria Math" panose="02040503050406030204" pitchFamily="18" charset="0"/>
+                        </a:rPr>
+                        <m:t>𝑌</m:t>
+                      </m:r>
+                      <m:r>
+                        <m:rPr>
+                          <m:nor/>
+                        </m:rPr>
+                        <a:rPr lang="en-US" sz="4000">
+                          <a:latin typeface="Cambria Math" panose="02040503050406030204" pitchFamily="18" charset="0"/>
+                        </a:rPr>
+                        <m:t>]</m:t>
+                      </m:r>
+                      <m:r>
+                        <a:rPr lang="en-US" sz="4000">
+                          <a:latin typeface="Cambria Math" panose="02040503050406030204" pitchFamily="18" charset="0"/>
+                        </a:rPr>
+                        <m:t>=</m:t>
+                      </m:r>
+                      <m:r>
+                        <a:rPr lang="en-US" sz="4000" i="1">
+                          <a:latin typeface="Cambria Math" panose="02040503050406030204" pitchFamily="18" charset="0"/>
+                        </a:rPr>
+                        <m:t>𝐸</m:t>
+                      </m:r>
+                      <m:d>
+                        <m:dPr>
+                          <m:begChr m:val="["/>
+                          <m:endChr m:val="]"/>
+                          <m:ctrlPr>
+                            <a:rPr lang="en-US" sz="4000" i="1" smtClean="0">
+                              <a:solidFill>
+                                <a:schemeClr val="tx1"/>
+                              </a:solidFill>
+                              <a:latin typeface="Cambria Math" panose="02040503050406030204" pitchFamily="18" charset="0"/>
+                            </a:rPr>
+                          </m:ctrlPr>
+                        </m:dPr>
+                        <m:e>
+                          <m:r>
+                            <a:rPr lang="en-US" sz="4000" b="0" i="1" smtClean="0">
+                              <a:solidFill>
+                                <a:schemeClr val="tx1"/>
+                              </a:solidFill>
+                              <a:latin typeface="Cambria Math" panose="02040503050406030204" pitchFamily="18" charset="0"/>
+                            </a:rPr>
+                            <m:t>(</m:t>
+                          </m:r>
+                          <m:r>
+                            <a:rPr lang="en-US" sz="4000" i="1">
+                              <a:solidFill>
+                                <a:srgbClr val="C00000"/>
+                              </a:solidFill>
+                              <a:latin typeface="Cambria Math" panose="02040503050406030204" pitchFamily="18" charset="0"/>
+                            </a:rPr>
+                            <m:t>𝑋</m:t>
+                          </m:r>
+                          <m:r>
+                            <a:rPr lang="en-US" sz="4000" i="1">
+                              <a:latin typeface="Cambria Math" panose="02040503050406030204" pitchFamily="18" charset="0"/>
+                            </a:rPr>
+                            <m:t>+</m:t>
+                          </m:r>
+                          <m:r>
+                            <a:rPr lang="en-US" sz="4000" i="1">
+                              <a:solidFill>
+                                <a:srgbClr val="002060"/>
+                              </a:solidFill>
+                              <a:latin typeface="Cambria Math" panose="02040503050406030204" pitchFamily="18" charset="0"/>
+                            </a:rPr>
+                            <m:t>𝑌</m:t>
+                          </m:r>
+                          <m:r>
+                            <a:rPr lang="en-US" sz="4000" b="0" i="1" smtClean="0">
+                              <a:solidFill>
+                                <a:schemeClr val="tx1"/>
+                              </a:solidFill>
+                              <a:latin typeface="Cambria Math" panose="02040503050406030204" pitchFamily="18" charset="0"/>
+                            </a:rPr>
+                            <m:t>)</m:t>
+                          </m:r>
+                          <m:r>
+                            <a:rPr lang="en-US" sz="4000" i="1" baseline="30000">
+                              <a:solidFill>
+                                <a:schemeClr val="tx1"/>
+                              </a:solidFill>
+                              <a:latin typeface="Cambria Math" panose="02040503050406030204" pitchFamily="18" charset="0"/>
+                            </a:rPr>
+                            <m:t>2</m:t>
+                          </m:r>
+                        </m:e>
+                      </m:d>
+                      <m:r>
+                        <a:rPr lang="en-US" sz="4000" i="1">
+                          <a:latin typeface="Cambria Math" panose="02040503050406030204" pitchFamily="18" charset="0"/>
+                        </a:rPr>
+                        <m:t>−</m:t>
+                      </m:r>
+                      <m:r>
+                        <a:rPr lang="en-US" sz="4000" i="1">
+                          <a:latin typeface="Cambria Math" panose="02040503050406030204" pitchFamily="18" charset="0"/>
+                        </a:rPr>
+                        <m:t>𝐸</m:t>
+                      </m:r>
+                      <m:d>
+                        <m:dPr>
+                          <m:begChr m:val="["/>
+                          <m:endChr m:val="]"/>
+                          <m:ctrlPr>
+                            <a:rPr lang="en-US" sz="4000" i="1">
+                              <a:latin typeface="Cambria Math" panose="02040503050406030204" pitchFamily="18" charset="0"/>
+                            </a:rPr>
+                          </m:ctrlPr>
+                        </m:dPr>
+                        <m:e>
+                          <m:r>
+                            <a:rPr lang="en-US" sz="4000" i="1">
+                              <a:solidFill>
+                                <a:srgbClr val="C00000"/>
+                              </a:solidFill>
+                              <a:latin typeface="Cambria Math" panose="02040503050406030204" pitchFamily="18" charset="0"/>
+                            </a:rPr>
+                            <m:t>𝑋</m:t>
+                          </m:r>
+                          <m:r>
+                            <a:rPr lang="en-US" sz="4000" i="1">
+                              <a:latin typeface="Cambria Math" panose="02040503050406030204" pitchFamily="18" charset="0"/>
+                            </a:rPr>
+                            <m:t>+</m:t>
+                          </m:r>
+                          <m:r>
+                            <a:rPr lang="en-US" sz="4000" i="1">
+                              <a:solidFill>
+                                <a:srgbClr val="002060"/>
+                              </a:solidFill>
+                              <a:latin typeface="Cambria Math" panose="02040503050406030204" pitchFamily="18" charset="0"/>
+                            </a:rPr>
+                            <m:t>𝑌</m:t>
+                          </m:r>
+                        </m:e>
+                      </m:d>
+                      <m:r>
+                        <a:rPr lang="en-US" sz="4000" i="1" baseline="30000">
+                          <a:latin typeface="Cambria Math" panose="02040503050406030204" pitchFamily="18" charset="0"/>
+                        </a:rPr>
+                        <m:t>2</m:t>
+                      </m:r>
+                    </m:oMath>
+                  </m:oMathPara>
+                </a14:m>
+                <a:endParaRPr lang="en-US" sz="4000"/>
+              </a:p>
+            </p:txBody>
+          </p:sp>
+        </mc:Choice>
+        <mc:Fallback>
+          <p:sp>
+            <p:nvSpPr>
+              <p:cNvPr id="5" name="TextBox 4">
+                <a:extLst>
+                  <a:ext uri="{FF2B5EF4-FFF2-40B4-BE49-F238E27FC236}">
+                    <a16:creationId xmlns:a16="http://schemas.microsoft.com/office/drawing/2014/main" id="{CE385A32-9DA1-40F8-AB60-647C03F96E6F}"/>
+                  </a:ext>
+                </a:extLst>
+              </p:cNvPr>
+              <p:cNvSpPr txBox="1">
+                <a:spLocks noRot="1" noChangeAspect="1" noMove="1" noResize="1" noEditPoints="1" noAdjustHandles="1" noChangeArrowheads="1" noChangeShapeType="1" noTextEdit="1"/>
+              </p:cNvSpPr>
+              <p:nvPr/>
+            </p:nvSpPr>
+            <p:spPr>
+              <a:xfrm>
+                <a:off x="0" y="1926337"/>
+                <a:ext cx="12192000" cy="615553"/>
+              </a:xfrm>
+              <a:prstGeom prst="rect">
+                <a:avLst/>
+              </a:prstGeom>
+              <a:blipFill>
+                <a:blip r:embed="rId5"/>
+                <a:stretch>
+                  <a:fillRect/>
                 </a:stretch>
               </a:blipFill>
             </p:spPr>

--- a/ps/ps_images.pptx
+++ b/ps/ps_images.pptx
@@ -9890,14 +9890,14 @@
           <a:chExt cx="0" cy="0"/>
         </a:xfrm>
       </p:grpSpPr>
-      <mc:AlternateContent xmlns:mc="http://schemas.openxmlformats.org/markup-compatibility/2006" xmlns:a14="http://schemas.microsoft.com/office/drawing/2010/main">
-        <mc:Choice Requires="a14">
+      <mc:AlternateContent xmlns:mc="http://schemas.openxmlformats.org/markup-compatibility/2006">
+        <mc:Choice xmlns:a14="http://schemas.microsoft.com/office/drawing/2010/main" Requires="a14">
           <p:sp>
             <p:nvSpPr>
-              <p:cNvPr id="2" name="TextBox 1">
+              <p:cNvPr id="3" name="TextBox 2">
                 <a:extLst>
                   <a:ext uri="{FF2B5EF4-FFF2-40B4-BE49-F238E27FC236}">
-                    <a16:creationId xmlns:a16="http://schemas.microsoft.com/office/drawing/2014/main" id="{7A5860B0-12AD-4301-9E85-5D4E11A36EBE}"/>
+                    <a16:creationId xmlns:a16="http://schemas.microsoft.com/office/drawing/2014/main" id="{260E002F-9819-4F0D-9BC5-62FA99263036}"/>
                   </a:ext>
                 </a:extLst>
               </p:cNvPr>
@@ -9906,8 +9906,8 @@
             </p:nvSpPr>
             <p:spPr>
               <a:xfrm>
-                <a:off x="222738" y="5590257"/>
-                <a:ext cx="11437034" cy="830997"/>
+                <a:off x="377483" y="5531618"/>
+                <a:ext cx="11437034" cy="615553"/>
               </a:xfrm>
               <a:prstGeom prst="rect">
                 <a:avLst/>
@@ -9928,176 +9928,74 @@
                     </m:oMathParaPr>
                     <m:oMath xmlns:m="http://schemas.openxmlformats.org/officeDocument/2006/math">
                       <m:r>
-                        <a:rPr lang="en-US" sz="5400" b="0" i="1" smtClean="0">
-                          <a:latin typeface="Cambria Math" panose="02040503050406030204" pitchFamily="18" charset="0"/>
-                        </a:rPr>
-                        <m:t>𝐷</m:t>
-                      </m:r>
-                      <m:r>
-                        <a:rPr lang="en-US" sz="5400" b="0" i="1" smtClean="0">
-                          <a:latin typeface="Cambria Math" panose="02040503050406030204" pitchFamily="18" charset="0"/>
-                        </a:rPr>
-                        <m:t>={1,2,3,4,5}</m:t>
+                        <a:rPr lang="en-US" sz="4000" b="0" i="1" smtClean="0">
+                          <a:latin typeface="Cambria Math" panose="02040503050406030204" pitchFamily="18" charset="0"/>
+                        </a:rPr>
+                        <m:t>𝑆𝑞𝑢𝑎𝑟𝑒𝑑</m:t>
+                      </m:r>
+                      <m:r>
+                        <a:rPr lang="en-US" sz="4000" b="0" i="1" smtClean="0">
+                          <a:latin typeface="Cambria Math" panose="02040503050406030204" pitchFamily="18" charset="0"/>
+                        </a:rPr>
+                        <m:t> </m:t>
+                      </m:r>
+                      <m:r>
+                        <a:rPr lang="en-US" sz="4000" b="0" i="1" smtClean="0">
+                          <a:latin typeface="Cambria Math" panose="02040503050406030204" pitchFamily="18" charset="0"/>
+                        </a:rPr>
+                        <m:t>𝑑𝑖𝑓𝑓𝑒𝑟𝑒𝑛𝑐𝑒</m:t>
+                      </m:r>
+                      <m:r>
+                        <a:rPr lang="en-US" sz="4000" b="0" i="1" smtClean="0">
+                          <a:latin typeface="Cambria Math" panose="02040503050406030204" pitchFamily="18" charset="0"/>
+                        </a:rPr>
+                        <m:t> </m:t>
+                      </m:r>
+                      <m:r>
+                        <a:rPr lang="en-US" sz="4000" b="0" i="1" smtClean="0">
+                          <a:latin typeface="Cambria Math" panose="02040503050406030204" pitchFamily="18" charset="0"/>
+                        </a:rPr>
+                        <m:t>𝑓𝑟𝑜𝑚</m:t>
+                      </m:r>
+                      <m:r>
+                        <a:rPr lang="en-US" sz="4000" b="0" i="1" smtClean="0">
+                          <a:latin typeface="Cambria Math" panose="02040503050406030204" pitchFamily="18" charset="0"/>
+                        </a:rPr>
+                        <m:t> </m:t>
+                      </m:r>
+                      <m:r>
+                        <a:rPr lang="en-US" sz="4000" b="0" i="1" smtClean="0">
+                          <a:latin typeface="Cambria Math" panose="02040503050406030204" pitchFamily="18" charset="0"/>
+                        </a:rPr>
+                        <m:t>𝑡h𝑒</m:t>
+                      </m:r>
+                      <m:r>
+                        <a:rPr lang="en-US" sz="4000" b="0" i="1" smtClean="0">
+                          <a:latin typeface="Cambria Math" panose="02040503050406030204" pitchFamily="18" charset="0"/>
+                        </a:rPr>
+                        <m:t> </m:t>
+                      </m:r>
+                      <m:r>
+                        <a:rPr lang="en-US" sz="4000" b="0" i="1" smtClean="0">
+                          <a:latin typeface="Cambria Math" panose="02040503050406030204" pitchFamily="18" charset="0"/>
+                        </a:rPr>
+                        <m:t>𝑚𝑒𝑎𝑛</m:t>
+                      </m:r>
+                      <m:r>
+                        <a:rPr lang="en-US" sz="4000" b="0" i="1" smtClean="0">
+                          <a:latin typeface="Cambria Math" panose="02040503050406030204" pitchFamily="18" charset="0"/>
+                        </a:rPr>
+                        <m:t>⇒{4,1,0,1,4}</m:t>
                       </m:r>
                     </m:oMath>
                   </m:oMathPara>
                 </a14:m>
-                <a:endParaRPr lang="en-US" sz="5400"/>
+                <a:endParaRPr lang="en-US" sz="4000"/>
               </a:p>
             </p:txBody>
           </p:sp>
         </mc:Choice>
-        <mc:Fallback xmlns="">
-          <p:sp>
-            <p:nvSpPr>
-              <p:cNvPr id="2" name="TextBox 1">
-                <a:extLst>
-                  <a:ext uri="{FF2B5EF4-FFF2-40B4-BE49-F238E27FC236}">
-                    <a16:creationId xmlns:a16="http://schemas.microsoft.com/office/drawing/2014/main" id="{7A5860B0-12AD-4301-9E85-5D4E11A36EBE}"/>
-                  </a:ext>
-                </a:extLst>
-              </p:cNvPr>
-              <p:cNvSpPr txBox="1">
-                <a:spLocks noRot="1" noChangeAspect="1" noMove="1" noResize="1" noEditPoints="1" noAdjustHandles="1" noChangeArrowheads="1" noChangeShapeType="1" noTextEdit="1"/>
-              </p:cNvSpPr>
-              <p:nvPr/>
-            </p:nvSpPr>
-            <p:spPr>
-              <a:xfrm>
-                <a:off x="222738" y="5590257"/>
-                <a:ext cx="11437034" cy="830997"/>
-              </a:xfrm>
-              <a:prstGeom prst="rect">
-                <a:avLst/>
-              </a:prstGeom>
-              <a:blipFill>
-                <a:blip r:embed="rId2"/>
-                <a:stretch>
-                  <a:fillRect/>
-                </a:stretch>
-              </a:blipFill>
-            </p:spPr>
-            <p:txBody>
-              <a:bodyPr/>
-              <a:lstStyle/>
-              <a:p>
-                <a:r>
-                  <a:rPr lang="en-US">
-                    <a:noFill/>
-                  </a:rPr>
-                  <a:t> </a:t>
-                </a:r>
-              </a:p>
-            </p:txBody>
-          </p:sp>
-        </mc:Fallback>
-      </mc:AlternateContent>
-      <mc:AlternateContent xmlns:mc="http://schemas.openxmlformats.org/markup-compatibility/2006" xmlns:a14="http://schemas.microsoft.com/office/drawing/2010/main">
-        <mc:Choice Requires="a14">
-          <p:sp>
-            <p:nvSpPr>
-              <p:cNvPr id="3" name="TextBox 2">
-                <a:extLst>
-                  <a:ext uri="{FF2B5EF4-FFF2-40B4-BE49-F238E27FC236}">
-                    <a16:creationId xmlns:a16="http://schemas.microsoft.com/office/drawing/2014/main" id="{260E002F-9819-4F0D-9BC5-62FA99263036}"/>
-                  </a:ext>
-                </a:extLst>
-              </p:cNvPr>
-              <p:cNvSpPr txBox="1"/>
-              <p:nvPr/>
-            </p:nvSpPr>
-            <p:spPr>
-              <a:xfrm>
-                <a:off x="377483" y="3815360"/>
-                <a:ext cx="11437034" cy="1642886"/>
-              </a:xfrm>
-              <a:prstGeom prst="rect">
-                <a:avLst/>
-              </a:prstGeom>
-              <a:noFill/>
-            </p:spPr>
-            <p:txBody>
-              <a:bodyPr wrap="square" lIns="0" tIns="0" rIns="0" bIns="0" rtlCol="0">
-                <a:spAutoFit/>
-              </a:bodyPr>
-              <a:lstStyle/>
-              <a:p>
-                <a:pPr/>
-                <a14:m>
-                  <m:oMathPara xmlns:m="http://schemas.openxmlformats.org/officeDocument/2006/math">
-                    <m:oMathParaPr>
-                      <m:jc m:val="centerGroup"/>
-                    </m:oMathParaPr>
-                    <m:oMath xmlns:m="http://schemas.openxmlformats.org/officeDocument/2006/math">
-                      <m:r>
-                        <a:rPr lang="en-US" sz="5400" b="0" i="1" smtClean="0">
-                          <a:latin typeface="Cambria Math" panose="02040503050406030204" pitchFamily="18" charset="0"/>
-                        </a:rPr>
-                        <m:t>𝑆𝑞𝑢𝑎𝑟𝑒𝑑</m:t>
-                      </m:r>
-                      <m:r>
-                        <a:rPr lang="en-US" sz="5400" b="0" i="1" smtClean="0">
-                          <a:latin typeface="Cambria Math" panose="02040503050406030204" pitchFamily="18" charset="0"/>
-                        </a:rPr>
-                        <m:t> </m:t>
-                      </m:r>
-                      <m:r>
-                        <a:rPr lang="en-US" sz="5400" b="0" i="1" smtClean="0">
-                          <a:latin typeface="Cambria Math" panose="02040503050406030204" pitchFamily="18" charset="0"/>
-                        </a:rPr>
-                        <m:t>𝑑𝑖𝑓𝑓𝑒𝑟𝑒𝑛𝑐𝑒</m:t>
-                      </m:r>
-                      <m:r>
-                        <a:rPr lang="en-US" sz="5400" b="0" i="1" smtClean="0">
-                          <a:latin typeface="Cambria Math" panose="02040503050406030204" pitchFamily="18" charset="0"/>
-                        </a:rPr>
-                        <m:t> </m:t>
-                      </m:r>
-                      <m:r>
-                        <a:rPr lang="en-US" sz="5400" b="0" i="1" smtClean="0">
-                          <a:latin typeface="Cambria Math" panose="02040503050406030204" pitchFamily="18" charset="0"/>
-                        </a:rPr>
-                        <m:t>𝑓𝑟𝑜𝑚</m:t>
-                      </m:r>
-                      <m:r>
-                        <a:rPr lang="en-US" sz="5400" b="0" i="1" smtClean="0">
-                          <a:latin typeface="Cambria Math" panose="02040503050406030204" pitchFamily="18" charset="0"/>
-                        </a:rPr>
-                        <m:t> </m:t>
-                      </m:r>
-                      <m:r>
-                        <a:rPr lang="en-US" sz="5400" b="0" i="1" smtClean="0">
-                          <a:latin typeface="Cambria Math" panose="02040503050406030204" pitchFamily="18" charset="0"/>
-                        </a:rPr>
-                        <m:t>𝑡h𝑒</m:t>
-                      </m:r>
-                      <m:r>
-                        <a:rPr lang="en-US" sz="5400" b="0" i="1" smtClean="0">
-                          <a:latin typeface="Cambria Math" panose="02040503050406030204" pitchFamily="18" charset="0"/>
-                        </a:rPr>
-                        <m:t> </m:t>
-                      </m:r>
-                      <m:r>
-                        <a:rPr lang="en-US" sz="5400" b="0" i="1" smtClean="0">
-                          <a:latin typeface="Cambria Math" panose="02040503050406030204" pitchFamily="18" charset="0"/>
-                        </a:rPr>
-                        <m:t>𝑚𝑒𝑎𝑛</m:t>
-                      </m:r>
-                      <m:r>
-                        <a:rPr lang="en-US" sz="5400" b="0" i="1" smtClean="0">
-                          <a:latin typeface="Cambria Math" panose="02040503050406030204" pitchFamily="18" charset="0"/>
-                        </a:rPr>
-                        <m:t>⇒{4,1,0,1,4}</m:t>
-                      </m:r>
-                    </m:oMath>
-                  </m:oMathPara>
-                </a14:m>
-                <a:endParaRPr lang="en-US" sz="5400"/>
-              </a:p>
-            </p:txBody>
-          </p:sp>
-        </mc:Choice>
-        <mc:Fallback xmlns="">
+        <mc:Fallback>
           <p:sp>
             <p:nvSpPr>
               <p:cNvPr id="3" name="TextBox 2">
@@ -10114,14 +10012,14 @@
             </p:nvSpPr>
             <p:spPr>
               <a:xfrm>
-                <a:off x="377483" y="3815360"/>
-                <a:ext cx="11437034" cy="1642886"/>
+                <a:off x="377483" y="5531618"/>
+                <a:ext cx="11437034" cy="615553"/>
               </a:xfrm>
               <a:prstGeom prst="rect">
                 <a:avLst/>
               </a:prstGeom>
               <a:blipFill>
-                <a:blip r:embed="rId3"/>
+                <a:blip r:embed="rId2"/>
                 <a:stretch>
                   <a:fillRect/>
                 </a:stretch>
@@ -10424,7 +10322,7 @@
                 <a:avLst/>
               </a:prstGeom>
               <a:blipFill>
-                <a:blip r:embed="rId4"/>
+                <a:blip r:embed="rId3"/>
                 <a:stretch>
                   <a:fillRect l="-4198" b="-17127"/>
                 </a:stretch>
@@ -10461,8 +10359,8 @@
             </p:nvSpPr>
             <p:spPr>
               <a:xfrm>
-                <a:off x="0" y="1926337"/>
-                <a:ext cx="12192000" cy="615553"/>
+                <a:off x="0" y="1630592"/>
+                <a:ext cx="12192000" cy="738664"/>
               </a:xfrm>
               <a:prstGeom prst="rect">
                 <a:avLst/>
@@ -10485,7 +10383,7 @@
                         <m:rPr>
                           <m:nor/>
                         </m:rPr>
-                        <a:rPr lang="en-US" sz="4000" smtClean="0">
+                        <a:rPr lang="en-US" sz="4800" smtClean="0">
                           <a:latin typeface="Cambria Math" panose="02040503050406030204" pitchFamily="18" charset="0"/>
                         </a:rPr>
                         <m:t>Var</m:t>
@@ -10494,13 +10392,13 @@
                         <m:rPr>
                           <m:nor/>
                         </m:rPr>
-                        <a:rPr lang="en-US" sz="4000" smtClean="0">
+                        <a:rPr lang="en-US" sz="4800" smtClean="0">
                           <a:latin typeface="Cambria Math" panose="02040503050406030204" pitchFamily="18" charset="0"/>
                         </a:rPr>
                         <m:t>[</m:t>
                       </m:r>
                       <m:r>
-                        <a:rPr lang="en-US" sz="4000" i="1">
+                        <a:rPr lang="en-US" sz="4800" i="1">
                           <a:solidFill>
                             <a:srgbClr val="C00000"/>
                           </a:solidFill>
@@ -10509,13 +10407,13 @@
                         <m:t>𝑋</m:t>
                       </m:r>
                       <m:r>
-                        <a:rPr lang="en-US" sz="4000" i="1">
+                        <a:rPr lang="en-US" sz="4800" i="1">
                           <a:latin typeface="Cambria Math" panose="02040503050406030204" pitchFamily="18" charset="0"/>
                         </a:rPr>
                         <m:t>+</m:t>
                       </m:r>
                       <m:r>
-                        <a:rPr lang="en-US" sz="4000" i="1">
+                        <a:rPr lang="en-US" sz="4800" i="1">
                           <a:solidFill>
                             <a:srgbClr val="002060"/>
                           </a:solidFill>
@@ -10527,19 +10425,19 @@
                         <m:rPr>
                           <m:nor/>
                         </m:rPr>
-                        <a:rPr lang="en-US" sz="4000">
+                        <a:rPr lang="en-US" sz="4800">
                           <a:latin typeface="Cambria Math" panose="02040503050406030204" pitchFamily="18" charset="0"/>
                         </a:rPr>
                         <m:t>]</m:t>
                       </m:r>
                       <m:r>
-                        <a:rPr lang="en-US" sz="4000">
+                        <a:rPr lang="en-US" sz="4800">
                           <a:latin typeface="Cambria Math" panose="02040503050406030204" pitchFamily="18" charset="0"/>
                         </a:rPr>
                         <m:t>=</m:t>
                       </m:r>
                       <m:r>
-                        <a:rPr lang="en-US" sz="4000" i="1">
+                        <a:rPr lang="en-US" sz="4800" i="1">
                           <a:latin typeface="Cambria Math" panose="02040503050406030204" pitchFamily="18" charset="0"/>
                         </a:rPr>
                         <m:t>𝐸</m:t>
@@ -10549,7 +10447,7 @@
                           <m:begChr m:val="["/>
                           <m:endChr m:val="]"/>
                           <m:ctrlPr>
-                            <a:rPr lang="en-US" sz="4000" i="1" smtClean="0">
+                            <a:rPr lang="en-US" sz="4800" i="1" smtClean="0">
                               <a:solidFill>
                                 <a:schemeClr val="tx1"/>
                               </a:solidFill>
@@ -10559,7 +10457,7 @@
                         </m:dPr>
                         <m:e>
                           <m:r>
-                            <a:rPr lang="en-US" sz="4000" b="0" i="1" smtClean="0">
+                            <a:rPr lang="en-US" sz="4800" b="0" i="1" smtClean="0">
                               <a:solidFill>
                                 <a:schemeClr val="tx1"/>
                               </a:solidFill>
@@ -10568,7 +10466,7 @@
                             <m:t>(</m:t>
                           </m:r>
                           <m:r>
-                            <a:rPr lang="en-US" sz="4000" i="1">
+                            <a:rPr lang="en-US" sz="4800" i="1">
                               <a:solidFill>
                                 <a:srgbClr val="C00000"/>
                               </a:solidFill>
@@ -10577,13 +10475,13 @@
                             <m:t>𝑋</m:t>
                           </m:r>
                           <m:r>
-                            <a:rPr lang="en-US" sz="4000" i="1">
+                            <a:rPr lang="en-US" sz="4800" i="1">
                               <a:latin typeface="Cambria Math" panose="02040503050406030204" pitchFamily="18" charset="0"/>
                             </a:rPr>
                             <m:t>+</m:t>
                           </m:r>
                           <m:r>
-                            <a:rPr lang="en-US" sz="4000" i="1">
+                            <a:rPr lang="en-US" sz="4800" i="1">
                               <a:solidFill>
                                 <a:srgbClr val="002060"/>
                               </a:solidFill>
@@ -10592,7 +10490,7 @@
                             <m:t>𝑌</m:t>
                           </m:r>
                           <m:r>
-                            <a:rPr lang="en-US" sz="4000" b="0" i="1" smtClean="0">
+                            <a:rPr lang="en-US" sz="4800" b="0" i="1" smtClean="0">
                               <a:solidFill>
                                 <a:schemeClr val="tx1"/>
                               </a:solidFill>
@@ -10601,7 +10499,7 @@
                             <m:t>)</m:t>
                           </m:r>
                           <m:r>
-                            <a:rPr lang="en-US" sz="4000" i="1" baseline="30000">
+                            <a:rPr lang="en-US" sz="4800" i="1" baseline="30000">
                               <a:solidFill>
                                 <a:schemeClr val="tx1"/>
                               </a:solidFill>
@@ -10612,13 +10510,13 @@
                         </m:e>
                       </m:d>
                       <m:r>
-                        <a:rPr lang="en-US" sz="4000" i="1">
+                        <a:rPr lang="en-US" sz="4800" i="1">
                           <a:latin typeface="Cambria Math" panose="02040503050406030204" pitchFamily="18" charset="0"/>
                         </a:rPr>
                         <m:t>−</m:t>
                       </m:r>
                       <m:r>
-                        <a:rPr lang="en-US" sz="4000" i="1">
+                        <a:rPr lang="en-US" sz="4800" i="1">
                           <a:latin typeface="Cambria Math" panose="02040503050406030204" pitchFamily="18" charset="0"/>
                         </a:rPr>
                         <m:t>𝐸</m:t>
@@ -10628,14 +10526,14 @@
                           <m:begChr m:val="["/>
                           <m:endChr m:val="]"/>
                           <m:ctrlPr>
-                            <a:rPr lang="en-US" sz="4000" i="1">
+                            <a:rPr lang="en-US" sz="4800" i="1">
                               <a:latin typeface="Cambria Math" panose="02040503050406030204" pitchFamily="18" charset="0"/>
                             </a:rPr>
                           </m:ctrlPr>
                         </m:dPr>
                         <m:e>
                           <m:r>
-                            <a:rPr lang="en-US" sz="4000" i="1">
+                            <a:rPr lang="en-US" sz="4800" i="1">
                               <a:solidFill>
                                 <a:srgbClr val="C00000"/>
                               </a:solidFill>
@@ -10644,13 +10542,13 @@
                             <m:t>𝑋</m:t>
                           </m:r>
                           <m:r>
-                            <a:rPr lang="en-US" sz="4000" i="1">
+                            <a:rPr lang="en-US" sz="4800" i="1">
                               <a:latin typeface="Cambria Math" panose="02040503050406030204" pitchFamily="18" charset="0"/>
                             </a:rPr>
                             <m:t>+</m:t>
                           </m:r>
                           <m:r>
-                            <a:rPr lang="en-US" sz="4000" i="1">
+                            <a:rPr lang="en-US" sz="4800" i="1">
                               <a:solidFill>
                                 <a:srgbClr val="002060"/>
                               </a:solidFill>
@@ -10661,7 +10559,7 @@
                         </m:e>
                       </m:d>
                       <m:r>
-                        <a:rPr lang="en-US" sz="4000" i="1" baseline="30000">
+                        <a:rPr lang="en-US" sz="4800" i="1" baseline="30000">
                           <a:latin typeface="Cambria Math" panose="02040503050406030204" pitchFamily="18" charset="0"/>
                         </a:rPr>
                         <m:t>2</m:t>
@@ -10669,7 +10567,7 @@
                     </m:oMath>
                   </m:oMathPara>
                 </a14:m>
-                <a:endParaRPr lang="en-US" sz="4000"/>
+                <a:endParaRPr lang="en-US" sz="4800"/>
               </a:p>
             </p:txBody>
           </p:sp>
@@ -10691,14 +10589,686 @@
             </p:nvSpPr>
             <p:spPr>
               <a:xfrm>
-                <a:off x="0" y="1926337"/>
-                <a:ext cx="12192000" cy="615553"/>
+                <a:off x="0" y="1630592"/>
+                <a:ext cx="12192000" cy="738664"/>
+              </a:xfrm>
+              <a:prstGeom prst="rect">
+                <a:avLst/>
+              </a:prstGeom>
+              <a:blipFill>
+                <a:blip r:embed="rId4"/>
+                <a:stretch>
+                  <a:fillRect/>
+                </a:stretch>
+              </a:blipFill>
+            </p:spPr>
+            <p:txBody>
+              <a:bodyPr/>
+              <a:lstStyle/>
+              <a:p>
+                <a:r>
+                  <a:rPr lang="en-US">
+                    <a:noFill/>
+                  </a:rPr>
+                  <a:t> </a:t>
+                </a:r>
+              </a:p>
+            </p:txBody>
+          </p:sp>
+        </mc:Fallback>
+      </mc:AlternateContent>
+      <mc:AlternateContent xmlns:mc="http://schemas.openxmlformats.org/markup-compatibility/2006">
+        <mc:Choice xmlns:a14="http://schemas.microsoft.com/office/drawing/2010/main" Requires="a14">
+          <p:sp>
+            <p:nvSpPr>
+              <p:cNvPr id="6" name="TextBox 5">
+                <a:extLst>
+                  <a:ext uri="{FF2B5EF4-FFF2-40B4-BE49-F238E27FC236}">
+                    <a16:creationId xmlns:a16="http://schemas.microsoft.com/office/drawing/2014/main" id="{AE1DC2D7-ABFF-48C8-B724-FB8929FEDEF0}"/>
+                  </a:ext>
+                </a:extLst>
+              </p:cNvPr>
+              <p:cNvSpPr txBox="1"/>
+              <p:nvPr/>
+            </p:nvSpPr>
+            <p:spPr>
+              <a:xfrm>
+                <a:off x="0" y="3059668"/>
+                <a:ext cx="12192000" cy="738664"/>
+              </a:xfrm>
+              <a:prstGeom prst="rect">
+                <a:avLst/>
+              </a:prstGeom>
+              <a:noFill/>
+            </p:spPr>
+            <p:txBody>
+              <a:bodyPr wrap="square" lIns="0" tIns="0" rIns="0" bIns="0" rtlCol="0">
+                <a:spAutoFit/>
+              </a:bodyPr>
+              <a:lstStyle/>
+              <a:p>
+                <a14:m>
+                  <m:oMathPara xmlns:m="http://schemas.openxmlformats.org/officeDocument/2006/math">
+                    <m:oMathParaPr>
+                      <m:jc m:val="centerGroup"/>
+                    </m:oMathParaPr>
+                    <m:oMath xmlns:m="http://schemas.openxmlformats.org/officeDocument/2006/math">
+                      <m:r>
+                        <a:rPr lang="en-US" sz="4800" i="1">
+                          <a:latin typeface="Cambria Math" panose="02040503050406030204" pitchFamily="18" charset="0"/>
+                        </a:rPr>
+                        <m:t>𝐸</m:t>
+                      </m:r>
+                      <m:d>
+                        <m:dPr>
+                          <m:begChr m:val="["/>
+                          <m:endChr m:val="]"/>
+                          <m:ctrlPr>
+                            <a:rPr lang="en-US" sz="4800" i="1" smtClean="0">
+                              <a:solidFill>
+                                <a:schemeClr val="tx1"/>
+                              </a:solidFill>
+                              <a:latin typeface="Cambria Math" panose="02040503050406030204" pitchFamily="18" charset="0"/>
+                            </a:rPr>
+                          </m:ctrlPr>
+                        </m:dPr>
+                        <m:e>
+                          <m:r>
+                            <a:rPr lang="en-US" sz="4800" b="0" i="1" smtClean="0">
+                              <a:solidFill>
+                                <a:schemeClr val="tx1"/>
+                              </a:solidFill>
+                              <a:latin typeface="Cambria Math" panose="02040503050406030204" pitchFamily="18" charset="0"/>
+                            </a:rPr>
+                            <m:t>(</m:t>
+                          </m:r>
+                          <m:r>
+                            <a:rPr lang="en-US" sz="4800" i="1">
+                              <a:solidFill>
+                                <a:srgbClr val="C00000"/>
+                              </a:solidFill>
+                              <a:latin typeface="Cambria Math" panose="02040503050406030204" pitchFamily="18" charset="0"/>
+                            </a:rPr>
+                            <m:t>𝑋</m:t>
+                          </m:r>
+                          <m:r>
+                            <a:rPr lang="en-US" sz="4800" i="1" baseline="30000" smtClean="0">
+                              <a:solidFill>
+                                <a:srgbClr val="C00000"/>
+                              </a:solidFill>
+                              <a:latin typeface="Cambria Math" panose="02040503050406030204" pitchFamily="18" charset="0"/>
+                            </a:rPr>
+                            <m:t>2</m:t>
+                          </m:r>
+                          <m:r>
+                            <a:rPr lang="en-US" sz="4800" i="1">
+                              <a:latin typeface="Cambria Math" panose="02040503050406030204" pitchFamily="18" charset="0"/>
+                            </a:rPr>
+                            <m:t>+</m:t>
+                          </m:r>
+                          <m:r>
+                            <a:rPr lang="en-US" sz="4800" b="0" i="1" smtClean="0">
+                              <a:latin typeface="Cambria Math" panose="02040503050406030204" pitchFamily="18" charset="0"/>
+                            </a:rPr>
+                            <m:t>2</m:t>
+                          </m:r>
+                          <m:r>
+                            <a:rPr lang="en-US" sz="4800" i="1">
+                              <a:solidFill>
+                                <a:srgbClr val="C00000"/>
+                              </a:solidFill>
+                              <a:latin typeface="Cambria Math" panose="02040503050406030204" pitchFamily="18" charset="0"/>
+                            </a:rPr>
+                            <m:t>𝑋</m:t>
+                          </m:r>
+                          <m:r>
+                            <a:rPr lang="en-US" sz="4800" i="1">
+                              <a:solidFill>
+                                <a:srgbClr val="002060"/>
+                              </a:solidFill>
+                              <a:latin typeface="Cambria Math" panose="02040503050406030204" pitchFamily="18" charset="0"/>
+                            </a:rPr>
+                            <m:t>𝑌</m:t>
+                          </m:r>
+                          <m:r>
+                            <a:rPr lang="en-US" sz="4800" b="0" i="1" smtClean="0">
+                              <a:latin typeface="Cambria Math" panose="02040503050406030204" pitchFamily="18" charset="0"/>
+                            </a:rPr>
+                            <m:t>+</m:t>
+                          </m:r>
+                          <m:r>
+                            <a:rPr lang="en-US" sz="4800" i="1">
+                              <a:solidFill>
+                                <a:srgbClr val="002060"/>
+                              </a:solidFill>
+                              <a:latin typeface="Cambria Math" panose="02040503050406030204" pitchFamily="18" charset="0"/>
+                            </a:rPr>
+                            <m:t>𝑌</m:t>
+                          </m:r>
+                          <m:r>
+                            <a:rPr lang="en-US" sz="4800" i="1" baseline="30000" smtClean="0">
+                              <a:solidFill>
+                                <a:srgbClr val="002060"/>
+                              </a:solidFill>
+                              <a:latin typeface="Cambria Math" panose="02040503050406030204" pitchFamily="18" charset="0"/>
+                            </a:rPr>
+                            <m:t>2</m:t>
+                          </m:r>
+                          <m:r>
+                            <a:rPr lang="en-US" sz="4800" b="0" i="1" smtClean="0">
+                              <a:solidFill>
+                                <a:schemeClr val="tx1"/>
+                              </a:solidFill>
+                              <a:latin typeface="Cambria Math" panose="02040503050406030204" pitchFamily="18" charset="0"/>
+                            </a:rPr>
+                            <m:t>)</m:t>
+                          </m:r>
+                          <m:r>
+                            <a:rPr lang="en-US" sz="4800" i="1" baseline="30000" smtClean="0">
+                              <a:solidFill>
+                                <a:schemeClr val="tx1"/>
+                              </a:solidFill>
+                              <a:latin typeface="Cambria Math" panose="02040503050406030204" pitchFamily="18" charset="0"/>
+                            </a:rPr>
+                            <m:t> </m:t>
+                          </m:r>
+                        </m:e>
+                      </m:d>
+                      <m:r>
+                        <a:rPr lang="en-US" sz="4800" i="1">
+                          <a:latin typeface="Cambria Math" panose="02040503050406030204" pitchFamily="18" charset="0"/>
+                        </a:rPr>
+                        <m:t>−</m:t>
+                      </m:r>
+                      <m:r>
+                        <a:rPr lang="en-US" sz="4800" i="1">
+                          <a:latin typeface="Cambria Math" panose="02040503050406030204" pitchFamily="18" charset="0"/>
+                        </a:rPr>
+                        <m:t>𝐸</m:t>
+                      </m:r>
+                      <m:d>
+                        <m:dPr>
+                          <m:begChr m:val="["/>
+                          <m:endChr m:val="]"/>
+                          <m:ctrlPr>
+                            <a:rPr lang="en-US" sz="4800" i="1">
+                              <a:latin typeface="Cambria Math" panose="02040503050406030204" pitchFamily="18" charset="0"/>
+                            </a:rPr>
+                          </m:ctrlPr>
+                        </m:dPr>
+                        <m:e>
+                          <m:r>
+                            <a:rPr lang="en-US" sz="4800" i="1">
+                              <a:solidFill>
+                                <a:srgbClr val="C00000"/>
+                              </a:solidFill>
+                              <a:latin typeface="Cambria Math" panose="02040503050406030204" pitchFamily="18" charset="0"/>
+                            </a:rPr>
+                            <m:t>𝑋</m:t>
+                          </m:r>
+                          <m:r>
+                            <a:rPr lang="en-US" sz="4800" i="1">
+                              <a:latin typeface="Cambria Math" panose="02040503050406030204" pitchFamily="18" charset="0"/>
+                            </a:rPr>
+                            <m:t>+</m:t>
+                          </m:r>
+                          <m:r>
+                            <a:rPr lang="en-US" sz="4800" i="1">
+                              <a:solidFill>
+                                <a:srgbClr val="002060"/>
+                              </a:solidFill>
+                              <a:latin typeface="Cambria Math" panose="02040503050406030204" pitchFamily="18" charset="0"/>
+                            </a:rPr>
+                            <m:t>𝑌</m:t>
+                          </m:r>
+                        </m:e>
+                      </m:d>
+                      <m:r>
+                        <a:rPr lang="en-US" sz="4800" i="1">
+                          <a:latin typeface="Cambria Math" panose="02040503050406030204" pitchFamily="18" charset="0"/>
+                        </a:rPr>
+                        <m:t>𝐸</m:t>
+                      </m:r>
+                      <m:d>
+                        <m:dPr>
+                          <m:begChr m:val="["/>
+                          <m:endChr m:val="]"/>
+                          <m:ctrlPr>
+                            <a:rPr lang="en-US" sz="4800" i="1">
+                              <a:latin typeface="Cambria Math" panose="02040503050406030204" pitchFamily="18" charset="0"/>
+                            </a:rPr>
+                          </m:ctrlPr>
+                        </m:dPr>
+                        <m:e>
+                          <m:r>
+                            <a:rPr lang="en-US" sz="4800" i="1">
+                              <a:solidFill>
+                                <a:srgbClr val="C00000"/>
+                              </a:solidFill>
+                              <a:latin typeface="Cambria Math" panose="02040503050406030204" pitchFamily="18" charset="0"/>
+                            </a:rPr>
+                            <m:t>𝑋</m:t>
+                          </m:r>
+                          <m:r>
+                            <a:rPr lang="en-US" sz="4800" i="1">
+                              <a:latin typeface="Cambria Math" panose="02040503050406030204" pitchFamily="18" charset="0"/>
+                            </a:rPr>
+                            <m:t>+</m:t>
+                          </m:r>
+                          <m:r>
+                            <a:rPr lang="en-US" sz="4800" i="1">
+                              <a:solidFill>
+                                <a:srgbClr val="002060"/>
+                              </a:solidFill>
+                              <a:latin typeface="Cambria Math" panose="02040503050406030204" pitchFamily="18" charset="0"/>
+                            </a:rPr>
+                            <m:t>𝑌</m:t>
+                          </m:r>
+                        </m:e>
+                      </m:d>
+                    </m:oMath>
+                  </m:oMathPara>
+                </a14:m>
+                <a:endParaRPr lang="en-US" sz="4800"/>
+              </a:p>
+            </p:txBody>
+          </p:sp>
+        </mc:Choice>
+        <mc:Fallback>
+          <p:sp>
+            <p:nvSpPr>
+              <p:cNvPr id="6" name="TextBox 5">
+                <a:extLst>
+                  <a:ext uri="{FF2B5EF4-FFF2-40B4-BE49-F238E27FC236}">
+                    <a16:creationId xmlns:a16="http://schemas.microsoft.com/office/drawing/2014/main" id="{AE1DC2D7-ABFF-48C8-B724-FB8929FEDEF0}"/>
+                  </a:ext>
+                </a:extLst>
+              </p:cNvPr>
+              <p:cNvSpPr txBox="1">
+                <a:spLocks noRot="1" noChangeAspect="1" noMove="1" noResize="1" noEditPoints="1" noAdjustHandles="1" noChangeArrowheads="1" noChangeShapeType="1" noTextEdit="1"/>
+              </p:cNvSpPr>
+              <p:nvPr/>
+            </p:nvSpPr>
+            <p:spPr>
+              <a:xfrm>
+                <a:off x="0" y="3059668"/>
+                <a:ext cx="12192000" cy="738664"/>
               </a:xfrm>
               <a:prstGeom prst="rect">
                 <a:avLst/>
               </a:prstGeom>
               <a:blipFill>
                 <a:blip r:embed="rId5"/>
+                <a:stretch>
+                  <a:fillRect/>
+                </a:stretch>
+              </a:blipFill>
+            </p:spPr>
+            <p:txBody>
+              <a:bodyPr/>
+              <a:lstStyle/>
+              <a:p>
+                <a:r>
+                  <a:rPr lang="en-US">
+                    <a:noFill/>
+                  </a:rPr>
+                  <a:t> </a:t>
+                </a:r>
+              </a:p>
+            </p:txBody>
+          </p:sp>
+        </mc:Fallback>
+      </mc:AlternateContent>
+      <mc:AlternateContent xmlns:mc="http://schemas.openxmlformats.org/markup-compatibility/2006">
+        <mc:Choice xmlns:a14="http://schemas.microsoft.com/office/drawing/2010/main" Requires="a14">
+          <p:sp>
+            <p:nvSpPr>
+              <p:cNvPr id="7" name="TextBox 6">
+                <a:extLst>
+                  <a:ext uri="{FF2B5EF4-FFF2-40B4-BE49-F238E27FC236}">
+                    <a16:creationId xmlns:a16="http://schemas.microsoft.com/office/drawing/2014/main" id="{060579EA-5484-464D-8FC6-6DBE251418FD}"/>
+                  </a:ext>
+                </a:extLst>
+              </p:cNvPr>
+              <p:cNvSpPr txBox="1"/>
+              <p:nvPr/>
+            </p:nvSpPr>
+            <p:spPr>
+              <a:xfrm>
+                <a:off x="0" y="4119412"/>
+                <a:ext cx="12192000" cy="1460336"/>
+              </a:xfrm>
+              <a:prstGeom prst="rect">
+                <a:avLst/>
+              </a:prstGeom>
+              <a:noFill/>
+            </p:spPr>
+            <p:txBody>
+              <a:bodyPr wrap="square" lIns="0" tIns="0" rIns="0" bIns="0" rtlCol="0">
+                <a:spAutoFit/>
+              </a:bodyPr>
+              <a:lstStyle/>
+              <a:p>
+                <a14:m>
+                  <m:oMathPara xmlns:m="http://schemas.openxmlformats.org/officeDocument/2006/math">
+                    <m:oMathParaPr>
+                      <m:jc m:val="centerGroup"/>
+                    </m:oMathParaPr>
+                    <m:oMath xmlns:m="http://schemas.openxmlformats.org/officeDocument/2006/math">
+                      <m:r>
+                        <a:rPr lang="en-US" sz="4800" i="1" smtClean="0">
+                          <a:latin typeface="Cambria Math" panose="02040503050406030204" pitchFamily="18" charset="0"/>
+                        </a:rPr>
+                        <m:t>𝐸</m:t>
+                      </m:r>
+                      <m:d>
+                        <m:dPr>
+                          <m:begChr m:val="["/>
+                          <m:endChr m:val="]"/>
+                          <m:ctrlPr>
+                            <a:rPr lang="en-US" sz="4800" i="1" smtClean="0">
+                              <a:solidFill>
+                                <a:schemeClr val="tx1"/>
+                              </a:solidFill>
+                              <a:latin typeface="Cambria Math" panose="02040503050406030204" pitchFamily="18" charset="0"/>
+                            </a:rPr>
+                          </m:ctrlPr>
+                        </m:dPr>
+                        <m:e>
+                          <m:r>
+                            <a:rPr lang="en-US" sz="4800" b="0" i="1" smtClean="0">
+                              <a:solidFill>
+                                <a:schemeClr val="tx1"/>
+                              </a:solidFill>
+                              <a:latin typeface="Cambria Math" panose="02040503050406030204" pitchFamily="18" charset="0"/>
+                            </a:rPr>
+                            <m:t>(</m:t>
+                          </m:r>
+                          <m:r>
+                            <a:rPr lang="en-US" sz="4800" i="1">
+                              <a:solidFill>
+                                <a:srgbClr val="C00000"/>
+                              </a:solidFill>
+                              <a:latin typeface="Cambria Math" panose="02040503050406030204" pitchFamily="18" charset="0"/>
+                            </a:rPr>
+                            <m:t>𝑋</m:t>
+                          </m:r>
+                          <m:r>
+                            <a:rPr lang="en-US" sz="4800" i="1" baseline="30000" smtClean="0">
+                              <a:solidFill>
+                                <a:srgbClr val="C00000"/>
+                              </a:solidFill>
+                              <a:latin typeface="Cambria Math" panose="02040503050406030204" pitchFamily="18" charset="0"/>
+                            </a:rPr>
+                            <m:t>2</m:t>
+                          </m:r>
+                          <m:r>
+                            <a:rPr lang="en-US" sz="4800" i="1">
+                              <a:latin typeface="Cambria Math" panose="02040503050406030204" pitchFamily="18" charset="0"/>
+                            </a:rPr>
+                            <m:t>+</m:t>
+                          </m:r>
+                          <m:r>
+                            <a:rPr lang="en-US" sz="4800" b="0" i="1" smtClean="0">
+                              <a:latin typeface="Cambria Math" panose="02040503050406030204" pitchFamily="18" charset="0"/>
+                            </a:rPr>
+                            <m:t>2</m:t>
+                          </m:r>
+                          <m:r>
+                            <a:rPr lang="en-US" sz="4800" i="1">
+                              <a:solidFill>
+                                <a:srgbClr val="C00000"/>
+                              </a:solidFill>
+                              <a:latin typeface="Cambria Math" panose="02040503050406030204" pitchFamily="18" charset="0"/>
+                            </a:rPr>
+                            <m:t>𝑋</m:t>
+                          </m:r>
+                          <m:r>
+                            <a:rPr lang="en-US" sz="4800" i="1">
+                              <a:solidFill>
+                                <a:srgbClr val="002060"/>
+                              </a:solidFill>
+                              <a:latin typeface="Cambria Math" panose="02040503050406030204" pitchFamily="18" charset="0"/>
+                            </a:rPr>
+                            <m:t>𝑌</m:t>
+                          </m:r>
+                          <m:r>
+                            <a:rPr lang="en-US" sz="4800" b="0" i="1" smtClean="0">
+                              <a:latin typeface="Cambria Math" panose="02040503050406030204" pitchFamily="18" charset="0"/>
+                            </a:rPr>
+                            <m:t>+</m:t>
+                          </m:r>
+                          <m:r>
+                            <a:rPr lang="en-US" sz="4800" i="1">
+                              <a:solidFill>
+                                <a:srgbClr val="002060"/>
+                              </a:solidFill>
+                              <a:latin typeface="Cambria Math" panose="02040503050406030204" pitchFamily="18" charset="0"/>
+                            </a:rPr>
+                            <m:t>𝑌</m:t>
+                          </m:r>
+                          <m:r>
+                            <a:rPr lang="en-US" sz="4800" i="1" baseline="30000" smtClean="0">
+                              <a:solidFill>
+                                <a:srgbClr val="002060"/>
+                              </a:solidFill>
+                              <a:latin typeface="Cambria Math" panose="02040503050406030204" pitchFamily="18" charset="0"/>
+                            </a:rPr>
+                            <m:t>2</m:t>
+                          </m:r>
+                          <m:r>
+                            <a:rPr lang="en-US" sz="4800" b="0" i="1" smtClean="0">
+                              <a:solidFill>
+                                <a:schemeClr val="tx1"/>
+                              </a:solidFill>
+                              <a:latin typeface="Cambria Math" panose="02040503050406030204" pitchFamily="18" charset="0"/>
+                            </a:rPr>
+                            <m:t>)</m:t>
+                          </m:r>
+                          <m:r>
+                            <a:rPr lang="en-US" sz="4800" i="1" baseline="30000" smtClean="0">
+                              <a:solidFill>
+                                <a:schemeClr val="tx1"/>
+                              </a:solidFill>
+                              <a:latin typeface="Cambria Math" panose="02040503050406030204" pitchFamily="18" charset="0"/>
+                            </a:rPr>
+                            <m:t> </m:t>
+                          </m:r>
+                        </m:e>
+                      </m:d>
+                      <m:r>
+                        <a:rPr lang="en-US" sz="4800" i="1">
+                          <a:latin typeface="Cambria Math" panose="02040503050406030204" pitchFamily="18" charset="0"/>
+                        </a:rPr>
+                        <m:t>−</m:t>
+                      </m:r>
+                      <m:r>
+                        <a:rPr lang="en-US" sz="4800" b="0" i="1" smtClean="0">
+                          <a:latin typeface="Cambria Math" panose="02040503050406030204" pitchFamily="18" charset="0"/>
+                        </a:rPr>
+                        <m:t>(</m:t>
+                      </m:r>
+                      <m:r>
+                        <a:rPr lang="en-US" sz="4800" i="1">
+                          <a:latin typeface="Cambria Math" panose="02040503050406030204" pitchFamily="18" charset="0"/>
+                        </a:rPr>
+                        <m:t>𝐸</m:t>
+                      </m:r>
+                      <m:d>
+                        <m:dPr>
+                          <m:begChr m:val="["/>
+                          <m:endChr m:val="]"/>
+                          <m:ctrlPr>
+                            <a:rPr lang="en-US" sz="4800" i="1">
+                              <a:latin typeface="Cambria Math" panose="02040503050406030204" pitchFamily="18" charset="0"/>
+                            </a:rPr>
+                          </m:ctrlPr>
+                        </m:dPr>
+                        <m:e>
+                          <m:r>
+                            <a:rPr lang="en-US" sz="4800" i="1">
+                              <a:solidFill>
+                                <a:srgbClr val="C00000"/>
+                              </a:solidFill>
+                              <a:latin typeface="Cambria Math" panose="02040503050406030204" pitchFamily="18" charset="0"/>
+                            </a:rPr>
+                            <m:t>𝑋</m:t>
+                          </m:r>
+                        </m:e>
+                      </m:d>
+                      <m:r>
+                        <a:rPr lang="en-US" sz="4800" b="0" i="1" smtClean="0">
+                          <a:solidFill>
+                            <a:schemeClr val="tx1"/>
+                          </a:solidFill>
+                          <a:latin typeface="Cambria Math" panose="02040503050406030204" pitchFamily="18" charset="0"/>
+                        </a:rPr>
+                        <m:t>+</m:t>
+                      </m:r>
+                      <m:r>
+                        <a:rPr lang="en-US" sz="4800" i="1">
+                          <a:latin typeface="Cambria Math" panose="02040503050406030204" pitchFamily="18" charset="0"/>
+                        </a:rPr>
+                        <m:t>𝐸</m:t>
+                      </m:r>
+                      <m:d>
+                        <m:dPr>
+                          <m:begChr m:val="["/>
+                          <m:endChr m:val="]"/>
+                          <m:ctrlPr>
+                            <a:rPr lang="en-US" sz="4800" i="1">
+                              <a:latin typeface="Cambria Math" panose="02040503050406030204" pitchFamily="18" charset="0"/>
+                            </a:rPr>
+                          </m:ctrlPr>
+                        </m:dPr>
+                        <m:e>
+                          <m:r>
+                            <a:rPr lang="en-US" sz="4800" i="1">
+                              <a:solidFill>
+                                <a:srgbClr val="002060"/>
+                              </a:solidFill>
+                              <a:latin typeface="Cambria Math" panose="02040503050406030204" pitchFamily="18" charset="0"/>
+                            </a:rPr>
+                            <m:t>𝑌</m:t>
+                          </m:r>
+                        </m:e>
+                      </m:d>
+                      <m:r>
+                        <a:rPr lang="en-US" sz="4800" b="0" i="1" smtClean="0">
+                          <a:solidFill>
+                            <a:schemeClr val="tx1"/>
+                          </a:solidFill>
+                          <a:latin typeface="Cambria Math" panose="02040503050406030204" pitchFamily="18" charset="0"/>
+                        </a:rPr>
+                        <m:t>)</m:t>
+                      </m:r>
+                      <m:r>
+                        <a:rPr lang="en-US" sz="4800" i="1">
+                          <a:latin typeface="Cambria Math" panose="02040503050406030204" pitchFamily="18" charset="0"/>
+                        </a:rPr>
+                        <m:t>(</m:t>
+                      </m:r>
+                      <m:r>
+                        <a:rPr lang="en-US" sz="4800" i="1">
+                          <a:latin typeface="Cambria Math" panose="02040503050406030204" pitchFamily="18" charset="0"/>
+                        </a:rPr>
+                        <m:t>𝐸</m:t>
+                      </m:r>
+                      <m:d>
+                        <m:dPr>
+                          <m:begChr m:val="["/>
+                          <m:endChr m:val="]"/>
+                          <m:ctrlPr>
+                            <a:rPr lang="en-US" sz="4800" i="1">
+                              <a:latin typeface="Cambria Math" panose="02040503050406030204" pitchFamily="18" charset="0"/>
+                            </a:rPr>
+                          </m:ctrlPr>
+                        </m:dPr>
+                        <m:e>
+                          <m:r>
+                            <a:rPr lang="en-US" sz="4800" i="1">
+                              <a:solidFill>
+                                <a:srgbClr val="C00000"/>
+                              </a:solidFill>
+                              <a:latin typeface="Cambria Math" panose="02040503050406030204" pitchFamily="18" charset="0"/>
+                            </a:rPr>
+                            <m:t>𝑋</m:t>
+                          </m:r>
+                        </m:e>
+                      </m:d>
+                      <m:r>
+                        <a:rPr lang="en-US" sz="4800" i="1">
+                          <a:latin typeface="Cambria Math" panose="02040503050406030204" pitchFamily="18" charset="0"/>
+                        </a:rPr>
+                        <m:t>+</m:t>
+                      </m:r>
+                      <m:r>
+                        <a:rPr lang="en-US" sz="4800" i="1">
+                          <a:latin typeface="Cambria Math" panose="02040503050406030204" pitchFamily="18" charset="0"/>
+                        </a:rPr>
+                        <m:t>𝐸</m:t>
+                      </m:r>
+                      <m:d>
+                        <m:dPr>
+                          <m:begChr m:val="["/>
+                          <m:endChr m:val="]"/>
+                          <m:ctrlPr>
+                            <a:rPr lang="en-US" sz="4800" i="1">
+                              <a:latin typeface="Cambria Math" panose="02040503050406030204" pitchFamily="18" charset="0"/>
+                            </a:rPr>
+                          </m:ctrlPr>
+                        </m:dPr>
+                        <m:e>
+                          <m:r>
+                            <a:rPr lang="en-US" sz="4800" i="1">
+                              <a:solidFill>
+                                <a:srgbClr val="002060"/>
+                              </a:solidFill>
+                              <a:latin typeface="Cambria Math" panose="02040503050406030204" pitchFamily="18" charset="0"/>
+                            </a:rPr>
+                            <m:t>𝑌</m:t>
+                          </m:r>
+                        </m:e>
+                      </m:d>
+                      <m:r>
+                        <a:rPr lang="en-US" sz="4800" i="1">
+                          <a:latin typeface="Cambria Math" panose="02040503050406030204" pitchFamily="18" charset="0"/>
+                        </a:rPr>
+                        <m:t>)</m:t>
+                      </m:r>
+                    </m:oMath>
+                  </m:oMathPara>
+                </a14:m>
+                <a:endParaRPr lang="en-US" sz="4800"/>
+              </a:p>
+            </p:txBody>
+          </p:sp>
+        </mc:Choice>
+        <mc:Fallback>
+          <p:sp>
+            <p:nvSpPr>
+              <p:cNvPr id="7" name="TextBox 6">
+                <a:extLst>
+                  <a:ext uri="{FF2B5EF4-FFF2-40B4-BE49-F238E27FC236}">
+                    <a16:creationId xmlns:a16="http://schemas.microsoft.com/office/drawing/2014/main" id="{060579EA-5484-464D-8FC6-6DBE251418FD}"/>
+                  </a:ext>
+                </a:extLst>
+              </p:cNvPr>
+              <p:cNvSpPr txBox="1">
+                <a:spLocks noRot="1" noChangeAspect="1" noMove="1" noResize="1" noEditPoints="1" noAdjustHandles="1" noChangeArrowheads="1" noChangeShapeType="1" noTextEdit="1"/>
+              </p:cNvSpPr>
+              <p:nvPr/>
+            </p:nvSpPr>
+            <p:spPr>
+              <a:xfrm>
+                <a:off x="0" y="4119412"/>
+                <a:ext cx="12192000" cy="1460336"/>
+              </a:xfrm>
+              <a:prstGeom prst="rect">
+                <a:avLst/>
+              </a:prstGeom>
+              <a:blipFill>
+                <a:blip r:embed="rId6"/>
                 <a:stretch>
                   <a:fillRect/>
                 </a:stretch>

--- a/ps/ps_images.pptx
+++ b/ps/ps_images.pptx
@@ -13,6 +13,7 @@
     <p:sldId id="260" r:id="rId7"/>
     <p:sldId id="261" r:id="rId8"/>
     <p:sldId id="262" r:id="rId9"/>
+    <p:sldId id="265" r:id="rId10"/>
   </p:sldIdLst>
   <p:sldSz cx="12192000" cy="6858000"/>
   <p:notesSz cx="6858000" cy="9144000"/>
@@ -9906,7 +9907,7 @@
             </p:nvSpPr>
             <p:spPr>
               <a:xfrm>
-                <a:off x="377483" y="5531618"/>
+                <a:off x="222737" y="5943315"/>
                 <a:ext cx="11437034" cy="615553"/>
               </a:xfrm>
               <a:prstGeom prst="rect">
@@ -10012,7 +10013,7 @@
             </p:nvSpPr>
             <p:spPr>
               <a:xfrm>
-                <a:off x="377483" y="5531618"/>
+                <a:off x="222737" y="5943315"/>
                 <a:ext cx="11437034" cy="615553"/>
               </a:xfrm>
               <a:prstGeom prst="rect">
@@ -10359,7 +10360,7 @@
             </p:nvSpPr>
             <p:spPr>
               <a:xfrm>
-                <a:off x="0" y="1630592"/>
+                <a:off x="0" y="1565825"/>
                 <a:ext cx="12192000" cy="738664"/>
               </a:xfrm>
               <a:prstGeom prst="rect">
@@ -10589,7 +10590,7 @@
             </p:nvSpPr>
             <p:spPr>
               <a:xfrm>
-                <a:off x="0" y="1630592"/>
+                <a:off x="0" y="1565825"/>
                 <a:ext cx="12192000" cy="738664"/>
               </a:xfrm>
               <a:prstGeom prst="rect">
@@ -10633,8 +10634,8 @@
             </p:nvSpPr>
             <p:spPr>
               <a:xfrm>
-                <a:off x="0" y="3059668"/>
-                <a:ext cx="12192000" cy="738664"/>
+                <a:off x="0" y="2566105"/>
+                <a:ext cx="12192000" cy="677108"/>
               </a:xfrm>
               <a:prstGeom prst="rect">
                 <a:avLst/>
@@ -10654,7 +10655,7 @@
                     </m:oMathParaPr>
                     <m:oMath xmlns:m="http://schemas.openxmlformats.org/officeDocument/2006/math">
                       <m:r>
-                        <a:rPr lang="en-US" sz="4800" i="1">
+                        <a:rPr lang="en-US" sz="4400" i="1">
                           <a:latin typeface="Cambria Math" panose="02040503050406030204" pitchFamily="18" charset="0"/>
                         </a:rPr>
                         <m:t>𝐸</m:t>
@@ -10664,7 +10665,7 @@
                           <m:begChr m:val="["/>
                           <m:endChr m:val="]"/>
                           <m:ctrlPr>
-                            <a:rPr lang="en-US" sz="4800" i="1" smtClean="0">
+                            <a:rPr lang="en-US" sz="4400" i="1" smtClean="0">
                               <a:solidFill>
                                 <a:schemeClr val="tx1"/>
                               </a:solidFill>
@@ -10674,7 +10675,7 @@
                         </m:dPr>
                         <m:e>
                           <m:r>
-                            <a:rPr lang="en-US" sz="4800" b="0" i="1" smtClean="0">
+                            <a:rPr lang="en-US" sz="4400" b="0" i="1" smtClean="0">
                               <a:solidFill>
                                 <a:schemeClr val="tx1"/>
                               </a:solidFill>
@@ -10683,7 +10684,7 @@
                             <m:t>(</m:t>
                           </m:r>
                           <m:r>
-                            <a:rPr lang="en-US" sz="4800" i="1">
+                            <a:rPr lang="en-US" sz="4400" i="1">
                               <a:solidFill>
                                 <a:srgbClr val="C00000"/>
                               </a:solidFill>
@@ -10692,7 +10693,7 @@
                             <m:t>𝑋</m:t>
                           </m:r>
                           <m:r>
-                            <a:rPr lang="en-US" sz="4800" i="1" baseline="30000" smtClean="0">
+                            <a:rPr lang="en-US" sz="4400" i="1" baseline="30000" smtClean="0">
                               <a:solidFill>
                                 <a:srgbClr val="C00000"/>
                               </a:solidFill>
@@ -10701,19 +10702,19 @@
                             <m:t>2</m:t>
                           </m:r>
                           <m:r>
-                            <a:rPr lang="en-US" sz="4800" i="1">
+                            <a:rPr lang="en-US" sz="4400" i="1">
                               <a:latin typeface="Cambria Math" panose="02040503050406030204" pitchFamily="18" charset="0"/>
                             </a:rPr>
                             <m:t>+</m:t>
                           </m:r>
                           <m:r>
-                            <a:rPr lang="en-US" sz="4800" b="0" i="1" smtClean="0">
+                            <a:rPr lang="en-US" sz="4400" b="0" i="1" smtClean="0">
                               <a:latin typeface="Cambria Math" panose="02040503050406030204" pitchFamily="18" charset="0"/>
                             </a:rPr>
                             <m:t>2</m:t>
                           </m:r>
                           <m:r>
-                            <a:rPr lang="en-US" sz="4800" i="1">
+                            <a:rPr lang="en-US" sz="4400" i="1">
                               <a:solidFill>
                                 <a:srgbClr val="C00000"/>
                               </a:solidFill>
@@ -10722,7 +10723,7 @@
                             <m:t>𝑋</m:t>
                           </m:r>
                           <m:r>
-                            <a:rPr lang="en-US" sz="4800" i="1">
+                            <a:rPr lang="en-US" sz="4400" i="1">
                               <a:solidFill>
                                 <a:srgbClr val="002060"/>
                               </a:solidFill>
@@ -10731,13 +10732,13 @@
                             <m:t>𝑌</m:t>
                           </m:r>
                           <m:r>
-                            <a:rPr lang="en-US" sz="4800" b="0" i="1" smtClean="0">
+                            <a:rPr lang="en-US" sz="4400" b="0" i="1" smtClean="0">
                               <a:latin typeface="Cambria Math" panose="02040503050406030204" pitchFamily="18" charset="0"/>
                             </a:rPr>
                             <m:t>+</m:t>
                           </m:r>
                           <m:r>
-                            <a:rPr lang="en-US" sz="4800" i="1">
+                            <a:rPr lang="en-US" sz="4400" i="1">
                               <a:solidFill>
                                 <a:srgbClr val="002060"/>
                               </a:solidFill>
@@ -10746,7 +10747,7 @@
                             <m:t>𝑌</m:t>
                           </m:r>
                           <m:r>
-                            <a:rPr lang="en-US" sz="4800" i="1" baseline="30000" smtClean="0">
+                            <a:rPr lang="en-US" sz="4400" i="1" baseline="30000" smtClean="0">
                               <a:solidFill>
                                 <a:srgbClr val="002060"/>
                               </a:solidFill>
@@ -10755,7 +10756,7 @@
                             <m:t>2</m:t>
                           </m:r>
                           <m:r>
-                            <a:rPr lang="en-US" sz="4800" b="0" i="1" smtClean="0">
+                            <a:rPr lang="en-US" sz="4400" b="0" i="1" smtClean="0">
                               <a:solidFill>
                                 <a:schemeClr val="tx1"/>
                               </a:solidFill>
@@ -10764,7 +10765,7 @@
                             <m:t>)</m:t>
                           </m:r>
                           <m:r>
-                            <a:rPr lang="en-US" sz="4800" i="1" baseline="30000" smtClean="0">
+                            <a:rPr lang="en-US" sz="4400" i="1" baseline="30000" smtClean="0">
                               <a:solidFill>
                                 <a:schemeClr val="tx1"/>
                               </a:solidFill>
@@ -10775,13 +10776,13 @@
                         </m:e>
                       </m:d>
                       <m:r>
-                        <a:rPr lang="en-US" sz="4800" i="1">
+                        <a:rPr lang="en-US" sz="4400" i="1">
                           <a:latin typeface="Cambria Math" panose="02040503050406030204" pitchFamily="18" charset="0"/>
                         </a:rPr>
                         <m:t>−</m:t>
                       </m:r>
                       <m:r>
-                        <a:rPr lang="en-US" sz="4800" i="1">
+                        <a:rPr lang="en-US" sz="4400" i="1">
                           <a:latin typeface="Cambria Math" panose="02040503050406030204" pitchFamily="18" charset="0"/>
                         </a:rPr>
                         <m:t>𝐸</m:t>
@@ -10791,14 +10792,14 @@
                           <m:begChr m:val="["/>
                           <m:endChr m:val="]"/>
                           <m:ctrlPr>
-                            <a:rPr lang="en-US" sz="4800" i="1">
+                            <a:rPr lang="en-US" sz="4400" i="1">
                               <a:latin typeface="Cambria Math" panose="02040503050406030204" pitchFamily="18" charset="0"/>
                             </a:rPr>
                           </m:ctrlPr>
                         </m:dPr>
                         <m:e>
                           <m:r>
-                            <a:rPr lang="en-US" sz="4800" i="1">
+                            <a:rPr lang="en-US" sz="4400" i="1">
                               <a:solidFill>
                                 <a:srgbClr val="C00000"/>
                               </a:solidFill>
@@ -10807,13 +10808,13 @@
                             <m:t>𝑋</m:t>
                           </m:r>
                           <m:r>
-                            <a:rPr lang="en-US" sz="4800" i="1">
+                            <a:rPr lang="en-US" sz="4400" i="1">
                               <a:latin typeface="Cambria Math" panose="02040503050406030204" pitchFamily="18" charset="0"/>
                             </a:rPr>
                             <m:t>+</m:t>
                           </m:r>
                           <m:r>
-                            <a:rPr lang="en-US" sz="4800" i="1">
+                            <a:rPr lang="en-US" sz="4400" i="1">
                               <a:solidFill>
                                 <a:srgbClr val="002060"/>
                               </a:solidFill>
@@ -10824,7 +10825,7 @@
                         </m:e>
                       </m:d>
                       <m:r>
-                        <a:rPr lang="en-US" sz="4800" i="1">
+                        <a:rPr lang="en-US" sz="4400" i="1">
                           <a:latin typeface="Cambria Math" panose="02040503050406030204" pitchFamily="18" charset="0"/>
                         </a:rPr>
                         <m:t>𝐸</m:t>
@@ -10834,14 +10835,14 @@
                           <m:begChr m:val="["/>
                           <m:endChr m:val="]"/>
                           <m:ctrlPr>
-                            <a:rPr lang="en-US" sz="4800" i="1">
+                            <a:rPr lang="en-US" sz="4400" i="1">
                               <a:latin typeface="Cambria Math" panose="02040503050406030204" pitchFamily="18" charset="0"/>
                             </a:rPr>
                           </m:ctrlPr>
                         </m:dPr>
                         <m:e>
                           <m:r>
-                            <a:rPr lang="en-US" sz="4800" i="1">
+                            <a:rPr lang="en-US" sz="4400" i="1">
                               <a:solidFill>
                                 <a:srgbClr val="C00000"/>
                               </a:solidFill>
@@ -10850,13 +10851,13 @@
                             <m:t>𝑋</m:t>
                           </m:r>
                           <m:r>
-                            <a:rPr lang="en-US" sz="4800" i="1">
+                            <a:rPr lang="en-US" sz="4400" i="1">
                               <a:latin typeface="Cambria Math" panose="02040503050406030204" pitchFamily="18" charset="0"/>
                             </a:rPr>
                             <m:t>+</m:t>
                           </m:r>
                           <m:r>
-                            <a:rPr lang="en-US" sz="4800" i="1">
+                            <a:rPr lang="en-US" sz="4400" i="1">
                               <a:solidFill>
                                 <a:srgbClr val="002060"/>
                               </a:solidFill>
@@ -10869,7 +10870,7 @@
                     </m:oMath>
                   </m:oMathPara>
                 </a14:m>
-                <a:endParaRPr lang="en-US" sz="4800"/>
+                <a:endParaRPr lang="en-US" sz="4400"/>
               </a:p>
             </p:txBody>
           </p:sp>
@@ -10891,8 +10892,8 @@
             </p:nvSpPr>
             <p:spPr>
               <a:xfrm>
-                <a:off x="0" y="3059668"/>
-                <a:ext cx="12192000" cy="738664"/>
+                <a:off x="0" y="2566105"/>
+                <a:ext cx="12192000" cy="677108"/>
               </a:xfrm>
               <a:prstGeom prst="rect">
                 <a:avLst/>
@@ -10923,10 +10924,10 @@
         <mc:Choice xmlns:a14="http://schemas.microsoft.com/office/drawing/2010/main" Requires="a14">
           <p:sp>
             <p:nvSpPr>
-              <p:cNvPr id="7" name="TextBox 6">
+              <p:cNvPr id="10" name="TextBox 9">
                 <a:extLst>
                   <a:ext uri="{FF2B5EF4-FFF2-40B4-BE49-F238E27FC236}">
-                    <a16:creationId xmlns:a16="http://schemas.microsoft.com/office/drawing/2014/main" id="{060579EA-5484-464D-8FC6-6DBE251418FD}"/>
+                    <a16:creationId xmlns:a16="http://schemas.microsoft.com/office/drawing/2014/main" id="{986365A9-871F-441F-BB9D-67216D8F84AB}"/>
                   </a:ext>
                 </a:extLst>
               </p:cNvPr>
@@ -10935,8 +10936,8 @@
             </p:nvSpPr>
             <p:spPr>
               <a:xfrm>
-                <a:off x="0" y="4119412"/>
-                <a:ext cx="12192000" cy="1460336"/>
+                <a:off x="-154746" y="4389038"/>
+                <a:ext cx="12192000" cy="615553"/>
               </a:xfrm>
               <a:prstGeom prst="rect">
                 <a:avLst/>
@@ -10956,7 +10957,7 @@
                     </m:oMathParaPr>
                     <m:oMath xmlns:m="http://schemas.openxmlformats.org/officeDocument/2006/math">
                       <m:r>
-                        <a:rPr lang="en-US" sz="4800" i="1" smtClean="0">
+                        <a:rPr lang="en-US" sz="4000" i="1" smtClean="0">
                           <a:latin typeface="Cambria Math" panose="02040503050406030204" pitchFamily="18" charset="0"/>
                         </a:rPr>
                         <m:t>𝐸</m:t>
@@ -10966,26 +10967,14 @@
                           <m:begChr m:val="["/>
                           <m:endChr m:val="]"/>
                           <m:ctrlPr>
-                            <a:rPr lang="en-US" sz="4800" i="1" smtClean="0">
-                              <a:solidFill>
-                                <a:schemeClr val="tx1"/>
-                              </a:solidFill>
+                            <a:rPr lang="en-US" sz="4000" b="0" i="1" smtClean="0">
                               <a:latin typeface="Cambria Math" panose="02040503050406030204" pitchFamily="18" charset="0"/>
                             </a:rPr>
                           </m:ctrlPr>
                         </m:dPr>
                         <m:e>
                           <m:r>
-                            <a:rPr lang="en-US" sz="4800" b="0" i="1" smtClean="0">
-                              <a:solidFill>
-                                <a:schemeClr val="tx1"/>
-                              </a:solidFill>
-                              <a:latin typeface="Cambria Math" panose="02040503050406030204" pitchFamily="18" charset="0"/>
-                            </a:rPr>
-                            <m:t>(</m:t>
-                          </m:r>
-                          <m:r>
-                            <a:rPr lang="en-US" sz="4800" i="1">
+                            <a:rPr lang="en-US" sz="4000" i="1">
                               <a:solidFill>
                                 <a:srgbClr val="C00000"/>
                               </a:solidFill>
@@ -10994,7 +10983,7 @@
                             <m:t>𝑋</m:t>
                           </m:r>
                           <m:r>
-                            <a:rPr lang="en-US" sz="4800" i="1" baseline="30000" smtClean="0">
+                            <a:rPr lang="en-US" sz="4000" i="1" baseline="30000">
                               <a:solidFill>
                                 <a:srgbClr val="C00000"/>
                               </a:solidFill>
@@ -11002,94 +10991,16 @@
                             </a:rPr>
                             <m:t>2</m:t>
                           </m:r>
-                          <m:r>
-                            <a:rPr lang="en-US" sz="4800" i="1">
-                              <a:latin typeface="Cambria Math" panose="02040503050406030204" pitchFamily="18" charset="0"/>
-                            </a:rPr>
-                            <m:t>+</m:t>
-                          </m:r>
-                          <m:r>
-                            <a:rPr lang="en-US" sz="4800" b="0" i="1" smtClean="0">
-                              <a:latin typeface="Cambria Math" panose="02040503050406030204" pitchFamily="18" charset="0"/>
-                            </a:rPr>
-                            <m:t>2</m:t>
-                          </m:r>
-                          <m:r>
-                            <a:rPr lang="en-US" sz="4800" i="1">
-                              <a:solidFill>
-                                <a:srgbClr val="C00000"/>
-                              </a:solidFill>
-                              <a:latin typeface="Cambria Math" panose="02040503050406030204" pitchFamily="18" charset="0"/>
-                            </a:rPr>
-                            <m:t>𝑋</m:t>
-                          </m:r>
-                          <m:r>
-                            <a:rPr lang="en-US" sz="4800" i="1">
-                              <a:solidFill>
-                                <a:srgbClr val="002060"/>
-                              </a:solidFill>
-                              <a:latin typeface="Cambria Math" panose="02040503050406030204" pitchFamily="18" charset="0"/>
-                            </a:rPr>
-                            <m:t>𝑌</m:t>
-                          </m:r>
-                          <m:r>
-                            <a:rPr lang="en-US" sz="4800" b="0" i="1" smtClean="0">
-                              <a:latin typeface="Cambria Math" panose="02040503050406030204" pitchFamily="18" charset="0"/>
-                            </a:rPr>
-                            <m:t>+</m:t>
-                          </m:r>
-                          <m:r>
-                            <a:rPr lang="en-US" sz="4800" i="1">
-                              <a:solidFill>
-                                <a:srgbClr val="002060"/>
-                              </a:solidFill>
-                              <a:latin typeface="Cambria Math" panose="02040503050406030204" pitchFamily="18" charset="0"/>
-                            </a:rPr>
-                            <m:t>𝑌</m:t>
-                          </m:r>
-                          <m:r>
-                            <a:rPr lang="en-US" sz="4800" i="1" baseline="30000" smtClean="0">
-                              <a:solidFill>
-                                <a:srgbClr val="002060"/>
-                              </a:solidFill>
-                              <a:latin typeface="Cambria Math" panose="02040503050406030204" pitchFamily="18" charset="0"/>
-                            </a:rPr>
-                            <m:t>2</m:t>
-                          </m:r>
-                          <m:r>
-                            <a:rPr lang="en-US" sz="4800" b="0" i="1" smtClean="0">
-                              <a:solidFill>
-                                <a:schemeClr val="tx1"/>
-                              </a:solidFill>
-                              <a:latin typeface="Cambria Math" panose="02040503050406030204" pitchFamily="18" charset="0"/>
-                            </a:rPr>
-                            <m:t>)</m:t>
-                          </m:r>
-                          <m:r>
-                            <a:rPr lang="en-US" sz="4800" i="1" baseline="30000" smtClean="0">
-                              <a:solidFill>
-                                <a:schemeClr val="tx1"/>
-                              </a:solidFill>
-                              <a:latin typeface="Cambria Math" panose="02040503050406030204" pitchFamily="18" charset="0"/>
-                            </a:rPr>
-                            <m:t> </m:t>
-                          </m:r>
                         </m:e>
                       </m:d>
                       <m:r>
-                        <a:rPr lang="en-US" sz="4800" i="1">
-                          <a:latin typeface="Cambria Math" panose="02040503050406030204" pitchFamily="18" charset="0"/>
-                        </a:rPr>
-                        <m:t>−</m:t>
-                      </m:r>
-                      <m:r>
-                        <a:rPr lang="en-US" sz="4800" b="0" i="1" smtClean="0">
-                          <a:latin typeface="Cambria Math" panose="02040503050406030204" pitchFamily="18" charset="0"/>
-                        </a:rPr>
-                        <m:t>(</m:t>
-                      </m:r>
-                      <m:r>
-                        <a:rPr lang="en-US" sz="4800" i="1">
+                        <a:rPr lang="en-US" sz="4000" b="0" i="1" smtClean="0">
+                          <a:latin typeface="Cambria Math" panose="02040503050406030204" pitchFamily="18" charset="0"/>
+                        </a:rPr>
+                        <m:t>+</m:t>
+                      </m:r>
+                      <m:r>
+                        <a:rPr lang="en-US" sz="4000" b="0" i="1" smtClean="0">
                           <a:latin typeface="Cambria Math" panose="02040503050406030204" pitchFamily="18" charset="0"/>
                         </a:rPr>
                         <m:t>𝐸</m:t>
@@ -11099,34 +11010,40 @@
                           <m:begChr m:val="["/>
                           <m:endChr m:val="]"/>
                           <m:ctrlPr>
-                            <a:rPr lang="en-US" sz="4800" i="1">
+                            <a:rPr lang="en-US" sz="4000" b="0" i="1" smtClean="0">
                               <a:latin typeface="Cambria Math" panose="02040503050406030204" pitchFamily="18" charset="0"/>
                             </a:rPr>
                           </m:ctrlPr>
                         </m:dPr>
                         <m:e>
                           <m:r>
-                            <a:rPr lang="en-US" sz="4800" i="1">
+                            <a:rPr lang="en-US" sz="4000" i="1">
                               <a:solidFill>
-                                <a:srgbClr val="C00000"/>
+                                <a:srgbClr val="002060"/>
                               </a:solidFill>
                               <a:latin typeface="Cambria Math" panose="02040503050406030204" pitchFamily="18" charset="0"/>
                             </a:rPr>
-                            <m:t>𝑋</m:t>
+                            <m:t>𝑌</m:t>
+                          </m:r>
+                          <m:r>
+                            <a:rPr lang="en-US" sz="4000" i="1" baseline="30000">
+                              <a:solidFill>
+                                <a:srgbClr val="002060"/>
+                              </a:solidFill>
+                              <a:latin typeface="Cambria Math" panose="02040503050406030204" pitchFamily="18" charset="0"/>
+                            </a:rPr>
+                            <m:t>2</m:t>
                           </m:r>
                         </m:e>
                       </m:d>
                       <m:r>
-                        <a:rPr lang="en-US" sz="4800" b="0" i="1" smtClean="0">
-                          <a:solidFill>
-                            <a:schemeClr val="tx1"/>
-                          </a:solidFill>
-                          <a:latin typeface="Cambria Math" panose="02040503050406030204" pitchFamily="18" charset="0"/>
-                        </a:rPr>
-                        <m:t>+</m:t>
-                      </m:r>
-                      <m:r>
-                        <a:rPr lang="en-US" sz="4800" i="1">
+                        <a:rPr lang="en-US" sz="4000" i="1">
+                          <a:latin typeface="Cambria Math" panose="02040503050406030204" pitchFamily="18" charset="0"/>
+                        </a:rPr>
+                        <m:t>−</m:t>
+                      </m:r>
+                      <m:r>
+                        <a:rPr lang="en-US" sz="4000" i="1">
                           <a:latin typeface="Cambria Math" panose="02040503050406030204" pitchFamily="18" charset="0"/>
                         </a:rPr>
                         <m:t>𝐸</m:t>
@@ -11136,40 +11053,40 @@
                           <m:begChr m:val="["/>
                           <m:endChr m:val="]"/>
                           <m:ctrlPr>
-                            <a:rPr lang="en-US" sz="4800" i="1">
+                            <a:rPr lang="en-US" sz="4000" i="1">
                               <a:latin typeface="Cambria Math" panose="02040503050406030204" pitchFamily="18" charset="0"/>
                             </a:rPr>
                           </m:ctrlPr>
                         </m:dPr>
                         <m:e>
                           <m:r>
-                            <a:rPr lang="en-US" sz="4800" i="1">
+                            <a:rPr lang="en-US" sz="4000" i="1">
                               <a:solidFill>
-                                <a:srgbClr val="002060"/>
+                                <a:srgbClr val="C00000"/>
                               </a:solidFill>
                               <a:latin typeface="Cambria Math" panose="02040503050406030204" pitchFamily="18" charset="0"/>
                             </a:rPr>
-                            <m:t>𝑌</m:t>
+                            <m:t>𝑋</m:t>
                           </m:r>
                         </m:e>
                       </m:d>
                       <m:r>
-                        <a:rPr lang="en-US" sz="4800" b="0" i="1" smtClean="0">
+                        <a:rPr lang="en-US" sz="4000" b="0" i="1" baseline="30000" smtClean="0">
                           <a:solidFill>
                             <a:schemeClr val="tx1"/>
                           </a:solidFill>
                           <a:latin typeface="Cambria Math" panose="02040503050406030204" pitchFamily="18" charset="0"/>
                         </a:rPr>
-                        <m:t>)</m:t>
-                      </m:r>
-                      <m:r>
-                        <a:rPr lang="en-US" sz="4800" i="1">
-                          <a:latin typeface="Cambria Math" panose="02040503050406030204" pitchFamily="18" charset="0"/>
-                        </a:rPr>
-                        <m:t>(</m:t>
-                      </m:r>
-                      <m:r>
-                        <a:rPr lang="en-US" sz="4800" i="1">
+                        <m:t>2</m:t>
+                      </m:r>
+                      <m:r>
+                        <a:rPr lang="en-US" sz="4000" i="1" smtClean="0">
+                          <a:latin typeface="Cambria Math" panose="02040503050406030204" pitchFamily="18" charset="0"/>
+                        </a:rPr>
+                        <m:t>−</m:t>
+                      </m:r>
+                      <m:r>
+                        <a:rPr lang="en-US" sz="4000" i="1">
                           <a:latin typeface="Cambria Math" panose="02040503050406030204" pitchFamily="18" charset="0"/>
                         </a:rPr>
                         <m:t>𝐸</m:t>
@@ -11179,48 +11096,14 @@
                           <m:begChr m:val="["/>
                           <m:endChr m:val="]"/>
                           <m:ctrlPr>
-                            <a:rPr lang="en-US" sz="4800" i="1">
+                            <a:rPr lang="en-US" sz="4000" i="1">
                               <a:latin typeface="Cambria Math" panose="02040503050406030204" pitchFamily="18" charset="0"/>
                             </a:rPr>
                           </m:ctrlPr>
                         </m:dPr>
                         <m:e>
                           <m:r>
-                            <a:rPr lang="en-US" sz="4800" i="1">
-                              <a:solidFill>
-                                <a:srgbClr val="C00000"/>
-                              </a:solidFill>
-                              <a:latin typeface="Cambria Math" panose="02040503050406030204" pitchFamily="18" charset="0"/>
-                            </a:rPr>
-                            <m:t>𝑋</m:t>
-                          </m:r>
-                        </m:e>
-                      </m:d>
-                      <m:r>
-                        <a:rPr lang="en-US" sz="4800" i="1">
-                          <a:latin typeface="Cambria Math" panose="02040503050406030204" pitchFamily="18" charset="0"/>
-                        </a:rPr>
-                        <m:t>+</m:t>
-                      </m:r>
-                      <m:r>
-                        <a:rPr lang="en-US" sz="4800" i="1">
-                          <a:latin typeface="Cambria Math" panose="02040503050406030204" pitchFamily="18" charset="0"/>
-                        </a:rPr>
-                        <m:t>𝐸</m:t>
-                      </m:r>
-                      <m:d>
-                        <m:dPr>
-                          <m:begChr m:val="["/>
-                          <m:endChr m:val="]"/>
-                          <m:ctrlPr>
-                            <a:rPr lang="en-US" sz="4800" i="1">
-                              <a:latin typeface="Cambria Math" panose="02040503050406030204" pitchFamily="18" charset="0"/>
-                            </a:rPr>
-                          </m:ctrlPr>
-                        </m:dPr>
-                        <m:e>
-                          <m:r>
-                            <a:rPr lang="en-US" sz="4800" i="1">
+                            <a:rPr lang="en-US" sz="4000" i="1">
                               <a:solidFill>
                                 <a:srgbClr val="002060"/>
                               </a:solidFill>
@@ -11231,15 +11114,15 @@
                         </m:e>
                       </m:d>
                       <m:r>
-                        <a:rPr lang="en-US" sz="4800" i="1">
-                          <a:latin typeface="Cambria Math" panose="02040503050406030204" pitchFamily="18" charset="0"/>
-                        </a:rPr>
-                        <m:t>)</m:t>
+                        <a:rPr lang="en-US" sz="4000" i="1" baseline="30000">
+                          <a:latin typeface="Cambria Math" panose="02040503050406030204" pitchFamily="18" charset="0"/>
+                        </a:rPr>
+                        <m:t>2</m:t>
                       </m:r>
                     </m:oMath>
                   </m:oMathPara>
                 </a14:m>
-                <a:endParaRPr lang="en-US" sz="4800"/>
+                <a:endParaRPr lang="en-US" sz="4000"/>
               </a:p>
             </p:txBody>
           </p:sp>
@@ -11247,10 +11130,10 @@
         <mc:Fallback>
           <p:sp>
             <p:nvSpPr>
-              <p:cNvPr id="7" name="TextBox 6">
+              <p:cNvPr id="10" name="TextBox 9">
                 <a:extLst>
                   <a:ext uri="{FF2B5EF4-FFF2-40B4-BE49-F238E27FC236}">
-                    <a16:creationId xmlns:a16="http://schemas.microsoft.com/office/drawing/2014/main" id="{060579EA-5484-464D-8FC6-6DBE251418FD}"/>
+                    <a16:creationId xmlns:a16="http://schemas.microsoft.com/office/drawing/2014/main" id="{986365A9-871F-441F-BB9D-67216D8F84AB}"/>
                   </a:ext>
                 </a:extLst>
               </p:cNvPr>
@@ -11261,8 +11144,8 @@
             </p:nvSpPr>
             <p:spPr>
               <a:xfrm>
-                <a:off x="0" y="4119412"/>
-                <a:ext cx="12192000" cy="1460336"/>
+                <a:off x="-154746" y="4389038"/>
+                <a:ext cx="12192000" cy="615553"/>
               </a:xfrm>
               <a:prstGeom prst="rect">
                 <a:avLst/>
@@ -11293,6 +11176,36 @@
     <p:extLst>
       <p:ext uri="{BB962C8B-B14F-4D97-AF65-F5344CB8AC3E}">
         <p14:creationId xmlns:p14="http://schemas.microsoft.com/office/powerpoint/2010/main" val="2014932196"/>
+      </p:ext>
+    </p:extLst>
+  </p:cSld>
+  <p:clrMapOvr>
+    <a:masterClrMapping/>
+  </p:clrMapOvr>
+</p:sld>
+</file>
+
+<file path=ppt/slides/slide9.xml><?xml version="1.0" encoding="utf-8"?>
+<p:sld xmlns:a="http://schemas.openxmlformats.org/drawingml/2006/main" xmlns:r="http://schemas.openxmlformats.org/officeDocument/2006/relationships" xmlns:p="http://schemas.openxmlformats.org/presentationml/2006/main">
+  <p:cSld>
+    <p:spTree>
+      <p:nvGrpSpPr>
+        <p:cNvPr id="1" name=""/>
+        <p:cNvGrpSpPr/>
+        <p:nvPr/>
+      </p:nvGrpSpPr>
+      <p:grpSpPr>
+        <a:xfrm>
+          <a:off x="0" y="0"/>
+          <a:ext cx="0" cy="0"/>
+          <a:chOff x="0" y="0"/>
+          <a:chExt cx="0" cy="0"/>
+        </a:xfrm>
+      </p:grpSpPr>
+    </p:spTree>
+    <p:extLst>
+      <p:ext uri="{BB962C8B-B14F-4D97-AF65-F5344CB8AC3E}">
+        <p14:creationId xmlns:p14="http://schemas.microsoft.com/office/powerpoint/2010/main" val="4041635271"/>
       </p:ext>
     </p:extLst>
   </p:cSld>

--- a/ps/ps_images.pptx
+++ b/ps/ps_images.pptx
@@ -10936,7 +10936,7 @@
             </p:nvSpPr>
             <p:spPr>
               <a:xfrm>
-                <a:off x="-154746" y="4389038"/>
+                <a:off x="0" y="3977710"/>
                 <a:ext cx="12192000" cy="615553"/>
               </a:xfrm>
               <a:prstGeom prst="rect">
@@ -11144,7 +11144,7 @@
             </p:nvSpPr>
             <p:spPr>
               <a:xfrm>
-                <a:off x="-154746" y="4389038"/>
+                <a:off x="0" y="3977710"/>
                 <a:ext cx="12192000" cy="615553"/>
               </a:xfrm>
               <a:prstGeom prst="rect">
@@ -11152,6 +11152,258 @@
               </a:prstGeom>
               <a:blipFill>
                 <a:blip r:embed="rId6"/>
+                <a:stretch>
+                  <a:fillRect/>
+                </a:stretch>
+              </a:blipFill>
+            </p:spPr>
+            <p:txBody>
+              <a:bodyPr/>
+              <a:lstStyle/>
+              <a:p>
+                <a:r>
+                  <a:rPr lang="en-US">
+                    <a:noFill/>
+                  </a:rPr>
+                  <a:t> </a:t>
+                </a:r>
+              </a:p>
+            </p:txBody>
+          </p:sp>
+        </mc:Fallback>
+      </mc:AlternateContent>
+      <mc:AlternateContent xmlns:mc="http://schemas.openxmlformats.org/markup-compatibility/2006">
+        <mc:Choice xmlns:a14="http://schemas.microsoft.com/office/drawing/2010/main" Requires="a14">
+          <p:sp>
+            <p:nvSpPr>
+              <p:cNvPr id="12" name="TextBox 11">
+                <a:extLst>
+                  <a:ext uri="{FF2B5EF4-FFF2-40B4-BE49-F238E27FC236}">
+                    <a16:creationId xmlns:a16="http://schemas.microsoft.com/office/drawing/2014/main" id="{BB4B2BAC-C1A1-4213-8731-332CAF4FFA7C}"/>
+                  </a:ext>
+                </a:extLst>
+              </p:cNvPr>
+              <p:cNvSpPr txBox="1"/>
+              <p:nvPr/>
+            </p:nvSpPr>
+            <p:spPr>
+              <a:xfrm>
+                <a:off x="0" y="4984398"/>
+                <a:ext cx="12192000" cy="615553"/>
+              </a:xfrm>
+              <a:prstGeom prst="rect">
+                <a:avLst/>
+              </a:prstGeom>
+              <a:noFill/>
+            </p:spPr>
+            <p:txBody>
+              <a:bodyPr wrap="square" lIns="0" tIns="0" rIns="0" bIns="0" rtlCol="0">
+                <a:spAutoFit/>
+              </a:bodyPr>
+              <a:lstStyle/>
+              <a:p>
+                <a14:m>
+                  <m:oMathPara xmlns:m="http://schemas.openxmlformats.org/officeDocument/2006/math">
+                    <m:oMathParaPr>
+                      <m:jc m:val="centerGroup"/>
+                    </m:oMathParaPr>
+                    <m:oMath xmlns:m="http://schemas.openxmlformats.org/officeDocument/2006/math">
+                      <m:r>
+                        <a:rPr lang="en-US" sz="4000" i="1" smtClean="0">
+                          <a:latin typeface="Cambria Math" panose="02040503050406030204" pitchFamily="18" charset="0"/>
+                        </a:rPr>
+                        <m:t>𝐸</m:t>
+                      </m:r>
+                      <m:d>
+                        <m:dPr>
+                          <m:begChr m:val="["/>
+                          <m:endChr m:val="]"/>
+                          <m:ctrlPr>
+                            <a:rPr lang="en-US" sz="4000" b="0" i="1" smtClean="0">
+                              <a:latin typeface="Cambria Math" panose="02040503050406030204" pitchFamily="18" charset="0"/>
+                            </a:rPr>
+                          </m:ctrlPr>
+                        </m:dPr>
+                        <m:e>
+                          <m:r>
+                            <a:rPr lang="en-US" sz="4000" i="1">
+                              <a:solidFill>
+                                <a:srgbClr val="C00000"/>
+                              </a:solidFill>
+                              <a:latin typeface="Cambria Math" panose="02040503050406030204" pitchFamily="18" charset="0"/>
+                            </a:rPr>
+                            <m:t>𝑋</m:t>
+                          </m:r>
+                          <m:r>
+                            <a:rPr lang="en-US" sz="4000" i="1" baseline="30000">
+                              <a:solidFill>
+                                <a:srgbClr val="C00000"/>
+                              </a:solidFill>
+                              <a:latin typeface="Cambria Math" panose="02040503050406030204" pitchFamily="18" charset="0"/>
+                            </a:rPr>
+                            <m:t>2</m:t>
+                          </m:r>
+                        </m:e>
+                      </m:d>
+                      <m:r>
+                        <a:rPr lang="en-US" sz="4000" i="1">
+                          <a:latin typeface="Cambria Math" panose="02040503050406030204" pitchFamily="18" charset="0"/>
+                        </a:rPr>
+                        <m:t>−</m:t>
+                      </m:r>
+                      <m:r>
+                        <a:rPr lang="en-US" sz="4000" i="1">
+                          <a:latin typeface="Cambria Math" panose="02040503050406030204" pitchFamily="18" charset="0"/>
+                        </a:rPr>
+                        <m:t>𝐸</m:t>
+                      </m:r>
+                      <m:d>
+                        <m:dPr>
+                          <m:begChr m:val="["/>
+                          <m:endChr m:val="]"/>
+                          <m:ctrlPr>
+                            <a:rPr lang="en-US" sz="4000" i="1">
+                              <a:latin typeface="Cambria Math" panose="02040503050406030204" pitchFamily="18" charset="0"/>
+                            </a:rPr>
+                          </m:ctrlPr>
+                        </m:dPr>
+                        <m:e>
+                          <m:r>
+                            <a:rPr lang="en-US" sz="4000" i="1">
+                              <a:solidFill>
+                                <a:srgbClr val="C00000"/>
+                              </a:solidFill>
+                              <a:latin typeface="Cambria Math" panose="02040503050406030204" pitchFamily="18" charset="0"/>
+                            </a:rPr>
+                            <m:t>𝑋</m:t>
+                          </m:r>
+                        </m:e>
+                      </m:d>
+                      <m:r>
+                        <a:rPr lang="en-US" sz="4000" b="0" i="1" baseline="30000" smtClean="0">
+                          <a:solidFill>
+                            <a:schemeClr val="tx1"/>
+                          </a:solidFill>
+                          <a:latin typeface="Cambria Math" panose="02040503050406030204" pitchFamily="18" charset="0"/>
+                        </a:rPr>
+                        <m:t>2</m:t>
+                      </m:r>
+                      <m:r>
+                        <a:rPr lang="en-US" sz="4000" i="1">
+                          <a:latin typeface="Cambria Math" panose="02040503050406030204" pitchFamily="18" charset="0"/>
+                        </a:rPr>
+                        <m:t>+</m:t>
+                      </m:r>
+                      <m:r>
+                        <a:rPr lang="en-US" sz="4000" i="1">
+                          <a:latin typeface="Cambria Math" panose="02040503050406030204" pitchFamily="18" charset="0"/>
+                        </a:rPr>
+                        <m:t>𝐸</m:t>
+                      </m:r>
+                      <m:d>
+                        <m:dPr>
+                          <m:begChr m:val="["/>
+                          <m:endChr m:val="]"/>
+                          <m:ctrlPr>
+                            <a:rPr lang="en-US" sz="4000" i="1">
+                              <a:latin typeface="Cambria Math" panose="02040503050406030204" pitchFamily="18" charset="0"/>
+                            </a:rPr>
+                          </m:ctrlPr>
+                        </m:dPr>
+                        <m:e>
+                          <m:r>
+                            <a:rPr lang="en-US" sz="4000" i="1">
+                              <a:solidFill>
+                                <a:srgbClr val="002060"/>
+                              </a:solidFill>
+                              <a:latin typeface="Cambria Math" panose="02040503050406030204" pitchFamily="18" charset="0"/>
+                            </a:rPr>
+                            <m:t>𝑌</m:t>
+                          </m:r>
+                          <m:r>
+                            <a:rPr lang="en-US" sz="4000" i="1" baseline="30000">
+                              <a:solidFill>
+                                <a:srgbClr val="002060"/>
+                              </a:solidFill>
+                              <a:latin typeface="Cambria Math" panose="02040503050406030204" pitchFamily="18" charset="0"/>
+                            </a:rPr>
+                            <m:t>2</m:t>
+                          </m:r>
+                        </m:e>
+                      </m:d>
+                      <m:r>
+                        <a:rPr lang="en-US" sz="4000" i="1" smtClean="0">
+                          <a:latin typeface="Cambria Math" panose="02040503050406030204" pitchFamily="18" charset="0"/>
+                        </a:rPr>
+                        <m:t>−</m:t>
+                      </m:r>
+                      <m:r>
+                        <a:rPr lang="en-US" sz="4000" i="1">
+                          <a:latin typeface="Cambria Math" panose="02040503050406030204" pitchFamily="18" charset="0"/>
+                        </a:rPr>
+                        <m:t>𝐸</m:t>
+                      </m:r>
+                      <m:d>
+                        <m:dPr>
+                          <m:begChr m:val="["/>
+                          <m:endChr m:val="]"/>
+                          <m:ctrlPr>
+                            <a:rPr lang="en-US" sz="4000" i="1">
+                              <a:latin typeface="Cambria Math" panose="02040503050406030204" pitchFamily="18" charset="0"/>
+                            </a:rPr>
+                          </m:ctrlPr>
+                        </m:dPr>
+                        <m:e>
+                          <m:r>
+                            <a:rPr lang="en-US" sz="4000" i="1">
+                              <a:solidFill>
+                                <a:srgbClr val="002060"/>
+                              </a:solidFill>
+                              <a:latin typeface="Cambria Math" panose="02040503050406030204" pitchFamily="18" charset="0"/>
+                            </a:rPr>
+                            <m:t>𝑌</m:t>
+                          </m:r>
+                        </m:e>
+                      </m:d>
+                      <m:r>
+                        <a:rPr lang="en-US" sz="4000" i="1" baseline="30000">
+                          <a:latin typeface="Cambria Math" panose="02040503050406030204" pitchFamily="18" charset="0"/>
+                        </a:rPr>
+                        <m:t>2</m:t>
+                      </m:r>
+                    </m:oMath>
+                  </m:oMathPara>
+                </a14:m>
+                <a:endParaRPr lang="en-US" sz="4000"/>
+              </a:p>
+            </p:txBody>
+          </p:sp>
+        </mc:Choice>
+        <mc:Fallback>
+          <p:sp>
+            <p:nvSpPr>
+              <p:cNvPr id="12" name="TextBox 11">
+                <a:extLst>
+                  <a:ext uri="{FF2B5EF4-FFF2-40B4-BE49-F238E27FC236}">
+                    <a16:creationId xmlns:a16="http://schemas.microsoft.com/office/drawing/2014/main" id="{BB4B2BAC-C1A1-4213-8731-332CAF4FFA7C}"/>
+                  </a:ext>
+                </a:extLst>
+              </p:cNvPr>
+              <p:cNvSpPr txBox="1">
+                <a:spLocks noRot="1" noChangeAspect="1" noMove="1" noResize="1" noEditPoints="1" noAdjustHandles="1" noChangeArrowheads="1" noChangeShapeType="1" noTextEdit="1"/>
+              </p:cNvSpPr>
+              <p:nvPr/>
+            </p:nvSpPr>
+            <p:spPr>
+              <a:xfrm>
+                <a:off x="0" y="4984398"/>
+                <a:ext cx="12192000" cy="615553"/>
+              </a:xfrm>
+              <a:prstGeom prst="rect">
+                <a:avLst/>
+              </a:prstGeom>
+              <a:blipFill>
+                <a:blip r:embed="rId7"/>
                 <a:stretch>
                   <a:fillRect/>
                 </a:stretch>

--- a/ps/ps_images.pptx
+++ b/ps/ps_images.pptx
@@ -10936,7 +10936,7 @@
             </p:nvSpPr>
             <p:spPr>
               <a:xfrm>
-                <a:off x="0" y="3977710"/>
+                <a:off x="0" y="3806029"/>
                 <a:ext cx="12192000" cy="615553"/>
               </a:xfrm>
               <a:prstGeom prst="rect">
@@ -11144,7 +11144,7 @@
             </p:nvSpPr>
             <p:spPr>
               <a:xfrm>
-                <a:off x="0" y="3977710"/>
+                <a:off x="0" y="3806029"/>
                 <a:ext cx="12192000" cy="615553"/>
               </a:xfrm>
               <a:prstGeom prst="rect">
@@ -11188,7 +11188,7 @@
             </p:nvSpPr>
             <p:spPr>
               <a:xfrm>
-                <a:off x="0" y="4984398"/>
+                <a:off x="0" y="4764946"/>
                 <a:ext cx="12192000" cy="615553"/>
               </a:xfrm>
               <a:prstGeom prst="rect">
@@ -11370,6 +11370,93 @@
                           <a:latin typeface="Cambria Math" panose="02040503050406030204" pitchFamily="18" charset="0"/>
                         </a:rPr>
                         <m:t>2</m:t>
+                      </m:r>
+                      <m:r>
+                        <a:rPr lang="en-US" sz="4000" b="0" i="1" smtClean="0">
+                          <a:latin typeface="Cambria Math" panose="02040503050406030204" pitchFamily="18" charset="0"/>
+                        </a:rPr>
+                        <m:t>=</m:t>
+                      </m:r>
+                      <m:r>
+                        <m:rPr>
+                          <m:nor/>
+                        </m:rPr>
+                        <a:rPr lang="en-US" sz="4000">
+                          <a:latin typeface="Cambria Math" panose="02040503050406030204" pitchFamily="18" charset="0"/>
+                        </a:rPr>
+                        <m:t>Var</m:t>
+                      </m:r>
+                      <m:r>
+                        <m:rPr>
+                          <m:nor/>
+                        </m:rPr>
+                        <a:rPr lang="en-US" sz="4000">
+                          <a:latin typeface="Cambria Math" panose="02040503050406030204" pitchFamily="18" charset="0"/>
+                        </a:rPr>
+                        <m:t>[</m:t>
+                      </m:r>
+                      <m:r>
+                        <a:rPr lang="en-US" sz="4000" i="1">
+                          <a:solidFill>
+                            <a:srgbClr val="C00000"/>
+                          </a:solidFill>
+                          <a:latin typeface="Cambria Math" panose="02040503050406030204" pitchFamily="18" charset="0"/>
+                        </a:rPr>
+                        <m:t>𝑋</m:t>
+                      </m:r>
+                      <m:r>
+                        <m:rPr>
+                          <m:nor/>
+                        </m:rPr>
+                        <a:rPr lang="en-US" sz="4000">
+                          <a:latin typeface="Cambria Math" panose="02040503050406030204" pitchFamily="18" charset="0"/>
+                        </a:rPr>
+                        <m:t>]</m:t>
+                      </m:r>
+                      <m:r>
+                        <m:rPr>
+                          <m:nor/>
+                        </m:rPr>
+                        <a:rPr lang="en-US" sz="4000" b="0" i="0" smtClean="0">
+                          <a:latin typeface="Cambria Math" panose="02040503050406030204" pitchFamily="18" charset="0"/>
+                        </a:rPr>
+                        <m:t>+</m:t>
+                      </m:r>
+                      <m:r>
+                        <m:rPr>
+                          <m:nor/>
+                        </m:rPr>
+                        <a:rPr lang="en-US" sz="4000">
+                          <a:latin typeface="Cambria Math" panose="02040503050406030204" pitchFamily="18" charset="0"/>
+                        </a:rPr>
+                        <m:t>Var</m:t>
+                      </m:r>
+                      <m:r>
+                        <m:rPr>
+                          <m:nor/>
+                        </m:rPr>
+                        <a:rPr lang="en-US" sz="4000">
+                          <a:latin typeface="Cambria Math" panose="02040503050406030204" pitchFamily="18" charset="0"/>
+                        </a:rPr>
+                        <m:t>[</m:t>
+                      </m:r>
+                      <m:r>
+                        <a:rPr lang="en-US" sz="4000" i="1">
+                          <a:solidFill>
+                            <a:srgbClr val="002060"/>
+                          </a:solidFill>
+                          <a:latin typeface="Cambria Math" panose="02040503050406030204" pitchFamily="18" charset="0"/>
+                        </a:rPr>
+                        <m:t>𝑌</m:t>
+                      </m:r>
+                      <m:r>
+                        <m:rPr>
+                          <m:nor/>
+                        </m:rPr>
+                        <a:rPr lang="en-US" sz="4000">
+                          <a:latin typeface="Cambria Math" panose="02040503050406030204" pitchFamily="18" charset="0"/>
+                        </a:rPr>
+                        <m:t>]</m:t>
                       </m:r>
                     </m:oMath>
                   </m:oMathPara>
@@ -11396,7 +11483,7 @@
             </p:nvSpPr>
             <p:spPr>
               <a:xfrm>
-                <a:off x="0" y="4984398"/>
+                <a:off x="0" y="4764946"/>
                 <a:ext cx="12192000" cy="615553"/>
               </a:xfrm>
               <a:prstGeom prst="rect">

--- a/ps/ps_images.pptx
+++ b/ps/ps_images.pptx
@@ -10924,10 +10924,10 @@
         <mc:Choice xmlns:a14="http://schemas.microsoft.com/office/drawing/2010/main" Requires="a14">
           <p:sp>
             <p:nvSpPr>
-              <p:cNvPr id="10" name="TextBox 9">
+              <p:cNvPr id="12" name="TextBox 11">
                 <a:extLst>
                   <a:ext uri="{FF2B5EF4-FFF2-40B4-BE49-F238E27FC236}">
-                    <a16:creationId xmlns:a16="http://schemas.microsoft.com/office/drawing/2014/main" id="{986365A9-871F-441F-BB9D-67216D8F84AB}"/>
+                    <a16:creationId xmlns:a16="http://schemas.microsoft.com/office/drawing/2014/main" id="{BB4B2BAC-C1A1-4213-8731-332CAF4FFA7C}"/>
                   </a:ext>
                 </a:extLst>
               </p:cNvPr>
@@ -10936,8 +10936,8 @@
             </p:nvSpPr>
             <p:spPr>
               <a:xfrm>
-                <a:off x="0" y="3806029"/>
-                <a:ext cx="12192000" cy="615553"/>
+                <a:off x="0" y="3984796"/>
+                <a:ext cx="12192000" cy="1216936"/>
               </a:xfrm>
               <a:prstGeom prst="rect">
                 <a:avLst/>
@@ -10994,49 +10994,6 @@
                         </m:e>
                       </m:d>
                       <m:r>
-                        <a:rPr lang="en-US" sz="4000" b="0" i="1" smtClean="0">
-                          <a:latin typeface="Cambria Math" panose="02040503050406030204" pitchFamily="18" charset="0"/>
-                        </a:rPr>
-                        <m:t>+</m:t>
-                      </m:r>
-                      <m:r>
-                        <a:rPr lang="en-US" sz="4000" b="0" i="1" smtClean="0">
-                          <a:latin typeface="Cambria Math" panose="02040503050406030204" pitchFamily="18" charset="0"/>
-                        </a:rPr>
-                        <m:t>𝐸</m:t>
-                      </m:r>
-                      <m:d>
-                        <m:dPr>
-                          <m:begChr m:val="["/>
-                          <m:endChr m:val="]"/>
-                          <m:ctrlPr>
-                            <a:rPr lang="en-US" sz="4000" b="0" i="1" smtClean="0">
-                              <a:latin typeface="Cambria Math" panose="02040503050406030204" pitchFamily="18" charset="0"/>
-                            </a:rPr>
-                          </m:ctrlPr>
-                        </m:dPr>
-                        <m:e>
-                          <m:r>
-                            <a:rPr lang="en-US" sz="4000" i="1">
-                              <a:solidFill>
-                                <a:srgbClr val="002060"/>
-                              </a:solidFill>
-                              <a:latin typeface="Cambria Math" panose="02040503050406030204" pitchFamily="18" charset="0"/>
-                            </a:rPr>
-                            <m:t>𝑌</m:t>
-                          </m:r>
-                          <m:r>
-                            <a:rPr lang="en-US" sz="4000" i="1" baseline="30000">
-                              <a:solidFill>
-                                <a:srgbClr val="002060"/>
-                              </a:solidFill>
-                              <a:latin typeface="Cambria Math" panose="02040503050406030204" pitchFamily="18" charset="0"/>
-                            </a:rPr>
-                            <m:t>2</m:t>
-                          </m:r>
-                        </m:e>
-                      </m:d>
-                      <m:r>
                         <a:rPr lang="en-US" sz="4000" i="1">
                           <a:latin typeface="Cambria Math" panose="02040503050406030204" pitchFamily="18" charset="0"/>
                         </a:rPr>
@@ -11080,10 +11037,10 @@
                         <m:t>2</m:t>
                       </m:r>
                       <m:r>
-                        <a:rPr lang="en-US" sz="4000" i="1" smtClean="0">
-                          <a:latin typeface="Cambria Math" panose="02040503050406030204" pitchFamily="18" charset="0"/>
-                        </a:rPr>
-                        <m:t>−</m:t>
+                        <a:rPr lang="en-US" sz="4000" i="1">
+                          <a:latin typeface="Cambria Math" panose="02040503050406030204" pitchFamily="18" charset="0"/>
+                        </a:rPr>
+                        <m:t>+</m:t>
                       </m:r>
                       <m:r>
                         <a:rPr lang="en-US" sz="4000" i="1">
@@ -11111,6 +11068,49 @@
                             </a:rPr>
                             <m:t>𝑌</m:t>
                           </m:r>
+                          <m:r>
+                            <a:rPr lang="en-US" sz="4000" i="1" baseline="30000">
+                              <a:solidFill>
+                                <a:srgbClr val="002060"/>
+                              </a:solidFill>
+                              <a:latin typeface="Cambria Math" panose="02040503050406030204" pitchFamily="18" charset="0"/>
+                            </a:rPr>
+                            <m:t>2</m:t>
+                          </m:r>
+                        </m:e>
+                      </m:d>
+                      <m:r>
+                        <a:rPr lang="en-US" sz="4000" i="1" smtClean="0">
+                          <a:latin typeface="Cambria Math" panose="02040503050406030204" pitchFamily="18" charset="0"/>
+                        </a:rPr>
+                        <m:t>−</m:t>
+                      </m:r>
+                      <m:r>
+                        <a:rPr lang="en-US" sz="4000" i="1">
+                          <a:latin typeface="Cambria Math" panose="02040503050406030204" pitchFamily="18" charset="0"/>
+                        </a:rPr>
+                        <m:t>𝐸</m:t>
+                      </m:r>
+                      <m:d>
+                        <m:dPr>
+                          <m:begChr m:val="["/>
+                          <m:endChr m:val="]"/>
+                          <m:ctrlPr>
+                            <a:rPr lang="en-US" sz="4000" i="1">
+                              <a:latin typeface="Cambria Math" panose="02040503050406030204" pitchFamily="18" charset="0"/>
+                            </a:rPr>
+                          </m:ctrlPr>
+                        </m:dPr>
+                        <m:e>
+                          <m:r>
+                            <a:rPr lang="en-US" sz="4000" i="1">
+                              <a:solidFill>
+                                <a:srgbClr val="002060"/>
+                              </a:solidFill>
+                              <a:latin typeface="Cambria Math" panose="02040503050406030204" pitchFamily="18" charset="0"/>
+                            </a:rPr>
+                            <m:t>𝑌</m:t>
+                          </m:r>
                         </m:e>
                       </m:d>
                       <m:r>
@@ -11122,85 +11122,10 @@
                     </m:oMath>
                   </m:oMathPara>
                 </a14:m>
-                <a:endParaRPr lang="en-US" sz="4000"/>
+                <a:endParaRPr lang="en-US" sz="4000" i="1" baseline="30000">
+                  <a:latin typeface="Cambria Math" panose="02040503050406030204" pitchFamily="18" charset="0"/>
+                </a:endParaRPr>
               </a:p>
-            </p:txBody>
-          </p:sp>
-        </mc:Choice>
-        <mc:Fallback>
-          <p:sp>
-            <p:nvSpPr>
-              <p:cNvPr id="10" name="TextBox 9">
-                <a:extLst>
-                  <a:ext uri="{FF2B5EF4-FFF2-40B4-BE49-F238E27FC236}">
-                    <a16:creationId xmlns:a16="http://schemas.microsoft.com/office/drawing/2014/main" id="{986365A9-871F-441F-BB9D-67216D8F84AB}"/>
-                  </a:ext>
-                </a:extLst>
-              </p:cNvPr>
-              <p:cNvSpPr txBox="1">
-                <a:spLocks noRot="1" noChangeAspect="1" noMove="1" noResize="1" noEditPoints="1" noAdjustHandles="1" noChangeArrowheads="1" noChangeShapeType="1" noTextEdit="1"/>
-              </p:cNvSpPr>
-              <p:nvPr/>
-            </p:nvSpPr>
-            <p:spPr>
-              <a:xfrm>
-                <a:off x="0" y="3806029"/>
-                <a:ext cx="12192000" cy="615553"/>
-              </a:xfrm>
-              <a:prstGeom prst="rect">
-                <a:avLst/>
-              </a:prstGeom>
-              <a:blipFill>
-                <a:blip r:embed="rId6"/>
-                <a:stretch>
-                  <a:fillRect/>
-                </a:stretch>
-              </a:blipFill>
-            </p:spPr>
-            <p:txBody>
-              <a:bodyPr/>
-              <a:lstStyle/>
-              <a:p>
-                <a:r>
-                  <a:rPr lang="en-US">
-                    <a:noFill/>
-                  </a:rPr>
-                  <a:t> </a:t>
-                </a:r>
-              </a:p>
-            </p:txBody>
-          </p:sp>
-        </mc:Fallback>
-      </mc:AlternateContent>
-      <mc:AlternateContent xmlns:mc="http://schemas.openxmlformats.org/markup-compatibility/2006">
-        <mc:Choice xmlns:a14="http://schemas.microsoft.com/office/drawing/2010/main" Requires="a14">
-          <p:sp>
-            <p:nvSpPr>
-              <p:cNvPr id="12" name="TextBox 11">
-                <a:extLst>
-                  <a:ext uri="{FF2B5EF4-FFF2-40B4-BE49-F238E27FC236}">
-                    <a16:creationId xmlns:a16="http://schemas.microsoft.com/office/drawing/2014/main" id="{BB4B2BAC-C1A1-4213-8731-332CAF4FFA7C}"/>
-                  </a:ext>
-                </a:extLst>
-              </p:cNvPr>
-              <p:cNvSpPr txBox="1"/>
-              <p:nvPr/>
-            </p:nvSpPr>
-            <p:spPr>
-              <a:xfrm>
-                <a:off x="0" y="4764946"/>
-                <a:ext cx="12192000" cy="615553"/>
-              </a:xfrm>
-              <a:prstGeom prst="rect">
-                <a:avLst/>
-              </a:prstGeom>
-              <a:noFill/>
-            </p:spPr>
-            <p:txBody>
-              <a:bodyPr wrap="square" lIns="0" tIns="0" rIns="0" bIns="0" rtlCol="0">
-                <a:spAutoFit/>
-              </a:bodyPr>
-              <a:lstStyle/>
               <a:p>
                 <a14:m>
                   <m:oMathPara xmlns:m="http://schemas.openxmlformats.org/officeDocument/2006/math">
@@ -11208,169 +11133,6 @@
                       <m:jc m:val="centerGroup"/>
                     </m:oMathParaPr>
                     <m:oMath xmlns:m="http://schemas.openxmlformats.org/officeDocument/2006/math">
-                      <m:r>
-                        <a:rPr lang="en-US" sz="4000" i="1" smtClean="0">
-                          <a:latin typeface="Cambria Math" panose="02040503050406030204" pitchFamily="18" charset="0"/>
-                        </a:rPr>
-                        <m:t>𝐸</m:t>
-                      </m:r>
-                      <m:d>
-                        <m:dPr>
-                          <m:begChr m:val="["/>
-                          <m:endChr m:val="]"/>
-                          <m:ctrlPr>
-                            <a:rPr lang="en-US" sz="4000" b="0" i="1" smtClean="0">
-                              <a:latin typeface="Cambria Math" panose="02040503050406030204" pitchFamily="18" charset="0"/>
-                            </a:rPr>
-                          </m:ctrlPr>
-                        </m:dPr>
-                        <m:e>
-                          <m:r>
-                            <a:rPr lang="en-US" sz="4000" i="1">
-                              <a:solidFill>
-                                <a:srgbClr val="C00000"/>
-                              </a:solidFill>
-                              <a:latin typeface="Cambria Math" panose="02040503050406030204" pitchFamily="18" charset="0"/>
-                            </a:rPr>
-                            <m:t>𝑋</m:t>
-                          </m:r>
-                          <m:r>
-                            <a:rPr lang="en-US" sz="4000" i="1" baseline="30000">
-                              <a:solidFill>
-                                <a:srgbClr val="C00000"/>
-                              </a:solidFill>
-                              <a:latin typeface="Cambria Math" panose="02040503050406030204" pitchFamily="18" charset="0"/>
-                            </a:rPr>
-                            <m:t>2</m:t>
-                          </m:r>
-                        </m:e>
-                      </m:d>
-                      <m:r>
-                        <a:rPr lang="en-US" sz="4000" i="1">
-                          <a:latin typeface="Cambria Math" panose="02040503050406030204" pitchFamily="18" charset="0"/>
-                        </a:rPr>
-                        <m:t>−</m:t>
-                      </m:r>
-                      <m:r>
-                        <a:rPr lang="en-US" sz="4000" i="1">
-                          <a:latin typeface="Cambria Math" panose="02040503050406030204" pitchFamily="18" charset="0"/>
-                        </a:rPr>
-                        <m:t>𝐸</m:t>
-                      </m:r>
-                      <m:d>
-                        <m:dPr>
-                          <m:begChr m:val="["/>
-                          <m:endChr m:val="]"/>
-                          <m:ctrlPr>
-                            <a:rPr lang="en-US" sz="4000" i="1">
-                              <a:latin typeface="Cambria Math" panose="02040503050406030204" pitchFamily="18" charset="0"/>
-                            </a:rPr>
-                          </m:ctrlPr>
-                        </m:dPr>
-                        <m:e>
-                          <m:r>
-                            <a:rPr lang="en-US" sz="4000" i="1">
-                              <a:solidFill>
-                                <a:srgbClr val="C00000"/>
-                              </a:solidFill>
-                              <a:latin typeface="Cambria Math" panose="02040503050406030204" pitchFamily="18" charset="0"/>
-                            </a:rPr>
-                            <m:t>𝑋</m:t>
-                          </m:r>
-                        </m:e>
-                      </m:d>
-                      <m:r>
-                        <a:rPr lang="en-US" sz="4000" b="0" i="1" baseline="30000" smtClean="0">
-                          <a:solidFill>
-                            <a:schemeClr val="tx1"/>
-                          </a:solidFill>
-                          <a:latin typeface="Cambria Math" panose="02040503050406030204" pitchFamily="18" charset="0"/>
-                        </a:rPr>
-                        <m:t>2</m:t>
-                      </m:r>
-                      <m:r>
-                        <a:rPr lang="en-US" sz="4000" i="1">
-                          <a:latin typeface="Cambria Math" panose="02040503050406030204" pitchFamily="18" charset="0"/>
-                        </a:rPr>
-                        <m:t>+</m:t>
-                      </m:r>
-                      <m:r>
-                        <a:rPr lang="en-US" sz="4000" i="1">
-                          <a:latin typeface="Cambria Math" panose="02040503050406030204" pitchFamily="18" charset="0"/>
-                        </a:rPr>
-                        <m:t>𝐸</m:t>
-                      </m:r>
-                      <m:d>
-                        <m:dPr>
-                          <m:begChr m:val="["/>
-                          <m:endChr m:val="]"/>
-                          <m:ctrlPr>
-                            <a:rPr lang="en-US" sz="4000" i="1">
-                              <a:latin typeface="Cambria Math" panose="02040503050406030204" pitchFamily="18" charset="0"/>
-                            </a:rPr>
-                          </m:ctrlPr>
-                        </m:dPr>
-                        <m:e>
-                          <m:r>
-                            <a:rPr lang="en-US" sz="4000" i="1">
-                              <a:solidFill>
-                                <a:srgbClr val="002060"/>
-                              </a:solidFill>
-                              <a:latin typeface="Cambria Math" panose="02040503050406030204" pitchFamily="18" charset="0"/>
-                            </a:rPr>
-                            <m:t>𝑌</m:t>
-                          </m:r>
-                          <m:r>
-                            <a:rPr lang="en-US" sz="4000" i="1" baseline="30000">
-                              <a:solidFill>
-                                <a:srgbClr val="002060"/>
-                              </a:solidFill>
-                              <a:latin typeface="Cambria Math" panose="02040503050406030204" pitchFamily="18" charset="0"/>
-                            </a:rPr>
-                            <m:t>2</m:t>
-                          </m:r>
-                        </m:e>
-                      </m:d>
-                      <m:r>
-                        <a:rPr lang="en-US" sz="4000" i="1" smtClean="0">
-                          <a:latin typeface="Cambria Math" panose="02040503050406030204" pitchFamily="18" charset="0"/>
-                        </a:rPr>
-                        <m:t>−</m:t>
-                      </m:r>
-                      <m:r>
-                        <a:rPr lang="en-US" sz="4000" i="1">
-                          <a:latin typeface="Cambria Math" panose="02040503050406030204" pitchFamily="18" charset="0"/>
-                        </a:rPr>
-                        <m:t>𝐸</m:t>
-                      </m:r>
-                      <m:d>
-                        <m:dPr>
-                          <m:begChr m:val="["/>
-                          <m:endChr m:val="]"/>
-                          <m:ctrlPr>
-                            <a:rPr lang="en-US" sz="4000" i="1">
-                              <a:latin typeface="Cambria Math" panose="02040503050406030204" pitchFamily="18" charset="0"/>
-                            </a:rPr>
-                          </m:ctrlPr>
-                        </m:dPr>
-                        <m:e>
-                          <m:r>
-                            <a:rPr lang="en-US" sz="4000" i="1">
-                              <a:solidFill>
-                                <a:srgbClr val="002060"/>
-                              </a:solidFill>
-                              <a:latin typeface="Cambria Math" panose="02040503050406030204" pitchFamily="18" charset="0"/>
-                            </a:rPr>
-                            <m:t>𝑌</m:t>
-                          </m:r>
-                        </m:e>
-                      </m:d>
-                      <m:r>
-                        <a:rPr lang="en-US" sz="4000" i="1" baseline="30000">
-                          <a:latin typeface="Cambria Math" panose="02040503050406030204" pitchFamily="18" charset="0"/>
-                        </a:rPr>
-                        <m:t>2</m:t>
-                      </m:r>
                       <m:r>
                         <a:rPr lang="en-US" sz="4000" b="0" i="1" smtClean="0">
                           <a:latin typeface="Cambria Math" panose="02040503050406030204" pitchFamily="18" charset="0"/>
@@ -11483,14 +11245,14 @@
             </p:nvSpPr>
             <p:spPr>
               <a:xfrm>
-                <a:off x="0" y="4764946"/>
-                <a:ext cx="12192000" cy="615553"/>
+                <a:off x="0" y="3984796"/>
+                <a:ext cx="12192000" cy="1216936"/>
               </a:xfrm>
               <a:prstGeom prst="rect">
                 <a:avLst/>
               </a:prstGeom>
               <a:blipFill>
-                <a:blip r:embed="rId7"/>
+                <a:blip r:embed="rId6"/>
                 <a:stretch>
                   <a:fillRect/>
                 </a:stretch>

--- a/ps/ps_images.pptx
+++ b/ps/ps_images.pptx
@@ -267,7 +267,7 @@
           <a:p>
             <a:fld id="{A87D8ACD-2932-4696-A411-35B4FCC980C6}" type="datetimeFigureOut">
               <a:rPr lang="en-US" smtClean="0"/>
-              <a:t>02-Apr-21</a:t>
+              <a:t>04-Apr-21</a:t>
             </a:fld>
             <a:endParaRPr lang="en-US"/>
           </a:p>
@@ -465,7 +465,7 @@
           <a:p>
             <a:fld id="{A87D8ACD-2932-4696-A411-35B4FCC980C6}" type="datetimeFigureOut">
               <a:rPr lang="en-US" smtClean="0"/>
-              <a:t>02-Apr-21</a:t>
+              <a:t>04-Apr-21</a:t>
             </a:fld>
             <a:endParaRPr lang="en-US"/>
           </a:p>
@@ -673,7 +673,7 @@
           <a:p>
             <a:fld id="{A87D8ACD-2932-4696-A411-35B4FCC980C6}" type="datetimeFigureOut">
               <a:rPr lang="en-US" smtClean="0"/>
-              <a:t>02-Apr-21</a:t>
+              <a:t>04-Apr-21</a:t>
             </a:fld>
             <a:endParaRPr lang="en-US"/>
           </a:p>
@@ -871,7 +871,7 @@
           <a:p>
             <a:fld id="{A87D8ACD-2932-4696-A411-35B4FCC980C6}" type="datetimeFigureOut">
               <a:rPr lang="en-US" smtClean="0"/>
-              <a:t>02-Apr-21</a:t>
+              <a:t>04-Apr-21</a:t>
             </a:fld>
             <a:endParaRPr lang="en-US"/>
           </a:p>
@@ -1146,7 +1146,7 @@
           <a:p>
             <a:fld id="{A87D8ACD-2932-4696-A411-35B4FCC980C6}" type="datetimeFigureOut">
               <a:rPr lang="en-US" smtClean="0"/>
-              <a:t>02-Apr-21</a:t>
+              <a:t>04-Apr-21</a:t>
             </a:fld>
             <a:endParaRPr lang="en-US"/>
           </a:p>
@@ -1411,7 +1411,7 @@
           <a:p>
             <a:fld id="{A87D8ACD-2932-4696-A411-35B4FCC980C6}" type="datetimeFigureOut">
               <a:rPr lang="en-US" smtClean="0"/>
-              <a:t>02-Apr-21</a:t>
+              <a:t>04-Apr-21</a:t>
             </a:fld>
             <a:endParaRPr lang="en-US"/>
           </a:p>
@@ -1823,7 +1823,7 @@
           <a:p>
             <a:fld id="{A87D8ACD-2932-4696-A411-35B4FCC980C6}" type="datetimeFigureOut">
               <a:rPr lang="en-US" smtClean="0"/>
-              <a:t>02-Apr-21</a:t>
+              <a:t>04-Apr-21</a:t>
             </a:fld>
             <a:endParaRPr lang="en-US"/>
           </a:p>
@@ -1964,7 +1964,7 @@
           <a:p>
             <a:fld id="{A87D8ACD-2932-4696-A411-35B4FCC980C6}" type="datetimeFigureOut">
               <a:rPr lang="en-US" smtClean="0"/>
-              <a:t>02-Apr-21</a:t>
+              <a:t>04-Apr-21</a:t>
             </a:fld>
             <a:endParaRPr lang="en-US"/>
           </a:p>
@@ -2077,7 +2077,7 @@
           <a:p>
             <a:fld id="{A87D8ACD-2932-4696-A411-35B4FCC980C6}" type="datetimeFigureOut">
               <a:rPr lang="en-US" smtClean="0"/>
-              <a:t>02-Apr-21</a:t>
+              <a:t>04-Apr-21</a:t>
             </a:fld>
             <a:endParaRPr lang="en-US"/>
           </a:p>
@@ -2388,7 +2388,7 @@
           <a:p>
             <a:fld id="{A87D8ACD-2932-4696-A411-35B4FCC980C6}" type="datetimeFigureOut">
               <a:rPr lang="en-US" smtClean="0"/>
-              <a:t>02-Apr-21</a:t>
+              <a:t>04-Apr-21</a:t>
             </a:fld>
             <a:endParaRPr lang="en-US"/>
           </a:p>
@@ -2676,7 +2676,7 @@
           <a:p>
             <a:fld id="{A87D8ACD-2932-4696-A411-35B4FCC980C6}" type="datetimeFigureOut">
               <a:rPr lang="en-US" smtClean="0"/>
-              <a:t>02-Apr-21</a:t>
+              <a:t>04-Apr-21</a:t>
             </a:fld>
             <a:endParaRPr lang="en-US"/>
           </a:p>
@@ -2917,7 +2917,7 @@
           <a:p>
             <a:fld id="{A87D8ACD-2932-4696-A411-35B4FCC980C6}" type="datetimeFigureOut">
               <a:rPr lang="en-US" smtClean="0"/>
-              <a:t>02-Apr-21</a:t>
+              <a:t>04-Apr-21</a:t>
             </a:fld>
             <a:endParaRPr lang="en-US"/>
           </a:p>
@@ -9891,8 +9891,8 @@
           <a:chExt cx="0" cy="0"/>
         </a:xfrm>
       </p:grpSpPr>
-      <mc:AlternateContent xmlns:mc="http://schemas.openxmlformats.org/markup-compatibility/2006">
-        <mc:Choice xmlns:a14="http://schemas.microsoft.com/office/drawing/2010/main" Requires="a14">
+      <mc:AlternateContent xmlns:mc="http://schemas.openxmlformats.org/markup-compatibility/2006" xmlns:a14="http://schemas.microsoft.com/office/drawing/2010/main">
+        <mc:Choice Requires="a14">
           <p:sp>
             <p:nvSpPr>
               <p:cNvPr id="3" name="TextBox 2">
@@ -9996,7 +9996,7 @@
             </p:txBody>
           </p:sp>
         </mc:Choice>
-        <mc:Fallback>
+        <mc:Fallback xmlns="">
           <p:sp>
             <p:nvSpPr>
               <p:cNvPr id="3" name="TextBox 2">
@@ -10041,8 +10041,8 @@
           </p:sp>
         </mc:Fallback>
       </mc:AlternateContent>
-      <mc:AlternateContent xmlns:mc="http://schemas.openxmlformats.org/markup-compatibility/2006">
-        <mc:Choice xmlns:a14="http://schemas.microsoft.com/office/drawing/2010/main" Requires="a14">
+      <mc:AlternateContent xmlns:mc="http://schemas.openxmlformats.org/markup-compatibility/2006" xmlns:a14="http://schemas.microsoft.com/office/drawing/2010/main">
+        <mc:Choice Requires="a14">
           <p:sp>
             <p:nvSpPr>
               <p:cNvPr id="4" name="TextBox 3">
@@ -10299,7 +10299,7 @@
             </p:txBody>
           </p:sp>
         </mc:Choice>
-        <mc:Fallback>
+        <mc:Fallback xmlns="">
           <p:sp>
             <p:nvSpPr>
               <p:cNvPr id="4" name="TextBox 3">
@@ -10344,8 +10344,8 @@
           </p:sp>
         </mc:Fallback>
       </mc:AlternateContent>
-      <mc:AlternateContent xmlns:mc="http://schemas.openxmlformats.org/markup-compatibility/2006">
-        <mc:Choice xmlns:a14="http://schemas.microsoft.com/office/drawing/2010/main" Requires="a14">
+      <mc:AlternateContent xmlns:mc="http://schemas.openxmlformats.org/markup-compatibility/2006" xmlns:a14="http://schemas.microsoft.com/office/drawing/2010/main">
+        <mc:Choice Requires="a14">
           <p:sp>
             <p:nvSpPr>
               <p:cNvPr id="5" name="TextBox 4">
@@ -10374,6 +10374,7 @@
               </a:bodyPr>
               <a:lstStyle/>
               <a:p>
+                <a:pPr/>
                 <a14:m>
                   <m:oMathPara xmlns:m="http://schemas.openxmlformats.org/officeDocument/2006/math">
                     <m:oMathParaPr>
@@ -10573,7 +10574,7 @@
             </p:txBody>
           </p:sp>
         </mc:Choice>
-        <mc:Fallback>
+        <mc:Fallback xmlns="">
           <p:sp>
             <p:nvSpPr>
               <p:cNvPr id="5" name="TextBox 4">
@@ -10618,8 +10619,8 @@
           </p:sp>
         </mc:Fallback>
       </mc:AlternateContent>
-      <mc:AlternateContent xmlns:mc="http://schemas.openxmlformats.org/markup-compatibility/2006">
-        <mc:Choice xmlns:a14="http://schemas.microsoft.com/office/drawing/2010/main" Requires="a14">
+      <mc:AlternateContent xmlns:mc="http://schemas.openxmlformats.org/markup-compatibility/2006" xmlns:a14="http://schemas.microsoft.com/office/drawing/2010/main">
+        <mc:Choice Requires="a14">
           <p:sp>
             <p:nvSpPr>
               <p:cNvPr id="6" name="TextBox 5">
@@ -10648,6 +10649,7 @@
               </a:bodyPr>
               <a:lstStyle/>
               <a:p>
+                <a:pPr/>
                 <a14:m>
                   <m:oMathPara xmlns:m="http://schemas.openxmlformats.org/officeDocument/2006/math">
                     <m:oMathParaPr>
@@ -10875,7 +10877,7 @@
             </p:txBody>
           </p:sp>
         </mc:Choice>
-        <mc:Fallback>
+        <mc:Fallback xmlns="">
           <p:sp>
             <p:nvSpPr>
               <p:cNvPr id="6" name="TextBox 5">
@@ -10920,8 +10922,8 @@
           </p:sp>
         </mc:Fallback>
       </mc:AlternateContent>
-      <mc:AlternateContent xmlns:mc="http://schemas.openxmlformats.org/markup-compatibility/2006">
-        <mc:Choice xmlns:a14="http://schemas.microsoft.com/office/drawing/2010/main" Requires="a14">
+      <mc:AlternateContent xmlns:mc="http://schemas.openxmlformats.org/markup-compatibility/2006" xmlns:a14="http://schemas.microsoft.com/office/drawing/2010/main">
+        <mc:Choice Requires="a14">
           <p:sp>
             <p:nvSpPr>
               <p:cNvPr id="12" name="TextBox 11">
@@ -10950,6 +10952,7 @@
               </a:bodyPr>
               <a:lstStyle/>
               <a:p>
+                <a:pPr/>
                 <a14:m>
                   <m:oMathPara xmlns:m="http://schemas.openxmlformats.org/officeDocument/2006/math">
                     <m:oMathParaPr>
@@ -11127,6 +11130,7 @@
                 </a:endParaRPr>
               </a:p>
               <a:p>
+                <a:pPr/>
                 <a14:m>
                   <m:oMathPara xmlns:m="http://schemas.openxmlformats.org/officeDocument/2006/math">
                     <m:oMathParaPr>
@@ -11228,7 +11232,7 @@
             </p:txBody>
           </p:sp>
         </mc:Choice>
-        <mc:Fallback>
+        <mc:Fallback xmlns="">
           <p:sp>
             <p:nvSpPr>
               <p:cNvPr id="12" name="TextBox 11">
@@ -11303,6 +11307,1896 @@
           <a:chExt cx="0" cy="0"/>
         </a:xfrm>
       </p:grpSpPr>
+      <p:graphicFrame>
+        <p:nvGraphicFramePr>
+          <p:cNvPr id="2" name="Table 2">
+            <a:extLst>
+              <a:ext uri="{FF2B5EF4-FFF2-40B4-BE49-F238E27FC236}">
+                <a16:creationId xmlns:a16="http://schemas.microsoft.com/office/drawing/2014/main" id="{3445E595-D6C1-4C11-B72E-E4C754BD18A4}"/>
+              </a:ext>
+            </a:extLst>
+          </p:cNvPr>
+          <p:cNvGraphicFramePr>
+            <a:graphicFrameLocks noGrp="1"/>
+          </p:cNvGraphicFramePr>
+          <p:nvPr>
+            <p:extLst>
+              <p:ext uri="{D42A27DB-BD31-4B8C-83A1-F6EECF244321}">
+                <p14:modId xmlns:p14="http://schemas.microsoft.com/office/powerpoint/2010/main" val="845760479"/>
+              </p:ext>
+            </p:extLst>
+          </p:nvPr>
+        </p:nvGraphicFramePr>
+        <p:xfrm>
+          <a:off x="2032000" y="719666"/>
+          <a:ext cx="8128002" cy="2743200"/>
+        </p:xfrm>
+        <a:graphic>
+          <a:graphicData uri="http://schemas.openxmlformats.org/drawingml/2006/table">
+            <a:tbl>
+              <a:tblPr firstRow="1" bandRow="1">
+                <a:tableStyleId>{5940675A-B579-460E-94D1-54222C63F5DA}</a:tableStyleId>
+              </a:tblPr>
+              <a:tblGrid>
+                <a:gridCol w="1354667">
+                  <a:extLst>
+                    <a:ext uri="{9D8B030D-6E8A-4147-A177-3AD203B41FA5}">
+                      <a16:colId xmlns:a16="http://schemas.microsoft.com/office/drawing/2014/main" val="823069406"/>
+                    </a:ext>
+                  </a:extLst>
+                </a:gridCol>
+                <a:gridCol w="1354667">
+                  <a:extLst>
+                    <a:ext uri="{9D8B030D-6E8A-4147-A177-3AD203B41FA5}">
+                      <a16:colId xmlns:a16="http://schemas.microsoft.com/office/drawing/2014/main" val="927532657"/>
+                    </a:ext>
+                  </a:extLst>
+                </a:gridCol>
+                <a:gridCol w="1354667">
+                  <a:extLst>
+                    <a:ext uri="{9D8B030D-6E8A-4147-A177-3AD203B41FA5}">
+                      <a16:colId xmlns:a16="http://schemas.microsoft.com/office/drawing/2014/main" val="231054531"/>
+                    </a:ext>
+                  </a:extLst>
+                </a:gridCol>
+                <a:gridCol w="1354667">
+                  <a:extLst>
+                    <a:ext uri="{9D8B030D-6E8A-4147-A177-3AD203B41FA5}">
+                      <a16:colId xmlns:a16="http://schemas.microsoft.com/office/drawing/2014/main" val="520715157"/>
+                    </a:ext>
+                  </a:extLst>
+                </a:gridCol>
+                <a:gridCol w="1354667">
+                  <a:extLst>
+                    <a:ext uri="{9D8B030D-6E8A-4147-A177-3AD203B41FA5}">
+                      <a16:colId xmlns:a16="http://schemas.microsoft.com/office/drawing/2014/main" val="86531081"/>
+                    </a:ext>
+                  </a:extLst>
+                </a:gridCol>
+                <a:gridCol w="1354667">
+                  <a:extLst>
+                    <a:ext uri="{9D8B030D-6E8A-4147-A177-3AD203B41FA5}">
+                      <a16:colId xmlns:a16="http://schemas.microsoft.com/office/drawing/2014/main" val="1589927541"/>
+                    </a:ext>
+                  </a:extLst>
+                </a:gridCol>
+              </a:tblGrid>
+              <a:tr h="370840">
+                <a:tc>
+                  <a:txBody>
+                    <a:bodyPr/>
+                    <a:lstStyle/>
+                    <a:p>
+                      <a:pPr algn="ctr"/>
+                      <a:r>
+                        <a:rPr lang="en-US" sz="2400"/>
+                        <a:t>X</a:t>
+                      </a:r>
+                      <a:r>
+                        <a:rPr lang="en-US" sz="2400" baseline="-25000"/>
+                        <a:t>1</a:t>
+                      </a:r>
+                    </a:p>
+                  </a:txBody>
+                  <a:tcPr anchor="ctr">
+                    <a:lnL w="38100" cap="flat" cmpd="sng" algn="ctr">
+                      <a:solidFill>
+                        <a:schemeClr val="tx1"/>
+                      </a:solidFill>
+                      <a:prstDash val="solid"/>
+                      <a:round/>
+                      <a:headEnd type="none" w="med" len="med"/>
+                      <a:tailEnd type="none" w="med" len="med"/>
+                    </a:lnL>
+                    <a:lnR w="38100" cap="flat" cmpd="sng" algn="ctr">
+                      <a:solidFill>
+                        <a:schemeClr val="tx1"/>
+                      </a:solidFill>
+                      <a:prstDash val="solid"/>
+                      <a:round/>
+                      <a:headEnd type="none" w="med" len="med"/>
+                      <a:tailEnd type="none" w="med" len="med"/>
+                    </a:lnR>
+                    <a:lnT w="38100" cap="flat" cmpd="sng" algn="ctr">
+                      <a:solidFill>
+                        <a:schemeClr val="tx1"/>
+                      </a:solidFill>
+                      <a:prstDash val="solid"/>
+                      <a:round/>
+                      <a:headEnd type="none" w="med" len="med"/>
+                      <a:tailEnd type="none" w="med" len="med"/>
+                    </a:lnT>
+                    <a:lnB w="38100" cap="flat" cmpd="sng" algn="ctr">
+                      <a:solidFill>
+                        <a:schemeClr val="tx1"/>
+                      </a:solidFill>
+                      <a:prstDash val="solid"/>
+                      <a:round/>
+                      <a:headEnd type="none" w="med" len="med"/>
+                      <a:tailEnd type="none" w="med" len="med"/>
+                    </a:lnB>
+                  </a:tcPr>
+                </a:tc>
+                <a:tc>
+                  <a:txBody>
+                    <a:bodyPr/>
+                    <a:lstStyle/>
+                    <a:p>
+                      <a:pPr algn="ctr"/>
+                      <a:r>
+                        <a:rPr lang="en-US" sz="2400"/>
+                        <a:t>X</a:t>
+                      </a:r>
+                      <a:r>
+                        <a:rPr lang="en-US" sz="2400" baseline="-25000"/>
+                        <a:t>2</a:t>
+                      </a:r>
+                    </a:p>
+                  </a:txBody>
+                  <a:tcPr anchor="ctr">
+                    <a:lnL w="38100" cap="flat" cmpd="sng" algn="ctr">
+                      <a:solidFill>
+                        <a:schemeClr val="tx1"/>
+                      </a:solidFill>
+                      <a:prstDash val="solid"/>
+                      <a:round/>
+                      <a:headEnd type="none" w="med" len="med"/>
+                      <a:tailEnd type="none" w="med" len="med"/>
+                    </a:lnL>
+                    <a:lnR w="38100" cap="flat" cmpd="sng" algn="ctr">
+                      <a:solidFill>
+                        <a:schemeClr val="tx1"/>
+                      </a:solidFill>
+                      <a:prstDash val="solid"/>
+                      <a:round/>
+                      <a:headEnd type="none" w="med" len="med"/>
+                      <a:tailEnd type="none" w="med" len="med"/>
+                    </a:lnR>
+                    <a:lnT w="38100" cap="flat" cmpd="sng" algn="ctr">
+                      <a:solidFill>
+                        <a:schemeClr val="tx1"/>
+                      </a:solidFill>
+                      <a:prstDash val="solid"/>
+                      <a:round/>
+                      <a:headEnd type="none" w="med" len="med"/>
+                      <a:tailEnd type="none" w="med" len="med"/>
+                    </a:lnT>
+                    <a:lnB w="38100" cap="flat" cmpd="sng" algn="ctr">
+                      <a:solidFill>
+                        <a:schemeClr val="tx1"/>
+                      </a:solidFill>
+                      <a:prstDash val="solid"/>
+                      <a:round/>
+                      <a:headEnd type="none" w="med" len="med"/>
+                      <a:tailEnd type="none" w="med" len="med"/>
+                    </a:lnB>
+                  </a:tcPr>
+                </a:tc>
+                <a:tc>
+                  <a:txBody>
+                    <a:bodyPr/>
+                    <a:lstStyle/>
+                    <a:p>
+                      <a:pPr algn="ctr"/>
+                      <a:r>
+                        <a:rPr lang="en-US" sz="2400"/>
+                        <a:t>X</a:t>
+                      </a:r>
+                      <a:r>
+                        <a:rPr lang="en-US" sz="2400" baseline="-25000"/>
+                        <a:t>3</a:t>
+                      </a:r>
+                    </a:p>
+                  </a:txBody>
+                  <a:tcPr anchor="ctr">
+                    <a:lnL w="38100" cap="flat" cmpd="sng" algn="ctr">
+                      <a:solidFill>
+                        <a:schemeClr val="tx1"/>
+                      </a:solidFill>
+                      <a:prstDash val="solid"/>
+                      <a:round/>
+                      <a:headEnd type="none" w="med" len="med"/>
+                      <a:tailEnd type="none" w="med" len="med"/>
+                    </a:lnL>
+                    <a:lnR w="38100" cap="flat" cmpd="sng" algn="ctr">
+                      <a:solidFill>
+                        <a:schemeClr val="tx1"/>
+                      </a:solidFill>
+                      <a:prstDash val="solid"/>
+                      <a:round/>
+                      <a:headEnd type="none" w="med" len="med"/>
+                      <a:tailEnd type="none" w="med" len="med"/>
+                    </a:lnR>
+                    <a:lnT w="38100" cap="flat" cmpd="sng" algn="ctr">
+                      <a:solidFill>
+                        <a:schemeClr val="tx1"/>
+                      </a:solidFill>
+                      <a:prstDash val="solid"/>
+                      <a:round/>
+                      <a:headEnd type="none" w="med" len="med"/>
+                      <a:tailEnd type="none" w="med" len="med"/>
+                    </a:lnT>
+                    <a:lnB w="38100" cap="flat" cmpd="sng" algn="ctr">
+                      <a:solidFill>
+                        <a:schemeClr val="tx1"/>
+                      </a:solidFill>
+                      <a:prstDash val="solid"/>
+                      <a:round/>
+                      <a:headEnd type="none" w="med" len="med"/>
+                      <a:tailEnd type="none" w="med" len="med"/>
+                    </a:lnB>
+                  </a:tcPr>
+                </a:tc>
+                <a:tc>
+                  <a:txBody>
+                    <a:bodyPr/>
+                    <a:lstStyle/>
+                    <a:p>
+                      <a:pPr algn="ctr"/>
+                      <a:r>
+                        <a:rPr lang="en-US" sz="2400"/>
+                        <a:t>X</a:t>
+                      </a:r>
+                      <a:r>
+                        <a:rPr lang="en-US" sz="2400" baseline="-25000"/>
+                        <a:t>4</a:t>
+                      </a:r>
+                    </a:p>
+                  </a:txBody>
+                  <a:tcPr anchor="ctr">
+                    <a:lnL w="38100" cap="flat" cmpd="sng" algn="ctr">
+                      <a:solidFill>
+                        <a:schemeClr val="tx1"/>
+                      </a:solidFill>
+                      <a:prstDash val="solid"/>
+                      <a:round/>
+                      <a:headEnd type="none" w="med" len="med"/>
+                      <a:tailEnd type="none" w="med" len="med"/>
+                    </a:lnL>
+                    <a:lnR w="38100" cap="flat" cmpd="sng" algn="ctr">
+                      <a:solidFill>
+                        <a:schemeClr val="tx1"/>
+                      </a:solidFill>
+                      <a:prstDash val="solid"/>
+                      <a:round/>
+                      <a:headEnd type="none" w="med" len="med"/>
+                      <a:tailEnd type="none" w="med" len="med"/>
+                    </a:lnR>
+                    <a:lnT w="38100" cap="flat" cmpd="sng" algn="ctr">
+                      <a:solidFill>
+                        <a:schemeClr val="tx1"/>
+                      </a:solidFill>
+                      <a:prstDash val="solid"/>
+                      <a:round/>
+                      <a:headEnd type="none" w="med" len="med"/>
+                      <a:tailEnd type="none" w="med" len="med"/>
+                    </a:lnT>
+                    <a:lnB w="38100" cap="flat" cmpd="sng" algn="ctr">
+                      <a:solidFill>
+                        <a:schemeClr val="tx1"/>
+                      </a:solidFill>
+                      <a:prstDash val="solid"/>
+                      <a:round/>
+                      <a:headEnd type="none" w="med" len="med"/>
+                      <a:tailEnd type="none" w="med" len="med"/>
+                    </a:lnB>
+                  </a:tcPr>
+                </a:tc>
+                <a:tc>
+                  <a:txBody>
+                    <a:bodyPr/>
+                    <a:lstStyle/>
+                    <a:p>
+                      <a:pPr algn="ctr"/>
+                      <a:r>
+                        <a:rPr lang="en-US" sz="2400"/>
+                        <a:t>X</a:t>
+                      </a:r>
+                      <a:r>
+                        <a:rPr lang="en-US" sz="2400" baseline="-25000"/>
+                        <a:t>5</a:t>
+                      </a:r>
+                    </a:p>
+                  </a:txBody>
+                  <a:tcPr anchor="ctr">
+                    <a:lnL w="38100" cap="flat" cmpd="sng" algn="ctr">
+                      <a:solidFill>
+                        <a:schemeClr val="tx1"/>
+                      </a:solidFill>
+                      <a:prstDash val="solid"/>
+                      <a:round/>
+                      <a:headEnd type="none" w="med" len="med"/>
+                      <a:tailEnd type="none" w="med" len="med"/>
+                    </a:lnL>
+                    <a:lnR w="38100" cap="flat" cmpd="sng" algn="ctr">
+                      <a:solidFill>
+                        <a:schemeClr val="tx1"/>
+                      </a:solidFill>
+                      <a:prstDash val="solid"/>
+                      <a:round/>
+                      <a:headEnd type="none" w="med" len="med"/>
+                      <a:tailEnd type="none" w="med" len="med"/>
+                    </a:lnR>
+                    <a:lnT w="38100" cap="flat" cmpd="sng" algn="ctr">
+                      <a:solidFill>
+                        <a:schemeClr val="tx1"/>
+                      </a:solidFill>
+                      <a:prstDash val="solid"/>
+                      <a:round/>
+                      <a:headEnd type="none" w="med" len="med"/>
+                      <a:tailEnd type="none" w="med" len="med"/>
+                    </a:lnT>
+                    <a:lnB w="38100" cap="flat" cmpd="sng" algn="ctr">
+                      <a:solidFill>
+                        <a:schemeClr val="tx1"/>
+                      </a:solidFill>
+                      <a:prstDash val="solid"/>
+                      <a:round/>
+                      <a:headEnd type="none" w="med" len="med"/>
+                      <a:tailEnd type="none" w="med" len="med"/>
+                    </a:lnB>
+                  </a:tcPr>
+                </a:tc>
+                <a:tc>
+                  <a:txBody>
+                    <a:bodyPr/>
+                    <a:lstStyle/>
+                    <a:p>
+                      <a:pPr algn="ctr"/>
+                      <a:r>
+                        <a:rPr lang="en-US" sz="2400"/>
+                        <a:t>X</a:t>
+                      </a:r>
+                      <a:r>
+                        <a:rPr lang="en-US" sz="2400" baseline="-25000"/>
+                        <a:t>6</a:t>
+                      </a:r>
+                    </a:p>
+                  </a:txBody>
+                  <a:tcPr anchor="ctr">
+                    <a:lnL w="38100" cap="flat" cmpd="sng" algn="ctr">
+                      <a:solidFill>
+                        <a:schemeClr val="tx1"/>
+                      </a:solidFill>
+                      <a:prstDash val="solid"/>
+                      <a:round/>
+                      <a:headEnd type="none" w="med" len="med"/>
+                      <a:tailEnd type="none" w="med" len="med"/>
+                    </a:lnL>
+                    <a:lnR w="38100" cap="flat" cmpd="sng" algn="ctr">
+                      <a:solidFill>
+                        <a:schemeClr val="tx1"/>
+                      </a:solidFill>
+                      <a:prstDash val="solid"/>
+                      <a:round/>
+                      <a:headEnd type="none" w="med" len="med"/>
+                      <a:tailEnd type="none" w="med" len="med"/>
+                    </a:lnR>
+                    <a:lnT w="38100" cap="flat" cmpd="sng" algn="ctr">
+                      <a:solidFill>
+                        <a:schemeClr val="tx1"/>
+                      </a:solidFill>
+                      <a:prstDash val="solid"/>
+                      <a:round/>
+                      <a:headEnd type="none" w="med" len="med"/>
+                      <a:tailEnd type="none" w="med" len="med"/>
+                    </a:lnT>
+                    <a:lnB w="38100" cap="flat" cmpd="sng" algn="ctr">
+                      <a:solidFill>
+                        <a:schemeClr val="tx1"/>
+                      </a:solidFill>
+                      <a:prstDash val="solid"/>
+                      <a:round/>
+                      <a:headEnd type="none" w="med" len="med"/>
+                      <a:tailEnd type="none" w="med" len="med"/>
+                    </a:lnB>
+                  </a:tcPr>
+                </a:tc>
+                <a:extLst>
+                  <a:ext uri="{0D108BD9-81ED-4DB2-BD59-A6C34878D82A}">
+                    <a16:rowId xmlns:a16="http://schemas.microsoft.com/office/drawing/2014/main" val="1536228135"/>
+                  </a:ext>
+                </a:extLst>
+              </a:tr>
+              <a:tr h="370840">
+                <a:tc>
+                  <a:txBody>
+                    <a:bodyPr/>
+                    <a:lstStyle/>
+                    <a:p>
+                      <a:pPr algn="ctr"/>
+                      <a:endParaRPr lang="en-US" sz="2400"/>
+                    </a:p>
+                  </a:txBody>
+                  <a:tcPr anchor="ctr">
+                    <a:lnL w="38100" cap="flat" cmpd="sng" algn="ctr">
+                      <a:solidFill>
+                        <a:schemeClr val="tx1"/>
+                      </a:solidFill>
+                      <a:prstDash val="solid"/>
+                      <a:round/>
+                      <a:headEnd type="none" w="med" len="med"/>
+                      <a:tailEnd type="none" w="med" len="med"/>
+                    </a:lnL>
+                    <a:lnR w="38100" cap="flat" cmpd="sng" algn="ctr">
+                      <a:solidFill>
+                        <a:schemeClr val="tx1"/>
+                      </a:solidFill>
+                      <a:prstDash val="solid"/>
+                      <a:round/>
+                      <a:headEnd type="none" w="med" len="med"/>
+                      <a:tailEnd type="none" w="med" len="med"/>
+                    </a:lnR>
+                    <a:lnT w="38100" cap="flat" cmpd="sng" algn="ctr">
+                      <a:solidFill>
+                        <a:schemeClr val="tx1"/>
+                      </a:solidFill>
+                      <a:prstDash val="solid"/>
+                      <a:round/>
+                      <a:headEnd type="none" w="med" len="med"/>
+                      <a:tailEnd type="none" w="med" len="med"/>
+                    </a:lnT>
+                    <a:lnB w="38100" cap="flat" cmpd="sng" algn="ctr">
+                      <a:solidFill>
+                        <a:schemeClr val="tx1"/>
+                      </a:solidFill>
+                      <a:prstDash val="solid"/>
+                      <a:round/>
+                      <a:headEnd type="none" w="med" len="med"/>
+                      <a:tailEnd type="none" w="med" len="med"/>
+                    </a:lnB>
+                  </a:tcPr>
+                </a:tc>
+                <a:tc>
+                  <a:txBody>
+                    <a:bodyPr/>
+                    <a:lstStyle/>
+                    <a:p>
+                      <a:pPr algn="ctr"/>
+                      <a:endParaRPr lang="en-US" sz="2400"/>
+                    </a:p>
+                  </a:txBody>
+                  <a:tcPr anchor="ctr">
+                    <a:lnL w="38100" cap="flat" cmpd="sng" algn="ctr">
+                      <a:solidFill>
+                        <a:schemeClr val="tx1"/>
+                      </a:solidFill>
+                      <a:prstDash val="solid"/>
+                      <a:round/>
+                      <a:headEnd type="none" w="med" len="med"/>
+                      <a:tailEnd type="none" w="med" len="med"/>
+                    </a:lnL>
+                    <a:lnR w="38100" cap="flat" cmpd="sng" algn="ctr">
+                      <a:solidFill>
+                        <a:schemeClr val="tx1"/>
+                      </a:solidFill>
+                      <a:prstDash val="solid"/>
+                      <a:round/>
+                      <a:headEnd type="none" w="med" len="med"/>
+                      <a:tailEnd type="none" w="med" len="med"/>
+                    </a:lnR>
+                    <a:lnT w="38100" cap="flat" cmpd="sng" algn="ctr">
+                      <a:solidFill>
+                        <a:schemeClr val="tx1"/>
+                      </a:solidFill>
+                      <a:prstDash val="solid"/>
+                      <a:round/>
+                      <a:headEnd type="none" w="med" len="med"/>
+                      <a:tailEnd type="none" w="med" len="med"/>
+                    </a:lnT>
+                    <a:lnB w="38100" cap="flat" cmpd="sng" algn="ctr">
+                      <a:solidFill>
+                        <a:schemeClr val="tx1"/>
+                      </a:solidFill>
+                      <a:prstDash val="solid"/>
+                      <a:round/>
+                      <a:headEnd type="none" w="med" len="med"/>
+                      <a:tailEnd type="none" w="med" len="med"/>
+                    </a:lnB>
+                  </a:tcPr>
+                </a:tc>
+                <a:tc>
+                  <a:txBody>
+                    <a:bodyPr/>
+                    <a:lstStyle/>
+                    <a:p>
+                      <a:pPr algn="ctr"/>
+                      <a:endParaRPr lang="en-US" sz="2400"/>
+                    </a:p>
+                  </a:txBody>
+                  <a:tcPr anchor="ctr">
+                    <a:lnL w="38100" cap="flat" cmpd="sng" algn="ctr">
+                      <a:solidFill>
+                        <a:schemeClr val="tx1"/>
+                      </a:solidFill>
+                      <a:prstDash val="solid"/>
+                      <a:round/>
+                      <a:headEnd type="none" w="med" len="med"/>
+                      <a:tailEnd type="none" w="med" len="med"/>
+                    </a:lnL>
+                    <a:lnR w="38100" cap="flat" cmpd="sng" algn="ctr">
+                      <a:solidFill>
+                        <a:schemeClr val="tx1"/>
+                      </a:solidFill>
+                      <a:prstDash val="solid"/>
+                      <a:round/>
+                      <a:headEnd type="none" w="med" len="med"/>
+                      <a:tailEnd type="none" w="med" len="med"/>
+                    </a:lnR>
+                    <a:lnT w="38100" cap="flat" cmpd="sng" algn="ctr">
+                      <a:solidFill>
+                        <a:schemeClr val="tx1"/>
+                      </a:solidFill>
+                      <a:prstDash val="solid"/>
+                      <a:round/>
+                      <a:headEnd type="none" w="med" len="med"/>
+                      <a:tailEnd type="none" w="med" len="med"/>
+                    </a:lnT>
+                    <a:lnB w="38100" cap="flat" cmpd="sng" algn="ctr">
+                      <a:solidFill>
+                        <a:schemeClr val="tx1"/>
+                      </a:solidFill>
+                      <a:prstDash val="solid"/>
+                      <a:round/>
+                      <a:headEnd type="none" w="med" len="med"/>
+                      <a:tailEnd type="none" w="med" len="med"/>
+                    </a:lnB>
+                  </a:tcPr>
+                </a:tc>
+                <a:tc>
+                  <a:txBody>
+                    <a:bodyPr/>
+                    <a:lstStyle/>
+                    <a:p>
+                      <a:pPr algn="ctr"/>
+                      <a:endParaRPr lang="en-US" sz="2400"/>
+                    </a:p>
+                  </a:txBody>
+                  <a:tcPr anchor="ctr">
+                    <a:lnL w="38100" cap="flat" cmpd="sng" algn="ctr">
+                      <a:solidFill>
+                        <a:schemeClr val="tx1"/>
+                      </a:solidFill>
+                      <a:prstDash val="solid"/>
+                      <a:round/>
+                      <a:headEnd type="none" w="med" len="med"/>
+                      <a:tailEnd type="none" w="med" len="med"/>
+                    </a:lnL>
+                    <a:lnR w="38100" cap="flat" cmpd="sng" algn="ctr">
+                      <a:solidFill>
+                        <a:schemeClr val="tx1"/>
+                      </a:solidFill>
+                      <a:prstDash val="solid"/>
+                      <a:round/>
+                      <a:headEnd type="none" w="med" len="med"/>
+                      <a:tailEnd type="none" w="med" len="med"/>
+                    </a:lnR>
+                    <a:lnT w="38100" cap="flat" cmpd="sng" algn="ctr">
+                      <a:solidFill>
+                        <a:schemeClr val="tx1"/>
+                      </a:solidFill>
+                      <a:prstDash val="solid"/>
+                      <a:round/>
+                      <a:headEnd type="none" w="med" len="med"/>
+                      <a:tailEnd type="none" w="med" len="med"/>
+                    </a:lnT>
+                    <a:lnB w="38100" cap="flat" cmpd="sng" algn="ctr">
+                      <a:solidFill>
+                        <a:schemeClr val="tx1"/>
+                      </a:solidFill>
+                      <a:prstDash val="solid"/>
+                      <a:round/>
+                      <a:headEnd type="none" w="med" len="med"/>
+                      <a:tailEnd type="none" w="med" len="med"/>
+                    </a:lnB>
+                  </a:tcPr>
+                </a:tc>
+                <a:tc>
+                  <a:txBody>
+                    <a:bodyPr/>
+                    <a:lstStyle/>
+                    <a:p>
+                      <a:pPr algn="ctr"/>
+                      <a:endParaRPr lang="en-US" sz="2400"/>
+                    </a:p>
+                  </a:txBody>
+                  <a:tcPr anchor="ctr">
+                    <a:lnL w="38100" cap="flat" cmpd="sng" algn="ctr">
+                      <a:solidFill>
+                        <a:schemeClr val="tx1"/>
+                      </a:solidFill>
+                      <a:prstDash val="solid"/>
+                      <a:round/>
+                      <a:headEnd type="none" w="med" len="med"/>
+                      <a:tailEnd type="none" w="med" len="med"/>
+                    </a:lnL>
+                    <a:lnR w="38100" cap="flat" cmpd="sng" algn="ctr">
+                      <a:solidFill>
+                        <a:schemeClr val="tx1"/>
+                      </a:solidFill>
+                      <a:prstDash val="solid"/>
+                      <a:round/>
+                      <a:headEnd type="none" w="med" len="med"/>
+                      <a:tailEnd type="none" w="med" len="med"/>
+                    </a:lnR>
+                    <a:lnT w="38100" cap="flat" cmpd="sng" algn="ctr">
+                      <a:solidFill>
+                        <a:schemeClr val="tx1"/>
+                      </a:solidFill>
+                      <a:prstDash val="solid"/>
+                      <a:round/>
+                      <a:headEnd type="none" w="med" len="med"/>
+                      <a:tailEnd type="none" w="med" len="med"/>
+                    </a:lnT>
+                    <a:lnB w="38100" cap="flat" cmpd="sng" algn="ctr">
+                      <a:solidFill>
+                        <a:schemeClr val="tx1"/>
+                      </a:solidFill>
+                      <a:prstDash val="solid"/>
+                      <a:round/>
+                      <a:headEnd type="none" w="med" len="med"/>
+                      <a:tailEnd type="none" w="med" len="med"/>
+                    </a:lnB>
+                  </a:tcPr>
+                </a:tc>
+                <a:tc>
+                  <a:txBody>
+                    <a:bodyPr/>
+                    <a:lstStyle/>
+                    <a:p>
+                      <a:pPr algn="ctr"/>
+                      <a:endParaRPr lang="en-US" sz="2400"/>
+                    </a:p>
+                  </a:txBody>
+                  <a:tcPr anchor="ctr">
+                    <a:lnL w="38100" cap="flat" cmpd="sng" algn="ctr">
+                      <a:solidFill>
+                        <a:schemeClr val="tx1"/>
+                      </a:solidFill>
+                      <a:prstDash val="solid"/>
+                      <a:round/>
+                      <a:headEnd type="none" w="med" len="med"/>
+                      <a:tailEnd type="none" w="med" len="med"/>
+                    </a:lnL>
+                    <a:lnR w="38100" cap="flat" cmpd="sng" algn="ctr">
+                      <a:solidFill>
+                        <a:schemeClr val="tx1"/>
+                      </a:solidFill>
+                      <a:prstDash val="solid"/>
+                      <a:round/>
+                      <a:headEnd type="none" w="med" len="med"/>
+                      <a:tailEnd type="none" w="med" len="med"/>
+                    </a:lnR>
+                    <a:lnT w="38100" cap="flat" cmpd="sng" algn="ctr">
+                      <a:solidFill>
+                        <a:schemeClr val="tx1"/>
+                      </a:solidFill>
+                      <a:prstDash val="solid"/>
+                      <a:round/>
+                      <a:headEnd type="none" w="med" len="med"/>
+                      <a:tailEnd type="none" w="med" len="med"/>
+                    </a:lnT>
+                    <a:lnB w="38100" cap="flat" cmpd="sng" algn="ctr">
+                      <a:solidFill>
+                        <a:schemeClr val="tx1"/>
+                      </a:solidFill>
+                      <a:prstDash val="solid"/>
+                      <a:round/>
+                      <a:headEnd type="none" w="med" len="med"/>
+                      <a:tailEnd type="none" w="med" len="med"/>
+                    </a:lnB>
+                  </a:tcPr>
+                </a:tc>
+                <a:extLst>
+                  <a:ext uri="{0D108BD9-81ED-4DB2-BD59-A6C34878D82A}">
+                    <a16:rowId xmlns:a16="http://schemas.microsoft.com/office/drawing/2014/main" val="4163124020"/>
+                  </a:ext>
+                </a:extLst>
+              </a:tr>
+              <a:tr h="370840">
+                <a:tc>
+                  <a:txBody>
+                    <a:bodyPr/>
+                    <a:lstStyle/>
+                    <a:p>
+                      <a:pPr algn="ctr"/>
+                      <a:endParaRPr lang="en-US" sz="2400"/>
+                    </a:p>
+                  </a:txBody>
+                  <a:tcPr anchor="ctr">
+                    <a:lnL w="38100" cap="flat" cmpd="sng" algn="ctr">
+                      <a:solidFill>
+                        <a:schemeClr val="tx1"/>
+                      </a:solidFill>
+                      <a:prstDash val="solid"/>
+                      <a:round/>
+                      <a:headEnd type="none" w="med" len="med"/>
+                      <a:tailEnd type="none" w="med" len="med"/>
+                    </a:lnL>
+                    <a:lnR w="38100" cap="flat" cmpd="sng" algn="ctr">
+                      <a:solidFill>
+                        <a:schemeClr val="tx1"/>
+                      </a:solidFill>
+                      <a:prstDash val="solid"/>
+                      <a:round/>
+                      <a:headEnd type="none" w="med" len="med"/>
+                      <a:tailEnd type="none" w="med" len="med"/>
+                    </a:lnR>
+                    <a:lnT w="38100" cap="flat" cmpd="sng" algn="ctr">
+                      <a:solidFill>
+                        <a:schemeClr val="tx1"/>
+                      </a:solidFill>
+                      <a:prstDash val="solid"/>
+                      <a:round/>
+                      <a:headEnd type="none" w="med" len="med"/>
+                      <a:tailEnd type="none" w="med" len="med"/>
+                    </a:lnT>
+                    <a:lnB w="38100" cap="flat" cmpd="sng" algn="ctr">
+                      <a:solidFill>
+                        <a:schemeClr val="tx1"/>
+                      </a:solidFill>
+                      <a:prstDash val="solid"/>
+                      <a:round/>
+                      <a:headEnd type="none" w="med" len="med"/>
+                      <a:tailEnd type="none" w="med" len="med"/>
+                    </a:lnB>
+                  </a:tcPr>
+                </a:tc>
+                <a:tc>
+                  <a:txBody>
+                    <a:bodyPr/>
+                    <a:lstStyle/>
+                    <a:p>
+                      <a:pPr algn="ctr"/>
+                      <a:endParaRPr lang="en-US" sz="2400"/>
+                    </a:p>
+                  </a:txBody>
+                  <a:tcPr anchor="ctr">
+                    <a:lnL w="38100" cap="flat" cmpd="sng" algn="ctr">
+                      <a:solidFill>
+                        <a:schemeClr val="tx1"/>
+                      </a:solidFill>
+                      <a:prstDash val="solid"/>
+                      <a:round/>
+                      <a:headEnd type="none" w="med" len="med"/>
+                      <a:tailEnd type="none" w="med" len="med"/>
+                    </a:lnL>
+                    <a:lnR w="38100" cap="flat" cmpd="sng" algn="ctr">
+                      <a:solidFill>
+                        <a:schemeClr val="tx1"/>
+                      </a:solidFill>
+                      <a:prstDash val="solid"/>
+                      <a:round/>
+                      <a:headEnd type="none" w="med" len="med"/>
+                      <a:tailEnd type="none" w="med" len="med"/>
+                    </a:lnR>
+                    <a:lnT w="38100" cap="flat" cmpd="sng" algn="ctr">
+                      <a:solidFill>
+                        <a:schemeClr val="tx1"/>
+                      </a:solidFill>
+                      <a:prstDash val="solid"/>
+                      <a:round/>
+                      <a:headEnd type="none" w="med" len="med"/>
+                      <a:tailEnd type="none" w="med" len="med"/>
+                    </a:lnT>
+                    <a:lnB w="38100" cap="flat" cmpd="sng" algn="ctr">
+                      <a:solidFill>
+                        <a:schemeClr val="tx1"/>
+                      </a:solidFill>
+                      <a:prstDash val="solid"/>
+                      <a:round/>
+                      <a:headEnd type="none" w="med" len="med"/>
+                      <a:tailEnd type="none" w="med" len="med"/>
+                    </a:lnB>
+                  </a:tcPr>
+                </a:tc>
+                <a:tc>
+                  <a:txBody>
+                    <a:bodyPr/>
+                    <a:lstStyle/>
+                    <a:p>
+                      <a:pPr algn="ctr"/>
+                      <a:endParaRPr lang="en-US" sz="2400"/>
+                    </a:p>
+                  </a:txBody>
+                  <a:tcPr anchor="ctr">
+                    <a:lnL w="38100" cap="flat" cmpd="sng" algn="ctr">
+                      <a:solidFill>
+                        <a:schemeClr val="tx1"/>
+                      </a:solidFill>
+                      <a:prstDash val="solid"/>
+                      <a:round/>
+                      <a:headEnd type="none" w="med" len="med"/>
+                      <a:tailEnd type="none" w="med" len="med"/>
+                    </a:lnL>
+                    <a:lnR w="38100" cap="flat" cmpd="sng" algn="ctr">
+                      <a:solidFill>
+                        <a:schemeClr val="tx1"/>
+                      </a:solidFill>
+                      <a:prstDash val="solid"/>
+                      <a:round/>
+                      <a:headEnd type="none" w="med" len="med"/>
+                      <a:tailEnd type="none" w="med" len="med"/>
+                    </a:lnR>
+                    <a:lnT w="38100" cap="flat" cmpd="sng" algn="ctr">
+                      <a:solidFill>
+                        <a:schemeClr val="tx1"/>
+                      </a:solidFill>
+                      <a:prstDash val="solid"/>
+                      <a:round/>
+                      <a:headEnd type="none" w="med" len="med"/>
+                      <a:tailEnd type="none" w="med" len="med"/>
+                    </a:lnT>
+                    <a:lnB w="38100" cap="flat" cmpd="sng" algn="ctr">
+                      <a:solidFill>
+                        <a:schemeClr val="tx1"/>
+                      </a:solidFill>
+                      <a:prstDash val="solid"/>
+                      <a:round/>
+                      <a:headEnd type="none" w="med" len="med"/>
+                      <a:tailEnd type="none" w="med" len="med"/>
+                    </a:lnB>
+                  </a:tcPr>
+                </a:tc>
+                <a:tc>
+                  <a:txBody>
+                    <a:bodyPr/>
+                    <a:lstStyle/>
+                    <a:p>
+                      <a:pPr algn="ctr"/>
+                      <a:endParaRPr lang="en-US" sz="2400"/>
+                    </a:p>
+                  </a:txBody>
+                  <a:tcPr anchor="ctr">
+                    <a:lnL w="38100" cap="flat" cmpd="sng" algn="ctr">
+                      <a:solidFill>
+                        <a:schemeClr val="tx1"/>
+                      </a:solidFill>
+                      <a:prstDash val="solid"/>
+                      <a:round/>
+                      <a:headEnd type="none" w="med" len="med"/>
+                      <a:tailEnd type="none" w="med" len="med"/>
+                    </a:lnL>
+                    <a:lnR w="38100" cap="flat" cmpd="sng" algn="ctr">
+                      <a:solidFill>
+                        <a:schemeClr val="tx1"/>
+                      </a:solidFill>
+                      <a:prstDash val="solid"/>
+                      <a:round/>
+                      <a:headEnd type="none" w="med" len="med"/>
+                      <a:tailEnd type="none" w="med" len="med"/>
+                    </a:lnR>
+                    <a:lnT w="38100" cap="flat" cmpd="sng" algn="ctr">
+                      <a:solidFill>
+                        <a:schemeClr val="tx1"/>
+                      </a:solidFill>
+                      <a:prstDash val="solid"/>
+                      <a:round/>
+                      <a:headEnd type="none" w="med" len="med"/>
+                      <a:tailEnd type="none" w="med" len="med"/>
+                    </a:lnT>
+                    <a:lnB w="38100" cap="flat" cmpd="sng" algn="ctr">
+                      <a:solidFill>
+                        <a:schemeClr val="tx1"/>
+                      </a:solidFill>
+                      <a:prstDash val="solid"/>
+                      <a:round/>
+                      <a:headEnd type="none" w="med" len="med"/>
+                      <a:tailEnd type="none" w="med" len="med"/>
+                    </a:lnB>
+                  </a:tcPr>
+                </a:tc>
+                <a:tc>
+                  <a:txBody>
+                    <a:bodyPr/>
+                    <a:lstStyle/>
+                    <a:p>
+                      <a:pPr algn="ctr"/>
+                      <a:endParaRPr lang="en-US" sz="2400"/>
+                    </a:p>
+                  </a:txBody>
+                  <a:tcPr anchor="ctr">
+                    <a:lnL w="38100" cap="flat" cmpd="sng" algn="ctr">
+                      <a:solidFill>
+                        <a:schemeClr val="tx1"/>
+                      </a:solidFill>
+                      <a:prstDash val="solid"/>
+                      <a:round/>
+                      <a:headEnd type="none" w="med" len="med"/>
+                      <a:tailEnd type="none" w="med" len="med"/>
+                    </a:lnL>
+                    <a:lnR w="38100" cap="flat" cmpd="sng" algn="ctr">
+                      <a:solidFill>
+                        <a:schemeClr val="tx1"/>
+                      </a:solidFill>
+                      <a:prstDash val="solid"/>
+                      <a:round/>
+                      <a:headEnd type="none" w="med" len="med"/>
+                      <a:tailEnd type="none" w="med" len="med"/>
+                    </a:lnR>
+                    <a:lnT w="38100" cap="flat" cmpd="sng" algn="ctr">
+                      <a:solidFill>
+                        <a:schemeClr val="tx1"/>
+                      </a:solidFill>
+                      <a:prstDash val="solid"/>
+                      <a:round/>
+                      <a:headEnd type="none" w="med" len="med"/>
+                      <a:tailEnd type="none" w="med" len="med"/>
+                    </a:lnT>
+                    <a:lnB w="38100" cap="flat" cmpd="sng" algn="ctr">
+                      <a:solidFill>
+                        <a:schemeClr val="tx1"/>
+                      </a:solidFill>
+                      <a:prstDash val="solid"/>
+                      <a:round/>
+                      <a:headEnd type="none" w="med" len="med"/>
+                      <a:tailEnd type="none" w="med" len="med"/>
+                    </a:lnB>
+                  </a:tcPr>
+                </a:tc>
+                <a:tc>
+                  <a:txBody>
+                    <a:bodyPr/>
+                    <a:lstStyle/>
+                    <a:p>
+                      <a:pPr algn="ctr"/>
+                      <a:endParaRPr lang="en-US" sz="2400"/>
+                    </a:p>
+                  </a:txBody>
+                  <a:tcPr anchor="ctr">
+                    <a:lnL w="38100" cap="flat" cmpd="sng" algn="ctr">
+                      <a:solidFill>
+                        <a:schemeClr val="tx1"/>
+                      </a:solidFill>
+                      <a:prstDash val="solid"/>
+                      <a:round/>
+                      <a:headEnd type="none" w="med" len="med"/>
+                      <a:tailEnd type="none" w="med" len="med"/>
+                    </a:lnL>
+                    <a:lnR w="38100" cap="flat" cmpd="sng" algn="ctr">
+                      <a:solidFill>
+                        <a:schemeClr val="tx1"/>
+                      </a:solidFill>
+                      <a:prstDash val="solid"/>
+                      <a:round/>
+                      <a:headEnd type="none" w="med" len="med"/>
+                      <a:tailEnd type="none" w="med" len="med"/>
+                    </a:lnR>
+                    <a:lnT w="38100" cap="flat" cmpd="sng" algn="ctr">
+                      <a:solidFill>
+                        <a:schemeClr val="tx1"/>
+                      </a:solidFill>
+                      <a:prstDash val="solid"/>
+                      <a:round/>
+                      <a:headEnd type="none" w="med" len="med"/>
+                      <a:tailEnd type="none" w="med" len="med"/>
+                    </a:lnT>
+                    <a:lnB w="38100" cap="flat" cmpd="sng" algn="ctr">
+                      <a:solidFill>
+                        <a:schemeClr val="tx1"/>
+                      </a:solidFill>
+                      <a:prstDash val="solid"/>
+                      <a:round/>
+                      <a:headEnd type="none" w="med" len="med"/>
+                      <a:tailEnd type="none" w="med" len="med"/>
+                    </a:lnB>
+                  </a:tcPr>
+                </a:tc>
+                <a:extLst>
+                  <a:ext uri="{0D108BD9-81ED-4DB2-BD59-A6C34878D82A}">
+                    <a16:rowId xmlns:a16="http://schemas.microsoft.com/office/drawing/2014/main" val="37259266"/>
+                  </a:ext>
+                </a:extLst>
+              </a:tr>
+              <a:tr h="370840">
+                <a:tc>
+                  <a:txBody>
+                    <a:bodyPr/>
+                    <a:lstStyle/>
+                    <a:p>
+                      <a:pPr algn="ctr"/>
+                      <a:endParaRPr lang="en-US" sz="2400"/>
+                    </a:p>
+                  </a:txBody>
+                  <a:tcPr anchor="ctr">
+                    <a:lnL w="38100" cap="flat" cmpd="sng" algn="ctr">
+                      <a:solidFill>
+                        <a:schemeClr val="tx1"/>
+                      </a:solidFill>
+                      <a:prstDash val="solid"/>
+                      <a:round/>
+                      <a:headEnd type="none" w="med" len="med"/>
+                      <a:tailEnd type="none" w="med" len="med"/>
+                    </a:lnL>
+                    <a:lnR w="38100" cap="flat" cmpd="sng" algn="ctr">
+                      <a:solidFill>
+                        <a:schemeClr val="tx1"/>
+                      </a:solidFill>
+                      <a:prstDash val="solid"/>
+                      <a:round/>
+                      <a:headEnd type="none" w="med" len="med"/>
+                      <a:tailEnd type="none" w="med" len="med"/>
+                    </a:lnR>
+                    <a:lnT w="38100" cap="flat" cmpd="sng" algn="ctr">
+                      <a:solidFill>
+                        <a:schemeClr val="tx1"/>
+                      </a:solidFill>
+                      <a:prstDash val="solid"/>
+                      <a:round/>
+                      <a:headEnd type="none" w="med" len="med"/>
+                      <a:tailEnd type="none" w="med" len="med"/>
+                    </a:lnT>
+                    <a:lnB w="38100" cap="flat" cmpd="sng" algn="ctr">
+                      <a:solidFill>
+                        <a:schemeClr val="tx1"/>
+                      </a:solidFill>
+                      <a:prstDash val="solid"/>
+                      <a:round/>
+                      <a:headEnd type="none" w="med" len="med"/>
+                      <a:tailEnd type="none" w="med" len="med"/>
+                    </a:lnB>
+                  </a:tcPr>
+                </a:tc>
+                <a:tc>
+                  <a:txBody>
+                    <a:bodyPr/>
+                    <a:lstStyle/>
+                    <a:p>
+                      <a:pPr algn="ctr"/>
+                      <a:endParaRPr lang="en-US" sz="2400"/>
+                    </a:p>
+                  </a:txBody>
+                  <a:tcPr anchor="ctr">
+                    <a:lnL w="38100" cap="flat" cmpd="sng" algn="ctr">
+                      <a:solidFill>
+                        <a:schemeClr val="tx1"/>
+                      </a:solidFill>
+                      <a:prstDash val="solid"/>
+                      <a:round/>
+                      <a:headEnd type="none" w="med" len="med"/>
+                      <a:tailEnd type="none" w="med" len="med"/>
+                    </a:lnL>
+                    <a:lnR w="38100" cap="flat" cmpd="sng" algn="ctr">
+                      <a:solidFill>
+                        <a:schemeClr val="tx1"/>
+                      </a:solidFill>
+                      <a:prstDash val="solid"/>
+                      <a:round/>
+                      <a:headEnd type="none" w="med" len="med"/>
+                      <a:tailEnd type="none" w="med" len="med"/>
+                    </a:lnR>
+                    <a:lnT w="38100" cap="flat" cmpd="sng" algn="ctr">
+                      <a:solidFill>
+                        <a:schemeClr val="tx1"/>
+                      </a:solidFill>
+                      <a:prstDash val="solid"/>
+                      <a:round/>
+                      <a:headEnd type="none" w="med" len="med"/>
+                      <a:tailEnd type="none" w="med" len="med"/>
+                    </a:lnT>
+                    <a:lnB w="38100" cap="flat" cmpd="sng" algn="ctr">
+                      <a:solidFill>
+                        <a:schemeClr val="tx1"/>
+                      </a:solidFill>
+                      <a:prstDash val="solid"/>
+                      <a:round/>
+                      <a:headEnd type="none" w="med" len="med"/>
+                      <a:tailEnd type="none" w="med" len="med"/>
+                    </a:lnB>
+                  </a:tcPr>
+                </a:tc>
+                <a:tc>
+                  <a:txBody>
+                    <a:bodyPr/>
+                    <a:lstStyle/>
+                    <a:p>
+                      <a:pPr algn="ctr"/>
+                      <a:endParaRPr lang="en-US" sz="2400"/>
+                    </a:p>
+                  </a:txBody>
+                  <a:tcPr anchor="ctr">
+                    <a:lnL w="38100" cap="flat" cmpd="sng" algn="ctr">
+                      <a:solidFill>
+                        <a:schemeClr val="tx1"/>
+                      </a:solidFill>
+                      <a:prstDash val="solid"/>
+                      <a:round/>
+                      <a:headEnd type="none" w="med" len="med"/>
+                      <a:tailEnd type="none" w="med" len="med"/>
+                    </a:lnL>
+                    <a:lnR w="38100" cap="flat" cmpd="sng" algn="ctr">
+                      <a:solidFill>
+                        <a:schemeClr val="tx1"/>
+                      </a:solidFill>
+                      <a:prstDash val="solid"/>
+                      <a:round/>
+                      <a:headEnd type="none" w="med" len="med"/>
+                      <a:tailEnd type="none" w="med" len="med"/>
+                    </a:lnR>
+                    <a:lnT w="38100" cap="flat" cmpd="sng" algn="ctr">
+                      <a:solidFill>
+                        <a:schemeClr val="tx1"/>
+                      </a:solidFill>
+                      <a:prstDash val="solid"/>
+                      <a:round/>
+                      <a:headEnd type="none" w="med" len="med"/>
+                      <a:tailEnd type="none" w="med" len="med"/>
+                    </a:lnT>
+                    <a:lnB w="38100" cap="flat" cmpd="sng" algn="ctr">
+                      <a:solidFill>
+                        <a:schemeClr val="tx1"/>
+                      </a:solidFill>
+                      <a:prstDash val="solid"/>
+                      <a:round/>
+                      <a:headEnd type="none" w="med" len="med"/>
+                      <a:tailEnd type="none" w="med" len="med"/>
+                    </a:lnB>
+                  </a:tcPr>
+                </a:tc>
+                <a:tc>
+                  <a:txBody>
+                    <a:bodyPr/>
+                    <a:lstStyle/>
+                    <a:p>
+                      <a:pPr algn="ctr"/>
+                      <a:endParaRPr lang="en-US" sz="2400"/>
+                    </a:p>
+                  </a:txBody>
+                  <a:tcPr anchor="ctr">
+                    <a:lnL w="38100" cap="flat" cmpd="sng" algn="ctr">
+                      <a:solidFill>
+                        <a:schemeClr val="tx1"/>
+                      </a:solidFill>
+                      <a:prstDash val="solid"/>
+                      <a:round/>
+                      <a:headEnd type="none" w="med" len="med"/>
+                      <a:tailEnd type="none" w="med" len="med"/>
+                    </a:lnL>
+                    <a:lnR w="38100" cap="flat" cmpd="sng" algn="ctr">
+                      <a:solidFill>
+                        <a:schemeClr val="tx1"/>
+                      </a:solidFill>
+                      <a:prstDash val="solid"/>
+                      <a:round/>
+                      <a:headEnd type="none" w="med" len="med"/>
+                      <a:tailEnd type="none" w="med" len="med"/>
+                    </a:lnR>
+                    <a:lnT w="38100" cap="flat" cmpd="sng" algn="ctr">
+                      <a:solidFill>
+                        <a:schemeClr val="tx1"/>
+                      </a:solidFill>
+                      <a:prstDash val="solid"/>
+                      <a:round/>
+                      <a:headEnd type="none" w="med" len="med"/>
+                      <a:tailEnd type="none" w="med" len="med"/>
+                    </a:lnT>
+                    <a:lnB w="38100" cap="flat" cmpd="sng" algn="ctr">
+                      <a:solidFill>
+                        <a:schemeClr val="tx1"/>
+                      </a:solidFill>
+                      <a:prstDash val="solid"/>
+                      <a:round/>
+                      <a:headEnd type="none" w="med" len="med"/>
+                      <a:tailEnd type="none" w="med" len="med"/>
+                    </a:lnB>
+                  </a:tcPr>
+                </a:tc>
+                <a:tc>
+                  <a:txBody>
+                    <a:bodyPr/>
+                    <a:lstStyle/>
+                    <a:p>
+                      <a:pPr algn="ctr"/>
+                      <a:endParaRPr lang="en-US" sz="2400"/>
+                    </a:p>
+                  </a:txBody>
+                  <a:tcPr anchor="ctr">
+                    <a:lnL w="38100" cap="flat" cmpd="sng" algn="ctr">
+                      <a:solidFill>
+                        <a:schemeClr val="tx1"/>
+                      </a:solidFill>
+                      <a:prstDash val="solid"/>
+                      <a:round/>
+                      <a:headEnd type="none" w="med" len="med"/>
+                      <a:tailEnd type="none" w="med" len="med"/>
+                    </a:lnL>
+                    <a:lnR w="38100" cap="flat" cmpd="sng" algn="ctr">
+                      <a:solidFill>
+                        <a:schemeClr val="tx1"/>
+                      </a:solidFill>
+                      <a:prstDash val="solid"/>
+                      <a:round/>
+                      <a:headEnd type="none" w="med" len="med"/>
+                      <a:tailEnd type="none" w="med" len="med"/>
+                    </a:lnR>
+                    <a:lnT w="38100" cap="flat" cmpd="sng" algn="ctr">
+                      <a:solidFill>
+                        <a:schemeClr val="tx1"/>
+                      </a:solidFill>
+                      <a:prstDash val="solid"/>
+                      <a:round/>
+                      <a:headEnd type="none" w="med" len="med"/>
+                      <a:tailEnd type="none" w="med" len="med"/>
+                    </a:lnT>
+                    <a:lnB w="38100" cap="flat" cmpd="sng" algn="ctr">
+                      <a:solidFill>
+                        <a:schemeClr val="tx1"/>
+                      </a:solidFill>
+                      <a:prstDash val="solid"/>
+                      <a:round/>
+                      <a:headEnd type="none" w="med" len="med"/>
+                      <a:tailEnd type="none" w="med" len="med"/>
+                    </a:lnB>
+                  </a:tcPr>
+                </a:tc>
+                <a:tc>
+                  <a:txBody>
+                    <a:bodyPr/>
+                    <a:lstStyle/>
+                    <a:p>
+                      <a:pPr algn="ctr"/>
+                      <a:endParaRPr lang="en-US" sz="2400"/>
+                    </a:p>
+                  </a:txBody>
+                  <a:tcPr anchor="ctr">
+                    <a:lnL w="38100" cap="flat" cmpd="sng" algn="ctr">
+                      <a:solidFill>
+                        <a:schemeClr val="tx1"/>
+                      </a:solidFill>
+                      <a:prstDash val="solid"/>
+                      <a:round/>
+                      <a:headEnd type="none" w="med" len="med"/>
+                      <a:tailEnd type="none" w="med" len="med"/>
+                    </a:lnL>
+                    <a:lnR w="38100" cap="flat" cmpd="sng" algn="ctr">
+                      <a:solidFill>
+                        <a:schemeClr val="tx1"/>
+                      </a:solidFill>
+                      <a:prstDash val="solid"/>
+                      <a:round/>
+                      <a:headEnd type="none" w="med" len="med"/>
+                      <a:tailEnd type="none" w="med" len="med"/>
+                    </a:lnR>
+                    <a:lnT w="38100" cap="flat" cmpd="sng" algn="ctr">
+                      <a:solidFill>
+                        <a:schemeClr val="tx1"/>
+                      </a:solidFill>
+                      <a:prstDash val="solid"/>
+                      <a:round/>
+                      <a:headEnd type="none" w="med" len="med"/>
+                      <a:tailEnd type="none" w="med" len="med"/>
+                    </a:lnT>
+                    <a:lnB w="38100" cap="flat" cmpd="sng" algn="ctr">
+                      <a:solidFill>
+                        <a:schemeClr val="tx1"/>
+                      </a:solidFill>
+                      <a:prstDash val="solid"/>
+                      <a:round/>
+                      <a:headEnd type="none" w="med" len="med"/>
+                      <a:tailEnd type="none" w="med" len="med"/>
+                    </a:lnB>
+                  </a:tcPr>
+                </a:tc>
+                <a:extLst>
+                  <a:ext uri="{0D108BD9-81ED-4DB2-BD59-A6C34878D82A}">
+                    <a16:rowId xmlns:a16="http://schemas.microsoft.com/office/drawing/2014/main" val="348444417"/>
+                  </a:ext>
+                </a:extLst>
+              </a:tr>
+              <a:tr h="370840">
+                <a:tc>
+                  <a:txBody>
+                    <a:bodyPr/>
+                    <a:lstStyle/>
+                    <a:p>
+                      <a:pPr algn="ctr"/>
+                      <a:endParaRPr lang="en-US" sz="2400"/>
+                    </a:p>
+                  </a:txBody>
+                  <a:tcPr anchor="ctr">
+                    <a:lnL w="38100" cap="flat" cmpd="sng" algn="ctr">
+                      <a:solidFill>
+                        <a:schemeClr val="tx1"/>
+                      </a:solidFill>
+                      <a:prstDash val="solid"/>
+                      <a:round/>
+                      <a:headEnd type="none" w="med" len="med"/>
+                      <a:tailEnd type="none" w="med" len="med"/>
+                    </a:lnL>
+                    <a:lnR w="38100" cap="flat" cmpd="sng" algn="ctr">
+                      <a:solidFill>
+                        <a:schemeClr val="tx1"/>
+                      </a:solidFill>
+                      <a:prstDash val="solid"/>
+                      <a:round/>
+                      <a:headEnd type="none" w="med" len="med"/>
+                      <a:tailEnd type="none" w="med" len="med"/>
+                    </a:lnR>
+                    <a:lnT w="38100" cap="flat" cmpd="sng" algn="ctr">
+                      <a:solidFill>
+                        <a:schemeClr val="tx1"/>
+                      </a:solidFill>
+                      <a:prstDash val="solid"/>
+                      <a:round/>
+                      <a:headEnd type="none" w="med" len="med"/>
+                      <a:tailEnd type="none" w="med" len="med"/>
+                    </a:lnT>
+                    <a:lnB w="38100" cap="flat" cmpd="sng" algn="ctr">
+                      <a:solidFill>
+                        <a:schemeClr val="tx1"/>
+                      </a:solidFill>
+                      <a:prstDash val="solid"/>
+                      <a:round/>
+                      <a:headEnd type="none" w="med" len="med"/>
+                      <a:tailEnd type="none" w="med" len="med"/>
+                    </a:lnB>
+                  </a:tcPr>
+                </a:tc>
+                <a:tc>
+                  <a:txBody>
+                    <a:bodyPr/>
+                    <a:lstStyle/>
+                    <a:p>
+                      <a:pPr algn="ctr"/>
+                      <a:endParaRPr lang="en-US" sz="2400"/>
+                    </a:p>
+                  </a:txBody>
+                  <a:tcPr anchor="ctr">
+                    <a:lnL w="38100" cap="flat" cmpd="sng" algn="ctr">
+                      <a:solidFill>
+                        <a:schemeClr val="tx1"/>
+                      </a:solidFill>
+                      <a:prstDash val="solid"/>
+                      <a:round/>
+                      <a:headEnd type="none" w="med" len="med"/>
+                      <a:tailEnd type="none" w="med" len="med"/>
+                    </a:lnL>
+                    <a:lnR w="38100" cap="flat" cmpd="sng" algn="ctr">
+                      <a:solidFill>
+                        <a:schemeClr val="tx1"/>
+                      </a:solidFill>
+                      <a:prstDash val="solid"/>
+                      <a:round/>
+                      <a:headEnd type="none" w="med" len="med"/>
+                      <a:tailEnd type="none" w="med" len="med"/>
+                    </a:lnR>
+                    <a:lnT w="38100" cap="flat" cmpd="sng" algn="ctr">
+                      <a:solidFill>
+                        <a:schemeClr val="tx1"/>
+                      </a:solidFill>
+                      <a:prstDash val="solid"/>
+                      <a:round/>
+                      <a:headEnd type="none" w="med" len="med"/>
+                      <a:tailEnd type="none" w="med" len="med"/>
+                    </a:lnT>
+                    <a:lnB w="38100" cap="flat" cmpd="sng" algn="ctr">
+                      <a:solidFill>
+                        <a:schemeClr val="tx1"/>
+                      </a:solidFill>
+                      <a:prstDash val="solid"/>
+                      <a:round/>
+                      <a:headEnd type="none" w="med" len="med"/>
+                      <a:tailEnd type="none" w="med" len="med"/>
+                    </a:lnB>
+                  </a:tcPr>
+                </a:tc>
+                <a:tc>
+                  <a:txBody>
+                    <a:bodyPr/>
+                    <a:lstStyle/>
+                    <a:p>
+                      <a:pPr algn="ctr"/>
+                      <a:endParaRPr lang="en-US" sz="2400"/>
+                    </a:p>
+                  </a:txBody>
+                  <a:tcPr anchor="ctr">
+                    <a:lnL w="38100" cap="flat" cmpd="sng" algn="ctr">
+                      <a:solidFill>
+                        <a:schemeClr val="tx1"/>
+                      </a:solidFill>
+                      <a:prstDash val="solid"/>
+                      <a:round/>
+                      <a:headEnd type="none" w="med" len="med"/>
+                      <a:tailEnd type="none" w="med" len="med"/>
+                    </a:lnL>
+                    <a:lnR w="38100" cap="flat" cmpd="sng" algn="ctr">
+                      <a:solidFill>
+                        <a:schemeClr val="tx1"/>
+                      </a:solidFill>
+                      <a:prstDash val="solid"/>
+                      <a:round/>
+                      <a:headEnd type="none" w="med" len="med"/>
+                      <a:tailEnd type="none" w="med" len="med"/>
+                    </a:lnR>
+                    <a:lnT w="38100" cap="flat" cmpd="sng" algn="ctr">
+                      <a:solidFill>
+                        <a:schemeClr val="tx1"/>
+                      </a:solidFill>
+                      <a:prstDash val="solid"/>
+                      <a:round/>
+                      <a:headEnd type="none" w="med" len="med"/>
+                      <a:tailEnd type="none" w="med" len="med"/>
+                    </a:lnT>
+                    <a:lnB w="38100" cap="flat" cmpd="sng" algn="ctr">
+                      <a:solidFill>
+                        <a:schemeClr val="tx1"/>
+                      </a:solidFill>
+                      <a:prstDash val="solid"/>
+                      <a:round/>
+                      <a:headEnd type="none" w="med" len="med"/>
+                      <a:tailEnd type="none" w="med" len="med"/>
+                    </a:lnB>
+                  </a:tcPr>
+                </a:tc>
+                <a:tc>
+                  <a:txBody>
+                    <a:bodyPr/>
+                    <a:lstStyle/>
+                    <a:p>
+                      <a:pPr algn="ctr"/>
+                      <a:endParaRPr lang="en-US" sz="2400"/>
+                    </a:p>
+                  </a:txBody>
+                  <a:tcPr anchor="ctr">
+                    <a:lnL w="38100" cap="flat" cmpd="sng" algn="ctr">
+                      <a:solidFill>
+                        <a:schemeClr val="tx1"/>
+                      </a:solidFill>
+                      <a:prstDash val="solid"/>
+                      <a:round/>
+                      <a:headEnd type="none" w="med" len="med"/>
+                      <a:tailEnd type="none" w="med" len="med"/>
+                    </a:lnL>
+                    <a:lnR w="38100" cap="flat" cmpd="sng" algn="ctr">
+                      <a:solidFill>
+                        <a:schemeClr val="tx1"/>
+                      </a:solidFill>
+                      <a:prstDash val="solid"/>
+                      <a:round/>
+                      <a:headEnd type="none" w="med" len="med"/>
+                      <a:tailEnd type="none" w="med" len="med"/>
+                    </a:lnR>
+                    <a:lnT w="38100" cap="flat" cmpd="sng" algn="ctr">
+                      <a:solidFill>
+                        <a:schemeClr val="tx1"/>
+                      </a:solidFill>
+                      <a:prstDash val="solid"/>
+                      <a:round/>
+                      <a:headEnd type="none" w="med" len="med"/>
+                      <a:tailEnd type="none" w="med" len="med"/>
+                    </a:lnT>
+                    <a:lnB w="38100" cap="flat" cmpd="sng" algn="ctr">
+                      <a:solidFill>
+                        <a:schemeClr val="tx1"/>
+                      </a:solidFill>
+                      <a:prstDash val="solid"/>
+                      <a:round/>
+                      <a:headEnd type="none" w="med" len="med"/>
+                      <a:tailEnd type="none" w="med" len="med"/>
+                    </a:lnB>
+                  </a:tcPr>
+                </a:tc>
+                <a:tc>
+                  <a:txBody>
+                    <a:bodyPr/>
+                    <a:lstStyle/>
+                    <a:p>
+                      <a:pPr algn="ctr"/>
+                      <a:endParaRPr lang="en-US" sz="2400"/>
+                    </a:p>
+                  </a:txBody>
+                  <a:tcPr anchor="ctr">
+                    <a:lnL w="38100" cap="flat" cmpd="sng" algn="ctr">
+                      <a:solidFill>
+                        <a:schemeClr val="tx1"/>
+                      </a:solidFill>
+                      <a:prstDash val="solid"/>
+                      <a:round/>
+                      <a:headEnd type="none" w="med" len="med"/>
+                      <a:tailEnd type="none" w="med" len="med"/>
+                    </a:lnL>
+                    <a:lnR w="38100" cap="flat" cmpd="sng" algn="ctr">
+                      <a:solidFill>
+                        <a:schemeClr val="tx1"/>
+                      </a:solidFill>
+                      <a:prstDash val="solid"/>
+                      <a:round/>
+                      <a:headEnd type="none" w="med" len="med"/>
+                      <a:tailEnd type="none" w="med" len="med"/>
+                    </a:lnR>
+                    <a:lnT w="38100" cap="flat" cmpd="sng" algn="ctr">
+                      <a:solidFill>
+                        <a:schemeClr val="tx1"/>
+                      </a:solidFill>
+                      <a:prstDash val="solid"/>
+                      <a:round/>
+                      <a:headEnd type="none" w="med" len="med"/>
+                      <a:tailEnd type="none" w="med" len="med"/>
+                    </a:lnT>
+                    <a:lnB w="38100" cap="flat" cmpd="sng" algn="ctr">
+                      <a:solidFill>
+                        <a:schemeClr val="tx1"/>
+                      </a:solidFill>
+                      <a:prstDash val="solid"/>
+                      <a:round/>
+                      <a:headEnd type="none" w="med" len="med"/>
+                      <a:tailEnd type="none" w="med" len="med"/>
+                    </a:lnB>
+                  </a:tcPr>
+                </a:tc>
+                <a:tc>
+                  <a:txBody>
+                    <a:bodyPr/>
+                    <a:lstStyle/>
+                    <a:p>
+                      <a:pPr algn="ctr"/>
+                      <a:endParaRPr lang="en-US" sz="2400"/>
+                    </a:p>
+                  </a:txBody>
+                  <a:tcPr anchor="ctr">
+                    <a:lnL w="38100" cap="flat" cmpd="sng" algn="ctr">
+                      <a:solidFill>
+                        <a:schemeClr val="tx1"/>
+                      </a:solidFill>
+                      <a:prstDash val="solid"/>
+                      <a:round/>
+                      <a:headEnd type="none" w="med" len="med"/>
+                      <a:tailEnd type="none" w="med" len="med"/>
+                    </a:lnL>
+                    <a:lnR w="38100" cap="flat" cmpd="sng" algn="ctr">
+                      <a:solidFill>
+                        <a:schemeClr val="tx1"/>
+                      </a:solidFill>
+                      <a:prstDash val="solid"/>
+                      <a:round/>
+                      <a:headEnd type="none" w="med" len="med"/>
+                      <a:tailEnd type="none" w="med" len="med"/>
+                    </a:lnR>
+                    <a:lnT w="38100" cap="flat" cmpd="sng" algn="ctr">
+                      <a:solidFill>
+                        <a:schemeClr val="tx1"/>
+                      </a:solidFill>
+                      <a:prstDash val="solid"/>
+                      <a:round/>
+                      <a:headEnd type="none" w="med" len="med"/>
+                      <a:tailEnd type="none" w="med" len="med"/>
+                    </a:lnT>
+                    <a:lnB w="38100" cap="flat" cmpd="sng" algn="ctr">
+                      <a:solidFill>
+                        <a:schemeClr val="tx1"/>
+                      </a:solidFill>
+                      <a:prstDash val="solid"/>
+                      <a:round/>
+                      <a:headEnd type="none" w="med" len="med"/>
+                      <a:tailEnd type="none" w="med" len="med"/>
+                    </a:lnB>
+                  </a:tcPr>
+                </a:tc>
+                <a:extLst>
+                  <a:ext uri="{0D108BD9-81ED-4DB2-BD59-A6C34878D82A}">
+                    <a16:rowId xmlns:a16="http://schemas.microsoft.com/office/drawing/2014/main" val="3429476869"/>
+                  </a:ext>
+                </a:extLst>
+              </a:tr>
+              <a:tr h="370840">
+                <a:tc>
+                  <a:txBody>
+                    <a:bodyPr/>
+                    <a:lstStyle/>
+                    <a:p>
+                      <a:pPr algn="ctr"/>
+                      <a:endParaRPr lang="en-US" sz="2400"/>
+                    </a:p>
+                  </a:txBody>
+                  <a:tcPr anchor="ctr">
+                    <a:lnL w="38100" cap="flat" cmpd="sng" algn="ctr">
+                      <a:solidFill>
+                        <a:schemeClr val="tx1"/>
+                      </a:solidFill>
+                      <a:prstDash val="solid"/>
+                      <a:round/>
+                      <a:headEnd type="none" w="med" len="med"/>
+                      <a:tailEnd type="none" w="med" len="med"/>
+                    </a:lnL>
+                    <a:lnR w="38100" cap="flat" cmpd="sng" algn="ctr">
+                      <a:solidFill>
+                        <a:schemeClr val="tx1"/>
+                      </a:solidFill>
+                      <a:prstDash val="solid"/>
+                      <a:round/>
+                      <a:headEnd type="none" w="med" len="med"/>
+                      <a:tailEnd type="none" w="med" len="med"/>
+                    </a:lnR>
+                    <a:lnT w="38100" cap="flat" cmpd="sng" algn="ctr">
+                      <a:solidFill>
+                        <a:schemeClr val="tx1"/>
+                      </a:solidFill>
+                      <a:prstDash val="solid"/>
+                      <a:round/>
+                      <a:headEnd type="none" w="med" len="med"/>
+                      <a:tailEnd type="none" w="med" len="med"/>
+                    </a:lnT>
+                    <a:lnB w="38100" cap="flat" cmpd="sng" algn="ctr">
+                      <a:solidFill>
+                        <a:schemeClr val="tx1"/>
+                      </a:solidFill>
+                      <a:prstDash val="solid"/>
+                      <a:round/>
+                      <a:headEnd type="none" w="med" len="med"/>
+                      <a:tailEnd type="none" w="med" len="med"/>
+                    </a:lnB>
+                  </a:tcPr>
+                </a:tc>
+                <a:tc>
+                  <a:txBody>
+                    <a:bodyPr/>
+                    <a:lstStyle/>
+                    <a:p>
+                      <a:pPr algn="ctr"/>
+                      <a:endParaRPr lang="en-US" sz="2400"/>
+                    </a:p>
+                  </a:txBody>
+                  <a:tcPr anchor="ctr">
+                    <a:lnL w="38100" cap="flat" cmpd="sng" algn="ctr">
+                      <a:solidFill>
+                        <a:schemeClr val="tx1"/>
+                      </a:solidFill>
+                      <a:prstDash val="solid"/>
+                      <a:round/>
+                      <a:headEnd type="none" w="med" len="med"/>
+                      <a:tailEnd type="none" w="med" len="med"/>
+                    </a:lnL>
+                    <a:lnR w="38100" cap="flat" cmpd="sng" algn="ctr">
+                      <a:solidFill>
+                        <a:schemeClr val="tx1"/>
+                      </a:solidFill>
+                      <a:prstDash val="solid"/>
+                      <a:round/>
+                      <a:headEnd type="none" w="med" len="med"/>
+                      <a:tailEnd type="none" w="med" len="med"/>
+                    </a:lnR>
+                    <a:lnT w="38100" cap="flat" cmpd="sng" algn="ctr">
+                      <a:solidFill>
+                        <a:schemeClr val="tx1"/>
+                      </a:solidFill>
+                      <a:prstDash val="solid"/>
+                      <a:round/>
+                      <a:headEnd type="none" w="med" len="med"/>
+                      <a:tailEnd type="none" w="med" len="med"/>
+                    </a:lnT>
+                    <a:lnB w="38100" cap="flat" cmpd="sng" algn="ctr">
+                      <a:solidFill>
+                        <a:schemeClr val="tx1"/>
+                      </a:solidFill>
+                      <a:prstDash val="solid"/>
+                      <a:round/>
+                      <a:headEnd type="none" w="med" len="med"/>
+                      <a:tailEnd type="none" w="med" len="med"/>
+                    </a:lnB>
+                  </a:tcPr>
+                </a:tc>
+                <a:tc>
+                  <a:txBody>
+                    <a:bodyPr/>
+                    <a:lstStyle/>
+                    <a:p>
+                      <a:pPr algn="ctr"/>
+                      <a:endParaRPr lang="en-US" sz="2400"/>
+                    </a:p>
+                  </a:txBody>
+                  <a:tcPr anchor="ctr">
+                    <a:lnL w="38100" cap="flat" cmpd="sng" algn="ctr">
+                      <a:solidFill>
+                        <a:schemeClr val="tx1"/>
+                      </a:solidFill>
+                      <a:prstDash val="solid"/>
+                      <a:round/>
+                      <a:headEnd type="none" w="med" len="med"/>
+                      <a:tailEnd type="none" w="med" len="med"/>
+                    </a:lnL>
+                    <a:lnR w="38100" cap="flat" cmpd="sng" algn="ctr">
+                      <a:solidFill>
+                        <a:schemeClr val="tx1"/>
+                      </a:solidFill>
+                      <a:prstDash val="solid"/>
+                      <a:round/>
+                      <a:headEnd type="none" w="med" len="med"/>
+                      <a:tailEnd type="none" w="med" len="med"/>
+                    </a:lnR>
+                    <a:lnT w="38100" cap="flat" cmpd="sng" algn="ctr">
+                      <a:solidFill>
+                        <a:schemeClr val="tx1"/>
+                      </a:solidFill>
+                      <a:prstDash val="solid"/>
+                      <a:round/>
+                      <a:headEnd type="none" w="med" len="med"/>
+                      <a:tailEnd type="none" w="med" len="med"/>
+                    </a:lnT>
+                    <a:lnB w="38100" cap="flat" cmpd="sng" algn="ctr">
+                      <a:solidFill>
+                        <a:schemeClr val="tx1"/>
+                      </a:solidFill>
+                      <a:prstDash val="solid"/>
+                      <a:round/>
+                      <a:headEnd type="none" w="med" len="med"/>
+                      <a:tailEnd type="none" w="med" len="med"/>
+                    </a:lnB>
+                  </a:tcPr>
+                </a:tc>
+                <a:tc>
+                  <a:txBody>
+                    <a:bodyPr/>
+                    <a:lstStyle/>
+                    <a:p>
+                      <a:pPr algn="ctr"/>
+                      <a:endParaRPr lang="en-US" sz="2400"/>
+                    </a:p>
+                  </a:txBody>
+                  <a:tcPr anchor="ctr">
+                    <a:lnL w="38100" cap="flat" cmpd="sng" algn="ctr">
+                      <a:solidFill>
+                        <a:schemeClr val="tx1"/>
+                      </a:solidFill>
+                      <a:prstDash val="solid"/>
+                      <a:round/>
+                      <a:headEnd type="none" w="med" len="med"/>
+                      <a:tailEnd type="none" w="med" len="med"/>
+                    </a:lnL>
+                    <a:lnR w="38100" cap="flat" cmpd="sng" algn="ctr">
+                      <a:solidFill>
+                        <a:schemeClr val="tx1"/>
+                      </a:solidFill>
+                      <a:prstDash val="solid"/>
+                      <a:round/>
+                      <a:headEnd type="none" w="med" len="med"/>
+                      <a:tailEnd type="none" w="med" len="med"/>
+                    </a:lnR>
+                    <a:lnT w="38100" cap="flat" cmpd="sng" algn="ctr">
+                      <a:solidFill>
+                        <a:schemeClr val="tx1"/>
+                      </a:solidFill>
+                      <a:prstDash val="solid"/>
+                      <a:round/>
+                      <a:headEnd type="none" w="med" len="med"/>
+                      <a:tailEnd type="none" w="med" len="med"/>
+                    </a:lnT>
+                    <a:lnB w="38100" cap="flat" cmpd="sng" algn="ctr">
+                      <a:solidFill>
+                        <a:schemeClr val="tx1"/>
+                      </a:solidFill>
+                      <a:prstDash val="solid"/>
+                      <a:round/>
+                      <a:headEnd type="none" w="med" len="med"/>
+                      <a:tailEnd type="none" w="med" len="med"/>
+                    </a:lnB>
+                  </a:tcPr>
+                </a:tc>
+                <a:tc>
+                  <a:txBody>
+                    <a:bodyPr/>
+                    <a:lstStyle/>
+                    <a:p>
+                      <a:pPr algn="ctr"/>
+                      <a:endParaRPr lang="en-US" sz="2400"/>
+                    </a:p>
+                  </a:txBody>
+                  <a:tcPr anchor="ctr">
+                    <a:lnL w="38100" cap="flat" cmpd="sng" algn="ctr">
+                      <a:solidFill>
+                        <a:schemeClr val="tx1"/>
+                      </a:solidFill>
+                      <a:prstDash val="solid"/>
+                      <a:round/>
+                      <a:headEnd type="none" w="med" len="med"/>
+                      <a:tailEnd type="none" w="med" len="med"/>
+                    </a:lnL>
+                    <a:lnR w="38100" cap="flat" cmpd="sng" algn="ctr">
+                      <a:solidFill>
+                        <a:schemeClr val="tx1"/>
+                      </a:solidFill>
+                      <a:prstDash val="solid"/>
+                      <a:round/>
+                      <a:headEnd type="none" w="med" len="med"/>
+                      <a:tailEnd type="none" w="med" len="med"/>
+                    </a:lnR>
+                    <a:lnT w="38100" cap="flat" cmpd="sng" algn="ctr">
+                      <a:solidFill>
+                        <a:schemeClr val="tx1"/>
+                      </a:solidFill>
+                      <a:prstDash val="solid"/>
+                      <a:round/>
+                      <a:headEnd type="none" w="med" len="med"/>
+                      <a:tailEnd type="none" w="med" len="med"/>
+                    </a:lnT>
+                    <a:lnB w="38100" cap="flat" cmpd="sng" algn="ctr">
+                      <a:solidFill>
+                        <a:schemeClr val="tx1"/>
+                      </a:solidFill>
+                      <a:prstDash val="solid"/>
+                      <a:round/>
+                      <a:headEnd type="none" w="med" len="med"/>
+                      <a:tailEnd type="none" w="med" len="med"/>
+                    </a:lnB>
+                  </a:tcPr>
+                </a:tc>
+                <a:tc>
+                  <a:txBody>
+                    <a:bodyPr/>
+                    <a:lstStyle/>
+                    <a:p>
+                      <a:pPr algn="ctr"/>
+                      <a:endParaRPr lang="en-US" sz="2400"/>
+                    </a:p>
+                  </a:txBody>
+                  <a:tcPr anchor="ctr">
+                    <a:lnL w="38100" cap="flat" cmpd="sng" algn="ctr">
+                      <a:solidFill>
+                        <a:schemeClr val="tx1"/>
+                      </a:solidFill>
+                      <a:prstDash val="solid"/>
+                      <a:round/>
+                      <a:headEnd type="none" w="med" len="med"/>
+                      <a:tailEnd type="none" w="med" len="med"/>
+                    </a:lnL>
+                    <a:lnR w="38100" cap="flat" cmpd="sng" algn="ctr">
+                      <a:solidFill>
+                        <a:schemeClr val="tx1"/>
+                      </a:solidFill>
+                      <a:prstDash val="solid"/>
+                      <a:round/>
+                      <a:headEnd type="none" w="med" len="med"/>
+                      <a:tailEnd type="none" w="med" len="med"/>
+                    </a:lnR>
+                    <a:lnT w="38100" cap="flat" cmpd="sng" algn="ctr">
+                      <a:solidFill>
+                        <a:schemeClr val="tx1"/>
+                      </a:solidFill>
+                      <a:prstDash val="solid"/>
+                      <a:round/>
+                      <a:headEnd type="none" w="med" len="med"/>
+                      <a:tailEnd type="none" w="med" len="med"/>
+                    </a:lnT>
+                    <a:lnB w="38100" cap="flat" cmpd="sng" algn="ctr">
+                      <a:solidFill>
+                        <a:schemeClr val="tx1"/>
+                      </a:solidFill>
+                      <a:prstDash val="solid"/>
+                      <a:round/>
+                      <a:headEnd type="none" w="med" len="med"/>
+                      <a:tailEnd type="none" w="med" len="med"/>
+                    </a:lnB>
+                  </a:tcPr>
+                </a:tc>
+                <a:extLst>
+                  <a:ext uri="{0D108BD9-81ED-4DB2-BD59-A6C34878D82A}">
+                    <a16:rowId xmlns:a16="http://schemas.microsoft.com/office/drawing/2014/main" val="3061754060"/>
+                  </a:ext>
+                </a:extLst>
+              </a:tr>
+            </a:tbl>
+          </a:graphicData>
+        </a:graphic>
+      </p:graphicFrame>
     </p:spTree>
     <p:extLst>
       <p:ext uri="{BB962C8B-B14F-4D97-AF65-F5344CB8AC3E}">

--- a/ps/ps_images.pptx
+++ b/ps/ps_images.pptx
@@ -14,6 +14,7 @@
     <p:sldId id="261" r:id="rId8"/>
     <p:sldId id="262" r:id="rId9"/>
     <p:sldId id="265" r:id="rId10"/>
+    <p:sldId id="266" r:id="rId11"/>
   </p:sldIdLst>
   <p:sldSz cx="12192000" cy="6858000"/>
   <p:notesSz cx="6858000" cy="9144000"/>
@@ -3953,6 +3954,298 @@
 </p:sld>
 </file>
 
+<file path=ppt/slides/slide10.xml><?xml version="1.0" encoding="utf-8"?>
+<p:sld xmlns:a="http://schemas.openxmlformats.org/drawingml/2006/main" xmlns:r="http://schemas.openxmlformats.org/officeDocument/2006/relationships" xmlns:p="http://schemas.openxmlformats.org/presentationml/2006/main">
+  <p:cSld>
+    <p:spTree>
+      <p:nvGrpSpPr>
+        <p:cNvPr id="1" name=""/>
+        <p:cNvGrpSpPr/>
+        <p:nvPr/>
+      </p:nvGrpSpPr>
+      <p:grpSpPr>
+        <a:xfrm>
+          <a:off x="0" y="0"/>
+          <a:ext cx="0" cy="0"/>
+          <a:chOff x="0" y="0"/>
+          <a:chExt cx="0" cy="0"/>
+        </a:xfrm>
+      </p:grpSpPr>
+      <mc:AlternateContent xmlns:mc="http://schemas.openxmlformats.org/markup-compatibility/2006">
+        <mc:Choice xmlns:a14="http://schemas.microsoft.com/office/drawing/2010/main" Requires="a14">
+          <p:sp>
+            <p:nvSpPr>
+              <p:cNvPr id="2" name="TextBox 1">
+                <a:extLst>
+                  <a:ext uri="{FF2B5EF4-FFF2-40B4-BE49-F238E27FC236}">
+                    <a16:creationId xmlns:a16="http://schemas.microsoft.com/office/drawing/2014/main" id="{894FD883-2008-4976-A023-8BA9282E8758}"/>
+                  </a:ext>
+                </a:extLst>
+              </p:cNvPr>
+              <p:cNvSpPr txBox="1"/>
+              <p:nvPr/>
+            </p:nvSpPr>
+            <p:spPr>
+              <a:xfrm>
+                <a:off x="2607212" y="1452643"/>
+                <a:ext cx="8365588" cy="738664"/>
+              </a:xfrm>
+              <a:prstGeom prst="rect">
+                <a:avLst/>
+              </a:prstGeom>
+              <a:noFill/>
+            </p:spPr>
+            <p:txBody>
+              <a:bodyPr wrap="square" lIns="0" tIns="0" rIns="0" bIns="0" rtlCol="0">
+                <a:spAutoFit/>
+              </a:bodyPr>
+              <a:lstStyle/>
+              <a:p>
+                <a:pPr/>
+                <a14:m>
+                  <m:oMathPara xmlns:m="http://schemas.openxmlformats.org/officeDocument/2006/math">
+                    <m:oMathParaPr>
+                      <m:jc m:val="centerGroup"/>
+                    </m:oMathParaPr>
+                    <m:oMath xmlns:m="http://schemas.openxmlformats.org/officeDocument/2006/math">
+                      <m:r>
+                        <a:rPr lang="en-US" sz="4800" b="0" i="1" smtClean="0">
+                          <a:latin typeface="Cambria Math" panose="02040503050406030204" pitchFamily="18" charset="0"/>
+                        </a:rPr>
+                        <m:t>𝐸</m:t>
+                      </m:r>
+                      <m:r>
+                        <a:rPr lang="en-US" sz="4800" b="0" i="1" smtClean="0">
+                          <a:latin typeface="Cambria Math" panose="02040503050406030204" pitchFamily="18" charset="0"/>
+                        </a:rPr>
+                        <m:t>[</m:t>
+                      </m:r>
+                      <m:acc>
+                        <m:accPr>
+                          <m:chr m:val="̅"/>
+                          <m:ctrlPr>
+                            <a:rPr lang="en-US" sz="4800" i="1">
+                              <a:solidFill>
+                                <a:srgbClr val="C00000"/>
+                              </a:solidFill>
+                              <a:latin typeface="Cambria Math" panose="02040503050406030204" pitchFamily="18" charset="0"/>
+                            </a:rPr>
+                          </m:ctrlPr>
+                        </m:accPr>
+                        <m:e>
+                          <m:r>
+                            <a:rPr lang="en-US" sz="4800" i="1">
+                              <a:solidFill>
+                                <a:srgbClr val="C00000"/>
+                              </a:solidFill>
+                              <a:latin typeface="Cambria Math" panose="02040503050406030204" pitchFamily="18" charset="0"/>
+                            </a:rPr>
+                            <m:t>𝑋</m:t>
+                          </m:r>
+                        </m:e>
+                      </m:acc>
+                      <m:r>
+                        <a:rPr lang="en-US" sz="4800" b="0" i="1" smtClean="0">
+                          <a:latin typeface="Cambria Math" panose="02040503050406030204" pitchFamily="18" charset="0"/>
+                        </a:rPr>
+                        <m:t>]</m:t>
+                      </m:r>
+                      <m:r>
+                        <a:rPr lang="en-US" sz="4800" b="0" i="1" smtClean="0">
+                          <a:solidFill>
+                            <a:schemeClr val="tx1"/>
+                          </a:solidFill>
+                          <a:latin typeface="Cambria Math" panose="02040503050406030204" pitchFamily="18" charset="0"/>
+                        </a:rPr>
+                        <m:t>=</m:t>
+                      </m:r>
+                      <m:r>
+                        <a:rPr lang="en-US" sz="4800" b="0" i="1" smtClean="0">
+                          <a:solidFill>
+                            <a:schemeClr val="tx1"/>
+                          </a:solidFill>
+                          <a:latin typeface="Cambria Math" panose="02040503050406030204" pitchFamily="18" charset="0"/>
+                        </a:rPr>
+                        <m:t>𝐸</m:t>
+                      </m:r>
+                      <m:r>
+                        <a:rPr lang="en-US" sz="4800" b="0" i="1" smtClean="0">
+                          <a:solidFill>
+                            <a:schemeClr val="tx1"/>
+                          </a:solidFill>
+                          <a:latin typeface="Cambria Math" panose="02040503050406030204" pitchFamily="18" charset="0"/>
+                        </a:rPr>
+                        <m:t>[</m:t>
+                      </m:r>
+                      <m:r>
+                        <a:rPr lang="en-US" sz="4800" i="1">
+                          <a:solidFill>
+                            <a:srgbClr val="C00000"/>
+                          </a:solidFill>
+                          <a:latin typeface="Cambria Math" panose="02040503050406030204" pitchFamily="18" charset="0"/>
+                        </a:rPr>
+                        <m:t>𝑋</m:t>
+                      </m:r>
+                      <m:r>
+                        <a:rPr lang="en-US" sz="4800" b="0" i="1" baseline="-25000" smtClean="0">
+                          <a:solidFill>
+                            <a:srgbClr val="C00000"/>
+                          </a:solidFill>
+                          <a:latin typeface="Cambria Math" panose="02040503050406030204" pitchFamily="18" charset="0"/>
+                        </a:rPr>
+                        <m:t>1</m:t>
+                      </m:r>
+                      <m:r>
+                        <a:rPr lang="en-US" sz="4800" b="0" i="1" smtClean="0">
+                          <a:solidFill>
+                            <a:schemeClr val="tx1"/>
+                          </a:solidFill>
+                          <a:latin typeface="Cambria Math" panose="02040503050406030204" pitchFamily="18" charset="0"/>
+                        </a:rPr>
+                        <m:t>+</m:t>
+                      </m:r>
+                      <m:r>
+                        <a:rPr lang="en-US" sz="4800" i="1">
+                          <a:solidFill>
+                            <a:srgbClr val="C00000"/>
+                          </a:solidFill>
+                          <a:latin typeface="Cambria Math" panose="02040503050406030204" pitchFamily="18" charset="0"/>
+                        </a:rPr>
+                        <m:t>𝑋</m:t>
+                      </m:r>
+                      <m:r>
+                        <a:rPr lang="en-US" sz="4800" b="0" i="1" baseline="-25000" smtClean="0">
+                          <a:solidFill>
+                            <a:srgbClr val="C00000"/>
+                          </a:solidFill>
+                          <a:latin typeface="Cambria Math" panose="02040503050406030204" pitchFamily="18" charset="0"/>
+                        </a:rPr>
+                        <m:t>2</m:t>
+                      </m:r>
+                      <m:r>
+                        <a:rPr lang="en-US" sz="4800" b="0" i="1" smtClean="0">
+                          <a:solidFill>
+                            <a:schemeClr val="tx1"/>
+                          </a:solidFill>
+                          <a:latin typeface="Cambria Math" panose="02040503050406030204" pitchFamily="18" charset="0"/>
+                        </a:rPr>
+                        <m:t>+</m:t>
+                      </m:r>
+                      <m:r>
+                        <a:rPr lang="en-US" sz="4800" b="0" i="1" smtClean="0">
+                          <a:solidFill>
+                            <a:srgbClr val="C00000"/>
+                          </a:solidFill>
+                          <a:latin typeface="Cambria Math" panose="02040503050406030204" pitchFamily="18" charset="0"/>
+                        </a:rPr>
+                        <m:t>…</m:t>
+                      </m:r>
+                      <m:r>
+                        <a:rPr lang="en-US" sz="4800" b="0" i="1" smtClean="0">
+                          <a:solidFill>
+                            <a:schemeClr val="tx1"/>
+                          </a:solidFill>
+                          <a:latin typeface="Cambria Math" panose="02040503050406030204" pitchFamily="18" charset="0"/>
+                        </a:rPr>
+                        <m:t>+</m:t>
+                      </m:r>
+                      <m:r>
+                        <a:rPr lang="en-US" sz="4800" i="1">
+                          <a:solidFill>
+                            <a:srgbClr val="C00000"/>
+                          </a:solidFill>
+                          <a:latin typeface="Cambria Math" panose="02040503050406030204" pitchFamily="18" charset="0"/>
+                        </a:rPr>
+                        <m:t>𝑋</m:t>
+                      </m:r>
+                      <m:r>
+                        <a:rPr lang="en-US" sz="4800" b="0" i="1" baseline="-25000" smtClean="0">
+                          <a:solidFill>
+                            <a:srgbClr val="C00000"/>
+                          </a:solidFill>
+                          <a:latin typeface="Cambria Math" panose="02040503050406030204" pitchFamily="18" charset="0"/>
+                        </a:rPr>
+                        <m:t>𝑛</m:t>
+                      </m:r>
+                      <m:r>
+                        <a:rPr lang="en-US" sz="4800" b="0" i="1" smtClean="0">
+                          <a:solidFill>
+                            <a:schemeClr val="tx1"/>
+                          </a:solidFill>
+                          <a:latin typeface="Cambria Math" panose="02040503050406030204" pitchFamily="18" charset="0"/>
+                        </a:rPr>
+                        <m:t>]</m:t>
+                      </m:r>
+                    </m:oMath>
+                  </m:oMathPara>
+                </a14:m>
+                <a:endParaRPr lang="en-US" sz="4800" b="0">
+                  <a:solidFill>
+                    <a:srgbClr val="7030A0"/>
+                  </a:solidFill>
+                </a:endParaRPr>
+              </a:p>
+            </p:txBody>
+          </p:sp>
+        </mc:Choice>
+        <mc:Fallback>
+          <p:sp>
+            <p:nvSpPr>
+              <p:cNvPr id="2" name="TextBox 1">
+                <a:extLst>
+                  <a:ext uri="{FF2B5EF4-FFF2-40B4-BE49-F238E27FC236}">
+                    <a16:creationId xmlns:a16="http://schemas.microsoft.com/office/drawing/2014/main" id="{894FD883-2008-4976-A023-8BA9282E8758}"/>
+                  </a:ext>
+                </a:extLst>
+              </p:cNvPr>
+              <p:cNvSpPr txBox="1">
+                <a:spLocks noRot="1" noChangeAspect="1" noMove="1" noResize="1" noEditPoints="1" noAdjustHandles="1" noChangeArrowheads="1" noChangeShapeType="1" noTextEdit="1"/>
+              </p:cNvSpPr>
+              <p:nvPr/>
+            </p:nvSpPr>
+            <p:spPr>
+              <a:xfrm>
+                <a:off x="2607212" y="1452643"/>
+                <a:ext cx="8365588" cy="738664"/>
+              </a:xfrm>
+              <a:prstGeom prst="rect">
+                <a:avLst/>
+              </a:prstGeom>
+              <a:blipFill>
+                <a:blip r:embed="rId2"/>
+                <a:stretch>
+                  <a:fillRect/>
+                </a:stretch>
+              </a:blipFill>
+            </p:spPr>
+            <p:txBody>
+              <a:bodyPr/>
+              <a:lstStyle/>
+              <a:p>
+                <a:r>
+                  <a:rPr lang="en-US">
+                    <a:noFill/>
+                  </a:rPr>
+                  <a:t> </a:t>
+                </a:r>
+              </a:p>
+            </p:txBody>
+          </p:sp>
+        </mc:Fallback>
+      </mc:AlternateContent>
+    </p:spTree>
+    <p:extLst>
+      <p:ext uri="{BB962C8B-B14F-4D97-AF65-F5344CB8AC3E}">
+        <p14:creationId xmlns:p14="http://schemas.microsoft.com/office/powerpoint/2010/main" val="3035611815"/>
+      </p:ext>
+    </p:extLst>
+  </p:cSld>
+  <p:clrMapOvr>
+    <a:masterClrMapping/>
+  </p:clrMapOvr>
+</p:sld>
+</file>
+
 <file path=ppt/slides/slide2.xml><?xml version="1.0" encoding="utf-8"?>
 <p:sld xmlns:a="http://schemas.openxmlformats.org/drawingml/2006/main" xmlns:r="http://schemas.openxmlformats.org/officeDocument/2006/relationships" xmlns:p="http://schemas.openxmlformats.org/presentationml/2006/main">
   <p:cSld>
@@ -11322,14 +11615,14 @@
           <p:nvPr>
             <p:extLst>
               <p:ext uri="{D42A27DB-BD31-4B8C-83A1-F6EECF244321}">
-                <p14:modId xmlns:p14="http://schemas.microsoft.com/office/powerpoint/2010/main" val="845760479"/>
+                <p14:modId xmlns:p14="http://schemas.microsoft.com/office/powerpoint/2010/main" val="1960378277"/>
               </p:ext>
             </p:extLst>
           </p:nvPr>
         </p:nvGraphicFramePr>
         <p:xfrm>
-          <a:off x="2032000" y="719666"/>
-          <a:ext cx="8128002" cy="2743200"/>
+          <a:off x="2034862" y="719666"/>
+          <a:ext cx="1258016" cy="4907280"/>
         </p:xfrm>
         <a:graphic>
           <a:graphicData uri="http://schemas.openxmlformats.org/drawingml/2006/table">
@@ -11338,45 +11631,10 @@
                 <a:tableStyleId>{5940675A-B579-460E-94D1-54222C63F5DA}</a:tableStyleId>
               </a:tblPr>
               <a:tblGrid>
-                <a:gridCol w="1354667">
+                <a:gridCol w="1258016">
                   <a:extLst>
                     <a:ext uri="{9D8B030D-6E8A-4147-A177-3AD203B41FA5}">
                       <a16:colId xmlns:a16="http://schemas.microsoft.com/office/drawing/2014/main" val="823069406"/>
-                    </a:ext>
-                  </a:extLst>
-                </a:gridCol>
-                <a:gridCol w="1354667">
-                  <a:extLst>
-                    <a:ext uri="{9D8B030D-6E8A-4147-A177-3AD203B41FA5}">
-                      <a16:colId xmlns:a16="http://schemas.microsoft.com/office/drawing/2014/main" val="927532657"/>
-                    </a:ext>
-                  </a:extLst>
-                </a:gridCol>
-                <a:gridCol w="1354667">
-                  <a:extLst>
-                    <a:ext uri="{9D8B030D-6E8A-4147-A177-3AD203B41FA5}">
-                      <a16:colId xmlns:a16="http://schemas.microsoft.com/office/drawing/2014/main" val="231054531"/>
-                    </a:ext>
-                  </a:extLst>
-                </a:gridCol>
-                <a:gridCol w="1354667">
-                  <a:extLst>
-                    <a:ext uri="{9D8B030D-6E8A-4147-A177-3AD203B41FA5}">
-                      <a16:colId xmlns:a16="http://schemas.microsoft.com/office/drawing/2014/main" val="520715157"/>
-                    </a:ext>
-                  </a:extLst>
-                </a:gridCol>
-                <a:gridCol w="1354667">
-                  <a:extLst>
-                    <a:ext uri="{9D8B030D-6E8A-4147-A177-3AD203B41FA5}">
-                      <a16:colId xmlns:a16="http://schemas.microsoft.com/office/drawing/2014/main" val="86531081"/>
-                    </a:ext>
-                  </a:extLst>
-                </a:gridCol>
-                <a:gridCol w="1354667">
-                  <a:extLst>
-                    <a:ext uri="{9D8B030D-6E8A-4147-A177-3AD203B41FA5}">
-                      <a16:colId xmlns:a16="http://schemas.microsoft.com/office/drawing/2014/main" val="1589927541"/>
                     </a:ext>
                   </a:extLst>
                 </a:gridCol>
@@ -11389,287 +11647,12 @@
                     <a:p>
                       <a:pPr algn="ctr"/>
                       <a:r>
-                        <a:rPr lang="en-US" sz="2400"/>
+                        <a:rPr lang="en-US" sz="4000" b="1"/>
                         <a:t>X</a:t>
                       </a:r>
                       <a:r>
-                        <a:rPr lang="en-US" sz="2400" baseline="-25000"/>
+                        <a:rPr lang="en-US" sz="4000" b="1" baseline="-25000"/>
                         <a:t>1</a:t>
-                      </a:r>
-                    </a:p>
-                  </a:txBody>
-                  <a:tcPr anchor="ctr">
-                    <a:lnL w="38100" cap="flat" cmpd="sng" algn="ctr">
-                      <a:solidFill>
-                        <a:schemeClr val="tx1"/>
-                      </a:solidFill>
-                      <a:prstDash val="solid"/>
-                      <a:round/>
-                      <a:headEnd type="none" w="med" len="med"/>
-                      <a:tailEnd type="none" w="med" len="med"/>
-                    </a:lnL>
-                    <a:lnR w="38100" cap="flat" cmpd="sng" algn="ctr">
-                      <a:solidFill>
-                        <a:schemeClr val="tx1"/>
-                      </a:solidFill>
-                      <a:prstDash val="solid"/>
-                      <a:round/>
-                      <a:headEnd type="none" w="med" len="med"/>
-                      <a:tailEnd type="none" w="med" len="med"/>
-                    </a:lnR>
-                    <a:lnT w="38100" cap="flat" cmpd="sng" algn="ctr">
-                      <a:solidFill>
-                        <a:schemeClr val="tx1"/>
-                      </a:solidFill>
-                      <a:prstDash val="solid"/>
-                      <a:round/>
-                      <a:headEnd type="none" w="med" len="med"/>
-                      <a:tailEnd type="none" w="med" len="med"/>
-                    </a:lnT>
-                    <a:lnB w="38100" cap="flat" cmpd="sng" algn="ctr">
-                      <a:solidFill>
-                        <a:schemeClr val="tx1"/>
-                      </a:solidFill>
-                      <a:prstDash val="solid"/>
-                      <a:round/>
-                      <a:headEnd type="none" w="med" len="med"/>
-                      <a:tailEnd type="none" w="med" len="med"/>
-                    </a:lnB>
-                  </a:tcPr>
-                </a:tc>
-                <a:tc>
-                  <a:txBody>
-                    <a:bodyPr/>
-                    <a:lstStyle/>
-                    <a:p>
-                      <a:pPr algn="ctr"/>
-                      <a:r>
-                        <a:rPr lang="en-US" sz="2400"/>
-                        <a:t>X</a:t>
-                      </a:r>
-                      <a:r>
-                        <a:rPr lang="en-US" sz="2400" baseline="-25000"/>
-                        <a:t>2</a:t>
-                      </a:r>
-                    </a:p>
-                  </a:txBody>
-                  <a:tcPr anchor="ctr">
-                    <a:lnL w="38100" cap="flat" cmpd="sng" algn="ctr">
-                      <a:solidFill>
-                        <a:schemeClr val="tx1"/>
-                      </a:solidFill>
-                      <a:prstDash val="solid"/>
-                      <a:round/>
-                      <a:headEnd type="none" w="med" len="med"/>
-                      <a:tailEnd type="none" w="med" len="med"/>
-                    </a:lnL>
-                    <a:lnR w="38100" cap="flat" cmpd="sng" algn="ctr">
-                      <a:solidFill>
-                        <a:schemeClr val="tx1"/>
-                      </a:solidFill>
-                      <a:prstDash val="solid"/>
-                      <a:round/>
-                      <a:headEnd type="none" w="med" len="med"/>
-                      <a:tailEnd type="none" w="med" len="med"/>
-                    </a:lnR>
-                    <a:lnT w="38100" cap="flat" cmpd="sng" algn="ctr">
-                      <a:solidFill>
-                        <a:schemeClr val="tx1"/>
-                      </a:solidFill>
-                      <a:prstDash val="solid"/>
-                      <a:round/>
-                      <a:headEnd type="none" w="med" len="med"/>
-                      <a:tailEnd type="none" w="med" len="med"/>
-                    </a:lnT>
-                    <a:lnB w="38100" cap="flat" cmpd="sng" algn="ctr">
-                      <a:solidFill>
-                        <a:schemeClr val="tx1"/>
-                      </a:solidFill>
-                      <a:prstDash val="solid"/>
-                      <a:round/>
-                      <a:headEnd type="none" w="med" len="med"/>
-                      <a:tailEnd type="none" w="med" len="med"/>
-                    </a:lnB>
-                  </a:tcPr>
-                </a:tc>
-                <a:tc>
-                  <a:txBody>
-                    <a:bodyPr/>
-                    <a:lstStyle/>
-                    <a:p>
-                      <a:pPr algn="ctr"/>
-                      <a:r>
-                        <a:rPr lang="en-US" sz="2400"/>
-                        <a:t>X</a:t>
-                      </a:r>
-                      <a:r>
-                        <a:rPr lang="en-US" sz="2400" baseline="-25000"/>
-                        <a:t>3</a:t>
-                      </a:r>
-                    </a:p>
-                  </a:txBody>
-                  <a:tcPr anchor="ctr">
-                    <a:lnL w="38100" cap="flat" cmpd="sng" algn="ctr">
-                      <a:solidFill>
-                        <a:schemeClr val="tx1"/>
-                      </a:solidFill>
-                      <a:prstDash val="solid"/>
-                      <a:round/>
-                      <a:headEnd type="none" w="med" len="med"/>
-                      <a:tailEnd type="none" w="med" len="med"/>
-                    </a:lnL>
-                    <a:lnR w="38100" cap="flat" cmpd="sng" algn="ctr">
-                      <a:solidFill>
-                        <a:schemeClr val="tx1"/>
-                      </a:solidFill>
-                      <a:prstDash val="solid"/>
-                      <a:round/>
-                      <a:headEnd type="none" w="med" len="med"/>
-                      <a:tailEnd type="none" w="med" len="med"/>
-                    </a:lnR>
-                    <a:lnT w="38100" cap="flat" cmpd="sng" algn="ctr">
-                      <a:solidFill>
-                        <a:schemeClr val="tx1"/>
-                      </a:solidFill>
-                      <a:prstDash val="solid"/>
-                      <a:round/>
-                      <a:headEnd type="none" w="med" len="med"/>
-                      <a:tailEnd type="none" w="med" len="med"/>
-                    </a:lnT>
-                    <a:lnB w="38100" cap="flat" cmpd="sng" algn="ctr">
-                      <a:solidFill>
-                        <a:schemeClr val="tx1"/>
-                      </a:solidFill>
-                      <a:prstDash val="solid"/>
-                      <a:round/>
-                      <a:headEnd type="none" w="med" len="med"/>
-                      <a:tailEnd type="none" w="med" len="med"/>
-                    </a:lnB>
-                  </a:tcPr>
-                </a:tc>
-                <a:tc>
-                  <a:txBody>
-                    <a:bodyPr/>
-                    <a:lstStyle/>
-                    <a:p>
-                      <a:pPr algn="ctr"/>
-                      <a:r>
-                        <a:rPr lang="en-US" sz="2400"/>
-                        <a:t>X</a:t>
-                      </a:r>
-                      <a:r>
-                        <a:rPr lang="en-US" sz="2400" baseline="-25000"/>
-                        <a:t>4</a:t>
-                      </a:r>
-                    </a:p>
-                  </a:txBody>
-                  <a:tcPr anchor="ctr">
-                    <a:lnL w="38100" cap="flat" cmpd="sng" algn="ctr">
-                      <a:solidFill>
-                        <a:schemeClr val="tx1"/>
-                      </a:solidFill>
-                      <a:prstDash val="solid"/>
-                      <a:round/>
-                      <a:headEnd type="none" w="med" len="med"/>
-                      <a:tailEnd type="none" w="med" len="med"/>
-                    </a:lnL>
-                    <a:lnR w="38100" cap="flat" cmpd="sng" algn="ctr">
-                      <a:solidFill>
-                        <a:schemeClr val="tx1"/>
-                      </a:solidFill>
-                      <a:prstDash val="solid"/>
-                      <a:round/>
-                      <a:headEnd type="none" w="med" len="med"/>
-                      <a:tailEnd type="none" w="med" len="med"/>
-                    </a:lnR>
-                    <a:lnT w="38100" cap="flat" cmpd="sng" algn="ctr">
-                      <a:solidFill>
-                        <a:schemeClr val="tx1"/>
-                      </a:solidFill>
-                      <a:prstDash val="solid"/>
-                      <a:round/>
-                      <a:headEnd type="none" w="med" len="med"/>
-                      <a:tailEnd type="none" w="med" len="med"/>
-                    </a:lnT>
-                    <a:lnB w="38100" cap="flat" cmpd="sng" algn="ctr">
-                      <a:solidFill>
-                        <a:schemeClr val="tx1"/>
-                      </a:solidFill>
-                      <a:prstDash val="solid"/>
-                      <a:round/>
-                      <a:headEnd type="none" w="med" len="med"/>
-                      <a:tailEnd type="none" w="med" len="med"/>
-                    </a:lnB>
-                  </a:tcPr>
-                </a:tc>
-                <a:tc>
-                  <a:txBody>
-                    <a:bodyPr/>
-                    <a:lstStyle/>
-                    <a:p>
-                      <a:pPr algn="ctr"/>
-                      <a:r>
-                        <a:rPr lang="en-US" sz="2400"/>
-                        <a:t>X</a:t>
-                      </a:r>
-                      <a:r>
-                        <a:rPr lang="en-US" sz="2400" baseline="-25000"/>
-                        <a:t>5</a:t>
-                      </a:r>
-                    </a:p>
-                  </a:txBody>
-                  <a:tcPr anchor="ctr">
-                    <a:lnL w="38100" cap="flat" cmpd="sng" algn="ctr">
-                      <a:solidFill>
-                        <a:schemeClr val="tx1"/>
-                      </a:solidFill>
-                      <a:prstDash val="solid"/>
-                      <a:round/>
-                      <a:headEnd type="none" w="med" len="med"/>
-                      <a:tailEnd type="none" w="med" len="med"/>
-                    </a:lnL>
-                    <a:lnR w="38100" cap="flat" cmpd="sng" algn="ctr">
-                      <a:solidFill>
-                        <a:schemeClr val="tx1"/>
-                      </a:solidFill>
-                      <a:prstDash val="solid"/>
-                      <a:round/>
-                      <a:headEnd type="none" w="med" len="med"/>
-                      <a:tailEnd type="none" w="med" len="med"/>
-                    </a:lnR>
-                    <a:lnT w="38100" cap="flat" cmpd="sng" algn="ctr">
-                      <a:solidFill>
-                        <a:schemeClr val="tx1"/>
-                      </a:solidFill>
-                      <a:prstDash val="solid"/>
-                      <a:round/>
-                      <a:headEnd type="none" w="med" len="med"/>
-                      <a:tailEnd type="none" w="med" len="med"/>
-                    </a:lnT>
-                    <a:lnB w="38100" cap="flat" cmpd="sng" algn="ctr">
-                      <a:solidFill>
-                        <a:schemeClr val="tx1"/>
-                      </a:solidFill>
-                      <a:prstDash val="solid"/>
-                      <a:round/>
-                      <a:headEnd type="none" w="med" len="med"/>
-                      <a:tailEnd type="none" w="med" len="med"/>
-                    </a:lnB>
-                  </a:tcPr>
-                </a:tc>
-                <a:tc>
-                  <a:txBody>
-                    <a:bodyPr/>
-                    <a:lstStyle/>
-                    <a:p>
-                      <a:pPr algn="ctr"/>
-                      <a:r>
-                        <a:rPr lang="en-US" sz="2400"/>
-                        <a:t>X</a:t>
-                      </a:r>
-                      <a:r>
-                        <a:rPr lang="en-US" sz="2400" baseline="-25000"/>
-                        <a:t>6</a:t>
                       </a:r>
                     </a:p>
                   </a:txBody>
@@ -11725,7 +11708,10 @@
                     <a:lstStyle/>
                     <a:p>
                       <a:pPr algn="ctr"/>
-                      <a:endParaRPr lang="en-US" sz="2400"/>
+                      <a:r>
+                        <a:rPr lang="en-US" sz="4000"/>
+                        <a:t>1</a:t>
+                      </a:r>
                     </a:p>
                   </a:txBody>
                   <a:tcPr anchor="ctr">
@@ -11756,247 +11742,7 @@
                       <a:headEnd type="none" w="med" len="med"/>
                       <a:tailEnd type="none" w="med" len="med"/>
                     </a:lnT>
-                    <a:lnB w="38100" cap="flat" cmpd="sng" algn="ctr">
-                      <a:solidFill>
-                        <a:schemeClr val="tx1"/>
-                      </a:solidFill>
-                      <a:prstDash val="solid"/>
-                      <a:round/>
-                      <a:headEnd type="none" w="med" len="med"/>
-                      <a:tailEnd type="none" w="med" len="med"/>
-                    </a:lnB>
-                  </a:tcPr>
-                </a:tc>
-                <a:tc>
-                  <a:txBody>
-                    <a:bodyPr/>
-                    <a:lstStyle/>
-                    <a:p>
-                      <a:pPr algn="ctr"/>
-                      <a:endParaRPr lang="en-US" sz="2400"/>
-                    </a:p>
-                  </a:txBody>
-                  <a:tcPr anchor="ctr">
-                    <a:lnL w="38100" cap="flat" cmpd="sng" algn="ctr">
-                      <a:solidFill>
-                        <a:schemeClr val="tx1"/>
-                      </a:solidFill>
-                      <a:prstDash val="solid"/>
-                      <a:round/>
-                      <a:headEnd type="none" w="med" len="med"/>
-                      <a:tailEnd type="none" w="med" len="med"/>
-                    </a:lnL>
-                    <a:lnR w="38100" cap="flat" cmpd="sng" algn="ctr">
-                      <a:solidFill>
-                        <a:schemeClr val="tx1"/>
-                      </a:solidFill>
-                      <a:prstDash val="solid"/>
-                      <a:round/>
-                      <a:headEnd type="none" w="med" len="med"/>
-                      <a:tailEnd type="none" w="med" len="med"/>
-                    </a:lnR>
-                    <a:lnT w="38100" cap="flat" cmpd="sng" algn="ctr">
-                      <a:solidFill>
-                        <a:schemeClr val="tx1"/>
-                      </a:solidFill>
-                      <a:prstDash val="solid"/>
-                      <a:round/>
-                      <a:headEnd type="none" w="med" len="med"/>
-                      <a:tailEnd type="none" w="med" len="med"/>
-                    </a:lnT>
-                    <a:lnB w="38100" cap="flat" cmpd="sng" algn="ctr">
-                      <a:solidFill>
-                        <a:schemeClr val="tx1"/>
-                      </a:solidFill>
-                      <a:prstDash val="solid"/>
-                      <a:round/>
-                      <a:headEnd type="none" w="med" len="med"/>
-                      <a:tailEnd type="none" w="med" len="med"/>
-                    </a:lnB>
-                  </a:tcPr>
-                </a:tc>
-                <a:tc>
-                  <a:txBody>
-                    <a:bodyPr/>
-                    <a:lstStyle/>
-                    <a:p>
-                      <a:pPr algn="ctr"/>
-                      <a:endParaRPr lang="en-US" sz="2400"/>
-                    </a:p>
-                  </a:txBody>
-                  <a:tcPr anchor="ctr">
-                    <a:lnL w="38100" cap="flat" cmpd="sng" algn="ctr">
-                      <a:solidFill>
-                        <a:schemeClr val="tx1"/>
-                      </a:solidFill>
-                      <a:prstDash val="solid"/>
-                      <a:round/>
-                      <a:headEnd type="none" w="med" len="med"/>
-                      <a:tailEnd type="none" w="med" len="med"/>
-                    </a:lnL>
-                    <a:lnR w="38100" cap="flat" cmpd="sng" algn="ctr">
-                      <a:solidFill>
-                        <a:schemeClr val="tx1"/>
-                      </a:solidFill>
-                      <a:prstDash val="solid"/>
-                      <a:round/>
-                      <a:headEnd type="none" w="med" len="med"/>
-                      <a:tailEnd type="none" w="med" len="med"/>
-                    </a:lnR>
-                    <a:lnT w="38100" cap="flat" cmpd="sng" algn="ctr">
-                      <a:solidFill>
-                        <a:schemeClr val="tx1"/>
-                      </a:solidFill>
-                      <a:prstDash val="solid"/>
-                      <a:round/>
-                      <a:headEnd type="none" w="med" len="med"/>
-                      <a:tailEnd type="none" w="med" len="med"/>
-                    </a:lnT>
-                    <a:lnB w="38100" cap="flat" cmpd="sng" algn="ctr">
-                      <a:solidFill>
-                        <a:schemeClr val="tx1"/>
-                      </a:solidFill>
-                      <a:prstDash val="solid"/>
-                      <a:round/>
-                      <a:headEnd type="none" w="med" len="med"/>
-                      <a:tailEnd type="none" w="med" len="med"/>
-                    </a:lnB>
-                  </a:tcPr>
-                </a:tc>
-                <a:tc>
-                  <a:txBody>
-                    <a:bodyPr/>
-                    <a:lstStyle/>
-                    <a:p>
-                      <a:pPr algn="ctr"/>
-                      <a:endParaRPr lang="en-US" sz="2400"/>
-                    </a:p>
-                  </a:txBody>
-                  <a:tcPr anchor="ctr">
-                    <a:lnL w="38100" cap="flat" cmpd="sng" algn="ctr">
-                      <a:solidFill>
-                        <a:schemeClr val="tx1"/>
-                      </a:solidFill>
-                      <a:prstDash val="solid"/>
-                      <a:round/>
-                      <a:headEnd type="none" w="med" len="med"/>
-                      <a:tailEnd type="none" w="med" len="med"/>
-                    </a:lnL>
-                    <a:lnR w="38100" cap="flat" cmpd="sng" algn="ctr">
-                      <a:solidFill>
-                        <a:schemeClr val="tx1"/>
-                      </a:solidFill>
-                      <a:prstDash val="solid"/>
-                      <a:round/>
-                      <a:headEnd type="none" w="med" len="med"/>
-                      <a:tailEnd type="none" w="med" len="med"/>
-                    </a:lnR>
-                    <a:lnT w="38100" cap="flat" cmpd="sng" algn="ctr">
-                      <a:solidFill>
-                        <a:schemeClr val="tx1"/>
-                      </a:solidFill>
-                      <a:prstDash val="solid"/>
-                      <a:round/>
-                      <a:headEnd type="none" w="med" len="med"/>
-                      <a:tailEnd type="none" w="med" len="med"/>
-                    </a:lnT>
-                    <a:lnB w="38100" cap="flat" cmpd="sng" algn="ctr">
-                      <a:solidFill>
-                        <a:schemeClr val="tx1"/>
-                      </a:solidFill>
-                      <a:prstDash val="solid"/>
-                      <a:round/>
-                      <a:headEnd type="none" w="med" len="med"/>
-                      <a:tailEnd type="none" w="med" len="med"/>
-                    </a:lnB>
-                  </a:tcPr>
-                </a:tc>
-                <a:tc>
-                  <a:txBody>
-                    <a:bodyPr/>
-                    <a:lstStyle/>
-                    <a:p>
-                      <a:pPr algn="ctr"/>
-                      <a:endParaRPr lang="en-US" sz="2400"/>
-                    </a:p>
-                  </a:txBody>
-                  <a:tcPr anchor="ctr">
-                    <a:lnL w="38100" cap="flat" cmpd="sng" algn="ctr">
-                      <a:solidFill>
-                        <a:schemeClr val="tx1"/>
-                      </a:solidFill>
-                      <a:prstDash val="solid"/>
-                      <a:round/>
-                      <a:headEnd type="none" w="med" len="med"/>
-                      <a:tailEnd type="none" w="med" len="med"/>
-                    </a:lnL>
-                    <a:lnR w="38100" cap="flat" cmpd="sng" algn="ctr">
-                      <a:solidFill>
-                        <a:schemeClr val="tx1"/>
-                      </a:solidFill>
-                      <a:prstDash val="solid"/>
-                      <a:round/>
-                      <a:headEnd type="none" w="med" len="med"/>
-                      <a:tailEnd type="none" w="med" len="med"/>
-                    </a:lnR>
-                    <a:lnT w="38100" cap="flat" cmpd="sng" algn="ctr">
-                      <a:solidFill>
-                        <a:schemeClr val="tx1"/>
-                      </a:solidFill>
-                      <a:prstDash val="solid"/>
-                      <a:round/>
-                      <a:headEnd type="none" w="med" len="med"/>
-                      <a:tailEnd type="none" w="med" len="med"/>
-                    </a:lnT>
-                    <a:lnB w="38100" cap="flat" cmpd="sng" algn="ctr">
-                      <a:solidFill>
-                        <a:schemeClr val="tx1"/>
-                      </a:solidFill>
-                      <a:prstDash val="solid"/>
-                      <a:round/>
-                      <a:headEnd type="none" w="med" len="med"/>
-                      <a:tailEnd type="none" w="med" len="med"/>
-                    </a:lnB>
-                  </a:tcPr>
-                </a:tc>
-                <a:tc>
-                  <a:txBody>
-                    <a:bodyPr/>
-                    <a:lstStyle/>
-                    <a:p>
-                      <a:pPr algn="ctr"/>
-                      <a:endParaRPr lang="en-US" sz="2400"/>
-                    </a:p>
-                  </a:txBody>
-                  <a:tcPr anchor="ctr">
-                    <a:lnL w="38100" cap="flat" cmpd="sng" algn="ctr">
-                      <a:solidFill>
-                        <a:schemeClr val="tx1"/>
-                      </a:solidFill>
-                      <a:prstDash val="solid"/>
-                      <a:round/>
-                      <a:headEnd type="none" w="med" len="med"/>
-                      <a:tailEnd type="none" w="med" len="med"/>
-                    </a:lnL>
-                    <a:lnR w="38100" cap="flat" cmpd="sng" algn="ctr">
-                      <a:solidFill>
-                        <a:schemeClr val="tx1"/>
-                      </a:solidFill>
-                      <a:prstDash val="solid"/>
-                      <a:round/>
-                      <a:headEnd type="none" w="med" len="med"/>
-                      <a:tailEnd type="none" w="med" len="med"/>
-                    </a:lnR>
-                    <a:lnT w="38100" cap="flat" cmpd="sng" algn="ctr">
-                      <a:solidFill>
-                        <a:schemeClr val="tx1"/>
-                      </a:solidFill>
-                      <a:prstDash val="solid"/>
-                      <a:round/>
-                      <a:headEnd type="none" w="med" len="med"/>
-                      <a:tailEnd type="none" w="med" len="med"/>
-                    </a:lnT>
-                    <a:lnB w="38100" cap="flat" cmpd="sng" algn="ctr">
+                    <a:lnB w="19050" cap="flat" cmpd="sng" algn="ctr">
                       <a:solidFill>
                         <a:schemeClr val="tx1"/>
                       </a:solidFill>
@@ -12020,7 +11766,10 @@
                     <a:lstStyle/>
                     <a:p>
                       <a:pPr algn="ctr"/>
-                      <a:endParaRPr lang="en-US" sz="2400"/>
+                      <a:r>
+                        <a:rPr lang="en-US" sz="4000"/>
+                        <a:t>2</a:t>
+                      </a:r>
                     </a:p>
                   </a:txBody>
                   <a:tcPr anchor="ctr">
@@ -12042,7 +11791,7 @@
                       <a:headEnd type="none" w="med" len="med"/>
                       <a:tailEnd type="none" w="med" len="med"/>
                     </a:lnR>
-                    <a:lnT w="38100" cap="flat" cmpd="sng" algn="ctr">
+                    <a:lnT w="19050" cap="flat" cmpd="sng" algn="ctr">
                       <a:solidFill>
                         <a:schemeClr val="tx1"/>
                       </a:solidFill>
@@ -12051,247 +11800,7 @@
                       <a:headEnd type="none" w="med" len="med"/>
                       <a:tailEnd type="none" w="med" len="med"/>
                     </a:lnT>
-                    <a:lnB w="38100" cap="flat" cmpd="sng" algn="ctr">
-                      <a:solidFill>
-                        <a:schemeClr val="tx1"/>
-                      </a:solidFill>
-                      <a:prstDash val="solid"/>
-                      <a:round/>
-                      <a:headEnd type="none" w="med" len="med"/>
-                      <a:tailEnd type="none" w="med" len="med"/>
-                    </a:lnB>
-                  </a:tcPr>
-                </a:tc>
-                <a:tc>
-                  <a:txBody>
-                    <a:bodyPr/>
-                    <a:lstStyle/>
-                    <a:p>
-                      <a:pPr algn="ctr"/>
-                      <a:endParaRPr lang="en-US" sz="2400"/>
-                    </a:p>
-                  </a:txBody>
-                  <a:tcPr anchor="ctr">
-                    <a:lnL w="38100" cap="flat" cmpd="sng" algn="ctr">
-                      <a:solidFill>
-                        <a:schemeClr val="tx1"/>
-                      </a:solidFill>
-                      <a:prstDash val="solid"/>
-                      <a:round/>
-                      <a:headEnd type="none" w="med" len="med"/>
-                      <a:tailEnd type="none" w="med" len="med"/>
-                    </a:lnL>
-                    <a:lnR w="38100" cap="flat" cmpd="sng" algn="ctr">
-                      <a:solidFill>
-                        <a:schemeClr val="tx1"/>
-                      </a:solidFill>
-                      <a:prstDash val="solid"/>
-                      <a:round/>
-                      <a:headEnd type="none" w="med" len="med"/>
-                      <a:tailEnd type="none" w="med" len="med"/>
-                    </a:lnR>
-                    <a:lnT w="38100" cap="flat" cmpd="sng" algn="ctr">
-                      <a:solidFill>
-                        <a:schemeClr val="tx1"/>
-                      </a:solidFill>
-                      <a:prstDash val="solid"/>
-                      <a:round/>
-                      <a:headEnd type="none" w="med" len="med"/>
-                      <a:tailEnd type="none" w="med" len="med"/>
-                    </a:lnT>
-                    <a:lnB w="38100" cap="flat" cmpd="sng" algn="ctr">
-                      <a:solidFill>
-                        <a:schemeClr val="tx1"/>
-                      </a:solidFill>
-                      <a:prstDash val="solid"/>
-                      <a:round/>
-                      <a:headEnd type="none" w="med" len="med"/>
-                      <a:tailEnd type="none" w="med" len="med"/>
-                    </a:lnB>
-                  </a:tcPr>
-                </a:tc>
-                <a:tc>
-                  <a:txBody>
-                    <a:bodyPr/>
-                    <a:lstStyle/>
-                    <a:p>
-                      <a:pPr algn="ctr"/>
-                      <a:endParaRPr lang="en-US" sz="2400"/>
-                    </a:p>
-                  </a:txBody>
-                  <a:tcPr anchor="ctr">
-                    <a:lnL w="38100" cap="flat" cmpd="sng" algn="ctr">
-                      <a:solidFill>
-                        <a:schemeClr val="tx1"/>
-                      </a:solidFill>
-                      <a:prstDash val="solid"/>
-                      <a:round/>
-                      <a:headEnd type="none" w="med" len="med"/>
-                      <a:tailEnd type="none" w="med" len="med"/>
-                    </a:lnL>
-                    <a:lnR w="38100" cap="flat" cmpd="sng" algn="ctr">
-                      <a:solidFill>
-                        <a:schemeClr val="tx1"/>
-                      </a:solidFill>
-                      <a:prstDash val="solid"/>
-                      <a:round/>
-                      <a:headEnd type="none" w="med" len="med"/>
-                      <a:tailEnd type="none" w="med" len="med"/>
-                    </a:lnR>
-                    <a:lnT w="38100" cap="flat" cmpd="sng" algn="ctr">
-                      <a:solidFill>
-                        <a:schemeClr val="tx1"/>
-                      </a:solidFill>
-                      <a:prstDash val="solid"/>
-                      <a:round/>
-                      <a:headEnd type="none" w="med" len="med"/>
-                      <a:tailEnd type="none" w="med" len="med"/>
-                    </a:lnT>
-                    <a:lnB w="38100" cap="flat" cmpd="sng" algn="ctr">
-                      <a:solidFill>
-                        <a:schemeClr val="tx1"/>
-                      </a:solidFill>
-                      <a:prstDash val="solid"/>
-                      <a:round/>
-                      <a:headEnd type="none" w="med" len="med"/>
-                      <a:tailEnd type="none" w="med" len="med"/>
-                    </a:lnB>
-                  </a:tcPr>
-                </a:tc>
-                <a:tc>
-                  <a:txBody>
-                    <a:bodyPr/>
-                    <a:lstStyle/>
-                    <a:p>
-                      <a:pPr algn="ctr"/>
-                      <a:endParaRPr lang="en-US" sz="2400"/>
-                    </a:p>
-                  </a:txBody>
-                  <a:tcPr anchor="ctr">
-                    <a:lnL w="38100" cap="flat" cmpd="sng" algn="ctr">
-                      <a:solidFill>
-                        <a:schemeClr val="tx1"/>
-                      </a:solidFill>
-                      <a:prstDash val="solid"/>
-                      <a:round/>
-                      <a:headEnd type="none" w="med" len="med"/>
-                      <a:tailEnd type="none" w="med" len="med"/>
-                    </a:lnL>
-                    <a:lnR w="38100" cap="flat" cmpd="sng" algn="ctr">
-                      <a:solidFill>
-                        <a:schemeClr val="tx1"/>
-                      </a:solidFill>
-                      <a:prstDash val="solid"/>
-                      <a:round/>
-                      <a:headEnd type="none" w="med" len="med"/>
-                      <a:tailEnd type="none" w="med" len="med"/>
-                    </a:lnR>
-                    <a:lnT w="38100" cap="flat" cmpd="sng" algn="ctr">
-                      <a:solidFill>
-                        <a:schemeClr val="tx1"/>
-                      </a:solidFill>
-                      <a:prstDash val="solid"/>
-                      <a:round/>
-                      <a:headEnd type="none" w="med" len="med"/>
-                      <a:tailEnd type="none" w="med" len="med"/>
-                    </a:lnT>
-                    <a:lnB w="38100" cap="flat" cmpd="sng" algn="ctr">
-                      <a:solidFill>
-                        <a:schemeClr val="tx1"/>
-                      </a:solidFill>
-                      <a:prstDash val="solid"/>
-                      <a:round/>
-                      <a:headEnd type="none" w="med" len="med"/>
-                      <a:tailEnd type="none" w="med" len="med"/>
-                    </a:lnB>
-                  </a:tcPr>
-                </a:tc>
-                <a:tc>
-                  <a:txBody>
-                    <a:bodyPr/>
-                    <a:lstStyle/>
-                    <a:p>
-                      <a:pPr algn="ctr"/>
-                      <a:endParaRPr lang="en-US" sz="2400"/>
-                    </a:p>
-                  </a:txBody>
-                  <a:tcPr anchor="ctr">
-                    <a:lnL w="38100" cap="flat" cmpd="sng" algn="ctr">
-                      <a:solidFill>
-                        <a:schemeClr val="tx1"/>
-                      </a:solidFill>
-                      <a:prstDash val="solid"/>
-                      <a:round/>
-                      <a:headEnd type="none" w="med" len="med"/>
-                      <a:tailEnd type="none" w="med" len="med"/>
-                    </a:lnL>
-                    <a:lnR w="38100" cap="flat" cmpd="sng" algn="ctr">
-                      <a:solidFill>
-                        <a:schemeClr val="tx1"/>
-                      </a:solidFill>
-                      <a:prstDash val="solid"/>
-                      <a:round/>
-                      <a:headEnd type="none" w="med" len="med"/>
-                      <a:tailEnd type="none" w="med" len="med"/>
-                    </a:lnR>
-                    <a:lnT w="38100" cap="flat" cmpd="sng" algn="ctr">
-                      <a:solidFill>
-                        <a:schemeClr val="tx1"/>
-                      </a:solidFill>
-                      <a:prstDash val="solid"/>
-                      <a:round/>
-                      <a:headEnd type="none" w="med" len="med"/>
-                      <a:tailEnd type="none" w="med" len="med"/>
-                    </a:lnT>
-                    <a:lnB w="38100" cap="flat" cmpd="sng" algn="ctr">
-                      <a:solidFill>
-                        <a:schemeClr val="tx1"/>
-                      </a:solidFill>
-                      <a:prstDash val="solid"/>
-                      <a:round/>
-                      <a:headEnd type="none" w="med" len="med"/>
-                      <a:tailEnd type="none" w="med" len="med"/>
-                    </a:lnB>
-                  </a:tcPr>
-                </a:tc>
-                <a:tc>
-                  <a:txBody>
-                    <a:bodyPr/>
-                    <a:lstStyle/>
-                    <a:p>
-                      <a:pPr algn="ctr"/>
-                      <a:endParaRPr lang="en-US" sz="2400"/>
-                    </a:p>
-                  </a:txBody>
-                  <a:tcPr anchor="ctr">
-                    <a:lnL w="38100" cap="flat" cmpd="sng" algn="ctr">
-                      <a:solidFill>
-                        <a:schemeClr val="tx1"/>
-                      </a:solidFill>
-                      <a:prstDash val="solid"/>
-                      <a:round/>
-                      <a:headEnd type="none" w="med" len="med"/>
-                      <a:tailEnd type="none" w="med" len="med"/>
-                    </a:lnL>
-                    <a:lnR w="38100" cap="flat" cmpd="sng" algn="ctr">
-                      <a:solidFill>
-                        <a:schemeClr val="tx1"/>
-                      </a:solidFill>
-                      <a:prstDash val="solid"/>
-                      <a:round/>
-                      <a:headEnd type="none" w="med" len="med"/>
-                      <a:tailEnd type="none" w="med" len="med"/>
-                    </a:lnR>
-                    <a:lnT w="38100" cap="flat" cmpd="sng" algn="ctr">
-                      <a:solidFill>
-                        <a:schemeClr val="tx1"/>
-                      </a:solidFill>
-                      <a:prstDash val="solid"/>
-                      <a:round/>
-                      <a:headEnd type="none" w="med" len="med"/>
-                      <a:tailEnd type="none" w="med" len="med"/>
-                    </a:lnT>
-                    <a:lnB w="38100" cap="flat" cmpd="sng" algn="ctr">
+                    <a:lnB w="19050" cap="flat" cmpd="sng" algn="ctr">
                       <a:solidFill>
                         <a:schemeClr val="tx1"/>
                       </a:solidFill>
@@ -12315,7 +11824,10 @@
                     <a:lstStyle/>
                     <a:p>
                       <a:pPr algn="ctr"/>
-                      <a:endParaRPr lang="en-US" sz="2400"/>
+                      <a:r>
+                        <a:rPr lang="en-US" sz="4000"/>
+                        <a:t>3</a:t>
+                      </a:r>
                     </a:p>
                   </a:txBody>
                   <a:tcPr anchor="ctr">
@@ -12337,7 +11849,7 @@
                       <a:headEnd type="none" w="med" len="med"/>
                       <a:tailEnd type="none" w="med" len="med"/>
                     </a:lnR>
-                    <a:lnT w="38100" cap="flat" cmpd="sng" algn="ctr">
+                    <a:lnT w="19050" cap="flat" cmpd="sng" algn="ctr">
                       <a:solidFill>
                         <a:schemeClr val="tx1"/>
                       </a:solidFill>
@@ -12346,247 +11858,7 @@
                       <a:headEnd type="none" w="med" len="med"/>
                       <a:tailEnd type="none" w="med" len="med"/>
                     </a:lnT>
-                    <a:lnB w="38100" cap="flat" cmpd="sng" algn="ctr">
-                      <a:solidFill>
-                        <a:schemeClr val="tx1"/>
-                      </a:solidFill>
-                      <a:prstDash val="solid"/>
-                      <a:round/>
-                      <a:headEnd type="none" w="med" len="med"/>
-                      <a:tailEnd type="none" w="med" len="med"/>
-                    </a:lnB>
-                  </a:tcPr>
-                </a:tc>
-                <a:tc>
-                  <a:txBody>
-                    <a:bodyPr/>
-                    <a:lstStyle/>
-                    <a:p>
-                      <a:pPr algn="ctr"/>
-                      <a:endParaRPr lang="en-US" sz="2400"/>
-                    </a:p>
-                  </a:txBody>
-                  <a:tcPr anchor="ctr">
-                    <a:lnL w="38100" cap="flat" cmpd="sng" algn="ctr">
-                      <a:solidFill>
-                        <a:schemeClr val="tx1"/>
-                      </a:solidFill>
-                      <a:prstDash val="solid"/>
-                      <a:round/>
-                      <a:headEnd type="none" w="med" len="med"/>
-                      <a:tailEnd type="none" w="med" len="med"/>
-                    </a:lnL>
-                    <a:lnR w="38100" cap="flat" cmpd="sng" algn="ctr">
-                      <a:solidFill>
-                        <a:schemeClr val="tx1"/>
-                      </a:solidFill>
-                      <a:prstDash val="solid"/>
-                      <a:round/>
-                      <a:headEnd type="none" w="med" len="med"/>
-                      <a:tailEnd type="none" w="med" len="med"/>
-                    </a:lnR>
-                    <a:lnT w="38100" cap="flat" cmpd="sng" algn="ctr">
-                      <a:solidFill>
-                        <a:schemeClr val="tx1"/>
-                      </a:solidFill>
-                      <a:prstDash val="solid"/>
-                      <a:round/>
-                      <a:headEnd type="none" w="med" len="med"/>
-                      <a:tailEnd type="none" w="med" len="med"/>
-                    </a:lnT>
-                    <a:lnB w="38100" cap="flat" cmpd="sng" algn="ctr">
-                      <a:solidFill>
-                        <a:schemeClr val="tx1"/>
-                      </a:solidFill>
-                      <a:prstDash val="solid"/>
-                      <a:round/>
-                      <a:headEnd type="none" w="med" len="med"/>
-                      <a:tailEnd type="none" w="med" len="med"/>
-                    </a:lnB>
-                  </a:tcPr>
-                </a:tc>
-                <a:tc>
-                  <a:txBody>
-                    <a:bodyPr/>
-                    <a:lstStyle/>
-                    <a:p>
-                      <a:pPr algn="ctr"/>
-                      <a:endParaRPr lang="en-US" sz="2400"/>
-                    </a:p>
-                  </a:txBody>
-                  <a:tcPr anchor="ctr">
-                    <a:lnL w="38100" cap="flat" cmpd="sng" algn="ctr">
-                      <a:solidFill>
-                        <a:schemeClr val="tx1"/>
-                      </a:solidFill>
-                      <a:prstDash val="solid"/>
-                      <a:round/>
-                      <a:headEnd type="none" w="med" len="med"/>
-                      <a:tailEnd type="none" w="med" len="med"/>
-                    </a:lnL>
-                    <a:lnR w="38100" cap="flat" cmpd="sng" algn="ctr">
-                      <a:solidFill>
-                        <a:schemeClr val="tx1"/>
-                      </a:solidFill>
-                      <a:prstDash val="solid"/>
-                      <a:round/>
-                      <a:headEnd type="none" w="med" len="med"/>
-                      <a:tailEnd type="none" w="med" len="med"/>
-                    </a:lnR>
-                    <a:lnT w="38100" cap="flat" cmpd="sng" algn="ctr">
-                      <a:solidFill>
-                        <a:schemeClr val="tx1"/>
-                      </a:solidFill>
-                      <a:prstDash val="solid"/>
-                      <a:round/>
-                      <a:headEnd type="none" w="med" len="med"/>
-                      <a:tailEnd type="none" w="med" len="med"/>
-                    </a:lnT>
-                    <a:lnB w="38100" cap="flat" cmpd="sng" algn="ctr">
-                      <a:solidFill>
-                        <a:schemeClr val="tx1"/>
-                      </a:solidFill>
-                      <a:prstDash val="solid"/>
-                      <a:round/>
-                      <a:headEnd type="none" w="med" len="med"/>
-                      <a:tailEnd type="none" w="med" len="med"/>
-                    </a:lnB>
-                  </a:tcPr>
-                </a:tc>
-                <a:tc>
-                  <a:txBody>
-                    <a:bodyPr/>
-                    <a:lstStyle/>
-                    <a:p>
-                      <a:pPr algn="ctr"/>
-                      <a:endParaRPr lang="en-US" sz="2400"/>
-                    </a:p>
-                  </a:txBody>
-                  <a:tcPr anchor="ctr">
-                    <a:lnL w="38100" cap="flat" cmpd="sng" algn="ctr">
-                      <a:solidFill>
-                        <a:schemeClr val="tx1"/>
-                      </a:solidFill>
-                      <a:prstDash val="solid"/>
-                      <a:round/>
-                      <a:headEnd type="none" w="med" len="med"/>
-                      <a:tailEnd type="none" w="med" len="med"/>
-                    </a:lnL>
-                    <a:lnR w="38100" cap="flat" cmpd="sng" algn="ctr">
-                      <a:solidFill>
-                        <a:schemeClr val="tx1"/>
-                      </a:solidFill>
-                      <a:prstDash val="solid"/>
-                      <a:round/>
-                      <a:headEnd type="none" w="med" len="med"/>
-                      <a:tailEnd type="none" w="med" len="med"/>
-                    </a:lnR>
-                    <a:lnT w="38100" cap="flat" cmpd="sng" algn="ctr">
-                      <a:solidFill>
-                        <a:schemeClr val="tx1"/>
-                      </a:solidFill>
-                      <a:prstDash val="solid"/>
-                      <a:round/>
-                      <a:headEnd type="none" w="med" len="med"/>
-                      <a:tailEnd type="none" w="med" len="med"/>
-                    </a:lnT>
-                    <a:lnB w="38100" cap="flat" cmpd="sng" algn="ctr">
-                      <a:solidFill>
-                        <a:schemeClr val="tx1"/>
-                      </a:solidFill>
-                      <a:prstDash val="solid"/>
-                      <a:round/>
-                      <a:headEnd type="none" w="med" len="med"/>
-                      <a:tailEnd type="none" w="med" len="med"/>
-                    </a:lnB>
-                  </a:tcPr>
-                </a:tc>
-                <a:tc>
-                  <a:txBody>
-                    <a:bodyPr/>
-                    <a:lstStyle/>
-                    <a:p>
-                      <a:pPr algn="ctr"/>
-                      <a:endParaRPr lang="en-US" sz="2400"/>
-                    </a:p>
-                  </a:txBody>
-                  <a:tcPr anchor="ctr">
-                    <a:lnL w="38100" cap="flat" cmpd="sng" algn="ctr">
-                      <a:solidFill>
-                        <a:schemeClr val="tx1"/>
-                      </a:solidFill>
-                      <a:prstDash val="solid"/>
-                      <a:round/>
-                      <a:headEnd type="none" w="med" len="med"/>
-                      <a:tailEnd type="none" w="med" len="med"/>
-                    </a:lnL>
-                    <a:lnR w="38100" cap="flat" cmpd="sng" algn="ctr">
-                      <a:solidFill>
-                        <a:schemeClr val="tx1"/>
-                      </a:solidFill>
-                      <a:prstDash val="solid"/>
-                      <a:round/>
-                      <a:headEnd type="none" w="med" len="med"/>
-                      <a:tailEnd type="none" w="med" len="med"/>
-                    </a:lnR>
-                    <a:lnT w="38100" cap="flat" cmpd="sng" algn="ctr">
-                      <a:solidFill>
-                        <a:schemeClr val="tx1"/>
-                      </a:solidFill>
-                      <a:prstDash val="solid"/>
-                      <a:round/>
-                      <a:headEnd type="none" w="med" len="med"/>
-                      <a:tailEnd type="none" w="med" len="med"/>
-                    </a:lnT>
-                    <a:lnB w="38100" cap="flat" cmpd="sng" algn="ctr">
-                      <a:solidFill>
-                        <a:schemeClr val="tx1"/>
-                      </a:solidFill>
-                      <a:prstDash val="solid"/>
-                      <a:round/>
-                      <a:headEnd type="none" w="med" len="med"/>
-                      <a:tailEnd type="none" w="med" len="med"/>
-                    </a:lnB>
-                  </a:tcPr>
-                </a:tc>
-                <a:tc>
-                  <a:txBody>
-                    <a:bodyPr/>
-                    <a:lstStyle/>
-                    <a:p>
-                      <a:pPr algn="ctr"/>
-                      <a:endParaRPr lang="en-US" sz="2400"/>
-                    </a:p>
-                  </a:txBody>
-                  <a:tcPr anchor="ctr">
-                    <a:lnL w="38100" cap="flat" cmpd="sng" algn="ctr">
-                      <a:solidFill>
-                        <a:schemeClr val="tx1"/>
-                      </a:solidFill>
-                      <a:prstDash val="solid"/>
-                      <a:round/>
-                      <a:headEnd type="none" w="med" len="med"/>
-                      <a:tailEnd type="none" w="med" len="med"/>
-                    </a:lnL>
-                    <a:lnR w="38100" cap="flat" cmpd="sng" algn="ctr">
-                      <a:solidFill>
-                        <a:schemeClr val="tx1"/>
-                      </a:solidFill>
-                      <a:prstDash val="solid"/>
-                      <a:round/>
-                      <a:headEnd type="none" w="med" len="med"/>
-                      <a:tailEnd type="none" w="med" len="med"/>
-                    </a:lnR>
-                    <a:lnT w="38100" cap="flat" cmpd="sng" algn="ctr">
-                      <a:solidFill>
-                        <a:schemeClr val="tx1"/>
-                      </a:solidFill>
-                      <a:prstDash val="solid"/>
-                      <a:round/>
-                      <a:headEnd type="none" w="med" len="med"/>
-                      <a:tailEnd type="none" w="med" len="med"/>
-                    </a:lnT>
-                    <a:lnB w="38100" cap="flat" cmpd="sng" algn="ctr">
+                    <a:lnB w="19050" cap="flat" cmpd="sng" algn="ctr">
                       <a:solidFill>
                         <a:schemeClr val="tx1"/>
                       </a:solidFill>
@@ -12610,7 +11882,10 @@
                     <a:lstStyle/>
                     <a:p>
                       <a:pPr algn="ctr"/>
-                      <a:endParaRPr lang="en-US" sz="2400"/>
+                      <a:r>
+                        <a:rPr lang="en-US" sz="4000"/>
+                        <a:t>4</a:t>
+                      </a:r>
                     </a:p>
                   </a:txBody>
                   <a:tcPr anchor="ctr">
@@ -12632,7 +11907,7 @@
                       <a:headEnd type="none" w="med" len="med"/>
                       <a:tailEnd type="none" w="med" len="med"/>
                     </a:lnR>
-                    <a:lnT w="38100" cap="flat" cmpd="sng" algn="ctr">
+                    <a:lnT w="19050" cap="flat" cmpd="sng" algn="ctr">
                       <a:solidFill>
                         <a:schemeClr val="tx1"/>
                       </a:solidFill>
@@ -12641,247 +11916,7 @@
                       <a:headEnd type="none" w="med" len="med"/>
                       <a:tailEnd type="none" w="med" len="med"/>
                     </a:lnT>
-                    <a:lnB w="38100" cap="flat" cmpd="sng" algn="ctr">
-                      <a:solidFill>
-                        <a:schemeClr val="tx1"/>
-                      </a:solidFill>
-                      <a:prstDash val="solid"/>
-                      <a:round/>
-                      <a:headEnd type="none" w="med" len="med"/>
-                      <a:tailEnd type="none" w="med" len="med"/>
-                    </a:lnB>
-                  </a:tcPr>
-                </a:tc>
-                <a:tc>
-                  <a:txBody>
-                    <a:bodyPr/>
-                    <a:lstStyle/>
-                    <a:p>
-                      <a:pPr algn="ctr"/>
-                      <a:endParaRPr lang="en-US" sz="2400"/>
-                    </a:p>
-                  </a:txBody>
-                  <a:tcPr anchor="ctr">
-                    <a:lnL w="38100" cap="flat" cmpd="sng" algn="ctr">
-                      <a:solidFill>
-                        <a:schemeClr val="tx1"/>
-                      </a:solidFill>
-                      <a:prstDash val="solid"/>
-                      <a:round/>
-                      <a:headEnd type="none" w="med" len="med"/>
-                      <a:tailEnd type="none" w="med" len="med"/>
-                    </a:lnL>
-                    <a:lnR w="38100" cap="flat" cmpd="sng" algn="ctr">
-                      <a:solidFill>
-                        <a:schemeClr val="tx1"/>
-                      </a:solidFill>
-                      <a:prstDash val="solid"/>
-                      <a:round/>
-                      <a:headEnd type="none" w="med" len="med"/>
-                      <a:tailEnd type="none" w="med" len="med"/>
-                    </a:lnR>
-                    <a:lnT w="38100" cap="flat" cmpd="sng" algn="ctr">
-                      <a:solidFill>
-                        <a:schemeClr val="tx1"/>
-                      </a:solidFill>
-                      <a:prstDash val="solid"/>
-                      <a:round/>
-                      <a:headEnd type="none" w="med" len="med"/>
-                      <a:tailEnd type="none" w="med" len="med"/>
-                    </a:lnT>
-                    <a:lnB w="38100" cap="flat" cmpd="sng" algn="ctr">
-                      <a:solidFill>
-                        <a:schemeClr val="tx1"/>
-                      </a:solidFill>
-                      <a:prstDash val="solid"/>
-                      <a:round/>
-                      <a:headEnd type="none" w="med" len="med"/>
-                      <a:tailEnd type="none" w="med" len="med"/>
-                    </a:lnB>
-                  </a:tcPr>
-                </a:tc>
-                <a:tc>
-                  <a:txBody>
-                    <a:bodyPr/>
-                    <a:lstStyle/>
-                    <a:p>
-                      <a:pPr algn="ctr"/>
-                      <a:endParaRPr lang="en-US" sz="2400"/>
-                    </a:p>
-                  </a:txBody>
-                  <a:tcPr anchor="ctr">
-                    <a:lnL w="38100" cap="flat" cmpd="sng" algn="ctr">
-                      <a:solidFill>
-                        <a:schemeClr val="tx1"/>
-                      </a:solidFill>
-                      <a:prstDash val="solid"/>
-                      <a:round/>
-                      <a:headEnd type="none" w="med" len="med"/>
-                      <a:tailEnd type="none" w="med" len="med"/>
-                    </a:lnL>
-                    <a:lnR w="38100" cap="flat" cmpd="sng" algn="ctr">
-                      <a:solidFill>
-                        <a:schemeClr val="tx1"/>
-                      </a:solidFill>
-                      <a:prstDash val="solid"/>
-                      <a:round/>
-                      <a:headEnd type="none" w="med" len="med"/>
-                      <a:tailEnd type="none" w="med" len="med"/>
-                    </a:lnR>
-                    <a:lnT w="38100" cap="flat" cmpd="sng" algn="ctr">
-                      <a:solidFill>
-                        <a:schemeClr val="tx1"/>
-                      </a:solidFill>
-                      <a:prstDash val="solid"/>
-                      <a:round/>
-                      <a:headEnd type="none" w="med" len="med"/>
-                      <a:tailEnd type="none" w="med" len="med"/>
-                    </a:lnT>
-                    <a:lnB w="38100" cap="flat" cmpd="sng" algn="ctr">
-                      <a:solidFill>
-                        <a:schemeClr val="tx1"/>
-                      </a:solidFill>
-                      <a:prstDash val="solid"/>
-                      <a:round/>
-                      <a:headEnd type="none" w="med" len="med"/>
-                      <a:tailEnd type="none" w="med" len="med"/>
-                    </a:lnB>
-                  </a:tcPr>
-                </a:tc>
-                <a:tc>
-                  <a:txBody>
-                    <a:bodyPr/>
-                    <a:lstStyle/>
-                    <a:p>
-                      <a:pPr algn="ctr"/>
-                      <a:endParaRPr lang="en-US" sz="2400"/>
-                    </a:p>
-                  </a:txBody>
-                  <a:tcPr anchor="ctr">
-                    <a:lnL w="38100" cap="flat" cmpd="sng" algn="ctr">
-                      <a:solidFill>
-                        <a:schemeClr val="tx1"/>
-                      </a:solidFill>
-                      <a:prstDash val="solid"/>
-                      <a:round/>
-                      <a:headEnd type="none" w="med" len="med"/>
-                      <a:tailEnd type="none" w="med" len="med"/>
-                    </a:lnL>
-                    <a:lnR w="38100" cap="flat" cmpd="sng" algn="ctr">
-                      <a:solidFill>
-                        <a:schemeClr val="tx1"/>
-                      </a:solidFill>
-                      <a:prstDash val="solid"/>
-                      <a:round/>
-                      <a:headEnd type="none" w="med" len="med"/>
-                      <a:tailEnd type="none" w="med" len="med"/>
-                    </a:lnR>
-                    <a:lnT w="38100" cap="flat" cmpd="sng" algn="ctr">
-                      <a:solidFill>
-                        <a:schemeClr val="tx1"/>
-                      </a:solidFill>
-                      <a:prstDash val="solid"/>
-                      <a:round/>
-                      <a:headEnd type="none" w="med" len="med"/>
-                      <a:tailEnd type="none" w="med" len="med"/>
-                    </a:lnT>
-                    <a:lnB w="38100" cap="flat" cmpd="sng" algn="ctr">
-                      <a:solidFill>
-                        <a:schemeClr val="tx1"/>
-                      </a:solidFill>
-                      <a:prstDash val="solid"/>
-                      <a:round/>
-                      <a:headEnd type="none" w="med" len="med"/>
-                      <a:tailEnd type="none" w="med" len="med"/>
-                    </a:lnB>
-                  </a:tcPr>
-                </a:tc>
-                <a:tc>
-                  <a:txBody>
-                    <a:bodyPr/>
-                    <a:lstStyle/>
-                    <a:p>
-                      <a:pPr algn="ctr"/>
-                      <a:endParaRPr lang="en-US" sz="2400"/>
-                    </a:p>
-                  </a:txBody>
-                  <a:tcPr anchor="ctr">
-                    <a:lnL w="38100" cap="flat" cmpd="sng" algn="ctr">
-                      <a:solidFill>
-                        <a:schemeClr val="tx1"/>
-                      </a:solidFill>
-                      <a:prstDash val="solid"/>
-                      <a:round/>
-                      <a:headEnd type="none" w="med" len="med"/>
-                      <a:tailEnd type="none" w="med" len="med"/>
-                    </a:lnL>
-                    <a:lnR w="38100" cap="flat" cmpd="sng" algn="ctr">
-                      <a:solidFill>
-                        <a:schemeClr val="tx1"/>
-                      </a:solidFill>
-                      <a:prstDash val="solid"/>
-                      <a:round/>
-                      <a:headEnd type="none" w="med" len="med"/>
-                      <a:tailEnd type="none" w="med" len="med"/>
-                    </a:lnR>
-                    <a:lnT w="38100" cap="flat" cmpd="sng" algn="ctr">
-                      <a:solidFill>
-                        <a:schemeClr val="tx1"/>
-                      </a:solidFill>
-                      <a:prstDash val="solid"/>
-                      <a:round/>
-                      <a:headEnd type="none" w="med" len="med"/>
-                      <a:tailEnd type="none" w="med" len="med"/>
-                    </a:lnT>
-                    <a:lnB w="38100" cap="flat" cmpd="sng" algn="ctr">
-                      <a:solidFill>
-                        <a:schemeClr val="tx1"/>
-                      </a:solidFill>
-                      <a:prstDash val="solid"/>
-                      <a:round/>
-                      <a:headEnd type="none" w="med" len="med"/>
-                      <a:tailEnd type="none" w="med" len="med"/>
-                    </a:lnB>
-                  </a:tcPr>
-                </a:tc>
-                <a:tc>
-                  <a:txBody>
-                    <a:bodyPr/>
-                    <a:lstStyle/>
-                    <a:p>
-                      <a:pPr algn="ctr"/>
-                      <a:endParaRPr lang="en-US" sz="2400"/>
-                    </a:p>
-                  </a:txBody>
-                  <a:tcPr anchor="ctr">
-                    <a:lnL w="38100" cap="flat" cmpd="sng" algn="ctr">
-                      <a:solidFill>
-                        <a:schemeClr val="tx1"/>
-                      </a:solidFill>
-                      <a:prstDash val="solid"/>
-                      <a:round/>
-                      <a:headEnd type="none" w="med" len="med"/>
-                      <a:tailEnd type="none" w="med" len="med"/>
-                    </a:lnL>
-                    <a:lnR w="38100" cap="flat" cmpd="sng" algn="ctr">
-                      <a:solidFill>
-                        <a:schemeClr val="tx1"/>
-                      </a:solidFill>
-                      <a:prstDash val="solid"/>
-                      <a:round/>
-                      <a:headEnd type="none" w="med" len="med"/>
-                      <a:tailEnd type="none" w="med" len="med"/>
-                    </a:lnR>
-                    <a:lnT w="38100" cap="flat" cmpd="sng" algn="ctr">
-                      <a:solidFill>
-                        <a:schemeClr val="tx1"/>
-                      </a:solidFill>
-                      <a:prstDash val="solid"/>
-                      <a:round/>
-                      <a:headEnd type="none" w="med" len="med"/>
-                      <a:tailEnd type="none" w="med" len="med"/>
-                    </a:lnT>
-                    <a:lnB w="38100" cap="flat" cmpd="sng" algn="ctr">
+                    <a:lnB w="19050" cap="flat" cmpd="sng" algn="ctr">
                       <a:solidFill>
                         <a:schemeClr val="tx1"/>
                       </a:solidFill>
@@ -12905,7 +11940,10 @@
                     <a:lstStyle/>
                     <a:p>
                       <a:pPr algn="ctr"/>
-                      <a:endParaRPr lang="en-US" sz="2400"/>
+                      <a:r>
+                        <a:rPr lang="en-US" sz="4000"/>
+                        <a:t>5</a:t>
+                      </a:r>
                     </a:p>
                   </a:txBody>
                   <a:tcPr anchor="ctr">
@@ -12927,7 +11965,7 @@
                       <a:headEnd type="none" w="med" len="med"/>
                       <a:tailEnd type="none" w="med" len="med"/>
                     </a:lnR>
-                    <a:lnT w="38100" cap="flat" cmpd="sng" algn="ctr">
+                    <a:lnT w="19050" cap="flat" cmpd="sng" algn="ctr">
                       <a:solidFill>
                         <a:schemeClr val="tx1"/>
                       </a:solidFill>
@@ -12936,247 +11974,7 @@
                       <a:headEnd type="none" w="med" len="med"/>
                       <a:tailEnd type="none" w="med" len="med"/>
                     </a:lnT>
-                    <a:lnB w="38100" cap="flat" cmpd="sng" algn="ctr">
-                      <a:solidFill>
-                        <a:schemeClr val="tx1"/>
-                      </a:solidFill>
-                      <a:prstDash val="solid"/>
-                      <a:round/>
-                      <a:headEnd type="none" w="med" len="med"/>
-                      <a:tailEnd type="none" w="med" len="med"/>
-                    </a:lnB>
-                  </a:tcPr>
-                </a:tc>
-                <a:tc>
-                  <a:txBody>
-                    <a:bodyPr/>
-                    <a:lstStyle/>
-                    <a:p>
-                      <a:pPr algn="ctr"/>
-                      <a:endParaRPr lang="en-US" sz="2400"/>
-                    </a:p>
-                  </a:txBody>
-                  <a:tcPr anchor="ctr">
-                    <a:lnL w="38100" cap="flat" cmpd="sng" algn="ctr">
-                      <a:solidFill>
-                        <a:schemeClr val="tx1"/>
-                      </a:solidFill>
-                      <a:prstDash val="solid"/>
-                      <a:round/>
-                      <a:headEnd type="none" w="med" len="med"/>
-                      <a:tailEnd type="none" w="med" len="med"/>
-                    </a:lnL>
-                    <a:lnR w="38100" cap="flat" cmpd="sng" algn="ctr">
-                      <a:solidFill>
-                        <a:schemeClr val="tx1"/>
-                      </a:solidFill>
-                      <a:prstDash val="solid"/>
-                      <a:round/>
-                      <a:headEnd type="none" w="med" len="med"/>
-                      <a:tailEnd type="none" w="med" len="med"/>
-                    </a:lnR>
-                    <a:lnT w="38100" cap="flat" cmpd="sng" algn="ctr">
-                      <a:solidFill>
-                        <a:schemeClr val="tx1"/>
-                      </a:solidFill>
-                      <a:prstDash val="solid"/>
-                      <a:round/>
-                      <a:headEnd type="none" w="med" len="med"/>
-                      <a:tailEnd type="none" w="med" len="med"/>
-                    </a:lnT>
-                    <a:lnB w="38100" cap="flat" cmpd="sng" algn="ctr">
-                      <a:solidFill>
-                        <a:schemeClr val="tx1"/>
-                      </a:solidFill>
-                      <a:prstDash val="solid"/>
-                      <a:round/>
-                      <a:headEnd type="none" w="med" len="med"/>
-                      <a:tailEnd type="none" w="med" len="med"/>
-                    </a:lnB>
-                  </a:tcPr>
-                </a:tc>
-                <a:tc>
-                  <a:txBody>
-                    <a:bodyPr/>
-                    <a:lstStyle/>
-                    <a:p>
-                      <a:pPr algn="ctr"/>
-                      <a:endParaRPr lang="en-US" sz="2400"/>
-                    </a:p>
-                  </a:txBody>
-                  <a:tcPr anchor="ctr">
-                    <a:lnL w="38100" cap="flat" cmpd="sng" algn="ctr">
-                      <a:solidFill>
-                        <a:schemeClr val="tx1"/>
-                      </a:solidFill>
-                      <a:prstDash val="solid"/>
-                      <a:round/>
-                      <a:headEnd type="none" w="med" len="med"/>
-                      <a:tailEnd type="none" w="med" len="med"/>
-                    </a:lnL>
-                    <a:lnR w="38100" cap="flat" cmpd="sng" algn="ctr">
-                      <a:solidFill>
-                        <a:schemeClr val="tx1"/>
-                      </a:solidFill>
-                      <a:prstDash val="solid"/>
-                      <a:round/>
-                      <a:headEnd type="none" w="med" len="med"/>
-                      <a:tailEnd type="none" w="med" len="med"/>
-                    </a:lnR>
-                    <a:lnT w="38100" cap="flat" cmpd="sng" algn="ctr">
-                      <a:solidFill>
-                        <a:schemeClr val="tx1"/>
-                      </a:solidFill>
-                      <a:prstDash val="solid"/>
-                      <a:round/>
-                      <a:headEnd type="none" w="med" len="med"/>
-                      <a:tailEnd type="none" w="med" len="med"/>
-                    </a:lnT>
-                    <a:lnB w="38100" cap="flat" cmpd="sng" algn="ctr">
-                      <a:solidFill>
-                        <a:schemeClr val="tx1"/>
-                      </a:solidFill>
-                      <a:prstDash val="solid"/>
-                      <a:round/>
-                      <a:headEnd type="none" w="med" len="med"/>
-                      <a:tailEnd type="none" w="med" len="med"/>
-                    </a:lnB>
-                  </a:tcPr>
-                </a:tc>
-                <a:tc>
-                  <a:txBody>
-                    <a:bodyPr/>
-                    <a:lstStyle/>
-                    <a:p>
-                      <a:pPr algn="ctr"/>
-                      <a:endParaRPr lang="en-US" sz="2400"/>
-                    </a:p>
-                  </a:txBody>
-                  <a:tcPr anchor="ctr">
-                    <a:lnL w="38100" cap="flat" cmpd="sng" algn="ctr">
-                      <a:solidFill>
-                        <a:schemeClr val="tx1"/>
-                      </a:solidFill>
-                      <a:prstDash val="solid"/>
-                      <a:round/>
-                      <a:headEnd type="none" w="med" len="med"/>
-                      <a:tailEnd type="none" w="med" len="med"/>
-                    </a:lnL>
-                    <a:lnR w="38100" cap="flat" cmpd="sng" algn="ctr">
-                      <a:solidFill>
-                        <a:schemeClr val="tx1"/>
-                      </a:solidFill>
-                      <a:prstDash val="solid"/>
-                      <a:round/>
-                      <a:headEnd type="none" w="med" len="med"/>
-                      <a:tailEnd type="none" w="med" len="med"/>
-                    </a:lnR>
-                    <a:lnT w="38100" cap="flat" cmpd="sng" algn="ctr">
-                      <a:solidFill>
-                        <a:schemeClr val="tx1"/>
-                      </a:solidFill>
-                      <a:prstDash val="solid"/>
-                      <a:round/>
-                      <a:headEnd type="none" w="med" len="med"/>
-                      <a:tailEnd type="none" w="med" len="med"/>
-                    </a:lnT>
-                    <a:lnB w="38100" cap="flat" cmpd="sng" algn="ctr">
-                      <a:solidFill>
-                        <a:schemeClr val="tx1"/>
-                      </a:solidFill>
-                      <a:prstDash val="solid"/>
-                      <a:round/>
-                      <a:headEnd type="none" w="med" len="med"/>
-                      <a:tailEnd type="none" w="med" len="med"/>
-                    </a:lnB>
-                  </a:tcPr>
-                </a:tc>
-                <a:tc>
-                  <a:txBody>
-                    <a:bodyPr/>
-                    <a:lstStyle/>
-                    <a:p>
-                      <a:pPr algn="ctr"/>
-                      <a:endParaRPr lang="en-US" sz="2400"/>
-                    </a:p>
-                  </a:txBody>
-                  <a:tcPr anchor="ctr">
-                    <a:lnL w="38100" cap="flat" cmpd="sng" algn="ctr">
-                      <a:solidFill>
-                        <a:schemeClr val="tx1"/>
-                      </a:solidFill>
-                      <a:prstDash val="solid"/>
-                      <a:round/>
-                      <a:headEnd type="none" w="med" len="med"/>
-                      <a:tailEnd type="none" w="med" len="med"/>
-                    </a:lnL>
-                    <a:lnR w="38100" cap="flat" cmpd="sng" algn="ctr">
-                      <a:solidFill>
-                        <a:schemeClr val="tx1"/>
-                      </a:solidFill>
-                      <a:prstDash val="solid"/>
-                      <a:round/>
-                      <a:headEnd type="none" w="med" len="med"/>
-                      <a:tailEnd type="none" w="med" len="med"/>
-                    </a:lnR>
-                    <a:lnT w="38100" cap="flat" cmpd="sng" algn="ctr">
-                      <a:solidFill>
-                        <a:schemeClr val="tx1"/>
-                      </a:solidFill>
-                      <a:prstDash val="solid"/>
-                      <a:round/>
-                      <a:headEnd type="none" w="med" len="med"/>
-                      <a:tailEnd type="none" w="med" len="med"/>
-                    </a:lnT>
-                    <a:lnB w="38100" cap="flat" cmpd="sng" algn="ctr">
-                      <a:solidFill>
-                        <a:schemeClr val="tx1"/>
-                      </a:solidFill>
-                      <a:prstDash val="solid"/>
-                      <a:round/>
-                      <a:headEnd type="none" w="med" len="med"/>
-                      <a:tailEnd type="none" w="med" len="med"/>
-                    </a:lnB>
-                  </a:tcPr>
-                </a:tc>
-                <a:tc>
-                  <a:txBody>
-                    <a:bodyPr/>
-                    <a:lstStyle/>
-                    <a:p>
-                      <a:pPr algn="ctr"/>
-                      <a:endParaRPr lang="en-US" sz="2400"/>
-                    </a:p>
-                  </a:txBody>
-                  <a:tcPr anchor="ctr">
-                    <a:lnL w="38100" cap="flat" cmpd="sng" algn="ctr">
-                      <a:solidFill>
-                        <a:schemeClr val="tx1"/>
-                      </a:solidFill>
-                      <a:prstDash val="solid"/>
-                      <a:round/>
-                      <a:headEnd type="none" w="med" len="med"/>
-                      <a:tailEnd type="none" w="med" len="med"/>
-                    </a:lnL>
-                    <a:lnR w="38100" cap="flat" cmpd="sng" algn="ctr">
-                      <a:solidFill>
-                        <a:schemeClr val="tx1"/>
-                      </a:solidFill>
-                      <a:prstDash val="solid"/>
-                      <a:round/>
-                      <a:headEnd type="none" w="med" len="med"/>
-                      <a:tailEnd type="none" w="med" len="med"/>
-                    </a:lnR>
-                    <a:lnT w="38100" cap="flat" cmpd="sng" algn="ctr">
-                      <a:solidFill>
-                        <a:schemeClr val="tx1"/>
-                      </a:solidFill>
-                      <a:prstDash val="solid"/>
-                      <a:round/>
-                      <a:headEnd type="none" w="med" len="med"/>
-                      <a:tailEnd type="none" w="med" len="med"/>
-                    </a:lnT>
-                    <a:lnB w="38100" cap="flat" cmpd="sng" algn="ctr">
+                    <a:lnB w="19050" cap="flat" cmpd="sng" algn="ctr">
                       <a:solidFill>
                         <a:schemeClr val="tx1"/>
                       </a:solidFill>
@@ -13193,10 +11991,3265 @@
                   </a:ext>
                 </a:extLst>
               </a:tr>
+              <a:tr h="370840">
+                <a:tc>
+                  <a:txBody>
+                    <a:bodyPr/>
+                    <a:lstStyle/>
+                    <a:p>
+                      <a:pPr algn="ctr"/>
+                      <a:r>
+                        <a:rPr lang="en-US" sz="4000"/>
+                        <a:t>6</a:t>
+                      </a:r>
+                    </a:p>
+                  </a:txBody>
+                  <a:tcPr anchor="ctr">
+                    <a:lnL w="38100" cap="flat" cmpd="sng" algn="ctr">
+                      <a:solidFill>
+                        <a:schemeClr val="tx1"/>
+                      </a:solidFill>
+                      <a:prstDash val="solid"/>
+                      <a:round/>
+                      <a:headEnd type="none" w="med" len="med"/>
+                      <a:tailEnd type="none" w="med" len="med"/>
+                    </a:lnL>
+                    <a:lnR w="38100" cap="flat" cmpd="sng" algn="ctr">
+                      <a:solidFill>
+                        <a:schemeClr val="tx1"/>
+                      </a:solidFill>
+                      <a:prstDash val="solid"/>
+                      <a:round/>
+                      <a:headEnd type="none" w="med" len="med"/>
+                      <a:tailEnd type="none" w="med" len="med"/>
+                    </a:lnR>
+                    <a:lnT w="19050" cap="flat" cmpd="sng" algn="ctr">
+                      <a:solidFill>
+                        <a:schemeClr val="tx1"/>
+                      </a:solidFill>
+                      <a:prstDash val="solid"/>
+                      <a:round/>
+                      <a:headEnd type="none" w="med" len="med"/>
+                      <a:tailEnd type="none" w="med" len="med"/>
+                    </a:lnT>
+                    <a:lnB w="38100" cap="flat" cmpd="sng" algn="ctr">
+                      <a:solidFill>
+                        <a:schemeClr val="tx1"/>
+                      </a:solidFill>
+                      <a:prstDash val="solid"/>
+                      <a:round/>
+                      <a:headEnd type="none" w="med" len="med"/>
+                      <a:tailEnd type="none" w="med" len="med"/>
+                    </a:lnB>
+                  </a:tcPr>
+                </a:tc>
+                <a:extLst>
+                  <a:ext uri="{0D108BD9-81ED-4DB2-BD59-A6C34878D82A}">
+                    <a16:rowId xmlns:a16="http://schemas.microsoft.com/office/drawing/2014/main" val="3453246688"/>
+                  </a:ext>
+                </a:extLst>
+              </a:tr>
             </a:tbl>
           </a:graphicData>
         </a:graphic>
       </p:graphicFrame>
+      <p:graphicFrame>
+        <p:nvGraphicFramePr>
+          <p:cNvPr id="4" name="Table 2">
+            <a:extLst>
+              <a:ext uri="{FF2B5EF4-FFF2-40B4-BE49-F238E27FC236}">
+                <a16:creationId xmlns:a16="http://schemas.microsoft.com/office/drawing/2014/main" id="{991C9B85-EA90-4CBA-B61B-DAA7E2C6860C}"/>
+              </a:ext>
+            </a:extLst>
+          </p:cNvPr>
+          <p:cNvGraphicFramePr>
+            <a:graphicFrameLocks noGrp="1"/>
+          </p:cNvGraphicFramePr>
+          <p:nvPr>
+            <p:extLst>
+              <p:ext uri="{D42A27DB-BD31-4B8C-83A1-F6EECF244321}">
+                <p14:modId xmlns:p14="http://schemas.microsoft.com/office/powerpoint/2010/main" val="2014449227"/>
+              </p:ext>
+            </p:extLst>
+          </p:nvPr>
+        </p:nvGraphicFramePr>
+        <p:xfrm>
+          <a:off x="3436422" y="719666"/>
+          <a:ext cx="1258016" cy="4907280"/>
+        </p:xfrm>
+        <a:graphic>
+          <a:graphicData uri="http://schemas.openxmlformats.org/drawingml/2006/table">
+            <a:tbl>
+              <a:tblPr firstRow="1" bandRow="1">
+                <a:tableStyleId>{5940675A-B579-460E-94D1-54222C63F5DA}</a:tableStyleId>
+              </a:tblPr>
+              <a:tblGrid>
+                <a:gridCol w="1258016">
+                  <a:extLst>
+                    <a:ext uri="{9D8B030D-6E8A-4147-A177-3AD203B41FA5}">
+                      <a16:colId xmlns:a16="http://schemas.microsoft.com/office/drawing/2014/main" val="823069406"/>
+                    </a:ext>
+                  </a:extLst>
+                </a:gridCol>
+              </a:tblGrid>
+              <a:tr h="370840">
+                <a:tc>
+                  <a:txBody>
+                    <a:bodyPr/>
+                    <a:lstStyle/>
+                    <a:p>
+                      <a:pPr algn="ctr"/>
+                      <a:r>
+                        <a:rPr lang="en-US" sz="4000" b="1"/>
+                        <a:t>X</a:t>
+                      </a:r>
+                      <a:r>
+                        <a:rPr lang="en-US" sz="4000" b="1" baseline="-25000"/>
+                        <a:t>2</a:t>
+                      </a:r>
+                    </a:p>
+                  </a:txBody>
+                  <a:tcPr anchor="ctr">
+                    <a:lnL w="38100" cap="flat" cmpd="sng" algn="ctr">
+                      <a:solidFill>
+                        <a:schemeClr val="tx1"/>
+                      </a:solidFill>
+                      <a:prstDash val="solid"/>
+                      <a:round/>
+                      <a:headEnd type="none" w="med" len="med"/>
+                      <a:tailEnd type="none" w="med" len="med"/>
+                    </a:lnL>
+                    <a:lnR w="38100" cap="flat" cmpd="sng" algn="ctr">
+                      <a:solidFill>
+                        <a:schemeClr val="tx1"/>
+                      </a:solidFill>
+                      <a:prstDash val="solid"/>
+                      <a:round/>
+                      <a:headEnd type="none" w="med" len="med"/>
+                      <a:tailEnd type="none" w="med" len="med"/>
+                    </a:lnR>
+                    <a:lnT w="38100" cap="flat" cmpd="sng" algn="ctr">
+                      <a:solidFill>
+                        <a:schemeClr val="tx1"/>
+                      </a:solidFill>
+                      <a:prstDash val="solid"/>
+                      <a:round/>
+                      <a:headEnd type="none" w="med" len="med"/>
+                      <a:tailEnd type="none" w="med" len="med"/>
+                    </a:lnT>
+                    <a:lnB w="38100" cap="flat" cmpd="sng" algn="ctr">
+                      <a:solidFill>
+                        <a:schemeClr val="tx1"/>
+                      </a:solidFill>
+                      <a:prstDash val="solid"/>
+                      <a:round/>
+                      <a:headEnd type="none" w="med" len="med"/>
+                      <a:tailEnd type="none" w="med" len="med"/>
+                    </a:lnB>
+                  </a:tcPr>
+                </a:tc>
+                <a:extLst>
+                  <a:ext uri="{0D108BD9-81ED-4DB2-BD59-A6C34878D82A}">
+                    <a16:rowId xmlns:a16="http://schemas.microsoft.com/office/drawing/2014/main" val="1536228135"/>
+                  </a:ext>
+                </a:extLst>
+              </a:tr>
+              <a:tr h="370840">
+                <a:tc>
+                  <a:txBody>
+                    <a:bodyPr/>
+                    <a:lstStyle/>
+                    <a:p>
+                      <a:pPr algn="ctr"/>
+                      <a:r>
+                        <a:rPr lang="en-US" sz="4000"/>
+                        <a:t>1</a:t>
+                      </a:r>
+                    </a:p>
+                  </a:txBody>
+                  <a:tcPr anchor="ctr">
+                    <a:lnL w="38100" cap="flat" cmpd="sng" algn="ctr">
+                      <a:solidFill>
+                        <a:schemeClr val="tx1"/>
+                      </a:solidFill>
+                      <a:prstDash val="solid"/>
+                      <a:round/>
+                      <a:headEnd type="none" w="med" len="med"/>
+                      <a:tailEnd type="none" w="med" len="med"/>
+                    </a:lnL>
+                    <a:lnR w="38100" cap="flat" cmpd="sng" algn="ctr">
+                      <a:solidFill>
+                        <a:schemeClr val="tx1"/>
+                      </a:solidFill>
+                      <a:prstDash val="solid"/>
+                      <a:round/>
+                      <a:headEnd type="none" w="med" len="med"/>
+                      <a:tailEnd type="none" w="med" len="med"/>
+                    </a:lnR>
+                    <a:lnT w="38100" cap="flat" cmpd="sng" algn="ctr">
+                      <a:solidFill>
+                        <a:schemeClr val="tx1"/>
+                      </a:solidFill>
+                      <a:prstDash val="solid"/>
+                      <a:round/>
+                      <a:headEnd type="none" w="med" len="med"/>
+                      <a:tailEnd type="none" w="med" len="med"/>
+                    </a:lnT>
+                    <a:lnB w="19050" cap="flat" cmpd="sng" algn="ctr">
+                      <a:solidFill>
+                        <a:schemeClr val="tx1"/>
+                      </a:solidFill>
+                      <a:prstDash val="solid"/>
+                      <a:round/>
+                      <a:headEnd type="none" w="med" len="med"/>
+                      <a:tailEnd type="none" w="med" len="med"/>
+                    </a:lnB>
+                  </a:tcPr>
+                </a:tc>
+                <a:extLst>
+                  <a:ext uri="{0D108BD9-81ED-4DB2-BD59-A6C34878D82A}">
+                    <a16:rowId xmlns:a16="http://schemas.microsoft.com/office/drawing/2014/main" val="4163124020"/>
+                  </a:ext>
+                </a:extLst>
+              </a:tr>
+              <a:tr h="370840">
+                <a:tc>
+                  <a:txBody>
+                    <a:bodyPr/>
+                    <a:lstStyle/>
+                    <a:p>
+                      <a:pPr algn="ctr"/>
+                      <a:r>
+                        <a:rPr lang="en-US" sz="4000"/>
+                        <a:t>2</a:t>
+                      </a:r>
+                    </a:p>
+                  </a:txBody>
+                  <a:tcPr anchor="ctr">
+                    <a:lnL w="38100" cap="flat" cmpd="sng" algn="ctr">
+                      <a:solidFill>
+                        <a:schemeClr val="tx1"/>
+                      </a:solidFill>
+                      <a:prstDash val="solid"/>
+                      <a:round/>
+                      <a:headEnd type="none" w="med" len="med"/>
+                      <a:tailEnd type="none" w="med" len="med"/>
+                    </a:lnL>
+                    <a:lnR w="38100" cap="flat" cmpd="sng" algn="ctr">
+                      <a:solidFill>
+                        <a:schemeClr val="tx1"/>
+                      </a:solidFill>
+                      <a:prstDash val="solid"/>
+                      <a:round/>
+                      <a:headEnd type="none" w="med" len="med"/>
+                      <a:tailEnd type="none" w="med" len="med"/>
+                    </a:lnR>
+                    <a:lnT w="19050" cap="flat" cmpd="sng" algn="ctr">
+                      <a:solidFill>
+                        <a:schemeClr val="tx1"/>
+                      </a:solidFill>
+                      <a:prstDash val="solid"/>
+                      <a:round/>
+                      <a:headEnd type="none" w="med" len="med"/>
+                      <a:tailEnd type="none" w="med" len="med"/>
+                    </a:lnT>
+                    <a:lnB w="19050" cap="flat" cmpd="sng" algn="ctr">
+                      <a:solidFill>
+                        <a:schemeClr val="tx1"/>
+                      </a:solidFill>
+                      <a:prstDash val="solid"/>
+                      <a:round/>
+                      <a:headEnd type="none" w="med" len="med"/>
+                      <a:tailEnd type="none" w="med" len="med"/>
+                    </a:lnB>
+                  </a:tcPr>
+                </a:tc>
+                <a:extLst>
+                  <a:ext uri="{0D108BD9-81ED-4DB2-BD59-A6C34878D82A}">
+                    <a16:rowId xmlns:a16="http://schemas.microsoft.com/office/drawing/2014/main" val="37259266"/>
+                  </a:ext>
+                </a:extLst>
+              </a:tr>
+              <a:tr h="370840">
+                <a:tc>
+                  <a:txBody>
+                    <a:bodyPr/>
+                    <a:lstStyle/>
+                    <a:p>
+                      <a:pPr algn="ctr"/>
+                      <a:r>
+                        <a:rPr lang="en-US" sz="4000"/>
+                        <a:t>3</a:t>
+                      </a:r>
+                    </a:p>
+                  </a:txBody>
+                  <a:tcPr anchor="ctr">
+                    <a:lnL w="38100" cap="flat" cmpd="sng" algn="ctr">
+                      <a:solidFill>
+                        <a:schemeClr val="tx1"/>
+                      </a:solidFill>
+                      <a:prstDash val="solid"/>
+                      <a:round/>
+                      <a:headEnd type="none" w="med" len="med"/>
+                      <a:tailEnd type="none" w="med" len="med"/>
+                    </a:lnL>
+                    <a:lnR w="38100" cap="flat" cmpd="sng" algn="ctr">
+                      <a:solidFill>
+                        <a:schemeClr val="tx1"/>
+                      </a:solidFill>
+                      <a:prstDash val="solid"/>
+                      <a:round/>
+                      <a:headEnd type="none" w="med" len="med"/>
+                      <a:tailEnd type="none" w="med" len="med"/>
+                    </a:lnR>
+                    <a:lnT w="19050" cap="flat" cmpd="sng" algn="ctr">
+                      <a:solidFill>
+                        <a:schemeClr val="tx1"/>
+                      </a:solidFill>
+                      <a:prstDash val="solid"/>
+                      <a:round/>
+                      <a:headEnd type="none" w="med" len="med"/>
+                      <a:tailEnd type="none" w="med" len="med"/>
+                    </a:lnT>
+                    <a:lnB w="19050" cap="flat" cmpd="sng" algn="ctr">
+                      <a:solidFill>
+                        <a:schemeClr val="tx1"/>
+                      </a:solidFill>
+                      <a:prstDash val="solid"/>
+                      <a:round/>
+                      <a:headEnd type="none" w="med" len="med"/>
+                      <a:tailEnd type="none" w="med" len="med"/>
+                    </a:lnB>
+                  </a:tcPr>
+                </a:tc>
+                <a:extLst>
+                  <a:ext uri="{0D108BD9-81ED-4DB2-BD59-A6C34878D82A}">
+                    <a16:rowId xmlns:a16="http://schemas.microsoft.com/office/drawing/2014/main" val="348444417"/>
+                  </a:ext>
+                </a:extLst>
+              </a:tr>
+              <a:tr h="370840">
+                <a:tc>
+                  <a:txBody>
+                    <a:bodyPr/>
+                    <a:lstStyle/>
+                    <a:p>
+                      <a:pPr algn="ctr"/>
+                      <a:r>
+                        <a:rPr lang="en-US" sz="4000"/>
+                        <a:t>4</a:t>
+                      </a:r>
+                    </a:p>
+                  </a:txBody>
+                  <a:tcPr anchor="ctr">
+                    <a:lnL w="38100" cap="flat" cmpd="sng" algn="ctr">
+                      <a:solidFill>
+                        <a:schemeClr val="tx1"/>
+                      </a:solidFill>
+                      <a:prstDash val="solid"/>
+                      <a:round/>
+                      <a:headEnd type="none" w="med" len="med"/>
+                      <a:tailEnd type="none" w="med" len="med"/>
+                    </a:lnL>
+                    <a:lnR w="38100" cap="flat" cmpd="sng" algn="ctr">
+                      <a:solidFill>
+                        <a:schemeClr val="tx1"/>
+                      </a:solidFill>
+                      <a:prstDash val="solid"/>
+                      <a:round/>
+                      <a:headEnd type="none" w="med" len="med"/>
+                      <a:tailEnd type="none" w="med" len="med"/>
+                    </a:lnR>
+                    <a:lnT w="19050" cap="flat" cmpd="sng" algn="ctr">
+                      <a:solidFill>
+                        <a:schemeClr val="tx1"/>
+                      </a:solidFill>
+                      <a:prstDash val="solid"/>
+                      <a:round/>
+                      <a:headEnd type="none" w="med" len="med"/>
+                      <a:tailEnd type="none" w="med" len="med"/>
+                    </a:lnT>
+                    <a:lnB w="19050" cap="flat" cmpd="sng" algn="ctr">
+                      <a:solidFill>
+                        <a:schemeClr val="tx1"/>
+                      </a:solidFill>
+                      <a:prstDash val="solid"/>
+                      <a:round/>
+                      <a:headEnd type="none" w="med" len="med"/>
+                      <a:tailEnd type="none" w="med" len="med"/>
+                    </a:lnB>
+                  </a:tcPr>
+                </a:tc>
+                <a:extLst>
+                  <a:ext uri="{0D108BD9-81ED-4DB2-BD59-A6C34878D82A}">
+                    <a16:rowId xmlns:a16="http://schemas.microsoft.com/office/drawing/2014/main" val="3429476869"/>
+                  </a:ext>
+                </a:extLst>
+              </a:tr>
+              <a:tr h="370840">
+                <a:tc>
+                  <a:txBody>
+                    <a:bodyPr/>
+                    <a:lstStyle/>
+                    <a:p>
+                      <a:pPr algn="ctr"/>
+                      <a:r>
+                        <a:rPr lang="en-US" sz="4000"/>
+                        <a:t>5</a:t>
+                      </a:r>
+                    </a:p>
+                  </a:txBody>
+                  <a:tcPr anchor="ctr">
+                    <a:lnL w="38100" cap="flat" cmpd="sng" algn="ctr">
+                      <a:solidFill>
+                        <a:schemeClr val="tx1"/>
+                      </a:solidFill>
+                      <a:prstDash val="solid"/>
+                      <a:round/>
+                      <a:headEnd type="none" w="med" len="med"/>
+                      <a:tailEnd type="none" w="med" len="med"/>
+                    </a:lnL>
+                    <a:lnR w="38100" cap="flat" cmpd="sng" algn="ctr">
+                      <a:solidFill>
+                        <a:schemeClr val="tx1"/>
+                      </a:solidFill>
+                      <a:prstDash val="solid"/>
+                      <a:round/>
+                      <a:headEnd type="none" w="med" len="med"/>
+                      <a:tailEnd type="none" w="med" len="med"/>
+                    </a:lnR>
+                    <a:lnT w="19050" cap="flat" cmpd="sng" algn="ctr">
+                      <a:solidFill>
+                        <a:schemeClr val="tx1"/>
+                      </a:solidFill>
+                      <a:prstDash val="solid"/>
+                      <a:round/>
+                      <a:headEnd type="none" w="med" len="med"/>
+                      <a:tailEnd type="none" w="med" len="med"/>
+                    </a:lnT>
+                    <a:lnB w="19050" cap="flat" cmpd="sng" algn="ctr">
+                      <a:solidFill>
+                        <a:schemeClr val="tx1"/>
+                      </a:solidFill>
+                      <a:prstDash val="solid"/>
+                      <a:round/>
+                      <a:headEnd type="none" w="med" len="med"/>
+                      <a:tailEnd type="none" w="med" len="med"/>
+                    </a:lnB>
+                  </a:tcPr>
+                </a:tc>
+                <a:extLst>
+                  <a:ext uri="{0D108BD9-81ED-4DB2-BD59-A6C34878D82A}">
+                    <a16:rowId xmlns:a16="http://schemas.microsoft.com/office/drawing/2014/main" val="3061754060"/>
+                  </a:ext>
+                </a:extLst>
+              </a:tr>
+              <a:tr h="370840">
+                <a:tc>
+                  <a:txBody>
+                    <a:bodyPr/>
+                    <a:lstStyle/>
+                    <a:p>
+                      <a:pPr algn="ctr"/>
+                      <a:r>
+                        <a:rPr lang="en-US" sz="4000"/>
+                        <a:t>6</a:t>
+                      </a:r>
+                    </a:p>
+                  </a:txBody>
+                  <a:tcPr anchor="ctr">
+                    <a:lnL w="38100" cap="flat" cmpd="sng" algn="ctr">
+                      <a:solidFill>
+                        <a:schemeClr val="tx1"/>
+                      </a:solidFill>
+                      <a:prstDash val="solid"/>
+                      <a:round/>
+                      <a:headEnd type="none" w="med" len="med"/>
+                      <a:tailEnd type="none" w="med" len="med"/>
+                    </a:lnL>
+                    <a:lnR w="38100" cap="flat" cmpd="sng" algn="ctr">
+                      <a:solidFill>
+                        <a:schemeClr val="tx1"/>
+                      </a:solidFill>
+                      <a:prstDash val="solid"/>
+                      <a:round/>
+                      <a:headEnd type="none" w="med" len="med"/>
+                      <a:tailEnd type="none" w="med" len="med"/>
+                    </a:lnR>
+                    <a:lnT w="19050" cap="flat" cmpd="sng" algn="ctr">
+                      <a:solidFill>
+                        <a:schemeClr val="tx1"/>
+                      </a:solidFill>
+                      <a:prstDash val="solid"/>
+                      <a:round/>
+                      <a:headEnd type="none" w="med" len="med"/>
+                      <a:tailEnd type="none" w="med" len="med"/>
+                    </a:lnT>
+                    <a:lnB w="38100" cap="flat" cmpd="sng" algn="ctr">
+                      <a:solidFill>
+                        <a:schemeClr val="tx1"/>
+                      </a:solidFill>
+                      <a:prstDash val="solid"/>
+                      <a:round/>
+                      <a:headEnd type="none" w="med" len="med"/>
+                      <a:tailEnd type="none" w="med" len="med"/>
+                    </a:lnB>
+                  </a:tcPr>
+                </a:tc>
+                <a:extLst>
+                  <a:ext uri="{0D108BD9-81ED-4DB2-BD59-A6C34878D82A}">
+                    <a16:rowId xmlns:a16="http://schemas.microsoft.com/office/drawing/2014/main" val="3453246688"/>
+                  </a:ext>
+                </a:extLst>
+              </a:tr>
+            </a:tbl>
+          </a:graphicData>
+        </a:graphic>
+      </p:graphicFrame>
+      <p:graphicFrame>
+        <p:nvGraphicFramePr>
+          <p:cNvPr id="5" name="Table 2">
+            <a:extLst>
+              <a:ext uri="{FF2B5EF4-FFF2-40B4-BE49-F238E27FC236}">
+                <a16:creationId xmlns:a16="http://schemas.microsoft.com/office/drawing/2014/main" id="{FAAB70ED-D97A-4413-B5EF-8B07F9AAA0F8}"/>
+              </a:ext>
+            </a:extLst>
+          </p:cNvPr>
+          <p:cNvGraphicFramePr>
+            <a:graphicFrameLocks noGrp="1"/>
+          </p:cNvGraphicFramePr>
+          <p:nvPr>
+            <p:extLst>
+              <p:ext uri="{D42A27DB-BD31-4B8C-83A1-F6EECF244321}">
+                <p14:modId xmlns:p14="http://schemas.microsoft.com/office/powerpoint/2010/main" val="1995606640"/>
+              </p:ext>
+            </p:extLst>
+          </p:nvPr>
+        </p:nvGraphicFramePr>
+        <p:xfrm>
+          <a:off x="4837984" y="719666"/>
+          <a:ext cx="1258016" cy="4907280"/>
+        </p:xfrm>
+        <a:graphic>
+          <a:graphicData uri="http://schemas.openxmlformats.org/drawingml/2006/table">
+            <a:tbl>
+              <a:tblPr firstRow="1" bandRow="1">
+                <a:tableStyleId>{5940675A-B579-460E-94D1-54222C63F5DA}</a:tableStyleId>
+              </a:tblPr>
+              <a:tblGrid>
+                <a:gridCol w="1258016">
+                  <a:extLst>
+                    <a:ext uri="{9D8B030D-6E8A-4147-A177-3AD203B41FA5}">
+                      <a16:colId xmlns:a16="http://schemas.microsoft.com/office/drawing/2014/main" val="823069406"/>
+                    </a:ext>
+                  </a:extLst>
+                </a:gridCol>
+              </a:tblGrid>
+              <a:tr h="370840">
+                <a:tc>
+                  <a:txBody>
+                    <a:bodyPr/>
+                    <a:lstStyle/>
+                    <a:p>
+                      <a:pPr algn="ctr"/>
+                      <a:r>
+                        <a:rPr lang="en-US" sz="4000" b="1"/>
+                        <a:t>X</a:t>
+                      </a:r>
+                      <a:r>
+                        <a:rPr lang="en-US" sz="4000" b="1" baseline="-25000"/>
+                        <a:t>3</a:t>
+                      </a:r>
+                    </a:p>
+                  </a:txBody>
+                  <a:tcPr anchor="ctr">
+                    <a:lnL w="38100" cap="flat" cmpd="sng" algn="ctr">
+                      <a:solidFill>
+                        <a:schemeClr val="tx1"/>
+                      </a:solidFill>
+                      <a:prstDash val="solid"/>
+                      <a:round/>
+                      <a:headEnd type="none" w="med" len="med"/>
+                      <a:tailEnd type="none" w="med" len="med"/>
+                    </a:lnL>
+                    <a:lnR w="38100" cap="flat" cmpd="sng" algn="ctr">
+                      <a:solidFill>
+                        <a:schemeClr val="tx1"/>
+                      </a:solidFill>
+                      <a:prstDash val="solid"/>
+                      <a:round/>
+                      <a:headEnd type="none" w="med" len="med"/>
+                      <a:tailEnd type="none" w="med" len="med"/>
+                    </a:lnR>
+                    <a:lnT w="38100" cap="flat" cmpd="sng" algn="ctr">
+                      <a:solidFill>
+                        <a:schemeClr val="tx1"/>
+                      </a:solidFill>
+                      <a:prstDash val="solid"/>
+                      <a:round/>
+                      <a:headEnd type="none" w="med" len="med"/>
+                      <a:tailEnd type="none" w="med" len="med"/>
+                    </a:lnT>
+                    <a:lnB w="38100" cap="flat" cmpd="sng" algn="ctr">
+                      <a:solidFill>
+                        <a:schemeClr val="tx1"/>
+                      </a:solidFill>
+                      <a:prstDash val="solid"/>
+                      <a:round/>
+                      <a:headEnd type="none" w="med" len="med"/>
+                      <a:tailEnd type="none" w="med" len="med"/>
+                    </a:lnB>
+                  </a:tcPr>
+                </a:tc>
+                <a:extLst>
+                  <a:ext uri="{0D108BD9-81ED-4DB2-BD59-A6C34878D82A}">
+                    <a16:rowId xmlns:a16="http://schemas.microsoft.com/office/drawing/2014/main" val="1536228135"/>
+                  </a:ext>
+                </a:extLst>
+              </a:tr>
+              <a:tr h="370840">
+                <a:tc>
+                  <a:txBody>
+                    <a:bodyPr/>
+                    <a:lstStyle/>
+                    <a:p>
+                      <a:pPr algn="ctr"/>
+                      <a:r>
+                        <a:rPr lang="en-US" sz="4000"/>
+                        <a:t>1</a:t>
+                      </a:r>
+                    </a:p>
+                  </a:txBody>
+                  <a:tcPr anchor="ctr">
+                    <a:lnL w="38100" cap="flat" cmpd="sng" algn="ctr">
+                      <a:solidFill>
+                        <a:schemeClr val="tx1"/>
+                      </a:solidFill>
+                      <a:prstDash val="solid"/>
+                      <a:round/>
+                      <a:headEnd type="none" w="med" len="med"/>
+                      <a:tailEnd type="none" w="med" len="med"/>
+                    </a:lnL>
+                    <a:lnR w="38100" cap="flat" cmpd="sng" algn="ctr">
+                      <a:solidFill>
+                        <a:schemeClr val="tx1"/>
+                      </a:solidFill>
+                      <a:prstDash val="solid"/>
+                      <a:round/>
+                      <a:headEnd type="none" w="med" len="med"/>
+                      <a:tailEnd type="none" w="med" len="med"/>
+                    </a:lnR>
+                    <a:lnT w="38100" cap="flat" cmpd="sng" algn="ctr">
+                      <a:solidFill>
+                        <a:schemeClr val="tx1"/>
+                      </a:solidFill>
+                      <a:prstDash val="solid"/>
+                      <a:round/>
+                      <a:headEnd type="none" w="med" len="med"/>
+                      <a:tailEnd type="none" w="med" len="med"/>
+                    </a:lnT>
+                    <a:lnB w="19050" cap="flat" cmpd="sng" algn="ctr">
+                      <a:solidFill>
+                        <a:schemeClr val="tx1"/>
+                      </a:solidFill>
+                      <a:prstDash val="solid"/>
+                      <a:round/>
+                      <a:headEnd type="none" w="med" len="med"/>
+                      <a:tailEnd type="none" w="med" len="med"/>
+                    </a:lnB>
+                  </a:tcPr>
+                </a:tc>
+                <a:extLst>
+                  <a:ext uri="{0D108BD9-81ED-4DB2-BD59-A6C34878D82A}">
+                    <a16:rowId xmlns:a16="http://schemas.microsoft.com/office/drawing/2014/main" val="4163124020"/>
+                  </a:ext>
+                </a:extLst>
+              </a:tr>
+              <a:tr h="370840">
+                <a:tc>
+                  <a:txBody>
+                    <a:bodyPr/>
+                    <a:lstStyle/>
+                    <a:p>
+                      <a:pPr algn="ctr"/>
+                      <a:r>
+                        <a:rPr lang="en-US" sz="4000"/>
+                        <a:t>2</a:t>
+                      </a:r>
+                    </a:p>
+                  </a:txBody>
+                  <a:tcPr anchor="ctr">
+                    <a:lnL w="38100" cap="flat" cmpd="sng" algn="ctr">
+                      <a:solidFill>
+                        <a:schemeClr val="tx1"/>
+                      </a:solidFill>
+                      <a:prstDash val="solid"/>
+                      <a:round/>
+                      <a:headEnd type="none" w="med" len="med"/>
+                      <a:tailEnd type="none" w="med" len="med"/>
+                    </a:lnL>
+                    <a:lnR w="38100" cap="flat" cmpd="sng" algn="ctr">
+                      <a:solidFill>
+                        <a:schemeClr val="tx1"/>
+                      </a:solidFill>
+                      <a:prstDash val="solid"/>
+                      <a:round/>
+                      <a:headEnd type="none" w="med" len="med"/>
+                      <a:tailEnd type="none" w="med" len="med"/>
+                    </a:lnR>
+                    <a:lnT w="19050" cap="flat" cmpd="sng" algn="ctr">
+                      <a:solidFill>
+                        <a:schemeClr val="tx1"/>
+                      </a:solidFill>
+                      <a:prstDash val="solid"/>
+                      <a:round/>
+                      <a:headEnd type="none" w="med" len="med"/>
+                      <a:tailEnd type="none" w="med" len="med"/>
+                    </a:lnT>
+                    <a:lnB w="19050" cap="flat" cmpd="sng" algn="ctr">
+                      <a:solidFill>
+                        <a:schemeClr val="tx1"/>
+                      </a:solidFill>
+                      <a:prstDash val="solid"/>
+                      <a:round/>
+                      <a:headEnd type="none" w="med" len="med"/>
+                      <a:tailEnd type="none" w="med" len="med"/>
+                    </a:lnB>
+                  </a:tcPr>
+                </a:tc>
+                <a:extLst>
+                  <a:ext uri="{0D108BD9-81ED-4DB2-BD59-A6C34878D82A}">
+                    <a16:rowId xmlns:a16="http://schemas.microsoft.com/office/drawing/2014/main" val="37259266"/>
+                  </a:ext>
+                </a:extLst>
+              </a:tr>
+              <a:tr h="370840">
+                <a:tc>
+                  <a:txBody>
+                    <a:bodyPr/>
+                    <a:lstStyle/>
+                    <a:p>
+                      <a:pPr algn="ctr"/>
+                      <a:r>
+                        <a:rPr lang="en-US" sz="4000"/>
+                        <a:t>3</a:t>
+                      </a:r>
+                    </a:p>
+                  </a:txBody>
+                  <a:tcPr anchor="ctr">
+                    <a:lnL w="38100" cap="flat" cmpd="sng" algn="ctr">
+                      <a:solidFill>
+                        <a:schemeClr val="tx1"/>
+                      </a:solidFill>
+                      <a:prstDash val="solid"/>
+                      <a:round/>
+                      <a:headEnd type="none" w="med" len="med"/>
+                      <a:tailEnd type="none" w="med" len="med"/>
+                    </a:lnL>
+                    <a:lnR w="38100" cap="flat" cmpd="sng" algn="ctr">
+                      <a:solidFill>
+                        <a:schemeClr val="tx1"/>
+                      </a:solidFill>
+                      <a:prstDash val="solid"/>
+                      <a:round/>
+                      <a:headEnd type="none" w="med" len="med"/>
+                      <a:tailEnd type="none" w="med" len="med"/>
+                    </a:lnR>
+                    <a:lnT w="19050" cap="flat" cmpd="sng" algn="ctr">
+                      <a:solidFill>
+                        <a:schemeClr val="tx1"/>
+                      </a:solidFill>
+                      <a:prstDash val="solid"/>
+                      <a:round/>
+                      <a:headEnd type="none" w="med" len="med"/>
+                      <a:tailEnd type="none" w="med" len="med"/>
+                    </a:lnT>
+                    <a:lnB w="19050" cap="flat" cmpd="sng" algn="ctr">
+                      <a:solidFill>
+                        <a:schemeClr val="tx1"/>
+                      </a:solidFill>
+                      <a:prstDash val="solid"/>
+                      <a:round/>
+                      <a:headEnd type="none" w="med" len="med"/>
+                      <a:tailEnd type="none" w="med" len="med"/>
+                    </a:lnB>
+                  </a:tcPr>
+                </a:tc>
+                <a:extLst>
+                  <a:ext uri="{0D108BD9-81ED-4DB2-BD59-A6C34878D82A}">
+                    <a16:rowId xmlns:a16="http://schemas.microsoft.com/office/drawing/2014/main" val="348444417"/>
+                  </a:ext>
+                </a:extLst>
+              </a:tr>
+              <a:tr h="370840">
+                <a:tc>
+                  <a:txBody>
+                    <a:bodyPr/>
+                    <a:lstStyle/>
+                    <a:p>
+                      <a:pPr algn="ctr"/>
+                      <a:r>
+                        <a:rPr lang="en-US" sz="4000"/>
+                        <a:t>4</a:t>
+                      </a:r>
+                    </a:p>
+                  </a:txBody>
+                  <a:tcPr anchor="ctr">
+                    <a:lnL w="38100" cap="flat" cmpd="sng" algn="ctr">
+                      <a:solidFill>
+                        <a:schemeClr val="tx1"/>
+                      </a:solidFill>
+                      <a:prstDash val="solid"/>
+                      <a:round/>
+                      <a:headEnd type="none" w="med" len="med"/>
+                      <a:tailEnd type="none" w="med" len="med"/>
+                    </a:lnL>
+                    <a:lnR w="38100" cap="flat" cmpd="sng" algn="ctr">
+                      <a:solidFill>
+                        <a:schemeClr val="tx1"/>
+                      </a:solidFill>
+                      <a:prstDash val="solid"/>
+                      <a:round/>
+                      <a:headEnd type="none" w="med" len="med"/>
+                      <a:tailEnd type="none" w="med" len="med"/>
+                    </a:lnR>
+                    <a:lnT w="19050" cap="flat" cmpd="sng" algn="ctr">
+                      <a:solidFill>
+                        <a:schemeClr val="tx1"/>
+                      </a:solidFill>
+                      <a:prstDash val="solid"/>
+                      <a:round/>
+                      <a:headEnd type="none" w="med" len="med"/>
+                      <a:tailEnd type="none" w="med" len="med"/>
+                    </a:lnT>
+                    <a:lnB w="19050" cap="flat" cmpd="sng" algn="ctr">
+                      <a:solidFill>
+                        <a:schemeClr val="tx1"/>
+                      </a:solidFill>
+                      <a:prstDash val="solid"/>
+                      <a:round/>
+                      <a:headEnd type="none" w="med" len="med"/>
+                      <a:tailEnd type="none" w="med" len="med"/>
+                    </a:lnB>
+                  </a:tcPr>
+                </a:tc>
+                <a:extLst>
+                  <a:ext uri="{0D108BD9-81ED-4DB2-BD59-A6C34878D82A}">
+                    <a16:rowId xmlns:a16="http://schemas.microsoft.com/office/drawing/2014/main" val="3429476869"/>
+                  </a:ext>
+                </a:extLst>
+              </a:tr>
+              <a:tr h="370840">
+                <a:tc>
+                  <a:txBody>
+                    <a:bodyPr/>
+                    <a:lstStyle/>
+                    <a:p>
+                      <a:pPr algn="ctr"/>
+                      <a:r>
+                        <a:rPr lang="en-US" sz="4000"/>
+                        <a:t>5</a:t>
+                      </a:r>
+                    </a:p>
+                  </a:txBody>
+                  <a:tcPr anchor="ctr">
+                    <a:lnL w="38100" cap="flat" cmpd="sng" algn="ctr">
+                      <a:solidFill>
+                        <a:schemeClr val="tx1"/>
+                      </a:solidFill>
+                      <a:prstDash val="solid"/>
+                      <a:round/>
+                      <a:headEnd type="none" w="med" len="med"/>
+                      <a:tailEnd type="none" w="med" len="med"/>
+                    </a:lnL>
+                    <a:lnR w="38100" cap="flat" cmpd="sng" algn="ctr">
+                      <a:solidFill>
+                        <a:schemeClr val="tx1"/>
+                      </a:solidFill>
+                      <a:prstDash val="solid"/>
+                      <a:round/>
+                      <a:headEnd type="none" w="med" len="med"/>
+                      <a:tailEnd type="none" w="med" len="med"/>
+                    </a:lnR>
+                    <a:lnT w="19050" cap="flat" cmpd="sng" algn="ctr">
+                      <a:solidFill>
+                        <a:schemeClr val="tx1"/>
+                      </a:solidFill>
+                      <a:prstDash val="solid"/>
+                      <a:round/>
+                      <a:headEnd type="none" w="med" len="med"/>
+                      <a:tailEnd type="none" w="med" len="med"/>
+                    </a:lnT>
+                    <a:lnB w="19050" cap="flat" cmpd="sng" algn="ctr">
+                      <a:solidFill>
+                        <a:schemeClr val="tx1"/>
+                      </a:solidFill>
+                      <a:prstDash val="solid"/>
+                      <a:round/>
+                      <a:headEnd type="none" w="med" len="med"/>
+                      <a:tailEnd type="none" w="med" len="med"/>
+                    </a:lnB>
+                  </a:tcPr>
+                </a:tc>
+                <a:extLst>
+                  <a:ext uri="{0D108BD9-81ED-4DB2-BD59-A6C34878D82A}">
+                    <a16:rowId xmlns:a16="http://schemas.microsoft.com/office/drawing/2014/main" val="3061754060"/>
+                  </a:ext>
+                </a:extLst>
+              </a:tr>
+              <a:tr h="370840">
+                <a:tc>
+                  <a:txBody>
+                    <a:bodyPr/>
+                    <a:lstStyle/>
+                    <a:p>
+                      <a:pPr algn="ctr"/>
+                      <a:r>
+                        <a:rPr lang="en-US" sz="4000"/>
+                        <a:t>6</a:t>
+                      </a:r>
+                    </a:p>
+                  </a:txBody>
+                  <a:tcPr anchor="ctr">
+                    <a:lnL w="38100" cap="flat" cmpd="sng" algn="ctr">
+                      <a:solidFill>
+                        <a:schemeClr val="tx1"/>
+                      </a:solidFill>
+                      <a:prstDash val="solid"/>
+                      <a:round/>
+                      <a:headEnd type="none" w="med" len="med"/>
+                      <a:tailEnd type="none" w="med" len="med"/>
+                    </a:lnL>
+                    <a:lnR w="38100" cap="flat" cmpd="sng" algn="ctr">
+                      <a:solidFill>
+                        <a:schemeClr val="tx1"/>
+                      </a:solidFill>
+                      <a:prstDash val="solid"/>
+                      <a:round/>
+                      <a:headEnd type="none" w="med" len="med"/>
+                      <a:tailEnd type="none" w="med" len="med"/>
+                    </a:lnR>
+                    <a:lnT w="19050" cap="flat" cmpd="sng" algn="ctr">
+                      <a:solidFill>
+                        <a:schemeClr val="tx1"/>
+                      </a:solidFill>
+                      <a:prstDash val="solid"/>
+                      <a:round/>
+                      <a:headEnd type="none" w="med" len="med"/>
+                      <a:tailEnd type="none" w="med" len="med"/>
+                    </a:lnT>
+                    <a:lnB w="38100" cap="flat" cmpd="sng" algn="ctr">
+                      <a:solidFill>
+                        <a:schemeClr val="tx1"/>
+                      </a:solidFill>
+                      <a:prstDash val="solid"/>
+                      <a:round/>
+                      <a:headEnd type="none" w="med" len="med"/>
+                      <a:tailEnd type="none" w="med" len="med"/>
+                    </a:lnB>
+                  </a:tcPr>
+                </a:tc>
+                <a:extLst>
+                  <a:ext uri="{0D108BD9-81ED-4DB2-BD59-A6C34878D82A}">
+                    <a16:rowId xmlns:a16="http://schemas.microsoft.com/office/drawing/2014/main" val="3453246688"/>
+                  </a:ext>
+                </a:extLst>
+              </a:tr>
+            </a:tbl>
+          </a:graphicData>
+        </a:graphic>
+      </p:graphicFrame>
+      <p:graphicFrame>
+        <p:nvGraphicFramePr>
+          <p:cNvPr id="6" name="Table 2">
+            <a:extLst>
+              <a:ext uri="{FF2B5EF4-FFF2-40B4-BE49-F238E27FC236}">
+                <a16:creationId xmlns:a16="http://schemas.microsoft.com/office/drawing/2014/main" id="{A24F8EC4-0565-4945-9AF9-0E4A10415B41}"/>
+              </a:ext>
+            </a:extLst>
+          </p:cNvPr>
+          <p:cNvGraphicFramePr>
+            <a:graphicFrameLocks noGrp="1"/>
+          </p:cNvGraphicFramePr>
+          <p:nvPr>
+            <p:extLst>
+              <p:ext uri="{D42A27DB-BD31-4B8C-83A1-F6EECF244321}">
+                <p14:modId xmlns:p14="http://schemas.microsoft.com/office/powerpoint/2010/main" val="2676351084"/>
+              </p:ext>
+            </p:extLst>
+          </p:nvPr>
+        </p:nvGraphicFramePr>
+        <p:xfrm>
+          <a:off x="6239546" y="719666"/>
+          <a:ext cx="1258016" cy="4907280"/>
+        </p:xfrm>
+        <a:graphic>
+          <a:graphicData uri="http://schemas.openxmlformats.org/drawingml/2006/table">
+            <a:tbl>
+              <a:tblPr firstRow="1" bandRow="1">
+                <a:tableStyleId>{5940675A-B579-460E-94D1-54222C63F5DA}</a:tableStyleId>
+              </a:tblPr>
+              <a:tblGrid>
+                <a:gridCol w="1258016">
+                  <a:extLst>
+                    <a:ext uri="{9D8B030D-6E8A-4147-A177-3AD203B41FA5}">
+                      <a16:colId xmlns:a16="http://schemas.microsoft.com/office/drawing/2014/main" val="823069406"/>
+                    </a:ext>
+                  </a:extLst>
+                </a:gridCol>
+              </a:tblGrid>
+              <a:tr h="370840">
+                <a:tc>
+                  <a:txBody>
+                    <a:bodyPr/>
+                    <a:lstStyle/>
+                    <a:p>
+                      <a:pPr algn="ctr"/>
+                      <a:r>
+                        <a:rPr lang="en-US" sz="4000" b="1"/>
+                        <a:t>X</a:t>
+                      </a:r>
+                      <a:r>
+                        <a:rPr lang="en-US" sz="4000" b="1" baseline="-25000"/>
+                        <a:t>4</a:t>
+                      </a:r>
+                    </a:p>
+                  </a:txBody>
+                  <a:tcPr anchor="ctr">
+                    <a:lnL w="38100" cap="flat" cmpd="sng" algn="ctr">
+                      <a:solidFill>
+                        <a:schemeClr val="tx1"/>
+                      </a:solidFill>
+                      <a:prstDash val="solid"/>
+                      <a:round/>
+                      <a:headEnd type="none" w="med" len="med"/>
+                      <a:tailEnd type="none" w="med" len="med"/>
+                    </a:lnL>
+                    <a:lnR w="38100" cap="flat" cmpd="sng" algn="ctr">
+                      <a:solidFill>
+                        <a:schemeClr val="tx1"/>
+                      </a:solidFill>
+                      <a:prstDash val="solid"/>
+                      <a:round/>
+                      <a:headEnd type="none" w="med" len="med"/>
+                      <a:tailEnd type="none" w="med" len="med"/>
+                    </a:lnR>
+                    <a:lnT w="38100" cap="flat" cmpd="sng" algn="ctr">
+                      <a:solidFill>
+                        <a:schemeClr val="tx1"/>
+                      </a:solidFill>
+                      <a:prstDash val="solid"/>
+                      <a:round/>
+                      <a:headEnd type="none" w="med" len="med"/>
+                      <a:tailEnd type="none" w="med" len="med"/>
+                    </a:lnT>
+                    <a:lnB w="38100" cap="flat" cmpd="sng" algn="ctr">
+                      <a:solidFill>
+                        <a:schemeClr val="tx1"/>
+                      </a:solidFill>
+                      <a:prstDash val="solid"/>
+                      <a:round/>
+                      <a:headEnd type="none" w="med" len="med"/>
+                      <a:tailEnd type="none" w="med" len="med"/>
+                    </a:lnB>
+                  </a:tcPr>
+                </a:tc>
+                <a:extLst>
+                  <a:ext uri="{0D108BD9-81ED-4DB2-BD59-A6C34878D82A}">
+                    <a16:rowId xmlns:a16="http://schemas.microsoft.com/office/drawing/2014/main" val="1536228135"/>
+                  </a:ext>
+                </a:extLst>
+              </a:tr>
+              <a:tr h="370840">
+                <a:tc>
+                  <a:txBody>
+                    <a:bodyPr/>
+                    <a:lstStyle/>
+                    <a:p>
+                      <a:pPr algn="ctr"/>
+                      <a:r>
+                        <a:rPr lang="en-US" sz="4000"/>
+                        <a:t>1</a:t>
+                      </a:r>
+                    </a:p>
+                  </a:txBody>
+                  <a:tcPr anchor="ctr">
+                    <a:lnL w="38100" cap="flat" cmpd="sng" algn="ctr">
+                      <a:solidFill>
+                        <a:schemeClr val="tx1"/>
+                      </a:solidFill>
+                      <a:prstDash val="solid"/>
+                      <a:round/>
+                      <a:headEnd type="none" w="med" len="med"/>
+                      <a:tailEnd type="none" w="med" len="med"/>
+                    </a:lnL>
+                    <a:lnR w="38100" cap="flat" cmpd="sng" algn="ctr">
+                      <a:solidFill>
+                        <a:schemeClr val="tx1"/>
+                      </a:solidFill>
+                      <a:prstDash val="solid"/>
+                      <a:round/>
+                      <a:headEnd type="none" w="med" len="med"/>
+                      <a:tailEnd type="none" w="med" len="med"/>
+                    </a:lnR>
+                    <a:lnT w="38100" cap="flat" cmpd="sng" algn="ctr">
+                      <a:solidFill>
+                        <a:schemeClr val="tx1"/>
+                      </a:solidFill>
+                      <a:prstDash val="solid"/>
+                      <a:round/>
+                      <a:headEnd type="none" w="med" len="med"/>
+                      <a:tailEnd type="none" w="med" len="med"/>
+                    </a:lnT>
+                    <a:lnB w="19050" cap="flat" cmpd="sng" algn="ctr">
+                      <a:solidFill>
+                        <a:schemeClr val="tx1"/>
+                      </a:solidFill>
+                      <a:prstDash val="solid"/>
+                      <a:round/>
+                      <a:headEnd type="none" w="med" len="med"/>
+                      <a:tailEnd type="none" w="med" len="med"/>
+                    </a:lnB>
+                  </a:tcPr>
+                </a:tc>
+                <a:extLst>
+                  <a:ext uri="{0D108BD9-81ED-4DB2-BD59-A6C34878D82A}">
+                    <a16:rowId xmlns:a16="http://schemas.microsoft.com/office/drawing/2014/main" val="4163124020"/>
+                  </a:ext>
+                </a:extLst>
+              </a:tr>
+              <a:tr h="370840">
+                <a:tc>
+                  <a:txBody>
+                    <a:bodyPr/>
+                    <a:lstStyle/>
+                    <a:p>
+                      <a:pPr algn="ctr"/>
+                      <a:r>
+                        <a:rPr lang="en-US" sz="4000"/>
+                        <a:t>2</a:t>
+                      </a:r>
+                    </a:p>
+                  </a:txBody>
+                  <a:tcPr anchor="ctr">
+                    <a:lnL w="38100" cap="flat" cmpd="sng" algn="ctr">
+                      <a:solidFill>
+                        <a:schemeClr val="tx1"/>
+                      </a:solidFill>
+                      <a:prstDash val="solid"/>
+                      <a:round/>
+                      <a:headEnd type="none" w="med" len="med"/>
+                      <a:tailEnd type="none" w="med" len="med"/>
+                    </a:lnL>
+                    <a:lnR w="38100" cap="flat" cmpd="sng" algn="ctr">
+                      <a:solidFill>
+                        <a:schemeClr val="tx1"/>
+                      </a:solidFill>
+                      <a:prstDash val="solid"/>
+                      <a:round/>
+                      <a:headEnd type="none" w="med" len="med"/>
+                      <a:tailEnd type="none" w="med" len="med"/>
+                    </a:lnR>
+                    <a:lnT w="19050" cap="flat" cmpd="sng" algn="ctr">
+                      <a:solidFill>
+                        <a:schemeClr val="tx1"/>
+                      </a:solidFill>
+                      <a:prstDash val="solid"/>
+                      <a:round/>
+                      <a:headEnd type="none" w="med" len="med"/>
+                      <a:tailEnd type="none" w="med" len="med"/>
+                    </a:lnT>
+                    <a:lnB w="19050" cap="flat" cmpd="sng" algn="ctr">
+                      <a:solidFill>
+                        <a:schemeClr val="tx1"/>
+                      </a:solidFill>
+                      <a:prstDash val="solid"/>
+                      <a:round/>
+                      <a:headEnd type="none" w="med" len="med"/>
+                      <a:tailEnd type="none" w="med" len="med"/>
+                    </a:lnB>
+                  </a:tcPr>
+                </a:tc>
+                <a:extLst>
+                  <a:ext uri="{0D108BD9-81ED-4DB2-BD59-A6C34878D82A}">
+                    <a16:rowId xmlns:a16="http://schemas.microsoft.com/office/drawing/2014/main" val="37259266"/>
+                  </a:ext>
+                </a:extLst>
+              </a:tr>
+              <a:tr h="370840">
+                <a:tc>
+                  <a:txBody>
+                    <a:bodyPr/>
+                    <a:lstStyle/>
+                    <a:p>
+                      <a:pPr algn="ctr"/>
+                      <a:r>
+                        <a:rPr lang="en-US" sz="4000"/>
+                        <a:t>3</a:t>
+                      </a:r>
+                    </a:p>
+                  </a:txBody>
+                  <a:tcPr anchor="ctr">
+                    <a:lnL w="38100" cap="flat" cmpd="sng" algn="ctr">
+                      <a:solidFill>
+                        <a:schemeClr val="tx1"/>
+                      </a:solidFill>
+                      <a:prstDash val="solid"/>
+                      <a:round/>
+                      <a:headEnd type="none" w="med" len="med"/>
+                      <a:tailEnd type="none" w="med" len="med"/>
+                    </a:lnL>
+                    <a:lnR w="38100" cap="flat" cmpd="sng" algn="ctr">
+                      <a:solidFill>
+                        <a:schemeClr val="tx1"/>
+                      </a:solidFill>
+                      <a:prstDash val="solid"/>
+                      <a:round/>
+                      <a:headEnd type="none" w="med" len="med"/>
+                      <a:tailEnd type="none" w="med" len="med"/>
+                    </a:lnR>
+                    <a:lnT w="19050" cap="flat" cmpd="sng" algn="ctr">
+                      <a:solidFill>
+                        <a:schemeClr val="tx1"/>
+                      </a:solidFill>
+                      <a:prstDash val="solid"/>
+                      <a:round/>
+                      <a:headEnd type="none" w="med" len="med"/>
+                      <a:tailEnd type="none" w="med" len="med"/>
+                    </a:lnT>
+                    <a:lnB w="19050" cap="flat" cmpd="sng" algn="ctr">
+                      <a:solidFill>
+                        <a:schemeClr val="tx1"/>
+                      </a:solidFill>
+                      <a:prstDash val="solid"/>
+                      <a:round/>
+                      <a:headEnd type="none" w="med" len="med"/>
+                      <a:tailEnd type="none" w="med" len="med"/>
+                    </a:lnB>
+                  </a:tcPr>
+                </a:tc>
+                <a:extLst>
+                  <a:ext uri="{0D108BD9-81ED-4DB2-BD59-A6C34878D82A}">
+                    <a16:rowId xmlns:a16="http://schemas.microsoft.com/office/drawing/2014/main" val="348444417"/>
+                  </a:ext>
+                </a:extLst>
+              </a:tr>
+              <a:tr h="370840">
+                <a:tc>
+                  <a:txBody>
+                    <a:bodyPr/>
+                    <a:lstStyle/>
+                    <a:p>
+                      <a:pPr algn="ctr"/>
+                      <a:r>
+                        <a:rPr lang="en-US" sz="4000"/>
+                        <a:t>4</a:t>
+                      </a:r>
+                    </a:p>
+                  </a:txBody>
+                  <a:tcPr anchor="ctr">
+                    <a:lnL w="38100" cap="flat" cmpd="sng" algn="ctr">
+                      <a:solidFill>
+                        <a:schemeClr val="tx1"/>
+                      </a:solidFill>
+                      <a:prstDash val="solid"/>
+                      <a:round/>
+                      <a:headEnd type="none" w="med" len="med"/>
+                      <a:tailEnd type="none" w="med" len="med"/>
+                    </a:lnL>
+                    <a:lnR w="38100" cap="flat" cmpd="sng" algn="ctr">
+                      <a:solidFill>
+                        <a:schemeClr val="tx1"/>
+                      </a:solidFill>
+                      <a:prstDash val="solid"/>
+                      <a:round/>
+                      <a:headEnd type="none" w="med" len="med"/>
+                      <a:tailEnd type="none" w="med" len="med"/>
+                    </a:lnR>
+                    <a:lnT w="19050" cap="flat" cmpd="sng" algn="ctr">
+                      <a:solidFill>
+                        <a:schemeClr val="tx1"/>
+                      </a:solidFill>
+                      <a:prstDash val="solid"/>
+                      <a:round/>
+                      <a:headEnd type="none" w="med" len="med"/>
+                      <a:tailEnd type="none" w="med" len="med"/>
+                    </a:lnT>
+                    <a:lnB w="19050" cap="flat" cmpd="sng" algn="ctr">
+                      <a:solidFill>
+                        <a:schemeClr val="tx1"/>
+                      </a:solidFill>
+                      <a:prstDash val="solid"/>
+                      <a:round/>
+                      <a:headEnd type="none" w="med" len="med"/>
+                      <a:tailEnd type="none" w="med" len="med"/>
+                    </a:lnB>
+                  </a:tcPr>
+                </a:tc>
+                <a:extLst>
+                  <a:ext uri="{0D108BD9-81ED-4DB2-BD59-A6C34878D82A}">
+                    <a16:rowId xmlns:a16="http://schemas.microsoft.com/office/drawing/2014/main" val="3429476869"/>
+                  </a:ext>
+                </a:extLst>
+              </a:tr>
+              <a:tr h="370840">
+                <a:tc>
+                  <a:txBody>
+                    <a:bodyPr/>
+                    <a:lstStyle/>
+                    <a:p>
+                      <a:pPr algn="ctr"/>
+                      <a:r>
+                        <a:rPr lang="en-US" sz="4000"/>
+                        <a:t>5</a:t>
+                      </a:r>
+                    </a:p>
+                  </a:txBody>
+                  <a:tcPr anchor="ctr">
+                    <a:lnL w="38100" cap="flat" cmpd="sng" algn="ctr">
+                      <a:solidFill>
+                        <a:schemeClr val="tx1"/>
+                      </a:solidFill>
+                      <a:prstDash val="solid"/>
+                      <a:round/>
+                      <a:headEnd type="none" w="med" len="med"/>
+                      <a:tailEnd type="none" w="med" len="med"/>
+                    </a:lnL>
+                    <a:lnR w="38100" cap="flat" cmpd="sng" algn="ctr">
+                      <a:solidFill>
+                        <a:schemeClr val="tx1"/>
+                      </a:solidFill>
+                      <a:prstDash val="solid"/>
+                      <a:round/>
+                      <a:headEnd type="none" w="med" len="med"/>
+                      <a:tailEnd type="none" w="med" len="med"/>
+                    </a:lnR>
+                    <a:lnT w="19050" cap="flat" cmpd="sng" algn="ctr">
+                      <a:solidFill>
+                        <a:schemeClr val="tx1"/>
+                      </a:solidFill>
+                      <a:prstDash val="solid"/>
+                      <a:round/>
+                      <a:headEnd type="none" w="med" len="med"/>
+                      <a:tailEnd type="none" w="med" len="med"/>
+                    </a:lnT>
+                    <a:lnB w="19050" cap="flat" cmpd="sng" algn="ctr">
+                      <a:solidFill>
+                        <a:schemeClr val="tx1"/>
+                      </a:solidFill>
+                      <a:prstDash val="solid"/>
+                      <a:round/>
+                      <a:headEnd type="none" w="med" len="med"/>
+                      <a:tailEnd type="none" w="med" len="med"/>
+                    </a:lnB>
+                  </a:tcPr>
+                </a:tc>
+                <a:extLst>
+                  <a:ext uri="{0D108BD9-81ED-4DB2-BD59-A6C34878D82A}">
+                    <a16:rowId xmlns:a16="http://schemas.microsoft.com/office/drawing/2014/main" val="3061754060"/>
+                  </a:ext>
+                </a:extLst>
+              </a:tr>
+              <a:tr h="370840">
+                <a:tc>
+                  <a:txBody>
+                    <a:bodyPr/>
+                    <a:lstStyle/>
+                    <a:p>
+                      <a:pPr algn="ctr"/>
+                      <a:r>
+                        <a:rPr lang="en-US" sz="4000"/>
+                        <a:t>6</a:t>
+                      </a:r>
+                    </a:p>
+                  </a:txBody>
+                  <a:tcPr anchor="ctr">
+                    <a:lnL w="38100" cap="flat" cmpd="sng" algn="ctr">
+                      <a:solidFill>
+                        <a:schemeClr val="tx1"/>
+                      </a:solidFill>
+                      <a:prstDash val="solid"/>
+                      <a:round/>
+                      <a:headEnd type="none" w="med" len="med"/>
+                      <a:tailEnd type="none" w="med" len="med"/>
+                    </a:lnL>
+                    <a:lnR w="38100" cap="flat" cmpd="sng" algn="ctr">
+                      <a:solidFill>
+                        <a:schemeClr val="tx1"/>
+                      </a:solidFill>
+                      <a:prstDash val="solid"/>
+                      <a:round/>
+                      <a:headEnd type="none" w="med" len="med"/>
+                      <a:tailEnd type="none" w="med" len="med"/>
+                    </a:lnR>
+                    <a:lnT w="19050" cap="flat" cmpd="sng" algn="ctr">
+                      <a:solidFill>
+                        <a:schemeClr val="tx1"/>
+                      </a:solidFill>
+                      <a:prstDash val="solid"/>
+                      <a:round/>
+                      <a:headEnd type="none" w="med" len="med"/>
+                      <a:tailEnd type="none" w="med" len="med"/>
+                    </a:lnT>
+                    <a:lnB w="38100" cap="flat" cmpd="sng" algn="ctr">
+                      <a:solidFill>
+                        <a:schemeClr val="tx1"/>
+                      </a:solidFill>
+                      <a:prstDash val="solid"/>
+                      <a:round/>
+                      <a:headEnd type="none" w="med" len="med"/>
+                      <a:tailEnd type="none" w="med" len="med"/>
+                    </a:lnB>
+                  </a:tcPr>
+                </a:tc>
+                <a:extLst>
+                  <a:ext uri="{0D108BD9-81ED-4DB2-BD59-A6C34878D82A}">
+                    <a16:rowId xmlns:a16="http://schemas.microsoft.com/office/drawing/2014/main" val="3453246688"/>
+                  </a:ext>
+                </a:extLst>
+              </a:tr>
+            </a:tbl>
+          </a:graphicData>
+        </a:graphic>
+      </p:graphicFrame>
+      <p:graphicFrame>
+        <p:nvGraphicFramePr>
+          <p:cNvPr id="7" name="Table 2">
+            <a:extLst>
+              <a:ext uri="{FF2B5EF4-FFF2-40B4-BE49-F238E27FC236}">
+                <a16:creationId xmlns:a16="http://schemas.microsoft.com/office/drawing/2014/main" id="{DDCB04AB-22EC-48B7-AD9A-908335842D30}"/>
+              </a:ext>
+            </a:extLst>
+          </p:cNvPr>
+          <p:cNvGraphicFramePr>
+            <a:graphicFrameLocks noGrp="1"/>
+          </p:cNvGraphicFramePr>
+          <p:nvPr>
+            <p:extLst>
+              <p:ext uri="{D42A27DB-BD31-4B8C-83A1-F6EECF244321}">
+                <p14:modId xmlns:p14="http://schemas.microsoft.com/office/powerpoint/2010/main" val="462989081"/>
+              </p:ext>
+            </p:extLst>
+          </p:nvPr>
+        </p:nvGraphicFramePr>
+        <p:xfrm>
+          <a:off x="7641108" y="719666"/>
+          <a:ext cx="1258016" cy="4907280"/>
+        </p:xfrm>
+        <a:graphic>
+          <a:graphicData uri="http://schemas.openxmlformats.org/drawingml/2006/table">
+            <a:tbl>
+              <a:tblPr firstRow="1" bandRow="1">
+                <a:tableStyleId>{5940675A-B579-460E-94D1-54222C63F5DA}</a:tableStyleId>
+              </a:tblPr>
+              <a:tblGrid>
+                <a:gridCol w="1258016">
+                  <a:extLst>
+                    <a:ext uri="{9D8B030D-6E8A-4147-A177-3AD203B41FA5}">
+                      <a16:colId xmlns:a16="http://schemas.microsoft.com/office/drawing/2014/main" val="823069406"/>
+                    </a:ext>
+                  </a:extLst>
+                </a:gridCol>
+              </a:tblGrid>
+              <a:tr h="370840">
+                <a:tc>
+                  <a:txBody>
+                    <a:bodyPr/>
+                    <a:lstStyle/>
+                    <a:p>
+                      <a:pPr algn="ctr"/>
+                      <a:r>
+                        <a:rPr lang="en-US" sz="4000" b="1"/>
+                        <a:t>X</a:t>
+                      </a:r>
+                      <a:r>
+                        <a:rPr lang="en-US" sz="4000" b="1" baseline="-25000"/>
+                        <a:t>5</a:t>
+                      </a:r>
+                    </a:p>
+                  </a:txBody>
+                  <a:tcPr anchor="ctr">
+                    <a:lnL w="38100" cap="flat" cmpd="sng" algn="ctr">
+                      <a:solidFill>
+                        <a:schemeClr val="tx1"/>
+                      </a:solidFill>
+                      <a:prstDash val="solid"/>
+                      <a:round/>
+                      <a:headEnd type="none" w="med" len="med"/>
+                      <a:tailEnd type="none" w="med" len="med"/>
+                    </a:lnL>
+                    <a:lnR w="38100" cap="flat" cmpd="sng" algn="ctr">
+                      <a:solidFill>
+                        <a:schemeClr val="tx1"/>
+                      </a:solidFill>
+                      <a:prstDash val="solid"/>
+                      <a:round/>
+                      <a:headEnd type="none" w="med" len="med"/>
+                      <a:tailEnd type="none" w="med" len="med"/>
+                    </a:lnR>
+                    <a:lnT w="38100" cap="flat" cmpd="sng" algn="ctr">
+                      <a:solidFill>
+                        <a:schemeClr val="tx1"/>
+                      </a:solidFill>
+                      <a:prstDash val="solid"/>
+                      <a:round/>
+                      <a:headEnd type="none" w="med" len="med"/>
+                      <a:tailEnd type="none" w="med" len="med"/>
+                    </a:lnT>
+                    <a:lnB w="38100" cap="flat" cmpd="sng" algn="ctr">
+                      <a:solidFill>
+                        <a:schemeClr val="tx1"/>
+                      </a:solidFill>
+                      <a:prstDash val="solid"/>
+                      <a:round/>
+                      <a:headEnd type="none" w="med" len="med"/>
+                      <a:tailEnd type="none" w="med" len="med"/>
+                    </a:lnB>
+                  </a:tcPr>
+                </a:tc>
+                <a:extLst>
+                  <a:ext uri="{0D108BD9-81ED-4DB2-BD59-A6C34878D82A}">
+                    <a16:rowId xmlns:a16="http://schemas.microsoft.com/office/drawing/2014/main" val="1536228135"/>
+                  </a:ext>
+                </a:extLst>
+              </a:tr>
+              <a:tr h="370840">
+                <a:tc>
+                  <a:txBody>
+                    <a:bodyPr/>
+                    <a:lstStyle/>
+                    <a:p>
+                      <a:pPr algn="ctr"/>
+                      <a:r>
+                        <a:rPr lang="en-US" sz="4000"/>
+                        <a:t>1</a:t>
+                      </a:r>
+                    </a:p>
+                  </a:txBody>
+                  <a:tcPr anchor="ctr">
+                    <a:lnL w="38100" cap="flat" cmpd="sng" algn="ctr">
+                      <a:solidFill>
+                        <a:schemeClr val="tx1"/>
+                      </a:solidFill>
+                      <a:prstDash val="solid"/>
+                      <a:round/>
+                      <a:headEnd type="none" w="med" len="med"/>
+                      <a:tailEnd type="none" w="med" len="med"/>
+                    </a:lnL>
+                    <a:lnR w="38100" cap="flat" cmpd="sng" algn="ctr">
+                      <a:solidFill>
+                        <a:schemeClr val="tx1"/>
+                      </a:solidFill>
+                      <a:prstDash val="solid"/>
+                      <a:round/>
+                      <a:headEnd type="none" w="med" len="med"/>
+                      <a:tailEnd type="none" w="med" len="med"/>
+                    </a:lnR>
+                    <a:lnT w="38100" cap="flat" cmpd="sng" algn="ctr">
+                      <a:solidFill>
+                        <a:schemeClr val="tx1"/>
+                      </a:solidFill>
+                      <a:prstDash val="solid"/>
+                      <a:round/>
+                      <a:headEnd type="none" w="med" len="med"/>
+                      <a:tailEnd type="none" w="med" len="med"/>
+                    </a:lnT>
+                    <a:lnB w="19050" cap="flat" cmpd="sng" algn="ctr">
+                      <a:solidFill>
+                        <a:schemeClr val="tx1"/>
+                      </a:solidFill>
+                      <a:prstDash val="solid"/>
+                      <a:round/>
+                      <a:headEnd type="none" w="med" len="med"/>
+                      <a:tailEnd type="none" w="med" len="med"/>
+                    </a:lnB>
+                  </a:tcPr>
+                </a:tc>
+                <a:extLst>
+                  <a:ext uri="{0D108BD9-81ED-4DB2-BD59-A6C34878D82A}">
+                    <a16:rowId xmlns:a16="http://schemas.microsoft.com/office/drawing/2014/main" val="4163124020"/>
+                  </a:ext>
+                </a:extLst>
+              </a:tr>
+              <a:tr h="370840">
+                <a:tc>
+                  <a:txBody>
+                    <a:bodyPr/>
+                    <a:lstStyle/>
+                    <a:p>
+                      <a:pPr algn="ctr"/>
+                      <a:r>
+                        <a:rPr lang="en-US" sz="4000"/>
+                        <a:t>2</a:t>
+                      </a:r>
+                    </a:p>
+                  </a:txBody>
+                  <a:tcPr anchor="ctr">
+                    <a:lnL w="38100" cap="flat" cmpd="sng" algn="ctr">
+                      <a:solidFill>
+                        <a:schemeClr val="tx1"/>
+                      </a:solidFill>
+                      <a:prstDash val="solid"/>
+                      <a:round/>
+                      <a:headEnd type="none" w="med" len="med"/>
+                      <a:tailEnd type="none" w="med" len="med"/>
+                    </a:lnL>
+                    <a:lnR w="38100" cap="flat" cmpd="sng" algn="ctr">
+                      <a:solidFill>
+                        <a:schemeClr val="tx1"/>
+                      </a:solidFill>
+                      <a:prstDash val="solid"/>
+                      <a:round/>
+                      <a:headEnd type="none" w="med" len="med"/>
+                      <a:tailEnd type="none" w="med" len="med"/>
+                    </a:lnR>
+                    <a:lnT w="19050" cap="flat" cmpd="sng" algn="ctr">
+                      <a:solidFill>
+                        <a:schemeClr val="tx1"/>
+                      </a:solidFill>
+                      <a:prstDash val="solid"/>
+                      <a:round/>
+                      <a:headEnd type="none" w="med" len="med"/>
+                      <a:tailEnd type="none" w="med" len="med"/>
+                    </a:lnT>
+                    <a:lnB w="19050" cap="flat" cmpd="sng" algn="ctr">
+                      <a:solidFill>
+                        <a:schemeClr val="tx1"/>
+                      </a:solidFill>
+                      <a:prstDash val="solid"/>
+                      <a:round/>
+                      <a:headEnd type="none" w="med" len="med"/>
+                      <a:tailEnd type="none" w="med" len="med"/>
+                    </a:lnB>
+                  </a:tcPr>
+                </a:tc>
+                <a:extLst>
+                  <a:ext uri="{0D108BD9-81ED-4DB2-BD59-A6C34878D82A}">
+                    <a16:rowId xmlns:a16="http://schemas.microsoft.com/office/drawing/2014/main" val="37259266"/>
+                  </a:ext>
+                </a:extLst>
+              </a:tr>
+              <a:tr h="370840">
+                <a:tc>
+                  <a:txBody>
+                    <a:bodyPr/>
+                    <a:lstStyle/>
+                    <a:p>
+                      <a:pPr algn="ctr"/>
+                      <a:r>
+                        <a:rPr lang="en-US" sz="4000"/>
+                        <a:t>3</a:t>
+                      </a:r>
+                    </a:p>
+                  </a:txBody>
+                  <a:tcPr anchor="ctr">
+                    <a:lnL w="38100" cap="flat" cmpd="sng" algn="ctr">
+                      <a:solidFill>
+                        <a:schemeClr val="tx1"/>
+                      </a:solidFill>
+                      <a:prstDash val="solid"/>
+                      <a:round/>
+                      <a:headEnd type="none" w="med" len="med"/>
+                      <a:tailEnd type="none" w="med" len="med"/>
+                    </a:lnL>
+                    <a:lnR w="38100" cap="flat" cmpd="sng" algn="ctr">
+                      <a:solidFill>
+                        <a:schemeClr val="tx1"/>
+                      </a:solidFill>
+                      <a:prstDash val="solid"/>
+                      <a:round/>
+                      <a:headEnd type="none" w="med" len="med"/>
+                      <a:tailEnd type="none" w="med" len="med"/>
+                    </a:lnR>
+                    <a:lnT w="19050" cap="flat" cmpd="sng" algn="ctr">
+                      <a:solidFill>
+                        <a:schemeClr val="tx1"/>
+                      </a:solidFill>
+                      <a:prstDash val="solid"/>
+                      <a:round/>
+                      <a:headEnd type="none" w="med" len="med"/>
+                      <a:tailEnd type="none" w="med" len="med"/>
+                    </a:lnT>
+                    <a:lnB w="19050" cap="flat" cmpd="sng" algn="ctr">
+                      <a:solidFill>
+                        <a:schemeClr val="tx1"/>
+                      </a:solidFill>
+                      <a:prstDash val="solid"/>
+                      <a:round/>
+                      <a:headEnd type="none" w="med" len="med"/>
+                      <a:tailEnd type="none" w="med" len="med"/>
+                    </a:lnB>
+                  </a:tcPr>
+                </a:tc>
+                <a:extLst>
+                  <a:ext uri="{0D108BD9-81ED-4DB2-BD59-A6C34878D82A}">
+                    <a16:rowId xmlns:a16="http://schemas.microsoft.com/office/drawing/2014/main" val="348444417"/>
+                  </a:ext>
+                </a:extLst>
+              </a:tr>
+              <a:tr h="370840">
+                <a:tc>
+                  <a:txBody>
+                    <a:bodyPr/>
+                    <a:lstStyle/>
+                    <a:p>
+                      <a:pPr algn="ctr"/>
+                      <a:r>
+                        <a:rPr lang="en-US" sz="4000"/>
+                        <a:t>4</a:t>
+                      </a:r>
+                    </a:p>
+                  </a:txBody>
+                  <a:tcPr anchor="ctr">
+                    <a:lnL w="38100" cap="flat" cmpd="sng" algn="ctr">
+                      <a:solidFill>
+                        <a:schemeClr val="tx1"/>
+                      </a:solidFill>
+                      <a:prstDash val="solid"/>
+                      <a:round/>
+                      <a:headEnd type="none" w="med" len="med"/>
+                      <a:tailEnd type="none" w="med" len="med"/>
+                    </a:lnL>
+                    <a:lnR w="38100" cap="flat" cmpd="sng" algn="ctr">
+                      <a:solidFill>
+                        <a:schemeClr val="tx1"/>
+                      </a:solidFill>
+                      <a:prstDash val="solid"/>
+                      <a:round/>
+                      <a:headEnd type="none" w="med" len="med"/>
+                      <a:tailEnd type="none" w="med" len="med"/>
+                    </a:lnR>
+                    <a:lnT w="19050" cap="flat" cmpd="sng" algn="ctr">
+                      <a:solidFill>
+                        <a:schemeClr val="tx1"/>
+                      </a:solidFill>
+                      <a:prstDash val="solid"/>
+                      <a:round/>
+                      <a:headEnd type="none" w="med" len="med"/>
+                      <a:tailEnd type="none" w="med" len="med"/>
+                    </a:lnT>
+                    <a:lnB w="19050" cap="flat" cmpd="sng" algn="ctr">
+                      <a:solidFill>
+                        <a:schemeClr val="tx1"/>
+                      </a:solidFill>
+                      <a:prstDash val="solid"/>
+                      <a:round/>
+                      <a:headEnd type="none" w="med" len="med"/>
+                      <a:tailEnd type="none" w="med" len="med"/>
+                    </a:lnB>
+                  </a:tcPr>
+                </a:tc>
+                <a:extLst>
+                  <a:ext uri="{0D108BD9-81ED-4DB2-BD59-A6C34878D82A}">
+                    <a16:rowId xmlns:a16="http://schemas.microsoft.com/office/drawing/2014/main" val="3429476869"/>
+                  </a:ext>
+                </a:extLst>
+              </a:tr>
+              <a:tr h="370840">
+                <a:tc>
+                  <a:txBody>
+                    <a:bodyPr/>
+                    <a:lstStyle/>
+                    <a:p>
+                      <a:pPr algn="ctr"/>
+                      <a:r>
+                        <a:rPr lang="en-US" sz="4000"/>
+                        <a:t>5</a:t>
+                      </a:r>
+                    </a:p>
+                  </a:txBody>
+                  <a:tcPr anchor="ctr">
+                    <a:lnL w="38100" cap="flat" cmpd="sng" algn="ctr">
+                      <a:solidFill>
+                        <a:schemeClr val="tx1"/>
+                      </a:solidFill>
+                      <a:prstDash val="solid"/>
+                      <a:round/>
+                      <a:headEnd type="none" w="med" len="med"/>
+                      <a:tailEnd type="none" w="med" len="med"/>
+                    </a:lnL>
+                    <a:lnR w="38100" cap="flat" cmpd="sng" algn="ctr">
+                      <a:solidFill>
+                        <a:schemeClr val="tx1"/>
+                      </a:solidFill>
+                      <a:prstDash val="solid"/>
+                      <a:round/>
+                      <a:headEnd type="none" w="med" len="med"/>
+                      <a:tailEnd type="none" w="med" len="med"/>
+                    </a:lnR>
+                    <a:lnT w="19050" cap="flat" cmpd="sng" algn="ctr">
+                      <a:solidFill>
+                        <a:schemeClr val="tx1"/>
+                      </a:solidFill>
+                      <a:prstDash val="solid"/>
+                      <a:round/>
+                      <a:headEnd type="none" w="med" len="med"/>
+                      <a:tailEnd type="none" w="med" len="med"/>
+                    </a:lnT>
+                    <a:lnB w="19050" cap="flat" cmpd="sng" algn="ctr">
+                      <a:solidFill>
+                        <a:schemeClr val="tx1"/>
+                      </a:solidFill>
+                      <a:prstDash val="solid"/>
+                      <a:round/>
+                      <a:headEnd type="none" w="med" len="med"/>
+                      <a:tailEnd type="none" w="med" len="med"/>
+                    </a:lnB>
+                  </a:tcPr>
+                </a:tc>
+                <a:extLst>
+                  <a:ext uri="{0D108BD9-81ED-4DB2-BD59-A6C34878D82A}">
+                    <a16:rowId xmlns:a16="http://schemas.microsoft.com/office/drawing/2014/main" val="3061754060"/>
+                  </a:ext>
+                </a:extLst>
+              </a:tr>
+              <a:tr h="370840">
+                <a:tc>
+                  <a:txBody>
+                    <a:bodyPr/>
+                    <a:lstStyle/>
+                    <a:p>
+                      <a:pPr algn="ctr"/>
+                      <a:r>
+                        <a:rPr lang="en-US" sz="4000"/>
+                        <a:t>6</a:t>
+                      </a:r>
+                    </a:p>
+                  </a:txBody>
+                  <a:tcPr anchor="ctr">
+                    <a:lnL w="38100" cap="flat" cmpd="sng" algn="ctr">
+                      <a:solidFill>
+                        <a:schemeClr val="tx1"/>
+                      </a:solidFill>
+                      <a:prstDash val="solid"/>
+                      <a:round/>
+                      <a:headEnd type="none" w="med" len="med"/>
+                      <a:tailEnd type="none" w="med" len="med"/>
+                    </a:lnL>
+                    <a:lnR w="38100" cap="flat" cmpd="sng" algn="ctr">
+                      <a:solidFill>
+                        <a:schemeClr val="tx1"/>
+                      </a:solidFill>
+                      <a:prstDash val="solid"/>
+                      <a:round/>
+                      <a:headEnd type="none" w="med" len="med"/>
+                      <a:tailEnd type="none" w="med" len="med"/>
+                    </a:lnR>
+                    <a:lnT w="19050" cap="flat" cmpd="sng" algn="ctr">
+                      <a:solidFill>
+                        <a:schemeClr val="tx1"/>
+                      </a:solidFill>
+                      <a:prstDash val="solid"/>
+                      <a:round/>
+                      <a:headEnd type="none" w="med" len="med"/>
+                      <a:tailEnd type="none" w="med" len="med"/>
+                    </a:lnT>
+                    <a:lnB w="38100" cap="flat" cmpd="sng" algn="ctr">
+                      <a:solidFill>
+                        <a:schemeClr val="tx1"/>
+                      </a:solidFill>
+                      <a:prstDash val="solid"/>
+                      <a:round/>
+                      <a:headEnd type="none" w="med" len="med"/>
+                      <a:tailEnd type="none" w="med" len="med"/>
+                    </a:lnB>
+                  </a:tcPr>
+                </a:tc>
+                <a:extLst>
+                  <a:ext uri="{0D108BD9-81ED-4DB2-BD59-A6C34878D82A}">
+                    <a16:rowId xmlns:a16="http://schemas.microsoft.com/office/drawing/2014/main" val="3453246688"/>
+                  </a:ext>
+                </a:extLst>
+              </a:tr>
+            </a:tbl>
+          </a:graphicData>
+        </a:graphic>
+      </p:graphicFrame>
+      <p:graphicFrame>
+        <p:nvGraphicFramePr>
+          <p:cNvPr id="8" name="Table 2">
+            <a:extLst>
+              <a:ext uri="{FF2B5EF4-FFF2-40B4-BE49-F238E27FC236}">
+                <a16:creationId xmlns:a16="http://schemas.microsoft.com/office/drawing/2014/main" id="{E8BADB43-D2CA-4E63-8193-D04833893AA6}"/>
+              </a:ext>
+            </a:extLst>
+          </p:cNvPr>
+          <p:cNvGraphicFramePr>
+            <a:graphicFrameLocks noGrp="1"/>
+          </p:cNvGraphicFramePr>
+          <p:nvPr>
+            <p:extLst>
+              <p:ext uri="{D42A27DB-BD31-4B8C-83A1-F6EECF244321}">
+                <p14:modId xmlns:p14="http://schemas.microsoft.com/office/powerpoint/2010/main" val="3432376978"/>
+              </p:ext>
+            </p:extLst>
+          </p:nvPr>
+        </p:nvGraphicFramePr>
+        <p:xfrm>
+          <a:off x="9042670" y="719666"/>
+          <a:ext cx="1258016" cy="4907280"/>
+        </p:xfrm>
+        <a:graphic>
+          <a:graphicData uri="http://schemas.openxmlformats.org/drawingml/2006/table">
+            <a:tbl>
+              <a:tblPr firstRow="1" bandRow="1">
+                <a:tableStyleId>{5940675A-B579-460E-94D1-54222C63F5DA}</a:tableStyleId>
+              </a:tblPr>
+              <a:tblGrid>
+                <a:gridCol w="1258016">
+                  <a:extLst>
+                    <a:ext uri="{9D8B030D-6E8A-4147-A177-3AD203B41FA5}">
+                      <a16:colId xmlns:a16="http://schemas.microsoft.com/office/drawing/2014/main" val="823069406"/>
+                    </a:ext>
+                  </a:extLst>
+                </a:gridCol>
+              </a:tblGrid>
+              <a:tr h="370840">
+                <a:tc>
+                  <a:txBody>
+                    <a:bodyPr/>
+                    <a:lstStyle/>
+                    <a:p>
+                      <a:pPr algn="ctr"/>
+                      <a:r>
+                        <a:rPr lang="en-US" sz="4000" b="1"/>
+                        <a:t>X</a:t>
+                      </a:r>
+                      <a:r>
+                        <a:rPr lang="en-US" sz="4000" b="1" baseline="-25000"/>
+                        <a:t>6</a:t>
+                      </a:r>
+                    </a:p>
+                  </a:txBody>
+                  <a:tcPr anchor="ctr">
+                    <a:lnL w="38100" cap="flat" cmpd="sng" algn="ctr">
+                      <a:solidFill>
+                        <a:schemeClr val="tx1"/>
+                      </a:solidFill>
+                      <a:prstDash val="solid"/>
+                      <a:round/>
+                      <a:headEnd type="none" w="med" len="med"/>
+                      <a:tailEnd type="none" w="med" len="med"/>
+                    </a:lnL>
+                    <a:lnR w="38100" cap="flat" cmpd="sng" algn="ctr">
+                      <a:solidFill>
+                        <a:schemeClr val="tx1"/>
+                      </a:solidFill>
+                      <a:prstDash val="solid"/>
+                      <a:round/>
+                      <a:headEnd type="none" w="med" len="med"/>
+                      <a:tailEnd type="none" w="med" len="med"/>
+                    </a:lnR>
+                    <a:lnT w="38100" cap="flat" cmpd="sng" algn="ctr">
+                      <a:solidFill>
+                        <a:schemeClr val="tx1"/>
+                      </a:solidFill>
+                      <a:prstDash val="solid"/>
+                      <a:round/>
+                      <a:headEnd type="none" w="med" len="med"/>
+                      <a:tailEnd type="none" w="med" len="med"/>
+                    </a:lnT>
+                    <a:lnB w="38100" cap="flat" cmpd="sng" algn="ctr">
+                      <a:solidFill>
+                        <a:schemeClr val="tx1"/>
+                      </a:solidFill>
+                      <a:prstDash val="solid"/>
+                      <a:round/>
+                      <a:headEnd type="none" w="med" len="med"/>
+                      <a:tailEnd type="none" w="med" len="med"/>
+                    </a:lnB>
+                  </a:tcPr>
+                </a:tc>
+                <a:extLst>
+                  <a:ext uri="{0D108BD9-81ED-4DB2-BD59-A6C34878D82A}">
+                    <a16:rowId xmlns:a16="http://schemas.microsoft.com/office/drawing/2014/main" val="1536228135"/>
+                  </a:ext>
+                </a:extLst>
+              </a:tr>
+              <a:tr h="370840">
+                <a:tc>
+                  <a:txBody>
+                    <a:bodyPr/>
+                    <a:lstStyle/>
+                    <a:p>
+                      <a:pPr algn="ctr"/>
+                      <a:r>
+                        <a:rPr lang="en-US" sz="4000"/>
+                        <a:t>1</a:t>
+                      </a:r>
+                    </a:p>
+                  </a:txBody>
+                  <a:tcPr anchor="ctr">
+                    <a:lnL w="38100" cap="flat" cmpd="sng" algn="ctr">
+                      <a:solidFill>
+                        <a:schemeClr val="tx1"/>
+                      </a:solidFill>
+                      <a:prstDash val="solid"/>
+                      <a:round/>
+                      <a:headEnd type="none" w="med" len="med"/>
+                      <a:tailEnd type="none" w="med" len="med"/>
+                    </a:lnL>
+                    <a:lnR w="38100" cap="flat" cmpd="sng" algn="ctr">
+                      <a:solidFill>
+                        <a:schemeClr val="tx1"/>
+                      </a:solidFill>
+                      <a:prstDash val="solid"/>
+                      <a:round/>
+                      <a:headEnd type="none" w="med" len="med"/>
+                      <a:tailEnd type="none" w="med" len="med"/>
+                    </a:lnR>
+                    <a:lnT w="38100" cap="flat" cmpd="sng" algn="ctr">
+                      <a:solidFill>
+                        <a:schemeClr val="tx1"/>
+                      </a:solidFill>
+                      <a:prstDash val="solid"/>
+                      <a:round/>
+                      <a:headEnd type="none" w="med" len="med"/>
+                      <a:tailEnd type="none" w="med" len="med"/>
+                    </a:lnT>
+                    <a:lnB w="19050" cap="flat" cmpd="sng" algn="ctr">
+                      <a:solidFill>
+                        <a:schemeClr val="tx1"/>
+                      </a:solidFill>
+                      <a:prstDash val="solid"/>
+                      <a:round/>
+                      <a:headEnd type="none" w="med" len="med"/>
+                      <a:tailEnd type="none" w="med" len="med"/>
+                    </a:lnB>
+                  </a:tcPr>
+                </a:tc>
+                <a:extLst>
+                  <a:ext uri="{0D108BD9-81ED-4DB2-BD59-A6C34878D82A}">
+                    <a16:rowId xmlns:a16="http://schemas.microsoft.com/office/drawing/2014/main" val="4163124020"/>
+                  </a:ext>
+                </a:extLst>
+              </a:tr>
+              <a:tr h="370840">
+                <a:tc>
+                  <a:txBody>
+                    <a:bodyPr/>
+                    <a:lstStyle/>
+                    <a:p>
+                      <a:pPr algn="ctr"/>
+                      <a:r>
+                        <a:rPr lang="en-US" sz="4000"/>
+                        <a:t>2</a:t>
+                      </a:r>
+                    </a:p>
+                  </a:txBody>
+                  <a:tcPr anchor="ctr">
+                    <a:lnL w="38100" cap="flat" cmpd="sng" algn="ctr">
+                      <a:solidFill>
+                        <a:schemeClr val="tx1"/>
+                      </a:solidFill>
+                      <a:prstDash val="solid"/>
+                      <a:round/>
+                      <a:headEnd type="none" w="med" len="med"/>
+                      <a:tailEnd type="none" w="med" len="med"/>
+                    </a:lnL>
+                    <a:lnR w="38100" cap="flat" cmpd="sng" algn="ctr">
+                      <a:solidFill>
+                        <a:schemeClr val="tx1"/>
+                      </a:solidFill>
+                      <a:prstDash val="solid"/>
+                      <a:round/>
+                      <a:headEnd type="none" w="med" len="med"/>
+                      <a:tailEnd type="none" w="med" len="med"/>
+                    </a:lnR>
+                    <a:lnT w="19050" cap="flat" cmpd="sng" algn="ctr">
+                      <a:solidFill>
+                        <a:schemeClr val="tx1"/>
+                      </a:solidFill>
+                      <a:prstDash val="solid"/>
+                      <a:round/>
+                      <a:headEnd type="none" w="med" len="med"/>
+                      <a:tailEnd type="none" w="med" len="med"/>
+                    </a:lnT>
+                    <a:lnB w="19050" cap="flat" cmpd="sng" algn="ctr">
+                      <a:solidFill>
+                        <a:schemeClr val="tx1"/>
+                      </a:solidFill>
+                      <a:prstDash val="solid"/>
+                      <a:round/>
+                      <a:headEnd type="none" w="med" len="med"/>
+                      <a:tailEnd type="none" w="med" len="med"/>
+                    </a:lnB>
+                  </a:tcPr>
+                </a:tc>
+                <a:extLst>
+                  <a:ext uri="{0D108BD9-81ED-4DB2-BD59-A6C34878D82A}">
+                    <a16:rowId xmlns:a16="http://schemas.microsoft.com/office/drawing/2014/main" val="37259266"/>
+                  </a:ext>
+                </a:extLst>
+              </a:tr>
+              <a:tr h="370840">
+                <a:tc>
+                  <a:txBody>
+                    <a:bodyPr/>
+                    <a:lstStyle/>
+                    <a:p>
+                      <a:pPr algn="ctr"/>
+                      <a:r>
+                        <a:rPr lang="en-US" sz="4000"/>
+                        <a:t>3</a:t>
+                      </a:r>
+                    </a:p>
+                  </a:txBody>
+                  <a:tcPr anchor="ctr">
+                    <a:lnL w="38100" cap="flat" cmpd="sng" algn="ctr">
+                      <a:solidFill>
+                        <a:schemeClr val="tx1"/>
+                      </a:solidFill>
+                      <a:prstDash val="solid"/>
+                      <a:round/>
+                      <a:headEnd type="none" w="med" len="med"/>
+                      <a:tailEnd type="none" w="med" len="med"/>
+                    </a:lnL>
+                    <a:lnR w="38100" cap="flat" cmpd="sng" algn="ctr">
+                      <a:solidFill>
+                        <a:schemeClr val="tx1"/>
+                      </a:solidFill>
+                      <a:prstDash val="solid"/>
+                      <a:round/>
+                      <a:headEnd type="none" w="med" len="med"/>
+                      <a:tailEnd type="none" w="med" len="med"/>
+                    </a:lnR>
+                    <a:lnT w="19050" cap="flat" cmpd="sng" algn="ctr">
+                      <a:solidFill>
+                        <a:schemeClr val="tx1"/>
+                      </a:solidFill>
+                      <a:prstDash val="solid"/>
+                      <a:round/>
+                      <a:headEnd type="none" w="med" len="med"/>
+                      <a:tailEnd type="none" w="med" len="med"/>
+                    </a:lnT>
+                    <a:lnB w="19050" cap="flat" cmpd="sng" algn="ctr">
+                      <a:solidFill>
+                        <a:schemeClr val="tx1"/>
+                      </a:solidFill>
+                      <a:prstDash val="solid"/>
+                      <a:round/>
+                      <a:headEnd type="none" w="med" len="med"/>
+                      <a:tailEnd type="none" w="med" len="med"/>
+                    </a:lnB>
+                  </a:tcPr>
+                </a:tc>
+                <a:extLst>
+                  <a:ext uri="{0D108BD9-81ED-4DB2-BD59-A6C34878D82A}">
+                    <a16:rowId xmlns:a16="http://schemas.microsoft.com/office/drawing/2014/main" val="348444417"/>
+                  </a:ext>
+                </a:extLst>
+              </a:tr>
+              <a:tr h="370840">
+                <a:tc>
+                  <a:txBody>
+                    <a:bodyPr/>
+                    <a:lstStyle/>
+                    <a:p>
+                      <a:pPr algn="ctr"/>
+                      <a:r>
+                        <a:rPr lang="en-US" sz="4000"/>
+                        <a:t>4</a:t>
+                      </a:r>
+                    </a:p>
+                  </a:txBody>
+                  <a:tcPr anchor="ctr">
+                    <a:lnL w="38100" cap="flat" cmpd="sng" algn="ctr">
+                      <a:solidFill>
+                        <a:schemeClr val="tx1"/>
+                      </a:solidFill>
+                      <a:prstDash val="solid"/>
+                      <a:round/>
+                      <a:headEnd type="none" w="med" len="med"/>
+                      <a:tailEnd type="none" w="med" len="med"/>
+                    </a:lnL>
+                    <a:lnR w="38100" cap="flat" cmpd="sng" algn="ctr">
+                      <a:solidFill>
+                        <a:schemeClr val="tx1"/>
+                      </a:solidFill>
+                      <a:prstDash val="solid"/>
+                      <a:round/>
+                      <a:headEnd type="none" w="med" len="med"/>
+                      <a:tailEnd type="none" w="med" len="med"/>
+                    </a:lnR>
+                    <a:lnT w="19050" cap="flat" cmpd="sng" algn="ctr">
+                      <a:solidFill>
+                        <a:schemeClr val="tx1"/>
+                      </a:solidFill>
+                      <a:prstDash val="solid"/>
+                      <a:round/>
+                      <a:headEnd type="none" w="med" len="med"/>
+                      <a:tailEnd type="none" w="med" len="med"/>
+                    </a:lnT>
+                    <a:lnB w="19050" cap="flat" cmpd="sng" algn="ctr">
+                      <a:solidFill>
+                        <a:schemeClr val="tx1"/>
+                      </a:solidFill>
+                      <a:prstDash val="solid"/>
+                      <a:round/>
+                      <a:headEnd type="none" w="med" len="med"/>
+                      <a:tailEnd type="none" w="med" len="med"/>
+                    </a:lnB>
+                  </a:tcPr>
+                </a:tc>
+                <a:extLst>
+                  <a:ext uri="{0D108BD9-81ED-4DB2-BD59-A6C34878D82A}">
+                    <a16:rowId xmlns:a16="http://schemas.microsoft.com/office/drawing/2014/main" val="3429476869"/>
+                  </a:ext>
+                </a:extLst>
+              </a:tr>
+              <a:tr h="370840">
+                <a:tc>
+                  <a:txBody>
+                    <a:bodyPr/>
+                    <a:lstStyle/>
+                    <a:p>
+                      <a:pPr algn="ctr"/>
+                      <a:r>
+                        <a:rPr lang="en-US" sz="4000"/>
+                        <a:t>5</a:t>
+                      </a:r>
+                    </a:p>
+                  </a:txBody>
+                  <a:tcPr anchor="ctr">
+                    <a:lnL w="38100" cap="flat" cmpd="sng" algn="ctr">
+                      <a:solidFill>
+                        <a:schemeClr val="tx1"/>
+                      </a:solidFill>
+                      <a:prstDash val="solid"/>
+                      <a:round/>
+                      <a:headEnd type="none" w="med" len="med"/>
+                      <a:tailEnd type="none" w="med" len="med"/>
+                    </a:lnL>
+                    <a:lnR w="38100" cap="flat" cmpd="sng" algn="ctr">
+                      <a:solidFill>
+                        <a:schemeClr val="tx1"/>
+                      </a:solidFill>
+                      <a:prstDash val="solid"/>
+                      <a:round/>
+                      <a:headEnd type="none" w="med" len="med"/>
+                      <a:tailEnd type="none" w="med" len="med"/>
+                    </a:lnR>
+                    <a:lnT w="19050" cap="flat" cmpd="sng" algn="ctr">
+                      <a:solidFill>
+                        <a:schemeClr val="tx1"/>
+                      </a:solidFill>
+                      <a:prstDash val="solid"/>
+                      <a:round/>
+                      <a:headEnd type="none" w="med" len="med"/>
+                      <a:tailEnd type="none" w="med" len="med"/>
+                    </a:lnT>
+                    <a:lnB w="19050" cap="flat" cmpd="sng" algn="ctr">
+                      <a:solidFill>
+                        <a:schemeClr val="tx1"/>
+                      </a:solidFill>
+                      <a:prstDash val="solid"/>
+                      <a:round/>
+                      <a:headEnd type="none" w="med" len="med"/>
+                      <a:tailEnd type="none" w="med" len="med"/>
+                    </a:lnB>
+                  </a:tcPr>
+                </a:tc>
+                <a:extLst>
+                  <a:ext uri="{0D108BD9-81ED-4DB2-BD59-A6C34878D82A}">
+                    <a16:rowId xmlns:a16="http://schemas.microsoft.com/office/drawing/2014/main" val="3061754060"/>
+                  </a:ext>
+                </a:extLst>
+              </a:tr>
+              <a:tr h="370840">
+                <a:tc>
+                  <a:txBody>
+                    <a:bodyPr/>
+                    <a:lstStyle/>
+                    <a:p>
+                      <a:pPr algn="ctr"/>
+                      <a:r>
+                        <a:rPr lang="en-US" sz="4000"/>
+                        <a:t>6</a:t>
+                      </a:r>
+                    </a:p>
+                  </a:txBody>
+                  <a:tcPr anchor="ctr">
+                    <a:lnL w="38100" cap="flat" cmpd="sng" algn="ctr">
+                      <a:solidFill>
+                        <a:schemeClr val="tx1"/>
+                      </a:solidFill>
+                      <a:prstDash val="solid"/>
+                      <a:round/>
+                      <a:headEnd type="none" w="med" len="med"/>
+                      <a:tailEnd type="none" w="med" len="med"/>
+                    </a:lnL>
+                    <a:lnR w="38100" cap="flat" cmpd="sng" algn="ctr">
+                      <a:solidFill>
+                        <a:schemeClr val="tx1"/>
+                      </a:solidFill>
+                      <a:prstDash val="solid"/>
+                      <a:round/>
+                      <a:headEnd type="none" w="med" len="med"/>
+                      <a:tailEnd type="none" w="med" len="med"/>
+                    </a:lnR>
+                    <a:lnT w="19050" cap="flat" cmpd="sng" algn="ctr">
+                      <a:solidFill>
+                        <a:schemeClr val="tx1"/>
+                      </a:solidFill>
+                      <a:prstDash val="solid"/>
+                      <a:round/>
+                      <a:headEnd type="none" w="med" len="med"/>
+                      <a:tailEnd type="none" w="med" len="med"/>
+                    </a:lnT>
+                    <a:lnB w="38100" cap="flat" cmpd="sng" algn="ctr">
+                      <a:solidFill>
+                        <a:schemeClr val="tx1"/>
+                      </a:solidFill>
+                      <a:prstDash val="solid"/>
+                      <a:round/>
+                      <a:headEnd type="none" w="med" len="med"/>
+                      <a:tailEnd type="none" w="med" len="med"/>
+                    </a:lnB>
+                  </a:tcPr>
+                </a:tc>
+                <a:extLst>
+                  <a:ext uri="{0D108BD9-81ED-4DB2-BD59-A6C34878D82A}">
+                    <a16:rowId xmlns:a16="http://schemas.microsoft.com/office/drawing/2014/main" val="3453246688"/>
+                  </a:ext>
+                </a:extLst>
+              </a:tr>
+            </a:tbl>
+          </a:graphicData>
+        </a:graphic>
+      </p:graphicFrame>
+      <mc:AlternateContent xmlns:mc="http://schemas.openxmlformats.org/markup-compatibility/2006">
+        <mc:Choice xmlns:a14="http://schemas.microsoft.com/office/drawing/2010/main" Requires="a14">
+          <p:graphicFrame>
+            <p:nvGraphicFramePr>
+              <p:cNvPr id="10" name="Table 2">
+                <a:extLst>
+                  <a:ext uri="{FF2B5EF4-FFF2-40B4-BE49-F238E27FC236}">
+                    <a16:creationId xmlns:a16="http://schemas.microsoft.com/office/drawing/2014/main" id="{6EA5AAD5-0BE6-40E5-8AC3-B008AE2CE231}"/>
+                  </a:ext>
+                </a:extLst>
+              </p:cNvPr>
+              <p:cNvGraphicFramePr>
+                <a:graphicFrameLocks noGrp="1"/>
+              </p:cNvGraphicFramePr>
+              <p:nvPr>
+                <p:extLst>
+                  <p:ext uri="{D42A27DB-BD31-4B8C-83A1-F6EECF244321}">
+                    <p14:modId xmlns:p14="http://schemas.microsoft.com/office/powerpoint/2010/main" val="3892642608"/>
+                  </p:ext>
+                </p:extLst>
+              </p:nvPr>
+            </p:nvGraphicFramePr>
+            <p:xfrm>
+              <a:off x="10444232" y="719666"/>
+              <a:ext cx="1258016" cy="4904613"/>
+            </p:xfrm>
+            <a:graphic>
+              <a:graphicData uri="http://schemas.openxmlformats.org/drawingml/2006/table">
+                <a:tbl>
+                  <a:tblPr firstRow="1" bandRow="1">
+                    <a:tableStyleId>{5940675A-B579-460E-94D1-54222C63F5DA}</a:tableStyleId>
+                  </a:tblPr>
+                  <a:tblGrid>
+                    <a:gridCol w="1258016">
+                      <a:extLst>
+                        <a:ext uri="{9D8B030D-6E8A-4147-A177-3AD203B41FA5}">
+                          <a16:colId xmlns:a16="http://schemas.microsoft.com/office/drawing/2014/main" val="823069406"/>
+                        </a:ext>
+                      </a:extLst>
+                    </a:gridCol>
+                  </a:tblGrid>
+                  <a:tr h="370840">
+                    <a:tc>
+                      <a:txBody>
+                        <a:bodyPr/>
+                        <a:lstStyle/>
+                        <a:p>
+                          <a:pPr algn="ctr"/>
+                          <a14:m>
+                            <m:oMathPara xmlns:m="http://schemas.openxmlformats.org/officeDocument/2006/math">
+                              <m:oMathParaPr>
+                                <m:jc m:val="centerGroup"/>
+                              </m:oMathParaPr>
+                              <m:oMath xmlns:m="http://schemas.openxmlformats.org/officeDocument/2006/math">
+                                <m:acc>
+                                  <m:accPr>
+                                    <m:chr m:val="̅"/>
+                                    <m:ctrlPr>
+                                      <a:rPr lang="en-US" sz="4000" b="1" i="0" smtClean="0">
+                                        <a:latin typeface="+mn-lt"/>
+                                      </a:rPr>
+                                    </m:ctrlPr>
+                                  </m:accPr>
+                                  <m:e>
+                                    <m:r>
+                                      <a:rPr lang="en-US" sz="4000" b="1" i="0" smtClean="0">
+                                        <a:latin typeface="+mn-lt"/>
+                                      </a:rPr>
+                                      <m:t>𝐗</m:t>
+                                    </m:r>
+                                  </m:e>
+                                </m:acc>
+                              </m:oMath>
+                            </m:oMathPara>
+                          </a14:m>
+                          <a:endParaRPr lang="en-US" sz="4000" b="1" i="0" baseline="-25000">
+                            <a:latin typeface="+mn-lt"/>
+                          </a:endParaRPr>
+                        </a:p>
+                      </a:txBody>
+                      <a:tcPr anchor="ctr">
+                        <a:lnL w="38100" cap="flat" cmpd="sng" algn="ctr">
+                          <a:solidFill>
+                            <a:schemeClr val="tx1"/>
+                          </a:solidFill>
+                          <a:prstDash val="solid"/>
+                          <a:round/>
+                          <a:headEnd type="none" w="med" len="med"/>
+                          <a:tailEnd type="none" w="med" len="med"/>
+                        </a:lnL>
+                        <a:lnR w="38100" cap="flat" cmpd="sng" algn="ctr">
+                          <a:solidFill>
+                            <a:schemeClr val="tx1"/>
+                          </a:solidFill>
+                          <a:prstDash val="solid"/>
+                          <a:round/>
+                          <a:headEnd type="none" w="med" len="med"/>
+                          <a:tailEnd type="none" w="med" len="med"/>
+                        </a:lnR>
+                        <a:lnT w="38100" cap="flat" cmpd="sng" algn="ctr">
+                          <a:solidFill>
+                            <a:schemeClr val="tx1"/>
+                          </a:solidFill>
+                          <a:prstDash val="solid"/>
+                          <a:round/>
+                          <a:headEnd type="none" w="med" len="med"/>
+                          <a:tailEnd type="none" w="med" len="med"/>
+                        </a:lnT>
+                        <a:lnB w="38100" cap="flat" cmpd="sng" algn="ctr">
+                          <a:solidFill>
+                            <a:schemeClr val="tx1"/>
+                          </a:solidFill>
+                          <a:prstDash val="solid"/>
+                          <a:round/>
+                          <a:headEnd type="none" w="med" len="med"/>
+                          <a:tailEnd type="none" w="med" len="med"/>
+                        </a:lnB>
+                      </a:tcPr>
+                    </a:tc>
+                    <a:extLst>
+                      <a:ext uri="{0D108BD9-81ED-4DB2-BD59-A6C34878D82A}">
+                        <a16:rowId xmlns:a16="http://schemas.microsoft.com/office/drawing/2014/main" val="1536228135"/>
+                      </a:ext>
+                    </a:extLst>
+                  </a:tr>
+                  <a:tr h="370840">
+                    <a:tc>
+                      <a:txBody>
+                        <a:bodyPr/>
+                        <a:lstStyle/>
+                        <a:p>
+                          <a:pPr algn="ctr"/>
+                          <a:r>
+                            <a:rPr lang="en-US" sz="4000"/>
+                            <a:t>1</a:t>
+                          </a:r>
+                        </a:p>
+                      </a:txBody>
+                      <a:tcPr anchor="ctr">
+                        <a:lnL w="38100" cap="flat" cmpd="sng" algn="ctr">
+                          <a:solidFill>
+                            <a:schemeClr val="tx1"/>
+                          </a:solidFill>
+                          <a:prstDash val="solid"/>
+                          <a:round/>
+                          <a:headEnd type="none" w="med" len="med"/>
+                          <a:tailEnd type="none" w="med" len="med"/>
+                        </a:lnL>
+                        <a:lnR w="38100" cap="flat" cmpd="sng" algn="ctr">
+                          <a:solidFill>
+                            <a:schemeClr val="tx1"/>
+                          </a:solidFill>
+                          <a:prstDash val="solid"/>
+                          <a:round/>
+                          <a:headEnd type="none" w="med" len="med"/>
+                          <a:tailEnd type="none" w="med" len="med"/>
+                        </a:lnR>
+                        <a:lnT w="38100" cap="flat" cmpd="sng" algn="ctr">
+                          <a:solidFill>
+                            <a:schemeClr val="tx1"/>
+                          </a:solidFill>
+                          <a:prstDash val="solid"/>
+                          <a:round/>
+                          <a:headEnd type="none" w="med" len="med"/>
+                          <a:tailEnd type="none" w="med" len="med"/>
+                        </a:lnT>
+                        <a:lnB w="19050" cap="flat" cmpd="sng" algn="ctr">
+                          <a:solidFill>
+                            <a:schemeClr val="tx1"/>
+                          </a:solidFill>
+                          <a:prstDash val="solid"/>
+                          <a:round/>
+                          <a:headEnd type="none" w="med" len="med"/>
+                          <a:tailEnd type="none" w="med" len="med"/>
+                        </a:lnB>
+                      </a:tcPr>
+                    </a:tc>
+                    <a:extLst>
+                      <a:ext uri="{0D108BD9-81ED-4DB2-BD59-A6C34878D82A}">
+                        <a16:rowId xmlns:a16="http://schemas.microsoft.com/office/drawing/2014/main" val="4163124020"/>
+                      </a:ext>
+                    </a:extLst>
+                  </a:tr>
+                  <a:tr h="370840">
+                    <a:tc>
+                      <a:txBody>
+                        <a:bodyPr/>
+                        <a:lstStyle/>
+                        <a:p>
+                          <a:pPr algn="ctr"/>
+                          <a:r>
+                            <a:rPr lang="en-US" sz="4000"/>
+                            <a:t>2</a:t>
+                          </a:r>
+                        </a:p>
+                      </a:txBody>
+                      <a:tcPr anchor="ctr">
+                        <a:lnL w="38100" cap="flat" cmpd="sng" algn="ctr">
+                          <a:solidFill>
+                            <a:schemeClr val="tx1"/>
+                          </a:solidFill>
+                          <a:prstDash val="solid"/>
+                          <a:round/>
+                          <a:headEnd type="none" w="med" len="med"/>
+                          <a:tailEnd type="none" w="med" len="med"/>
+                        </a:lnL>
+                        <a:lnR w="38100" cap="flat" cmpd="sng" algn="ctr">
+                          <a:solidFill>
+                            <a:schemeClr val="tx1"/>
+                          </a:solidFill>
+                          <a:prstDash val="solid"/>
+                          <a:round/>
+                          <a:headEnd type="none" w="med" len="med"/>
+                          <a:tailEnd type="none" w="med" len="med"/>
+                        </a:lnR>
+                        <a:lnT w="19050" cap="flat" cmpd="sng" algn="ctr">
+                          <a:solidFill>
+                            <a:schemeClr val="tx1"/>
+                          </a:solidFill>
+                          <a:prstDash val="solid"/>
+                          <a:round/>
+                          <a:headEnd type="none" w="med" len="med"/>
+                          <a:tailEnd type="none" w="med" len="med"/>
+                        </a:lnT>
+                        <a:lnB w="19050" cap="flat" cmpd="sng" algn="ctr">
+                          <a:solidFill>
+                            <a:schemeClr val="tx1"/>
+                          </a:solidFill>
+                          <a:prstDash val="solid"/>
+                          <a:round/>
+                          <a:headEnd type="none" w="med" len="med"/>
+                          <a:tailEnd type="none" w="med" len="med"/>
+                        </a:lnB>
+                      </a:tcPr>
+                    </a:tc>
+                    <a:extLst>
+                      <a:ext uri="{0D108BD9-81ED-4DB2-BD59-A6C34878D82A}">
+                        <a16:rowId xmlns:a16="http://schemas.microsoft.com/office/drawing/2014/main" val="37259266"/>
+                      </a:ext>
+                    </a:extLst>
+                  </a:tr>
+                  <a:tr h="370840">
+                    <a:tc>
+                      <a:txBody>
+                        <a:bodyPr/>
+                        <a:lstStyle/>
+                        <a:p>
+                          <a:pPr algn="ctr"/>
+                          <a:r>
+                            <a:rPr lang="en-US" sz="4000"/>
+                            <a:t>3</a:t>
+                          </a:r>
+                        </a:p>
+                      </a:txBody>
+                      <a:tcPr anchor="ctr">
+                        <a:lnL w="38100" cap="flat" cmpd="sng" algn="ctr">
+                          <a:solidFill>
+                            <a:schemeClr val="tx1"/>
+                          </a:solidFill>
+                          <a:prstDash val="solid"/>
+                          <a:round/>
+                          <a:headEnd type="none" w="med" len="med"/>
+                          <a:tailEnd type="none" w="med" len="med"/>
+                        </a:lnL>
+                        <a:lnR w="38100" cap="flat" cmpd="sng" algn="ctr">
+                          <a:solidFill>
+                            <a:schemeClr val="tx1"/>
+                          </a:solidFill>
+                          <a:prstDash val="solid"/>
+                          <a:round/>
+                          <a:headEnd type="none" w="med" len="med"/>
+                          <a:tailEnd type="none" w="med" len="med"/>
+                        </a:lnR>
+                        <a:lnT w="19050" cap="flat" cmpd="sng" algn="ctr">
+                          <a:solidFill>
+                            <a:schemeClr val="tx1"/>
+                          </a:solidFill>
+                          <a:prstDash val="solid"/>
+                          <a:round/>
+                          <a:headEnd type="none" w="med" len="med"/>
+                          <a:tailEnd type="none" w="med" len="med"/>
+                        </a:lnT>
+                        <a:lnB w="19050" cap="flat" cmpd="sng" algn="ctr">
+                          <a:solidFill>
+                            <a:schemeClr val="tx1"/>
+                          </a:solidFill>
+                          <a:prstDash val="solid"/>
+                          <a:round/>
+                          <a:headEnd type="none" w="med" len="med"/>
+                          <a:tailEnd type="none" w="med" len="med"/>
+                        </a:lnB>
+                      </a:tcPr>
+                    </a:tc>
+                    <a:extLst>
+                      <a:ext uri="{0D108BD9-81ED-4DB2-BD59-A6C34878D82A}">
+                        <a16:rowId xmlns:a16="http://schemas.microsoft.com/office/drawing/2014/main" val="348444417"/>
+                      </a:ext>
+                    </a:extLst>
+                  </a:tr>
+                  <a:tr h="370840">
+                    <a:tc>
+                      <a:txBody>
+                        <a:bodyPr/>
+                        <a:lstStyle/>
+                        <a:p>
+                          <a:pPr algn="ctr"/>
+                          <a:r>
+                            <a:rPr lang="en-US" sz="4000"/>
+                            <a:t>4</a:t>
+                          </a:r>
+                        </a:p>
+                      </a:txBody>
+                      <a:tcPr anchor="ctr">
+                        <a:lnL w="38100" cap="flat" cmpd="sng" algn="ctr">
+                          <a:solidFill>
+                            <a:schemeClr val="tx1"/>
+                          </a:solidFill>
+                          <a:prstDash val="solid"/>
+                          <a:round/>
+                          <a:headEnd type="none" w="med" len="med"/>
+                          <a:tailEnd type="none" w="med" len="med"/>
+                        </a:lnL>
+                        <a:lnR w="38100" cap="flat" cmpd="sng" algn="ctr">
+                          <a:solidFill>
+                            <a:schemeClr val="tx1"/>
+                          </a:solidFill>
+                          <a:prstDash val="solid"/>
+                          <a:round/>
+                          <a:headEnd type="none" w="med" len="med"/>
+                          <a:tailEnd type="none" w="med" len="med"/>
+                        </a:lnR>
+                        <a:lnT w="19050" cap="flat" cmpd="sng" algn="ctr">
+                          <a:solidFill>
+                            <a:schemeClr val="tx1"/>
+                          </a:solidFill>
+                          <a:prstDash val="solid"/>
+                          <a:round/>
+                          <a:headEnd type="none" w="med" len="med"/>
+                          <a:tailEnd type="none" w="med" len="med"/>
+                        </a:lnT>
+                        <a:lnB w="19050" cap="flat" cmpd="sng" algn="ctr">
+                          <a:solidFill>
+                            <a:schemeClr val="tx1"/>
+                          </a:solidFill>
+                          <a:prstDash val="solid"/>
+                          <a:round/>
+                          <a:headEnd type="none" w="med" len="med"/>
+                          <a:tailEnd type="none" w="med" len="med"/>
+                        </a:lnB>
+                      </a:tcPr>
+                    </a:tc>
+                    <a:extLst>
+                      <a:ext uri="{0D108BD9-81ED-4DB2-BD59-A6C34878D82A}">
+                        <a16:rowId xmlns:a16="http://schemas.microsoft.com/office/drawing/2014/main" val="3429476869"/>
+                      </a:ext>
+                    </a:extLst>
+                  </a:tr>
+                  <a:tr h="370840">
+                    <a:tc>
+                      <a:txBody>
+                        <a:bodyPr/>
+                        <a:lstStyle/>
+                        <a:p>
+                          <a:pPr algn="ctr"/>
+                          <a:r>
+                            <a:rPr lang="en-US" sz="4000"/>
+                            <a:t>5</a:t>
+                          </a:r>
+                        </a:p>
+                      </a:txBody>
+                      <a:tcPr anchor="ctr">
+                        <a:lnL w="38100" cap="flat" cmpd="sng" algn="ctr">
+                          <a:solidFill>
+                            <a:schemeClr val="tx1"/>
+                          </a:solidFill>
+                          <a:prstDash val="solid"/>
+                          <a:round/>
+                          <a:headEnd type="none" w="med" len="med"/>
+                          <a:tailEnd type="none" w="med" len="med"/>
+                        </a:lnL>
+                        <a:lnR w="38100" cap="flat" cmpd="sng" algn="ctr">
+                          <a:solidFill>
+                            <a:schemeClr val="tx1"/>
+                          </a:solidFill>
+                          <a:prstDash val="solid"/>
+                          <a:round/>
+                          <a:headEnd type="none" w="med" len="med"/>
+                          <a:tailEnd type="none" w="med" len="med"/>
+                        </a:lnR>
+                        <a:lnT w="19050" cap="flat" cmpd="sng" algn="ctr">
+                          <a:solidFill>
+                            <a:schemeClr val="tx1"/>
+                          </a:solidFill>
+                          <a:prstDash val="solid"/>
+                          <a:round/>
+                          <a:headEnd type="none" w="med" len="med"/>
+                          <a:tailEnd type="none" w="med" len="med"/>
+                        </a:lnT>
+                        <a:lnB w="19050" cap="flat" cmpd="sng" algn="ctr">
+                          <a:solidFill>
+                            <a:schemeClr val="tx1"/>
+                          </a:solidFill>
+                          <a:prstDash val="solid"/>
+                          <a:round/>
+                          <a:headEnd type="none" w="med" len="med"/>
+                          <a:tailEnd type="none" w="med" len="med"/>
+                        </a:lnB>
+                      </a:tcPr>
+                    </a:tc>
+                    <a:extLst>
+                      <a:ext uri="{0D108BD9-81ED-4DB2-BD59-A6C34878D82A}">
+                        <a16:rowId xmlns:a16="http://schemas.microsoft.com/office/drawing/2014/main" val="3061754060"/>
+                      </a:ext>
+                    </a:extLst>
+                  </a:tr>
+                  <a:tr h="370840">
+                    <a:tc>
+                      <a:txBody>
+                        <a:bodyPr/>
+                        <a:lstStyle/>
+                        <a:p>
+                          <a:pPr algn="ctr"/>
+                          <a:r>
+                            <a:rPr lang="en-US" sz="4000"/>
+                            <a:t>6</a:t>
+                          </a:r>
+                        </a:p>
+                      </a:txBody>
+                      <a:tcPr anchor="ctr">
+                        <a:lnL w="38100" cap="flat" cmpd="sng" algn="ctr">
+                          <a:solidFill>
+                            <a:schemeClr val="tx1"/>
+                          </a:solidFill>
+                          <a:prstDash val="solid"/>
+                          <a:round/>
+                          <a:headEnd type="none" w="med" len="med"/>
+                          <a:tailEnd type="none" w="med" len="med"/>
+                        </a:lnL>
+                        <a:lnR w="38100" cap="flat" cmpd="sng" algn="ctr">
+                          <a:solidFill>
+                            <a:schemeClr val="tx1"/>
+                          </a:solidFill>
+                          <a:prstDash val="solid"/>
+                          <a:round/>
+                          <a:headEnd type="none" w="med" len="med"/>
+                          <a:tailEnd type="none" w="med" len="med"/>
+                        </a:lnR>
+                        <a:lnT w="19050" cap="flat" cmpd="sng" algn="ctr">
+                          <a:solidFill>
+                            <a:schemeClr val="tx1"/>
+                          </a:solidFill>
+                          <a:prstDash val="solid"/>
+                          <a:round/>
+                          <a:headEnd type="none" w="med" len="med"/>
+                          <a:tailEnd type="none" w="med" len="med"/>
+                        </a:lnT>
+                        <a:lnB w="38100" cap="flat" cmpd="sng" algn="ctr">
+                          <a:solidFill>
+                            <a:schemeClr val="tx1"/>
+                          </a:solidFill>
+                          <a:prstDash val="solid"/>
+                          <a:round/>
+                          <a:headEnd type="none" w="med" len="med"/>
+                          <a:tailEnd type="none" w="med" len="med"/>
+                        </a:lnB>
+                      </a:tcPr>
+                    </a:tc>
+                    <a:extLst>
+                      <a:ext uri="{0D108BD9-81ED-4DB2-BD59-A6C34878D82A}">
+                        <a16:rowId xmlns:a16="http://schemas.microsoft.com/office/drawing/2014/main" val="3453246688"/>
+                      </a:ext>
+                    </a:extLst>
+                  </a:tr>
+                </a:tbl>
+              </a:graphicData>
+            </a:graphic>
+          </p:graphicFrame>
+        </mc:Choice>
+        <mc:Fallback>
+          <p:graphicFrame>
+            <p:nvGraphicFramePr>
+              <p:cNvPr id="10" name="Table 2">
+                <a:extLst>
+                  <a:ext uri="{FF2B5EF4-FFF2-40B4-BE49-F238E27FC236}">
+                    <a16:creationId xmlns:a16="http://schemas.microsoft.com/office/drawing/2014/main" id="{6EA5AAD5-0BE6-40E5-8AC3-B008AE2CE231}"/>
+                  </a:ext>
+                </a:extLst>
+              </p:cNvPr>
+              <p:cNvGraphicFramePr>
+                <a:graphicFrameLocks noGrp="1"/>
+              </p:cNvGraphicFramePr>
+              <p:nvPr>
+                <p:extLst>
+                  <p:ext uri="{D42A27DB-BD31-4B8C-83A1-F6EECF244321}">
+                    <p14:modId xmlns:p14="http://schemas.microsoft.com/office/powerpoint/2010/main" val="3892642608"/>
+                  </p:ext>
+                </p:extLst>
+              </p:nvPr>
+            </p:nvGraphicFramePr>
+            <p:xfrm>
+              <a:off x="10444232" y="719666"/>
+              <a:ext cx="1258016" cy="4904613"/>
+            </p:xfrm>
+            <a:graphic>
+              <a:graphicData uri="http://schemas.openxmlformats.org/drawingml/2006/table">
+                <a:tbl>
+                  <a:tblPr firstRow="1" bandRow="1">
+                    <a:tableStyleId>{5940675A-B579-460E-94D1-54222C63F5DA}</a:tableStyleId>
+                  </a:tblPr>
+                  <a:tblGrid>
+                    <a:gridCol w="1258016">
+                      <a:extLst>
+                        <a:ext uri="{9D8B030D-6E8A-4147-A177-3AD203B41FA5}">
+                          <a16:colId xmlns:a16="http://schemas.microsoft.com/office/drawing/2014/main" val="823069406"/>
+                        </a:ext>
+                      </a:extLst>
+                    </a:gridCol>
+                  </a:tblGrid>
+                  <a:tr h="698373">
+                    <a:tc>
+                      <a:txBody>
+                        <a:bodyPr/>
+                        <a:lstStyle/>
+                        <a:p>
+                          <a:endParaRPr lang="en-US"/>
+                        </a:p>
+                      </a:txBody>
+                      <a:tcPr anchor="ctr">
+                        <a:lnL w="38100" cap="flat" cmpd="sng" algn="ctr">
+                          <a:solidFill>
+                            <a:schemeClr val="tx1"/>
+                          </a:solidFill>
+                          <a:prstDash val="solid"/>
+                          <a:round/>
+                          <a:headEnd type="none" w="med" len="med"/>
+                          <a:tailEnd type="none" w="med" len="med"/>
+                        </a:lnL>
+                        <a:lnR w="38100" cap="flat" cmpd="sng" algn="ctr">
+                          <a:solidFill>
+                            <a:schemeClr val="tx1"/>
+                          </a:solidFill>
+                          <a:prstDash val="solid"/>
+                          <a:round/>
+                          <a:headEnd type="none" w="med" len="med"/>
+                          <a:tailEnd type="none" w="med" len="med"/>
+                        </a:lnR>
+                        <a:lnT w="38100" cap="flat" cmpd="sng" algn="ctr">
+                          <a:solidFill>
+                            <a:schemeClr val="tx1"/>
+                          </a:solidFill>
+                          <a:prstDash val="solid"/>
+                          <a:round/>
+                          <a:headEnd type="none" w="med" len="med"/>
+                          <a:tailEnd type="none" w="med" len="med"/>
+                        </a:lnT>
+                        <a:lnB w="38100" cap="flat" cmpd="sng" algn="ctr">
+                          <a:solidFill>
+                            <a:schemeClr val="tx1"/>
+                          </a:solidFill>
+                          <a:prstDash val="solid"/>
+                          <a:round/>
+                          <a:headEnd type="none" w="med" len="med"/>
+                          <a:tailEnd type="none" w="med" len="med"/>
+                        </a:lnB>
+                        <a:blipFill>
+                          <a:blip r:embed="rId2"/>
+                          <a:stretch>
+                            <a:fillRect l="-1449" t="-3478" r="-2899" b="-637391"/>
+                          </a:stretch>
+                        </a:blipFill>
+                      </a:tcPr>
+                    </a:tc>
+                    <a:extLst>
+                      <a:ext uri="{0D108BD9-81ED-4DB2-BD59-A6C34878D82A}">
+                        <a16:rowId xmlns:a16="http://schemas.microsoft.com/office/drawing/2014/main" val="1536228135"/>
+                      </a:ext>
+                    </a:extLst>
+                  </a:tr>
+                  <a:tr h="701040">
+                    <a:tc>
+                      <a:txBody>
+                        <a:bodyPr/>
+                        <a:lstStyle/>
+                        <a:p>
+                          <a:pPr algn="ctr"/>
+                          <a:r>
+                            <a:rPr lang="en-US" sz="4000"/>
+                            <a:t>1</a:t>
+                          </a:r>
+                        </a:p>
+                      </a:txBody>
+                      <a:tcPr anchor="ctr">
+                        <a:lnL w="38100" cap="flat" cmpd="sng" algn="ctr">
+                          <a:solidFill>
+                            <a:schemeClr val="tx1"/>
+                          </a:solidFill>
+                          <a:prstDash val="solid"/>
+                          <a:round/>
+                          <a:headEnd type="none" w="med" len="med"/>
+                          <a:tailEnd type="none" w="med" len="med"/>
+                        </a:lnL>
+                        <a:lnR w="38100" cap="flat" cmpd="sng" algn="ctr">
+                          <a:solidFill>
+                            <a:schemeClr val="tx1"/>
+                          </a:solidFill>
+                          <a:prstDash val="solid"/>
+                          <a:round/>
+                          <a:headEnd type="none" w="med" len="med"/>
+                          <a:tailEnd type="none" w="med" len="med"/>
+                        </a:lnR>
+                        <a:lnT w="38100" cap="flat" cmpd="sng" algn="ctr">
+                          <a:solidFill>
+                            <a:schemeClr val="tx1"/>
+                          </a:solidFill>
+                          <a:prstDash val="solid"/>
+                          <a:round/>
+                          <a:headEnd type="none" w="med" len="med"/>
+                          <a:tailEnd type="none" w="med" len="med"/>
+                        </a:lnT>
+                        <a:lnB w="19050" cap="flat" cmpd="sng" algn="ctr">
+                          <a:solidFill>
+                            <a:schemeClr val="tx1"/>
+                          </a:solidFill>
+                          <a:prstDash val="solid"/>
+                          <a:round/>
+                          <a:headEnd type="none" w="med" len="med"/>
+                          <a:tailEnd type="none" w="med" len="med"/>
+                        </a:lnB>
+                      </a:tcPr>
+                    </a:tc>
+                    <a:extLst>
+                      <a:ext uri="{0D108BD9-81ED-4DB2-BD59-A6C34878D82A}">
+                        <a16:rowId xmlns:a16="http://schemas.microsoft.com/office/drawing/2014/main" val="4163124020"/>
+                      </a:ext>
+                    </a:extLst>
+                  </a:tr>
+                  <a:tr h="701040">
+                    <a:tc>
+                      <a:txBody>
+                        <a:bodyPr/>
+                        <a:lstStyle/>
+                        <a:p>
+                          <a:pPr algn="ctr"/>
+                          <a:r>
+                            <a:rPr lang="en-US" sz="4000"/>
+                            <a:t>2</a:t>
+                          </a:r>
+                        </a:p>
+                      </a:txBody>
+                      <a:tcPr anchor="ctr">
+                        <a:lnL w="38100" cap="flat" cmpd="sng" algn="ctr">
+                          <a:solidFill>
+                            <a:schemeClr val="tx1"/>
+                          </a:solidFill>
+                          <a:prstDash val="solid"/>
+                          <a:round/>
+                          <a:headEnd type="none" w="med" len="med"/>
+                          <a:tailEnd type="none" w="med" len="med"/>
+                        </a:lnL>
+                        <a:lnR w="38100" cap="flat" cmpd="sng" algn="ctr">
+                          <a:solidFill>
+                            <a:schemeClr val="tx1"/>
+                          </a:solidFill>
+                          <a:prstDash val="solid"/>
+                          <a:round/>
+                          <a:headEnd type="none" w="med" len="med"/>
+                          <a:tailEnd type="none" w="med" len="med"/>
+                        </a:lnR>
+                        <a:lnT w="19050" cap="flat" cmpd="sng" algn="ctr">
+                          <a:solidFill>
+                            <a:schemeClr val="tx1"/>
+                          </a:solidFill>
+                          <a:prstDash val="solid"/>
+                          <a:round/>
+                          <a:headEnd type="none" w="med" len="med"/>
+                          <a:tailEnd type="none" w="med" len="med"/>
+                        </a:lnT>
+                        <a:lnB w="19050" cap="flat" cmpd="sng" algn="ctr">
+                          <a:solidFill>
+                            <a:schemeClr val="tx1"/>
+                          </a:solidFill>
+                          <a:prstDash val="solid"/>
+                          <a:round/>
+                          <a:headEnd type="none" w="med" len="med"/>
+                          <a:tailEnd type="none" w="med" len="med"/>
+                        </a:lnB>
+                      </a:tcPr>
+                    </a:tc>
+                    <a:extLst>
+                      <a:ext uri="{0D108BD9-81ED-4DB2-BD59-A6C34878D82A}">
+                        <a16:rowId xmlns:a16="http://schemas.microsoft.com/office/drawing/2014/main" val="37259266"/>
+                      </a:ext>
+                    </a:extLst>
+                  </a:tr>
+                  <a:tr h="701040">
+                    <a:tc>
+                      <a:txBody>
+                        <a:bodyPr/>
+                        <a:lstStyle/>
+                        <a:p>
+                          <a:pPr algn="ctr"/>
+                          <a:r>
+                            <a:rPr lang="en-US" sz="4000"/>
+                            <a:t>3</a:t>
+                          </a:r>
+                        </a:p>
+                      </a:txBody>
+                      <a:tcPr anchor="ctr">
+                        <a:lnL w="38100" cap="flat" cmpd="sng" algn="ctr">
+                          <a:solidFill>
+                            <a:schemeClr val="tx1"/>
+                          </a:solidFill>
+                          <a:prstDash val="solid"/>
+                          <a:round/>
+                          <a:headEnd type="none" w="med" len="med"/>
+                          <a:tailEnd type="none" w="med" len="med"/>
+                        </a:lnL>
+                        <a:lnR w="38100" cap="flat" cmpd="sng" algn="ctr">
+                          <a:solidFill>
+                            <a:schemeClr val="tx1"/>
+                          </a:solidFill>
+                          <a:prstDash val="solid"/>
+                          <a:round/>
+                          <a:headEnd type="none" w="med" len="med"/>
+                          <a:tailEnd type="none" w="med" len="med"/>
+                        </a:lnR>
+                        <a:lnT w="19050" cap="flat" cmpd="sng" algn="ctr">
+                          <a:solidFill>
+                            <a:schemeClr val="tx1"/>
+                          </a:solidFill>
+                          <a:prstDash val="solid"/>
+                          <a:round/>
+                          <a:headEnd type="none" w="med" len="med"/>
+                          <a:tailEnd type="none" w="med" len="med"/>
+                        </a:lnT>
+                        <a:lnB w="19050" cap="flat" cmpd="sng" algn="ctr">
+                          <a:solidFill>
+                            <a:schemeClr val="tx1"/>
+                          </a:solidFill>
+                          <a:prstDash val="solid"/>
+                          <a:round/>
+                          <a:headEnd type="none" w="med" len="med"/>
+                          <a:tailEnd type="none" w="med" len="med"/>
+                        </a:lnB>
+                      </a:tcPr>
+                    </a:tc>
+                    <a:extLst>
+                      <a:ext uri="{0D108BD9-81ED-4DB2-BD59-A6C34878D82A}">
+                        <a16:rowId xmlns:a16="http://schemas.microsoft.com/office/drawing/2014/main" val="348444417"/>
+                      </a:ext>
+                    </a:extLst>
+                  </a:tr>
+                  <a:tr h="701040">
+                    <a:tc>
+                      <a:txBody>
+                        <a:bodyPr/>
+                        <a:lstStyle/>
+                        <a:p>
+                          <a:pPr algn="ctr"/>
+                          <a:r>
+                            <a:rPr lang="en-US" sz="4000"/>
+                            <a:t>4</a:t>
+                          </a:r>
+                        </a:p>
+                      </a:txBody>
+                      <a:tcPr anchor="ctr">
+                        <a:lnL w="38100" cap="flat" cmpd="sng" algn="ctr">
+                          <a:solidFill>
+                            <a:schemeClr val="tx1"/>
+                          </a:solidFill>
+                          <a:prstDash val="solid"/>
+                          <a:round/>
+                          <a:headEnd type="none" w="med" len="med"/>
+                          <a:tailEnd type="none" w="med" len="med"/>
+                        </a:lnL>
+                        <a:lnR w="38100" cap="flat" cmpd="sng" algn="ctr">
+                          <a:solidFill>
+                            <a:schemeClr val="tx1"/>
+                          </a:solidFill>
+                          <a:prstDash val="solid"/>
+                          <a:round/>
+                          <a:headEnd type="none" w="med" len="med"/>
+                          <a:tailEnd type="none" w="med" len="med"/>
+                        </a:lnR>
+                        <a:lnT w="19050" cap="flat" cmpd="sng" algn="ctr">
+                          <a:solidFill>
+                            <a:schemeClr val="tx1"/>
+                          </a:solidFill>
+                          <a:prstDash val="solid"/>
+                          <a:round/>
+                          <a:headEnd type="none" w="med" len="med"/>
+                          <a:tailEnd type="none" w="med" len="med"/>
+                        </a:lnT>
+                        <a:lnB w="19050" cap="flat" cmpd="sng" algn="ctr">
+                          <a:solidFill>
+                            <a:schemeClr val="tx1"/>
+                          </a:solidFill>
+                          <a:prstDash val="solid"/>
+                          <a:round/>
+                          <a:headEnd type="none" w="med" len="med"/>
+                          <a:tailEnd type="none" w="med" len="med"/>
+                        </a:lnB>
+                      </a:tcPr>
+                    </a:tc>
+                    <a:extLst>
+                      <a:ext uri="{0D108BD9-81ED-4DB2-BD59-A6C34878D82A}">
+                        <a16:rowId xmlns:a16="http://schemas.microsoft.com/office/drawing/2014/main" val="3429476869"/>
+                      </a:ext>
+                    </a:extLst>
+                  </a:tr>
+                  <a:tr h="701040">
+                    <a:tc>
+                      <a:txBody>
+                        <a:bodyPr/>
+                        <a:lstStyle/>
+                        <a:p>
+                          <a:pPr algn="ctr"/>
+                          <a:r>
+                            <a:rPr lang="en-US" sz="4000"/>
+                            <a:t>5</a:t>
+                          </a:r>
+                        </a:p>
+                      </a:txBody>
+                      <a:tcPr anchor="ctr">
+                        <a:lnL w="38100" cap="flat" cmpd="sng" algn="ctr">
+                          <a:solidFill>
+                            <a:schemeClr val="tx1"/>
+                          </a:solidFill>
+                          <a:prstDash val="solid"/>
+                          <a:round/>
+                          <a:headEnd type="none" w="med" len="med"/>
+                          <a:tailEnd type="none" w="med" len="med"/>
+                        </a:lnL>
+                        <a:lnR w="38100" cap="flat" cmpd="sng" algn="ctr">
+                          <a:solidFill>
+                            <a:schemeClr val="tx1"/>
+                          </a:solidFill>
+                          <a:prstDash val="solid"/>
+                          <a:round/>
+                          <a:headEnd type="none" w="med" len="med"/>
+                          <a:tailEnd type="none" w="med" len="med"/>
+                        </a:lnR>
+                        <a:lnT w="19050" cap="flat" cmpd="sng" algn="ctr">
+                          <a:solidFill>
+                            <a:schemeClr val="tx1"/>
+                          </a:solidFill>
+                          <a:prstDash val="solid"/>
+                          <a:round/>
+                          <a:headEnd type="none" w="med" len="med"/>
+                          <a:tailEnd type="none" w="med" len="med"/>
+                        </a:lnT>
+                        <a:lnB w="19050" cap="flat" cmpd="sng" algn="ctr">
+                          <a:solidFill>
+                            <a:schemeClr val="tx1"/>
+                          </a:solidFill>
+                          <a:prstDash val="solid"/>
+                          <a:round/>
+                          <a:headEnd type="none" w="med" len="med"/>
+                          <a:tailEnd type="none" w="med" len="med"/>
+                        </a:lnB>
+                      </a:tcPr>
+                    </a:tc>
+                    <a:extLst>
+                      <a:ext uri="{0D108BD9-81ED-4DB2-BD59-A6C34878D82A}">
+                        <a16:rowId xmlns:a16="http://schemas.microsoft.com/office/drawing/2014/main" val="3061754060"/>
+                      </a:ext>
+                    </a:extLst>
+                  </a:tr>
+                  <a:tr h="701040">
+                    <a:tc>
+                      <a:txBody>
+                        <a:bodyPr/>
+                        <a:lstStyle/>
+                        <a:p>
+                          <a:pPr algn="ctr"/>
+                          <a:r>
+                            <a:rPr lang="en-US" sz="4000"/>
+                            <a:t>6</a:t>
+                          </a:r>
+                        </a:p>
+                      </a:txBody>
+                      <a:tcPr anchor="ctr">
+                        <a:lnL w="38100" cap="flat" cmpd="sng" algn="ctr">
+                          <a:solidFill>
+                            <a:schemeClr val="tx1"/>
+                          </a:solidFill>
+                          <a:prstDash val="solid"/>
+                          <a:round/>
+                          <a:headEnd type="none" w="med" len="med"/>
+                          <a:tailEnd type="none" w="med" len="med"/>
+                        </a:lnL>
+                        <a:lnR w="38100" cap="flat" cmpd="sng" algn="ctr">
+                          <a:solidFill>
+                            <a:schemeClr val="tx1"/>
+                          </a:solidFill>
+                          <a:prstDash val="solid"/>
+                          <a:round/>
+                          <a:headEnd type="none" w="med" len="med"/>
+                          <a:tailEnd type="none" w="med" len="med"/>
+                        </a:lnR>
+                        <a:lnT w="19050" cap="flat" cmpd="sng" algn="ctr">
+                          <a:solidFill>
+                            <a:schemeClr val="tx1"/>
+                          </a:solidFill>
+                          <a:prstDash val="solid"/>
+                          <a:round/>
+                          <a:headEnd type="none" w="med" len="med"/>
+                          <a:tailEnd type="none" w="med" len="med"/>
+                        </a:lnT>
+                        <a:lnB w="38100" cap="flat" cmpd="sng" algn="ctr">
+                          <a:solidFill>
+                            <a:schemeClr val="tx1"/>
+                          </a:solidFill>
+                          <a:prstDash val="solid"/>
+                          <a:round/>
+                          <a:headEnd type="none" w="med" len="med"/>
+                          <a:tailEnd type="none" w="med" len="med"/>
+                        </a:lnB>
+                      </a:tcPr>
+                    </a:tc>
+                    <a:extLst>
+                      <a:ext uri="{0D108BD9-81ED-4DB2-BD59-A6C34878D82A}">
+                        <a16:rowId xmlns:a16="http://schemas.microsoft.com/office/drawing/2014/main" val="3453246688"/>
+                      </a:ext>
+                    </a:extLst>
+                  </a:tr>
+                </a:tbl>
+              </a:graphicData>
+            </a:graphic>
+          </p:graphicFrame>
+        </mc:Fallback>
+      </mc:AlternateContent>
     </p:spTree>
     <p:extLst>
       <p:ext uri="{BB962C8B-B14F-4D97-AF65-F5344CB8AC3E}">

--- a/ps/ps_images.pptx
+++ b/ps/ps_images.pptx
@@ -3987,8 +3987,8 @@
             </p:nvSpPr>
             <p:spPr>
               <a:xfrm>
-                <a:off x="2607212" y="1452643"/>
-                <a:ext cx="8365588" cy="738664"/>
+                <a:off x="1913206" y="1283831"/>
+                <a:ext cx="8365588" cy="1402756"/>
               </a:xfrm>
               <a:prstGeom prst="rect">
                 <a:avLst/>
@@ -4068,114 +4068,122 @@
                         </a:rPr>
                         <m:t>𝐸</m:t>
                       </m:r>
-                      <m:r>
-                        <a:rPr lang="en-US" sz="4800" b="0" i="1" smtClean="0">
-                          <a:solidFill>
-                            <a:schemeClr val="tx1"/>
-                          </a:solidFill>
-                          <a:latin typeface="Cambria Math" panose="02040503050406030204" pitchFamily="18" charset="0"/>
-                        </a:rPr>
-                        <m:t>[</m:t>
-                      </m:r>
-                      <m:r>
-                        <a:rPr lang="en-US" sz="4800" i="1">
-                          <a:solidFill>
-                            <a:srgbClr val="C00000"/>
-                          </a:solidFill>
-                          <a:latin typeface="Cambria Math" panose="02040503050406030204" pitchFamily="18" charset="0"/>
-                        </a:rPr>
-                        <m:t>𝑋</m:t>
-                      </m:r>
-                      <m:r>
-                        <a:rPr lang="en-US" sz="4800" b="0" i="1" baseline="-25000" smtClean="0">
-                          <a:solidFill>
-                            <a:srgbClr val="C00000"/>
-                          </a:solidFill>
-                          <a:latin typeface="Cambria Math" panose="02040503050406030204" pitchFamily="18" charset="0"/>
-                        </a:rPr>
-                        <m:t>1</m:t>
-                      </m:r>
-                      <m:r>
-                        <a:rPr lang="en-US" sz="4800" b="0" i="1" smtClean="0">
-                          <a:solidFill>
-                            <a:schemeClr val="tx1"/>
-                          </a:solidFill>
-                          <a:latin typeface="Cambria Math" panose="02040503050406030204" pitchFamily="18" charset="0"/>
-                        </a:rPr>
-                        <m:t>+</m:t>
-                      </m:r>
-                      <m:r>
-                        <a:rPr lang="en-US" sz="4800" i="1">
-                          <a:solidFill>
-                            <a:srgbClr val="C00000"/>
-                          </a:solidFill>
-                          <a:latin typeface="Cambria Math" panose="02040503050406030204" pitchFamily="18" charset="0"/>
-                        </a:rPr>
-                        <m:t>𝑋</m:t>
-                      </m:r>
-                      <m:r>
-                        <a:rPr lang="en-US" sz="4800" b="0" i="1" baseline="-25000" smtClean="0">
-                          <a:solidFill>
-                            <a:srgbClr val="C00000"/>
-                          </a:solidFill>
-                          <a:latin typeface="Cambria Math" panose="02040503050406030204" pitchFamily="18" charset="0"/>
-                        </a:rPr>
-                        <m:t>2</m:t>
-                      </m:r>
-                      <m:r>
-                        <a:rPr lang="en-US" sz="4800" b="0" i="1" smtClean="0">
-                          <a:solidFill>
-                            <a:schemeClr val="tx1"/>
-                          </a:solidFill>
-                          <a:latin typeface="Cambria Math" panose="02040503050406030204" pitchFamily="18" charset="0"/>
-                        </a:rPr>
-                        <m:t>+</m:t>
-                      </m:r>
-                      <m:r>
-                        <a:rPr lang="en-US" sz="4800" b="0" i="1" smtClean="0">
-                          <a:solidFill>
-                            <a:srgbClr val="C00000"/>
-                          </a:solidFill>
-                          <a:latin typeface="Cambria Math" panose="02040503050406030204" pitchFamily="18" charset="0"/>
-                        </a:rPr>
-                        <m:t>…</m:t>
-                      </m:r>
-                      <m:r>
-                        <a:rPr lang="en-US" sz="4800" b="0" i="1" smtClean="0">
-                          <a:solidFill>
-                            <a:schemeClr val="tx1"/>
-                          </a:solidFill>
-                          <a:latin typeface="Cambria Math" panose="02040503050406030204" pitchFamily="18" charset="0"/>
-                        </a:rPr>
-                        <m:t>+</m:t>
-                      </m:r>
-                      <m:r>
-                        <a:rPr lang="en-US" sz="4800" i="1">
-                          <a:solidFill>
-                            <a:srgbClr val="C00000"/>
-                          </a:solidFill>
-                          <a:latin typeface="Cambria Math" panose="02040503050406030204" pitchFamily="18" charset="0"/>
-                        </a:rPr>
-                        <m:t>𝑋</m:t>
-                      </m:r>
-                      <m:r>
-                        <a:rPr lang="en-US" sz="4800" b="0" i="1" baseline="-25000" smtClean="0">
-                          <a:solidFill>
-                            <a:srgbClr val="C00000"/>
-                          </a:solidFill>
-                          <a:latin typeface="Cambria Math" panose="02040503050406030204" pitchFamily="18" charset="0"/>
-                        </a:rPr>
-                        <m:t>𝑛</m:t>
-                      </m:r>
-                      <m:r>
-                        <a:rPr lang="en-US" sz="4800" b="0" i="1" smtClean="0">
-                          <a:solidFill>
-                            <a:schemeClr val="tx1"/>
-                          </a:solidFill>
-                          <a:latin typeface="Cambria Math" panose="02040503050406030204" pitchFamily="18" charset="0"/>
-                        </a:rPr>
-                        <m:t>]</m:t>
-                      </m:r>
+                      <m:d>
+                        <m:dPr>
+                          <m:begChr m:val="["/>
+                          <m:endChr m:val="]"/>
+                          <m:ctrlPr>
+                            <a:rPr lang="en-US" sz="4800" b="0" i="1" smtClean="0">
+                              <a:solidFill>
+                                <a:schemeClr val="tx1"/>
+                              </a:solidFill>
+                              <a:latin typeface="Cambria Math" panose="02040503050406030204" pitchFamily="18" charset="0"/>
+                            </a:rPr>
+                          </m:ctrlPr>
+                        </m:dPr>
+                        <m:e>
+                          <m:f>
+                            <m:fPr>
+                              <m:ctrlPr>
+                                <a:rPr lang="en-US" sz="4800" i="1">
+                                  <a:latin typeface="Cambria Math" panose="02040503050406030204" pitchFamily="18" charset="0"/>
+                                </a:rPr>
+                              </m:ctrlPr>
+                            </m:fPr>
+                            <m:num>
+                              <m:r>
+                                <a:rPr lang="en-US" sz="4800" i="1">
+                                  <a:solidFill>
+                                    <a:srgbClr val="C00000"/>
+                                  </a:solidFill>
+                                  <a:latin typeface="Cambria Math" panose="02040503050406030204" pitchFamily="18" charset="0"/>
+                                </a:rPr>
+                                <m:t>𝑋</m:t>
+                              </m:r>
+                              <m:r>
+                                <a:rPr lang="en-US" sz="4800" i="1" baseline="-25000">
+                                  <a:solidFill>
+                                    <a:srgbClr val="C00000"/>
+                                  </a:solidFill>
+                                  <a:latin typeface="Cambria Math" panose="02040503050406030204" pitchFamily="18" charset="0"/>
+                                </a:rPr>
+                                <m:t>1</m:t>
+                              </m:r>
+                              <m:r>
+                                <a:rPr lang="en-US" sz="4800" i="1">
+                                  <a:latin typeface="Cambria Math" panose="02040503050406030204" pitchFamily="18" charset="0"/>
+                                </a:rPr>
+                                <m:t>+</m:t>
+                              </m:r>
+                              <m:r>
+                                <a:rPr lang="en-US" sz="4800" i="1">
+                                  <a:solidFill>
+                                    <a:srgbClr val="C00000"/>
+                                  </a:solidFill>
+                                  <a:latin typeface="Cambria Math" panose="02040503050406030204" pitchFamily="18" charset="0"/>
+                                </a:rPr>
+                                <m:t>𝑋</m:t>
+                              </m:r>
+                              <m:r>
+                                <a:rPr lang="en-US" sz="4800" i="1" baseline="-25000">
+                                  <a:solidFill>
+                                    <a:srgbClr val="C00000"/>
+                                  </a:solidFill>
+                                  <a:latin typeface="Cambria Math" panose="02040503050406030204" pitchFamily="18" charset="0"/>
+                                </a:rPr>
+                                <m:t>2</m:t>
+                              </m:r>
+                              <m:r>
+                                <a:rPr lang="en-US" sz="4800" i="1">
+                                  <a:latin typeface="Cambria Math" panose="02040503050406030204" pitchFamily="18" charset="0"/>
+                                </a:rPr>
+                                <m:t>+</m:t>
+                              </m:r>
+                              <m:r>
+                                <a:rPr lang="en-US" sz="4800" i="1">
+                                  <a:solidFill>
+                                    <a:srgbClr val="C00000"/>
+                                  </a:solidFill>
+                                  <a:latin typeface="Cambria Math" panose="02040503050406030204" pitchFamily="18" charset="0"/>
+                                </a:rPr>
+                                <m:t>…</m:t>
+                              </m:r>
+                              <m:r>
+                                <a:rPr lang="en-US" sz="4800" i="1">
+                                  <a:latin typeface="Cambria Math" panose="02040503050406030204" pitchFamily="18" charset="0"/>
+                                </a:rPr>
+                                <m:t>+</m:t>
+                              </m:r>
+                              <m:r>
+                                <a:rPr lang="en-US" sz="4800" i="1">
+                                  <a:solidFill>
+                                    <a:srgbClr val="C00000"/>
+                                  </a:solidFill>
+                                  <a:latin typeface="Cambria Math" panose="02040503050406030204" pitchFamily="18" charset="0"/>
+                                </a:rPr>
+                                <m:t>𝑋</m:t>
+                              </m:r>
+                              <m:r>
+                                <a:rPr lang="en-US" sz="4800" i="1" baseline="-25000">
+                                  <a:solidFill>
+                                    <a:srgbClr val="C00000"/>
+                                  </a:solidFill>
+                                  <a:latin typeface="Cambria Math" panose="02040503050406030204" pitchFamily="18" charset="0"/>
+                                </a:rPr>
+                                <m:t>𝑛</m:t>
+                              </m:r>
+                            </m:num>
+                            <m:den>
+                              <m:r>
+                                <a:rPr lang="en-US" sz="4800" i="1">
+                                  <a:latin typeface="Cambria Math" panose="02040503050406030204" pitchFamily="18" charset="0"/>
+                                </a:rPr>
+                                <m:t>𝑛</m:t>
+                              </m:r>
+                            </m:den>
+                          </m:f>
+                        </m:e>
+                      </m:d>
                     </m:oMath>
                   </m:oMathPara>
                 </a14:m>
@@ -4205,14 +4213,299 @@
             </p:nvSpPr>
             <p:spPr>
               <a:xfrm>
-                <a:off x="2607212" y="1452643"/>
-                <a:ext cx="8365588" cy="738664"/>
+                <a:off x="1913206" y="1283831"/>
+                <a:ext cx="8365588" cy="1402756"/>
               </a:xfrm>
               <a:prstGeom prst="rect">
                 <a:avLst/>
               </a:prstGeom>
               <a:blipFill>
                 <a:blip r:embed="rId2"/>
+                <a:stretch>
+                  <a:fillRect/>
+                </a:stretch>
+              </a:blipFill>
+            </p:spPr>
+            <p:txBody>
+              <a:bodyPr/>
+              <a:lstStyle/>
+              <a:p>
+                <a:r>
+                  <a:rPr lang="en-US">
+                    <a:noFill/>
+                  </a:rPr>
+                  <a:t> </a:t>
+                </a:r>
+              </a:p>
+            </p:txBody>
+          </p:sp>
+        </mc:Fallback>
+      </mc:AlternateContent>
+      <mc:AlternateContent xmlns:mc="http://schemas.openxmlformats.org/markup-compatibility/2006">
+        <mc:Choice xmlns:a14="http://schemas.microsoft.com/office/drawing/2010/main" Requires="a14">
+          <p:sp>
+            <p:nvSpPr>
+              <p:cNvPr id="3" name="TextBox 2">
+                <a:extLst>
+                  <a:ext uri="{FF2B5EF4-FFF2-40B4-BE49-F238E27FC236}">
+                    <a16:creationId xmlns:a16="http://schemas.microsoft.com/office/drawing/2014/main" id="{666AD7C6-4ED8-4EFC-9192-C71C179B4542}"/>
+                  </a:ext>
+                </a:extLst>
+              </p:cNvPr>
+              <p:cNvSpPr txBox="1"/>
+              <p:nvPr/>
+            </p:nvSpPr>
+            <p:spPr>
+              <a:xfrm>
+                <a:off x="1913206" y="4171414"/>
+                <a:ext cx="8365588" cy="1387688"/>
+              </a:xfrm>
+              <a:prstGeom prst="rect">
+                <a:avLst/>
+              </a:prstGeom>
+              <a:noFill/>
+            </p:spPr>
+            <p:txBody>
+              <a:bodyPr wrap="square" lIns="0" tIns="0" rIns="0" bIns="0" rtlCol="0">
+                <a:spAutoFit/>
+              </a:bodyPr>
+              <a:lstStyle/>
+              <a:p>
+                <a:pPr/>
+                <a14:m>
+                  <m:oMathPara xmlns:m="http://schemas.openxmlformats.org/officeDocument/2006/math">
+                    <m:oMathParaPr>
+                      <m:jc m:val="centerGroup"/>
+                    </m:oMathParaPr>
+                    <m:oMath xmlns:m="http://schemas.openxmlformats.org/officeDocument/2006/math">
+                      <m:r>
+                        <a:rPr lang="en-US" sz="4800" b="0" i="1" smtClean="0">
+                          <a:latin typeface="Cambria Math" panose="02040503050406030204" pitchFamily="18" charset="0"/>
+                        </a:rPr>
+                        <m:t>𝐸</m:t>
+                      </m:r>
+                      <m:r>
+                        <a:rPr lang="en-US" sz="4800" b="0" i="1" smtClean="0">
+                          <a:latin typeface="Cambria Math" panose="02040503050406030204" pitchFamily="18" charset="0"/>
+                        </a:rPr>
+                        <m:t>[</m:t>
+                      </m:r>
+                      <m:acc>
+                        <m:accPr>
+                          <m:chr m:val="̅"/>
+                          <m:ctrlPr>
+                            <a:rPr lang="en-US" sz="4800" i="1">
+                              <a:solidFill>
+                                <a:srgbClr val="C00000"/>
+                              </a:solidFill>
+                              <a:latin typeface="Cambria Math" panose="02040503050406030204" pitchFamily="18" charset="0"/>
+                            </a:rPr>
+                          </m:ctrlPr>
+                        </m:accPr>
+                        <m:e>
+                          <m:r>
+                            <a:rPr lang="en-US" sz="4800" i="1">
+                              <a:solidFill>
+                                <a:srgbClr val="C00000"/>
+                              </a:solidFill>
+                              <a:latin typeface="Cambria Math" panose="02040503050406030204" pitchFamily="18" charset="0"/>
+                            </a:rPr>
+                            <m:t>𝑋</m:t>
+                          </m:r>
+                        </m:e>
+                      </m:acc>
+                      <m:r>
+                        <a:rPr lang="en-US" sz="4800" b="0" i="1" smtClean="0">
+                          <a:latin typeface="Cambria Math" panose="02040503050406030204" pitchFamily="18" charset="0"/>
+                        </a:rPr>
+                        <m:t>]</m:t>
+                      </m:r>
+                      <m:r>
+                        <a:rPr lang="en-US" sz="4800" b="0" i="1" smtClean="0">
+                          <a:solidFill>
+                            <a:schemeClr val="tx1"/>
+                          </a:solidFill>
+                          <a:latin typeface="Cambria Math" panose="02040503050406030204" pitchFamily="18" charset="0"/>
+                        </a:rPr>
+                        <m:t>=</m:t>
+                      </m:r>
+                      <m:f>
+                        <m:fPr>
+                          <m:ctrlPr>
+                            <a:rPr lang="en-US" sz="4800" b="0" i="1" smtClean="0">
+                              <a:solidFill>
+                                <a:schemeClr val="tx1"/>
+                              </a:solidFill>
+                              <a:latin typeface="Cambria Math" panose="02040503050406030204" pitchFamily="18" charset="0"/>
+                            </a:rPr>
+                          </m:ctrlPr>
+                        </m:fPr>
+                        <m:num>
+                          <m:r>
+                            <a:rPr lang="en-US" sz="4800" b="0" i="1" smtClean="0">
+                              <a:solidFill>
+                                <a:schemeClr val="tx1"/>
+                              </a:solidFill>
+                              <a:latin typeface="Cambria Math" panose="02040503050406030204" pitchFamily="18" charset="0"/>
+                            </a:rPr>
+                            <m:t>1</m:t>
+                          </m:r>
+                        </m:num>
+                        <m:den>
+                          <m:r>
+                            <a:rPr lang="en-US" sz="4800" b="0" i="1" smtClean="0">
+                              <a:solidFill>
+                                <a:schemeClr val="tx1"/>
+                              </a:solidFill>
+                              <a:latin typeface="Cambria Math" panose="02040503050406030204" pitchFamily="18" charset="0"/>
+                            </a:rPr>
+                            <m:t>𝑛</m:t>
+                          </m:r>
+                        </m:den>
+                      </m:f>
+                      <m:r>
+                        <a:rPr lang="en-US" sz="4800" b="0" i="1" smtClean="0">
+                          <a:solidFill>
+                            <a:schemeClr val="tx1"/>
+                          </a:solidFill>
+                          <a:latin typeface="Cambria Math" panose="02040503050406030204" pitchFamily="18" charset="0"/>
+                        </a:rPr>
+                        <m:t>𝐸</m:t>
+                      </m:r>
+                      <m:d>
+                        <m:dPr>
+                          <m:begChr m:val="["/>
+                          <m:endChr m:val="]"/>
+                          <m:ctrlPr>
+                            <a:rPr lang="en-US" sz="4800" b="0" i="1" smtClean="0">
+                              <a:solidFill>
+                                <a:schemeClr val="tx1"/>
+                              </a:solidFill>
+                              <a:latin typeface="Cambria Math" panose="02040503050406030204" pitchFamily="18" charset="0"/>
+                            </a:rPr>
+                          </m:ctrlPr>
+                        </m:dPr>
+                        <m:e>
+                          <m:r>
+                            <a:rPr lang="en-US" sz="4800" i="1">
+                              <a:solidFill>
+                                <a:srgbClr val="C00000"/>
+                              </a:solidFill>
+                              <a:latin typeface="Cambria Math" panose="02040503050406030204" pitchFamily="18" charset="0"/>
+                            </a:rPr>
+                            <m:t>𝑋</m:t>
+                          </m:r>
+                          <m:r>
+                            <a:rPr lang="en-US" sz="4800" i="1" baseline="-25000">
+                              <a:solidFill>
+                                <a:srgbClr val="C00000"/>
+                              </a:solidFill>
+                              <a:latin typeface="Cambria Math" panose="02040503050406030204" pitchFamily="18" charset="0"/>
+                            </a:rPr>
+                            <m:t>1</m:t>
+                          </m:r>
+                          <m:r>
+                            <a:rPr lang="en-US" sz="4800" i="1">
+                              <a:latin typeface="Cambria Math" panose="02040503050406030204" pitchFamily="18" charset="0"/>
+                            </a:rPr>
+                            <m:t>+</m:t>
+                          </m:r>
+                          <m:r>
+                            <a:rPr lang="en-US" sz="4800" i="1">
+                              <a:solidFill>
+                                <a:srgbClr val="C00000"/>
+                              </a:solidFill>
+                              <a:latin typeface="Cambria Math" panose="02040503050406030204" pitchFamily="18" charset="0"/>
+                            </a:rPr>
+                            <m:t>𝑋</m:t>
+                          </m:r>
+                          <m:r>
+                            <a:rPr lang="en-US" sz="4800" i="1" baseline="-25000">
+                              <a:solidFill>
+                                <a:srgbClr val="C00000"/>
+                              </a:solidFill>
+                              <a:latin typeface="Cambria Math" panose="02040503050406030204" pitchFamily="18" charset="0"/>
+                            </a:rPr>
+                            <m:t>2</m:t>
+                          </m:r>
+                          <m:r>
+                            <a:rPr lang="en-US" sz="4800" i="1">
+                              <a:latin typeface="Cambria Math" panose="02040503050406030204" pitchFamily="18" charset="0"/>
+                            </a:rPr>
+                            <m:t>+</m:t>
+                          </m:r>
+                          <m:r>
+                            <a:rPr lang="en-US" sz="4800" i="1">
+                              <a:solidFill>
+                                <a:srgbClr val="C00000"/>
+                              </a:solidFill>
+                              <a:latin typeface="Cambria Math" panose="02040503050406030204" pitchFamily="18" charset="0"/>
+                            </a:rPr>
+                            <m:t>…</m:t>
+                          </m:r>
+                          <m:r>
+                            <a:rPr lang="en-US" sz="4800" i="1">
+                              <a:latin typeface="Cambria Math" panose="02040503050406030204" pitchFamily="18" charset="0"/>
+                            </a:rPr>
+                            <m:t>+</m:t>
+                          </m:r>
+                          <m:r>
+                            <a:rPr lang="en-US" sz="4800" i="1">
+                              <a:solidFill>
+                                <a:srgbClr val="C00000"/>
+                              </a:solidFill>
+                              <a:latin typeface="Cambria Math" panose="02040503050406030204" pitchFamily="18" charset="0"/>
+                            </a:rPr>
+                            <m:t>𝑋</m:t>
+                          </m:r>
+                          <m:r>
+                            <a:rPr lang="en-US" sz="4800" i="1" baseline="-25000">
+                              <a:solidFill>
+                                <a:srgbClr val="C00000"/>
+                              </a:solidFill>
+                              <a:latin typeface="Cambria Math" panose="02040503050406030204" pitchFamily="18" charset="0"/>
+                            </a:rPr>
+                            <m:t>𝑛</m:t>
+                          </m:r>
+                        </m:e>
+                      </m:d>
+                    </m:oMath>
+                  </m:oMathPara>
+                </a14:m>
+                <a:endParaRPr lang="en-US" sz="4800" b="0">
+                  <a:solidFill>
+                    <a:srgbClr val="7030A0"/>
+                  </a:solidFill>
+                </a:endParaRPr>
+              </a:p>
+            </p:txBody>
+          </p:sp>
+        </mc:Choice>
+        <mc:Fallback>
+          <p:sp>
+            <p:nvSpPr>
+              <p:cNvPr id="3" name="TextBox 2">
+                <a:extLst>
+                  <a:ext uri="{FF2B5EF4-FFF2-40B4-BE49-F238E27FC236}">
+                    <a16:creationId xmlns:a16="http://schemas.microsoft.com/office/drawing/2014/main" id="{666AD7C6-4ED8-4EFC-9192-C71C179B4542}"/>
+                  </a:ext>
+                </a:extLst>
+              </p:cNvPr>
+              <p:cNvSpPr txBox="1">
+                <a:spLocks noRot="1" noChangeAspect="1" noMove="1" noResize="1" noEditPoints="1" noAdjustHandles="1" noChangeArrowheads="1" noChangeShapeType="1" noTextEdit="1"/>
+              </p:cNvSpPr>
+              <p:nvPr/>
+            </p:nvSpPr>
+            <p:spPr>
+              <a:xfrm>
+                <a:off x="1913206" y="4171414"/>
+                <a:ext cx="8365588" cy="1387688"/>
+              </a:xfrm>
+              <a:prstGeom prst="rect">
+                <a:avLst/>
+              </a:prstGeom>
+              <a:blipFill>
+                <a:blip r:embed="rId3"/>
                 <a:stretch>
                   <a:fillRect/>
                 </a:stretch>

--- a/ps/ps_images.pptx
+++ b/ps/ps_images.pptx
@@ -15,6 +15,7 @@
     <p:sldId id="262" r:id="rId9"/>
     <p:sldId id="265" r:id="rId10"/>
     <p:sldId id="266" r:id="rId11"/>
+    <p:sldId id="267" r:id="rId12"/>
   </p:sldIdLst>
   <p:sldSz cx="12192000" cy="6858000"/>
   <p:notesSz cx="6858000" cy="9144000"/>
@@ -3987,7 +3988,7 @@
             </p:nvSpPr>
             <p:spPr>
               <a:xfrm>
-                <a:off x="1913206" y="1283831"/>
+                <a:off x="1913206" y="4730415"/>
                 <a:ext cx="8365588" cy="1402756"/>
               </a:xfrm>
               <a:prstGeom prst="rect">
@@ -4213,7 +4214,7 @@
             </p:nvSpPr>
             <p:spPr>
               <a:xfrm>
-                <a:off x="1913206" y="1283831"/>
+                <a:off x="1913206" y="4730415"/>
                 <a:ext cx="8365588" cy="1402756"/>
               </a:xfrm>
               <a:prstGeom prst="rect">
@@ -4245,10 +4246,10 @@
         <mc:Choice xmlns:a14="http://schemas.microsoft.com/office/drawing/2010/main" Requires="a14">
           <p:sp>
             <p:nvSpPr>
-              <p:cNvPr id="3" name="TextBox 2">
+              <p:cNvPr id="4" name="TextBox 3">
                 <a:extLst>
                   <a:ext uri="{FF2B5EF4-FFF2-40B4-BE49-F238E27FC236}">
-                    <a16:creationId xmlns:a16="http://schemas.microsoft.com/office/drawing/2014/main" id="{666AD7C6-4ED8-4EFC-9192-C71C179B4542}"/>
+                    <a16:creationId xmlns:a16="http://schemas.microsoft.com/office/drawing/2014/main" id="{BC6E7DC2-02F3-4D42-9339-88ED2CE61808}"/>
                   </a:ext>
                 </a:extLst>
               </p:cNvPr>
@@ -4257,8 +4258,8 @@
             </p:nvSpPr>
             <p:spPr>
               <a:xfrm>
-                <a:off x="1913206" y="4171414"/>
-                <a:ext cx="8365588" cy="1387688"/>
+                <a:off x="910883" y="506137"/>
+                <a:ext cx="10370234" cy="1387688"/>
               </a:xfrm>
               <a:prstGeom prst="rect">
                 <a:avLst/>
@@ -4363,19 +4364,8 @@
                           </m:r>
                         </m:den>
                       </m:f>
-                      <m:r>
-                        <a:rPr lang="en-US" sz="4800" b="0" i="1" smtClean="0">
-                          <a:solidFill>
-                            <a:schemeClr val="tx1"/>
-                          </a:solidFill>
-                          <a:latin typeface="Cambria Math" panose="02040503050406030204" pitchFamily="18" charset="0"/>
-                        </a:rPr>
-                        <m:t>𝐸</m:t>
-                      </m:r>
                       <m:d>
                         <m:dPr>
-                          <m:begChr m:val="["/>
-                          <m:endChr m:val="]"/>
                           <m:ctrlPr>
                             <a:rPr lang="en-US" sz="4800" b="0" i="1" smtClean="0">
                               <a:solidFill>
@@ -4388,85 +4378,133 @@
                         <m:e>
                           <m:r>
                             <a:rPr lang="en-US" sz="4800" i="1">
+                              <a:latin typeface="Cambria Math" panose="02040503050406030204" pitchFamily="18" charset="0"/>
+                            </a:rPr>
+                            <m:t>𝐸</m:t>
+                          </m:r>
+                          <m:d>
+                            <m:dPr>
+                              <m:begChr m:val="["/>
+                              <m:endChr m:val="]"/>
+                              <m:ctrlPr>
+                                <a:rPr lang="en-US" sz="4800" i="1">
+                                  <a:latin typeface="Cambria Math" panose="02040503050406030204" pitchFamily="18" charset="0"/>
+                                </a:rPr>
+                              </m:ctrlPr>
+                            </m:dPr>
+                            <m:e>
+                              <m:r>
+                                <a:rPr lang="en-US" sz="4800" i="1">
+                                  <a:solidFill>
+                                    <a:srgbClr val="C00000"/>
+                                  </a:solidFill>
+                                  <a:latin typeface="Cambria Math" panose="02040503050406030204" pitchFamily="18" charset="0"/>
+                                </a:rPr>
+                                <m:t>𝑋</m:t>
+                              </m:r>
+                              <m:r>
+                                <a:rPr lang="en-US" sz="4800" i="1" baseline="-25000">
+                                  <a:solidFill>
+                                    <a:srgbClr val="C00000"/>
+                                  </a:solidFill>
+                                  <a:latin typeface="Cambria Math" panose="02040503050406030204" pitchFamily="18" charset="0"/>
+                                </a:rPr>
+                                <m:t>1</m:t>
+                              </m:r>
+                            </m:e>
+                          </m:d>
+                          <m:r>
+                            <a:rPr lang="en-US" sz="4800" b="0" i="1" smtClean="0">
                               <a:solidFill>
-                                <a:srgbClr val="C00000"/>
+                                <a:schemeClr val="tx1"/>
                               </a:solidFill>
                               <a:latin typeface="Cambria Math" panose="02040503050406030204" pitchFamily="18" charset="0"/>
                             </a:rPr>
-                            <m:t>𝑋</m:t>
-                          </m:r>
-                          <m:r>
-                            <a:rPr lang="en-US" sz="4800" i="1" baseline="-25000">
+                            <m:t>+</m:t>
+                          </m:r>
+                          <m:r>
+                            <a:rPr lang="en-US" sz="4800" i="1">
+                              <a:latin typeface="Cambria Math" panose="02040503050406030204" pitchFamily="18" charset="0"/>
+                            </a:rPr>
+                            <m:t>𝐸</m:t>
+                          </m:r>
+                          <m:d>
+                            <m:dPr>
+                              <m:begChr m:val="["/>
+                              <m:endChr m:val="]"/>
+                              <m:ctrlPr>
+                                <a:rPr lang="en-US" sz="4800" i="1">
+                                  <a:latin typeface="Cambria Math" panose="02040503050406030204" pitchFamily="18" charset="0"/>
+                                </a:rPr>
+                              </m:ctrlPr>
+                            </m:dPr>
+                            <m:e>
+                              <m:r>
+                                <a:rPr lang="en-US" sz="4800" i="1">
+                                  <a:solidFill>
+                                    <a:srgbClr val="C00000"/>
+                                  </a:solidFill>
+                                  <a:latin typeface="Cambria Math" panose="02040503050406030204" pitchFamily="18" charset="0"/>
+                                </a:rPr>
+                                <m:t>𝑋</m:t>
+                              </m:r>
+                              <m:r>
+                                <a:rPr lang="en-US" sz="4800" i="1" baseline="-25000">
+                                  <a:solidFill>
+                                    <a:srgbClr val="C00000"/>
+                                  </a:solidFill>
+                                  <a:latin typeface="Cambria Math" panose="02040503050406030204" pitchFamily="18" charset="0"/>
+                                </a:rPr>
+                                <m:t>2</m:t>
+                              </m:r>
+                            </m:e>
+                          </m:d>
+                          <m:r>
+                            <a:rPr lang="en-US" sz="4800" b="0" i="1" smtClean="0">
                               <a:solidFill>
-                                <a:srgbClr val="C00000"/>
+                                <a:schemeClr val="tx1"/>
                               </a:solidFill>
                               <a:latin typeface="Cambria Math" panose="02040503050406030204" pitchFamily="18" charset="0"/>
                             </a:rPr>
-                            <m:t>1</m:t>
+                            <m:t>+…+</m:t>
                           </m:r>
                           <m:r>
                             <a:rPr lang="en-US" sz="4800" i="1">
                               <a:latin typeface="Cambria Math" panose="02040503050406030204" pitchFamily="18" charset="0"/>
                             </a:rPr>
-                            <m:t>+</m:t>
-                          </m:r>
-                          <m:r>
-                            <a:rPr lang="en-US" sz="4800" i="1">
-                              <a:solidFill>
-                                <a:srgbClr val="C00000"/>
-                              </a:solidFill>
-                              <a:latin typeface="Cambria Math" panose="02040503050406030204" pitchFamily="18" charset="0"/>
-                            </a:rPr>
-                            <m:t>𝑋</m:t>
-                          </m:r>
-                          <m:r>
-                            <a:rPr lang="en-US" sz="4800" i="1" baseline="-25000">
-                              <a:solidFill>
-                                <a:srgbClr val="C00000"/>
-                              </a:solidFill>
-                              <a:latin typeface="Cambria Math" panose="02040503050406030204" pitchFamily="18" charset="0"/>
-                            </a:rPr>
-                            <m:t>2</m:t>
-                          </m:r>
-                          <m:r>
-                            <a:rPr lang="en-US" sz="4800" i="1">
-                              <a:latin typeface="Cambria Math" panose="02040503050406030204" pitchFamily="18" charset="0"/>
-                            </a:rPr>
-                            <m:t>+</m:t>
-                          </m:r>
-                          <m:r>
-                            <a:rPr lang="en-US" sz="4800" i="1">
-                              <a:solidFill>
-                                <a:srgbClr val="C00000"/>
-                              </a:solidFill>
-                              <a:latin typeface="Cambria Math" panose="02040503050406030204" pitchFamily="18" charset="0"/>
-                            </a:rPr>
-                            <m:t>…</m:t>
-                          </m:r>
-                          <m:r>
-                            <a:rPr lang="en-US" sz="4800" i="1">
-                              <a:latin typeface="Cambria Math" panose="02040503050406030204" pitchFamily="18" charset="0"/>
-                            </a:rPr>
-                            <m:t>+</m:t>
-                          </m:r>
-                          <m:r>
-                            <a:rPr lang="en-US" sz="4800" i="1">
-                              <a:solidFill>
-                                <a:srgbClr val="C00000"/>
-                              </a:solidFill>
-                              <a:latin typeface="Cambria Math" panose="02040503050406030204" pitchFamily="18" charset="0"/>
-                            </a:rPr>
-                            <m:t>𝑋</m:t>
-                          </m:r>
-                          <m:r>
-                            <a:rPr lang="en-US" sz="4800" i="1" baseline="-25000">
-                              <a:solidFill>
-                                <a:srgbClr val="C00000"/>
-                              </a:solidFill>
-                              <a:latin typeface="Cambria Math" panose="02040503050406030204" pitchFamily="18" charset="0"/>
-                            </a:rPr>
-                            <m:t>𝑛</m:t>
-                          </m:r>
+                            <m:t>𝐸</m:t>
+                          </m:r>
+                          <m:d>
+                            <m:dPr>
+                              <m:begChr m:val="["/>
+                              <m:endChr m:val="]"/>
+                              <m:ctrlPr>
+                                <a:rPr lang="en-US" sz="4800" i="1">
+                                  <a:latin typeface="Cambria Math" panose="02040503050406030204" pitchFamily="18" charset="0"/>
+                                </a:rPr>
+                              </m:ctrlPr>
+                            </m:dPr>
+                            <m:e>
+                              <m:r>
+                                <a:rPr lang="en-US" sz="4800" i="1">
+                                  <a:solidFill>
+                                    <a:srgbClr val="C00000"/>
+                                  </a:solidFill>
+                                  <a:latin typeface="Cambria Math" panose="02040503050406030204" pitchFamily="18" charset="0"/>
+                                </a:rPr>
+                                <m:t>𝑋</m:t>
+                              </m:r>
+                              <m:r>
+                                <a:rPr lang="en-US" sz="4800" i="1" baseline="-25000">
+                                  <a:solidFill>
+                                    <a:srgbClr val="C00000"/>
+                                  </a:solidFill>
+                                  <a:latin typeface="Cambria Math" panose="02040503050406030204" pitchFamily="18" charset="0"/>
+                                </a:rPr>
+                                <m:t>𝑛</m:t>
+                              </m:r>
+                            </m:e>
+                          </m:d>
                         </m:e>
                       </m:d>
                     </m:oMath>
@@ -4484,10 +4522,10 @@
         <mc:Fallback>
           <p:sp>
             <p:nvSpPr>
-              <p:cNvPr id="3" name="TextBox 2">
+              <p:cNvPr id="4" name="TextBox 3">
                 <a:extLst>
                   <a:ext uri="{FF2B5EF4-FFF2-40B4-BE49-F238E27FC236}">
-                    <a16:creationId xmlns:a16="http://schemas.microsoft.com/office/drawing/2014/main" id="{666AD7C6-4ED8-4EFC-9192-C71C179B4542}"/>
+                    <a16:creationId xmlns:a16="http://schemas.microsoft.com/office/drawing/2014/main" id="{BC6E7DC2-02F3-4D42-9339-88ED2CE61808}"/>
                   </a:ext>
                 </a:extLst>
               </p:cNvPr>
@@ -4498,8 +4536,8 @@
             </p:nvSpPr>
             <p:spPr>
               <a:xfrm>
-                <a:off x="1913206" y="4171414"/>
-                <a:ext cx="8365588" cy="1387688"/>
+                <a:off x="910883" y="506137"/>
+                <a:ext cx="10370234" cy="1387688"/>
               </a:xfrm>
               <a:prstGeom prst="rect">
                 <a:avLst/>
@@ -4526,10 +4564,990 @@
           </p:sp>
         </mc:Fallback>
       </mc:AlternateContent>
+      <mc:AlternateContent xmlns:mc="http://schemas.openxmlformats.org/markup-compatibility/2006">
+        <mc:Choice xmlns:a14="http://schemas.microsoft.com/office/drawing/2010/main" Requires="a14">
+          <p:sp>
+            <p:nvSpPr>
+              <p:cNvPr id="5" name="TextBox 4">
+                <a:extLst>
+                  <a:ext uri="{FF2B5EF4-FFF2-40B4-BE49-F238E27FC236}">
+                    <a16:creationId xmlns:a16="http://schemas.microsoft.com/office/drawing/2014/main" id="{39C9FFCA-DC85-4746-AC88-7C9A343962C2}"/>
+                  </a:ext>
+                </a:extLst>
+              </p:cNvPr>
+              <p:cNvSpPr txBox="1"/>
+              <p:nvPr/>
+            </p:nvSpPr>
+            <p:spPr>
+              <a:xfrm>
+                <a:off x="910883" y="2618276"/>
+                <a:ext cx="10370234" cy="1387688"/>
+              </a:xfrm>
+              <a:prstGeom prst="rect">
+                <a:avLst/>
+              </a:prstGeom>
+              <a:noFill/>
+            </p:spPr>
+            <p:txBody>
+              <a:bodyPr wrap="square" lIns="0" tIns="0" rIns="0" bIns="0" rtlCol="0">
+                <a:spAutoFit/>
+              </a:bodyPr>
+              <a:lstStyle/>
+              <a:p>
+                <a:pPr/>
+                <a14:m>
+                  <m:oMathPara xmlns:m="http://schemas.openxmlformats.org/officeDocument/2006/math">
+                    <m:oMathParaPr>
+                      <m:jc m:val="centerGroup"/>
+                    </m:oMathParaPr>
+                    <m:oMath xmlns:m="http://schemas.openxmlformats.org/officeDocument/2006/math">
+                      <m:r>
+                        <a:rPr lang="en-US" sz="4800" b="0" i="1" smtClean="0">
+                          <a:latin typeface="Cambria Math" panose="02040503050406030204" pitchFamily="18" charset="0"/>
+                        </a:rPr>
+                        <m:t>𝐸</m:t>
+                      </m:r>
+                      <m:r>
+                        <a:rPr lang="en-US" sz="4800" b="0" i="1" smtClean="0">
+                          <a:latin typeface="Cambria Math" panose="02040503050406030204" pitchFamily="18" charset="0"/>
+                        </a:rPr>
+                        <m:t>[</m:t>
+                      </m:r>
+                      <m:acc>
+                        <m:accPr>
+                          <m:chr m:val="̅"/>
+                          <m:ctrlPr>
+                            <a:rPr lang="en-US" sz="4800" i="1">
+                              <a:solidFill>
+                                <a:srgbClr val="C00000"/>
+                              </a:solidFill>
+                              <a:latin typeface="Cambria Math" panose="02040503050406030204" pitchFamily="18" charset="0"/>
+                            </a:rPr>
+                          </m:ctrlPr>
+                        </m:accPr>
+                        <m:e>
+                          <m:r>
+                            <a:rPr lang="en-US" sz="4800" i="1">
+                              <a:solidFill>
+                                <a:srgbClr val="C00000"/>
+                              </a:solidFill>
+                              <a:latin typeface="Cambria Math" panose="02040503050406030204" pitchFamily="18" charset="0"/>
+                            </a:rPr>
+                            <m:t>𝑋</m:t>
+                          </m:r>
+                        </m:e>
+                      </m:acc>
+                      <m:r>
+                        <a:rPr lang="en-US" sz="4800" b="0" i="1" smtClean="0">
+                          <a:latin typeface="Cambria Math" panose="02040503050406030204" pitchFamily="18" charset="0"/>
+                        </a:rPr>
+                        <m:t>]</m:t>
+                      </m:r>
+                      <m:r>
+                        <a:rPr lang="en-US" sz="4800" b="0" i="1" smtClean="0">
+                          <a:solidFill>
+                            <a:schemeClr val="tx1"/>
+                          </a:solidFill>
+                          <a:latin typeface="Cambria Math" panose="02040503050406030204" pitchFamily="18" charset="0"/>
+                        </a:rPr>
+                        <m:t>=</m:t>
+                      </m:r>
+                      <m:f>
+                        <m:fPr>
+                          <m:ctrlPr>
+                            <a:rPr lang="en-US" sz="4800" b="0" i="1" smtClean="0">
+                              <a:solidFill>
+                                <a:schemeClr val="tx1"/>
+                              </a:solidFill>
+                              <a:latin typeface="Cambria Math" panose="02040503050406030204" pitchFamily="18" charset="0"/>
+                            </a:rPr>
+                          </m:ctrlPr>
+                        </m:fPr>
+                        <m:num>
+                          <m:r>
+                            <a:rPr lang="en-US" sz="4800" b="0" i="1" smtClean="0">
+                              <a:solidFill>
+                                <a:schemeClr val="tx1"/>
+                              </a:solidFill>
+                              <a:latin typeface="Cambria Math" panose="02040503050406030204" pitchFamily="18" charset="0"/>
+                            </a:rPr>
+                            <m:t>1</m:t>
+                          </m:r>
+                        </m:num>
+                        <m:den>
+                          <m:r>
+                            <a:rPr lang="en-US" sz="4800" b="0" i="1" smtClean="0">
+                              <a:solidFill>
+                                <a:schemeClr val="tx1"/>
+                              </a:solidFill>
+                              <a:latin typeface="Cambria Math" panose="02040503050406030204" pitchFamily="18" charset="0"/>
+                            </a:rPr>
+                            <m:t>𝑛</m:t>
+                          </m:r>
+                        </m:den>
+                      </m:f>
+                      <m:d>
+                        <m:dPr>
+                          <m:ctrlPr>
+                            <a:rPr lang="en-US" sz="4800" b="0" i="1" smtClean="0">
+                              <a:solidFill>
+                                <a:schemeClr val="tx1"/>
+                              </a:solidFill>
+                              <a:latin typeface="Cambria Math" panose="02040503050406030204" pitchFamily="18" charset="0"/>
+                            </a:rPr>
+                          </m:ctrlPr>
+                        </m:dPr>
+                        <m:e>
+                          <m:r>
+                            <a:rPr lang="en-US" sz="4800" i="1" smtClean="0">
+                              <a:latin typeface="Cambria Math" panose="02040503050406030204" pitchFamily="18" charset="0"/>
+                            </a:rPr>
+                            <m:t>µ</m:t>
+                          </m:r>
+                          <m:r>
+                            <a:rPr lang="en-US" sz="4800" b="0" i="1" smtClean="0">
+                              <a:solidFill>
+                                <a:schemeClr val="tx1"/>
+                              </a:solidFill>
+                              <a:latin typeface="Cambria Math" panose="02040503050406030204" pitchFamily="18" charset="0"/>
+                            </a:rPr>
+                            <m:t>+</m:t>
+                          </m:r>
+                          <m:r>
+                            <a:rPr lang="en-US" sz="4800" i="1">
+                              <a:latin typeface="Cambria Math" panose="02040503050406030204" pitchFamily="18" charset="0"/>
+                            </a:rPr>
+                            <m:t>µ</m:t>
+                          </m:r>
+                          <m:r>
+                            <a:rPr lang="en-US" sz="4800" b="0" i="1" smtClean="0">
+                              <a:solidFill>
+                                <a:schemeClr val="tx1"/>
+                              </a:solidFill>
+                              <a:latin typeface="Cambria Math" panose="02040503050406030204" pitchFamily="18" charset="0"/>
+                            </a:rPr>
+                            <m:t>+…+</m:t>
+                          </m:r>
+                          <m:r>
+                            <a:rPr lang="en-US" sz="4800" i="1">
+                              <a:latin typeface="Cambria Math" panose="02040503050406030204" pitchFamily="18" charset="0"/>
+                            </a:rPr>
+                            <m:t>µ</m:t>
+                          </m:r>
+                        </m:e>
+                      </m:d>
+                    </m:oMath>
+                  </m:oMathPara>
+                </a14:m>
+                <a:endParaRPr lang="en-US" sz="4800" b="0">
+                  <a:solidFill>
+                    <a:srgbClr val="7030A0"/>
+                  </a:solidFill>
+                </a:endParaRPr>
+              </a:p>
+            </p:txBody>
+          </p:sp>
+        </mc:Choice>
+        <mc:Fallback>
+          <p:sp>
+            <p:nvSpPr>
+              <p:cNvPr id="5" name="TextBox 4">
+                <a:extLst>
+                  <a:ext uri="{FF2B5EF4-FFF2-40B4-BE49-F238E27FC236}">
+                    <a16:creationId xmlns:a16="http://schemas.microsoft.com/office/drawing/2014/main" id="{39C9FFCA-DC85-4746-AC88-7C9A343962C2}"/>
+                  </a:ext>
+                </a:extLst>
+              </p:cNvPr>
+              <p:cNvSpPr txBox="1">
+                <a:spLocks noRot="1" noChangeAspect="1" noMove="1" noResize="1" noEditPoints="1" noAdjustHandles="1" noChangeArrowheads="1" noChangeShapeType="1" noTextEdit="1"/>
+              </p:cNvSpPr>
+              <p:nvPr/>
+            </p:nvSpPr>
+            <p:spPr>
+              <a:xfrm>
+                <a:off x="910883" y="2618276"/>
+                <a:ext cx="10370234" cy="1387688"/>
+              </a:xfrm>
+              <a:prstGeom prst="rect">
+                <a:avLst/>
+              </a:prstGeom>
+              <a:blipFill>
+                <a:blip r:embed="rId4"/>
+                <a:stretch>
+                  <a:fillRect/>
+                </a:stretch>
+              </a:blipFill>
+            </p:spPr>
+            <p:txBody>
+              <a:bodyPr/>
+              <a:lstStyle/>
+              <a:p>
+                <a:r>
+                  <a:rPr lang="en-US">
+                    <a:noFill/>
+                  </a:rPr>
+                  <a:t> </a:t>
+                </a:r>
+              </a:p>
+            </p:txBody>
+          </p:sp>
+        </mc:Fallback>
+      </mc:AlternateContent>
     </p:spTree>
     <p:extLst>
       <p:ext uri="{BB962C8B-B14F-4D97-AF65-F5344CB8AC3E}">
         <p14:creationId xmlns:p14="http://schemas.microsoft.com/office/powerpoint/2010/main" val="3035611815"/>
+      </p:ext>
+    </p:extLst>
+  </p:cSld>
+  <p:clrMapOvr>
+    <a:masterClrMapping/>
+  </p:clrMapOvr>
+</p:sld>
+</file>
+
+<file path=ppt/slides/slide11.xml><?xml version="1.0" encoding="utf-8"?>
+<p:sld xmlns:a="http://schemas.openxmlformats.org/drawingml/2006/main" xmlns:r="http://schemas.openxmlformats.org/officeDocument/2006/relationships" xmlns:p="http://schemas.openxmlformats.org/presentationml/2006/main">
+  <p:cSld>
+    <p:spTree>
+      <p:nvGrpSpPr>
+        <p:cNvPr id="1" name=""/>
+        <p:cNvGrpSpPr/>
+        <p:nvPr/>
+      </p:nvGrpSpPr>
+      <p:grpSpPr>
+        <a:xfrm>
+          <a:off x="0" y="0"/>
+          <a:ext cx="0" cy="0"/>
+          <a:chOff x="0" y="0"/>
+          <a:chExt cx="0" cy="0"/>
+        </a:xfrm>
+      </p:grpSpPr>
+      <mc:AlternateContent xmlns:mc="http://schemas.openxmlformats.org/markup-compatibility/2006">
+        <mc:Choice xmlns:a14="http://schemas.microsoft.com/office/drawing/2010/main" Requires="a14">
+          <p:sp>
+            <p:nvSpPr>
+              <p:cNvPr id="5" name="TextBox 4">
+                <a:extLst>
+                  <a:ext uri="{FF2B5EF4-FFF2-40B4-BE49-F238E27FC236}">
+                    <a16:creationId xmlns:a16="http://schemas.microsoft.com/office/drawing/2014/main" id="{39C9FFCA-DC85-4746-AC88-7C9A343962C2}"/>
+                  </a:ext>
+                </a:extLst>
+              </p:cNvPr>
+              <p:cNvSpPr txBox="1"/>
+              <p:nvPr/>
+            </p:nvSpPr>
+            <p:spPr>
+              <a:xfrm>
+                <a:off x="910883" y="691002"/>
+                <a:ext cx="10370234" cy="1387688"/>
+              </a:xfrm>
+              <a:prstGeom prst="rect">
+                <a:avLst/>
+              </a:prstGeom>
+              <a:noFill/>
+            </p:spPr>
+            <p:txBody>
+              <a:bodyPr wrap="square" lIns="0" tIns="0" rIns="0" bIns="0" rtlCol="0">
+                <a:spAutoFit/>
+              </a:bodyPr>
+              <a:lstStyle/>
+              <a:p>
+                <a:pPr/>
+                <a14:m>
+                  <m:oMathPara xmlns:m="http://schemas.openxmlformats.org/officeDocument/2006/math">
+                    <m:oMathParaPr>
+                      <m:jc m:val="centerGroup"/>
+                    </m:oMathParaPr>
+                    <m:oMath xmlns:m="http://schemas.openxmlformats.org/officeDocument/2006/math">
+                      <m:r>
+                        <a:rPr lang="en-US" sz="4800" b="0" i="1" smtClean="0">
+                          <a:latin typeface="Cambria Math" panose="02040503050406030204" pitchFamily="18" charset="0"/>
+                        </a:rPr>
+                        <m:t>𝐸</m:t>
+                      </m:r>
+                      <m:r>
+                        <a:rPr lang="en-US" sz="4800" b="0" i="1" smtClean="0">
+                          <a:latin typeface="Cambria Math" panose="02040503050406030204" pitchFamily="18" charset="0"/>
+                        </a:rPr>
+                        <m:t>[</m:t>
+                      </m:r>
+                      <m:acc>
+                        <m:accPr>
+                          <m:chr m:val="̅"/>
+                          <m:ctrlPr>
+                            <a:rPr lang="en-US" sz="4800" i="1">
+                              <a:solidFill>
+                                <a:srgbClr val="C00000"/>
+                              </a:solidFill>
+                              <a:latin typeface="Cambria Math" panose="02040503050406030204" pitchFamily="18" charset="0"/>
+                            </a:rPr>
+                          </m:ctrlPr>
+                        </m:accPr>
+                        <m:e>
+                          <m:r>
+                            <a:rPr lang="en-US" sz="4800" i="1">
+                              <a:solidFill>
+                                <a:srgbClr val="C00000"/>
+                              </a:solidFill>
+                              <a:latin typeface="Cambria Math" panose="02040503050406030204" pitchFamily="18" charset="0"/>
+                            </a:rPr>
+                            <m:t>𝑋</m:t>
+                          </m:r>
+                        </m:e>
+                      </m:acc>
+                      <m:r>
+                        <a:rPr lang="en-US" sz="4800" b="0" i="1" smtClean="0">
+                          <a:latin typeface="Cambria Math" panose="02040503050406030204" pitchFamily="18" charset="0"/>
+                        </a:rPr>
+                        <m:t>]</m:t>
+                      </m:r>
+                      <m:r>
+                        <a:rPr lang="en-US" sz="4800" b="0" i="1" smtClean="0">
+                          <a:solidFill>
+                            <a:schemeClr val="tx1"/>
+                          </a:solidFill>
+                          <a:latin typeface="Cambria Math" panose="02040503050406030204" pitchFamily="18" charset="0"/>
+                        </a:rPr>
+                        <m:t>=</m:t>
+                      </m:r>
+                      <m:f>
+                        <m:fPr>
+                          <m:ctrlPr>
+                            <a:rPr lang="en-US" sz="4800" b="0" i="1" smtClean="0">
+                              <a:solidFill>
+                                <a:schemeClr val="tx1"/>
+                              </a:solidFill>
+                              <a:latin typeface="Cambria Math" panose="02040503050406030204" pitchFamily="18" charset="0"/>
+                            </a:rPr>
+                          </m:ctrlPr>
+                        </m:fPr>
+                        <m:num>
+                          <m:r>
+                            <a:rPr lang="en-US" sz="4800" b="0" i="1" smtClean="0">
+                              <a:solidFill>
+                                <a:schemeClr val="tx1"/>
+                              </a:solidFill>
+                              <a:latin typeface="Cambria Math" panose="02040503050406030204" pitchFamily="18" charset="0"/>
+                            </a:rPr>
+                            <m:t>1</m:t>
+                          </m:r>
+                        </m:num>
+                        <m:den>
+                          <m:r>
+                            <a:rPr lang="en-US" sz="4800" b="0" i="1" smtClean="0">
+                              <a:solidFill>
+                                <a:schemeClr val="tx1"/>
+                              </a:solidFill>
+                              <a:latin typeface="Cambria Math" panose="02040503050406030204" pitchFamily="18" charset="0"/>
+                            </a:rPr>
+                            <m:t>𝑛</m:t>
+                          </m:r>
+                        </m:den>
+                      </m:f>
+                      <m:d>
+                        <m:dPr>
+                          <m:ctrlPr>
+                            <a:rPr lang="en-US" sz="4800" b="0" i="1" smtClean="0">
+                              <a:solidFill>
+                                <a:schemeClr val="tx1"/>
+                              </a:solidFill>
+                              <a:latin typeface="Cambria Math" panose="02040503050406030204" pitchFamily="18" charset="0"/>
+                            </a:rPr>
+                          </m:ctrlPr>
+                        </m:dPr>
+                        <m:e>
+                          <m:r>
+                            <a:rPr lang="en-US" sz="4800" i="1" smtClean="0">
+                              <a:latin typeface="Cambria Math" panose="02040503050406030204" pitchFamily="18" charset="0"/>
+                            </a:rPr>
+                            <m:t>µ</m:t>
+                          </m:r>
+                          <m:r>
+                            <a:rPr lang="en-US" sz="4800" b="0" i="1" smtClean="0">
+                              <a:solidFill>
+                                <a:schemeClr val="tx1"/>
+                              </a:solidFill>
+                              <a:latin typeface="Cambria Math" panose="02040503050406030204" pitchFamily="18" charset="0"/>
+                            </a:rPr>
+                            <m:t>+</m:t>
+                          </m:r>
+                          <m:r>
+                            <a:rPr lang="en-US" sz="4800" i="1">
+                              <a:latin typeface="Cambria Math" panose="02040503050406030204" pitchFamily="18" charset="0"/>
+                            </a:rPr>
+                            <m:t>µ</m:t>
+                          </m:r>
+                          <m:r>
+                            <a:rPr lang="en-US" sz="4800" b="0" i="1" smtClean="0">
+                              <a:solidFill>
+                                <a:schemeClr val="tx1"/>
+                              </a:solidFill>
+                              <a:latin typeface="Cambria Math" panose="02040503050406030204" pitchFamily="18" charset="0"/>
+                            </a:rPr>
+                            <m:t>+…+</m:t>
+                          </m:r>
+                          <m:r>
+                            <a:rPr lang="en-US" sz="4800" i="1">
+                              <a:latin typeface="Cambria Math" panose="02040503050406030204" pitchFamily="18" charset="0"/>
+                            </a:rPr>
+                            <m:t>µ</m:t>
+                          </m:r>
+                        </m:e>
+                      </m:d>
+                    </m:oMath>
+                  </m:oMathPara>
+                </a14:m>
+                <a:endParaRPr lang="en-US" sz="4800" b="0">
+                  <a:solidFill>
+                    <a:srgbClr val="7030A0"/>
+                  </a:solidFill>
+                </a:endParaRPr>
+              </a:p>
+            </p:txBody>
+          </p:sp>
+        </mc:Choice>
+        <mc:Fallback>
+          <p:sp>
+            <p:nvSpPr>
+              <p:cNvPr id="5" name="TextBox 4">
+                <a:extLst>
+                  <a:ext uri="{FF2B5EF4-FFF2-40B4-BE49-F238E27FC236}">
+                    <a16:creationId xmlns:a16="http://schemas.microsoft.com/office/drawing/2014/main" id="{39C9FFCA-DC85-4746-AC88-7C9A343962C2}"/>
+                  </a:ext>
+                </a:extLst>
+              </p:cNvPr>
+              <p:cNvSpPr txBox="1">
+                <a:spLocks noRot="1" noChangeAspect="1" noMove="1" noResize="1" noEditPoints="1" noAdjustHandles="1" noChangeArrowheads="1" noChangeShapeType="1" noTextEdit="1"/>
+              </p:cNvSpPr>
+              <p:nvPr/>
+            </p:nvSpPr>
+            <p:spPr>
+              <a:xfrm>
+                <a:off x="910883" y="691002"/>
+                <a:ext cx="10370234" cy="1387688"/>
+              </a:xfrm>
+              <a:prstGeom prst="rect">
+                <a:avLst/>
+              </a:prstGeom>
+              <a:blipFill>
+                <a:blip r:embed="rId2"/>
+                <a:stretch>
+                  <a:fillRect/>
+                </a:stretch>
+              </a:blipFill>
+            </p:spPr>
+            <p:txBody>
+              <a:bodyPr/>
+              <a:lstStyle/>
+              <a:p>
+                <a:r>
+                  <a:rPr lang="en-US">
+                    <a:noFill/>
+                  </a:rPr>
+                  <a:t> </a:t>
+                </a:r>
+              </a:p>
+            </p:txBody>
+          </p:sp>
+        </mc:Fallback>
+      </mc:AlternateContent>
+      <mc:AlternateContent xmlns:mc="http://schemas.openxmlformats.org/markup-compatibility/2006">
+        <mc:Choice xmlns:a14="http://schemas.microsoft.com/office/drawing/2010/main" Requires="a14">
+          <p:sp>
+            <p:nvSpPr>
+              <p:cNvPr id="6" name="TextBox 5">
+                <a:extLst>
+                  <a:ext uri="{FF2B5EF4-FFF2-40B4-BE49-F238E27FC236}">
+                    <a16:creationId xmlns:a16="http://schemas.microsoft.com/office/drawing/2014/main" id="{053CEC4A-7BC8-4F2F-BCB3-2EE40F0745F3}"/>
+                  </a:ext>
+                </a:extLst>
+              </p:cNvPr>
+              <p:cNvSpPr txBox="1"/>
+              <p:nvPr/>
+            </p:nvSpPr>
+            <p:spPr>
+              <a:xfrm>
+                <a:off x="910883" y="2538208"/>
+                <a:ext cx="10370234" cy="1387688"/>
+              </a:xfrm>
+              <a:prstGeom prst="rect">
+                <a:avLst/>
+              </a:prstGeom>
+              <a:noFill/>
+            </p:spPr>
+            <p:txBody>
+              <a:bodyPr wrap="square" lIns="0" tIns="0" rIns="0" bIns="0" rtlCol="0">
+                <a:spAutoFit/>
+              </a:bodyPr>
+              <a:lstStyle/>
+              <a:p>
+                <a:pPr/>
+                <a14:m>
+                  <m:oMathPara xmlns:m="http://schemas.openxmlformats.org/officeDocument/2006/math">
+                    <m:oMathParaPr>
+                      <m:jc m:val="centerGroup"/>
+                    </m:oMathParaPr>
+                    <m:oMath xmlns:m="http://schemas.openxmlformats.org/officeDocument/2006/math">
+                      <m:r>
+                        <a:rPr lang="en-US" sz="4800" b="0" i="1" smtClean="0">
+                          <a:latin typeface="Cambria Math" panose="02040503050406030204" pitchFamily="18" charset="0"/>
+                        </a:rPr>
+                        <m:t>𝐸</m:t>
+                      </m:r>
+                      <m:d>
+                        <m:dPr>
+                          <m:begChr m:val="["/>
+                          <m:endChr m:val="]"/>
+                          <m:ctrlPr>
+                            <a:rPr lang="en-US" sz="4800" b="0" i="1" smtClean="0">
+                              <a:solidFill>
+                                <a:schemeClr val="tx1"/>
+                              </a:solidFill>
+                              <a:latin typeface="Cambria Math" panose="02040503050406030204" pitchFamily="18" charset="0"/>
+                            </a:rPr>
+                          </m:ctrlPr>
+                        </m:dPr>
+                        <m:e>
+                          <m:acc>
+                            <m:accPr>
+                              <m:chr m:val="̅"/>
+                              <m:ctrlPr>
+                                <a:rPr lang="en-US" sz="4800" i="1" smtClean="0">
+                                  <a:solidFill>
+                                    <a:srgbClr val="C00000"/>
+                                  </a:solidFill>
+                                  <a:latin typeface="Cambria Math" panose="02040503050406030204" pitchFamily="18" charset="0"/>
+                                </a:rPr>
+                              </m:ctrlPr>
+                            </m:accPr>
+                            <m:e>
+                              <m:r>
+                                <a:rPr lang="en-US" sz="4800" i="1">
+                                  <a:solidFill>
+                                    <a:srgbClr val="C00000"/>
+                                  </a:solidFill>
+                                  <a:latin typeface="Cambria Math" panose="02040503050406030204" pitchFamily="18" charset="0"/>
+                                </a:rPr>
+                                <m:t>𝑋</m:t>
+                              </m:r>
+                            </m:e>
+                          </m:acc>
+                        </m:e>
+                      </m:d>
+                      <m:r>
+                        <a:rPr lang="en-US" sz="4800" b="0" i="1" smtClean="0">
+                          <a:solidFill>
+                            <a:schemeClr val="tx1"/>
+                          </a:solidFill>
+                          <a:latin typeface="Cambria Math" panose="02040503050406030204" pitchFamily="18" charset="0"/>
+                        </a:rPr>
+                        <m:t>=</m:t>
+                      </m:r>
+                      <m:f>
+                        <m:fPr>
+                          <m:ctrlPr>
+                            <a:rPr lang="en-US" sz="4800" b="0" i="1" smtClean="0">
+                              <a:solidFill>
+                                <a:schemeClr val="tx1"/>
+                              </a:solidFill>
+                              <a:latin typeface="Cambria Math" panose="02040503050406030204" pitchFamily="18" charset="0"/>
+                            </a:rPr>
+                          </m:ctrlPr>
+                        </m:fPr>
+                        <m:num>
+                          <m:r>
+                            <a:rPr lang="en-US" sz="4800" b="0" i="1" smtClean="0">
+                              <a:solidFill>
+                                <a:schemeClr val="tx1"/>
+                              </a:solidFill>
+                              <a:latin typeface="Cambria Math" panose="02040503050406030204" pitchFamily="18" charset="0"/>
+                            </a:rPr>
+                            <m:t>1</m:t>
+                          </m:r>
+                        </m:num>
+                        <m:den>
+                          <m:r>
+                            <a:rPr lang="en-US" sz="4800" b="0" i="1" smtClean="0">
+                              <a:solidFill>
+                                <a:schemeClr val="tx1"/>
+                              </a:solidFill>
+                              <a:latin typeface="Cambria Math" panose="02040503050406030204" pitchFamily="18" charset="0"/>
+                            </a:rPr>
+                            <m:t>𝑛</m:t>
+                          </m:r>
+                        </m:den>
+                      </m:f>
+                      <m:d>
+                        <m:dPr>
+                          <m:ctrlPr>
+                            <a:rPr lang="en-US" sz="4800" b="0" i="1" smtClean="0">
+                              <a:solidFill>
+                                <a:schemeClr val="tx1"/>
+                              </a:solidFill>
+                              <a:latin typeface="Cambria Math" panose="02040503050406030204" pitchFamily="18" charset="0"/>
+                            </a:rPr>
+                          </m:ctrlPr>
+                        </m:dPr>
+                        <m:e>
+                          <m:r>
+                            <a:rPr lang="en-US" sz="4800" i="1">
+                              <a:latin typeface="Cambria Math" panose="02040503050406030204" pitchFamily="18" charset="0"/>
+                            </a:rPr>
+                            <m:t>𝑛</m:t>
+                          </m:r>
+                          <m:r>
+                            <a:rPr lang="en-US" sz="4800" i="1">
+                              <a:latin typeface="Cambria Math" panose="02040503050406030204" pitchFamily="18" charset="0"/>
+                            </a:rPr>
+                            <m:t>µ</m:t>
+                          </m:r>
+                        </m:e>
+                      </m:d>
+                      <m:r>
+                        <a:rPr lang="en-US" sz="4800" b="0" i="1" smtClean="0">
+                          <a:latin typeface="Cambria Math" panose="02040503050406030204" pitchFamily="18" charset="0"/>
+                        </a:rPr>
+                        <m:t>=</m:t>
+                      </m:r>
+                      <m:r>
+                        <a:rPr lang="en-US" sz="4800" i="1">
+                          <a:latin typeface="Cambria Math" panose="02040503050406030204" pitchFamily="18" charset="0"/>
+                        </a:rPr>
+                        <m:t>µ</m:t>
+                      </m:r>
+                    </m:oMath>
+                  </m:oMathPara>
+                </a14:m>
+                <a:endParaRPr lang="en-US" sz="4800" b="0">
+                  <a:solidFill>
+                    <a:srgbClr val="7030A0"/>
+                  </a:solidFill>
+                </a:endParaRPr>
+              </a:p>
+            </p:txBody>
+          </p:sp>
+        </mc:Choice>
+        <mc:Fallback>
+          <p:sp>
+            <p:nvSpPr>
+              <p:cNvPr id="6" name="TextBox 5">
+                <a:extLst>
+                  <a:ext uri="{FF2B5EF4-FFF2-40B4-BE49-F238E27FC236}">
+                    <a16:creationId xmlns:a16="http://schemas.microsoft.com/office/drawing/2014/main" id="{053CEC4A-7BC8-4F2F-BCB3-2EE40F0745F3}"/>
+                  </a:ext>
+                </a:extLst>
+              </p:cNvPr>
+              <p:cNvSpPr txBox="1">
+                <a:spLocks noRot="1" noChangeAspect="1" noMove="1" noResize="1" noEditPoints="1" noAdjustHandles="1" noChangeArrowheads="1" noChangeShapeType="1" noTextEdit="1"/>
+              </p:cNvSpPr>
+              <p:nvPr/>
+            </p:nvSpPr>
+            <p:spPr>
+              <a:xfrm>
+                <a:off x="910883" y="2538208"/>
+                <a:ext cx="10370234" cy="1387688"/>
+              </a:xfrm>
+              <a:prstGeom prst="rect">
+                <a:avLst/>
+              </a:prstGeom>
+              <a:blipFill>
+                <a:blip r:embed="rId3"/>
+                <a:stretch>
+                  <a:fillRect/>
+                </a:stretch>
+              </a:blipFill>
+            </p:spPr>
+            <p:txBody>
+              <a:bodyPr/>
+              <a:lstStyle/>
+              <a:p>
+                <a:r>
+                  <a:rPr lang="en-US">
+                    <a:noFill/>
+                  </a:rPr>
+                  <a:t> </a:t>
+                </a:r>
+              </a:p>
+            </p:txBody>
+          </p:sp>
+        </mc:Fallback>
+      </mc:AlternateContent>
+      <mc:AlternateContent xmlns:mc="http://schemas.openxmlformats.org/markup-compatibility/2006">
+        <mc:Choice xmlns:a14="http://schemas.microsoft.com/office/drawing/2010/main" Requires="a14">
+          <p:sp>
+            <p:nvSpPr>
+              <p:cNvPr id="7" name="TextBox 6">
+                <a:extLst>
+                  <a:ext uri="{FF2B5EF4-FFF2-40B4-BE49-F238E27FC236}">
+                    <a16:creationId xmlns:a16="http://schemas.microsoft.com/office/drawing/2014/main" id="{252E096F-1687-45E3-8DC4-5CA07A1091A7}"/>
+                  </a:ext>
+                </a:extLst>
+              </p:cNvPr>
+              <p:cNvSpPr txBox="1"/>
+              <p:nvPr/>
+            </p:nvSpPr>
+            <p:spPr>
+              <a:xfrm>
+                <a:off x="910883" y="4385414"/>
+                <a:ext cx="10370234" cy="1402756"/>
+              </a:xfrm>
+              <a:prstGeom prst="rect">
+                <a:avLst/>
+              </a:prstGeom>
+              <a:noFill/>
+            </p:spPr>
+            <p:txBody>
+              <a:bodyPr wrap="square" lIns="0" tIns="0" rIns="0" bIns="0" rtlCol="0">
+                <a:spAutoFit/>
+              </a:bodyPr>
+              <a:lstStyle/>
+              <a:p>
+                <a:pPr/>
+                <a14:m>
+                  <m:oMathPara xmlns:m="http://schemas.openxmlformats.org/officeDocument/2006/math">
+                    <m:oMathParaPr>
+                      <m:jc m:val="centerGroup"/>
+                    </m:oMathParaPr>
+                    <m:oMath xmlns:m="http://schemas.openxmlformats.org/officeDocument/2006/math">
+                      <m:r>
+                        <a:rPr lang="en-US" sz="4800" b="0" i="1" smtClean="0">
+                          <a:solidFill>
+                            <a:schemeClr val="tx1"/>
+                          </a:solidFill>
+                          <a:latin typeface="Cambria Math" panose="02040503050406030204" pitchFamily="18" charset="0"/>
+                        </a:rPr>
+                        <m:t>𝑉𝑎𝑟</m:t>
+                      </m:r>
+                      <m:d>
+                        <m:dPr>
+                          <m:begChr m:val="["/>
+                          <m:endChr m:val="]"/>
+                          <m:ctrlPr>
+                            <a:rPr lang="en-US" sz="4800" b="0" i="1" smtClean="0">
+                              <a:solidFill>
+                                <a:schemeClr val="tx1"/>
+                              </a:solidFill>
+                              <a:latin typeface="Cambria Math" panose="02040503050406030204" pitchFamily="18" charset="0"/>
+                            </a:rPr>
+                          </m:ctrlPr>
+                        </m:dPr>
+                        <m:e>
+                          <m:acc>
+                            <m:accPr>
+                              <m:chr m:val="̅"/>
+                              <m:ctrlPr>
+                                <a:rPr lang="en-US" sz="4800" i="1" smtClean="0">
+                                  <a:solidFill>
+                                    <a:srgbClr val="C00000"/>
+                                  </a:solidFill>
+                                  <a:latin typeface="Cambria Math" panose="02040503050406030204" pitchFamily="18" charset="0"/>
+                                </a:rPr>
+                              </m:ctrlPr>
+                            </m:accPr>
+                            <m:e>
+                              <m:r>
+                                <a:rPr lang="en-US" sz="4800" i="1">
+                                  <a:solidFill>
+                                    <a:srgbClr val="C00000"/>
+                                  </a:solidFill>
+                                  <a:latin typeface="Cambria Math" panose="02040503050406030204" pitchFamily="18" charset="0"/>
+                                </a:rPr>
+                                <m:t>𝑋</m:t>
+                              </m:r>
+                            </m:e>
+                          </m:acc>
+                        </m:e>
+                      </m:d>
+                      <m:r>
+                        <a:rPr lang="en-US" sz="4800" b="0" i="1" smtClean="0">
+                          <a:solidFill>
+                            <a:schemeClr val="tx1"/>
+                          </a:solidFill>
+                          <a:latin typeface="Cambria Math" panose="02040503050406030204" pitchFamily="18" charset="0"/>
+                        </a:rPr>
+                        <m:t>=</m:t>
+                      </m:r>
+                      <m:r>
+                        <a:rPr lang="en-US" sz="4800" i="1">
+                          <a:latin typeface="Cambria Math" panose="02040503050406030204" pitchFamily="18" charset="0"/>
+                        </a:rPr>
+                        <m:t>𝑉𝑎𝑟</m:t>
+                      </m:r>
+                      <m:d>
+                        <m:dPr>
+                          <m:begChr m:val="["/>
+                          <m:endChr m:val="]"/>
+                          <m:ctrlPr>
+                            <a:rPr lang="en-US" sz="4800" i="1">
+                              <a:latin typeface="Cambria Math" panose="02040503050406030204" pitchFamily="18" charset="0"/>
+                            </a:rPr>
+                          </m:ctrlPr>
+                        </m:dPr>
+                        <m:e>
+                          <m:f>
+                            <m:fPr>
+                              <m:ctrlPr>
+                                <a:rPr lang="en-US" sz="4800" i="1">
+                                  <a:latin typeface="Cambria Math" panose="02040503050406030204" pitchFamily="18" charset="0"/>
+                                </a:rPr>
+                              </m:ctrlPr>
+                            </m:fPr>
+                            <m:num>
+                              <m:r>
+                                <a:rPr lang="en-US" sz="4800" i="1">
+                                  <a:solidFill>
+                                    <a:srgbClr val="C00000"/>
+                                  </a:solidFill>
+                                  <a:latin typeface="Cambria Math" panose="02040503050406030204" pitchFamily="18" charset="0"/>
+                                </a:rPr>
+                                <m:t>𝑋</m:t>
+                              </m:r>
+                              <m:r>
+                                <a:rPr lang="en-US" sz="4800" i="1" baseline="-25000">
+                                  <a:solidFill>
+                                    <a:srgbClr val="C00000"/>
+                                  </a:solidFill>
+                                  <a:latin typeface="Cambria Math" panose="02040503050406030204" pitchFamily="18" charset="0"/>
+                                </a:rPr>
+                                <m:t>1</m:t>
+                              </m:r>
+                              <m:r>
+                                <a:rPr lang="en-US" sz="4800" i="1">
+                                  <a:latin typeface="Cambria Math" panose="02040503050406030204" pitchFamily="18" charset="0"/>
+                                </a:rPr>
+                                <m:t>+</m:t>
+                              </m:r>
+                              <m:r>
+                                <a:rPr lang="en-US" sz="4800" i="1">
+                                  <a:solidFill>
+                                    <a:srgbClr val="C00000"/>
+                                  </a:solidFill>
+                                  <a:latin typeface="Cambria Math" panose="02040503050406030204" pitchFamily="18" charset="0"/>
+                                </a:rPr>
+                                <m:t>𝑋</m:t>
+                              </m:r>
+                              <m:r>
+                                <a:rPr lang="en-US" sz="4800" i="1" baseline="-25000">
+                                  <a:solidFill>
+                                    <a:srgbClr val="C00000"/>
+                                  </a:solidFill>
+                                  <a:latin typeface="Cambria Math" panose="02040503050406030204" pitchFamily="18" charset="0"/>
+                                </a:rPr>
+                                <m:t>2</m:t>
+                              </m:r>
+                              <m:r>
+                                <a:rPr lang="en-US" sz="4800" i="1">
+                                  <a:latin typeface="Cambria Math" panose="02040503050406030204" pitchFamily="18" charset="0"/>
+                                </a:rPr>
+                                <m:t>+</m:t>
+                              </m:r>
+                              <m:r>
+                                <a:rPr lang="en-US" sz="4800" i="1">
+                                  <a:solidFill>
+                                    <a:srgbClr val="C00000"/>
+                                  </a:solidFill>
+                                  <a:latin typeface="Cambria Math" panose="02040503050406030204" pitchFamily="18" charset="0"/>
+                                </a:rPr>
+                                <m:t>…</m:t>
+                              </m:r>
+                              <m:r>
+                                <a:rPr lang="en-US" sz="4800" i="1">
+                                  <a:latin typeface="Cambria Math" panose="02040503050406030204" pitchFamily="18" charset="0"/>
+                                </a:rPr>
+                                <m:t>+</m:t>
+                              </m:r>
+                              <m:r>
+                                <a:rPr lang="en-US" sz="4800" i="1">
+                                  <a:solidFill>
+                                    <a:srgbClr val="C00000"/>
+                                  </a:solidFill>
+                                  <a:latin typeface="Cambria Math" panose="02040503050406030204" pitchFamily="18" charset="0"/>
+                                </a:rPr>
+                                <m:t>𝑋</m:t>
+                              </m:r>
+                              <m:r>
+                                <a:rPr lang="en-US" sz="4800" i="1" baseline="-25000">
+                                  <a:solidFill>
+                                    <a:srgbClr val="C00000"/>
+                                  </a:solidFill>
+                                  <a:latin typeface="Cambria Math" panose="02040503050406030204" pitchFamily="18" charset="0"/>
+                                </a:rPr>
+                                <m:t>𝑛</m:t>
+                              </m:r>
+                            </m:num>
+                            <m:den>
+                              <m:r>
+                                <a:rPr lang="en-US" sz="4800" i="1">
+                                  <a:latin typeface="Cambria Math" panose="02040503050406030204" pitchFamily="18" charset="0"/>
+                                </a:rPr>
+                                <m:t>𝑛</m:t>
+                              </m:r>
+                            </m:den>
+                          </m:f>
+                        </m:e>
+                      </m:d>
+                    </m:oMath>
+                  </m:oMathPara>
+                </a14:m>
+                <a:endParaRPr lang="en-US" sz="4800" b="0">
+                  <a:solidFill>
+                    <a:srgbClr val="7030A0"/>
+                  </a:solidFill>
+                </a:endParaRPr>
+              </a:p>
+            </p:txBody>
+          </p:sp>
+        </mc:Choice>
+        <mc:Fallback>
+          <p:sp>
+            <p:nvSpPr>
+              <p:cNvPr id="7" name="TextBox 6">
+                <a:extLst>
+                  <a:ext uri="{FF2B5EF4-FFF2-40B4-BE49-F238E27FC236}">
+                    <a16:creationId xmlns:a16="http://schemas.microsoft.com/office/drawing/2014/main" id="{252E096F-1687-45E3-8DC4-5CA07A1091A7}"/>
+                  </a:ext>
+                </a:extLst>
+              </p:cNvPr>
+              <p:cNvSpPr txBox="1">
+                <a:spLocks noRot="1" noChangeAspect="1" noMove="1" noResize="1" noEditPoints="1" noAdjustHandles="1" noChangeArrowheads="1" noChangeShapeType="1" noTextEdit="1"/>
+              </p:cNvSpPr>
+              <p:nvPr/>
+            </p:nvSpPr>
+            <p:spPr>
+              <a:xfrm>
+                <a:off x="910883" y="4385414"/>
+                <a:ext cx="10370234" cy="1402756"/>
+              </a:xfrm>
+              <a:prstGeom prst="rect">
+                <a:avLst/>
+              </a:prstGeom>
+              <a:blipFill>
+                <a:blip r:embed="rId4"/>
+                <a:stretch>
+                  <a:fillRect/>
+                </a:stretch>
+              </a:blipFill>
+            </p:spPr>
+            <p:txBody>
+              <a:bodyPr/>
+              <a:lstStyle/>
+              <a:p>
+                <a:r>
+                  <a:rPr lang="en-US">
+                    <a:noFill/>
+                  </a:rPr>
+                  <a:t> </a:t>
+                </a:r>
+              </a:p>
+            </p:txBody>
+          </p:sp>
+        </mc:Fallback>
+      </mc:AlternateContent>
+    </p:spTree>
+    <p:extLst>
+      <p:ext uri="{BB962C8B-B14F-4D97-AF65-F5344CB8AC3E}">
+        <p14:creationId xmlns:p14="http://schemas.microsoft.com/office/powerpoint/2010/main" val="3298899722"/>
       </p:ext>
     </p:extLst>
   </p:cSld>
@@ -5619,7 +6637,13 @@
                             <a:rPr lang="en-US" sz="4400" i="1">
                               <a:latin typeface="Cambria Math" panose="02040503050406030204" pitchFamily="18" charset="0"/>
                             </a:rPr>
-                            <m:t>=1</m:t>
+                            <m:t>=</m:t>
+                          </m:r>
+                          <m:r>
+                            <a:rPr lang="en-US" sz="4400" i="1">
+                              <a:latin typeface="Cambria Math" panose="02040503050406030204" pitchFamily="18" charset="0"/>
+                            </a:rPr>
+                            <m:t>1</m:t>
                           </m:r>
                         </m:sub>
                         <m:sup>
@@ -5654,7 +6678,13 @@
                                 <a:rPr lang="en-US" sz="4400" i="1">
                                   <a:latin typeface="Cambria Math" panose="02040503050406030204" pitchFamily="18" charset="0"/>
                                 </a:rPr>
-                                <m:t>=1</m:t>
+                                <m:t>=</m:t>
+                              </m:r>
+                              <m:r>
+                                <a:rPr lang="en-US" sz="4400" i="1">
+                                  <a:latin typeface="Cambria Math" panose="02040503050406030204" pitchFamily="18" charset="0"/>
+                                </a:rPr>
+                                <m:t>1</m:t>
                               </m:r>
                             </m:sub>
                             <m:sup>
@@ -6071,7 +7101,7 @@
                           </a:solidFill>
                           <a:latin typeface="Cambria Math" panose="02040503050406030204" pitchFamily="18" charset="0"/>
                         </a:rPr>
-                        <m:t>𝑐h𝑎𝑛𝑔𝑒</m:t>
+                        <m:t>𝑐</m:t>
                       </m:r>
                       <m:r>
                         <a:rPr lang="en-US" sz="4000" b="0" i="1" smtClean="0">
@@ -6080,13 +7110,55 @@
                           </a:solidFill>
                           <a:latin typeface="Cambria Math" panose="02040503050406030204" pitchFamily="18" charset="0"/>
                         </a:rPr>
+                        <m:t>h</m:t>
+                      </m:r>
+                      <m:r>
+                        <a:rPr lang="en-US" sz="4000" b="0" i="1" smtClean="0">
+                          <a:solidFill>
+                            <a:schemeClr val="tx1"/>
+                          </a:solidFill>
+                          <a:latin typeface="Cambria Math" panose="02040503050406030204" pitchFamily="18" charset="0"/>
+                        </a:rPr>
+                        <m:t>𝑎𝑛𝑔𝑒</m:t>
+                      </m:r>
+                      <m:r>
+                        <a:rPr lang="en-US" sz="4000" b="0" i="1" smtClean="0">
+                          <a:solidFill>
+                            <a:schemeClr val="tx1"/>
+                          </a:solidFill>
+                          <a:latin typeface="Cambria Math" panose="02040503050406030204" pitchFamily="18" charset="0"/>
+                        </a:rPr>
                         <m:t> </m:t>
                       </m:r>
                       <m:r>
                         <a:rPr lang="en-US" sz="4000" b="0" i="1" smtClean="0">
                           <a:latin typeface="Cambria Math" panose="02040503050406030204" pitchFamily="18" charset="0"/>
                         </a:rPr>
-                        <m:t>𝑡h𝑟𝑜𝑢𝑔h𝑜𝑢𝑡</m:t>
+                        <m:t>𝑡</m:t>
+                      </m:r>
+                      <m:r>
+                        <a:rPr lang="en-US" sz="4000" b="0" i="1" smtClean="0">
+                          <a:latin typeface="Cambria Math" panose="02040503050406030204" pitchFamily="18" charset="0"/>
+                        </a:rPr>
+                        <m:t>h</m:t>
+                      </m:r>
+                      <m:r>
+                        <a:rPr lang="en-US" sz="4000" b="0" i="1" smtClean="0">
+                          <a:latin typeface="Cambria Math" panose="02040503050406030204" pitchFamily="18" charset="0"/>
+                        </a:rPr>
+                        <m:t>𝑟𝑜𝑢𝑔</m:t>
+                      </m:r>
+                      <m:r>
+                        <a:rPr lang="en-US" sz="4000" b="0" i="1" smtClean="0">
+                          <a:latin typeface="Cambria Math" panose="02040503050406030204" pitchFamily="18" charset="0"/>
+                        </a:rPr>
+                        <m:t>h</m:t>
+                      </m:r>
+                      <m:r>
+                        <a:rPr lang="en-US" sz="4000" b="0" i="1" smtClean="0">
+                          <a:latin typeface="Cambria Math" panose="02040503050406030204" pitchFamily="18" charset="0"/>
+                        </a:rPr>
+                        <m:t>𝑜𝑢𝑡</m:t>
                       </m:r>
                       <m:r>
                         <a:rPr lang="en-US" sz="4000" b="0" i="1" smtClean="0">
@@ -6113,7 +7185,19 @@
                         <a:rPr lang="en-US" sz="4000" b="0" i="1" smtClean="0">
                           <a:latin typeface="Cambria Math" panose="02040503050406030204" pitchFamily="18" charset="0"/>
                         </a:rPr>
-                        <m:t>𝑡h𝑒</m:t>
+                        <m:t>𝑡</m:t>
+                      </m:r>
+                      <m:r>
+                        <a:rPr lang="en-US" sz="4000" b="0" i="1" smtClean="0">
+                          <a:latin typeface="Cambria Math" panose="02040503050406030204" pitchFamily="18" charset="0"/>
+                        </a:rPr>
+                        <m:t>h</m:t>
+                      </m:r>
+                      <m:r>
+                        <a:rPr lang="en-US" sz="4000" b="0" i="1" smtClean="0">
+                          <a:latin typeface="Cambria Math" panose="02040503050406030204" pitchFamily="18" charset="0"/>
+                        </a:rPr>
+                        <m:t>𝑒</m:t>
                       </m:r>
                       <m:r>
                         <a:rPr lang="en-US" sz="4000" b="0" i="1" smtClean="0">
@@ -6335,7 +7419,13 @@
                             <a:rPr lang="en-US" sz="4400" i="1">
                               <a:latin typeface="Cambria Math" panose="02040503050406030204" pitchFamily="18" charset="0"/>
                             </a:rPr>
-                            <m:t>=1</m:t>
+                            <m:t>=</m:t>
+                          </m:r>
+                          <m:r>
+                            <a:rPr lang="en-US" sz="4400" i="1">
+                              <a:latin typeface="Cambria Math" panose="02040503050406030204" pitchFamily="18" charset="0"/>
+                            </a:rPr>
+                            <m:t>1</m:t>
                           </m:r>
                         </m:sub>
                         <m:sup>
@@ -6370,7 +7460,13 @@
                                 <a:rPr lang="en-US" sz="4400" i="1">
                                   <a:latin typeface="Cambria Math" panose="02040503050406030204" pitchFamily="18" charset="0"/>
                                 </a:rPr>
-                                <m:t>=1</m:t>
+                                <m:t>=</m:t>
+                              </m:r>
+                              <m:r>
+                                <a:rPr lang="en-US" sz="4400" i="1">
+                                  <a:latin typeface="Cambria Math" panose="02040503050406030204" pitchFamily="18" charset="0"/>
+                                </a:rPr>
+                                <m:t>1</m:t>
                               </m:r>
                             </m:sub>
                             <m:sup>

--- a/ps/ps_images.pptx
+++ b/ps/ps_images.pptx
@@ -4839,7 +4839,7 @@
             </p:nvSpPr>
             <p:spPr>
               <a:xfrm>
-                <a:off x="910883" y="691002"/>
+                <a:off x="910883" y="375986"/>
                 <a:ext cx="10370234" cy="1387688"/>
               </a:xfrm>
               <a:prstGeom prst="rect">
@@ -5024,7 +5024,7 @@
             </p:nvSpPr>
             <p:spPr>
               <a:xfrm>
-                <a:off x="910883" y="691002"/>
+                <a:off x="910883" y="375986"/>
                 <a:ext cx="10370234" cy="1387688"/>
               </a:xfrm>
               <a:prstGeom prst="rect">
@@ -5068,7 +5068,7 @@
             </p:nvSpPr>
             <p:spPr>
               <a:xfrm>
-                <a:off x="910883" y="2538208"/>
+                <a:off x="910883" y="2144312"/>
                 <a:ext cx="10370234" cy="1387688"/>
               </a:xfrm>
               <a:prstGeom prst="rect">
@@ -5245,7 +5245,7 @@
             </p:nvSpPr>
             <p:spPr>
               <a:xfrm>
-                <a:off x="910883" y="2538208"/>
+                <a:off x="910883" y="2144312"/>
                 <a:ext cx="10370234" cy="1387688"/>
               </a:xfrm>
               <a:prstGeom prst="rect">
@@ -5290,7 +5290,7 @@
             <p:spPr>
               <a:xfrm>
                 <a:off x="910883" y="4385414"/>
-                <a:ext cx="10370234" cy="1402756"/>
+                <a:ext cx="10370234" cy="1407565"/>
               </a:xfrm>
               <a:prstGeom prst="rect">
                 <a:avLst/>
@@ -5368,6 +5368,49 @@
                         </a:rPr>
                         <m:t>=</m:t>
                       </m:r>
+                      <m:f>
+                        <m:fPr>
+                          <m:ctrlPr>
+                            <a:rPr lang="en-US" sz="4800" b="0" i="1" smtClean="0">
+                              <a:solidFill>
+                                <a:schemeClr val="tx1"/>
+                              </a:solidFill>
+                              <a:latin typeface="Cambria Math" panose="02040503050406030204" pitchFamily="18" charset="0"/>
+                            </a:rPr>
+                          </m:ctrlPr>
+                        </m:fPr>
+                        <m:num>
+                          <m:r>
+                            <a:rPr lang="en-US" sz="4800" b="0" i="1" smtClean="0">
+                              <a:solidFill>
+                                <a:schemeClr val="tx1"/>
+                              </a:solidFill>
+                              <a:latin typeface="Cambria Math" panose="02040503050406030204" pitchFamily="18" charset="0"/>
+                            </a:rPr>
+                            <m:t>1</m:t>
+                          </m:r>
+                        </m:num>
+                        <m:den>
+                          <m:r>
+                            <a:rPr lang="en-US" sz="4800" b="0" i="1" smtClean="0">
+                              <a:solidFill>
+                                <a:schemeClr val="tx1"/>
+                              </a:solidFill>
+                              <a:latin typeface="Cambria Math" panose="02040503050406030204" pitchFamily="18" charset="0"/>
+                            </a:rPr>
+                            <m:t>𝑛</m:t>
+                          </m:r>
+                          <m:r>
+                            <a:rPr lang="en-US" sz="4800" b="0" i="1" baseline="30000" smtClean="0">
+                              <a:solidFill>
+                                <a:schemeClr val="tx1"/>
+                              </a:solidFill>
+                              <a:latin typeface="Cambria Math" panose="02040503050406030204" pitchFamily="18" charset="0"/>
+                            </a:rPr>
+                            <m:t>2</m:t>
+                          </m:r>
+                        </m:den>
+                      </m:f>
                       <m:r>
                         <a:rPr lang="en-US" sz="4800" i="1">
                           <a:latin typeface="Cambria Math" panose="02040503050406030204" pitchFamily="18" charset="0"/>
@@ -5379,112 +5422,93 @@
                           <m:begChr m:val="["/>
                           <m:endChr m:val="]"/>
                           <m:ctrlPr>
-                            <a:rPr lang="en-US" sz="4800" i="1">
+                            <a:rPr lang="en-US" sz="4800" i="1" smtClean="0">
                               <a:latin typeface="Cambria Math" panose="02040503050406030204" pitchFamily="18" charset="0"/>
                             </a:rPr>
                           </m:ctrlPr>
                         </m:dPr>
                         <m:e>
-                          <m:f>
-                            <m:fPr>
-                              <m:ctrlPr>
-                                <a:rPr lang="en-US" sz="4800" i="1">
-                                  <a:latin typeface="Cambria Math" panose="02040503050406030204" pitchFamily="18" charset="0"/>
-                                </a:rPr>
-                              </m:ctrlPr>
-                            </m:fPr>
-                            <m:num>
-                              <m:r>
-                                <a:rPr lang="en-US" sz="4800" i="1">
-                                  <a:solidFill>
-                                    <a:srgbClr val="C00000"/>
-                                  </a:solidFill>
-                                  <a:latin typeface="Cambria Math" panose="02040503050406030204" pitchFamily="18" charset="0"/>
-                                </a:rPr>
-                                <m:t>𝑋</m:t>
-                              </m:r>
-                              <m:r>
-                                <a:rPr lang="en-US" sz="4800" i="1" baseline="-25000">
-                                  <a:solidFill>
-                                    <a:srgbClr val="C00000"/>
-                                  </a:solidFill>
-                                  <a:latin typeface="Cambria Math" panose="02040503050406030204" pitchFamily="18" charset="0"/>
-                                </a:rPr>
-                                <m:t>1</m:t>
-                              </m:r>
-                              <m:r>
-                                <a:rPr lang="en-US" sz="4800" i="1">
-                                  <a:latin typeface="Cambria Math" panose="02040503050406030204" pitchFamily="18" charset="0"/>
-                                </a:rPr>
-                                <m:t>+</m:t>
-                              </m:r>
-                              <m:r>
-                                <a:rPr lang="en-US" sz="4800" i="1">
-                                  <a:solidFill>
-                                    <a:srgbClr val="C00000"/>
-                                  </a:solidFill>
-                                  <a:latin typeface="Cambria Math" panose="02040503050406030204" pitchFamily="18" charset="0"/>
-                                </a:rPr>
-                                <m:t>𝑋</m:t>
-                              </m:r>
-                              <m:r>
-                                <a:rPr lang="en-US" sz="4800" i="1" baseline="-25000">
-                                  <a:solidFill>
-                                    <a:srgbClr val="C00000"/>
-                                  </a:solidFill>
-                                  <a:latin typeface="Cambria Math" panose="02040503050406030204" pitchFamily="18" charset="0"/>
-                                </a:rPr>
-                                <m:t>2</m:t>
-                              </m:r>
-                              <m:r>
-                                <a:rPr lang="en-US" sz="4800" i="1">
-                                  <a:latin typeface="Cambria Math" panose="02040503050406030204" pitchFamily="18" charset="0"/>
-                                </a:rPr>
-                                <m:t>+</m:t>
-                              </m:r>
-                              <m:r>
-                                <a:rPr lang="en-US" sz="4800" i="1">
-                                  <a:solidFill>
-                                    <a:srgbClr val="C00000"/>
-                                  </a:solidFill>
-                                  <a:latin typeface="Cambria Math" panose="02040503050406030204" pitchFamily="18" charset="0"/>
-                                </a:rPr>
-                                <m:t>…</m:t>
-                              </m:r>
-                              <m:r>
-                                <a:rPr lang="en-US" sz="4800" i="1">
-                                  <a:latin typeface="Cambria Math" panose="02040503050406030204" pitchFamily="18" charset="0"/>
-                                </a:rPr>
-                                <m:t>+</m:t>
-                              </m:r>
-                              <m:r>
-                                <a:rPr lang="en-US" sz="4800" i="1">
-                                  <a:solidFill>
-                                    <a:srgbClr val="C00000"/>
-                                  </a:solidFill>
-                                  <a:latin typeface="Cambria Math" panose="02040503050406030204" pitchFamily="18" charset="0"/>
-                                </a:rPr>
-                                <m:t>𝑋</m:t>
-                              </m:r>
-                              <m:r>
-                                <a:rPr lang="en-US" sz="4800" i="1" baseline="-25000">
-                                  <a:solidFill>
-                                    <a:srgbClr val="C00000"/>
-                                  </a:solidFill>
-                                  <a:latin typeface="Cambria Math" panose="02040503050406030204" pitchFamily="18" charset="0"/>
-                                </a:rPr>
-                                <m:t>𝑛</m:t>
-                              </m:r>
-                            </m:num>
-                            <m:den>
-                              <m:r>
-                                <a:rPr lang="en-US" sz="4800" i="1">
-                                  <a:latin typeface="Cambria Math" panose="02040503050406030204" pitchFamily="18" charset="0"/>
-                                </a:rPr>
-                                <m:t>𝑛</m:t>
-                              </m:r>
-                            </m:den>
-                          </m:f>
+                          <m:r>
+                            <a:rPr lang="en-US" sz="4800" i="1">
+                              <a:solidFill>
+                                <a:srgbClr val="C00000"/>
+                              </a:solidFill>
+                              <a:latin typeface="Cambria Math" panose="02040503050406030204" pitchFamily="18" charset="0"/>
+                            </a:rPr>
+                            <m:t>𝑋</m:t>
+                          </m:r>
+                          <m:r>
+                            <a:rPr lang="en-US" sz="4800" i="1" baseline="-25000">
+                              <a:solidFill>
+                                <a:srgbClr val="C00000"/>
+                              </a:solidFill>
+                              <a:latin typeface="Cambria Math" panose="02040503050406030204" pitchFamily="18" charset="0"/>
+                            </a:rPr>
+                            <m:t>1</m:t>
+                          </m:r>
+                          <m:r>
+                            <a:rPr lang="en-US" sz="4800" i="1">
+                              <a:latin typeface="Cambria Math" panose="02040503050406030204" pitchFamily="18" charset="0"/>
+                            </a:rPr>
+                            <m:t>+</m:t>
+                          </m:r>
+                          <m:r>
+                            <a:rPr lang="en-US" sz="4800" i="1">
+                              <a:solidFill>
+                                <a:srgbClr val="C00000"/>
+                              </a:solidFill>
+                              <a:latin typeface="Cambria Math" panose="02040503050406030204" pitchFamily="18" charset="0"/>
+                            </a:rPr>
+                            <m:t>𝑋</m:t>
+                          </m:r>
+                          <m:r>
+                            <a:rPr lang="en-US" sz="4800" i="1" baseline="-25000">
+                              <a:solidFill>
+                                <a:srgbClr val="C00000"/>
+                              </a:solidFill>
+                              <a:latin typeface="Cambria Math" panose="02040503050406030204" pitchFamily="18" charset="0"/>
+                            </a:rPr>
+                            <m:t>2</m:t>
+                          </m:r>
+                          <m:r>
+                            <a:rPr lang="en-US" sz="4800" i="1">
+                              <a:latin typeface="Cambria Math" panose="02040503050406030204" pitchFamily="18" charset="0"/>
+                            </a:rPr>
+                            <m:t>+</m:t>
+                          </m:r>
+                          <m:r>
+                            <a:rPr lang="en-US" sz="4800" i="1">
+                              <a:solidFill>
+                                <a:srgbClr val="C00000"/>
+                              </a:solidFill>
+                              <a:latin typeface="Cambria Math" panose="02040503050406030204" pitchFamily="18" charset="0"/>
+                            </a:rPr>
+                            <m:t>…</m:t>
+                          </m:r>
+                          <m:r>
+                            <a:rPr lang="en-US" sz="4800" i="1">
+                              <a:latin typeface="Cambria Math" panose="02040503050406030204" pitchFamily="18" charset="0"/>
+                            </a:rPr>
+                            <m:t>+</m:t>
+                          </m:r>
+                          <m:r>
+                            <a:rPr lang="en-US" sz="4800" i="1">
+                              <a:solidFill>
+                                <a:srgbClr val="C00000"/>
+                              </a:solidFill>
+                              <a:latin typeface="Cambria Math" panose="02040503050406030204" pitchFamily="18" charset="0"/>
+                            </a:rPr>
+                            <m:t>𝑋</m:t>
+                          </m:r>
+                          <m:r>
+                            <a:rPr lang="en-US" sz="4800" i="1" baseline="-25000">
+                              <a:solidFill>
+                                <a:srgbClr val="C00000"/>
+                              </a:solidFill>
+                              <a:latin typeface="Cambria Math" panose="02040503050406030204" pitchFamily="18" charset="0"/>
+                            </a:rPr>
+                            <m:t>𝑛</m:t>
+                          </m:r>
                         </m:e>
                       </m:d>
                     </m:oMath>
@@ -5517,7 +5541,7 @@
             <p:spPr>
               <a:xfrm>
                 <a:off x="910883" y="4385414"/>
-                <a:ext cx="10370234" cy="1402756"/>
+                <a:ext cx="10370234" cy="1407565"/>
               </a:xfrm>
               <a:prstGeom prst="rect">
                 <a:avLst/>
@@ -5989,7 +6013,13 @@
                             <a:rPr lang="en-US" sz="4800" b="0" i="1" smtClean="0">
                               <a:latin typeface="Cambria Math" panose="02040503050406030204" pitchFamily="18" charset="0"/>
                             </a:rPr>
-                            <m:t>=1</m:t>
+                            <m:t>=</m:t>
+                          </m:r>
+                          <m:r>
+                            <a:rPr lang="en-US" sz="4800" b="0" i="1" smtClean="0">
+                              <a:latin typeface="Cambria Math" panose="02040503050406030204" pitchFamily="18" charset="0"/>
+                            </a:rPr>
+                            <m:t>1</m:t>
                           </m:r>
                         </m:sub>
                         <m:sup>
@@ -6637,13 +6667,7 @@
                             <a:rPr lang="en-US" sz="4400" i="1">
                               <a:latin typeface="Cambria Math" panose="02040503050406030204" pitchFamily="18" charset="0"/>
                             </a:rPr>
-                            <m:t>=</m:t>
-                          </m:r>
-                          <m:r>
-                            <a:rPr lang="en-US" sz="4400" i="1">
-                              <a:latin typeface="Cambria Math" panose="02040503050406030204" pitchFamily="18" charset="0"/>
-                            </a:rPr>
-                            <m:t>1</m:t>
+                            <m:t>=1</m:t>
                           </m:r>
                         </m:sub>
                         <m:sup>
@@ -6678,13 +6702,7 @@
                                 <a:rPr lang="en-US" sz="4400" i="1">
                                   <a:latin typeface="Cambria Math" panose="02040503050406030204" pitchFamily="18" charset="0"/>
                                 </a:rPr>
-                                <m:t>=</m:t>
-                              </m:r>
-                              <m:r>
-                                <a:rPr lang="en-US" sz="4400" i="1">
-                                  <a:latin typeface="Cambria Math" panose="02040503050406030204" pitchFamily="18" charset="0"/>
-                                </a:rPr>
-                                <m:t>1</m:t>
+                                <m:t>=1</m:t>
                               </m:r>
                             </m:sub>
                             <m:sup>
@@ -7101,7 +7119,7 @@
                           </a:solidFill>
                           <a:latin typeface="Cambria Math" panose="02040503050406030204" pitchFamily="18" charset="0"/>
                         </a:rPr>
-                        <m:t>𝑐</m:t>
+                        <m:t>𝑐h𝑎𝑛𝑔𝑒</m:t>
                       </m:r>
                       <m:r>
                         <a:rPr lang="en-US" sz="4000" b="0" i="1" smtClean="0">
@@ -7110,55 +7128,13 @@
                           </a:solidFill>
                           <a:latin typeface="Cambria Math" panose="02040503050406030204" pitchFamily="18" charset="0"/>
                         </a:rPr>
-                        <m:t>h</m:t>
+                        <m:t> </m:t>
                       </m:r>
                       <m:r>
                         <a:rPr lang="en-US" sz="4000" b="0" i="1" smtClean="0">
-                          <a:solidFill>
-                            <a:schemeClr val="tx1"/>
-                          </a:solidFill>
-                          <a:latin typeface="Cambria Math" panose="02040503050406030204" pitchFamily="18" charset="0"/>
-                        </a:rPr>
-                        <m:t>𝑎𝑛𝑔𝑒</m:t>
-                      </m:r>
-                      <m:r>
-                        <a:rPr lang="en-US" sz="4000" b="0" i="1" smtClean="0">
-                          <a:solidFill>
-                            <a:schemeClr val="tx1"/>
-                          </a:solidFill>
-                          <a:latin typeface="Cambria Math" panose="02040503050406030204" pitchFamily="18" charset="0"/>
-                        </a:rPr>
-                        <m:t> </m:t>
-                      </m:r>
-                      <m:r>
-                        <a:rPr lang="en-US" sz="4000" b="0" i="1" smtClean="0">
-                          <a:latin typeface="Cambria Math" panose="02040503050406030204" pitchFamily="18" charset="0"/>
-                        </a:rPr>
-                        <m:t>𝑡</m:t>
-                      </m:r>
-                      <m:r>
-                        <a:rPr lang="en-US" sz="4000" b="0" i="1" smtClean="0">
-                          <a:latin typeface="Cambria Math" panose="02040503050406030204" pitchFamily="18" charset="0"/>
-                        </a:rPr>
-                        <m:t>h</m:t>
-                      </m:r>
-                      <m:r>
-                        <a:rPr lang="en-US" sz="4000" b="0" i="1" smtClean="0">
-                          <a:latin typeface="Cambria Math" panose="02040503050406030204" pitchFamily="18" charset="0"/>
-                        </a:rPr>
-                        <m:t>𝑟𝑜𝑢𝑔</m:t>
-                      </m:r>
-                      <m:r>
-                        <a:rPr lang="en-US" sz="4000" b="0" i="1" smtClean="0">
-                          <a:latin typeface="Cambria Math" panose="02040503050406030204" pitchFamily="18" charset="0"/>
-                        </a:rPr>
-                        <m:t>h</m:t>
-                      </m:r>
-                      <m:r>
-                        <a:rPr lang="en-US" sz="4000" b="0" i="1" smtClean="0">
-                          <a:latin typeface="Cambria Math" panose="02040503050406030204" pitchFamily="18" charset="0"/>
-                        </a:rPr>
-                        <m:t>𝑜𝑢𝑡</m:t>
+                          <a:latin typeface="Cambria Math" panose="02040503050406030204" pitchFamily="18" charset="0"/>
+                        </a:rPr>
+                        <m:t>𝑡h𝑟𝑜𝑢𝑔h𝑜𝑢𝑡</m:t>
                       </m:r>
                       <m:r>
                         <a:rPr lang="en-US" sz="4000" b="0" i="1" smtClean="0">
@@ -7185,19 +7161,7 @@
                         <a:rPr lang="en-US" sz="4000" b="0" i="1" smtClean="0">
                           <a:latin typeface="Cambria Math" panose="02040503050406030204" pitchFamily="18" charset="0"/>
                         </a:rPr>
-                        <m:t>𝑡</m:t>
-                      </m:r>
-                      <m:r>
-                        <a:rPr lang="en-US" sz="4000" b="0" i="1" smtClean="0">
-                          <a:latin typeface="Cambria Math" panose="02040503050406030204" pitchFamily="18" charset="0"/>
-                        </a:rPr>
-                        <m:t>h</m:t>
-                      </m:r>
-                      <m:r>
-                        <a:rPr lang="en-US" sz="4000" b="0" i="1" smtClean="0">
-                          <a:latin typeface="Cambria Math" panose="02040503050406030204" pitchFamily="18" charset="0"/>
-                        </a:rPr>
-                        <m:t>𝑒</m:t>
+                        <m:t>𝑡h𝑒</m:t>
                       </m:r>
                       <m:r>
                         <a:rPr lang="en-US" sz="4000" b="0" i="1" smtClean="0">
@@ -7419,13 +7383,7 @@
                             <a:rPr lang="en-US" sz="4400" i="1">
                               <a:latin typeface="Cambria Math" panose="02040503050406030204" pitchFamily="18" charset="0"/>
                             </a:rPr>
-                            <m:t>=</m:t>
-                          </m:r>
-                          <m:r>
-                            <a:rPr lang="en-US" sz="4400" i="1">
-                              <a:latin typeface="Cambria Math" panose="02040503050406030204" pitchFamily="18" charset="0"/>
-                            </a:rPr>
-                            <m:t>1</m:t>
+                            <m:t>=1</m:t>
                           </m:r>
                         </m:sub>
                         <m:sup>
@@ -7460,13 +7418,7 @@
                                 <a:rPr lang="en-US" sz="4400" i="1">
                                   <a:latin typeface="Cambria Math" panose="02040503050406030204" pitchFamily="18" charset="0"/>
                                 </a:rPr>
-                                <m:t>=</m:t>
-                              </m:r>
-                              <m:r>
-                                <a:rPr lang="en-US" sz="4400" i="1">
-                                  <a:latin typeface="Cambria Math" panose="02040503050406030204" pitchFamily="18" charset="0"/>
-                                </a:rPr>
-                                <m:t>1</m:t>
+                                <m:t>=1</m:t>
                               </m:r>
                             </m:sub>
                             <m:sup>

--- a/ps/ps_images.pptx
+++ b/ps/ps_images.pptx
@@ -4258,8 +4258,8 @@
             </p:nvSpPr>
             <p:spPr>
               <a:xfrm>
-                <a:off x="910883" y="506137"/>
-                <a:ext cx="10370234" cy="1387688"/>
+                <a:off x="0" y="506137"/>
+                <a:ext cx="12191999" cy="2124043"/>
               </a:xfrm>
               <a:prstGeom prst="rect">
                 <a:avLst/>
@@ -4280,13 +4280,13 @@
                     </m:oMathParaPr>
                     <m:oMath xmlns:m="http://schemas.openxmlformats.org/officeDocument/2006/math">
                       <m:r>
-                        <a:rPr lang="en-US" sz="4800" b="0" i="1" smtClean="0">
-                          <a:latin typeface="Cambria Math" panose="02040503050406030204" pitchFamily="18" charset="0"/>
-                        </a:rPr>
-                        <m:t>𝐸</m:t>
-                      </m:r>
-                      <m:r>
-                        <a:rPr lang="en-US" sz="4800" b="0" i="1" smtClean="0">
+                        <a:rPr lang="en-US" sz="4800" i="1" smtClean="0">
+                          <a:latin typeface="Cambria Math" panose="02040503050406030204" pitchFamily="18" charset="0"/>
+                        </a:rPr>
+                        <m:t>𝑉𝑎𝑟</m:t>
+                      </m:r>
+                      <m:r>
+                        <a:rPr lang="en-US" sz="4800" i="1" smtClean="0">
                           <a:latin typeface="Cambria Math" panose="02040503050406030204" pitchFamily="18" charset="0"/>
                         </a:rPr>
                         <m:t>[</m:t>
@@ -4361,6 +4361,15 @@
                               <a:latin typeface="Cambria Math" panose="02040503050406030204" pitchFamily="18" charset="0"/>
                             </a:rPr>
                             <m:t>𝑛</m:t>
+                          </m:r>
+                          <m:r>
+                            <a:rPr lang="en-US" sz="4800" b="0" i="1" baseline="30000" smtClean="0">
+                              <a:solidFill>
+                                <a:schemeClr val="tx1"/>
+                              </a:solidFill>
+                              <a:latin typeface="Cambria Math" panose="02040503050406030204" pitchFamily="18" charset="0"/>
+                            </a:rPr>
+                            <m:t>2</m:t>
                           </m:r>
                         </m:den>
                       </m:f>
@@ -4377,10 +4386,10 @@
                         </m:dPr>
                         <m:e>
                           <m:r>
-                            <a:rPr lang="en-US" sz="4800" i="1">
-                              <a:latin typeface="Cambria Math" panose="02040503050406030204" pitchFamily="18" charset="0"/>
-                            </a:rPr>
-                            <m:t>𝐸</m:t>
+                            <a:rPr lang="en-US" sz="4800" b="0" i="1" smtClean="0">
+                              <a:latin typeface="Cambria Math" panose="02040503050406030204" pitchFamily="18" charset="0"/>
+                            </a:rPr>
+                            <m:t>𝑉𝑎𝑟</m:t>
                           </m:r>
                           <m:d>
                             <m:dPr>
@@ -4426,7 +4435,7 @@
                             <a:rPr lang="en-US" sz="4800" i="1">
                               <a:latin typeface="Cambria Math" panose="02040503050406030204" pitchFamily="18" charset="0"/>
                             </a:rPr>
-                            <m:t>𝐸</m:t>
+                            <m:t>𝑉𝑎𝑟</m:t>
                           </m:r>
                           <m:d>
                             <m:dPr>
@@ -4472,7 +4481,7 @@
                             <a:rPr lang="en-US" sz="4800" i="1">
                               <a:latin typeface="Cambria Math" panose="02040503050406030204" pitchFamily="18" charset="0"/>
                             </a:rPr>
-                            <m:t>𝐸</m:t>
+                            <m:t>𝑉𝑎𝑟</m:t>
                           </m:r>
                           <m:d>
                             <m:dPr>
@@ -4536,8 +4545,8 @@
             </p:nvSpPr>
             <p:spPr>
               <a:xfrm>
-                <a:off x="910883" y="506137"/>
-                <a:ext cx="10370234" cy="1387688"/>
+                <a:off x="0" y="506137"/>
+                <a:ext cx="12191999" cy="2124043"/>
               </a:xfrm>
               <a:prstGeom prst="rect">
                 <a:avLst/>
@@ -5289,7 +5298,7 @@
             </p:nvSpPr>
             <p:spPr>
               <a:xfrm>
-                <a:off x="910883" y="4385414"/>
+                <a:off x="910883" y="3912638"/>
                 <a:ext cx="10370234" cy="1407565"/>
               </a:xfrm>
               <a:prstGeom prst="rect">
@@ -5540,7 +5549,7 @@
             </p:nvSpPr>
             <p:spPr>
               <a:xfrm>
-                <a:off x="910883" y="4385414"/>
+                <a:off x="910883" y="3912638"/>
                 <a:ext cx="10370234" cy="1407565"/>
               </a:xfrm>
               <a:prstGeom prst="rect">
@@ -6013,13 +6022,7 @@
                             <a:rPr lang="en-US" sz="4800" b="0" i="1" smtClean="0">
                               <a:latin typeface="Cambria Math" panose="02040503050406030204" pitchFamily="18" charset="0"/>
                             </a:rPr>
-                            <m:t>=</m:t>
-                          </m:r>
-                          <m:r>
-                            <a:rPr lang="en-US" sz="4800" b="0" i="1" smtClean="0">
-                              <a:latin typeface="Cambria Math" panose="02040503050406030204" pitchFamily="18" charset="0"/>
-                            </a:rPr>
-                            <m:t>1</m:t>
+                            <m:t>=1</m:t>
                           </m:r>
                         </m:sub>
                         <m:sup>

--- a/ps/ps_images.pptx
+++ b/ps/ps_images.pptx
@@ -4259,7 +4259,7 @@
             <p:spPr>
               <a:xfrm>
                 <a:off x="0" y="506137"/>
-                <a:ext cx="12191999" cy="2124043"/>
+                <a:ext cx="12191999" cy="1272080"/>
               </a:xfrm>
               <a:prstGeom prst="rect">
                 <a:avLst/>
@@ -4280,13 +4280,13 @@
                     </m:oMathParaPr>
                     <m:oMath xmlns:m="http://schemas.openxmlformats.org/officeDocument/2006/math">
                       <m:r>
-                        <a:rPr lang="en-US" sz="4800" i="1" smtClean="0">
+                        <a:rPr lang="en-US" sz="4400" i="1" smtClean="0">
                           <a:latin typeface="Cambria Math" panose="02040503050406030204" pitchFamily="18" charset="0"/>
                         </a:rPr>
                         <m:t>𝑉𝑎𝑟</m:t>
                       </m:r>
                       <m:r>
-                        <a:rPr lang="en-US" sz="4800" i="1" smtClean="0">
+                        <a:rPr lang="en-US" sz="4400" i="1" smtClean="0">
                           <a:latin typeface="Cambria Math" panose="02040503050406030204" pitchFamily="18" charset="0"/>
                         </a:rPr>
                         <m:t>[</m:t>
@@ -4295,7 +4295,7 @@
                         <m:accPr>
                           <m:chr m:val="̅"/>
                           <m:ctrlPr>
-                            <a:rPr lang="en-US" sz="4800" i="1">
+                            <a:rPr lang="en-US" sz="4400" i="1">
                               <a:solidFill>
                                 <a:srgbClr val="C00000"/>
                               </a:solidFill>
@@ -4305,7 +4305,7 @@
                         </m:accPr>
                         <m:e>
                           <m:r>
-                            <a:rPr lang="en-US" sz="4800" i="1">
+                            <a:rPr lang="en-US" sz="4400" i="1">
                               <a:solidFill>
                                 <a:srgbClr val="C00000"/>
                               </a:solidFill>
@@ -4316,13 +4316,13 @@
                         </m:e>
                       </m:acc>
                       <m:r>
-                        <a:rPr lang="en-US" sz="4800" b="0" i="1" smtClean="0">
+                        <a:rPr lang="en-US" sz="4400" b="0" i="1" smtClean="0">
                           <a:latin typeface="Cambria Math" panose="02040503050406030204" pitchFamily="18" charset="0"/>
                         </a:rPr>
                         <m:t>]</m:t>
                       </m:r>
                       <m:r>
-                        <a:rPr lang="en-US" sz="4800" b="0" i="1" smtClean="0">
+                        <a:rPr lang="en-US" sz="4400" b="0" i="1" smtClean="0">
                           <a:solidFill>
                             <a:schemeClr val="tx1"/>
                           </a:solidFill>
@@ -4333,7 +4333,7 @@
                       <m:f>
                         <m:fPr>
                           <m:ctrlPr>
-                            <a:rPr lang="en-US" sz="4800" b="0" i="1" smtClean="0">
+                            <a:rPr lang="en-US" sz="4400" b="0" i="1" smtClean="0">
                               <a:solidFill>
                                 <a:schemeClr val="tx1"/>
                               </a:solidFill>
@@ -4343,7 +4343,7 @@
                         </m:fPr>
                         <m:num>
                           <m:r>
-                            <a:rPr lang="en-US" sz="4800" b="0" i="1" smtClean="0">
+                            <a:rPr lang="en-US" sz="4400" b="0" i="1" smtClean="0">
                               <a:solidFill>
                                 <a:schemeClr val="tx1"/>
                               </a:solidFill>
@@ -4354,7 +4354,7 @@
                         </m:num>
                         <m:den>
                           <m:r>
-                            <a:rPr lang="en-US" sz="4800" b="0" i="1" smtClean="0">
+                            <a:rPr lang="en-US" sz="4400" b="0" i="1" smtClean="0">
                               <a:solidFill>
                                 <a:schemeClr val="tx1"/>
                               </a:solidFill>
@@ -4363,7 +4363,7 @@
                             <m:t>𝑛</m:t>
                           </m:r>
                           <m:r>
-                            <a:rPr lang="en-US" sz="4800" b="0" i="1" baseline="30000" smtClean="0">
+                            <a:rPr lang="en-US" sz="4400" b="0" i="1" baseline="30000" smtClean="0">
                               <a:solidFill>
                                 <a:schemeClr val="tx1"/>
                               </a:solidFill>
@@ -4376,7 +4376,7 @@
                       <m:d>
                         <m:dPr>
                           <m:ctrlPr>
-                            <a:rPr lang="en-US" sz="4800" b="0" i="1" smtClean="0">
+                            <a:rPr lang="en-US" sz="4400" b="0" i="1" smtClean="0">
                               <a:solidFill>
                                 <a:schemeClr val="tx1"/>
                               </a:solidFill>
@@ -4386,44 +4386,19 @@
                         </m:dPr>
                         <m:e>
                           <m:r>
-                            <a:rPr lang="en-US" sz="4800" b="0" i="1" smtClean="0">
-                              <a:latin typeface="Cambria Math" panose="02040503050406030204" pitchFamily="18" charset="0"/>
-                            </a:rPr>
-                            <m:t>𝑉𝑎𝑟</m:t>
-                          </m:r>
-                          <m:d>
-                            <m:dPr>
-                              <m:begChr m:val="["/>
-                              <m:endChr m:val="]"/>
-                              <m:ctrlPr>
-                                <a:rPr lang="en-US" sz="4800" i="1">
-                                  <a:latin typeface="Cambria Math" panose="02040503050406030204" pitchFamily="18" charset="0"/>
-                                </a:rPr>
-                              </m:ctrlPr>
-                            </m:dPr>
-                            <m:e>
-                              <m:r>
-                                <a:rPr lang="en-US" sz="4800" i="1">
-                                  <a:solidFill>
-                                    <a:srgbClr val="C00000"/>
-                                  </a:solidFill>
-                                  <a:latin typeface="Cambria Math" panose="02040503050406030204" pitchFamily="18" charset="0"/>
-                                </a:rPr>
-                                <m:t>𝑋</m:t>
-                              </m:r>
-                              <m:r>
-                                <a:rPr lang="en-US" sz="4800" i="1" baseline="-25000">
-                                  <a:solidFill>
-                                    <a:srgbClr val="C00000"/>
-                                  </a:solidFill>
-                                  <a:latin typeface="Cambria Math" panose="02040503050406030204" pitchFamily="18" charset="0"/>
-                                </a:rPr>
-                                <m:t>1</m:t>
-                              </m:r>
-                            </m:e>
-                          </m:d>
-                          <m:r>
-                            <a:rPr lang="en-US" sz="4800" b="0" i="1" smtClean="0">
+                            <a:rPr lang="en-US" sz="4400" b="0" i="1" smtClean="0">
+                              <a:latin typeface="Cambria Math" panose="02040503050406030204" pitchFamily="18" charset="0"/>
+                            </a:rPr>
+                            <m:t>𝜎</m:t>
+                          </m:r>
+                          <m:r>
+                            <a:rPr lang="en-US" sz="4400" i="1" baseline="30000">
+                              <a:latin typeface="Cambria Math" panose="02040503050406030204" pitchFamily="18" charset="0"/>
+                            </a:rPr>
+                            <m:t>2</m:t>
+                          </m:r>
+                          <m:r>
+                            <a:rPr lang="en-US" sz="4400" b="0" i="1" smtClean="0">
                               <a:solidFill>
                                 <a:schemeClr val="tx1"/>
                               </a:solidFill>
@@ -4432,44 +4407,19 @@
                             <m:t>+</m:t>
                           </m:r>
                           <m:r>
-                            <a:rPr lang="en-US" sz="4800" i="1">
-                              <a:latin typeface="Cambria Math" panose="02040503050406030204" pitchFamily="18" charset="0"/>
-                            </a:rPr>
-                            <m:t>𝑉𝑎𝑟</m:t>
-                          </m:r>
-                          <m:d>
-                            <m:dPr>
-                              <m:begChr m:val="["/>
-                              <m:endChr m:val="]"/>
-                              <m:ctrlPr>
-                                <a:rPr lang="en-US" sz="4800" i="1">
-                                  <a:latin typeface="Cambria Math" panose="02040503050406030204" pitchFamily="18" charset="0"/>
-                                </a:rPr>
-                              </m:ctrlPr>
-                            </m:dPr>
-                            <m:e>
-                              <m:r>
-                                <a:rPr lang="en-US" sz="4800" i="1">
-                                  <a:solidFill>
-                                    <a:srgbClr val="C00000"/>
-                                  </a:solidFill>
-                                  <a:latin typeface="Cambria Math" panose="02040503050406030204" pitchFamily="18" charset="0"/>
-                                </a:rPr>
-                                <m:t>𝑋</m:t>
-                              </m:r>
-                              <m:r>
-                                <a:rPr lang="en-US" sz="4800" i="1" baseline="-25000">
-                                  <a:solidFill>
-                                    <a:srgbClr val="C00000"/>
-                                  </a:solidFill>
-                                  <a:latin typeface="Cambria Math" panose="02040503050406030204" pitchFamily="18" charset="0"/>
-                                </a:rPr>
-                                <m:t>2</m:t>
-                              </m:r>
-                            </m:e>
-                          </m:d>
-                          <m:r>
-                            <a:rPr lang="en-US" sz="4800" b="0" i="1" smtClean="0">
+                            <a:rPr lang="en-US" sz="4400" i="1">
+                              <a:latin typeface="Cambria Math" panose="02040503050406030204" pitchFamily="18" charset="0"/>
+                            </a:rPr>
+                            <m:t>𝜎</m:t>
+                          </m:r>
+                          <m:r>
+                            <a:rPr lang="en-US" sz="4400" i="1" baseline="30000">
+                              <a:latin typeface="Cambria Math" panose="02040503050406030204" pitchFamily="18" charset="0"/>
+                            </a:rPr>
+                            <m:t>2</m:t>
+                          </m:r>
+                          <m:r>
+                            <a:rPr lang="en-US" sz="4400" b="0" i="1" smtClean="0">
                               <a:solidFill>
                                 <a:schemeClr val="tx1"/>
                               </a:solidFill>
@@ -4478,48 +4428,23 @@
                             <m:t>+…+</m:t>
                           </m:r>
                           <m:r>
-                            <a:rPr lang="en-US" sz="4800" i="1">
-                              <a:latin typeface="Cambria Math" panose="02040503050406030204" pitchFamily="18" charset="0"/>
-                            </a:rPr>
-                            <m:t>𝑉𝑎𝑟</m:t>
-                          </m:r>
-                          <m:d>
-                            <m:dPr>
-                              <m:begChr m:val="["/>
-                              <m:endChr m:val="]"/>
-                              <m:ctrlPr>
-                                <a:rPr lang="en-US" sz="4800" i="1">
-                                  <a:latin typeface="Cambria Math" panose="02040503050406030204" pitchFamily="18" charset="0"/>
-                                </a:rPr>
-                              </m:ctrlPr>
-                            </m:dPr>
-                            <m:e>
-                              <m:r>
-                                <a:rPr lang="en-US" sz="4800" i="1">
-                                  <a:solidFill>
-                                    <a:srgbClr val="C00000"/>
-                                  </a:solidFill>
-                                  <a:latin typeface="Cambria Math" panose="02040503050406030204" pitchFamily="18" charset="0"/>
-                                </a:rPr>
-                                <m:t>𝑋</m:t>
-                              </m:r>
-                              <m:r>
-                                <a:rPr lang="en-US" sz="4800" i="1" baseline="-25000">
-                                  <a:solidFill>
-                                    <a:srgbClr val="C00000"/>
-                                  </a:solidFill>
-                                  <a:latin typeface="Cambria Math" panose="02040503050406030204" pitchFamily="18" charset="0"/>
-                                </a:rPr>
-                                <m:t>𝑛</m:t>
-                              </m:r>
-                            </m:e>
-                          </m:d>
+                            <a:rPr lang="en-US" sz="4400" i="1">
+                              <a:latin typeface="Cambria Math" panose="02040503050406030204" pitchFamily="18" charset="0"/>
+                            </a:rPr>
+                            <m:t>𝜎</m:t>
+                          </m:r>
+                          <m:r>
+                            <a:rPr lang="en-US" sz="4400" i="1" baseline="30000">
+                              <a:latin typeface="Cambria Math" panose="02040503050406030204" pitchFamily="18" charset="0"/>
+                            </a:rPr>
+                            <m:t>2</m:t>
+                          </m:r>
                         </m:e>
                       </m:d>
                     </m:oMath>
                   </m:oMathPara>
                 </a14:m>
-                <a:endParaRPr lang="en-US" sz="4800" b="0">
+                <a:endParaRPr lang="en-US" sz="4400" b="0">
                   <a:solidFill>
                     <a:srgbClr val="7030A0"/>
                   </a:solidFill>
@@ -4546,7 +4471,7 @@
             <p:spPr>
               <a:xfrm>
                 <a:off x="0" y="506137"/>
-                <a:ext cx="12191999" cy="2124043"/>
+                <a:ext cx="12191999" cy="1272080"/>
               </a:xfrm>
               <a:prstGeom prst="rect">
                 <a:avLst/>

--- a/ps/ps_images.pptx
+++ b/ps/ps_images.pptx
@@ -3988,7 +3988,7 @@
             </p:nvSpPr>
             <p:spPr>
               <a:xfrm>
-                <a:off x="1913206" y="4730415"/>
+                <a:off x="1913204" y="5025836"/>
                 <a:ext cx="8365588" cy="1402756"/>
               </a:xfrm>
               <a:prstGeom prst="rect">
@@ -4214,7 +4214,7 @@
             </p:nvSpPr>
             <p:spPr>
               <a:xfrm>
-                <a:off x="1913206" y="4730415"/>
+                <a:off x="1913204" y="5025836"/>
                 <a:ext cx="8365588" cy="1402756"/>
               </a:xfrm>
               <a:prstGeom prst="rect">
@@ -4258,7 +4258,7 @@
             </p:nvSpPr>
             <p:spPr>
               <a:xfrm>
-                <a:off x="0" y="506137"/>
+                <a:off x="-1" y="88789"/>
                 <a:ext cx="12191999" cy="1272080"/>
               </a:xfrm>
               <a:prstGeom prst="rect">
@@ -4470,7 +4470,7 @@
             </p:nvSpPr>
             <p:spPr>
               <a:xfrm>
-                <a:off x="0" y="506137"/>
+                <a:off x="-1" y="88789"/>
                 <a:ext cx="12191999" cy="1272080"/>
               </a:xfrm>
               <a:prstGeom prst="rect">
@@ -4514,7 +4514,7 @@
             </p:nvSpPr>
             <p:spPr>
               <a:xfrm>
-                <a:off x="910883" y="2618276"/>
+                <a:off x="910881" y="3145245"/>
                 <a:ext cx="10370234" cy="1387688"/>
               </a:xfrm>
               <a:prstGeom prst="rect">
@@ -4699,7 +4699,7 @@
             </p:nvSpPr>
             <p:spPr>
               <a:xfrm>
-                <a:off x="910883" y="2618276"/>
+                <a:off x="910881" y="3145245"/>
                 <a:ext cx="10370234" cy="1387688"/>
               </a:xfrm>
               <a:prstGeom prst="rect">
@@ -4707,6 +4707,276 @@
               </a:prstGeom>
               <a:blipFill>
                 <a:blip r:embed="rId4"/>
+                <a:stretch>
+                  <a:fillRect/>
+                </a:stretch>
+              </a:blipFill>
+            </p:spPr>
+            <p:txBody>
+              <a:bodyPr/>
+              <a:lstStyle/>
+              <a:p>
+                <a:r>
+                  <a:rPr lang="en-US">
+                    <a:noFill/>
+                  </a:rPr>
+                  <a:t> </a:t>
+                </a:r>
+              </a:p>
+            </p:txBody>
+          </p:sp>
+        </mc:Fallback>
+      </mc:AlternateContent>
+      <mc:AlternateContent xmlns:mc="http://schemas.openxmlformats.org/markup-compatibility/2006">
+        <mc:Choice xmlns:a14="http://schemas.microsoft.com/office/drawing/2010/main" Requires="a14">
+          <p:sp>
+            <p:nvSpPr>
+              <p:cNvPr id="6" name="TextBox 5">
+                <a:extLst>
+                  <a:ext uri="{FF2B5EF4-FFF2-40B4-BE49-F238E27FC236}">
+                    <a16:creationId xmlns:a16="http://schemas.microsoft.com/office/drawing/2014/main" id="{C6F352F8-B26D-4B29-9794-853A1CF3AA61}"/>
+                  </a:ext>
+                </a:extLst>
+              </p:cNvPr>
+              <p:cNvSpPr txBox="1"/>
+              <p:nvPr/>
+            </p:nvSpPr>
+            <p:spPr>
+              <a:xfrm>
+                <a:off x="1" y="1617017"/>
+                <a:ext cx="12191999" cy="1272080"/>
+              </a:xfrm>
+              <a:prstGeom prst="rect">
+                <a:avLst/>
+              </a:prstGeom>
+              <a:noFill/>
+            </p:spPr>
+            <p:txBody>
+              <a:bodyPr wrap="square" lIns="0" tIns="0" rIns="0" bIns="0" rtlCol="0">
+                <a:spAutoFit/>
+              </a:bodyPr>
+              <a:lstStyle/>
+              <a:p>
+                <a:pPr/>
+                <a14:m>
+                  <m:oMathPara xmlns:m="http://schemas.openxmlformats.org/officeDocument/2006/math">
+                    <m:oMathParaPr>
+                      <m:jc m:val="centerGroup"/>
+                    </m:oMathParaPr>
+                    <m:oMath xmlns:m="http://schemas.openxmlformats.org/officeDocument/2006/math">
+                      <m:r>
+                        <a:rPr lang="en-US" sz="4400" i="1" smtClean="0">
+                          <a:solidFill>
+                            <a:schemeClr val="tx1"/>
+                          </a:solidFill>
+                          <a:latin typeface="Cambria Math" panose="02040503050406030204" pitchFamily="18" charset="0"/>
+                        </a:rPr>
+                        <m:t>𝑉𝑎𝑟</m:t>
+                      </m:r>
+                      <m:d>
+                        <m:dPr>
+                          <m:begChr m:val="["/>
+                          <m:endChr m:val="]"/>
+                          <m:ctrlPr>
+                            <a:rPr lang="en-US" sz="4400" i="1" smtClean="0">
+                              <a:solidFill>
+                                <a:schemeClr val="tx1"/>
+                              </a:solidFill>
+                              <a:latin typeface="Cambria Math" panose="02040503050406030204" pitchFamily="18" charset="0"/>
+                            </a:rPr>
+                          </m:ctrlPr>
+                        </m:dPr>
+                        <m:e>
+                          <m:acc>
+                            <m:accPr>
+                              <m:chr m:val="̅"/>
+                              <m:ctrlPr>
+                                <a:rPr lang="en-US" sz="4400" i="1">
+                                  <a:solidFill>
+                                    <a:srgbClr val="C00000"/>
+                                  </a:solidFill>
+                                  <a:latin typeface="Cambria Math" panose="02040503050406030204" pitchFamily="18" charset="0"/>
+                                </a:rPr>
+                              </m:ctrlPr>
+                            </m:accPr>
+                            <m:e>
+                              <m:r>
+                                <a:rPr lang="en-US" sz="4400" i="1">
+                                  <a:solidFill>
+                                    <a:srgbClr val="C00000"/>
+                                  </a:solidFill>
+                                  <a:latin typeface="Cambria Math" panose="02040503050406030204" pitchFamily="18" charset="0"/>
+                                </a:rPr>
+                                <m:t>𝑋</m:t>
+                              </m:r>
+                            </m:e>
+                          </m:acc>
+                        </m:e>
+                      </m:d>
+                      <m:r>
+                        <a:rPr lang="en-US" sz="4400" b="0" i="1" smtClean="0">
+                          <a:solidFill>
+                            <a:schemeClr val="tx1"/>
+                          </a:solidFill>
+                          <a:latin typeface="Cambria Math" panose="02040503050406030204" pitchFamily="18" charset="0"/>
+                        </a:rPr>
+                        <m:t>=</m:t>
+                      </m:r>
+                      <m:f>
+                        <m:fPr>
+                          <m:ctrlPr>
+                            <a:rPr lang="en-US" sz="4400" b="0" i="1" smtClean="0">
+                              <a:solidFill>
+                                <a:schemeClr val="tx1"/>
+                              </a:solidFill>
+                              <a:latin typeface="Cambria Math" panose="02040503050406030204" pitchFamily="18" charset="0"/>
+                            </a:rPr>
+                          </m:ctrlPr>
+                        </m:fPr>
+                        <m:num>
+                          <m:r>
+                            <a:rPr lang="en-US" sz="4400" b="0" i="1" smtClean="0">
+                              <a:solidFill>
+                                <a:schemeClr val="tx1"/>
+                              </a:solidFill>
+                              <a:latin typeface="Cambria Math" panose="02040503050406030204" pitchFamily="18" charset="0"/>
+                            </a:rPr>
+                            <m:t>1</m:t>
+                          </m:r>
+                        </m:num>
+                        <m:den>
+                          <m:r>
+                            <a:rPr lang="en-US" sz="4400" b="0" i="1" smtClean="0">
+                              <a:solidFill>
+                                <a:schemeClr val="tx1"/>
+                              </a:solidFill>
+                              <a:latin typeface="Cambria Math" panose="02040503050406030204" pitchFamily="18" charset="0"/>
+                            </a:rPr>
+                            <m:t>𝑛</m:t>
+                          </m:r>
+                          <m:r>
+                            <a:rPr lang="en-US" sz="4400" b="0" i="1" baseline="30000" smtClean="0">
+                              <a:solidFill>
+                                <a:schemeClr val="tx1"/>
+                              </a:solidFill>
+                              <a:latin typeface="Cambria Math" panose="02040503050406030204" pitchFamily="18" charset="0"/>
+                            </a:rPr>
+                            <m:t>2</m:t>
+                          </m:r>
+                        </m:den>
+                      </m:f>
+                      <m:d>
+                        <m:dPr>
+                          <m:ctrlPr>
+                            <a:rPr lang="en-US" sz="4400" b="0" i="1" smtClean="0">
+                              <a:solidFill>
+                                <a:schemeClr val="tx1"/>
+                              </a:solidFill>
+                              <a:latin typeface="Cambria Math" panose="02040503050406030204" pitchFamily="18" charset="0"/>
+                            </a:rPr>
+                          </m:ctrlPr>
+                        </m:dPr>
+                        <m:e>
+                          <m:r>
+                            <a:rPr lang="en-US" sz="4400" b="0" i="1" smtClean="0">
+                              <a:solidFill>
+                                <a:schemeClr val="tx1"/>
+                              </a:solidFill>
+                              <a:latin typeface="Cambria Math" panose="02040503050406030204" pitchFamily="18" charset="0"/>
+                            </a:rPr>
+                            <m:t>𝑛</m:t>
+                          </m:r>
+                          <m:r>
+                            <a:rPr lang="en-US" sz="4400" b="0" i="1" smtClean="0">
+                              <a:latin typeface="Cambria Math" panose="02040503050406030204" pitchFamily="18" charset="0"/>
+                            </a:rPr>
+                            <m:t>𝜎</m:t>
+                          </m:r>
+                          <m:r>
+                            <a:rPr lang="en-US" sz="4400" i="1" baseline="30000">
+                              <a:latin typeface="Cambria Math" panose="02040503050406030204" pitchFamily="18" charset="0"/>
+                            </a:rPr>
+                            <m:t>2</m:t>
+                          </m:r>
+                        </m:e>
+                      </m:d>
+                      <m:r>
+                        <a:rPr lang="en-US" sz="4400" b="0" i="1" smtClean="0">
+                          <a:solidFill>
+                            <a:schemeClr val="tx1"/>
+                          </a:solidFill>
+                          <a:latin typeface="Cambria Math" panose="02040503050406030204" pitchFamily="18" charset="0"/>
+                        </a:rPr>
+                        <m:t>=</m:t>
+                      </m:r>
+                      <m:f>
+                        <m:fPr>
+                          <m:ctrlPr>
+                            <a:rPr lang="en-US" sz="4400" i="1">
+                              <a:latin typeface="Cambria Math" panose="02040503050406030204" pitchFamily="18" charset="0"/>
+                            </a:rPr>
+                          </m:ctrlPr>
+                        </m:fPr>
+                        <m:num>
+                          <m:r>
+                            <a:rPr lang="en-US" sz="4400" i="1">
+                              <a:latin typeface="Cambria Math" panose="02040503050406030204" pitchFamily="18" charset="0"/>
+                            </a:rPr>
+                            <m:t>𝜎</m:t>
+                          </m:r>
+                          <m:r>
+                            <a:rPr lang="en-US" sz="4400" i="1" baseline="30000">
+                              <a:latin typeface="Cambria Math" panose="02040503050406030204" pitchFamily="18" charset="0"/>
+                            </a:rPr>
+                            <m:t>2</m:t>
+                          </m:r>
+                        </m:num>
+                        <m:den>
+                          <m:r>
+                            <a:rPr lang="en-US" sz="4400" i="1">
+                              <a:latin typeface="Cambria Math" panose="02040503050406030204" pitchFamily="18" charset="0"/>
+                            </a:rPr>
+                            <m:t>𝑛</m:t>
+                          </m:r>
+                        </m:den>
+                      </m:f>
+                    </m:oMath>
+                  </m:oMathPara>
+                </a14:m>
+                <a:endParaRPr lang="en-US" sz="4400" b="0">
+                  <a:solidFill>
+                    <a:srgbClr val="7030A0"/>
+                  </a:solidFill>
+                </a:endParaRPr>
+              </a:p>
+            </p:txBody>
+          </p:sp>
+        </mc:Choice>
+        <mc:Fallback>
+          <p:sp>
+            <p:nvSpPr>
+              <p:cNvPr id="6" name="TextBox 5">
+                <a:extLst>
+                  <a:ext uri="{FF2B5EF4-FFF2-40B4-BE49-F238E27FC236}">
+                    <a16:creationId xmlns:a16="http://schemas.microsoft.com/office/drawing/2014/main" id="{C6F352F8-B26D-4B29-9794-853A1CF3AA61}"/>
+                  </a:ext>
+                </a:extLst>
+              </p:cNvPr>
+              <p:cNvSpPr txBox="1">
+                <a:spLocks noRot="1" noChangeAspect="1" noMove="1" noResize="1" noEditPoints="1" noAdjustHandles="1" noChangeArrowheads="1" noChangeShapeType="1" noTextEdit="1"/>
+              </p:cNvSpPr>
+              <p:nvPr/>
+            </p:nvSpPr>
+            <p:spPr>
+              <a:xfrm>
+                <a:off x="1" y="1617017"/>
+                <a:ext cx="12191999" cy="1272080"/>
+              </a:xfrm>
+              <a:prstGeom prst="rect">
+                <a:avLst/>
+              </a:prstGeom>
+              <a:blipFill>
+                <a:blip r:embed="rId5"/>
                 <a:stretch>
                   <a:fillRect/>
                 </a:stretch>

--- a/ps/ps_images.pptx
+++ b/ps/ps_images.pptx
@@ -16,6 +16,7 @@
     <p:sldId id="265" r:id="rId10"/>
     <p:sldId id="266" r:id="rId11"/>
     <p:sldId id="267" r:id="rId12"/>
+    <p:sldId id="268" r:id="rId13"/>
   </p:sldIdLst>
   <p:sldSz cx="12192000" cy="6858000"/>
   <p:notesSz cx="6858000" cy="9144000"/>
@@ -269,7 +270,7 @@
           <a:p>
             <a:fld id="{A87D8ACD-2932-4696-A411-35B4FCC980C6}" type="datetimeFigureOut">
               <a:rPr lang="en-US" smtClean="0"/>
-              <a:t>04-Apr-21</a:t>
+              <a:t>06-Apr-21</a:t>
             </a:fld>
             <a:endParaRPr lang="en-US"/>
           </a:p>
@@ -467,7 +468,7 @@
           <a:p>
             <a:fld id="{A87D8ACD-2932-4696-A411-35B4FCC980C6}" type="datetimeFigureOut">
               <a:rPr lang="en-US" smtClean="0"/>
-              <a:t>04-Apr-21</a:t>
+              <a:t>06-Apr-21</a:t>
             </a:fld>
             <a:endParaRPr lang="en-US"/>
           </a:p>
@@ -675,7 +676,7 @@
           <a:p>
             <a:fld id="{A87D8ACD-2932-4696-A411-35B4FCC980C6}" type="datetimeFigureOut">
               <a:rPr lang="en-US" smtClean="0"/>
-              <a:t>04-Apr-21</a:t>
+              <a:t>06-Apr-21</a:t>
             </a:fld>
             <a:endParaRPr lang="en-US"/>
           </a:p>
@@ -873,7 +874,7 @@
           <a:p>
             <a:fld id="{A87D8ACD-2932-4696-A411-35B4FCC980C6}" type="datetimeFigureOut">
               <a:rPr lang="en-US" smtClean="0"/>
-              <a:t>04-Apr-21</a:t>
+              <a:t>06-Apr-21</a:t>
             </a:fld>
             <a:endParaRPr lang="en-US"/>
           </a:p>
@@ -1148,7 +1149,7 @@
           <a:p>
             <a:fld id="{A87D8ACD-2932-4696-A411-35B4FCC980C6}" type="datetimeFigureOut">
               <a:rPr lang="en-US" smtClean="0"/>
-              <a:t>04-Apr-21</a:t>
+              <a:t>06-Apr-21</a:t>
             </a:fld>
             <a:endParaRPr lang="en-US"/>
           </a:p>
@@ -1413,7 +1414,7 @@
           <a:p>
             <a:fld id="{A87D8ACD-2932-4696-A411-35B4FCC980C6}" type="datetimeFigureOut">
               <a:rPr lang="en-US" smtClean="0"/>
-              <a:t>04-Apr-21</a:t>
+              <a:t>06-Apr-21</a:t>
             </a:fld>
             <a:endParaRPr lang="en-US"/>
           </a:p>
@@ -1825,7 +1826,7 @@
           <a:p>
             <a:fld id="{A87D8ACD-2932-4696-A411-35B4FCC980C6}" type="datetimeFigureOut">
               <a:rPr lang="en-US" smtClean="0"/>
-              <a:t>04-Apr-21</a:t>
+              <a:t>06-Apr-21</a:t>
             </a:fld>
             <a:endParaRPr lang="en-US"/>
           </a:p>
@@ -1966,7 +1967,7 @@
           <a:p>
             <a:fld id="{A87D8ACD-2932-4696-A411-35B4FCC980C6}" type="datetimeFigureOut">
               <a:rPr lang="en-US" smtClean="0"/>
-              <a:t>04-Apr-21</a:t>
+              <a:t>06-Apr-21</a:t>
             </a:fld>
             <a:endParaRPr lang="en-US"/>
           </a:p>
@@ -2079,7 +2080,7 @@
           <a:p>
             <a:fld id="{A87D8ACD-2932-4696-A411-35B4FCC980C6}" type="datetimeFigureOut">
               <a:rPr lang="en-US" smtClean="0"/>
-              <a:t>04-Apr-21</a:t>
+              <a:t>06-Apr-21</a:t>
             </a:fld>
             <a:endParaRPr lang="en-US"/>
           </a:p>
@@ -2390,7 +2391,7 @@
           <a:p>
             <a:fld id="{A87D8ACD-2932-4696-A411-35B4FCC980C6}" type="datetimeFigureOut">
               <a:rPr lang="en-US" smtClean="0"/>
-              <a:t>04-Apr-21</a:t>
+              <a:t>06-Apr-21</a:t>
             </a:fld>
             <a:endParaRPr lang="en-US"/>
           </a:p>
@@ -2678,7 +2679,7 @@
           <a:p>
             <a:fld id="{A87D8ACD-2932-4696-A411-35B4FCC980C6}" type="datetimeFigureOut">
               <a:rPr lang="en-US" smtClean="0"/>
-              <a:t>04-Apr-21</a:t>
+              <a:t>06-Apr-21</a:t>
             </a:fld>
             <a:endParaRPr lang="en-US"/>
           </a:p>
@@ -2919,7 +2920,7 @@
           <a:p>
             <a:fld id="{A87D8ACD-2932-4696-A411-35B4FCC980C6}" type="datetimeFigureOut">
               <a:rPr lang="en-US" smtClean="0"/>
-              <a:t>04-Apr-21</a:t>
+              <a:t>06-Apr-21</a:t>
             </a:fld>
             <a:endParaRPr lang="en-US"/>
           </a:p>
@@ -3972,8 +3973,8 @@
           <a:chExt cx="0" cy="0"/>
         </a:xfrm>
       </p:grpSpPr>
-      <mc:AlternateContent xmlns:mc="http://schemas.openxmlformats.org/markup-compatibility/2006">
-        <mc:Choice xmlns:a14="http://schemas.microsoft.com/office/drawing/2010/main" Requires="a14">
+      <mc:AlternateContent xmlns:mc="http://schemas.openxmlformats.org/markup-compatibility/2006" xmlns:a14="http://schemas.microsoft.com/office/drawing/2010/main">
+        <mc:Choice Requires="a14">
           <p:sp>
             <p:nvSpPr>
               <p:cNvPr id="2" name="TextBox 1">
@@ -4197,7 +4198,7 @@
             </p:txBody>
           </p:sp>
         </mc:Choice>
-        <mc:Fallback>
+        <mc:Fallback xmlns="">
           <p:sp>
             <p:nvSpPr>
               <p:cNvPr id="2" name="TextBox 1">
@@ -4242,8 +4243,8 @@
           </p:sp>
         </mc:Fallback>
       </mc:AlternateContent>
-      <mc:AlternateContent xmlns:mc="http://schemas.openxmlformats.org/markup-compatibility/2006">
-        <mc:Choice xmlns:a14="http://schemas.microsoft.com/office/drawing/2010/main" Requires="a14">
+      <mc:AlternateContent xmlns:mc="http://schemas.openxmlformats.org/markup-compatibility/2006" xmlns:a14="http://schemas.microsoft.com/office/drawing/2010/main">
+        <mc:Choice Requires="a14">
           <p:sp>
             <p:nvSpPr>
               <p:cNvPr id="4" name="TextBox 3">
@@ -4453,7 +4454,7 @@
             </p:txBody>
           </p:sp>
         </mc:Choice>
-        <mc:Fallback>
+        <mc:Fallback xmlns="">
           <p:sp>
             <p:nvSpPr>
               <p:cNvPr id="4" name="TextBox 3">
@@ -4498,8 +4499,8 @@
           </p:sp>
         </mc:Fallback>
       </mc:AlternateContent>
-      <mc:AlternateContent xmlns:mc="http://schemas.openxmlformats.org/markup-compatibility/2006">
-        <mc:Choice xmlns:a14="http://schemas.microsoft.com/office/drawing/2010/main" Requires="a14">
+      <mc:AlternateContent xmlns:mc="http://schemas.openxmlformats.org/markup-compatibility/2006" xmlns:a14="http://schemas.microsoft.com/office/drawing/2010/main">
+        <mc:Choice Requires="a14">
           <p:sp>
             <p:nvSpPr>
               <p:cNvPr id="5" name="TextBox 4">
@@ -4682,7 +4683,7 @@
             </p:txBody>
           </p:sp>
         </mc:Choice>
-        <mc:Fallback>
+        <mc:Fallback xmlns="">
           <p:sp>
             <p:nvSpPr>
               <p:cNvPr id="5" name="TextBox 4">
@@ -4727,8 +4728,8 @@
           </p:sp>
         </mc:Fallback>
       </mc:AlternateContent>
-      <mc:AlternateContent xmlns:mc="http://schemas.openxmlformats.org/markup-compatibility/2006">
-        <mc:Choice xmlns:a14="http://schemas.microsoft.com/office/drawing/2010/main" Requires="a14">
+      <mc:AlternateContent xmlns:mc="http://schemas.openxmlformats.org/markup-compatibility/2006" xmlns:a14="http://schemas.microsoft.com/office/drawing/2010/main">
+        <mc:Choice Requires="a14">
           <p:sp>
             <p:nvSpPr>
               <p:cNvPr id="6" name="TextBox 5">
@@ -4952,7 +4953,7 @@
             </p:txBody>
           </p:sp>
         </mc:Choice>
-        <mc:Fallback>
+        <mc:Fallback xmlns="">
           <p:sp>
             <p:nvSpPr>
               <p:cNvPr id="6" name="TextBox 5">
@@ -5031,10 +5032,10 @@
         <mc:Choice xmlns:a14="http://schemas.microsoft.com/office/drawing/2010/main" Requires="a14">
           <p:sp>
             <p:nvSpPr>
-              <p:cNvPr id="5" name="TextBox 4">
+              <p:cNvPr id="6" name="TextBox 5">
                 <a:extLst>
                   <a:ext uri="{FF2B5EF4-FFF2-40B4-BE49-F238E27FC236}">
-                    <a16:creationId xmlns:a16="http://schemas.microsoft.com/office/drawing/2014/main" id="{39C9FFCA-DC85-4746-AC88-7C9A343962C2}"/>
+                    <a16:creationId xmlns:a16="http://schemas.microsoft.com/office/drawing/2014/main" id="{053CEC4A-7BC8-4F2F-BCB3-2EE40F0745F3}"/>
                   </a:ext>
                 </a:extLst>
               </p:cNvPr>
@@ -5043,8 +5044,8 @@
             </p:nvSpPr>
             <p:spPr>
               <a:xfrm>
-                <a:off x="910883" y="375986"/>
-                <a:ext cx="10370234" cy="1387688"/>
+                <a:off x="910883" y="582799"/>
+                <a:ext cx="10370234" cy="677108"/>
               </a:xfrm>
               <a:prstGeom prst="rect">
                 <a:avLst/>
@@ -5065,365 +5066,39 @@
                     </m:oMathParaPr>
                     <m:oMath xmlns:m="http://schemas.openxmlformats.org/officeDocument/2006/math">
                       <m:r>
-                        <a:rPr lang="en-US" sz="4800" b="0" i="1" smtClean="0">
-                          <a:latin typeface="Cambria Math" panose="02040503050406030204" pitchFamily="18" charset="0"/>
-                        </a:rPr>
-                        <m:t>𝐸</m:t>
-                      </m:r>
-                      <m:r>
-                        <a:rPr lang="en-US" sz="4800" b="0" i="1" smtClean="0">
-                          <a:latin typeface="Cambria Math" panose="02040503050406030204" pitchFamily="18" charset="0"/>
-                        </a:rPr>
-                        <m:t>[</m:t>
-                      </m:r>
-                      <m:acc>
-                        <m:accPr>
-                          <m:chr m:val="̅"/>
-                          <m:ctrlPr>
-                            <a:rPr lang="en-US" sz="4800" i="1">
-                              <a:solidFill>
-                                <a:srgbClr val="C00000"/>
-                              </a:solidFill>
-                              <a:latin typeface="Cambria Math" panose="02040503050406030204" pitchFamily="18" charset="0"/>
-                            </a:rPr>
-                          </m:ctrlPr>
-                        </m:accPr>
-                        <m:e>
-                          <m:r>
-                            <a:rPr lang="en-US" sz="4800" i="1">
-                              <a:solidFill>
-                                <a:srgbClr val="C00000"/>
-                              </a:solidFill>
-                              <a:latin typeface="Cambria Math" panose="02040503050406030204" pitchFamily="18" charset="0"/>
-                            </a:rPr>
-                            <m:t>𝑋</m:t>
-                          </m:r>
-                        </m:e>
-                      </m:acc>
-                      <m:r>
-                        <a:rPr lang="en-US" sz="4800" b="0" i="1" smtClean="0">
-                          <a:latin typeface="Cambria Math" panose="02040503050406030204" pitchFamily="18" charset="0"/>
-                        </a:rPr>
-                        <m:t>]</m:t>
-                      </m:r>
-                      <m:r>
-                        <a:rPr lang="en-US" sz="4800" b="0" i="1" smtClean="0">
-                          <a:solidFill>
-                            <a:schemeClr val="tx1"/>
-                          </a:solidFill>
+                        <a:rPr lang="en-US" sz="4400" i="1" smtClean="0">
+                          <a:latin typeface="Cambria Math" panose="02040503050406030204" pitchFamily="18" charset="0"/>
+                        </a:rPr>
+                        <m:t>µ</m:t>
+                      </m:r>
+                      <m:r>
+                        <a:rPr lang="en-US" sz="4400" b="0" i="1" smtClean="0">
                           <a:latin typeface="Cambria Math" panose="02040503050406030204" pitchFamily="18" charset="0"/>
                         </a:rPr>
                         <m:t>=</m:t>
                       </m:r>
-                      <m:f>
-                        <m:fPr>
-                          <m:ctrlPr>
-                            <a:rPr lang="en-US" sz="4800" b="0" i="1" smtClean="0">
-                              <a:solidFill>
-                                <a:schemeClr val="tx1"/>
-                              </a:solidFill>
-                              <a:latin typeface="Cambria Math" panose="02040503050406030204" pitchFamily="18" charset="0"/>
-                            </a:rPr>
-                          </m:ctrlPr>
-                        </m:fPr>
-                        <m:num>
-                          <m:r>
-                            <a:rPr lang="en-US" sz="4800" b="0" i="1" smtClean="0">
-                              <a:solidFill>
-                                <a:schemeClr val="tx1"/>
-                              </a:solidFill>
-                              <a:latin typeface="Cambria Math" panose="02040503050406030204" pitchFamily="18" charset="0"/>
-                            </a:rPr>
-                            <m:t>1</m:t>
-                          </m:r>
-                        </m:num>
-                        <m:den>
-                          <m:r>
-                            <a:rPr lang="en-US" sz="4800" b="0" i="1" smtClean="0">
-                              <a:solidFill>
-                                <a:schemeClr val="tx1"/>
-                              </a:solidFill>
-                              <a:latin typeface="Cambria Math" panose="02040503050406030204" pitchFamily="18" charset="0"/>
-                            </a:rPr>
-                            <m:t>𝑛</m:t>
-                          </m:r>
-                        </m:den>
-                      </m:f>
-                      <m:d>
-                        <m:dPr>
-                          <m:ctrlPr>
-                            <a:rPr lang="en-US" sz="4800" b="0" i="1" smtClean="0">
-                              <a:solidFill>
-                                <a:schemeClr val="tx1"/>
-                              </a:solidFill>
-                              <a:latin typeface="Cambria Math" panose="02040503050406030204" pitchFamily="18" charset="0"/>
-                            </a:rPr>
-                          </m:ctrlPr>
-                        </m:dPr>
-                        <m:e>
-                          <m:r>
-                            <a:rPr lang="en-US" sz="4800" i="1" smtClean="0">
-                              <a:latin typeface="Cambria Math" panose="02040503050406030204" pitchFamily="18" charset="0"/>
-                            </a:rPr>
-                            <m:t>µ</m:t>
-                          </m:r>
-                          <m:r>
-                            <a:rPr lang="en-US" sz="4800" b="0" i="1" smtClean="0">
-                              <a:solidFill>
-                                <a:schemeClr val="tx1"/>
-                              </a:solidFill>
-                              <a:latin typeface="Cambria Math" panose="02040503050406030204" pitchFamily="18" charset="0"/>
-                            </a:rPr>
-                            <m:t>+</m:t>
-                          </m:r>
-                          <m:r>
-                            <a:rPr lang="en-US" sz="4800" i="1">
-                              <a:latin typeface="Cambria Math" panose="02040503050406030204" pitchFamily="18" charset="0"/>
-                            </a:rPr>
-                            <m:t>µ</m:t>
-                          </m:r>
-                          <m:r>
-                            <a:rPr lang="en-US" sz="4800" b="0" i="1" smtClean="0">
-                              <a:solidFill>
-                                <a:schemeClr val="tx1"/>
-                              </a:solidFill>
-                              <a:latin typeface="Cambria Math" panose="02040503050406030204" pitchFamily="18" charset="0"/>
-                            </a:rPr>
-                            <m:t>+…+</m:t>
-                          </m:r>
-                          <m:r>
-                            <a:rPr lang="en-US" sz="4800" i="1">
-                              <a:latin typeface="Cambria Math" panose="02040503050406030204" pitchFamily="18" charset="0"/>
-                            </a:rPr>
-                            <m:t>µ</m:t>
-                          </m:r>
-                        </m:e>
-                      </m:d>
+                      <m:r>
+                        <a:rPr lang="en-US" sz="4400" b="0" i="1" smtClean="0">
+                          <a:latin typeface="Cambria Math" panose="02040503050406030204" pitchFamily="18" charset="0"/>
+                        </a:rPr>
+                        <m:t>𝑝𝑜𝑝𝑢𝑙𝑎𝑡𝑖𝑜𝑛</m:t>
+                      </m:r>
+                      <m:r>
+                        <a:rPr lang="en-US" sz="4400" b="0" i="1" smtClean="0">
+                          <a:latin typeface="Cambria Math" panose="02040503050406030204" pitchFamily="18" charset="0"/>
+                        </a:rPr>
+                        <m:t> </m:t>
+                      </m:r>
+                      <m:r>
+                        <a:rPr lang="en-US" sz="4400" b="0" i="1" smtClean="0">
+                          <a:latin typeface="Cambria Math" panose="02040503050406030204" pitchFamily="18" charset="0"/>
+                        </a:rPr>
+                        <m:t>𝑚𝑒𝑎𝑛</m:t>
+                      </m:r>
                     </m:oMath>
                   </m:oMathPara>
                 </a14:m>
-                <a:endParaRPr lang="en-US" sz="4800" b="0">
-                  <a:solidFill>
-                    <a:srgbClr val="7030A0"/>
-                  </a:solidFill>
-                </a:endParaRPr>
-              </a:p>
-            </p:txBody>
-          </p:sp>
-        </mc:Choice>
-        <mc:Fallback>
-          <p:sp>
-            <p:nvSpPr>
-              <p:cNvPr id="5" name="TextBox 4">
-                <a:extLst>
-                  <a:ext uri="{FF2B5EF4-FFF2-40B4-BE49-F238E27FC236}">
-                    <a16:creationId xmlns:a16="http://schemas.microsoft.com/office/drawing/2014/main" id="{39C9FFCA-DC85-4746-AC88-7C9A343962C2}"/>
-                  </a:ext>
-                </a:extLst>
-              </p:cNvPr>
-              <p:cNvSpPr txBox="1">
-                <a:spLocks noRot="1" noChangeAspect="1" noMove="1" noResize="1" noEditPoints="1" noAdjustHandles="1" noChangeArrowheads="1" noChangeShapeType="1" noTextEdit="1"/>
-              </p:cNvSpPr>
-              <p:nvPr/>
-            </p:nvSpPr>
-            <p:spPr>
-              <a:xfrm>
-                <a:off x="910883" y="375986"/>
-                <a:ext cx="10370234" cy="1387688"/>
-              </a:xfrm>
-              <a:prstGeom prst="rect">
-                <a:avLst/>
-              </a:prstGeom>
-              <a:blipFill>
-                <a:blip r:embed="rId2"/>
-                <a:stretch>
-                  <a:fillRect/>
-                </a:stretch>
-              </a:blipFill>
-            </p:spPr>
-            <p:txBody>
-              <a:bodyPr/>
-              <a:lstStyle/>
-              <a:p>
-                <a:r>
-                  <a:rPr lang="en-US">
-                    <a:noFill/>
-                  </a:rPr>
-                  <a:t> </a:t>
-                </a:r>
-              </a:p>
-            </p:txBody>
-          </p:sp>
-        </mc:Fallback>
-      </mc:AlternateContent>
-      <mc:AlternateContent xmlns:mc="http://schemas.openxmlformats.org/markup-compatibility/2006">
-        <mc:Choice xmlns:a14="http://schemas.microsoft.com/office/drawing/2010/main" Requires="a14">
-          <p:sp>
-            <p:nvSpPr>
-              <p:cNvPr id="6" name="TextBox 5">
-                <a:extLst>
-                  <a:ext uri="{FF2B5EF4-FFF2-40B4-BE49-F238E27FC236}">
-                    <a16:creationId xmlns:a16="http://schemas.microsoft.com/office/drawing/2014/main" id="{053CEC4A-7BC8-4F2F-BCB3-2EE40F0745F3}"/>
-                  </a:ext>
-                </a:extLst>
-              </p:cNvPr>
-              <p:cNvSpPr txBox="1"/>
-              <p:nvPr/>
-            </p:nvSpPr>
-            <p:spPr>
-              <a:xfrm>
-                <a:off x="910883" y="2144312"/>
-                <a:ext cx="10370234" cy="1387688"/>
-              </a:xfrm>
-              <a:prstGeom prst="rect">
-                <a:avLst/>
-              </a:prstGeom>
-              <a:noFill/>
-            </p:spPr>
-            <p:txBody>
-              <a:bodyPr wrap="square" lIns="0" tIns="0" rIns="0" bIns="0" rtlCol="0">
-                <a:spAutoFit/>
-              </a:bodyPr>
-              <a:lstStyle/>
-              <a:p>
-                <a:pPr/>
-                <a14:m>
-                  <m:oMathPara xmlns:m="http://schemas.openxmlformats.org/officeDocument/2006/math">
-                    <m:oMathParaPr>
-                      <m:jc m:val="centerGroup"/>
-                    </m:oMathParaPr>
-                    <m:oMath xmlns:m="http://schemas.openxmlformats.org/officeDocument/2006/math">
-                      <m:r>
-                        <a:rPr lang="en-US" sz="4800" b="0" i="1" smtClean="0">
-                          <a:latin typeface="Cambria Math" panose="02040503050406030204" pitchFamily="18" charset="0"/>
-                        </a:rPr>
-                        <m:t>𝐸</m:t>
-                      </m:r>
-                      <m:d>
-                        <m:dPr>
-                          <m:begChr m:val="["/>
-                          <m:endChr m:val="]"/>
-                          <m:ctrlPr>
-                            <a:rPr lang="en-US" sz="4800" b="0" i="1" smtClean="0">
-                              <a:solidFill>
-                                <a:schemeClr val="tx1"/>
-                              </a:solidFill>
-                              <a:latin typeface="Cambria Math" panose="02040503050406030204" pitchFamily="18" charset="0"/>
-                            </a:rPr>
-                          </m:ctrlPr>
-                        </m:dPr>
-                        <m:e>
-                          <m:acc>
-                            <m:accPr>
-                              <m:chr m:val="̅"/>
-                              <m:ctrlPr>
-                                <a:rPr lang="en-US" sz="4800" i="1" smtClean="0">
-                                  <a:solidFill>
-                                    <a:srgbClr val="C00000"/>
-                                  </a:solidFill>
-                                  <a:latin typeface="Cambria Math" panose="02040503050406030204" pitchFamily="18" charset="0"/>
-                                </a:rPr>
-                              </m:ctrlPr>
-                            </m:accPr>
-                            <m:e>
-                              <m:r>
-                                <a:rPr lang="en-US" sz="4800" i="1">
-                                  <a:solidFill>
-                                    <a:srgbClr val="C00000"/>
-                                  </a:solidFill>
-                                  <a:latin typeface="Cambria Math" panose="02040503050406030204" pitchFamily="18" charset="0"/>
-                                </a:rPr>
-                                <m:t>𝑋</m:t>
-                              </m:r>
-                            </m:e>
-                          </m:acc>
-                        </m:e>
-                      </m:d>
-                      <m:r>
-                        <a:rPr lang="en-US" sz="4800" b="0" i="1" smtClean="0">
-                          <a:solidFill>
-                            <a:schemeClr val="tx1"/>
-                          </a:solidFill>
-                          <a:latin typeface="Cambria Math" panose="02040503050406030204" pitchFamily="18" charset="0"/>
-                        </a:rPr>
-                        <m:t>=</m:t>
-                      </m:r>
-                      <m:f>
-                        <m:fPr>
-                          <m:ctrlPr>
-                            <a:rPr lang="en-US" sz="4800" b="0" i="1" smtClean="0">
-                              <a:solidFill>
-                                <a:schemeClr val="tx1"/>
-                              </a:solidFill>
-                              <a:latin typeface="Cambria Math" panose="02040503050406030204" pitchFamily="18" charset="0"/>
-                            </a:rPr>
-                          </m:ctrlPr>
-                        </m:fPr>
-                        <m:num>
-                          <m:r>
-                            <a:rPr lang="en-US" sz="4800" b="0" i="1" smtClean="0">
-                              <a:solidFill>
-                                <a:schemeClr val="tx1"/>
-                              </a:solidFill>
-                              <a:latin typeface="Cambria Math" panose="02040503050406030204" pitchFamily="18" charset="0"/>
-                            </a:rPr>
-                            <m:t>1</m:t>
-                          </m:r>
-                        </m:num>
-                        <m:den>
-                          <m:r>
-                            <a:rPr lang="en-US" sz="4800" b="0" i="1" smtClean="0">
-                              <a:solidFill>
-                                <a:schemeClr val="tx1"/>
-                              </a:solidFill>
-                              <a:latin typeface="Cambria Math" panose="02040503050406030204" pitchFamily="18" charset="0"/>
-                            </a:rPr>
-                            <m:t>𝑛</m:t>
-                          </m:r>
-                        </m:den>
-                      </m:f>
-                      <m:d>
-                        <m:dPr>
-                          <m:ctrlPr>
-                            <a:rPr lang="en-US" sz="4800" b="0" i="1" smtClean="0">
-                              <a:solidFill>
-                                <a:schemeClr val="tx1"/>
-                              </a:solidFill>
-                              <a:latin typeface="Cambria Math" panose="02040503050406030204" pitchFamily="18" charset="0"/>
-                            </a:rPr>
-                          </m:ctrlPr>
-                        </m:dPr>
-                        <m:e>
-                          <m:r>
-                            <a:rPr lang="en-US" sz="4800" i="1">
-                              <a:latin typeface="Cambria Math" panose="02040503050406030204" pitchFamily="18" charset="0"/>
-                            </a:rPr>
-                            <m:t>𝑛</m:t>
-                          </m:r>
-                          <m:r>
-                            <a:rPr lang="en-US" sz="4800" i="1">
-                              <a:latin typeface="Cambria Math" panose="02040503050406030204" pitchFamily="18" charset="0"/>
-                            </a:rPr>
-                            <m:t>µ</m:t>
-                          </m:r>
-                        </m:e>
-                      </m:d>
-                      <m:r>
-                        <a:rPr lang="en-US" sz="4800" b="0" i="1" smtClean="0">
-                          <a:latin typeface="Cambria Math" panose="02040503050406030204" pitchFamily="18" charset="0"/>
-                        </a:rPr>
-                        <m:t>=</m:t>
-                      </m:r>
-                      <m:r>
-                        <a:rPr lang="en-US" sz="4800" i="1">
-                          <a:latin typeface="Cambria Math" panose="02040503050406030204" pitchFamily="18" charset="0"/>
-                        </a:rPr>
-                        <m:t>µ</m:t>
-                      </m:r>
-                    </m:oMath>
-                  </m:oMathPara>
-                </a14:m>
-                <a:endParaRPr lang="en-US" sz="4800" b="0">
+                <a:endParaRPr lang="en-US" sz="4400" b="0">
                   <a:solidFill>
                     <a:srgbClr val="7030A0"/>
                   </a:solidFill>
@@ -5449,14 +5124,14 @@
             </p:nvSpPr>
             <p:spPr>
               <a:xfrm>
-                <a:off x="910883" y="2144312"/>
-                <a:ext cx="10370234" cy="1387688"/>
+                <a:off x="910883" y="582799"/>
+                <a:ext cx="10370234" cy="677108"/>
               </a:xfrm>
               <a:prstGeom prst="rect">
                 <a:avLst/>
               </a:prstGeom>
               <a:blipFill>
-                <a:blip r:embed="rId3"/>
+                <a:blip r:embed="rId2"/>
                 <a:stretch>
                   <a:fillRect/>
                 </a:stretch>
@@ -5493,7 +5168,7 @@
             </p:nvSpPr>
             <p:spPr>
               <a:xfrm>
-                <a:off x="910883" y="3912638"/>
+                <a:off x="910883" y="4616420"/>
                 <a:ext cx="10370234" cy="1407565"/>
               </a:xfrm>
               <a:prstGeom prst="rect">
@@ -5744,8 +5419,138 @@
             </p:nvSpPr>
             <p:spPr>
               <a:xfrm>
-                <a:off x="910883" y="3912638"/>
+                <a:off x="910883" y="4616420"/>
                 <a:ext cx="10370234" cy="1407565"/>
+              </a:xfrm>
+              <a:prstGeom prst="rect">
+                <a:avLst/>
+              </a:prstGeom>
+              <a:blipFill>
+                <a:blip r:embed="rId3"/>
+                <a:stretch>
+                  <a:fillRect/>
+                </a:stretch>
+              </a:blipFill>
+            </p:spPr>
+            <p:txBody>
+              <a:bodyPr/>
+              <a:lstStyle/>
+              <a:p>
+                <a:r>
+                  <a:rPr lang="en-US">
+                    <a:noFill/>
+                  </a:rPr>
+                  <a:t> </a:t>
+                </a:r>
+              </a:p>
+            </p:txBody>
+          </p:sp>
+        </mc:Fallback>
+      </mc:AlternateContent>
+      <mc:AlternateContent xmlns:mc="http://schemas.openxmlformats.org/markup-compatibility/2006">
+        <mc:Choice xmlns:a14="http://schemas.microsoft.com/office/drawing/2010/main" Requires="a14">
+          <p:sp>
+            <p:nvSpPr>
+              <p:cNvPr id="8" name="TextBox 7">
+                <a:extLst>
+                  <a:ext uri="{FF2B5EF4-FFF2-40B4-BE49-F238E27FC236}">
+                    <a16:creationId xmlns:a16="http://schemas.microsoft.com/office/drawing/2014/main" id="{85E4447C-600E-41FC-A625-9498E8BAFBE9}"/>
+                  </a:ext>
+                </a:extLst>
+              </p:cNvPr>
+              <p:cNvSpPr txBox="1"/>
+              <p:nvPr/>
+            </p:nvSpPr>
+            <p:spPr>
+              <a:xfrm>
+                <a:off x="910883" y="1454399"/>
+                <a:ext cx="10370234" cy="677108"/>
+              </a:xfrm>
+              <a:prstGeom prst="rect">
+                <a:avLst/>
+              </a:prstGeom>
+              <a:noFill/>
+            </p:spPr>
+            <p:txBody>
+              <a:bodyPr wrap="square" lIns="0" tIns="0" rIns="0" bIns="0" rtlCol="0">
+                <a:spAutoFit/>
+              </a:bodyPr>
+              <a:lstStyle/>
+              <a:p>
+                <a:pPr/>
+                <a14:m>
+                  <m:oMathPara xmlns:m="http://schemas.openxmlformats.org/officeDocument/2006/math">
+                    <m:oMathParaPr>
+                      <m:jc m:val="centerGroup"/>
+                    </m:oMathParaPr>
+                    <m:oMath xmlns:m="http://schemas.openxmlformats.org/officeDocument/2006/math">
+                      <m:r>
+                        <a:rPr lang="en-US" sz="4400" i="1">
+                          <a:latin typeface="Cambria Math" panose="02040503050406030204" pitchFamily="18" charset="0"/>
+                        </a:rPr>
+                        <m:t>𝜎</m:t>
+                      </m:r>
+                      <m:r>
+                        <a:rPr lang="en-US" sz="4400" i="1" baseline="30000">
+                          <a:latin typeface="Cambria Math" panose="02040503050406030204" pitchFamily="18" charset="0"/>
+                        </a:rPr>
+                        <m:t>2</m:t>
+                      </m:r>
+                      <m:r>
+                        <a:rPr lang="en-US" sz="4400" b="0" i="1" smtClean="0">
+                          <a:latin typeface="Cambria Math" panose="02040503050406030204" pitchFamily="18" charset="0"/>
+                        </a:rPr>
+                        <m:t>=</m:t>
+                      </m:r>
+                      <m:r>
+                        <a:rPr lang="en-US" sz="4400" b="0" i="1" smtClean="0">
+                          <a:latin typeface="Cambria Math" panose="02040503050406030204" pitchFamily="18" charset="0"/>
+                        </a:rPr>
+                        <m:t>𝑝𝑜𝑝𝑢𝑙𝑎𝑡𝑖𝑜𝑛</m:t>
+                      </m:r>
+                      <m:r>
+                        <a:rPr lang="en-US" sz="4400" b="0" i="1" smtClean="0">
+                          <a:latin typeface="Cambria Math" panose="02040503050406030204" pitchFamily="18" charset="0"/>
+                        </a:rPr>
+                        <m:t> </m:t>
+                      </m:r>
+                      <m:r>
+                        <a:rPr lang="en-US" sz="4400" b="0" i="1" smtClean="0">
+                          <a:latin typeface="Cambria Math" panose="02040503050406030204" pitchFamily="18" charset="0"/>
+                        </a:rPr>
+                        <m:t>𝑣𝑎𝑟𝑖𝑎𝑛𝑐𝑒</m:t>
+                      </m:r>
+                    </m:oMath>
+                  </m:oMathPara>
+                </a14:m>
+                <a:endParaRPr lang="en-US" sz="4400" b="0">
+                  <a:solidFill>
+                    <a:srgbClr val="7030A0"/>
+                  </a:solidFill>
+                </a:endParaRPr>
+              </a:p>
+            </p:txBody>
+          </p:sp>
+        </mc:Choice>
+        <mc:Fallback>
+          <p:sp>
+            <p:nvSpPr>
+              <p:cNvPr id="8" name="TextBox 7">
+                <a:extLst>
+                  <a:ext uri="{FF2B5EF4-FFF2-40B4-BE49-F238E27FC236}">
+                    <a16:creationId xmlns:a16="http://schemas.microsoft.com/office/drawing/2014/main" id="{85E4447C-600E-41FC-A625-9498E8BAFBE9}"/>
+                  </a:ext>
+                </a:extLst>
+              </p:cNvPr>
+              <p:cNvSpPr txBox="1">
+                <a:spLocks noRot="1" noChangeAspect="1" noMove="1" noResize="1" noEditPoints="1" noAdjustHandles="1" noChangeArrowheads="1" noChangeShapeType="1" noTextEdit="1"/>
+              </p:cNvSpPr>
+              <p:nvPr/>
+            </p:nvSpPr>
+            <p:spPr>
+              <a:xfrm>
+                <a:off x="910883" y="1454399"/>
+                <a:ext cx="10370234" cy="677108"/>
               </a:xfrm>
               <a:prstGeom prst="rect">
                 <a:avLst/>
@@ -5772,10 +5577,312 @@
           </p:sp>
         </mc:Fallback>
       </mc:AlternateContent>
+      <mc:AlternateContent xmlns:mc="http://schemas.openxmlformats.org/markup-compatibility/2006">
+        <mc:Choice xmlns:a14="http://schemas.microsoft.com/office/drawing/2010/main" Requires="a14">
+          <p:sp>
+            <p:nvSpPr>
+              <p:cNvPr id="9" name="TextBox 8">
+                <a:extLst>
+                  <a:ext uri="{FF2B5EF4-FFF2-40B4-BE49-F238E27FC236}">
+                    <a16:creationId xmlns:a16="http://schemas.microsoft.com/office/drawing/2014/main" id="{4397F6FC-FDA2-4CF3-BA25-D1A45D2A99E4}"/>
+                  </a:ext>
+                </a:extLst>
+              </p:cNvPr>
+              <p:cNvSpPr txBox="1"/>
+              <p:nvPr/>
+            </p:nvSpPr>
+            <p:spPr>
+              <a:xfrm>
+                <a:off x="910883" y="3429000"/>
+                <a:ext cx="10370234" cy="677108"/>
+              </a:xfrm>
+              <a:prstGeom prst="rect">
+                <a:avLst/>
+              </a:prstGeom>
+              <a:noFill/>
+            </p:spPr>
+            <p:txBody>
+              <a:bodyPr wrap="square" lIns="0" tIns="0" rIns="0" bIns="0" rtlCol="0">
+                <a:spAutoFit/>
+              </a:bodyPr>
+              <a:lstStyle/>
+              <a:p>
+                <a:pPr/>
+                <a14:m>
+                  <m:oMathPara xmlns:m="http://schemas.openxmlformats.org/officeDocument/2006/math">
+                    <m:oMathParaPr>
+                      <m:jc m:val="centerGroup"/>
+                    </m:oMathParaPr>
+                    <m:oMath xmlns:m="http://schemas.openxmlformats.org/officeDocument/2006/math">
+                      <m:r>
+                        <a:rPr lang="en-US" sz="4400" b="0" i="1" smtClean="0">
+                          <a:latin typeface="Cambria Math" panose="02040503050406030204" pitchFamily="18" charset="0"/>
+                        </a:rPr>
+                        <m:t>𝑠</m:t>
+                      </m:r>
+                      <m:r>
+                        <a:rPr lang="en-US" sz="4400" b="0" i="1" baseline="30000" smtClean="0">
+                          <a:latin typeface="Cambria Math" panose="02040503050406030204" pitchFamily="18" charset="0"/>
+                        </a:rPr>
+                        <m:t>2</m:t>
+                      </m:r>
+                      <m:r>
+                        <a:rPr lang="en-US" sz="4400" b="0" i="1" smtClean="0">
+                          <a:latin typeface="Cambria Math" panose="02040503050406030204" pitchFamily="18" charset="0"/>
+                        </a:rPr>
+                        <m:t>=</m:t>
+                      </m:r>
+                      <m:r>
+                        <a:rPr lang="en-US" sz="4400" b="0" i="1" smtClean="0">
+                          <a:latin typeface="Cambria Math" panose="02040503050406030204" pitchFamily="18" charset="0"/>
+                        </a:rPr>
+                        <m:t>𝑠𝑎𝑚𝑝𝑙𝑒</m:t>
+                      </m:r>
+                      <m:r>
+                        <a:rPr lang="en-US" sz="4400" b="0" i="1" smtClean="0">
+                          <a:latin typeface="Cambria Math" panose="02040503050406030204" pitchFamily="18" charset="0"/>
+                        </a:rPr>
+                        <m:t> </m:t>
+                      </m:r>
+                      <m:r>
+                        <a:rPr lang="en-US" sz="4400" b="0" i="1" smtClean="0">
+                          <a:latin typeface="Cambria Math" panose="02040503050406030204" pitchFamily="18" charset="0"/>
+                        </a:rPr>
+                        <m:t>𝑣𝑎𝑟𝑖𝑎𝑛𝑐𝑒</m:t>
+                      </m:r>
+                    </m:oMath>
+                  </m:oMathPara>
+                </a14:m>
+                <a:endParaRPr lang="en-US" sz="4400" b="0">
+                  <a:solidFill>
+                    <a:srgbClr val="7030A0"/>
+                  </a:solidFill>
+                </a:endParaRPr>
+              </a:p>
+            </p:txBody>
+          </p:sp>
+        </mc:Choice>
+        <mc:Fallback>
+          <p:sp>
+            <p:nvSpPr>
+              <p:cNvPr id="9" name="TextBox 8">
+                <a:extLst>
+                  <a:ext uri="{FF2B5EF4-FFF2-40B4-BE49-F238E27FC236}">
+                    <a16:creationId xmlns:a16="http://schemas.microsoft.com/office/drawing/2014/main" id="{4397F6FC-FDA2-4CF3-BA25-D1A45D2A99E4}"/>
+                  </a:ext>
+                </a:extLst>
+              </p:cNvPr>
+              <p:cNvSpPr txBox="1">
+                <a:spLocks noRot="1" noChangeAspect="1" noMove="1" noResize="1" noEditPoints="1" noAdjustHandles="1" noChangeArrowheads="1" noChangeShapeType="1" noTextEdit="1"/>
+              </p:cNvSpPr>
+              <p:nvPr/>
+            </p:nvSpPr>
+            <p:spPr>
+              <a:xfrm>
+                <a:off x="910883" y="3429000"/>
+                <a:ext cx="10370234" cy="677108"/>
+              </a:xfrm>
+              <a:prstGeom prst="rect">
+                <a:avLst/>
+              </a:prstGeom>
+              <a:blipFill>
+                <a:blip r:embed="rId5"/>
+                <a:stretch>
+                  <a:fillRect/>
+                </a:stretch>
+              </a:blipFill>
+            </p:spPr>
+            <p:txBody>
+              <a:bodyPr/>
+              <a:lstStyle/>
+              <a:p>
+                <a:r>
+                  <a:rPr lang="en-US">
+                    <a:noFill/>
+                  </a:rPr>
+                  <a:t> </a:t>
+                </a:r>
+              </a:p>
+            </p:txBody>
+          </p:sp>
+        </mc:Fallback>
+      </mc:AlternateContent>
+      <mc:AlternateContent xmlns:mc="http://schemas.openxmlformats.org/markup-compatibility/2006">
+        <mc:Choice xmlns:a14="http://schemas.microsoft.com/office/drawing/2010/main" Requires="a14">
+          <p:sp>
+            <p:nvSpPr>
+              <p:cNvPr id="10" name="TextBox 9">
+                <a:extLst>
+                  <a:ext uri="{FF2B5EF4-FFF2-40B4-BE49-F238E27FC236}">
+                    <a16:creationId xmlns:a16="http://schemas.microsoft.com/office/drawing/2014/main" id="{95C45A77-DB00-459E-9BA5-458D7E3CB1E0}"/>
+                  </a:ext>
+                </a:extLst>
+              </p:cNvPr>
+              <p:cNvSpPr txBox="1"/>
+              <p:nvPr/>
+            </p:nvSpPr>
+            <p:spPr>
+              <a:xfrm>
+                <a:off x="910883" y="2386663"/>
+                <a:ext cx="10370234" cy="677108"/>
+              </a:xfrm>
+              <a:prstGeom prst="rect">
+                <a:avLst/>
+              </a:prstGeom>
+              <a:noFill/>
+            </p:spPr>
+            <p:txBody>
+              <a:bodyPr wrap="square" lIns="0" tIns="0" rIns="0" bIns="0" rtlCol="0">
+                <a:spAutoFit/>
+              </a:bodyPr>
+              <a:lstStyle/>
+              <a:p>
+                <a:pPr/>
+                <a14:m>
+                  <m:oMathPara xmlns:m="http://schemas.openxmlformats.org/officeDocument/2006/math">
+                    <m:oMathParaPr>
+                      <m:jc m:val="centerGroup"/>
+                    </m:oMathParaPr>
+                    <m:oMath xmlns:m="http://schemas.openxmlformats.org/officeDocument/2006/math">
+                      <m:acc>
+                        <m:accPr>
+                          <m:chr m:val="̅"/>
+                          <m:ctrlPr>
+                            <a:rPr lang="en-US" sz="4400" i="1" smtClean="0">
+                              <a:solidFill>
+                                <a:schemeClr val="tx1"/>
+                              </a:solidFill>
+                              <a:latin typeface="Cambria Math" panose="02040503050406030204" pitchFamily="18" charset="0"/>
+                            </a:rPr>
+                          </m:ctrlPr>
+                        </m:accPr>
+                        <m:e>
+                          <m:r>
+                            <a:rPr lang="en-US" sz="4400" i="1">
+                              <a:solidFill>
+                                <a:schemeClr val="tx1"/>
+                              </a:solidFill>
+                              <a:latin typeface="Cambria Math" panose="02040503050406030204" pitchFamily="18" charset="0"/>
+                            </a:rPr>
+                            <m:t>𝑋</m:t>
+                          </m:r>
+                        </m:e>
+                      </m:acc>
+                      <m:r>
+                        <a:rPr lang="en-US" sz="4400" b="0" i="1" smtClean="0">
+                          <a:latin typeface="Cambria Math" panose="02040503050406030204" pitchFamily="18" charset="0"/>
+                        </a:rPr>
+                        <m:t>=</m:t>
+                      </m:r>
+                      <m:r>
+                        <a:rPr lang="en-US" sz="4400" b="0" i="1" smtClean="0">
+                          <a:latin typeface="Cambria Math" panose="02040503050406030204" pitchFamily="18" charset="0"/>
+                        </a:rPr>
+                        <m:t>𝑠𝑎𝑚𝑝𝑙𝑒</m:t>
+                      </m:r>
+                      <m:r>
+                        <a:rPr lang="en-US" sz="4400" b="0" i="1" smtClean="0">
+                          <a:latin typeface="Cambria Math" panose="02040503050406030204" pitchFamily="18" charset="0"/>
+                        </a:rPr>
+                        <m:t> </m:t>
+                      </m:r>
+                      <m:r>
+                        <a:rPr lang="en-US" sz="4400" b="0" i="1" smtClean="0">
+                          <a:latin typeface="Cambria Math" panose="02040503050406030204" pitchFamily="18" charset="0"/>
+                        </a:rPr>
+                        <m:t>𝑚𝑒𝑎𝑛</m:t>
+                      </m:r>
+                    </m:oMath>
+                  </m:oMathPara>
+                </a14:m>
+                <a:endParaRPr lang="en-US" sz="4400" b="0">
+                  <a:solidFill>
+                    <a:srgbClr val="7030A0"/>
+                  </a:solidFill>
+                </a:endParaRPr>
+              </a:p>
+            </p:txBody>
+          </p:sp>
+        </mc:Choice>
+        <mc:Fallback>
+          <p:sp>
+            <p:nvSpPr>
+              <p:cNvPr id="10" name="TextBox 9">
+                <a:extLst>
+                  <a:ext uri="{FF2B5EF4-FFF2-40B4-BE49-F238E27FC236}">
+                    <a16:creationId xmlns:a16="http://schemas.microsoft.com/office/drawing/2014/main" id="{95C45A77-DB00-459E-9BA5-458D7E3CB1E0}"/>
+                  </a:ext>
+                </a:extLst>
+              </p:cNvPr>
+              <p:cNvSpPr txBox="1">
+                <a:spLocks noRot="1" noChangeAspect="1" noMove="1" noResize="1" noEditPoints="1" noAdjustHandles="1" noChangeArrowheads="1" noChangeShapeType="1" noTextEdit="1"/>
+              </p:cNvSpPr>
+              <p:nvPr/>
+            </p:nvSpPr>
+            <p:spPr>
+              <a:xfrm>
+                <a:off x="910883" y="2386663"/>
+                <a:ext cx="10370234" cy="677108"/>
+              </a:xfrm>
+              <a:prstGeom prst="rect">
+                <a:avLst/>
+              </a:prstGeom>
+              <a:blipFill>
+                <a:blip r:embed="rId6"/>
+                <a:stretch>
+                  <a:fillRect/>
+                </a:stretch>
+              </a:blipFill>
+            </p:spPr>
+            <p:txBody>
+              <a:bodyPr/>
+              <a:lstStyle/>
+              <a:p>
+                <a:r>
+                  <a:rPr lang="en-US">
+                    <a:noFill/>
+                  </a:rPr>
+                  <a:t> </a:t>
+                </a:r>
+              </a:p>
+            </p:txBody>
+          </p:sp>
+        </mc:Fallback>
+      </mc:AlternateContent>
     </p:spTree>
     <p:extLst>
       <p:ext uri="{BB962C8B-B14F-4D97-AF65-F5344CB8AC3E}">
         <p14:creationId xmlns:p14="http://schemas.microsoft.com/office/powerpoint/2010/main" val="3298899722"/>
+      </p:ext>
+    </p:extLst>
+  </p:cSld>
+  <p:clrMapOvr>
+    <a:masterClrMapping/>
+  </p:clrMapOvr>
+</p:sld>
+</file>
+
+<file path=ppt/slides/slide12.xml><?xml version="1.0" encoding="utf-8"?>
+<p:sld xmlns:a="http://schemas.openxmlformats.org/drawingml/2006/main" xmlns:r="http://schemas.openxmlformats.org/officeDocument/2006/relationships" xmlns:p="http://schemas.openxmlformats.org/presentationml/2006/main">
+  <p:cSld>
+    <p:spTree>
+      <p:nvGrpSpPr>
+        <p:cNvPr id="1" name=""/>
+        <p:cNvGrpSpPr/>
+        <p:nvPr/>
+      </p:nvGrpSpPr>
+      <p:grpSpPr>
+        <a:xfrm>
+          <a:off x="0" y="0"/>
+          <a:ext cx="0" cy="0"/>
+          <a:chOff x="0" y="0"/>
+          <a:chExt cx="0" cy="0"/>
+        </a:xfrm>
+      </p:grpSpPr>
+    </p:spTree>
+    <p:extLst>
+      <p:ext uri="{BB962C8B-B14F-4D97-AF65-F5344CB8AC3E}">
+        <p14:creationId xmlns:p14="http://schemas.microsoft.com/office/powerpoint/2010/main" val="3983255264"/>
       </p:ext>
     </p:extLst>
   </p:cSld>
@@ -15857,8 +15964,8 @@
           </a:graphicData>
         </a:graphic>
       </p:graphicFrame>
-      <mc:AlternateContent xmlns:mc="http://schemas.openxmlformats.org/markup-compatibility/2006">
-        <mc:Choice xmlns:a14="http://schemas.microsoft.com/office/drawing/2010/main" Requires="a14">
+      <mc:AlternateContent xmlns:mc="http://schemas.openxmlformats.org/markup-compatibility/2006" xmlns:a14="http://schemas.microsoft.com/office/drawing/2010/main">
+        <mc:Choice Requires="a14">
           <p:graphicFrame>
             <p:nvGraphicFramePr>
               <p:cNvPr id="10" name="Table 2">
@@ -15915,15 +16022,15 @@
                                   <m:accPr>
                                     <m:chr m:val="̅"/>
                                     <m:ctrlPr>
-                                      <a:rPr lang="en-US" sz="4000" b="1" i="0" smtClean="0">
-                                        <a:latin typeface="+mn-lt"/>
+                                      <a:rPr lang="en-US" sz="4000" b="1" i="1" smtClean="0">
+                                        <a:latin typeface="Cambria Math" panose="02040503050406030204" pitchFamily="18" charset="0"/>
                                       </a:rPr>
                                     </m:ctrlPr>
                                   </m:accPr>
                                   <m:e>
                                     <m:r>
                                       <a:rPr lang="en-US" sz="4000" b="1" i="0" smtClean="0">
-                                        <a:latin typeface="+mn-lt"/>
+                                        <a:latin typeface="Cambria Math" panose="02040503050406030204" pitchFamily="18" charset="0"/>
                                       </a:rPr>
                                       <m:t>𝐗</m:t>
                                     </m:r>
@@ -16335,7 +16442,7 @@
             </a:graphic>
           </p:graphicFrame>
         </mc:Choice>
-        <mc:Fallback>
+        <mc:Fallback xmlns="">
           <p:graphicFrame>
             <p:nvGraphicFramePr>
               <p:cNvPr id="10" name="Table 2">

--- a/ps/ps_images.pptx
+++ b/ps/ps_images.pptx
@@ -5044,8 +5044,8 @@
             </p:nvSpPr>
             <p:spPr>
               <a:xfrm>
-                <a:off x="910883" y="582799"/>
-                <a:ext cx="10370234" cy="677108"/>
+                <a:off x="0" y="814200"/>
+                <a:ext cx="5162843" cy="553998"/>
               </a:xfrm>
               <a:prstGeom prst="rect">
                 <a:avLst/>
@@ -5066,31 +5066,31 @@
                     </m:oMathParaPr>
                     <m:oMath xmlns:m="http://schemas.openxmlformats.org/officeDocument/2006/math">
                       <m:r>
-                        <a:rPr lang="en-US" sz="4400" i="1" smtClean="0">
+                        <a:rPr lang="en-US" sz="3600" i="1" smtClean="0">
                           <a:latin typeface="Cambria Math" panose="02040503050406030204" pitchFamily="18" charset="0"/>
                         </a:rPr>
                         <m:t>µ</m:t>
                       </m:r>
                       <m:r>
-                        <a:rPr lang="en-US" sz="4400" b="0" i="1" smtClean="0">
+                        <a:rPr lang="en-US" sz="3600" b="0" i="1" smtClean="0">
                           <a:latin typeface="Cambria Math" panose="02040503050406030204" pitchFamily="18" charset="0"/>
                         </a:rPr>
                         <m:t>=</m:t>
                       </m:r>
                       <m:r>
-                        <a:rPr lang="en-US" sz="4400" b="0" i="1" smtClean="0">
+                        <a:rPr lang="en-US" sz="3600" b="0" i="1" smtClean="0">
                           <a:latin typeface="Cambria Math" panose="02040503050406030204" pitchFamily="18" charset="0"/>
                         </a:rPr>
                         <m:t>𝑝𝑜𝑝𝑢𝑙𝑎𝑡𝑖𝑜𝑛</m:t>
                       </m:r>
                       <m:r>
-                        <a:rPr lang="en-US" sz="4400" b="0" i="1" smtClean="0">
+                        <a:rPr lang="en-US" sz="3600" b="0" i="1" smtClean="0">
                           <a:latin typeface="Cambria Math" panose="02040503050406030204" pitchFamily="18" charset="0"/>
                         </a:rPr>
                         <m:t> </m:t>
                       </m:r>
                       <m:r>
-                        <a:rPr lang="en-US" sz="4400" b="0" i="1" smtClean="0">
+                        <a:rPr lang="en-US" sz="3600" b="0" i="1" smtClean="0">
                           <a:latin typeface="Cambria Math" panose="02040503050406030204" pitchFamily="18" charset="0"/>
                         </a:rPr>
                         <m:t>𝑚𝑒𝑎𝑛</m:t>
@@ -5098,7 +5098,7 @@
                     </m:oMath>
                   </m:oMathPara>
                 </a14:m>
-                <a:endParaRPr lang="en-US" sz="4400" b="0">
+                <a:endParaRPr lang="en-US" sz="3600" b="0">
                   <a:solidFill>
                     <a:srgbClr val="7030A0"/>
                   </a:solidFill>
@@ -5124,8 +5124,8 @@
             </p:nvSpPr>
             <p:spPr>
               <a:xfrm>
-                <a:off x="910883" y="582799"/>
-                <a:ext cx="10370234" cy="677108"/>
+                <a:off x="0" y="814200"/>
+                <a:ext cx="5162843" cy="553998"/>
               </a:xfrm>
               <a:prstGeom prst="rect">
                 <a:avLst/>
@@ -5463,8 +5463,8 @@
             </p:nvSpPr>
             <p:spPr>
               <a:xfrm>
-                <a:off x="910883" y="1454399"/>
-                <a:ext cx="10370234" cy="677108"/>
+                <a:off x="0" y="1685800"/>
+                <a:ext cx="5715234" cy="553998"/>
               </a:xfrm>
               <a:prstGeom prst="rect">
                 <a:avLst/>
@@ -5485,37 +5485,37 @@
                     </m:oMathParaPr>
                     <m:oMath xmlns:m="http://schemas.openxmlformats.org/officeDocument/2006/math">
                       <m:r>
-                        <a:rPr lang="en-US" sz="4400" i="1">
+                        <a:rPr lang="en-US" sz="3600" i="1">
                           <a:latin typeface="Cambria Math" panose="02040503050406030204" pitchFamily="18" charset="0"/>
                         </a:rPr>
                         <m:t>𝜎</m:t>
                       </m:r>
                       <m:r>
-                        <a:rPr lang="en-US" sz="4400" i="1" baseline="30000">
+                        <a:rPr lang="en-US" sz="3600" i="1" baseline="30000">
                           <a:latin typeface="Cambria Math" panose="02040503050406030204" pitchFamily="18" charset="0"/>
                         </a:rPr>
                         <m:t>2</m:t>
                       </m:r>
                       <m:r>
-                        <a:rPr lang="en-US" sz="4400" b="0" i="1" smtClean="0">
+                        <a:rPr lang="en-US" sz="3600" b="0" i="1" smtClean="0">
                           <a:latin typeface="Cambria Math" panose="02040503050406030204" pitchFamily="18" charset="0"/>
                         </a:rPr>
                         <m:t>=</m:t>
                       </m:r>
                       <m:r>
-                        <a:rPr lang="en-US" sz="4400" b="0" i="1" smtClean="0">
+                        <a:rPr lang="en-US" sz="3600" b="0" i="1" smtClean="0">
                           <a:latin typeface="Cambria Math" panose="02040503050406030204" pitchFamily="18" charset="0"/>
                         </a:rPr>
                         <m:t>𝑝𝑜𝑝𝑢𝑙𝑎𝑡𝑖𝑜𝑛</m:t>
                       </m:r>
                       <m:r>
-                        <a:rPr lang="en-US" sz="4400" b="0" i="1" smtClean="0">
+                        <a:rPr lang="en-US" sz="3600" b="0" i="1" smtClean="0">
                           <a:latin typeface="Cambria Math" panose="02040503050406030204" pitchFamily="18" charset="0"/>
                         </a:rPr>
                         <m:t> </m:t>
                       </m:r>
                       <m:r>
-                        <a:rPr lang="en-US" sz="4400" b="0" i="1" smtClean="0">
+                        <a:rPr lang="en-US" sz="3600" b="0" i="1" smtClean="0">
                           <a:latin typeface="Cambria Math" panose="02040503050406030204" pitchFamily="18" charset="0"/>
                         </a:rPr>
                         <m:t>𝑣𝑎𝑟𝑖𝑎𝑛𝑐𝑒</m:t>
@@ -5523,7 +5523,7 @@
                     </m:oMath>
                   </m:oMathPara>
                 </a14:m>
-                <a:endParaRPr lang="en-US" sz="4400" b="0">
+                <a:endParaRPr lang="en-US" sz="3600" b="0">
                   <a:solidFill>
                     <a:srgbClr val="7030A0"/>
                   </a:solidFill>
@@ -5549,8 +5549,8 @@
             </p:nvSpPr>
             <p:spPr>
               <a:xfrm>
-                <a:off x="910883" y="1454399"/>
-                <a:ext cx="10370234" cy="677108"/>
+                <a:off x="0" y="1685800"/>
+                <a:ext cx="5715234" cy="553998"/>
               </a:xfrm>
               <a:prstGeom prst="rect">
                 <a:avLst/>
@@ -5593,8 +5593,8 @@
             </p:nvSpPr>
             <p:spPr>
               <a:xfrm>
-                <a:off x="910883" y="3429000"/>
-                <a:ext cx="10370234" cy="677108"/>
+                <a:off x="6096000" y="1683477"/>
+                <a:ext cx="5428957" cy="553998"/>
               </a:xfrm>
               <a:prstGeom prst="rect">
                 <a:avLst/>
@@ -5615,37 +5615,37 @@
                     </m:oMathParaPr>
                     <m:oMath xmlns:m="http://schemas.openxmlformats.org/officeDocument/2006/math">
                       <m:r>
-                        <a:rPr lang="en-US" sz="4400" b="0" i="1" smtClean="0">
+                        <a:rPr lang="en-US" sz="3600" b="0" i="1" smtClean="0">
                           <a:latin typeface="Cambria Math" panose="02040503050406030204" pitchFamily="18" charset="0"/>
                         </a:rPr>
                         <m:t>𝑠</m:t>
                       </m:r>
                       <m:r>
-                        <a:rPr lang="en-US" sz="4400" b="0" i="1" baseline="30000" smtClean="0">
+                        <a:rPr lang="en-US" sz="3600" b="0" i="1" baseline="30000" smtClean="0">
                           <a:latin typeface="Cambria Math" panose="02040503050406030204" pitchFamily="18" charset="0"/>
                         </a:rPr>
                         <m:t>2</m:t>
                       </m:r>
                       <m:r>
-                        <a:rPr lang="en-US" sz="4400" b="0" i="1" smtClean="0">
+                        <a:rPr lang="en-US" sz="3600" b="0" i="1" smtClean="0">
                           <a:latin typeface="Cambria Math" panose="02040503050406030204" pitchFamily="18" charset="0"/>
                         </a:rPr>
                         <m:t>=</m:t>
                       </m:r>
                       <m:r>
-                        <a:rPr lang="en-US" sz="4400" b="0" i="1" smtClean="0">
+                        <a:rPr lang="en-US" sz="3600" b="0" i="1" smtClean="0">
                           <a:latin typeface="Cambria Math" panose="02040503050406030204" pitchFamily="18" charset="0"/>
                         </a:rPr>
                         <m:t>𝑠𝑎𝑚𝑝𝑙𝑒</m:t>
                       </m:r>
                       <m:r>
-                        <a:rPr lang="en-US" sz="4400" b="0" i="1" smtClean="0">
+                        <a:rPr lang="en-US" sz="3600" b="0" i="1" smtClean="0">
                           <a:latin typeface="Cambria Math" panose="02040503050406030204" pitchFamily="18" charset="0"/>
                         </a:rPr>
                         <m:t> </m:t>
                       </m:r>
                       <m:r>
-                        <a:rPr lang="en-US" sz="4400" b="0" i="1" smtClean="0">
+                        <a:rPr lang="en-US" sz="3600" b="0" i="1" smtClean="0">
                           <a:latin typeface="Cambria Math" panose="02040503050406030204" pitchFamily="18" charset="0"/>
                         </a:rPr>
                         <m:t>𝑣𝑎𝑟𝑖𝑎𝑛𝑐𝑒</m:t>
@@ -5653,7 +5653,7 @@
                     </m:oMath>
                   </m:oMathPara>
                 </a14:m>
-                <a:endParaRPr lang="en-US" sz="4400" b="0">
+                <a:endParaRPr lang="en-US" sz="3600" b="0">
                   <a:solidFill>
                     <a:srgbClr val="7030A0"/>
                   </a:solidFill>
@@ -5679,8 +5679,8 @@
             </p:nvSpPr>
             <p:spPr>
               <a:xfrm>
-                <a:off x="910883" y="3429000"/>
-                <a:ext cx="10370234" cy="677108"/>
+                <a:off x="6096000" y="1683477"/>
+                <a:ext cx="5428957" cy="553998"/>
               </a:xfrm>
               <a:prstGeom prst="rect">
                 <a:avLst/>
@@ -5723,8 +5723,8 @@
             </p:nvSpPr>
             <p:spPr>
               <a:xfrm>
-                <a:off x="910883" y="2386663"/>
-                <a:ext cx="10370234" cy="677108"/>
+                <a:off x="6096000" y="811877"/>
+                <a:ext cx="4804349" cy="553998"/>
               </a:xfrm>
               <a:prstGeom prst="rect">
                 <a:avLst/>
@@ -5748,7 +5748,7 @@
                         <m:accPr>
                           <m:chr m:val="̅"/>
                           <m:ctrlPr>
-                            <a:rPr lang="en-US" sz="4400" i="1" smtClean="0">
+                            <a:rPr lang="en-US" sz="3600" i="1" smtClean="0">
                               <a:solidFill>
                                 <a:schemeClr val="tx1"/>
                               </a:solidFill>
@@ -5758,7 +5758,7 @@
                         </m:accPr>
                         <m:e>
                           <m:r>
-                            <a:rPr lang="en-US" sz="4400" i="1">
+                            <a:rPr lang="en-US" sz="3600" i="1">
                               <a:solidFill>
                                 <a:schemeClr val="tx1"/>
                               </a:solidFill>
@@ -5769,25 +5769,25 @@
                         </m:e>
                       </m:acc>
                       <m:r>
-                        <a:rPr lang="en-US" sz="4400" b="0" i="1" smtClean="0">
+                        <a:rPr lang="en-US" sz="3600" b="0" i="1" smtClean="0">
                           <a:latin typeface="Cambria Math" panose="02040503050406030204" pitchFamily="18" charset="0"/>
                         </a:rPr>
                         <m:t>=</m:t>
                       </m:r>
                       <m:r>
-                        <a:rPr lang="en-US" sz="4400" b="0" i="1" smtClean="0">
+                        <a:rPr lang="en-US" sz="3600" b="0" i="1" smtClean="0">
                           <a:latin typeface="Cambria Math" panose="02040503050406030204" pitchFamily="18" charset="0"/>
                         </a:rPr>
                         <m:t>𝑠𝑎𝑚𝑝𝑙𝑒</m:t>
                       </m:r>
                       <m:r>
-                        <a:rPr lang="en-US" sz="4400" b="0" i="1" smtClean="0">
+                        <a:rPr lang="en-US" sz="3600" b="0" i="1" smtClean="0">
                           <a:latin typeface="Cambria Math" panose="02040503050406030204" pitchFamily="18" charset="0"/>
                         </a:rPr>
                         <m:t> </m:t>
                       </m:r>
                       <m:r>
-                        <a:rPr lang="en-US" sz="4400" b="0" i="1" smtClean="0">
+                        <a:rPr lang="en-US" sz="3600" b="0" i="1" smtClean="0">
                           <a:latin typeface="Cambria Math" panose="02040503050406030204" pitchFamily="18" charset="0"/>
                         </a:rPr>
                         <m:t>𝑚𝑒𝑎𝑛</m:t>
@@ -5795,7 +5795,7 @@
                     </m:oMath>
                   </m:oMathPara>
                 </a14:m>
-                <a:endParaRPr lang="en-US" sz="4400" b="0">
+                <a:endParaRPr lang="en-US" sz="3600" b="0">
                   <a:solidFill>
                     <a:srgbClr val="7030A0"/>
                   </a:solidFill>
@@ -5821,14 +5821,262 @@
             </p:nvSpPr>
             <p:spPr>
               <a:xfrm>
-                <a:off x="910883" y="2386663"/>
-                <a:ext cx="10370234" cy="677108"/>
+                <a:off x="6096000" y="811877"/>
+                <a:ext cx="4804349" cy="553998"/>
               </a:xfrm>
               <a:prstGeom prst="rect">
                 <a:avLst/>
               </a:prstGeom>
               <a:blipFill>
                 <a:blip r:embed="rId6"/>
+                <a:stretch>
+                  <a:fillRect/>
+                </a:stretch>
+              </a:blipFill>
+            </p:spPr>
+            <p:txBody>
+              <a:bodyPr/>
+              <a:lstStyle/>
+              <a:p>
+                <a:r>
+                  <a:rPr lang="en-US">
+                    <a:noFill/>
+                  </a:rPr>
+                  <a:t> </a:t>
+                </a:r>
+              </a:p>
+            </p:txBody>
+          </p:sp>
+        </mc:Fallback>
+      </mc:AlternateContent>
+      <mc:AlternateContent xmlns:mc="http://schemas.openxmlformats.org/markup-compatibility/2006">
+        <mc:Choice xmlns:a14="http://schemas.microsoft.com/office/drawing/2010/main" Requires="a14">
+          <p:sp>
+            <p:nvSpPr>
+              <p:cNvPr id="11" name="TextBox 10">
+                <a:extLst>
+                  <a:ext uri="{FF2B5EF4-FFF2-40B4-BE49-F238E27FC236}">
+                    <a16:creationId xmlns:a16="http://schemas.microsoft.com/office/drawing/2014/main" id="{CF023643-2B59-4D64-978E-DDEC13494257}"/>
+                  </a:ext>
+                </a:extLst>
+              </p:cNvPr>
+              <p:cNvSpPr txBox="1"/>
+              <p:nvPr/>
+            </p:nvSpPr>
+            <p:spPr>
+              <a:xfrm>
+                <a:off x="0" y="2557400"/>
+                <a:ext cx="4853354" cy="553998"/>
+              </a:xfrm>
+              <a:prstGeom prst="rect">
+                <a:avLst/>
+              </a:prstGeom>
+              <a:noFill/>
+            </p:spPr>
+            <p:txBody>
+              <a:bodyPr wrap="square" lIns="0" tIns="0" rIns="0" bIns="0" rtlCol="0">
+                <a:spAutoFit/>
+              </a:bodyPr>
+              <a:lstStyle/>
+              <a:p>
+                <a:pPr/>
+                <a14:m>
+                  <m:oMathPara xmlns:m="http://schemas.openxmlformats.org/officeDocument/2006/math">
+                    <m:oMathParaPr>
+                      <m:jc m:val="centerGroup"/>
+                    </m:oMathParaPr>
+                    <m:oMath xmlns:m="http://schemas.openxmlformats.org/officeDocument/2006/math">
+                      <m:r>
+                        <a:rPr lang="en-US" sz="3600" b="0" i="1" smtClean="0">
+                          <a:latin typeface="Cambria Math" panose="02040503050406030204" pitchFamily="18" charset="0"/>
+                        </a:rPr>
+                        <m:t>𝑁</m:t>
+                      </m:r>
+                      <m:r>
+                        <a:rPr lang="en-US" sz="3600" b="0" i="1" smtClean="0">
+                          <a:latin typeface="Cambria Math" panose="02040503050406030204" pitchFamily="18" charset="0"/>
+                        </a:rPr>
+                        <m:t>=</m:t>
+                      </m:r>
+                      <m:r>
+                        <a:rPr lang="en-US" sz="3600" b="0" i="1" smtClean="0">
+                          <a:latin typeface="Cambria Math" panose="02040503050406030204" pitchFamily="18" charset="0"/>
+                        </a:rPr>
+                        <m:t>𝑝𝑜𝑝𝑢𝑙𝑎𝑡𝑖𝑜𝑛</m:t>
+                      </m:r>
+                      <m:r>
+                        <a:rPr lang="en-US" sz="3600" b="0" i="1" smtClean="0">
+                          <a:latin typeface="Cambria Math" panose="02040503050406030204" pitchFamily="18" charset="0"/>
+                        </a:rPr>
+                        <m:t> </m:t>
+                      </m:r>
+                      <m:r>
+                        <a:rPr lang="en-US" sz="3600" b="0" i="1" smtClean="0">
+                          <a:latin typeface="Cambria Math" panose="02040503050406030204" pitchFamily="18" charset="0"/>
+                        </a:rPr>
+                        <m:t>𝑠𝑖𝑧𝑒</m:t>
+                      </m:r>
+                    </m:oMath>
+                  </m:oMathPara>
+                </a14:m>
+                <a:endParaRPr lang="en-US" sz="3600" b="0">
+                  <a:solidFill>
+                    <a:srgbClr val="7030A0"/>
+                  </a:solidFill>
+                </a:endParaRPr>
+              </a:p>
+            </p:txBody>
+          </p:sp>
+        </mc:Choice>
+        <mc:Fallback>
+          <p:sp>
+            <p:nvSpPr>
+              <p:cNvPr id="11" name="TextBox 10">
+                <a:extLst>
+                  <a:ext uri="{FF2B5EF4-FFF2-40B4-BE49-F238E27FC236}">
+                    <a16:creationId xmlns:a16="http://schemas.microsoft.com/office/drawing/2014/main" id="{CF023643-2B59-4D64-978E-DDEC13494257}"/>
+                  </a:ext>
+                </a:extLst>
+              </p:cNvPr>
+              <p:cNvSpPr txBox="1">
+                <a:spLocks noRot="1" noChangeAspect="1" noMove="1" noResize="1" noEditPoints="1" noAdjustHandles="1" noChangeArrowheads="1" noChangeShapeType="1" noTextEdit="1"/>
+              </p:cNvSpPr>
+              <p:nvPr/>
+            </p:nvSpPr>
+            <p:spPr>
+              <a:xfrm>
+                <a:off x="0" y="2557400"/>
+                <a:ext cx="4853354" cy="553998"/>
+              </a:xfrm>
+              <a:prstGeom prst="rect">
+                <a:avLst/>
+              </a:prstGeom>
+              <a:blipFill>
+                <a:blip r:embed="rId7"/>
+                <a:stretch>
+                  <a:fillRect/>
+                </a:stretch>
+              </a:blipFill>
+            </p:spPr>
+            <p:txBody>
+              <a:bodyPr/>
+              <a:lstStyle/>
+              <a:p>
+                <a:r>
+                  <a:rPr lang="en-US">
+                    <a:noFill/>
+                  </a:rPr>
+                  <a:t> </a:t>
+                </a:r>
+              </a:p>
+            </p:txBody>
+          </p:sp>
+        </mc:Fallback>
+      </mc:AlternateContent>
+      <mc:AlternateContent xmlns:mc="http://schemas.openxmlformats.org/markup-compatibility/2006">
+        <mc:Choice xmlns:a14="http://schemas.microsoft.com/office/drawing/2010/main" Requires="a14">
+          <p:sp>
+            <p:nvSpPr>
+              <p:cNvPr id="12" name="TextBox 11">
+                <a:extLst>
+                  <a:ext uri="{FF2B5EF4-FFF2-40B4-BE49-F238E27FC236}">
+                    <a16:creationId xmlns:a16="http://schemas.microsoft.com/office/drawing/2014/main" id="{C6EC0DF3-72FF-4977-9877-47428C5C01EB}"/>
+                  </a:ext>
+                </a:extLst>
+              </p:cNvPr>
+              <p:cNvSpPr txBox="1"/>
+              <p:nvPr/>
+            </p:nvSpPr>
+            <p:spPr>
+              <a:xfrm>
+                <a:off x="6096000" y="2555077"/>
+                <a:ext cx="4482905" cy="553998"/>
+              </a:xfrm>
+              <a:prstGeom prst="rect">
+                <a:avLst/>
+              </a:prstGeom>
+              <a:noFill/>
+            </p:spPr>
+            <p:txBody>
+              <a:bodyPr wrap="square" lIns="0" tIns="0" rIns="0" bIns="0" rtlCol="0">
+                <a:spAutoFit/>
+              </a:bodyPr>
+              <a:lstStyle/>
+              <a:p>
+                <a:pPr/>
+                <a14:m>
+                  <m:oMathPara xmlns:m="http://schemas.openxmlformats.org/officeDocument/2006/math">
+                    <m:oMathParaPr>
+                      <m:jc m:val="centerGroup"/>
+                    </m:oMathParaPr>
+                    <m:oMath xmlns:m="http://schemas.openxmlformats.org/officeDocument/2006/math">
+                      <m:r>
+                        <a:rPr lang="en-US" sz="3600" b="0" i="1" smtClean="0">
+                          <a:latin typeface="Cambria Math" panose="02040503050406030204" pitchFamily="18" charset="0"/>
+                        </a:rPr>
+                        <m:t>𝑛</m:t>
+                      </m:r>
+                      <m:r>
+                        <a:rPr lang="en-US" sz="3600" b="0" i="1" smtClean="0">
+                          <a:latin typeface="Cambria Math" panose="02040503050406030204" pitchFamily="18" charset="0"/>
+                        </a:rPr>
+                        <m:t>=</m:t>
+                      </m:r>
+                      <m:r>
+                        <a:rPr lang="en-US" sz="3600" b="0" i="1" smtClean="0">
+                          <a:latin typeface="Cambria Math" panose="02040503050406030204" pitchFamily="18" charset="0"/>
+                        </a:rPr>
+                        <m:t>𝑠𝑎𝑚𝑝𝑙𝑒</m:t>
+                      </m:r>
+                      <m:r>
+                        <a:rPr lang="en-US" sz="3600" b="0" i="1" smtClean="0">
+                          <a:latin typeface="Cambria Math" panose="02040503050406030204" pitchFamily="18" charset="0"/>
+                        </a:rPr>
+                        <m:t> </m:t>
+                      </m:r>
+                      <m:r>
+                        <a:rPr lang="en-US" sz="3600" b="0" i="1" smtClean="0">
+                          <a:latin typeface="Cambria Math" panose="02040503050406030204" pitchFamily="18" charset="0"/>
+                        </a:rPr>
+                        <m:t>𝑠𝑖𝑧𝑒</m:t>
+                      </m:r>
+                    </m:oMath>
+                  </m:oMathPara>
+                </a14:m>
+                <a:endParaRPr lang="en-US" sz="3600" b="0">
+                  <a:solidFill>
+                    <a:srgbClr val="7030A0"/>
+                  </a:solidFill>
+                </a:endParaRPr>
+              </a:p>
+            </p:txBody>
+          </p:sp>
+        </mc:Choice>
+        <mc:Fallback>
+          <p:sp>
+            <p:nvSpPr>
+              <p:cNvPr id="12" name="TextBox 11">
+                <a:extLst>
+                  <a:ext uri="{FF2B5EF4-FFF2-40B4-BE49-F238E27FC236}">
+                    <a16:creationId xmlns:a16="http://schemas.microsoft.com/office/drawing/2014/main" id="{C6EC0DF3-72FF-4977-9877-47428C5C01EB}"/>
+                  </a:ext>
+                </a:extLst>
+              </p:cNvPr>
+              <p:cNvSpPr txBox="1">
+                <a:spLocks noRot="1" noChangeAspect="1" noMove="1" noResize="1" noEditPoints="1" noAdjustHandles="1" noChangeArrowheads="1" noChangeShapeType="1" noTextEdit="1"/>
+              </p:cNvSpPr>
+              <p:nvPr/>
+            </p:nvSpPr>
+            <p:spPr>
+              <a:xfrm>
+                <a:off x="6096000" y="2555077"/>
+                <a:ext cx="4482905" cy="553998"/>
+              </a:xfrm>
+              <a:prstGeom prst="rect">
+                <a:avLst/>
+              </a:prstGeom>
+              <a:blipFill>
+                <a:blip r:embed="rId8"/>
                 <a:stretch>
                   <a:fillRect/>
                 </a:stretch>
@@ -5879,6 +6127,480 @@
           <a:chExt cx="0" cy="0"/>
         </a:xfrm>
       </p:grpSpPr>
+      <mc:AlternateContent xmlns:mc="http://schemas.openxmlformats.org/markup-compatibility/2006">
+        <mc:Choice xmlns:a14="http://schemas.microsoft.com/office/drawing/2010/main" Requires="a14">
+          <p:sp>
+            <p:nvSpPr>
+              <p:cNvPr id="2" name="TextBox 1">
+                <a:extLst>
+                  <a:ext uri="{FF2B5EF4-FFF2-40B4-BE49-F238E27FC236}">
+                    <a16:creationId xmlns:a16="http://schemas.microsoft.com/office/drawing/2014/main" id="{412B802C-0A5F-47AC-864D-728AE0C20750}"/>
+                  </a:ext>
+                </a:extLst>
+              </p:cNvPr>
+              <p:cNvSpPr txBox="1"/>
+              <p:nvPr/>
+            </p:nvSpPr>
+            <p:spPr>
+              <a:xfrm>
+                <a:off x="910883" y="452383"/>
+                <a:ext cx="5185117" cy="1477392"/>
+              </a:xfrm>
+              <a:prstGeom prst="rect">
+                <a:avLst/>
+              </a:prstGeom>
+              <a:noFill/>
+            </p:spPr>
+            <p:txBody>
+              <a:bodyPr wrap="square" lIns="0" tIns="0" rIns="0" bIns="0" rtlCol="0">
+                <a:spAutoFit/>
+              </a:bodyPr>
+              <a:lstStyle/>
+              <a:p>
+                <a:pPr/>
+                <a14:m>
+                  <m:oMathPara xmlns:m="http://schemas.openxmlformats.org/officeDocument/2006/math">
+                    <m:oMathParaPr>
+                      <m:jc m:val="centerGroup"/>
+                    </m:oMathParaPr>
+                    <m:oMath xmlns:m="http://schemas.openxmlformats.org/officeDocument/2006/math">
+                      <m:r>
+                        <a:rPr lang="en-US" sz="4800" i="1" smtClean="0">
+                          <a:latin typeface="Cambria Math" panose="02040503050406030204" pitchFamily="18" charset="0"/>
+                        </a:rPr>
+                        <m:t>𝜎</m:t>
+                      </m:r>
+                      <m:r>
+                        <a:rPr lang="en-US" sz="4800" i="1" baseline="30000">
+                          <a:latin typeface="Cambria Math" panose="02040503050406030204" pitchFamily="18" charset="0"/>
+                        </a:rPr>
+                        <m:t>2</m:t>
+                      </m:r>
+                      <m:r>
+                        <a:rPr lang="en-US" sz="4800" b="0" i="1" smtClean="0">
+                          <a:solidFill>
+                            <a:schemeClr val="tx1"/>
+                          </a:solidFill>
+                          <a:latin typeface="Cambria Math" panose="02040503050406030204" pitchFamily="18" charset="0"/>
+                        </a:rPr>
+                        <m:t>=</m:t>
+                      </m:r>
+                      <m:f>
+                        <m:fPr>
+                          <m:ctrlPr>
+                            <a:rPr lang="en-US" sz="4800" b="0" i="1" smtClean="0">
+                              <a:solidFill>
+                                <a:schemeClr val="tx1"/>
+                              </a:solidFill>
+                              <a:latin typeface="Cambria Math" panose="02040503050406030204" pitchFamily="18" charset="0"/>
+                            </a:rPr>
+                          </m:ctrlPr>
+                        </m:fPr>
+                        <m:num>
+                          <m:nary>
+                            <m:naryPr>
+                              <m:chr m:val="∑"/>
+                              <m:subHide m:val="on"/>
+                              <m:supHide m:val="on"/>
+                              <m:ctrlPr>
+                                <a:rPr lang="en-US" sz="4800" b="0" i="1" smtClean="0">
+                                  <a:solidFill>
+                                    <a:schemeClr val="tx1"/>
+                                  </a:solidFill>
+                                  <a:latin typeface="Cambria Math" panose="02040503050406030204" pitchFamily="18" charset="0"/>
+                                </a:rPr>
+                              </m:ctrlPr>
+                            </m:naryPr>
+                            <m:sub/>
+                            <m:sup/>
+                            <m:e>
+                              <m:sSup>
+                                <m:sSupPr>
+                                  <m:ctrlPr>
+                                    <a:rPr lang="en-US" sz="4800" b="0" i="1" smtClean="0">
+                                      <a:solidFill>
+                                        <a:schemeClr val="tx1"/>
+                                      </a:solidFill>
+                                      <a:latin typeface="Cambria Math" panose="02040503050406030204" pitchFamily="18" charset="0"/>
+                                    </a:rPr>
+                                  </m:ctrlPr>
+                                </m:sSupPr>
+                                <m:e>
+                                  <m:d>
+                                    <m:dPr>
+                                      <m:ctrlPr>
+                                        <a:rPr lang="en-US" sz="4800" b="0" i="1" smtClean="0">
+                                          <a:solidFill>
+                                            <a:schemeClr val="tx1"/>
+                                          </a:solidFill>
+                                          <a:latin typeface="Cambria Math" panose="02040503050406030204" pitchFamily="18" charset="0"/>
+                                        </a:rPr>
+                                      </m:ctrlPr>
+                                    </m:dPr>
+                                    <m:e>
+                                      <m:r>
+                                        <a:rPr lang="en-US" sz="4800" b="0" i="1" smtClean="0">
+                                          <a:solidFill>
+                                            <a:schemeClr val="tx1"/>
+                                          </a:solidFill>
+                                          <a:latin typeface="Cambria Math" panose="02040503050406030204" pitchFamily="18" charset="0"/>
+                                        </a:rPr>
+                                        <m:t>𝑋</m:t>
+                                      </m:r>
+                                      <m:r>
+                                        <a:rPr lang="en-US" sz="4800" b="0" i="1" baseline="-25000" smtClean="0">
+                                          <a:solidFill>
+                                            <a:schemeClr val="tx1"/>
+                                          </a:solidFill>
+                                          <a:latin typeface="Cambria Math" panose="02040503050406030204" pitchFamily="18" charset="0"/>
+                                        </a:rPr>
+                                        <m:t>𝑖</m:t>
+                                      </m:r>
+                                      <m:r>
+                                        <a:rPr lang="en-US" sz="4800" b="0" i="1" smtClean="0">
+                                          <a:solidFill>
+                                            <a:schemeClr val="tx1"/>
+                                          </a:solidFill>
+                                          <a:latin typeface="Cambria Math" panose="02040503050406030204" pitchFamily="18" charset="0"/>
+                                        </a:rPr>
+                                        <m:t>−</m:t>
+                                      </m:r>
+                                      <m:r>
+                                        <a:rPr lang="en-US" sz="4800" i="1">
+                                          <a:latin typeface="Cambria Math" panose="02040503050406030204" pitchFamily="18" charset="0"/>
+                                        </a:rPr>
+                                        <m:t>µ</m:t>
+                                      </m:r>
+                                    </m:e>
+                                  </m:d>
+                                </m:e>
+                                <m:sup>
+                                  <m:r>
+                                    <a:rPr lang="en-US" sz="4800" b="0" i="1" smtClean="0">
+                                      <a:solidFill>
+                                        <a:schemeClr val="tx1"/>
+                                      </a:solidFill>
+                                      <a:latin typeface="Cambria Math" panose="02040503050406030204" pitchFamily="18" charset="0"/>
+                                    </a:rPr>
+                                    <m:t>2</m:t>
+                                  </m:r>
+                                </m:sup>
+                              </m:sSup>
+                            </m:e>
+                          </m:nary>
+                        </m:num>
+                        <m:den>
+                          <m:r>
+                            <a:rPr lang="en-US" sz="4800" b="0" i="1" smtClean="0">
+                              <a:solidFill>
+                                <a:schemeClr val="tx1"/>
+                              </a:solidFill>
+                              <a:latin typeface="Cambria Math" panose="02040503050406030204" pitchFamily="18" charset="0"/>
+                            </a:rPr>
+                            <m:t>𝑁</m:t>
+                          </m:r>
+                        </m:den>
+                      </m:f>
+                    </m:oMath>
+                  </m:oMathPara>
+                </a14:m>
+                <a:endParaRPr lang="en-US" sz="4800" b="0">
+                  <a:solidFill>
+                    <a:srgbClr val="7030A0"/>
+                  </a:solidFill>
+                </a:endParaRPr>
+              </a:p>
+            </p:txBody>
+          </p:sp>
+        </mc:Choice>
+        <mc:Fallback>
+          <p:sp>
+            <p:nvSpPr>
+              <p:cNvPr id="2" name="TextBox 1">
+                <a:extLst>
+                  <a:ext uri="{FF2B5EF4-FFF2-40B4-BE49-F238E27FC236}">
+                    <a16:creationId xmlns:a16="http://schemas.microsoft.com/office/drawing/2014/main" id="{412B802C-0A5F-47AC-864D-728AE0C20750}"/>
+                  </a:ext>
+                </a:extLst>
+              </p:cNvPr>
+              <p:cNvSpPr txBox="1">
+                <a:spLocks noRot="1" noChangeAspect="1" noMove="1" noResize="1" noEditPoints="1" noAdjustHandles="1" noChangeArrowheads="1" noChangeShapeType="1" noTextEdit="1"/>
+              </p:cNvSpPr>
+              <p:nvPr/>
+            </p:nvSpPr>
+            <p:spPr>
+              <a:xfrm>
+                <a:off x="910883" y="452383"/>
+                <a:ext cx="5185117" cy="1477392"/>
+              </a:xfrm>
+              <a:prstGeom prst="rect">
+                <a:avLst/>
+              </a:prstGeom>
+              <a:blipFill>
+                <a:blip r:embed="rId2"/>
+                <a:stretch>
+                  <a:fillRect/>
+                </a:stretch>
+              </a:blipFill>
+            </p:spPr>
+            <p:txBody>
+              <a:bodyPr/>
+              <a:lstStyle/>
+              <a:p>
+                <a:r>
+                  <a:rPr lang="en-US">
+                    <a:noFill/>
+                  </a:rPr>
+                  <a:t> </a:t>
+                </a:r>
+              </a:p>
+            </p:txBody>
+          </p:sp>
+        </mc:Fallback>
+      </mc:AlternateContent>
+      <mc:AlternateContent xmlns:mc="http://schemas.openxmlformats.org/markup-compatibility/2006">
+        <mc:Choice xmlns:a14="http://schemas.microsoft.com/office/drawing/2010/main" Requires="a14">
+          <p:sp>
+            <p:nvSpPr>
+              <p:cNvPr id="3" name="TextBox 2">
+                <a:extLst>
+                  <a:ext uri="{FF2B5EF4-FFF2-40B4-BE49-F238E27FC236}">
+                    <a16:creationId xmlns:a16="http://schemas.microsoft.com/office/drawing/2014/main" id="{C3123896-D6E9-49DE-9683-F80937F31BB3}"/>
+                  </a:ext>
+                </a:extLst>
+              </p:cNvPr>
+              <p:cNvSpPr txBox="1"/>
+              <p:nvPr/>
+            </p:nvSpPr>
+            <p:spPr>
+              <a:xfrm>
+                <a:off x="6096000" y="452383"/>
+                <a:ext cx="5185117" cy="1477392"/>
+              </a:xfrm>
+              <a:prstGeom prst="rect">
+                <a:avLst/>
+              </a:prstGeom>
+              <a:noFill/>
+            </p:spPr>
+            <p:txBody>
+              <a:bodyPr wrap="square" lIns="0" tIns="0" rIns="0" bIns="0" rtlCol="0">
+                <a:spAutoFit/>
+              </a:bodyPr>
+              <a:lstStyle/>
+              <a:p>
+                <a:pPr/>
+                <a14:m>
+                  <m:oMathPara xmlns:m="http://schemas.openxmlformats.org/officeDocument/2006/math">
+                    <m:oMathParaPr>
+                      <m:jc m:val="centerGroup"/>
+                    </m:oMathParaPr>
+                    <m:oMath xmlns:m="http://schemas.openxmlformats.org/officeDocument/2006/math">
+                      <m:r>
+                        <a:rPr lang="en-US" sz="4800" b="0" i="1" smtClean="0">
+                          <a:latin typeface="Cambria Math" panose="02040503050406030204" pitchFamily="18" charset="0"/>
+                        </a:rPr>
+                        <m:t>𝑠</m:t>
+                      </m:r>
+                      <m:r>
+                        <a:rPr lang="en-US" sz="4800" i="1" baseline="30000">
+                          <a:latin typeface="Cambria Math" panose="02040503050406030204" pitchFamily="18" charset="0"/>
+                        </a:rPr>
+                        <m:t>2</m:t>
+                      </m:r>
+                      <m:r>
+                        <a:rPr lang="en-US" sz="4800" b="0" i="1" smtClean="0">
+                          <a:solidFill>
+                            <a:schemeClr val="tx1"/>
+                          </a:solidFill>
+                          <a:latin typeface="Cambria Math" panose="02040503050406030204" pitchFamily="18" charset="0"/>
+                        </a:rPr>
+                        <m:t>=</m:t>
+                      </m:r>
+                      <m:f>
+                        <m:fPr>
+                          <m:ctrlPr>
+                            <a:rPr lang="en-US" sz="4800" b="0" i="1" smtClean="0">
+                              <a:solidFill>
+                                <a:schemeClr val="tx1"/>
+                              </a:solidFill>
+                              <a:latin typeface="Cambria Math" panose="02040503050406030204" pitchFamily="18" charset="0"/>
+                            </a:rPr>
+                          </m:ctrlPr>
+                        </m:fPr>
+                        <m:num>
+                          <m:nary>
+                            <m:naryPr>
+                              <m:chr m:val="∑"/>
+                              <m:subHide m:val="on"/>
+                              <m:supHide m:val="on"/>
+                              <m:ctrlPr>
+                                <a:rPr lang="en-US" sz="4800" b="0" i="1" smtClean="0">
+                                  <a:solidFill>
+                                    <a:schemeClr val="tx1"/>
+                                  </a:solidFill>
+                                  <a:latin typeface="Cambria Math" panose="02040503050406030204" pitchFamily="18" charset="0"/>
+                                </a:rPr>
+                              </m:ctrlPr>
+                            </m:naryPr>
+                            <m:sub/>
+                            <m:sup/>
+                            <m:e>
+                              <m:sSup>
+                                <m:sSupPr>
+                                  <m:ctrlPr>
+                                    <a:rPr lang="en-US" sz="4800" b="0" i="1" smtClean="0">
+                                      <a:solidFill>
+                                        <a:schemeClr val="tx1"/>
+                                      </a:solidFill>
+                                      <a:latin typeface="Cambria Math" panose="02040503050406030204" pitchFamily="18" charset="0"/>
+                                    </a:rPr>
+                                  </m:ctrlPr>
+                                </m:sSupPr>
+                                <m:e>
+                                  <m:d>
+                                    <m:dPr>
+                                      <m:ctrlPr>
+                                        <a:rPr lang="en-US" sz="4800" b="0" i="1" smtClean="0">
+                                          <a:solidFill>
+                                            <a:schemeClr val="tx1"/>
+                                          </a:solidFill>
+                                          <a:latin typeface="Cambria Math" panose="02040503050406030204" pitchFamily="18" charset="0"/>
+                                        </a:rPr>
+                                      </m:ctrlPr>
+                                    </m:dPr>
+                                    <m:e>
+                                      <m:r>
+                                        <a:rPr lang="en-US" sz="4800" b="0" i="1" smtClean="0">
+                                          <a:solidFill>
+                                            <a:schemeClr val="tx1"/>
+                                          </a:solidFill>
+                                          <a:latin typeface="Cambria Math" panose="02040503050406030204" pitchFamily="18" charset="0"/>
+                                        </a:rPr>
+                                        <m:t>𝑋</m:t>
+                                      </m:r>
+                                      <m:r>
+                                        <a:rPr lang="en-US" sz="4800" b="0" i="1" baseline="-25000" smtClean="0">
+                                          <a:solidFill>
+                                            <a:schemeClr val="tx1"/>
+                                          </a:solidFill>
+                                          <a:latin typeface="Cambria Math" panose="02040503050406030204" pitchFamily="18" charset="0"/>
+                                        </a:rPr>
+                                        <m:t>𝑖</m:t>
+                                      </m:r>
+                                      <m:r>
+                                        <a:rPr lang="en-US" sz="4800" b="0" i="1" smtClean="0">
+                                          <a:solidFill>
+                                            <a:schemeClr val="tx1"/>
+                                          </a:solidFill>
+                                          <a:latin typeface="Cambria Math" panose="02040503050406030204" pitchFamily="18" charset="0"/>
+                                        </a:rPr>
+                                        <m:t>−</m:t>
+                                      </m:r>
+                                      <m:acc>
+                                        <m:accPr>
+                                          <m:chr m:val="̅"/>
+                                          <m:ctrlPr>
+                                            <a:rPr lang="en-US" sz="4800" i="1">
+                                              <a:latin typeface="Cambria Math" panose="02040503050406030204" pitchFamily="18" charset="0"/>
+                                            </a:rPr>
+                                          </m:ctrlPr>
+                                        </m:accPr>
+                                        <m:e>
+                                          <m:r>
+                                            <a:rPr lang="en-US" sz="4800" i="1">
+                                              <a:latin typeface="Cambria Math" panose="02040503050406030204" pitchFamily="18" charset="0"/>
+                                            </a:rPr>
+                                            <m:t>𝑋</m:t>
+                                          </m:r>
+                                        </m:e>
+                                      </m:acc>
+                                    </m:e>
+                                  </m:d>
+                                </m:e>
+                                <m:sup>
+                                  <m:r>
+                                    <a:rPr lang="en-US" sz="4800" b="0" i="1" smtClean="0">
+                                      <a:solidFill>
+                                        <a:schemeClr val="tx1"/>
+                                      </a:solidFill>
+                                      <a:latin typeface="Cambria Math" panose="02040503050406030204" pitchFamily="18" charset="0"/>
+                                    </a:rPr>
+                                    <m:t>2</m:t>
+                                  </m:r>
+                                </m:sup>
+                              </m:sSup>
+                            </m:e>
+                          </m:nary>
+                        </m:num>
+                        <m:den>
+                          <m:r>
+                            <a:rPr lang="en-US" sz="4800" b="0" i="1" smtClean="0">
+                              <a:solidFill>
+                                <a:schemeClr val="tx1"/>
+                              </a:solidFill>
+                              <a:latin typeface="Cambria Math" panose="02040503050406030204" pitchFamily="18" charset="0"/>
+                            </a:rPr>
+                            <m:t>𝑛</m:t>
+                          </m:r>
+                        </m:den>
+                      </m:f>
+                    </m:oMath>
+                  </m:oMathPara>
+                </a14:m>
+                <a:endParaRPr lang="en-US" sz="4800" b="0">
+                  <a:solidFill>
+                    <a:srgbClr val="7030A0"/>
+                  </a:solidFill>
+                </a:endParaRPr>
+              </a:p>
+            </p:txBody>
+          </p:sp>
+        </mc:Choice>
+        <mc:Fallback>
+          <p:sp>
+            <p:nvSpPr>
+              <p:cNvPr id="3" name="TextBox 2">
+                <a:extLst>
+                  <a:ext uri="{FF2B5EF4-FFF2-40B4-BE49-F238E27FC236}">
+                    <a16:creationId xmlns:a16="http://schemas.microsoft.com/office/drawing/2014/main" id="{C3123896-D6E9-49DE-9683-F80937F31BB3}"/>
+                  </a:ext>
+                </a:extLst>
+              </p:cNvPr>
+              <p:cNvSpPr txBox="1">
+                <a:spLocks noRot="1" noChangeAspect="1" noMove="1" noResize="1" noEditPoints="1" noAdjustHandles="1" noChangeArrowheads="1" noChangeShapeType="1" noTextEdit="1"/>
+              </p:cNvSpPr>
+              <p:nvPr/>
+            </p:nvSpPr>
+            <p:spPr>
+              <a:xfrm>
+                <a:off x="6096000" y="452383"/>
+                <a:ext cx="5185117" cy="1477392"/>
+              </a:xfrm>
+              <a:prstGeom prst="rect">
+                <a:avLst/>
+              </a:prstGeom>
+              <a:blipFill>
+                <a:blip r:embed="rId3"/>
+                <a:stretch>
+                  <a:fillRect/>
+                </a:stretch>
+              </a:blipFill>
+            </p:spPr>
+            <p:txBody>
+              <a:bodyPr/>
+              <a:lstStyle/>
+              <a:p>
+                <a:r>
+                  <a:rPr lang="en-US">
+                    <a:noFill/>
+                  </a:rPr>
+                  <a:t> </a:t>
+                </a:r>
+              </a:p>
+            </p:txBody>
+          </p:sp>
+        </mc:Fallback>
+      </mc:AlternateContent>
     </p:spTree>
     <p:extLst>
       <p:ext uri="{BB962C8B-B14F-4D97-AF65-F5344CB8AC3E}">

--- a/ps/ps_images.pptx
+++ b/ps/ps_images.pptx
@@ -6143,7 +6143,7 @@
             </p:nvSpPr>
             <p:spPr>
               <a:xfrm>
-                <a:off x="910883" y="452383"/>
+                <a:off x="291905" y="618679"/>
                 <a:ext cx="5185117" cy="1477392"/>
               </a:xfrm>
               <a:prstGeom prst="rect">
@@ -6330,7 +6330,7 @@
             </p:nvSpPr>
             <p:spPr>
               <a:xfrm>
-                <a:off x="910883" y="452383"/>
+                <a:off x="291905" y="618679"/>
                 <a:ext cx="5185117" cy="1477392"/>
               </a:xfrm>
               <a:prstGeom prst="rect">
@@ -6374,7 +6374,7 @@
             </p:nvSpPr>
             <p:spPr>
               <a:xfrm>
-                <a:off x="6096000" y="452383"/>
+                <a:off x="6714978" y="297638"/>
                 <a:ext cx="5185117" cy="1477392"/>
               </a:xfrm>
               <a:prstGeom prst="rect">
@@ -6573,7 +6573,7 @@
             </p:nvSpPr>
             <p:spPr>
               <a:xfrm>
-                <a:off x="6096000" y="452383"/>
+                <a:off x="6714978" y="297638"/>
                 <a:ext cx="5185117" cy="1477392"/>
               </a:xfrm>
               <a:prstGeom prst="rect">
@@ -6581,6 +6581,552 @@
               </a:prstGeom>
               <a:blipFill>
                 <a:blip r:embed="rId3"/>
+                <a:stretch>
+                  <a:fillRect/>
+                </a:stretch>
+              </a:blipFill>
+            </p:spPr>
+            <p:txBody>
+              <a:bodyPr/>
+              <a:lstStyle/>
+              <a:p>
+                <a:r>
+                  <a:rPr lang="en-US">
+                    <a:noFill/>
+                  </a:rPr>
+                  <a:t> </a:t>
+                </a:r>
+              </a:p>
+            </p:txBody>
+          </p:sp>
+        </mc:Fallback>
+      </mc:AlternateContent>
+      <mc:AlternateContent xmlns:mc="http://schemas.openxmlformats.org/markup-compatibility/2006">
+        <mc:Choice xmlns:a14="http://schemas.microsoft.com/office/drawing/2010/main" Requires="a14">
+          <p:sp>
+            <p:nvSpPr>
+              <p:cNvPr id="4" name="TextBox 3">
+                <a:extLst>
+                  <a:ext uri="{FF2B5EF4-FFF2-40B4-BE49-F238E27FC236}">
+                    <a16:creationId xmlns:a16="http://schemas.microsoft.com/office/drawing/2014/main" id="{C63D8463-FB2D-4067-B7D5-81450FB64A41}"/>
+                  </a:ext>
+                </a:extLst>
+              </p:cNvPr>
+              <p:cNvSpPr txBox="1"/>
+              <p:nvPr/>
+            </p:nvSpPr>
+            <p:spPr>
+              <a:xfrm>
+                <a:off x="910883" y="4761929"/>
+                <a:ext cx="7586003" cy="1477392"/>
+              </a:xfrm>
+              <a:prstGeom prst="rect">
+                <a:avLst/>
+              </a:prstGeom>
+              <a:noFill/>
+            </p:spPr>
+            <p:txBody>
+              <a:bodyPr wrap="square" lIns="0" tIns="0" rIns="0" bIns="0" rtlCol="0">
+                <a:spAutoFit/>
+              </a:bodyPr>
+              <a:lstStyle/>
+              <a:p>
+                <a:pPr/>
+                <a14:m>
+                  <m:oMathPara xmlns:m="http://schemas.openxmlformats.org/officeDocument/2006/math">
+                    <m:oMathParaPr>
+                      <m:jc m:val="centerGroup"/>
+                    </m:oMathParaPr>
+                    <m:oMath xmlns:m="http://schemas.openxmlformats.org/officeDocument/2006/math">
+                      <m:r>
+                        <a:rPr lang="en-US" sz="4800" i="1" smtClean="0">
+                          <a:latin typeface="Cambria Math" panose="02040503050406030204" pitchFamily="18" charset="0"/>
+                        </a:rPr>
+                        <m:t>𝜎</m:t>
+                      </m:r>
+                      <m:r>
+                        <a:rPr lang="en-US" sz="4800" i="1" baseline="30000">
+                          <a:latin typeface="Cambria Math" panose="02040503050406030204" pitchFamily="18" charset="0"/>
+                        </a:rPr>
+                        <m:t>2</m:t>
+                      </m:r>
+                      <m:r>
+                        <a:rPr lang="en-US" sz="4800" b="0" i="1" smtClean="0">
+                          <a:solidFill>
+                            <a:schemeClr val="tx1"/>
+                          </a:solidFill>
+                          <a:latin typeface="Cambria Math" panose="02040503050406030204" pitchFamily="18" charset="0"/>
+                        </a:rPr>
+                        <m:t>=</m:t>
+                      </m:r>
+                      <m:f>
+                        <m:fPr>
+                          <m:ctrlPr>
+                            <a:rPr lang="en-US" sz="4800" b="0" i="1" smtClean="0">
+                              <a:solidFill>
+                                <a:schemeClr val="tx1"/>
+                              </a:solidFill>
+                              <a:latin typeface="Cambria Math" panose="02040503050406030204" pitchFamily="18" charset="0"/>
+                            </a:rPr>
+                          </m:ctrlPr>
+                        </m:fPr>
+                        <m:num>
+                          <m:nary>
+                            <m:naryPr>
+                              <m:chr m:val="∑"/>
+                              <m:subHide m:val="on"/>
+                              <m:supHide m:val="on"/>
+                              <m:ctrlPr>
+                                <a:rPr lang="en-US" sz="4800" i="1">
+                                  <a:latin typeface="Cambria Math" panose="02040503050406030204" pitchFamily="18" charset="0"/>
+                                </a:rPr>
+                              </m:ctrlPr>
+                            </m:naryPr>
+                            <m:sub/>
+                            <m:sup/>
+                            <m:e>
+                              <m:sSup>
+                                <m:sSupPr>
+                                  <m:ctrlPr>
+                                    <a:rPr lang="en-US" sz="4800" i="1">
+                                      <a:latin typeface="Cambria Math" panose="02040503050406030204" pitchFamily="18" charset="0"/>
+                                    </a:rPr>
+                                  </m:ctrlPr>
+                                </m:sSupPr>
+                                <m:e>
+                                  <m:r>
+                                    <a:rPr lang="en-US" sz="4800" i="1">
+                                      <a:latin typeface="Cambria Math" panose="02040503050406030204" pitchFamily="18" charset="0"/>
+                                    </a:rPr>
+                                    <m:t>𝑋</m:t>
+                                  </m:r>
+                                  <m:r>
+                                    <a:rPr lang="en-US" sz="4800" i="1" baseline="-25000">
+                                      <a:latin typeface="Cambria Math" panose="02040503050406030204" pitchFamily="18" charset="0"/>
+                                    </a:rPr>
+                                    <m:t>𝑖</m:t>
+                                  </m:r>
+                                </m:e>
+                                <m:sup>
+                                  <m:r>
+                                    <a:rPr lang="en-US" sz="4800" i="1">
+                                      <a:latin typeface="Cambria Math" panose="02040503050406030204" pitchFamily="18" charset="0"/>
+                                    </a:rPr>
+                                    <m:t>2</m:t>
+                                  </m:r>
+                                </m:sup>
+                              </m:sSup>
+                            </m:e>
+                          </m:nary>
+                          <m:r>
+                            <a:rPr lang="en-US" sz="4800" i="1">
+                              <a:latin typeface="Cambria Math" panose="02040503050406030204" pitchFamily="18" charset="0"/>
+                            </a:rPr>
+                            <m:t>−</m:t>
+                          </m:r>
+                          <m:nary>
+                            <m:naryPr>
+                              <m:chr m:val="∑"/>
+                              <m:subHide m:val="on"/>
+                              <m:supHide m:val="on"/>
+                              <m:ctrlPr>
+                                <a:rPr lang="en-US" sz="4800" i="1" smtClean="0">
+                                  <a:latin typeface="Cambria Math" panose="02040503050406030204" pitchFamily="18" charset="0"/>
+                                </a:rPr>
+                              </m:ctrlPr>
+                            </m:naryPr>
+                            <m:sub/>
+                            <m:sup/>
+                            <m:e>
+                              <m:r>
+                                <a:rPr lang="en-US" sz="4800" b="0" i="1" smtClean="0">
+                                  <a:latin typeface="Cambria Math" panose="02040503050406030204" pitchFamily="18" charset="0"/>
+                                </a:rPr>
+                                <m:t>2</m:t>
+                              </m:r>
+                              <m:r>
+                                <a:rPr lang="en-US" sz="4800" i="1">
+                                  <a:latin typeface="Cambria Math" panose="02040503050406030204" pitchFamily="18" charset="0"/>
+                                </a:rPr>
+                                <m:t>𝑋</m:t>
+                              </m:r>
+                              <m:r>
+                                <a:rPr lang="en-US" sz="4800" i="1" baseline="-25000">
+                                  <a:latin typeface="Cambria Math" panose="02040503050406030204" pitchFamily="18" charset="0"/>
+                                </a:rPr>
+                                <m:t>𝑖</m:t>
+                              </m:r>
+                            </m:e>
+                          </m:nary>
+                          <m:r>
+                            <a:rPr lang="en-US" sz="4800" i="1">
+                              <a:latin typeface="Cambria Math" panose="02040503050406030204" pitchFamily="18" charset="0"/>
+                            </a:rPr>
+                            <m:t>µ</m:t>
+                          </m:r>
+                          <m:r>
+                            <a:rPr lang="en-US" sz="4800" b="0" i="1" smtClean="0">
+                              <a:latin typeface="Cambria Math" panose="02040503050406030204" pitchFamily="18" charset="0"/>
+                            </a:rPr>
+                            <m:t>+</m:t>
+                          </m:r>
+                          <m:nary>
+                            <m:naryPr>
+                              <m:chr m:val="∑"/>
+                              <m:subHide m:val="on"/>
+                              <m:supHide m:val="on"/>
+                              <m:ctrlPr>
+                                <a:rPr lang="en-US" sz="4800" b="0" i="1" smtClean="0">
+                                  <a:latin typeface="Cambria Math" panose="02040503050406030204" pitchFamily="18" charset="0"/>
+                                </a:rPr>
+                              </m:ctrlPr>
+                            </m:naryPr>
+                            <m:sub/>
+                            <m:sup/>
+                            <m:e>
+                              <m:r>
+                                <a:rPr lang="en-US" sz="4800" i="1">
+                                  <a:latin typeface="Cambria Math" panose="02040503050406030204" pitchFamily="18" charset="0"/>
+                                </a:rPr>
+                                <m:t>µ</m:t>
+                              </m:r>
+                            </m:e>
+                          </m:nary>
+                        </m:num>
+                        <m:den>
+                          <m:r>
+                            <a:rPr lang="en-US" sz="4800" b="0" i="1" smtClean="0">
+                              <a:solidFill>
+                                <a:schemeClr val="tx1"/>
+                              </a:solidFill>
+                              <a:latin typeface="Cambria Math" panose="02040503050406030204" pitchFamily="18" charset="0"/>
+                            </a:rPr>
+                            <m:t>𝑁</m:t>
+                          </m:r>
+                        </m:den>
+                      </m:f>
+                    </m:oMath>
+                  </m:oMathPara>
+                </a14:m>
+                <a:endParaRPr lang="en-US" sz="4800" b="0">
+                  <a:solidFill>
+                    <a:srgbClr val="7030A0"/>
+                  </a:solidFill>
+                </a:endParaRPr>
+              </a:p>
+            </p:txBody>
+          </p:sp>
+        </mc:Choice>
+        <mc:Fallback>
+          <p:sp>
+            <p:nvSpPr>
+              <p:cNvPr id="4" name="TextBox 3">
+                <a:extLst>
+                  <a:ext uri="{FF2B5EF4-FFF2-40B4-BE49-F238E27FC236}">
+                    <a16:creationId xmlns:a16="http://schemas.microsoft.com/office/drawing/2014/main" id="{C63D8463-FB2D-4067-B7D5-81450FB64A41}"/>
+                  </a:ext>
+                </a:extLst>
+              </p:cNvPr>
+              <p:cNvSpPr txBox="1">
+                <a:spLocks noRot="1" noChangeAspect="1" noMove="1" noResize="1" noEditPoints="1" noAdjustHandles="1" noChangeArrowheads="1" noChangeShapeType="1" noTextEdit="1"/>
+              </p:cNvSpPr>
+              <p:nvPr/>
+            </p:nvSpPr>
+            <p:spPr>
+              <a:xfrm>
+                <a:off x="910883" y="4761929"/>
+                <a:ext cx="7586003" cy="1477392"/>
+              </a:xfrm>
+              <a:prstGeom prst="rect">
+                <a:avLst/>
+              </a:prstGeom>
+              <a:blipFill>
+                <a:blip r:embed="rId4"/>
+                <a:stretch>
+                  <a:fillRect/>
+                </a:stretch>
+              </a:blipFill>
+            </p:spPr>
+            <p:txBody>
+              <a:bodyPr/>
+              <a:lstStyle/>
+              <a:p>
+                <a:r>
+                  <a:rPr lang="en-US">
+                    <a:noFill/>
+                  </a:rPr>
+                  <a:t> </a:t>
+                </a:r>
+              </a:p>
+            </p:txBody>
+          </p:sp>
+        </mc:Fallback>
+      </mc:AlternateContent>
+      <mc:AlternateContent xmlns:mc="http://schemas.openxmlformats.org/markup-compatibility/2006">
+        <mc:Choice xmlns:a14="http://schemas.microsoft.com/office/drawing/2010/main" Requires="a14">
+          <p:sp>
+            <p:nvSpPr>
+              <p:cNvPr id="5" name="TextBox 4">
+                <a:extLst>
+                  <a:ext uri="{FF2B5EF4-FFF2-40B4-BE49-F238E27FC236}">
+                    <a16:creationId xmlns:a16="http://schemas.microsoft.com/office/drawing/2014/main" id="{E649746B-1A4E-431F-B95C-FBFF5C5B1998}"/>
+                  </a:ext>
+                </a:extLst>
+              </p:cNvPr>
+              <p:cNvSpPr txBox="1"/>
+              <p:nvPr/>
+            </p:nvSpPr>
+            <p:spPr>
+              <a:xfrm>
+                <a:off x="3938955" y="2306973"/>
+                <a:ext cx="7150490" cy="1482201"/>
+              </a:xfrm>
+              <a:prstGeom prst="rect">
+                <a:avLst/>
+              </a:prstGeom>
+              <a:noFill/>
+            </p:spPr>
+            <p:txBody>
+              <a:bodyPr wrap="square" lIns="0" tIns="0" rIns="0" bIns="0" rtlCol="0">
+                <a:spAutoFit/>
+              </a:bodyPr>
+              <a:lstStyle/>
+              <a:p>
+                <a:pPr/>
+                <a14:m>
+                  <m:oMathPara xmlns:m="http://schemas.openxmlformats.org/officeDocument/2006/math">
+                    <m:oMathParaPr>
+                      <m:jc m:val="centerGroup"/>
+                    </m:oMathParaPr>
+                    <m:oMath xmlns:m="http://schemas.openxmlformats.org/officeDocument/2006/math">
+                      <m:r>
+                        <a:rPr lang="en-US" sz="4800" b="0" i="1" smtClean="0">
+                          <a:latin typeface="Cambria Math" panose="02040503050406030204" pitchFamily="18" charset="0"/>
+                        </a:rPr>
+                        <m:t>𝑠</m:t>
+                      </m:r>
+                      <m:r>
+                        <a:rPr lang="en-US" sz="4800" i="1" baseline="30000">
+                          <a:latin typeface="Cambria Math" panose="02040503050406030204" pitchFamily="18" charset="0"/>
+                        </a:rPr>
+                        <m:t>2</m:t>
+                      </m:r>
+                      <m:r>
+                        <a:rPr lang="en-US" sz="4800" b="0" i="1" smtClean="0">
+                          <a:solidFill>
+                            <a:schemeClr val="tx1"/>
+                          </a:solidFill>
+                          <a:latin typeface="Cambria Math" panose="02040503050406030204" pitchFamily="18" charset="0"/>
+                        </a:rPr>
+                        <m:t>=</m:t>
+                      </m:r>
+                      <m:f>
+                        <m:fPr>
+                          <m:ctrlPr>
+                            <a:rPr lang="en-US" sz="4800" b="0" i="1" smtClean="0">
+                              <a:solidFill>
+                                <a:schemeClr val="tx1"/>
+                              </a:solidFill>
+                              <a:latin typeface="Cambria Math" panose="02040503050406030204" pitchFamily="18" charset="0"/>
+                            </a:rPr>
+                          </m:ctrlPr>
+                        </m:fPr>
+                        <m:num>
+                          <m:nary>
+                            <m:naryPr>
+                              <m:chr m:val="∑"/>
+                              <m:subHide m:val="on"/>
+                              <m:supHide m:val="on"/>
+                              <m:ctrlPr>
+                                <a:rPr lang="en-US" sz="4800" i="1">
+                                  <a:latin typeface="Cambria Math" panose="02040503050406030204" pitchFamily="18" charset="0"/>
+                                </a:rPr>
+                              </m:ctrlPr>
+                            </m:naryPr>
+                            <m:sub/>
+                            <m:sup/>
+                            <m:e>
+                              <m:sSup>
+                                <m:sSupPr>
+                                  <m:ctrlPr>
+                                    <a:rPr lang="en-US" sz="4800" i="1">
+                                      <a:latin typeface="Cambria Math" panose="02040503050406030204" pitchFamily="18" charset="0"/>
+                                    </a:rPr>
+                                  </m:ctrlPr>
+                                </m:sSupPr>
+                                <m:e>
+                                  <m:r>
+                                    <a:rPr lang="en-US" sz="4800" i="1">
+                                      <a:latin typeface="Cambria Math" panose="02040503050406030204" pitchFamily="18" charset="0"/>
+                                    </a:rPr>
+                                    <m:t>𝑋</m:t>
+                                  </m:r>
+                                  <m:r>
+                                    <a:rPr lang="en-US" sz="4800" i="1" baseline="-25000">
+                                      <a:latin typeface="Cambria Math" panose="02040503050406030204" pitchFamily="18" charset="0"/>
+                                    </a:rPr>
+                                    <m:t>𝑖</m:t>
+                                  </m:r>
+                                </m:e>
+                                <m:sup>
+                                  <m:r>
+                                    <a:rPr lang="en-US" sz="4800" i="1">
+                                      <a:latin typeface="Cambria Math" panose="02040503050406030204" pitchFamily="18" charset="0"/>
+                                    </a:rPr>
+                                    <m:t>2</m:t>
+                                  </m:r>
+                                </m:sup>
+                              </m:sSup>
+                            </m:e>
+                          </m:nary>
+                          <m:r>
+                            <a:rPr lang="en-US" sz="4800" i="1">
+                              <a:latin typeface="Cambria Math" panose="02040503050406030204" pitchFamily="18" charset="0"/>
+                            </a:rPr>
+                            <m:t>−</m:t>
+                          </m:r>
+                          <m:nary>
+                            <m:naryPr>
+                              <m:chr m:val="∑"/>
+                              <m:subHide m:val="on"/>
+                              <m:supHide m:val="on"/>
+                              <m:ctrlPr>
+                                <a:rPr lang="en-US" sz="4800" i="1">
+                                  <a:latin typeface="Cambria Math" panose="02040503050406030204" pitchFamily="18" charset="0"/>
+                                </a:rPr>
+                              </m:ctrlPr>
+                            </m:naryPr>
+                            <m:sub/>
+                            <m:sup/>
+                            <m:e>
+                              <m:r>
+                                <a:rPr lang="en-US" sz="4800" i="1">
+                                  <a:latin typeface="Cambria Math" panose="02040503050406030204" pitchFamily="18" charset="0"/>
+                                </a:rPr>
+                                <m:t>2</m:t>
+                              </m:r>
+                              <m:r>
+                                <a:rPr lang="en-US" sz="4800" i="1">
+                                  <a:latin typeface="Cambria Math" panose="02040503050406030204" pitchFamily="18" charset="0"/>
+                                </a:rPr>
+                                <m:t>𝑋</m:t>
+                              </m:r>
+                              <m:r>
+                                <a:rPr lang="en-US" sz="4800" i="1" baseline="-25000">
+                                  <a:latin typeface="Cambria Math" panose="02040503050406030204" pitchFamily="18" charset="0"/>
+                                </a:rPr>
+                                <m:t>𝑖</m:t>
+                              </m:r>
+                            </m:e>
+                          </m:nary>
+                          <m:acc>
+                            <m:accPr>
+                              <m:chr m:val="̅"/>
+                              <m:ctrlPr>
+                                <a:rPr lang="en-US" sz="4800" i="1">
+                                  <a:latin typeface="Cambria Math" panose="02040503050406030204" pitchFamily="18" charset="0"/>
+                                </a:rPr>
+                              </m:ctrlPr>
+                            </m:accPr>
+                            <m:e>
+                              <m:r>
+                                <a:rPr lang="en-US" sz="4800" i="1">
+                                  <a:latin typeface="Cambria Math" panose="02040503050406030204" pitchFamily="18" charset="0"/>
+                                </a:rPr>
+                                <m:t>𝑋</m:t>
+                              </m:r>
+                            </m:e>
+                          </m:acc>
+                          <m:r>
+                            <a:rPr lang="en-US" sz="4800" i="1">
+                              <a:latin typeface="Cambria Math" panose="02040503050406030204" pitchFamily="18" charset="0"/>
+                            </a:rPr>
+                            <m:t>+</m:t>
+                          </m:r>
+                          <m:nary>
+                            <m:naryPr>
+                              <m:chr m:val="∑"/>
+                              <m:subHide m:val="on"/>
+                              <m:supHide m:val="on"/>
+                              <m:ctrlPr>
+                                <a:rPr lang="en-US" sz="4800" i="1">
+                                  <a:latin typeface="Cambria Math" panose="02040503050406030204" pitchFamily="18" charset="0"/>
+                                </a:rPr>
+                              </m:ctrlPr>
+                            </m:naryPr>
+                            <m:sub/>
+                            <m:sup/>
+                            <m:e>
+                              <m:acc>
+                                <m:accPr>
+                                  <m:chr m:val="̅"/>
+                                  <m:ctrlPr>
+                                    <a:rPr lang="en-US" sz="4800" i="1">
+                                      <a:latin typeface="Cambria Math" panose="02040503050406030204" pitchFamily="18" charset="0"/>
+                                    </a:rPr>
+                                  </m:ctrlPr>
+                                </m:accPr>
+                                <m:e>
+                                  <m:r>
+                                    <a:rPr lang="en-US" sz="4800" i="1">
+                                      <a:latin typeface="Cambria Math" panose="02040503050406030204" pitchFamily="18" charset="0"/>
+                                    </a:rPr>
+                                    <m:t>𝑋</m:t>
+                                  </m:r>
+                                </m:e>
+                              </m:acc>
+                            </m:e>
+                          </m:nary>
+                        </m:num>
+                        <m:den>
+                          <m:r>
+                            <a:rPr lang="en-US" sz="4800" b="0" i="1" smtClean="0">
+                              <a:solidFill>
+                                <a:schemeClr val="tx1"/>
+                              </a:solidFill>
+                              <a:latin typeface="Cambria Math" panose="02040503050406030204" pitchFamily="18" charset="0"/>
+                            </a:rPr>
+                            <m:t>𝑛</m:t>
+                          </m:r>
+                        </m:den>
+                      </m:f>
+                    </m:oMath>
+                  </m:oMathPara>
+                </a14:m>
+                <a:endParaRPr lang="en-US" sz="4800" b="0">
+                  <a:solidFill>
+                    <a:srgbClr val="7030A0"/>
+                  </a:solidFill>
+                </a:endParaRPr>
+              </a:p>
+            </p:txBody>
+          </p:sp>
+        </mc:Choice>
+        <mc:Fallback>
+          <p:sp>
+            <p:nvSpPr>
+              <p:cNvPr id="5" name="TextBox 4">
+                <a:extLst>
+                  <a:ext uri="{FF2B5EF4-FFF2-40B4-BE49-F238E27FC236}">
+                    <a16:creationId xmlns:a16="http://schemas.microsoft.com/office/drawing/2014/main" id="{E649746B-1A4E-431F-B95C-FBFF5C5B1998}"/>
+                  </a:ext>
+                </a:extLst>
+              </p:cNvPr>
+              <p:cNvSpPr txBox="1">
+                <a:spLocks noRot="1" noChangeAspect="1" noMove="1" noResize="1" noEditPoints="1" noAdjustHandles="1" noChangeArrowheads="1" noChangeShapeType="1" noTextEdit="1"/>
+              </p:cNvSpPr>
+              <p:nvPr/>
+            </p:nvSpPr>
+            <p:spPr>
+              <a:xfrm>
+                <a:off x="3938955" y="2306973"/>
+                <a:ext cx="7150490" cy="1482201"/>
+              </a:xfrm>
+              <a:prstGeom prst="rect">
+                <a:avLst/>
+              </a:prstGeom>
+              <a:blipFill>
+                <a:blip r:embed="rId5"/>
                 <a:stretch>
                   <a:fillRect/>
                 </a:stretch>

--- a/ps/ps_images.pptx
+++ b/ps/ps_images.pptx
@@ -17,6 +17,8 @@
     <p:sldId id="266" r:id="rId11"/>
     <p:sldId id="267" r:id="rId12"/>
     <p:sldId id="268" r:id="rId13"/>
+    <p:sldId id="269" r:id="rId14"/>
+    <p:sldId id="270" r:id="rId15"/>
   </p:sldIdLst>
   <p:sldSz cx="12192000" cy="6858000"/>
   <p:notesSz cx="6858000" cy="9144000"/>
@@ -5028,8 +5030,8 @@
           <a:chExt cx="0" cy="0"/>
         </a:xfrm>
       </p:grpSpPr>
-      <mc:AlternateContent xmlns:mc="http://schemas.openxmlformats.org/markup-compatibility/2006">
-        <mc:Choice xmlns:a14="http://schemas.microsoft.com/office/drawing/2010/main" Requires="a14">
+      <mc:AlternateContent xmlns:mc="http://schemas.openxmlformats.org/markup-compatibility/2006" xmlns:a14="http://schemas.microsoft.com/office/drawing/2010/main">
+        <mc:Choice Requires="a14">
           <p:sp>
             <p:nvSpPr>
               <p:cNvPr id="6" name="TextBox 5">
@@ -5107,7 +5109,7 @@
             </p:txBody>
           </p:sp>
         </mc:Choice>
-        <mc:Fallback>
+        <mc:Fallback xmlns="">
           <p:sp>
             <p:nvSpPr>
               <p:cNvPr id="6" name="TextBox 5">
@@ -5152,8 +5154,8 @@
           </p:sp>
         </mc:Fallback>
       </mc:AlternateContent>
-      <mc:AlternateContent xmlns:mc="http://schemas.openxmlformats.org/markup-compatibility/2006">
-        <mc:Choice xmlns:a14="http://schemas.microsoft.com/office/drawing/2010/main" Requires="a14">
+      <mc:AlternateContent xmlns:mc="http://schemas.openxmlformats.org/markup-compatibility/2006" xmlns:a14="http://schemas.microsoft.com/office/drawing/2010/main">
+        <mc:Choice Requires="a14">
           <p:sp>
             <p:nvSpPr>
               <p:cNvPr id="7" name="TextBox 6">
@@ -5402,7 +5404,7 @@
             </p:txBody>
           </p:sp>
         </mc:Choice>
-        <mc:Fallback>
+        <mc:Fallback xmlns="">
           <p:sp>
             <p:nvSpPr>
               <p:cNvPr id="7" name="TextBox 6">
@@ -5447,8 +5449,8 @@
           </p:sp>
         </mc:Fallback>
       </mc:AlternateContent>
-      <mc:AlternateContent xmlns:mc="http://schemas.openxmlformats.org/markup-compatibility/2006">
-        <mc:Choice xmlns:a14="http://schemas.microsoft.com/office/drawing/2010/main" Requires="a14">
+      <mc:AlternateContent xmlns:mc="http://schemas.openxmlformats.org/markup-compatibility/2006" xmlns:a14="http://schemas.microsoft.com/office/drawing/2010/main">
+        <mc:Choice Requires="a14">
           <p:sp>
             <p:nvSpPr>
               <p:cNvPr id="8" name="TextBox 7">
@@ -5532,7 +5534,7 @@
             </p:txBody>
           </p:sp>
         </mc:Choice>
-        <mc:Fallback>
+        <mc:Fallback xmlns="">
           <p:sp>
             <p:nvSpPr>
               <p:cNvPr id="8" name="TextBox 7">
@@ -5577,8 +5579,8 @@
           </p:sp>
         </mc:Fallback>
       </mc:AlternateContent>
-      <mc:AlternateContent xmlns:mc="http://schemas.openxmlformats.org/markup-compatibility/2006">
-        <mc:Choice xmlns:a14="http://schemas.microsoft.com/office/drawing/2010/main" Requires="a14">
+      <mc:AlternateContent xmlns:mc="http://schemas.openxmlformats.org/markup-compatibility/2006" xmlns:a14="http://schemas.microsoft.com/office/drawing/2010/main">
+        <mc:Choice Requires="a14">
           <p:sp>
             <p:nvSpPr>
               <p:cNvPr id="9" name="TextBox 8">
@@ -5662,7 +5664,7 @@
             </p:txBody>
           </p:sp>
         </mc:Choice>
-        <mc:Fallback>
+        <mc:Fallback xmlns="">
           <p:sp>
             <p:nvSpPr>
               <p:cNvPr id="9" name="TextBox 8">
@@ -5707,8 +5709,8 @@
           </p:sp>
         </mc:Fallback>
       </mc:AlternateContent>
-      <mc:AlternateContent xmlns:mc="http://schemas.openxmlformats.org/markup-compatibility/2006">
-        <mc:Choice xmlns:a14="http://schemas.microsoft.com/office/drawing/2010/main" Requires="a14">
+      <mc:AlternateContent xmlns:mc="http://schemas.openxmlformats.org/markup-compatibility/2006" xmlns:a14="http://schemas.microsoft.com/office/drawing/2010/main">
+        <mc:Choice Requires="a14">
           <p:sp>
             <p:nvSpPr>
               <p:cNvPr id="10" name="TextBox 9">
@@ -5804,7 +5806,7 @@
             </p:txBody>
           </p:sp>
         </mc:Choice>
-        <mc:Fallback>
+        <mc:Fallback xmlns="">
           <p:sp>
             <p:nvSpPr>
               <p:cNvPr id="10" name="TextBox 9">
@@ -5849,8 +5851,8 @@
           </p:sp>
         </mc:Fallback>
       </mc:AlternateContent>
-      <mc:AlternateContent xmlns:mc="http://schemas.openxmlformats.org/markup-compatibility/2006">
-        <mc:Choice xmlns:a14="http://schemas.microsoft.com/office/drawing/2010/main" Requires="a14">
+      <mc:AlternateContent xmlns:mc="http://schemas.openxmlformats.org/markup-compatibility/2006" xmlns:a14="http://schemas.microsoft.com/office/drawing/2010/main">
+        <mc:Choice Requires="a14">
           <p:sp>
             <p:nvSpPr>
               <p:cNvPr id="11" name="TextBox 10">
@@ -5928,7 +5930,7 @@
             </p:txBody>
           </p:sp>
         </mc:Choice>
-        <mc:Fallback>
+        <mc:Fallback xmlns="">
           <p:sp>
             <p:nvSpPr>
               <p:cNvPr id="11" name="TextBox 10">
@@ -5973,8 +5975,8 @@
           </p:sp>
         </mc:Fallback>
       </mc:AlternateContent>
-      <mc:AlternateContent xmlns:mc="http://schemas.openxmlformats.org/markup-compatibility/2006">
-        <mc:Choice xmlns:a14="http://schemas.microsoft.com/office/drawing/2010/main" Requires="a14">
+      <mc:AlternateContent xmlns:mc="http://schemas.openxmlformats.org/markup-compatibility/2006" xmlns:a14="http://schemas.microsoft.com/office/drawing/2010/main">
+        <mc:Choice Requires="a14">
           <p:sp>
             <p:nvSpPr>
               <p:cNvPr id="12" name="TextBox 11">
@@ -6052,7 +6054,7 @@
             </p:txBody>
           </p:sp>
         </mc:Choice>
-        <mc:Fallback>
+        <mc:Fallback xmlns="">
           <p:sp>
             <p:nvSpPr>
               <p:cNvPr id="12" name="TextBox 11">
@@ -6143,8 +6145,8 @@
             </p:nvSpPr>
             <p:spPr>
               <a:xfrm>
-                <a:off x="291905" y="618679"/>
-                <a:ext cx="5185117" cy="1477392"/>
+                <a:off x="7418363" y="5323553"/>
+                <a:ext cx="4773637" cy="1231234"/>
               </a:xfrm>
               <a:prstGeom prst="rect">
                 <a:avLst/>
@@ -6165,19 +6167,19 @@
                     </m:oMathParaPr>
                     <m:oMath xmlns:m="http://schemas.openxmlformats.org/officeDocument/2006/math">
                       <m:r>
-                        <a:rPr lang="en-US" sz="4800" i="1" smtClean="0">
+                        <a:rPr lang="en-US" sz="4000" i="1" smtClean="0">
                           <a:latin typeface="Cambria Math" panose="02040503050406030204" pitchFamily="18" charset="0"/>
                         </a:rPr>
                         <m:t>𝜎</m:t>
                       </m:r>
                       <m:r>
-                        <a:rPr lang="en-US" sz="4800" i="1" baseline="30000">
+                        <a:rPr lang="en-US" sz="4000" i="1" baseline="30000">
                           <a:latin typeface="Cambria Math" panose="02040503050406030204" pitchFamily="18" charset="0"/>
                         </a:rPr>
                         <m:t>2</m:t>
                       </m:r>
                       <m:r>
-                        <a:rPr lang="en-US" sz="4800" b="0" i="1" smtClean="0">
+                        <a:rPr lang="en-US" sz="4000" b="0" i="1" smtClean="0">
                           <a:solidFill>
                             <a:schemeClr val="tx1"/>
                           </a:solidFill>
@@ -6188,7 +6190,7 @@
                       <m:f>
                         <m:fPr>
                           <m:ctrlPr>
-                            <a:rPr lang="en-US" sz="4800" b="0" i="1" smtClean="0">
+                            <a:rPr lang="en-US" sz="4000" b="0" i="1" smtClean="0">
                               <a:solidFill>
                                 <a:schemeClr val="tx1"/>
                               </a:solidFill>
@@ -6203,7 +6205,7 @@
                               <m:subHide m:val="on"/>
                               <m:supHide m:val="on"/>
                               <m:ctrlPr>
-                                <a:rPr lang="en-US" sz="4800" b="0" i="1" smtClean="0">
+                                <a:rPr lang="en-US" sz="4000" b="0" i="1" smtClean="0">
                                   <a:solidFill>
                                     <a:schemeClr val="tx1"/>
                                   </a:solidFill>
@@ -6217,7 +6219,7 @@
                               <m:sSup>
                                 <m:sSupPr>
                                   <m:ctrlPr>
-                                    <a:rPr lang="en-US" sz="4800" b="0" i="1" smtClean="0">
+                                    <a:rPr lang="en-US" sz="4000" b="0" i="1" smtClean="0">
                                       <a:solidFill>
                                         <a:schemeClr val="tx1"/>
                                       </a:solidFill>
@@ -6229,7 +6231,7 @@
                                   <m:d>
                                     <m:dPr>
                                       <m:ctrlPr>
-                                        <a:rPr lang="en-US" sz="4800" b="0" i="1" smtClean="0">
+                                        <a:rPr lang="en-US" sz="4000" b="0" i="1" smtClean="0">
                                           <a:solidFill>
                                             <a:schemeClr val="tx1"/>
                                           </a:solidFill>
@@ -6239,7 +6241,7 @@
                                     </m:dPr>
                                     <m:e>
                                       <m:r>
-                                        <a:rPr lang="en-US" sz="4800" b="0" i="1" smtClean="0">
+                                        <a:rPr lang="en-US" sz="4000" b="0" i="1" smtClean="0">
                                           <a:solidFill>
                                             <a:schemeClr val="tx1"/>
                                           </a:solidFill>
@@ -6248,7 +6250,7 @@
                                         <m:t>𝑋</m:t>
                                       </m:r>
                                       <m:r>
-                                        <a:rPr lang="en-US" sz="4800" b="0" i="1" baseline="-25000" smtClean="0">
+                                        <a:rPr lang="en-US" sz="4000" b="0" i="1" baseline="-25000" smtClean="0">
                                           <a:solidFill>
                                             <a:schemeClr val="tx1"/>
                                           </a:solidFill>
@@ -6257,7 +6259,7 @@
                                         <m:t>𝑖</m:t>
                                       </m:r>
                                       <m:r>
-                                        <a:rPr lang="en-US" sz="4800" b="0" i="1" smtClean="0">
+                                        <a:rPr lang="en-US" sz="4000" b="0" i="1" smtClean="0">
                                           <a:solidFill>
                                             <a:schemeClr val="tx1"/>
                                           </a:solidFill>
@@ -6266,7 +6268,7 @@
                                         <m:t>−</m:t>
                                       </m:r>
                                       <m:r>
-                                        <a:rPr lang="en-US" sz="4800" i="1">
+                                        <a:rPr lang="en-US" sz="4000" i="1">
                                           <a:latin typeface="Cambria Math" panose="02040503050406030204" pitchFamily="18" charset="0"/>
                                         </a:rPr>
                                         <m:t>µ</m:t>
@@ -6276,7 +6278,7 @@
                                 </m:e>
                                 <m:sup>
                                   <m:r>
-                                    <a:rPr lang="en-US" sz="4800" b="0" i="1" smtClean="0">
+                                    <a:rPr lang="en-US" sz="4000" b="0" i="1" smtClean="0">
                                       <a:solidFill>
                                         <a:schemeClr val="tx1"/>
                                       </a:solidFill>
@@ -6291,7 +6293,7 @@
                         </m:num>
                         <m:den>
                           <m:r>
-                            <a:rPr lang="en-US" sz="4800" b="0" i="1" smtClean="0">
+                            <a:rPr lang="en-US" sz="4000" b="0" i="1" smtClean="0">
                               <a:solidFill>
                                 <a:schemeClr val="tx1"/>
                               </a:solidFill>
@@ -6304,7 +6306,7 @@
                     </m:oMath>
                   </m:oMathPara>
                 </a14:m>
-                <a:endParaRPr lang="en-US" sz="4800" b="0">
+                <a:endParaRPr lang="en-US" sz="4000" b="0">
                   <a:solidFill>
                     <a:srgbClr val="7030A0"/>
                   </a:solidFill>
@@ -6330,8 +6332,8 @@
             </p:nvSpPr>
             <p:spPr>
               <a:xfrm>
-                <a:off x="291905" y="618679"/>
-                <a:ext cx="5185117" cy="1477392"/>
+                <a:off x="7418363" y="5323553"/>
+                <a:ext cx="4773637" cy="1231234"/>
               </a:xfrm>
               <a:prstGeom prst="rect">
                 <a:avLst/>
@@ -6374,8 +6376,8 @@
             </p:nvSpPr>
             <p:spPr>
               <a:xfrm>
-                <a:off x="6714978" y="297638"/>
-                <a:ext cx="5185117" cy="1477392"/>
+                <a:off x="195484" y="303213"/>
+                <a:ext cx="4700073" cy="1477392"/>
               </a:xfrm>
               <a:prstGeom prst="rect">
                 <a:avLst/>
@@ -6573,8 +6575,8 @@
             </p:nvSpPr>
             <p:spPr>
               <a:xfrm>
-                <a:off x="6714978" y="297638"/>
-                <a:ext cx="5185117" cy="1477392"/>
+                <a:off x="195484" y="303213"/>
+                <a:ext cx="4700073" cy="1477392"/>
               </a:xfrm>
               <a:prstGeom prst="rect">
                 <a:avLst/>
@@ -6617,8 +6619,8 @@
             </p:nvSpPr>
             <p:spPr>
               <a:xfrm>
-                <a:off x="910883" y="4761929"/>
-                <a:ext cx="7586003" cy="1477392"/>
+                <a:off x="195484" y="5323553"/>
+                <a:ext cx="6697685" cy="1231234"/>
               </a:xfrm>
               <a:prstGeom prst="rect">
                 <a:avLst/>
@@ -6639,19 +6641,19 @@
                     </m:oMathParaPr>
                     <m:oMath xmlns:m="http://schemas.openxmlformats.org/officeDocument/2006/math">
                       <m:r>
-                        <a:rPr lang="en-US" sz="4800" i="1" smtClean="0">
+                        <a:rPr lang="en-US" sz="4000" i="1" smtClean="0">
                           <a:latin typeface="Cambria Math" panose="02040503050406030204" pitchFamily="18" charset="0"/>
                         </a:rPr>
                         <m:t>𝜎</m:t>
                       </m:r>
                       <m:r>
-                        <a:rPr lang="en-US" sz="4800" i="1" baseline="30000">
+                        <a:rPr lang="en-US" sz="4000" i="1" baseline="30000">
                           <a:latin typeface="Cambria Math" panose="02040503050406030204" pitchFamily="18" charset="0"/>
                         </a:rPr>
                         <m:t>2</m:t>
                       </m:r>
                       <m:r>
-                        <a:rPr lang="en-US" sz="4800" b="0" i="1" smtClean="0">
+                        <a:rPr lang="en-US" sz="4000" b="0" i="1" smtClean="0">
                           <a:solidFill>
                             <a:schemeClr val="tx1"/>
                           </a:solidFill>
@@ -6662,7 +6664,7 @@
                       <m:f>
                         <m:fPr>
                           <m:ctrlPr>
-                            <a:rPr lang="en-US" sz="4800" b="0" i="1" smtClean="0">
+                            <a:rPr lang="en-US" sz="4000" b="0" i="1" smtClean="0">
                               <a:solidFill>
                                 <a:schemeClr val="tx1"/>
                               </a:solidFill>
@@ -6677,7 +6679,7 @@
                               <m:subHide m:val="on"/>
                               <m:supHide m:val="on"/>
                               <m:ctrlPr>
-                                <a:rPr lang="en-US" sz="4800" i="1">
+                                <a:rPr lang="en-US" sz="4000" i="1">
                                   <a:latin typeface="Cambria Math" panose="02040503050406030204" pitchFamily="18" charset="0"/>
                                 </a:rPr>
                               </m:ctrlPr>
@@ -6688,20 +6690,20 @@
                               <m:sSup>
                                 <m:sSupPr>
                                   <m:ctrlPr>
-                                    <a:rPr lang="en-US" sz="4800" i="1">
+                                    <a:rPr lang="en-US" sz="4000" i="1">
                                       <a:latin typeface="Cambria Math" panose="02040503050406030204" pitchFamily="18" charset="0"/>
                                     </a:rPr>
                                   </m:ctrlPr>
                                 </m:sSupPr>
                                 <m:e>
                                   <m:r>
-                                    <a:rPr lang="en-US" sz="4800" i="1">
+                                    <a:rPr lang="en-US" sz="4000" i="1">
                                       <a:latin typeface="Cambria Math" panose="02040503050406030204" pitchFamily="18" charset="0"/>
                                     </a:rPr>
                                     <m:t>𝑋</m:t>
                                   </m:r>
                                   <m:r>
-                                    <a:rPr lang="en-US" sz="4800" i="1" baseline="-25000">
+                                    <a:rPr lang="en-US" sz="4000" i="1" baseline="-25000">
                                       <a:latin typeface="Cambria Math" panose="02040503050406030204" pitchFamily="18" charset="0"/>
                                     </a:rPr>
                                     <m:t>𝑖</m:t>
@@ -6709,7 +6711,7 @@
                                 </m:e>
                                 <m:sup>
                                   <m:r>
-                                    <a:rPr lang="en-US" sz="4800" i="1">
+                                    <a:rPr lang="en-US" sz="4000" i="1">
                                       <a:latin typeface="Cambria Math" panose="02040503050406030204" pitchFamily="18" charset="0"/>
                                     </a:rPr>
                                     <m:t>2</m:t>
@@ -6719,7 +6721,7 @@
                             </m:e>
                           </m:nary>
                           <m:r>
-                            <a:rPr lang="en-US" sz="4800" i="1">
+                            <a:rPr lang="en-US" sz="4000" i="1">
                               <a:latin typeface="Cambria Math" panose="02040503050406030204" pitchFamily="18" charset="0"/>
                             </a:rPr>
                             <m:t>−</m:t>
@@ -6730,7 +6732,7 @@
                               <m:subHide m:val="on"/>
                               <m:supHide m:val="on"/>
                               <m:ctrlPr>
-                                <a:rPr lang="en-US" sz="4800" i="1" smtClean="0">
+                                <a:rPr lang="en-US" sz="4000" i="1" smtClean="0">
                                   <a:latin typeface="Cambria Math" panose="02040503050406030204" pitchFamily="18" charset="0"/>
                                 </a:rPr>
                               </m:ctrlPr>
@@ -6739,19 +6741,19 @@
                             <m:sup/>
                             <m:e>
                               <m:r>
-                                <a:rPr lang="en-US" sz="4800" b="0" i="1" smtClean="0">
+                                <a:rPr lang="en-US" sz="4000" b="0" i="1" smtClean="0">
                                   <a:latin typeface="Cambria Math" panose="02040503050406030204" pitchFamily="18" charset="0"/>
                                 </a:rPr>
                                 <m:t>2</m:t>
                               </m:r>
                               <m:r>
-                                <a:rPr lang="en-US" sz="4800" i="1">
+                                <a:rPr lang="en-US" sz="4000" i="1">
                                   <a:latin typeface="Cambria Math" panose="02040503050406030204" pitchFamily="18" charset="0"/>
                                 </a:rPr>
                                 <m:t>𝑋</m:t>
                               </m:r>
                               <m:r>
-                                <a:rPr lang="en-US" sz="4800" i="1" baseline="-25000">
+                                <a:rPr lang="en-US" sz="4000" i="1" baseline="-25000">
                                   <a:latin typeface="Cambria Math" panose="02040503050406030204" pitchFamily="18" charset="0"/>
                                 </a:rPr>
                                 <m:t>𝑖</m:t>
@@ -6759,13 +6761,13 @@
                             </m:e>
                           </m:nary>
                           <m:r>
-                            <a:rPr lang="en-US" sz="4800" i="1">
+                            <a:rPr lang="en-US" sz="4000" i="1">
                               <a:latin typeface="Cambria Math" panose="02040503050406030204" pitchFamily="18" charset="0"/>
                             </a:rPr>
                             <m:t>µ</m:t>
                           </m:r>
                           <m:r>
-                            <a:rPr lang="en-US" sz="4800" b="0" i="1" smtClean="0">
+                            <a:rPr lang="en-US" sz="4000" b="0" i="1" smtClean="0">
                               <a:latin typeface="Cambria Math" panose="02040503050406030204" pitchFamily="18" charset="0"/>
                             </a:rPr>
                             <m:t>+</m:t>
@@ -6776,7 +6778,7 @@
                               <m:subHide m:val="on"/>
                               <m:supHide m:val="on"/>
                               <m:ctrlPr>
-                                <a:rPr lang="en-US" sz="4800" b="0" i="1" smtClean="0">
+                                <a:rPr lang="en-US" sz="4000" b="0" i="1" smtClean="0">
                                   <a:latin typeface="Cambria Math" panose="02040503050406030204" pitchFamily="18" charset="0"/>
                                 </a:rPr>
                               </m:ctrlPr>
@@ -6785,7 +6787,7 @@
                             <m:sup/>
                             <m:e>
                               <m:r>
-                                <a:rPr lang="en-US" sz="4800" i="1">
+                                <a:rPr lang="en-US" sz="4000" i="1">
                                   <a:latin typeface="Cambria Math" panose="02040503050406030204" pitchFamily="18" charset="0"/>
                                 </a:rPr>
                                 <m:t>µ</m:t>
@@ -6795,7 +6797,7 @@
                         </m:num>
                         <m:den>
                           <m:r>
-                            <a:rPr lang="en-US" sz="4800" b="0" i="1" smtClean="0">
+                            <a:rPr lang="en-US" sz="4000" b="0" i="1" smtClean="0">
                               <a:solidFill>
                                 <a:schemeClr val="tx1"/>
                               </a:solidFill>
@@ -6808,7 +6810,7 @@
                     </m:oMath>
                   </m:oMathPara>
                 </a14:m>
-                <a:endParaRPr lang="en-US" sz="4800" b="0">
+                <a:endParaRPr lang="en-US" sz="4000" b="0">
                   <a:solidFill>
                     <a:srgbClr val="7030A0"/>
                   </a:solidFill>
@@ -6834,8 +6836,8 @@
             </p:nvSpPr>
             <p:spPr>
               <a:xfrm>
-                <a:off x="910883" y="4761929"/>
-                <a:ext cx="7586003" cy="1477392"/>
+                <a:off x="195484" y="5323553"/>
+                <a:ext cx="6697685" cy="1231234"/>
               </a:xfrm>
               <a:prstGeom prst="rect">
                 <a:avLst/>
@@ -6878,8 +6880,8 @@
             </p:nvSpPr>
             <p:spPr>
               <a:xfrm>
-                <a:off x="3938955" y="2306973"/>
-                <a:ext cx="7150490" cy="1482201"/>
+                <a:off x="4895557" y="362556"/>
+                <a:ext cx="7150490" cy="1358705"/>
               </a:xfrm>
               <a:prstGeom prst="rect">
                 <a:avLst/>
@@ -6900,19 +6902,19 @@
                     </m:oMathParaPr>
                     <m:oMath xmlns:m="http://schemas.openxmlformats.org/officeDocument/2006/math">
                       <m:r>
-                        <a:rPr lang="en-US" sz="4800" b="0" i="1" smtClean="0">
+                        <a:rPr lang="en-US" sz="4400" b="0" i="1" smtClean="0">
                           <a:latin typeface="Cambria Math" panose="02040503050406030204" pitchFamily="18" charset="0"/>
                         </a:rPr>
                         <m:t>𝑠</m:t>
                       </m:r>
                       <m:r>
-                        <a:rPr lang="en-US" sz="4800" i="1" baseline="30000">
+                        <a:rPr lang="en-US" sz="4400" i="1" baseline="30000">
                           <a:latin typeface="Cambria Math" panose="02040503050406030204" pitchFamily="18" charset="0"/>
                         </a:rPr>
                         <m:t>2</m:t>
                       </m:r>
                       <m:r>
-                        <a:rPr lang="en-US" sz="4800" b="0" i="1" smtClean="0">
+                        <a:rPr lang="en-US" sz="4400" b="0" i="1" smtClean="0">
                           <a:solidFill>
                             <a:schemeClr val="tx1"/>
                           </a:solidFill>
@@ -6923,7 +6925,7 @@
                       <m:f>
                         <m:fPr>
                           <m:ctrlPr>
-                            <a:rPr lang="en-US" sz="4800" b="0" i="1" smtClean="0">
+                            <a:rPr lang="en-US" sz="4400" b="0" i="1" smtClean="0">
                               <a:solidFill>
                                 <a:schemeClr val="tx1"/>
                               </a:solidFill>
@@ -6938,7 +6940,7 @@
                               <m:subHide m:val="on"/>
                               <m:supHide m:val="on"/>
                               <m:ctrlPr>
-                                <a:rPr lang="en-US" sz="4800" i="1">
+                                <a:rPr lang="en-US" sz="4400" i="1">
                                   <a:latin typeface="Cambria Math" panose="02040503050406030204" pitchFamily="18" charset="0"/>
                                 </a:rPr>
                               </m:ctrlPr>
@@ -6949,20 +6951,20 @@
                               <m:sSup>
                                 <m:sSupPr>
                                   <m:ctrlPr>
-                                    <a:rPr lang="en-US" sz="4800" i="1">
+                                    <a:rPr lang="en-US" sz="4400" i="1">
                                       <a:latin typeface="Cambria Math" panose="02040503050406030204" pitchFamily="18" charset="0"/>
                                     </a:rPr>
                                   </m:ctrlPr>
                                 </m:sSupPr>
                                 <m:e>
                                   <m:r>
-                                    <a:rPr lang="en-US" sz="4800" i="1">
+                                    <a:rPr lang="en-US" sz="4400" i="1">
                                       <a:latin typeface="Cambria Math" panose="02040503050406030204" pitchFamily="18" charset="0"/>
                                     </a:rPr>
                                     <m:t>𝑋</m:t>
                                   </m:r>
                                   <m:r>
-                                    <a:rPr lang="en-US" sz="4800" i="1" baseline="-25000">
+                                    <a:rPr lang="en-US" sz="4400" i="1" baseline="-25000">
                                       <a:latin typeface="Cambria Math" panose="02040503050406030204" pitchFamily="18" charset="0"/>
                                     </a:rPr>
                                     <m:t>𝑖</m:t>
@@ -6970,7 +6972,7 @@
                                 </m:e>
                                 <m:sup>
                                   <m:r>
-                                    <a:rPr lang="en-US" sz="4800" i="1">
+                                    <a:rPr lang="en-US" sz="4400" i="1">
                                       <a:latin typeface="Cambria Math" panose="02040503050406030204" pitchFamily="18" charset="0"/>
                                     </a:rPr>
                                     <m:t>2</m:t>
@@ -6980,7 +6982,7 @@
                             </m:e>
                           </m:nary>
                           <m:r>
-                            <a:rPr lang="en-US" sz="4800" i="1">
+                            <a:rPr lang="en-US" sz="4400" i="1">
                               <a:latin typeface="Cambria Math" panose="02040503050406030204" pitchFamily="18" charset="0"/>
                             </a:rPr>
                             <m:t>−</m:t>
@@ -6991,7 +6993,7 @@
                               <m:subHide m:val="on"/>
                               <m:supHide m:val="on"/>
                               <m:ctrlPr>
-                                <a:rPr lang="en-US" sz="4800" i="1">
+                                <a:rPr lang="en-US" sz="4400" i="1">
                                   <a:latin typeface="Cambria Math" panose="02040503050406030204" pitchFamily="18" charset="0"/>
                                 </a:rPr>
                               </m:ctrlPr>
@@ -7000,22 +7002,16 @@
                             <m:sup/>
                             <m:e>
                               <m:r>
-                                <a:rPr lang="en-US" sz="4800" i="1">
+                                <a:rPr lang="en-US" sz="4400" i="1">
                                   <a:latin typeface="Cambria Math" panose="02040503050406030204" pitchFamily="18" charset="0"/>
                                 </a:rPr>
                                 <m:t>2</m:t>
                               </m:r>
                               <m:r>
-                                <a:rPr lang="en-US" sz="4800" i="1">
+                                <a:rPr lang="en-US" sz="4400" i="1">
                                   <a:latin typeface="Cambria Math" panose="02040503050406030204" pitchFamily="18" charset="0"/>
                                 </a:rPr>
-                                <m:t>𝑋</m:t>
-                              </m:r>
-                              <m:r>
-                                <a:rPr lang="en-US" sz="4800" i="1" baseline="-25000">
-                                  <a:latin typeface="Cambria Math" panose="02040503050406030204" pitchFamily="18" charset="0"/>
-                                </a:rPr>
-                                <m:t>𝑖</m:t>
+                                <m:t>𝑋𝑖</m:t>
                               </m:r>
                             </m:e>
                           </m:nary>
@@ -7023,14 +7019,14 @@
                             <m:accPr>
                               <m:chr m:val="̅"/>
                               <m:ctrlPr>
-                                <a:rPr lang="en-US" sz="4800" i="1">
+                                <a:rPr lang="en-US" sz="4400" i="1">
                                   <a:latin typeface="Cambria Math" panose="02040503050406030204" pitchFamily="18" charset="0"/>
                                 </a:rPr>
                               </m:ctrlPr>
                             </m:accPr>
                             <m:e>
                               <m:r>
-                                <a:rPr lang="en-US" sz="4800" i="1">
+                                <a:rPr lang="en-US" sz="4400" i="1">
                                   <a:latin typeface="Cambria Math" panose="02040503050406030204" pitchFamily="18" charset="0"/>
                                 </a:rPr>
                                 <m:t>𝑋</m:t>
@@ -7038,7 +7034,7 @@
                             </m:e>
                           </m:acc>
                           <m:r>
-                            <a:rPr lang="en-US" sz="4800" i="1">
+                            <a:rPr lang="en-US" sz="4400" i="1">
                               <a:latin typeface="Cambria Math" panose="02040503050406030204" pitchFamily="18" charset="0"/>
                             </a:rPr>
                             <m:t>+</m:t>
@@ -7049,7 +7045,7 @@
                               <m:subHide m:val="on"/>
                               <m:supHide m:val="on"/>
                               <m:ctrlPr>
-                                <a:rPr lang="en-US" sz="4800" i="1">
+                                <a:rPr lang="en-US" sz="4400" i="1">
                                   <a:latin typeface="Cambria Math" panose="02040503050406030204" pitchFamily="18" charset="0"/>
                                 </a:rPr>
                               </m:ctrlPr>
@@ -7061,14 +7057,14 @@
                                 <m:accPr>
                                   <m:chr m:val="̅"/>
                                   <m:ctrlPr>
-                                    <a:rPr lang="en-US" sz="4800" i="1">
+                                    <a:rPr lang="en-US" sz="4400" i="1">
                                       <a:latin typeface="Cambria Math" panose="02040503050406030204" pitchFamily="18" charset="0"/>
                                     </a:rPr>
                                   </m:ctrlPr>
                                 </m:accPr>
                                 <m:e>
                                   <m:r>
-                                    <a:rPr lang="en-US" sz="4800" i="1">
+                                    <a:rPr lang="en-US" sz="4400" i="1">
                                       <a:latin typeface="Cambria Math" panose="02040503050406030204" pitchFamily="18" charset="0"/>
                                     </a:rPr>
                                     <m:t>𝑋</m:t>
@@ -7080,7 +7076,7 @@
                         </m:num>
                         <m:den>
                           <m:r>
-                            <a:rPr lang="en-US" sz="4800" b="0" i="1" smtClean="0">
+                            <a:rPr lang="en-US" sz="4400" b="0" i="1" smtClean="0">
                               <a:solidFill>
                                 <a:schemeClr val="tx1"/>
                               </a:solidFill>
@@ -7093,7 +7089,7 @@
                     </m:oMath>
                   </m:oMathPara>
                 </a14:m>
-                <a:endParaRPr lang="en-US" sz="4800" b="0">
+                <a:endParaRPr lang="en-US" sz="4400" b="0">
                   <a:solidFill>
                     <a:srgbClr val="7030A0"/>
                   </a:solidFill>
@@ -7119,8 +7115,2087 @@
             </p:nvSpPr>
             <p:spPr>
               <a:xfrm>
-                <a:off x="3938955" y="2306973"/>
-                <a:ext cx="7150490" cy="1482201"/>
+                <a:off x="4895557" y="362556"/>
+                <a:ext cx="7150490" cy="1358705"/>
+              </a:xfrm>
+              <a:prstGeom prst="rect">
+                <a:avLst/>
+              </a:prstGeom>
+              <a:blipFill>
+                <a:blip r:embed="rId5"/>
+                <a:stretch>
+                  <a:fillRect/>
+                </a:stretch>
+              </a:blipFill>
+            </p:spPr>
+            <p:txBody>
+              <a:bodyPr/>
+              <a:lstStyle/>
+              <a:p>
+                <a:r>
+                  <a:rPr lang="en-US">
+                    <a:noFill/>
+                  </a:rPr>
+                  <a:t> </a:t>
+                </a:r>
+              </a:p>
+            </p:txBody>
+          </p:sp>
+        </mc:Fallback>
+      </mc:AlternateContent>
+      <mc:AlternateContent xmlns:mc="http://schemas.openxmlformats.org/markup-compatibility/2006">
+        <mc:Choice xmlns:a14="http://schemas.microsoft.com/office/drawing/2010/main" Requires="a14">
+          <p:sp>
+            <p:nvSpPr>
+              <p:cNvPr id="7" name="TextBox 6">
+                <a:extLst>
+                  <a:ext uri="{FF2B5EF4-FFF2-40B4-BE49-F238E27FC236}">
+                    <a16:creationId xmlns:a16="http://schemas.microsoft.com/office/drawing/2014/main" id="{87795BBF-7CFF-4023-A9AA-C65F472313CC}"/>
+                  </a:ext>
+                </a:extLst>
+              </p:cNvPr>
+              <p:cNvSpPr txBox="1"/>
+              <p:nvPr/>
+            </p:nvSpPr>
+            <p:spPr>
+              <a:xfrm>
+                <a:off x="2501702" y="2386052"/>
+                <a:ext cx="8764173" cy="1639551"/>
+              </a:xfrm>
+              <a:prstGeom prst="rect">
+                <a:avLst/>
+              </a:prstGeom>
+              <a:noFill/>
+            </p:spPr>
+            <p:txBody>
+              <a:bodyPr wrap="square" lIns="0" tIns="0" rIns="0" bIns="0" rtlCol="0">
+                <a:spAutoFit/>
+              </a:bodyPr>
+              <a:lstStyle/>
+              <a:p>
+                <a:pPr/>
+                <a14:m>
+                  <m:oMathPara xmlns:m="http://schemas.openxmlformats.org/officeDocument/2006/math">
+                    <m:oMathParaPr>
+                      <m:jc m:val="centerGroup"/>
+                    </m:oMathParaPr>
+                    <m:oMath xmlns:m="http://schemas.openxmlformats.org/officeDocument/2006/math">
+                      <m:r>
+                        <a:rPr lang="en-US" sz="4400" b="0" i="1" smtClean="0">
+                          <a:solidFill>
+                            <a:schemeClr val="tx1"/>
+                          </a:solidFill>
+                          <a:latin typeface="Cambria Math" panose="02040503050406030204" pitchFamily="18" charset="0"/>
+                        </a:rPr>
+                        <m:t>=</m:t>
+                      </m:r>
+                      <m:nary>
+                        <m:naryPr>
+                          <m:chr m:val="∑"/>
+                          <m:subHide m:val="on"/>
+                          <m:supHide m:val="on"/>
+                          <m:ctrlPr>
+                            <a:rPr lang="en-US" sz="4400" b="0" i="1" smtClean="0">
+                              <a:solidFill>
+                                <a:schemeClr val="tx1"/>
+                              </a:solidFill>
+                              <a:latin typeface="Cambria Math" panose="02040503050406030204" pitchFamily="18" charset="0"/>
+                            </a:rPr>
+                          </m:ctrlPr>
+                        </m:naryPr>
+                        <m:sub/>
+                        <m:sup/>
+                        <m:e>
+                          <m:d>
+                            <m:dPr>
+                              <m:ctrlPr>
+                                <a:rPr lang="en-US" sz="4400" b="0" i="1" smtClean="0">
+                                  <a:solidFill>
+                                    <a:schemeClr val="tx1"/>
+                                  </a:solidFill>
+                                  <a:latin typeface="Cambria Math" panose="02040503050406030204" pitchFamily="18" charset="0"/>
+                                </a:rPr>
+                              </m:ctrlPr>
+                            </m:dPr>
+                            <m:e>
+                              <m:r>
+                                <a:rPr lang="en-US" sz="4400" i="1">
+                                  <a:latin typeface="Cambria Math" panose="02040503050406030204" pitchFamily="18" charset="0"/>
+                                </a:rPr>
+                                <m:t>µ</m:t>
+                              </m:r>
+                              <m:r>
+                                <a:rPr lang="en-US" sz="4400" i="1" baseline="30000">
+                                  <a:latin typeface="Cambria Math" panose="02040503050406030204" pitchFamily="18" charset="0"/>
+                                </a:rPr>
+                                <m:t>2</m:t>
+                              </m:r>
+                              <m:r>
+                                <a:rPr lang="en-US" sz="4400" i="1">
+                                  <a:latin typeface="Cambria Math" panose="02040503050406030204" pitchFamily="18" charset="0"/>
+                                </a:rPr>
+                                <m:t>+</m:t>
+                              </m:r>
+                              <m:r>
+                                <a:rPr lang="en-US" sz="4400" i="1">
+                                  <a:latin typeface="Cambria Math" panose="02040503050406030204" pitchFamily="18" charset="0"/>
+                                </a:rPr>
+                                <m:t>𝜎</m:t>
+                              </m:r>
+                              <m:r>
+                                <a:rPr lang="en-US" sz="4400" i="1" baseline="30000">
+                                  <a:latin typeface="Cambria Math" panose="02040503050406030204" pitchFamily="18" charset="0"/>
+                                </a:rPr>
+                                <m:t>2</m:t>
+                              </m:r>
+                            </m:e>
+                          </m:d>
+                        </m:e>
+                      </m:nary>
+                      <m:r>
+                        <a:rPr lang="en-US" sz="4400" b="0" i="1" smtClean="0">
+                          <a:solidFill>
+                            <a:schemeClr val="tx1"/>
+                          </a:solidFill>
+                          <a:latin typeface="Cambria Math" panose="02040503050406030204" pitchFamily="18" charset="0"/>
+                        </a:rPr>
+                        <m:t>−</m:t>
+                      </m:r>
+                      <m:r>
+                        <a:rPr lang="en-US" sz="4400" b="0" i="1" smtClean="0">
+                          <a:solidFill>
+                            <a:schemeClr val="tx1"/>
+                          </a:solidFill>
+                          <a:latin typeface="Cambria Math" panose="02040503050406030204" pitchFamily="18" charset="0"/>
+                        </a:rPr>
+                        <m:t>𝑛</m:t>
+                      </m:r>
+                      <m:r>
+                        <a:rPr lang="en-US" sz="4400" b="0" i="1" smtClean="0">
+                          <a:solidFill>
+                            <a:schemeClr val="tx1"/>
+                          </a:solidFill>
+                          <a:latin typeface="Cambria Math" panose="02040503050406030204" pitchFamily="18" charset="0"/>
+                        </a:rPr>
+                        <m:t> (µ2+</m:t>
+                      </m:r>
+                      <m:r>
+                        <a:rPr lang="en-US" sz="4400" i="1">
+                          <a:latin typeface="Cambria Math" panose="02040503050406030204" pitchFamily="18" charset="0"/>
+                        </a:rPr>
+                        <m:t>𝜎</m:t>
+                      </m:r>
+                      <m:r>
+                        <a:rPr lang="en-US" sz="4400" i="1" baseline="30000">
+                          <a:latin typeface="Cambria Math" panose="02040503050406030204" pitchFamily="18" charset="0"/>
+                        </a:rPr>
+                        <m:t>2</m:t>
+                      </m:r>
+                      <m:r>
+                        <a:rPr lang="en-US" sz="4400" i="1">
+                          <a:latin typeface="Cambria Math" panose="02040503050406030204" pitchFamily="18" charset="0"/>
+                        </a:rPr>
+                        <m:t>/</m:t>
+                      </m:r>
+                      <m:r>
+                        <a:rPr lang="en-US" sz="4400" i="1">
+                          <a:latin typeface="Cambria Math" panose="02040503050406030204" pitchFamily="18" charset="0"/>
+                        </a:rPr>
+                        <m:t>𝑛</m:t>
+                      </m:r>
+                      <m:r>
+                        <a:rPr lang="en-US" sz="4400" b="0" i="1" smtClean="0">
+                          <a:solidFill>
+                            <a:schemeClr val="tx1"/>
+                          </a:solidFill>
+                          <a:latin typeface="Cambria Math" panose="02040503050406030204" pitchFamily="18" charset="0"/>
+                        </a:rPr>
+                        <m:t>)</m:t>
+                      </m:r>
+                    </m:oMath>
+                  </m:oMathPara>
+                </a14:m>
+                <a:endParaRPr lang="en-US" sz="4400" b="0">
+                  <a:solidFill>
+                    <a:srgbClr val="7030A0"/>
+                  </a:solidFill>
+                </a:endParaRPr>
+              </a:p>
+            </p:txBody>
+          </p:sp>
+        </mc:Choice>
+        <mc:Fallback>
+          <p:sp>
+            <p:nvSpPr>
+              <p:cNvPr id="7" name="TextBox 6">
+                <a:extLst>
+                  <a:ext uri="{FF2B5EF4-FFF2-40B4-BE49-F238E27FC236}">
+                    <a16:creationId xmlns:a16="http://schemas.microsoft.com/office/drawing/2014/main" id="{87795BBF-7CFF-4023-A9AA-C65F472313CC}"/>
+                  </a:ext>
+                </a:extLst>
+              </p:cNvPr>
+              <p:cNvSpPr txBox="1">
+                <a:spLocks noRot="1" noChangeAspect="1" noMove="1" noResize="1" noEditPoints="1" noAdjustHandles="1" noChangeArrowheads="1" noChangeShapeType="1" noTextEdit="1"/>
+              </p:cNvSpPr>
+              <p:nvPr/>
+            </p:nvSpPr>
+            <p:spPr>
+              <a:xfrm>
+                <a:off x="2501702" y="2386052"/>
+                <a:ext cx="8764173" cy="1639551"/>
+              </a:xfrm>
+              <a:prstGeom prst="rect">
+                <a:avLst/>
+              </a:prstGeom>
+              <a:blipFill>
+                <a:blip r:embed="rId6"/>
+                <a:stretch>
+                  <a:fillRect/>
+                </a:stretch>
+              </a:blipFill>
+            </p:spPr>
+            <p:txBody>
+              <a:bodyPr/>
+              <a:lstStyle/>
+              <a:p>
+                <a:r>
+                  <a:rPr lang="en-US">
+                    <a:noFill/>
+                  </a:rPr>
+                  <a:t> </a:t>
+                </a:r>
+              </a:p>
+            </p:txBody>
+          </p:sp>
+        </mc:Fallback>
+      </mc:AlternateContent>
+    </p:spTree>
+    <p:extLst>
+      <p:ext uri="{BB962C8B-B14F-4D97-AF65-F5344CB8AC3E}">
+        <p14:creationId xmlns:p14="http://schemas.microsoft.com/office/powerpoint/2010/main" val="3983255264"/>
+      </p:ext>
+    </p:extLst>
+  </p:cSld>
+  <p:clrMapOvr>
+    <a:masterClrMapping/>
+  </p:clrMapOvr>
+</p:sld>
+</file>
+
+<file path=ppt/slides/slide13.xml><?xml version="1.0" encoding="utf-8"?>
+<p:sld xmlns:a="http://schemas.openxmlformats.org/drawingml/2006/main" xmlns:r="http://schemas.openxmlformats.org/officeDocument/2006/relationships" xmlns:p="http://schemas.openxmlformats.org/presentationml/2006/main">
+  <p:cSld>
+    <p:spTree>
+      <p:nvGrpSpPr>
+        <p:cNvPr id="1" name=""/>
+        <p:cNvGrpSpPr/>
+        <p:nvPr/>
+      </p:nvGrpSpPr>
+      <p:grpSpPr>
+        <a:xfrm>
+          <a:off x="0" y="0"/>
+          <a:ext cx="0" cy="0"/>
+          <a:chOff x="0" y="0"/>
+          <a:chExt cx="0" cy="0"/>
+        </a:xfrm>
+      </p:grpSpPr>
+      <mc:AlternateContent xmlns:mc="http://schemas.openxmlformats.org/markup-compatibility/2006">
+        <mc:Choice xmlns:a14="http://schemas.microsoft.com/office/drawing/2010/main" Requires="a14">
+          <p:sp>
+            <p:nvSpPr>
+              <p:cNvPr id="2" name="TextBox 1">
+                <a:extLst>
+                  <a:ext uri="{FF2B5EF4-FFF2-40B4-BE49-F238E27FC236}">
+                    <a16:creationId xmlns:a16="http://schemas.microsoft.com/office/drawing/2014/main" id="{2DD3BB50-D497-4A13-A95E-29CB0D92A1B3}"/>
+                  </a:ext>
+                </a:extLst>
+              </p:cNvPr>
+              <p:cNvSpPr txBox="1"/>
+              <p:nvPr/>
+            </p:nvSpPr>
+            <p:spPr>
+              <a:xfrm>
+                <a:off x="0" y="548539"/>
+                <a:ext cx="12192000" cy="1799852"/>
+              </a:xfrm>
+              <a:prstGeom prst="rect">
+                <a:avLst/>
+              </a:prstGeom>
+              <a:noFill/>
+            </p:spPr>
+            <p:txBody>
+              <a:bodyPr wrap="square" lIns="0" tIns="0" rIns="0" bIns="0" rtlCol="0">
+                <a:spAutoFit/>
+              </a:bodyPr>
+              <a:lstStyle/>
+              <a:p>
+                <a:pPr/>
+                <a14:m>
+                  <m:oMathPara xmlns:m="http://schemas.openxmlformats.org/officeDocument/2006/math">
+                    <m:oMathParaPr>
+                      <m:jc m:val="centerGroup"/>
+                    </m:oMathParaPr>
+                    <m:oMath xmlns:m="http://schemas.openxmlformats.org/officeDocument/2006/math">
+                      <m:r>
+                        <a:rPr lang="en-US" sz="4400" b="0" i="1" smtClean="0">
+                          <a:latin typeface="Cambria Math" panose="02040503050406030204" pitchFamily="18" charset="0"/>
+                        </a:rPr>
+                        <m:t>𝐸</m:t>
+                      </m:r>
+                      <m:d>
+                        <m:dPr>
+                          <m:begChr m:val="["/>
+                          <m:endChr m:val="]"/>
+                          <m:ctrlPr>
+                            <a:rPr lang="en-US" sz="4400" b="0" i="1" smtClean="0">
+                              <a:latin typeface="Cambria Math" panose="02040503050406030204" pitchFamily="18" charset="0"/>
+                            </a:rPr>
+                          </m:ctrlPr>
+                        </m:dPr>
+                        <m:e>
+                          <m:nary>
+                            <m:naryPr>
+                              <m:chr m:val="∑"/>
+                              <m:subHide m:val="on"/>
+                              <m:supHide m:val="on"/>
+                              <m:ctrlPr>
+                                <a:rPr lang="en-US" sz="4400" b="0" i="1" smtClean="0">
+                                  <a:latin typeface="Cambria Math" panose="02040503050406030204" pitchFamily="18" charset="0"/>
+                                </a:rPr>
+                              </m:ctrlPr>
+                            </m:naryPr>
+                            <m:sub/>
+                            <m:sup/>
+                            <m:e>
+                              <m:d>
+                                <m:dPr>
+                                  <m:ctrlPr>
+                                    <a:rPr lang="en-US" sz="4400" b="0" i="1" smtClean="0">
+                                      <a:latin typeface="Cambria Math" panose="02040503050406030204" pitchFamily="18" charset="0"/>
+                                    </a:rPr>
+                                  </m:ctrlPr>
+                                </m:dPr>
+                                <m:e>
+                                  <m:r>
+                                    <a:rPr lang="en-US" sz="4400" i="1">
+                                      <a:solidFill>
+                                        <a:srgbClr val="C00000"/>
+                                      </a:solidFill>
+                                      <a:latin typeface="Cambria Math" panose="02040503050406030204" pitchFamily="18" charset="0"/>
+                                    </a:rPr>
+                                    <m:t>𝑋</m:t>
+                                  </m:r>
+                                  <m:r>
+                                    <a:rPr lang="en-US" sz="4400" i="1" baseline="-25000">
+                                      <a:solidFill>
+                                        <a:srgbClr val="C00000"/>
+                                      </a:solidFill>
+                                      <a:latin typeface="Cambria Math" panose="02040503050406030204" pitchFamily="18" charset="0"/>
+                                    </a:rPr>
+                                    <m:t>𝑖</m:t>
+                                  </m:r>
+                                  <m:r>
+                                    <a:rPr lang="en-US" sz="4400" i="1" smtClean="0">
+                                      <a:solidFill>
+                                        <a:schemeClr val="tx1"/>
+                                      </a:solidFill>
+                                      <a:latin typeface="Cambria Math" panose="02040503050406030204" pitchFamily="18" charset="0"/>
+                                    </a:rPr>
+                                    <m:t>−</m:t>
+                                  </m:r>
+                                  <m:acc>
+                                    <m:accPr>
+                                      <m:chr m:val="̅"/>
+                                      <m:ctrlPr>
+                                        <a:rPr lang="en-US" sz="4400" i="1">
+                                          <a:solidFill>
+                                            <a:srgbClr val="C00000"/>
+                                          </a:solidFill>
+                                          <a:latin typeface="Cambria Math" panose="02040503050406030204" pitchFamily="18" charset="0"/>
+                                        </a:rPr>
+                                      </m:ctrlPr>
+                                    </m:accPr>
+                                    <m:e>
+                                      <m:r>
+                                        <a:rPr lang="en-US" sz="4400" i="1">
+                                          <a:solidFill>
+                                            <a:srgbClr val="C00000"/>
+                                          </a:solidFill>
+                                          <a:latin typeface="Cambria Math" panose="02040503050406030204" pitchFamily="18" charset="0"/>
+                                        </a:rPr>
+                                        <m:t>𝑋</m:t>
+                                      </m:r>
+                                    </m:e>
+                                  </m:acc>
+                                </m:e>
+                              </m:d>
+                              <m:r>
+                                <a:rPr lang="en-US" sz="4400" b="0" i="1" baseline="30000" smtClean="0">
+                                  <a:latin typeface="Cambria Math" panose="02040503050406030204" pitchFamily="18" charset="0"/>
+                                </a:rPr>
+                                <m:t>2</m:t>
+                              </m:r>
+                            </m:e>
+                          </m:nary>
+                        </m:e>
+                      </m:d>
+                      <m:r>
+                        <a:rPr lang="en-US" sz="4400" b="0" i="1" smtClean="0">
+                          <a:latin typeface="Cambria Math" panose="02040503050406030204" pitchFamily="18" charset="0"/>
+                        </a:rPr>
+                        <m:t>=</m:t>
+                      </m:r>
+                      <m:r>
+                        <a:rPr lang="en-US" sz="4400" i="1">
+                          <a:latin typeface="Cambria Math" panose="02040503050406030204" pitchFamily="18" charset="0"/>
+                        </a:rPr>
+                        <m:t>𝐸</m:t>
+                      </m:r>
+                      <m:d>
+                        <m:dPr>
+                          <m:begChr m:val="["/>
+                          <m:endChr m:val="]"/>
+                          <m:ctrlPr>
+                            <a:rPr lang="en-US" sz="4400" i="1">
+                              <a:latin typeface="Cambria Math" panose="02040503050406030204" pitchFamily="18" charset="0"/>
+                            </a:rPr>
+                          </m:ctrlPr>
+                        </m:dPr>
+                        <m:e>
+                          <m:nary>
+                            <m:naryPr>
+                              <m:chr m:val="∑"/>
+                              <m:subHide m:val="on"/>
+                              <m:supHide m:val="on"/>
+                              <m:ctrlPr>
+                                <a:rPr lang="en-US" sz="4400" i="1">
+                                  <a:latin typeface="Cambria Math" panose="02040503050406030204" pitchFamily="18" charset="0"/>
+                                </a:rPr>
+                              </m:ctrlPr>
+                            </m:naryPr>
+                            <m:sub/>
+                            <m:sup/>
+                            <m:e>
+                              <m:d>
+                                <m:dPr>
+                                  <m:ctrlPr>
+                                    <a:rPr lang="en-US" sz="4400" i="1">
+                                      <a:latin typeface="Cambria Math" panose="02040503050406030204" pitchFamily="18" charset="0"/>
+                                    </a:rPr>
+                                  </m:ctrlPr>
+                                </m:dPr>
+                                <m:e>
+                                  <m:r>
+                                    <a:rPr lang="en-US" sz="4400" i="1">
+                                      <a:solidFill>
+                                        <a:srgbClr val="C00000"/>
+                                      </a:solidFill>
+                                      <a:latin typeface="Cambria Math" panose="02040503050406030204" pitchFamily="18" charset="0"/>
+                                    </a:rPr>
+                                    <m:t>𝑋</m:t>
+                                  </m:r>
+                                  <m:r>
+                                    <a:rPr lang="en-US" sz="4400" i="1" baseline="-25000">
+                                      <a:solidFill>
+                                        <a:srgbClr val="C00000"/>
+                                      </a:solidFill>
+                                      <a:latin typeface="Cambria Math" panose="02040503050406030204" pitchFamily="18" charset="0"/>
+                                    </a:rPr>
+                                    <m:t>𝑖</m:t>
+                                  </m:r>
+                                  <m:r>
+                                    <a:rPr lang="en-US" sz="4400" i="1" baseline="30000">
+                                      <a:solidFill>
+                                        <a:srgbClr val="C00000"/>
+                                      </a:solidFill>
+                                      <a:latin typeface="Cambria Math" panose="02040503050406030204" pitchFamily="18" charset="0"/>
+                                    </a:rPr>
+                                    <m:t>2</m:t>
+                                  </m:r>
+                                  <m:r>
+                                    <a:rPr lang="en-US" sz="4400" i="1">
+                                      <a:latin typeface="Cambria Math" panose="02040503050406030204" pitchFamily="18" charset="0"/>
+                                    </a:rPr>
+                                    <m:t>−2</m:t>
+                                  </m:r>
+                                  <m:r>
+                                    <a:rPr lang="en-US" sz="4400" i="1">
+                                      <a:solidFill>
+                                        <a:srgbClr val="C00000"/>
+                                      </a:solidFill>
+                                      <a:latin typeface="Cambria Math" panose="02040503050406030204" pitchFamily="18" charset="0"/>
+                                    </a:rPr>
+                                    <m:t>𝑋</m:t>
+                                  </m:r>
+                                  <m:r>
+                                    <a:rPr lang="en-US" sz="4400" i="1" baseline="-25000">
+                                      <a:solidFill>
+                                        <a:srgbClr val="C00000"/>
+                                      </a:solidFill>
+                                      <a:latin typeface="Cambria Math" panose="02040503050406030204" pitchFamily="18" charset="0"/>
+                                    </a:rPr>
+                                    <m:t>𝑖</m:t>
+                                  </m:r>
+                                  <m:acc>
+                                    <m:accPr>
+                                      <m:chr m:val="̅"/>
+                                      <m:ctrlPr>
+                                        <a:rPr lang="en-US" sz="4400" i="1">
+                                          <a:solidFill>
+                                            <a:srgbClr val="C00000"/>
+                                          </a:solidFill>
+                                          <a:latin typeface="Cambria Math" panose="02040503050406030204" pitchFamily="18" charset="0"/>
+                                        </a:rPr>
+                                      </m:ctrlPr>
+                                    </m:accPr>
+                                    <m:e>
+                                      <m:r>
+                                        <a:rPr lang="en-US" sz="4400" i="1">
+                                          <a:solidFill>
+                                            <a:srgbClr val="C00000"/>
+                                          </a:solidFill>
+                                          <a:latin typeface="Cambria Math" panose="02040503050406030204" pitchFamily="18" charset="0"/>
+                                        </a:rPr>
+                                        <m:t>𝑋</m:t>
+                                      </m:r>
+                                    </m:e>
+                                  </m:acc>
+                                  <m:r>
+                                    <a:rPr lang="en-US" sz="4400" i="1">
+                                      <a:latin typeface="Cambria Math" panose="02040503050406030204" pitchFamily="18" charset="0"/>
+                                    </a:rPr>
+                                    <m:t>+</m:t>
+                                  </m:r>
+                                  <m:acc>
+                                    <m:accPr>
+                                      <m:chr m:val="̅"/>
+                                      <m:ctrlPr>
+                                        <a:rPr lang="en-US" sz="4400" i="1">
+                                          <a:solidFill>
+                                            <a:srgbClr val="C00000"/>
+                                          </a:solidFill>
+                                          <a:latin typeface="Cambria Math" panose="02040503050406030204" pitchFamily="18" charset="0"/>
+                                        </a:rPr>
+                                      </m:ctrlPr>
+                                    </m:accPr>
+                                    <m:e>
+                                      <m:r>
+                                        <a:rPr lang="en-US" sz="4400" i="1">
+                                          <a:solidFill>
+                                            <a:srgbClr val="C00000"/>
+                                          </a:solidFill>
+                                          <a:latin typeface="Cambria Math" panose="02040503050406030204" pitchFamily="18" charset="0"/>
+                                        </a:rPr>
+                                        <m:t>𝑋</m:t>
+                                      </m:r>
+                                    </m:e>
+                                  </m:acc>
+                                  <m:r>
+                                    <a:rPr lang="en-US" sz="4400" i="1" baseline="30000">
+                                      <a:solidFill>
+                                        <a:srgbClr val="C00000"/>
+                                      </a:solidFill>
+                                      <a:latin typeface="Cambria Math" panose="02040503050406030204" pitchFamily="18" charset="0"/>
+                                    </a:rPr>
+                                    <m:t>2</m:t>
+                                  </m:r>
+                                </m:e>
+                              </m:d>
+                            </m:e>
+                          </m:nary>
+                        </m:e>
+                      </m:d>
+                    </m:oMath>
+                  </m:oMathPara>
+                </a14:m>
+                <a:endParaRPr lang="en-US" sz="4400" b="0">
+                  <a:solidFill>
+                    <a:srgbClr val="7030A0"/>
+                  </a:solidFill>
+                </a:endParaRPr>
+              </a:p>
+            </p:txBody>
+          </p:sp>
+        </mc:Choice>
+        <mc:Fallback>
+          <p:sp>
+            <p:nvSpPr>
+              <p:cNvPr id="2" name="TextBox 1">
+                <a:extLst>
+                  <a:ext uri="{FF2B5EF4-FFF2-40B4-BE49-F238E27FC236}">
+                    <a16:creationId xmlns:a16="http://schemas.microsoft.com/office/drawing/2014/main" id="{2DD3BB50-D497-4A13-A95E-29CB0D92A1B3}"/>
+                  </a:ext>
+                </a:extLst>
+              </p:cNvPr>
+              <p:cNvSpPr txBox="1">
+                <a:spLocks noRot="1" noChangeAspect="1" noMove="1" noResize="1" noEditPoints="1" noAdjustHandles="1" noChangeArrowheads="1" noChangeShapeType="1" noTextEdit="1"/>
+              </p:cNvSpPr>
+              <p:nvPr/>
+            </p:nvSpPr>
+            <p:spPr>
+              <a:xfrm>
+                <a:off x="0" y="548539"/>
+                <a:ext cx="12192000" cy="1799852"/>
+              </a:xfrm>
+              <a:prstGeom prst="rect">
+                <a:avLst/>
+              </a:prstGeom>
+              <a:blipFill>
+                <a:blip r:embed="rId2"/>
+                <a:stretch>
+                  <a:fillRect/>
+                </a:stretch>
+              </a:blipFill>
+            </p:spPr>
+            <p:txBody>
+              <a:bodyPr/>
+              <a:lstStyle/>
+              <a:p>
+                <a:r>
+                  <a:rPr lang="en-US">
+                    <a:noFill/>
+                  </a:rPr>
+                  <a:t> </a:t>
+                </a:r>
+              </a:p>
+            </p:txBody>
+          </p:sp>
+        </mc:Fallback>
+      </mc:AlternateContent>
+      <mc:AlternateContent xmlns:mc="http://schemas.openxmlformats.org/markup-compatibility/2006">
+        <mc:Choice xmlns:a14="http://schemas.microsoft.com/office/drawing/2010/main" Requires="a14">
+          <p:sp>
+            <p:nvSpPr>
+              <p:cNvPr id="4" name="TextBox 3">
+                <a:extLst>
+                  <a:ext uri="{FF2B5EF4-FFF2-40B4-BE49-F238E27FC236}">
+                    <a16:creationId xmlns:a16="http://schemas.microsoft.com/office/drawing/2014/main" id="{84438389-277E-4780-80C1-2CDD2F345AC9}"/>
+                  </a:ext>
+                </a:extLst>
+              </p:cNvPr>
+              <p:cNvSpPr txBox="1"/>
+              <p:nvPr/>
+            </p:nvSpPr>
+            <p:spPr>
+              <a:xfrm>
+                <a:off x="1713912" y="2921031"/>
+                <a:ext cx="8764173" cy="1799852"/>
+              </a:xfrm>
+              <a:prstGeom prst="rect">
+                <a:avLst/>
+              </a:prstGeom>
+              <a:noFill/>
+            </p:spPr>
+            <p:txBody>
+              <a:bodyPr wrap="square" lIns="0" tIns="0" rIns="0" bIns="0" rtlCol="0">
+                <a:spAutoFit/>
+              </a:bodyPr>
+              <a:lstStyle/>
+              <a:p>
+                <a:pPr/>
+                <a14:m>
+                  <m:oMathPara xmlns:m="http://schemas.openxmlformats.org/officeDocument/2006/math">
+                    <m:oMathParaPr>
+                      <m:jc m:val="centerGroup"/>
+                    </m:oMathParaPr>
+                    <m:oMath xmlns:m="http://schemas.openxmlformats.org/officeDocument/2006/math">
+                      <m:r>
+                        <a:rPr lang="en-US" sz="4400" b="0" i="1" smtClean="0">
+                          <a:solidFill>
+                            <a:schemeClr val="tx1"/>
+                          </a:solidFill>
+                          <a:latin typeface="Cambria Math" panose="02040503050406030204" pitchFamily="18" charset="0"/>
+                        </a:rPr>
+                        <m:t>=</m:t>
+                      </m:r>
+                      <m:r>
+                        <a:rPr lang="en-US" sz="4400" b="0" i="1" smtClean="0">
+                          <a:solidFill>
+                            <a:schemeClr val="tx1"/>
+                          </a:solidFill>
+                          <a:latin typeface="Cambria Math" panose="02040503050406030204" pitchFamily="18" charset="0"/>
+                        </a:rPr>
+                        <m:t>𝐸</m:t>
+                      </m:r>
+                      <m:d>
+                        <m:dPr>
+                          <m:begChr m:val="["/>
+                          <m:endChr m:val="]"/>
+                          <m:ctrlPr>
+                            <a:rPr lang="en-US" sz="4400" b="0" i="1" smtClean="0">
+                              <a:solidFill>
+                                <a:schemeClr val="tx1"/>
+                              </a:solidFill>
+                              <a:latin typeface="Cambria Math" panose="02040503050406030204" pitchFamily="18" charset="0"/>
+                            </a:rPr>
+                          </m:ctrlPr>
+                        </m:dPr>
+                        <m:e>
+                          <m:nary>
+                            <m:naryPr>
+                              <m:chr m:val="∑"/>
+                              <m:subHide m:val="on"/>
+                              <m:supHide m:val="on"/>
+                              <m:ctrlPr>
+                                <a:rPr lang="en-US" sz="4400" i="1">
+                                  <a:latin typeface="Cambria Math" panose="02040503050406030204" pitchFamily="18" charset="0"/>
+                                </a:rPr>
+                              </m:ctrlPr>
+                            </m:naryPr>
+                            <m:sub/>
+                            <m:sup/>
+                            <m:e>
+                              <m:r>
+                                <a:rPr lang="en-US" sz="4400" i="1">
+                                  <a:solidFill>
+                                    <a:srgbClr val="C00000"/>
+                                  </a:solidFill>
+                                  <a:latin typeface="Cambria Math" panose="02040503050406030204" pitchFamily="18" charset="0"/>
+                                </a:rPr>
+                                <m:t>𝑋</m:t>
+                              </m:r>
+                              <m:r>
+                                <a:rPr lang="en-US" sz="4400" i="1" baseline="-25000">
+                                  <a:solidFill>
+                                    <a:srgbClr val="C00000"/>
+                                  </a:solidFill>
+                                  <a:latin typeface="Cambria Math" panose="02040503050406030204" pitchFamily="18" charset="0"/>
+                                </a:rPr>
+                                <m:t>𝑖</m:t>
+                              </m:r>
+                              <m:r>
+                                <a:rPr lang="en-US" sz="4400" i="1" baseline="30000">
+                                  <a:solidFill>
+                                    <a:srgbClr val="C00000"/>
+                                  </a:solidFill>
+                                  <a:latin typeface="Cambria Math" panose="02040503050406030204" pitchFamily="18" charset="0"/>
+                                </a:rPr>
+                                <m:t>2</m:t>
+                              </m:r>
+                            </m:e>
+                          </m:nary>
+                          <m:r>
+                            <a:rPr lang="en-US" sz="4400" b="0" i="1" smtClean="0">
+                              <a:latin typeface="Cambria Math" panose="02040503050406030204" pitchFamily="18" charset="0"/>
+                            </a:rPr>
+                            <m:t>−2</m:t>
+                          </m:r>
+                          <m:r>
+                            <a:rPr lang="en-US" sz="4400" b="0" i="1" smtClean="0">
+                              <a:latin typeface="Cambria Math" panose="02040503050406030204" pitchFamily="18" charset="0"/>
+                            </a:rPr>
+                            <m:t>𝑛</m:t>
+                          </m:r>
+                          <m:acc>
+                            <m:accPr>
+                              <m:chr m:val="̅"/>
+                              <m:ctrlPr>
+                                <a:rPr lang="en-US" sz="4400" i="1">
+                                  <a:solidFill>
+                                    <a:srgbClr val="C00000"/>
+                                  </a:solidFill>
+                                  <a:latin typeface="Cambria Math" panose="02040503050406030204" pitchFamily="18" charset="0"/>
+                                </a:rPr>
+                              </m:ctrlPr>
+                            </m:accPr>
+                            <m:e>
+                              <m:r>
+                                <a:rPr lang="en-US" sz="4400" i="1">
+                                  <a:solidFill>
+                                    <a:srgbClr val="C00000"/>
+                                  </a:solidFill>
+                                  <a:latin typeface="Cambria Math" panose="02040503050406030204" pitchFamily="18" charset="0"/>
+                                </a:rPr>
+                                <m:t>𝑋</m:t>
+                              </m:r>
+                            </m:e>
+                          </m:acc>
+                          <m:r>
+                            <a:rPr lang="en-US" sz="4400" i="1" baseline="30000">
+                              <a:solidFill>
+                                <a:srgbClr val="C00000"/>
+                              </a:solidFill>
+                              <a:latin typeface="Cambria Math" panose="02040503050406030204" pitchFamily="18" charset="0"/>
+                            </a:rPr>
+                            <m:t>2</m:t>
+                          </m:r>
+                          <m:r>
+                            <a:rPr lang="en-US" sz="4400" b="0" i="1" smtClean="0">
+                              <a:solidFill>
+                                <a:schemeClr val="tx1"/>
+                              </a:solidFill>
+                              <a:latin typeface="Cambria Math" panose="02040503050406030204" pitchFamily="18" charset="0"/>
+                            </a:rPr>
+                            <m:t>+</m:t>
+                          </m:r>
+                          <m:r>
+                            <a:rPr lang="en-US" sz="4400" i="1" smtClean="0">
+                              <a:latin typeface="Cambria Math" panose="02040503050406030204" pitchFamily="18" charset="0"/>
+                            </a:rPr>
+                            <m:t>𝑛</m:t>
+                          </m:r>
+                          <m:acc>
+                            <m:accPr>
+                              <m:chr m:val="̅"/>
+                              <m:ctrlPr>
+                                <a:rPr lang="en-US" sz="4400" i="1">
+                                  <a:solidFill>
+                                    <a:srgbClr val="C00000"/>
+                                  </a:solidFill>
+                                  <a:latin typeface="Cambria Math" panose="02040503050406030204" pitchFamily="18" charset="0"/>
+                                </a:rPr>
+                              </m:ctrlPr>
+                            </m:accPr>
+                            <m:e>
+                              <m:r>
+                                <a:rPr lang="en-US" sz="4400" i="1">
+                                  <a:solidFill>
+                                    <a:srgbClr val="C00000"/>
+                                  </a:solidFill>
+                                  <a:latin typeface="Cambria Math" panose="02040503050406030204" pitchFamily="18" charset="0"/>
+                                </a:rPr>
+                                <m:t>𝑋</m:t>
+                              </m:r>
+                            </m:e>
+                          </m:acc>
+                          <m:r>
+                            <a:rPr lang="en-US" sz="4400" i="1" baseline="30000">
+                              <a:solidFill>
+                                <a:srgbClr val="C00000"/>
+                              </a:solidFill>
+                              <a:latin typeface="Cambria Math" panose="02040503050406030204" pitchFamily="18" charset="0"/>
+                            </a:rPr>
+                            <m:t>2</m:t>
+                          </m:r>
+                        </m:e>
+                      </m:d>
+                    </m:oMath>
+                  </m:oMathPara>
+                </a14:m>
+                <a:endParaRPr lang="en-US" sz="4400" b="0">
+                  <a:solidFill>
+                    <a:srgbClr val="7030A0"/>
+                  </a:solidFill>
+                </a:endParaRPr>
+              </a:p>
+            </p:txBody>
+          </p:sp>
+        </mc:Choice>
+        <mc:Fallback>
+          <p:sp>
+            <p:nvSpPr>
+              <p:cNvPr id="4" name="TextBox 3">
+                <a:extLst>
+                  <a:ext uri="{FF2B5EF4-FFF2-40B4-BE49-F238E27FC236}">
+                    <a16:creationId xmlns:a16="http://schemas.microsoft.com/office/drawing/2014/main" id="{84438389-277E-4780-80C1-2CDD2F345AC9}"/>
+                  </a:ext>
+                </a:extLst>
+              </p:cNvPr>
+              <p:cNvSpPr txBox="1">
+                <a:spLocks noRot="1" noChangeAspect="1" noMove="1" noResize="1" noEditPoints="1" noAdjustHandles="1" noChangeArrowheads="1" noChangeShapeType="1" noTextEdit="1"/>
+              </p:cNvSpPr>
+              <p:nvPr/>
+            </p:nvSpPr>
+            <p:spPr>
+              <a:xfrm>
+                <a:off x="1713912" y="2921031"/>
+                <a:ext cx="8764173" cy="1799852"/>
+              </a:xfrm>
+              <a:prstGeom prst="rect">
+                <a:avLst/>
+              </a:prstGeom>
+              <a:blipFill>
+                <a:blip r:embed="rId3"/>
+                <a:stretch>
+                  <a:fillRect/>
+                </a:stretch>
+              </a:blipFill>
+            </p:spPr>
+            <p:txBody>
+              <a:bodyPr/>
+              <a:lstStyle/>
+              <a:p>
+                <a:r>
+                  <a:rPr lang="en-US">
+                    <a:noFill/>
+                  </a:rPr>
+                  <a:t> </a:t>
+                </a:r>
+              </a:p>
+            </p:txBody>
+          </p:sp>
+        </mc:Fallback>
+      </mc:AlternateContent>
+      <mc:AlternateContent xmlns:mc="http://schemas.openxmlformats.org/markup-compatibility/2006">
+        <mc:Choice xmlns:a14="http://schemas.microsoft.com/office/drawing/2010/main" Requires="a14">
+          <p:sp>
+            <p:nvSpPr>
+              <p:cNvPr id="5" name="TextBox 4">
+                <a:extLst>
+                  <a:ext uri="{FF2B5EF4-FFF2-40B4-BE49-F238E27FC236}">
+                    <a16:creationId xmlns:a16="http://schemas.microsoft.com/office/drawing/2014/main" id="{C1D0D788-71D4-44E9-B6C3-5318007F8E90}"/>
+                  </a:ext>
+                </a:extLst>
+              </p:cNvPr>
+              <p:cNvSpPr txBox="1"/>
+              <p:nvPr/>
+            </p:nvSpPr>
+            <p:spPr>
+              <a:xfrm>
+                <a:off x="1713913" y="4720883"/>
+                <a:ext cx="8764173" cy="1799852"/>
+              </a:xfrm>
+              <a:prstGeom prst="rect">
+                <a:avLst/>
+              </a:prstGeom>
+              <a:noFill/>
+            </p:spPr>
+            <p:txBody>
+              <a:bodyPr wrap="square" lIns="0" tIns="0" rIns="0" bIns="0" rtlCol="0">
+                <a:spAutoFit/>
+              </a:bodyPr>
+              <a:lstStyle/>
+              <a:p>
+                <a:pPr/>
+                <a14:m>
+                  <m:oMathPara xmlns:m="http://schemas.openxmlformats.org/officeDocument/2006/math">
+                    <m:oMathParaPr>
+                      <m:jc m:val="centerGroup"/>
+                    </m:oMathParaPr>
+                    <m:oMath xmlns:m="http://schemas.openxmlformats.org/officeDocument/2006/math">
+                      <m:r>
+                        <a:rPr lang="en-US" sz="4400" b="0" i="1" smtClean="0">
+                          <a:solidFill>
+                            <a:schemeClr val="tx1"/>
+                          </a:solidFill>
+                          <a:latin typeface="Cambria Math" panose="02040503050406030204" pitchFamily="18" charset="0"/>
+                        </a:rPr>
+                        <m:t>=</m:t>
+                      </m:r>
+                      <m:r>
+                        <a:rPr lang="en-US" sz="4400" b="0" i="1" smtClean="0">
+                          <a:solidFill>
+                            <a:schemeClr val="tx1"/>
+                          </a:solidFill>
+                          <a:latin typeface="Cambria Math" panose="02040503050406030204" pitchFamily="18" charset="0"/>
+                        </a:rPr>
+                        <m:t>𝐸</m:t>
+                      </m:r>
+                      <m:d>
+                        <m:dPr>
+                          <m:begChr m:val="["/>
+                          <m:endChr m:val="]"/>
+                          <m:ctrlPr>
+                            <a:rPr lang="en-US" sz="4400" b="0" i="1" smtClean="0">
+                              <a:solidFill>
+                                <a:schemeClr val="tx1"/>
+                              </a:solidFill>
+                              <a:latin typeface="Cambria Math" panose="02040503050406030204" pitchFamily="18" charset="0"/>
+                            </a:rPr>
+                          </m:ctrlPr>
+                        </m:dPr>
+                        <m:e>
+                          <m:nary>
+                            <m:naryPr>
+                              <m:chr m:val="∑"/>
+                              <m:subHide m:val="on"/>
+                              <m:supHide m:val="on"/>
+                              <m:ctrlPr>
+                                <a:rPr lang="en-US" sz="4400" i="1">
+                                  <a:latin typeface="Cambria Math" panose="02040503050406030204" pitchFamily="18" charset="0"/>
+                                </a:rPr>
+                              </m:ctrlPr>
+                            </m:naryPr>
+                            <m:sub/>
+                            <m:sup/>
+                            <m:e>
+                              <m:r>
+                                <a:rPr lang="en-US" sz="4400" b="0" i="1" smtClean="0">
+                                  <a:latin typeface="Cambria Math" panose="02040503050406030204" pitchFamily="18" charset="0"/>
+                                </a:rPr>
+                                <m:t>(</m:t>
+                              </m:r>
+                              <m:r>
+                                <a:rPr lang="en-US" sz="4400" i="1">
+                                  <a:solidFill>
+                                    <a:srgbClr val="C00000"/>
+                                  </a:solidFill>
+                                  <a:latin typeface="Cambria Math" panose="02040503050406030204" pitchFamily="18" charset="0"/>
+                                </a:rPr>
+                                <m:t>𝑋</m:t>
+                              </m:r>
+                              <m:r>
+                                <a:rPr lang="en-US" sz="4400" i="1" baseline="-25000">
+                                  <a:solidFill>
+                                    <a:srgbClr val="C00000"/>
+                                  </a:solidFill>
+                                  <a:latin typeface="Cambria Math" panose="02040503050406030204" pitchFamily="18" charset="0"/>
+                                </a:rPr>
+                                <m:t>𝑖</m:t>
+                              </m:r>
+                              <m:r>
+                                <a:rPr lang="en-US" sz="4400" i="1" baseline="30000">
+                                  <a:solidFill>
+                                    <a:srgbClr val="C00000"/>
+                                  </a:solidFill>
+                                  <a:latin typeface="Cambria Math" panose="02040503050406030204" pitchFamily="18" charset="0"/>
+                                </a:rPr>
+                                <m:t>2</m:t>
+                              </m:r>
+                            </m:e>
+                          </m:nary>
+                          <m:r>
+                            <a:rPr lang="en-US" sz="4400" b="0" i="1" smtClean="0">
+                              <a:latin typeface="Cambria Math" panose="02040503050406030204" pitchFamily="18" charset="0"/>
+                            </a:rPr>
+                            <m:t>)−</m:t>
+                          </m:r>
+                          <m:r>
+                            <a:rPr lang="en-US" sz="4400" i="1" smtClean="0">
+                              <a:latin typeface="Cambria Math" panose="02040503050406030204" pitchFamily="18" charset="0"/>
+                            </a:rPr>
+                            <m:t>𝑛</m:t>
+                          </m:r>
+                          <m:acc>
+                            <m:accPr>
+                              <m:chr m:val="̅"/>
+                              <m:ctrlPr>
+                                <a:rPr lang="en-US" sz="4400" i="1">
+                                  <a:solidFill>
+                                    <a:srgbClr val="C00000"/>
+                                  </a:solidFill>
+                                  <a:latin typeface="Cambria Math" panose="02040503050406030204" pitchFamily="18" charset="0"/>
+                                </a:rPr>
+                              </m:ctrlPr>
+                            </m:accPr>
+                            <m:e>
+                              <m:r>
+                                <a:rPr lang="en-US" sz="4400" i="1">
+                                  <a:solidFill>
+                                    <a:srgbClr val="C00000"/>
+                                  </a:solidFill>
+                                  <a:latin typeface="Cambria Math" panose="02040503050406030204" pitchFamily="18" charset="0"/>
+                                </a:rPr>
+                                <m:t>𝑋</m:t>
+                              </m:r>
+                            </m:e>
+                          </m:acc>
+                          <m:r>
+                            <a:rPr lang="en-US" sz="4400" i="1" baseline="30000">
+                              <a:solidFill>
+                                <a:srgbClr val="C00000"/>
+                              </a:solidFill>
+                              <a:latin typeface="Cambria Math" panose="02040503050406030204" pitchFamily="18" charset="0"/>
+                            </a:rPr>
+                            <m:t>2</m:t>
+                          </m:r>
+                        </m:e>
+                      </m:d>
+                    </m:oMath>
+                  </m:oMathPara>
+                </a14:m>
+                <a:endParaRPr lang="en-US" sz="4400" b="0">
+                  <a:solidFill>
+                    <a:srgbClr val="7030A0"/>
+                  </a:solidFill>
+                </a:endParaRPr>
+              </a:p>
+            </p:txBody>
+          </p:sp>
+        </mc:Choice>
+        <mc:Fallback>
+          <p:sp>
+            <p:nvSpPr>
+              <p:cNvPr id="5" name="TextBox 4">
+                <a:extLst>
+                  <a:ext uri="{FF2B5EF4-FFF2-40B4-BE49-F238E27FC236}">
+                    <a16:creationId xmlns:a16="http://schemas.microsoft.com/office/drawing/2014/main" id="{C1D0D788-71D4-44E9-B6C3-5318007F8E90}"/>
+                  </a:ext>
+                </a:extLst>
+              </p:cNvPr>
+              <p:cNvSpPr txBox="1">
+                <a:spLocks noRot="1" noChangeAspect="1" noMove="1" noResize="1" noEditPoints="1" noAdjustHandles="1" noChangeArrowheads="1" noChangeShapeType="1" noTextEdit="1"/>
+              </p:cNvSpPr>
+              <p:nvPr/>
+            </p:nvSpPr>
+            <p:spPr>
+              <a:xfrm>
+                <a:off x="1713913" y="4720883"/>
+                <a:ext cx="8764173" cy="1799852"/>
+              </a:xfrm>
+              <a:prstGeom prst="rect">
+                <a:avLst/>
+              </a:prstGeom>
+              <a:blipFill>
+                <a:blip r:embed="rId4"/>
+                <a:stretch>
+                  <a:fillRect/>
+                </a:stretch>
+              </a:blipFill>
+            </p:spPr>
+            <p:txBody>
+              <a:bodyPr/>
+              <a:lstStyle/>
+              <a:p>
+                <a:r>
+                  <a:rPr lang="en-US">
+                    <a:noFill/>
+                  </a:rPr>
+                  <a:t> </a:t>
+                </a:r>
+              </a:p>
+            </p:txBody>
+          </p:sp>
+        </mc:Fallback>
+      </mc:AlternateContent>
+    </p:spTree>
+    <p:extLst>
+      <p:ext uri="{BB962C8B-B14F-4D97-AF65-F5344CB8AC3E}">
+        <p14:creationId xmlns:p14="http://schemas.microsoft.com/office/powerpoint/2010/main" val="2227120075"/>
+      </p:ext>
+    </p:extLst>
+  </p:cSld>
+  <p:clrMapOvr>
+    <a:masterClrMapping/>
+  </p:clrMapOvr>
+</p:sld>
+</file>
+
+<file path=ppt/slides/slide14.xml><?xml version="1.0" encoding="utf-8"?>
+<p:sld xmlns:a="http://schemas.openxmlformats.org/drawingml/2006/main" xmlns:r="http://schemas.openxmlformats.org/officeDocument/2006/relationships" xmlns:p="http://schemas.openxmlformats.org/presentationml/2006/main">
+  <p:cSld>
+    <p:spTree>
+      <p:nvGrpSpPr>
+        <p:cNvPr id="1" name=""/>
+        <p:cNvGrpSpPr/>
+        <p:nvPr/>
+      </p:nvGrpSpPr>
+      <p:grpSpPr>
+        <a:xfrm>
+          <a:off x="0" y="0"/>
+          <a:ext cx="0" cy="0"/>
+          <a:chOff x="0" y="0"/>
+          <a:chExt cx="0" cy="0"/>
+        </a:xfrm>
+      </p:grpSpPr>
+      <mc:AlternateContent xmlns:mc="http://schemas.openxmlformats.org/markup-compatibility/2006">
+        <mc:Choice xmlns:a14="http://schemas.microsoft.com/office/drawing/2010/main" Requires="a14">
+          <p:sp>
+            <p:nvSpPr>
+              <p:cNvPr id="3" name="TextBox 2">
+                <a:extLst>
+                  <a:ext uri="{FF2B5EF4-FFF2-40B4-BE49-F238E27FC236}">
+                    <a16:creationId xmlns:a16="http://schemas.microsoft.com/office/drawing/2014/main" id="{CEE13AF8-E7F0-49C5-9CC2-39F98BF59EAC}"/>
+                  </a:ext>
+                </a:extLst>
+              </p:cNvPr>
+              <p:cNvSpPr txBox="1"/>
+              <p:nvPr/>
+            </p:nvSpPr>
+            <p:spPr>
+              <a:xfrm>
+                <a:off x="504091" y="270010"/>
+                <a:ext cx="5418407" cy="1636282"/>
+              </a:xfrm>
+              <a:prstGeom prst="rect">
+                <a:avLst/>
+              </a:prstGeom>
+              <a:noFill/>
+            </p:spPr>
+            <p:txBody>
+              <a:bodyPr wrap="square" lIns="0" tIns="0" rIns="0" bIns="0" rtlCol="0">
+                <a:spAutoFit/>
+              </a:bodyPr>
+              <a:lstStyle/>
+              <a:p>
+                <a:pPr/>
+                <a14:m>
+                  <m:oMathPara xmlns:m="http://schemas.openxmlformats.org/officeDocument/2006/math">
+                    <m:oMathParaPr>
+                      <m:jc m:val="centerGroup"/>
+                    </m:oMathParaPr>
+                    <m:oMath xmlns:m="http://schemas.openxmlformats.org/officeDocument/2006/math">
+                      <m:r>
+                        <a:rPr lang="en-US" sz="4000" b="0" i="1" smtClean="0">
+                          <a:solidFill>
+                            <a:schemeClr val="tx1"/>
+                          </a:solidFill>
+                          <a:latin typeface="Cambria Math" panose="02040503050406030204" pitchFamily="18" charset="0"/>
+                        </a:rPr>
+                        <m:t>=</m:t>
+                      </m:r>
+                      <m:r>
+                        <a:rPr lang="en-US" sz="4000" b="0" i="1" smtClean="0">
+                          <a:solidFill>
+                            <a:schemeClr val="tx1"/>
+                          </a:solidFill>
+                          <a:latin typeface="Cambria Math" panose="02040503050406030204" pitchFamily="18" charset="0"/>
+                        </a:rPr>
+                        <m:t>𝐸</m:t>
+                      </m:r>
+                      <m:d>
+                        <m:dPr>
+                          <m:begChr m:val="["/>
+                          <m:endChr m:val="]"/>
+                          <m:ctrlPr>
+                            <a:rPr lang="en-US" sz="4000" b="0" i="1" smtClean="0">
+                              <a:solidFill>
+                                <a:schemeClr val="tx1"/>
+                              </a:solidFill>
+                              <a:latin typeface="Cambria Math" panose="02040503050406030204" pitchFamily="18" charset="0"/>
+                            </a:rPr>
+                          </m:ctrlPr>
+                        </m:dPr>
+                        <m:e>
+                          <m:nary>
+                            <m:naryPr>
+                              <m:chr m:val="∑"/>
+                              <m:subHide m:val="on"/>
+                              <m:supHide m:val="on"/>
+                              <m:ctrlPr>
+                                <a:rPr lang="en-US" sz="4000" i="1">
+                                  <a:latin typeface="Cambria Math" panose="02040503050406030204" pitchFamily="18" charset="0"/>
+                                </a:rPr>
+                              </m:ctrlPr>
+                            </m:naryPr>
+                            <m:sub/>
+                            <m:sup/>
+                            <m:e>
+                              <m:r>
+                                <a:rPr lang="en-US" sz="4000" i="1">
+                                  <a:latin typeface="Cambria Math" panose="02040503050406030204" pitchFamily="18" charset="0"/>
+                                </a:rPr>
+                                <m:t>(</m:t>
+                              </m:r>
+                              <m:r>
+                                <a:rPr lang="en-US" sz="4000" i="1">
+                                  <a:solidFill>
+                                    <a:srgbClr val="C00000"/>
+                                  </a:solidFill>
+                                  <a:latin typeface="Cambria Math" panose="02040503050406030204" pitchFamily="18" charset="0"/>
+                                </a:rPr>
+                                <m:t>𝑋</m:t>
+                              </m:r>
+                              <m:r>
+                                <a:rPr lang="en-US" sz="4000" i="1" baseline="-25000">
+                                  <a:solidFill>
+                                    <a:srgbClr val="C00000"/>
+                                  </a:solidFill>
+                                  <a:latin typeface="Cambria Math" panose="02040503050406030204" pitchFamily="18" charset="0"/>
+                                </a:rPr>
+                                <m:t>𝑖</m:t>
+                              </m:r>
+                              <m:r>
+                                <a:rPr lang="en-US" sz="4000" i="1" baseline="30000">
+                                  <a:solidFill>
+                                    <a:srgbClr val="C00000"/>
+                                  </a:solidFill>
+                                  <a:latin typeface="Cambria Math" panose="02040503050406030204" pitchFamily="18" charset="0"/>
+                                </a:rPr>
+                                <m:t>2</m:t>
+                              </m:r>
+                            </m:e>
+                          </m:nary>
+                          <m:r>
+                            <a:rPr lang="en-US" sz="4000" i="1">
+                              <a:latin typeface="Cambria Math" panose="02040503050406030204" pitchFamily="18" charset="0"/>
+                            </a:rPr>
+                            <m:t>)</m:t>
+                          </m:r>
+                        </m:e>
+                      </m:d>
+                      <m:r>
+                        <a:rPr lang="en-US" sz="4000" b="0" i="1" smtClean="0">
+                          <a:solidFill>
+                            <a:schemeClr val="tx1"/>
+                          </a:solidFill>
+                          <a:latin typeface="Cambria Math" panose="02040503050406030204" pitchFamily="18" charset="0"/>
+                        </a:rPr>
+                        <m:t>−</m:t>
+                      </m:r>
+                      <m:r>
+                        <a:rPr lang="en-US" sz="4000" b="0" i="1" smtClean="0">
+                          <a:solidFill>
+                            <a:schemeClr val="tx1"/>
+                          </a:solidFill>
+                          <a:latin typeface="Cambria Math" panose="02040503050406030204" pitchFamily="18" charset="0"/>
+                        </a:rPr>
+                        <m:t>𝐸</m:t>
+                      </m:r>
+                      <m:d>
+                        <m:dPr>
+                          <m:begChr m:val="["/>
+                          <m:endChr m:val="]"/>
+                          <m:ctrlPr>
+                            <a:rPr lang="en-US" sz="4000" b="0" i="1" smtClean="0">
+                              <a:solidFill>
+                                <a:schemeClr val="tx1"/>
+                              </a:solidFill>
+                              <a:latin typeface="Cambria Math" panose="02040503050406030204" pitchFamily="18" charset="0"/>
+                            </a:rPr>
+                          </m:ctrlPr>
+                        </m:dPr>
+                        <m:e>
+                          <m:r>
+                            <a:rPr lang="en-US" sz="4000" i="1" smtClean="0">
+                              <a:latin typeface="Cambria Math" panose="02040503050406030204" pitchFamily="18" charset="0"/>
+                            </a:rPr>
+                            <m:t>𝑛</m:t>
+                          </m:r>
+                          <m:acc>
+                            <m:accPr>
+                              <m:chr m:val="̅"/>
+                              <m:ctrlPr>
+                                <a:rPr lang="en-US" sz="4000" i="1">
+                                  <a:solidFill>
+                                    <a:srgbClr val="C00000"/>
+                                  </a:solidFill>
+                                  <a:latin typeface="Cambria Math" panose="02040503050406030204" pitchFamily="18" charset="0"/>
+                                </a:rPr>
+                              </m:ctrlPr>
+                            </m:accPr>
+                            <m:e>
+                              <m:r>
+                                <a:rPr lang="en-US" sz="4000" i="1">
+                                  <a:solidFill>
+                                    <a:srgbClr val="C00000"/>
+                                  </a:solidFill>
+                                  <a:latin typeface="Cambria Math" panose="02040503050406030204" pitchFamily="18" charset="0"/>
+                                </a:rPr>
+                                <m:t>𝑋</m:t>
+                              </m:r>
+                            </m:e>
+                          </m:acc>
+                          <m:r>
+                            <a:rPr lang="en-US" sz="4000" i="1" baseline="30000">
+                              <a:solidFill>
+                                <a:srgbClr val="C00000"/>
+                              </a:solidFill>
+                              <a:latin typeface="Cambria Math" panose="02040503050406030204" pitchFamily="18" charset="0"/>
+                            </a:rPr>
+                            <m:t>2</m:t>
+                          </m:r>
+                        </m:e>
+                      </m:d>
+                    </m:oMath>
+                  </m:oMathPara>
+                </a14:m>
+                <a:endParaRPr lang="en-US" sz="4000" b="0">
+                  <a:solidFill>
+                    <a:srgbClr val="7030A0"/>
+                  </a:solidFill>
+                </a:endParaRPr>
+              </a:p>
+            </p:txBody>
+          </p:sp>
+        </mc:Choice>
+        <mc:Fallback>
+          <p:sp>
+            <p:nvSpPr>
+              <p:cNvPr id="3" name="TextBox 2">
+                <a:extLst>
+                  <a:ext uri="{FF2B5EF4-FFF2-40B4-BE49-F238E27FC236}">
+                    <a16:creationId xmlns:a16="http://schemas.microsoft.com/office/drawing/2014/main" id="{CEE13AF8-E7F0-49C5-9CC2-39F98BF59EAC}"/>
+                  </a:ext>
+                </a:extLst>
+              </p:cNvPr>
+              <p:cNvSpPr txBox="1">
+                <a:spLocks noRot="1" noChangeAspect="1" noMove="1" noResize="1" noEditPoints="1" noAdjustHandles="1" noChangeArrowheads="1" noChangeShapeType="1" noTextEdit="1"/>
+              </p:cNvSpPr>
+              <p:nvPr/>
+            </p:nvSpPr>
+            <p:spPr>
+              <a:xfrm>
+                <a:off x="504091" y="270010"/>
+                <a:ext cx="5418407" cy="1636282"/>
+              </a:xfrm>
+              <a:prstGeom prst="rect">
+                <a:avLst/>
+              </a:prstGeom>
+              <a:blipFill>
+                <a:blip r:embed="rId2"/>
+                <a:stretch>
+                  <a:fillRect/>
+                </a:stretch>
+              </a:blipFill>
+            </p:spPr>
+            <p:txBody>
+              <a:bodyPr/>
+              <a:lstStyle/>
+              <a:p>
+                <a:r>
+                  <a:rPr lang="en-US">
+                    <a:noFill/>
+                  </a:rPr>
+                  <a:t> </a:t>
+                </a:r>
+              </a:p>
+            </p:txBody>
+          </p:sp>
+        </mc:Fallback>
+      </mc:AlternateContent>
+      <mc:AlternateContent xmlns:mc="http://schemas.openxmlformats.org/markup-compatibility/2006">
+        <mc:Choice xmlns:a14="http://schemas.microsoft.com/office/drawing/2010/main" Requires="a14">
+          <p:sp>
+            <p:nvSpPr>
+              <p:cNvPr id="5" name="TextBox 4">
+                <a:extLst>
+                  <a:ext uri="{FF2B5EF4-FFF2-40B4-BE49-F238E27FC236}">
+                    <a16:creationId xmlns:a16="http://schemas.microsoft.com/office/drawing/2014/main" id="{7C8C2B8E-EBFB-466F-96A6-5C8FB8E08DCD}"/>
+                  </a:ext>
+                </a:extLst>
+              </p:cNvPr>
+              <p:cNvSpPr txBox="1"/>
+              <p:nvPr/>
+            </p:nvSpPr>
+            <p:spPr>
+              <a:xfrm>
+                <a:off x="6095999" y="780374"/>
+                <a:ext cx="5995183" cy="615553"/>
+              </a:xfrm>
+              <a:prstGeom prst="rect">
+                <a:avLst/>
+              </a:prstGeom>
+              <a:noFill/>
+            </p:spPr>
+            <p:txBody>
+              <a:bodyPr wrap="square" lIns="0" tIns="0" rIns="0" bIns="0" rtlCol="0">
+                <a:spAutoFit/>
+              </a:bodyPr>
+              <a:lstStyle/>
+              <a:p>
+                <a:pPr/>
+                <a14:m>
+                  <m:oMathPara xmlns:m="http://schemas.openxmlformats.org/officeDocument/2006/math">
+                    <m:oMathParaPr>
+                      <m:jc m:val="centerGroup"/>
+                    </m:oMathParaPr>
+                    <m:oMath xmlns:m="http://schemas.openxmlformats.org/officeDocument/2006/math">
+                      <m:r>
+                        <a:rPr lang="en-US" sz="4000" b="0" i="1" smtClean="0">
+                          <a:solidFill>
+                            <a:schemeClr val="tx1"/>
+                          </a:solidFill>
+                          <a:latin typeface="Cambria Math" panose="02040503050406030204" pitchFamily="18" charset="0"/>
+                        </a:rPr>
+                        <m:t>=</m:t>
+                      </m:r>
+                      <m:r>
+                        <a:rPr lang="en-US" sz="4000" b="0" i="1" smtClean="0">
+                          <a:solidFill>
+                            <a:schemeClr val="tx1"/>
+                          </a:solidFill>
+                          <a:latin typeface="Cambria Math" panose="02040503050406030204" pitchFamily="18" charset="0"/>
+                        </a:rPr>
+                        <m:t>𝑛</m:t>
+                      </m:r>
+                      <m:r>
+                        <a:rPr lang="en-US" sz="4000" i="1">
+                          <a:latin typeface="Cambria Math" panose="02040503050406030204" pitchFamily="18" charset="0"/>
+                        </a:rPr>
+                        <m:t>µ</m:t>
+                      </m:r>
+                      <m:r>
+                        <a:rPr lang="en-US" sz="4000" i="1" baseline="30000">
+                          <a:latin typeface="Cambria Math" panose="02040503050406030204" pitchFamily="18" charset="0"/>
+                        </a:rPr>
+                        <m:t>2</m:t>
+                      </m:r>
+                      <m:r>
+                        <a:rPr lang="en-US" sz="4000" i="1">
+                          <a:latin typeface="Cambria Math" panose="02040503050406030204" pitchFamily="18" charset="0"/>
+                        </a:rPr>
+                        <m:t>+</m:t>
+                      </m:r>
+                      <m:r>
+                        <a:rPr lang="en-US" sz="4000" b="0" i="1" smtClean="0">
+                          <a:latin typeface="Cambria Math" panose="02040503050406030204" pitchFamily="18" charset="0"/>
+                        </a:rPr>
+                        <m:t>𝑛</m:t>
+                      </m:r>
+                      <m:r>
+                        <a:rPr lang="en-US" sz="4000" i="1">
+                          <a:latin typeface="Cambria Math" panose="02040503050406030204" pitchFamily="18" charset="0"/>
+                        </a:rPr>
+                        <m:t>𝜎</m:t>
+                      </m:r>
+                      <m:r>
+                        <a:rPr lang="en-US" sz="4000" i="1" baseline="30000">
+                          <a:latin typeface="Cambria Math" panose="02040503050406030204" pitchFamily="18" charset="0"/>
+                        </a:rPr>
+                        <m:t>2</m:t>
+                      </m:r>
+                      <m:r>
+                        <a:rPr lang="en-US" sz="4000" b="0" i="1" smtClean="0">
+                          <a:solidFill>
+                            <a:schemeClr val="tx1"/>
+                          </a:solidFill>
+                          <a:latin typeface="Cambria Math" panose="02040503050406030204" pitchFamily="18" charset="0"/>
+                        </a:rPr>
+                        <m:t>− </m:t>
+                      </m:r>
+                      <m:r>
+                        <a:rPr lang="en-US" sz="4000" b="0" i="1" smtClean="0">
+                          <a:solidFill>
+                            <a:schemeClr val="tx1"/>
+                          </a:solidFill>
+                          <a:latin typeface="Cambria Math" panose="02040503050406030204" pitchFamily="18" charset="0"/>
+                        </a:rPr>
+                        <m:t>𝑛</m:t>
+                      </m:r>
+                      <m:r>
+                        <a:rPr lang="en-US" sz="4000" i="1">
+                          <a:latin typeface="Cambria Math" panose="02040503050406030204" pitchFamily="18" charset="0"/>
+                        </a:rPr>
+                        <m:t>µ</m:t>
+                      </m:r>
+                      <m:r>
+                        <a:rPr lang="en-US" sz="4000" i="1" baseline="30000">
+                          <a:latin typeface="Cambria Math" panose="02040503050406030204" pitchFamily="18" charset="0"/>
+                        </a:rPr>
+                        <m:t>2</m:t>
+                      </m:r>
+                      <m:r>
+                        <a:rPr lang="en-US" sz="4000" b="0" i="1" smtClean="0">
+                          <a:latin typeface="Cambria Math" panose="02040503050406030204" pitchFamily="18" charset="0"/>
+                        </a:rPr>
+                        <m:t>−</m:t>
+                      </m:r>
+                      <m:r>
+                        <a:rPr lang="en-US" sz="4000" i="1">
+                          <a:latin typeface="Cambria Math" panose="02040503050406030204" pitchFamily="18" charset="0"/>
+                        </a:rPr>
+                        <m:t>𝜎</m:t>
+                      </m:r>
+                      <m:r>
+                        <a:rPr lang="en-US" sz="4000" i="1" baseline="30000">
+                          <a:latin typeface="Cambria Math" panose="02040503050406030204" pitchFamily="18" charset="0"/>
+                        </a:rPr>
+                        <m:t>2</m:t>
+                      </m:r>
+                    </m:oMath>
+                  </m:oMathPara>
+                </a14:m>
+                <a:endParaRPr lang="en-US" sz="4000" b="0">
+                  <a:solidFill>
+                    <a:srgbClr val="7030A0"/>
+                  </a:solidFill>
+                </a:endParaRPr>
+              </a:p>
+            </p:txBody>
+          </p:sp>
+        </mc:Choice>
+        <mc:Fallback>
+          <p:sp>
+            <p:nvSpPr>
+              <p:cNvPr id="5" name="TextBox 4">
+                <a:extLst>
+                  <a:ext uri="{FF2B5EF4-FFF2-40B4-BE49-F238E27FC236}">
+                    <a16:creationId xmlns:a16="http://schemas.microsoft.com/office/drawing/2014/main" id="{7C8C2B8E-EBFB-466F-96A6-5C8FB8E08DCD}"/>
+                  </a:ext>
+                </a:extLst>
+              </p:cNvPr>
+              <p:cNvSpPr txBox="1">
+                <a:spLocks noRot="1" noChangeAspect="1" noMove="1" noResize="1" noEditPoints="1" noAdjustHandles="1" noChangeArrowheads="1" noChangeShapeType="1" noTextEdit="1"/>
+              </p:cNvSpPr>
+              <p:nvPr/>
+            </p:nvSpPr>
+            <p:spPr>
+              <a:xfrm>
+                <a:off x="6095999" y="780374"/>
+                <a:ext cx="5995183" cy="615553"/>
+              </a:xfrm>
+              <a:prstGeom prst="rect">
+                <a:avLst/>
+              </a:prstGeom>
+              <a:blipFill>
+                <a:blip r:embed="rId3"/>
+                <a:stretch>
+                  <a:fillRect/>
+                </a:stretch>
+              </a:blipFill>
+            </p:spPr>
+            <p:txBody>
+              <a:bodyPr/>
+              <a:lstStyle/>
+              <a:p>
+                <a:r>
+                  <a:rPr lang="en-US">
+                    <a:noFill/>
+                  </a:rPr>
+                  <a:t> </a:t>
+                </a:r>
+              </a:p>
+            </p:txBody>
+          </p:sp>
+        </mc:Fallback>
+      </mc:AlternateContent>
+      <mc:AlternateContent xmlns:mc="http://schemas.openxmlformats.org/markup-compatibility/2006">
+        <mc:Choice xmlns:a14="http://schemas.microsoft.com/office/drawing/2010/main" Requires="a14">
+          <p:sp>
+            <p:nvSpPr>
+              <p:cNvPr id="7" name="TextBox 6">
+                <a:extLst>
+                  <a:ext uri="{FF2B5EF4-FFF2-40B4-BE49-F238E27FC236}">
+                    <a16:creationId xmlns:a16="http://schemas.microsoft.com/office/drawing/2014/main" id="{2244A1F6-73F8-4CE6-89B6-16ED9C7356A2}"/>
+                  </a:ext>
+                </a:extLst>
+              </p:cNvPr>
+              <p:cNvSpPr txBox="1"/>
+              <p:nvPr/>
+            </p:nvSpPr>
+            <p:spPr>
+              <a:xfrm>
+                <a:off x="1621299" y="2111551"/>
+                <a:ext cx="8949399" cy="1799852"/>
+              </a:xfrm>
+              <a:prstGeom prst="rect">
+                <a:avLst/>
+              </a:prstGeom>
+              <a:noFill/>
+            </p:spPr>
+            <p:txBody>
+              <a:bodyPr wrap="square" lIns="0" tIns="0" rIns="0" bIns="0" rtlCol="0">
+                <a:spAutoFit/>
+              </a:bodyPr>
+              <a:lstStyle/>
+              <a:p>
+                <a:pPr/>
+                <a14:m>
+                  <m:oMathPara xmlns:m="http://schemas.openxmlformats.org/officeDocument/2006/math">
+                    <m:oMathParaPr>
+                      <m:jc m:val="centerGroup"/>
+                    </m:oMathParaPr>
+                    <m:oMath xmlns:m="http://schemas.openxmlformats.org/officeDocument/2006/math">
+                      <m:f>
+                        <m:fPr>
+                          <m:ctrlPr>
+                            <a:rPr lang="en-US" sz="4400" i="1" smtClean="0">
+                              <a:latin typeface="Cambria Math" panose="02040503050406030204" pitchFamily="18" charset="0"/>
+                            </a:rPr>
+                          </m:ctrlPr>
+                        </m:fPr>
+                        <m:num>
+                          <m:r>
+                            <a:rPr lang="en-US" sz="4400" b="0" i="1" smtClean="0">
+                              <a:latin typeface="Cambria Math" panose="02040503050406030204" pitchFamily="18" charset="0"/>
+                            </a:rPr>
+                            <m:t>1</m:t>
+                          </m:r>
+                        </m:num>
+                        <m:den>
+                          <m:r>
+                            <a:rPr lang="en-US" sz="4400" b="0" i="1" smtClean="0">
+                              <a:latin typeface="Cambria Math" panose="02040503050406030204" pitchFamily="18" charset="0"/>
+                            </a:rPr>
+                            <m:t>𝑛</m:t>
+                          </m:r>
+                          <m:r>
+                            <a:rPr lang="en-US" sz="4400" b="0" i="1" smtClean="0">
+                              <a:latin typeface="Cambria Math" panose="02040503050406030204" pitchFamily="18" charset="0"/>
+                            </a:rPr>
+                            <m:t>−1</m:t>
+                          </m:r>
+                        </m:den>
+                      </m:f>
+                      <m:r>
+                        <a:rPr lang="en-US" sz="4400" b="0" i="1" smtClean="0">
+                          <a:latin typeface="Cambria Math" panose="02040503050406030204" pitchFamily="18" charset="0"/>
+                        </a:rPr>
+                        <m:t> </m:t>
+                      </m:r>
+                      <m:r>
+                        <a:rPr lang="en-US" sz="4400" i="1" smtClean="0">
+                          <a:latin typeface="Cambria Math" panose="02040503050406030204" pitchFamily="18" charset="0"/>
+                        </a:rPr>
+                        <m:t>𝐸</m:t>
+                      </m:r>
+                      <m:d>
+                        <m:dPr>
+                          <m:begChr m:val="["/>
+                          <m:endChr m:val="]"/>
+                          <m:ctrlPr>
+                            <a:rPr lang="en-US" sz="4400" i="1">
+                              <a:latin typeface="Cambria Math" panose="02040503050406030204" pitchFamily="18" charset="0"/>
+                            </a:rPr>
+                          </m:ctrlPr>
+                        </m:dPr>
+                        <m:e>
+                          <m:nary>
+                            <m:naryPr>
+                              <m:chr m:val="∑"/>
+                              <m:subHide m:val="on"/>
+                              <m:supHide m:val="on"/>
+                              <m:ctrlPr>
+                                <a:rPr lang="en-US" sz="4400" i="1" smtClean="0">
+                                  <a:latin typeface="Cambria Math" panose="02040503050406030204" pitchFamily="18" charset="0"/>
+                                </a:rPr>
+                              </m:ctrlPr>
+                            </m:naryPr>
+                            <m:sub/>
+                            <m:sup/>
+                            <m:e>
+                              <m:d>
+                                <m:dPr>
+                                  <m:ctrlPr>
+                                    <a:rPr lang="en-US" sz="4400" i="1">
+                                      <a:latin typeface="Cambria Math" panose="02040503050406030204" pitchFamily="18" charset="0"/>
+                                    </a:rPr>
+                                  </m:ctrlPr>
+                                </m:dPr>
+                                <m:e>
+                                  <m:r>
+                                    <a:rPr lang="en-US" sz="4400" i="1">
+                                      <a:solidFill>
+                                        <a:srgbClr val="C00000"/>
+                                      </a:solidFill>
+                                      <a:latin typeface="Cambria Math" panose="02040503050406030204" pitchFamily="18" charset="0"/>
+                                    </a:rPr>
+                                    <m:t>𝑋</m:t>
+                                  </m:r>
+                                  <m:r>
+                                    <a:rPr lang="en-US" sz="4400" i="1" baseline="-25000">
+                                      <a:solidFill>
+                                        <a:srgbClr val="C00000"/>
+                                      </a:solidFill>
+                                      <a:latin typeface="Cambria Math" panose="02040503050406030204" pitchFamily="18" charset="0"/>
+                                    </a:rPr>
+                                    <m:t>𝑖</m:t>
+                                  </m:r>
+                                  <m:r>
+                                    <a:rPr lang="en-US" sz="4400" i="1">
+                                      <a:latin typeface="Cambria Math" panose="02040503050406030204" pitchFamily="18" charset="0"/>
+                                    </a:rPr>
+                                    <m:t>−</m:t>
+                                  </m:r>
+                                  <m:acc>
+                                    <m:accPr>
+                                      <m:chr m:val="̅"/>
+                                      <m:ctrlPr>
+                                        <a:rPr lang="en-US" sz="4400" i="1">
+                                          <a:solidFill>
+                                            <a:srgbClr val="C00000"/>
+                                          </a:solidFill>
+                                          <a:latin typeface="Cambria Math" panose="02040503050406030204" pitchFamily="18" charset="0"/>
+                                        </a:rPr>
+                                      </m:ctrlPr>
+                                    </m:accPr>
+                                    <m:e>
+                                      <m:r>
+                                        <a:rPr lang="en-US" sz="4400" i="1">
+                                          <a:solidFill>
+                                            <a:srgbClr val="C00000"/>
+                                          </a:solidFill>
+                                          <a:latin typeface="Cambria Math" panose="02040503050406030204" pitchFamily="18" charset="0"/>
+                                        </a:rPr>
+                                        <m:t>𝑋</m:t>
+                                      </m:r>
+                                    </m:e>
+                                  </m:acc>
+                                </m:e>
+                              </m:d>
+                              <m:r>
+                                <a:rPr lang="en-US" sz="4400" i="1" baseline="30000">
+                                  <a:latin typeface="Cambria Math" panose="02040503050406030204" pitchFamily="18" charset="0"/>
+                                </a:rPr>
+                                <m:t>2</m:t>
+                              </m:r>
+                            </m:e>
+                          </m:nary>
+                        </m:e>
+                      </m:d>
+                      <m:r>
+                        <a:rPr lang="en-US" sz="4400" b="0" i="1" smtClean="0">
+                          <a:solidFill>
+                            <a:schemeClr val="tx1"/>
+                          </a:solidFill>
+                          <a:latin typeface="Cambria Math" panose="02040503050406030204" pitchFamily="18" charset="0"/>
+                        </a:rPr>
+                        <m:t>=</m:t>
+                      </m:r>
+                      <m:r>
+                        <a:rPr lang="en-US" sz="4400" i="1">
+                          <a:latin typeface="Cambria Math" panose="02040503050406030204" pitchFamily="18" charset="0"/>
+                        </a:rPr>
+                        <m:t>𝜎</m:t>
+                      </m:r>
+                      <m:r>
+                        <a:rPr lang="en-US" sz="4400" i="1" baseline="30000">
+                          <a:latin typeface="Cambria Math" panose="02040503050406030204" pitchFamily="18" charset="0"/>
+                        </a:rPr>
+                        <m:t>2</m:t>
+                      </m:r>
+                    </m:oMath>
+                  </m:oMathPara>
+                </a14:m>
+                <a:endParaRPr lang="en-US" sz="4400" b="0">
+                  <a:solidFill>
+                    <a:srgbClr val="7030A0"/>
+                  </a:solidFill>
+                </a:endParaRPr>
+              </a:p>
+            </p:txBody>
+          </p:sp>
+        </mc:Choice>
+        <mc:Fallback>
+          <p:sp>
+            <p:nvSpPr>
+              <p:cNvPr id="7" name="TextBox 6">
+                <a:extLst>
+                  <a:ext uri="{FF2B5EF4-FFF2-40B4-BE49-F238E27FC236}">
+                    <a16:creationId xmlns:a16="http://schemas.microsoft.com/office/drawing/2014/main" id="{2244A1F6-73F8-4CE6-89B6-16ED9C7356A2}"/>
+                  </a:ext>
+                </a:extLst>
+              </p:cNvPr>
+              <p:cNvSpPr txBox="1">
+                <a:spLocks noRot="1" noChangeAspect="1" noMove="1" noResize="1" noEditPoints="1" noAdjustHandles="1" noChangeArrowheads="1" noChangeShapeType="1" noTextEdit="1"/>
+              </p:cNvSpPr>
+              <p:nvPr/>
+            </p:nvSpPr>
+            <p:spPr>
+              <a:xfrm>
+                <a:off x="1621299" y="2111551"/>
+                <a:ext cx="8949399" cy="1799852"/>
+              </a:xfrm>
+              <a:prstGeom prst="rect">
+                <a:avLst/>
+              </a:prstGeom>
+              <a:blipFill>
+                <a:blip r:embed="rId4"/>
+                <a:stretch>
+                  <a:fillRect/>
+                </a:stretch>
+              </a:blipFill>
+            </p:spPr>
+            <p:txBody>
+              <a:bodyPr/>
+              <a:lstStyle/>
+              <a:p>
+                <a:r>
+                  <a:rPr lang="en-US">
+                    <a:noFill/>
+                  </a:rPr>
+                  <a:t> </a:t>
+                </a:r>
+              </a:p>
+            </p:txBody>
+          </p:sp>
+        </mc:Fallback>
+      </mc:AlternateContent>
+      <mc:AlternateContent xmlns:mc="http://schemas.openxmlformats.org/markup-compatibility/2006">
+        <mc:Choice xmlns:a14="http://schemas.microsoft.com/office/drawing/2010/main" Requires="a14">
+          <p:sp>
+            <p:nvSpPr>
+              <p:cNvPr id="9" name="TextBox 8">
+                <a:extLst>
+                  <a:ext uri="{FF2B5EF4-FFF2-40B4-BE49-F238E27FC236}">
+                    <a16:creationId xmlns:a16="http://schemas.microsoft.com/office/drawing/2014/main" id="{92BF5654-BC02-4356-95E6-3D655A1E0888}"/>
+                  </a:ext>
+                </a:extLst>
+              </p:cNvPr>
+              <p:cNvSpPr txBox="1"/>
+              <p:nvPr/>
+            </p:nvSpPr>
+            <p:spPr>
+              <a:xfrm>
+                <a:off x="1621299" y="4116663"/>
+                <a:ext cx="8949399" cy="1799852"/>
+              </a:xfrm>
+              <a:prstGeom prst="rect">
+                <a:avLst/>
+              </a:prstGeom>
+              <a:noFill/>
+            </p:spPr>
+            <p:txBody>
+              <a:bodyPr wrap="square" lIns="0" tIns="0" rIns="0" bIns="0" rtlCol="0">
+                <a:spAutoFit/>
+              </a:bodyPr>
+              <a:lstStyle/>
+              <a:p>
+                <a:pPr/>
+                <a14:m>
+                  <m:oMathPara xmlns:m="http://schemas.openxmlformats.org/officeDocument/2006/math">
+                    <m:oMathParaPr>
+                      <m:jc m:val="centerGroup"/>
+                    </m:oMathParaPr>
+                    <m:oMath xmlns:m="http://schemas.openxmlformats.org/officeDocument/2006/math">
+                      <m:r>
+                        <a:rPr lang="en-US" sz="4400" i="1" smtClean="0">
+                          <a:latin typeface="Cambria Math" panose="02040503050406030204" pitchFamily="18" charset="0"/>
+                        </a:rPr>
+                        <m:t>𝐸</m:t>
+                      </m:r>
+                      <m:d>
+                        <m:dPr>
+                          <m:begChr m:val="["/>
+                          <m:endChr m:val="]"/>
+                          <m:ctrlPr>
+                            <a:rPr lang="en-US" sz="4400" i="1">
+                              <a:latin typeface="Cambria Math" panose="02040503050406030204" pitchFamily="18" charset="0"/>
+                            </a:rPr>
+                          </m:ctrlPr>
+                        </m:dPr>
+                        <m:e>
+                          <m:nary>
+                            <m:naryPr>
+                              <m:chr m:val="∑"/>
+                              <m:subHide m:val="on"/>
+                              <m:supHide m:val="on"/>
+                              <m:ctrlPr>
+                                <a:rPr lang="en-US" sz="4400" i="1" smtClean="0">
+                                  <a:latin typeface="Cambria Math" panose="02040503050406030204" pitchFamily="18" charset="0"/>
+                                </a:rPr>
+                              </m:ctrlPr>
+                            </m:naryPr>
+                            <m:sub/>
+                            <m:sup/>
+                            <m:e>
+                              <m:f>
+                                <m:fPr>
+                                  <m:ctrlPr>
+                                    <a:rPr lang="en-US" sz="4400" i="1" smtClean="0">
+                                      <a:latin typeface="Cambria Math" panose="02040503050406030204" pitchFamily="18" charset="0"/>
+                                    </a:rPr>
+                                  </m:ctrlPr>
+                                </m:fPr>
+                                <m:num>
+                                  <m:d>
+                                    <m:dPr>
+                                      <m:ctrlPr>
+                                        <a:rPr lang="en-US" sz="4400" i="1">
+                                          <a:latin typeface="Cambria Math" panose="02040503050406030204" pitchFamily="18" charset="0"/>
+                                        </a:rPr>
+                                      </m:ctrlPr>
+                                    </m:dPr>
+                                    <m:e>
+                                      <m:r>
+                                        <a:rPr lang="en-US" sz="4400" i="1">
+                                          <a:solidFill>
+                                            <a:srgbClr val="C00000"/>
+                                          </a:solidFill>
+                                          <a:latin typeface="Cambria Math" panose="02040503050406030204" pitchFamily="18" charset="0"/>
+                                        </a:rPr>
+                                        <m:t>𝑋</m:t>
+                                      </m:r>
+                                      <m:r>
+                                        <a:rPr lang="en-US" sz="4400" i="1" baseline="-25000">
+                                          <a:solidFill>
+                                            <a:srgbClr val="C00000"/>
+                                          </a:solidFill>
+                                          <a:latin typeface="Cambria Math" panose="02040503050406030204" pitchFamily="18" charset="0"/>
+                                        </a:rPr>
+                                        <m:t>𝑖</m:t>
+                                      </m:r>
+                                      <m:r>
+                                        <a:rPr lang="en-US" sz="4400" i="1">
+                                          <a:latin typeface="Cambria Math" panose="02040503050406030204" pitchFamily="18" charset="0"/>
+                                        </a:rPr>
+                                        <m:t>−</m:t>
+                                      </m:r>
+                                      <m:acc>
+                                        <m:accPr>
+                                          <m:chr m:val="̅"/>
+                                          <m:ctrlPr>
+                                            <a:rPr lang="en-US" sz="4400" i="1">
+                                              <a:solidFill>
+                                                <a:srgbClr val="C00000"/>
+                                              </a:solidFill>
+                                              <a:latin typeface="Cambria Math" panose="02040503050406030204" pitchFamily="18" charset="0"/>
+                                            </a:rPr>
+                                          </m:ctrlPr>
+                                        </m:accPr>
+                                        <m:e>
+                                          <m:r>
+                                            <a:rPr lang="en-US" sz="4400" i="1">
+                                              <a:solidFill>
+                                                <a:srgbClr val="C00000"/>
+                                              </a:solidFill>
+                                              <a:latin typeface="Cambria Math" panose="02040503050406030204" pitchFamily="18" charset="0"/>
+                                            </a:rPr>
+                                            <m:t>𝑋</m:t>
+                                          </m:r>
+                                        </m:e>
+                                      </m:acc>
+                                    </m:e>
+                                  </m:d>
+                                  <m:r>
+                                    <a:rPr lang="en-US" sz="4400" i="1" baseline="30000">
+                                      <a:latin typeface="Cambria Math" panose="02040503050406030204" pitchFamily="18" charset="0"/>
+                                    </a:rPr>
+                                    <m:t>2</m:t>
+                                  </m:r>
+                                </m:num>
+                                <m:den>
+                                  <m:r>
+                                    <a:rPr lang="en-US" sz="4400" b="0" i="1" smtClean="0">
+                                      <a:latin typeface="Cambria Math" panose="02040503050406030204" pitchFamily="18" charset="0"/>
+                                    </a:rPr>
+                                    <m:t>𝑛</m:t>
+                                  </m:r>
+                                  <m:r>
+                                    <a:rPr lang="en-US" sz="4400" b="0" i="1" smtClean="0">
+                                      <a:latin typeface="Cambria Math" panose="02040503050406030204" pitchFamily="18" charset="0"/>
+                                    </a:rPr>
+                                    <m:t>−1</m:t>
+                                  </m:r>
+                                </m:den>
+                              </m:f>
+                            </m:e>
+                          </m:nary>
+                        </m:e>
+                      </m:d>
+                      <m:r>
+                        <a:rPr lang="en-US" sz="4400" b="0" i="1" smtClean="0">
+                          <a:solidFill>
+                            <a:schemeClr val="tx1"/>
+                          </a:solidFill>
+                          <a:latin typeface="Cambria Math" panose="02040503050406030204" pitchFamily="18" charset="0"/>
+                        </a:rPr>
+                        <m:t>=</m:t>
+                      </m:r>
+                      <m:r>
+                        <a:rPr lang="en-US" sz="4400" i="1">
+                          <a:latin typeface="Cambria Math" panose="02040503050406030204" pitchFamily="18" charset="0"/>
+                        </a:rPr>
+                        <m:t>𝜎</m:t>
+                      </m:r>
+                      <m:r>
+                        <a:rPr lang="en-US" sz="4400" i="1" baseline="30000">
+                          <a:latin typeface="Cambria Math" panose="02040503050406030204" pitchFamily="18" charset="0"/>
+                        </a:rPr>
+                        <m:t>2</m:t>
+                      </m:r>
+                    </m:oMath>
+                  </m:oMathPara>
+                </a14:m>
+                <a:endParaRPr lang="en-US" sz="4400" b="0">
+                  <a:solidFill>
+                    <a:srgbClr val="7030A0"/>
+                  </a:solidFill>
+                </a:endParaRPr>
+              </a:p>
+            </p:txBody>
+          </p:sp>
+        </mc:Choice>
+        <mc:Fallback>
+          <p:sp>
+            <p:nvSpPr>
+              <p:cNvPr id="9" name="TextBox 8">
+                <a:extLst>
+                  <a:ext uri="{FF2B5EF4-FFF2-40B4-BE49-F238E27FC236}">
+                    <a16:creationId xmlns:a16="http://schemas.microsoft.com/office/drawing/2014/main" id="{92BF5654-BC02-4356-95E6-3D655A1E0888}"/>
+                  </a:ext>
+                </a:extLst>
+              </p:cNvPr>
+              <p:cNvSpPr txBox="1">
+                <a:spLocks noRot="1" noChangeAspect="1" noMove="1" noResize="1" noEditPoints="1" noAdjustHandles="1" noChangeArrowheads="1" noChangeShapeType="1" noTextEdit="1"/>
+              </p:cNvSpPr>
+              <p:nvPr/>
+            </p:nvSpPr>
+            <p:spPr>
+              <a:xfrm>
+                <a:off x="1621299" y="4116663"/>
+                <a:ext cx="8949399" cy="1799852"/>
               </a:xfrm>
               <a:prstGeom prst="rect">
                 <a:avLst/>
@@ -7150,7 +9225,7 @@
     </p:spTree>
     <p:extLst>
       <p:ext uri="{BB962C8B-B14F-4D97-AF65-F5344CB8AC3E}">
-        <p14:creationId xmlns:p14="http://schemas.microsoft.com/office/powerpoint/2010/main" val="3983255264"/>
+        <p14:creationId xmlns:p14="http://schemas.microsoft.com/office/powerpoint/2010/main" val="3312287139"/>
       </p:ext>
     </p:extLst>
   </p:cSld>
@@ -10961,8 +13036,8 @@
           <a:chExt cx="0" cy="0"/>
         </a:xfrm>
       </p:grpSpPr>
-      <mc:AlternateContent xmlns:mc="http://schemas.openxmlformats.org/markup-compatibility/2006" xmlns:a14="http://schemas.microsoft.com/office/drawing/2010/main">
-        <mc:Choice Requires="a14">
+      <mc:AlternateContent xmlns:mc="http://schemas.openxmlformats.org/markup-compatibility/2006">
+        <mc:Choice xmlns:a14="http://schemas.microsoft.com/office/drawing/2010/main" Requires="a14">
           <p:sp>
             <p:nvSpPr>
               <p:cNvPr id="2" name="TextBox 1">
@@ -10978,7 +13053,7 @@
             <p:spPr>
               <a:xfrm>
                 <a:off x="49237" y="401479"/>
-                <a:ext cx="4644851" cy="1477328"/>
+                <a:ext cx="11373729" cy="738664"/>
               </a:xfrm>
               <a:prstGeom prst="rect">
                 <a:avLst/>
@@ -11016,106 +13091,98 @@
                   </a:rPr>
                   <a:t>]</a:t>
                 </a:r>
-              </a:p>
-              <a:p>
-                <a:pPr/>
                 <a14:m>
-                  <m:oMathPara xmlns:m="http://schemas.openxmlformats.org/officeDocument/2006/math">
-                    <m:oMathParaPr>
-                      <m:jc m:val="centerGroup"/>
-                    </m:oMathParaPr>
-                    <m:oMath xmlns:m="http://schemas.openxmlformats.org/officeDocument/2006/math">
-                      <m:r>
-                        <a:rPr lang="en-US" sz="4800" b="0" i="1" smtClean="0">
-                          <a:latin typeface="Cambria Math" panose="02040503050406030204" pitchFamily="18" charset="0"/>
-                        </a:rPr>
-                        <m:t>=</m:t>
-                      </m:r>
-                      <m:r>
-                        <a:rPr lang="en-US" sz="4800" b="0" i="1" smtClean="0">
-                          <a:latin typeface="Cambria Math" panose="02040503050406030204" pitchFamily="18" charset="0"/>
-                        </a:rPr>
-                        <m:t>𝐸</m:t>
-                      </m:r>
-                      <m:r>
-                        <a:rPr lang="en-US" sz="4800" b="0" i="1" smtClean="0">
-                          <a:latin typeface="Cambria Math" panose="02040503050406030204" pitchFamily="18" charset="0"/>
-                        </a:rPr>
-                        <m:t>[(</m:t>
-                      </m:r>
-                      <m:r>
-                        <a:rPr lang="en-US" sz="4800" i="1">
-                          <a:solidFill>
-                            <a:srgbClr val="C00000"/>
-                          </a:solidFill>
-                          <a:latin typeface="Cambria Math" panose="02040503050406030204" pitchFamily="18" charset="0"/>
-                        </a:rPr>
-                        <m:t>𝑋</m:t>
-                      </m:r>
-                      <m:r>
-                        <a:rPr lang="en-US" sz="4800" b="0" i="1" smtClean="0">
-                          <a:solidFill>
-                            <a:schemeClr val="tx1"/>
-                          </a:solidFill>
-                          <a:latin typeface="Cambria Math" panose="02040503050406030204" pitchFamily="18" charset="0"/>
-                        </a:rPr>
-                        <m:t>−</m:t>
-                      </m:r>
-                      <m:r>
-                        <a:rPr lang="en-US" sz="4800" i="1">
-                          <a:latin typeface="Cambria Math" panose="02040503050406030204" pitchFamily="18" charset="0"/>
-                        </a:rPr>
-                        <m:t>𝐸</m:t>
-                      </m:r>
-                      <m:d>
-                        <m:dPr>
-                          <m:begChr m:val="["/>
-                          <m:endChr m:val="]"/>
-                          <m:ctrlPr>
-                            <a:rPr lang="en-US" sz="4800" b="0" i="1" smtClean="0">
-                              <a:latin typeface="Cambria Math" panose="02040503050406030204" pitchFamily="18" charset="0"/>
-                            </a:rPr>
-                          </m:ctrlPr>
-                        </m:dPr>
-                        <m:e>
-                          <m:r>
-                            <a:rPr lang="en-US" sz="4800" i="1">
-                              <a:solidFill>
-                                <a:srgbClr val="C00000"/>
-                              </a:solidFill>
-                              <a:latin typeface="Cambria Math" panose="02040503050406030204" pitchFamily="18" charset="0"/>
-                            </a:rPr>
-                            <m:t>𝑋</m:t>
-                          </m:r>
-                        </m:e>
-                      </m:d>
-                      <m:r>
-                        <a:rPr lang="en-US" sz="4800" b="0" i="1" smtClean="0">
-                          <a:latin typeface="Cambria Math" panose="02040503050406030204" pitchFamily="18" charset="0"/>
-                        </a:rPr>
-                        <m:t>)</m:t>
-                      </m:r>
-                      <m:r>
-                        <a:rPr lang="en-US" sz="4800" i="1" baseline="30000">
-                          <a:latin typeface="Cambria Math" panose="02040503050406030204" pitchFamily="18" charset="0"/>
-                        </a:rPr>
-                        <m:t>2</m:t>
-                      </m:r>
-                      <m:r>
-                        <a:rPr lang="en-US" sz="4800" b="0" i="1" smtClean="0">
-                          <a:latin typeface="Cambria Math" panose="02040503050406030204" pitchFamily="18" charset="0"/>
-                        </a:rPr>
-                        <m:t>]</m:t>
-                      </m:r>
-                    </m:oMath>
-                  </m:oMathPara>
+                  <m:oMath xmlns:m="http://schemas.openxmlformats.org/officeDocument/2006/math">
+                    <m:r>
+                      <a:rPr lang="en-US" sz="4800" b="0" i="1" smtClean="0">
+                        <a:latin typeface="Cambria Math" panose="02040503050406030204" pitchFamily="18" charset="0"/>
+                      </a:rPr>
+                      <m:t>=</m:t>
+                    </m:r>
+                    <m:r>
+                      <a:rPr lang="en-US" sz="4800" b="0" i="1" smtClean="0">
+                        <a:latin typeface="Cambria Math" panose="02040503050406030204" pitchFamily="18" charset="0"/>
+                      </a:rPr>
+                      <m:t>𝐸</m:t>
+                    </m:r>
+                    <m:r>
+                      <a:rPr lang="en-US" sz="4800" b="0" i="1" smtClean="0">
+                        <a:latin typeface="Cambria Math" panose="02040503050406030204" pitchFamily="18" charset="0"/>
+                      </a:rPr>
+                      <m:t>[(</m:t>
+                    </m:r>
+                    <m:r>
+                      <a:rPr lang="en-US" sz="4800" i="1">
+                        <a:solidFill>
+                          <a:srgbClr val="C00000"/>
+                        </a:solidFill>
+                        <a:latin typeface="Cambria Math" panose="02040503050406030204" pitchFamily="18" charset="0"/>
+                      </a:rPr>
+                      <m:t>𝑋</m:t>
+                    </m:r>
+                    <m:r>
+                      <a:rPr lang="en-US" sz="4800" b="0" i="1" smtClean="0">
+                        <a:solidFill>
+                          <a:schemeClr val="tx1"/>
+                        </a:solidFill>
+                        <a:latin typeface="Cambria Math" panose="02040503050406030204" pitchFamily="18" charset="0"/>
+                      </a:rPr>
+                      <m:t>−</m:t>
+                    </m:r>
+                    <m:r>
+                      <a:rPr lang="en-US" sz="4800" i="1">
+                        <a:latin typeface="Cambria Math" panose="02040503050406030204" pitchFamily="18" charset="0"/>
+                      </a:rPr>
+                      <m:t>𝐸</m:t>
+                    </m:r>
+                    <m:d>
+                      <m:dPr>
+                        <m:begChr m:val="["/>
+                        <m:endChr m:val="]"/>
+                        <m:ctrlPr>
+                          <a:rPr lang="en-US" sz="4800" b="0" i="1" smtClean="0">
+                            <a:latin typeface="Cambria Math" panose="02040503050406030204" pitchFamily="18" charset="0"/>
+                          </a:rPr>
+                        </m:ctrlPr>
+                      </m:dPr>
+                      <m:e>
+                        <m:r>
+                          <a:rPr lang="en-US" sz="4800" i="1">
+                            <a:solidFill>
+                              <a:srgbClr val="C00000"/>
+                            </a:solidFill>
+                            <a:latin typeface="Cambria Math" panose="02040503050406030204" pitchFamily="18" charset="0"/>
+                          </a:rPr>
+                          <m:t>𝑋</m:t>
+                        </m:r>
+                      </m:e>
+                    </m:d>
+                    <m:r>
+                      <a:rPr lang="en-US" sz="4800" b="0" i="1" smtClean="0">
+                        <a:latin typeface="Cambria Math" panose="02040503050406030204" pitchFamily="18" charset="0"/>
+                      </a:rPr>
+                      <m:t>)</m:t>
+                    </m:r>
+                    <m:r>
+                      <a:rPr lang="en-US" sz="4800" i="1" baseline="30000">
+                        <a:latin typeface="Cambria Math" panose="02040503050406030204" pitchFamily="18" charset="0"/>
+                      </a:rPr>
+                      <m:t>2</m:t>
+                    </m:r>
+                    <m:r>
+                      <a:rPr lang="en-US" sz="4800" b="0" i="1" smtClean="0">
+                        <a:latin typeface="Cambria Math" panose="02040503050406030204" pitchFamily="18" charset="0"/>
+                      </a:rPr>
+                      <m:t>]</m:t>
+                    </m:r>
+                  </m:oMath>
                 </a14:m>
                 <a:endParaRPr lang="en-US" sz="4800"/>
               </a:p>
             </p:txBody>
           </p:sp>
         </mc:Choice>
-        <mc:Fallback xmlns="">
+        <mc:Fallback>
           <p:sp>
             <p:nvSpPr>
               <p:cNvPr id="2" name="TextBox 1">
@@ -11133,7 +13200,7 @@
             <p:spPr>
               <a:xfrm>
                 <a:off x="49237" y="401479"/>
-                <a:ext cx="4644851" cy="1477328"/>
+                <a:ext cx="11373729" cy="738664"/>
               </a:xfrm>
               <a:prstGeom prst="rect">
                 <a:avLst/>
@@ -11141,7 +13208,7 @@
               <a:blipFill>
                 <a:blip r:embed="rId2"/>
                 <a:stretch>
-                  <a:fillRect l="-7874" t="-12810"/>
+                  <a:fillRect l="-3215" t="-28099" b="-46281"/>
                 </a:stretch>
               </a:blipFill>
             </p:spPr>
@@ -11160,8 +13227,8 @@
           </p:sp>
         </mc:Fallback>
       </mc:AlternateContent>
-      <mc:AlternateContent xmlns:mc="http://schemas.openxmlformats.org/markup-compatibility/2006" xmlns:a14="http://schemas.microsoft.com/office/drawing/2010/main">
-        <mc:Choice Requires="a14">
+      <mc:AlternateContent xmlns:mc="http://schemas.openxmlformats.org/markup-compatibility/2006">
+        <mc:Choice xmlns:a14="http://schemas.microsoft.com/office/drawing/2010/main" Requires="a14">
           <p:sp>
             <p:nvSpPr>
               <p:cNvPr id="3" name="TextBox 2">
@@ -11176,8 +13243,8 @@
             </p:nvSpPr>
             <p:spPr>
               <a:xfrm>
-                <a:off x="377482" y="4306114"/>
-                <a:ext cx="11437034" cy="830997"/>
+                <a:off x="6145236" y="313361"/>
+                <a:ext cx="6145237" cy="677108"/>
               </a:xfrm>
               <a:prstGeom prst="rect">
                 <a:avLst/>
@@ -11198,19 +13265,19 @@
                     </m:oMathParaPr>
                     <m:oMath xmlns:m="http://schemas.openxmlformats.org/officeDocument/2006/math">
                       <m:r>
-                        <a:rPr lang="en-US" sz="5400" b="0" i="1" smtClean="0">
-                          <a:latin typeface="Cambria Math" panose="02040503050406030204" pitchFamily="18" charset="0"/>
-                        </a:rPr>
-                        <m:t>𝑉𝑎𝑟</m:t>
-                      </m:r>
-                      <m:r>
-                        <a:rPr lang="en-US" sz="5400" i="1" smtClean="0">
+                        <a:rPr lang="en-US" sz="4400" b="0" i="1" smtClean="0">
+                          <a:latin typeface="Cambria Math" panose="02040503050406030204" pitchFamily="18" charset="0"/>
+                        </a:rPr>
+                        <m:t>𝐸</m:t>
+                      </m:r>
+                      <m:r>
+                        <a:rPr lang="en-US" sz="4400" b="0" i="1" smtClean="0">
                           <a:latin typeface="Cambria Math" panose="02040503050406030204" pitchFamily="18" charset="0"/>
                         </a:rPr>
                         <m:t>[</m:t>
                       </m:r>
                       <m:r>
-                        <a:rPr lang="en-US" sz="5400" i="1">
+                        <a:rPr lang="en-US" sz="4400" i="1" smtClean="0">
                           <a:solidFill>
                             <a:srgbClr val="C00000"/>
                           </a:solidFill>
@@ -11219,70 +13286,37 @@
                         <m:t>𝑋</m:t>
                       </m:r>
                       <m:r>
-                        <a:rPr lang="en-US" sz="5400" b="0" i="1" smtClean="0">
-                          <a:latin typeface="Cambria Math" panose="02040503050406030204" pitchFamily="18" charset="0"/>
-                        </a:rPr>
-                        <m:t>]</m:t>
-                      </m:r>
-                      <m:r>
-                        <a:rPr lang="en-US" sz="5400" i="1" smtClean="0">
-                          <a:latin typeface="Cambria Math" panose="02040503050406030204" pitchFamily="18" charset="0"/>
-                        </a:rPr>
-                        <m:t>=</m:t>
-                      </m:r>
-                      <m:r>
-                        <a:rPr lang="en-US" sz="5400" b="0" i="1" smtClean="0">
-                          <a:latin typeface="Cambria Math" panose="02040503050406030204" pitchFamily="18" charset="0"/>
-                        </a:rPr>
-                        <m:t>𝐸</m:t>
-                      </m:r>
-                      <m:r>
-                        <a:rPr lang="en-US" sz="5400" b="0" i="1" smtClean="0">
-                          <a:latin typeface="Cambria Math" panose="02040503050406030204" pitchFamily="18" charset="0"/>
-                        </a:rPr>
-                        <m:t>[</m:t>
-                      </m:r>
-                      <m:r>
-                        <a:rPr lang="en-US" sz="5400" i="1" smtClean="0">
+                        <a:rPr lang="en-US" sz="4400" b="0" i="1" baseline="30000" smtClean="0">
                           <a:solidFill>
                             <a:srgbClr val="C00000"/>
                           </a:solidFill>
                           <a:latin typeface="Cambria Math" panose="02040503050406030204" pitchFamily="18" charset="0"/>
                         </a:rPr>
-                        <m:t>𝑋</m:t>
-                      </m:r>
-                      <m:r>
-                        <a:rPr lang="en-US" sz="5400" b="0" i="1" baseline="30000" smtClean="0">
+                        <m:t>2</m:t>
+                      </m:r>
+                      <m:r>
+                        <a:rPr lang="en-US" sz="4400" i="1">
+                          <a:latin typeface="Cambria Math" panose="02040503050406030204" pitchFamily="18" charset="0"/>
+                        </a:rPr>
+                        <m:t>−</m:t>
+                      </m:r>
+                      <m:r>
+                        <a:rPr lang="en-US" sz="4400" b="0" i="1" smtClean="0">
+                          <a:latin typeface="Cambria Math" panose="02040503050406030204" pitchFamily="18" charset="0"/>
+                        </a:rPr>
+                        <m:t>2</m:t>
+                      </m:r>
+                      <m:r>
+                        <a:rPr lang="en-US" sz="4400" i="1">
                           <a:solidFill>
                             <a:srgbClr val="C00000"/>
                           </a:solidFill>
                           <a:latin typeface="Cambria Math" panose="02040503050406030204" pitchFamily="18" charset="0"/>
                         </a:rPr>
-                        <m:t>2</m:t>
-                      </m:r>
-                      <m:r>
-                        <a:rPr lang="en-US" sz="5400" i="1">
-                          <a:latin typeface="Cambria Math" panose="02040503050406030204" pitchFamily="18" charset="0"/>
-                        </a:rPr>
-                        <m:t>−</m:t>
-                      </m:r>
-                      <m:r>
-                        <a:rPr lang="en-US" sz="5400" b="0" i="1" smtClean="0">
-                          <a:latin typeface="Cambria Math" panose="02040503050406030204" pitchFamily="18" charset="0"/>
-                        </a:rPr>
-                        <m:t>2</m:t>
-                      </m:r>
-                      <m:r>
-                        <a:rPr lang="en-US" sz="5400" i="1">
-                          <a:solidFill>
-                            <a:srgbClr val="C00000"/>
-                          </a:solidFill>
-                          <a:latin typeface="Cambria Math" panose="02040503050406030204" pitchFamily="18" charset="0"/>
-                        </a:rPr>
                         <m:t>𝑋</m:t>
                       </m:r>
                       <m:r>
-                        <a:rPr lang="en-US" sz="5400" i="1">
+                        <a:rPr lang="en-US" sz="4400" i="1">
                           <a:latin typeface="Cambria Math" panose="02040503050406030204" pitchFamily="18" charset="0"/>
                         </a:rPr>
                         <m:t>𝐸</m:t>
@@ -11292,14 +13326,14 @@
                           <m:begChr m:val="["/>
                           <m:endChr m:val="]"/>
                           <m:ctrlPr>
-                            <a:rPr lang="en-US" sz="5400" i="1">
+                            <a:rPr lang="en-US" sz="4400" i="1">
                               <a:latin typeface="Cambria Math" panose="02040503050406030204" pitchFamily="18" charset="0"/>
                             </a:rPr>
                           </m:ctrlPr>
                         </m:dPr>
                         <m:e>
                           <m:r>
-                            <a:rPr lang="en-US" sz="5400" i="1">
+                            <a:rPr lang="en-US" sz="4400" i="1">
                               <a:solidFill>
                                 <a:srgbClr val="C00000"/>
                               </a:solidFill>
@@ -11310,7 +13344,7 @@
                         </m:e>
                       </m:d>
                       <m:r>
-                        <a:rPr lang="en-US" sz="5400" b="0" i="1" smtClean="0">
+                        <a:rPr lang="en-US" sz="4400" b="0" i="1" smtClean="0">
                           <a:solidFill>
                             <a:schemeClr val="tx1"/>
                           </a:solidFill>
@@ -11319,7 +13353,7 @@
                         <m:t>+</m:t>
                       </m:r>
                       <m:r>
-                        <a:rPr lang="en-US" sz="5400" i="1">
+                        <a:rPr lang="en-US" sz="4400" i="1">
                           <a:latin typeface="Cambria Math" panose="02040503050406030204" pitchFamily="18" charset="0"/>
                         </a:rPr>
                         <m:t>𝐸</m:t>
@@ -11329,14 +13363,14 @@
                           <m:begChr m:val="["/>
                           <m:endChr m:val="]"/>
                           <m:ctrlPr>
-                            <a:rPr lang="en-US" sz="5400" b="0" i="1" smtClean="0">
+                            <a:rPr lang="en-US" sz="4400" b="0" i="1" smtClean="0">
                               <a:latin typeface="Cambria Math" panose="02040503050406030204" pitchFamily="18" charset="0"/>
                             </a:rPr>
                           </m:ctrlPr>
                         </m:dPr>
                         <m:e>
                           <m:r>
-                            <a:rPr lang="en-US" sz="5400" i="1">
+                            <a:rPr lang="en-US" sz="4400" i="1">
                               <a:solidFill>
                                 <a:srgbClr val="C00000"/>
                               </a:solidFill>
@@ -11347,13 +13381,13 @@
                         </m:e>
                       </m:d>
                       <m:r>
-                        <a:rPr lang="en-US" sz="5400" b="0" i="1" baseline="30000" smtClean="0">
+                        <a:rPr lang="en-US" sz="4400" b="0" i="1" baseline="30000" smtClean="0">
                           <a:latin typeface="Cambria Math" panose="02040503050406030204" pitchFamily="18" charset="0"/>
                         </a:rPr>
                         <m:t>2</m:t>
                       </m:r>
                       <m:r>
-                        <a:rPr lang="en-US" sz="5400" b="0" i="1" smtClean="0">
+                        <a:rPr lang="en-US" sz="4400" b="0" i="1" smtClean="0">
                           <a:latin typeface="Cambria Math" panose="02040503050406030204" pitchFamily="18" charset="0"/>
                         </a:rPr>
                         <m:t>]</m:t>
@@ -11361,12 +13395,12 @@
                     </m:oMath>
                   </m:oMathPara>
                 </a14:m>
-                <a:endParaRPr lang="en-US" sz="5400"/>
+                <a:endParaRPr lang="en-US" sz="4400"/>
               </a:p>
             </p:txBody>
           </p:sp>
         </mc:Choice>
-        <mc:Fallback xmlns="">
+        <mc:Fallback>
           <p:sp>
             <p:nvSpPr>
               <p:cNvPr id="3" name="TextBox 2">
@@ -11383,8 +13417,8 @@
             </p:nvSpPr>
             <p:spPr>
               <a:xfrm>
-                <a:off x="377482" y="4306114"/>
-                <a:ext cx="11437034" cy="830997"/>
+                <a:off x="6145236" y="313361"/>
+                <a:ext cx="6145237" cy="677108"/>
               </a:xfrm>
               <a:prstGeom prst="rect">
                 <a:avLst/>
@@ -11411,8 +13445,8 @@
           </p:sp>
         </mc:Fallback>
       </mc:AlternateContent>
-      <mc:AlternateContent xmlns:mc="http://schemas.openxmlformats.org/markup-compatibility/2006" xmlns:a14="http://schemas.microsoft.com/office/drawing/2010/main">
-        <mc:Choice Requires="a14">
+      <mc:AlternateContent xmlns:mc="http://schemas.openxmlformats.org/markup-compatibility/2006">
+        <mc:Choice xmlns:a14="http://schemas.microsoft.com/office/drawing/2010/main" Requires="a14">
           <p:sp>
             <p:nvSpPr>
               <p:cNvPr id="5" name="TextBox 4">
@@ -11427,8 +13461,8 @@
             </p:nvSpPr>
             <p:spPr>
               <a:xfrm>
-                <a:off x="49237" y="5268498"/>
-                <a:ext cx="9249508" cy="1246495"/>
+                <a:off x="1076178" y="3858983"/>
+                <a:ext cx="6534442" cy="1107996"/>
               </a:xfrm>
               <a:prstGeom prst="rect">
                 <a:avLst/>
@@ -11453,115 +13487,101 @@
                     </m:oMathParaPr>
                     <m:oMath xmlns:m="http://schemas.openxmlformats.org/officeDocument/2006/math">
                       <m:r>
-                        <a:rPr lang="en-US" sz="5400" b="0" i="1" smtClean="0">
-                          <a:latin typeface="Cambria Math" panose="02040503050406030204" pitchFamily="18" charset="0"/>
-                        </a:rPr>
-                        <m:t>𝑉𝑎𝑟</m:t>
+                        <a:rPr lang="en-US" sz="4800" i="1" smtClean="0">
+                          <a:latin typeface="Cambria Math" panose="02040503050406030204" pitchFamily="18" charset="0"/>
+                        </a:rPr>
+                        <m:t>𝜎</m:t>
+                      </m:r>
+                      <m:r>
+                        <a:rPr lang="en-US" sz="4800" i="1" baseline="30000">
+                          <a:latin typeface="Cambria Math" panose="02040503050406030204" pitchFamily="18" charset="0"/>
+                        </a:rPr>
+                        <m:t>2</m:t>
+                      </m:r>
+                      <m:r>
+                        <a:rPr lang="en-US" sz="4800" b="0" i="1" smtClean="0">
+                          <a:latin typeface="Cambria Math" panose="02040503050406030204" pitchFamily="18" charset="0"/>
+                        </a:rPr>
+                        <m:t>/</m:t>
+                      </m:r>
+                      <m:r>
+                        <a:rPr lang="en-US" sz="4800" b="0" i="1" smtClean="0">
+                          <a:latin typeface="Cambria Math" panose="02040503050406030204" pitchFamily="18" charset="0"/>
+                        </a:rPr>
+                        <m:t>𝑛</m:t>
+                      </m:r>
+                      <m:r>
+                        <a:rPr lang="en-US" sz="4800" i="1" smtClean="0">
+                          <a:latin typeface="Cambria Math" panose="02040503050406030204" pitchFamily="18" charset="0"/>
+                        </a:rPr>
+                        <m:t>=</m:t>
+                      </m:r>
+                      <m:r>
+                        <a:rPr lang="en-US" sz="4800" b="0" i="1" smtClean="0">
+                          <a:latin typeface="Cambria Math" panose="02040503050406030204" pitchFamily="18" charset="0"/>
+                        </a:rPr>
+                        <m:t>𝐸</m:t>
                       </m:r>
                       <m:d>
                         <m:dPr>
                           <m:begChr m:val="["/>
                           <m:endChr m:val="]"/>
                           <m:ctrlPr>
-                            <a:rPr lang="en-US" sz="5400" i="1" smtClean="0">
-                              <a:solidFill>
-                                <a:schemeClr val="tx1"/>
-                              </a:solidFill>
+                            <a:rPr lang="en-US" sz="4800" b="0" i="1" smtClean="0">
                               <a:latin typeface="Cambria Math" panose="02040503050406030204" pitchFamily="18" charset="0"/>
                             </a:rPr>
                           </m:ctrlPr>
                         </m:dPr>
                         <m:e>
-                          <m:r>
-                            <a:rPr lang="en-US" sz="5400" i="1" smtClean="0">
+                          <m:acc>
+                            <m:accPr>
+                              <m:chr m:val="̅"/>
+                              <m:ctrlPr>
+                                <a:rPr lang="en-US" sz="4800" i="1">
+                                  <a:solidFill>
+                                    <a:srgbClr val="C00000"/>
+                                  </a:solidFill>
+                                  <a:latin typeface="Cambria Math" panose="02040503050406030204" pitchFamily="18" charset="0"/>
+                                </a:rPr>
+                              </m:ctrlPr>
+                            </m:accPr>
+                            <m:e>
+                              <m:r>
+                                <a:rPr lang="en-US" sz="4800" i="1">
+                                  <a:solidFill>
+                                    <a:srgbClr val="C00000"/>
+                                  </a:solidFill>
+                                  <a:latin typeface="Cambria Math" panose="02040503050406030204" pitchFamily="18" charset="0"/>
+                                </a:rPr>
+                                <m:t>𝑋</m:t>
+                              </m:r>
+                            </m:e>
+                          </m:acc>
+                          <m:r>
+                            <a:rPr lang="en-US" sz="4800" b="0" i="1" baseline="30000" smtClean="0">
                               <a:solidFill>
                                 <a:srgbClr val="C00000"/>
                               </a:solidFill>
                               <a:latin typeface="Cambria Math" panose="02040503050406030204" pitchFamily="18" charset="0"/>
                             </a:rPr>
-                            <m:t>𝑋</m:t>
+                            <m:t>2</m:t>
                           </m:r>
                         </m:e>
                       </m:d>
                       <m:r>
-                        <a:rPr lang="en-US" sz="5400" i="1" smtClean="0">
-                          <a:latin typeface="Cambria Math" panose="02040503050406030204" pitchFamily="18" charset="0"/>
-                        </a:rPr>
-                        <m:t>=</m:t>
-                      </m:r>
-                      <m:r>
-                        <a:rPr lang="en-US" sz="5400" b="0" i="1" smtClean="0">
-                          <a:latin typeface="Cambria Math" panose="02040503050406030204" pitchFamily="18" charset="0"/>
-                        </a:rPr>
-                        <m:t>𝐸</m:t>
-                      </m:r>
-                      <m:d>
-                        <m:dPr>
-                          <m:begChr m:val="["/>
-                          <m:endChr m:val="]"/>
-                          <m:ctrlPr>
-                            <a:rPr lang="en-US" sz="5400" b="0" i="1" smtClean="0">
-                              <a:latin typeface="Cambria Math" panose="02040503050406030204" pitchFamily="18" charset="0"/>
-                            </a:rPr>
-                          </m:ctrlPr>
-                        </m:dPr>
-                        <m:e>
-                          <m:r>
-                            <a:rPr lang="en-US" sz="5400" i="1" smtClean="0">
-                              <a:solidFill>
-                                <a:srgbClr val="C00000"/>
-                              </a:solidFill>
-                              <a:latin typeface="Cambria Math" panose="02040503050406030204" pitchFamily="18" charset="0"/>
-                            </a:rPr>
-                            <m:t>𝑋</m:t>
-                          </m:r>
-                          <m:r>
-                            <a:rPr lang="en-US" sz="5400" b="0" i="1" baseline="30000" smtClean="0">
-                              <a:solidFill>
-                                <a:srgbClr val="C00000"/>
-                              </a:solidFill>
-                              <a:latin typeface="Cambria Math" panose="02040503050406030204" pitchFamily="18" charset="0"/>
-                            </a:rPr>
-                            <m:t>2</m:t>
-                          </m:r>
-                        </m:e>
-                      </m:d>
-                      <m:r>
-                        <a:rPr lang="en-US" sz="5400" i="1">
+                        <a:rPr lang="en-US" sz="4800" i="1">
                           <a:latin typeface="Cambria Math" panose="02040503050406030204" pitchFamily="18" charset="0"/>
                         </a:rPr>
                         <m:t>−</m:t>
                       </m:r>
                       <m:r>
-                        <a:rPr lang="en-US" sz="5400" i="1">
-                          <a:latin typeface="Cambria Math" panose="02040503050406030204" pitchFamily="18" charset="0"/>
-                        </a:rPr>
-                        <m:t>𝐸</m:t>
-                      </m:r>
-                      <m:d>
-                        <m:dPr>
-                          <m:begChr m:val="["/>
-                          <m:endChr m:val="]"/>
-                          <m:ctrlPr>
-                            <a:rPr lang="en-US" sz="5400" i="1">
-                              <a:latin typeface="Cambria Math" panose="02040503050406030204" pitchFamily="18" charset="0"/>
-                            </a:rPr>
-                          </m:ctrlPr>
-                        </m:dPr>
-                        <m:e>
-                          <m:r>
-                            <a:rPr lang="en-US" sz="5400" i="1">
-                              <a:solidFill>
-                                <a:srgbClr val="C00000"/>
-                              </a:solidFill>
-                              <a:latin typeface="Cambria Math" panose="02040503050406030204" pitchFamily="18" charset="0"/>
-                            </a:rPr>
-                            <m:t>𝑋</m:t>
-                          </m:r>
-                        </m:e>
-                      </m:d>
-                      <m:r>
-                        <a:rPr lang="en-US" sz="5400" b="0" i="1" baseline="30000" smtClean="0">
+                        <a:rPr lang="en-US" sz="4800" i="1" smtClean="0">
+                          <a:latin typeface="Cambria Math" panose="02040503050406030204" pitchFamily="18" charset="0"/>
+                        </a:rPr>
+                        <m:t>µ</m:t>
+                      </m:r>
+                      <m:r>
+                        <a:rPr lang="en-US" sz="4800" b="0" i="1" baseline="30000" smtClean="0">
                           <a:solidFill>
                             <a:schemeClr val="tx1"/>
                           </a:solidFill>
@@ -11572,12 +13592,12 @@
                     </m:oMath>
                   </m:oMathPara>
                 </a14:m>
-                <a:endParaRPr lang="en-US" sz="5400"/>
+                <a:endParaRPr lang="en-US" sz="4800"/>
               </a:p>
             </p:txBody>
           </p:sp>
         </mc:Choice>
-        <mc:Fallback xmlns="">
+        <mc:Fallback>
           <p:sp>
             <p:nvSpPr>
               <p:cNvPr id="5" name="TextBox 4">
@@ -11594,8 +13614,8 @@
             </p:nvSpPr>
             <p:spPr>
               <a:xfrm>
-                <a:off x="49237" y="5268498"/>
-                <a:ext cx="9249508" cy="1246495"/>
+                <a:off x="1076178" y="3858983"/>
+                <a:ext cx="6534442" cy="1107996"/>
               </a:xfrm>
               <a:prstGeom prst="rect">
                 <a:avLst/>
@@ -11622,8 +13642,8 @@
           </p:sp>
         </mc:Fallback>
       </mc:AlternateContent>
-      <mc:AlternateContent xmlns:mc="http://schemas.openxmlformats.org/markup-compatibility/2006" xmlns:a14="http://schemas.microsoft.com/office/drawing/2010/main">
-        <mc:Choice Requires="a14">
+      <mc:AlternateContent xmlns:mc="http://schemas.openxmlformats.org/markup-compatibility/2006">
+        <mc:Choice xmlns:a14="http://schemas.microsoft.com/office/drawing/2010/main" Requires="a14">
           <p:sp>
             <p:nvSpPr>
               <p:cNvPr id="6" name="TextBox 5">
@@ -11638,8 +13658,8 @@
             </p:nvSpPr>
             <p:spPr>
               <a:xfrm>
-                <a:off x="-1" y="2077765"/>
-                <a:ext cx="12191999" cy="1315488"/>
+                <a:off x="49236" y="1210754"/>
+                <a:ext cx="12191999" cy="1076257"/>
               </a:xfrm>
               <a:prstGeom prst="rect">
                 <a:avLst/>
@@ -11660,7 +13680,7 @@
                     </m:oMathParaPr>
                     <m:oMath xmlns:m="http://schemas.openxmlformats.org/officeDocument/2006/math">
                       <m:r>
-                        <a:rPr lang="en-US" sz="4400" i="1" smtClean="0">
+                        <a:rPr lang="en-US" sz="3600" i="1" smtClean="0">
                           <a:latin typeface="Cambria Math" panose="02040503050406030204" pitchFamily="18" charset="0"/>
                         </a:rPr>
                         <m:t>=</m:t>
@@ -11668,7 +13688,7 @@
                       <m:f>
                         <m:fPr>
                           <m:ctrlPr>
-                            <a:rPr lang="en-US" sz="4400" i="1" smtClean="0">
+                            <a:rPr lang="en-US" sz="3600" i="1" smtClean="0">
                               <a:latin typeface="Cambria Math" panose="02040503050406030204" pitchFamily="18" charset="0"/>
                             </a:rPr>
                           </m:ctrlPr>
@@ -11677,14 +13697,14 @@
                           <m:d>
                             <m:dPr>
                               <m:ctrlPr>
-                                <a:rPr lang="en-US" sz="4400" i="1">
+                                <a:rPr lang="en-US" sz="3600" i="1">
                                   <a:latin typeface="Cambria Math" panose="02040503050406030204" pitchFamily="18" charset="0"/>
                                 </a:rPr>
                               </m:ctrlPr>
                             </m:dPr>
                             <m:e>
                               <m:r>
-                                <a:rPr lang="en-US" sz="4400" i="1">
+                                <a:rPr lang="en-US" sz="3600" i="1">
                                   <a:solidFill>
                                     <a:srgbClr val="C00000"/>
                                   </a:solidFill>
@@ -11693,7 +13713,7 @@
                                 <m:t>𝑥</m:t>
                               </m:r>
                               <m:r>
-                                <a:rPr lang="en-US" sz="4400" i="1" baseline="-25000">
+                                <a:rPr lang="en-US" sz="3600" i="1" baseline="-25000">
                                   <a:solidFill>
                                     <a:srgbClr val="C00000"/>
                                   </a:solidFill>
@@ -11702,13 +13722,13 @@
                                 <m:t>1</m:t>
                               </m:r>
                               <m:r>
-                                <a:rPr lang="en-US" sz="4400" i="1">
+                                <a:rPr lang="en-US" sz="3600" i="1">
                                   <a:latin typeface="Cambria Math" panose="02040503050406030204" pitchFamily="18" charset="0"/>
                                 </a:rPr>
                                 <m:t>−</m:t>
                               </m:r>
                               <m:r>
-                                <a:rPr lang="en-US" sz="4400" i="1">
+                                <a:rPr lang="en-US" sz="3600" i="1">
                                   <a:latin typeface="Cambria Math" panose="02040503050406030204" pitchFamily="18" charset="0"/>
                                 </a:rPr>
                                 <m:t>𝐸</m:t>
@@ -11718,14 +13738,14 @@
                                   <m:begChr m:val="["/>
                                   <m:endChr m:val="]"/>
                                   <m:ctrlPr>
-                                    <a:rPr lang="en-US" sz="4400" i="1">
+                                    <a:rPr lang="en-US" sz="3600" i="1">
                                       <a:latin typeface="Cambria Math" panose="02040503050406030204" pitchFamily="18" charset="0"/>
                                     </a:rPr>
                                   </m:ctrlPr>
                                 </m:dPr>
                                 <m:e>
                                   <m:r>
-                                    <a:rPr lang="en-US" sz="4400" i="1">
+                                    <a:rPr lang="en-US" sz="3600" i="1">
                                       <a:solidFill>
                                         <a:srgbClr val="C00000"/>
                                       </a:solidFill>
@@ -11738,13 +13758,13 @@
                             </m:e>
                           </m:d>
                           <m:r>
-                            <a:rPr lang="en-US" sz="4400" i="1" baseline="30000">
+                            <a:rPr lang="en-US" sz="3600" i="1" baseline="30000">
                               <a:latin typeface="Cambria Math" panose="02040503050406030204" pitchFamily="18" charset="0"/>
                             </a:rPr>
                             <m:t>2</m:t>
                           </m:r>
                           <m:r>
-                            <a:rPr lang="en-US" sz="4400" b="0" i="1" smtClean="0">
+                            <a:rPr lang="en-US" sz="3600" b="0" i="1" smtClean="0">
                               <a:latin typeface="Cambria Math" panose="02040503050406030204" pitchFamily="18" charset="0"/>
                             </a:rPr>
                             <m:t>+</m:t>
@@ -11752,14 +13772,14 @@
                           <m:d>
                             <m:dPr>
                               <m:ctrlPr>
-                                <a:rPr lang="en-US" sz="4400" i="1">
+                                <a:rPr lang="en-US" sz="3600" i="1">
                                   <a:latin typeface="Cambria Math" panose="02040503050406030204" pitchFamily="18" charset="0"/>
                                 </a:rPr>
                               </m:ctrlPr>
                             </m:dPr>
                             <m:e>
                               <m:r>
-                                <a:rPr lang="en-US" sz="4400" i="1">
+                                <a:rPr lang="en-US" sz="3600" i="1">
                                   <a:solidFill>
                                     <a:srgbClr val="C00000"/>
                                   </a:solidFill>
@@ -11768,7 +13788,7 @@
                                 <m:t>𝑥</m:t>
                               </m:r>
                               <m:r>
-                                <a:rPr lang="en-US" sz="4400" i="1" baseline="-25000">
+                                <a:rPr lang="en-US" sz="3600" i="1" baseline="-25000">
                                   <a:solidFill>
                                     <a:srgbClr val="C00000"/>
                                   </a:solidFill>
@@ -11777,13 +13797,13 @@
                                 <m:t>2</m:t>
                               </m:r>
                               <m:r>
-                                <a:rPr lang="en-US" sz="4400" i="1">
+                                <a:rPr lang="en-US" sz="3600" i="1">
                                   <a:latin typeface="Cambria Math" panose="02040503050406030204" pitchFamily="18" charset="0"/>
                                 </a:rPr>
                                 <m:t>−</m:t>
                               </m:r>
                               <m:r>
-                                <a:rPr lang="en-US" sz="4400" i="1">
+                                <a:rPr lang="en-US" sz="3600" i="1">
                                   <a:latin typeface="Cambria Math" panose="02040503050406030204" pitchFamily="18" charset="0"/>
                                 </a:rPr>
                                 <m:t>𝐸</m:t>
@@ -11793,14 +13813,14 @@
                                   <m:begChr m:val="["/>
                                   <m:endChr m:val="]"/>
                                   <m:ctrlPr>
-                                    <a:rPr lang="en-US" sz="4400" i="1">
+                                    <a:rPr lang="en-US" sz="3600" i="1">
                                       <a:latin typeface="Cambria Math" panose="02040503050406030204" pitchFamily="18" charset="0"/>
                                     </a:rPr>
                                   </m:ctrlPr>
                                 </m:dPr>
                                 <m:e>
                                   <m:r>
-                                    <a:rPr lang="en-US" sz="4400" i="1">
+                                    <a:rPr lang="en-US" sz="3600" i="1">
                                       <a:solidFill>
                                         <a:srgbClr val="C00000"/>
                                       </a:solidFill>
@@ -11813,13 +13833,13 @@
                             </m:e>
                           </m:d>
                           <m:r>
-                            <a:rPr lang="en-US" sz="4400" i="1" baseline="30000">
+                            <a:rPr lang="en-US" sz="3600" i="1" baseline="30000">
                               <a:latin typeface="Cambria Math" panose="02040503050406030204" pitchFamily="18" charset="0"/>
                             </a:rPr>
                             <m:t>2</m:t>
                           </m:r>
                           <m:r>
-                            <a:rPr lang="en-US" sz="4400" b="0" i="1" smtClean="0">
+                            <a:rPr lang="en-US" sz="3600" b="0" i="1" smtClean="0">
                               <a:latin typeface="Cambria Math" panose="02040503050406030204" pitchFamily="18" charset="0"/>
                             </a:rPr>
                             <m:t>+…+</m:t>
@@ -11827,14 +13847,14 @@
                           <m:d>
                             <m:dPr>
                               <m:ctrlPr>
-                                <a:rPr lang="en-US" sz="4400" i="1">
+                                <a:rPr lang="en-US" sz="3600" i="1">
                                   <a:latin typeface="Cambria Math" panose="02040503050406030204" pitchFamily="18" charset="0"/>
                                 </a:rPr>
                               </m:ctrlPr>
                             </m:dPr>
                             <m:e>
                               <m:r>
-                                <a:rPr lang="en-US" sz="4400" i="1">
+                                <a:rPr lang="en-US" sz="3600" i="1">
                                   <a:solidFill>
                                     <a:srgbClr val="C00000"/>
                                   </a:solidFill>
@@ -11843,7 +13863,7 @@
                                 <m:t>𝑥</m:t>
                               </m:r>
                               <m:r>
-                                <a:rPr lang="en-US" sz="4400" i="1" baseline="-25000">
+                                <a:rPr lang="en-US" sz="3600" i="1" baseline="-25000">
                                   <a:solidFill>
                                     <a:srgbClr val="C00000"/>
                                   </a:solidFill>
@@ -11852,13 +13872,13 @@
                                 <m:t>𝑛</m:t>
                               </m:r>
                               <m:r>
-                                <a:rPr lang="en-US" sz="4400" i="1">
+                                <a:rPr lang="en-US" sz="3600" i="1">
                                   <a:latin typeface="Cambria Math" panose="02040503050406030204" pitchFamily="18" charset="0"/>
                                 </a:rPr>
                                 <m:t>−</m:t>
                               </m:r>
                               <m:r>
-                                <a:rPr lang="en-US" sz="4400" i="1">
+                                <a:rPr lang="en-US" sz="3600" i="1">
                                   <a:latin typeface="Cambria Math" panose="02040503050406030204" pitchFamily="18" charset="0"/>
                                 </a:rPr>
                                 <m:t>𝐸</m:t>
@@ -11868,14 +13888,14 @@
                                   <m:begChr m:val="["/>
                                   <m:endChr m:val="]"/>
                                   <m:ctrlPr>
-                                    <a:rPr lang="en-US" sz="4400" i="1">
+                                    <a:rPr lang="en-US" sz="3600" i="1">
                                       <a:latin typeface="Cambria Math" panose="02040503050406030204" pitchFamily="18" charset="0"/>
                                     </a:rPr>
                                   </m:ctrlPr>
                                 </m:dPr>
                                 <m:e>
                                   <m:r>
-                                    <a:rPr lang="en-US" sz="4400" i="1">
+                                    <a:rPr lang="en-US" sz="3600" i="1">
                                       <a:solidFill>
                                         <a:srgbClr val="C00000"/>
                                       </a:solidFill>
@@ -11888,7 +13908,7 @@
                             </m:e>
                           </m:d>
                           <m:r>
-                            <a:rPr lang="en-US" sz="4400" i="1" baseline="30000">
+                            <a:rPr lang="en-US" sz="3600" i="1" baseline="30000">
                               <a:latin typeface="Cambria Math" panose="02040503050406030204" pitchFamily="18" charset="0"/>
                             </a:rPr>
                             <m:t>2</m:t>
@@ -11896,7 +13916,7 @@
                         </m:num>
                         <m:den>
                           <m:r>
-                            <a:rPr lang="en-US" sz="4400" b="0" i="1" smtClean="0">
+                            <a:rPr lang="en-US" sz="3600" b="0" i="1" smtClean="0">
                               <a:latin typeface="Cambria Math" panose="02040503050406030204" pitchFamily="18" charset="0"/>
                             </a:rPr>
                             <m:t>𝑛</m:t>
@@ -11906,14 +13926,14 @@
                     </m:oMath>
                   </m:oMathPara>
                 </a14:m>
-                <a:endParaRPr lang="en-US" sz="4400" b="0" i="1">
+                <a:endParaRPr lang="en-US" sz="3600" b="0" i="1">
                   <a:latin typeface="Cambria Math" panose="02040503050406030204" pitchFamily="18" charset="0"/>
                 </a:endParaRPr>
               </a:p>
             </p:txBody>
           </p:sp>
         </mc:Choice>
-        <mc:Fallback xmlns="">
+        <mc:Fallback>
           <p:sp>
             <p:nvSpPr>
               <p:cNvPr id="6" name="TextBox 5">
@@ -11930,14 +13950,464 @@
             </p:nvSpPr>
             <p:spPr>
               <a:xfrm>
-                <a:off x="-1" y="2077765"/>
-                <a:ext cx="12191999" cy="1315488"/>
+                <a:off x="49236" y="1210754"/>
+                <a:ext cx="12191999" cy="1076257"/>
               </a:xfrm>
               <a:prstGeom prst="rect">
                 <a:avLst/>
               </a:prstGeom>
               <a:blipFill>
                 <a:blip r:embed="rId5"/>
+                <a:stretch>
+                  <a:fillRect/>
+                </a:stretch>
+              </a:blipFill>
+            </p:spPr>
+            <p:txBody>
+              <a:bodyPr/>
+              <a:lstStyle/>
+              <a:p>
+                <a:r>
+                  <a:rPr lang="en-US">
+                    <a:noFill/>
+                  </a:rPr>
+                  <a:t> </a:t>
+                </a:r>
+              </a:p>
+            </p:txBody>
+          </p:sp>
+        </mc:Fallback>
+      </mc:AlternateContent>
+      <mc:AlternateContent xmlns:mc="http://schemas.openxmlformats.org/markup-compatibility/2006">
+        <mc:Choice xmlns:a14="http://schemas.microsoft.com/office/drawing/2010/main" Requires="a14">
+          <p:sp>
+            <p:nvSpPr>
+              <p:cNvPr id="7" name="TextBox 6">
+                <a:extLst>
+                  <a:ext uri="{FF2B5EF4-FFF2-40B4-BE49-F238E27FC236}">
+                    <a16:creationId xmlns:a16="http://schemas.microsoft.com/office/drawing/2014/main" id="{7AFFE31F-E562-4FF8-9C43-A5C10C5EAB46}"/>
+                  </a:ext>
+                </a:extLst>
+              </p:cNvPr>
+              <p:cNvSpPr txBox="1"/>
+              <p:nvPr/>
+            </p:nvSpPr>
+            <p:spPr>
+              <a:xfrm>
+                <a:off x="957188" y="2668556"/>
+                <a:ext cx="6772422" cy="1107996"/>
+              </a:xfrm>
+              <a:prstGeom prst="rect">
+                <a:avLst/>
+              </a:prstGeom>
+              <a:noFill/>
+            </p:spPr>
+            <p:txBody>
+              <a:bodyPr wrap="square" lIns="0" tIns="0" rIns="0" bIns="0" rtlCol="0">
+                <a:spAutoFit/>
+              </a:bodyPr>
+              <a:lstStyle/>
+              <a:p>
+                <a:pPr>
+                  <a:lnSpc>
+                    <a:spcPct val="150000"/>
+                  </a:lnSpc>
+                </a:pPr>
+                <a14:m>
+                  <m:oMathPara xmlns:m="http://schemas.openxmlformats.org/officeDocument/2006/math">
+                    <m:oMathParaPr>
+                      <m:jc m:val="centerGroup"/>
+                    </m:oMathParaPr>
+                    <m:oMath xmlns:m="http://schemas.openxmlformats.org/officeDocument/2006/math">
+                      <m:r>
+                        <a:rPr lang="en-US" sz="4800" b="0" i="1" smtClean="0">
+                          <a:latin typeface="Cambria Math" panose="02040503050406030204" pitchFamily="18" charset="0"/>
+                        </a:rPr>
+                        <m:t>𝑉𝑎𝑟</m:t>
+                      </m:r>
+                      <m:d>
+                        <m:dPr>
+                          <m:begChr m:val="["/>
+                          <m:endChr m:val="]"/>
+                          <m:ctrlPr>
+                            <a:rPr lang="en-US" sz="4800" i="1" smtClean="0">
+                              <a:solidFill>
+                                <a:schemeClr val="tx1"/>
+                              </a:solidFill>
+                              <a:latin typeface="Cambria Math" panose="02040503050406030204" pitchFamily="18" charset="0"/>
+                            </a:rPr>
+                          </m:ctrlPr>
+                        </m:dPr>
+                        <m:e>
+                          <m:acc>
+                            <m:accPr>
+                              <m:chr m:val="̅"/>
+                              <m:ctrlPr>
+                                <a:rPr lang="en-US" sz="4800" i="1">
+                                  <a:solidFill>
+                                    <a:srgbClr val="C00000"/>
+                                  </a:solidFill>
+                                  <a:latin typeface="Cambria Math" panose="02040503050406030204" pitchFamily="18" charset="0"/>
+                                </a:rPr>
+                              </m:ctrlPr>
+                            </m:accPr>
+                            <m:e>
+                              <m:r>
+                                <a:rPr lang="en-US" sz="4800" i="1">
+                                  <a:solidFill>
+                                    <a:srgbClr val="C00000"/>
+                                  </a:solidFill>
+                                  <a:latin typeface="Cambria Math" panose="02040503050406030204" pitchFamily="18" charset="0"/>
+                                </a:rPr>
+                                <m:t>𝑋</m:t>
+                              </m:r>
+                            </m:e>
+                          </m:acc>
+                        </m:e>
+                      </m:d>
+                      <m:r>
+                        <a:rPr lang="en-US" sz="4800" i="1" smtClean="0">
+                          <a:latin typeface="Cambria Math" panose="02040503050406030204" pitchFamily="18" charset="0"/>
+                        </a:rPr>
+                        <m:t>=</m:t>
+                      </m:r>
+                      <m:r>
+                        <a:rPr lang="en-US" sz="4800" b="0" i="1" smtClean="0">
+                          <a:latin typeface="Cambria Math" panose="02040503050406030204" pitchFamily="18" charset="0"/>
+                        </a:rPr>
+                        <m:t>𝐸</m:t>
+                      </m:r>
+                      <m:d>
+                        <m:dPr>
+                          <m:begChr m:val="["/>
+                          <m:endChr m:val="]"/>
+                          <m:ctrlPr>
+                            <a:rPr lang="en-US" sz="4800" b="0" i="1" smtClean="0">
+                              <a:latin typeface="Cambria Math" panose="02040503050406030204" pitchFamily="18" charset="0"/>
+                            </a:rPr>
+                          </m:ctrlPr>
+                        </m:dPr>
+                        <m:e>
+                          <m:acc>
+                            <m:accPr>
+                              <m:chr m:val="̅"/>
+                              <m:ctrlPr>
+                                <a:rPr lang="en-US" sz="4800" i="1">
+                                  <a:solidFill>
+                                    <a:srgbClr val="C00000"/>
+                                  </a:solidFill>
+                                  <a:latin typeface="Cambria Math" panose="02040503050406030204" pitchFamily="18" charset="0"/>
+                                </a:rPr>
+                              </m:ctrlPr>
+                            </m:accPr>
+                            <m:e>
+                              <m:r>
+                                <a:rPr lang="en-US" sz="4800" i="1">
+                                  <a:solidFill>
+                                    <a:srgbClr val="C00000"/>
+                                  </a:solidFill>
+                                  <a:latin typeface="Cambria Math" panose="02040503050406030204" pitchFamily="18" charset="0"/>
+                                </a:rPr>
+                                <m:t>𝑋</m:t>
+                              </m:r>
+                            </m:e>
+                          </m:acc>
+                          <m:r>
+                            <a:rPr lang="en-US" sz="4800" b="0" i="1" baseline="30000" smtClean="0">
+                              <a:solidFill>
+                                <a:srgbClr val="C00000"/>
+                              </a:solidFill>
+                              <a:latin typeface="Cambria Math" panose="02040503050406030204" pitchFamily="18" charset="0"/>
+                            </a:rPr>
+                            <m:t>2</m:t>
+                          </m:r>
+                        </m:e>
+                      </m:d>
+                      <m:r>
+                        <a:rPr lang="en-US" sz="4800" i="1">
+                          <a:latin typeface="Cambria Math" panose="02040503050406030204" pitchFamily="18" charset="0"/>
+                        </a:rPr>
+                        <m:t>−</m:t>
+                      </m:r>
+                      <m:r>
+                        <a:rPr lang="en-US" sz="4800" i="1">
+                          <a:latin typeface="Cambria Math" panose="02040503050406030204" pitchFamily="18" charset="0"/>
+                        </a:rPr>
+                        <m:t>𝐸</m:t>
+                      </m:r>
+                      <m:d>
+                        <m:dPr>
+                          <m:begChr m:val="["/>
+                          <m:endChr m:val="]"/>
+                          <m:ctrlPr>
+                            <a:rPr lang="en-US" sz="4800" i="1">
+                              <a:latin typeface="Cambria Math" panose="02040503050406030204" pitchFamily="18" charset="0"/>
+                            </a:rPr>
+                          </m:ctrlPr>
+                        </m:dPr>
+                        <m:e>
+                          <m:acc>
+                            <m:accPr>
+                              <m:chr m:val="̅"/>
+                              <m:ctrlPr>
+                                <a:rPr lang="en-US" sz="4800" i="1">
+                                  <a:solidFill>
+                                    <a:srgbClr val="C00000"/>
+                                  </a:solidFill>
+                                  <a:latin typeface="Cambria Math" panose="02040503050406030204" pitchFamily="18" charset="0"/>
+                                </a:rPr>
+                              </m:ctrlPr>
+                            </m:accPr>
+                            <m:e>
+                              <m:r>
+                                <a:rPr lang="en-US" sz="4800" i="1">
+                                  <a:solidFill>
+                                    <a:srgbClr val="C00000"/>
+                                  </a:solidFill>
+                                  <a:latin typeface="Cambria Math" panose="02040503050406030204" pitchFamily="18" charset="0"/>
+                                </a:rPr>
+                                <m:t>𝑋</m:t>
+                              </m:r>
+                            </m:e>
+                          </m:acc>
+                        </m:e>
+                      </m:d>
+                      <m:r>
+                        <a:rPr lang="en-US" sz="4800" b="0" i="1" baseline="30000" smtClean="0">
+                          <a:solidFill>
+                            <a:schemeClr val="tx1"/>
+                          </a:solidFill>
+                          <a:latin typeface="Cambria Math" panose="02040503050406030204" pitchFamily="18" charset="0"/>
+                        </a:rPr>
+                        <m:t>2</m:t>
+                      </m:r>
+                    </m:oMath>
+                  </m:oMathPara>
+                </a14:m>
+                <a:endParaRPr lang="en-US" sz="4800"/>
+              </a:p>
+            </p:txBody>
+          </p:sp>
+        </mc:Choice>
+        <mc:Fallback>
+          <p:sp>
+            <p:nvSpPr>
+              <p:cNvPr id="7" name="TextBox 6">
+                <a:extLst>
+                  <a:ext uri="{FF2B5EF4-FFF2-40B4-BE49-F238E27FC236}">
+                    <a16:creationId xmlns:a16="http://schemas.microsoft.com/office/drawing/2014/main" id="{7AFFE31F-E562-4FF8-9C43-A5C10C5EAB46}"/>
+                  </a:ext>
+                </a:extLst>
+              </p:cNvPr>
+              <p:cNvSpPr txBox="1">
+                <a:spLocks noRot="1" noChangeAspect="1" noMove="1" noResize="1" noEditPoints="1" noAdjustHandles="1" noChangeArrowheads="1" noChangeShapeType="1" noTextEdit="1"/>
+              </p:cNvSpPr>
+              <p:nvPr/>
+            </p:nvSpPr>
+            <p:spPr>
+              <a:xfrm>
+                <a:off x="957188" y="2668556"/>
+                <a:ext cx="6772422" cy="1107996"/>
+              </a:xfrm>
+              <a:prstGeom prst="rect">
+                <a:avLst/>
+              </a:prstGeom>
+              <a:blipFill>
+                <a:blip r:embed="rId6"/>
+                <a:stretch>
+                  <a:fillRect/>
+                </a:stretch>
+              </a:blipFill>
+            </p:spPr>
+            <p:txBody>
+              <a:bodyPr/>
+              <a:lstStyle/>
+              <a:p>
+                <a:r>
+                  <a:rPr lang="en-US">
+                    <a:noFill/>
+                  </a:rPr>
+                  <a:t> </a:t>
+                </a:r>
+              </a:p>
+            </p:txBody>
+          </p:sp>
+        </mc:Fallback>
+      </mc:AlternateContent>
+      <mc:AlternateContent xmlns:mc="http://schemas.openxmlformats.org/markup-compatibility/2006">
+        <mc:Choice xmlns:a14="http://schemas.microsoft.com/office/drawing/2010/main" Requires="a14">
+          <p:sp>
+            <p:nvSpPr>
+              <p:cNvPr id="8" name="TextBox 7">
+                <a:extLst>
+                  <a:ext uri="{FF2B5EF4-FFF2-40B4-BE49-F238E27FC236}">
+                    <a16:creationId xmlns:a16="http://schemas.microsoft.com/office/drawing/2014/main" id="{5E6293AE-175F-4854-9946-161EF8A0881D}"/>
+                  </a:ext>
+                </a:extLst>
+              </p:cNvPr>
+              <p:cNvSpPr txBox="1"/>
+              <p:nvPr/>
+            </p:nvSpPr>
+            <p:spPr>
+              <a:xfrm>
+                <a:off x="1601957" y="5049410"/>
+                <a:ext cx="5482884" cy="1107996"/>
+              </a:xfrm>
+              <a:prstGeom prst="rect">
+                <a:avLst/>
+              </a:prstGeom>
+              <a:noFill/>
+            </p:spPr>
+            <p:txBody>
+              <a:bodyPr wrap="square" lIns="0" tIns="0" rIns="0" bIns="0" rtlCol="0">
+                <a:spAutoFit/>
+              </a:bodyPr>
+              <a:lstStyle/>
+              <a:p>
+                <a:pPr>
+                  <a:lnSpc>
+                    <a:spcPct val="150000"/>
+                  </a:lnSpc>
+                </a:pPr>
+                <a14:m>
+                  <m:oMathPara xmlns:m="http://schemas.openxmlformats.org/officeDocument/2006/math">
+                    <m:oMathParaPr>
+                      <m:jc m:val="centerGroup"/>
+                    </m:oMathParaPr>
+                    <m:oMath xmlns:m="http://schemas.openxmlformats.org/officeDocument/2006/math">
+                      <m:r>
+                        <a:rPr lang="en-US" sz="4800" i="1">
+                          <a:latin typeface="Cambria Math" panose="02040503050406030204" pitchFamily="18" charset="0"/>
+                        </a:rPr>
+                        <m:t>𝐸</m:t>
+                      </m:r>
+                      <m:d>
+                        <m:dPr>
+                          <m:begChr m:val="["/>
+                          <m:endChr m:val="]"/>
+                          <m:ctrlPr>
+                            <a:rPr lang="en-US" sz="4800" i="1">
+                              <a:latin typeface="Cambria Math" panose="02040503050406030204" pitchFamily="18" charset="0"/>
+                            </a:rPr>
+                          </m:ctrlPr>
+                        </m:dPr>
+                        <m:e>
+                          <m:acc>
+                            <m:accPr>
+                              <m:chr m:val="̅"/>
+                              <m:ctrlPr>
+                                <a:rPr lang="en-US" sz="4800" i="1">
+                                  <a:solidFill>
+                                    <a:srgbClr val="C00000"/>
+                                  </a:solidFill>
+                                  <a:latin typeface="Cambria Math" panose="02040503050406030204" pitchFamily="18" charset="0"/>
+                                </a:rPr>
+                              </m:ctrlPr>
+                            </m:accPr>
+                            <m:e>
+                              <m:r>
+                                <a:rPr lang="en-US" sz="4800" i="1">
+                                  <a:solidFill>
+                                    <a:srgbClr val="C00000"/>
+                                  </a:solidFill>
+                                  <a:latin typeface="Cambria Math" panose="02040503050406030204" pitchFamily="18" charset="0"/>
+                                </a:rPr>
+                                <m:t>𝑋</m:t>
+                              </m:r>
+                            </m:e>
+                          </m:acc>
+                          <m:r>
+                            <a:rPr lang="en-US" sz="4800" i="1" baseline="30000">
+                              <a:solidFill>
+                                <a:srgbClr val="C00000"/>
+                              </a:solidFill>
+                              <a:latin typeface="Cambria Math" panose="02040503050406030204" pitchFamily="18" charset="0"/>
+                            </a:rPr>
+                            <m:t>2</m:t>
+                          </m:r>
+                        </m:e>
+                      </m:d>
+                      <m:r>
+                        <a:rPr lang="en-US" sz="4800" i="1" smtClean="0">
+                          <a:latin typeface="Cambria Math" panose="02040503050406030204" pitchFamily="18" charset="0"/>
+                        </a:rPr>
+                        <m:t>=µ</m:t>
+                      </m:r>
+                      <m:r>
+                        <a:rPr lang="en-US" sz="4800" b="0" i="1" baseline="30000" smtClean="0">
+                          <a:solidFill>
+                            <a:schemeClr val="tx1"/>
+                          </a:solidFill>
+                          <a:latin typeface="Cambria Math" panose="02040503050406030204" pitchFamily="18" charset="0"/>
+                        </a:rPr>
+                        <m:t>2</m:t>
+                      </m:r>
+                      <m:r>
+                        <a:rPr lang="en-US" sz="4800" b="0" i="1" smtClean="0">
+                          <a:solidFill>
+                            <a:schemeClr val="tx1"/>
+                          </a:solidFill>
+                          <a:latin typeface="Cambria Math" panose="02040503050406030204" pitchFamily="18" charset="0"/>
+                        </a:rPr>
+                        <m:t>+</m:t>
+                      </m:r>
+                      <m:r>
+                        <a:rPr lang="en-US" sz="4800" i="1">
+                          <a:latin typeface="Cambria Math" panose="02040503050406030204" pitchFamily="18" charset="0"/>
+                        </a:rPr>
+                        <m:t>𝜎</m:t>
+                      </m:r>
+                      <m:r>
+                        <a:rPr lang="en-US" sz="4800" i="1" baseline="30000">
+                          <a:latin typeface="Cambria Math" panose="02040503050406030204" pitchFamily="18" charset="0"/>
+                        </a:rPr>
+                        <m:t>2</m:t>
+                      </m:r>
+                      <m:r>
+                        <a:rPr lang="en-US" sz="4800" i="1">
+                          <a:latin typeface="Cambria Math" panose="02040503050406030204" pitchFamily="18" charset="0"/>
+                        </a:rPr>
+                        <m:t>/</m:t>
+                      </m:r>
+                      <m:r>
+                        <a:rPr lang="en-US" sz="4800" i="1">
+                          <a:latin typeface="Cambria Math" panose="02040503050406030204" pitchFamily="18" charset="0"/>
+                        </a:rPr>
+                        <m:t>𝑛</m:t>
+                      </m:r>
+                    </m:oMath>
+                  </m:oMathPara>
+                </a14:m>
+                <a:endParaRPr lang="en-US" sz="4800"/>
+              </a:p>
+            </p:txBody>
+          </p:sp>
+        </mc:Choice>
+        <mc:Fallback>
+          <p:sp>
+            <p:nvSpPr>
+              <p:cNvPr id="8" name="TextBox 7">
+                <a:extLst>
+                  <a:ext uri="{FF2B5EF4-FFF2-40B4-BE49-F238E27FC236}">
+                    <a16:creationId xmlns:a16="http://schemas.microsoft.com/office/drawing/2014/main" id="{5E6293AE-175F-4854-9946-161EF8A0881D}"/>
+                  </a:ext>
+                </a:extLst>
+              </p:cNvPr>
+              <p:cNvSpPr txBox="1">
+                <a:spLocks noRot="1" noChangeAspect="1" noMove="1" noResize="1" noEditPoints="1" noAdjustHandles="1" noChangeArrowheads="1" noChangeShapeType="1" noTextEdit="1"/>
+              </p:cNvSpPr>
+              <p:nvPr/>
+            </p:nvSpPr>
+            <p:spPr>
+              <a:xfrm>
+                <a:off x="1601957" y="5049410"/>
+                <a:ext cx="5482884" cy="1107996"/>
+              </a:xfrm>
+              <a:prstGeom prst="rect">
+                <a:avLst/>
+              </a:prstGeom>
+              <a:blipFill>
+                <a:blip r:embed="rId7"/>
                 <a:stretch>
                   <a:fillRect/>
                 </a:stretch>

--- a/ps/ps_images.pptx
+++ b/ps/ps_images.pptx
@@ -272,7 +272,7 @@
           <a:p>
             <a:fld id="{A87D8ACD-2932-4696-A411-35B4FCC980C6}" type="datetimeFigureOut">
               <a:rPr lang="en-US" smtClean="0"/>
-              <a:t>06-Apr-21</a:t>
+              <a:t>29-Apr-21</a:t>
             </a:fld>
             <a:endParaRPr lang="en-US"/>
           </a:p>
@@ -470,7 +470,7 @@
           <a:p>
             <a:fld id="{A87D8ACD-2932-4696-A411-35B4FCC980C6}" type="datetimeFigureOut">
               <a:rPr lang="en-US" smtClean="0"/>
-              <a:t>06-Apr-21</a:t>
+              <a:t>29-Apr-21</a:t>
             </a:fld>
             <a:endParaRPr lang="en-US"/>
           </a:p>
@@ -678,7 +678,7 @@
           <a:p>
             <a:fld id="{A87D8ACD-2932-4696-A411-35B4FCC980C6}" type="datetimeFigureOut">
               <a:rPr lang="en-US" smtClean="0"/>
-              <a:t>06-Apr-21</a:t>
+              <a:t>29-Apr-21</a:t>
             </a:fld>
             <a:endParaRPr lang="en-US"/>
           </a:p>
@@ -876,7 +876,7 @@
           <a:p>
             <a:fld id="{A87D8ACD-2932-4696-A411-35B4FCC980C6}" type="datetimeFigureOut">
               <a:rPr lang="en-US" smtClean="0"/>
-              <a:t>06-Apr-21</a:t>
+              <a:t>29-Apr-21</a:t>
             </a:fld>
             <a:endParaRPr lang="en-US"/>
           </a:p>
@@ -1151,7 +1151,7 @@
           <a:p>
             <a:fld id="{A87D8ACD-2932-4696-A411-35B4FCC980C6}" type="datetimeFigureOut">
               <a:rPr lang="en-US" smtClean="0"/>
-              <a:t>06-Apr-21</a:t>
+              <a:t>29-Apr-21</a:t>
             </a:fld>
             <a:endParaRPr lang="en-US"/>
           </a:p>
@@ -1416,7 +1416,7 @@
           <a:p>
             <a:fld id="{A87D8ACD-2932-4696-A411-35B4FCC980C6}" type="datetimeFigureOut">
               <a:rPr lang="en-US" smtClean="0"/>
-              <a:t>06-Apr-21</a:t>
+              <a:t>29-Apr-21</a:t>
             </a:fld>
             <a:endParaRPr lang="en-US"/>
           </a:p>
@@ -1828,7 +1828,7 @@
           <a:p>
             <a:fld id="{A87D8ACD-2932-4696-A411-35B4FCC980C6}" type="datetimeFigureOut">
               <a:rPr lang="en-US" smtClean="0"/>
-              <a:t>06-Apr-21</a:t>
+              <a:t>29-Apr-21</a:t>
             </a:fld>
             <a:endParaRPr lang="en-US"/>
           </a:p>
@@ -1969,7 +1969,7 @@
           <a:p>
             <a:fld id="{A87D8ACD-2932-4696-A411-35B4FCC980C6}" type="datetimeFigureOut">
               <a:rPr lang="en-US" smtClean="0"/>
-              <a:t>06-Apr-21</a:t>
+              <a:t>29-Apr-21</a:t>
             </a:fld>
             <a:endParaRPr lang="en-US"/>
           </a:p>
@@ -2082,7 +2082,7 @@
           <a:p>
             <a:fld id="{A87D8ACD-2932-4696-A411-35B4FCC980C6}" type="datetimeFigureOut">
               <a:rPr lang="en-US" smtClean="0"/>
-              <a:t>06-Apr-21</a:t>
+              <a:t>29-Apr-21</a:t>
             </a:fld>
             <a:endParaRPr lang="en-US"/>
           </a:p>
@@ -2393,7 +2393,7 @@
           <a:p>
             <a:fld id="{A87D8ACD-2932-4696-A411-35B4FCC980C6}" type="datetimeFigureOut">
               <a:rPr lang="en-US" smtClean="0"/>
-              <a:t>06-Apr-21</a:t>
+              <a:t>29-Apr-21</a:t>
             </a:fld>
             <a:endParaRPr lang="en-US"/>
           </a:p>
@@ -2681,7 +2681,7 @@
           <a:p>
             <a:fld id="{A87D8ACD-2932-4696-A411-35B4FCC980C6}" type="datetimeFigureOut">
               <a:rPr lang="en-US" smtClean="0"/>
-              <a:t>06-Apr-21</a:t>
+              <a:t>29-Apr-21</a:t>
             </a:fld>
             <a:endParaRPr lang="en-US"/>
           </a:p>
@@ -2922,7 +2922,7 @@
           <a:p>
             <a:fld id="{A87D8ACD-2932-4696-A411-35B4FCC980C6}" type="datetimeFigureOut">
               <a:rPr lang="en-US" smtClean="0"/>
-              <a:t>06-Apr-21</a:t>
+              <a:t>29-Apr-21</a:t>
             </a:fld>
             <a:endParaRPr lang="en-US"/>
           </a:p>
@@ -6129,8 +6129,8 @@
           <a:chExt cx="0" cy="0"/>
         </a:xfrm>
       </p:grpSpPr>
-      <mc:AlternateContent xmlns:mc="http://schemas.openxmlformats.org/markup-compatibility/2006">
-        <mc:Choice xmlns:a14="http://schemas.microsoft.com/office/drawing/2010/main" Requires="a14">
+      <mc:AlternateContent xmlns:mc="http://schemas.openxmlformats.org/markup-compatibility/2006" xmlns:a14="http://schemas.microsoft.com/office/drawing/2010/main">
+        <mc:Choice Requires="a14">
           <p:sp>
             <p:nvSpPr>
               <p:cNvPr id="2" name="TextBox 1">
@@ -6315,7 +6315,7 @@
             </p:txBody>
           </p:sp>
         </mc:Choice>
-        <mc:Fallback>
+        <mc:Fallback xmlns="">
           <p:sp>
             <p:nvSpPr>
               <p:cNvPr id="2" name="TextBox 1">
@@ -6360,8 +6360,8 @@
           </p:sp>
         </mc:Fallback>
       </mc:AlternateContent>
-      <mc:AlternateContent xmlns:mc="http://schemas.openxmlformats.org/markup-compatibility/2006">
-        <mc:Choice xmlns:a14="http://schemas.microsoft.com/office/drawing/2010/main" Requires="a14">
+      <mc:AlternateContent xmlns:mc="http://schemas.openxmlformats.org/markup-compatibility/2006" xmlns:a14="http://schemas.microsoft.com/office/drawing/2010/main">
+        <mc:Choice Requires="a14">
           <p:sp>
             <p:nvSpPr>
               <p:cNvPr id="3" name="TextBox 2">
@@ -6558,7 +6558,7 @@
             </p:txBody>
           </p:sp>
         </mc:Choice>
-        <mc:Fallback>
+        <mc:Fallback xmlns="">
           <p:sp>
             <p:nvSpPr>
               <p:cNvPr id="3" name="TextBox 2">
@@ -6603,8 +6603,8 @@
           </p:sp>
         </mc:Fallback>
       </mc:AlternateContent>
-      <mc:AlternateContent xmlns:mc="http://schemas.openxmlformats.org/markup-compatibility/2006">
-        <mc:Choice xmlns:a14="http://schemas.microsoft.com/office/drawing/2010/main" Requires="a14">
+      <mc:AlternateContent xmlns:mc="http://schemas.openxmlformats.org/markup-compatibility/2006" xmlns:a14="http://schemas.microsoft.com/office/drawing/2010/main">
+        <mc:Choice Requires="a14">
           <p:sp>
             <p:nvSpPr>
               <p:cNvPr id="4" name="TextBox 3">
@@ -6819,7 +6819,7 @@
             </p:txBody>
           </p:sp>
         </mc:Choice>
-        <mc:Fallback>
+        <mc:Fallback xmlns="">
           <p:sp>
             <p:nvSpPr>
               <p:cNvPr id="4" name="TextBox 3">
@@ -6864,8 +6864,8 @@
           </p:sp>
         </mc:Fallback>
       </mc:AlternateContent>
-      <mc:AlternateContent xmlns:mc="http://schemas.openxmlformats.org/markup-compatibility/2006">
-        <mc:Choice xmlns:a14="http://schemas.microsoft.com/office/drawing/2010/main" Requires="a14">
+      <mc:AlternateContent xmlns:mc="http://schemas.openxmlformats.org/markup-compatibility/2006" xmlns:a14="http://schemas.microsoft.com/office/drawing/2010/main">
+        <mc:Choice Requires="a14">
           <p:sp>
             <p:nvSpPr>
               <p:cNvPr id="5" name="TextBox 4">
@@ -7098,7 +7098,7 @@
             </p:txBody>
           </p:sp>
         </mc:Choice>
-        <mc:Fallback>
+        <mc:Fallback xmlns="">
           <p:sp>
             <p:nvSpPr>
               <p:cNvPr id="5" name="TextBox 4">
@@ -7143,8 +7143,8 @@
           </p:sp>
         </mc:Fallback>
       </mc:AlternateContent>
-      <mc:AlternateContent xmlns:mc="http://schemas.openxmlformats.org/markup-compatibility/2006">
-        <mc:Choice xmlns:a14="http://schemas.microsoft.com/office/drawing/2010/main" Requires="a14">
+      <mc:AlternateContent xmlns:mc="http://schemas.openxmlformats.org/markup-compatibility/2006" xmlns:a14="http://schemas.microsoft.com/office/drawing/2010/main">
+        <mc:Choice Requires="a14">
           <p:sp>
             <p:nvSpPr>
               <p:cNvPr id="7" name="TextBox 6">
@@ -7324,7 +7324,7 @@
             </p:txBody>
           </p:sp>
         </mc:Choice>
-        <mc:Fallback>
+        <mc:Fallback xmlns="">
           <p:sp>
             <p:nvSpPr>
               <p:cNvPr id="7" name="TextBox 6">
@@ -7399,8 +7399,8 @@
           <a:chExt cx="0" cy="0"/>
         </a:xfrm>
       </p:grpSpPr>
-      <mc:AlternateContent xmlns:mc="http://schemas.openxmlformats.org/markup-compatibility/2006">
-        <mc:Choice xmlns:a14="http://schemas.microsoft.com/office/drawing/2010/main" Requires="a14">
+      <mc:AlternateContent xmlns:mc="http://schemas.openxmlformats.org/markup-compatibility/2006" xmlns:a14="http://schemas.microsoft.com/office/drawing/2010/main">
+        <mc:Choice Requires="a14">
           <p:sp>
             <p:nvSpPr>
               <p:cNvPr id="2" name="TextBox 1">
@@ -7717,7 +7717,7 @@
             </p:txBody>
           </p:sp>
         </mc:Choice>
-        <mc:Fallback>
+        <mc:Fallback xmlns="">
           <p:sp>
             <p:nvSpPr>
               <p:cNvPr id="2" name="TextBox 1">
@@ -7762,8 +7762,8 @@
           </p:sp>
         </mc:Fallback>
       </mc:AlternateContent>
-      <mc:AlternateContent xmlns:mc="http://schemas.openxmlformats.org/markup-compatibility/2006">
-        <mc:Choice xmlns:a14="http://schemas.microsoft.com/office/drawing/2010/main" Requires="a14">
+      <mc:AlternateContent xmlns:mc="http://schemas.openxmlformats.org/markup-compatibility/2006" xmlns:a14="http://schemas.microsoft.com/office/drawing/2010/main">
+        <mc:Choice Requires="a14">
           <p:sp>
             <p:nvSpPr>
               <p:cNvPr id="4" name="TextBox 3">
@@ -7981,7 +7981,7 @@
             </p:txBody>
           </p:sp>
         </mc:Choice>
-        <mc:Fallback>
+        <mc:Fallback xmlns="">
           <p:sp>
             <p:nvSpPr>
               <p:cNvPr id="4" name="TextBox 3">
@@ -8026,8 +8026,8 @@
           </p:sp>
         </mc:Fallback>
       </mc:AlternateContent>
-      <mc:AlternateContent xmlns:mc="http://schemas.openxmlformats.org/markup-compatibility/2006">
-        <mc:Choice xmlns:a14="http://schemas.microsoft.com/office/drawing/2010/main" Requires="a14">
+      <mc:AlternateContent xmlns:mc="http://schemas.openxmlformats.org/markup-compatibility/2006" xmlns:a14="http://schemas.microsoft.com/office/drawing/2010/main">
+        <mc:Choice Requires="a14">
           <p:sp>
             <p:nvSpPr>
               <p:cNvPr id="5" name="TextBox 4">
@@ -8203,7 +8203,7 @@
             </p:txBody>
           </p:sp>
         </mc:Choice>
-        <mc:Fallback>
+        <mc:Fallback xmlns="">
           <p:sp>
             <p:nvSpPr>
               <p:cNvPr id="5" name="TextBox 4">
@@ -8278,8 +8278,8 @@
           <a:chExt cx="0" cy="0"/>
         </a:xfrm>
       </p:grpSpPr>
-      <mc:AlternateContent xmlns:mc="http://schemas.openxmlformats.org/markup-compatibility/2006">
-        <mc:Choice xmlns:a14="http://schemas.microsoft.com/office/drawing/2010/main" Requires="a14">
+      <mc:AlternateContent xmlns:mc="http://schemas.openxmlformats.org/markup-compatibility/2006" xmlns:a14="http://schemas.microsoft.com/office/drawing/2010/main">
+        <mc:Choice Requires="a14">
           <p:sp>
             <p:nvSpPr>
               <p:cNvPr id="3" name="TextBox 2">
@@ -8489,7 +8489,7 @@
             </p:txBody>
           </p:sp>
         </mc:Choice>
-        <mc:Fallback>
+        <mc:Fallback xmlns="">
           <p:sp>
             <p:nvSpPr>
               <p:cNvPr id="3" name="TextBox 2">
@@ -8534,8 +8534,8 @@
           </p:sp>
         </mc:Fallback>
       </mc:AlternateContent>
-      <mc:AlternateContent xmlns:mc="http://schemas.openxmlformats.org/markup-compatibility/2006">
-        <mc:Choice xmlns:a14="http://schemas.microsoft.com/office/drawing/2010/main" Requires="a14">
+      <mc:AlternateContent xmlns:mc="http://schemas.openxmlformats.org/markup-compatibility/2006" xmlns:a14="http://schemas.microsoft.com/office/drawing/2010/main">
+        <mc:Choice Requires="a14">
           <p:sp>
             <p:nvSpPr>
               <p:cNvPr id="5" name="TextBox 4">
@@ -8685,7 +8685,7 @@
             </p:txBody>
           </p:sp>
         </mc:Choice>
-        <mc:Fallback>
+        <mc:Fallback xmlns="">
           <p:sp>
             <p:nvSpPr>
               <p:cNvPr id="5" name="TextBox 4">
@@ -8734,10 +8734,10 @@
         <mc:Choice xmlns:a14="http://schemas.microsoft.com/office/drawing/2010/main" Requires="a14">
           <p:sp>
             <p:nvSpPr>
-              <p:cNvPr id="7" name="TextBox 6">
+              <p:cNvPr id="9" name="TextBox 8">
                 <a:extLst>
                   <a:ext uri="{FF2B5EF4-FFF2-40B4-BE49-F238E27FC236}">
-                    <a16:creationId xmlns:a16="http://schemas.microsoft.com/office/drawing/2014/main" id="{2244A1F6-73F8-4CE6-89B6-16ED9C7356A2}"/>
+                    <a16:creationId xmlns:a16="http://schemas.microsoft.com/office/drawing/2014/main" id="{92BF5654-BC02-4356-95E6-3D655A1E0888}"/>
                   </a:ext>
                 </a:extLst>
               </p:cNvPr>
@@ -8746,8 +8746,8 @@
             </p:nvSpPr>
             <p:spPr>
               <a:xfrm>
-                <a:off x="1621299" y="2111551"/>
-                <a:ext cx="8949399" cy="1799852"/>
+                <a:off x="1621298" y="2610859"/>
+                <a:ext cx="8949399" cy="1636282"/>
               </a:xfrm>
               <a:prstGeom prst="rect">
                 <a:avLst/>
@@ -8770,42 +8770,42 @@
                       <m:f>
                         <m:fPr>
                           <m:ctrlPr>
-                            <a:rPr lang="en-US" sz="4400" i="1" smtClean="0">
+                            <a:rPr lang="en-US" sz="4000" i="1" smtClean="0">
                               <a:latin typeface="Cambria Math" panose="02040503050406030204" pitchFamily="18" charset="0"/>
                             </a:rPr>
                           </m:ctrlPr>
                         </m:fPr>
                         <m:num>
                           <m:r>
-                            <a:rPr lang="en-US" sz="4400" b="0" i="1" smtClean="0">
-                              <a:latin typeface="Cambria Math" panose="02040503050406030204" pitchFamily="18" charset="0"/>
-                            </a:rPr>
-                            <m:t>1</m:t>
+                            <a:rPr lang="en-US" sz="4000" i="1">
+                              <a:latin typeface="Cambria Math" panose="02040503050406030204" pitchFamily="18" charset="0"/>
+                            </a:rPr>
+                            <m:t>𝑛</m:t>
+                          </m:r>
+                          <m:r>
+                            <a:rPr lang="en-US" sz="4000" i="1">
+                              <a:latin typeface="Cambria Math" panose="02040503050406030204" pitchFamily="18" charset="0"/>
+                            </a:rPr>
+                            <m:t>−1</m:t>
                           </m:r>
                         </m:num>
                         <m:den>
                           <m:r>
-                            <a:rPr lang="en-US" sz="4400" b="0" i="1" smtClean="0">
+                            <a:rPr lang="en-US" sz="4000" i="1">
                               <a:latin typeface="Cambria Math" panose="02040503050406030204" pitchFamily="18" charset="0"/>
                             </a:rPr>
                             <m:t>𝑛</m:t>
-                          </m:r>
-                          <m:r>
-                            <a:rPr lang="en-US" sz="4400" b="0" i="1" smtClean="0">
-                              <a:latin typeface="Cambria Math" panose="02040503050406030204" pitchFamily="18" charset="0"/>
-                            </a:rPr>
-                            <m:t>−1</m:t>
                           </m:r>
                         </m:den>
                       </m:f>
                       <m:r>
-                        <a:rPr lang="en-US" sz="4400" b="0" i="1" smtClean="0">
+                        <a:rPr lang="en-US" sz="4000" b="0" i="1" smtClean="0">
                           <a:latin typeface="Cambria Math" panose="02040503050406030204" pitchFamily="18" charset="0"/>
                         </a:rPr>
                         <m:t> </m:t>
                       </m:r>
                       <m:r>
-                        <a:rPr lang="en-US" sz="4400" i="1" smtClean="0">
+                        <a:rPr lang="en-US" sz="4000" i="1" smtClean="0">
                           <a:latin typeface="Cambria Math" panose="02040503050406030204" pitchFamily="18" charset="0"/>
                         </a:rPr>
                         <m:t>𝐸</m:t>
@@ -8815,7 +8815,7 @@
                           <m:begChr m:val="["/>
                           <m:endChr m:val="]"/>
                           <m:ctrlPr>
-                            <a:rPr lang="en-US" sz="4400" i="1">
+                            <a:rPr lang="en-US" sz="4000" i="1">
                               <a:latin typeface="Cambria Math" panose="02040503050406030204" pitchFamily="18" charset="0"/>
                             </a:rPr>
                           </m:ctrlPr>
@@ -8827,7 +8827,7 @@
                               <m:subHide m:val="on"/>
                               <m:supHide m:val="on"/>
                               <m:ctrlPr>
-                                <a:rPr lang="en-US" sz="4400" i="1" smtClean="0">
+                                <a:rPr lang="en-US" sz="4000" i="1" smtClean="0">
                                   <a:latin typeface="Cambria Math" panose="02040503050406030204" pitchFamily="18" charset="0"/>
                                 </a:rPr>
                               </m:ctrlPr>
@@ -8835,54 +8835,26 @@
                             <m:sub/>
                             <m:sup/>
                             <m:e>
-                              <m:d>
-                                <m:dPr>
+                              <m:f>
+                                <m:fPr>
                                   <m:ctrlPr>
-                                    <a:rPr lang="en-US" sz="4400" i="1">
+                                    <a:rPr lang="en-US" sz="4000" i="1" smtClean="0">
                                       <a:latin typeface="Cambria Math" panose="02040503050406030204" pitchFamily="18" charset="0"/>
                                     </a:rPr>
                                   </m:ctrlPr>
-                                </m:dPr>
-                                <m:e>
-                                  <m:r>
-                                    <a:rPr lang="en-US" sz="4400" i="1">
-                                      <a:solidFill>
-                                        <a:srgbClr val="C00000"/>
-                                      </a:solidFill>
-                                      <a:latin typeface="Cambria Math" panose="02040503050406030204" pitchFamily="18" charset="0"/>
-                                    </a:rPr>
-                                    <m:t>𝑋</m:t>
-                                  </m:r>
-                                  <m:r>
-                                    <a:rPr lang="en-US" sz="4400" i="1" baseline="-25000">
-                                      <a:solidFill>
-                                        <a:srgbClr val="C00000"/>
-                                      </a:solidFill>
-                                      <a:latin typeface="Cambria Math" panose="02040503050406030204" pitchFamily="18" charset="0"/>
-                                    </a:rPr>
-                                    <m:t>𝑖</m:t>
-                                  </m:r>
-                                  <m:r>
-                                    <a:rPr lang="en-US" sz="4400" i="1">
-                                      <a:latin typeface="Cambria Math" panose="02040503050406030204" pitchFamily="18" charset="0"/>
-                                    </a:rPr>
-                                    <m:t>−</m:t>
-                                  </m:r>
-                                  <m:acc>
-                                    <m:accPr>
-                                      <m:chr m:val="̅"/>
+                                </m:fPr>
+                                <m:num>
+                                  <m:d>
+                                    <m:dPr>
                                       <m:ctrlPr>
-                                        <a:rPr lang="en-US" sz="4400" i="1">
-                                          <a:solidFill>
-                                            <a:srgbClr val="C00000"/>
-                                          </a:solidFill>
+                                        <a:rPr lang="en-US" sz="4000" i="1">
                                           <a:latin typeface="Cambria Math" panose="02040503050406030204" pitchFamily="18" charset="0"/>
                                         </a:rPr>
                                       </m:ctrlPr>
-                                    </m:accPr>
+                                    </m:dPr>
                                     <m:e>
                                       <m:r>
-                                        <a:rPr lang="en-US" sz="4400" i="1">
+                                        <a:rPr lang="en-US" sz="4000" i="1">
                                           <a:solidFill>
                                             <a:srgbClr val="C00000"/>
                                           </a:solidFill>
@@ -8890,22 +8862,75 @@
                                         </a:rPr>
                                         <m:t>𝑋</m:t>
                                       </m:r>
+                                      <m:r>
+                                        <a:rPr lang="en-US" sz="4000" i="1" baseline="-25000">
+                                          <a:solidFill>
+                                            <a:srgbClr val="C00000"/>
+                                          </a:solidFill>
+                                          <a:latin typeface="Cambria Math" panose="02040503050406030204" pitchFamily="18" charset="0"/>
+                                        </a:rPr>
+                                        <m:t>𝑖</m:t>
+                                      </m:r>
+                                      <m:r>
+                                        <a:rPr lang="en-US" sz="4000" i="1">
+                                          <a:latin typeface="Cambria Math" panose="02040503050406030204" pitchFamily="18" charset="0"/>
+                                        </a:rPr>
+                                        <m:t>−</m:t>
+                                      </m:r>
+                                      <m:acc>
+                                        <m:accPr>
+                                          <m:chr m:val="̅"/>
+                                          <m:ctrlPr>
+                                            <a:rPr lang="en-US" sz="4000" i="1">
+                                              <a:solidFill>
+                                                <a:srgbClr val="C00000"/>
+                                              </a:solidFill>
+                                              <a:latin typeface="Cambria Math" panose="02040503050406030204" pitchFamily="18" charset="0"/>
+                                            </a:rPr>
+                                          </m:ctrlPr>
+                                        </m:accPr>
+                                        <m:e>
+                                          <m:r>
+                                            <a:rPr lang="en-US" sz="4000" i="1">
+                                              <a:solidFill>
+                                                <a:srgbClr val="C00000"/>
+                                              </a:solidFill>
+                                              <a:latin typeface="Cambria Math" panose="02040503050406030204" pitchFamily="18" charset="0"/>
+                                            </a:rPr>
+                                            <m:t>𝑋</m:t>
+                                          </m:r>
+                                        </m:e>
+                                      </m:acc>
                                     </m:e>
-                                  </m:acc>
-                                </m:e>
-                              </m:d>
-                              <m:r>
-                                <a:rPr lang="en-US" sz="4400" i="1" baseline="30000">
-                                  <a:latin typeface="Cambria Math" panose="02040503050406030204" pitchFamily="18" charset="0"/>
-                                </a:rPr>
-                                <m:t>2</m:t>
-                              </m:r>
+                                  </m:d>
+                                  <m:r>
+                                    <a:rPr lang="en-US" sz="4000" i="1" baseline="30000">
+                                      <a:latin typeface="Cambria Math" panose="02040503050406030204" pitchFamily="18" charset="0"/>
+                                    </a:rPr>
+                                    <m:t>2</m:t>
+                                  </m:r>
+                                </m:num>
+                                <m:den>
+                                  <m:r>
+                                    <a:rPr lang="en-US" sz="4000" b="0" i="1" smtClean="0">
+                                      <a:latin typeface="Cambria Math" panose="02040503050406030204" pitchFamily="18" charset="0"/>
+                                    </a:rPr>
+                                    <m:t>𝑛</m:t>
+                                  </m:r>
+                                  <m:r>
+                                    <a:rPr lang="en-US" sz="4000" b="0" i="1" smtClean="0">
+                                      <a:latin typeface="Cambria Math" panose="02040503050406030204" pitchFamily="18" charset="0"/>
+                                    </a:rPr>
+                                    <m:t>−1</m:t>
+                                  </m:r>
+                                </m:den>
+                              </m:f>
                             </m:e>
                           </m:nary>
                         </m:e>
                       </m:d>
                       <m:r>
-                        <a:rPr lang="en-US" sz="4400" b="0" i="1" smtClean="0">
+                        <a:rPr lang="en-US" sz="4000" b="0" i="1" smtClean="0">
                           <a:solidFill>
                             <a:schemeClr val="tx1"/>
                           </a:solidFill>
@@ -8913,14 +8938,66 @@
                         </a:rPr>
                         <m:t>=</m:t>
                       </m:r>
-                      <m:r>
-                        <a:rPr lang="en-US" sz="4400" i="1">
+                      <m:f>
+                        <m:fPr>
+                          <m:ctrlPr>
+                            <a:rPr lang="en-US" sz="4000" b="0" i="1" smtClean="0">
+                              <a:solidFill>
+                                <a:schemeClr val="tx1"/>
+                              </a:solidFill>
+                              <a:latin typeface="Cambria Math" panose="02040503050406030204" pitchFamily="18" charset="0"/>
+                            </a:rPr>
+                          </m:ctrlPr>
+                        </m:fPr>
+                        <m:num>
+                          <m:r>
+                            <a:rPr lang="en-US" sz="4000" b="0" i="1" smtClean="0">
+                              <a:solidFill>
+                                <a:schemeClr val="tx1"/>
+                              </a:solidFill>
+                              <a:latin typeface="Cambria Math" panose="02040503050406030204" pitchFamily="18" charset="0"/>
+                            </a:rPr>
+                            <m:t>𝑛</m:t>
+                          </m:r>
+                          <m:r>
+                            <a:rPr lang="en-US" sz="4000" b="0" i="1" smtClean="0">
+                              <a:solidFill>
+                                <a:schemeClr val="tx1"/>
+                              </a:solidFill>
+                              <a:latin typeface="Cambria Math" panose="02040503050406030204" pitchFamily="18" charset="0"/>
+                            </a:rPr>
+                            <m:t>−1</m:t>
+                          </m:r>
+                        </m:num>
+                        <m:den>
+                          <m:r>
+                            <a:rPr lang="en-US" sz="4000" b="0" i="1" smtClean="0">
+                              <a:solidFill>
+                                <a:schemeClr val="tx1"/>
+                              </a:solidFill>
+                              <a:latin typeface="Cambria Math" panose="02040503050406030204" pitchFamily="18" charset="0"/>
+                            </a:rPr>
+                            <m:t>𝑛</m:t>
+                          </m:r>
+                        </m:den>
+                      </m:f>
+                      <m:r>
+                        <a:rPr lang="en-US" sz="4000" b="0" i="1" smtClean="0">
+                          <a:solidFill>
+                            <a:schemeClr val="tx1"/>
+                          </a:solidFill>
+                          <a:latin typeface="Cambria Math" panose="02040503050406030204" pitchFamily="18" charset="0"/>
+                        </a:rPr>
+                        <m:t> </m:t>
+                      </m:r>
+                      <m:r>
+                        <a:rPr lang="en-US" sz="4000" i="1">
                           <a:latin typeface="Cambria Math" panose="02040503050406030204" pitchFamily="18" charset="0"/>
                         </a:rPr>
                         <m:t>𝜎</m:t>
                       </m:r>
                       <m:r>
-                        <a:rPr lang="en-US" sz="4400" i="1" baseline="30000">
+                        <a:rPr lang="en-US" sz="4000" i="1" baseline="30000">
                           <a:latin typeface="Cambria Math" panose="02040503050406030204" pitchFamily="18" charset="0"/>
                         </a:rPr>
                         <m:t>2</m:t>
@@ -8928,7 +9005,7 @@
                     </m:oMath>
                   </m:oMathPara>
                 </a14:m>
-                <a:endParaRPr lang="en-US" sz="4400" b="0">
+                <a:endParaRPr lang="en-US" sz="4000" b="0">
                   <a:solidFill>
                     <a:srgbClr val="7030A0"/>
                   </a:solidFill>
@@ -8940,10 +9017,10 @@
         <mc:Fallback>
           <p:sp>
             <p:nvSpPr>
-              <p:cNvPr id="7" name="TextBox 6">
+              <p:cNvPr id="9" name="TextBox 8">
                 <a:extLst>
                   <a:ext uri="{FF2B5EF4-FFF2-40B4-BE49-F238E27FC236}">
-                    <a16:creationId xmlns:a16="http://schemas.microsoft.com/office/drawing/2014/main" id="{2244A1F6-73F8-4CE6-89B6-16ED9C7356A2}"/>
+                    <a16:creationId xmlns:a16="http://schemas.microsoft.com/office/drawing/2014/main" id="{92BF5654-BC02-4356-95E6-3D655A1E0888}"/>
                   </a:ext>
                 </a:extLst>
               </p:cNvPr>
@@ -8954,8 +9031,8 @@
             </p:nvSpPr>
             <p:spPr>
               <a:xfrm>
-                <a:off x="1621299" y="2111551"/>
-                <a:ext cx="8949399" cy="1799852"/>
+                <a:off x="1621298" y="2610859"/>
+                <a:ext cx="8949399" cy="1636282"/>
               </a:xfrm>
               <a:prstGeom prst="rect">
                 <a:avLst/>
@@ -8986,10 +9063,10 @@
         <mc:Choice xmlns:a14="http://schemas.microsoft.com/office/drawing/2010/main" Requires="a14">
           <p:sp>
             <p:nvSpPr>
-              <p:cNvPr id="9" name="TextBox 8">
+              <p:cNvPr id="6" name="TextBox 5">
                 <a:extLst>
                   <a:ext uri="{FF2B5EF4-FFF2-40B4-BE49-F238E27FC236}">
-                    <a16:creationId xmlns:a16="http://schemas.microsoft.com/office/drawing/2014/main" id="{92BF5654-BC02-4356-95E6-3D655A1E0888}"/>
+                    <a16:creationId xmlns:a16="http://schemas.microsoft.com/office/drawing/2014/main" id="{6B76353D-4B74-445F-98C7-4073FE5C9EE4}"/>
                   </a:ext>
                 </a:extLst>
               </p:cNvPr>
@@ -8998,8 +9075,8 @@
             </p:nvSpPr>
             <p:spPr>
               <a:xfrm>
-                <a:off x="1621299" y="4116663"/>
-                <a:ext cx="8949399" cy="1799852"/>
+                <a:off x="1621299" y="4643932"/>
+                <a:ext cx="8949399" cy="1636282"/>
               </a:xfrm>
               <a:prstGeom prst="rect">
                 <a:avLst/>
@@ -9020,7 +9097,7 @@
                     </m:oMathParaPr>
                     <m:oMath xmlns:m="http://schemas.openxmlformats.org/officeDocument/2006/math">
                       <m:r>
-                        <a:rPr lang="en-US" sz="4400" i="1" smtClean="0">
+                        <a:rPr lang="en-US" sz="4000" i="1" smtClean="0">
                           <a:latin typeface="Cambria Math" panose="02040503050406030204" pitchFamily="18" charset="0"/>
                         </a:rPr>
                         <m:t>𝐸</m:t>
@@ -9030,7 +9107,7 @@
                           <m:begChr m:val="["/>
                           <m:endChr m:val="]"/>
                           <m:ctrlPr>
-                            <a:rPr lang="en-US" sz="4400" i="1">
+                            <a:rPr lang="en-US" sz="4000" i="1">
                               <a:latin typeface="Cambria Math" panose="02040503050406030204" pitchFamily="18" charset="0"/>
                             </a:rPr>
                           </m:ctrlPr>
@@ -9042,7 +9119,7 @@
                               <m:subHide m:val="on"/>
                               <m:supHide m:val="on"/>
                               <m:ctrlPr>
-                                <a:rPr lang="en-US" sz="4400" i="1" smtClean="0">
+                                <a:rPr lang="en-US" sz="4000" i="1" smtClean="0">
                                   <a:latin typeface="Cambria Math" panose="02040503050406030204" pitchFamily="18" charset="0"/>
                                 </a:rPr>
                               </m:ctrlPr>
@@ -9053,7 +9130,7 @@
                               <m:f>
                                 <m:fPr>
                                   <m:ctrlPr>
-                                    <a:rPr lang="en-US" sz="4400" i="1" smtClean="0">
+                                    <a:rPr lang="en-US" sz="4000" i="1" smtClean="0">
                                       <a:latin typeface="Cambria Math" panose="02040503050406030204" pitchFamily="18" charset="0"/>
                                     </a:rPr>
                                   </m:ctrlPr>
@@ -9062,14 +9139,14 @@
                                   <m:d>
                                     <m:dPr>
                                       <m:ctrlPr>
-                                        <a:rPr lang="en-US" sz="4400" i="1">
+                                        <a:rPr lang="en-US" sz="4000" i="1">
                                           <a:latin typeface="Cambria Math" panose="02040503050406030204" pitchFamily="18" charset="0"/>
                                         </a:rPr>
                                       </m:ctrlPr>
                                     </m:dPr>
                                     <m:e>
                                       <m:r>
-                                        <a:rPr lang="en-US" sz="4400" i="1">
+                                        <a:rPr lang="en-US" sz="4000" i="1">
                                           <a:solidFill>
                                             <a:srgbClr val="C00000"/>
                                           </a:solidFill>
@@ -9078,7 +9155,7 @@
                                         <m:t>𝑋</m:t>
                                       </m:r>
                                       <m:r>
-                                        <a:rPr lang="en-US" sz="4400" i="1" baseline="-25000">
+                                        <a:rPr lang="en-US" sz="4000" i="1" baseline="-25000">
                                           <a:solidFill>
                                             <a:srgbClr val="C00000"/>
                                           </a:solidFill>
@@ -9087,7 +9164,7 @@
                                         <m:t>𝑖</m:t>
                                       </m:r>
                                       <m:r>
-                                        <a:rPr lang="en-US" sz="4400" i="1">
+                                        <a:rPr lang="en-US" sz="4000" i="1">
                                           <a:latin typeface="Cambria Math" panose="02040503050406030204" pitchFamily="18" charset="0"/>
                                         </a:rPr>
                                         <m:t>−</m:t>
@@ -9096,7 +9173,7 @@
                                         <m:accPr>
                                           <m:chr m:val="̅"/>
                                           <m:ctrlPr>
-                                            <a:rPr lang="en-US" sz="4400" i="1">
+                                            <a:rPr lang="en-US" sz="4000" i="1">
                                               <a:solidFill>
                                                 <a:srgbClr val="C00000"/>
                                               </a:solidFill>
@@ -9106,7 +9183,7 @@
                                         </m:accPr>
                                         <m:e>
                                           <m:r>
-                                            <a:rPr lang="en-US" sz="4400" i="1">
+                                            <a:rPr lang="en-US" sz="4000" i="1">
                                               <a:solidFill>
                                                 <a:srgbClr val="C00000"/>
                                               </a:solidFill>
@@ -9119,7 +9196,7 @@
                                     </m:e>
                                   </m:d>
                                   <m:r>
-                                    <a:rPr lang="en-US" sz="4400" i="1" baseline="30000">
+                                    <a:rPr lang="en-US" sz="4000" i="1" baseline="30000">
                                       <a:latin typeface="Cambria Math" panose="02040503050406030204" pitchFamily="18" charset="0"/>
                                     </a:rPr>
                                     <m:t>2</m:t>
@@ -9127,16 +9204,10 @@
                                 </m:num>
                                 <m:den>
                                   <m:r>
-                                    <a:rPr lang="en-US" sz="4400" b="0" i="1" smtClean="0">
+                                    <a:rPr lang="en-US" sz="4000" b="0" i="1" smtClean="0">
                                       <a:latin typeface="Cambria Math" panose="02040503050406030204" pitchFamily="18" charset="0"/>
                                     </a:rPr>
                                     <m:t>𝑛</m:t>
-                                  </m:r>
-                                  <m:r>
-                                    <a:rPr lang="en-US" sz="4400" b="0" i="1" smtClean="0">
-                                      <a:latin typeface="Cambria Math" panose="02040503050406030204" pitchFamily="18" charset="0"/>
-                                    </a:rPr>
-                                    <m:t>−1</m:t>
                                   </m:r>
                                 </m:den>
                               </m:f>
@@ -9145,7 +9216,43 @@
                         </m:e>
                       </m:d>
                       <m:r>
-                        <a:rPr lang="en-US" sz="4400" b="0" i="1" smtClean="0">
+                        <a:rPr lang="en-US" sz="4000" b="0" i="1" smtClean="0">
+                          <a:latin typeface="Cambria Math" panose="02040503050406030204" pitchFamily="18" charset="0"/>
+                        </a:rPr>
+                        <m:t>=</m:t>
+                      </m:r>
+                      <m:r>
+                        <a:rPr lang="en-US" sz="4000" b="0" i="1" smtClean="0">
+                          <a:latin typeface="Cambria Math" panose="02040503050406030204" pitchFamily="18" charset="0"/>
+                        </a:rPr>
+                        <m:t>𝐸</m:t>
+                      </m:r>
+                      <m:r>
+                        <a:rPr lang="en-US" sz="4000" b="0" i="1" smtClean="0">
+                          <a:latin typeface="Cambria Math" panose="02040503050406030204" pitchFamily="18" charset="0"/>
+                        </a:rPr>
+                        <m:t>[</m:t>
+                      </m:r>
+                      <m:r>
+                        <a:rPr lang="en-US" sz="4000" b="0" i="1" smtClean="0">
+                          <a:latin typeface="Cambria Math" panose="02040503050406030204" pitchFamily="18" charset="0"/>
+                        </a:rPr>
+                        <m:t>𝑠</m:t>
+                      </m:r>
+                      <m:r>
+                        <a:rPr lang="en-US" sz="4000" b="0" i="1" baseline="30000" smtClean="0">
+                          <a:latin typeface="Cambria Math" panose="02040503050406030204" pitchFamily="18" charset="0"/>
+                        </a:rPr>
+                        <m:t>2</m:t>
+                      </m:r>
+                      <m:r>
+                        <a:rPr lang="en-US" sz="4000" b="0" i="1" smtClean="0">
+                          <a:latin typeface="Cambria Math" panose="02040503050406030204" pitchFamily="18" charset="0"/>
+                        </a:rPr>
+                        <m:t>]</m:t>
+                      </m:r>
+                      <m:r>
+                        <a:rPr lang="en-US" sz="4000" b="0" i="1" smtClean="0">
                           <a:solidFill>
                             <a:schemeClr val="tx1"/>
                           </a:solidFill>
@@ -9153,14 +9260,45 @@
                         </a:rPr>
                         <m:t>=</m:t>
                       </m:r>
-                      <m:r>
-                        <a:rPr lang="en-US" sz="4400" i="1">
+                      <m:f>
+                        <m:fPr>
+                          <m:ctrlPr>
+                            <a:rPr lang="en-US" sz="4000" i="1">
+                              <a:latin typeface="Cambria Math" panose="02040503050406030204" pitchFamily="18" charset="0"/>
+                            </a:rPr>
+                          </m:ctrlPr>
+                        </m:fPr>
+                        <m:num>
+                          <m:r>
+                            <a:rPr lang="en-US" sz="4000" i="1">
+                              <a:latin typeface="Cambria Math" panose="02040503050406030204" pitchFamily="18" charset="0"/>
+                            </a:rPr>
+                            <m:t>𝑛</m:t>
+                          </m:r>
+                          <m:r>
+                            <a:rPr lang="en-US" sz="4000" i="1">
+                              <a:latin typeface="Cambria Math" panose="02040503050406030204" pitchFamily="18" charset="0"/>
+                            </a:rPr>
+                            <m:t>−1</m:t>
+                          </m:r>
+                        </m:num>
+                        <m:den>
+                          <m:r>
+                            <a:rPr lang="en-US" sz="4000" i="1">
+                              <a:latin typeface="Cambria Math" panose="02040503050406030204" pitchFamily="18" charset="0"/>
+                            </a:rPr>
+                            <m:t>𝑛</m:t>
+                          </m:r>
+                        </m:den>
+                      </m:f>
+                      <m:r>
+                        <a:rPr lang="en-US" sz="4000" i="1">
                           <a:latin typeface="Cambria Math" panose="02040503050406030204" pitchFamily="18" charset="0"/>
                         </a:rPr>
                         <m:t>𝜎</m:t>
                       </m:r>
                       <m:r>
-                        <a:rPr lang="en-US" sz="4400" i="1" baseline="30000">
+                        <a:rPr lang="en-US" sz="4000" i="1" baseline="30000">
                           <a:latin typeface="Cambria Math" panose="02040503050406030204" pitchFamily="18" charset="0"/>
                         </a:rPr>
                         <m:t>2</m:t>
@@ -9168,7 +9306,7 @@
                     </m:oMath>
                   </m:oMathPara>
                 </a14:m>
-                <a:endParaRPr lang="en-US" sz="4400" b="0">
+                <a:endParaRPr lang="en-US" sz="4000" b="0">
                   <a:solidFill>
                     <a:srgbClr val="7030A0"/>
                   </a:solidFill>
@@ -9180,10 +9318,10 @@
         <mc:Fallback>
           <p:sp>
             <p:nvSpPr>
-              <p:cNvPr id="9" name="TextBox 8">
+              <p:cNvPr id="6" name="TextBox 5">
                 <a:extLst>
                   <a:ext uri="{FF2B5EF4-FFF2-40B4-BE49-F238E27FC236}">
-                    <a16:creationId xmlns:a16="http://schemas.microsoft.com/office/drawing/2014/main" id="{92BF5654-BC02-4356-95E6-3D655A1E0888}"/>
+                    <a16:creationId xmlns:a16="http://schemas.microsoft.com/office/drawing/2014/main" id="{6B76353D-4B74-445F-98C7-4073FE5C9EE4}"/>
                   </a:ext>
                 </a:extLst>
               </p:cNvPr>
@@ -9194,8 +9332,8 @@
             </p:nvSpPr>
             <p:spPr>
               <a:xfrm>
-                <a:off x="1621299" y="4116663"/>
-                <a:ext cx="8949399" cy="1799852"/>
+                <a:off x="1621299" y="4643932"/>
+                <a:ext cx="8949399" cy="1636282"/>
               </a:xfrm>
               <a:prstGeom prst="rect">
                 <a:avLst/>
@@ -13036,8 +13174,8 @@
           <a:chExt cx="0" cy="0"/>
         </a:xfrm>
       </p:grpSpPr>
-      <mc:AlternateContent xmlns:mc="http://schemas.openxmlformats.org/markup-compatibility/2006">
-        <mc:Choice xmlns:a14="http://schemas.microsoft.com/office/drawing/2010/main" Requires="a14">
+      <mc:AlternateContent xmlns:mc="http://schemas.openxmlformats.org/markup-compatibility/2006" xmlns:a14="http://schemas.microsoft.com/office/drawing/2010/main">
+        <mc:Choice Requires="a14">
           <p:sp>
             <p:nvSpPr>
               <p:cNvPr id="2" name="TextBox 1">
@@ -13182,7 +13320,7 @@
             </p:txBody>
           </p:sp>
         </mc:Choice>
-        <mc:Fallback>
+        <mc:Fallback xmlns="">
           <p:sp>
             <p:nvSpPr>
               <p:cNvPr id="2" name="TextBox 1">
@@ -13227,8 +13365,8 @@
           </p:sp>
         </mc:Fallback>
       </mc:AlternateContent>
-      <mc:AlternateContent xmlns:mc="http://schemas.openxmlformats.org/markup-compatibility/2006">
-        <mc:Choice xmlns:a14="http://schemas.microsoft.com/office/drawing/2010/main" Requires="a14">
+      <mc:AlternateContent xmlns:mc="http://schemas.openxmlformats.org/markup-compatibility/2006" xmlns:a14="http://schemas.microsoft.com/office/drawing/2010/main">
+        <mc:Choice Requires="a14">
           <p:sp>
             <p:nvSpPr>
               <p:cNvPr id="3" name="TextBox 2">
@@ -13400,7 +13538,7 @@
             </p:txBody>
           </p:sp>
         </mc:Choice>
-        <mc:Fallback>
+        <mc:Fallback xmlns="">
           <p:sp>
             <p:nvSpPr>
               <p:cNvPr id="3" name="TextBox 2">
@@ -13445,8 +13583,8 @@
           </p:sp>
         </mc:Fallback>
       </mc:AlternateContent>
-      <mc:AlternateContent xmlns:mc="http://schemas.openxmlformats.org/markup-compatibility/2006">
-        <mc:Choice xmlns:a14="http://schemas.microsoft.com/office/drawing/2010/main" Requires="a14">
+      <mc:AlternateContent xmlns:mc="http://schemas.openxmlformats.org/markup-compatibility/2006" xmlns:a14="http://schemas.microsoft.com/office/drawing/2010/main">
+        <mc:Choice Requires="a14">
           <p:sp>
             <p:nvSpPr>
               <p:cNvPr id="5" name="TextBox 4">
@@ -13597,7 +13735,7 @@
             </p:txBody>
           </p:sp>
         </mc:Choice>
-        <mc:Fallback>
+        <mc:Fallback xmlns="">
           <p:sp>
             <p:nvSpPr>
               <p:cNvPr id="5" name="TextBox 4">
@@ -13642,8 +13780,8 @@
           </p:sp>
         </mc:Fallback>
       </mc:AlternateContent>
-      <mc:AlternateContent xmlns:mc="http://schemas.openxmlformats.org/markup-compatibility/2006">
-        <mc:Choice xmlns:a14="http://schemas.microsoft.com/office/drawing/2010/main" Requires="a14">
+      <mc:AlternateContent xmlns:mc="http://schemas.openxmlformats.org/markup-compatibility/2006" xmlns:a14="http://schemas.microsoft.com/office/drawing/2010/main">
+        <mc:Choice Requires="a14">
           <p:sp>
             <p:nvSpPr>
               <p:cNvPr id="6" name="TextBox 5">
@@ -13933,7 +14071,7 @@
             </p:txBody>
           </p:sp>
         </mc:Choice>
-        <mc:Fallback>
+        <mc:Fallback xmlns="">
           <p:sp>
             <p:nvSpPr>
               <p:cNvPr id="6" name="TextBox 5">
@@ -13978,8 +14116,8 @@
           </p:sp>
         </mc:Fallback>
       </mc:AlternateContent>
-      <mc:AlternateContent xmlns:mc="http://schemas.openxmlformats.org/markup-compatibility/2006">
-        <mc:Choice xmlns:a14="http://schemas.microsoft.com/office/drawing/2010/main" Requires="a14">
+      <mc:AlternateContent xmlns:mc="http://schemas.openxmlformats.org/markup-compatibility/2006" xmlns:a14="http://schemas.microsoft.com/office/drawing/2010/main">
+        <mc:Choice Requires="a14">
           <p:sp>
             <p:nvSpPr>
               <p:cNvPr id="7" name="TextBox 6">
@@ -14189,7 +14327,7 @@
             </p:txBody>
           </p:sp>
         </mc:Choice>
-        <mc:Fallback>
+        <mc:Fallback xmlns="">
           <p:sp>
             <p:nvSpPr>
               <p:cNvPr id="7" name="TextBox 6">
@@ -14234,8 +14372,8 @@
           </p:sp>
         </mc:Fallback>
       </mc:AlternateContent>
-      <mc:AlternateContent xmlns:mc="http://schemas.openxmlformats.org/markup-compatibility/2006">
-        <mc:Choice xmlns:a14="http://schemas.microsoft.com/office/drawing/2010/main" Requires="a14">
+      <mc:AlternateContent xmlns:mc="http://schemas.openxmlformats.org/markup-compatibility/2006" xmlns:a14="http://schemas.microsoft.com/office/drawing/2010/main">
+        <mc:Choice Requires="a14">
           <p:sp>
             <p:nvSpPr>
               <p:cNvPr id="8" name="TextBox 7">
@@ -14383,7 +14521,7 @@
             </p:txBody>
           </p:sp>
         </mc:Choice>
-        <mc:Fallback>
+        <mc:Fallback xmlns="">
           <p:sp>
             <p:nvSpPr>
               <p:cNvPr id="8" name="TextBox 7">
